--- a/note.pptx
+++ b/note.pptx
@@ -5,20 +5,19 @@
     <p:sldMasterId id="2147483648" r:id="rId1"/>
   </p:sldMasterIdLst>
   <p:notesMasterIdLst>
-    <p:notesMasterId r:id="rId13"/>
+    <p:notesMasterId r:id="rId12"/>
   </p:notesMasterIdLst>
   <p:sldIdLst>
     <p:sldId id="6936" r:id="rId2"/>
     <p:sldId id="6941" r:id="rId3"/>
     <p:sldId id="6942" r:id="rId4"/>
     <p:sldId id="6943" r:id="rId5"/>
-    <p:sldId id="6940" r:id="rId6"/>
-    <p:sldId id="6939" r:id="rId7"/>
-    <p:sldId id="6938" r:id="rId8"/>
-    <p:sldId id="6937" r:id="rId9"/>
-    <p:sldId id="6935" r:id="rId10"/>
-    <p:sldId id="6934" r:id="rId11"/>
-    <p:sldId id="264" r:id="rId12"/>
+    <p:sldId id="6939" r:id="rId6"/>
+    <p:sldId id="6938" r:id="rId7"/>
+    <p:sldId id="6937" r:id="rId8"/>
+    <p:sldId id="6935" r:id="rId9"/>
+    <p:sldId id="6934" r:id="rId10"/>
+    <p:sldId id="264" r:id="rId11"/>
   </p:sldIdLst>
   <p:sldSz cx="12192000" cy="6858000"/>
   <p:notesSz cx="6858000" cy="9144000"/>
@@ -128,7 +127,7 @@
 <file path=ppt/revisionInfo.xml><?xml version="1.0" encoding="utf-8"?>
 <p1510:revInfo xmlns:a="http://schemas.openxmlformats.org/drawingml/2006/main" xmlns:r="http://schemas.openxmlformats.org/officeDocument/2006/relationships" xmlns:p1510="http://schemas.microsoft.com/office/powerpoint/2015/10/main">
   <p1510:revLst>
-    <p1510:client id="{AB0BFEC8-14E9-4C61-B10E-456F41DF402E}" v="22" dt="2024-02-22T14:07:40.483"/>
+    <p1510:client id="{AB0BFEC8-14E9-4C61-B10E-456F41DF402E}" v="26" dt="2024-02-29T13:17:45.040"/>
   </p1510:revLst>
 </p1510:revInfo>
 </file>
@@ -669,8 +668,8 @@
   </pc:docChgLst>
   <pc:docChgLst>
     <pc:chgData name="Billy Lin" userId="05f35405-298c-473c-91f2-352ef9a130c9" providerId="ADAL" clId="{AB0BFEC8-14E9-4C61-B10E-456F41DF402E}"/>
-    <pc:docChg chg="undo custSel addSld modSld sldOrd">
-      <pc:chgData name="Billy Lin" userId="05f35405-298c-473c-91f2-352ef9a130c9" providerId="ADAL" clId="{AB0BFEC8-14E9-4C61-B10E-456F41DF402E}" dt="2024-02-22T14:07:40.481" v="253"/>
+    <pc:docChg chg="undo custSel addSld delSld modSld sldOrd">
+      <pc:chgData name="Billy Lin" userId="05f35405-298c-473c-91f2-352ef9a130c9" providerId="ADAL" clId="{AB0BFEC8-14E9-4C61-B10E-456F41DF402E}" dt="2024-02-29T14:09:43.132" v="319" actId="47"/>
       <pc:docMkLst>
         <pc:docMk/>
       </pc:docMkLst>
@@ -721,8 +720,8 @@
           </ac:picMkLst>
         </pc:picChg>
       </pc:sldChg>
-      <pc:sldChg chg="addSp modSp add mod">
-        <pc:chgData name="Billy Lin" userId="05f35405-298c-473c-91f2-352ef9a130c9" providerId="ADAL" clId="{AB0BFEC8-14E9-4C61-B10E-456F41DF402E}" dt="2024-02-22T13:52:23.185" v="232" actId="14100"/>
+      <pc:sldChg chg="addSp delSp modSp add mod">
+        <pc:chgData name="Billy Lin" userId="05f35405-298c-473c-91f2-352ef9a130c9" providerId="ADAL" clId="{AB0BFEC8-14E9-4C61-B10E-456F41DF402E}" dt="2024-02-29T13:02:20.524" v="256" actId="1076"/>
         <pc:sldMkLst>
           <pc:docMk/>
           <pc:sldMk cId="3022158455" sldId="6938"/>
@@ -735,6 +734,14 @@
             <ac:spMk id="2" creationId="{E6E7246E-6DDB-2F98-52B0-04AB5D144996}"/>
           </ac:spMkLst>
         </pc:spChg>
+        <pc:spChg chg="del">
+          <ac:chgData name="Billy Lin" userId="05f35405-298c-473c-91f2-352ef9a130c9" providerId="ADAL" clId="{AB0BFEC8-14E9-4C61-B10E-456F41DF402E}" dt="2024-02-29T13:02:05.975" v="255" actId="478"/>
+          <ac:spMkLst>
+            <pc:docMk/>
+            <pc:sldMk cId="3022158455" sldId="6938"/>
+            <ac:spMk id="3" creationId="{F0AB9DF1-764A-2056-5BC1-70D34F516704}"/>
+          </ac:spMkLst>
+        </pc:spChg>
         <pc:spChg chg="add mod">
           <ac:chgData name="Billy Lin" userId="05f35405-298c-473c-91f2-352ef9a130c9" providerId="ADAL" clId="{AB0BFEC8-14E9-4C61-B10E-456F41DF402E}" dt="2024-02-22T13:52:23.185" v="232" actId="14100"/>
           <ac:spMkLst>
@@ -768,7 +775,7 @@
           </ac:spMkLst>
         </pc:spChg>
         <pc:picChg chg="add mod">
-          <ac:chgData name="Billy Lin" userId="05f35405-298c-473c-91f2-352ef9a130c9" providerId="ADAL" clId="{AB0BFEC8-14E9-4C61-B10E-456F41DF402E}" dt="2024-02-22T13:25:18.982" v="231" actId="1076"/>
+          <ac:chgData name="Billy Lin" userId="05f35405-298c-473c-91f2-352ef9a130c9" providerId="ADAL" clId="{AB0BFEC8-14E9-4C61-B10E-456F41DF402E}" dt="2024-02-29T13:02:20.524" v="256" actId="1076"/>
           <ac:picMkLst>
             <pc:docMk/>
             <pc:sldMk cId="3022158455" sldId="6938"/>
@@ -816,8 +823,8 @@
           </ac:cxnSpMkLst>
         </pc:cxnChg>
       </pc:sldChg>
-      <pc:sldChg chg="addSp modSp add mod">
-        <pc:chgData name="Billy Lin" userId="05f35405-298c-473c-91f2-352ef9a130c9" providerId="ADAL" clId="{AB0BFEC8-14E9-4C61-B10E-456F41DF402E}" dt="2024-02-22T13:22:06.870" v="227" actId="1076"/>
+      <pc:sldChg chg="addSp delSp modSp add mod">
+        <pc:chgData name="Billy Lin" userId="05f35405-298c-473c-91f2-352ef9a130c9" providerId="ADAL" clId="{AB0BFEC8-14E9-4C61-B10E-456F41DF402E}" dt="2024-02-29T13:17:57.098" v="318" actId="14100"/>
         <pc:sldMkLst>
           <pc:docMk/>
           <pc:sldMk cId="3981342987" sldId="6939"/>
@@ -830,6 +837,14 @@
             <ac:spMk id="2" creationId="{E6E7246E-6DDB-2F98-52B0-04AB5D144996}"/>
           </ac:spMkLst>
         </pc:spChg>
+        <pc:spChg chg="del">
+          <ac:chgData name="Billy Lin" userId="05f35405-298c-473c-91f2-352ef9a130c9" providerId="ADAL" clId="{AB0BFEC8-14E9-4C61-B10E-456F41DF402E}" dt="2024-02-29T13:01:53.392" v="254" actId="478"/>
+          <ac:spMkLst>
+            <pc:docMk/>
+            <pc:sldMk cId="3981342987" sldId="6939"/>
+            <ac:spMk id="3" creationId="{F0AB9DF1-764A-2056-5BC1-70D34F516704}"/>
+          </ac:spMkLst>
+        </pc:spChg>
         <pc:spChg chg="add mod">
           <ac:chgData name="Billy Lin" userId="05f35405-298c-473c-91f2-352ef9a130c9" providerId="ADAL" clId="{AB0BFEC8-14E9-4C61-B10E-456F41DF402E}" dt="2024-02-22T13:15:57.932" v="174" actId="20577"/>
           <ac:spMkLst>
@@ -839,7 +854,7 @@
           </ac:spMkLst>
         </pc:spChg>
         <pc:spChg chg="add mod">
-          <ac:chgData name="Billy Lin" userId="05f35405-298c-473c-91f2-352ef9a130c9" providerId="ADAL" clId="{AB0BFEC8-14E9-4C61-B10E-456F41DF402E}" dt="2024-02-22T13:17:22.775" v="185" actId="14100"/>
+          <ac:chgData name="Billy Lin" userId="05f35405-298c-473c-91f2-352ef9a130c9" providerId="ADAL" clId="{AB0BFEC8-14E9-4C61-B10E-456F41DF402E}" dt="2024-02-29T13:17:24.302" v="279" actId="1076"/>
           <ac:spMkLst>
             <pc:docMk/>
             <pc:sldMk cId="3981342987" sldId="6939"/>
@@ -863,6 +878,22 @@
           </ac:spMkLst>
         </pc:spChg>
         <pc:spChg chg="add mod">
+          <ac:chgData name="Billy Lin" userId="05f35405-298c-473c-91f2-352ef9a130c9" providerId="ADAL" clId="{AB0BFEC8-14E9-4C61-B10E-456F41DF402E}" dt="2024-02-29T13:17:10.237" v="268" actId="1076"/>
+          <ac:spMkLst>
+            <pc:docMk/>
+            <pc:sldMk cId="3981342987" sldId="6939"/>
+            <ac:spMk id="10" creationId="{1EDD9412-7D1E-387D-C5EB-3AB16BD8EDCF}"/>
+          </ac:spMkLst>
+        </pc:spChg>
+        <pc:spChg chg="add mod">
+          <ac:chgData name="Billy Lin" userId="05f35405-298c-473c-91f2-352ef9a130c9" providerId="ADAL" clId="{AB0BFEC8-14E9-4C61-B10E-456F41DF402E}" dt="2024-02-29T13:17:16.646" v="277" actId="1076"/>
+          <ac:spMkLst>
+            <pc:docMk/>
+            <pc:sldMk cId="3981342987" sldId="6939"/>
+            <ac:spMk id="11" creationId="{8C722C8C-3547-9C39-3A3A-D5B137897A9A}"/>
+          </ac:spMkLst>
+        </pc:spChg>
+        <pc:spChg chg="add mod">
           <ac:chgData name="Billy Lin" userId="05f35405-298c-473c-91f2-352ef9a130c9" providerId="ADAL" clId="{AB0BFEC8-14E9-4C61-B10E-456F41DF402E}" dt="2024-02-22T13:20:22.446" v="214" actId="1076"/>
           <ac:spMkLst>
             <pc:docMk/>
@@ -878,8 +909,24 @@
             <ac:spMk id="15" creationId="{16BDDEF8-E837-D149-F914-65A3D852F7FD}"/>
           </ac:spMkLst>
         </pc:spChg>
+        <pc:spChg chg="add mod">
+          <ac:chgData name="Billy Lin" userId="05f35405-298c-473c-91f2-352ef9a130c9" providerId="ADAL" clId="{AB0BFEC8-14E9-4C61-B10E-456F41DF402E}" dt="2024-02-29T13:17:41.930" v="300" actId="14100"/>
+          <ac:spMkLst>
+            <pc:docMk/>
+            <pc:sldMk cId="3981342987" sldId="6939"/>
+            <ac:spMk id="17" creationId="{46ED323A-D782-4031-736B-43DB6B1CD1BA}"/>
+          </ac:spMkLst>
+        </pc:spChg>
+        <pc:spChg chg="add mod">
+          <ac:chgData name="Billy Lin" userId="05f35405-298c-473c-91f2-352ef9a130c9" providerId="ADAL" clId="{AB0BFEC8-14E9-4C61-B10E-456F41DF402E}" dt="2024-02-29T13:17:57.098" v="318" actId="14100"/>
+          <ac:spMkLst>
+            <pc:docMk/>
+            <pc:sldMk cId="3981342987" sldId="6939"/>
+            <ac:spMk id="18" creationId="{3AEF1497-6D68-5A6C-43CB-CC5F2EA14517}"/>
+          </ac:spMkLst>
+        </pc:spChg>
         <pc:cxnChg chg="add mod">
-          <ac:chgData name="Billy Lin" userId="05f35405-298c-473c-91f2-352ef9a130c9" providerId="ADAL" clId="{AB0BFEC8-14E9-4C61-B10E-456F41DF402E}" dt="2024-02-22T13:19:01.448" v="207" actId="14100"/>
+          <ac:chgData name="Billy Lin" userId="05f35405-298c-473c-91f2-352ef9a130c9" providerId="ADAL" clId="{AB0BFEC8-14E9-4C61-B10E-456F41DF402E}" dt="2024-02-29T13:17:24.302" v="279" actId="1076"/>
           <ac:cxnSpMkLst>
             <pc:docMk/>
             <pc:sldMk cId="3981342987" sldId="6939"/>
@@ -903,8 +950,8 @@
           </ac:cxnSpMkLst>
         </pc:cxnChg>
       </pc:sldChg>
-      <pc:sldChg chg="delSp modSp add mod ord">
-        <pc:chgData name="Billy Lin" userId="05f35405-298c-473c-91f2-352ef9a130c9" providerId="ADAL" clId="{AB0BFEC8-14E9-4C61-B10E-456F41DF402E}" dt="2024-02-22T14:02:30.421" v="250" actId="20577"/>
+      <pc:sldChg chg="delSp modSp add del mod ord">
+        <pc:chgData name="Billy Lin" userId="05f35405-298c-473c-91f2-352ef9a130c9" providerId="ADAL" clId="{AB0BFEC8-14E9-4C61-B10E-456F41DF402E}" dt="2024-02-29T14:09:43.132" v="319" actId="47"/>
         <pc:sldMkLst>
           <pc:docMk/>
           <pc:sldMk cId="1454732191" sldId="6940"/>
@@ -1174,7 +1221,7 @@
           <a:p>
             <a:fld id="{2EDDABC3-F3ED-4DD9-983D-F09E8FCF6133}" type="datetimeFigureOut">
               <a:rPr lang="en-US" smtClean="0"/>
-              <a:t>2/22/2024</a:t>
+              <a:t>2/29/2024</a:t>
             </a:fld>
             <a:endParaRPr lang="en-US"/>
           </a:p>
@@ -1566,7 +1613,7 @@
           <a:p>
             <a:fld id="{F59B6F3A-935B-44D1-A66F-61470C6D8F51}" type="datetime1">
               <a:rPr lang="en-US" smtClean="0"/>
-              <a:t>2/22/2024</a:t>
+              <a:t>2/29/2024</a:t>
             </a:fld>
             <a:endParaRPr lang="en-US"/>
           </a:p>
@@ -1810,7 +1857,7 @@
           <a:p>
             <a:fld id="{C63B82BC-FCA2-460F-A60C-8FE94D119F09}" type="datetime1">
               <a:rPr lang="en-US" smtClean="0"/>
-              <a:t>2/22/2024</a:t>
+              <a:t>2/29/2024</a:t>
             </a:fld>
             <a:endParaRPr lang="en-US"/>
           </a:p>
@@ -2353,711 +2400,6 @@
           <a:p>
             <a:r>
               <a:rPr lang="en-US" dirty="0"/>
-              <a:t>Outline</a:t>
-            </a:r>
-          </a:p>
-        </p:txBody>
-      </p:sp>
-      <p:sp>
-        <p:nvSpPr>
-          <p:cNvPr id="3" name="Content Placeholder 2">
-            <a:extLst>
-              <a:ext uri="{FF2B5EF4-FFF2-40B4-BE49-F238E27FC236}">
-                <a16:creationId xmlns:a16="http://schemas.microsoft.com/office/drawing/2014/main" id="{5D7B872D-07E4-4A80-BC19-1A6B48431473}"/>
-              </a:ext>
-            </a:extLst>
-          </p:cNvPr>
-          <p:cNvSpPr>
-            <a:spLocks noGrp="1"/>
-          </p:cNvSpPr>
-          <p:nvPr>
-            <p:ph idx="1"/>
-          </p:nvPr>
-        </p:nvSpPr>
-        <p:spPr>
-          <a:xfrm>
-            <a:off x="590204" y="1064030"/>
-            <a:ext cx="5128425" cy="835074"/>
-          </a:xfrm>
-        </p:spPr>
-        <p:txBody>
-          <a:bodyPr/>
-          <a:lstStyle/>
-          <a:p>
-            <a:endParaRPr lang="en-US" dirty="0"/>
-          </a:p>
-        </p:txBody>
-      </p:sp>
-      <p:sp>
-        <p:nvSpPr>
-          <p:cNvPr id="4" name="Slide Number Placeholder 3">
-            <a:extLst>
-              <a:ext uri="{FF2B5EF4-FFF2-40B4-BE49-F238E27FC236}">
-                <a16:creationId xmlns:a16="http://schemas.microsoft.com/office/drawing/2014/main" id="{1C064AFB-6D18-45A5-9C2B-BF2195C97986}"/>
-              </a:ext>
-            </a:extLst>
-          </p:cNvPr>
-          <p:cNvSpPr>
-            <a:spLocks noGrp="1"/>
-          </p:cNvSpPr>
-          <p:nvPr>
-            <p:ph type="sldNum" sz="quarter" idx="12"/>
-          </p:nvPr>
-        </p:nvSpPr>
-        <p:spPr/>
-        <p:txBody>
-          <a:bodyPr/>
-          <a:lstStyle/>
-          <a:p>
-            <a:fld id="{8A2B06E4-34D2-4DD4-ABFF-9F74AC2B18B5}" type="slidenum">
-              <a:rPr lang="en-US" smtClean="0"/>
-              <a:t>10</a:t>
-            </a:fld>
-            <a:endParaRPr lang="en-US" dirty="0"/>
-          </a:p>
-        </p:txBody>
-      </p:sp>
-      <p:sp>
-        <p:nvSpPr>
-          <p:cNvPr id="5" name="Rectangle 4">
-            <a:extLst>
-              <a:ext uri="{FF2B5EF4-FFF2-40B4-BE49-F238E27FC236}">
-                <a16:creationId xmlns:a16="http://schemas.microsoft.com/office/drawing/2014/main" id="{28B468AC-63A7-3DC7-8A63-703CA2DB7BF9}"/>
-              </a:ext>
-            </a:extLst>
-          </p:cNvPr>
-          <p:cNvSpPr/>
-          <p:nvPr/>
-        </p:nvSpPr>
-        <p:spPr>
-          <a:xfrm>
-            <a:off x="3120570" y="775081"/>
-            <a:ext cx="2873829" cy="1124024"/>
-          </a:xfrm>
-          <a:prstGeom prst="rect">
-            <a:avLst/>
-          </a:prstGeom>
-        </p:spPr>
-        <p:style>
-          <a:lnRef idx="2">
-            <a:schemeClr val="accent1">
-              <a:shade val="50000"/>
-            </a:schemeClr>
-          </a:lnRef>
-          <a:fillRef idx="1">
-            <a:schemeClr val="accent1"/>
-          </a:fillRef>
-          <a:effectRef idx="0">
-            <a:schemeClr val="accent1"/>
-          </a:effectRef>
-          <a:fontRef idx="minor">
-            <a:schemeClr val="lt1"/>
-          </a:fontRef>
-        </p:style>
-        <p:txBody>
-          <a:bodyPr rtlCol="0" anchor="ctr"/>
-          <a:lstStyle/>
-          <a:p>
-            <a:pPr algn="ctr"/>
-            <a:r>
-              <a:rPr lang="en-US" dirty="0"/>
-              <a:t>garage</a:t>
-            </a:r>
-          </a:p>
-        </p:txBody>
-      </p:sp>
-      <p:sp>
-        <p:nvSpPr>
-          <p:cNvPr id="6" name="Rectangle 5">
-            <a:extLst>
-              <a:ext uri="{FF2B5EF4-FFF2-40B4-BE49-F238E27FC236}">
-                <a16:creationId xmlns:a16="http://schemas.microsoft.com/office/drawing/2014/main" id="{B5695EE2-999B-3D68-F2B4-A70003D2C6AB}"/>
-              </a:ext>
-            </a:extLst>
-          </p:cNvPr>
-          <p:cNvSpPr/>
-          <p:nvPr/>
-        </p:nvSpPr>
-        <p:spPr>
-          <a:xfrm>
-            <a:off x="1103086" y="2560584"/>
-            <a:ext cx="2873829" cy="1358273"/>
-          </a:xfrm>
-          <a:prstGeom prst="rect">
-            <a:avLst/>
-          </a:prstGeom>
-        </p:spPr>
-        <p:style>
-          <a:lnRef idx="2">
-            <a:schemeClr val="accent1">
-              <a:shade val="50000"/>
-            </a:schemeClr>
-          </a:lnRef>
-          <a:fillRef idx="1">
-            <a:schemeClr val="accent1"/>
-          </a:fillRef>
-          <a:effectRef idx="0">
-            <a:schemeClr val="accent1"/>
-          </a:effectRef>
-          <a:fontRef idx="minor">
-            <a:schemeClr val="lt1"/>
-          </a:fontRef>
-        </p:style>
-        <p:txBody>
-          <a:bodyPr rtlCol="0" anchor="ctr"/>
-          <a:lstStyle/>
-          <a:p>
-            <a:pPr algn="ctr"/>
-            <a:r>
-              <a:rPr lang="en-US" dirty="0"/>
-              <a:t>m1</a:t>
-            </a:r>
-          </a:p>
-        </p:txBody>
-      </p:sp>
-      <p:sp>
-        <p:nvSpPr>
-          <p:cNvPr id="7" name="Rectangle 6">
-            <a:extLst>
-              <a:ext uri="{FF2B5EF4-FFF2-40B4-BE49-F238E27FC236}">
-                <a16:creationId xmlns:a16="http://schemas.microsoft.com/office/drawing/2014/main" id="{6CF7EE87-8AA9-E7BD-2AB5-C866FE179818}"/>
-              </a:ext>
-            </a:extLst>
-          </p:cNvPr>
-          <p:cNvSpPr/>
-          <p:nvPr/>
-        </p:nvSpPr>
-        <p:spPr>
-          <a:xfrm>
-            <a:off x="4402083" y="2560584"/>
-            <a:ext cx="2873829" cy="1358273"/>
-          </a:xfrm>
-          <a:prstGeom prst="rect">
-            <a:avLst/>
-          </a:prstGeom>
-        </p:spPr>
-        <p:style>
-          <a:lnRef idx="2">
-            <a:schemeClr val="accent1">
-              <a:shade val="50000"/>
-            </a:schemeClr>
-          </a:lnRef>
-          <a:fillRef idx="1">
-            <a:schemeClr val="accent1"/>
-          </a:fillRef>
-          <a:effectRef idx="0">
-            <a:schemeClr val="accent1"/>
-          </a:effectRef>
-          <a:fontRef idx="minor">
-            <a:schemeClr val="lt1"/>
-          </a:fontRef>
-        </p:style>
-        <p:txBody>
-          <a:bodyPr rtlCol="0" anchor="ctr"/>
-          <a:lstStyle/>
-          <a:p>
-            <a:pPr algn="ctr"/>
-            <a:r>
-              <a:rPr lang="en-US" dirty="0"/>
-              <a:t>m2</a:t>
-            </a:r>
-          </a:p>
-        </p:txBody>
-      </p:sp>
-      <p:sp>
-        <p:nvSpPr>
-          <p:cNvPr id="8" name="Rectangle 7">
-            <a:extLst>
-              <a:ext uri="{FF2B5EF4-FFF2-40B4-BE49-F238E27FC236}">
-                <a16:creationId xmlns:a16="http://schemas.microsoft.com/office/drawing/2014/main" id="{C2F0E697-6C67-435E-0144-E8430EA8E6CB}"/>
-              </a:ext>
-            </a:extLst>
-          </p:cNvPr>
-          <p:cNvSpPr/>
-          <p:nvPr/>
-        </p:nvSpPr>
-        <p:spPr>
-          <a:xfrm>
-            <a:off x="7701080" y="2528274"/>
-            <a:ext cx="2873829" cy="1358273"/>
-          </a:xfrm>
-          <a:prstGeom prst="rect">
-            <a:avLst/>
-          </a:prstGeom>
-        </p:spPr>
-        <p:style>
-          <a:lnRef idx="2">
-            <a:schemeClr val="accent1">
-              <a:shade val="50000"/>
-            </a:schemeClr>
-          </a:lnRef>
-          <a:fillRef idx="1">
-            <a:schemeClr val="accent1"/>
-          </a:fillRef>
-          <a:effectRef idx="0">
-            <a:schemeClr val="accent1"/>
-          </a:effectRef>
-          <a:fontRef idx="minor">
-            <a:schemeClr val="lt1"/>
-          </a:fontRef>
-        </p:style>
-        <p:txBody>
-          <a:bodyPr rtlCol="0" anchor="ctr"/>
-          <a:lstStyle/>
-          <a:p>
-            <a:pPr algn="ctr"/>
-            <a:r>
-              <a:rPr lang="en-US" dirty="0"/>
-              <a:t>c1</a:t>
-            </a:r>
-          </a:p>
-        </p:txBody>
-      </p:sp>
-      <p:sp>
-        <p:nvSpPr>
-          <p:cNvPr id="9" name="Rectangle 8">
-            <a:extLst>
-              <a:ext uri="{FF2B5EF4-FFF2-40B4-BE49-F238E27FC236}">
-                <a16:creationId xmlns:a16="http://schemas.microsoft.com/office/drawing/2014/main" id="{4F3BD971-257F-5085-2D74-E6DDCDFFBD6B}"/>
-              </a:ext>
-            </a:extLst>
-          </p:cNvPr>
-          <p:cNvSpPr/>
-          <p:nvPr/>
-        </p:nvSpPr>
-        <p:spPr>
-          <a:xfrm>
-            <a:off x="1045029" y="4998077"/>
-            <a:ext cx="1117600" cy="1358273"/>
-          </a:xfrm>
-          <a:prstGeom prst="rect">
-            <a:avLst/>
-          </a:prstGeom>
-        </p:spPr>
-        <p:style>
-          <a:lnRef idx="2">
-            <a:schemeClr val="accent1">
-              <a:shade val="50000"/>
-            </a:schemeClr>
-          </a:lnRef>
-          <a:fillRef idx="1">
-            <a:schemeClr val="accent1"/>
-          </a:fillRef>
-          <a:effectRef idx="0">
-            <a:schemeClr val="accent1"/>
-          </a:effectRef>
-          <a:fontRef idx="minor">
-            <a:schemeClr val="lt1"/>
-          </a:fontRef>
-        </p:style>
-        <p:txBody>
-          <a:bodyPr rtlCol="0" anchor="ctr"/>
-          <a:lstStyle/>
-          <a:p>
-            <a:pPr algn="ctr"/>
-            <a:r>
-              <a:rPr lang="en-US" dirty="0"/>
-              <a:t>u1</a:t>
-            </a:r>
-          </a:p>
-        </p:txBody>
-      </p:sp>
-      <p:sp>
-        <p:nvSpPr>
-          <p:cNvPr id="10" name="Rectangle 9">
-            <a:extLst>
-              <a:ext uri="{FF2B5EF4-FFF2-40B4-BE49-F238E27FC236}">
-                <a16:creationId xmlns:a16="http://schemas.microsoft.com/office/drawing/2014/main" id="{E63C5361-0E3D-BBD5-6EED-9C84A52C16C5}"/>
-              </a:ext>
-            </a:extLst>
-          </p:cNvPr>
-          <p:cNvSpPr/>
-          <p:nvPr/>
-        </p:nvSpPr>
-        <p:spPr>
-          <a:xfrm>
-            <a:off x="2641599" y="4998077"/>
-            <a:ext cx="957943" cy="1358273"/>
-          </a:xfrm>
-          <a:prstGeom prst="rect">
-            <a:avLst/>
-          </a:prstGeom>
-        </p:spPr>
-        <p:style>
-          <a:lnRef idx="2">
-            <a:schemeClr val="accent1">
-              <a:shade val="50000"/>
-            </a:schemeClr>
-          </a:lnRef>
-          <a:fillRef idx="1">
-            <a:schemeClr val="accent1"/>
-          </a:fillRef>
-          <a:effectRef idx="0">
-            <a:schemeClr val="accent1"/>
-          </a:effectRef>
-          <a:fontRef idx="minor">
-            <a:schemeClr val="lt1"/>
-          </a:fontRef>
-        </p:style>
-        <p:txBody>
-          <a:bodyPr rtlCol="0" anchor="ctr"/>
-          <a:lstStyle/>
-          <a:p>
-            <a:pPr algn="ctr"/>
-            <a:r>
-              <a:rPr lang="en-US" dirty="0"/>
-              <a:t>u2</a:t>
-            </a:r>
-          </a:p>
-        </p:txBody>
-      </p:sp>
-      <p:sp>
-        <p:nvSpPr>
-          <p:cNvPr id="11" name="Rectangle 10">
-            <a:extLst>
-              <a:ext uri="{FF2B5EF4-FFF2-40B4-BE49-F238E27FC236}">
-                <a16:creationId xmlns:a16="http://schemas.microsoft.com/office/drawing/2014/main" id="{FBBADF70-834E-4B1D-4D48-863CFB71765B}"/>
-              </a:ext>
-            </a:extLst>
-          </p:cNvPr>
-          <p:cNvSpPr/>
-          <p:nvPr/>
-        </p:nvSpPr>
-        <p:spPr>
-          <a:xfrm>
-            <a:off x="4601029" y="4998077"/>
-            <a:ext cx="1117600" cy="1358273"/>
-          </a:xfrm>
-          <a:prstGeom prst="rect">
-            <a:avLst/>
-          </a:prstGeom>
-        </p:spPr>
-        <p:style>
-          <a:lnRef idx="2">
-            <a:schemeClr val="accent1">
-              <a:shade val="50000"/>
-            </a:schemeClr>
-          </a:lnRef>
-          <a:fillRef idx="1">
-            <a:schemeClr val="accent1"/>
-          </a:fillRef>
-          <a:effectRef idx="0">
-            <a:schemeClr val="accent1"/>
-          </a:effectRef>
-          <a:fontRef idx="minor">
-            <a:schemeClr val="lt1"/>
-          </a:fontRef>
-        </p:style>
-        <p:txBody>
-          <a:bodyPr rtlCol="0" anchor="ctr"/>
-          <a:lstStyle/>
-          <a:p>
-            <a:pPr algn="ctr"/>
-            <a:r>
-              <a:rPr lang="en-US" dirty="0"/>
-              <a:t>u1</a:t>
-            </a:r>
-          </a:p>
-        </p:txBody>
-      </p:sp>
-      <p:sp>
-        <p:nvSpPr>
-          <p:cNvPr id="12" name="Rectangle 11">
-            <a:extLst>
-              <a:ext uri="{FF2B5EF4-FFF2-40B4-BE49-F238E27FC236}">
-                <a16:creationId xmlns:a16="http://schemas.microsoft.com/office/drawing/2014/main" id="{229156AC-CE57-8CDD-8247-D503C215B35C}"/>
-              </a:ext>
-            </a:extLst>
-          </p:cNvPr>
-          <p:cNvSpPr/>
-          <p:nvPr/>
-        </p:nvSpPr>
-        <p:spPr>
-          <a:xfrm>
-            <a:off x="6197599" y="4998077"/>
-            <a:ext cx="957943" cy="1358273"/>
-          </a:xfrm>
-          <a:prstGeom prst="rect">
-            <a:avLst/>
-          </a:prstGeom>
-        </p:spPr>
-        <p:style>
-          <a:lnRef idx="2">
-            <a:schemeClr val="accent1">
-              <a:shade val="50000"/>
-            </a:schemeClr>
-          </a:lnRef>
-          <a:fillRef idx="1">
-            <a:schemeClr val="accent1"/>
-          </a:fillRef>
-          <a:effectRef idx="0">
-            <a:schemeClr val="accent1"/>
-          </a:effectRef>
-          <a:fontRef idx="minor">
-            <a:schemeClr val="lt1"/>
-          </a:fontRef>
-        </p:style>
-        <p:txBody>
-          <a:bodyPr rtlCol="0" anchor="ctr"/>
-          <a:lstStyle/>
-          <a:p>
-            <a:pPr algn="ctr"/>
-            <a:r>
-              <a:rPr lang="en-US" dirty="0"/>
-              <a:t>u2</a:t>
-            </a:r>
-          </a:p>
-        </p:txBody>
-      </p:sp>
-      <p:sp>
-        <p:nvSpPr>
-          <p:cNvPr id="13" name="Rectangle 12">
-            <a:extLst>
-              <a:ext uri="{FF2B5EF4-FFF2-40B4-BE49-F238E27FC236}">
-                <a16:creationId xmlns:a16="http://schemas.microsoft.com/office/drawing/2014/main" id="{A6B3B7FE-18C2-F8FC-66DF-6778F7C8D06C}"/>
-              </a:ext>
-            </a:extLst>
-          </p:cNvPr>
-          <p:cNvSpPr/>
-          <p:nvPr/>
-        </p:nvSpPr>
-        <p:spPr>
-          <a:xfrm>
-            <a:off x="8014611" y="4998077"/>
-            <a:ext cx="787399" cy="1358273"/>
-          </a:xfrm>
-          <a:prstGeom prst="rect">
-            <a:avLst/>
-          </a:prstGeom>
-        </p:spPr>
-        <p:style>
-          <a:lnRef idx="2">
-            <a:schemeClr val="accent1">
-              <a:shade val="50000"/>
-            </a:schemeClr>
-          </a:lnRef>
-          <a:fillRef idx="1">
-            <a:schemeClr val="accent1"/>
-          </a:fillRef>
-          <a:effectRef idx="0">
-            <a:schemeClr val="accent1"/>
-          </a:effectRef>
-          <a:fontRef idx="minor">
-            <a:schemeClr val="lt1"/>
-          </a:fontRef>
-        </p:style>
-        <p:txBody>
-          <a:bodyPr rtlCol="0" anchor="ctr"/>
-          <a:lstStyle/>
-          <a:p>
-            <a:pPr algn="ctr"/>
-            <a:r>
-              <a:rPr lang="en-US" dirty="0"/>
-              <a:t>inst1</a:t>
-            </a:r>
-          </a:p>
-        </p:txBody>
-      </p:sp>
-      <p:sp>
-        <p:nvSpPr>
-          <p:cNvPr id="14" name="Rectangle 13">
-            <a:extLst>
-              <a:ext uri="{FF2B5EF4-FFF2-40B4-BE49-F238E27FC236}">
-                <a16:creationId xmlns:a16="http://schemas.microsoft.com/office/drawing/2014/main" id="{A250B198-5BA7-D5B6-F1A9-324E111F2E82}"/>
-              </a:ext>
-            </a:extLst>
-          </p:cNvPr>
-          <p:cNvSpPr/>
-          <p:nvPr/>
-        </p:nvSpPr>
-        <p:spPr>
-          <a:xfrm>
-            <a:off x="9004299" y="4998077"/>
-            <a:ext cx="787399" cy="1358273"/>
-          </a:xfrm>
-          <a:prstGeom prst="rect">
-            <a:avLst/>
-          </a:prstGeom>
-        </p:spPr>
-        <p:style>
-          <a:lnRef idx="2">
-            <a:schemeClr val="accent1">
-              <a:shade val="50000"/>
-            </a:schemeClr>
-          </a:lnRef>
-          <a:fillRef idx="1">
-            <a:schemeClr val="accent1"/>
-          </a:fillRef>
-          <a:effectRef idx="0">
-            <a:schemeClr val="accent1"/>
-          </a:effectRef>
-          <a:fontRef idx="minor">
-            <a:schemeClr val="lt1"/>
-          </a:fontRef>
-        </p:style>
-        <p:txBody>
-          <a:bodyPr rtlCol="0" anchor="ctr"/>
-          <a:lstStyle/>
-          <a:p>
-            <a:pPr algn="ctr"/>
-            <a:r>
-              <a:rPr lang="en-US" dirty="0"/>
-              <a:t>inst2</a:t>
-            </a:r>
-          </a:p>
-        </p:txBody>
-      </p:sp>
-      <p:sp>
-        <p:nvSpPr>
-          <p:cNvPr id="15" name="Rectangle 14">
-            <a:extLst>
-              <a:ext uri="{FF2B5EF4-FFF2-40B4-BE49-F238E27FC236}">
-                <a16:creationId xmlns:a16="http://schemas.microsoft.com/office/drawing/2014/main" id="{B5CFC22A-97DA-F258-CA82-872CB3AFE96A}"/>
-              </a:ext>
-            </a:extLst>
-          </p:cNvPr>
-          <p:cNvSpPr/>
-          <p:nvPr/>
-        </p:nvSpPr>
-        <p:spPr>
-          <a:xfrm>
-            <a:off x="9942288" y="4998077"/>
-            <a:ext cx="787399" cy="1358273"/>
-          </a:xfrm>
-          <a:prstGeom prst="rect">
-            <a:avLst/>
-          </a:prstGeom>
-        </p:spPr>
-        <p:style>
-          <a:lnRef idx="2">
-            <a:schemeClr val="accent1">
-              <a:shade val="50000"/>
-            </a:schemeClr>
-          </a:lnRef>
-          <a:fillRef idx="1">
-            <a:schemeClr val="accent1"/>
-          </a:fillRef>
-          <a:effectRef idx="0">
-            <a:schemeClr val="accent1"/>
-          </a:effectRef>
-          <a:fontRef idx="minor">
-            <a:schemeClr val="lt1"/>
-          </a:fontRef>
-        </p:style>
-        <p:txBody>
-          <a:bodyPr rtlCol="0" anchor="ctr"/>
-          <a:lstStyle/>
-          <a:p>
-            <a:pPr algn="ctr"/>
-            <a:r>
-              <a:rPr lang="en-US" dirty="0"/>
-              <a:t>inst3</a:t>
-            </a:r>
-          </a:p>
-        </p:txBody>
-      </p:sp>
-      <p:sp>
-        <p:nvSpPr>
-          <p:cNvPr id="16" name="Rectangle 15">
-            <a:extLst>
-              <a:ext uri="{FF2B5EF4-FFF2-40B4-BE49-F238E27FC236}">
-                <a16:creationId xmlns:a16="http://schemas.microsoft.com/office/drawing/2014/main" id="{0B1C4FEB-0F8A-DF34-06D5-22CC12EC2C1A}"/>
-              </a:ext>
-            </a:extLst>
-          </p:cNvPr>
-          <p:cNvSpPr/>
-          <p:nvPr/>
-        </p:nvSpPr>
-        <p:spPr>
-          <a:xfrm>
-            <a:off x="10960100" y="4998077"/>
-            <a:ext cx="787399" cy="1358273"/>
-          </a:xfrm>
-          <a:prstGeom prst="rect">
-            <a:avLst/>
-          </a:prstGeom>
-        </p:spPr>
-        <p:style>
-          <a:lnRef idx="2">
-            <a:schemeClr val="accent1">
-              <a:shade val="50000"/>
-            </a:schemeClr>
-          </a:lnRef>
-          <a:fillRef idx="1">
-            <a:schemeClr val="accent1"/>
-          </a:fillRef>
-          <a:effectRef idx="0">
-            <a:schemeClr val="accent1"/>
-          </a:effectRef>
-          <a:fontRef idx="minor">
-            <a:schemeClr val="lt1"/>
-          </a:fontRef>
-        </p:style>
-        <p:txBody>
-          <a:bodyPr rtlCol="0" anchor="ctr"/>
-          <a:lstStyle/>
-          <a:p>
-            <a:pPr algn="ctr"/>
-            <a:r>
-              <a:rPr lang="en-US" dirty="0"/>
-              <a:t>inst4</a:t>
-            </a:r>
-          </a:p>
-        </p:txBody>
-      </p:sp>
-    </p:spTree>
-    <p:extLst>
-      <p:ext uri="{BB962C8B-B14F-4D97-AF65-F5344CB8AC3E}">
-        <p14:creationId xmlns:p14="http://schemas.microsoft.com/office/powerpoint/2010/main" val="3837870676"/>
-      </p:ext>
-    </p:extLst>
-  </p:cSld>
-  <p:clrMapOvr>
-    <a:masterClrMapping/>
-  </p:clrMapOvr>
-</p:sld>
-</file>
-
-<file path=ppt/slides/slide11.xml><?xml version="1.0" encoding="utf-8"?>
-<p:sld xmlns:a="http://schemas.openxmlformats.org/drawingml/2006/main" xmlns:r="http://schemas.openxmlformats.org/officeDocument/2006/relationships" xmlns:p="http://schemas.openxmlformats.org/presentationml/2006/main">
-  <p:cSld>
-    <p:spTree>
-      <p:nvGrpSpPr>
-        <p:cNvPr id="1" name=""/>
-        <p:cNvGrpSpPr/>
-        <p:nvPr/>
-      </p:nvGrpSpPr>
-      <p:grpSpPr>
-        <a:xfrm>
-          <a:off x="0" y="0"/>
-          <a:ext cx="0" cy="0"/>
-          <a:chOff x="0" y="0"/>
-          <a:chExt cx="0" cy="0"/>
-        </a:xfrm>
-      </p:grpSpPr>
-      <p:sp>
-        <p:nvSpPr>
-          <p:cNvPr id="2" name="Title 1">
-            <a:extLst>
-              <a:ext uri="{FF2B5EF4-FFF2-40B4-BE49-F238E27FC236}">
-                <a16:creationId xmlns:a16="http://schemas.microsoft.com/office/drawing/2014/main" id="{56F1B890-DD2D-46F9-A853-3CB5A42A15D2}"/>
-              </a:ext>
-            </a:extLst>
-          </p:cNvPr>
-          <p:cNvSpPr>
-            <a:spLocks noGrp="1"/>
-          </p:cNvSpPr>
-          <p:nvPr>
-            <p:ph type="title"/>
-          </p:nvPr>
-        </p:nvSpPr>
-        <p:spPr/>
-        <p:txBody>
-          <a:bodyPr/>
-          <a:lstStyle/>
-          <a:p>
-            <a:r>
-              <a:rPr lang="en-US" dirty="0"/>
               <a:t>archive below</a:t>
             </a:r>
           </a:p>
@@ -4545,7 +3887,7 @@
           <a:p>
             <a:fld id="{8A2B06E4-34D2-4DD4-ABFF-9F74AC2B18B5}" type="slidenum">
               <a:rPr lang="en-US" smtClean="0"/>
-              <a:t>11</a:t>
+              <a:t>10</a:t>
             </a:fld>
             <a:endParaRPr lang="en-US" dirty="0"/>
           </a:p>
@@ -4938,10 +4280,475 @@
       </p:sp>
       <p:sp>
         <p:nvSpPr>
-          <p:cNvPr id="3" name="Content Placeholder 2">
-            <a:extLst>
-              <a:ext uri="{FF2B5EF4-FFF2-40B4-BE49-F238E27FC236}">
-                <a16:creationId xmlns:a16="http://schemas.microsoft.com/office/drawing/2014/main" id="{F0AB9DF1-764A-2056-5BC1-70D34F516704}"/>
+          <p:cNvPr id="4" name="Slide Number Placeholder 3">
+            <a:extLst>
+              <a:ext uri="{FF2B5EF4-FFF2-40B4-BE49-F238E27FC236}">
+                <a16:creationId xmlns:a16="http://schemas.microsoft.com/office/drawing/2014/main" id="{A653B7C0-A01B-B019-AE82-6D2CF11E10FE}"/>
+              </a:ext>
+            </a:extLst>
+          </p:cNvPr>
+          <p:cNvSpPr>
+            <a:spLocks noGrp="1"/>
+          </p:cNvSpPr>
+          <p:nvPr>
+            <p:ph type="sldNum" sz="quarter" idx="12"/>
+          </p:nvPr>
+        </p:nvSpPr>
+        <p:spPr/>
+        <p:txBody>
+          <a:bodyPr/>
+          <a:lstStyle/>
+          <a:p>
+            <a:fld id="{8A2B06E4-34D2-4DD4-ABFF-9F74AC2B18B5}" type="slidenum">
+              <a:rPr lang="en-US" smtClean="0"/>
+              <a:t>5</a:t>
+            </a:fld>
+            <a:endParaRPr lang="en-US" dirty="0"/>
+          </a:p>
+        </p:txBody>
+      </p:sp>
+      <p:sp>
+        <p:nvSpPr>
+          <p:cNvPr id="5" name="Oval 4">
+            <a:extLst>
+              <a:ext uri="{FF2B5EF4-FFF2-40B4-BE49-F238E27FC236}">
+                <a16:creationId xmlns:a16="http://schemas.microsoft.com/office/drawing/2014/main" id="{67CE74D4-43F8-ED2C-D5EE-727D52A246D7}"/>
+              </a:ext>
+            </a:extLst>
+          </p:cNvPr>
+          <p:cNvSpPr/>
+          <p:nvPr/>
+        </p:nvSpPr>
+        <p:spPr>
+          <a:xfrm>
+            <a:off x="1507957" y="3882046"/>
+            <a:ext cx="962527" cy="930442"/>
+          </a:xfrm>
+          <a:prstGeom prst="ellipse">
+            <a:avLst/>
+          </a:prstGeom>
+        </p:spPr>
+        <p:style>
+          <a:lnRef idx="2">
+            <a:schemeClr val="accent1">
+              <a:shade val="50000"/>
+            </a:schemeClr>
+          </a:lnRef>
+          <a:fillRef idx="1">
+            <a:schemeClr val="accent1"/>
+          </a:fillRef>
+          <a:effectRef idx="0">
+            <a:schemeClr val="accent1"/>
+          </a:effectRef>
+          <a:fontRef idx="minor">
+            <a:schemeClr val="lt1"/>
+          </a:fontRef>
+        </p:style>
+        <p:txBody>
+          <a:bodyPr rtlCol="0" anchor="ctr"/>
+          <a:lstStyle/>
+          <a:p>
+            <a:pPr algn="ctr"/>
+            <a:r>
+              <a:rPr lang="en-US" dirty="0"/>
+              <a:t>IDLE</a:t>
+            </a:r>
+          </a:p>
+        </p:txBody>
+      </p:sp>
+      <p:sp>
+        <p:nvSpPr>
+          <p:cNvPr id="6" name="Oval 5">
+            <a:extLst>
+              <a:ext uri="{FF2B5EF4-FFF2-40B4-BE49-F238E27FC236}">
+                <a16:creationId xmlns:a16="http://schemas.microsoft.com/office/drawing/2014/main" id="{22216712-1D2F-3EE1-B5A9-117D0B999522}"/>
+              </a:ext>
+            </a:extLst>
+          </p:cNvPr>
+          <p:cNvSpPr/>
+          <p:nvPr/>
+        </p:nvSpPr>
+        <p:spPr>
+          <a:xfrm>
+            <a:off x="3449051" y="3882046"/>
+            <a:ext cx="1235244" cy="930442"/>
+          </a:xfrm>
+          <a:prstGeom prst="ellipse">
+            <a:avLst/>
+          </a:prstGeom>
+        </p:spPr>
+        <p:style>
+          <a:lnRef idx="2">
+            <a:schemeClr val="accent1">
+              <a:shade val="50000"/>
+            </a:schemeClr>
+          </a:lnRef>
+          <a:fillRef idx="1">
+            <a:schemeClr val="accent1"/>
+          </a:fillRef>
+          <a:effectRef idx="0">
+            <a:schemeClr val="accent1"/>
+          </a:effectRef>
+          <a:fontRef idx="minor">
+            <a:schemeClr val="lt1"/>
+          </a:fontRef>
+        </p:style>
+        <p:txBody>
+          <a:bodyPr rtlCol="0" anchor="ctr"/>
+          <a:lstStyle/>
+          <a:p>
+            <a:pPr algn="ctr"/>
+            <a:r>
+              <a:rPr lang="en-US" dirty="0"/>
+              <a:t>FIRST</a:t>
+            </a:r>
+          </a:p>
+        </p:txBody>
+      </p:sp>
+      <p:sp>
+        <p:nvSpPr>
+          <p:cNvPr id="7" name="Oval 6">
+            <a:extLst>
+              <a:ext uri="{FF2B5EF4-FFF2-40B4-BE49-F238E27FC236}">
+                <a16:creationId xmlns:a16="http://schemas.microsoft.com/office/drawing/2014/main" id="{584E0225-E5B4-F7DB-E0AF-3A01B53D9DA5}"/>
+              </a:ext>
+            </a:extLst>
+          </p:cNvPr>
+          <p:cNvSpPr/>
+          <p:nvPr/>
+        </p:nvSpPr>
+        <p:spPr>
+          <a:xfrm>
+            <a:off x="5694949" y="3882046"/>
+            <a:ext cx="1375282" cy="930442"/>
+          </a:xfrm>
+          <a:prstGeom prst="ellipse">
+            <a:avLst/>
+          </a:prstGeom>
+        </p:spPr>
+        <p:style>
+          <a:lnRef idx="2">
+            <a:schemeClr val="accent1">
+              <a:shade val="50000"/>
+            </a:schemeClr>
+          </a:lnRef>
+          <a:fillRef idx="1">
+            <a:schemeClr val="accent1"/>
+          </a:fillRef>
+          <a:effectRef idx="0">
+            <a:schemeClr val="accent1"/>
+          </a:effectRef>
+          <a:fontRef idx="minor">
+            <a:schemeClr val="lt1"/>
+          </a:fontRef>
+        </p:style>
+        <p:txBody>
+          <a:bodyPr rtlCol="0" anchor="ctr"/>
+          <a:lstStyle/>
+          <a:p>
+            <a:pPr algn="ctr"/>
+            <a:r>
+              <a:rPr lang="en-US" dirty="0"/>
+              <a:t>SECOND</a:t>
+            </a:r>
+          </a:p>
+        </p:txBody>
+      </p:sp>
+      <p:sp>
+        <p:nvSpPr>
+          <p:cNvPr id="8" name="Oval 7">
+            <a:extLst>
+              <a:ext uri="{FF2B5EF4-FFF2-40B4-BE49-F238E27FC236}">
+                <a16:creationId xmlns:a16="http://schemas.microsoft.com/office/drawing/2014/main" id="{D214CD47-E5FB-537B-BC9C-656A393D7711}"/>
+              </a:ext>
+            </a:extLst>
+          </p:cNvPr>
+          <p:cNvSpPr/>
+          <p:nvPr/>
+        </p:nvSpPr>
+        <p:spPr>
+          <a:xfrm>
+            <a:off x="8080885" y="3882046"/>
+            <a:ext cx="1375282" cy="930442"/>
+          </a:xfrm>
+          <a:prstGeom prst="ellipse">
+            <a:avLst/>
+          </a:prstGeom>
+        </p:spPr>
+        <p:style>
+          <a:lnRef idx="2">
+            <a:schemeClr val="accent1">
+              <a:shade val="50000"/>
+            </a:schemeClr>
+          </a:lnRef>
+          <a:fillRef idx="1">
+            <a:schemeClr val="accent1"/>
+          </a:fillRef>
+          <a:effectRef idx="0">
+            <a:schemeClr val="accent1"/>
+          </a:effectRef>
+          <a:fontRef idx="minor">
+            <a:schemeClr val="lt1"/>
+          </a:fontRef>
+        </p:style>
+        <p:txBody>
+          <a:bodyPr rtlCol="0" anchor="ctr"/>
+          <a:lstStyle/>
+          <a:p>
+            <a:pPr algn="ctr"/>
+            <a:r>
+              <a:rPr lang="en-US" dirty="0"/>
+              <a:t>LAST</a:t>
+            </a:r>
+          </a:p>
+        </p:txBody>
+      </p:sp>
+      <p:cxnSp>
+        <p:nvCxnSpPr>
+          <p:cNvPr id="9" name="Straight Arrow Connector 8">
+            <a:extLst>
+              <a:ext uri="{FF2B5EF4-FFF2-40B4-BE49-F238E27FC236}">
+                <a16:creationId xmlns:a16="http://schemas.microsoft.com/office/drawing/2014/main" id="{9E4A227B-17ED-055E-6264-DA38ECBFFD8B}"/>
+              </a:ext>
+            </a:extLst>
+          </p:cNvPr>
+          <p:cNvCxnSpPr>
+            <a:cxnSpLocks/>
+            <a:stCxn id="5" idx="6"/>
+            <a:endCxn id="6" idx="2"/>
+          </p:cNvCxnSpPr>
+          <p:nvPr/>
+        </p:nvCxnSpPr>
+        <p:spPr>
+          <a:xfrm>
+            <a:off x="2470484" y="4347267"/>
+            <a:ext cx="978567" cy="0"/>
+          </a:xfrm>
+          <a:prstGeom prst="straightConnector1">
+            <a:avLst/>
+          </a:prstGeom>
+          <a:ln w="19050">
+            <a:solidFill>
+              <a:srgbClr val="C00000"/>
+            </a:solidFill>
+            <a:tailEnd type="triangle"/>
+          </a:ln>
+        </p:spPr>
+        <p:style>
+          <a:lnRef idx="1">
+            <a:schemeClr val="accent6"/>
+          </a:lnRef>
+          <a:fillRef idx="0">
+            <a:schemeClr val="accent6"/>
+          </a:fillRef>
+          <a:effectRef idx="0">
+            <a:schemeClr val="accent6"/>
+          </a:effectRef>
+          <a:fontRef idx="minor">
+            <a:schemeClr val="tx1"/>
+          </a:fontRef>
+        </p:style>
+      </p:cxnSp>
+      <p:sp>
+        <p:nvSpPr>
+          <p:cNvPr id="12" name="Arrow: Curved Down 11">
+            <a:extLst>
+              <a:ext uri="{FF2B5EF4-FFF2-40B4-BE49-F238E27FC236}">
+                <a16:creationId xmlns:a16="http://schemas.microsoft.com/office/drawing/2014/main" id="{F6A2CBA0-0928-6AF2-750C-0CC3F6FB669B}"/>
+              </a:ext>
+            </a:extLst>
+          </p:cNvPr>
+          <p:cNvSpPr/>
+          <p:nvPr/>
+        </p:nvSpPr>
+        <p:spPr>
+          <a:xfrm>
+            <a:off x="1754604" y="2951604"/>
+            <a:ext cx="625642" cy="930442"/>
+          </a:xfrm>
+          <a:prstGeom prst="curvedDownArrow">
+            <a:avLst/>
+          </a:prstGeom>
+          <a:solidFill>
+            <a:srgbClr val="FF0000"/>
+          </a:solidFill>
+        </p:spPr>
+        <p:style>
+          <a:lnRef idx="2">
+            <a:schemeClr val="accent1">
+              <a:shade val="50000"/>
+            </a:schemeClr>
+          </a:lnRef>
+          <a:fillRef idx="1">
+            <a:schemeClr val="accent1"/>
+          </a:fillRef>
+          <a:effectRef idx="0">
+            <a:schemeClr val="accent1"/>
+          </a:effectRef>
+          <a:fontRef idx="minor">
+            <a:schemeClr val="lt1"/>
+          </a:fontRef>
+        </p:style>
+        <p:txBody>
+          <a:bodyPr rtlCol="0" anchor="ctr"/>
+          <a:lstStyle/>
+          <a:p>
+            <a:pPr algn="ctr"/>
+            <a:endParaRPr lang="en-US">
+              <a:solidFill>
+                <a:schemeClr val="tx1"/>
+              </a:solidFill>
+            </a:endParaRPr>
+          </a:p>
+        </p:txBody>
+      </p:sp>
+      <p:cxnSp>
+        <p:nvCxnSpPr>
+          <p:cNvPr id="13" name="Straight Arrow Connector 12">
+            <a:extLst>
+              <a:ext uri="{FF2B5EF4-FFF2-40B4-BE49-F238E27FC236}">
+                <a16:creationId xmlns:a16="http://schemas.microsoft.com/office/drawing/2014/main" id="{ED432BD8-0F3C-979F-B0CC-DF98C61B0C8A}"/>
+              </a:ext>
+            </a:extLst>
+          </p:cNvPr>
+          <p:cNvCxnSpPr>
+            <a:cxnSpLocks/>
+          </p:cNvCxnSpPr>
+          <p:nvPr/>
+        </p:nvCxnSpPr>
+        <p:spPr>
+          <a:xfrm>
+            <a:off x="4684295" y="4347267"/>
+            <a:ext cx="978567" cy="0"/>
+          </a:xfrm>
+          <a:prstGeom prst="straightConnector1">
+            <a:avLst/>
+          </a:prstGeom>
+          <a:ln w="19050">
+            <a:solidFill>
+              <a:srgbClr val="C00000"/>
+            </a:solidFill>
+            <a:tailEnd type="triangle"/>
+          </a:ln>
+        </p:spPr>
+        <p:style>
+          <a:lnRef idx="1">
+            <a:schemeClr val="accent6"/>
+          </a:lnRef>
+          <a:fillRef idx="0">
+            <a:schemeClr val="accent6"/>
+          </a:fillRef>
+          <a:effectRef idx="0">
+            <a:schemeClr val="accent6"/>
+          </a:effectRef>
+          <a:fontRef idx="minor">
+            <a:schemeClr val="tx1"/>
+          </a:fontRef>
+        </p:style>
+      </p:cxnSp>
+      <p:cxnSp>
+        <p:nvCxnSpPr>
+          <p:cNvPr id="14" name="Straight Arrow Connector 13">
+            <a:extLst>
+              <a:ext uri="{FF2B5EF4-FFF2-40B4-BE49-F238E27FC236}">
+                <a16:creationId xmlns:a16="http://schemas.microsoft.com/office/drawing/2014/main" id="{7F086A61-C436-038C-4A78-341332E81D54}"/>
+              </a:ext>
+            </a:extLst>
+          </p:cNvPr>
+          <p:cNvCxnSpPr>
+            <a:cxnSpLocks/>
+          </p:cNvCxnSpPr>
+          <p:nvPr/>
+        </p:nvCxnSpPr>
+        <p:spPr>
+          <a:xfrm>
+            <a:off x="7070231" y="4347267"/>
+            <a:ext cx="978567" cy="0"/>
+          </a:xfrm>
+          <a:prstGeom prst="straightConnector1">
+            <a:avLst/>
+          </a:prstGeom>
+          <a:ln w="19050">
+            <a:solidFill>
+              <a:srgbClr val="C00000"/>
+            </a:solidFill>
+            <a:tailEnd type="triangle"/>
+          </a:ln>
+        </p:spPr>
+        <p:style>
+          <a:lnRef idx="1">
+            <a:schemeClr val="accent6"/>
+          </a:lnRef>
+          <a:fillRef idx="0">
+            <a:schemeClr val="accent6"/>
+          </a:fillRef>
+          <a:effectRef idx="0">
+            <a:schemeClr val="accent6"/>
+          </a:effectRef>
+          <a:fontRef idx="minor">
+            <a:schemeClr val="tx1"/>
+          </a:fontRef>
+        </p:style>
+      </p:cxnSp>
+      <p:sp>
+        <p:nvSpPr>
+          <p:cNvPr id="15" name="Arrow: Curved Down 14">
+            <a:extLst>
+              <a:ext uri="{FF2B5EF4-FFF2-40B4-BE49-F238E27FC236}">
+                <a16:creationId xmlns:a16="http://schemas.microsoft.com/office/drawing/2014/main" id="{16BDDEF8-E837-D149-F914-65A3D852F7FD}"/>
+              </a:ext>
+            </a:extLst>
+          </p:cNvPr>
+          <p:cNvSpPr/>
+          <p:nvPr/>
+        </p:nvSpPr>
+        <p:spPr>
+          <a:xfrm flipH="1" flipV="1">
+            <a:off x="2037345" y="4799365"/>
+            <a:ext cx="6384104" cy="930441"/>
+          </a:xfrm>
+          <a:prstGeom prst="curvedDownArrow">
+            <a:avLst/>
+          </a:prstGeom>
+          <a:solidFill>
+            <a:srgbClr val="FF0000"/>
+          </a:solidFill>
+        </p:spPr>
+        <p:style>
+          <a:lnRef idx="2">
+            <a:schemeClr val="accent1">
+              <a:shade val="50000"/>
+            </a:schemeClr>
+          </a:lnRef>
+          <a:fillRef idx="1">
+            <a:schemeClr val="accent1"/>
+          </a:fillRef>
+          <a:effectRef idx="0">
+            <a:schemeClr val="accent1"/>
+          </a:effectRef>
+          <a:fontRef idx="minor">
+            <a:schemeClr val="lt1"/>
+          </a:fontRef>
+        </p:style>
+        <p:txBody>
+          <a:bodyPr rtlCol="0" anchor="ctr"/>
+          <a:lstStyle/>
+          <a:p>
+            <a:pPr algn="ctr"/>
+            <a:endParaRPr lang="en-US">
+              <a:solidFill>
+                <a:schemeClr val="tx1"/>
+              </a:solidFill>
+            </a:endParaRPr>
+          </a:p>
+        </p:txBody>
+      </p:sp>
+      <p:sp>
+        <p:nvSpPr>
+          <p:cNvPr id="10" name="Content Placeholder 2">
+            <a:extLst>
+              <a:ext uri="{FF2B5EF4-FFF2-40B4-BE49-F238E27FC236}">
+                <a16:creationId xmlns:a16="http://schemas.microsoft.com/office/drawing/2014/main" id="{1EDD9412-7D1E-387D-C5EB-3AB16BD8EDCF}"/>
               </a:ext>
             </a:extLst>
           </p:cNvPr>
@@ -4952,56 +4759,628 @@
             <p:ph idx="1"/>
           </p:nvPr>
         </p:nvSpPr>
-        <p:spPr/>
+        <p:spPr>
+          <a:xfrm>
+            <a:off x="4635839" y="3882046"/>
+            <a:ext cx="1187116" cy="599152"/>
+          </a:xfrm>
+        </p:spPr>
         <p:txBody>
           <a:bodyPr/>
           <a:lstStyle/>
           <a:p>
             <a:r>
               <a:rPr lang="en-US" dirty="0"/>
-              <a:t>bit </a:t>
+              <a:t>200sec</a:t>
+            </a:r>
+          </a:p>
+        </p:txBody>
+      </p:sp>
+      <p:sp>
+        <p:nvSpPr>
+          <p:cNvPr id="11" name="Content Placeholder 2">
+            <a:extLst>
+              <a:ext uri="{FF2B5EF4-FFF2-40B4-BE49-F238E27FC236}">
+                <a16:creationId xmlns:a16="http://schemas.microsoft.com/office/drawing/2014/main" id="{8C722C8C-3547-9C39-3A3A-D5B137897A9A}"/>
+              </a:ext>
+            </a:extLst>
+          </p:cNvPr>
+          <p:cNvSpPr txBox="1">
+            <a:spLocks/>
+          </p:cNvSpPr>
+          <p:nvPr/>
+        </p:nvSpPr>
+        <p:spPr>
+          <a:xfrm>
+            <a:off x="7009743" y="3882046"/>
+            <a:ext cx="1187116" cy="518798"/>
+          </a:xfrm>
+          <a:prstGeom prst="rect">
+            <a:avLst/>
+          </a:prstGeom>
+        </p:spPr>
+        <p:txBody>
+          <a:bodyPr vert="horz" lIns="91440" tIns="45720" rIns="91440" bIns="45720" rtlCol="0">
+            <a:normAutofit/>
+          </a:bodyPr>
+          <a:lstStyle>
+            <a:lvl1pPr marL="228600" indent="-228600" algn="l" defTabSz="914400" rtl="0" eaLnBrk="1" latinLnBrk="0" hangingPunct="1">
+              <a:lnSpc>
+                <a:spcPct val="90000"/>
+              </a:lnSpc>
+              <a:spcBef>
+                <a:spcPts val="1000"/>
+              </a:spcBef>
+              <a:buFont typeface="Arial" panose="020B0604020202020204" pitchFamily="34" charset="0"/>
+              <a:buChar char="•"/>
+              <a:defRPr sz="1400" kern="1200">
+                <a:solidFill>
+                  <a:schemeClr val="tx1"/>
+                </a:solidFill>
+                <a:latin typeface="+mn-lt"/>
+                <a:ea typeface="+mn-ea"/>
+                <a:cs typeface="+mn-cs"/>
+              </a:defRPr>
+            </a:lvl1pPr>
+            <a:lvl2pPr marL="685800" indent="-228600" algn="l" defTabSz="914400" rtl="0" eaLnBrk="1" latinLnBrk="0" hangingPunct="1">
+              <a:lnSpc>
+                <a:spcPct val="90000"/>
+              </a:lnSpc>
+              <a:spcBef>
+                <a:spcPts val="500"/>
+              </a:spcBef>
+              <a:buFont typeface="Arial" panose="020B0604020202020204" pitchFamily="34" charset="0"/>
+              <a:buChar char="•"/>
+              <a:defRPr sz="1200" kern="1200">
+                <a:solidFill>
+                  <a:schemeClr val="tx1"/>
+                </a:solidFill>
+                <a:latin typeface="+mn-lt"/>
+                <a:ea typeface="+mn-ea"/>
+                <a:cs typeface="+mn-cs"/>
+              </a:defRPr>
+            </a:lvl2pPr>
+            <a:lvl3pPr marL="1143000" indent="-228600" algn="l" defTabSz="914400" rtl="0" eaLnBrk="1" latinLnBrk="0" hangingPunct="1">
+              <a:lnSpc>
+                <a:spcPct val="90000"/>
+              </a:lnSpc>
+              <a:spcBef>
+                <a:spcPts val="500"/>
+              </a:spcBef>
+              <a:buFont typeface="Arial" panose="020B0604020202020204" pitchFamily="34" charset="0"/>
+              <a:buChar char="•"/>
+              <a:defRPr sz="1200" kern="1200">
+                <a:solidFill>
+                  <a:schemeClr val="tx1"/>
+                </a:solidFill>
+                <a:latin typeface="+mn-lt"/>
+                <a:ea typeface="+mn-ea"/>
+                <a:cs typeface="+mn-cs"/>
+              </a:defRPr>
+            </a:lvl3pPr>
+            <a:lvl4pPr marL="1600200" indent="-228600" algn="l" defTabSz="914400" rtl="0" eaLnBrk="1" latinLnBrk="0" hangingPunct="1">
+              <a:lnSpc>
+                <a:spcPct val="90000"/>
+              </a:lnSpc>
+              <a:spcBef>
+                <a:spcPts val="500"/>
+              </a:spcBef>
+              <a:buFont typeface="Arial" panose="020B0604020202020204" pitchFamily="34" charset="0"/>
+              <a:buChar char="•"/>
+              <a:defRPr sz="1200" kern="1200">
+                <a:solidFill>
+                  <a:schemeClr val="tx1"/>
+                </a:solidFill>
+                <a:latin typeface="+mn-lt"/>
+                <a:ea typeface="+mn-ea"/>
+                <a:cs typeface="+mn-cs"/>
+              </a:defRPr>
+            </a:lvl4pPr>
+            <a:lvl5pPr marL="2057400" indent="-228600" algn="l" defTabSz="914400" rtl="0" eaLnBrk="1" latinLnBrk="0" hangingPunct="1">
+              <a:lnSpc>
+                <a:spcPct val="90000"/>
+              </a:lnSpc>
+              <a:spcBef>
+                <a:spcPts val="500"/>
+              </a:spcBef>
+              <a:buFont typeface="Arial" panose="020B0604020202020204" pitchFamily="34" charset="0"/>
+              <a:buChar char="•"/>
+              <a:defRPr sz="1200" kern="1200">
+                <a:solidFill>
+                  <a:schemeClr val="tx1"/>
+                </a:solidFill>
+                <a:latin typeface="+mn-lt"/>
+                <a:ea typeface="+mn-ea"/>
+                <a:cs typeface="+mn-cs"/>
+              </a:defRPr>
+            </a:lvl5pPr>
+            <a:lvl6pPr marL="2514600" indent="-228600" algn="l" defTabSz="914400" rtl="0" eaLnBrk="1" latinLnBrk="0" hangingPunct="1">
+              <a:lnSpc>
+                <a:spcPct val="90000"/>
+              </a:lnSpc>
+              <a:spcBef>
+                <a:spcPts val="500"/>
+              </a:spcBef>
+              <a:buFont typeface="Arial" panose="020B0604020202020204" pitchFamily="34" charset="0"/>
+              <a:buChar char="•"/>
+              <a:defRPr sz="1800" kern="1200">
+                <a:solidFill>
+                  <a:schemeClr val="tx1"/>
+                </a:solidFill>
+                <a:latin typeface="+mn-lt"/>
+                <a:ea typeface="+mn-ea"/>
+                <a:cs typeface="+mn-cs"/>
+              </a:defRPr>
+            </a:lvl6pPr>
+            <a:lvl7pPr marL="2971800" indent="-228600" algn="l" defTabSz="914400" rtl="0" eaLnBrk="1" latinLnBrk="0" hangingPunct="1">
+              <a:lnSpc>
+                <a:spcPct val="90000"/>
+              </a:lnSpc>
+              <a:spcBef>
+                <a:spcPts val="500"/>
+              </a:spcBef>
+              <a:buFont typeface="Arial" panose="020B0604020202020204" pitchFamily="34" charset="0"/>
+              <a:buChar char="•"/>
+              <a:defRPr sz="1800" kern="1200">
+                <a:solidFill>
+                  <a:schemeClr val="tx1"/>
+                </a:solidFill>
+                <a:latin typeface="+mn-lt"/>
+                <a:ea typeface="+mn-ea"/>
+                <a:cs typeface="+mn-cs"/>
+              </a:defRPr>
+            </a:lvl7pPr>
+            <a:lvl8pPr marL="3429000" indent="-228600" algn="l" defTabSz="914400" rtl="0" eaLnBrk="1" latinLnBrk="0" hangingPunct="1">
+              <a:lnSpc>
+                <a:spcPct val="90000"/>
+              </a:lnSpc>
+              <a:spcBef>
+                <a:spcPts val="500"/>
+              </a:spcBef>
+              <a:buFont typeface="Arial" panose="020B0604020202020204" pitchFamily="34" charset="0"/>
+              <a:buChar char="•"/>
+              <a:defRPr sz="1800" kern="1200">
+                <a:solidFill>
+                  <a:schemeClr val="tx1"/>
+                </a:solidFill>
+                <a:latin typeface="+mn-lt"/>
+                <a:ea typeface="+mn-ea"/>
+                <a:cs typeface="+mn-cs"/>
+              </a:defRPr>
+            </a:lvl8pPr>
+            <a:lvl9pPr marL="3886200" indent="-228600" algn="l" defTabSz="914400" rtl="0" eaLnBrk="1" latinLnBrk="0" hangingPunct="1">
+              <a:lnSpc>
+                <a:spcPct val="90000"/>
+              </a:lnSpc>
+              <a:spcBef>
+                <a:spcPts val="500"/>
+              </a:spcBef>
+              <a:buFont typeface="Arial" panose="020B0604020202020204" pitchFamily="34" charset="0"/>
+              <a:buChar char="•"/>
+              <a:defRPr sz="1800" kern="1200">
+                <a:solidFill>
+                  <a:schemeClr val="tx1"/>
+                </a:solidFill>
+                <a:latin typeface="+mn-lt"/>
+                <a:ea typeface="+mn-ea"/>
+                <a:cs typeface="+mn-cs"/>
+              </a:defRPr>
+            </a:lvl9pPr>
+          </a:lstStyle>
+          <a:p>
+            <a:r>
+              <a:rPr lang="en-US" dirty="0"/>
+              <a:t>100sec</a:t>
+            </a:r>
+          </a:p>
+        </p:txBody>
+      </p:sp>
+      <p:sp>
+        <p:nvSpPr>
+          <p:cNvPr id="17" name="Content Placeholder 2">
+            <a:extLst>
+              <a:ext uri="{FF2B5EF4-FFF2-40B4-BE49-F238E27FC236}">
+                <a16:creationId xmlns:a16="http://schemas.microsoft.com/office/drawing/2014/main" id="{46ED323A-D782-4031-736B-43DB6B1CD1BA}"/>
+              </a:ext>
+            </a:extLst>
+          </p:cNvPr>
+          <p:cNvSpPr txBox="1">
+            <a:spLocks/>
+          </p:cNvSpPr>
+          <p:nvPr/>
+        </p:nvSpPr>
+        <p:spPr>
+          <a:xfrm>
+            <a:off x="4635839" y="2065396"/>
+            <a:ext cx="1631796" cy="599152"/>
+          </a:xfrm>
+          <a:prstGeom prst="rect">
+            <a:avLst/>
+          </a:prstGeom>
+        </p:spPr>
+        <p:txBody>
+          <a:bodyPr vert="horz" lIns="91440" tIns="45720" rIns="91440" bIns="45720" rtlCol="0">
+            <a:normAutofit/>
+          </a:bodyPr>
+          <a:lstStyle>
+            <a:lvl1pPr marL="228600" indent="-228600" algn="l" defTabSz="914400" rtl="0" eaLnBrk="1" latinLnBrk="0" hangingPunct="1">
+              <a:lnSpc>
+                <a:spcPct val="90000"/>
+              </a:lnSpc>
+              <a:spcBef>
+                <a:spcPts val="1000"/>
+              </a:spcBef>
+              <a:buFont typeface="Arial" panose="020B0604020202020204" pitchFamily="34" charset="0"/>
+              <a:buChar char="•"/>
+              <a:defRPr sz="1400" kern="1200">
+                <a:solidFill>
+                  <a:schemeClr val="tx1"/>
+                </a:solidFill>
+                <a:latin typeface="+mn-lt"/>
+                <a:ea typeface="+mn-ea"/>
+                <a:cs typeface="+mn-cs"/>
+              </a:defRPr>
+            </a:lvl1pPr>
+            <a:lvl2pPr marL="685800" indent="-228600" algn="l" defTabSz="914400" rtl="0" eaLnBrk="1" latinLnBrk="0" hangingPunct="1">
+              <a:lnSpc>
+                <a:spcPct val="90000"/>
+              </a:lnSpc>
+              <a:spcBef>
+                <a:spcPts val="500"/>
+              </a:spcBef>
+              <a:buFont typeface="Arial" panose="020B0604020202020204" pitchFamily="34" charset="0"/>
+              <a:buChar char="•"/>
+              <a:defRPr sz="1200" kern="1200">
+                <a:solidFill>
+                  <a:schemeClr val="tx1"/>
+                </a:solidFill>
+                <a:latin typeface="+mn-lt"/>
+                <a:ea typeface="+mn-ea"/>
+                <a:cs typeface="+mn-cs"/>
+              </a:defRPr>
+            </a:lvl2pPr>
+            <a:lvl3pPr marL="1143000" indent="-228600" algn="l" defTabSz="914400" rtl="0" eaLnBrk="1" latinLnBrk="0" hangingPunct="1">
+              <a:lnSpc>
+                <a:spcPct val="90000"/>
+              </a:lnSpc>
+              <a:spcBef>
+                <a:spcPts val="500"/>
+              </a:spcBef>
+              <a:buFont typeface="Arial" panose="020B0604020202020204" pitchFamily="34" charset="0"/>
+              <a:buChar char="•"/>
+              <a:defRPr sz="1200" kern="1200">
+                <a:solidFill>
+                  <a:schemeClr val="tx1"/>
+                </a:solidFill>
+                <a:latin typeface="+mn-lt"/>
+                <a:ea typeface="+mn-ea"/>
+                <a:cs typeface="+mn-cs"/>
+              </a:defRPr>
+            </a:lvl3pPr>
+            <a:lvl4pPr marL="1600200" indent="-228600" algn="l" defTabSz="914400" rtl="0" eaLnBrk="1" latinLnBrk="0" hangingPunct="1">
+              <a:lnSpc>
+                <a:spcPct val="90000"/>
+              </a:lnSpc>
+              <a:spcBef>
+                <a:spcPts val="500"/>
+              </a:spcBef>
+              <a:buFont typeface="Arial" panose="020B0604020202020204" pitchFamily="34" charset="0"/>
+              <a:buChar char="•"/>
+              <a:defRPr sz="1200" kern="1200">
+                <a:solidFill>
+                  <a:schemeClr val="tx1"/>
+                </a:solidFill>
+                <a:latin typeface="+mn-lt"/>
+                <a:ea typeface="+mn-ea"/>
+                <a:cs typeface="+mn-cs"/>
+              </a:defRPr>
+            </a:lvl4pPr>
+            <a:lvl5pPr marL="2057400" indent="-228600" algn="l" defTabSz="914400" rtl="0" eaLnBrk="1" latinLnBrk="0" hangingPunct="1">
+              <a:lnSpc>
+                <a:spcPct val="90000"/>
+              </a:lnSpc>
+              <a:spcBef>
+                <a:spcPts val="500"/>
+              </a:spcBef>
+              <a:buFont typeface="Arial" panose="020B0604020202020204" pitchFamily="34" charset="0"/>
+              <a:buChar char="•"/>
+              <a:defRPr sz="1200" kern="1200">
+                <a:solidFill>
+                  <a:schemeClr val="tx1"/>
+                </a:solidFill>
+                <a:latin typeface="+mn-lt"/>
+                <a:ea typeface="+mn-ea"/>
+                <a:cs typeface="+mn-cs"/>
+              </a:defRPr>
+            </a:lvl5pPr>
+            <a:lvl6pPr marL="2514600" indent="-228600" algn="l" defTabSz="914400" rtl="0" eaLnBrk="1" latinLnBrk="0" hangingPunct="1">
+              <a:lnSpc>
+                <a:spcPct val="90000"/>
+              </a:lnSpc>
+              <a:spcBef>
+                <a:spcPts val="500"/>
+              </a:spcBef>
+              <a:buFont typeface="Arial" panose="020B0604020202020204" pitchFamily="34" charset="0"/>
+              <a:buChar char="•"/>
+              <a:defRPr sz="1800" kern="1200">
+                <a:solidFill>
+                  <a:schemeClr val="tx1"/>
+                </a:solidFill>
+                <a:latin typeface="+mn-lt"/>
+                <a:ea typeface="+mn-ea"/>
+                <a:cs typeface="+mn-cs"/>
+              </a:defRPr>
+            </a:lvl6pPr>
+            <a:lvl7pPr marL="2971800" indent="-228600" algn="l" defTabSz="914400" rtl="0" eaLnBrk="1" latinLnBrk="0" hangingPunct="1">
+              <a:lnSpc>
+                <a:spcPct val="90000"/>
+              </a:lnSpc>
+              <a:spcBef>
+                <a:spcPts val="500"/>
+              </a:spcBef>
+              <a:buFont typeface="Arial" panose="020B0604020202020204" pitchFamily="34" charset="0"/>
+              <a:buChar char="•"/>
+              <a:defRPr sz="1800" kern="1200">
+                <a:solidFill>
+                  <a:schemeClr val="tx1"/>
+                </a:solidFill>
+                <a:latin typeface="+mn-lt"/>
+                <a:ea typeface="+mn-ea"/>
+                <a:cs typeface="+mn-cs"/>
+              </a:defRPr>
+            </a:lvl7pPr>
+            <a:lvl8pPr marL="3429000" indent="-228600" algn="l" defTabSz="914400" rtl="0" eaLnBrk="1" latinLnBrk="0" hangingPunct="1">
+              <a:lnSpc>
+                <a:spcPct val="90000"/>
+              </a:lnSpc>
+              <a:spcBef>
+                <a:spcPts val="500"/>
+              </a:spcBef>
+              <a:buFont typeface="Arial" panose="020B0604020202020204" pitchFamily="34" charset="0"/>
+              <a:buChar char="•"/>
+              <a:defRPr sz="1800" kern="1200">
+                <a:solidFill>
+                  <a:schemeClr val="tx1"/>
+                </a:solidFill>
+                <a:latin typeface="+mn-lt"/>
+                <a:ea typeface="+mn-ea"/>
+                <a:cs typeface="+mn-cs"/>
+              </a:defRPr>
+            </a:lvl8pPr>
+            <a:lvl9pPr marL="3886200" indent="-228600" algn="l" defTabSz="914400" rtl="0" eaLnBrk="1" latinLnBrk="0" hangingPunct="1">
+              <a:lnSpc>
+                <a:spcPct val="90000"/>
+              </a:lnSpc>
+              <a:spcBef>
+                <a:spcPts val="500"/>
+              </a:spcBef>
+              <a:buFont typeface="Arial" panose="020B0604020202020204" pitchFamily="34" charset="0"/>
+              <a:buChar char="•"/>
+              <a:defRPr sz="1800" kern="1200">
+                <a:solidFill>
+                  <a:schemeClr val="tx1"/>
+                </a:solidFill>
+                <a:latin typeface="+mn-lt"/>
+                <a:ea typeface="+mn-ea"/>
+                <a:cs typeface="+mn-cs"/>
+              </a:defRPr>
+            </a:lvl9pPr>
+          </a:lstStyle>
+          <a:p>
+            <a:r>
+              <a:rPr lang="en-US" dirty="0" err="1"/>
+              <a:t>clk</a:t>
             </a:r>
             <a:r>
-              <a:rPr lang="en-US" dirty="0" err="1"/>
-              <a:t>sel</a:t>
+              <a:rPr lang="en-US" dirty="0"/>
+              <a:t> T = 10sec</a:t>
             </a:r>
-            <a:endParaRPr lang="en-US" dirty="0"/>
-          </a:p>
-        </p:txBody>
-      </p:sp>
-      <p:sp>
-        <p:nvSpPr>
-          <p:cNvPr id="4" name="Slide Number Placeholder 3">
-            <a:extLst>
-              <a:ext uri="{FF2B5EF4-FFF2-40B4-BE49-F238E27FC236}">
-                <a16:creationId xmlns:a16="http://schemas.microsoft.com/office/drawing/2014/main" id="{A653B7C0-A01B-B019-AE82-6D2CF11E10FE}"/>
-              </a:ext>
-            </a:extLst>
-          </p:cNvPr>
-          <p:cNvSpPr>
-            <a:spLocks noGrp="1"/>
+          </a:p>
+        </p:txBody>
+      </p:sp>
+      <p:sp>
+        <p:nvSpPr>
+          <p:cNvPr id="18" name="Content Placeholder 2">
+            <a:extLst>
+              <a:ext uri="{FF2B5EF4-FFF2-40B4-BE49-F238E27FC236}">
+                <a16:creationId xmlns:a16="http://schemas.microsoft.com/office/drawing/2014/main" id="{3AEF1497-6D68-5A6C-43CB-CC5F2EA14517}"/>
+              </a:ext>
+            </a:extLst>
+          </p:cNvPr>
+          <p:cNvSpPr txBox="1">
+            <a:spLocks/>
           </p:cNvSpPr>
-          <p:nvPr>
-            <p:ph type="sldNum" sz="quarter" idx="12"/>
-          </p:nvPr>
-        </p:nvSpPr>
-        <p:spPr/>
-        <p:txBody>
-          <a:bodyPr/>
-          <a:lstStyle/>
-          <a:p>
-            <a:fld id="{8A2B06E4-34D2-4DD4-ABFF-9F74AC2B18B5}" type="slidenum">
-              <a:rPr lang="en-US" smtClean="0"/>
-              <a:t>5</a:t>
-            </a:fld>
-            <a:endParaRPr lang="en-US" dirty="0"/>
+          <p:nvPr/>
+        </p:nvSpPr>
+        <p:spPr>
+          <a:xfrm>
+            <a:off x="4635839" y="3356422"/>
+            <a:ext cx="1631796" cy="525624"/>
+          </a:xfrm>
+          <a:prstGeom prst="rect">
+            <a:avLst/>
+          </a:prstGeom>
+        </p:spPr>
+        <p:txBody>
+          <a:bodyPr vert="horz" lIns="91440" tIns="45720" rIns="91440" bIns="45720" rtlCol="0">
+            <a:normAutofit/>
+          </a:bodyPr>
+          <a:lstStyle>
+            <a:lvl1pPr marL="228600" indent="-228600" algn="l" defTabSz="914400" rtl="0" eaLnBrk="1" latinLnBrk="0" hangingPunct="1">
+              <a:lnSpc>
+                <a:spcPct val="90000"/>
+              </a:lnSpc>
+              <a:spcBef>
+                <a:spcPts val="1000"/>
+              </a:spcBef>
+              <a:buFont typeface="Arial" panose="020B0604020202020204" pitchFamily="34" charset="0"/>
+              <a:buChar char="•"/>
+              <a:defRPr sz="1400" kern="1200">
+                <a:solidFill>
+                  <a:schemeClr val="tx1"/>
+                </a:solidFill>
+                <a:latin typeface="+mn-lt"/>
+                <a:ea typeface="+mn-ea"/>
+                <a:cs typeface="+mn-cs"/>
+              </a:defRPr>
+            </a:lvl1pPr>
+            <a:lvl2pPr marL="685800" indent="-228600" algn="l" defTabSz="914400" rtl="0" eaLnBrk="1" latinLnBrk="0" hangingPunct="1">
+              <a:lnSpc>
+                <a:spcPct val="90000"/>
+              </a:lnSpc>
+              <a:spcBef>
+                <a:spcPts val="500"/>
+              </a:spcBef>
+              <a:buFont typeface="Arial" panose="020B0604020202020204" pitchFamily="34" charset="0"/>
+              <a:buChar char="•"/>
+              <a:defRPr sz="1200" kern="1200">
+                <a:solidFill>
+                  <a:schemeClr val="tx1"/>
+                </a:solidFill>
+                <a:latin typeface="+mn-lt"/>
+                <a:ea typeface="+mn-ea"/>
+                <a:cs typeface="+mn-cs"/>
+              </a:defRPr>
+            </a:lvl2pPr>
+            <a:lvl3pPr marL="1143000" indent="-228600" algn="l" defTabSz="914400" rtl="0" eaLnBrk="1" latinLnBrk="0" hangingPunct="1">
+              <a:lnSpc>
+                <a:spcPct val="90000"/>
+              </a:lnSpc>
+              <a:spcBef>
+                <a:spcPts val="500"/>
+              </a:spcBef>
+              <a:buFont typeface="Arial" panose="020B0604020202020204" pitchFamily="34" charset="0"/>
+              <a:buChar char="•"/>
+              <a:defRPr sz="1200" kern="1200">
+                <a:solidFill>
+                  <a:schemeClr val="tx1"/>
+                </a:solidFill>
+                <a:latin typeface="+mn-lt"/>
+                <a:ea typeface="+mn-ea"/>
+                <a:cs typeface="+mn-cs"/>
+              </a:defRPr>
+            </a:lvl3pPr>
+            <a:lvl4pPr marL="1600200" indent="-228600" algn="l" defTabSz="914400" rtl="0" eaLnBrk="1" latinLnBrk="0" hangingPunct="1">
+              <a:lnSpc>
+                <a:spcPct val="90000"/>
+              </a:lnSpc>
+              <a:spcBef>
+                <a:spcPts val="500"/>
+              </a:spcBef>
+              <a:buFont typeface="Arial" panose="020B0604020202020204" pitchFamily="34" charset="0"/>
+              <a:buChar char="•"/>
+              <a:defRPr sz="1200" kern="1200">
+                <a:solidFill>
+                  <a:schemeClr val="tx1"/>
+                </a:solidFill>
+                <a:latin typeface="+mn-lt"/>
+                <a:ea typeface="+mn-ea"/>
+                <a:cs typeface="+mn-cs"/>
+              </a:defRPr>
+            </a:lvl4pPr>
+            <a:lvl5pPr marL="2057400" indent="-228600" algn="l" defTabSz="914400" rtl="0" eaLnBrk="1" latinLnBrk="0" hangingPunct="1">
+              <a:lnSpc>
+                <a:spcPct val="90000"/>
+              </a:lnSpc>
+              <a:spcBef>
+                <a:spcPts val="500"/>
+              </a:spcBef>
+              <a:buFont typeface="Arial" panose="020B0604020202020204" pitchFamily="34" charset="0"/>
+              <a:buChar char="•"/>
+              <a:defRPr sz="1200" kern="1200">
+                <a:solidFill>
+                  <a:schemeClr val="tx1"/>
+                </a:solidFill>
+                <a:latin typeface="+mn-lt"/>
+                <a:ea typeface="+mn-ea"/>
+                <a:cs typeface="+mn-cs"/>
+              </a:defRPr>
+            </a:lvl5pPr>
+            <a:lvl6pPr marL="2514600" indent="-228600" algn="l" defTabSz="914400" rtl="0" eaLnBrk="1" latinLnBrk="0" hangingPunct="1">
+              <a:lnSpc>
+                <a:spcPct val="90000"/>
+              </a:lnSpc>
+              <a:spcBef>
+                <a:spcPts val="500"/>
+              </a:spcBef>
+              <a:buFont typeface="Arial" panose="020B0604020202020204" pitchFamily="34" charset="0"/>
+              <a:buChar char="•"/>
+              <a:defRPr sz="1800" kern="1200">
+                <a:solidFill>
+                  <a:schemeClr val="tx1"/>
+                </a:solidFill>
+                <a:latin typeface="+mn-lt"/>
+                <a:ea typeface="+mn-ea"/>
+                <a:cs typeface="+mn-cs"/>
+              </a:defRPr>
+            </a:lvl6pPr>
+            <a:lvl7pPr marL="2971800" indent="-228600" algn="l" defTabSz="914400" rtl="0" eaLnBrk="1" latinLnBrk="0" hangingPunct="1">
+              <a:lnSpc>
+                <a:spcPct val="90000"/>
+              </a:lnSpc>
+              <a:spcBef>
+                <a:spcPts val="500"/>
+              </a:spcBef>
+              <a:buFont typeface="Arial" panose="020B0604020202020204" pitchFamily="34" charset="0"/>
+              <a:buChar char="•"/>
+              <a:defRPr sz="1800" kern="1200">
+                <a:solidFill>
+                  <a:schemeClr val="tx1"/>
+                </a:solidFill>
+                <a:latin typeface="+mn-lt"/>
+                <a:ea typeface="+mn-ea"/>
+                <a:cs typeface="+mn-cs"/>
+              </a:defRPr>
+            </a:lvl7pPr>
+            <a:lvl8pPr marL="3429000" indent="-228600" algn="l" defTabSz="914400" rtl="0" eaLnBrk="1" latinLnBrk="0" hangingPunct="1">
+              <a:lnSpc>
+                <a:spcPct val="90000"/>
+              </a:lnSpc>
+              <a:spcBef>
+                <a:spcPts val="500"/>
+              </a:spcBef>
+              <a:buFont typeface="Arial" panose="020B0604020202020204" pitchFamily="34" charset="0"/>
+              <a:buChar char="•"/>
+              <a:defRPr sz="1800" kern="1200">
+                <a:solidFill>
+                  <a:schemeClr val="tx1"/>
+                </a:solidFill>
+                <a:latin typeface="+mn-lt"/>
+                <a:ea typeface="+mn-ea"/>
+                <a:cs typeface="+mn-cs"/>
+              </a:defRPr>
+            </a:lvl8pPr>
+            <a:lvl9pPr marL="3886200" indent="-228600" algn="l" defTabSz="914400" rtl="0" eaLnBrk="1" latinLnBrk="0" hangingPunct="1">
+              <a:lnSpc>
+                <a:spcPct val="90000"/>
+              </a:lnSpc>
+              <a:spcBef>
+                <a:spcPts val="500"/>
+              </a:spcBef>
+              <a:buFont typeface="Arial" panose="020B0604020202020204" pitchFamily="34" charset="0"/>
+              <a:buChar char="•"/>
+              <a:defRPr sz="1800" kern="1200">
+                <a:solidFill>
+                  <a:schemeClr val="tx1"/>
+                </a:solidFill>
+                <a:latin typeface="+mn-lt"/>
+                <a:ea typeface="+mn-ea"/>
+                <a:cs typeface="+mn-cs"/>
+              </a:defRPr>
+            </a:lvl9pPr>
+          </a:lstStyle>
+          <a:p>
+            <a:r>
+              <a:rPr lang="en-US" dirty="0"/>
+              <a:t>20 clock counts</a:t>
+            </a:r>
           </a:p>
         </p:txBody>
       </p:sp>
     </p:spTree>
     <p:extLst>
       <p:ext uri="{BB962C8B-B14F-4D97-AF65-F5344CB8AC3E}">
-        <p14:creationId xmlns:p14="http://schemas.microsoft.com/office/powerpoint/2010/main" val="1454732191"/>
+        <p14:creationId xmlns:p14="http://schemas.microsoft.com/office/powerpoint/2010/main" val="3981342987"/>
       </p:ext>
     </p:extLst>
   </p:cSld>
@@ -5058,31 +5437,6 @@
       </p:sp>
       <p:sp>
         <p:nvSpPr>
-          <p:cNvPr id="3" name="Content Placeholder 2">
-            <a:extLst>
-              <a:ext uri="{FF2B5EF4-FFF2-40B4-BE49-F238E27FC236}">
-                <a16:creationId xmlns:a16="http://schemas.microsoft.com/office/drawing/2014/main" id="{F0AB9DF1-764A-2056-5BC1-70D34F516704}"/>
-              </a:ext>
-            </a:extLst>
-          </p:cNvPr>
-          <p:cNvSpPr>
-            <a:spLocks noGrp="1"/>
-          </p:cNvSpPr>
-          <p:nvPr>
-            <p:ph idx="1"/>
-          </p:nvPr>
-        </p:nvSpPr>
-        <p:spPr/>
-        <p:txBody>
-          <a:bodyPr/>
-          <a:lstStyle/>
-          <a:p>
-            <a:endParaRPr lang="en-US"/>
-          </a:p>
-        </p:txBody>
-      </p:sp>
-      <p:sp>
-        <p:nvSpPr>
           <p:cNvPr id="4" name="Slide Number Placeholder 3">
             <a:extLst>
               <a:ext uri="{FF2B5EF4-FFF2-40B4-BE49-F238E27FC236}">
@@ -5112,10 +5466,10 @@
       </p:sp>
       <p:sp>
         <p:nvSpPr>
-          <p:cNvPr id="5" name="Oval 4">
-            <a:extLst>
-              <a:ext uri="{FF2B5EF4-FFF2-40B4-BE49-F238E27FC236}">
-                <a16:creationId xmlns:a16="http://schemas.microsoft.com/office/drawing/2014/main" id="{67CE74D4-43F8-ED2C-D5EE-727D52A246D7}"/>
+          <p:cNvPr id="5" name="Rectangle 4">
+            <a:extLst>
+              <a:ext uri="{FF2B5EF4-FFF2-40B4-BE49-F238E27FC236}">
+                <a16:creationId xmlns:a16="http://schemas.microsoft.com/office/drawing/2014/main" id="{6102EB4F-2C6B-BE4F-95C6-8F38139F6238}"/>
               </a:ext>
             </a:extLst>
           </p:cNvPr>
@@ -5124,10 +5478,10 @@
         </p:nvSpPr>
         <p:spPr>
           <a:xfrm>
-            <a:off x="1507957" y="3882046"/>
-            <a:ext cx="962527" cy="930442"/>
-          </a:xfrm>
-          <a:prstGeom prst="ellipse">
+            <a:off x="2614862" y="1064029"/>
+            <a:ext cx="5995737" cy="3828813"/>
+          </a:xfrm>
+          <a:prstGeom prst="rect">
             <a:avLst/>
           </a:prstGeom>
         </p:spPr>
@@ -5154,17 +5508,17 @@
             <a:pPr algn="ctr"/>
             <a:r>
               <a:rPr lang="en-US" dirty="0"/>
-              <a:t>IDLE</a:t>
+              <a:t>top</a:t>
             </a:r>
           </a:p>
         </p:txBody>
       </p:sp>
       <p:sp>
         <p:nvSpPr>
-          <p:cNvPr id="6" name="Oval 5">
-            <a:extLst>
-              <a:ext uri="{FF2B5EF4-FFF2-40B4-BE49-F238E27FC236}">
-                <a16:creationId xmlns:a16="http://schemas.microsoft.com/office/drawing/2014/main" id="{22216712-1D2F-3EE1-B5A9-117D0B999522}"/>
+          <p:cNvPr id="6" name="Rectangle 5">
+            <a:extLst>
+              <a:ext uri="{FF2B5EF4-FFF2-40B4-BE49-F238E27FC236}">
+                <a16:creationId xmlns:a16="http://schemas.microsoft.com/office/drawing/2014/main" id="{DC30FA28-E16B-65EA-6A28-285CD8F8A6D8}"/>
               </a:ext>
             </a:extLst>
           </p:cNvPr>
@@ -5173,12 +5527,15 @@
         </p:nvSpPr>
         <p:spPr>
           <a:xfrm>
-            <a:off x="3449051" y="3882046"/>
-            <a:ext cx="1235244" cy="930442"/>
-          </a:xfrm>
-          <a:prstGeom prst="ellipse">
-            <a:avLst/>
-          </a:prstGeom>
+            <a:off x="3968985" y="1374232"/>
+            <a:ext cx="2873829" cy="637817"/>
+          </a:xfrm>
+          <a:prstGeom prst="rect">
+            <a:avLst/>
+          </a:prstGeom>
+          <a:solidFill>
+            <a:schemeClr val="accent2"/>
+          </a:solidFill>
         </p:spPr>
         <p:style>
           <a:lnRef idx="2">
@@ -5202,18 +5559,19 @@
           <a:p>
             <a:pPr algn="ctr"/>
             <a:r>
-              <a:rPr lang="en-US" dirty="0"/>
-              <a:t>FIRST</a:t>
+              <a:rPr lang="en-US" dirty="0" err="1"/>
+              <a:t>clkgen</a:t>
             </a:r>
-          </a:p>
-        </p:txBody>
-      </p:sp>
-      <p:sp>
-        <p:nvSpPr>
-          <p:cNvPr id="7" name="Oval 6">
-            <a:extLst>
-              <a:ext uri="{FF2B5EF4-FFF2-40B4-BE49-F238E27FC236}">
-                <a16:creationId xmlns:a16="http://schemas.microsoft.com/office/drawing/2014/main" id="{584E0225-E5B4-F7DB-E0AF-3A01B53D9DA5}"/>
+            <a:endParaRPr lang="en-US" dirty="0"/>
+          </a:p>
+        </p:txBody>
+      </p:sp>
+      <p:sp>
+        <p:nvSpPr>
+          <p:cNvPr id="7" name="Rectangle 6">
+            <a:extLst>
+              <a:ext uri="{FF2B5EF4-FFF2-40B4-BE49-F238E27FC236}">
+                <a16:creationId xmlns:a16="http://schemas.microsoft.com/office/drawing/2014/main" id="{E0F94A2B-20CA-C3F8-55B8-B442371743DD}"/>
               </a:ext>
             </a:extLst>
           </p:cNvPr>
@@ -5222,12 +5580,15 @@
         </p:nvSpPr>
         <p:spPr>
           <a:xfrm>
-            <a:off x="5694949" y="3882046"/>
-            <a:ext cx="1375282" cy="930442"/>
-          </a:xfrm>
-          <a:prstGeom prst="ellipse">
-            <a:avLst/>
-          </a:prstGeom>
+            <a:off x="3968986" y="3138975"/>
+            <a:ext cx="2873829" cy="637817"/>
+          </a:xfrm>
+          <a:prstGeom prst="rect">
+            <a:avLst/>
+          </a:prstGeom>
+          <a:solidFill>
+            <a:schemeClr val="accent2"/>
+          </a:solidFill>
         </p:spPr>
         <p:style>
           <a:lnRef idx="2">
@@ -5252,17 +5613,17 @@
             <a:pPr algn="ctr"/>
             <a:r>
               <a:rPr lang="en-US" dirty="0"/>
-              <a:t>SECOND</a:t>
+              <a:t>design</a:t>
             </a:r>
           </a:p>
         </p:txBody>
       </p:sp>
       <p:sp>
         <p:nvSpPr>
-          <p:cNvPr id="8" name="Oval 7">
-            <a:extLst>
-              <a:ext uri="{FF2B5EF4-FFF2-40B4-BE49-F238E27FC236}">
-                <a16:creationId xmlns:a16="http://schemas.microsoft.com/office/drawing/2014/main" id="{D214CD47-E5FB-537B-BC9C-656A393D7711}"/>
+          <p:cNvPr id="8" name="Rectangle 7">
+            <a:extLst>
+              <a:ext uri="{FF2B5EF4-FFF2-40B4-BE49-F238E27FC236}">
+                <a16:creationId xmlns:a16="http://schemas.microsoft.com/office/drawing/2014/main" id="{779E4C93-F9AD-8601-95A4-D2F42525B701}"/>
               </a:ext>
             </a:extLst>
           </p:cNvPr>
@@ -5271,12 +5632,15 @@
         </p:nvSpPr>
         <p:spPr>
           <a:xfrm>
-            <a:off x="8080885" y="3882046"/>
-            <a:ext cx="1375282" cy="930442"/>
-          </a:xfrm>
-          <a:prstGeom prst="ellipse">
-            <a:avLst/>
-          </a:prstGeom>
+            <a:off x="3968986" y="4086994"/>
+            <a:ext cx="2873829" cy="637817"/>
+          </a:xfrm>
+          <a:prstGeom prst="rect">
+            <a:avLst/>
+          </a:prstGeom>
+          <a:solidFill>
+            <a:schemeClr val="accent2"/>
+          </a:solidFill>
         </p:spPr>
         <p:style>
           <a:lnRef idx="2">
@@ -5300,9 +5664,10 @@
           <a:p>
             <a:pPr algn="ctr"/>
             <a:r>
-              <a:rPr lang="en-US" dirty="0"/>
-              <a:t>LAST</a:t>
+              <a:rPr lang="en-US" dirty="0" err="1"/>
+              <a:t>test_program</a:t>
             </a:r>
+            <a:endParaRPr lang="en-US" dirty="0"/>
           </a:p>
         </p:txBody>
       </p:sp>
@@ -5311,106 +5676,7 @@
           <p:cNvPr id="9" name="Straight Arrow Connector 8">
             <a:extLst>
               <a:ext uri="{FF2B5EF4-FFF2-40B4-BE49-F238E27FC236}">
-                <a16:creationId xmlns:a16="http://schemas.microsoft.com/office/drawing/2014/main" id="{9E4A227B-17ED-055E-6264-DA38ECBFFD8B}"/>
-              </a:ext>
-            </a:extLst>
-          </p:cNvPr>
-          <p:cNvCxnSpPr>
-            <a:cxnSpLocks/>
-            <a:stCxn id="5" idx="6"/>
-            <a:endCxn id="6" idx="2"/>
-          </p:cNvCxnSpPr>
-          <p:nvPr/>
-        </p:nvCxnSpPr>
-        <p:spPr>
-          <a:xfrm>
-            <a:off x="2470484" y="4347267"/>
-            <a:ext cx="978567" cy="0"/>
-          </a:xfrm>
-          <a:prstGeom prst="straightConnector1">
-            <a:avLst/>
-          </a:prstGeom>
-          <a:ln w="19050">
-            <a:solidFill>
-              <a:srgbClr val="C00000"/>
-            </a:solidFill>
-            <a:tailEnd type="triangle"/>
-          </a:ln>
-        </p:spPr>
-        <p:style>
-          <a:lnRef idx="1">
-            <a:schemeClr val="accent6"/>
-          </a:lnRef>
-          <a:fillRef idx="0">
-            <a:schemeClr val="accent6"/>
-          </a:fillRef>
-          <a:effectRef idx="0">
-            <a:schemeClr val="accent6"/>
-          </a:effectRef>
-          <a:fontRef idx="minor">
-            <a:schemeClr val="tx1"/>
-          </a:fontRef>
-        </p:style>
-      </p:cxnSp>
-      <p:sp>
-        <p:nvSpPr>
-          <p:cNvPr id="12" name="Arrow: Curved Down 11">
-            <a:extLst>
-              <a:ext uri="{FF2B5EF4-FFF2-40B4-BE49-F238E27FC236}">
-                <a16:creationId xmlns:a16="http://schemas.microsoft.com/office/drawing/2014/main" id="{F6A2CBA0-0928-6AF2-750C-0CC3F6FB669B}"/>
-              </a:ext>
-            </a:extLst>
-          </p:cNvPr>
-          <p:cNvSpPr/>
-          <p:nvPr/>
-        </p:nvSpPr>
-        <p:spPr>
-          <a:xfrm>
-            <a:off x="1754604" y="2951604"/>
-            <a:ext cx="625642" cy="930442"/>
-          </a:xfrm>
-          <a:prstGeom prst="curvedDownArrow">
-            <a:avLst/>
-          </a:prstGeom>
-          <a:solidFill>
-            <a:srgbClr val="FF0000"/>
-          </a:solidFill>
-        </p:spPr>
-        <p:style>
-          <a:lnRef idx="2">
-            <a:schemeClr val="accent1">
-              <a:shade val="50000"/>
-            </a:schemeClr>
-          </a:lnRef>
-          <a:fillRef idx="1">
-            <a:schemeClr val="accent1"/>
-          </a:fillRef>
-          <a:effectRef idx="0">
-            <a:schemeClr val="accent1"/>
-          </a:effectRef>
-          <a:fontRef idx="minor">
-            <a:schemeClr val="lt1"/>
-          </a:fontRef>
-        </p:style>
-        <p:txBody>
-          <a:bodyPr rtlCol="0" anchor="ctr"/>
-          <a:lstStyle/>
-          <a:p>
-            <a:pPr algn="ctr"/>
-            <a:endParaRPr lang="en-US">
-              <a:solidFill>
-                <a:schemeClr val="tx1"/>
-              </a:solidFill>
-            </a:endParaRPr>
-          </a:p>
-        </p:txBody>
-      </p:sp>
-      <p:cxnSp>
-        <p:nvCxnSpPr>
-          <p:cNvPr id="13" name="Straight Arrow Connector 12">
-            <a:extLst>
-              <a:ext uri="{FF2B5EF4-FFF2-40B4-BE49-F238E27FC236}">
-                <a16:creationId xmlns:a16="http://schemas.microsoft.com/office/drawing/2014/main" id="{ED432BD8-0F3C-979F-B0CC-DF98C61B0C8A}"/>
+                <a16:creationId xmlns:a16="http://schemas.microsoft.com/office/drawing/2014/main" id="{EA338D19-8686-67B7-E30D-D1BA267343BC}"/>
               </a:ext>
             </a:extLst>
           </p:cNvPr>
@@ -5421,16 +5687,13 @@
         </p:nvCxnSpPr>
         <p:spPr>
           <a:xfrm>
-            <a:off x="4684295" y="4347267"/>
-            <a:ext cx="978567" cy="0"/>
+            <a:off x="6629081" y="1660859"/>
+            <a:ext cx="861056" cy="0"/>
           </a:xfrm>
           <a:prstGeom prst="straightConnector1">
             <a:avLst/>
           </a:prstGeom>
           <a:ln w="19050">
-            <a:solidFill>
-              <a:srgbClr val="C00000"/>
-            </a:solidFill>
             <a:tailEnd type="triangle"/>
           </a:ln>
         </p:spPr>
@@ -5451,10 +5714,10 @@
       </p:cxnSp>
       <p:cxnSp>
         <p:nvCxnSpPr>
-          <p:cNvPr id="14" name="Straight Arrow Connector 13">
-            <a:extLst>
-              <a:ext uri="{FF2B5EF4-FFF2-40B4-BE49-F238E27FC236}">
-                <a16:creationId xmlns:a16="http://schemas.microsoft.com/office/drawing/2014/main" id="{7F086A61-C436-038C-4A78-341332E81D54}"/>
+          <p:cNvPr id="10" name="Straight Arrow Connector 9">
+            <a:extLst>
+              <a:ext uri="{FF2B5EF4-FFF2-40B4-BE49-F238E27FC236}">
+                <a16:creationId xmlns:a16="http://schemas.microsoft.com/office/drawing/2014/main" id="{244E8A05-74BE-5F40-0352-DC1642D3A123}"/>
               </a:ext>
             </a:extLst>
           </p:cNvPr>
@@ -5464,17 +5727,14 @@
           <p:nvPr/>
         </p:nvCxnSpPr>
         <p:spPr>
-          <a:xfrm>
-            <a:off x="7070231" y="4347267"/>
-            <a:ext cx="978567" cy="0"/>
+          <a:xfrm flipH="1">
+            <a:off x="6708887" y="3429000"/>
+            <a:ext cx="781250" cy="0"/>
           </a:xfrm>
           <a:prstGeom prst="straightConnector1">
             <a:avLst/>
           </a:prstGeom>
           <a:ln w="19050">
-            <a:solidFill>
-              <a:srgbClr val="C00000"/>
-            </a:solidFill>
             <a:tailEnd type="triangle"/>
           </a:ln>
         </p:spPr>
@@ -5493,63 +5753,169 @@
           </a:fontRef>
         </p:style>
       </p:cxnSp>
-      <p:sp>
-        <p:nvSpPr>
-          <p:cNvPr id="15" name="Arrow: Curved Down 14">
-            <a:extLst>
-              <a:ext uri="{FF2B5EF4-FFF2-40B4-BE49-F238E27FC236}">
-                <a16:creationId xmlns:a16="http://schemas.microsoft.com/office/drawing/2014/main" id="{16BDDEF8-E837-D149-F914-65A3D852F7FD}"/>
-              </a:ext>
-            </a:extLst>
-          </p:cNvPr>
-          <p:cNvSpPr/>
+      <p:cxnSp>
+        <p:nvCxnSpPr>
+          <p:cNvPr id="11" name="Straight Arrow Connector 10">
+            <a:extLst>
+              <a:ext uri="{FF2B5EF4-FFF2-40B4-BE49-F238E27FC236}">
+                <a16:creationId xmlns:a16="http://schemas.microsoft.com/office/drawing/2014/main" id="{DC737003-E3BB-1F05-6A23-7BD8C6B63D01}"/>
+              </a:ext>
+            </a:extLst>
+          </p:cNvPr>
+          <p:cNvCxnSpPr>
+            <a:cxnSpLocks/>
+          </p:cNvCxnSpPr>
           <p:nvPr/>
-        </p:nvSpPr>
-        <p:spPr>
-          <a:xfrm flipH="1" flipV="1">
-            <a:off x="2037345" y="4799365"/>
-            <a:ext cx="6384104" cy="930441"/>
-          </a:xfrm>
-          <a:prstGeom prst="curvedDownArrow">
-            <a:avLst/>
-          </a:prstGeom>
-          <a:solidFill>
-            <a:srgbClr val="FF0000"/>
-          </a:solidFill>
+        </p:nvCxnSpPr>
+        <p:spPr>
+          <a:xfrm flipH="1">
+            <a:off x="6708887" y="4503821"/>
+            <a:ext cx="781250" cy="0"/>
+          </a:xfrm>
+          <a:prstGeom prst="straightConnector1">
+            <a:avLst/>
+          </a:prstGeom>
+          <a:ln w="19050">
+            <a:tailEnd type="triangle"/>
+          </a:ln>
         </p:spPr>
         <p:style>
-          <a:lnRef idx="2">
-            <a:schemeClr val="accent1">
-              <a:shade val="50000"/>
-            </a:schemeClr>
+          <a:lnRef idx="1">
+            <a:schemeClr val="accent6"/>
           </a:lnRef>
-          <a:fillRef idx="1">
-            <a:schemeClr val="accent1"/>
+          <a:fillRef idx="0">
+            <a:schemeClr val="accent6"/>
           </a:fillRef>
           <a:effectRef idx="0">
-            <a:schemeClr val="accent1"/>
+            <a:schemeClr val="accent6"/>
           </a:effectRef>
           <a:fontRef idx="minor">
-            <a:schemeClr val="lt1"/>
+            <a:schemeClr val="tx1"/>
           </a:fontRef>
         </p:style>
-        <p:txBody>
-          <a:bodyPr rtlCol="0" anchor="ctr"/>
-          <a:lstStyle/>
-          <a:p>
-            <a:pPr algn="ctr"/>
-            <a:endParaRPr lang="en-US">
-              <a:solidFill>
-                <a:schemeClr val="tx1"/>
-              </a:solidFill>
-            </a:endParaRPr>
-          </a:p>
-        </p:txBody>
-      </p:sp>
+      </p:cxnSp>
+      <p:cxnSp>
+        <p:nvCxnSpPr>
+          <p:cNvPr id="12" name="Straight Arrow Connector 11">
+            <a:extLst>
+              <a:ext uri="{FF2B5EF4-FFF2-40B4-BE49-F238E27FC236}">
+                <a16:creationId xmlns:a16="http://schemas.microsoft.com/office/drawing/2014/main" id="{4D8971D2-5837-9C65-CFFE-950463C1F108}"/>
+              </a:ext>
+            </a:extLst>
+          </p:cNvPr>
+          <p:cNvCxnSpPr>
+            <a:cxnSpLocks/>
+          </p:cNvCxnSpPr>
+          <p:nvPr/>
+        </p:nvCxnSpPr>
+        <p:spPr>
+          <a:xfrm flipH="1" flipV="1">
+            <a:off x="4329583" y="3437432"/>
+            <a:ext cx="14750" cy="862014"/>
+          </a:xfrm>
+          <a:prstGeom prst="straightConnector1">
+            <a:avLst/>
+          </a:prstGeom>
+          <a:ln w="19050">
+            <a:solidFill>
+              <a:srgbClr val="C00000"/>
+            </a:solidFill>
+            <a:tailEnd type="triangle"/>
+          </a:ln>
+        </p:spPr>
+        <p:style>
+          <a:lnRef idx="1">
+            <a:schemeClr val="accent6"/>
+          </a:lnRef>
+          <a:fillRef idx="0">
+            <a:schemeClr val="accent6"/>
+          </a:fillRef>
+          <a:effectRef idx="0">
+            <a:schemeClr val="accent6"/>
+          </a:effectRef>
+          <a:fontRef idx="minor">
+            <a:schemeClr val="tx1"/>
+          </a:fontRef>
+        </p:style>
+      </p:cxnSp>
+      <p:cxnSp>
+        <p:nvCxnSpPr>
+          <p:cNvPr id="13" name="Straight Arrow Connector 12">
+            <a:extLst>
+              <a:ext uri="{FF2B5EF4-FFF2-40B4-BE49-F238E27FC236}">
+                <a16:creationId xmlns:a16="http://schemas.microsoft.com/office/drawing/2014/main" id="{21450A2E-06CF-86F0-226C-983450058BD5}"/>
+              </a:ext>
+            </a:extLst>
+          </p:cNvPr>
+          <p:cNvCxnSpPr>
+            <a:cxnSpLocks/>
+          </p:cNvCxnSpPr>
+          <p:nvPr/>
+        </p:nvCxnSpPr>
+        <p:spPr>
+          <a:xfrm>
+            <a:off x="6272463" y="3437432"/>
+            <a:ext cx="0" cy="862014"/>
+          </a:xfrm>
+          <a:prstGeom prst="straightConnector1">
+            <a:avLst/>
+          </a:prstGeom>
+          <a:ln w="19050">
+            <a:solidFill>
+              <a:srgbClr val="C00000"/>
+            </a:solidFill>
+            <a:tailEnd type="triangle"/>
+          </a:ln>
+        </p:spPr>
+        <p:style>
+          <a:lnRef idx="1">
+            <a:schemeClr val="accent6"/>
+          </a:lnRef>
+          <a:fillRef idx="0">
+            <a:schemeClr val="accent6"/>
+          </a:fillRef>
+          <a:effectRef idx="0">
+            <a:schemeClr val="accent6"/>
+          </a:effectRef>
+          <a:fontRef idx="minor">
+            <a:schemeClr val="tx1"/>
+          </a:fontRef>
+        </p:style>
+      </p:cxnSp>
+      <p:pic>
+        <p:nvPicPr>
+          <p:cNvPr id="18" name="Picture 17">
+            <a:extLst>
+              <a:ext uri="{FF2B5EF4-FFF2-40B4-BE49-F238E27FC236}">
+                <a16:creationId xmlns:a16="http://schemas.microsoft.com/office/drawing/2014/main" id="{492A402F-4E66-814B-6D67-6368D699DA8E}"/>
+              </a:ext>
+            </a:extLst>
+          </p:cNvPr>
+          <p:cNvPicPr>
+            <a:picLocks noChangeAspect="1"/>
+          </p:cNvPicPr>
+          <p:nvPr/>
+        </p:nvPicPr>
+        <p:blipFill>
+          <a:blip r:embed="rId2"/>
+          <a:stretch>
+            <a:fillRect/>
+          </a:stretch>
+        </p:blipFill>
+        <p:spPr>
+          <a:xfrm>
+            <a:off x="8782834" y="1064029"/>
+            <a:ext cx="2398731" cy="1426272"/>
+          </a:xfrm>
+          <a:prstGeom prst="rect">
+            <a:avLst/>
+          </a:prstGeom>
+        </p:spPr>
+      </p:pic>
     </p:spTree>
     <p:extLst>
       <p:ext uri="{BB962C8B-B14F-4D97-AF65-F5344CB8AC3E}">
-        <p14:creationId xmlns:p14="http://schemas.microsoft.com/office/powerpoint/2010/main" val="3981342987"/>
+        <p14:creationId xmlns:p14="http://schemas.microsoft.com/office/powerpoint/2010/main" val="3022158455"/>
       </p:ext>
     </p:extLst>
   </p:cSld>
@@ -5581,7 +5947,7 @@
           <p:cNvPr id="2" name="Title 1">
             <a:extLst>
               <a:ext uri="{FF2B5EF4-FFF2-40B4-BE49-F238E27FC236}">
-                <a16:creationId xmlns:a16="http://schemas.microsoft.com/office/drawing/2014/main" id="{E6E7246E-6DDB-2F98-52B0-04AB5D144996}"/>
+                <a16:creationId xmlns:a16="http://schemas.microsoft.com/office/drawing/2014/main" id="{0AEB7B77-FA10-C46A-0CC0-5C6DA2DB31EB}"/>
               </a:ext>
             </a:extLst>
           </p:cNvPr>
@@ -5592,14 +5958,19 @@
             <p:ph type="title"/>
           </p:nvPr>
         </p:nvSpPr>
-        <p:spPr/>
+        <p:spPr>
+          <a:xfrm>
+            <a:off x="324196" y="160394"/>
+            <a:ext cx="11029604" cy="599151"/>
+          </a:xfrm>
+        </p:spPr>
         <p:txBody>
           <a:bodyPr/>
           <a:lstStyle/>
           <a:p>
             <a:r>
               <a:rPr lang="en-US" dirty="0"/>
-              <a:t>lab04</a:t>
+              <a:t>lab12</a:t>
             </a:r>
           </a:p>
         </p:txBody>
@@ -5609,7 +5980,7 @@
           <p:cNvPr id="3" name="Content Placeholder 2">
             <a:extLst>
               <a:ext uri="{FF2B5EF4-FFF2-40B4-BE49-F238E27FC236}">
-                <a16:creationId xmlns:a16="http://schemas.microsoft.com/office/drawing/2014/main" id="{F0AB9DF1-764A-2056-5BC1-70D34F516704}"/>
+                <a16:creationId xmlns:a16="http://schemas.microsoft.com/office/drawing/2014/main" id="{810C7513-AE8B-94AD-262A-53C837DD6E09}"/>
               </a:ext>
             </a:extLst>
           </p:cNvPr>
@@ -5620,12 +5991,26 @@
             <p:ph idx="1"/>
           </p:nvPr>
         </p:nvSpPr>
-        <p:spPr/>
+        <p:spPr>
+          <a:xfrm>
+            <a:off x="9062431" y="799639"/>
+            <a:ext cx="2842788" cy="711866"/>
+          </a:xfrm>
+        </p:spPr>
         <p:txBody>
           <a:bodyPr/>
           <a:lstStyle/>
           <a:p>
-            <a:endParaRPr lang="en-US" dirty="0"/>
+            <a:r>
+              <a:rPr lang="en-US" dirty="0"/>
+              <a:t>red = unsigned addition</a:t>
+            </a:r>
+          </a:p>
+          <a:p>
+            <a:r>
+              <a:rPr lang="en-US" dirty="0"/>
+              <a:t>green = signed addition</a:t>
+            </a:r>
           </a:p>
         </p:txBody>
       </p:sp>
@@ -5634,7 +6019,7 @@
           <p:cNvPr id="4" name="Slide Number Placeholder 3">
             <a:extLst>
               <a:ext uri="{FF2B5EF4-FFF2-40B4-BE49-F238E27FC236}">
-                <a16:creationId xmlns:a16="http://schemas.microsoft.com/office/drawing/2014/main" id="{A653B7C0-A01B-B019-AE82-6D2CF11E10FE}"/>
+                <a16:creationId xmlns:a16="http://schemas.microsoft.com/office/drawing/2014/main" id="{8CC1F037-F447-3414-DCE0-2DA083E5302F}"/>
               </a:ext>
             </a:extLst>
           </p:cNvPr>
@@ -5658,430 +6043,12 @@
           </a:p>
         </p:txBody>
       </p:sp>
-      <p:sp>
-        <p:nvSpPr>
-          <p:cNvPr id="5" name="Rectangle 4">
-            <a:extLst>
-              <a:ext uri="{FF2B5EF4-FFF2-40B4-BE49-F238E27FC236}">
-                <a16:creationId xmlns:a16="http://schemas.microsoft.com/office/drawing/2014/main" id="{6102EB4F-2C6B-BE4F-95C6-8F38139F6238}"/>
-              </a:ext>
-            </a:extLst>
-          </p:cNvPr>
-          <p:cNvSpPr/>
-          <p:nvPr/>
-        </p:nvSpPr>
-        <p:spPr>
-          <a:xfrm>
-            <a:off x="2614862" y="1064029"/>
-            <a:ext cx="5995737" cy="3828813"/>
-          </a:xfrm>
-          <a:prstGeom prst="rect">
-            <a:avLst/>
-          </a:prstGeom>
-        </p:spPr>
-        <p:style>
-          <a:lnRef idx="2">
-            <a:schemeClr val="accent1">
-              <a:shade val="50000"/>
-            </a:schemeClr>
-          </a:lnRef>
-          <a:fillRef idx="1">
-            <a:schemeClr val="accent1"/>
-          </a:fillRef>
-          <a:effectRef idx="0">
-            <a:schemeClr val="accent1"/>
-          </a:effectRef>
-          <a:fontRef idx="minor">
-            <a:schemeClr val="lt1"/>
-          </a:fontRef>
-        </p:style>
-        <p:txBody>
-          <a:bodyPr rtlCol="0" anchor="ctr"/>
-          <a:lstStyle/>
-          <a:p>
-            <a:pPr algn="ctr"/>
-            <a:r>
-              <a:rPr lang="en-US" dirty="0"/>
-              <a:t>top</a:t>
-            </a:r>
-          </a:p>
-        </p:txBody>
-      </p:sp>
-      <p:sp>
-        <p:nvSpPr>
-          <p:cNvPr id="6" name="Rectangle 5">
-            <a:extLst>
-              <a:ext uri="{FF2B5EF4-FFF2-40B4-BE49-F238E27FC236}">
-                <a16:creationId xmlns:a16="http://schemas.microsoft.com/office/drawing/2014/main" id="{DC30FA28-E16B-65EA-6A28-285CD8F8A6D8}"/>
-              </a:ext>
-            </a:extLst>
-          </p:cNvPr>
-          <p:cNvSpPr/>
-          <p:nvPr/>
-        </p:nvSpPr>
-        <p:spPr>
-          <a:xfrm>
-            <a:off x="3968985" y="1374232"/>
-            <a:ext cx="2873829" cy="637817"/>
-          </a:xfrm>
-          <a:prstGeom prst="rect">
-            <a:avLst/>
-          </a:prstGeom>
-          <a:solidFill>
-            <a:schemeClr val="accent2"/>
-          </a:solidFill>
-        </p:spPr>
-        <p:style>
-          <a:lnRef idx="2">
-            <a:schemeClr val="accent1">
-              <a:shade val="50000"/>
-            </a:schemeClr>
-          </a:lnRef>
-          <a:fillRef idx="1">
-            <a:schemeClr val="accent1"/>
-          </a:fillRef>
-          <a:effectRef idx="0">
-            <a:schemeClr val="accent1"/>
-          </a:effectRef>
-          <a:fontRef idx="minor">
-            <a:schemeClr val="lt1"/>
-          </a:fontRef>
-        </p:style>
-        <p:txBody>
-          <a:bodyPr rtlCol="0" anchor="ctr"/>
-          <a:lstStyle/>
-          <a:p>
-            <a:pPr algn="ctr"/>
-            <a:r>
-              <a:rPr lang="en-US" dirty="0" err="1"/>
-              <a:t>clkgen</a:t>
-            </a:r>
-            <a:endParaRPr lang="en-US" dirty="0"/>
-          </a:p>
-        </p:txBody>
-      </p:sp>
-      <p:sp>
-        <p:nvSpPr>
-          <p:cNvPr id="7" name="Rectangle 6">
-            <a:extLst>
-              <a:ext uri="{FF2B5EF4-FFF2-40B4-BE49-F238E27FC236}">
-                <a16:creationId xmlns:a16="http://schemas.microsoft.com/office/drawing/2014/main" id="{E0F94A2B-20CA-C3F8-55B8-B442371743DD}"/>
-              </a:ext>
-            </a:extLst>
-          </p:cNvPr>
-          <p:cNvSpPr/>
-          <p:nvPr/>
-        </p:nvSpPr>
-        <p:spPr>
-          <a:xfrm>
-            <a:off x="3968986" y="3138975"/>
-            <a:ext cx="2873829" cy="637817"/>
-          </a:xfrm>
-          <a:prstGeom prst="rect">
-            <a:avLst/>
-          </a:prstGeom>
-          <a:solidFill>
-            <a:schemeClr val="accent2"/>
-          </a:solidFill>
-        </p:spPr>
-        <p:style>
-          <a:lnRef idx="2">
-            <a:schemeClr val="accent1">
-              <a:shade val="50000"/>
-            </a:schemeClr>
-          </a:lnRef>
-          <a:fillRef idx="1">
-            <a:schemeClr val="accent1"/>
-          </a:fillRef>
-          <a:effectRef idx="0">
-            <a:schemeClr val="accent1"/>
-          </a:effectRef>
-          <a:fontRef idx="minor">
-            <a:schemeClr val="lt1"/>
-          </a:fontRef>
-        </p:style>
-        <p:txBody>
-          <a:bodyPr rtlCol="0" anchor="ctr"/>
-          <a:lstStyle/>
-          <a:p>
-            <a:pPr algn="ctr"/>
-            <a:r>
-              <a:rPr lang="en-US" dirty="0"/>
-              <a:t>design</a:t>
-            </a:r>
-          </a:p>
-        </p:txBody>
-      </p:sp>
-      <p:sp>
-        <p:nvSpPr>
-          <p:cNvPr id="8" name="Rectangle 7">
-            <a:extLst>
-              <a:ext uri="{FF2B5EF4-FFF2-40B4-BE49-F238E27FC236}">
-                <a16:creationId xmlns:a16="http://schemas.microsoft.com/office/drawing/2014/main" id="{779E4C93-F9AD-8601-95A4-D2F42525B701}"/>
-              </a:ext>
-            </a:extLst>
-          </p:cNvPr>
-          <p:cNvSpPr/>
-          <p:nvPr/>
-        </p:nvSpPr>
-        <p:spPr>
-          <a:xfrm>
-            <a:off x="3968986" y="4086994"/>
-            <a:ext cx="2873829" cy="637817"/>
-          </a:xfrm>
-          <a:prstGeom prst="rect">
-            <a:avLst/>
-          </a:prstGeom>
-          <a:solidFill>
-            <a:schemeClr val="accent2"/>
-          </a:solidFill>
-        </p:spPr>
-        <p:style>
-          <a:lnRef idx="2">
-            <a:schemeClr val="accent1">
-              <a:shade val="50000"/>
-            </a:schemeClr>
-          </a:lnRef>
-          <a:fillRef idx="1">
-            <a:schemeClr val="accent1"/>
-          </a:fillRef>
-          <a:effectRef idx="0">
-            <a:schemeClr val="accent1"/>
-          </a:effectRef>
-          <a:fontRef idx="minor">
-            <a:schemeClr val="lt1"/>
-          </a:fontRef>
-        </p:style>
-        <p:txBody>
-          <a:bodyPr rtlCol="0" anchor="ctr"/>
-          <a:lstStyle/>
-          <a:p>
-            <a:pPr algn="ctr"/>
-            <a:r>
-              <a:rPr lang="en-US" dirty="0" err="1"/>
-              <a:t>test_program</a:t>
-            </a:r>
-            <a:endParaRPr lang="en-US" dirty="0"/>
-          </a:p>
-        </p:txBody>
-      </p:sp>
-      <p:cxnSp>
-        <p:nvCxnSpPr>
-          <p:cNvPr id="9" name="Straight Arrow Connector 8">
-            <a:extLst>
-              <a:ext uri="{FF2B5EF4-FFF2-40B4-BE49-F238E27FC236}">
-                <a16:creationId xmlns:a16="http://schemas.microsoft.com/office/drawing/2014/main" id="{EA338D19-8686-67B7-E30D-D1BA267343BC}"/>
-              </a:ext>
-            </a:extLst>
-          </p:cNvPr>
-          <p:cNvCxnSpPr>
-            <a:cxnSpLocks/>
-          </p:cNvCxnSpPr>
-          <p:nvPr/>
-        </p:nvCxnSpPr>
-        <p:spPr>
-          <a:xfrm>
-            <a:off x="6629081" y="1660859"/>
-            <a:ext cx="861056" cy="0"/>
-          </a:xfrm>
-          <a:prstGeom prst="straightConnector1">
-            <a:avLst/>
-          </a:prstGeom>
-          <a:ln w="19050">
-            <a:tailEnd type="triangle"/>
-          </a:ln>
-        </p:spPr>
-        <p:style>
-          <a:lnRef idx="1">
-            <a:schemeClr val="accent6"/>
-          </a:lnRef>
-          <a:fillRef idx="0">
-            <a:schemeClr val="accent6"/>
-          </a:fillRef>
-          <a:effectRef idx="0">
-            <a:schemeClr val="accent6"/>
-          </a:effectRef>
-          <a:fontRef idx="minor">
-            <a:schemeClr val="tx1"/>
-          </a:fontRef>
-        </p:style>
-      </p:cxnSp>
-      <p:cxnSp>
-        <p:nvCxnSpPr>
-          <p:cNvPr id="10" name="Straight Arrow Connector 9">
-            <a:extLst>
-              <a:ext uri="{FF2B5EF4-FFF2-40B4-BE49-F238E27FC236}">
-                <a16:creationId xmlns:a16="http://schemas.microsoft.com/office/drawing/2014/main" id="{244E8A05-74BE-5F40-0352-DC1642D3A123}"/>
-              </a:ext>
-            </a:extLst>
-          </p:cNvPr>
-          <p:cNvCxnSpPr>
-            <a:cxnSpLocks/>
-          </p:cNvCxnSpPr>
-          <p:nvPr/>
-        </p:nvCxnSpPr>
-        <p:spPr>
-          <a:xfrm flipH="1">
-            <a:off x="6708887" y="3429000"/>
-            <a:ext cx="781250" cy="0"/>
-          </a:xfrm>
-          <a:prstGeom prst="straightConnector1">
-            <a:avLst/>
-          </a:prstGeom>
-          <a:ln w="19050">
-            <a:tailEnd type="triangle"/>
-          </a:ln>
-        </p:spPr>
-        <p:style>
-          <a:lnRef idx="1">
-            <a:schemeClr val="accent6"/>
-          </a:lnRef>
-          <a:fillRef idx="0">
-            <a:schemeClr val="accent6"/>
-          </a:fillRef>
-          <a:effectRef idx="0">
-            <a:schemeClr val="accent6"/>
-          </a:effectRef>
-          <a:fontRef idx="minor">
-            <a:schemeClr val="tx1"/>
-          </a:fontRef>
-        </p:style>
-      </p:cxnSp>
-      <p:cxnSp>
-        <p:nvCxnSpPr>
-          <p:cNvPr id="11" name="Straight Arrow Connector 10">
-            <a:extLst>
-              <a:ext uri="{FF2B5EF4-FFF2-40B4-BE49-F238E27FC236}">
-                <a16:creationId xmlns:a16="http://schemas.microsoft.com/office/drawing/2014/main" id="{DC737003-E3BB-1F05-6A23-7BD8C6B63D01}"/>
-              </a:ext>
-            </a:extLst>
-          </p:cNvPr>
-          <p:cNvCxnSpPr>
-            <a:cxnSpLocks/>
-          </p:cNvCxnSpPr>
-          <p:nvPr/>
-        </p:nvCxnSpPr>
-        <p:spPr>
-          <a:xfrm flipH="1">
-            <a:off x="6708887" y="4503821"/>
-            <a:ext cx="781250" cy="0"/>
-          </a:xfrm>
-          <a:prstGeom prst="straightConnector1">
-            <a:avLst/>
-          </a:prstGeom>
-          <a:ln w="19050">
-            <a:tailEnd type="triangle"/>
-          </a:ln>
-        </p:spPr>
-        <p:style>
-          <a:lnRef idx="1">
-            <a:schemeClr val="accent6"/>
-          </a:lnRef>
-          <a:fillRef idx="0">
-            <a:schemeClr val="accent6"/>
-          </a:fillRef>
-          <a:effectRef idx="0">
-            <a:schemeClr val="accent6"/>
-          </a:effectRef>
-          <a:fontRef idx="minor">
-            <a:schemeClr val="tx1"/>
-          </a:fontRef>
-        </p:style>
-      </p:cxnSp>
-      <p:cxnSp>
-        <p:nvCxnSpPr>
-          <p:cNvPr id="12" name="Straight Arrow Connector 11">
-            <a:extLst>
-              <a:ext uri="{FF2B5EF4-FFF2-40B4-BE49-F238E27FC236}">
-                <a16:creationId xmlns:a16="http://schemas.microsoft.com/office/drawing/2014/main" id="{4D8971D2-5837-9C65-CFFE-950463C1F108}"/>
-              </a:ext>
-            </a:extLst>
-          </p:cNvPr>
-          <p:cNvCxnSpPr>
-            <a:cxnSpLocks/>
-          </p:cNvCxnSpPr>
-          <p:nvPr/>
-        </p:nvCxnSpPr>
-        <p:spPr>
-          <a:xfrm flipH="1" flipV="1">
-            <a:off x="4329583" y="3437432"/>
-            <a:ext cx="14750" cy="862014"/>
-          </a:xfrm>
-          <a:prstGeom prst="straightConnector1">
-            <a:avLst/>
-          </a:prstGeom>
-          <a:ln w="19050">
-            <a:solidFill>
-              <a:srgbClr val="C00000"/>
-            </a:solidFill>
-            <a:tailEnd type="triangle"/>
-          </a:ln>
-        </p:spPr>
-        <p:style>
-          <a:lnRef idx="1">
-            <a:schemeClr val="accent6"/>
-          </a:lnRef>
-          <a:fillRef idx="0">
-            <a:schemeClr val="accent6"/>
-          </a:fillRef>
-          <a:effectRef idx="0">
-            <a:schemeClr val="accent6"/>
-          </a:effectRef>
-          <a:fontRef idx="minor">
-            <a:schemeClr val="tx1"/>
-          </a:fontRef>
-        </p:style>
-      </p:cxnSp>
-      <p:cxnSp>
-        <p:nvCxnSpPr>
-          <p:cNvPr id="13" name="Straight Arrow Connector 12">
-            <a:extLst>
-              <a:ext uri="{FF2B5EF4-FFF2-40B4-BE49-F238E27FC236}">
-                <a16:creationId xmlns:a16="http://schemas.microsoft.com/office/drawing/2014/main" id="{21450A2E-06CF-86F0-226C-983450058BD5}"/>
-              </a:ext>
-            </a:extLst>
-          </p:cNvPr>
-          <p:cNvCxnSpPr>
-            <a:cxnSpLocks/>
-          </p:cNvCxnSpPr>
-          <p:nvPr/>
-        </p:nvCxnSpPr>
-        <p:spPr>
-          <a:xfrm>
-            <a:off x="6272463" y="3437432"/>
-            <a:ext cx="0" cy="862014"/>
-          </a:xfrm>
-          <a:prstGeom prst="straightConnector1">
-            <a:avLst/>
-          </a:prstGeom>
-          <a:ln w="19050">
-            <a:solidFill>
-              <a:srgbClr val="C00000"/>
-            </a:solidFill>
-            <a:tailEnd type="triangle"/>
-          </a:ln>
-        </p:spPr>
-        <p:style>
-          <a:lnRef idx="1">
-            <a:schemeClr val="accent6"/>
-          </a:lnRef>
-          <a:fillRef idx="0">
-            <a:schemeClr val="accent6"/>
-          </a:fillRef>
-          <a:effectRef idx="0">
-            <a:schemeClr val="accent6"/>
-          </a:effectRef>
-          <a:fontRef idx="minor">
-            <a:schemeClr val="tx1"/>
-          </a:fontRef>
-        </p:style>
-      </p:cxnSp>
       <p:pic>
         <p:nvPicPr>
-          <p:cNvPr id="18" name="Picture 17">
-            <a:extLst>
-              <a:ext uri="{FF2B5EF4-FFF2-40B4-BE49-F238E27FC236}">
-                <a16:creationId xmlns:a16="http://schemas.microsoft.com/office/drawing/2014/main" id="{492A402F-4E66-814B-6D67-6368D699DA8E}"/>
+          <p:cNvPr id="8" name="Picture 7">
+            <a:extLst>
+              <a:ext uri="{FF2B5EF4-FFF2-40B4-BE49-F238E27FC236}">
+                <a16:creationId xmlns:a16="http://schemas.microsoft.com/office/drawing/2014/main" id="{7E1721ED-D02A-9594-878F-0508E8297F22}"/>
               </a:ext>
             </a:extLst>
           </p:cNvPr>
@@ -6098,8 +6065,68 @@
         </p:blipFill>
         <p:spPr>
           <a:xfrm>
-            <a:off x="9203065" y="1064029"/>
-            <a:ext cx="2398731" cy="1426272"/>
+            <a:off x="1808655" y="1511504"/>
+            <a:ext cx="10227356" cy="5346496"/>
+          </a:xfrm>
+          <a:prstGeom prst="rect">
+            <a:avLst/>
+          </a:prstGeom>
+        </p:spPr>
+      </p:pic>
+      <p:pic>
+        <p:nvPicPr>
+          <p:cNvPr id="6" name="Picture 5">
+            <a:extLst>
+              <a:ext uri="{FF2B5EF4-FFF2-40B4-BE49-F238E27FC236}">
+                <a16:creationId xmlns:a16="http://schemas.microsoft.com/office/drawing/2014/main" id="{5A55FC3A-FE61-0247-5376-A97328B92045}"/>
+              </a:ext>
+            </a:extLst>
+          </p:cNvPr>
+          <p:cNvPicPr>
+            <a:picLocks noChangeAspect="1"/>
+          </p:cNvPicPr>
+          <p:nvPr/>
+        </p:nvPicPr>
+        <p:blipFill>
+          <a:blip r:embed="rId3"/>
+          <a:stretch>
+            <a:fillRect/>
+          </a:stretch>
+        </p:blipFill>
+        <p:spPr>
+          <a:xfrm>
+            <a:off x="6590851" y="751717"/>
+            <a:ext cx="1762376" cy="1440317"/>
+          </a:xfrm>
+          <a:prstGeom prst="rect">
+            <a:avLst/>
+          </a:prstGeom>
+        </p:spPr>
+      </p:pic>
+      <p:pic>
+        <p:nvPicPr>
+          <p:cNvPr id="10" name="Picture 9">
+            <a:extLst>
+              <a:ext uri="{FF2B5EF4-FFF2-40B4-BE49-F238E27FC236}">
+                <a16:creationId xmlns:a16="http://schemas.microsoft.com/office/drawing/2014/main" id="{D20F0CA7-9786-5797-2C77-553C00C20154}"/>
+              </a:ext>
+            </a:extLst>
+          </p:cNvPr>
+          <p:cNvPicPr>
+            <a:picLocks noChangeAspect="1"/>
+          </p:cNvPicPr>
+          <p:nvPr/>
+        </p:nvPicPr>
+        <p:blipFill>
+          <a:blip r:embed="rId4"/>
+          <a:stretch>
+            <a:fillRect/>
+          </a:stretch>
+        </p:blipFill>
+        <p:spPr>
+          <a:xfrm>
+            <a:off x="8353227" y="272028"/>
+            <a:ext cx="3198916" cy="487517"/>
           </a:xfrm>
           <a:prstGeom prst="rect">
             <a:avLst/>
@@ -6109,7 +6136,7 @@
     </p:spTree>
     <p:extLst>
       <p:ext uri="{BB962C8B-B14F-4D97-AF65-F5344CB8AC3E}">
-        <p14:creationId xmlns:p14="http://schemas.microsoft.com/office/powerpoint/2010/main" val="3022158455"/>
+        <p14:creationId xmlns:p14="http://schemas.microsoft.com/office/powerpoint/2010/main" val="1790081145"/>
       </p:ext>
     </p:extLst>
   </p:cSld>
@@ -6138,82 +6165,10 @@
       </p:grpSpPr>
       <p:sp>
         <p:nvSpPr>
-          <p:cNvPr id="2" name="Title 1">
-            <a:extLst>
-              <a:ext uri="{FF2B5EF4-FFF2-40B4-BE49-F238E27FC236}">
-                <a16:creationId xmlns:a16="http://schemas.microsoft.com/office/drawing/2014/main" id="{0AEB7B77-FA10-C46A-0CC0-5C6DA2DB31EB}"/>
-              </a:ext>
-            </a:extLst>
-          </p:cNvPr>
-          <p:cNvSpPr>
-            <a:spLocks noGrp="1"/>
-          </p:cNvSpPr>
-          <p:nvPr>
-            <p:ph type="title"/>
-          </p:nvPr>
-        </p:nvSpPr>
-        <p:spPr>
-          <a:xfrm>
-            <a:off x="324196" y="160394"/>
-            <a:ext cx="11029604" cy="599151"/>
-          </a:xfrm>
-        </p:spPr>
-        <p:txBody>
-          <a:bodyPr/>
-          <a:lstStyle/>
-          <a:p>
-            <a:r>
-              <a:rPr lang="en-US" dirty="0"/>
-              <a:t>lab12</a:t>
-            </a:r>
-          </a:p>
-        </p:txBody>
-      </p:sp>
-      <p:sp>
-        <p:nvSpPr>
-          <p:cNvPr id="3" name="Content Placeholder 2">
-            <a:extLst>
-              <a:ext uri="{FF2B5EF4-FFF2-40B4-BE49-F238E27FC236}">
-                <a16:creationId xmlns:a16="http://schemas.microsoft.com/office/drawing/2014/main" id="{810C7513-AE8B-94AD-262A-53C837DD6E09}"/>
-              </a:ext>
-            </a:extLst>
-          </p:cNvPr>
-          <p:cNvSpPr>
-            <a:spLocks noGrp="1"/>
-          </p:cNvSpPr>
-          <p:nvPr>
-            <p:ph idx="1"/>
-          </p:nvPr>
-        </p:nvSpPr>
-        <p:spPr>
-          <a:xfrm>
-            <a:off x="9062431" y="799639"/>
-            <a:ext cx="2842788" cy="711866"/>
-          </a:xfrm>
-        </p:spPr>
-        <p:txBody>
-          <a:bodyPr/>
-          <a:lstStyle/>
-          <a:p>
-            <a:r>
-              <a:rPr lang="en-US" dirty="0"/>
-              <a:t>red = unsigned addition</a:t>
-            </a:r>
-          </a:p>
-          <a:p>
-            <a:r>
-              <a:rPr lang="en-US" dirty="0"/>
-              <a:t>green = signed addition</a:t>
-            </a:r>
-          </a:p>
-        </p:txBody>
-      </p:sp>
-      <p:sp>
-        <p:nvSpPr>
           <p:cNvPr id="4" name="Slide Number Placeholder 3">
             <a:extLst>
               <a:ext uri="{FF2B5EF4-FFF2-40B4-BE49-F238E27FC236}">
-                <a16:creationId xmlns:a16="http://schemas.microsoft.com/office/drawing/2014/main" id="{8CC1F037-F447-3414-DCE0-2DA083E5302F}"/>
+                <a16:creationId xmlns:a16="http://schemas.microsoft.com/office/drawing/2014/main" id="{E2DF548D-AE6E-101F-FEEE-0F3BD243E28E}"/>
               </a:ext>
             </a:extLst>
           </p:cNvPr>
@@ -6239,10 +6194,10 @@
       </p:sp>
       <p:pic>
         <p:nvPicPr>
-          <p:cNvPr id="8" name="Picture 7">
-            <a:extLst>
-              <a:ext uri="{FF2B5EF4-FFF2-40B4-BE49-F238E27FC236}">
-                <a16:creationId xmlns:a16="http://schemas.microsoft.com/office/drawing/2014/main" id="{7E1721ED-D02A-9594-878F-0508E8297F22}"/>
+          <p:cNvPr id="6" name="Picture 5">
+            <a:extLst>
+              <a:ext uri="{FF2B5EF4-FFF2-40B4-BE49-F238E27FC236}">
+                <a16:creationId xmlns:a16="http://schemas.microsoft.com/office/drawing/2014/main" id="{88B5BDED-AFB5-3520-45EC-D18EC75A5FF3}"/>
               </a:ext>
             </a:extLst>
           </p:cNvPr>
@@ -6251,16 +6206,15 @@
           </p:cNvPicPr>
           <p:nvPr/>
         </p:nvPicPr>
-        <p:blipFill>
+        <p:blipFill rotWithShape="1">
           <a:blip r:embed="rId2"/>
-          <a:stretch>
-            <a:fillRect/>
-          </a:stretch>
+          <a:srcRect b="23183"/>
+          <a:stretch/>
         </p:blipFill>
         <p:spPr>
           <a:xfrm>
-            <a:off x="1808655" y="1511504"/>
-            <a:ext cx="10227356" cy="5346496"/>
+            <a:off x="2408423" y="4258181"/>
+            <a:ext cx="6525536" cy="1646509"/>
           </a:xfrm>
           <a:prstGeom prst="rect">
             <a:avLst/>
@@ -6269,10 +6223,10 @@
       </p:pic>
       <p:pic>
         <p:nvPicPr>
-          <p:cNvPr id="6" name="Picture 5">
-            <a:extLst>
-              <a:ext uri="{FF2B5EF4-FFF2-40B4-BE49-F238E27FC236}">
-                <a16:creationId xmlns:a16="http://schemas.microsoft.com/office/drawing/2014/main" id="{5A55FC3A-FE61-0247-5376-A97328B92045}"/>
+          <p:cNvPr id="8" name="Picture 7">
+            <a:extLst>
+              <a:ext uri="{FF2B5EF4-FFF2-40B4-BE49-F238E27FC236}">
+                <a16:creationId xmlns:a16="http://schemas.microsoft.com/office/drawing/2014/main" id="{71605D0B-3902-B141-D2FE-92220EB6CA63}"/>
               </a:ext>
             </a:extLst>
           </p:cNvPr>
@@ -6289,38 +6243,8 @@
         </p:blipFill>
         <p:spPr>
           <a:xfrm>
-            <a:off x="6590851" y="751717"/>
-            <a:ext cx="1762376" cy="1440317"/>
-          </a:xfrm>
-          <a:prstGeom prst="rect">
-            <a:avLst/>
-          </a:prstGeom>
-        </p:spPr>
-      </p:pic>
-      <p:pic>
-        <p:nvPicPr>
-          <p:cNvPr id="10" name="Picture 9">
-            <a:extLst>
-              <a:ext uri="{FF2B5EF4-FFF2-40B4-BE49-F238E27FC236}">
-                <a16:creationId xmlns:a16="http://schemas.microsoft.com/office/drawing/2014/main" id="{D20F0CA7-9786-5797-2C77-553C00C20154}"/>
-              </a:ext>
-            </a:extLst>
-          </p:cNvPr>
-          <p:cNvPicPr>
-            <a:picLocks noChangeAspect="1"/>
-          </p:cNvPicPr>
-          <p:nvPr/>
-        </p:nvPicPr>
-        <p:blipFill>
-          <a:blip r:embed="rId4"/>
-          <a:stretch>
-            <a:fillRect/>
-          </a:stretch>
-        </p:blipFill>
-        <p:spPr>
-          <a:xfrm>
-            <a:off x="8353227" y="272028"/>
-            <a:ext cx="3198916" cy="487517"/>
+            <a:off x="2408422" y="2831178"/>
+            <a:ext cx="4974655" cy="1215527"/>
           </a:xfrm>
           <a:prstGeom prst="rect">
             <a:avLst/>
@@ -6330,7 +6254,7 @@
     </p:spTree>
     <p:extLst>
       <p:ext uri="{BB962C8B-B14F-4D97-AF65-F5344CB8AC3E}">
-        <p14:creationId xmlns:p14="http://schemas.microsoft.com/office/powerpoint/2010/main" val="1790081145"/>
+        <p14:creationId xmlns:p14="http://schemas.microsoft.com/office/powerpoint/2010/main" val="325488205"/>
       </p:ext>
     </p:extLst>
   </p:cSld>
@@ -6359,10 +6283,68 @@
       </p:grpSpPr>
       <p:sp>
         <p:nvSpPr>
+          <p:cNvPr id="2" name="Title 1">
+            <a:extLst>
+              <a:ext uri="{FF2B5EF4-FFF2-40B4-BE49-F238E27FC236}">
+                <a16:creationId xmlns:a16="http://schemas.microsoft.com/office/drawing/2014/main" id="{56F1B890-DD2D-46F9-A853-3CB5A42A15D2}"/>
+              </a:ext>
+            </a:extLst>
+          </p:cNvPr>
+          <p:cNvSpPr>
+            <a:spLocks noGrp="1"/>
+          </p:cNvSpPr>
+          <p:nvPr>
+            <p:ph type="title"/>
+          </p:nvPr>
+        </p:nvSpPr>
+        <p:spPr/>
+        <p:txBody>
+          <a:bodyPr/>
+          <a:lstStyle/>
+          <a:p>
+            <a:r>
+              <a:rPr lang="en-US" dirty="0"/>
+              <a:t>Outline</a:t>
+            </a:r>
+          </a:p>
+        </p:txBody>
+      </p:sp>
+      <p:sp>
+        <p:nvSpPr>
+          <p:cNvPr id="3" name="Content Placeholder 2">
+            <a:extLst>
+              <a:ext uri="{FF2B5EF4-FFF2-40B4-BE49-F238E27FC236}">
+                <a16:creationId xmlns:a16="http://schemas.microsoft.com/office/drawing/2014/main" id="{5D7B872D-07E4-4A80-BC19-1A6B48431473}"/>
+              </a:ext>
+            </a:extLst>
+          </p:cNvPr>
+          <p:cNvSpPr>
+            <a:spLocks noGrp="1"/>
+          </p:cNvSpPr>
+          <p:nvPr>
+            <p:ph idx="1"/>
+          </p:nvPr>
+        </p:nvSpPr>
+        <p:spPr>
+          <a:xfrm>
+            <a:off x="590204" y="1064030"/>
+            <a:ext cx="5128425" cy="835074"/>
+          </a:xfrm>
+        </p:spPr>
+        <p:txBody>
+          <a:bodyPr/>
+          <a:lstStyle/>
+          <a:p>
+            <a:endParaRPr lang="en-US" dirty="0"/>
+          </a:p>
+        </p:txBody>
+      </p:sp>
+      <p:sp>
+        <p:nvSpPr>
           <p:cNvPr id="4" name="Slide Number Placeholder 3">
             <a:extLst>
               <a:ext uri="{FF2B5EF4-FFF2-40B4-BE49-F238E27FC236}">
-                <a16:creationId xmlns:a16="http://schemas.microsoft.com/office/drawing/2014/main" id="{E2DF548D-AE6E-101F-FEEE-0F3BD243E28E}"/>
+                <a16:creationId xmlns:a16="http://schemas.microsoft.com/office/drawing/2014/main" id="{1C064AFB-6D18-45A5-9C2B-BF2195C97986}"/>
               </a:ext>
             </a:extLst>
           </p:cNvPr>
@@ -6386,69 +6368,598 @@
           </a:p>
         </p:txBody>
       </p:sp>
-      <p:pic>
-        <p:nvPicPr>
-          <p:cNvPr id="6" name="Picture 5">
-            <a:extLst>
-              <a:ext uri="{FF2B5EF4-FFF2-40B4-BE49-F238E27FC236}">
-                <a16:creationId xmlns:a16="http://schemas.microsoft.com/office/drawing/2014/main" id="{88B5BDED-AFB5-3520-45EC-D18EC75A5FF3}"/>
-              </a:ext>
-            </a:extLst>
-          </p:cNvPr>
-          <p:cNvPicPr>
-            <a:picLocks noChangeAspect="1"/>
-          </p:cNvPicPr>
+      <p:sp>
+        <p:nvSpPr>
+          <p:cNvPr id="5" name="Rectangle 4">
+            <a:extLst>
+              <a:ext uri="{FF2B5EF4-FFF2-40B4-BE49-F238E27FC236}">
+                <a16:creationId xmlns:a16="http://schemas.microsoft.com/office/drawing/2014/main" id="{28B468AC-63A7-3DC7-8A63-703CA2DB7BF9}"/>
+              </a:ext>
+            </a:extLst>
+          </p:cNvPr>
+          <p:cNvSpPr/>
           <p:nvPr/>
-        </p:nvPicPr>
-        <p:blipFill rotWithShape="1">
-          <a:blip r:embed="rId2"/>
-          <a:srcRect b="23183"/>
-          <a:stretch/>
-        </p:blipFill>
+        </p:nvSpPr>
         <p:spPr>
           <a:xfrm>
-            <a:off x="2408423" y="4258181"/>
-            <a:ext cx="6525536" cy="1646509"/>
+            <a:off x="3120570" y="775081"/>
+            <a:ext cx="2873829" cy="1124024"/>
           </a:xfrm>
           <a:prstGeom prst="rect">
             <a:avLst/>
           </a:prstGeom>
         </p:spPr>
-      </p:pic>
-      <p:pic>
-        <p:nvPicPr>
-          <p:cNvPr id="8" name="Picture 7">
-            <a:extLst>
-              <a:ext uri="{FF2B5EF4-FFF2-40B4-BE49-F238E27FC236}">
-                <a16:creationId xmlns:a16="http://schemas.microsoft.com/office/drawing/2014/main" id="{71605D0B-3902-B141-D2FE-92220EB6CA63}"/>
-              </a:ext>
-            </a:extLst>
-          </p:cNvPr>
-          <p:cNvPicPr>
-            <a:picLocks noChangeAspect="1"/>
-          </p:cNvPicPr>
+        <p:style>
+          <a:lnRef idx="2">
+            <a:schemeClr val="accent1">
+              <a:shade val="50000"/>
+            </a:schemeClr>
+          </a:lnRef>
+          <a:fillRef idx="1">
+            <a:schemeClr val="accent1"/>
+          </a:fillRef>
+          <a:effectRef idx="0">
+            <a:schemeClr val="accent1"/>
+          </a:effectRef>
+          <a:fontRef idx="minor">
+            <a:schemeClr val="lt1"/>
+          </a:fontRef>
+        </p:style>
+        <p:txBody>
+          <a:bodyPr rtlCol="0" anchor="ctr"/>
+          <a:lstStyle/>
+          <a:p>
+            <a:pPr algn="ctr"/>
+            <a:r>
+              <a:rPr lang="en-US" dirty="0"/>
+              <a:t>garage</a:t>
+            </a:r>
+          </a:p>
+        </p:txBody>
+      </p:sp>
+      <p:sp>
+        <p:nvSpPr>
+          <p:cNvPr id="6" name="Rectangle 5">
+            <a:extLst>
+              <a:ext uri="{FF2B5EF4-FFF2-40B4-BE49-F238E27FC236}">
+                <a16:creationId xmlns:a16="http://schemas.microsoft.com/office/drawing/2014/main" id="{B5695EE2-999B-3D68-F2B4-A70003D2C6AB}"/>
+              </a:ext>
+            </a:extLst>
+          </p:cNvPr>
+          <p:cNvSpPr/>
           <p:nvPr/>
-        </p:nvPicPr>
-        <p:blipFill>
-          <a:blip r:embed="rId3"/>
-          <a:stretch>
-            <a:fillRect/>
-          </a:stretch>
-        </p:blipFill>
+        </p:nvSpPr>
         <p:spPr>
           <a:xfrm>
-            <a:off x="2408422" y="2831178"/>
-            <a:ext cx="4974655" cy="1215527"/>
+            <a:off x="1103086" y="2560584"/>
+            <a:ext cx="2873829" cy="1358273"/>
           </a:xfrm>
           <a:prstGeom prst="rect">
             <a:avLst/>
           </a:prstGeom>
         </p:spPr>
-      </p:pic>
+        <p:style>
+          <a:lnRef idx="2">
+            <a:schemeClr val="accent1">
+              <a:shade val="50000"/>
+            </a:schemeClr>
+          </a:lnRef>
+          <a:fillRef idx="1">
+            <a:schemeClr val="accent1"/>
+          </a:fillRef>
+          <a:effectRef idx="0">
+            <a:schemeClr val="accent1"/>
+          </a:effectRef>
+          <a:fontRef idx="minor">
+            <a:schemeClr val="lt1"/>
+          </a:fontRef>
+        </p:style>
+        <p:txBody>
+          <a:bodyPr rtlCol="0" anchor="ctr"/>
+          <a:lstStyle/>
+          <a:p>
+            <a:pPr algn="ctr"/>
+            <a:r>
+              <a:rPr lang="en-US" dirty="0"/>
+              <a:t>m1</a:t>
+            </a:r>
+          </a:p>
+        </p:txBody>
+      </p:sp>
+      <p:sp>
+        <p:nvSpPr>
+          <p:cNvPr id="7" name="Rectangle 6">
+            <a:extLst>
+              <a:ext uri="{FF2B5EF4-FFF2-40B4-BE49-F238E27FC236}">
+                <a16:creationId xmlns:a16="http://schemas.microsoft.com/office/drawing/2014/main" id="{6CF7EE87-8AA9-E7BD-2AB5-C866FE179818}"/>
+              </a:ext>
+            </a:extLst>
+          </p:cNvPr>
+          <p:cNvSpPr/>
+          <p:nvPr/>
+        </p:nvSpPr>
+        <p:spPr>
+          <a:xfrm>
+            <a:off x="4402083" y="2560584"/>
+            <a:ext cx="2873829" cy="1358273"/>
+          </a:xfrm>
+          <a:prstGeom prst="rect">
+            <a:avLst/>
+          </a:prstGeom>
+        </p:spPr>
+        <p:style>
+          <a:lnRef idx="2">
+            <a:schemeClr val="accent1">
+              <a:shade val="50000"/>
+            </a:schemeClr>
+          </a:lnRef>
+          <a:fillRef idx="1">
+            <a:schemeClr val="accent1"/>
+          </a:fillRef>
+          <a:effectRef idx="0">
+            <a:schemeClr val="accent1"/>
+          </a:effectRef>
+          <a:fontRef idx="minor">
+            <a:schemeClr val="lt1"/>
+          </a:fontRef>
+        </p:style>
+        <p:txBody>
+          <a:bodyPr rtlCol="0" anchor="ctr"/>
+          <a:lstStyle/>
+          <a:p>
+            <a:pPr algn="ctr"/>
+            <a:r>
+              <a:rPr lang="en-US" dirty="0"/>
+              <a:t>m2</a:t>
+            </a:r>
+          </a:p>
+        </p:txBody>
+      </p:sp>
+      <p:sp>
+        <p:nvSpPr>
+          <p:cNvPr id="8" name="Rectangle 7">
+            <a:extLst>
+              <a:ext uri="{FF2B5EF4-FFF2-40B4-BE49-F238E27FC236}">
+                <a16:creationId xmlns:a16="http://schemas.microsoft.com/office/drawing/2014/main" id="{C2F0E697-6C67-435E-0144-E8430EA8E6CB}"/>
+              </a:ext>
+            </a:extLst>
+          </p:cNvPr>
+          <p:cNvSpPr/>
+          <p:nvPr/>
+        </p:nvSpPr>
+        <p:spPr>
+          <a:xfrm>
+            <a:off x="7701080" y="2528274"/>
+            <a:ext cx="2873829" cy="1358273"/>
+          </a:xfrm>
+          <a:prstGeom prst="rect">
+            <a:avLst/>
+          </a:prstGeom>
+        </p:spPr>
+        <p:style>
+          <a:lnRef idx="2">
+            <a:schemeClr val="accent1">
+              <a:shade val="50000"/>
+            </a:schemeClr>
+          </a:lnRef>
+          <a:fillRef idx="1">
+            <a:schemeClr val="accent1"/>
+          </a:fillRef>
+          <a:effectRef idx="0">
+            <a:schemeClr val="accent1"/>
+          </a:effectRef>
+          <a:fontRef idx="minor">
+            <a:schemeClr val="lt1"/>
+          </a:fontRef>
+        </p:style>
+        <p:txBody>
+          <a:bodyPr rtlCol="0" anchor="ctr"/>
+          <a:lstStyle/>
+          <a:p>
+            <a:pPr algn="ctr"/>
+            <a:r>
+              <a:rPr lang="en-US" dirty="0"/>
+              <a:t>c1</a:t>
+            </a:r>
+          </a:p>
+        </p:txBody>
+      </p:sp>
+      <p:sp>
+        <p:nvSpPr>
+          <p:cNvPr id="9" name="Rectangle 8">
+            <a:extLst>
+              <a:ext uri="{FF2B5EF4-FFF2-40B4-BE49-F238E27FC236}">
+                <a16:creationId xmlns:a16="http://schemas.microsoft.com/office/drawing/2014/main" id="{4F3BD971-257F-5085-2D74-E6DDCDFFBD6B}"/>
+              </a:ext>
+            </a:extLst>
+          </p:cNvPr>
+          <p:cNvSpPr/>
+          <p:nvPr/>
+        </p:nvSpPr>
+        <p:spPr>
+          <a:xfrm>
+            <a:off x="1045029" y="4998077"/>
+            <a:ext cx="1117600" cy="1358273"/>
+          </a:xfrm>
+          <a:prstGeom prst="rect">
+            <a:avLst/>
+          </a:prstGeom>
+        </p:spPr>
+        <p:style>
+          <a:lnRef idx="2">
+            <a:schemeClr val="accent1">
+              <a:shade val="50000"/>
+            </a:schemeClr>
+          </a:lnRef>
+          <a:fillRef idx="1">
+            <a:schemeClr val="accent1"/>
+          </a:fillRef>
+          <a:effectRef idx="0">
+            <a:schemeClr val="accent1"/>
+          </a:effectRef>
+          <a:fontRef idx="minor">
+            <a:schemeClr val="lt1"/>
+          </a:fontRef>
+        </p:style>
+        <p:txBody>
+          <a:bodyPr rtlCol="0" anchor="ctr"/>
+          <a:lstStyle/>
+          <a:p>
+            <a:pPr algn="ctr"/>
+            <a:r>
+              <a:rPr lang="en-US" dirty="0"/>
+              <a:t>u1</a:t>
+            </a:r>
+          </a:p>
+        </p:txBody>
+      </p:sp>
+      <p:sp>
+        <p:nvSpPr>
+          <p:cNvPr id="10" name="Rectangle 9">
+            <a:extLst>
+              <a:ext uri="{FF2B5EF4-FFF2-40B4-BE49-F238E27FC236}">
+                <a16:creationId xmlns:a16="http://schemas.microsoft.com/office/drawing/2014/main" id="{E63C5361-0E3D-BBD5-6EED-9C84A52C16C5}"/>
+              </a:ext>
+            </a:extLst>
+          </p:cNvPr>
+          <p:cNvSpPr/>
+          <p:nvPr/>
+        </p:nvSpPr>
+        <p:spPr>
+          <a:xfrm>
+            <a:off x="2641599" y="4998077"/>
+            <a:ext cx="957943" cy="1358273"/>
+          </a:xfrm>
+          <a:prstGeom prst="rect">
+            <a:avLst/>
+          </a:prstGeom>
+        </p:spPr>
+        <p:style>
+          <a:lnRef idx="2">
+            <a:schemeClr val="accent1">
+              <a:shade val="50000"/>
+            </a:schemeClr>
+          </a:lnRef>
+          <a:fillRef idx="1">
+            <a:schemeClr val="accent1"/>
+          </a:fillRef>
+          <a:effectRef idx="0">
+            <a:schemeClr val="accent1"/>
+          </a:effectRef>
+          <a:fontRef idx="minor">
+            <a:schemeClr val="lt1"/>
+          </a:fontRef>
+        </p:style>
+        <p:txBody>
+          <a:bodyPr rtlCol="0" anchor="ctr"/>
+          <a:lstStyle/>
+          <a:p>
+            <a:pPr algn="ctr"/>
+            <a:r>
+              <a:rPr lang="en-US" dirty="0"/>
+              <a:t>u2</a:t>
+            </a:r>
+          </a:p>
+        </p:txBody>
+      </p:sp>
+      <p:sp>
+        <p:nvSpPr>
+          <p:cNvPr id="11" name="Rectangle 10">
+            <a:extLst>
+              <a:ext uri="{FF2B5EF4-FFF2-40B4-BE49-F238E27FC236}">
+                <a16:creationId xmlns:a16="http://schemas.microsoft.com/office/drawing/2014/main" id="{FBBADF70-834E-4B1D-4D48-863CFB71765B}"/>
+              </a:ext>
+            </a:extLst>
+          </p:cNvPr>
+          <p:cNvSpPr/>
+          <p:nvPr/>
+        </p:nvSpPr>
+        <p:spPr>
+          <a:xfrm>
+            <a:off x="4601029" y="4998077"/>
+            <a:ext cx="1117600" cy="1358273"/>
+          </a:xfrm>
+          <a:prstGeom prst="rect">
+            <a:avLst/>
+          </a:prstGeom>
+        </p:spPr>
+        <p:style>
+          <a:lnRef idx="2">
+            <a:schemeClr val="accent1">
+              <a:shade val="50000"/>
+            </a:schemeClr>
+          </a:lnRef>
+          <a:fillRef idx="1">
+            <a:schemeClr val="accent1"/>
+          </a:fillRef>
+          <a:effectRef idx="0">
+            <a:schemeClr val="accent1"/>
+          </a:effectRef>
+          <a:fontRef idx="minor">
+            <a:schemeClr val="lt1"/>
+          </a:fontRef>
+        </p:style>
+        <p:txBody>
+          <a:bodyPr rtlCol="0" anchor="ctr"/>
+          <a:lstStyle/>
+          <a:p>
+            <a:pPr algn="ctr"/>
+            <a:r>
+              <a:rPr lang="en-US" dirty="0"/>
+              <a:t>u1</a:t>
+            </a:r>
+          </a:p>
+        </p:txBody>
+      </p:sp>
+      <p:sp>
+        <p:nvSpPr>
+          <p:cNvPr id="12" name="Rectangle 11">
+            <a:extLst>
+              <a:ext uri="{FF2B5EF4-FFF2-40B4-BE49-F238E27FC236}">
+                <a16:creationId xmlns:a16="http://schemas.microsoft.com/office/drawing/2014/main" id="{229156AC-CE57-8CDD-8247-D503C215B35C}"/>
+              </a:ext>
+            </a:extLst>
+          </p:cNvPr>
+          <p:cNvSpPr/>
+          <p:nvPr/>
+        </p:nvSpPr>
+        <p:spPr>
+          <a:xfrm>
+            <a:off x="6197599" y="4998077"/>
+            <a:ext cx="957943" cy="1358273"/>
+          </a:xfrm>
+          <a:prstGeom prst="rect">
+            <a:avLst/>
+          </a:prstGeom>
+        </p:spPr>
+        <p:style>
+          <a:lnRef idx="2">
+            <a:schemeClr val="accent1">
+              <a:shade val="50000"/>
+            </a:schemeClr>
+          </a:lnRef>
+          <a:fillRef idx="1">
+            <a:schemeClr val="accent1"/>
+          </a:fillRef>
+          <a:effectRef idx="0">
+            <a:schemeClr val="accent1"/>
+          </a:effectRef>
+          <a:fontRef idx="minor">
+            <a:schemeClr val="lt1"/>
+          </a:fontRef>
+        </p:style>
+        <p:txBody>
+          <a:bodyPr rtlCol="0" anchor="ctr"/>
+          <a:lstStyle/>
+          <a:p>
+            <a:pPr algn="ctr"/>
+            <a:r>
+              <a:rPr lang="en-US" dirty="0"/>
+              <a:t>u2</a:t>
+            </a:r>
+          </a:p>
+        </p:txBody>
+      </p:sp>
+      <p:sp>
+        <p:nvSpPr>
+          <p:cNvPr id="13" name="Rectangle 12">
+            <a:extLst>
+              <a:ext uri="{FF2B5EF4-FFF2-40B4-BE49-F238E27FC236}">
+                <a16:creationId xmlns:a16="http://schemas.microsoft.com/office/drawing/2014/main" id="{A6B3B7FE-18C2-F8FC-66DF-6778F7C8D06C}"/>
+              </a:ext>
+            </a:extLst>
+          </p:cNvPr>
+          <p:cNvSpPr/>
+          <p:nvPr/>
+        </p:nvSpPr>
+        <p:spPr>
+          <a:xfrm>
+            <a:off x="8014611" y="4998077"/>
+            <a:ext cx="787399" cy="1358273"/>
+          </a:xfrm>
+          <a:prstGeom prst="rect">
+            <a:avLst/>
+          </a:prstGeom>
+        </p:spPr>
+        <p:style>
+          <a:lnRef idx="2">
+            <a:schemeClr val="accent1">
+              <a:shade val="50000"/>
+            </a:schemeClr>
+          </a:lnRef>
+          <a:fillRef idx="1">
+            <a:schemeClr val="accent1"/>
+          </a:fillRef>
+          <a:effectRef idx="0">
+            <a:schemeClr val="accent1"/>
+          </a:effectRef>
+          <a:fontRef idx="minor">
+            <a:schemeClr val="lt1"/>
+          </a:fontRef>
+        </p:style>
+        <p:txBody>
+          <a:bodyPr rtlCol="0" anchor="ctr"/>
+          <a:lstStyle/>
+          <a:p>
+            <a:pPr algn="ctr"/>
+            <a:r>
+              <a:rPr lang="en-US" dirty="0"/>
+              <a:t>inst1</a:t>
+            </a:r>
+          </a:p>
+        </p:txBody>
+      </p:sp>
+      <p:sp>
+        <p:nvSpPr>
+          <p:cNvPr id="14" name="Rectangle 13">
+            <a:extLst>
+              <a:ext uri="{FF2B5EF4-FFF2-40B4-BE49-F238E27FC236}">
+                <a16:creationId xmlns:a16="http://schemas.microsoft.com/office/drawing/2014/main" id="{A250B198-5BA7-D5B6-F1A9-324E111F2E82}"/>
+              </a:ext>
+            </a:extLst>
+          </p:cNvPr>
+          <p:cNvSpPr/>
+          <p:nvPr/>
+        </p:nvSpPr>
+        <p:spPr>
+          <a:xfrm>
+            <a:off x="9004299" y="4998077"/>
+            <a:ext cx="787399" cy="1358273"/>
+          </a:xfrm>
+          <a:prstGeom prst="rect">
+            <a:avLst/>
+          </a:prstGeom>
+        </p:spPr>
+        <p:style>
+          <a:lnRef idx="2">
+            <a:schemeClr val="accent1">
+              <a:shade val="50000"/>
+            </a:schemeClr>
+          </a:lnRef>
+          <a:fillRef idx="1">
+            <a:schemeClr val="accent1"/>
+          </a:fillRef>
+          <a:effectRef idx="0">
+            <a:schemeClr val="accent1"/>
+          </a:effectRef>
+          <a:fontRef idx="minor">
+            <a:schemeClr val="lt1"/>
+          </a:fontRef>
+        </p:style>
+        <p:txBody>
+          <a:bodyPr rtlCol="0" anchor="ctr"/>
+          <a:lstStyle/>
+          <a:p>
+            <a:pPr algn="ctr"/>
+            <a:r>
+              <a:rPr lang="en-US" dirty="0"/>
+              <a:t>inst2</a:t>
+            </a:r>
+          </a:p>
+        </p:txBody>
+      </p:sp>
+      <p:sp>
+        <p:nvSpPr>
+          <p:cNvPr id="15" name="Rectangle 14">
+            <a:extLst>
+              <a:ext uri="{FF2B5EF4-FFF2-40B4-BE49-F238E27FC236}">
+                <a16:creationId xmlns:a16="http://schemas.microsoft.com/office/drawing/2014/main" id="{B5CFC22A-97DA-F258-CA82-872CB3AFE96A}"/>
+              </a:ext>
+            </a:extLst>
+          </p:cNvPr>
+          <p:cNvSpPr/>
+          <p:nvPr/>
+        </p:nvSpPr>
+        <p:spPr>
+          <a:xfrm>
+            <a:off x="9942288" y="4998077"/>
+            <a:ext cx="787399" cy="1358273"/>
+          </a:xfrm>
+          <a:prstGeom prst="rect">
+            <a:avLst/>
+          </a:prstGeom>
+        </p:spPr>
+        <p:style>
+          <a:lnRef idx="2">
+            <a:schemeClr val="accent1">
+              <a:shade val="50000"/>
+            </a:schemeClr>
+          </a:lnRef>
+          <a:fillRef idx="1">
+            <a:schemeClr val="accent1"/>
+          </a:fillRef>
+          <a:effectRef idx="0">
+            <a:schemeClr val="accent1"/>
+          </a:effectRef>
+          <a:fontRef idx="minor">
+            <a:schemeClr val="lt1"/>
+          </a:fontRef>
+        </p:style>
+        <p:txBody>
+          <a:bodyPr rtlCol="0" anchor="ctr"/>
+          <a:lstStyle/>
+          <a:p>
+            <a:pPr algn="ctr"/>
+            <a:r>
+              <a:rPr lang="en-US" dirty="0"/>
+              <a:t>inst3</a:t>
+            </a:r>
+          </a:p>
+        </p:txBody>
+      </p:sp>
+      <p:sp>
+        <p:nvSpPr>
+          <p:cNvPr id="16" name="Rectangle 15">
+            <a:extLst>
+              <a:ext uri="{FF2B5EF4-FFF2-40B4-BE49-F238E27FC236}">
+                <a16:creationId xmlns:a16="http://schemas.microsoft.com/office/drawing/2014/main" id="{0B1C4FEB-0F8A-DF34-06D5-22CC12EC2C1A}"/>
+              </a:ext>
+            </a:extLst>
+          </p:cNvPr>
+          <p:cNvSpPr/>
+          <p:nvPr/>
+        </p:nvSpPr>
+        <p:spPr>
+          <a:xfrm>
+            <a:off x="10960100" y="4998077"/>
+            <a:ext cx="787399" cy="1358273"/>
+          </a:xfrm>
+          <a:prstGeom prst="rect">
+            <a:avLst/>
+          </a:prstGeom>
+        </p:spPr>
+        <p:style>
+          <a:lnRef idx="2">
+            <a:schemeClr val="accent1">
+              <a:shade val="50000"/>
+            </a:schemeClr>
+          </a:lnRef>
+          <a:fillRef idx="1">
+            <a:schemeClr val="accent1"/>
+          </a:fillRef>
+          <a:effectRef idx="0">
+            <a:schemeClr val="accent1"/>
+          </a:effectRef>
+          <a:fontRef idx="minor">
+            <a:schemeClr val="lt1"/>
+          </a:fontRef>
+        </p:style>
+        <p:txBody>
+          <a:bodyPr rtlCol="0" anchor="ctr"/>
+          <a:lstStyle/>
+          <a:p>
+            <a:pPr algn="ctr"/>
+            <a:r>
+              <a:rPr lang="en-US" dirty="0"/>
+              <a:t>inst4</a:t>
+            </a:r>
+          </a:p>
+        </p:txBody>
+      </p:sp>
     </p:spTree>
     <p:extLst>
       <p:ext uri="{BB962C8B-B14F-4D97-AF65-F5344CB8AC3E}">
-        <p14:creationId xmlns:p14="http://schemas.microsoft.com/office/powerpoint/2010/main" val="325488205"/>
+        <p14:creationId xmlns:p14="http://schemas.microsoft.com/office/powerpoint/2010/main" val="3837870676"/>
       </p:ext>
     </p:extLst>
   </p:cSld>

--- a/note.pptx
+++ b/note.pptx
@@ -5,19 +5,21 @@
     <p:sldMasterId id="2147483648" r:id="rId1"/>
   </p:sldMasterIdLst>
   <p:notesMasterIdLst>
-    <p:notesMasterId r:id="rId12"/>
+    <p:notesMasterId r:id="rId14"/>
   </p:notesMasterIdLst>
   <p:sldIdLst>
-    <p:sldId id="6936" r:id="rId2"/>
-    <p:sldId id="6941" r:id="rId3"/>
-    <p:sldId id="6942" r:id="rId4"/>
+    <p:sldId id="6942" r:id="rId2"/>
+    <p:sldId id="6945" r:id="rId3"/>
+    <p:sldId id="6936" r:id="rId4"/>
     <p:sldId id="6943" r:id="rId5"/>
-    <p:sldId id="6939" r:id="rId6"/>
-    <p:sldId id="6938" r:id="rId7"/>
-    <p:sldId id="6937" r:id="rId8"/>
-    <p:sldId id="6935" r:id="rId9"/>
-    <p:sldId id="6934" r:id="rId10"/>
-    <p:sldId id="264" r:id="rId11"/>
+    <p:sldId id="6941" r:id="rId6"/>
+    <p:sldId id="6944" r:id="rId7"/>
+    <p:sldId id="6939" r:id="rId8"/>
+    <p:sldId id="6938" r:id="rId9"/>
+    <p:sldId id="6937" r:id="rId10"/>
+    <p:sldId id="6935" r:id="rId11"/>
+    <p:sldId id="6934" r:id="rId12"/>
+    <p:sldId id="264" r:id="rId13"/>
   </p:sldIdLst>
   <p:sldSz cx="12192000" cy="6858000"/>
   <p:notesSz cx="6858000" cy="9144000"/>
@@ -127,7 +129,7 @@
 <file path=ppt/revisionInfo.xml><?xml version="1.0" encoding="utf-8"?>
 <p1510:revInfo xmlns:a="http://schemas.openxmlformats.org/drawingml/2006/main" xmlns:r="http://schemas.openxmlformats.org/officeDocument/2006/relationships" xmlns:p1510="http://schemas.microsoft.com/office/powerpoint/2015/10/main">
   <p1510:revLst>
-    <p1510:client id="{AB0BFEC8-14E9-4C61-B10E-456F41DF402E}" v="26" dt="2024-02-29T13:17:45.040"/>
+    <p1510:client id="{AB0BFEC8-14E9-4C61-B10E-456F41DF402E}" v="33" dt="2024-03-01T03:26:21.763"/>
   </p1510:revLst>
 </p1510:revInfo>
 </file>
@@ -669,10 +671,57 @@
   <pc:docChgLst>
     <pc:chgData name="Billy Lin" userId="05f35405-298c-473c-91f2-352ef9a130c9" providerId="ADAL" clId="{AB0BFEC8-14E9-4C61-B10E-456F41DF402E}"/>
     <pc:docChg chg="undo custSel addSld delSld modSld sldOrd">
-      <pc:chgData name="Billy Lin" userId="05f35405-298c-473c-91f2-352ef9a130c9" providerId="ADAL" clId="{AB0BFEC8-14E9-4C61-B10E-456F41DF402E}" dt="2024-02-29T14:09:43.132" v="319" actId="47"/>
+      <pc:chgData name="Billy Lin" userId="05f35405-298c-473c-91f2-352ef9a130c9" providerId="ADAL" clId="{AB0BFEC8-14E9-4C61-B10E-456F41DF402E}" dt="2024-03-01T03:26:21.762" v="394"/>
       <pc:docMkLst>
         <pc:docMk/>
       </pc:docMkLst>
+      <pc:sldChg chg="addSp modSp mod">
+        <pc:chgData name="Billy Lin" userId="05f35405-298c-473c-91f2-352ef9a130c9" providerId="ADAL" clId="{AB0BFEC8-14E9-4C61-B10E-456F41DF402E}" dt="2024-03-01T03:10:12.156" v="345" actId="1076"/>
+        <pc:sldMkLst>
+          <pc:docMk/>
+          <pc:sldMk cId="1711539242" sldId="6936"/>
+        </pc:sldMkLst>
+        <pc:spChg chg="mod">
+          <ac:chgData name="Billy Lin" userId="05f35405-298c-473c-91f2-352ef9a130c9" providerId="ADAL" clId="{AB0BFEC8-14E9-4C61-B10E-456F41DF402E}" dt="2024-03-01T03:06:44.924" v="325" actId="20577"/>
+          <ac:spMkLst>
+            <pc:docMk/>
+            <pc:sldMk cId="1711539242" sldId="6936"/>
+            <ac:spMk id="2" creationId="{E6E7246E-6DDB-2F98-52B0-04AB5D144996}"/>
+          </ac:spMkLst>
+        </pc:spChg>
+        <pc:spChg chg="mod">
+          <ac:chgData name="Billy Lin" userId="05f35405-298c-473c-91f2-352ef9a130c9" providerId="ADAL" clId="{AB0BFEC8-14E9-4C61-B10E-456F41DF402E}" dt="2024-03-01T03:10:09.739" v="344"/>
+          <ac:spMkLst>
+            <pc:docMk/>
+            <pc:sldMk cId="1711539242" sldId="6936"/>
+            <ac:spMk id="3" creationId="{F0AB9DF1-764A-2056-5BC1-70D34F516704}"/>
+          </ac:spMkLst>
+        </pc:spChg>
+        <pc:picChg chg="add mod">
+          <ac:chgData name="Billy Lin" userId="05f35405-298c-473c-91f2-352ef9a130c9" providerId="ADAL" clId="{AB0BFEC8-14E9-4C61-B10E-456F41DF402E}" dt="2024-03-01T03:10:12.156" v="345" actId="1076"/>
+          <ac:picMkLst>
+            <pc:docMk/>
+            <pc:sldMk cId="1711539242" sldId="6936"/>
+            <ac:picMk id="5" creationId="{0BBFFD0C-D99A-9D5C-5B42-91421F8AFF18}"/>
+          </ac:picMkLst>
+        </pc:picChg>
+        <pc:picChg chg="add mod">
+          <ac:chgData name="Billy Lin" userId="05f35405-298c-473c-91f2-352ef9a130c9" providerId="ADAL" clId="{AB0BFEC8-14E9-4C61-B10E-456F41DF402E}" dt="2024-03-01T03:10:12.156" v="345" actId="1076"/>
+          <ac:picMkLst>
+            <pc:docMk/>
+            <pc:sldMk cId="1711539242" sldId="6936"/>
+            <ac:picMk id="6" creationId="{EEEC7555-825D-0E97-0A01-89EBF599F77A}"/>
+          </ac:picMkLst>
+        </pc:picChg>
+        <pc:picChg chg="add mod">
+          <ac:chgData name="Billy Lin" userId="05f35405-298c-473c-91f2-352ef9a130c9" providerId="ADAL" clId="{AB0BFEC8-14E9-4C61-B10E-456F41DF402E}" dt="2024-03-01T03:10:12.156" v="345" actId="1076"/>
+          <ac:picMkLst>
+            <pc:docMk/>
+            <pc:sldMk cId="1711539242" sldId="6936"/>
+            <ac:picMk id="7" creationId="{A37F4D58-0ADB-D668-3C92-D99932EAAC9A}"/>
+          </ac:picMkLst>
+        </pc:picChg>
+      </pc:sldChg>
       <pc:sldChg chg="addSp delSp modSp new mod">
         <pc:chgData name="Billy Lin" userId="05f35405-298c-473c-91f2-352ef9a130c9" providerId="ADAL" clId="{AB0BFEC8-14E9-4C61-B10E-456F41DF402E}" dt="2024-02-02T05:43:09.225" v="91" actId="1076"/>
         <pc:sldMkLst>
@@ -1037,25 +1086,175 @@
           </ac:cxnSpMkLst>
         </pc:cxnChg>
       </pc:sldChg>
-      <pc:sldChg chg="add">
-        <pc:chgData name="Billy Lin" userId="05f35405-298c-473c-91f2-352ef9a130c9" providerId="ADAL" clId="{AB0BFEC8-14E9-4C61-B10E-456F41DF402E}" dt="2024-02-22T14:07:40.145" v="251"/>
+      <pc:sldChg chg="addSp delSp modSp add mod ord">
+        <pc:chgData name="Billy Lin" userId="05f35405-298c-473c-91f2-352ef9a130c9" providerId="ADAL" clId="{AB0BFEC8-14E9-4C61-B10E-456F41DF402E}" dt="2024-03-01T03:08:56.064" v="341"/>
         <pc:sldMkLst>
           <pc:docMk/>
           <pc:sldMk cId="970811562" sldId="6941"/>
         </pc:sldMkLst>
+        <pc:spChg chg="mod">
+          <ac:chgData name="Billy Lin" userId="05f35405-298c-473c-91f2-352ef9a130c9" providerId="ADAL" clId="{AB0BFEC8-14E9-4C61-B10E-456F41DF402E}" dt="2024-03-01T03:08:44.633" v="330"/>
+          <ac:spMkLst>
+            <pc:docMk/>
+            <pc:sldMk cId="970811562" sldId="6941"/>
+            <ac:spMk id="2" creationId="{E6E7246E-6DDB-2F98-52B0-04AB5D144996}"/>
+          </ac:spMkLst>
+        </pc:spChg>
+        <pc:spChg chg="del">
+          <ac:chgData name="Billy Lin" userId="05f35405-298c-473c-91f2-352ef9a130c9" providerId="ADAL" clId="{AB0BFEC8-14E9-4C61-B10E-456F41DF402E}" dt="2024-03-01T03:08:38.305" v="329" actId="478"/>
+          <ac:spMkLst>
+            <pc:docMk/>
+            <pc:sldMk cId="970811562" sldId="6941"/>
+            <ac:spMk id="3" creationId="{F0AB9DF1-764A-2056-5BC1-70D34F516704}"/>
+          </ac:spMkLst>
+        </pc:spChg>
+        <pc:spChg chg="add mod">
+          <ac:chgData name="Billy Lin" userId="05f35405-298c-473c-91f2-352ef9a130c9" providerId="ADAL" clId="{AB0BFEC8-14E9-4C61-B10E-456F41DF402E}" dt="2024-03-01T03:08:34.542" v="328"/>
+          <ac:spMkLst>
+            <pc:docMk/>
+            <pc:sldMk cId="970811562" sldId="6941"/>
+            <ac:spMk id="5" creationId="{528BB8F8-9050-F877-57BD-7F41BCB466EF}"/>
+          </ac:spMkLst>
+        </pc:spChg>
+        <pc:picChg chg="add mod">
+          <ac:chgData name="Billy Lin" userId="05f35405-298c-473c-91f2-352ef9a130c9" providerId="ADAL" clId="{AB0BFEC8-14E9-4C61-B10E-456F41DF402E}" dt="2024-03-01T03:08:34.542" v="328"/>
+          <ac:picMkLst>
+            <pc:docMk/>
+            <pc:sldMk cId="970811562" sldId="6941"/>
+            <ac:picMk id="6" creationId="{AC4B41D9-797E-F642-92A8-04552FCC780A}"/>
+          </ac:picMkLst>
+        </pc:picChg>
+        <pc:picChg chg="add mod">
+          <ac:chgData name="Billy Lin" userId="05f35405-298c-473c-91f2-352ef9a130c9" providerId="ADAL" clId="{AB0BFEC8-14E9-4C61-B10E-456F41DF402E}" dt="2024-03-01T03:08:34.542" v="328"/>
+          <ac:picMkLst>
+            <pc:docMk/>
+            <pc:sldMk cId="970811562" sldId="6941"/>
+            <ac:picMk id="7" creationId="{17B1FCD3-530B-155C-7096-AAB1086D1592}"/>
+          </ac:picMkLst>
+        </pc:picChg>
       </pc:sldChg>
-      <pc:sldChg chg="add">
-        <pc:chgData name="Billy Lin" userId="05f35405-298c-473c-91f2-352ef9a130c9" providerId="ADAL" clId="{AB0BFEC8-14E9-4C61-B10E-456F41DF402E}" dt="2024-02-22T14:07:40.304" v="252"/>
+      <pc:sldChg chg="modSp add mod ord">
+        <pc:chgData name="Billy Lin" userId="05f35405-298c-473c-91f2-352ef9a130c9" providerId="ADAL" clId="{AB0BFEC8-14E9-4C61-B10E-456F41DF402E}" dt="2024-03-01T03:08:51.722" v="338" actId="20577"/>
         <pc:sldMkLst>
           <pc:docMk/>
           <pc:sldMk cId="2190162818" sldId="6942"/>
         </pc:sldMkLst>
+        <pc:spChg chg="mod">
+          <ac:chgData name="Billy Lin" userId="05f35405-298c-473c-91f2-352ef9a130c9" providerId="ADAL" clId="{AB0BFEC8-14E9-4C61-B10E-456F41DF402E}" dt="2024-03-01T03:08:51.722" v="338" actId="20577"/>
+          <ac:spMkLst>
+            <pc:docMk/>
+            <pc:sldMk cId="2190162818" sldId="6942"/>
+            <ac:spMk id="2" creationId="{E6E7246E-6DDB-2F98-52B0-04AB5D144996}"/>
+          </ac:spMkLst>
+        </pc:spChg>
       </pc:sldChg>
-      <pc:sldChg chg="add">
-        <pc:chgData name="Billy Lin" userId="05f35405-298c-473c-91f2-352ef9a130c9" providerId="ADAL" clId="{AB0BFEC8-14E9-4C61-B10E-456F41DF402E}" dt="2024-02-22T14:07:40.481" v="253"/>
+      <pc:sldChg chg="addSp delSp modSp add mod">
+        <pc:chgData name="Billy Lin" userId="05f35405-298c-473c-91f2-352ef9a130c9" providerId="ADAL" clId="{AB0BFEC8-14E9-4C61-B10E-456F41DF402E}" dt="2024-03-01T03:09:10.250" v="343" actId="478"/>
         <pc:sldMkLst>
           <pc:docMk/>
           <pc:sldMk cId="3400827552" sldId="6943"/>
+        </pc:sldMkLst>
+        <pc:spChg chg="mod">
+          <ac:chgData name="Billy Lin" userId="05f35405-298c-473c-91f2-352ef9a130c9" providerId="ADAL" clId="{AB0BFEC8-14E9-4C61-B10E-456F41DF402E}" dt="2024-03-01T03:08:48.024" v="332"/>
+          <ac:spMkLst>
+            <pc:docMk/>
+            <pc:sldMk cId="3400827552" sldId="6943"/>
+            <ac:spMk id="2" creationId="{E6E7246E-6DDB-2F98-52B0-04AB5D144996}"/>
+          </ac:spMkLst>
+        </pc:spChg>
+        <pc:spChg chg="del">
+          <ac:chgData name="Billy Lin" userId="05f35405-298c-473c-91f2-352ef9a130c9" providerId="ADAL" clId="{AB0BFEC8-14E9-4C61-B10E-456F41DF402E}" dt="2024-03-01T03:09:10.250" v="343" actId="478"/>
+          <ac:spMkLst>
+            <pc:docMk/>
+            <pc:sldMk cId="3400827552" sldId="6943"/>
+            <ac:spMk id="3" creationId="{F0AB9DF1-764A-2056-5BC1-70D34F516704}"/>
+          </ac:spMkLst>
+        </pc:spChg>
+        <pc:spChg chg="add mod">
+          <ac:chgData name="Billy Lin" userId="05f35405-298c-473c-91f2-352ef9a130c9" providerId="ADAL" clId="{AB0BFEC8-14E9-4C61-B10E-456F41DF402E}" dt="2024-03-01T03:09:07.640" v="342"/>
+          <ac:spMkLst>
+            <pc:docMk/>
+            <pc:sldMk cId="3400827552" sldId="6943"/>
+            <ac:spMk id="5" creationId="{5D3BE785-D624-DBD7-859C-14AD218C73BB}"/>
+          </ac:spMkLst>
+        </pc:spChg>
+        <pc:picChg chg="add mod">
+          <ac:chgData name="Billy Lin" userId="05f35405-298c-473c-91f2-352ef9a130c9" providerId="ADAL" clId="{AB0BFEC8-14E9-4C61-B10E-456F41DF402E}" dt="2024-03-01T03:09:07.640" v="342"/>
+          <ac:picMkLst>
+            <pc:docMk/>
+            <pc:sldMk cId="3400827552" sldId="6943"/>
+            <ac:picMk id="6" creationId="{73E27B4D-C9BE-AE98-B920-47AC4AA4C25E}"/>
+          </ac:picMkLst>
+        </pc:picChg>
+      </pc:sldChg>
+      <pc:sldChg chg="addSp modSp add mod ord">
+        <pc:chgData name="Billy Lin" userId="05f35405-298c-473c-91f2-352ef9a130c9" providerId="ADAL" clId="{AB0BFEC8-14E9-4C61-B10E-456F41DF402E}" dt="2024-03-01T03:26:18.940" v="393" actId="1076"/>
+        <pc:sldMkLst>
+          <pc:docMk/>
+          <pc:sldMk cId="258403364" sldId="6944"/>
+        </pc:sldMkLst>
+        <pc:spChg chg="mod">
+          <ac:chgData name="Billy Lin" userId="05f35405-298c-473c-91f2-352ef9a130c9" providerId="ADAL" clId="{AB0BFEC8-14E9-4C61-B10E-456F41DF402E}" dt="2024-03-01T03:20:40.802" v="359" actId="20577"/>
+          <ac:spMkLst>
+            <pc:docMk/>
+            <pc:sldMk cId="258403364" sldId="6944"/>
+            <ac:spMk id="2" creationId="{E6E7246E-6DDB-2F98-52B0-04AB5D144996}"/>
+          </ac:spMkLst>
+        </pc:spChg>
+        <pc:spChg chg="mod">
+          <ac:chgData name="Billy Lin" userId="05f35405-298c-473c-91f2-352ef9a130c9" providerId="ADAL" clId="{AB0BFEC8-14E9-4C61-B10E-456F41DF402E}" dt="2024-03-01T03:25:02.858" v="375" actId="1076"/>
+          <ac:spMkLst>
+            <pc:docMk/>
+            <pc:sldMk cId="258403364" sldId="6944"/>
+            <ac:spMk id="3" creationId="{F0AB9DF1-764A-2056-5BC1-70D34F516704}"/>
+          </ac:spMkLst>
+        </pc:spChg>
+        <pc:spChg chg="add mod">
+          <ac:chgData name="Billy Lin" userId="05f35405-298c-473c-91f2-352ef9a130c9" providerId="ADAL" clId="{AB0BFEC8-14E9-4C61-B10E-456F41DF402E}" dt="2024-03-01T03:25:07.386" v="381" actId="20577"/>
+          <ac:spMkLst>
+            <pc:docMk/>
+            <pc:sldMk cId="258403364" sldId="6944"/>
+            <ac:spMk id="9" creationId="{14184B3B-E4E7-1FF0-2B04-3B7DBC848AE4}"/>
+          </ac:spMkLst>
+        </pc:spChg>
+        <pc:spChg chg="add mod">
+          <ac:chgData name="Billy Lin" userId="05f35405-298c-473c-91f2-352ef9a130c9" providerId="ADAL" clId="{AB0BFEC8-14E9-4C61-B10E-456F41DF402E}" dt="2024-03-01T03:25:52.915" v="388" actId="20577"/>
+          <ac:spMkLst>
+            <pc:docMk/>
+            <pc:sldMk cId="258403364" sldId="6944"/>
+            <ac:spMk id="10" creationId="{14124B6D-FBE3-087B-A2BE-A792D3A1BB19}"/>
+          </ac:spMkLst>
+        </pc:spChg>
+        <pc:picChg chg="add mod">
+          <ac:chgData name="Billy Lin" userId="05f35405-298c-473c-91f2-352ef9a130c9" providerId="ADAL" clId="{AB0BFEC8-14E9-4C61-B10E-456F41DF402E}" dt="2024-03-01T03:26:18.940" v="393" actId="1076"/>
+          <ac:picMkLst>
+            <pc:docMk/>
+            <pc:sldMk cId="258403364" sldId="6944"/>
+            <ac:picMk id="6" creationId="{8E54F810-89CF-E3CE-154E-511F93FC8EB3}"/>
+          </ac:picMkLst>
+        </pc:picChg>
+        <pc:picChg chg="add mod">
+          <ac:chgData name="Billy Lin" userId="05f35405-298c-473c-91f2-352ef9a130c9" providerId="ADAL" clId="{AB0BFEC8-14E9-4C61-B10E-456F41DF402E}" dt="2024-03-01T03:26:17.244" v="392" actId="1076"/>
+          <ac:picMkLst>
+            <pc:docMk/>
+            <pc:sldMk cId="258403364" sldId="6944"/>
+            <ac:picMk id="8" creationId="{A4158DAA-0F4E-6C98-E816-79FEA97AF504}"/>
+          </ac:picMkLst>
+        </pc:picChg>
+        <pc:picChg chg="add mod">
+          <ac:chgData name="Billy Lin" userId="05f35405-298c-473c-91f2-352ef9a130c9" providerId="ADAL" clId="{AB0BFEC8-14E9-4C61-B10E-456F41DF402E}" dt="2024-03-01T03:26:16.347" v="391" actId="1076"/>
+          <ac:picMkLst>
+            <pc:docMk/>
+            <pc:sldMk cId="258403364" sldId="6944"/>
+            <ac:picMk id="12" creationId="{8C09854D-308D-15B1-4A32-54119547003D}"/>
+          </ac:picMkLst>
+        </pc:picChg>
+      </pc:sldChg>
+      <pc:sldChg chg="add">
+        <pc:chgData name="Billy Lin" userId="05f35405-298c-473c-91f2-352ef9a130c9" providerId="ADAL" clId="{AB0BFEC8-14E9-4C61-B10E-456F41DF402E}" dt="2024-03-01T03:26:21.762" v="394"/>
+        <pc:sldMkLst>
+          <pc:docMk/>
+          <pc:sldMk cId="3282851643" sldId="6945"/>
         </pc:sldMkLst>
       </pc:sldChg>
     </pc:docChg>
@@ -1221,7 +1420,7 @@
           <a:p>
             <a:fld id="{2EDDABC3-F3ED-4DD9-983D-F09E8FCF6133}" type="datetimeFigureOut">
               <a:rPr lang="en-US" smtClean="0"/>
-              <a:t>2/29/2024</a:t>
+              <a:t>3/1/2024</a:t>
             </a:fld>
             <a:endParaRPr lang="en-US"/>
           </a:p>
@@ -1613,7 +1812,7 @@
           <a:p>
             <a:fld id="{F59B6F3A-935B-44D1-A66F-61470C6D8F51}" type="datetime1">
               <a:rPr lang="en-US" smtClean="0"/>
-              <a:t>2/29/2024</a:t>
+              <a:t>3/1/2024</a:t>
             </a:fld>
             <a:endParaRPr lang="en-US"/>
           </a:p>
@@ -1857,7 +2056,7 @@
           <a:p>
             <a:fld id="{C63B82BC-FCA2-460F-A60C-8FE94D119F09}" type="datetime1">
               <a:rPr lang="en-US" smtClean="0"/>
-              <a:t>2/29/2024</a:t>
+              <a:t>3/1/2024</a:t>
             </a:fld>
             <a:endParaRPr lang="en-US"/>
           </a:p>
@@ -2289,7 +2488,10 @@
           <a:bodyPr/>
           <a:lstStyle/>
           <a:p>
-            <a:endParaRPr lang="en-US"/>
+            <a:r>
+              <a:rPr lang="en-US" dirty="0"/>
+              <a:t>lab??</a:t>
+            </a:r>
           </a:p>
         </p:txBody>
       </p:sp>
@@ -2350,7 +2552,7 @@
     </p:spTree>
     <p:extLst>
       <p:ext uri="{BB962C8B-B14F-4D97-AF65-F5344CB8AC3E}">
-        <p14:creationId xmlns:p14="http://schemas.microsoft.com/office/powerpoint/2010/main" val="1711539242"/>
+        <p14:creationId xmlns:p14="http://schemas.microsoft.com/office/powerpoint/2010/main" val="2190162818"/>
       </p:ext>
     </p:extLst>
   </p:cSld>
@@ -2379,6 +2581,829 @@
       </p:grpSpPr>
       <p:sp>
         <p:nvSpPr>
+          <p:cNvPr id="4" name="Slide Number Placeholder 3">
+            <a:extLst>
+              <a:ext uri="{FF2B5EF4-FFF2-40B4-BE49-F238E27FC236}">
+                <a16:creationId xmlns:a16="http://schemas.microsoft.com/office/drawing/2014/main" id="{E2DF548D-AE6E-101F-FEEE-0F3BD243E28E}"/>
+              </a:ext>
+            </a:extLst>
+          </p:cNvPr>
+          <p:cNvSpPr>
+            <a:spLocks noGrp="1"/>
+          </p:cNvSpPr>
+          <p:nvPr>
+            <p:ph type="sldNum" sz="quarter" idx="12"/>
+          </p:nvPr>
+        </p:nvSpPr>
+        <p:spPr/>
+        <p:txBody>
+          <a:bodyPr/>
+          <a:lstStyle/>
+          <a:p>
+            <a:fld id="{8A2B06E4-34D2-4DD4-ABFF-9F74AC2B18B5}" type="slidenum">
+              <a:rPr lang="en-US" smtClean="0"/>
+              <a:t>10</a:t>
+            </a:fld>
+            <a:endParaRPr lang="en-US" dirty="0"/>
+          </a:p>
+        </p:txBody>
+      </p:sp>
+      <p:pic>
+        <p:nvPicPr>
+          <p:cNvPr id="6" name="Picture 5">
+            <a:extLst>
+              <a:ext uri="{FF2B5EF4-FFF2-40B4-BE49-F238E27FC236}">
+                <a16:creationId xmlns:a16="http://schemas.microsoft.com/office/drawing/2014/main" id="{88B5BDED-AFB5-3520-45EC-D18EC75A5FF3}"/>
+              </a:ext>
+            </a:extLst>
+          </p:cNvPr>
+          <p:cNvPicPr>
+            <a:picLocks noChangeAspect="1"/>
+          </p:cNvPicPr>
+          <p:nvPr/>
+        </p:nvPicPr>
+        <p:blipFill rotWithShape="1">
+          <a:blip r:embed="rId2"/>
+          <a:srcRect b="23183"/>
+          <a:stretch/>
+        </p:blipFill>
+        <p:spPr>
+          <a:xfrm>
+            <a:off x="2408423" y="4258181"/>
+            <a:ext cx="6525536" cy="1646509"/>
+          </a:xfrm>
+          <a:prstGeom prst="rect">
+            <a:avLst/>
+          </a:prstGeom>
+        </p:spPr>
+      </p:pic>
+      <p:pic>
+        <p:nvPicPr>
+          <p:cNvPr id="8" name="Picture 7">
+            <a:extLst>
+              <a:ext uri="{FF2B5EF4-FFF2-40B4-BE49-F238E27FC236}">
+                <a16:creationId xmlns:a16="http://schemas.microsoft.com/office/drawing/2014/main" id="{71605D0B-3902-B141-D2FE-92220EB6CA63}"/>
+              </a:ext>
+            </a:extLst>
+          </p:cNvPr>
+          <p:cNvPicPr>
+            <a:picLocks noChangeAspect="1"/>
+          </p:cNvPicPr>
+          <p:nvPr/>
+        </p:nvPicPr>
+        <p:blipFill>
+          <a:blip r:embed="rId3"/>
+          <a:stretch>
+            <a:fillRect/>
+          </a:stretch>
+        </p:blipFill>
+        <p:spPr>
+          <a:xfrm>
+            <a:off x="2408422" y="2831178"/>
+            <a:ext cx="4974655" cy="1215527"/>
+          </a:xfrm>
+          <a:prstGeom prst="rect">
+            <a:avLst/>
+          </a:prstGeom>
+        </p:spPr>
+      </p:pic>
+    </p:spTree>
+    <p:extLst>
+      <p:ext uri="{BB962C8B-B14F-4D97-AF65-F5344CB8AC3E}">
+        <p14:creationId xmlns:p14="http://schemas.microsoft.com/office/powerpoint/2010/main" val="325488205"/>
+      </p:ext>
+    </p:extLst>
+  </p:cSld>
+  <p:clrMapOvr>
+    <a:masterClrMapping/>
+  </p:clrMapOvr>
+</p:sld>
+</file>
+
+<file path=ppt/slides/slide11.xml><?xml version="1.0" encoding="utf-8"?>
+<p:sld xmlns:a="http://schemas.openxmlformats.org/drawingml/2006/main" xmlns:r="http://schemas.openxmlformats.org/officeDocument/2006/relationships" xmlns:p="http://schemas.openxmlformats.org/presentationml/2006/main">
+  <p:cSld>
+    <p:spTree>
+      <p:nvGrpSpPr>
+        <p:cNvPr id="1" name=""/>
+        <p:cNvGrpSpPr/>
+        <p:nvPr/>
+      </p:nvGrpSpPr>
+      <p:grpSpPr>
+        <a:xfrm>
+          <a:off x="0" y="0"/>
+          <a:ext cx="0" cy="0"/>
+          <a:chOff x="0" y="0"/>
+          <a:chExt cx="0" cy="0"/>
+        </a:xfrm>
+      </p:grpSpPr>
+      <p:sp>
+        <p:nvSpPr>
+          <p:cNvPr id="2" name="Title 1">
+            <a:extLst>
+              <a:ext uri="{FF2B5EF4-FFF2-40B4-BE49-F238E27FC236}">
+                <a16:creationId xmlns:a16="http://schemas.microsoft.com/office/drawing/2014/main" id="{56F1B890-DD2D-46F9-A853-3CB5A42A15D2}"/>
+              </a:ext>
+            </a:extLst>
+          </p:cNvPr>
+          <p:cNvSpPr>
+            <a:spLocks noGrp="1"/>
+          </p:cNvSpPr>
+          <p:nvPr>
+            <p:ph type="title"/>
+          </p:nvPr>
+        </p:nvSpPr>
+        <p:spPr/>
+        <p:txBody>
+          <a:bodyPr/>
+          <a:lstStyle/>
+          <a:p>
+            <a:r>
+              <a:rPr lang="en-US" dirty="0"/>
+              <a:t>Outline</a:t>
+            </a:r>
+          </a:p>
+        </p:txBody>
+      </p:sp>
+      <p:sp>
+        <p:nvSpPr>
+          <p:cNvPr id="3" name="Content Placeholder 2">
+            <a:extLst>
+              <a:ext uri="{FF2B5EF4-FFF2-40B4-BE49-F238E27FC236}">
+                <a16:creationId xmlns:a16="http://schemas.microsoft.com/office/drawing/2014/main" id="{5D7B872D-07E4-4A80-BC19-1A6B48431473}"/>
+              </a:ext>
+            </a:extLst>
+          </p:cNvPr>
+          <p:cNvSpPr>
+            <a:spLocks noGrp="1"/>
+          </p:cNvSpPr>
+          <p:nvPr>
+            <p:ph idx="1"/>
+          </p:nvPr>
+        </p:nvSpPr>
+        <p:spPr>
+          <a:xfrm>
+            <a:off x="590204" y="1064030"/>
+            <a:ext cx="5128425" cy="835074"/>
+          </a:xfrm>
+        </p:spPr>
+        <p:txBody>
+          <a:bodyPr/>
+          <a:lstStyle/>
+          <a:p>
+            <a:endParaRPr lang="en-US" dirty="0"/>
+          </a:p>
+        </p:txBody>
+      </p:sp>
+      <p:sp>
+        <p:nvSpPr>
+          <p:cNvPr id="4" name="Slide Number Placeholder 3">
+            <a:extLst>
+              <a:ext uri="{FF2B5EF4-FFF2-40B4-BE49-F238E27FC236}">
+                <a16:creationId xmlns:a16="http://schemas.microsoft.com/office/drawing/2014/main" id="{1C064AFB-6D18-45A5-9C2B-BF2195C97986}"/>
+              </a:ext>
+            </a:extLst>
+          </p:cNvPr>
+          <p:cNvSpPr>
+            <a:spLocks noGrp="1"/>
+          </p:cNvSpPr>
+          <p:nvPr>
+            <p:ph type="sldNum" sz="quarter" idx="12"/>
+          </p:nvPr>
+        </p:nvSpPr>
+        <p:spPr/>
+        <p:txBody>
+          <a:bodyPr/>
+          <a:lstStyle/>
+          <a:p>
+            <a:fld id="{8A2B06E4-34D2-4DD4-ABFF-9F74AC2B18B5}" type="slidenum">
+              <a:rPr lang="en-US" smtClean="0"/>
+              <a:t>11</a:t>
+            </a:fld>
+            <a:endParaRPr lang="en-US" dirty="0"/>
+          </a:p>
+        </p:txBody>
+      </p:sp>
+      <p:sp>
+        <p:nvSpPr>
+          <p:cNvPr id="5" name="Rectangle 4">
+            <a:extLst>
+              <a:ext uri="{FF2B5EF4-FFF2-40B4-BE49-F238E27FC236}">
+                <a16:creationId xmlns:a16="http://schemas.microsoft.com/office/drawing/2014/main" id="{28B468AC-63A7-3DC7-8A63-703CA2DB7BF9}"/>
+              </a:ext>
+            </a:extLst>
+          </p:cNvPr>
+          <p:cNvSpPr/>
+          <p:nvPr/>
+        </p:nvSpPr>
+        <p:spPr>
+          <a:xfrm>
+            <a:off x="3120570" y="775081"/>
+            <a:ext cx="2873829" cy="1124024"/>
+          </a:xfrm>
+          <a:prstGeom prst="rect">
+            <a:avLst/>
+          </a:prstGeom>
+        </p:spPr>
+        <p:style>
+          <a:lnRef idx="2">
+            <a:schemeClr val="accent1">
+              <a:shade val="50000"/>
+            </a:schemeClr>
+          </a:lnRef>
+          <a:fillRef idx="1">
+            <a:schemeClr val="accent1"/>
+          </a:fillRef>
+          <a:effectRef idx="0">
+            <a:schemeClr val="accent1"/>
+          </a:effectRef>
+          <a:fontRef idx="minor">
+            <a:schemeClr val="lt1"/>
+          </a:fontRef>
+        </p:style>
+        <p:txBody>
+          <a:bodyPr rtlCol="0" anchor="ctr"/>
+          <a:lstStyle/>
+          <a:p>
+            <a:pPr algn="ctr"/>
+            <a:r>
+              <a:rPr lang="en-US" dirty="0"/>
+              <a:t>garage</a:t>
+            </a:r>
+          </a:p>
+        </p:txBody>
+      </p:sp>
+      <p:sp>
+        <p:nvSpPr>
+          <p:cNvPr id="6" name="Rectangle 5">
+            <a:extLst>
+              <a:ext uri="{FF2B5EF4-FFF2-40B4-BE49-F238E27FC236}">
+                <a16:creationId xmlns:a16="http://schemas.microsoft.com/office/drawing/2014/main" id="{B5695EE2-999B-3D68-F2B4-A70003D2C6AB}"/>
+              </a:ext>
+            </a:extLst>
+          </p:cNvPr>
+          <p:cNvSpPr/>
+          <p:nvPr/>
+        </p:nvSpPr>
+        <p:spPr>
+          <a:xfrm>
+            <a:off x="1103086" y="2560584"/>
+            <a:ext cx="2873829" cy="1358273"/>
+          </a:xfrm>
+          <a:prstGeom prst="rect">
+            <a:avLst/>
+          </a:prstGeom>
+        </p:spPr>
+        <p:style>
+          <a:lnRef idx="2">
+            <a:schemeClr val="accent1">
+              <a:shade val="50000"/>
+            </a:schemeClr>
+          </a:lnRef>
+          <a:fillRef idx="1">
+            <a:schemeClr val="accent1"/>
+          </a:fillRef>
+          <a:effectRef idx="0">
+            <a:schemeClr val="accent1"/>
+          </a:effectRef>
+          <a:fontRef idx="minor">
+            <a:schemeClr val="lt1"/>
+          </a:fontRef>
+        </p:style>
+        <p:txBody>
+          <a:bodyPr rtlCol="0" anchor="ctr"/>
+          <a:lstStyle/>
+          <a:p>
+            <a:pPr algn="ctr"/>
+            <a:r>
+              <a:rPr lang="en-US" dirty="0"/>
+              <a:t>m1</a:t>
+            </a:r>
+          </a:p>
+        </p:txBody>
+      </p:sp>
+      <p:sp>
+        <p:nvSpPr>
+          <p:cNvPr id="7" name="Rectangle 6">
+            <a:extLst>
+              <a:ext uri="{FF2B5EF4-FFF2-40B4-BE49-F238E27FC236}">
+                <a16:creationId xmlns:a16="http://schemas.microsoft.com/office/drawing/2014/main" id="{6CF7EE87-8AA9-E7BD-2AB5-C866FE179818}"/>
+              </a:ext>
+            </a:extLst>
+          </p:cNvPr>
+          <p:cNvSpPr/>
+          <p:nvPr/>
+        </p:nvSpPr>
+        <p:spPr>
+          <a:xfrm>
+            <a:off x="4402083" y="2560584"/>
+            <a:ext cx="2873829" cy="1358273"/>
+          </a:xfrm>
+          <a:prstGeom prst="rect">
+            <a:avLst/>
+          </a:prstGeom>
+        </p:spPr>
+        <p:style>
+          <a:lnRef idx="2">
+            <a:schemeClr val="accent1">
+              <a:shade val="50000"/>
+            </a:schemeClr>
+          </a:lnRef>
+          <a:fillRef idx="1">
+            <a:schemeClr val="accent1"/>
+          </a:fillRef>
+          <a:effectRef idx="0">
+            <a:schemeClr val="accent1"/>
+          </a:effectRef>
+          <a:fontRef idx="minor">
+            <a:schemeClr val="lt1"/>
+          </a:fontRef>
+        </p:style>
+        <p:txBody>
+          <a:bodyPr rtlCol="0" anchor="ctr"/>
+          <a:lstStyle/>
+          <a:p>
+            <a:pPr algn="ctr"/>
+            <a:r>
+              <a:rPr lang="en-US" dirty="0"/>
+              <a:t>m2</a:t>
+            </a:r>
+          </a:p>
+        </p:txBody>
+      </p:sp>
+      <p:sp>
+        <p:nvSpPr>
+          <p:cNvPr id="8" name="Rectangle 7">
+            <a:extLst>
+              <a:ext uri="{FF2B5EF4-FFF2-40B4-BE49-F238E27FC236}">
+                <a16:creationId xmlns:a16="http://schemas.microsoft.com/office/drawing/2014/main" id="{C2F0E697-6C67-435E-0144-E8430EA8E6CB}"/>
+              </a:ext>
+            </a:extLst>
+          </p:cNvPr>
+          <p:cNvSpPr/>
+          <p:nvPr/>
+        </p:nvSpPr>
+        <p:spPr>
+          <a:xfrm>
+            <a:off x="7701080" y="2528274"/>
+            <a:ext cx="2873829" cy="1358273"/>
+          </a:xfrm>
+          <a:prstGeom prst="rect">
+            <a:avLst/>
+          </a:prstGeom>
+        </p:spPr>
+        <p:style>
+          <a:lnRef idx="2">
+            <a:schemeClr val="accent1">
+              <a:shade val="50000"/>
+            </a:schemeClr>
+          </a:lnRef>
+          <a:fillRef idx="1">
+            <a:schemeClr val="accent1"/>
+          </a:fillRef>
+          <a:effectRef idx="0">
+            <a:schemeClr val="accent1"/>
+          </a:effectRef>
+          <a:fontRef idx="minor">
+            <a:schemeClr val="lt1"/>
+          </a:fontRef>
+        </p:style>
+        <p:txBody>
+          <a:bodyPr rtlCol="0" anchor="ctr"/>
+          <a:lstStyle/>
+          <a:p>
+            <a:pPr algn="ctr"/>
+            <a:r>
+              <a:rPr lang="en-US" dirty="0"/>
+              <a:t>c1</a:t>
+            </a:r>
+          </a:p>
+        </p:txBody>
+      </p:sp>
+      <p:sp>
+        <p:nvSpPr>
+          <p:cNvPr id="9" name="Rectangle 8">
+            <a:extLst>
+              <a:ext uri="{FF2B5EF4-FFF2-40B4-BE49-F238E27FC236}">
+                <a16:creationId xmlns:a16="http://schemas.microsoft.com/office/drawing/2014/main" id="{4F3BD971-257F-5085-2D74-E6DDCDFFBD6B}"/>
+              </a:ext>
+            </a:extLst>
+          </p:cNvPr>
+          <p:cNvSpPr/>
+          <p:nvPr/>
+        </p:nvSpPr>
+        <p:spPr>
+          <a:xfrm>
+            <a:off x="1045029" y="4998077"/>
+            <a:ext cx="1117600" cy="1358273"/>
+          </a:xfrm>
+          <a:prstGeom prst="rect">
+            <a:avLst/>
+          </a:prstGeom>
+        </p:spPr>
+        <p:style>
+          <a:lnRef idx="2">
+            <a:schemeClr val="accent1">
+              <a:shade val="50000"/>
+            </a:schemeClr>
+          </a:lnRef>
+          <a:fillRef idx="1">
+            <a:schemeClr val="accent1"/>
+          </a:fillRef>
+          <a:effectRef idx="0">
+            <a:schemeClr val="accent1"/>
+          </a:effectRef>
+          <a:fontRef idx="minor">
+            <a:schemeClr val="lt1"/>
+          </a:fontRef>
+        </p:style>
+        <p:txBody>
+          <a:bodyPr rtlCol="0" anchor="ctr"/>
+          <a:lstStyle/>
+          <a:p>
+            <a:pPr algn="ctr"/>
+            <a:r>
+              <a:rPr lang="en-US" dirty="0"/>
+              <a:t>u1</a:t>
+            </a:r>
+          </a:p>
+        </p:txBody>
+      </p:sp>
+      <p:sp>
+        <p:nvSpPr>
+          <p:cNvPr id="10" name="Rectangle 9">
+            <a:extLst>
+              <a:ext uri="{FF2B5EF4-FFF2-40B4-BE49-F238E27FC236}">
+                <a16:creationId xmlns:a16="http://schemas.microsoft.com/office/drawing/2014/main" id="{E63C5361-0E3D-BBD5-6EED-9C84A52C16C5}"/>
+              </a:ext>
+            </a:extLst>
+          </p:cNvPr>
+          <p:cNvSpPr/>
+          <p:nvPr/>
+        </p:nvSpPr>
+        <p:spPr>
+          <a:xfrm>
+            <a:off x="2641599" y="4998077"/>
+            <a:ext cx="957943" cy="1358273"/>
+          </a:xfrm>
+          <a:prstGeom prst="rect">
+            <a:avLst/>
+          </a:prstGeom>
+        </p:spPr>
+        <p:style>
+          <a:lnRef idx="2">
+            <a:schemeClr val="accent1">
+              <a:shade val="50000"/>
+            </a:schemeClr>
+          </a:lnRef>
+          <a:fillRef idx="1">
+            <a:schemeClr val="accent1"/>
+          </a:fillRef>
+          <a:effectRef idx="0">
+            <a:schemeClr val="accent1"/>
+          </a:effectRef>
+          <a:fontRef idx="minor">
+            <a:schemeClr val="lt1"/>
+          </a:fontRef>
+        </p:style>
+        <p:txBody>
+          <a:bodyPr rtlCol="0" anchor="ctr"/>
+          <a:lstStyle/>
+          <a:p>
+            <a:pPr algn="ctr"/>
+            <a:r>
+              <a:rPr lang="en-US" dirty="0"/>
+              <a:t>u2</a:t>
+            </a:r>
+          </a:p>
+        </p:txBody>
+      </p:sp>
+      <p:sp>
+        <p:nvSpPr>
+          <p:cNvPr id="11" name="Rectangle 10">
+            <a:extLst>
+              <a:ext uri="{FF2B5EF4-FFF2-40B4-BE49-F238E27FC236}">
+                <a16:creationId xmlns:a16="http://schemas.microsoft.com/office/drawing/2014/main" id="{FBBADF70-834E-4B1D-4D48-863CFB71765B}"/>
+              </a:ext>
+            </a:extLst>
+          </p:cNvPr>
+          <p:cNvSpPr/>
+          <p:nvPr/>
+        </p:nvSpPr>
+        <p:spPr>
+          <a:xfrm>
+            <a:off x="4601029" y="4998077"/>
+            <a:ext cx="1117600" cy="1358273"/>
+          </a:xfrm>
+          <a:prstGeom prst="rect">
+            <a:avLst/>
+          </a:prstGeom>
+        </p:spPr>
+        <p:style>
+          <a:lnRef idx="2">
+            <a:schemeClr val="accent1">
+              <a:shade val="50000"/>
+            </a:schemeClr>
+          </a:lnRef>
+          <a:fillRef idx="1">
+            <a:schemeClr val="accent1"/>
+          </a:fillRef>
+          <a:effectRef idx="0">
+            <a:schemeClr val="accent1"/>
+          </a:effectRef>
+          <a:fontRef idx="minor">
+            <a:schemeClr val="lt1"/>
+          </a:fontRef>
+        </p:style>
+        <p:txBody>
+          <a:bodyPr rtlCol="0" anchor="ctr"/>
+          <a:lstStyle/>
+          <a:p>
+            <a:pPr algn="ctr"/>
+            <a:r>
+              <a:rPr lang="en-US" dirty="0"/>
+              <a:t>u1</a:t>
+            </a:r>
+          </a:p>
+        </p:txBody>
+      </p:sp>
+      <p:sp>
+        <p:nvSpPr>
+          <p:cNvPr id="12" name="Rectangle 11">
+            <a:extLst>
+              <a:ext uri="{FF2B5EF4-FFF2-40B4-BE49-F238E27FC236}">
+                <a16:creationId xmlns:a16="http://schemas.microsoft.com/office/drawing/2014/main" id="{229156AC-CE57-8CDD-8247-D503C215B35C}"/>
+              </a:ext>
+            </a:extLst>
+          </p:cNvPr>
+          <p:cNvSpPr/>
+          <p:nvPr/>
+        </p:nvSpPr>
+        <p:spPr>
+          <a:xfrm>
+            <a:off x="6197599" y="4998077"/>
+            <a:ext cx="957943" cy="1358273"/>
+          </a:xfrm>
+          <a:prstGeom prst="rect">
+            <a:avLst/>
+          </a:prstGeom>
+        </p:spPr>
+        <p:style>
+          <a:lnRef idx="2">
+            <a:schemeClr val="accent1">
+              <a:shade val="50000"/>
+            </a:schemeClr>
+          </a:lnRef>
+          <a:fillRef idx="1">
+            <a:schemeClr val="accent1"/>
+          </a:fillRef>
+          <a:effectRef idx="0">
+            <a:schemeClr val="accent1"/>
+          </a:effectRef>
+          <a:fontRef idx="minor">
+            <a:schemeClr val="lt1"/>
+          </a:fontRef>
+        </p:style>
+        <p:txBody>
+          <a:bodyPr rtlCol="0" anchor="ctr"/>
+          <a:lstStyle/>
+          <a:p>
+            <a:pPr algn="ctr"/>
+            <a:r>
+              <a:rPr lang="en-US" dirty="0"/>
+              <a:t>u2</a:t>
+            </a:r>
+          </a:p>
+        </p:txBody>
+      </p:sp>
+      <p:sp>
+        <p:nvSpPr>
+          <p:cNvPr id="13" name="Rectangle 12">
+            <a:extLst>
+              <a:ext uri="{FF2B5EF4-FFF2-40B4-BE49-F238E27FC236}">
+                <a16:creationId xmlns:a16="http://schemas.microsoft.com/office/drawing/2014/main" id="{A6B3B7FE-18C2-F8FC-66DF-6778F7C8D06C}"/>
+              </a:ext>
+            </a:extLst>
+          </p:cNvPr>
+          <p:cNvSpPr/>
+          <p:nvPr/>
+        </p:nvSpPr>
+        <p:spPr>
+          <a:xfrm>
+            <a:off x="8014611" y="4998077"/>
+            <a:ext cx="787399" cy="1358273"/>
+          </a:xfrm>
+          <a:prstGeom prst="rect">
+            <a:avLst/>
+          </a:prstGeom>
+        </p:spPr>
+        <p:style>
+          <a:lnRef idx="2">
+            <a:schemeClr val="accent1">
+              <a:shade val="50000"/>
+            </a:schemeClr>
+          </a:lnRef>
+          <a:fillRef idx="1">
+            <a:schemeClr val="accent1"/>
+          </a:fillRef>
+          <a:effectRef idx="0">
+            <a:schemeClr val="accent1"/>
+          </a:effectRef>
+          <a:fontRef idx="minor">
+            <a:schemeClr val="lt1"/>
+          </a:fontRef>
+        </p:style>
+        <p:txBody>
+          <a:bodyPr rtlCol="0" anchor="ctr"/>
+          <a:lstStyle/>
+          <a:p>
+            <a:pPr algn="ctr"/>
+            <a:r>
+              <a:rPr lang="en-US" dirty="0"/>
+              <a:t>inst1</a:t>
+            </a:r>
+          </a:p>
+        </p:txBody>
+      </p:sp>
+      <p:sp>
+        <p:nvSpPr>
+          <p:cNvPr id="14" name="Rectangle 13">
+            <a:extLst>
+              <a:ext uri="{FF2B5EF4-FFF2-40B4-BE49-F238E27FC236}">
+                <a16:creationId xmlns:a16="http://schemas.microsoft.com/office/drawing/2014/main" id="{A250B198-5BA7-D5B6-F1A9-324E111F2E82}"/>
+              </a:ext>
+            </a:extLst>
+          </p:cNvPr>
+          <p:cNvSpPr/>
+          <p:nvPr/>
+        </p:nvSpPr>
+        <p:spPr>
+          <a:xfrm>
+            <a:off x="9004299" y="4998077"/>
+            <a:ext cx="787399" cy="1358273"/>
+          </a:xfrm>
+          <a:prstGeom prst="rect">
+            <a:avLst/>
+          </a:prstGeom>
+        </p:spPr>
+        <p:style>
+          <a:lnRef idx="2">
+            <a:schemeClr val="accent1">
+              <a:shade val="50000"/>
+            </a:schemeClr>
+          </a:lnRef>
+          <a:fillRef idx="1">
+            <a:schemeClr val="accent1"/>
+          </a:fillRef>
+          <a:effectRef idx="0">
+            <a:schemeClr val="accent1"/>
+          </a:effectRef>
+          <a:fontRef idx="minor">
+            <a:schemeClr val="lt1"/>
+          </a:fontRef>
+        </p:style>
+        <p:txBody>
+          <a:bodyPr rtlCol="0" anchor="ctr"/>
+          <a:lstStyle/>
+          <a:p>
+            <a:pPr algn="ctr"/>
+            <a:r>
+              <a:rPr lang="en-US" dirty="0"/>
+              <a:t>inst2</a:t>
+            </a:r>
+          </a:p>
+        </p:txBody>
+      </p:sp>
+      <p:sp>
+        <p:nvSpPr>
+          <p:cNvPr id="15" name="Rectangle 14">
+            <a:extLst>
+              <a:ext uri="{FF2B5EF4-FFF2-40B4-BE49-F238E27FC236}">
+                <a16:creationId xmlns:a16="http://schemas.microsoft.com/office/drawing/2014/main" id="{B5CFC22A-97DA-F258-CA82-872CB3AFE96A}"/>
+              </a:ext>
+            </a:extLst>
+          </p:cNvPr>
+          <p:cNvSpPr/>
+          <p:nvPr/>
+        </p:nvSpPr>
+        <p:spPr>
+          <a:xfrm>
+            <a:off x="9942288" y="4998077"/>
+            <a:ext cx="787399" cy="1358273"/>
+          </a:xfrm>
+          <a:prstGeom prst="rect">
+            <a:avLst/>
+          </a:prstGeom>
+        </p:spPr>
+        <p:style>
+          <a:lnRef idx="2">
+            <a:schemeClr val="accent1">
+              <a:shade val="50000"/>
+            </a:schemeClr>
+          </a:lnRef>
+          <a:fillRef idx="1">
+            <a:schemeClr val="accent1"/>
+          </a:fillRef>
+          <a:effectRef idx="0">
+            <a:schemeClr val="accent1"/>
+          </a:effectRef>
+          <a:fontRef idx="minor">
+            <a:schemeClr val="lt1"/>
+          </a:fontRef>
+        </p:style>
+        <p:txBody>
+          <a:bodyPr rtlCol="0" anchor="ctr"/>
+          <a:lstStyle/>
+          <a:p>
+            <a:pPr algn="ctr"/>
+            <a:r>
+              <a:rPr lang="en-US" dirty="0"/>
+              <a:t>inst3</a:t>
+            </a:r>
+          </a:p>
+        </p:txBody>
+      </p:sp>
+      <p:sp>
+        <p:nvSpPr>
+          <p:cNvPr id="16" name="Rectangle 15">
+            <a:extLst>
+              <a:ext uri="{FF2B5EF4-FFF2-40B4-BE49-F238E27FC236}">
+                <a16:creationId xmlns:a16="http://schemas.microsoft.com/office/drawing/2014/main" id="{0B1C4FEB-0F8A-DF34-06D5-22CC12EC2C1A}"/>
+              </a:ext>
+            </a:extLst>
+          </p:cNvPr>
+          <p:cNvSpPr/>
+          <p:nvPr/>
+        </p:nvSpPr>
+        <p:spPr>
+          <a:xfrm>
+            <a:off x="10960100" y="4998077"/>
+            <a:ext cx="787399" cy="1358273"/>
+          </a:xfrm>
+          <a:prstGeom prst="rect">
+            <a:avLst/>
+          </a:prstGeom>
+        </p:spPr>
+        <p:style>
+          <a:lnRef idx="2">
+            <a:schemeClr val="accent1">
+              <a:shade val="50000"/>
+            </a:schemeClr>
+          </a:lnRef>
+          <a:fillRef idx="1">
+            <a:schemeClr val="accent1"/>
+          </a:fillRef>
+          <a:effectRef idx="0">
+            <a:schemeClr val="accent1"/>
+          </a:effectRef>
+          <a:fontRef idx="minor">
+            <a:schemeClr val="lt1"/>
+          </a:fontRef>
+        </p:style>
+        <p:txBody>
+          <a:bodyPr rtlCol="0" anchor="ctr"/>
+          <a:lstStyle/>
+          <a:p>
+            <a:pPr algn="ctr"/>
+            <a:r>
+              <a:rPr lang="en-US" dirty="0"/>
+              <a:t>inst4</a:t>
+            </a:r>
+          </a:p>
+        </p:txBody>
+      </p:sp>
+    </p:spTree>
+    <p:extLst>
+      <p:ext uri="{BB962C8B-B14F-4D97-AF65-F5344CB8AC3E}">
+        <p14:creationId xmlns:p14="http://schemas.microsoft.com/office/powerpoint/2010/main" val="3837870676"/>
+      </p:ext>
+    </p:extLst>
+  </p:cSld>
+  <p:clrMapOvr>
+    <a:masterClrMapping/>
+  </p:clrMapOvr>
+</p:sld>
+</file>
+
+<file path=ppt/slides/slide12.xml><?xml version="1.0" encoding="utf-8"?>
+<p:sld xmlns:a="http://schemas.openxmlformats.org/drawingml/2006/main" xmlns:r="http://schemas.openxmlformats.org/officeDocument/2006/relationships" xmlns:p="http://schemas.openxmlformats.org/presentationml/2006/main">
+  <p:cSld>
+    <p:spTree>
+      <p:nvGrpSpPr>
+        <p:cNvPr id="1" name=""/>
+        <p:cNvGrpSpPr/>
+        <p:nvPr/>
+      </p:nvGrpSpPr>
+      <p:grpSpPr>
+        <a:xfrm>
+          <a:off x="0" y="0"/>
+          <a:ext cx="0" cy="0"/>
+          <a:chOff x="0" y="0"/>
+          <a:chExt cx="0" cy="0"/>
+        </a:xfrm>
+      </p:grpSpPr>
+      <p:sp>
+        <p:nvSpPr>
           <p:cNvPr id="2" name="Title 1">
             <a:extLst>
               <a:ext uri="{FF2B5EF4-FFF2-40B4-BE49-F238E27FC236}">
@@ -3887,7 +4912,7 @@
           <a:p>
             <a:fld id="{8A2B06E4-34D2-4DD4-ABFF-9F74AC2B18B5}" type="slidenum">
               <a:rPr lang="en-US" smtClean="0"/>
-              <a:t>10</a:t>
+              <a:t>12</a:t>
             </a:fld>
             <a:endParaRPr lang="en-US" dirty="0"/>
           </a:p>
@@ -3944,7 +4969,10 @@
           <a:bodyPr/>
           <a:lstStyle/>
           <a:p>
-            <a:endParaRPr lang="en-US"/>
+            <a:r>
+              <a:rPr lang="en-US" dirty="0"/>
+              <a:t>lab??</a:t>
+            </a:r>
           </a:p>
         </p:txBody>
       </p:sp>
@@ -4005,7 +5033,7 @@
     </p:spTree>
     <p:extLst>
       <p:ext uri="{BB962C8B-B14F-4D97-AF65-F5344CB8AC3E}">
-        <p14:creationId xmlns:p14="http://schemas.microsoft.com/office/powerpoint/2010/main" val="970811562"/>
+        <p14:creationId xmlns:p14="http://schemas.microsoft.com/office/powerpoint/2010/main" val="3282851643"/>
       </p:ext>
     </p:extLst>
   </p:cSld>
@@ -4053,7 +5081,10 @@
           <a:bodyPr/>
           <a:lstStyle/>
           <a:p>
-            <a:endParaRPr lang="en-US"/>
+            <a:r>
+              <a:rPr lang="en-US" dirty="0"/>
+              <a:t>lab14</a:t>
+            </a:r>
           </a:p>
         </p:txBody>
       </p:sp>
@@ -4078,7 +5109,10 @@
           <a:bodyPr/>
           <a:lstStyle/>
           <a:p>
-            <a:endParaRPr lang="en-US"/>
+            <a:r>
+              <a:rPr lang="en-US" dirty="0"/>
+              <a:t>https://www.asic-world.com/systemverilog/process2.html</a:t>
+            </a:r>
           </a:p>
         </p:txBody>
       </p:sp>
@@ -4111,10 +5145,100 @@
           </a:p>
         </p:txBody>
       </p:sp>
+      <p:pic>
+        <p:nvPicPr>
+          <p:cNvPr id="5" name="Picture 4">
+            <a:extLst>
+              <a:ext uri="{FF2B5EF4-FFF2-40B4-BE49-F238E27FC236}">
+                <a16:creationId xmlns:a16="http://schemas.microsoft.com/office/drawing/2014/main" id="{0BBFFD0C-D99A-9D5C-5B42-91421F8AFF18}"/>
+              </a:ext>
+            </a:extLst>
+          </p:cNvPr>
+          <p:cNvPicPr>
+            <a:picLocks noChangeAspect="1"/>
+          </p:cNvPicPr>
+          <p:nvPr/>
+        </p:nvPicPr>
+        <p:blipFill>
+          <a:blip r:embed="rId2"/>
+          <a:stretch>
+            <a:fillRect/>
+          </a:stretch>
+        </p:blipFill>
+        <p:spPr>
+          <a:xfrm>
+            <a:off x="2429121" y="3064695"/>
+            <a:ext cx="8132288" cy="947278"/>
+          </a:xfrm>
+          <a:prstGeom prst="rect">
+            <a:avLst/>
+          </a:prstGeom>
+        </p:spPr>
+      </p:pic>
+      <p:pic>
+        <p:nvPicPr>
+          <p:cNvPr id="6" name="Picture 5">
+            <a:extLst>
+              <a:ext uri="{FF2B5EF4-FFF2-40B4-BE49-F238E27FC236}">
+                <a16:creationId xmlns:a16="http://schemas.microsoft.com/office/drawing/2014/main" id="{EEEC7555-825D-0E97-0A01-89EBF599F77A}"/>
+              </a:ext>
+            </a:extLst>
+          </p:cNvPr>
+          <p:cNvPicPr>
+            <a:picLocks noChangeAspect="1"/>
+          </p:cNvPicPr>
+          <p:nvPr/>
+        </p:nvPicPr>
+        <p:blipFill>
+          <a:blip r:embed="rId3"/>
+          <a:stretch>
+            <a:fillRect/>
+          </a:stretch>
+        </p:blipFill>
+        <p:spPr>
+          <a:xfrm>
+            <a:off x="2327496" y="4137576"/>
+            <a:ext cx="8335538" cy="2372056"/>
+          </a:xfrm>
+          <a:prstGeom prst="rect">
+            <a:avLst/>
+          </a:prstGeom>
+        </p:spPr>
+      </p:pic>
+      <p:pic>
+        <p:nvPicPr>
+          <p:cNvPr id="7" name="Picture 6">
+            <a:extLst>
+              <a:ext uri="{FF2B5EF4-FFF2-40B4-BE49-F238E27FC236}">
+                <a16:creationId xmlns:a16="http://schemas.microsoft.com/office/drawing/2014/main" id="{A37F4D58-0ADB-D668-3C92-D99932EAAC9A}"/>
+              </a:ext>
+            </a:extLst>
+          </p:cNvPr>
+          <p:cNvPicPr>
+            <a:picLocks noChangeAspect="1"/>
+          </p:cNvPicPr>
+          <p:nvPr/>
+        </p:nvPicPr>
+        <p:blipFill>
+          <a:blip r:embed="rId4"/>
+          <a:stretch>
+            <a:fillRect/>
+          </a:stretch>
+        </p:blipFill>
+        <p:spPr>
+          <a:xfrm>
+            <a:off x="2429121" y="1727536"/>
+            <a:ext cx="6833840" cy="1274358"/>
+          </a:xfrm>
+          <a:prstGeom prst="rect">
+            <a:avLst/>
+          </a:prstGeom>
+        </p:spPr>
+      </p:pic>
     </p:spTree>
     <p:extLst>
       <p:ext uri="{BB962C8B-B14F-4D97-AF65-F5344CB8AC3E}">
-        <p14:creationId xmlns:p14="http://schemas.microsoft.com/office/powerpoint/2010/main" val="2190162818"/>
+        <p14:creationId xmlns:p14="http://schemas.microsoft.com/office/powerpoint/2010/main" val="1711539242"/>
       </p:ext>
     </p:extLst>
   </p:cSld>
@@ -4162,32 +5286,10 @@
           <a:bodyPr/>
           <a:lstStyle/>
           <a:p>
-            <a:endParaRPr lang="en-US"/>
-          </a:p>
-        </p:txBody>
-      </p:sp>
-      <p:sp>
-        <p:nvSpPr>
-          <p:cNvPr id="3" name="Content Placeholder 2">
-            <a:extLst>
-              <a:ext uri="{FF2B5EF4-FFF2-40B4-BE49-F238E27FC236}">
-                <a16:creationId xmlns:a16="http://schemas.microsoft.com/office/drawing/2014/main" id="{F0AB9DF1-764A-2056-5BC1-70D34F516704}"/>
-              </a:ext>
-            </a:extLst>
-          </p:cNvPr>
-          <p:cNvSpPr>
-            <a:spLocks noGrp="1"/>
-          </p:cNvSpPr>
-          <p:nvPr>
-            <p:ph idx="1"/>
-          </p:nvPr>
-        </p:nvSpPr>
-        <p:spPr/>
-        <p:txBody>
-          <a:bodyPr/>
-          <a:lstStyle/>
-          <a:p>
-            <a:endParaRPr lang="en-US"/>
+            <a:r>
+              <a:rPr lang="en-US" dirty="0"/>
+              <a:t>lab14</a:t>
+            </a:r>
           </a:p>
         </p:txBody>
       </p:sp>
@@ -4220,6 +5322,247 @@
           </a:p>
         </p:txBody>
       </p:sp>
+      <p:sp>
+        <p:nvSpPr>
+          <p:cNvPr id="5" name="Content Placeholder 3">
+            <a:extLst>
+              <a:ext uri="{FF2B5EF4-FFF2-40B4-BE49-F238E27FC236}">
+                <a16:creationId xmlns:a16="http://schemas.microsoft.com/office/drawing/2014/main" id="{5D3BE785-D624-DBD7-859C-14AD218C73BB}"/>
+              </a:ext>
+            </a:extLst>
+          </p:cNvPr>
+          <p:cNvSpPr txBox="1">
+            <a:spLocks/>
+          </p:cNvSpPr>
+          <p:nvPr/>
+        </p:nvSpPr>
+        <p:spPr>
+          <a:xfrm>
+            <a:off x="446314" y="1591056"/>
+            <a:ext cx="5155496" cy="4688363"/>
+          </a:xfrm>
+          <a:prstGeom prst="rect">
+            <a:avLst/>
+          </a:prstGeom>
+        </p:spPr>
+        <p:txBody>
+          <a:bodyPr/>
+          <a:lstStyle>
+            <a:lvl1pPr marL="228600" indent="-228600" algn="l" defTabSz="914400" rtl="0" eaLnBrk="1" latinLnBrk="0" hangingPunct="1">
+              <a:lnSpc>
+                <a:spcPct val="90000"/>
+              </a:lnSpc>
+              <a:spcBef>
+                <a:spcPts val="1000"/>
+              </a:spcBef>
+              <a:buFont typeface="Arial" panose="020B0604020202020204" pitchFamily="34" charset="0"/>
+              <a:buChar char="•"/>
+              <a:defRPr sz="1400" kern="1200">
+                <a:solidFill>
+                  <a:schemeClr val="tx1"/>
+                </a:solidFill>
+                <a:latin typeface="+mn-lt"/>
+                <a:ea typeface="+mn-ea"/>
+                <a:cs typeface="+mn-cs"/>
+              </a:defRPr>
+            </a:lvl1pPr>
+            <a:lvl2pPr marL="685800" indent="-228600" algn="l" defTabSz="914400" rtl="0" eaLnBrk="1" latinLnBrk="0" hangingPunct="1">
+              <a:lnSpc>
+                <a:spcPct val="90000"/>
+              </a:lnSpc>
+              <a:spcBef>
+                <a:spcPts val="500"/>
+              </a:spcBef>
+              <a:buFont typeface="Arial" panose="020B0604020202020204" pitchFamily="34" charset="0"/>
+              <a:buChar char="•"/>
+              <a:defRPr sz="1200" kern="1200">
+                <a:solidFill>
+                  <a:schemeClr val="tx1"/>
+                </a:solidFill>
+                <a:latin typeface="+mn-lt"/>
+                <a:ea typeface="+mn-ea"/>
+                <a:cs typeface="+mn-cs"/>
+              </a:defRPr>
+            </a:lvl2pPr>
+            <a:lvl3pPr marL="1143000" indent="-228600" algn="l" defTabSz="914400" rtl="0" eaLnBrk="1" latinLnBrk="0" hangingPunct="1">
+              <a:lnSpc>
+                <a:spcPct val="90000"/>
+              </a:lnSpc>
+              <a:spcBef>
+                <a:spcPts val="500"/>
+              </a:spcBef>
+              <a:buFont typeface="Arial" panose="020B0604020202020204" pitchFamily="34" charset="0"/>
+              <a:buChar char="•"/>
+              <a:defRPr sz="1200" kern="1200">
+                <a:solidFill>
+                  <a:schemeClr val="tx1"/>
+                </a:solidFill>
+                <a:latin typeface="+mn-lt"/>
+                <a:ea typeface="+mn-ea"/>
+                <a:cs typeface="+mn-cs"/>
+              </a:defRPr>
+            </a:lvl3pPr>
+            <a:lvl4pPr marL="1600200" indent="-228600" algn="l" defTabSz="914400" rtl="0" eaLnBrk="1" latinLnBrk="0" hangingPunct="1">
+              <a:lnSpc>
+                <a:spcPct val="90000"/>
+              </a:lnSpc>
+              <a:spcBef>
+                <a:spcPts val="500"/>
+              </a:spcBef>
+              <a:buFont typeface="Arial" panose="020B0604020202020204" pitchFamily="34" charset="0"/>
+              <a:buChar char="•"/>
+              <a:defRPr sz="1200" kern="1200">
+                <a:solidFill>
+                  <a:schemeClr val="tx1"/>
+                </a:solidFill>
+                <a:latin typeface="+mn-lt"/>
+                <a:ea typeface="+mn-ea"/>
+                <a:cs typeface="+mn-cs"/>
+              </a:defRPr>
+            </a:lvl4pPr>
+            <a:lvl5pPr marL="2057400" indent="-228600" algn="l" defTabSz="914400" rtl="0" eaLnBrk="1" latinLnBrk="0" hangingPunct="1">
+              <a:lnSpc>
+                <a:spcPct val="90000"/>
+              </a:lnSpc>
+              <a:spcBef>
+                <a:spcPts val="500"/>
+              </a:spcBef>
+              <a:buFont typeface="Arial" panose="020B0604020202020204" pitchFamily="34" charset="0"/>
+              <a:buChar char="•"/>
+              <a:defRPr sz="1200" kern="1200">
+                <a:solidFill>
+                  <a:schemeClr val="tx1"/>
+                </a:solidFill>
+                <a:latin typeface="+mn-lt"/>
+                <a:ea typeface="+mn-ea"/>
+                <a:cs typeface="+mn-cs"/>
+              </a:defRPr>
+            </a:lvl5pPr>
+            <a:lvl6pPr marL="2514600" indent="-228600" algn="l" defTabSz="914400" rtl="0" eaLnBrk="1" latinLnBrk="0" hangingPunct="1">
+              <a:lnSpc>
+                <a:spcPct val="90000"/>
+              </a:lnSpc>
+              <a:spcBef>
+                <a:spcPts val="500"/>
+              </a:spcBef>
+              <a:buFont typeface="Arial" panose="020B0604020202020204" pitchFamily="34" charset="0"/>
+              <a:buChar char="•"/>
+              <a:defRPr sz="1800" kern="1200">
+                <a:solidFill>
+                  <a:schemeClr val="tx1"/>
+                </a:solidFill>
+                <a:latin typeface="+mn-lt"/>
+                <a:ea typeface="+mn-ea"/>
+                <a:cs typeface="+mn-cs"/>
+              </a:defRPr>
+            </a:lvl6pPr>
+            <a:lvl7pPr marL="2971800" indent="-228600" algn="l" defTabSz="914400" rtl="0" eaLnBrk="1" latinLnBrk="0" hangingPunct="1">
+              <a:lnSpc>
+                <a:spcPct val="90000"/>
+              </a:lnSpc>
+              <a:spcBef>
+                <a:spcPts val="500"/>
+              </a:spcBef>
+              <a:buFont typeface="Arial" panose="020B0604020202020204" pitchFamily="34" charset="0"/>
+              <a:buChar char="•"/>
+              <a:defRPr sz="1800" kern="1200">
+                <a:solidFill>
+                  <a:schemeClr val="tx1"/>
+                </a:solidFill>
+                <a:latin typeface="+mn-lt"/>
+                <a:ea typeface="+mn-ea"/>
+                <a:cs typeface="+mn-cs"/>
+              </a:defRPr>
+            </a:lvl7pPr>
+            <a:lvl8pPr marL="3429000" indent="-228600" algn="l" defTabSz="914400" rtl="0" eaLnBrk="1" latinLnBrk="0" hangingPunct="1">
+              <a:lnSpc>
+                <a:spcPct val="90000"/>
+              </a:lnSpc>
+              <a:spcBef>
+                <a:spcPts val="500"/>
+              </a:spcBef>
+              <a:buFont typeface="Arial" panose="020B0604020202020204" pitchFamily="34" charset="0"/>
+              <a:buChar char="•"/>
+              <a:defRPr sz="1800" kern="1200">
+                <a:solidFill>
+                  <a:schemeClr val="tx1"/>
+                </a:solidFill>
+                <a:latin typeface="+mn-lt"/>
+                <a:ea typeface="+mn-ea"/>
+                <a:cs typeface="+mn-cs"/>
+              </a:defRPr>
+            </a:lvl8pPr>
+            <a:lvl9pPr marL="3886200" indent="-228600" algn="l" defTabSz="914400" rtl="0" eaLnBrk="1" latinLnBrk="0" hangingPunct="1">
+              <a:lnSpc>
+                <a:spcPct val="90000"/>
+              </a:lnSpc>
+              <a:spcBef>
+                <a:spcPts val="500"/>
+              </a:spcBef>
+              <a:buFont typeface="Arial" panose="020B0604020202020204" pitchFamily="34" charset="0"/>
+              <a:buChar char="•"/>
+              <a:defRPr sz="1800" kern="1200">
+                <a:solidFill>
+                  <a:schemeClr val="tx1"/>
+                </a:solidFill>
+                <a:latin typeface="+mn-lt"/>
+                <a:ea typeface="+mn-ea"/>
+                <a:cs typeface="+mn-cs"/>
+              </a:defRPr>
+            </a:lvl9pPr>
+          </a:lstStyle>
+          <a:p>
+            <a:r>
+              <a:rPr lang="en-US"/>
+              <a:t>the problem without fork-join</a:t>
+            </a:r>
+          </a:p>
+          <a:p>
+            <a:pPr lvl="1"/>
+            <a:r>
+              <a:rPr lang="en-US"/>
+              <a:t>as the figure, separate begin-end block for memory content initialization</a:t>
+            </a:r>
+          </a:p>
+          <a:p>
+            <a:pPr lvl="1"/>
+            <a:r>
+              <a:rPr lang="en-US"/>
+              <a:t>the drawback is that it cannot control the relationship between threads, i.e. no explicit expression among threads</a:t>
+            </a:r>
+            <a:endParaRPr lang="en-US" dirty="0"/>
+          </a:p>
+        </p:txBody>
+      </p:sp>
+      <p:pic>
+        <p:nvPicPr>
+          <p:cNvPr id="6" name="Picture 5">
+            <a:extLst>
+              <a:ext uri="{FF2B5EF4-FFF2-40B4-BE49-F238E27FC236}">
+                <a16:creationId xmlns:a16="http://schemas.microsoft.com/office/drawing/2014/main" id="{73E27B4D-C9BE-AE98-B920-47AC4AA4C25E}"/>
+              </a:ext>
+            </a:extLst>
+          </p:cNvPr>
+          <p:cNvPicPr>
+            <a:picLocks noChangeAspect="1"/>
+          </p:cNvPicPr>
+          <p:nvPr/>
+        </p:nvPicPr>
+        <p:blipFill rotWithShape="1">
+          <a:blip r:embed="rId2"/>
+          <a:srcRect t="12368" b="7922"/>
+          <a:stretch/>
+        </p:blipFill>
+        <p:spPr>
+          <a:xfrm>
+            <a:off x="5717174" y="1719073"/>
+            <a:ext cx="6039396" cy="3122013"/>
+          </a:xfrm>
+          <a:prstGeom prst="rect">
+            <a:avLst/>
+          </a:prstGeom>
+        </p:spPr>
+      </p:pic>
     </p:spTree>
     <p:extLst>
       <p:ext uri="{BB962C8B-B14F-4D97-AF65-F5344CB8AC3E}">
@@ -4273,7 +5616,7 @@
           <a:p>
             <a:r>
               <a:rPr lang="en-US" dirty="0"/>
-              <a:t>lab04</a:t>
+              <a:t>lab14</a:t>
             </a:r>
           </a:p>
         </p:txBody>
@@ -4309,446 +5652,385 @@
       </p:sp>
       <p:sp>
         <p:nvSpPr>
-          <p:cNvPr id="5" name="Oval 4">
-            <a:extLst>
-              <a:ext uri="{FF2B5EF4-FFF2-40B4-BE49-F238E27FC236}">
-                <a16:creationId xmlns:a16="http://schemas.microsoft.com/office/drawing/2014/main" id="{67CE74D4-43F8-ED2C-D5EE-727D52A246D7}"/>
-              </a:ext>
-            </a:extLst>
-          </p:cNvPr>
-          <p:cNvSpPr/>
+          <p:cNvPr id="5" name="Content Placeholder 3">
+            <a:extLst>
+              <a:ext uri="{FF2B5EF4-FFF2-40B4-BE49-F238E27FC236}">
+                <a16:creationId xmlns:a16="http://schemas.microsoft.com/office/drawing/2014/main" id="{528BB8F8-9050-F877-57BD-7F41BCB466EF}"/>
+              </a:ext>
+            </a:extLst>
+          </p:cNvPr>
+          <p:cNvSpPr txBox="1">
+            <a:spLocks/>
+          </p:cNvSpPr>
           <p:nvPr/>
         </p:nvSpPr>
         <p:spPr>
           <a:xfrm>
-            <a:off x="1507957" y="3882046"/>
-            <a:ext cx="962527" cy="930442"/>
-          </a:xfrm>
-          <a:prstGeom prst="ellipse">
+            <a:off x="446314" y="1591056"/>
+            <a:ext cx="3662528" cy="4688363"/>
+          </a:xfrm>
+          <a:prstGeom prst="rect">
             <a:avLst/>
           </a:prstGeom>
         </p:spPr>
-        <p:style>
-          <a:lnRef idx="2">
-            <a:schemeClr val="accent1">
-              <a:shade val="50000"/>
-            </a:schemeClr>
-          </a:lnRef>
-          <a:fillRef idx="1">
-            <a:schemeClr val="accent1"/>
-          </a:fillRef>
-          <a:effectRef idx="0">
-            <a:schemeClr val="accent1"/>
-          </a:effectRef>
-          <a:fontRef idx="minor">
-            <a:schemeClr val="lt1"/>
-          </a:fontRef>
-        </p:style>
-        <p:txBody>
-          <a:bodyPr rtlCol="0" anchor="ctr"/>
+        <p:txBody>
+          <a:bodyPr/>
+          <a:lstStyle>
+            <a:lvl1pPr marL="228600" indent="-228600" algn="l" defTabSz="914400" rtl="0" eaLnBrk="1" latinLnBrk="0" hangingPunct="1">
+              <a:lnSpc>
+                <a:spcPct val="90000"/>
+              </a:lnSpc>
+              <a:spcBef>
+                <a:spcPts val="1000"/>
+              </a:spcBef>
+              <a:buFont typeface="Arial" panose="020B0604020202020204" pitchFamily="34" charset="0"/>
+              <a:buChar char="•"/>
+              <a:defRPr sz="1400" kern="1200">
+                <a:solidFill>
+                  <a:schemeClr val="tx1"/>
+                </a:solidFill>
+                <a:latin typeface="+mn-lt"/>
+                <a:ea typeface="+mn-ea"/>
+                <a:cs typeface="+mn-cs"/>
+              </a:defRPr>
+            </a:lvl1pPr>
+            <a:lvl2pPr marL="685800" indent="-228600" algn="l" defTabSz="914400" rtl="0" eaLnBrk="1" latinLnBrk="0" hangingPunct="1">
+              <a:lnSpc>
+                <a:spcPct val="90000"/>
+              </a:lnSpc>
+              <a:spcBef>
+                <a:spcPts val="500"/>
+              </a:spcBef>
+              <a:buFont typeface="Arial" panose="020B0604020202020204" pitchFamily="34" charset="0"/>
+              <a:buChar char="•"/>
+              <a:defRPr sz="1200" kern="1200">
+                <a:solidFill>
+                  <a:schemeClr val="tx1"/>
+                </a:solidFill>
+                <a:latin typeface="+mn-lt"/>
+                <a:ea typeface="+mn-ea"/>
+                <a:cs typeface="+mn-cs"/>
+              </a:defRPr>
+            </a:lvl2pPr>
+            <a:lvl3pPr marL="1143000" indent="-228600" algn="l" defTabSz="914400" rtl="0" eaLnBrk="1" latinLnBrk="0" hangingPunct="1">
+              <a:lnSpc>
+                <a:spcPct val="90000"/>
+              </a:lnSpc>
+              <a:spcBef>
+                <a:spcPts val="500"/>
+              </a:spcBef>
+              <a:buFont typeface="Arial" panose="020B0604020202020204" pitchFamily="34" charset="0"/>
+              <a:buChar char="•"/>
+              <a:defRPr sz="1200" kern="1200">
+                <a:solidFill>
+                  <a:schemeClr val="tx1"/>
+                </a:solidFill>
+                <a:latin typeface="+mn-lt"/>
+                <a:ea typeface="+mn-ea"/>
+                <a:cs typeface="+mn-cs"/>
+              </a:defRPr>
+            </a:lvl3pPr>
+            <a:lvl4pPr marL="1600200" indent="-228600" algn="l" defTabSz="914400" rtl="0" eaLnBrk="1" latinLnBrk="0" hangingPunct="1">
+              <a:lnSpc>
+                <a:spcPct val="90000"/>
+              </a:lnSpc>
+              <a:spcBef>
+                <a:spcPts val="500"/>
+              </a:spcBef>
+              <a:buFont typeface="Arial" panose="020B0604020202020204" pitchFamily="34" charset="0"/>
+              <a:buChar char="•"/>
+              <a:defRPr sz="1200" kern="1200">
+                <a:solidFill>
+                  <a:schemeClr val="tx1"/>
+                </a:solidFill>
+                <a:latin typeface="+mn-lt"/>
+                <a:ea typeface="+mn-ea"/>
+                <a:cs typeface="+mn-cs"/>
+              </a:defRPr>
+            </a:lvl4pPr>
+            <a:lvl5pPr marL="2057400" indent="-228600" algn="l" defTabSz="914400" rtl="0" eaLnBrk="1" latinLnBrk="0" hangingPunct="1">
+              <a:lnSpc>
+                <a:spcPct val="90000"/>
+              </a:lnSpc>
+              <a:spcBef>
+                <a:spcPts val="500"/>
+              </a:spcBef>
+              <a:buFont typeface="Arial" panose="020B0604020202020204" pitchFamily="34" charset="0"/>
+              <a:buChar char="•"/>
+              <a:defRPr sz="1200" kern="1200">
+                <a:solidFill>
+                  <a:schemeClr val="tx1"/>
+                </a:solidFill>
+                <a:latin typeface="+mn-lt"/>
+                <a:ea typeface="+mn-ea"/>
+                <a:cs typeface="+mn-cs"/>
+              </a:defRPr>
+            </a:lvl5pPr>
+            <a:lvl6pPr marL="2514600" indent="-228600" algn="l" defTabSz="914400" rtl="0" eaLnBrk="1" latinLnBrk="0" hangingPunct="1">
+              <a:lnSpc>
+                <a:spcPct val="90000"/>
+              </a:lnSpc>
+              <a:spcBef>
+                <a:spcPts val="500"/>
+              </a:spcBef>
+              <a:buFont typeface="Arial" panose="020B0604020202020204" pitchFamily="34" charset="0"/>
+              <a:buChar char="•"/>
+              <a:defRPr sz="1800" kern="1200">
+                <a:solidFill>
+                  <a:schemeClr val="tx1"/>
+                </a:solidFill>
+                <a:latin typeface="+mn-lt"/>
+                <a:ea typeface="+mn-ea"/>
+                <a:cs typeface="+mn-cs"/>
+              </a:defRPr>
+            </a:lvl6pPr>
+            <a:lvl7pPr marL="2971800" indent="-228600" algn="l" defTabSz="914400" rtl="0" eaLnBrk="1" latinLnBrk="0" hangingPunct="1">
+              <a:lnSpc>
+                <a:spcPct val="90000"/>
+              </a:lnSpc>
+              <a:spcBef>
+                <a:spcPts val="500"/>
+              </a:spcBef>
+              <a:buFont typeface="Arial" panose="020B0604020202020204" pitchFamily="34" charset="0"/>
+              <a:buChar char="•"/>
+              <a:defRPr sz="1800" kern="1200">
+                <a:solidFill>
+                  <a:schemeClr val="tx1"/>
+                </a:solidFill>
+                <a:latin typeface="+mn-lt"/>
+                <a:ea typeface="+mn-ea"/>
+                <a:cs typeface="+mn-cs"/>
+              </a:defRPr>
+            </a:lvl7pPr>
+            <a:lvl8pPr marL="3429000" indent="-228600" algn="l" defTabSz="914400" rtl="0" eaLnBrk="1" latinLnBrk="0" hangingPunct="1">
+              <a:lnSpc>
+                <a:spcPct val="90000"/>
+              </a:lnSpc>
+              <a:spcBef>
+                <a:spcPts val="500"/>
+              </a:spcBef>
+              <a:buFont typeface="Arial" panose="020B0604020202020204" pitchFamily="34" charset="0"/>
+              <a:buChar char="•"/>
+              <a:defRPr sz="1800" kern="1200">
+                <a:solidFill>
+                  <a:schemeClr val="tx1"/>
+                </a:solidFill>
+                <a:latin typeface="+mn-lt"/>
+                <a:ea typeface="+mn-ea"/>
+                <a:cs typeface="+mn-cs"/>
+              </a:defRPr>
+            </a:lvl8pPr>
+            <a:lvl9pPr marL="3886200" indent="-228600" algn="l" defTabSz="914400" rtl="0" eaLnBrk="1" latinLnBrk="0" hangingPunct="1">
+              <a:lnSpc>
+                <a:spcPct val="90000"/>
+              </a:lnSpc>
+              <a:spcBef>
+                <a:spcPts val="500"/>
+              </a:spcBef>
+              <a:buFont typeface="Arial" panose="020B0604020202020204" pitchFamily="34" charset="0"/>
+              <a:buChar char="•"/>
+              <a:defRPr sz="1800" kern="1200">
+                <a:solidFill>
+                  <a:schemeClr val="tx1"/>
+                </a:solidFill>
+                <a:latin typeface="+mn-lt"/>
+                <a:ea typeface="+mn-ea"/>
+                <a:cs typeface="+mn-cs"/>
+              </a:defRPr>
+            </a:lvl9pPr>
+          </a:lstStyle>
+          <a:p>
+            <a:r>
+              <a:rPr lang="en-US"/>
+              <a:t>as the figure shown, with </a:t>
+            </a:r>
+            <a:r>
+              <a:rPr lang="en-US" b="1"/>
+              <a:t>fork-join</a:t>
+            </a:r>
+          </a:p>
+          <a:p>
+            <a:pPr lvl="1"/>
+            <a:r>
+              <a:rPr lang="en-US"/>
+              <a:t>organize threads in one initial begin end block</a:t>
+            </a:r>
+          </a:p>
+          <a:p>
+            <a:pPr lvl="1"/>
+            <a:r>
+              <a:rPr lang="en-US"/>
+              <a:t>exit the fork-join block when all threads are finish</a:t>
+            </a:r>
+          </a:p>
+          <a:p>
+            <a:pPr lvl="1"/>
+            <a:r>
+              <a:rPr lang="en-US"/>
+              <a:t>the purpose of fork-join is to confirm that all the memory are given the initial value in the beginning of simulation</a:t>
+            </a:r>
+          </a:p>
+          <a:p>
+            <a:r>
+              <a:rPr lang="en-US"/>
+              <a:t>as the figure shown, with </a:t>
+            </a:r>
+            <a:r>
+              <a:rPr lang="en-US" b="1"/>
+              <a:t>fork-join_any</a:t>
+            </a:r>
+          </a:p>
+          <a:p>
+            <a:pPr lvl="1"/>
+            <a:r>
+              <a:rPr lang="en-US"/>
+              <a:t>exit the fork-join</a:t>
+            </a:r>
+            <a:r>
+              <a:rPr lang="en-US" altLang="zh-TW"/>
+              <a:t>_any</a:t>
+            </a:r>
+            <a:r>
+              <a:rPr lang="en-US"/>
+              <a:t> block when either thread finishes</a:t>
+            </a:r>
+            <a:endParaRPr lang="en-US" b="1"/>
+          </a:p>
+          <a:p>
+            <a:pPr lvl="1"/>
+            <a:r>
+              <a:rPr lang="en-US"/>
+              <a:t>simulation timeout mechanism</a:t>
+            </a:r>
+          </a:p>
+          <a:p>
+            <a:endParaRPr lang="en-US" dirty="0"/>
+          </a:p>
+        </p:txBody>
+      </p:sp>
+      <p:pic>
+        <p:nvPicPr>
+          <p:cNvPr id="6" name="Picture 5">
+            <a:extLst>
+              <a:ext uri="{FF2B5EF4-FFF2-40B4-BE49-F238E27FC236}">
+                <a16:creationId xmlns:a16="http://schemas.microsoft.com/office/drawing/2014/main" id="{AC4B41D9-797E-F642-92A8-04552FCC780A}"/>
+              </a:ext>
+            </a:extLst>
+          </p:cNvPr>
+          <p:cNvPicPr>
+            <a:picLocks noChangeAspect="1"/>
+          </p:cNvPicPr>
+          <p:nvPr/>
+        </p:nvPicPr>
+        <p:blipFill rotWithShape="1">
+          <a:blip r:embed="rId2"/>
+          <a:srcRect l="1214"/>
+          <a:stretch/>
+        </p:blipFill>
+        <p:spPr>
+          <a:xfrm>
+            <a:off x="4402027" y="1526797"/>
+            <a:ext cx="7343659" cy="4688363"/>
+          </a:xfrm>
+          <a:prstGeom prst="rect">
+            <a:avLst/>
+          </a:prstGeom>
+        </p:spPr>
+      </p:pic>
+      <p:pic>
+        <p:nvPicPr>
+          <p:cNvPr id="7" name="Picture 6">
+            <a:extLst>
+              <a:ext uri="{FF2B5EF4-FFF2-40B4-BE49-F238E27FC236}">
+                <a16:creationId xmlns:a16="http://schemas.microsoft.com/office/drawing/2014/main" id="{17B1FCD3-530B-155C-7096-AAB1086D1592}"/>
+              </a:ext>
+            </a:extLst>
+          </p:cNvPr>
+          <p:cNvPicPr>
+            <a:picLocks noChangeAspect="1"/>
+          </p:cNvPicPr>
+          <p:nvPr/>
+        </p:nvPicPr>
+        <p:blipFill>
+          <a:blip r:embed="rId3"/>
+          <a:stretch>
+            <a:fillRect/>
+          </a:stretch>
+        </p:blipFill>
+        <p:spPr>
+          <a:xfrm>
+            <a:off x="8786435" y="1361124"/>
+            <a:ext cx="2959251" cy="1386118"/>
+          </a:xfrm>
+          <a:prstGeom prst="rect">
+            <a:avLst/>
+          </a:prstGeom>
+        </p:spPr>
+      </p:pic>
+    </p:spTree>
+    <p:extLst>
+      <p:ext uri="{BB962C8B-B14F-4D97-AF65-F5344CB8AC3E}">
+        <p14:creationId xmlns:p14="http://schemas.microsoft.com/office/powerpoint/2010/main" val="970811562"/>
+      </p:ext>
+    </p:extLst>
+  </p:cSld>
+  <p:clrMapOvr>
+    <a:masterClrMapping/>
+  </p:clrMapOvr>
+</p:sld>
+</file>
+
+<file path=ppt/slides/slide6.xml><?xml version="1.0" encoding="utf-8"?>
+<p:sld xmlns:a="http://schemas.openxmlformats.org/drawingml/2006/main" xmlns:r="http://schemas.openxmlformats.org/officeDocument/2006/relationships" xmlns:p="http://schemas.openxmlformats.org/presentationml/2006/main">
+  <p:cSld>
+    <p:spTree>
+      <p:nvGrpSpPr>
+        <p:cNvPr id="1" name=""/>
+        <p:cNvGrpSpPr/>
+        <p:nvPr/>
+      </p:nvGrpSpPr>
+      <p:grpSpPr>
+        <a:xfrm>
+          <a:off x="0" y="0"/>
+          <a:ext cx="0" cy="0"/>
+          <a:chOff x="0" y="0"/>
+          <a:chExt cx="0" cy="0"/>
+        </a:xfrm>
+      </p:grpSpPr>
+      <p:sp>
+        <p:nvSpPr>
+          <p:cNvPr id="2" name="Title 1">
+            <a:extLst>
+              <a:ext uri="{FF2B5EF4-FFF2-40B4-BE49-F238E27FC236}">
+                <a16:creationId xmlns:a16="http://schemas.microsoft.com/office/drawing/2014/main" id="{E6E7246E-6DDB-2F98-52B0-04AB5D144996}"/>
+              </a:ext>
+            </a:extLst>
+          </p:cNvPr>
+          <p:cNvSpPr>
+            <a:spLocks noGrp="1"/>
+          </p:cNvSpPr>
+          <p:nvPr>
+            <p:ph type="title"/>
+          </p:nvPr>
+        </p:nvSpPr>
+        <p:spPr/>
+        <p:txBody>
+          <a:bodyPr/>
           <a:lstStyle/>
           <a:p>
-            <a:pPr algn="ctr"/>
             <a:r>
               <a:rPr lang="en-US" dirty="0"/>
-              <a:t>IDLE</a:t>
+              <a:t>lab14, 15, 16</a:t>
             </a:r>
           </a:p>
         </p:txBody>
       </p:sp>
       <p:sp>
         <p:nvSpPr>
-          <p:cNvPr id="6" name="Oval 5">
-            <a:extLst>
-              <a:ext uri="{FF2B5EF4-FFF2-40B4-BE49-F238E27FC236}">
-                <a16:creationId xmlns:a16="http://schemas.microsoft.com/office/drawing/2014/main" id="{22216712-1D2F-3EE1-B5A9-117D0B999522}"/>
-              </a:ext>
-            </a:extLst>
-          </p:cNvPr>
-          <p:cNvSpPr/>
-          <p:nvPr/>
-        </p:nvSpPr>
-        <p:spPr>
-          <a:xfrm>
-            <a:off x="3449051" y="3882046"/>
-            <a:ext cx="1235244" cy="930442"/>
-          </a:xfrm>
-          <a:prstGeom prst="ellipse">
-            <a:avLst/>
-          </a:prstGeom>
-        </p:spPr>
-        <p:style>
-          <a:lnRef idx="2">
-            <a:schemeClr val="accent1">
-              <a:shade val="50000"/>
-            </a:schemeClr>
-          </a:lnRef>
-          <a:fillRef idx="1">
-            <a:schemeClr val="accent1"/>
-          </a:fillRef>
-          <a:effectRef idx="0">
-            <a:schemeClr val="accent1"/>
-          </a:effectRef>
-          <a:fontRef idx="minor">
-            <a:schemeClr val="lt1"/>
-          </a:fontRef>
-        </p:style>
-        <p:txBody>
-          <a:bodyPr rtlCol="0" anchor="ctr"/>
-          <a:lstStyle/>
-          <a:p>
-            <a:pPr algn="ctr"/>
-            <a:r>
-              <a:rPr lang="en-US" dirty="0"/>
-              <a:t>FIRST</a:t>
-            </a:r>
-          </a:p>
-        </p:txBody>
-      </p:sp>
-      <p:sp>
-        <p:nvSpPr>
-          <p:cNvPr id="7" name="Oval 6">
-            <a:extLst>
-              <a:ext uri="{FF2B5EF4-FFF2-40B4-BE49-F238E27FC236}">
-                <a16:creationId xmlns:a16="http://schemas.microsoft.com/office/drawing/2014/main" id="{584E0225-E5B4-F7DB-E0AF-3A01B53D9DA5}"/>
-              </a:ext>
-            </a:extLst>
-          </p:cNvPr>
-          <p:cNvSpPr/>
-          <p:nvPr/>
-        </p:nvSpPr>
-        <p:spPr>
-          <a:xfrm>
-            <a:off x="5694949" y="3882046"/>
-            <a:ext cx="1375282" cy="930442"/>
-          </a:xfrm>
-          <a:prstGeom prst="ellipse">
-            <a:avLst/>
-          </a:prstGeom>
-        </p:spPr>
-        <p:style>
-          <a:lnRef idx="2">
-            <a:schemeClr val="accent1">
-              <a:shade val="50000"/>
-            </a:schemeClr>
-          </a:lnRef>
-          <a:fillRef idx="1">
-            <a:schemeClr val="accent1"/>
-          </a:fillRef>
-          <a:effectRef idx="0">
-            <a:schemeClr val="accent1"/>
-          </a:effectRef>
-          <a:fontRef idx="minor">
-            <a:schemeClr val="lt1"/>
-          </a:fontRef>
-        </p:style>
-        <p:txBody>
-          <a:bodyPr rtlCol="0" anchor="ctr"/>
-          <a:lstStyle/>
-          <a:p>
-            <a:pPr algn="ctr"/>
-            <a:r>
-              <a:rPr lang="en-US" dirty="0"/>
-              <a:t>SECOND</a:t>
-            </a:r>
-          </a:p>
-        </p:txBody>
-      </p:sp>
-      <p:sp>
-        <p:nvSpPr>
-          <p:cNvPr id="8" name="Oval 7">
-            <a:extLst>
-              <a:ext uri="{FF2B5EF4-FFF2-40B4-BE49-F238E27FC236}">
-                <a16:creationId xmlns:a16="http://schemas.microsoft.com/office/drawing/2014/main" id="{D214CD47-E5FB-537B-BC9C-656A393D7711}"/>
-              </a:ext>
-            </a:extLst>
-          </p:cNvPr>
-          <p:cNvSpPr/>
-          <p:nvPr/>
-        </p:nvSpPr>
-        <p:spPr>
-          <a:xfrm>
-            <a:off x="8080885" y="3882046"/>
-            <a:ext cx="1375282" cy="930442"/>
-          </a:xfrm>
-          <a:prstGeom prst="ellipse">
-            <a:avLst/>
-          </a:prstGeom>
-        </p:spPr>
-        <p:style>
-          <a:lnRef idx="2">
-            <a:schemeClr val="accent1">
-              <a:shade val="50000"/>
-            </a:schemeClr>
-          </a:lnRef>
-          <a:fillRef idx="1">
-            <a:schemeClr val="accent1"/>
-          </a:fillRef>
-          <a:effectRef idx="0">
-            <a:schemeClr val="accent1"/>
-          </a:effectRef>
-          <a:fontRef idx="minor">
-            <a:schemeClr val="lt1"/>
-          </a:fontRef>
-        </p:style>
-        <p:txBody>
-          <a:bodyPr rtlCol="0" anchor="ctr"/>
-          <a:lstStyle/>
-          <a:p>
-            <a:pPr algn="ctr"/>
-            <a:r>
-              <a:rPr lang="en-US" dirty="0"/>
-              <a:t>LAST</a:t>
-            </a:r>
-          </a:p>
-        </p:txBody>
-      </p:sp>
-      <p:cxnSp>
-        <p:nvCxnSpPr>
-          <p:cNvPr id="9" name="Straight Arrow Connector 8">
-            <a:extLst>
-              <a:ext uri="{FF2B5EF4-FFF2-40B4-BE49-F238E27FC236}">
-                <a16:creationId xmlns:a16="http://schemas.microsoft.com/office/drawing/2014/main" id="{9E4A227B-17ED-055E-6264-DA38ECBFFD8B}"/>
-              </a:ext>
-            </a:extLst>
-          </p:cNvPr>
-          <p:cNvCxnSpPr>
-            <a:cxnSpLocks/>
-            <a:stCxn id="5" idx="6"/>
-            <a:endCxn id="6" idx="2"/>
-          </p:cNvCxnSpPr>
-          <p:nvPr/>
-        </p:nvCxnSpPr>
-        <p:spPr>
-          <a:xfrm>
-            <a:off x="2470484" y="4347267"/>
-            <a:ext cx="978567" cy="0"/>
-          </a:xfrm>
-          <a:prstGeom prst="straightConnector1">
-            <a:avLst/>
-          </a:prstGeom>
-          <a:ln w="19050">
-            <a:solidFill>
-              <a:srgbClr val="C00000"/>
-            </a:solidFill>
-            <a:tailEnd type="triangle"/>
-          </a:ln>
-        </p:spPr>
-        <p:style>
-          <a:lnRef idx="1">
-            <a:schemeClr val="accent6"/>
-          </a:lnRef>
-          <a:fillRef idx="0">
-            <a:schemeClr val="accent6"/>
-          </a:fillRef>
-          <a:effectRef idx="0">
-            <a:schemeClr val="accent6"/>
-          </a:effectRef>
-          <a:fontRef idx="minor">
-            <a:schemeClr val="tx1"/>
-          </a:fontRef>
-        </p:style>
-      </p:cxnSp>
-      <p:sp>
-        <p:nvSpPr>
-          <p:cNvPr id="12" name="Arrow: Curved Down 11">
-            <a:extLst>
-              <a:ext uri="{FF2B5EF4-FFF2-40B4-BE49-F238E27FC236}">
-                <a16:creationId xmlns:a16="http://schemas.microsoft.com/office/drawing/2014/main" id="{F6A2CBA0-0928-6AF2-750C-0CC3F6FB669B}"/>
-              </a:ext>
-            </a:extLst>
-          </p:cNvPr>
-          <p:cNvSpPr/>
-          <p:nvPr/>
-        </p:nvSpPr>
-        <p:spPr>
-          <a:xfrm>
-            <a:off x="1754604" y="2951604"/>
-            <a:ext cx="625642" cy="930442"/>
-          </a:xfrm>
-          <a:prstGeom prst="curvedDownArrow">
-            <a:avLst/>
-          </a:prstGeom>
-          <a:solidFill>
-            <a:srgbClr val="FF0000"/>
-          </a:solidFill>
-        </p:spPr>
-        <p:style>
-          <a:lnRef idx="2">
-            <a:schemeClr val="accent1">
-              <a:shade val="50000"/>
-            </a:schemeClr>
-          </a:lnRef>
-          <a:fillRef idx="1">
-            <a:schemeClr val="accent1"/>
-          </a:fillRef>
-          <a:effectRef idx="0">
-            <a:schemeClr val="accent1"/>
-          </a:effectRef>
-          <a:fontRef idx="minor">
-            <a:schemeClr val="lt1"/>
-          </a:fontRef>
-        </p:style>
-        <p:txBody>
-          <a:bodyPr rtlCol="0" anchor="ctr"/>
-          <a:lstStyle/>
-          <a:p>
-            <a:pPr algn="ctr"/>
-            <a:endParaRPr lang="en-US">
-              <a:solidFill>
-                <a:schemeClr val="tx1"/>
-              </a:solidFill>
-            </a:endParaRPr>
-          </a:p>
-        </p:txBody>
-      </p:sp>
-      <p:cxnSp>
-        <p:nvCxnSpPr>
-          <p:cNvPr id="13" name="Straight Arrow Connector 12">
-            <a:extLst>
-              <a:ext uri="{FF2B5EF4-FFF2-40B4-BE49-F238E27FC236}">
-                <a16:creationId xmlns:a16="http://schemas.microsoft.com/office/drawing/2014/main" id="{ED432BD8-0F3C-979F-B0CC-DF98C61B0C8A}"/>
-              </a:ext>
-            </a:extLst>
-          </p:cNvPr>
-          <p:cNvCxnSpPr>
-            <a:cxnSpLocks/>
-          </p:cNvCxnSpPr>
-          <p:nvPr/>
-        </p:nvCxnSpPr>
-        <p:spPr>
-          <a:xfrm>
-            <a:off x="4684295" y="4347267"/>
-            <a:ext cx="978567" cy="0"/>
-          </a:xfrm>
-          <a:prstGeom prst="straightConnector1">
-            <a:avLst/>
-          </a:prstGeom>
-          <a:ln w="19050">
-            <a:solidFill>
-              <a:srgbClr val="C00000"/>
-            </a:solidFill>
-            <a:tailEnd type="triangle"/>
-          </a:ln>
-        </p:spPr>
-        <p:style>
-          <a:lnRef idx="1">
-            <a:schemeClr val="accent6"/>
-          </a:lnRef>
-          <a:fillRef idx="0">
-            <a:schemeClr val="accent6"/>
-          </a:fillRef>
-          <a:effectRef idx="0">
-            <a:schemeClr val="accent6"/>
-          </a:effectRef>
-          <a:fontRef idx="minor">
-            <a:schemeClr val="tx1"/>
-          </a:fontRef>
-        </p:style>
-      </p:cxnSp>
-      <p:cxnSp>
-        <p:nvCxnSpPr>
-          <p:cNvPr id="14" name="Straight Arrow Connector 13">
-            <a:extLst>
-              <a:ext uri="{FF2B5EF4-FFF2-40B4-BE49-F238E27FC236}">
-                <a16:creationId xmlns:a16="http://schemas.microsoft.com/office/drawing/2014/main" id="{7F086A61-C436-038C-4A78-341332E81D54}"/>
-              </a:ext>
-            </a:extLst>
-          </p:cNvPr>
-          <p:cNvCxnSpPr>
-            <a:cxnSpLocks/>
-          </p:cNvCxnSpPr>
-          <p:nvPr/>
-        </p:nvCxnSpPr>
-        <p:spPr>
-          <a:xfrm>
-            <a:off x="7070231" y="4347267"/>
-            <a:ext cx="978567" cy="0"/>
-          </a:xfrm>
-          <a:prstGeom prst="straightConnector1">
-            <a:avLst/>
-          </a:prstGeom>
-          <a:ln w="19050">
-            <a:solidFill>
-              <a:srgbClr val="C00000"/>
-            </a:solidFill>
-            <a:tailEnd type="triangle"/>
-          </a:ln>
-        </p:spPr>
-        <p:style>
-          <a:lnRef idx="1">
-            <a:schemeClr val="accent6"/>
-          </a:lnRef>
-          <a:fillRef idx="0">
-            <a:schemeClr val="accent6"/>
-          </a:fillRef>
-          <a:effectRef idx="0">
-            <a:schemeClr val="accent6"/>
-          </a:effectRef>
-          <a:fontRef idx="minor">
-            <a:schemeClr val="tx1"/>
-          </a:fontRef>
-        </p:style>
-      </p:cxnSp>
-      <p:sp>
-        <p:nvSpPr>
-          <p:cNvPr id="15" name="Arrow: Curved Down 14">
-            <a:extLst>
-              <a:ext uri="{FF2B5EF4-FFF2-40B4-BE49-F238E27FC236}">
-                <a16:creationId xmlns:a16="http://schemas.microsoft.com/office/drawing/2014/main" id="{16BDDEF8-E837-D149-F914-65A3D852F7FD}"/>
-              </a:ext>
-            </a:extLst>
-          </p:cNvPr>
-          <p:cNvSpPr/>
-          <p:nvPr/>
-        </p:nvSpPr>
-        <p:spPr>
-          <a:xfrm flipH="1" flipV="1">
-            <a:off x="2037345" y="4799365"/>
-            <a:ext cx="6384104" cy="930441"/>
-          </a:xfrm>
-          <a:prstGeom prst="curvedDownArrow">
-            <a:avLst/>
-          </a:prstGeom>
-          <a:solidFill>
-            <a:srgbClr val="FF0000"/>
-          </a:solidFill>
-        </p:spPr>
-        <p:style>
-          <a:lnRef idx="2">
-            <a:schemeClr val="accent1">
-              <a:shade val="50000"/>
-            </a:schemeClr>
-          </a:lnRef>
-          <a:fillRef idx="1">
-            <a:schemeClr val="accent1"/>
-          </a:fillRef>
-          <a:effectRef idx="0">
-            <a:schemeClr val="accent1"/>
-          </a:effectRef>
-          <a:fontRef idx="minor">
-            <a:schemeClr val="lt1"/>
-          </a:fontRef>
-        </p:style>
-        <p:txBody>
-          <a:bodyPr rtlCol="0" anchor="ctr"/>
-          <a:lstStyle/>
-          <a:p>
-            <a:pPr algn="ctr"/>
-            <a:endParaRPr lang="en-US">
-              <a:solidFill>
-                <a:schemeClr val="tx1"/>
-              </a:solidFill>
-            </a:endParaRPr>
-          </a:p>
-        </p:txBody>
-      </p:sp>
-      <p:sp>
-        <p:nvSpPr>
-          <p:cNvPr id="10" name="Content Placeholder 2">
-            <a:extLst>
-              <a:ext uri="{FF2B5EF4-FFF2-40B4-BE49-F238E27FC236}">
-                <a16:creationId xmlns:a16="http://schemas.microsoft.com/office/drawing/2014/main" id="{1EDD9412-7D1E-387D-C5EB-3AB16BD8EDCF}"/>
+          <p:cNvPr id="3" name="Content Placeholder 2">
+            <a:extLst>
+              <a:ext uri="{FF2B5EF4-FFF2-40B4-BE49-F238E27FC236}">
+                <a16:creationId xmlns:a16="http://schemas.microsoft.com/office/drawing/2014/main" id="{F0AB9DF1-764A-2056-5BC1-70D34F516704}"/>
               </a:ext>
             </a:extLst>
           </p:cNvPr>
@@ -4761,8 +6043,8 @@
         </p:nvSpPr>
         <p:spPr>
           <a:xfrm>
-            <a:off x="4635839" y="3882046"/>
-            <a:ext cx="1187116" cy="599152"/>
+            <a:off x="590204" y="3869373"/>
+            <a:ext cx="1789012" cy="498440"/>
           </a:xfrm>
         </p:spPr>
         <p:txBody>
@@ -4771,17 +6053,106 @@
           <a:p>
             <a:r>
               <a:rPr lang="en-US" dirty="0"/>
-              <a:t>200sec</a:t>
+              <a:t>fork join</a:t>
             </a:r>
           </a:p>
         </p:txBody>
       </p:sp>
       <p:sp>
         <p:nvSpPr>
-          <p:cNvPr id="11" name="Content Placeholder 2">
-            <a:extLst>
-              <a:ext uri="{FF2B5EF4-FFF2-40B4-BE49-F238E27FC236}">
-                <a16:creationId xmlns:a16="http://schemas.microsoft.com/office/drawing/2014/main" id="{8C722C8C-3547-9C39-3A3A-D5B137897A9A}"/>
+          <p:cNvPr id="4" name="Slide Number Placeholder 3">
+            <a:extLst>
+              <a:ext uri="{FF2B5EF4-FFF2-40B4-BE49-F238E27FC236}">
+                <a16:creationId xmlns:a16="http://schemas.microsoft.com/office/drawing/2014/main" id="{A653B7C0-A01B-B019-AE82-6D2CF11E10FE}"/>
+              </a:ext>
+            </a:extLst>
+          </p:cNvPr>
+          <p:cNvSpPr>
+            <a:spLocks noGrp="1"/>
+          </p:cNvSpPr>
+          <p:nvPr>
+            <p:ph type="sldNum" sz="quarter" idx="12"/>
+          </p:nvPr>
+        </p:nvSpPr>
+        <p:spPr/>
+        <p:txBody>
+          <a:bodyPr/>
+          <a:lstStyle/>
+          <a:p>
+            <a:fld id="{8A2B06E4-34D2-4DD4-ABFF-9F74AC2B18B5}" type="slidenum">
+              <a:rPr lang="en-US" smtClean="0"/>
+              <a:t>6</a:t>
+            </a:fld>
+            <a:endParaRPr lang="en-US" dirty="0"/>
+          </a:p>
+        </p:txBody>
+      </p:sp>
+      <p:pic>
+        <p:nvPicPr>
+          <p:cNvPr id="6" name="Picture 5">
+            <a:extLst>
+              <a:ext uri="{FF2B5EF4-FFF2-40B4-BE49-F238E27FC236}">
+                <a16:creationId xmlns:a16="http://schemas.microsoft.com/office/drawing/2014/main" id="{8E54F810-89CF-E3CE-154E-511F93FC8EB3}"/>
+              </a:ext>
+            </a:extLst>
+          </p:cNvPr>
+          <p:cNvPicPr>
+            <a:picLocks noChangeAspect="1"/>
+          </p:cNvPicPr>
+          <p:nvPr/>
+        </p:nvPicPr>
+        <p:blipFill>
+          <a:blip r:embed="rId2"/>
+          <a:stretch>
+            <a:fillRect/>
+          </a:stretch>
+        </p:blipFill>
+        <p:spPr>
+          <a:xfrm>
+            <a:off x="590204" y="4171631"/>
+            <a:ext cx="3391373" cy="1295581"/>
+          </a:xfrm>
+          <a:prstGeom prst="rect">
+            <a:avLst/>
+          </a:prstGeom>
+        </p:spPr>
+      </p:pic>
+      <p:pic>
+        <p:nvPicPr>
+          <p:cNvPr id="8" name="Picture 7">
+            <a:extLst>
+              <a:ext uri="{FF2B5EF4-FFF2-40B4-BE49-F238E27FC236}">
+                <a16:creationId xmlns:a16="http://schemas.microsoft.com/office/drawing/2014/main" id="{A4158DAA-0F4E-6C98-E816-79FEA97AF504}"/>
+              </a:ext>
+            </a:extLst>
+          </p:cNvPr>
+          <p:cNvPicPr>
+            <a:picLocks noChangeAspect="1"/>
+          </p:cNvPicPr>
+          <p:nvPr/>
+        </p:nvPicPr>
+        <p:blipFill>
+          <a:blip r:embed="rId3"/>
+          <a:stretch>
+            <a:fillRect/>
+          </a:stretch>
+        </p:blipFill>
+        <p:spPr>
+          <a:xfrm>
+            <a:off x="4261107" y="4158245"/>
+            <a:ext cx="3829584" cy="1276528"/>
+          </a:xfrm>
+          <a:prstGeom prst="rect">
+            <a:avLst/>
+          </a:prstGeom>
+        </p:spPr>
+      </p:pic>
+      <p:sp>
+        <p:nvSpPr>
+          <p:cNvPr id="9" name="Content Placeholder 2">
+            <a:extLst>
+              <a:ext uri="{FF2B5EF4-FFF2-40B4-BE49-F238E27FC236}">
+                <a16:creationId xmlns:a16="http://schemas.microsoft.com/office/drawing/2014/main" id="{14184B3B-E4E7-1FF0-2B04-3B7DBC848AE4}"/>
               </a:ext>
             </a:extLst>
           </p:cNvPr>
@@ -4792,8 +6163,8 @@
         </p:nvSpPr>
         <p:spPr>
           <a:xfrm>
-            <a:off x="7009743" y="3882046"/>
-            <a:ext cx="1187116" cy="518798"/>
+            <a:off x="4386887" y="3869373"/>
+            <a:ext cx="1789012" cy="498440"/>
           </a:xfrm>
           <a:prstGeom prst="rect">
             <a:avLst/>
@@ -4970,17 +6341,17 @@
           <a:p>
             <a:r>
               <a:rPr lang="en-US" dirty="0"/>
-              <a:t>100sec</a:t>
+              <a:t>fork join-any</a:t>
             </a:r>
           </a:p>
         </p:txBody>
       </p:sp>
       <p:sp>
         <p:nvSpPr>
-          <p:cNvPr id="17" name="Content Placeholder 2">
-            <a:extLst>
-              <a:ext uri="{FF2B5EF4-FFF2-40B4-BE49-F238E27FC236}">
-                <a16:creationId xmlns:a16="http://schemas.microsoft.com/office/drawing/2014/main" id="{46ED323A-D782-4031-736B-43DB6B1CD1BA}"/>
+          <p:cNvPr id="10" name="Content Placeholder 2">
+            <a:extLst>
+              <a:ext uri="{FF2B5EF4-FFF2-40B4-BE49-F238E27FC236}">
+                <a16:creationId xmlns:a16="http://schemas.microsoft.com/office/drawing/2014/main" id="{14124B6D-FBE3-087B-A2BE-A792D3A1BB19}"/>
               </a:ext>
             </a:extLst>
           </p:cNvPr>
@@ -4991,8 +6362,8 @@
         </p:nvSpPr>
         <p:spPr>
           <a:xfrm>
-            <a:off x="4635839" y="2065396"/>
-            <a:ext cx="1631796" cy="599152"/>
+            <a:off x="8772456" y="3869373"/>
+            <a:ext cx="1789012" cy="498440"/>
           </a:xfrm>
           <a:prstGeom prst="rect">
             <a:avLst/>
@@ -5168,22 +6539,604 @@
           </a:lstStyle>
           <a:p>
             <a:r>
-              <a:rPr lang="en-US" dirty="0" err="1"/>
-              <a:t>clk</a:t>
+              <a:rPr lang="en-US" dirty="0"/>
+              <a:t>fork join-none</a:t>
             </a:r>
+          </a:p>
+        </p:txBody>
+      </p:sp>
+      <p:pic>
+        <p:nvPicPr>
+          <p:cNvPr id="12" name="Picture 11">
+            <a:extLst>
+              <a:ext uri="{FF2B5EF4-FFF2-40B4-BE49-F238E27FC236}">
+                <a16:creationId xmlns:a16="http://schemas.microsoft.com/office/drawing/2014/main" id="{8C09854D-308D-15B1-4A32-54119547003D}"/>
+              </a:ext>
+            </a:extLst>
+          </p:cNvPr>
+          <p:cNvPicPr>
+            <a:picLocks noChangeAspect="1"/>
+          </p:cNvPicPr>
+          <p:nvPr/>
+        </p:nvPicPr>
+        <p:blipFill>
+          <a:blip r:embed="rId4"/>
+          <a:stretch>
+            <a:fillRect/>
+          </a:stretch>
+        </p:blipFill>
+        <p:spPr>
+          <a:xfrm>
+            <a:off x="8381468" y="4152237"/>
+            <a:ext cx="3810532" cy="1209844"/>
+          </a:xfrm>
+          <a:prstGeom prst="rect">
+            <a:avLst/>
+          </a:prstGeom>
+        </p:spPr>
+      </p:pic>
+    </p:spTree>
+    <p:extLst>
+      <p:ext uri="{BB962C8B-B14F-4D97-AF65-F5344CB8AC3E}">
+        <p14:creationId xmlns:p14="http://schemas.microsoft.com/office/powerpoint/2010/main" val="258403364"/>
+      </p:ext>
+    </p:extLst>
+  </p:cSld>
+  <p:clrMapOvr>
+    <a:masterClrMapping/>
+  </p:clrMapOvr>
+</p:sld>
+</file>
+
+<file path=ppt/slides/slide7.xml><?xml version="1.0" encoding="utf-8"?>
+<p:sld xmlns:a="http://schemas.openxmlformats.org/drawingml/2006/main" xmlns:r="http://schemas.openxmlformats.org/officeDocument/2006/relationships" xmlns:p="http://schemas.openxmlformats.org/presentationml/2006/main">
+  <p:cSld>
+    <p:spTree>
+      <p:nvGrpSpPr>
+        <p:cNvPr id="1" name=""/>
+        <p:cNvGrpSpPr/>
+        <p:nvPr/>
+      </p:nvGrpSpPr>
+      <p:grpSpPr>
+        <a:xfrm>
+          <a:off x="0" y="0"/>
+          <a:ext cx="0" cy="0"/>
+          <a:chOff x="0" y="0"/>
+          <a:chExt cx="0" cy="0"/>
+        </a:xfrm>
+      </p:grpSpPr>
+      <p:sp>
+        <p:nvSpPr>
+          <p:cNvPr id="2" name="Title 1">
+            <a:extLst>
+              <a:ext uri="{FF2B5EF4-FFF2-40B4-BE49-F238E27FC236}">
+                <a16:creationId xmlns:a16="http://schemas.microsoft.com/office/drawing/2014/main" id="{E6E7246E-6DDB-2F98-52B0-04AB5D144996}"/>
+              </a:ext>
+            </a:extLst>
+          </p:cNvPr>
+          <p:cNvSpPr>
+            <a:spLocks noGrp="1"/>
+          </p:cNvSpPr>
+          <p:nvPr>
+            <p:ph type="title"/>
+          </p:nvPr>
+        </p:nvSpPr>
+        <p:spPr/>
+        <p:txBody>
+          <a:bodyPr/>
+          <a:lstStyle/>
+          <a:p>
             <a:r>
               <a:rPr lang="en-US" dirty="0"/>
-              <a:t> T = 10sec</a:t>
+              <a:t>lab04</a:t>
             </a:r>
           </a:p>
         </p:txBody>
       </p:sp>
       <p:sp>
         <p:nvSpPr>
-          <p:cNvPr id="18" name="Content Placeholder 2">
-            <a:extLst>
-              <a:ext uri="{FF2B5EF4-FFF2-40B4-BE49-F238E27FC236}">
-                <a16:creationId xmlns:a16="http://schemas.microsoft.com/office/drawing/2014/main" id="{3AEF1497-6D68-5A6C-43CB-CC5F2EA14517}"/>
+          <p:cNvPr id="4" name="Slide Number Placeholder 3">
+            <a:extLst>
+              <a:ext uri="{FF2B5EF4-FFF2-40B4-BE49-F238E27FC236}">
+                <a16:creationId xmlns:a16="http://schemas.microsoft.com/office/drawing/2014/main" id="{A653B7C0-A01B-B019-AE82-6D2CF11E10FE}"/>
+              </a:ext>
+            </a:extLst>
+          </p:cNvPr>
+          <p:cNvSpPr>
+            <a:spLocks noGrp="1"/>
+          </p:cNvSpPr>
+          <p:nvPr>
+            <p:ph type="sldNum" sz="quarter" idx="12"/>
+          </p:nvPr>
+        </p:nvSpPr>
+        <p:spPr/>
+        <p:txBody>
+          <a:bodyPr/>
+          <a:lstStyle/>
+          <a:p>
+            <a:fld id="{8A2B06E4-34D2-4DD4-ABFF-9F74AC2B18B5}" type="slidenum">
+              <a:rPr lang="en-US" smtClean="0"/>
+              <a:t>7</a:t>
+            </a:fld>
+            <a:endParaRPr lang="en-US" dirty="0"/>
+          </a:p>
+        </p:txBody>
+      </p:sp>
+      <p:sp>
+        <p:nvSpPr>
+          <p:cNvPr id="5" name="Oval 4">
+            <a:extLst>
+              <a:ext uri="{FF2B5EF4-FFF2-40B4-BE49-F238E27FC236}">
+                <a16:creationId xmlns:a16="http://schemas.microsoft.com/office/drawing/2014/main" id="{67CE74D4-43F8-ED2C-D5EE-727D52A246D7}"/>
+              </a:ext>
+            </a:extLst>
+          </p:cNvPr>
+          <p:cNvSpPr/>
+          <p:nvPr/>
+        </p:nvSpPr>
+        <p:spPr>
+          <a:xfrm>
+            <a:off x="1507957" y="3882046"/>
+            <a:ext cx="962527" cy="930442"/>
+          </a:xfrm>
+          <a:prstGeom prst="ellipse">
+            <a:avLst/>
+          </a:prstGeom>
+        </p:spPr>
+        <p:style>
+          <a:lnRef idx="2">
+            <a:schemeClr val="accent1">
+              <a:shade val="50000"/>
+            </a:schemeClr>
+          </a:lnRef>
+          <a:fillRef idx="1">
+            <a:schemeClr val="accent1"/>
+          </a:fillRef>
+          <a:effectRef idx="0">
+            <a:schemeClr val="accent1"/>
+          </a:effectRef>
+          <a:fontRef idx="minor">
+            <a:schemeClr val="lt1"/>
+          </a:fontRef>
+        </p:style>
+        <p:txBody>
+          <a:bodyPr rtlCol="0" anchor="ctr"/>
+          <a:lstStyle/>
+          <a:p>
+            <a:pPr algn="ctr"/>
+            <a:r>
+              <a:rPr lang="en-US" dirty="0"/>
+              <a:t>IDLE</a:t>
+            </a:r>
+          </a:p>
+        </p:txBody>
+      </p:sp>
+      <p:sp>
+        <p:nvSpPr>
+          <p:cNvPr id="6" name="Oval 5">
+            <a:extLst>
+              <a:ext uri="{FF2B5EF4-FFF2-40B4-BE49-F238E27FC236}">
+                <a16:creationId xmlns:a16="http://schemas.microsoft.com/office/drawing/2014/main" id="{22216712-1D2F-3EE1-B5A9-117D0B999522}"/>
+              </a:ext>
+            </a:extLst>
+          </p:cNvPr>
+          <p:cNvSpPr/>
+          <p:nvPr/>
+        </p:nvSpPr>
+        <p:spPr>
+          <a:xfrm>
+            <a:off x="3449051" y="3882046"/>
+            <a:ext cx="1235244" cy="930442"/>
+          </a:xfrm>
+          <a:prstGeom prst="ellipse">
+            <a:avLst/>
+          </a:prstGeom>
+        </p:spPr>
+        <p:style>
+          <a:lnRef idx="2">
+            <a:schemeClr val="accent1">
+              <a:shade val="50000"/>
+            </a:schemeClr>
+          </a:lnRef>
+          <a:fillRef idx="1">
+            <a:schemeClr val="accent1"/>
+          </a:fillRef>
+          <a:effectRef idx="0">
+            <a:schemeClr val="accent1"/>
+          </a:effectRef>
+          <a:fontRef idx="minor">
+            <a:schemeClr val="lt1"/>
+          </a:fontRef>
+        </p:style>
+        <p:txBody>
+          <a:bodyPr rtlCol="0" anchor="ctr"/>
+          <a:lstStyle/>
+          <a:p>
+            <a:pPr algn="ctr"/>
+            <a:r>
+              <a:rPr lang="en-US" dirty="0"/>
+              <a:t>FIRST</a:t>
+            </a:r>
+          </a:p>
+        </p:txBody>
+      </p:sp>
+      <p:sp>
+        <p:nvSpPr>
+          <p:cNvPr id="7" name="Oval 6">
+            <a:extLst>
+              <a:ext uri="{FF2B5EF4-FFF2-40B4-BE49-F238E27FC236}">
+                <a16:creationId xmlns:a16="http://schemas.microsoft.com/office/drawing/2014/main" id="{584E0225-E5B4-F7DB-E0AF-3A01B53D9DA5}"/>
+              </a:ext>
+            </a:extLst>
+          </p:cNvPr>
+          <p:cNvSpPr/>
+          <p:nvPr/>
+        </p:nvSpPr>
+        <p:spPr>
+          <a:xfrm>
+            <a:off x="5694949" y="3882046"/>
+            <a:ext cx="1375282" cy="930442"/>
+          </a:xfrm>
+          <a:prstGeom prst="ellipse">
+            <a:avLst/>
+          </a:prstGeom>
+        </p:spPr>
+        <p:style>
+          <a:lnRef idx="2">
+            <a:schemeClr val="accent1">
+              <a:shade val="50000"/>
+            </a:schemeClr>
+          </a:lnRef>
+          <a:fillRef idx="1">
+            <a:schemeClr val="accent1"/>
+          </a:fillRef>
+          <a:effectRef idx="0">
+            <a:schemeClr val="accent1"/>
+          </a:effectRef>
+          <a:fontRef idx="minor">
+            <a:schemeClr val="lt1"/>
+          </a:fontRef>
+        </p:style>
+        <p:txBody>
+          <a:bodyPr rtlCol="0" anchor="ctr"/>
+          <a:lstStyle/>
+          <a:p>
+            <a:pPr algn="ctr"/>
+            <a:r>
+              <a:rPr lang="en-US" dirty="0"/>
+              <a:t>SECOND</a:t>
+            </a:r>
+          </a:p>
+        </p:txBody>
+      </p:sp>
+      <p:sp>
+        <p:nvSpPr>
+          <p:cNvPr id="8" name="Oval 7">
+            <a:extLst>
+              <a:ext uri="{FF2B5EF4-FFF2-40B4-BE49-F238E27FC236}">
+                <a16:creationId xmlns:a16="http://schemas.microsoft.com/office/drawing/2014/main" id="{D214CD47-E5FB-537B-BC9C-656A393D7711}"/>
+              </a:ext>
+            </a:extLst>
+          </p:cNvPr>
+          <p:cNvSpPr/>
+          <p:nvPr/>
+        </p:nvSpPr>
+        <p:spPr>
+          <a:xfrm>
+            <a:off x="8080885" y="3882046"/>
+            <a:ext cx="1375282" cy="930442"/>
+          </a:xfrm>
+          <a:prstGeom prst="ellipse">
+            <a:avLst/>
+          </a:prstGeom>
+        </p:spPr>
+        <p:style>
+          <a:lnRef idx="2">
+            <a:schemeClr val="accent1">
+              <a:shade val="50000"/>
+            </a:schemeClr>
+          </a:lnRef>
+          <a:fillRef idx="1">
+            <a:schemeClr val="accent1"/>
+          </a:fillRef>
+          <a:effectRef idx="0">
+            <a:schemeClr val="accent1"/>
+          </a:effectRef>
+          <a:fontRef idx="minor">
+            <a:schemeClr val="lt1"/>
+          </a:fontRef>
+        </p:style>
+        <p:txBody>
+          <a:bodyPr rtlCol="0" anchor="ctr"/>
+          <a:lstStyle/>
+          <a:p>
+            <a:pPr algn="ctr"/>
+            <a:r>
+              <a:rPr lang="en-US" dirty="0"/>
+              <a:t>LAST</a:t>
+            </a:r>
+          </a:p>
+        </p:txBody>
+      </p:sp>
+      <p:cxnSp>
+        <p:nvCxnSpPr>
+          <p:cNvPr id="9" name="Straight Arrow Connector 8">
+            <a:extLst>
+              <a:ext uri="{FF2B5EF4-FFF2-40B4-BE49-F238E27FC236}">
+                <a16:creationId xmlns:a16="http://schemas.microsoft.com/office/drawing/2014/main" id="{9E4A227B-17ED-055E-6264-DA38ECBFFD8B}"/>
+              </a:ext>
+            </a:extLst>
+          </p:cNvPr>
+          <p:cNvCxnSpPr>
+            <a:cxnSpLocks/>
+            <a:stCxn id="5" idx="6"/>
+            <a:endCxn id="6" idx="2"/>
+          </p:cNvCxnSpPr>
+          <p:nvPr/>
+        </p:nvCxnSpPr>
+        <p:spPr>
+          <a:xfrm>
+            <a:off x="2470484" y="4347267"/>
+            <a:ext cx="978567" cy="0"/>
+          </a:xfrm>
+          <a:prstGeom prst="straightConnector1">
+            <a:avLst/>
+          </a:prstGeom>
+          <a:ln w="19050">
+            <a:solidFill>
+              <a:srgbClr val="C00000"/>
+            </a:solidFill>
+            <a:tailEnd type="triangle"/>
+          </a:ln>
+        </p:spPr>
+        <p:style>
+          <a:lnRef idx="1">
+            <a:schemeClr val="accent6"/>
+          </a:lnRef>
+          <a:fillRef idx="0">
+            <a:schemeClr val="accent6"/>
+          </a:fillRef>
+          <a:effectRef idx="0">
+            <a:schemeClr val="accent6"/>
+          </a:effectRef>
+          <a:fontRef idx="minor">
+            <a:schemeClr val="tx1"/>
+          </a:fontRef>
+        </p:style>
+      </p:cxnSp>
+      <p:sp>
+        <p:nvSpPr>
+          <p:cNvPr id="12" name="Arrow: Curved Down 11">
+            <a:extLst>
+              <a:ext uri="{FF2B5EF4-FFF2-40B4-BE49-F238E27FC236}">
+                <a16:creationId xmlns:a16="http://schemas.microsoft.com/office/drawing/2014/main" id="{F6A2CBA0-0928-6AF2-750C-0CC3F6FB669B}"/>
+              </a:ext>
+            </a:extLst>
+          </p:cNvPr>
+          <p:cNvSpPr/>
+          <p:nvPr/>
+        </p:nvSpPr>
+        <p:spPr>
+          <a:xfrm>
+            <a:off x="1754604" y="2951604"/>
+            <a:ext cx="625642" cy="930442"/>
+          </a:xfrm>
+          <a:prstGeom prst="curvedDownArrow">
+            <a:avLst/>
+          </a:prstGeom>
+          <a:solidFill>
+            <a:srgbClr val="FF0000"/>
+          </a:solidFill>
+        </p:spPr>
+        <p:style>
+          <a:lnRef idx="2">
+            <a:schemeClr val="accent1">
+              <a:shade val="50000"/>
+            </a:schemeClr>
+          </a:lnRef>
+          <a:fillRef idx="1">
+            <a:schemeClr val="accent1"/>
+          </a:fillRef>
+          <a:effectRef idx="0">
+            <a:schemeClr val="accent1"/>
+          </a:effectRef>
+          <a:fontRef idx="minor">
+            <a:schemeClr val="lt1"/>
+          </a:fontRef>
+        </p:style>
+        <p:txBody>
+          <a:bodyPr rtlCol="0" anchor="ctr"/>
+          <a:lstStyle/>
+          <a:p>
+            <a:pPr algn="ctr"/>
+            <a:endParaRPr lang="en-US">
+              <a:solidFill>
+                <a:schemeClr val="tx1"/>
+              </a:solidFill>
+            </a:endParaRPr>
+          </a:p>
+        </p:txBody>
+      </p:sp>
+      <p:cxnSp>
+        <p:nvCxnSpPr>
+          <p:cNvPr id="13" name="Straight Arrow Connector 12">
+            <a:extLst>
+              <a:ext uri="{FF2B5EF4-FFF2-40B4-BE49-F238E27FC236}">
+                <a16:creationId xmlns:a16="http://schemas.microsoft.com/office/drawing/2014/main" id="{ED432BD8-0F3C-979F-B0CC-DF98C61B0C8A}"/>
+              </a:ext>
+            </a:extLst>
+          </p:cNvPr>
+          <p:cNvCxnSpPr>
+            <a:cxnSpLocks/>
+          </p:cNvCxnSpPr>
+          <p:nvPr/>
+        </p:nvCxnSpPr>
+        <p:spPr>
+          <a:xfrm>
+            <a:off x="4684295" y="4347267"/>
+            <a:ext cx="978567" cy="0"/>
+          </a:xfrm>
+          <a:prstGeom prst="straightConnector1">
+            <a:avLst/>
+          </a:prstGeom>
+          <a:ln w="19050">
+            <a:solidFill>
+              <a:srgbClr val="C00000"/>
+            </a:solidFill>
+            <a:tailEnd type="triangle"/>
+          </a:ln>
+        </p:spPr>
+        <p:style>
+          <a:lnRef idx="1">
+            <a:schemeClr val="accent6"/>
+          </a:lnRef>
+          <a:fillRef idx="0">
+            <a:schemeClr val="accent6"/>
+          </a:fillRef>
+          <a:effectRef idx="0">
+            <a:schemeClr val="accent6"/>
+          </a:effectRef>
+          <a:fontRef idx="minor">
+            <a:schemeClr val="tx1"/>
+          </a:fontRef>
+        </p:style>
+      </p:cxnSp>
+      <p:cxnSp>
+        <p:nvCxnSpPr>
+          <p:cNvPr id="14" name="Straight Arrow Connector 13">
+            <a:extLst>
+              <a:ext uri="{FF2B5EF4-FFF2-40B4-BE49-F238E27FC236}">
+                <a16:creationId xmlns:a16="http://schemas.microsoft.com/office/drawing/2014/main" id="{7F086A61-C436-038C-4A78-341332E81D54}"/>
+              </a:ext>
+            </a:extLst>
+          </p:cNvPr>
+          <p:cNvCxnSpPr>
+            <a:cxnSpLocks/>
+          </p:cNvCxnSpPr>
+          <p:nvPr/>
+        </p:nvCxnSpPr>
+        <p:spPr>
+          <a:xfrm>
+            <a:off x="7070231" y="4347267"/>
+            <a:ext cx="978567" cy="0"/>
+          </a:xfrm>
+          <a:prstGeom prst="straightConnector1">
+            <a:avLst/>
+          </a:prstGeom>
+          <a:ln w="19050">
+            <a:solidFill>
+              <a:srgbClr val="C00000"/>
+            </a:solidFill>
+            <a:tailEnd type="triangle"/>
+          </a:ln>
+        </p:spPr>
+        <p:style>
+          <a:lnRef idx="1">
+            <a:schemeClr val="accent6"/>
+          </a:lnRef>
+          <a:fillRef idx="0">
+            <a:schemeClr val="accent6"/>
+          </a:fillRef>
+          <a:effectRef idx="0">
+            <a:schemeClr val="accent6"/>
+          </a:effectRef>
+          <a:fontRef idx="minor">
+            <a:schemeClr val="tx1"/>
+          </a:fontRef>
+        </p:style>
+      </p:cxnSp>
+      <p:sp>
+        <p:nvSpPr>
+          <p:cNvPr id="15" name="Arrow: Curved Down 14">
+            <a:extLst>
+              <a:ext uri="{FF2B5EF4-FFF2-40B4-BE49-F238E27FC236}">
+                <a16:creationId xmlns:a16="http://schemas.microsoft.com/office/drawing/2014/main" id="{16BDDEF8-E837-D149-F914-65A3D852F7FD}"/>
+              </a:ext>
+            </a:extLst>
+          </p:cNvPr>
+          <p:cNvSpPr/>
+          <p:nvPr/>
+        </p:nvSpPr>
+        <p:spPr>
+          <a:xfrm flipH="1" flipV="1">
+            <a:off x="2037345" y="4799365"/>
+            <a:ext cx="6384104" cy="930441"/>
+          </a:xfrm>
+          <a:prstGeom prst="curvedDownArrow">
+            <a:avLst/>
+          </a:prstGeom>
+          <a:solidFill>
+            <a:srgbClr val="FF0000"/>
+          </a:solidFill>
+        </p:spPr>
+        <p:style>
+          <a:lnRef idx="2">
+            <a:schemeClr val="accent1">
+              <a:shade val="50000"/>
+            </a:schemeClr>
+          </a:lnRef>
+          <a:fillRef idx="1">
+            <a:schemeClr val="accent1"/>
+          </a:fillRef>
+          <a:effectRef idx="0">
+            <a:schemeClr val="accent1"/>
+          </a:effectRef>
+          <a:fontRef idx="minor">
+            <a:schemeClr val="lt1"/>
+          </a:fontRef>
+        </p:style>
+        <p:txBody>
+          <a:bodyPr rtlCol="0" anchor="ctr"/>
+          <a:lstStyle/>
+          <a:p>
+            <a:pPr algn="ctr"/>
+            <a:endParaRPr lang="en-US">
+              <a:solidFill>
+                <a:schemeClr val="tx1"/>
+              </a:solidFill>
+            </a:endParaRPr>
+          </a:p>
+        </p:txBody>
+      </p:sp>
+      <p:sp>
+        <p:nvSpPr>
+          <p:cNvPr id="10" name="Content Placeholder 2">
+            <a:extLst>
+              <a:ext uri="{FF2B5EF4-FFF2-40B4-BE49-F238E27FC236}">
+                <a16:creationId xmlns:a16="http://schemas.microsoft.com/office/drawing/2014/main" id="{1EDD9412-7D1E-387D-C5EB-3AB16BD8EDCF}"/>
+              </a:ext>
+            </a:extLst>
+          </p:cNvPr>
+          <p:cNvSpPr>
+            <a:spLocks noGrp="1"/>
+          </p:cNvSpPr>
+          <p:nvPr>
+            <p:ph idx="1"/>
+          </p:nvPr>
+        </p:nvSpPr>
+        <p:spPr>
+          <a:xfrm>
+            <a:off x="4635839" y="3882046"/>
+            <a:ext cx="1187116" cy="599152"/>
+          </a:xfrm>
+        </p:spPr>
+        <p:txBody>
+          <a:bodyPr/>
+          <a:lstStyle/>
+          <a:p>
+            <a:r>
+              <a:rPr lang="en-US" dirty="0"/>
+              <a:t>200sec</a:t>
+            </a:r>
+          </a:p>
+        </p:txBody>
+      </p:sp>
+      <p:sp>
+        <p:nvSpPr>
+          <p:cNvPr id="11" name="Content Placeholder 2">
+            <a:extLst>
+              <a:ext uri="{FF2B5EF4-FFF2-40B4-BE49-F238E27FC236}">
+                <a16:creationId xmlns:a16="http://schemas.microsoft.com/office/drawing/2014/main" id="{8C722C8C-3547-9C39-3A3A-D5B137897A9A}"/>
               </a:ext>
             </a:extLst>
           </p:cNvPr>
@@ -5194,8 +7147,8 @@
         </p:nvSpPr>
         <p:spPr>
           <a:xfrm>
-            <a:off x="4635839" y="3356422"/>
-            <a:ext cx="1631796" cy="525624"/>
+            <a:off x="7009743" y="3882046"/>
+            <a:ext cx="1187116" cy="518798"/>
           </a:xfrm>
           <a:prstGeom prst="rect">
             <a:avLst/>
@@ -5372,6 +7325,408 @@
           <a:p>
             <a:r>
               <a:rPr lang="en-US" dirty="0"/>
+              <a:t>100sec</a:t>
+            </a:r>
+          </a:p>
+        </p:txBody>
+      </p:sp>
+      <p:sp>
+        <p:nvSpPr>
+          <p:cNvPr id="17" name="Content Placeholder 2">
+            <a:extLst>
+              <a:ext uri="{FF2B5EF4-FFF2-40B4-BE49-F238E27FC236}">
+                <a16:creationId xmlns:a16="http://schemas.microsoft.com/office/drawing/2014/main" id="{46ED323A-D782-4031-736B-43DB6B1CD1BA}"/>
+              </a:ext>
+            </a:extLst>
+          </p:cNvPr>
+          <p:cNvSpPr txBox="1">
+            <a:spLocks/>
+          </p:cNvSpPr>
+          <p:nvPr/>
+        </p:nvSpPr>
+        <p:spPr>
+          <a:xfrm>
+            <a:off x="4635839" y="2065396"/>
+            <a:ext cx="1631796" cy="599152"/>
+          </a:xfrm>
+          <a:prstGeom prst="rect">
+            <a:avLst/>
+          </a:prstGeom>
+        </p:spPr>
+        <p:txBody>
+          <a:bodyPr vert="horz" lIns="91440" tIns="45720" rIns="91440" bIns="45720" rtlCol="0">
+            <a:normAutofit/>
+          </a:bodyPr>
+          <a:lstStyle>
+            <a:lvl1pPr marL="228600" indent="-228600" algn="l" defTabSz="914400" rtl="0" eaLnBrk="1" latinLnBrk="0" hangingPunct="1">
+              <a:lnSpc>
+                <a:spcPct val="90000"/>
+              </a:lnSpc>
+              <a:spcBef>
+                <a:spcPts val="1000"/>
+              </a:spcBef>
+              <a:buFont typeface="Arial" panose="020B0604020202020204" pitchFamily="34" charset="0"/>
+              <a:buChar char="•"/>
+              <a:defRPr sz="1400" kern="1200">
+                <a:solidFill>
+                  <a:schemeClr val="tx1"/>
+                </a:solidFill>
+                <a:latin typeface="+mn-lt"/>
+                <a:ea typeface="+mn-ea"/>
+                <a:cs typeface="+mn-cs"/>
+              </a:defRPr>
+            </a:lvl1pPr>
+            <a:lvl2pPr marL="685800" indent="-228600" algn="l" defTabSz="914400" rtl="0" eaLnBrk="1" latinLnBrk="0" hangingPunct="1">
+              <a:lnSpc>
+                <a:spcPct val="90000"/>
+              </a:lnSpc>
+              <a:spcBef>
+                <a:spcPts val="500"/>
+              </a:spcBef>
+              <a:buFont typeface="Arial" panose="020B0604020202020204" pitchFamily="34" charset="0"/>
+              <a:buChar char="•"/>
+              <a:defRPr sz="1200" kern="1200">
+                <a:solidFill>
+                  <a:schemeClr val="tx1"/>
+                </a:solidFill>
+                <a:latin typeface="+mn-lt"/>
+                <a:ea typeface="+mn-ea"/>
+                <a:cs typeface="+mn-cs"/>
+              </a:defRPr>
+            </a:lvl2pPr>
+            <a:lvl3pPr marL="1143000" indent="-228600" algn="l" defTabSz="914400" rtl="0" eaLnBrk="1" latinLnBrk="0" hangingPunct="1">
+              <a:lnSpc>
+                <a:spcPct val="90000"/>
+              </a:lnSpc>
+              <a:spcBef>
+                <a:spcPts val="500"/>
+              </a:spcBef>
+              <a:buFont typeface="Arial" panose="020B0604020202020204" pitchFamily="34" charset="0"/>
+              <a:buChar char="•"/>
+              <a:defRPr sz="1200" kern="1200">
+                <a:solidFill>
+                  <a:schemeClr val="tx1"/>
+                </a:solidFill>
+                <a:latin typeface="+mn-lt"/>
+                <a:ea typeface="+mn-ea"/>
+                <a:cs typeface="+mn-cs"/>
+              </a:defRPr>
+            </a:lvl3pPr>
+            <a:lvl4pPr marL="1600200" indent="-228600" algn="l" defTabSz="914400" rtl="0" eaLnBrk="1" latinLnBrk="0" hangingPunct="1">
+              <a:lnSpc>
+                <a:spcPct val="90000"/>
+              </a:lnSpc>
+              <a:spcBef>
+                <a:spcPts val="500"/>
+              </a:spcBef>
+              <a:buFont typeface="Arial" panose="020B0604020202020204" pitchFamily="34" charset="0"/>
+              <a:buChar char="•"/>
+              <a:defRPr sz="1200" kern="1200">
+                <a:solidFill>
+                  <a:schemeClr val="tx1"/>
+                </a:solidFill>
+                <a:latin typeface="+mn-lt"/>
+                <a:ea typeface="+mn-ea"/>
+                <a:cs typeface="+mn-cs"/>
+              </a:defRPr>
+            </a:lvl4pPr>
+            <a:lvl5pPr marL="2057400" indent="-228600" algn="l" defTabSz="914400" rtl="0" eaLnBrk="1" latinLnBrk="0" hangingPunct="1">
+              <a:lnSpc>
+                <a:spcPct val="90000"/>
+              </a:lnSpc>
+              <a:spcBef>
+                <a:spcPts val="500"/>
+              </a:spcBef>
+              <a:buFont typeface="Arial" panose="020B0604020202020204" pitchFamily="34" charset="0"/>
+              <a:buChar char="•"/>
+              <a:defRPr sz="1200" kern="1200">
+                <a:solidFill>
+                  <a:schemeClr val="tx1"/>
+                </a:solidFill>
+                <a:latin typeface="+mn-lt"/>
+                <a:ea typeface="+mn-ea"/>
+                <a:cs typeface="+mn-cs"/>
+              </a:defRPr>
+            </a:lvl5pPr>
+            <a:lvl6pPr marL="2514600" indent="-228600" algn="l" defTabSz="914400" rtl="0" eaLnBrk="1" latinLnBrk="0" hangingPunct="1">
+              <a:lnSpc>
+                <a:spcPct val="90000"/>
+              </a:lnSpc>
+              <a:spcBef>
+                <a:spcPts val="500"/>
+              </a:spcBef>
+              <a:buFont typeface="Arial" panose="020B0604020202020204" pitchFamily="34" charset="0"/>
+              <a:buChar char="•"/>
+              <a:defRPr sz="1800" kern="1200">
+                <a:solidFill>
+                  <a:schemeClr val="tx1"/>
+                </a:solidFill>
+                <a:latin typeface="+mn-lt"/>
+                <a:ea typeface="+mn-ea"/>
+                <a:cs typeface="+mn-cs"/>
+              </a:defRPr>
+            </a:lvl6pPr>
+            <a:lvl7pPr marL="2971800" indent="-228600" algn="l" defTabSz="914400" rtl="0" eaLnBrk="1" latinLnBrk="0" hangingPunct="1">
+              <a:lnSpc>
+                <a:spcPct val="90000"/>
+              </a:lnSpc>
+              <a:spcBef>
+                <a:spcPts val="500"/>
+              </a:spcBef>
+              <a:buFont typeface="Arial" panose="020B0604020202020204" pitchFamily="34" charset="0"/>
+              <a:buChar char="•"/>
+              <a:defRPr sz="1800" kern="1200">
+                <a:solidFill>
+                  <a:schemeClr val="tx1"/>
+                </a:solidFill>
+                <a:latin typeface="+mn-lt"/>
+                <a:ea typeface="+mn-ea"/>
+                <a:cs typeface="+mn-cs"/>
+              </a:defRPr>
+            </a:lvl7pPr>
+            <a:lvl8pPr marL="3429000" indent="-228600" algn="l" defTabSz="914400" rtl="0" eaLnBrk="1" latinLnBrk="0" hangingPunct="1">
+              <a:lnSpc>
+                <a:spcPct val="90000"/>
+              </a:lnSpc>
+              <a:spcBef>
+                <a:spcPts val="500"/>
+              </a:spcBef>
+              <a:buFont typeface="Arial" panose="020B0604020202020204" pitchFamily="34" charset="0"/>
+              <a:buChar char="•"/>
+              <a:defRPr sz="1800" kern="1200">
+                <a:solidFill>
+                  <a:schemeClr val="tx1"/>
+                </a:solidFill>
+                <a:latin typeface="+mn-lt"/>
+                <a:ea typeface="+mn-ea"/>
+                <a:cs typeface="+mn-cs"/>
+              </a:defRPr>
+            </a:lvl8pPr>
+            <a:lvl9pPr marL="3886200" indent="-228600" algn="l" defTabSz="914400" rtl="0" eaLnBrk="1" latinLnBrk="0" hangingPunct="1">
+              <a:lnSpc>
+                <a:spcPct val="90000"/>
+              </a:lnSpc>
+              <a:spcBef>
+                <a:spcPts val="500"/>
+              </a:spcBef>
+              <a:buFont typeface="Arial" panose="020B0604020202020204" pitchFamily="34" charset="0"/>
+              <a:buChar char="•"/>
+              <a:defRPr sz="1800" kern="1200">
+                <a:solidFill>
+                  <a:schemeClr val="tx1"/>
+                </a:solidFill>
+                <a:latin typeface="+mn-lt"/>
+                <a:ea typeface="+mn-ea"/>
+                <a:cs typeface="+mn-cs"/>
+              </a:defRPr>
+            </a:lvl9pPr>
+          </a:lstStyle>
+          <a:p>
+            <a:r>
+              <a:rPr lang="en-US" dirty="0" err="1"/>
+              <a:t>clk</a:t>
+            </a:r>
+            <a:r>
+              <a:rPr lang="en-US" dirty="0"/>
+              <a:t> T = 10sec</a:t>
+            </a:r>
+          </a:p>
+        </p:txBody>
+      </p:sp>
+      <p:sp>
+        <p:nvSpPr>
+          <p:cNvPr id="18" name="Content Placeholder 2">
+            <a:extLst>
+              <a:ext uri="{FF2B5EF4-FFF2-40B4-BE49-F238E27FC236}">
+                <a16:creationId xmlns:a16="http://schemas.microsoft.com/office/drawing/2014/main" id="{3AEF1497-6D68-5A6C-43CB-CC5F2EA14517}"/>
+              </a:ext>
+            </a:extLst>
+          </p:cNvPr>
+          <p:cNvSpPr txBox="1">
+            <a:spLocks/>
+          </p:cNvSpPr>
+          <p:nvPr/>
+        </p:nvSpPr>
+        <p:spPr>
+          <a:xfrm>
+            <a:off x="4635839" y="3356422"/>
+            <a:ext cx="1631796" cy="525624"/>
+          </a:xfrm>
+          <a:prstGeom prst="rect">
+            <a:avLst/>
+          </a:prstGeom>
+        </p:spPr>
+        <p:txBody>
+          <a:bodyPr vert="horz" lIns="91440" tIns="45720" rIns="91440" bIns="45720" rtlCol="0">
+            <a:normAutofit/>
+          </a:bodyPr>
+          <a:lstStyle>
+            <a:lvl1pPr marL="228600" indent="-228600" algn="l" defTabSz="914400" rtl="0" eaLnBrk="1" latinLnBrk="0" hangingPunct="1">
+              <a:lnSpc>
+                <a:spcPct val="90000"/>
+              </a:lnSpc>
+              <a:spcBef>
+                <a:spcPts val="1000"/>
+              </a:spcBef>
+              <a:buFont typeface="Arial" panose="020B0604020202020204" pitchFamily="34" charset="0"/>
+              <a:buChar char="•"/>
+              <a:defRPr sz="1400" kern="1200">
+                <a:solidFill>
+                  <a:schemeClr val="tx1"/>
+                </a:solidFill>
+                <a:latin typeface="+mn-lt"/>
+                <a:ea typeface="+mn-ea"/>
+                <a:cs typeface="+mn-cs"/>
+              </a:defRPr>
+            </a:lvl1pPr>
+            <a:lvl2pPr marL="685800" indent="-228600" algn="l" defTabSz="914400" rtl="0" eaLnBrk="1" latinLnBrk="0" hangingPunct="1">
+              <a:lnSpc>
+                <a:spcPct val="90000"/>
+              </a:lnSpc>
+              <a:spcBef>
+                <a:spcPts val="500"/>
+              </a:spcBef>
+              <a:buFont typeface="Arial" panose="020B0604020202020204" pitchFamily="34" charset="0"/>
+              <a:buChar char="•"/>
+              <a:defRPr sz="1200" kern="1200">
+                <a:solidFill>
+                  <a:schemeClr val="tx1"/>
+                </a:solidFill>
+                <a:latin typeface="+mn-lt"/>
+                <a:ea typeface="+mn-ea"/>
+                <a:cs typeface="+mn-cs"/>
+              </a:defRPr>
+            </a:lvl2pPr>
+            <a:lvl3pPr marL="1143000" indent="-228600" algn="l" defTabSz="914400" rtl="0" eaLnBrk="1" latinLnBrk="0" hangingPunct="1">
+              <a:lnSpc>
+                <a:spcPct val="90000"/>
+              </a:lnSpc>
+              <a:spcBef>
+                <a:spcPts val="500"/>
+              </a:spcBef>
+              <a:buFont typeface="Arial" panose="020B0604020202020204" pitchFamily="34" charset="0"/>
+              <a:buChar char="•"/>
+              <a:defRPr sz="1200" kern="1200">
+                <a:solidFill>
+                  <a:schemeClr val="tx1"/>
+                </a:solidFill>
+                <a:latin typeface="+mn-lt"/>
+                <a:ea typeface="+mn-ea"/>
+                <a:cs typeface="+mn-cs"/>
+              </a:defRPr>
+            </a:lvl3pPr>
+            <a:lvl4pPr marL="1600200" indent="-228600" algn="l" defTabSz="914400" rtl="0" eaLnBrk="1" latinLnBrk="0" hangingPunct="1">
+              <a:lnSpc>
+                <a:spcPct val="90000"/>
+              </a:lnSpc>
+              <a:spcBef>
+                <a:spcPts val="500"/>
+              </a:spcBef>
+              <a:buFont typeface="Arial" panose="020B0604020202020204" pitchFamily="34" charset="0"/>
+              <a:buChar char="•"/>
+              <a:defRPr sz="1200" kern="1200">
+                <a:solidFill>
+                  <a:schemeClr val="tx1"/>
+                </a:solidFill>
+                <a:latin typeface="+mn-lt"/>
+                <a:ea typeface="+mn-ea"/>
+                <a:cs typeface="+mn-cs"/>
+              </a:defRPr>
+            </a:lvl4pPr>
+            <a:lvl5pPr marL="2057400" indent="-228600" algn="l" defTabSz="914400" rtl="0" eaLnBrk="1" latinLnBrk="0" hangingPunct="1">
+              <a:lnSpc>
+                <a:spcPct val="90000"/>
+              </a:lnSpc>
+              <a:spcBef>
+                <a:spcPts val="500"/>
+              </a:spcBef>
+              <a:buFont typeface="Arial" panose="020B0604020202020204" pitchFamily="34" charset="0"/>
+              <a:buChar char="•"/>
+              <a:defRPr sz="1200" kern="1200">
+                <a:solidFill>
+                  <a:schemeClr val="tx1"/>
+                </a:solidFill>
+                <a:latin typeface="+mn-lt"/>
+                <a:ea typeface="+mn-ea"/>
+                <a:cs typeface="+mn-cs"/>
+              </a:defRPr>
+            </a:lvl5pPr>
+            <a:lvl6pPr marL="2514600" indent="-228600" algn="l" defTabSz="914400" rtl="0" eaLnBrk="1" latinLnBrk="0" hangingPunct="1">
+              <a:lnSpc>
+                <a:spcPct val="90000"/>
+              </a:lnSpc>
+              <a:spcBef>
+                <a:spcPts val="500"/>
+              </a:spcBef>
+              <a:buFont typeface="Arial" panose="020B0604020202020204" pitchFamily="34" charset="0"/>
+              <a:buChar char="•"/>
+              <a:defRPr sz="1800" kern="1200">
+                <a:solidFill>
+                  <a:schemeClr val="tx1"/>
+                </a:solidFill>
+                <a:latin typeface="+mn-lt"/>
+                <a:ea typeface="+mn-ea"/>
+                <a:cs typeface="+mn-cs"/>
+              </a:defRPr>
+            </a:lvl6pPr>
+            <a:lvl7pPr marL="2971800" indent="-228600" algn="l" defTabSz="914400" rtl="0" eaLnBrk="1" latinLnBrk="0" hangingPunct="1">
+              <a:lnSpc>
+                <a:spcPct val="90000"/>
+              </a:lnSpc>
+              <a:spcBef>
+                <a:spcPts val="500"/>
+              </a:spcBef>
+              <a:buFont typeface="Arial" panose="020B0604020202020204" pitchFamily="34" charset="0"/>
+              <a:buChar char="•"/>
+              <a:defRPr sz="1800" kern="1200">
+                <a:solidFill>
+                  <a:schemeClr val="tx1"/>
+                </a:solidFill>
+                <a:latin typeface="+mn-lt"/>
+                <a:ea typeface="+mn-ea"/>
+                <a:cs typeface="+mn-cs"/>
+              </a:defRPr>
+            </a:lvl7pPr>
+            <a:lvl8pPr marL="3429000" indent="-228600" algn="l" defTabSz="914400" rtl="0" eaLnBrk="1" latinLnBrk="0" hangingPunct="1">
+              <a:lnSpc>
+                <a:spcPct val="90000"/>
+              </a:lnSpc>
+              <a:spcBef>
+                <a:spcPts val="500"/>
+              </a:spcBef>
+              <a:buFont typeface="Arial" panose="020B0604020202020204" pitchFamily="34" charset="0"/>
+              <a:buChar char="•"/>
+              <a:defRPr sz="1800" kern="1200">
+                <a:solidFill>
+                  <a:schemeClr val="tx1"/>
+                </a:solidFill>
+                <a:latin typeface="+mn-lt"/>
+                <a:ea typeface="+mn-ea"/>
+                <a:cs typeface="+mn-cs"/>
+              </a:defRPr>
+            </a:lvl8pPr>
+            <a:lvl9pPr marL="3886200" indent="-228600" algn="l" defTabSz="914400" rtl="0" eaLnBrk="1" latinLnBrk="0" hangingPunct="1">
+              <a:lnSpc>
+                <a:spcPct val="90000"/>
+              </a:lnSpc>
+              <a:spcBef>
+                <a:spcPts val="500"/>
+              </a:spcBef>
+              <a:buFont typeface="Arial" panose="020B0604020202020204" pitchFamily="34" charset="0"/>
+              <a:buChar char="•"/>
+              <a:defRPr sz="1800" kern="1200">
+                <a:solidFill>
+                  <a:schemeClr val="tx1"/>
+                </a:solidFill>
+                <a:latin typeface="+mn-lt"/>
+                <a:ea typeface="+mn-ea"/>
+                <a:cs typeface="+mn-cs"/>
+              </a:defRPr>
+            </a:lvl9pPr>
+          </a:lstStyle>
+          <a:p>
+            <a:r>
+              <a:rPr lang="en-US" dirty="0"/>
               <a:t>20 clock counts</a:t>
             </a:r>
           </a:p>
@@ -5381,762 +7736,6 @@
     <p:extLst>
       <p:ext uri="{BB962C8B-B14F-4D97-AF65-F5344CB8AC3E}">
         <p14:creationId xmlns:p14="http://schemas.microsoft.com/office/powerpoint/2010/main" val="3981342987"/>
-      </p:ext>
-    </p:extLst>
-  </p:cSld>
-  <p:clrMapOvr>
-    <a:masterClrMapping/>
-  </p:clrMapOvr>
-</p:sld>
-</file>
-
-<file path=ppt/slides/slide6.xml><?xml version="1.0" encoding="utf-8"?>
-<p:sld xmlns:a="http://schemas.openxmlformats.org/drawingml/2006/main" xmlns:r="http://schemas.openxmlformats.org/officeDocument/2006/relationships" xmlns:p="http://schemas.openxmlformats.org/presentationml/2006/main">
-  <p:cSld>
-    <p:spTree>
-      <p:nvGrpSpPr>
-        <p:cNvPr id="1" name=""/>
-        <p:cNvGrpSpPr/>
-        <p:nvPr/>
-      </p:nvGrpSpPr>
-      <p:grpSpPr>
-        <a:xfrm>
-          <a:off x="0" y="0"/>
-          <a:ext cx="0" cy="0"/>
-          <a:chOff x="0" y="0"/>
-          <a:chExt cx="0" cy="0"/>
-        </a:xfrm>
-      </p:grpSpPr>
-      <p:sp>
-        <p:nvSpPr>
-          <p:cNvPr id="2" name="Title 1">
-            <a:extLst>
-              <a:ext uri="{FF2B5EF4-FFF2-40B4-BE49-F238E27FC236}">
-                <a16:creationId xmlns:a16="http://schemas.microsoft.com/office/drawing/2014/main" id="{E6E7246E-6DDB-2F98-52B0-04AB5D144996}"/>
-              </a:ext>
-            </a:extLst>
-          </p:cNvPr>
-          <p:cNvSpPr>
-            <a:spLocks noGrp="1"/>
-          </p:cNvSpPr>
-          <p:nvPr>
-            <p:ph type="title"/>
-          </p:nvPr>
-        </p:nvSpPr>
-        <p:spPr/>
-        <p:txBody>
-          <a:bodyPr/>
-          <a:lstStyle/>
-          <a:p>
-            <a:r>
-              <a:rPr lang="en-US" dirty="0"/>
-              <a:t>lab04</a:t>
-            </a:r>
-          </a:p>
-        </p:txBody>
-      </p:sp>
-      <p:sp>
-        <p:nvSpPr>
-          <p:cNvPr id="4" name="Slide Number Placeholder 3">
-            <a:extLst>
-              <a:ext uri="{FF2B5EF4-FFF2-40B4-BE49-F238E27FC236}">
-                <a16:creationId xmlns:a16="http://schemas.microsoft.com/office/drawing/2014/main" id="{A653B7C0-A01B-B019-AE82-6D2CF11E10FE}"/>
-              </a:ext>
-            </a:extLst>
-          </p:cNvPr>
-          <p:cNvSpPr>
-            <a:spLocks noGrp="1"/>
-          </p:cNvSpPr>
-          <p:nvPr>
-            <p:ph type="sldNum" sz="quarter" idx="12"/>
-          </p:nvPr>
-        </p:nvSpPr>
-        <p:spPr/>
-        <p:txBody>
-          <a:bodyPr/>
-          <a:lstStyle/>
-          <a:p>
-            <a:fld id="{8A2B06E4-34D2-4DD4-ABFF-9F74AC2B18B5}" type="slidenum">
-              <a:rPr lang="en-US" smtClean="0"/>
-              <a:t>6</a:t>
-            </a:fld>
-            <a:endParaRPr lang="en-US" dirty="0"/>
-          </a:p>
-        </p:txBody>
-      </p:sp>
-      <p:sp>
-        <p:nvSpPr>
-          <p:cNvPr id="5" name="Rectangle 4">
-            <a:extLst>
-              <a:ext uri="{FF2B5EF4-FFF2-40B4-BE49-F238E27FC236}">
-                <a16:creationId xmlns:a16="http://schemas.microsoft.com/office/drawing/2014/main" id="{6102EB4F-2C6B-BE4F-95C6-8F38139F6238}"/>
-              </a:ext>
-            </a:extLst>
-          </p:cNvPr>
-          <p:cNvSpPr/>
-          <p:nvPr/>
-        </p:nvSpPr>
-        <p:spPr>
-          <a:xfrm>
-            <a:off x="2614862" y="1064029"/>
-            <a:ext cx="5995737" cy="3828813"/>
-          </a:xfrm>
-          <a:prstGeom prst="rect">
-            <a:avLst/>
-          </a:prstGeom>
-        </p:spPr>
-        <p:style>
-          <a:lnRef idx="2">
-            <a:schemeClr val="accent1">
-              <a:shade val="50000"/>
-            </a:schemeClr>
-          </a:lnRef>
-          <a:fillRef idx="1">
-            <a:schemeClr val="accent1"/>
-          </a:fillRef>
-          <a:effectRef idx="0">
-            <a:schemeClr val="accent1"/>
-          </a:effectRef>
-          <a:fontRef idx="minor">
-            <a:schemeClr val="lt1"/>
-          </a:fontRef>
-        </p:style>
-        <p:txBody>
-          <a:bodyPr rtlCol="0" anchor="ctr"/>
-          <a:lstStyle/>
-          <a:p>
-            <a:pPr algn="ctr"/>
-            <a:r>
-              <a:rPr lang="en-US" dirty="0"/>
-              <a:t>top</a:t>
-            </a:r>
-          </a:p>
-        </p:txBody>
-      </p:sp>
-      <p:sp>
-        <p:nvSpPr>
-          <p:cNvPr id="6" name="Rectangle 5">
-            <a:extLst>
-              <a:ext uri="{FF2B5EF4-FFF2-40B4-BE49-F238E27FC236}">
-                <a16:creationId xmlns:a16="http://schemas.microsoft.com/office/drawing/2014/main" id="{DC30FA28-E16B-65EA-6A28-285CD8F8A6D8}"/>
-              </a:ext>
-            </a:extLst>
-          </p:cNvPr>
-          <p:cNvSpPr/>
-          <p:nvPr/>
-        </p:nvSpPr>
-        <p:spPr>
-          <a:xfrm>
-            <a:off x="3968985" y="1374232"/>
-            <a:ext cx="2873829" cy="637817"/>
-          </a:xfrm>
-          <a:prstGeom prst="rect">
-            <a:avLst/>
-          </a:prstGeom>
-          <a:solidFill>
-            <a:schemeClr val="accent2"/>
-          </a:solidFill>
-        </p:spPr>
-        <p:style>
-          <a:lnRef idx="2">
-            <a:schemeClr val="accent1">
-              <a:shade val="50000"/>
-            </a:schemeClr>
-          </a:lnRef>
-          <a:fillRef idx="1">
-            <a:schemeClr val="accent1"/>
-          </a:fillRef>
-          <a:effectRef idx="0">
-            <a:schemeClr val="accent1"/>
-          </a:effectRef>
-          <a:fontRef idx="minor">
-            <a:schemeClr val="lt1"/>
-          </a:fontRef>
-        </p:style>
-        <p:txBody>
-          <a:bodyPr rtlCol="0" anchor="ctr"/>
-          <a:lstStyle/>
-          <a:p>
-            <a:pPr algn="ctr"/>
-            <a:r>
-              <a:rPr lang="en-US" dirty="0" err="1"/>
-              <a:t>clkgen</a:t>
-            </a:r>
-            <a:endParaRPr lang="en-US" dirty="0"/>
-          </a:p>
-        </p:txBody>
-      </p:sp>
-      <p:sp>
-        <p:nvSpPr>
-          <p:cNvPr id="7" name="Rectangle 6">
-            <a:extLst>
-              <a:ext uri="{FF2B5EF4-FFF2-40B4-BE49-F238E27FC236}">
-                <a16:creationId xmlns:a16="http://schemas.microsoft.com/office/drawing/2014/main" id="{E0F94A2B-20CA-C3F8-55B8-B442371743DD}"/>
-              </a:ext>
-            </a:extLst>
-          </p:cNvPr>
-          <p:cNvSpPr/>
-          <p:nvPr/>
-        </p:nvSpPr>
-        <p:spPr>
-          <a:xfrm>
-            <a:off x="3968986" y="3138975"/>
-            <a:ext cx="2873829" cy="637817"/>
-          </a:xfrm>
-          <a:prstGeom prst="rect">
-            <a:avLst/>
-          </a:prstGeom>
-          <a:solidFill>
-            <a:schemeClr val="accent2"/>
-          </a:solidFill>
-        </p:spPr>
-        <p:style>
-          <a:lnRef idx="2">
-            <a:schemeClr val="accent1">
-              <a:shade val="50000"/>
-            </a:schemeClr>
-          </a:lnRef>
-          <a:fillRef idx="1">
-            <a:schemeClr val="accent1"/>
-          </a:fillRef>
-          <a:effectRef idx="0">
-            <a:schemeClr val="accent1"/>
-          </a:effectRef>
-          <a:fontRef idx="minor">
-            <a:schemeClr val="lt1"/>
-          </a:fontRef>
-        </p:style>
-        <p:txBody>
-          <a:bodyPr rtlCol="0" anchor="ctr"/>
-          <a:lstStyle/>
-          <a:p>
-            <a:pPr algn="ctr"/>
-            <a:r>
-              <a:rPr lang="en-US" dirty="0"/>
-              <a:t>design</a:t>
-            </a:r>
-          </a:p>
-        </p:txBody>
-      </p:sp>
-      <p:sp>
-        <p:nvSpPr>
-          <p:cNvPr id="8" name="Rectangle 7">
-            <a:extLst>
-              <a:ext uri="{FF2B5EF4-FFF2-40B4-BE49-F238E27FC236}">
-                <a16:creationId xmlns:a16="http://schemas.microsoft.com/office/drawing/2014/main" id="{779E4C93-F9AD-8601-95A4-D2F42525B701}"/>
-              </a:ext>
-            </a:extLst>
-          </p:cNvPr>
-          <p:cNvSpPr/>
-          <p:nvPr/>
-        </p:nvSpPr>
-        <p:spPr>
-          <a:xfrm>
-            <a:off x="3968986" y="4086994"/>
-            <a:ext cx="2873829" cy="637817"/>
-          </a:xfrm>
-          <a:prstGeom prst="rect">
-            <a:avLst/>
-          </a:prstGeom>
-          <a:solidFill>
-            <a:schemeClr val="accent2"/>
-          </a:solidFill>
-        </p:spPr>
-        <p:style>
-          <a:lnRef idx="2">
-            <a:schemeClr val="accent1">
-              <a:shade val="50000"/>
-            </a:schemeClr>
-          </a:lnRef>
-          <a:fillRef idx="1">
-            <a:schemeClr val="accent1"/>
-          </a:fillRef>
-          <a:effectRef idx="0">
-            <a:schemeClr val="accent1"/>
-          </a:effectRef>
-          <a:fontRef idx="minor">
-            <a:schemeClr val="lt1"/>
-          </a:fontRef>
-        </p:style>
-        <p:txBody>
-          <a:bodyPr rtlCol="0" anchor="ctr"/>
-          <a:lstStyle/>
-          <a:p>
-            <a:pPr algn="ctr"/>
-            <a:r>
-              <a:rPr lang="en-US" dirty="0" err="1"/>
-              <a:t>test_program</a:t>
-            </a:r>
-            <a:endParaRPr lang="en-US" dirty="0"/>
-          </a:p>
-        </p:txBody>
-      </p:sp>
-      <p:cxnSp>
-        <p:nvCxnSpPr>
-          <p:cNvPr id="9" name="Straight Arrow Connector 8">
-            <a:extLst>
-              <a:ext uri="{FF2B5EF4-FFF2-40B4-BE49-F238E27FC236}">
-                <a16:creationId xmlns:a16="http://schemas.microsoft.com/office/drawing/2014/main" id="{EA338D19-8686-67B7-E30D-D1BA267343BC}"/>
-              </a:ext>
-            </a:extLst>
-          </p:cNvPr>
-          <p:cNvCxnSpPr>
-            <a:cxnSpLocks/>
-          </p:cNvCxnSpPr>
-          <p:nvPr/>
-        </p:nvCxnSpPr>
-        <p:spPr>
-          <a:xfrm>
-            <a:off x="6629081" y="1660859"/>
-            <a:ext cx="861056" cy="0"/>
-          </a:xfrm>
-          <a:prstGeom prst="straightConnector1">
-            <a:avLst/>
-          </a:prstGeom>
-          <a:ln w="19050">
-            <a:tailEnd type="triangle"/>
-          </a:ln>
-        </p:spPr>
-        <p:style>
-          <a:lnRef idx="1">
-            <a:schemeClr val="accent6"/>
-          </a:lnRef>
-          <a:fillRef idx="0">
-            <a:schemeClr val="accent6"/>
-          </a:fillRef>
-          <a:effectRef idx="0">
-            <a:schemeClr val="accent6"/>
-          </a:effectRef>
-          <a:fontRef idx="minor">
-            <a:schemeClr val="tx1"/>
-          </a:fontRef>
-        </p:style>
-      </p:cxnSp>
-      <p:cxnSp>
-        <p:nvCxnSpPr>
-          <p:cNvPr id="10" name="Straight Arrow Connector 9">
-            <a:extLst>
-              <a:ext uri="{FF2B5EF4-FFF2-40B4-BE49-F238E27FC236}">
-                <a16:creationId xmlns:a16="http://schemas.microsoft.com/office/drawing/2014/main" id="{244E8A05-74BE-5F40-0352-DC1642D3A123}"/>
-              </a:ext>
-            </a:extLst>
-          </p:cNvPr>
-          <p:cNvCxnSpPr>
-            <a:cxnSpLocks/>
-          </p:cNvCxnSpPr>
-          <p:nvPr/>
-        </p:nvCxnSpPr>
-        <p:spPr>
-          <a:xfrm flipH="1">
-            <a:off x="6708887" y="3429000"/>
-            <a:ext cx="781250" cy="0"/>
-          </a:xfrm>
-          <a:prstGeom prst="straightConnector1">
-            <a:avLst/>
-          </a:prstGeom>
-          <a:ln w="19050">
-            <a:tailEnd type="triangle"/>
-          </a:ln>
-        </p:spPr>
-        <p:style>
-          <a:lnRef idx="1">
-            <a:schemeClr val="accent6"/>
-          </a:lnRef>
-          <a:fillRef idx="0">
-            <a:schemeClr val="accent6"/>
-          </a:fillRef>
-          <a:effectRef idx="0">
-            <a:schemeClr val="accent6"/>
-          </a:effectRef>
-          <a:fontRef idx="minor">
-            <a:schemeClr val="tx1"/>
-          </a:fontRef>
-        </p:style>
-      </p:cxnSp>
-      <p:cxnSp>
-        <p:nvCxnSpPr>
-          <p:cNvPr id="11" name="Straight Arrow Connector 10">
-            <a:extLst>
-              <a:ext uri="{FF2B5EF4-FFF2-40B4-BE49-F238E27FC236}">
-                <a16:creationId xmlns:a16="http://schemas.microsoft.com/office/drawing/2014/main" id="{DC737003-E3BB-1F05-6A23-7BD8C6B63D01}"/>
-              </a:ext>
-            </a:extLst>
-          </p:cNvPr>
-          <p:cNvCxnSpPr>
-            <a:cxnSpLocks/>
-          </p:cNvCxnSpPr>
-          <p:nvPr/>
-        </p:nvCxnSpPr>
-        <p:spPr>
-          <a:xfrm flipH="1">
-            <a:off x="6708887" y="4503821"/>
-            <a:ext cx="781250" cy="0"/>
-          </a:xfrm>
-          <a:prstGeom prst="straightConnector1">
-            <a:avLst/>
-          </a:prstGeom>
-          <a:ln w="19050">
-            <a:tailEnd type="triangle"/>
-          </a:ln>
-        </p:spPr>
-        <p:style>
-          <a:lnRef idx="1">
-            <a:schemeClr val="accent6"/>
-          </a:lnRef>
-          <a:fillRef idx="0">
-            <a:schemeClr val="accent6"/>
-          </a:fillRef>
-          <a:effectRef idx="0">
-            <a:schemeClr val="accent6"/>
-          </a:effectRef>
-          <a:fontRef idx="minor">
-            <a:schemeClr val="tx1"/>
-          </a:fontRef>
-        </p:style>
-      </p:cxnSp>
-      <p:cxnSp>
-        <p:nvCxnSpPr>
-          <p:cNvPr id="12" name="Straight Arrow Connector 11">
-            <a:extLst>
-              <a:ext uri="{FF2B5EF4-FFF2-40B4-BE49-F238E27FC236}">
-                <a16:creationId xmlns:a16="http://schemas.microsoft.com/office/drawing/2014/main" id="{4D8971D2-5837-9C65-CFFE-950463C1F108}"/>
-              </a:ext>
-            </a:extLst>
-          </p:cNvPr>
-          <p:cNvCxnSpPr>
-            <a:cxnSpLocks/>
-          </p:cNvCxnSpPr>
-          <p:nvPr/>
-        </p:nvCxnSpPr>
-        <p:spPr>
-          <a:xfrm flipH="1" flipV="1">
-            <a:off x="4329583" y="3437432"/>
-            <a:ext cx="14750" cy="862014"/>
-          </a:xfrm>
-          <a:prstGeom prst="straightConnector1">
-            <a:avLst/>
-          </a:prstGeom>
-          <a:ln w="19050">
-            <a:solidFill>
-              <a:srgbClr val="C00000"/>
-            </a:solidFill>
-            <a:tailEnd type="triangle"/>
-          </a:ln>
-        </p:spPr>
-        <p:style>
-          <a:lnRef idx="1">
-            <a:schemeClr val="accent6"/>
-          </a:lnRef>
-          <a:fillRef idx="0">
-            <a:schemeClr val="accent6"/>
-          </a:fillRef>
-          <a:effectRef idx="0">
-            <a:schemeClr val="accent6"/>
-          </a:effectRef>
-          <a:fontRef idx="minor">
-            <a:schemeClr val="tx1"/>
-          </a:fontRef>
-        </p:style>
-      </p:cxnSp>
-      <p:cxnSp>
-        <p:nvCxnSpPr>
-          <p:cNvPr id="13" name="Straight Arrow Connector 12">
-            <a:extLst>
-              <a:ext uri="{FF2B5EF4-FFF2-40B4-BE49-F238E27FC236}">
-                <a16:creationId xmlns:a16="http://schemas.microsoft.com/office/drawing/2014/main" id="{21450A2E-06CF-86F0-226C-983450058BD5}"/>
-              </a:ext>
-            </a:extLst>
-          </p:cNvPr>
-          <p:cNvCxnSpPr>
-            <a:cxnSpLocks/>
-          </p:cNvCxnSpPr>
-          <p:nvPr/>
-        </p:nvCxnSpPr>
-        <p:spPr>
-          <a:xfrm>
-            <a:off x="6272463" y="3437432"/>
-            <a:ext cx="0" cy="862014"/>
-          </a:xfrm>
-          <a:prstGeom prst="straightConnector1">
-            <a:avLst/>
-          </a:prstGeom>
-          <a:ln w="19050">
-            <a:solidFill>
-              <a:srgbClr val="C00000"/>
-            </a:solidFill>
-            <a:tailEnd type="triangle"/>
-          </a:ln>
-        </p:spPr>
-        <p:style>
-          <a:lnRef idx="1">
-            <a:schemeClr val="accent6"/>
-          </a:lnRef>
-          <a:fillRef idx="0">
-            <a:schemeClr val="accent6"/>
-          </a:fillRef>
-          <a:effectRef idx="0">
-            <a:schemeClr val="accent6"/>
-          </a:effectRef>
-          <a:fontRef idx="minor">
-            <a:schemeClr val="tx1"/>
-          </a:fontRef>
-        </p:style>
-      </p:cxnSp>
-      <p:pic>
-        <p:nvPicPr>
-          <p:cNvPr id="18" name="Picture 17">
-            <a:extLst>
-              <a:ext uri="{FF2B5EF4-FFF2-40B4-BE49-F238E27FC236}">
-                <a16:creationId xmlns:a16="http://schemas.microsoft.com/office/drawing/2014/main" id="{492A402F-4E66-814B-6D67-6368D699DA8E}"/>
-              </a:ext>
-            </a:extLst>
-          </p:cNvPr>
-          <p:cNvPicPr>
-            <a:picLocks noChangeAspect="1"/>
-          </p:cNvPicPr>
-          <p:nvPr/>
-        </p:nvPicPr>
-        <p:blipFill>
-          <a:blip r:embed="rId2"/>
-          <a:stretch>
-            <a:fillRect/>
-          </a:stretch>
-        </p:blipFill>
-        <p:spPr>
-          <a:xfrm>
-            <a:off x="8782834" y="1064029"/>
-            <a:ext cx="2398731" cy="1426272"/>
-          </a:xfrm>
-          <a:prstGeom prst="rect">
-            <a:avLst/>
-          </a:prstGeom>
-        </p:spPr>
-      </p:pic>
-    </p:spTree>
-    <p:extLst>
-      <p:ext uri="{BB962C8B-B14F-4D97-AF65-F5344CB8AC3E}">
-        <p14:creationId xmlns:p14="http://schemas.microsoft.com/office/powerpoint/2010/main" val="3022158455"/>
-      </p:ext>
-    </p:extLst>
-  </p:cSld>
-  <p:clrMapOvr>
-    <a:masterClrMapping/>
-  </p:clrMapOvr>
-</p:sld>
-</file>
-
-<file path=ppt/slides/slide7.xml><?xml version="1.0" encoding="utf-8"?>
-<p:sld xmlns:a="http://schemas.openxmlformats.org/drawingml/2006/main" xmlns:r="http://schemas.openxmlformats.org/officeDocument/2006/relationships" xmlns:p="http://schemas.openxmlformats.org/presentationml/2006/main">
-  <p:cSld>
-    <p:spTree>
-      <p:nvGrpSpPr>
-        <p:cNvPr id="1" name=""/>
-        <p:cNvGrpSpPr/>
-        <p:nvPr/>
-      </p:nvGrpSpPr>
-      <p:grpSpPr>
-        <a:xfrm>
-          <a:off x="0" y="0"/>
-          <a:ext cx="0" cy="0"/>
-          <a:chOff x="0" y="0"/>
-          <a:chExt cx="0" cy="0"/>
-        </a:xfrm>
-      </p:grpSpPr>
-      <p:sp>
-        <p:nvSpPr>
-          <p:cNvPr id="2" name="Title 1">
-            <a:extLst>
-              <a:ext uri="{FF2B5EF4-FFF2-40B4-BE49-F238E27FC236}">
-                <a16:creationId xmlns:a16="http://schemas.microsoft.com/office/drawing/2014/main" id="{0AEB7B77-FA10-C46A-0CC0-5C6DA2DB31EB}"/>
-              </a:ext>
-            </a:extLst>
-          </p:cNvPr>
-          <p:cNvSpPr>
-            <a:spLocks noGrp="1"/>
-          </p:cNvSpPr>
-          <p:nvPr>
-            <p:ph type="title"/>
-          </p:nvPr>
-        </p:nvSpPr>
-        <p:spPr>
-          <a:xfrm>
-            <a:off x="324196" y="160394"/>
-            <a:ext cx="11029604" cy="599151"/>
-          </a:xfrm>
-        </p:spPr>
-        <p:txBody>
-          <a:bodyPr/>
-          <a:lstStyle/>
-          <a:p>
-            <a:r>
-              <a:rPr lang="en-US" dirty="0"/>
-              <a:t>lab12</a:t>
-            </a:r>
-          </a:p>
-        </p:txBody>
-      </p:sp>
-      <p:sp>
-        <p:nvSpPr>
-          <p:cNvPr id="3" name="Content Placeholder 2">
-            <a:extLst>
-              <a:ext uri="{FF2B5EF4-FFF2-40B4-BE49-F238E27FC236}">
-                <a16:creationId xmlns:a16="http://schemas.microsoft.com/office/drawing/2014/main" id="{810C7513-AE8B-94AD-262A-53C837DD6E09}"/>
-              </a:ext>
-            </a:extLst>
-          </p:cNvPr>
-          <p:cNvSpPr>
-            <a:spLocks noGrp="1"/>
-          </p:cNvSpPr>
-          <p:nvPr>
-            <p:ph idx="1"/>
-          </p:nvPr>
-        </p:nvSpPr>
-        <p:spPr>
-          <a:xfrm>
-            <a:off x="9062431" y="799639"/>
-            <a:ext cx="2842788" cy="711866"/>
-          </a:xfrm>
-        </p:spPr>
-        <p:txBody>
-          <a:bodyPr/>
-          <a:lstStyle/>
-          <a:p>
-            <a:r>
-              <a:rPr lang="en-US" dirty="0"/>
-              <a:t>red = unsigned addition</a:t>
-            </a:r>
-          </a:p>
-          <a:p>
-            <a:r>
-              <a:rPr lang="en-US" dirty="0"/>
-              <a:t>green = signed addition</a:t>
-            </a:r>
-          </a:p>
-        </p:txBody>
-      </p:sp>
-      <p:sp>
-        <p:nvSpPr>
-          <p:cNvPr id="4" name="Slide Number Placeholder 3">
-            <a:extLst>
-              <a:ext uri="{FF2B5EF4-FFF2-40B4-BE49-F238E27FC236}">
-                <a16:creationId xmlns:a16="http://schemas.microsoft.com/office/drawing/2014/main" id="{8CC1F037-F447-3414-DCE0-2DA083E5302F}"/>
-              </a:ext>
-            </a:extLst>
-          </p:cNvPr>
-          <p:cNvSpPr>
-            <a:spLocks noGrp="1"/>
-          </p:cNvSpPr>
-          <p:nvPr>
-            <p:ph type="sldNum" sz="quarter" idx="12"/>
-          </p:nvPr>
-        </p:nvSpPr>
-        <p:spPr/>
-        <p:txBody>
-          <a:bodyPr/>
-          <a:lstStyle/>
-          <a:p>
-            <a:fld id="{8A2B06E4-34D2-4DD4-ABFF-9F74AC2B18B5}" type="slidenum">
-              <a:rPr lang="en-US" smtClean="0"/>
-              <a:t>7</a:t>
-            </a:fld>
-            <a:endParaRPr lang="en-US" dirty="0"/>
-          </a:p>
-        </p:txBody>
-      </p:sp>
-      <p:pic>
-        <p:nvPicPr>
-          <p:cNvPr id="8" name="Picture 7">
-            <a:extLst>
-              <a:ext uri="{FF2B5EF4-FFF2-40B4-BE49-F238E27FC236}">
-                <a16:creationId xmlns:a16="http://schemas.microsoft.com/office/drawing/2014/main" id="{7E1721ED-D02A-9594-878F-0508E8297F22}"/>
-              </a:ext>
-            </a:extLst>
-          </p:cNvPr>
-          <p:cNvPicPr>
-            <a:picLocks noChangeAspect="1"/>
-          </p:cNvPicPr>
-          <p:nvPr/>
-        </p:nvPicPr>
-        <p:blipFill>
-          <a:blip r:embed="rId2"/>
-          <a:stretch>
-            <a:fillRect/>
-          </a:stretch>
-        </p:blipFill>
-        <p:spPr>
-          <a:xfrm>
-            <a:off x="1808655" y="1511504"/>
-            <a:ext cx="10227356" cy="5346496"/>
-          </a:xfrm>
-          <a:prstGeom prst="rect">
-            <a:avLst/>
-          </a:prstGeom>
-        </p:spPr>
-      </p:pic>
-      <p:pic>
-        <p:nvPicPr>
-          <p:cNvPr id="6" name="Picture 5">
-            <a:extLst>
-              <a:ext uri="{FF2B5EF4-FFF2-40B4-BE49-F238E27FC236}">
-                <a16:creationId xmlns:a16="http://schemas.microsoft.com/office/drawing/2014/main" id="{5A55FC3A-FE61-0247-5376-A97328B92045}"/>
-              </a:ext>
-            </a:extLst>
-          </p:cNvPr>
-          <p:cNvPicPr>
-            <a:picLocks noChangeAspect="1"/>
-          </p:cNvPicPr>
-          <p:nvPr/>
-        </p:nvPicPr>
-        <p:blipFill>
-          <a:blip r:embed="rId3"/>
-          <a:stretch>
-            <a:fillRect/>
-          </a:stretch>
-        </p:blipFill>
-        <p:spPr>
-          <a:xfrm>
-            <a:off x="6590851" y="751717"/>
-            <a:ext cx="1762376" cy="1440317"/>
-          </a:xfrm>
-          <a:prstGeom prst="rect">
-            <a:avLst/>
-          </a:prstGeom>
-        </p:spPr>
-      </p:pic>
-      <p:pic>
-        <p:nvPicPr>
-          <p:cNvPr id="10" name="Picture 9">
-            <a:extLst>
-              <a:ext uri="{FF2B5EF4-FFF2-40B4-BE49-F238E27FC236}">
-                <a16:creationId xmlns:a16="http://schemas.microsoft.com/office/drawing/2014/main" id="{D20F0CA7-9786-5797-2C77-553C00C20154}"/>
-              </a:ext>
-            </a:extLst>
-          </p:cNvPr>
-          <p:cNvPicPr>
-            <a:picLocks noChangeAspect="1"/>
-          </p:cNvPicPr>
-          <p:nvPr/>
-        </p:nvPicPr>
-        <p:blipFill>
-          <a:blip r:embed="rId4"/>
-          <a:stretch>
-            <a:fillRect/>
-          </a:stretch>
-        </p:blipFill>
-        <p:spPr>
-          <a:xfrm>
-            <a:off x="8353227" y="272028"/>
-            <a:ext cx="3198916" cy="487517"/>
-          </a:xfrm>
-          <a:prstGeom prst="rect">
-            <a:avLst/>
-          </a:prstGeom>
-        </p:spPr>
-      </p:pic>
-    </p:spTree>
-    <p:extLst>
-      <p:ext uri="{BB962C8B-B14F-4D97-AF65-F5344CB8AC3E}">
-        <p14:creationId xmlns:p14="http://schemas.microsoft.com/office/powerpoint/2010/main" val="1790081145"/>
       </p:ext>
     </p:extLst>
   </p:cSld>
@@ -6165,10 +7764,38 @@
       </p:grpSpPr>
       <p:sp>
         <p:nvSpPr>
+          <p:cNvPr id="2" name="Title 1">
+            <a:extLst>
+              <a:ext uri="{FF2B5EF4-FFF2-40B4-BE49-F238E27FC236}">
+                <a16:creationId xmlns:a16="http://schemas.microsoft.com/office/drawing/2014/main" id="{E6E7246E-6DDB-2F98-52B0-04AB5D144996}"/>
+              </a:ext>
+            </a:extLst>
+          </p:cNvPr>
+          <p:cNvSpPr>
+            <a:spLocks noGrp="1"/>
+          </p:cNvSpPr>
+          <p:nvPr>
+            <p:ph type="title"/>
+          </p:nvPr>
+        </p:nvSpPr>
+        <p:spPr/>
+        <p:txBody>
+          <a:bodyPr/>
+          <a:lstStyle/>
+          <a:p>
+            <a:r>
+              <a:rPr lang="en-US" dirty="0"/>
+              <a:t>lab04</a:t>
+            </a:r>
+          </a:p>
+        </p:txBody>
+      </p:sp>
+      <p:sp>
+        <p:nvSpPr>
           <p:cNvPr id="4" name="Slide Number Placeholder 3">
             <a:extLst>
               <a:ext uri="{FF2B5EF4-FFF2-40B4-BE49-F238E27FC236}">
-                <a16:creationId xmlns:a16="http://schemas.microsoft.com/office/drawing/2014/main" id="{E2DF548D-AE6E-101F-FEEE-0F3BD243E28E}"/>
+                <a16:creationId xmlns:a16="http://schemas.microsoft.com/office/drawing/2014/main" id="{A653B7C0-A01B-B019-AE82-6D2CF11E10FE}"/>
               </a:ext>
             </a:extLst>
           </p:cNvPr>
@@ -6192,41 +7819,430 @@
           </a:p>
         </p:txBody>
       </p:sp>
+      <p:sp>
+        <p:nvSpPr>
+          <p:cNvPr id="5" name="Rectangle 4">
+            <a:extLst>
+              <a:ext uri="{FF2B5EF4-FFF2-40B4-BE49-F238E27FC236}">
+                <a16:creationId xmlns:a16="http://schemas.microsoft.com/office/drawing/2014/main" id="{6102EB4F-2C6B-BE4F-95C6-8F38139F6238}"/>
+              </a:ext>
+            </a:extLst>
+          </p:cNvPr>
+          <p:cNvSpPr/>
+          <p:nvPr/>
+        </p:nvSpPr>
+        <p:spPr>
+          <a:xfrm>
+            <a:off x="2614862" y="1064029"/>
+            <a:ext cx="5995737" cy="3828813"/>
+          </a:xfrm>
+          <a:prstGeom prst="rect">
+            <a:avLst/>
+          </a:prstGeom>
+        </p:spPr>
+        <p:style>
+          <a:lnRef idx="2">
+            <a:schemeClr val="accent1">
+              <a:shade val="50000"/>
+            </a:schemeClr>
+          </a:lnRef>
+          <a:fillRef idx="1">
+            <a:schemeClr val="accent1"/>
+          </a:fillRef>
+          <a:effectRef idx="0">
+            <a:schemeClr val="accent1"/>
+          </a:effectRef>
+          <a:fontRef idx="minor">
+            <a:schemeClr val="lt1"/>
+          </a:fontRef>
+        </p:style>
+        <p:txBody>
+          <a:bodyPr rtlCol="0" anchor="ctr"/>
+          <a:lstStyle/>
+          <a:p>
+            <a:pPr algn="ctr"/>
+            <a:r>
+              <a:rPr lang="en-US" dirty="0"/>
+              <a:t>top</a:t>
+            </a:r>
+          </a:p>
+        </p:txBody>
+      </p:sp>
+      <p:sp>
+        <p:nvSpPr>
+          <p:cNvPr id="6" name="Rectangle 5">
+            <a:extLst>
+              <a:ext uri="{FF2B5EF4-FFF2-40B4-BE49-F238E27FC236}">
+                <a16:creationId xmlns:a16="http://schemas.microsoft.com/office/drawing/2014/main" id="{DC30FA28-E16B-65EA-6A28-285CD8F8A6D8}"/>
+              </a:ext>
+            </a:extLst>
+          </p:cNvPr>
+          <p:cNvSpPr/>
+          <p:nvPr/>
+        </p:nvSpPr>
+        <p:spPr>
+          <a:xfrm>
+            <a:off x="3968985" y="1374232"/>
+            <a:ext cx="2873829" cy="637817"/>
+          </a:xfrm>
+          <a:prstGeom prst="rect">
+            <a:avLst/>
+          </a:prstGeom>
+          <a:solidFill>
+            <a:schemeClr val="accent2"/>
+          </a:solidFill>
+        </p:spPr>
+        <p:style>
+          <a:lnRef idx="2">
+            <a:schemeClr val="accent1">
+              <a:shade val="50000"/>
+            </a:schemeClr>
+          </a:lnRef>
+          <a:fillRef idx="1">
+            <a:schemeClr val="accent1"/>
+          </a:fillRef>
+          <a:effectRef idx="0">
+            <a:schemeClr val="accent1"/>
+          </a:effectRef>
+          <a:fontRef idx="minor">
+            <a:schemeClr val="lt1"/>
+          </a:fontRef>
+        </p:style>
+        <p:txBody>
+          <a:bodyPr rtlCol="0" anchor="ctr"/>
+          <a:lstStyle/>
+          <a:p>
+            <a:pPr algn="ctr"/>
+            <a:r>
+              <a:rPr lang="en-US" dirty="0" err="1"/>
+              <a:t>clkgen</a:t>
+            </a:r>
+            <a:endParaRPr lang="en-US" dirty="0"/>
+          </a:p>
+        </p:txBody>
+      </p:sp>
+      <p:sp>
+        <p:nvSpPr>
+          <p:cNvPr id="7" name="Rectangle 6">
+            <a:extLst>
+              <a:ext uri="{FF2B5EF4-FFF2-40B4-BE49-F238E27FC236}">
+                <a16:creationId xmlns:a16="http://schemas.microsoft.com/office/drawing/2014/main" id="{E0F94A2B-20CA-C3F8-55B8-B442371743DD}"/>
+              </a:ext>
+            </a:extLst>
+          </p:cNvPr>
+          <p:cNvSpPr/>
+          <p:nvPr/>
+        </p:nvSpPr>
+        <p:spPr>
+          <a:xfrm>
+            <a:off x="3968986" y="3138975"/>
+            <a:ext cx="2873829" cy="637817"/>
+          </a:xfrm>
+          <a:prstGeom prst="rect">
+            <a:avLst/>
+          </a:prstGeom>
+          <a:solidFill>
+            <a:schemeClr val="accent2"/>
+          </a:solidFill>
+        </p:spPr>
+        <p:style>
+          <a:lnRef idx="2">
+            <a:schemeClr val="accent1">
+              <a:shade val="50000"/>
+            </a:schemeClr>
+          </a:lnRef>
+          <a:fillRef idx="1">
+            <a:schemeClr val="accent1"/>
+          </a:fillRef>
+          <a:effectRef idx="0">
+            <a:schemeClr val="accent1"/>
+          </a:effectRef>
+          <a:fontRef idx="minor">
+            <a:schemeClr val="lt1"/>
+          </a:fontRef>
+        </p:style>
+        <p:txBody>
+          <a:bodyPr rtlCol="0" anchor="ctr"/>
+          <a:lstStyle/>
+          <a:p>
+            <a:pPr algn="ctr"/>
+            <a:r>
+              <a:rPr lang="en-US" dirty="0"/>
+              <a:t>design</a:t>
+            </a:r>
+          </a:p>
+        </p:txBody>
+      </p:sp>
+      <p:sp>
+        <p:nvSpPr>
+          <p:cNvPr id="8" name="Rectangle 7">
+            <a:extLst>
+              <a:ext uri="{FF2B5EF4-FFF2-40B4-BE49-F238E27FC236}">
+                <a16:creationId xmlns:a16="http://schemas.microsoft.com/office/drawing/2014/main" id="{779E4C93-F9AD-8601-95A4-D2F42525B701}"/>
+              </a:ext>
+            </a:extLst>
+          </p:cNvPr>
+          <p:cNvSpPr/>
+          <p:nvPr/>
+        </p:nvSpPr>
+        <p:spPr>
+          <a:xfrm>
+            <a:off x="3968986" y="4086994"/>
+            <a:ext cx="2873829" cy="637817"/>
+          </a:xfrm>
+          <a:prstGeom prst="rect">
+            <a:avLst/>
+          </a:prstGeom>
+          <a:solidFill>
+            <a:schemeClr val="accent2"/>
+          </a:solidFill>
+        </p:spPr>
+        <p:style>
+          <a:lnRef idx="2">
+            <a:schemeClr val="accent1">
+              <a:shade val="50000"/>
+            </a:schemeClr>
+          </a:lnRef>
+          <a:fillRef idx="1">
+            <a:schemeClr val="accent1"/>
+          </a:fillRef>
+          <a:effectRef idx="0">
+            <a:schemeClr val="accent1"/>
+          </a:effectRef>
+          <a:fontRef idx="minor">
+            <a:schemeClr val="lt1"/>
+          </a:fontRef>
+        </p:style>
+        <p:txBody>
+          <a:bodyPr rtlCol="0" anchor="ctr"/>
+          <a:lstStyle/>
+          <a:p>
+            <a:pPr algn="ctr"/>
+            <a:r>
+              <a:rPr lang="en-US" dirty="0" err="1"/>
+              <a:t>test_program</a:t>
+            </a:r>
+            <a:endParaRPr lang="en-US" dirty="0"/>
+          </a:p>
+        </p:txBody>
+      </p:sp>
+      <p:cxnSp>
+        <p:nvCxnSpPr>
+          <p:cNvPr id="9" name="Straight Arrow Connector 8">
+            <a:extLst>
+              <a:ext uri="{FF2B5EF4-FFF2-40B4-BE49-F238E27FC236}">
+                <a16:creationId xmlns:a16="http://schemas.microsoft.com/office/drawing/2014/main" id="{EA338D19-8686-67B7-E30D-D1BA267343BC}"/>
+              </a:ext>
+            </a:extLst>
+          </p:cNvPr>
+          <p:cNvCxnSpPr>
+            <a:cxnSpLocks/>
+          </p:cNvCxnSpPr>
+          <p:nvPr/>
+        </p:nvCxnSpPr>
+        <p:spPr>
+          <a:xfrm>
+            <a:off x="6629081" y="1660859"/>
+            <a:ext cx="861056" cy="0"/>
+          </a:xfrm>
+          <a:prstGeom prst="straightConnector1">
+            <a:avLst/>
+          </a:prstGeom>
+          <a:ln w="19050">
+            <a:tailEnd type="triangle"/>
+          </a:ln>
+        </p:spPr>
+        <p:style>
+          <a:lnRef idx="1">
+            <a:schemeClr val="accent6"/>
+          </a:lnRef>
+          <a:fillRef idx="0">
+            <a:schemeClr val="accent6"/>
+          </a:fillRef>
+          <a:effectRef idx="0">
+            <a:schemeClr val="accent6"/>
+          </a:effectRef>
+          <a:fontRef idx="minor">
+            <a:schemeClr val="tx1"/>
+          </a:fontRef>
+        </p:style>
+      </p:cxnSp>
+      <p:cxnSp>
+        <p:nvCxnSpPr>
+          <p:cNvPr id="10" name="Straight Arrow Connector 9">
+            <a:extLst>
+              <a:ext uri="{FF2B5EF4-FFF2-40B4-BE49-F238E27FC236}">
+                <a16:creationId xmlns:a16="http://schemas.microsoft.com/office/drawing/2014/main" id="{244E8A05-74BE-5F40-0352-DC1642D3A123}"/>
+              </a:ext>
+            </a:extLst>
+          </p:cNvPr>
+          <p:cNvCxnSpPr>
+            <a:cxnSpLocks/>
+          </p:cNvCxnSpPr>
+          <p:nvPr/>
+        </p:nvCxnSpPr>
+        <p:spPr>
+          <a:xfrm flipH="1">
+            <a:off x="6708887" y="3429000"/>
+            <a:ext cx="781250" cy="0"/>
+          </a:xfrm>
+          <a:prstGeom prst="straightConnector1">
+            <a:avLst/>
+          </a:prstGeom>
+          <a:ln w="19050">
+            <a:tailEnd type="triangle"/>
+          </a:ln>
+        </p:spPr>
+        <p:style>
+          <a:lnRef idx="1">
+            <a:schemeClr val="accent6"/>
+          </a:lnRef>
+          <a:fillRef idx="0">
+            <a:schemeClr val="accent6"/>
+          </a:fillRef>
+          <a:effectRef idx="0">
+            <a:schemeClr val="accent6"/>
+          </a:effectRef>
+          <a:fontRef idx="minor">
+            <a:schemeClr val="tx1"/>
+          </a:fontRef>
+        </p:style>
+      </p:cxnSp>
+      <p:cxnSp>
+        <p:nvCxnSpPr>
+          <p:cNvPr id="11" name="Straight Arrow Connector 10">
+            <a:extLst>
+              <a:ext uri="{FF2B5EF4-FFF2-40B4-BE49-F238E27FC236}">
+                <a16:creationId xmlns:a16="http://schemas.microsoft.com/office/drawing/2014/main" id="{DC737003-E3BB-1F05-6A23-7BD8C6B63D01}"/>
+              </a:ext>
+            </a:extLst>
+          </p:cNvPr>
+          <p:cNvCxnSpPr>
+            <a:cxnSpLocks/>
+          </p:cNvCxnSpPr>
+          <p:nvPr/>
+        </p:nvCxnSpPr>
+        <p:spPr>
+          <a:xfrm flipH="1">
+            <a:off x="6708887" y="4503821"/>
+            <a:ext cx="781250" cy="0"/>
+          </a:xfrm>
+          <a:prstGeom prst="straightConnector1">
+            <a:avLst/>
+          </a:prstGeom>
+          <a:ln w="19050">
+            <a:tailEnd type="triangle"/>
+          </a:ln>
+        </p:spPr>
+        <p:style>
+          <a:lnRef idx="1">
+            <a:schemeClr val="accent6"/>
+          </a:lnRef>
+          <a:fillRef idx="0">
+            <a:schemeClr val="accent6"/>
+          </a:fillRef>
+          <a:effectRef idx="0">
+            <a:schemeClr val="accent6"/>
+          </a:effectRef>
+          <a:fontRef idx="minor">
+            <a:schemeClr val="tx1"/>
+          </a:fontRef>
+        </p:style>
+      </p:cxnSp>
+      <p:cxnSp>
+        <p:nvCxnSpPr>
+          <p:cNvPr id="12" name="Straight Arrow Connector 11">
+            <a:extLst>
+              <a:ext uri="{FF2B5EF4-FFF2-40B4-BE49-F238E27FC236}">
+                <a16:creationId xmlns:a16="http://schemas.microsoft.com/office/drawing/2014/main" id="{4D8971D2-5837-9C65-CFFE-950463C1F108}"/>
+              </a:ext>
+            </a:extLst>
+          </p:cNvPr>
+          <p:cNvCxnSpPr>
+            <a:cxnSpLocks/>
+          </p:cNvCxnSpPr>
+          <p:nvPr/>
+        </p:nvCxnSpPr>
+        <p:spPr>
+          <a:xfrm flipH="1" flipV="1">
+            <a:off x="4329583" y="3437432"/>
+            <a:ext cx="14750" cy="862014"/>
+          </a:xfrm>
+          <a:prstGeom prst="straightConnector1">
+            <a:avLst/>
+          </a:prstGeom>
+          <a:ln w="19050">
+            <a:solidFill>
+              <a:srgbClr val="C00000"/>
+            </a:solidFill>
+            <a:tailEnd type="triangle"/>
+          </a:ln>
+        </p:spPr>
+        <p:style>
+          <a:lnRef idx="1">
+            <a:schemeClr val="accent6"/>
+          </a:lnRef>
+          <a:fillRef idx="0">
+            <a:schemeClr val="accent6"/>
+          </a:fillRef>
+          <a:effectRef idx="0">
+            <a:schemeClr val="accent6"/>
+          </a:effectRef>
+          <a:fontRef idx="minor">
+            <a:schemeClr val="tx1"/>
+          </a:fontRef>
+        </p:style>
+      </p:cxnSp>
+      <p:cxnSp>
+        <p:nvCxnSpPr>
+          <p:cNvPr id="13" name="Straight Arrow Connector 12">
+            <a:extLst>
+              <a:ext uri="{FF2B5EF4-FFF2-40B4-BE49-F238E27FC236}">
+                <a16:creationId xmlns:a16="http://schemas.microsoft.com/office/drawing/2014/main" id="{21450A2E-06CF-86F0-226C-983450058BD5}"/>
+              </a:ext>
+            </a:extLst>
+          </p:cNvPr>
+          <p:cNvCxnSpPr>
+            <a:cxnSpLocks/>
+          </p:cNvCxnSpPr>
+          <p:nvPr/>
+        </p:nvCxnSpPr>
+        <p:spPr>
+          <a:xfrm>
+            <a:off x="6272463" y="3437432"/>
+            <a:ext cx="0" cy="862014"/>
+          </a:xfrm>
+          <a:prstGeom prst="straightConnector1">
+            <a:avLst/>
+          </a:prstGeom>
+          <a:ln w="19050">
+            <a:solidFill>
+              <a:srgbClr val="C00000"/>
+            </a:solidFill>
+            <a:tailEnd type="triangle"/>
+          </a:ln>
+        </p:spPr>
+        <p:style>
+          <a:lnRef idx="1">
+            <a:schemeClr val="accent6"/>
+          </a:lnRef>
+          <a:fillRef idx="0">
+            <a:schemeClr val="accent6"/>
+          </a:fillRef>
+          <a:effectRef idx="0">
+            <a:schemeClr val="accent6"/>
+          </a:effectRef>
+          <a:fontRef idx="minor">
+            <a:schemeClr val="tx1"/>
+          </a:fontRef>
+        </p:style>
+      </p:cxnSp>
       <p:pic>
         <p:nvPicPr>
-          <p:cNvPr id="6" name="Picture 5">
-            <a:extLst>
-              <a:ext uri="{FF2B5EF4-FFF2-40B4-BE49-F238E27FC236}">
-                <a16:creationId xmlns:a16="http://schemas.microsoft.com/office/drawing/2014/main" id="{88B5BDED-AFB5-3520-45EC-D18EC75A5FF3}"/>
-              </a:ext>
-            </a:extLst>
-          </p:cNvPr>
-          <p:cNvPicPr>
-            <a:picLocks noChangeAspect="1"/>
-          </p:cNvPicPr>
-          <p:nvPr/>
-        </p:nvPicPr>
-        <p:blipFill rotWithShape="1">
-          <a:blip r:embed="rId2"/>
-          <a:srcRect b="23183"/>
-          <a:stretch/>
-        </p:blipFill>
-        <p:spPr>
-          <a:xfrm>
-            <a:off x="2408423" y="4258181"/>
-            <a:ext cx="6525536" cy="1646509"/>
-          </a:xfrm>
-          <a:prstGeom prst="rect">
-            <a:avLst/>
-          </a:prstGeom>
-        </p:spPr>
-      </p:pic>
-      <p:pic>
-        <p:nvPicPr>
-          <p:cNvPr id="8" name="Picture 7">
-            <a:extLst>
-              <a:ext uri="{FF2B5EF4-FFF2-40B4-BE49-F238E27FC236}">
-                <a16:creationId xmlns:a16="http://schemas.microsoft.com/office/drawing/2014/main" id="{71605D0B-3902-B141-D2FE-92220EB6CA63}"/>
+          <p:cNvPr id="18" name="Picture 17">
+            <a:extLst>
+              <a:ext uri="{FF2B5EF4-FFF2-40B4-BE49-F238E27FC236}">
+                <a16:creationId xmlns:a16="http://schemas.microsoft.com/office/drawing/2014/main" id="{492A402F-4E66-814B-6D67-6368D699DA8E}"/>
               </a:ext>
             </a:extLst>
           </p:cNvPr>
@@ -6236,15 +8252,15 @@
           <p:nvPr/>
         </p:nvPicPr>
         <p:blipFill>
-          <a:blip r:embed="rId3"/>
+          <a:blip r:embed="rId2"/>
           <a:stretch>
             <a:fillRect/>
           </a:stretch>
         </p:blipFill>
         <p:spPr>
           <a:xfrm>
-            <a:off x="2408422" y="2831178"/>
-            <a:ext cx="4974655" cy="1215527"/>
+            <a:off x="8782834" y="1064029"/>
+            <a:ext cx="2398731" cy="1426272"/>
           </a:xfrm>
           <a:prstGeom prst="rect">
             <a:avLst/>
@@ -6254,7 +8270,7 @@
     </p:spTree>
     <p:extLst>
       <p:ext uri="{BB962C8B-B14F-4D97-AF65-F5344CB8AC3E}">
-        <p14:creationId xmlns:p14="http://schemas.microsoft.com/office/powerpoint/2010/main" val="325488205"/>
+        <p14:creationId xmlns:p14="http://schemas.microsoft.com/office/powerpoint/2010/main" val="3022158455"/>
       </p:ext>
     </p:extLst>
   </p:cSld>
@@ -6286,7 +8302,7 @@
           <p:cNvPr id="2" name="Title 1">
             <a:extLst>
               <a:ext uri="{FF2B5EF4-FFF2-40B4-BE49-F238E27FC236}">
-                <a16:creationId xmlns:a16="http://schemas.microsoft.com/office/drawing/2014/main" id="{56F1B890-DD2D-46F9-A853-3CB5A42A15D2}"/>
+                <a16:creationId xmlns:a16="http://schemas.microsoft.com/office/drawing/2014/main" id="{0AEB7B77-FA10-C46A-0CC0-5C6DA2DB31EB}"/>
               </a:ext>
             </a:extLst>
           </p:cNvPr>
@@ -6297,14 +8313,19 @@
             <p:ph type="title"/>
           </p:nvPr>
         </p:nvSpPr>
-        <p:spPr/>
+        <p:spPr>
+          <a:xfrm>
+            <a:off x="324196" y="160394"/>
+            <a:ext cx="11029604" cy="599151"/>
+          </a:xfrm>
+        </p:spPr>
         <p:txBody>
           <a:bodyPr/>
           <a:lstStyle/>
           <a:p>
             <a:r>
               <a:rPr lang="en-US" dirty="0"/>
-              <a:t>Outline</a:t>
+              <a:t>lab12</a:t>
             </a:r>
           </a:p>
         </p:txBody>
@@ -6314,7 +8335,7 @@
           <p:cNvPr id="3" name="Content Placeholder 2">
             <a:extLst>
               <a:ext uri="{FF2B5EF4-FFF2-40B4-BE49-F238E27FC236}">
-                <a16:creationId xmlns:a16="http://schemas.microsoft.com/office/drawing/2014/main" id="{5D7B872D-07E4-4A80-BC19-1A6B48431473}"/>
+                <a16:creationId xmlns:a16="http://schemas.microsoft.com/office/drawing/2014/main" id="{810C7513-AE8B-94AD-262A-53C837DD6E09}"/>
               </a:ext>
             </a:extLst>
           </p:cNvPr>
@@ -6327,15 +8348,24 @@
         </p:nvSpPr>
         <p:spPr>
           <a:xfrm>
-            <a:off x="590204" y="1064030"/>
-            <a:ext cx="5128425" cy="835074"/>
+            <a:off x="9062431" y="799639"/>
+            <a:ext cx="2842788" cy="711866"/>
           </a:xfrm>
         </p:spPr>
         <p:txBody>
           <a:bodyPr/>
           <a:lstStyle/>
           <a:p>
-            <a:endParaRPr lang="en-US" dirty="0"/>
+            <a:r>
+              <a:rPr lang="en-US" dirty="0"/>
+              <a:t>red = unsigned addition</a:t>
+            </a:r>
+          </a:p>
+          <a:p>
+            <a:r>
+              <a:rPr lang="en-US" dirty="0"/>
+              <a:t>green = signed addition</a:t>
+            </a:r>
           </a:p>
         </p:txBody>
       </p:sp>
@@ -6344,7 +8374,7 @@
           <p:cNvPr id="4" name="Slide Number Placeholder 3">
             <a:extLst>
               <a:ext uri="{FF2B5EF4-FFF2-40B4-BE49-F238E27FC236}">
-                <a16:creationId xmlns:a16="http://schemas.microsoft.com/office/drawing/2014/main" id="{1C064AFB-6D18-45A5-9C2B-BF2195C97986}"/>
+                <a16:creationId xmlns:a16="http://schemas.microsoft.com/office/drawing/2014/main" id="{8CC1F037-F447-3414-DCE0-2DA083E5302F}"/>
               </a:ext>
             </a:extLst>
           </p:cNvPr>
@@ -6368,598 +8398,100 @@
           </a:p>
         </p:txBody>
       </p:sp>
-      <p:sp>
-        <p:nvSpPr>
-          <p:cNvPr id="5" name="Rectangle 4">
-            <a:extLst>
-              <a:ext uri="{FF2B5EF4-FFF2-40B4-BE49-F238E27FC236}">
-                <a16:creationId xmlns:a16="http://schemas.microsoft.com/office/drawing/2014/main" id="{28B468AC-63A7-3DC7-8A63-703CA2DB7BF9}"/>
-              </a:ext>
-            </a:extLst>
-          </p:cNvPr>
-          <p:cNvSpPr/>
+      <p:pic>
+        <p:nvPicPr>
+          <p:cNvPr id="8" name="Picture 7">
+            <a:extLst>
+              <a:ext uri="{FF2B5EF4-FFF2-40B4-BE49-F238E27FC236}">
+                <a16:creationId xmlns:a16="http://schemas.microsoft.com/office/drawing/2014/main" id="{7E1721ED-D02A-9594-878F-0508E8297F22}"/>
+              </a:ext>
+            </a:extLst>
+          </p:cNvPr>
+          <p:cNvPicPr>
+            <a:picLocks noChangeAspect="1"/>
+          </p:cNvPicPr>
           <p:nvPr/>
-        </p:nvSpPr>
+        </p:nvPicPr>
+        <p:blipFill>
+          <a:blip r:embed="rId2"/>
+          <a:stretch>
+            <a:fillRect/>
+          </a:stretch>
+        </p:blipFill>
         <p:spPr>
           <a:xfrm>
-            <a:off x="3120570" y="775081"/>
-            <a:ext cx="2873829" cy="1124024"/>
+            <a:off x="1808655" y="1511504"/>
+            <a:ext cx="10227356" cy="5346496"/>
           </a:xfrm>
           <a:prstGeom prst="rect">
             <a:avLst/>
           </a:prstGeom>
         </p:spPr>
-        <p:style>
-          <a:lnRef idx="2">
-            <a:schemeClr val="accent1">
-              <a:shade val="50000"/>
-            </a:schemeClr>
-          </a:lnRef>
-          <a:fillRef idx="1">
-            <a:schemeClr val="accent1"/>
-          </a:fillRef>
-          <a:effectRef idx="0">
-            <a:schemeClr val="accent1"/>
-          </a:effectRef>
-          <a:fontRef idx="minor">
-            <a:schemeClr val="lt1"/>
-          </a:fontRef>
-        </p:style>
-        <p:txBody>
-          <a:bodyPr rtlCol="0" anchor="ctr"/>
-          <a:lstStyle/>
-          <a:p>
-            <a:pPr algn="ctr"/>
-            <a:r>
-              <a:rPr lang="en-US" dirty="0"/>
-              <a:t>garage</a:t>
-            </a:r>
-          </a:p>
-        </p:txBody>
-      </p:sp>
-      <p:sp>
-        <p:nvSpPr>
-          <p:cNvPr id="6" name="Rectangle 5">
-            <a:extLst>
-              <a:ext uri="{FF2B5EF4-FFF2-40B4-BE49-F238E27FC236}">
-                <a16:creationId xmlns:a16="http://schemas.microsoft.com/office/drawing/2014/main" id="{B5695EE2-999B-3D68-F2B4-A70003D2C6AB}"/>
-              </a:ext>
-            </a:extLst>
-          </p:cNvPr>
-          <p:cNvSpPr/>
+      </p:pic>
+      <p:pic>
+        <p:nvPicPr>
+          <p:cNvPr id="6" name="Picture 5">
+            <a:extLst>
+              <a:ext uri="{FF2B5EF4-FFF2-40B4-BE49-F238E27FC236}">
+                <a16:creationId xmlns:a16="http://schemas.microsoft.com/office/drawing/2014/main" id="{5A55FC3A-FE61-0247-5376-A97328B92045}"/>
+              </a:ext>
+            </a:extLst>
+          </p:cNvPr>
+          <p:cNvPicPr>
+            <a:picLocks noChangeAspect="1"/>
+          </p:cNvPicPr>
           <p:nvPr/>
-        </p:nvSpPr>
+        </p:nvPicPr>
+        <p:blipFill>
+          <a:blip r:embed="rId3"/>
+          <a:stretch>
+            <a:fillRect/>
+          </a:stretch>
+        </p:blipFill>
         <p:spPr>
           <a:xfrm>
-            <a:off x="1103086" y="2560584"/>
-            <a:ext cx="2873829" cy="1358273"/>
+            <a:off x="6590851" y="751717"/>
+            <a:ext cx="1762376" cy="1440317"/>
           </a:xfrm>
           <a:prstGeom prst="rect">
             <a:avLst/>
           </a:prstGeom>
         </p:spPr>
-        <p:style>
-          <a:lnRef idx="2">
-            <a:schemeClr val="accent1">
-              <a:shade val="50000"/>
-            </a:schemeClr>
-          </a:lnRef>
-          <a:fillRef idx="1">
-            <a:schemeClr val="accent1"/>
-          </a:fillRef>
-          <a:effectRef idx="0">
-            <a:schemeClr val="accent1"/>
-          </a:effectRef>
-          <a:fontRef idx="minor">
-            <a:schemeClr val="lt1"/>
-          </a:fontRef>
-        </p:style>
-        <p:txBody>
-          <a:bodyPr rtlCol="0" anchor="ctr"/>
-          <a:lstStyle/>
-          <a:p>
-            <a:pPr algn="ctr"/>
-            <a:r>
-              <a:rPr lang="en-US" dirty="0"/>
-              <a:t>m1</a:t>
-            </a:r>
-          </a:p>
-        </p:txBody>
-      </p:sp>
-      <p:sp>
-        <p:nvSpPr>
-          <p:cNvPr id="7" name="Rectangle 6">
-            <a:extLst>
-              <a:ext uri="{FF2B5EF4-FFF2-40B4-BE49-F238E27FC236}">
-                <a16:creationId xmlns:a16="http://schemas.microsoft.com/office/drawing/2014/main" id="{6CF7EE87-8AA9-E7BD-2AB5-C866FE179818}"/>
-              </a:ext>
-            </a:extLst>
-          </p:cNvPr>
-          <p:cNvSpPr/>
+      </p:pic>
+      <p:pic>
+        <p:nvPicPr>
+          <p:cNvPr id="10" name="Picture 9">
+            <a:extLst>
+              <a:ext uri="{FF2B5EF4-FFF2-40B4-BE49-F238E27FC236}">
+                <a16:creationId xmlns:a16="http://schemas.microsoft.com/office/drawing/2014/main" id="{D20F0CA7-9786-5797-2C77-553C00C20154}"/>
+              </a:ext>
+            </a:extLst>
+          </p:cNvPr>
+          <p:cNvPicPr>
+            <a:picLocks noChangeAspect="1"/>
+          </p:cNvPicPr>
           <p:nvPr/>
-        </p:nvSpPr>
+        </p:nvPicPr>
+        <p:blipFill>
+          <a:blip r:embed="rId4"/>
+          <a:stretch>
+            <a:fillRect/>
+          </a:stretch>
+        </p:blipFill>
         <p:spPr>
           <a:xfrm>
-            <a:off x="4402083" y="2560584"/>
-            <a:ext cx="2873829" cy="1358273"/>
+            <a:off x="8353227" y="272028"/>
+            <a:ext cx="3198916" cy="487517"/>
           </a:xfrm>
           <a:prstGeom prst="rect">
             <a:avLst/>
           </a:prstGeom>
         </p:spPr>
-        <p:style>
-          <a:lnRef idx="2">
-            <a:schemeClr val="accent1">
-              <a:shade val="50000"/>
-            </a:schemeClr>
-          </a:lnRef>
-          <a:fillRef idx="1">
-            <a:schemeClr val="accent1"/>
-          </a:fillRef>
-          <a:effectRef idx="0">
-            <a:schemeClr val="accent1"/>
-          </a:effectRef>
-          <a:fontRef idx="minor">
-            <a:schemeClr val="lt1"/>
-          </a:fontRef>
-        </p:style>
-        <p:txBody>
-          <a:bodyPr rtlCol="0" anchor="ctr"/>
-          <a:lstStyle/>
-          <a:p>
-            <a:pPr algn="ctr"/>
-            <a:r>
-              <a:rPr lang="en-US" dirty="0"/>
-              <a:t>m2</a:t>
-            </a:r>
-          </a:p>
-        </p:txBody>
-      </p:sp>
-      <p:sp>
-        <p:nvSpPr>
-          <p:cNvPr id="8" name="Rectangle 7">
-            <a:extLst>
-              <a:ext uri="{FF2B5EF4-FFF2-40B4-BE49-F238E27FC236}">
-                <a16:creationId xmlns:a16="http://schemas.microsoft.com/office/drawing/2014/main" id="{C2F0E697-6C67-435E-0144-E8430EA8E6CB}"/>
-              </a:ext>
-            </a:extLst>
-          </p:cNvPr>
-          <p:cNvSpPr/>
-          <p:nvPr/>
-        </p:nvSpPr>
-        <p:spPr>
-          <a:xfrm>
-            <a:off x="7701080" y="2528274"/>
-            <a:ext cx="2873829" cy="1358273"/>
-          </a:xfrm>
-          <a:prstGeom prst="rect">
-            <a:avLst/>
-          </a:prstGeom>
-        </p:spPr>
-        <p:style>
-          <a:lnRef idx="2">
-            <a:schemeClr val="accent1">
-              <a:shade val="50000"/>
-            </a:schemeClr>
-          </a:lnRef>
-          <a:fillRef idx="1">
-            <a:schemeClr val="accent1"/>
-          </a:fillRef>
-          <a:effectRef idx="0">
-            <a:schemeClr val="accent1"/>
-          </a:effectRef>
-          <a:fontRef idx="minor">
-            <a:schemeClr val="lt1"/>
-          </a:fontRef>
-        </p:style>
-        <p:txBody>
-          <a:bodyPr rtlCol="0" anchor="ctr"/>
-          <a:lstStyle/>
-          <a:p>
-            <a:pPr algn="ctr"/>
-            <a:r>
-              <a:rPr lang="en-US" dirty="0"/>
-              <a:t>c1</a:t>
-            </a:r>
-          </a:p>
-        </p:txBody>
-      </p:sp>
-      <p:sp>
-        <p:nvSpPr>
-          <p:cNvPr id="9" name="Rectangle 8">
-            <a:extLst>
-              <a:ext uri="{FF2B5EF4-FFF2-40B4-BE49-F238E27FC236}">
-                <a16:creationId xmlns:a16="http://schemas.microsoft.com/office/drawing/2014/main" id="{4F3BD971-257F-5085-2D74-E6DDCDFFBD6B}"/>
-              </a:ext>
-            </a:extLst>
-          </p:cNvPr>
-          <p:cNvSpPr/>
-          <p:nvPr/>
-        </p:nvSpPr>
-        <p:spPr>
-          <a:xfrm>
-            <a:off x="1045029" y="4998077"/>
-            <a:ext cx="1117600" cy="1358273"/>
-          </a:xfrm>
-          <a:prstGeom prst="rect">
-            <a:avLst/>
-          </a:prstGeom>
-        </p:spPr>
-        <p:style>
-          <a:lnRef idx="2">
-            <a:schemeClr val="accent1">
-              <a:shade val="50000"/>
-            </a:schemeClr>
-          </a:lnRef>
-          <a:fillRef idx="1">
-            <a:schemeClr val="accent1"/>
-          </a:fillRef>
-          <a:effectRef idx="0">
-            <a:schemeClr val="accent1"/>
-          </a:effectRef>
-          <a:fontRef idx="minor">
-            <a:schemeClr val="lt1"/>
-          </a:fontRef>
-        </p:style>
-        <p:txBody>
-          <a:bodyPr rtlCol="0" anchor="ctr"/>
-          <a:lstStyle/>
-          <a:p>
-            <a:pPr algn="ctr"/>
-            <a:r>
-              <a:rPr lang="en-US" dirty="0"/>
-              <a:t>u1</a:t>
-            </a:r>
-          </a:p>
-        </p:txBody>
-      </p:sp>
-      <p:sp>
-        <p:nvSpPr>
-          <p:cNvPr id="10" name="Rectangle 9">
-            <a:extLst>
-              <a:ext uri="{FF2B5EF4-FFF2-40B4-BE49-F238E27FC236}">
-                <a16:creationId xmlns:a16="http://schemas.microsoft.com/office/drawing/2014/main" id="{E63C5361-0E3D-BBD5-6EED-9C84A52C16C5}"/>
-              </a:ext>
-            </a:extLst>
-          </p:cNvPr>
-          <p:cNvSpPr/>
-          <p:nvPr/>
-        </p:nvSpPr>
-        <p:spPr>
-          <a:xfrm>
-            <a:off x="2641599" y="4998077"/>
-            <a:ext cx="957943" cy="1358273"/>
-          </a:xfrm>
-          <a:prstGeom prst="rect">
-            <a:avLst/>
-          </a:prstGeom>
-        </p:spPr>
-        <p:style>
-          <a:lnRef idx="2">
-            <a:schemeClr val="accent1">
-              <a:shade val="50000"/>
-            </a:schemeClr>
-          </a:lnRef>
-          <a:fillRef idx="1">
-            <a:schemeClr val="accent1"/>
-          </a:fillRef>
-          <a:effectRef idx="0">
-            <a:schemeClr val="accent1"/>
-          </a:effectRef>
-          <a:fontRef idx="minor">
-            <a:schemeClr val="lt1"/>
-          </a:fontRef>
-        </p:style>
-        <p:txBody>
-          <a:bodyPr rtlCol="0" anchor="ctr"/>
-          <a:lstStyle/>
-          <a:p>
-            <a:pPr algn="ctr"/>
-            <a:r>
-              <a:rPr lang="en-US" dirty="0"/>
-              <a:t>u2</a:t>
-            </a:r>
-          </a:p>
-        </p:txBody>
-      </p:sp>
-      <p:sp>
-        <p:nvSpPr>
-          <p:cNvPr id="11" name="Rectangle 10">
-            <a:extLst>
-              <a:ext uri="{FF2B5EF4-FFF2-40B4-BE49-F238E27FC236}">
-                <a16:creationId xmlns:a16="http://schemas.microsoft.com/office/drawing/2014/main" id="{FBBADF70-834E-4B1D-4D48-863CFB71765B}"/>
-              </a:ext>
-            </a:extLst>
-          </p:cNvPr>
-          <p:cNvSpPr/>
-          <p:nvPr/>
-        </p:nvSpPr>
-        <p:spPr>
-          <a:xfrm>
-            <a:off x="4601029" y="4998077"/>
-            <a:ext cx="1117600" cy="1358273"/>
-          </a:xfrm>
-          <a:prstGeom prst="rect">
-            <a:avLst/>
-          </a:prstGeom>
-        </p:spPr>
-        <p:style>
-          <a:lnRef idx="2">
-            <a:schemeClr val="accent1">
-              <a:shade val="50000"/>
-            </a:schemeClr>
-          </a:lnRef>
-          <a:fillRef idx="1">
-            <a:schemeClr val="accent1"/>
-          </a:fillRef>
-          <a:effectRef idx="0">
-            <a:schemeClr val="accent1"/>
-          </a:effectRef>
-          <a:fontRef idx="minor">
-            <a:schemeClr val="lt1"/>
-          </a:fontRef>
-        </p:style>
-        <p:txBody>
-          <a:bodyPr rtlCol="0" anchor="ctr"/>
-          <a:lstStyle/>
-          <a:p>
-            <a:pPr algn="ctr"/>
-            <a:r>
-              <a:rPr lang="en-US" dirty="0"/>
-              <a:t>u1</a:t>
-            </a:r>
-          </a:p>
-        </p:txBody>
-      </p:sp>
-      <p:sp>
-        <p:nvSpPr>
-          <p:cNvPr id="12" name="Rectangle 11">
-            <a:extLst>
-              <a:ext uri="{FF2B5EF4-FFF2-40B4-BE49-F238E27FC236}">
-                <a16:creationId xmlns:a16="http://schemas.microsoft.com/office/drawing/2014/main" id="{229156AC-CE57-8CDD-8247-D503C215B35C}"/>
-              </a:ext>
-            </a:extLst>
-          </p:cNvPr>
-          <p:cNvSpPr/>
-          <p:nvPr/>
-        </p:nvSpPr>
-        <p:spPr>
-          <a:xfrm>
-            <a:off x="6197599" y="4998077"/>
-            <a:ext cx="957943" cy="1358273"/>
-          </a:xfrm>
-          <a:prstGeom prst="rect">
-            <a:avLst/>
-          </a:prstGeom>
-        </p:spPr>
-        <p:style>
-          <a:lnRef idx="2">
-            <a:schemeClr val="accent1">
-              <a:shade val="50000"/>
-            </a:schemeClr>
-          </a:lnRef>
-          <a:fillRef idx="1">
-            <a:schemeClr val="accent1"/>
-          </a:fillRef>
-          <a:effectRef idx="0">
-            <a:schemeClr val="accent1"/>
-          </a:effectRef>
-          <a:fontRef idx="minor">
-            <a:schemeClr val="lt1"/>
-          </a:fontRef>
-        </p:style>
-        <p:txBody>
-          <a:bodyPr rtlCol="0" anchor="ctr"/>
-          <a:lstStyle/>
-          <a:p>
-            <a:pPr algn="ctr"/>
-            <a:r>
-              <a:rPr lang="en-US" dirty="0"/>
-              <a:t>u2</a:t>
-            </a:r>
-          </a:p>
-        </p:txBody>
-      </p:sp>
-      <p:sp>
-        <p:nvSpPr>
-          <p:cNvPr id="13" name="Rectangle 12">
-            <a:extLst>
-              <a:ext uri="{FF2B5EF4-FFF2-40B4-BE49-F238E27FC236}">
-                <a16:creationId xmlns:a16="http://schemas.microsoft.com/office/drawing/2014/main" id="{A6B3B7FE-18C2-F8FC-66DF-6778F7C8D06C}"/>
-              </a:ext>
-            </a:extLst>
-          </p:cNvPr>
-          <p:cNvSpPr/>
-          <p:nvPr/>
-        </p:nvSpPr>
-        <p:spPr>
-          <a:xfrm>
-            <a:off x="8014611" y="4998077"/>
-            <a:ext cx="787399" cy="1358273"/>
-          </a:xfrm>
-          <a:prstGeom prst="rect">
-            <a:avLst/>
-          </a:prstGeom>
-        </p:spPr>
-        <p:style>
-          <a:lnRef idx="2">
-            <a:schemeClr val="accent1">
-              <a:shade val="50000"/>
-            </a:schemeClr>
-          </a:lnRef>
-          <a:fillRef idx="1">
-            <a:schemeClr val="accent1"/>
-          </a:fillRef>
-          <a:effectRef idx="0">
-            <a:schemeClr val="accent1"/>
-          </a:effectRef>
-          <a:fontRef idx="minor">
-            <a:schemeClr val="lt1"/>
-          </a:fontRef>
-        </p:style>
-        <p:txBody>
-          <a:bodyPr rtlCol="0" anchor="ctr"/>
-          <a:lstStyle/>
-          <a:p>
-            <a:pPr algn="ctr"/>
-            <a:r>
-              <a:rPr lang="en-US" dirty="0"/>
-              <a:t>inst1</a:t>
-            </a:r>
-          </a:p>
-        </p:txBody>
-      </p:sp>
-      <p:sp>
-        <p:nvSpPr>
-          <p:cNvPr id="14" name="Rectangle 13">
-            <a:extLst>
-              <a:ext uri="{FF2B5EF4-FFF2-40B4-BE49-F238E27FC236}">
-                <a16:creationId xmlns:a16="http://schemas.microsoft.com/office/drawing/2014/main" id="{A250B198-5BA7-D5B6-F1A9-324E111F2E82}"/>
-              </a:ext>
-            </a:extLst>
-          </p:cNvPr>
-          <p:cNvSpPr/>
-          <p:nvPr/>
-        </p:nvSpPr>
-        <p:spPr>
-          <a:xfrm>
-            <a:off x="9004299" y="4998077"/>
-            <a:ext cx="787399" cy="1358273"/>
-          </a:xfrm>
-          <a:prstGeom prst="rect">
-            <a:avLst/>
-          </a:prstGeom>
-        </p:spPr>
-        <p:style>
-          <a:lnRef idx="2">
-            <a:schemeClr val="accent1">
-              <a:shade val="50000"/>
-            </a:schemeClr>
-          </a:lnRef>
-          <a:fillRef idx="1">
-            <a:schemeClr val="accent1"/>
-          </a:fillRef>
-          <a:effectRef idx="0">
-            <a:schemeClr val="accent1"/>
-          </a:effectRef>
-          <a:fontRef idx="minor">
-            <a:schemeClr val="lt1"/>
-          </a:fontRef>
-        </p:style>
-        <p:txBody>
-          <a:bodyPr rtlCol="0" anchor="ctr"/>
-          <a:lstStyle/>
-          <a:p>
-            <a:pPr algn="ctr"/>
-            <a:r>
-              <a:rPr lang="en-US" dirty="0"/>
-              <a:t>inst2</a:t>
-            </a:r>
-          </a:p>
-        </p:txBody>
-      </p:sp>
-      <p:sp>
-        <p:nvSpPr>
-          <p:cNvPr id="15" name="Rectangle 14">
-            <a:extLst>
-              <a:ext uri="{FF2B5EF4-FFF2-40B4-BE49-F238E27FC236}">
-                <a16:creationId xmlns:a16="http://schemas.microsoft.com/office/drawing/2014/main" id="{B5CFC22A-97DA-F258-CA82-872CB3AFE96A}"/>
-              </a:ext>
-            </a:extLst>
-          </p:cNvPr>
-          <p:cNvSpPr/>
-          <p:nvPr/>
-        </p:nvSpPr>
-        <p:spPr>
-          <a:xfrm>
-            <a:off x="9942288" y="4998077"/>
-            <a:ext cx="787399" cy="1358273"/>
-          </a:xfrm>
-          <a:prstGeom prst="rect">
-            <a:avLst/>
-          </a:prstGeom>
-        </p:spPr>
-        <p:style>
-          <a:lnRef idx="2">
-            <a:schemeClr val="accent1">
-              <a:shade val="50000"/>
-            </a:schemeClr>
-          </a:lnRef>
-          <a:fillRef idx="1">
-            <a:schemeClr val="accent1"/>
-          </a:fillRef>
-          <a:effectRef idx="0">
-            <a:schemeClr val="accent1"/>
-          </a:effectRef>
-          <a:fontRef idx="minor">
-            <a:schemeClr val="lt1"/>
-          </a:fontRef>
-        </p:style>
-        <p:txBody>
-          <a:bodyPr rtlCol="0" anchor="ctr"/>
-          <a:lstStyle/>
-          <a:p>
-            <a:pPr algn="ctr"/>
-            <a:r>
-              <a:rPr lang="en-US" dirty="0"/>
-              <a:t>inst3</a:t>
-            </a:r>
-          </a:p>
-        </p:txBody>
-      </p:sp>
-      <p:sp>
-        <p:nvSpPr>
-          <p:cNvPr id="16" name="Rectangle 15">
-            <a:extLst>
-              <a:ext uri="{FF2B5EF4-FFF2-40B4-BE49-F238E27FC236}">
-                <a16:creationId xmlns:a16="http://schemas.microsoft.com/office/drawing/2014/main" id="{0B1C4FEB-0F8A-DF34-06D5-22CC12EC2C1A}"/>
-              </a:ext>
-            </a:extLst>
-          </p:cNvPr>
-          <p:cNvSpPr/>
-          <p:nvPr/>
-        </p:nvSpPr>
-        <p:spPr>
-          <a:xfrm>
-            <a:off x="10960100" y="4998077"/>
-            <a:ext cx="787399" cy="1358273"/>
-          </a:xfrm>
-          <a:prstGeom prst="rect">
-            <a:avLst/>
-          </a:prstGeom>
-        </p:spPr>
-        <p:style>
-          <a:lnRef idx="2">
-            <a:schemeClr val="accent1">
-              <a:shade val="50000"/>
-            </a:schemeClr>
-          </a:lnRef>
-          <a:fillRef idx="1">
-            <a:schemeClr val="accent1"/>
-          </a:fillRef>
-          <a:effectRef idx="0">
-            <a:schemeClr val="accent1"/>
-          </a:effectRef>
-          <a:fontRef idx="minor">
-            <a:schemeClr val="lt1"/>
-          </a:fontRef>
-        </p:style>
-        <p:txBody>
-          <a:bodyPr rtlCol="0" anchor="ctr"/>
-          <a:lstStyle/>
-          <a:p>
-            <a:pPr algn="ctr"/>
-            <a:r>
-              <a:rPr lang="en-US" dirty="0"/>
-              <a:t>inst4</a:t>
-            </a:r>
-          </a:p>
-        </p:txBody>
-      </p:sp>
+      </p:pic>
     </p:spTree>
     <p:extLst>
       <p:ext uri="{BB962C8B-B14F-4D97-AF65-F5344CB8AC3E}">
-        <p14:creationId xmlns:p14="http://schemas.microsoft.com/office/powerpoint/2010/main" val="3837870676"/>
+        <p14:creationId xmlns:p14="http://schemas.microsoft.com/office/powerpoint/2010/main" val="1790081145"/>
       </p:ext>
     </p:extLst>
   </p:cSld>

--- a/note.pptx
+++ b/note.pptx
@@ -5,21 +5,22 @@
     <p:sldMasterId id="2147483648" r:id="rId1"/>
   </p:sldMasterIdLst>
   <p:notesMasterIdLst>
-    <p:notesMasterId r:id="rId14"/>
+    <p:notesMasterId r:id="rId15"/>
   </p:notesMasterIdLst>
   <p:sldIdLst>
     <p:sldId id="6942" r:id="rId2"/>
-    <p:sldId id="6945" r:id="rId3"/>
-    <p:sldId id="6936" r:id="rId4"/>
-    <p:sldId id="6943" r:id="rId5"/>
-    <p:sldId id="6941" r:id="rId6"/>
-    <p:sldId id="6944" r:id="rId7"/>
-    <p:sldId id="6939" r:id="rId8"/>
-    <p:sldId id="6938" r:id="rId9"/>
-    <p:sldId id="6937" r:id="rId10"/>
-    <p:sldId id="6935" r:id="rId11"/>
-    <p:sldId id="6934" r:id="rId12"/>
-    <p:sldId id="264" r:id="rId13"/>
+    <p:sldId id="6936" r:id="rId3"/>
+    <p:sldId id="6943" r:id="rId4"/>
+    <p:sldId id="6941" r:id="rId5"/>
+    <p:sldId id="6944" r:id="rId6"/>
+    <p:sldId id="6945" r:id="rId7"/>
+    <p:sldId id="6946" r:id="rId8"/>
+    <p:sldId id="6939" r:id="rId9"/>
+    <p:sldId id="6938" r:id="rId10"/>
+    <p:sldId id="6937" r:id="rId11"/>
+    <p:sldId id="6935" r:id="rId12"/>
+    <p:sldId id="6934" r:id="rId13"/>
+    <p:sldId id="264" r:id="rId14"/>
   </p:sldIdLst>
   <p:sldSz cx="12192000" cy="6858000"/>
   <p:notesSz cx="6858000" cy="9144000"/>
@@ -129,7 +130,7 @@
 <file path=ppt/revisionInfo.xml><?xml version="1.0" encoding="utf-8"?>
 <p1510:revInfo xmlns:a="http://schemas.openxmlformats.org/drawingml/2006/main" xmlns:r="http://schemas.openxmlformats.org/officeDocument/2006/relationships" xmlns:p1510="http://schemas.microsoft.com/office/powerpoint/2015/10/main">
   <p1510:revLst>
-    <p1510:client id="{AB0BFEC8-14E9-4C61-B10E-456F41DF402E}" v="33" dt="2024-03-01T03:26:21.763"/>
+    <p1510:client id="{AB0BFEC8-14E9-4C61-B10E-456F41DF402E}" v="43" dt="2024-03-07T13:49:02.273"/>
   </p1510:revLst>
 </p1510:revInfo>
 </file>
@@ -671,7 +672,7 @@
   <pc:docChgLst>
     <pc:chgData name="Billy Lin" userId="05f35405-298c-473c-91f2-352ef9a130c9" providerId="ADAL" clId="{AB0BFEC8-14E9-4C61-B10E-456F41DF402E}"/>
     <pc:docChg chg="undo custSel addSld delSld modSld sldOrd">
-      <pc:chgData name="Billy Lin" userId="05f35405-298c-473c-91f2-352ef9a130c9" providerId="ADAL" clId="{AB0BFEC8-14E9-4C61-B10E-456F41DF402E}" dt="2024-03-01T03:26:21.762" v="394"/>
+      <pc:chgData name="Billy Lin" userId="05f35405-298c-473c-91f2-352ef9a130c9" providerId="ADAL" clId="{AB0BFEC8-14E9-4C61-B10E-456F41DF402E}" dt="2024-03-07T13:49:09.291" v="516" actId="1076"/>
       <pc:docMkLst>
         <pc:docMk/>
       </pc:docMkLst>
@@ -1250,12 +1251,115 @@
           </ac:picMkLst>
         </pc:picChg>
       </pc:sldChg>
-      <pc:sldChg chg="add">
-        <pc:chgData name="Billy Lin" userId="05f35405-298c-473c-91f2-352ef9a130c9" providerId="ADAL" clId="{AB0BFEC8-14E9-4C61-B10E-456F41DF402E}" dt="2024-03-01T03:26:21.762" v="394"/>
+      <pc:sldChg chg="addSp delSp modSp add mod ord">
+        <pc:chgData name="Billy Lin" userId="05f35405-298c-473c-91f2-352ef9a130c9" providerId="ADAL" clId="{AB0BFEC8-14E9-4C61-B10E-456F41DF402E}" dt="2024-03-07T13:25:33.878" v="493" actId="1076"/>
         <pc:sldMkLst>
           <pc:docMk/>
           <pc:sldMk cId="3282851643" sldId="6945"/>
         </pc:sldMkLst>
+        <pc:spChg chg="mod">
+          <ac:chgData name="Billy Lin" userId="05f35405-298c-473c-91f2-352ef9a130c9" providerId="ADAL" clId="{AB0BFEC8-14E9-4C61-B10E-456F41DF402E}" dt="2024-03-07T13:24:11.780" v="402" actId="20577"/>
+          <ac:spMkLst>
+            <pc:docMk/>
+            <pc:sldMk cId="3282851643" sldId="6945"/>
+            <ac:spMk id="2" creationId="{E6E7246E-6DDB-2F98-52B0-04AB5D144996}"/>
+          </ac:spMkLst>
+        </pc:spChg>
+        <pc:spChg chg="add mod">
+          <ac:chgData name="Billy Lin" userId="05f35405-298c-473c-91f2-352ef9a130c9" providerId="ADAL" clId="{AB0BFEC8-14E9-4C61-B10E-456F41DF402E}" dt="2024-03-07T13:24:17.315" v="410" actId="20577"/>
+          <ac:spMkLst>
+            <pc:docMk/>
+            <pc:sldMk cId="3282851643" sldId="6945"/>
+            <ac:spMk id="5" creationId="{7A8BC8B4-90D1-672C-C963-B3FC6CE72CE9}"/>
+          </ac:spMkLst>
+        </pc:spChg>
+        <pc:spChg chg="add mod">
+          <ac:chgData name="Billy Lin" userId="05f35405-298c-473c-91f2-352ef9a130c9" providerId="ADAL" clId="{AB0BFEC8-14E9-4C61-B10E-456F41DF402E}" dt="2024-03-07T13:25:21.811" v="479" actId="14100"/>
+          <ac:spMkLst>
+            <pc:docMk/>
+            <pc:sldMk cId="3282851643" sldId="6945"/>
+            <ac:spMk id="6" creationId="{C8755909-7107-A81F-9E71-A64A0AECAE9D}"/>
+          </ac:spMkLst>
+        </pc:spChg>
+        <pc:spChg chg="add del mod">
+          <ac:chgData name="Billy Lin" userId="05f35405-298c-473c-91f2-352ef9a130c9" providerId="ADAL" clId="{AB0BFEC8-14E9-4C61-B10E-456F41DF402E}" dt="2024-03-07T13:24:30.284" v="421" actId="478"/>
+          <ac:spMkLst>
+            <pc:docMk/>
+            <pc:sldMk cId="3282851643" sldId="6945"/>
+            <ac:spMk id="7" creationId="{C64BEA39-FA51-7883-60BA-C060CE985EEE}"/>
+          </ac:spMkLst>
+        </pc:spChg>
+        <pc:spChg chg="add mod">
+          <ac:chgData name="Billy Lin" userId="05f35405-298c-473c-91f2-352ef9a130c9" providerId="ADAL" clId="{AB0BFEC8-14E9-4C61-B10E-456F41DF402E}" dt="2024-03-07T13:25:12.726" v="478" actId="27636"/>
+          <ac:spMkLst>
+            <pc:docMk/>
+            <pc:sldMk cId="3282851643" sldId="6945"/>
+            <ac:spMk id="10" creationId="{28F2D1D1-BE81-AE0A-EB48-4334E208CA3C}"/>
+          </ac:spMkLst>
+        </pc:spChg>
+        <pc:spChg chg="add mod">
+          <ac:chgData name="Billy Lin" userId="05f35405-298c-473c-91f2-352ef9a130c9" providerId="ADAL" clId="{AB0BFEC8-14E9-4C61-B10E-456F41DF402E}" dt="2024-03-07T13:25:27.810" v="491" actId="20577"/>
+          <ac:spMkLst>
+            <pc:docMk/>
+            <pc:sldMk cId="3282851643" sldId="6945"/>
+            <ac:spMk id="11" creationId="{C367B434-14FD-822E-FF59-0088E09D1BBC}"/>
+          </ac:spMkLst>
+        </pc:spChg>
+        <pc:cxnChg chg="add mod">
+          <ac:chgData name="Billy Lin" userId="05f35405-298c-473c-91f2-352ef9a130c9" providerId="ADAL" clId="{AB0BFEC8-14E9-4C61-B10E-456F41DF402E}" dt="2024-03-07T13:24:37.284" v="425" actId="1076"/>
+          <ac:cxnSpMkLst>
+            <pc:docMk/>
+            <pc:sldMk cId="3282851643" sldId="6945"/>
+            <ac:cxnSpMk id="8" creationId="{C5B70E01-A18F-070E-85D9-6AB8CD9224F9}"/>
+          </ac:cxnSpMkLst>
+        </pc:cxnChg>
+        <pc:cxnChg chg="add mod">
+          <ac:chgData name="Billy Lin" userId="05f35405-298c-473c-91f2-352ef9a130c9" providerId="ADAL" clId="{AB0BFEC8-14E9-4C61-B10E-456F41DF402E}" dt="2024-03-07T13:25:33.878" v="493" actId="1076"/>
+          <ac:cxnSpMkLst>
+            <pc:docMk/>
+            <pc:sldMk cId="3282851643" sldId="6945"/>
+            <ac:cxnSpMk id="12" creationId="{C44171CA-F278-841B-3EA9-73B642359E42}"/>
+          </ac:cxnSpMkLst>
+        </pc:cxnChg>
+      </pc:sldChg>
+      <pc:sldChg chg="addSp modSp new mod">
+        <pc:chgData name="Billy Lin" userId="05f35405-298c-473c-91f2-352ef9a130c9" providerId="ADAL" clId="{AB0BFEC8-14E9-4C61-B10E-456F41DF402E}" dt="2024-03-07T13:49:09.291" v="516" actId="1076"/>
+        <pc:sldMkLst>
+          <pc:docMk/>
+          <pc:sldMk cId="3878401024" sldId="6946"/>
+        </pc:sldMkLst>
+        <pc:spChg chg="mod">
+          <ac:chgData name="Billy Lin" userId="05f35405-298c-473c-91f2-352ef9a130c9" providerId="ADAL" clId="{AB0BFEC8-14E9-4C61-B10E-456F41DF402E}" dt="2024-03-07T13:48:25.258" v="499" actId="20577"/>
+          <ac:spMkLst>
+            <pc:docMk/>
+            <pc:sldMk cId="3878401024" sldId="6946"/>
+            <ac:spMk id="2" creationId="{73D23E56-2C2B-BFB5-0308-AF09DD1B0B6B}"/>
+          </ac:spMkLst>
+        </pc:spChg>
+        <pc:spChg chg="add mod">
+          <ac:chgData name="Billy Lin" userId="05f35405-298c-473c-91f2-352ef9a130c9" providerId="ADAL" clId="{AB0BFEC8-14E9-4C61-B10E-456F41DF402E}" dt="2024-03-07T13:48:32.779" v="506" actId="20577"/>
+          <ac:spMkLst>
+            <pc:docMk/>
+            <pc:sldMk cId="3878401024" sldId="6946"/>
+            <ac:spMk id="5" creationId="{A0C37854-5741-B17F-49C0-014563D0D4E0}"/>
+          </ac:spMkLst>
+        </pc:spChg>
+        <pc:spChg chg="add mod">
+          <ac:chgData name="Billy Lin" userId="05f35405-298c-473c-91f2-352ef9a130c9" providerId="ADAL" clId="{AB0BFEC8-14E9-4C61-B10E-456F41DF402E}" dt="2024-03-07T13:49:06.546" v="514" actId="1076"/>
+          <ac:spMkLst>
+            <pc:docMk/>
+            <pc:sldMk cId="3878401024" sldId="6946"/>
+            <ac:spMk id="6" creationId="{491B9DA3-B60C-67D1-B7B5-83EF9630BACD}"/>
+          </ac:spMkLst>
+        </pc:spChg>
+        <pc:spChg chg="add mod">
+          <ac:chgData name="Billy Lin" userId="05f35405-298c-473c-91f2-352ef9a130c9" providerId="ADAL" clId="{AB0BFEC8-14E9-4C61-B10E-456F41DF402E}" dt="2024-03-07T13:49:09.291" v="516" actId="1076"/>
+          <ac:spMkLst>
+            <pc:docMk/>
+            <pc:sldMk cId="3878401024" sldId="6946"/>
+            <ac:spMk id="7" creationId="{461C591A-42CD-7A14-F811-B1144809831E}"/>
+          </ac:spMkLst>
+        </pc:spChg>
       </pc:sldChg>
     </pc:docChg>
   </pc:docChgLst>
@@ -1420,7 +1524,7 @@
           <a:p>
             <a:fld id="{2EDDABC3-F3ED-4DD9-983D-F09E8FCF6133}" type="datetimeFigureOut">
               <a:rPr lang="en-US" smtClean="0"/>
-              <a:t>3/1/2024</a:t>
+              <a:t>3/7/2024</a:t>
             </a:fld>
             <a:endParaRPr lang="en-US"/>
           </a:p>
@@ -1812,7 +1916,7 @@
           <a:p>
             <a:fld id="{F59B6F3A-935B-44D1-A66F-61470C6D8F51}" type="datetime1">
               <a:rPr lang="en-US" smtClean="0"/>
-              <a:t>3/1/2024</a:t>
+              <a:t>3/7/2024</a:t>
             </a:fld>
             <a:endParaRPr lang="en-US"/>
           </a:p>
@@ -2056,7 +2160,7 @@
           <a:p>
             <a:fld id="{C63B82BC-FCA2-460F-A60C-8FE94D119F09}" type="datetime1">
               <a:rPr lang="en-US" smtClean="0"/>
-              <a:t>3/1/2024</a:t>
+              <a:t>3/7/2024</a:t>
             </a:fld>
             <a:endParaRPr lang="en-US"/>
           </a:p>
@@ -2581,10 +2685,82 @@
       </p:grpSpPr>
       <p:sp>
         <p:nvSpPr>
+          <p:cNvPr id="2" name="Title 1">
+            <a:extLst>
+              <a:ext uri="{FF2B5EF4-FFF2-40B4-BE49-F238E27FC236}">
+                <a16:creationId xmlns:a16="http://schemas.microsoft.com/office/drawing/2014/main" id="{0AEB7B77-FA10-C46A-0CC0-5C6DA2DB31EB}"/>
+              </a:ext>
+            </a:extLst>
+          </p:cNvPr>
+          <p:cNvSpPr>
+            <a:spLocks noGrp="1"/>
+          </p:cNvSpPr>
+          <p:nvPr>
+            <p:ph type="title"/>
+          </p:nvPr>
+        </p:nvSpPr>
+        <p:spPr>
+          <a:xfrm>
+            <a:off x="324196" y="160394"/>
+            <a:ext cx="11029604" cy="599151"/>
+          </a:xfrm>
+        </p:spPr>
+        <p:txBody>
+          <a:bodyPr/>
+          <a:lstStyle/>
+          <a:p>
+            <a:r>
+              <a:rPr lang="en-US" dirty="0"/>
+              <a:t>lab12</a:t>
+            </a:r>
+          </a:p>
+        </p:txBody>
+      </p:sp>
+      <p:sp>
+        <p:nvSpPr>
+          <p:cNvPr id="3" name="Content Placeholder 2">
+            <a:extLst>
+              <a:ext uri="{FF2B5EF4-FFF2-40B4-BE49-F238E27FC236}">
+                <a16:creationId xmlns:a16="http://schemas.microsoft.com/office/drawing/2014/main" id="{810C7513-AE8B-94AD-262A-53C837DD6E09}"/>
+              </a:ext>
+            </a:extLst>
+          </p:cNvPr>
+          <p:cNvSpPr>
+            <a:spLocks noGrp="1"/>
+          </p:cNvSpPr>
+          <p:nvPr>
+            <p:ph idx="1"/>
+          </p:nvPr>
+        </p:nvSpPr>
+        <p:spPr>
+          <a:xfrm>
+            <a:off x="9062431" y="799639"/>
+            <a:ext cx="2842788" cy="711866"/>
+          </a:xfrm>
+        </p:spPr>
+        <p:txBody>
+          <a:bodyPr/>
+          <a:lstStyle/>
+          <a:p>
+            <a:r>
+              <a:rPr lang="en-US" dirty="0"/>
+              <a:t>red = unsigned addition</a:t>
+            </a:r>
+          </a:p>
+          <a:p>
+            <a:r>
+              <a:rPr lang="en-US" dirty="0"/>
+              <a:t>green = signed addition</a:t>
+            </a:r>
+          </a:p>
+        </p:txBody>
+      </p:sp>
+      <p:sp>
+        <p:nvSpPr>
           <p:cNvPr id="4" name="Slide Number Placeholder 3">
             <a:extLst>
               <a:ext uri="{FF2B5EF4-FFF2-40B4-BE49-F238E27FC236}">
-                <a16:creationId xmlns:a16="http://schemas.microsoft.com/office/drawing/2014/main" id="{E2DF548D-AE6E-101F-FEEE-0F3BD243E28E}"/>
+                <a16:creationId xmlns:a16="http://schemas.microsoft.com/office/drawing/2014/main" id="{8CC1F037-F447-3414-DCE0-2DA083E5302F}"/>
               </a:ext>
             </a:extLst>
           </p:cNvPr>
@@ -2610,10 +2786,10 @@
       </p:sp>
       <p:pic>
         <p:nvPicPr>
-          <p:cNvPr id="6" name="Picture 5">
-            <a:extLst>
-              <a:ext uri="{FF2B5EF4-FFF2-40B4-BE49-F238E27FC236}">
-                <a16:creationId xmlns:a16="http://schemas.microsoft.com/office/drawing/2014/main" id="{88B5BDED-AFB5-3520-45EC-D18EC75A5FF3}"/>
+          <p:cNvPr id="8" name="Picture 7">
+            <a:extLst>
+              <a:ext uri="{FF2B5EF4-FFF2-40B4-BE49-F238E27FC236}">
+                <a16:creationId xmlns:a16="http://schemas.microsoft.com/office/drawing/2014/main" id="{7E1721ED-D02A-9594-878F-0508E8297F22}"/>
               </a:ext>
             </a:extLst>
           </p:cNvPr>
@@ -2622,15 +2798,16 @@
           </p:cNvPicPr>
           <p:nvPr/>
         </p:nvPicPr>
-        <p:blipFill rotWithShape="1">
+        <p:blipFill>
           <a:blip r:embed="rId2"/>
-          <a:srcRect b="23183"/>
-          <a:stretch/>
+          <a:stretch>
+            <a:fillRect/>
+          </a:stretch>
         </p:blipFill>
         <p:spPr>
           <a:xfrm>
-            <a:off x="2408423" y="4258181"/>
-            <a:ext cx="6525536" cy="1646509"/>
+            <a:off x="1808655" y="1511504"/>
+            <a:ext cx="10227356" cy="5346496"/>
           </a:xfrm>
           <a:prstGeom prst="rect">
             <a:avLst/>
@@ -2639,10 +2816,10 @@
       </p:pic>
       <p:pic>
         <p:nvPicPr>
-          <p:cNvPr id="8" name="Picture 7">
-            <a:extLst>
-              <a:ext uri="{FF2B5EF4-FFF2-40B4-BE49-F238E27FC236}">
-                <a16:creationId xmlns:a16="http://schemas.microsoft.com/office/drawing/2014/main" id="{71605D0B-3902-B141-D2FE-92220EB6CA63}"/>
+          <p:cNvPr id="6" name="Picture 5">
+            <a:extLst>
+              <a:ext uri="{FF2B5EF4-FFF2-40B4-BE49-F238E27FC236}">
+                <a16:creationId xmlns:a16="http://schemas.microsoft.com/office/drawing/2014/main" id="{5A55FC3A-FE61-0247-5376-A97328B92045}"/>
               </a:ext>
             </a:extLst>
           </p:cNvPr>
@@ -2659,8 +2836,38 @@
         </p:blipFill>
         <p:spPr>
           <a:xfrm>
-            <a:off x="2408422" y="2831178"/>
-            <a:ext cx="4974655" cy="1215527"/>
+            <a:off x="6590851" y="751717"/>
+            <a:ext cx="1762376" cy="1440317"/>
+          </a:xfrm>
+          <a:prstGeom prst="rect">
+            <a:avLst/>
+          </a:prstGeom>
+        </p:spPr>
+      </p:pic>
+      <p:pic>
+        <p:nvPicPr>
+          <p:cNvPr id="10" name="Picture 9">
+            <a:extLst>
+              <a:ext uri="{FF2B5EF4-FFF2-40B4-BE49-F238E27FC236}">
+                <a16:creationId xmlns:a16="http://schemas.microsoft.com/office/drawing/2014/main" id="{D20F0CA7-9786-5797-2C77-553C00C20154}"/>
+              </a:ext>
+            </a:extLst>
+          </p:cNvPr>
+          <p:cNvPicPr>
+            <a:picLocks noChangeAspect="1"/>
+          </p:cNvPicPr>
+          <p:nvPr/>
+        </p:nvPicPr>
+        <p:blipFill>
+          <a:blip r:embed="rId4"/>
+          <a:stretch>
+            <a:fillRect/>
+          </a:stretch>
+        </p:blipFill>
+        <p:spPr>
+          <a:xfrm>
+            <a:off x="8353227" y="272028"/>
+            <a:ext cx="3198916" cy="487517"/>
           </a:xfrm>
           <a:prstGeom prst="rect">
             <a:avLst/>
@@ -2670,7 +2877,7 @@
     </p:spTree>
     <p:extLst>
       <p:ext uri="{BB962C8B-B14F-4D97-AF65-F5344CB8AC3E}">
-        <p14:creationId xmlns:p14="http://schemas.microsoft.com/office/powerpoint/2010/main" val="325488205"/>
+        <p14:creationId xmlns:p14="http://schemas.microsoft.com/office/powerpoint/2010/main" val="1790081145"/>
       </p:ext>
     </p:extLst>
   </p:cSld>
@@ -2699,68 +2906,10 @@
       </p:grpSpPr>
       <p:sp>
         <p:nvSpPr>
-          <p:cNvPr id="2" name="Title 1">
-            <a:extLst>
-              <a:ext uri="{FF2B5EF4-FFF2-40B4-BE49-F238E27FC236}">
-                <a16:creationId xmlns:a16="http://schemas.microsoft.com/office/drawing/2014/main" id="{56F1B890-DD2D-46F9-A853-3CB5A42A15D2}"/>
-              </a:ext>
-            </a:extLst>
-          </p:cNvPr>
-          <p:cNvSpPr>
-            <a:spLocks noGrp="1"/>
-          </p:cNvSpPr>
-          <p:nvPr>
-            <p:ph type="title"/>
-          </p:nvPr>
-        </p:nvSpPr>
-        <p:spPr/>
-        <p:txBody>
-          <a:bodyPr/>
-          <a:lstStyle/>
-          <a:p>
-            <a:r>
-              <a:rPr lang="en-US" dirty="0"/>
-              <a:t>Outline</a:t>
-            </a:r>
-          </a:p>
-        </p:txBody>
-      </p:sp>
-      <p:sp>
-        <p:nvSpPr>
-          <p:cNvPr id="3" name="Content Placeholder 2">
-            <a:extLst>
-              <a:ext uri="{FF2B5EF4-FFF2-40B4-BE49-F238E27FC236}">
-                <a16:creationId xmlns:a16="http://schemas.microsoft.com/office/drawing/2014/main" id="{5D7B872D-07E4-4A80-BC19-1A6B48431473}"/>
-              </a:ext>
-            </a:extLst>
-          </p:cNvPr>
-          <p:cNvSpPr>
-            <a:spLocks noGrp="1"/>
-          </p:cNvSpPr>
-          <p:nvPr>
-            <p:ph idx="1"/>
-          </p:nvPr>
-        </p:nvSpPr>
-        <p:spPr>
-          <a:xfrm>
-            <a:off x="590204" y="1064030"/>
-            <a:ext cx="5128425" cy="835074"/>
-          </a:xfrm>
-        </p:spPr>
-        <p:txBody>
-          <a:bodyPr/>
-          <a:lstStyle/>
-          <a:p>
-            <a:endParaRPr lang="en-US" dirty="0"/>
-          </a:p>
-        </p:txBody>
-      </p:sp>
-      <p:sp>
-        <p:nvSpPr>
           <p:cNvPr id="4" name="Slide Number Placeholder 3">
             <a:extLst>
               <a:ext uri="{FF2B5EF4-FFF2-40B4-BE49-F238E27FC236}">
-                <a16:creationId xmlns:a16="http://schemas.microsoft.com/office/drawing/2014/main" id="{1C064AFB-6D18-45A5-9C2B-BF2195C97986}"/>
+                <a16:creationId xmlns:a16="http://schemas.microsoft.com/office/drawing/2014/main" id="{E2DF548D-AE6E-101F-FEEE-0F3BD243E28E}"/>
               </a:ext>
             </a:extLst>
           </p:cNvPr>
@@ -2784,598 +2933,69 @@
           </a:p>
         </p:txBody>
       </p:sp>
-      <p:sp>
-        <p:nvSpPr>
-          <p:cNvPr id="5" name="Rectangle 4">
-            <a:extLst>
-              <a:ext uri="{FF2B5EF4-FFF2-40B4-BE49-F238E27FC236}">
-                <a16:creationId xmlns:a16="http://schemas.microsoft.com/office/drawing/2014/main" id="{28B468AC-63A7-3DC7-8A63-703CA2DB7BF9}"/>
-              </a:ext>
-            </a:extLst>
-          </p:cNvPr>
-          <p:cNvSpPr/>
+      <p:pic>
+        <p:nvPicPr>
+          <p:cNvPr id="6" name="Picture 5">
+            <a:extLst>
+              <a:ext uri="{FF2B5EF4-FFF2-40B4-BE49-F238E27FC236}">
+                <a16:creationId xmlns:a16="http://schemas.microsoft.com/office/drawing/2014/main" id="{88B5BDED-AFB5-3520-45EC-D18EC75A5FF3}"/>
+              </a:ext>
+            </a:extLst>
+          </p:cNvPr>
+          <p:cNvPicPr>
+            <a:picLocks noChangeAspect="1"/>
+          </p:cNvPicPr>
           <p:nvPr/>
-        </p:nvSpPr>
+        </p:nvPicPr>
+        <p:blipFill rotWithShape="1">
+          <a:blip r:embed="rId2"/>
+          <a:srcRect b="23183"/>
+          <a:stretch/>
+        </p:blipFill>
         <p:spPr>
           <a:xfrm>
-            <a:off x="3120570" y="775081"/>
-            <a:ext cx="2873829" cy="1124024"/>
+            <a:off x="2408423" y="4258181"/>
+            <a:ext cx="6525536" cy="1646509"/>
           </a:xfrm>
           <a:prstGeom prst="rect">
             <a:avLst/>
           </a:prstGeom>
         </p:spPr>
-        <p:style>
-          <a:lnRef idx="2">
-            <a:schemeClr val="accent1">
-              <a:shade val="50000"/>
-            </a:schemeClr>
-          </a:lnRef>
-          <a:fillRef idx="1">
-            <a:schemeClr val="accent1"/>
-          </a:fillRef>
-          <a:effectRef idx="0">
-            <a:schemeClr val="accent1"/>
-          </a:effectRef>
-          <a:fontRef idx="minor">
-            <a:schemeClr val="lt1"/>
-          </a:fontRef>
-        </p:style>
-        <p:txBody>
-          <a:bodyPr rtlCol="0" anchor="ctr"/>
-          <a:lstStyle/>
-          <a:p>
-            <a:pPr algn="ctr"/>
-            <a:r>
-              <a:rPr lang="en-US" dirty="0"/>
-              <a:t>garage</a:t>
-            </a:r>
-          </a:p>
-        </p:txBody>
-      </p:sp>
-      <p:sp>
-        <p:nvSpPr>
-          <p:cNvPr id="6" name="Rectangle 5">
-            <a:extLst>
-              <a:ext uri="{FF2B5EF4-FFF2-40B4-BE49-F238E27FC236}">
-                <a16:creationId xmlns:a16="http://schemas.microsoft.com/office/drawing/2014/main" id="{B5695EE2-999B-3D68-F2B4-A70003D2C6AB}"/>
-              </a:ext>
-            </a:extLst>
-          </p:cNvPr>
-          <p:cNvSpPr/>
+      </p:pic>
+      <p:pic>
+        <p:nvPicPr>
+          <p:cNvPr id="8" name="Picture 7">
+            <a:extLst>
+              <a:ext uri="{FF2B5EF4-FFF2-40B4-BE49-F238E27FC236}">
+                <a16:creationId xmlns:a16="http://schemas.microsoft.com/office/drawing/2014/main" id="{71605D0B-3902-B141-D2FE-92220EB6CA63}"/>
+              </a:ext>
+            </a:extLst>
+          </p:cNvPr>
+          <p:cNvPicPr>
+            <a:picLocks noChangeAspect="1"/>
+          </p:cNvPicPr>
           <p:nvPr/>
-        </p:nvSpPr>
+        </p:nvPicPr>
+        <p:blipFill>
+          <a:blip r:embed="rId3"/>
+          <a:stretch>
+            <a:fillRect/>
+          </a:stretch>
+        </p:blipFill>
         <p:spPr>
           <a:xfrm>
-            <a:off x="1103086" y="2560584"/>
-            <a:ext cx="2873829" cy="1358273"/>
+            <a:off x="2408422" y="2831178"/>
+            <a:ext cx="4974655" cy="1215527"/>
           </a:xfrm>
           <a:prstGeom prst="rect">
             <a:avLst/>
           </a:prstGeom>
         </p:spPr>
-        <p:style>
-          <a:lnRef idx="2">
-            <a:schemeClr val="accent1">
-              <a:shade val="50000"/>
-            </a:schemeClr>
-          </a:lnRef>
-          <a:fillRef idx="1">
-            <a:schemeClr val="accent1"/>
-          </a:fillRef>
-          <a:effectRef idx="0">
-            <a:schemeClr val="accent1"/>
-          </a:effectRef>
-          <a:fontRef idx="minor">
-            <a:schemeClr val="lt1"/>
-          </a:fontRef>
-        </p:style>
-        <p:txBody>
-          <a:bodyPr rtlCol="0" anchor="ctr"/>
-          <a:lstStyle/>
-          <a:p>
-            <a:pPr algn="ctr"/>
-            <a:r>
-              <a:rPr lang="en-US" dirty="0"/>
-              <a:t>m1</a:t>
-            </a:r>
-          </a:p>
-        </p:txBody>
-      </p:sp>
-      <p:sp>
-        <p:nvSpPr>
-          <p:cNvPr id="7" name="Rectangle 6">
-            <a:extLst>
-              <a:ext uri="{FF2B5EF4-FFF2-40B4-BE49-F238E27FC236}">
-                <a16:creationId xmlns:a16="http://schemas.microsoft.com/office/drawing/2014/main" id="{6CF7EE87-8AA9-E7BD-2AB5-C866FE179818}"/>
-              </a:ext>
-            </a:extLst>
-          </p:cNvPr>
-          <p:cNvSpPr/>
-          <p:nvPr/>
-        </p:nvSpPr>
-        <p:spPr>
-          <a:xfrm>
-            <a:off x="4402083" y="2560584"/>
-            <a:ext cx="2873829" cy="1358273"/>
-          </a:xfrm>
-          <a:prstGeom prst="rect">
-            <a:avLst/>
-          </a:prstGeom>
-        </p:spPr>
-        <p:style>
-          <a:lnRef idx="2">
-            <a:schemeClr val="accent1">
-              <a:shade val="50000"/>
-            </a:schemeClr>
-          </a:lnRef>
-          <a:fillRef idx="1">
-            <a:schemeClr val="accent1"/>
-          </a:fillRef>
-          <a:effectRef idx="0">
-            <a:schemeClr val="accent1"/>
-          </a:effectRef>
-          <a:fontRef idx="minor">
-            <a:schemeClr val="lt1"/>
-          </a:fontRef>
-        </p:style>
-        <p:txBody>
-          <a:bodyPr rtlCol="0" anchor="ctr"/>
-          <a:lstStyle/>
-          <a:p>
-            <a:pPr algn="ctr"/>
-            <a:r>
-              <a:rPr lang="en-US" dirty="0"/>
-              <a:t>m2</a:t>
-            </a:r>
-          </a:p>
-        </p:txBody>
-      </p:sp>
-      <p:sp>
-        <p:nvSpPr>
-          <p:cNvPr id="8" name="Rectangle 7">
-            <a:extLst>
-              <a:ext uri="{FF2B5EF4-FFF2-40B4-BE49-F238E27FC236}">
-                <a16:creationId xmlns:a16="http://schemas.microsoft.com/office/drawing/2014/main" id="{C2F0E697-6C67-435E-0144-E8430EA8E6CB}"/>
-              </a:ext>
-            </a:extLst>
-          </p:cNvPr>
-          <p:cNvSpPr/>
-          <p:nvPr/>
-        </p:nvSpPr>
-        <p:spPr>
-          <a:xfrm>
-            <a:off x="7701080" y="2528274"/>
-            <a:ext cx="2873829" cy="1358273"/>
-          </a:xfrm>
-          <a:prstGeom prst="rect">
-            <a:avLst/>
-          </a:prstGeom>
-        </p:spPr>
-        <p:style>
-          <a:lnRef idx="2">
-            <a:schemeClr val="accent1">
-              <a:shade val="50000"/>
-            </a:schemeClr>
-          </a:lnRef>
-          <a:fillRef idx="1">
-            <a:schemeClr val="accent1"/>
-          </a:fillRef>
-          <a:effectRef idx="0">
-            <a:schemeClr val="accent1"/>
-          </a:effectRef>
-          <a:fontRef idx="minor">
-            <a:schemeClr val="lt1"/>
-          </a:fontRef>
-        </p:style>
-        <p:txBody>
-          <a:bodyPr rtlCol="0" anchor="ctr"/>
-          <a:lstStyle/>
-          <a:p>
-            <a:pPr algn="ctr"/>
-            <a:r>
-              <a:rPr lang="en-US" dirty="0"/>
-              <a:t>c1</a:t>
-            </a:r>
-          </a:p>
-        </p:txBody>
-      </p:sp>
-      <p:sp>
-        <p:nvSpPr>
-          <p:cNvPr id="9" name="Rectangle 8">
-            <a:extLst>
-              <a:ext uri="{FF2B5EF4-FFF2-40B4-BE49-F238E27FC236}">
-                <a16:creationId xmlns:a16="http://schemas.microsoft.com/office/drawing/2014/main" id="{4F3BD971-257F-5085-2D74-E6DDCDFFBD6B}"/>
-              </a:ext>
-            </a:extLst>
-          </p:cNvPr>
-          <p:cNvSpPr/>
-          <p:nvPr/>
-        </p:nvSpPr>
-        <p:spPr>
-          <a:xfrm>
-            <a:off x="1045029" y="4998077"/>
-            <a:ext cx="1117600" cy="1358273"/>
-          </a:xfrm>
-          <a:prstGeom prst="rect">
-            <a:avLst/>
-          </a:prstGeom>
-        </p:spPr>
-        <p:style>
-          <a:lnRef idx="2">
-            <a:schemeClr val="accent1">
-              <a:shade val="50000"/>
-            </a:schemeClr>
-          </a:lnRef>
-          <a:fillRef idx="1">
-            <a:schemeClr val="accent1"/>
-          </a:fillRef>
-          <a:effectRef idx="0">
-            <a:schemeClr val="accent1"/>
-          </a:effectRef>
-          <a:fontRef idx="minor">
-            <a:schemeClr val="lt1"/>
-          </a:fontRef>
-        </p:style>
-        <p:txBody>
-          <a:bodyPr rtlCol="0" anchor="ctr"/>
-          <a:lstStyle/>
-          <a:p>
-            <a:pPr algn="ctr"/>
-            <a:r>
-              <a:rPr lang="en-US" dirty="0"/>
-              <a:t>u1</a:t>
-            </a:r>
-          </a:p>
-        </p:txBody>
-      </p:sp>
-      <p:sp>
-        <p:nvSpPr>
-          <p:cNvPr id="10" name="Rectangle 9">
-            <a:extLst>
-              <a:ext uri="{FF2B5EF4-FFF2-40B4-BE49-F238E27FC236}">
-                <a16:creationId xmlns:a16="http://schemas.microsoft.com/office/drawing/2014/main" id="{E63C5361-0E3D-BBD5-6EED-9C84A52C16C5}"/>
-              </a:ext>
-            </a:extLst>
-          </p:cNvPr>
-          <p:cNvSpPr/>
-          <p:nvPr/>
-        </p:nvSpPr>
-        <p:spPr>
-          <a:xfrm>
-            <a:off x="2641599" y="4998077"/>
-            <a:ext cx="957943" cy="1358273"/>
-          </a:xfrm>
-          <a:prstGeom prst="rect">
-            <a:avLst/>
-          </a:prstGeom>
-        </p:spPr>
-        <p:style>
-          <a:lnRef idx="2">
-            <a:schemeClr val="accent1">
-              <a:shade val="50000"/>
-            </a:schemeClr>
-          </a:lnRef>
-          <a:fillRef idx="1">
-            <a:schemeClr val="accent1"/>
-          </a:fillRef>
-          <a:effectRef idx="0">
-            <a:schemeClr val="accent1"/>
-          </a:effectRef>
-          <a:fontRef idx="minor">
-            <a:schemeClr val="lt1"/>
-          </a:fontRef>
-        </p:style>
-        <p:txBody>
-          <a:bodyPr rtlCol="0" anchor="ctr"/>
-          <a:lstStyle/>
-          <a:p>
-            <a:pPr algn="ctr"/>
-            <a:r>
-              <a:rPr lang="en-US" dirty="0"/>
-              <a:t>u2</a:t>
-            </a:r>
-          </a:p>
-        </p:txBody>
-      </p:sp>
-      <p:sp>
-        <p:nvSpPr>
-          <p:cNvPr id="11" name="Rectangle 10">
-            <a:extLst>
-              <a:ext uri="{FF2B5EF4-FFF2-40B4-BE49-F238E27FC236}">
-                <a16:creationId xmlns:a16="http://schemas.microsoft.com/office/drawing/2014/main" id="{FBBADF70-834E-4B1D-4D48-863CFB71765B}"/>
-              </a:ext>
-            </a:extLst>
-          </p:cNvPr>
-          <p:cNvSpPr/>
-          <p:nvPr/>
-        </p:nvSpPr>
-        <p:spPr>
-          <a:xfrm>
-            <a:off x="4601029" y="4998077"/>
-            <a:ext cx="1117600" cy="1358273"/>
-          </a:xfrm>
-          <a:prstGeom prst="rect">
-            <a:avLst/>
-          </a:prstGeom>
-        </p:spPr>
-        <p:style>
-          <a:lnRef idx="2">
-            <a:schemeClr val="accent1">
-              <a:shade val="50000"/>
-            </a:schemeClr>
-          </a:lnRef>
-          <a:fillRef idx="1">
-            <a:schemeClr val="accent1"/>
-          </a:fillRef>
-          <a:effectRef idx="0">
-            <a:schemeClr val="accent1"/>
-          </a:effectRef>
-          <a:fontRef idx="minor">
-            <a:schemeClr val="lt1"/>
-          </a:fontRef>
-        </p:style>
-        <p:txBody>
-          <a:bodyPr rtlCol="0" anchor="ctr"/>
-          <a:lstStyle/>
-          <a:p>
-            <a:pPr algn="ctr"/>
-            <a:r>
-              <a:rPr lang="en-US" dirty="0"/>
-              <a:t>u1</a:t>
-            </a:r>
-          </a:p>
-        </p:txBody>
-      </p:sp>
-      <p:sp>
-        <p:nvSpPr>
-          <p:cNvPr id="12" name="Rectangle 11">
-            <a:extLst>
-              <a:ext uri="{FF2B5EF4-FFF2-40B4-BE49-F238E27FC236}">
-                <a16:creationId xmlns:a16="http://schemas.microsoft.com/office/drawing/2014/main" id="{229156AC-CE57-8CDD-8247-D503C215B35C}"/>
-              </a:ext>
-            </a:extLst>
-          </p:cNvPr>
-          <p:cNvSpPr/>
-          <p:nvPr/>
-        </p:nvSpPr>
-        <p:spPr>
-          <a:xfrm>
-            <a:off x="6197599" y="4998077"/>
-            <a:ext cx="957943" cy="1358273"/>
-          </a:xfrm>
-          <a:prstGeom prst="rect">
-            <a:avLst/>
-          </a:prstGeom>
-        </p:spPr>
-        <p:style>
-          <a:lnRef idx="2">
-            <a:schemeClr val="accent1">
-              <a:shade val="50000"/>
-            </a:schemeClr>
-          </a:lnRef>
-          <a:fillRef idx="1">
-            <a:schemeClr val="accent1"/>
-          </a:fillRef>
-          <a:effectRef idx="0">
-            <a:schemeClr val="accent1"/>
-          </a:effectRef>
-          <a:fontRef idx="minor">
-            <a:schemeClr val="lt1"/>
-          </a:fontRef>
-        </p:style>
-        <p:txBody>
-          <a:bodyPr rtlCol="0" anchor="ctr"/>
-          <a:lstStyle/>
-          <a:p>
-            <a:pPr algn="ctr"/>
-            <a:r>
-              <a:rPr lang="en-US" dirty="0"/>
-              <a:t>u2</a:t>
-            </a:r>
-          </a:p>
-        </p:txBody>
-      </p:sp>
-      <p:sp>
-        <p:nvSpPr>
-          <p:cNvPr id="13" name="Rectangle 12">
-            <a:extLst>
-              <a:ext uri="{FF2B5EF4-FFF2-40B4-BE49-F238E27FC236}">
-                <a16:creationId xmlns:a16="http://schemas.microsoft.com/office/drawing/2014/main" id="{A6B3B7FE-18C2-F8FC-66DF-6778F7C8D06C}"/>
-              </a:ext>
-            </a:extLst>
-          </p:cNvPr>
-          <p:cNvSpPr/>
-          <p:nvPr/>
-        </p:nvSpPr>
-        <p:spPr>
-          <a:xfrm>
-            <a:off x="8014611" y="4998077"/>
-            <a:ext cx="787399" cy="1358273"/>
-          </a:xfrm>
-          <a:prstGeom prst="rect">
-            <a:avLst/>
-          </a:prstGeom>
-        </p:spPr>
-        <p:style>
-          <a:lnRef idx="2">
-            <a:schemeClr val="accent1">
-              <a:shade val="50000"/>
-            </a:schemeClr>
-          </a:lnRef>
-          <a:fillRef idx="1">
-            <a:schemeClr val="accent1"/>
-          </a:fillRef>
-          <a:effectRef idx="0">
-            <a:schemeClr val="accent1"/>
-          </a:effectRef>
-          <a:fontRef idx="minor">
-            <a:schemeClr val="lt1"/>
-          </a:fontRef>
-        </p:style>
-        <p:txBody>
-          <a:bodyPr rtlCol="0" anchor="ctr"/>
-          <a:lstStyle/>
-          <a:p>
-            <a:pPr algn="ctr"/>
-            <a:r>
-              <a:rPr lang="en-US" dirty="0"/>
-              <a:t>inst1</a:t>
-            </a:r>
-          </a:p>
-        </p:txBody>
-      </p:sp>
-      <p:sp>
-        <p:nvSpPr>
-          <p:cNvPr id="14" name="Rectangle 13">
-            <a:extLst>
-              <a:ext uri="{FF2B5EF4-FFF2-40B4-BE49-F238E27FC236}">
-                <a16:creationId xmlns:a16="http://schemas.microsoft.com/office/drawing/2014/main" id="{A250B198-5BA7-D5B6-F1A9-324E111F2E82}"/>
-              </a:ext>
-            </a:extLst>
-          </p:cNvPr>
-          <p:cNvSpPr/>
-          <p:nvPr/>
-        </p:nvSpPr>
-        <p:spPr>
-          <a:xfrm>
-            <a:off x="9004299" y="4998077"/>
-            <a:ext cx="787399" cy="1358273"/>
-          </a:xfrm>
-          <a:prstGeom prst="rect">
-            <a:avLst/>
-          </a:prstGeom>
-        </p:spPr>
-        <p:style>
-          <a:lnRef idx="2">
-            <a:schemeClr val="accent1">
-              <a:shade val="50000"/>
-            </a:schemeClr>
-          </a:lnRef>
-          <a:fillRef idx="1">
-            <a:schemeClr val="accent1"/>
-          </a:fillRef>
-          <a:effectRef idx="0">
-            <a:schemeClr val="accent1"/>
-          </a:effectRef>
-          <a:fontRef idx="minor">
-            <a:schemeClr val="lt1"/>
-          </a:fontRef>
-        </p:style>
-        <p:txBody>
-          <a:bodyPr rtlCol="0" anchor="ctr"/>
-          <a:lstStyle/>
-          <a:p>
-            <a:pPr algn="ctr"/>
-            <a:r>
-              <a:rPr lang="en-US" dirty="0"/>
-              <a:t>inst2</a:t>
-            </a:r>
-          </a:p>
-        </p:txBody>
-      </p:sp>
-      <p:sp>
-        <p:nvSpPr>
-          <p:cNvPr id="15" name="Rectangle 14">
-            <a:extLst>
-              <a:ext uri="{FF2B5EF4-FFF2-40B4-BE49-F238E27FC236}">
-                <a16:creationId xmlns:a16="http://schemas.microsoft.com/office/drawing/2014/main" id="{B5CFC22A-97DA-F258-CA82-872CB3AFE96A}"/>
-              </a:ext>
-            </a:extLst>
-          </p:cNvPr>
-          <p:cNvSpPr/>
-          <p:nvPr/>
-        </p:nvSpPr>
-        <p:spPr>
-          <a:xfrm>
-            <a:off x="9942288" y="4998077"/>
-            <a:ext cx="787399" cy="1358273"/>
-          </a:xfrm>
-          <a:prstGeom prst="rect">
-            <a:avLst/>
-          </a:prstGeom>
-        </p:spPr>
-        <p:style>
-          <a:lnRef idx="2">
-            <a:schemeClr val="accent1">
-              <a:shade val="50000"/>
-            </a:schemeClr>
-          </a:lnRef>
-          <a:fillRef idx="1">
-            <a:schemeClr val="accent1"/>
-          </a:fillRef>
-          <a:effectRef idx="0">
-            <a:schemeClr val="accent1"/>
-          </a:effectRef>
-          <a:fontRef idx="minor">
-            <a:schemeClr val="lt1"/>
-          </a:fontRef>
-        </p:style>
-        <p:txBody>
-          <a:bodyPr rtlCol="0" anchor="ctr"/>
-          <a:lstStyle/>
-          <a:p>
-            <a:pPr algn="ctr"/>
-            <a:r>
-              <a:rPr lang="en-US" dirty="0"/>
-              <a:t>inst3</a:t>
-            </a:r>
-          </a:p>
-        </p:txBody>
-      </p:sp>
-      <p:sp>
-        <p:nvSpPr>
-          <p:cNvPr id="16" name="Rectangle 15">
-            <a:extLst>
-              <a:ext uri="{FF2B5EF4-FFF2-40B4-BE49-F238E27FC236}">
-                <a16:creationId xmlns:a16="http://schemas.microsoft.com/office/drawing/2014/main" id="{0B1C4FEB-0F8A-DF34-06D5-22CC12EC2C1A}"/>
-              </a:ext>
-            </a:extLst>
-          </p:cNvPr>
-          <p:cNvSpPr/>
-          <p:nvPr/>
-        </p:nvSpPr>
-        <p:spPr>
-          <a:xfrm>
-            <a:off x="10960100" y="4998077"/>
-            <a:ext cx="787399" cy="1358273"/>
-          </a:xfrm>
-          <a:prstGeom prst="rect">
-            <a:avLst/>
-          </a:prstGeom>
-        </p:spPr>
-        <p:style>
-          <a:lnRef idx="2">
-            <a:schemeClr val="accent1">
-              <a:shade val="50000"/>
-            </a:schemeClr>
-          </a:lnRef>
-          <a:fillRef idx="1">
-            <a:schemeClr val="accent1"/>
-          </a:fillRef>
-          <a:effectRef idx="0">
-            <a:schemeClr val="accent1"/>
-          </a:effectRef>
-          <a:fontRef idx="minor">
-            <a:schemeClr val="lt1"/>
-          </a:fontRef>
-        </p:style>
-        <p:txBody>
-          <a:bodyPr rtlCol="0" anchor="ctr"/>
-          <a:lstStyle/>
-          <a:p>
-            <a:pPr algn="ctr"/>
-            <a:r>
-              <a:rPr lang="en-US" dirty="0"/>
-              <a:t>inst4</a:t>
-            </a:r>
-          </a:p>
-        </p:txBody>
-      </p:sp>
+      </p:pic>
     </p:spTree>
     <p:extLst>
       <p:ext uri="{BB962C8B-B14F-4D97-AF65-F5344CB8AC3E}">
-        <p14:creationId xmlns:p14="http://schemas.microsoft.com/office/powerpoint/2010/main" val="3837870676"/>
+        <p14:creationId xmlns:p14="http://schemas.microsoft.com/office/powerpoint/2010/main" val="325488205"/>
       </p:ext>
     </p:extLst>
   </p:cSld>
@@ -3425,6 +3045,711 @@
           <a:p>
             <a:r>
               <a:rPr lang="en-US" dirty="0"/>
+              <a:t>Outline</a:t>
+            </a:r>
+          </a:p>
+        </p:txBody>
+      </p:sp>
+      <p:sp>
+        <p:nvSpPr>
+          <p:cNvPr id="3" name="Content Placeholder 2">
+            <a:extLst>
+              <a:ext uri="{FF2B5EF4-FFF2-40B4-BE49-F238E27FC236}">
+                <a16:creationId xmlns:a16="http://schemas.microsoft.com/office/drawing/2014/main" id="{5D7B872D-07E4-4A80-BC19-1A6B48431473}"/>
+              </a:ext>
+            </a:extLst>
+          </p:cNvPr>
+          <p:cNvSpPr>
+            <a:spLocks noGrp="1"/>
+          </p:cNvSpPr>
+          <p:nvPr>
+            <p:ph idx="1"/>
+          </p:nvPr>
+        </p:nvSpPr>
+        <p:spPr>
+          <a:xfrm>
+            <a:off x="590204" y="1064030"/>
+            <a:ext cx="5128425" cy="835074"/>
+          </a:xfrm>
+        </p:spPr>
+        <p:txBody>
+          <a:bodyPr/>
+          <a:lstStyle/>
+          <a:p>
+            <a:endParaRPr lang="en-US" dirty="0"/>
+          </a:p>
+        </p:txBody>
+      </p:sp>
+      <p:sp>
+        <p:nvSpPr>
+          <p:cNvPr id="4" name="Slide Number Placeholder 3">
+            <a:extLst>
+              <a:ext uri="{FF2B5EF4-FFF2-40B4-BE49-F238E27FC236}">
+                <a16:creationId xmlns:a16="http://schemas.microsoft.com/office/drawing/2014/main" id="{1C064AFB-6D18-45A5-9C2B-BF2195C97986}"/>
+              </a:ext>
+            </a:extLst>
+          </p:cNvPr>
+          <p:cNvSpPr>
+            <a:spLocks noGrp="1"/>
+          </p:cNvSpPr>
+          <p:nvPr>
+            <p:ph type="sldNum" sz="quarter" idx="12"/>
+          </p:nvPr>
+        </p:nvSpPr>
+        <p:spPr/>
+        <p:txBody>
+          <a:bodyPr/>
+          <a:lstStyle/>
+          <a:p>
+            <a:fld id="{8A2B06E4-34D2-4DD4-ABFF-9F74AC2B18B5}" type="slidenum">
+              <a:rPr lang="en-US" smtClean="0"/>
+              <a:t>12</a:t>
+            </a:fld>
+            <a:endParaRPr lang="en-US" dirty="0"/>
+          </a:p>
+        </p:txBody>
+      </p:sp>
+      <p:sp>
+        <p:nvSpPr>
+          <p:cNvPr id="5" name="Rectangle 4">
+            <a:extLst>
+              <a:ext uri="{FF2B5EF4-FFF2-40B4-BE49-F238E27FC236}">
+                <a16:creationId xmlns:a16="http://schemas.microsoft.com/office/drawing/2014/main" id="{28B468AC-63A7-3DC7-8A63-703CA2DB7BF9}"/>
+              </a:ext>
+            </a:extLst>
+          </p:cNvPr>
+          <p:cNvSpPr/>
+          <p:nvPr/>
+        </p:nvSpPr>
+        <p:spPr>
+          <a:xfrm>
+            <a:off x="3120570" y="775081"/>
+            <a:ext cx="2873829" cy="1124024"/>
+          </a:xfrm>
+          <a:prstGeom prst="rect">
+            <a:avLst/>
+          </a:prstGeom>
+        </p:spPr>
+        <p:style>
+          <a:lnRef idx="2">
+            <a:schemeClr val="accent1">
+              <a:shade val="50000"/>
+            </a:schemeClr>
+          </a:lnRef>
+          <a:fillRef idx="1">
+            <a:schemeClr val="accent1"/>
+          </a:fillRef>
+          <a:effectRef idx="0">
+            <a:schemeClr val="accent1"/>
+          </a:effectRef>
+          <a:fontRef idx="minor">
+            <a:schemeClr val="lt1"/>
+          </a:fontRef>
+        </p:style>
+        <p:txBody>
+          <a:bodyPr rtlCol="0" anchor="ctr"/>
+          <a:lstStyle/>
+          <a:p>
+            <a:pPr algn="ctr"/>
+            <a:r>
+              <a:rPr lang="en-US" dirty="0"/>
+              <a:t>garage</a:t>
+            </a:r>
+          </a:p>
+        </p:txBody>
+      </p:sp>
+      <p:sp>
+        <p:nvSpPr>
+          <p:cNvPr id="6" name="Rectangle 5">
+            <a:extLst>
+              <a:ext uri="{FF2B5EF4-FFF2-40B4-BE49-F238E27FC236}">
+                <a16:creationId xmlns:a16="http://schemas.microsoft.com/office/drawing/2014/main" id="{B5695EE2-999B-3D68-F2B4-A70003D2C6AB}"/>
+              </a:ext>
+            </a:extLst>
+          </p:cNvPr>
+          <p:cNvSpPr/>
+          <p:nvPr/>
+        </p:nvSpPr>
+        <p:spPr>
+          <a:xfrm>
+            <a:off x="1103086" y="2560584"/>
+            <a:ext cx="2873829" cy="1358273"/>
+          </a:xfrm>
+          <a:prstGeom prst="rect">
+            <a:avLst/>
+          </a:prstGeom>
+        </p:spPr>
+        <p:style>
+          <a:lnRef idx="2">
+            <a:schemeClr val="accent1">
+              <a:shade val="50000"/>
+            </a:schemeClr>
+          </a:lnRef>
+          <a:fillRef idx="1">
+            <a:schemeClr val="accent1"/>
+          </a:fillRef>
+          <a:effectRef idx="0">
+            <a:schemeClr val="accent1"/>
+          </a:effectRef>
+          <a:fontRef idx="minor">
+            <a:schemeClr val="lt1"/>
+          </a:fontRef>
+        </p:style>
+        <p:txBody>
+          <a:bodyPr rtlCol="0" anchor="ctr"/>
+          <a:lstStyle/>
+          <a:p>
+            <a:pPr algn="ctr"/>
+            <a:r>
+              <a:rPr lang="en-US" dirty="0"/>
+              <a:t>m1</a:t>
+            </a:r>
+          </a:p>
+        </p:txBody>
+      </p:sp>
+      <p:sp>
+        <p:nvSpPr>
+          <p:cNvPr id="7" name="Rectangle 6">
+            <a:extLst>
+              <a:ext uri="{FF2B5EF4-FFF2-40B4-BE49-F238E27FC236}">
+                <a16:creationId xmlns:a16="http://schemas.microsoft.com/office/drawing/2014/main" id="{6CF7EE87-8AA9-E7BD-2AB5-C866FE179818}"/>
+              </a:ext>
+            </a:extLst>
+          </p:cNvPr>
+          <p:cNvSpPr/>
+          <p:nvPr/>
+        </p:nvSpPr>
+        <p:spPr>
+          <a:xfrm>
+            <a:off x="4402083" y="2560584"/>
+            <a:ext cx="2873829" cy="1358273"/>
+          </a:xfrm>
+          <a:prstGeom prst="rect">
+            <a:avLst/>
+          </a:prstGeom>
+        </p:spPr>
+        <p:style>
+          <a:lnRef idx="2">
+            <a:schemeClr val="accent1">
+              <a:shade val="50000"/>
+            </a:schemeClr>
+          </a:lnRef>
+          <a:fillRef idx="1">
+            <a:schemeClr val="accent1"/>
+          </a:fillRef>
+          <a:effectRef idx="0">
+            <a:schemeClr val="accent1"/>
+          </a:effectRef>
+          <a:fontRef idx="minor">
+            <a:schemeClr val="lt1"/>
+          </a:fontRef>
+        </p:style>
+        <p:txBody>
+          <a:bodyPr rtlCol="0" anchor="ctr"/>
+          <a:lstStyle/>
+          <a:p>
+            <a:pPr algn="ctr"/>
+            <a:r>
+              <a:rPr lang="en-US" dirty="0"/>
+              <a:t>m2</a:t>
+            </a:r>
+          </a:p>
+        </p:txBody>
+      </p:sp>
+      <p:sp>
+        <p:nvSpPr>
+          <p:cNvPr id="8" name="Rectangle 7">
+            <a:extLst>
+              <a:ext uri="{FF2B5EF4-FFF2-40B4-BE49-F238E27FC236}">
+                <a16:creationId xmlns:a16="http://schemas.microsoft.com/office/drawing/2014/main" id="{C2F0E697-6C67-435E-0144-E8430EA8E6CB}"/>
+              </a:ext>
+            </a:extLst>
+          </p:cNvPr>
+          <p:cNvSpPr/>
+          <p:nvPr/>
+        </p:nvSpPr>
+        <p:spPr>
+          <a:xfrm>
+            <a:off x="7701080" y="2528274"/>
+            <a:ext cx="2873829" cy="1358273"/>
+          </a:xfrm>
+          <a:prstGeom prst="rect">
+            <a:avLst/>
+          </a:prstGeom>
+        </p:spPr>
+        <p:style>
+          <a:lnRef idx="2">
+            <a:schemeClr val="accent1">
+              <a:shade val="50000"/>
+            </a:schemeClr>
+          </a:lnRef>
+          <a:fillRef idx="1">
+            <a:schemeClr val="accent1"/>
+          </a:fillRef>
+          <a:effectRef idx="0">
+            <a:schemeClr val="accent1"/>
+          </a:effectRef>
+          <a:fontRef idx="minor">
+            <a:schemeClr val="lt1"/>
+          </a:fontRef>
+        </p:style>
+        <p:txBody>
+          <a:bodyPr rtlCol="0" anchor="ctr"/>
+          <a:lstStyle/>
+          <a:p>
+            <a:pPr algn="ctr"/>
+            <a:r>
+              <a:rPr lang="en-US" dirty="0"/>
+              <a:t>c1</a:t>
+            </a:r>
+          </a:p>
+        </p:txBody>
+      </p:sp>
+      <p:sp>
+        <p:nvSpPr>
+          <p:cNvPr id="9" name="Rectangle 8">
+            <a:extLst>
+              <a:ext uri="{FF2B5EF4-FFF2-40B4-BE49-F238E27FC236}">
+                <a16:creationId xmlns:a16="http://schemas.microsoft.com/office/drawing/2014/main" id="{4F3BD971-257F-5085-2D74-E6DDCDFFBD6B}"/>
+              </a:ext>
+            </a:extLst>
+          </p:cNvPr>
+          <p:cNvSpPr/>
+          <p:nvPr/>
+        </p:nvSpPr>
+        <p:spPr>
+          <a:xfrm>
+            <a:off x="1045029" y="4998077"/>
+            <a:ext cx="1117600" cy="1358273"/>
+          </a:xfrm>
+          <a:prstGeom prst="rect">
+            <a:avLst/>
+          </a:prstGeom>
+        </p:spPr>
+        <p:style>
+          <a:lnRef idx="2">
+            <a:schemeClr val="accent1">
+              <a:shade val="50000"/>
+            </a:schemeClr>
+          </a:lnRef>
+          <a:fillRef idx="1">
+            <a:schemeClr val="accent1"/>
+          </a:fillRef>
+          <a:effectRef idx="0">
+            <a:schemeClr val="accent1"/>
+          </a:effectRef>
+          <a:fontRef idx="minor">
+            <a:schemeClr val="lt1"/>
+          </a:fontRef>
+        </p:style>
+        <p:txBody>
+          <a:bodyPr rtlCol="0" anchor="ctr"/>
+          <a:lstStyle/>
+          <a:p>
+            <a:pPr algn="ctr"/>
+            <a:r>
+              <a:rPr lang="en-US" dirty="0"/>
+              <a:t>u1</a:t>
+            </a:r>
+          </a:p>
+        </p:txBody>
+      </p:sp>
+      <p:sp>
+        <p:nvSpPr>
+          <p:cNvPr id="10" name="Rectangle 9">
+            <a:extLst>
+              <a:ext uri="{FF2B5EF4-FFF2-40B4-BE49-F238E27FC236}">
+                <a16:creationId xmlns:a16="http://schemas.microsoft.com/office/drawing/2014/main" id="{E63C5361-0E3D-BBD5-6EED-9C84A52C16C5}"/>
+              </a:ext>
+            </a:extLst>
+          </p:cNvPr>
+          <p:cNvSpPr/>
+          <p:nvPr/>
+        </p:nvSpPr>
+        <p:spPr>
+          <a:xfrm>
+            <a:off x="2641599" y="4998077"/>
+            <a:ext cx="957943" cy="1358273"/>
+          </a:xfrm>
+          <a:prstGeom prst="rect">
+            <a:avLst/>
+          </a:prstGeom>
+        </p:spPr>
+        <p:style>
+          <a:lnRef idx="2">
+            <a:schemeClr val="accent1">
+              <a:shade val="50000"/>
+            </a:schemeClr>
+          </a:lnRef>
+          <a:fillRef idx="1">
+            <a:schemeClr val="accent1"/>
+          </a:fillRef>
+          <a:effectRef idx="0">
+            <a:schemeClr val="accent1"/>
+          </a:effectRef>
+          <a:fontRef idx="minor">
+            <a:schemeClr val="lt1"/>
+          </a:fontRef>
+        </p:style>
+        <p:txBody>
+          <a:bodyPr rtlCol="0" anchor="ctr"/>
+          <a:lstStyle/>
+          <a:p>
+            <a:pPr algn="ctr"/>
+            <a:r>
+              <a:rPr lang="en-US" dirty="0"/>
+              <a:t>u2</a:t>
+            </a:r>
+          </a:p>
+        </p:txBody>
+      </p:sp>
+      <p:sp>
+        <p:nvSpPr>
+          <p:cNvPr id="11" name="Rectangle 10">
+            <a:extLst>
+              <a:ext uri="{FF2B5EF4-FFF2-40B4-BE49-F238E27FC236}">
+                <a16:creationId xmlns:a16="http://schemas.microsoft.com/office/drawing/2014/main" id="{FBBADF70-834E-4B1D-4D48-863CFB71765B}"/>
+              </a:ext>
+            </a:extLst>
+          </p:cNvPr>
+          <p:cNvSpPr/>
+          <p:nvPr/>
+        </p:nvSpPr>
+        <p:spPr>
+          <a:xfrm>
+            <a:off x="4601029" y="4998077"/>
+            <a:ext cx="1117600" cy="1358273"/>
+          </a:xfrm>
+          <a:prstGeom prst="rect">
+            <a:avLst/>
+          </a:prstGeom>
+        </p:spPr>
+        <p:style>
+          <a:lnRef idx="2">
+            <a:schemeClr val="accent1">
+              <a:shade val="50000"/>
+            </a:schemeClr>
+          </a:lnRef>
+          <a:fillRef idx="1">
+            <a:schemeClr val="accent1"/>
+          </a:fillRef>
+          <a:effectRef idx="0">
+            <a:schemeClr val="accent1"/>
+          </a:effectRef>
+          <a:fontRef idx="minor">
+            <a:schemeClr val="lt1"/>
+          </a:fontRef>
+        </p:style>
+        <p:txBody>
+          <a:bodyPr rtlCol="0" anchor="ctr"/>
+          <a:lstStyle/>
+          <a:p>
+            <a:pPr algn="ctr"/>
+            <a:r>
+              <a:rPr lang="en-US" dirty="0"/>
+              <a:t>u1</a:t>
+            </a:r>
+          </a:p>
+        </p:txBody>
+      </p:sp>
+      <p:sp>
+        <p:nvSpPr>
+          <p:cNvPr id="12" name="Rectangle 11">
+            <a:extLst>
+              <a:ext uri="{FF2B5EF4-FFF2-40B4-BE49-F238E27FC236}">
+                <a16:creationId xmlns:a16="http://schemas.microsoft.com/office/drawing/2014/main" id="{229156AC-CE57-8CDD-8247-D503C215B35C}"/>
+              </a:ext>
+            </a:extLst>
+          </p:cNvPr>
+          <p:cNvSpPr/>
+          <p:nvPr/>
+        </p:nvSpPr>
+        <p:spPr>
+          <a:xfrm>
+            <a:off x="6197599" y="4998077"/>
+            <a:ext cx="957943" cy="1358273"/>
+          </a:xfrm>
+          <a:prstGeom prst="rect">
+            <a:avLst/>
+          </a:prstGeom>
+        </p:spPr>
+        <p:style>
+          <a:lnRef idx="2">
+            <a:schemeClr val="accent1">
+              <a:shade val="50000"/>
+            </a:schemeClr>
+          </a:lnRef>
+          <a:fillRef idx="1">
+            <a:schemeClr val="accent1"/>
+          </a:fillRef>
+          <a:effectRef idx="0">
+            <a:schemeClr val="accent1"/>
+          </a:effectRef>
+          <a:fontRef idx="minor">
+            <a:schemeClr val="lt1"/>
+          </a:fontRef>
+        </p:style>
+        <p:txBody>
+          <a:bodyPr rtlCol="0" anchor="ctr"/>
+          <a:lstStyle/>
+          <a:p>
+            <a:pPr algn="ctr"/>
+            <a:r>
+              <a:rPr lang="en-US" dirty="0"/>
+              <a:t>u2</a:t>
+            </a:r>
+          </a:p>
+        </p:txBody>
+      </p:sp>
+      <p:sp>
+        <p:nvSpPr>
+          <p:cNvPr id="13" name="Rectangle 12">
+            <a:extLst>
+              <a:ext uri="{FF2B5EF4-FFF2-40B4-BE49-F238E27FC236}">
+                <a16:creationId xmlns:a16="http://schemas.microsoft.com/office/drawing/2014/main" id="{A6B3B7FE-18C2-F8FC-66DF-6778F7C8D06C}"/>
+              </a:ext>
+            </a:extLst>
+          </p:cNvPr>
+          <p:cNvSpPr/>
+          <p:nvPr/>
+        </p:nvSpPr>
+        <p:spPr>
+          <a:xfrm>
+            <a:off x="8014611" y="4998077"/>
+            <a:ext cx="787399" cy="1358273"/>
+          </a:xfrm>
+          <a:prstGeom prst="rect">
+            <a:avLst/>
+          </a:prstGeom>
+        </p:spPr>
+        <p:style>
+          <a:lnRef idx="2">
+            <a:schemeClr val="accent1">
+              <a:shade val="50000"/>
+            </a:schemeClr>
+          </a:lnRef>
+          <a:fillRef idx="1">
+            <a:schemeClr val="accent1"/>
+          </a:fillRef>
+          <a:effectRef idx="0">
+            <a:schemeClr val="accent1"/>
+          </a:effectRef>
+          <a:fontRef idx="minor">
+            <a:schemeClr val="lt1"/>
+          </a:fontRef>
+        </p:style>
+        <p:txBody>
+          <a:bodyPr rtlCol="0" anchor="ctr"/>
+          <a:lstStyle/>
+          <a:p>
+            <a:pPr algn="ctr"/>
+            <a:r>
+              <a:rPr lang="en-US" dirty="0"/>
+              <a:t>inst1</a:t>
+            </a:r>
+          </a:p>
+        </p:txBody>
+      </p:sp>
+      <p:sp>
+        <p:nvSpPr>
+          <p:cNvPr id="14" name="Rectangle 13">
+            <a:extLst>
+              <a:ext uri="{FF2B5EF4-FFF2-40B4-BE49-F238E27FC236}">
+                <a16:creationId xmlns:a16="http://schemas.microsoft.com/office/drawing/2014/main" id="{A250B198-5BA7-D5B6-F1A9-324E111F2E82}"/>
+              </a:ext>
+            </a:extLst>
+          </p:cNvPr>
+          <p:cNvSpPr/>
+          <p:nvPr/>
+        </p:nvSpPr>
+        <p:spPr>
+          <a:xfrm>
+            <a:off x="9004299" y="4998077"/>
+            <a:ext cx="787399" cy="1358273"/>
+          </a:xfrm>
+          <a:prstGeom prst="rect">
+            <a:avLst/>
+          </a:prstGeom>
+        </p:spPr>
+        <p:style>
+          <a:lnRef idx="2">
+            <a:schemeClr val="accent1">
+              <a:shade val="50000"/>
+            </a:schemeClr>
+          </a:lnRef>
+          <a:fillRef idx="1">
+            <a:schemeClr val="accent1"/>
+          </a:fillRef>
+          <a:effectRef idx="0">
+            <a:schemeClr val="accent1"/>
+          </a:effectRef>
+          <a:fontRef idx="minor">
+            <a:schemeClr val="lt1"/>
+          </a:fontRef>
+        </p:style>
+        <p:txBody>
+          <a:bodyPr rtlCol="0" anchor="ctr"/>
+          <a:lstStyle/>
+          <a:p>
+            <a:pPr algn="ctr"/>
+            <a:r>
+              <a:rPr lang="en-US" dirty="0"/>
+              <a:t>inst2</a:t>
+            </a:r>
+          </a:p>
+        </p:txBody>
+      </p:sp>
+      <p:sp>
+        <p:nvSpPr>
+          <p:cNvPr id="15" name="Rectangle 14">
+            <a:extLst>
+              <a:ext uri="{FF2B5EF4-FFF2-40B4-BE49-F238E27FC236}">
+                <a16:creationId xmlns:a16="http://schemas.microsoft.com/office/drawing/2014/main" id="{B5CFC22A-97DA-F258-CA82-872CB3AFE96A}"/>
+              </a:ext>
+            </a:extLst>
+          </p:cNvPr>
+          <p:cNvSpPr/>
+          <p:nvPr/>
+        </p:nvSpPr>
+        <p:spPr>
+          <a:xfrm>
+            <a:off x="9942288" y="4998077"/>
+            <a:ext cx="787399" cy="1358273"/>
+          </a:xfrm>
+          <a:prstGeom prst="rect">
+            <a:avLst/>
+          </a:prstGeom>
+        </p:spPr>
+        <p:style>
+          <a:lnRef idx="2">
+            <a:schemeClr val="accent1">
+              <a:shade val="50000"/>
+            </a:schemeClr>
+          </a:lnRef>
+          <a:fillRef idx="1">
+            <a:schemeClr val="accent1"/>
+          </a:fillRef>
+          <a:effectRef idx="0">
+            <a:schemeClr val="accent1"/>
+          </a:effectRef>
+          <a:fontRef idx="minor">
+            <a:schemeClr val="lt1"/>
+          </a:fontRef>
+        </p:style>
+        <p:txBody>
+          <a:bodyPr rtlCol="0" anchor="ctr"/>
+          <a:lstStyle/>
+          <a:p>
+            <a:pPr algn="ctr"/>
+            <a:r>
+              <a:rPr lang="en-US" dirty="0"/>
+              <a:t>inst3</a:t>
+            </a:r>
+          </a:p>
+        </p:txBody>
+      </p:sp>
+      <p:sp>
+        <p:nvSpPr>
+          <p:cNvPr id="16" name="Rectangle 15">
+            <a:extLst>
+              <a:ext uri="{FF2B5EF4-FFF2-40B4-BE49-F238E27FC236}">
+                <a16:creationId xmlns:a16="http://schemas.microsoft.com/office/drawing/2014/main" id="{0B1C4FEB-0F8A-DF34-06D5-22CC12EC2C1A}"/>
+              </a:ext>
+            </a:extLst>
+          </p:cNvPr>
+          <p:cNvSpPr/>
+          <p:nvPr/>
+        </p:nvSpPr>
+        <p:spPr>
+          <a:xfrm>
+            <a:off x="10960100" y="4998077"/>
+            <a:ext cx="787399" cy="1358273"/>
+          </a:xfrm>
+          <a:prstGeom prst="rect">
+            <a:avLst/>
+          </a:prstGeom>
+        </p:spPr>
+        <p:style>
+          <a:lnRef idx="2">
+            <a:schemeClr val="accent1">
+              <a:shade val="50000"/>
+            </a:schemeClr>
+          </a:lnRef>
+          <a:fillRef idx="1">
+            <a:schemeClr val="accent1"/>
+          </a:fillRef>
+          <a:effectRef idx="0">
+            <a:schemeClr val="accent1"/>
+          </a:effectRef>
+          <a:fontRef idx="minor">
+            <a:schemeClr val="lt1"/>
+          </a:fontRef>
+        </p:style>
+        <p:txBody>
+          <a:bodyPr rtlCol="0" anchor="ctr"/>
+          <a:lstStyle/>
+          <a:p>
+            <a:pPr algn="ctr"/>
+            <a:r>
+              <a:rPr lang="en-US" dirty="0"/>
+              <a:t>inst4</a:t>
+            </a:r>
+          </a:p>
+        </p:txBody>
+      </p:sp>
+    </p:spTree>
+    <p:extLst>
+      <p:ext uri="{BB962C8B-B14F-4D97-AF65-F5344CB8AC3E}">
+        <p14:creationId xmlns:p14="http://schemas.microsoft.com/office/powerpoint/2010/main" val="3837870676"/>
+      </p:ext>
+    </p:extLst>
+  </p:cSld>
+  <p:clrMapOvr>
+    <a:masterClrMapping/>
+  </p:clrMapOvr>
+</p:sld>
+</file>
+
+<file path=ppt/slides/slide13.xml><?xml version="1.0" encoding="utf-8"?>
+<p:sld xmlns:a="http://schemas.openxmlformats.org/drawingml/2006/main" xmlns:r="http://schemas.openxmlformats.org/officeDocument/2006/relationships" xmlns:p="http://schemas.openxmlformats.org/presentationml/2006/main">
+  <p:cSld>
+    <p:spTree>
+      <p:nvGrpSpPr>
+        <p:cNvPr id="1" name=""/>
+        <p:cNvGrpSpPr/>
+        <p:nvPr/>
+      </p:nvGrpSpPr>
+      <p:grpSpPr>
+        <a:xfrm>
+          <a:off x="0" y="0"/>
+          <a:ext cx="0" cy="0"/>
+          <a:chOff x="0" y="0"/>
+          <a:chExt cx="0" cy="0"/>
+        </a:xfrm>
+      </p:grpSpPr>
+      <p:sp>
+        <p:nvSpPr>
+          <p:cNvPr id="2" name="Title 1">
+            <a:extLst>
+              <a:ext uri="{FF2B5EF4-FFF2-40B4-BE49-F238E27FC236}">
+                <a16:creationId xmlns:a16="http://schemas.microsoft.com/office/drawing/2014/main" id="{56F1B890-DD2D-46F9-A853-3CB5A42A15D2}"/>
+              </a:ext>
+            </a:extLst>
+          </p:cNvPr>
+          <p:cNvSpPr>
+            <a:spLocks noGrp="1"/>
+          </p:cNvSpPr>
+          <p:nvPr>
+            <p:ph type="title"/>
+          </p:nvPr>
+        </p:nvSpPr>
+        <p:spPr/>
+        <p:txBody>
+          <a:bodyPr/>
+          <a:lstStyle/>
+          <a:p>
+            <a:r>
+              <a:rPr lang="en-US" dirty="0"/>
               <a:t>archive below</a:t>
             </a:r>
           </a:p>
@@ -4912,7 +5237,7 @@
           <a:p>
             <a:fld id="{8A2B06E4-34D2-4DD4-ABFF-9F74AC2B18B5}" type="slidenum">
               <a:rPr lang="en-US" smtClean="0"/>
-              <a:t>12</a:t>
+              <a:t>13</a:t>
             </a:fld>
             <a:endParaRPr lang="en-US" dirty="0"/>
           </a:p>
@@ -4971,7 +5296,7 @@
           <a:p>
             <a:r>
               <a:rPr lang="en-US" dirty="0"/>
-              <a:t>lab??</a:t>
+              <a:t>lab14</a:t>
             </a:r>
           </a:p>
         </p:txBody>
@@ -4997,7 +5322,10 @@
           <a:bodyPr/>
           <a:lstStyle/>
           <a:p>
-            <a:endParaRPr lang="en-US"/>
+            <a:r>
+              <a:rPr lang="en-US" dirty="0"/>
+              <a:t>https://www.asic-world.com/systemverilog/process2.html</a:t>
+            </a:r>
           </a:p>
         </p:txBody>
       </p:sp>
@@ -5030,10 +5358,100 @@
           </a:p>
         </p:txBody>
       </p:sp>
+      <p:pic>
+        <p:nvPicPr>
+          <p:cNvPr id="5" name="Picture 4">
+            <a:extLst>
+              <a:ext uri="{FF2B5EF4-FFF2-40B4-BE49-F238E27FC236}">
+                <a16:creationId xmlns:a16="http://schemas.microsoft.com/office/drawing/2014/main" id="{0BBFFD0C-D99A-9D5C-5B42-91421F8AFF18}"/>
+              </a:ext>
+            </a:extLst>
+          </p:cNvPr>
+          <p:cNvPicPr>
+            <a:picLocks noChangeAspect="1"/>
+          </p:cNvPicPr>
+          <p:nvPr/>
+        </p:nvPicPr>
+        <p:blipFill>
+          <a:blip r:embed="rId2"/>
+          <a:stretch>
+            <a:fillRect/>
+          </a:stretch>
+        </p:blipFill>
+        <p:spPr>
+          <a:xfrm>
+            <a:off x="2429121" y="3064695"/>
+            <a:ext cx="8132288" cy="947278"/>
+          </a:xfrm>
+          <a:prstGeom prst="rect">
+            <a:avLst/>
+          </a:prstGeom>
+        </p:spPr>
+      </p:pic>
+      <p:pic>
+        <p:nvPicPr>
+          <p:cNvPr id="6" name="Picture 5">
+            <a:extLst>
+              <a:ext uri="{FF2B5EF4-FFF2-40B4-BE49-F238E27FC236}">
+                <a16:creationId xmlns:a16="http://schemas.microsoft.com/office/drawing/2014/main" id="{EEEC7555-825D-0E97-0A01-89EBF599F77A}"/>
+              </a:ext>
+            </a:extLst>
+          </p:cNvPr>
+          <p:cNvPicPr>
+            <a:picLocks noChangeAspect="1"/>
+          </p:cNvPicPr>
+          <p:nvPr/>
+        </p:nvPicPr>
+        <p:blipFill>
+          <a:blip r:embed="rId3"/>
+          <a:stretch>
+            <a:fillRect/>
+          </a:stretch>
+        </p:blipFill>
+        <p:spPr>
+          <a:xfrm>
+            <a:off x="2327496" y="4137576"/>
+            <a:ext cx="8335538" cy="2372056"/>
+          </a:xfrm>
+          <a:prstGeom prst="rect">
+            <a:avLst/>
+          </a:prstGeom>
+        </p:spPr>
+      </p:pic>
+      <p:pic>
+        <p:nvPicPr>
+          <p:cNvPr id="7" name="Picture 6">
+            <a:extLst>
+              <a:ext uri="{FF2B5EF4-FFF2-40B4-BE49-F238E27FC236}">
+                <a16:creationId xmlns:a16="http://schemas.microsoft.com/office/drawing/2014/main" id="{A37F4D58-0ADB-D668-3C92-D99932EAAC9A}"/>
+              </a:ext>
+            </a:extLst>
+          </p:cNvPr>
+          <p:cNvPicPr>
+            <a:picLocks noChangeAspect="1"/>
+          </p:cNvPicPr>
+          <p:nvPr/>
+        </p:nvPicPr>
+        <p:blipFill>
+          <a:blip r:embed="rId4"/>
+          <a:stretch>
+            <a:fillRect/>
+          </a:stretch>
+        </p:blipFill>
+        <p:spPr>
+          <a:xfrm>
+            <a:off x="2429121" y="1727536"/>
+            <a:ext cx="6833840" cy="1274358"/>
+          </a:xfrm>
+          <a:prstGeom prst="rect">
+            <a:avLst/>
+          </a:prstGeom>
+        </p:spPr>
+      </p:pic>
     </p:spTree>
     <p:extLst>
       <p:ext uri="{BB962C8B-B14F-4D97-AF65-F5344CB8AC3E}">
-        <p14:creationId xmlns:p14="http://schemas.microsoft.com/office/powerpoint/2010/main" val="3282851643"/>
+        <p14:creationId xmlns:p14="http://schemas.microsoft.com/office/powerpoint/2010/main" val="1711539242"/>
       </p:ext>
     </p:extLst>
   </p:cSld>
@@ -5090,34 +5508,6 @@
       </p:sp>
       <p:sp>
         <p:nvSpPr>
-          <p:cNvPr id="3" name="Content Placeholder 2">
-            <a:extLst>
-              <a:ext uri="{FF2B5EF4-FFF2-40B4-BE49-F238E27FC236}">
-                <a16:creationId xmlns:a16="http://schemas.microsoft.com/office/drawing/2014/main" id="{F0AB9DF1-764A-2056-5BC1-70D34F516704}"/>
-              </a:ext>
-            </a:extLst>
-          </p:cNvPr>
-          <p:cNvSpPr>
-            <a:spLocks noGrp="1"/>
-          </p:cNvSpPr>
-          <p:nvPr>
-            <p:ph idx="1"/>
-          </p:nvPr>
-        </p:nvSpPr>
-        <p:spPr/>
-        <p:txBody>
-          <a:bodyPr/>
-          <a:lstStyle/>
-          <a:p>
-            <a:r>
-              <a:rPr lang="en-US" dirty="0"/>
-              <a:t>https://www.asic-world.com/systemverilog/process2.html</a:t>
-            </a:r>
-          </a:p>
-        </p:txBody>
-      </p:sp>
-      <p:sp>
-        <p:nvSpPr>
           <p:cNvPr id="4" name="Slide Number Placeholder 3">
             <a:extLst>
               <a:ext uri="{FF2B5EF4-FFF2-40B4-BE49-F238E27FC236}">
@@ -5140,183 +5530,6 @@
             <a:fld id="{8A2B06E4-34D2-4DD4-ABFF-9F74AC2B18B5}" type="slidenum">
               <a:rPr lang="en-US" smtClean="0"/>
               <a:t>3</a:t>
-            </a:fld>
-            <a:endParaRPr lang="en-US" dirty="0"/>
-          </a:p>
-        </p:txBody>
-      </p:sp>
-      <p:pic>
-        <p:nvPicPr>
-          <p:cNvPr id="5" name="Picture 4">
-            <a:extLst>
-              <a:ext uri="{FF2B5EF4-FFF2-40B4-BE49-F238E27FC236}">
-                <a16:creationId xmlns:a16="http://schemas.microsoft.com/office/drawing/2014/main" id="{0BBFFD0C-D99A-9D5C-5B42-91421F8AFF18}"/>
-              </a:ext>
-            </a:extLst>
-          </p:cNvPr>
-          <p:cNvPicPr>
-            <a:picLocks noChangeAspect="1"/>
-          </p:cNvPicPr>
-          <p:nvPr/>
-        </p:nvPicPr>
-        <p:blipFill>
-          <a:blip r:embed="rId2"/>
-          <a:stretch>
-            <a:fillRect/>
-          </a:stretch>
-        </p:blipFill>
-        <p:spPr>
-          <a:xfrm>
-            <a:off x="2429121" y="3064695"/>
-            <a:ext cx="8132288" cy="947278"/>
-          </a:xfrm>
-          <a:prstGeom prst="rect">
-            <a:avLst/>
-          </a:prstGeom>
-        </p:spPr>
-      </p:pic>
-      <p:pic>
-        <p:nvPicPr>
-          <p:cNvPr id="6" name="Picture 5">
-            <a:extLst>
-              <a:ext uri="{FF2B5EF4-FFF2-40B4-BE49-F238E27FC236}">
-                <a16:creationId xmlns:a16="http://schemas.microsoft.com/office/drawing/2014/main" id="{EEEC7555-825D-0E97-0A01-89EBF599F77A}"/>
-              </a:ext>
-            </a:extLst>
-          </p:cNvPr>
-          <p:cNvPicPr>
-            <a:picLocks noChangeAspect="1"/>
-          </p:cNvPicPr>
-          <p:nvPr/>
-        </p:nvPicPr>
-        <p:blipFill>
-          <a:blip r:embed="rId3"/>
-          <a:stretch>
-            <a:fillRect/>
-          </a:stretch>
-        </p:blipFill>
-        <p:spPr>
-          <a:xfrm>
-            <a:off x="2327496" y="4137576"/>
-            <a:ext cx="8335538" cy="2372056"/>
-          </a:xfrm>
-          <a:prstGeom prst="rect">
-            <a:avLst/>
-          </a:prstGeom>
-        </p:spPr>
-      </p:pic>
-      <p:pic>
-        <p:nvPicPr>
-          <p:cNvPr id="7" name="Picture 6">
-            <a:extLst>
-              <a:ext uri="{FF2B5EF4-FFF2-40B4-BE49-F238E27FC236}">
-                <a16:creationId xmlns:a16="http://schemas.microsoft.com/office/drawing/2014/main" id="{A37F4D58-0ADB-D668-3C92-D99932EAAC9A}"/>
-              </a:ext>
-            </a:extLst>
-          </p:cNvPr>
-          <p:cNvPicPr>
-            <a:picLocks noChangeAspect="1"/>
-          </p:cNvPicPr>
-          <p:nvPr/>
-        </p:nvPicPr>
-        <p:blipFill>
-          <a:blip r:embed="rId4"/>
-          <a:stretch>
-            <a:fillRect/>
-          </a:stretch>
-        </p:blipFill>
-        <p:spPr>
-          <a:xfrm>
-            <a:off x="2429121" y="1727536"/>
-            <a:ext cx="6833840" cy="1274358"/>
-          </a:xfrm>
-          <a:prstGeom prst="rect">
-            <a:avLst/>
-          </a:prstGeom>
-        </p:spPr>
-      </p:pic>
-    </p:spTree>
-    <p:extLst>
-      <p:ext uri="{BB962C8B-B14F-4D97-AF65-F5344CB8AC3E}">
-        <p14:creationId xmlns:p14="http://schemas.microsoft.com/office/powerpoint/2010/main" val="1711539242"/>
-      </p:ext>
-    </p:extLst>
-  </p:cSld>
-  <p:clrMapOvr>
-    <a:masterClrMapping/>
-  </p:clrMapOvr>
-</p:sld>
-</file>
-
-<file path=ppt/slides/slide4.xml><?xml version="1.0" encoding="utf-8"?>
-<p:sld xmlns:a="http://schemas.openxmlformats.org/drawingml/2006/main" xmlns:r="http://schemas.openxmlformats.org/officeDocument/2006/relationships" xmlns:p="http://schemas.openxmlformats.org/presentationml/2006/main">
-  <p:cSld>
-    <p:spTree>
-      <p:nvGrpSpPr>
-        <p:cNvPr id="1" name=""/>
-        <p:cNvGrpSpPr/>
-        <p:nvPr/>
-      </p:nvGrpSpPr>
-      <p:grpSpPr>
-        <a:xfrm>
-          <a:off x="0" y="0"/>
-          <a:ext cx="0" cy="0"/>
-          <a:chOff x="0" y="0"/>
-          <a:chExt cx="0" cy="0"/>
-        </a:xfrm>
-      </p:grpSpPr>
-      <p:sp>
-        <p:nvSpPr>
-          <p:cNvPr id="2" name="Title 1">
-            <a:extLst>
-              <a:ext uri="{FF2B5EF4-FFF2-40B4-BE49-F238E27FC236}">
-                <a16:creationId xmlns:a16="http://schemas.microsoft.com/office/drawing/2014/main" id="{E6E7246E-6DDB-2F98-52B0-04AB5D144996}"/>
-              </a:ext>
-            </a:extLst>
-          </p:cNvPr>
-          <p:cNvSpPr>
-            <a:spLocks noGrp="1"/>
-          </p:cNvSpPr>
-          <p:nvPr>
-            <p:ph type="title"/>
-          </p:nvPr>
-        </p:nvSpPr>
-        <p:spPr/>
-        <p:txBody>
-          <a:bodyPr/>
-          <a:lstStyle/>
-          <a:p>
-            <a:r>
-              <a:rPr lang="en-US" dirty="0"/>
-              <a:t>lab14</a:t>
-            </a:r>
-          </a:p>
-        </p:txBody>
-      </p:sp>
-      <p:sp>
-        <p:nvSpPr>
-          <p:cNvPr id="4" name="Slide Number Placeholder 3">
-            <a:extLst>
-              <a:ext uri="{FF2B5EF4-FFF2-40B4-BE49-F238E27FC236}">
-                <a16:creationId xmlns:a16="http://schemas.microsoft.com/office/drawing/2014/main" id="{A653B7C0-A01B-B019-AE82-6D2CF11E10FE}"/>
-              </a:ext>
-            </a:extLst>
-          </p:cNvPr>
-          <p:cNvSpPr>
-            <a:spLocks noGrp="1"/>
-          </p:cNvSpPr>
-          <p:nvPr>
-            <p:ph type="sldNum" sz="quarter" idx="12"/>
-          </p:nvPr>
-        </p:nvSpPr>
-        <p:spPr/>
-        <p:txBody>
-          <a:bodyPr/>
-          <a:lstStyle/>
-          <a:p>
-            <a:fld id="{8A2B06E4-34D2-4DD4-ABFF-9F74AC2B18B5}" type="slidenum">
-              <a:rPr lang="en-US" smtClean="0"/>
-              <a:t>4</a:t>
             </a:fld>
             <a:endParaRPr lang="en-US" dirty="0"/>
           </a:p>
@@ -5576,7 +5789,7 @@
 </p:sld>
 </file>
 
-<file path=ppt/slides/slide5.xml><?xml version="1.0" encoding="utf-8"?>
+<file path=ppt/slides/slide4.xml><?xml version="1.0" encoding="utf-8"?>
 <p:sld xmlns:a="http://schemas.openxmlformats.org/drawingml/2006/main" xmlns:r="http://schemas.openxmlformats.org/officeDocument/2006/relationships" xmlns:p="http://schemas.openxmlformats.org/presentationml/2006/main">
   <p:cSld>
     <p:spTree>
@@ -5644,7 +5857,7 @@
           <a:p>
             <a:fld id="{8A2B06E4-34D2-4DD4-ABFF-9F74AC2B18B5}" type="slidenum">
               <a:rPr lang="en-US" smtClean="0"/>
-              <a:t>5</a:t>
+              <a:t>4</a:t>
             </a:fld>
             <a:endParaRPr lang="en-US" dirty="0"/>
           </a:p>
@@ -5980,7 +6193,7 @@
 </p:sld>
 </file>
 
-<file path=ppt/slides/slide6.xml><?xml version="1.0" encoding="utf-8"?>
+<file path=ppt/slides/slide5.xml><?xml version="1.0" encoding="utf-8"?>
 <p:sld xmlns:a="http://schemas.openxmlformats.org/drawingml/2006/main" xmlns:r="http://schemas.openxmlformats.org/officeDocument/2006/relationships" xmlns:p="http://schemas.openxmlformats.org/presentationml/2006/main">
   <p:cSld>
     <p:spTree>
@@ -6081,7 +6294,7 @@
           <a:p>
             <a:fld id="{8A2B06E4-34D2-4DD4-ABFF-9F74AC2B18B5}" type="slidenum">
               <a:rPr lang="en-US" smtClean="0"/>
-              <a:t>6</a:t>
+              <a:t>5</a:t>
             </a:fld>
             <a:endParaRPr lang="en-US" dirty="0"/>
           </a:p>
@@ -6588,6 +6801,597 @@
 </p:sld>
 </file>
 
+<file path=ppt/slides/slide6.xml><?xml version="1.0" encoding="utf-8"?>
+<p:sld xmlns:a="http://schemas.openxmlformats.org/drawingml/2006/main" xmlns:r="http://schemas.openxmlformats.org/officeDocument/2006/relationships" xmlns:p="http://schemas.openxmlformats.org/presentationml/2006/main">
+  <p:cSld>
+    <p:spTree>
+      <p:nvGrpSpPr>
+        <p:cNvPr id="1" name=""/>
+        <p:cNvGrpSpPr/>
+        <p:nvPr/>
+      </p:nvGrpSpPr>
+      <p:grpSpPr>
+        <a:xfrm>
+          <a:off x="0" y="0"/>
+          <a:ext cx="0" cy="0"/>
+          <a:chOff x="0" y="0"/>
+          <a:chExt cx="0" cy="0"/>
+        </a:xfrm>
+      </p:grpSpPr>
+      <p:sp>
+        <p:nvSpPr>
+          <p:cNvPr id="2" name="Title 1">
+            <a:extLst>
+              <a:ext uri="{FF2B5EF4-FFF2-40B4-BE49-F238E27FC236}">
+                <a16:creationId xmlns:a16="http://schemas.microsoft.com/office/drawing/2014/main" id="{E6E7246E-6DDB-2F98-52B0-04AB5D144996}"/>
+              </a:ext>
+            </a:extLst>
+          </p:cNvPr>
+          <p:cNvSpPr>
+            <a:spLocks noGrp="1"/>
+          </p:cNvSpPr>
+          <p:nvPr>
+            <p:ph type="title"/>
+          </p:nvPr>
+        </p:nvSpPr>
+        <p:spPr/>
+        <p:txBody>
+          <a:bodyPr/>
+          <a:lstStyle/>
+          <a:p>
+            <a:r>
+              <a:rPr lang="en-US" dirty="0"/>
+              <a:t>lab06</a:t>
+            </a:r>
+          </a:p>
+        </p:txBody>
+      </p:sp>
+      <p:sp>
+        <p:nvSpPr>
+          <p:cNvPr id="3" name="Content Placeholder 2">
+            <a:extLst>
+              <a:ext uri="{FF2B5EF4-FFF2-40B4-BE49-F238E27FC236}">
+                <a16:creationId xmlns:a16="http://schemas.microsoft.com/office/drawing/2014/main" id="{F0AB9DF1-764A-2056-5BC1-70D34F516704}"/>
+              </a:ext>
+            </a:extLst>
+          </p:cNvPr>
+          <p:cNvSpPr>
+            <a:spLocks noGrp="1"/>
+          </p:cNvSpPr>
+          <p:nvPr>
+            <p:ph idx="1"/>
+          </p:nvPr>
+        </p:nvSpPr>
+        <p:spPr/>
+        <p:txBody>
+          <a:bodyPr/>
+          <a:lstStyle/>
+          <a:p>
+            <a:endParaRPr lang="en-US"/>
+          </a:p>
+        </p:txBody>
+      </p:sp>
+      <p:sp>
+        <p:nvSpPr>
+          <p:cNvPr id="4" name="Slide Number Placeholder 3">
+            <a:extLst>
+              <a:ext uri="{FF2B5EF4-FFF2-40B4-BE49-F238E27FC236}">
+                <a16:creationId xmlns:a16="http://schemas.microsoft.com/office/drawing/2014/main" id="{A653B7C0-A01B-B019-AE82-6D2CF11E10FE}"/>
+              </a:ext>
+            </a:extLst>
+          </p:cNvPr>
+          <p:cNvSpPr>
+            <a:spLocks noGrp="1"/>
+          </p:cNvSpPr>
+          <p:nvPr>
+            <p:ph type="sldNum" sz="quarter" idx="12"/>
+          </p:nvPr>
+        </p:nvSpPr>
+        <p:spPr/>
+        <p:txBody>
+          <a:bodyPr/>
+          <a:lstStyle/>
+          <a:p>
+            <a:fld id="{8A2B06E4-34D2-4DD4-ABFF-9F74AC2B18B5}" type="slidenum">
+              <a:rPr lang="en-US" smtClean="0"/>
+              <a:t>6</a:t>
+            </a:fld>
+            <a:endParaRPr lang="en-US" dirty="0"/>
+          </a:p>
+        </p:txBody>
+      </p:sp>
+      <p:sp>
+        <p:nvSpPr>
+          <p:cNvPr id="5" name="Rectangle 4">
+            <a:extLst>
+              <a:ext uri="{FF2B5EF4-FFF2-40B4-BE49-F238E27FC236}">
+                <a16:creationId xmlns:a16="http://schemas.microsoft.com/office/drawing/2014/main" id="{7A8BC8B4-90D1-672C-C963-B3FC6CE72CE9}"/>
+              </a:ext>
+            </a:extLst>
+          </p:cNvPr>
+          <p:cNvSpPr/>
+          <p:nvPr/>
+        </p:nvSpPr>
+        <p:spPr>
+          <a:xfrm>
+            <a:off x="2614862" y="1064029"/>
+            <a:ext cx="5995737" cy="3828813"/>
+          </a:xfrm>
+          <a:prstGeom prst="rect">
+            <a:avLst/>
+          </a:prstGeom>
+        </p:spPr>
+        <p:style>
+          <a:lnRef idx="2">
+            <a:schemeClr val="accent1">
+              <a:shade val="50000"/>
+            </a:schemeClr>
+          </a:lnRef>
+          <a:fillRef idx="1">
+            <a:schemeClr val="accent1"/>
+          </a:fillRef>
+          <a:effectRef idx="0">
+            <a:schemeClr val="accent1"/>
+          </a:effectRef>
+          <a:fontRef idx="minor">
+            <a:schemeClr val="lt1"/>
+          </a:fontRef>
+        </p:style>
+        <p:txBody>
+          <a:bodyPr rtlCol="0" anchor="ctr"/>
+          <a:lstStyle/>
+          <a:p>
+            <a:pPr algn="ctr"/>
+            <a:r>
+              <a:rPr lang="en-US" dirty="0"/>
+              <a:t>SOC top</a:t>
+            </a:r>
+          </a:p>
+        </p:txBody>
+      </p:sp>
+      <p:sp>
+        <p:nvSpPr>
+          <p:cNvPr id="6" name="Rectangle 5">
+            <a:extLst>
+              <a:ext uri="{FF2B5EF4-FFF2-40B4-BE49-F238E27FC236}">
+                <a16:creationId xmlns:a16="http://schemas.microsoft.com/office/drawing/2014/main" id="{C8755909-7107-A81F-9E71-A64A0AECAE9D}"/>
+              </a:ext>
+            </a:extLst>
+          </p:cNvPr>
+          <p:cNvSpPr/>
+          <p:nvPr/>
+        </p:nvSpPr>
+        <p:spPr>
+          <a:xfrm>
+            <a:off x="3968986" y="3138975"/>
+            <a:ext cx="2873829" cy="741756"/>
+          </a:xfrm>
+          <a:prstGeom prst="rect">
+            <a:avLst/>
+          </a:prstGeom>
+          <a:solidFill>
+            <a:schemeClr val="accent2"/>
+          </a:solidFill>
+        </p:spPr>
+        <p:style>
+          <a:lnRef idx="2">
+            <a:schemeClr val="accent1">
+              <a:shade val="50000"/>
+            </a:schemeClr>
+          </a:lnRef>
+          <a:fillRef idx="1">
+            <a:schemeClr val="accent1"/>
+          </a:fillRef>
+          <a:effectRef idx="0">
+            <a:schemeClr val="accent1"/>
+          </a:effectRef>
+          <a:fontRef idx="minor">
+            <a:schemeClr val="lt1"/>
+          </a:fontRef>
+        </p:style>
+        <p:txBody>
+          <a:bodyPr rtlCol="0" anchor="ctr"/>
+          <a:lstStyle/>
+          <a:p>
+            <a:pPr algn="ctr"/>
+            <a:r>
+              <a:rPr lang="en-US" dirty="0" err="1"/>
+              <a:t>clkgen</a:t>
+            </a:r>
+            <a:endParaRPr lang="en-US" dirty="0"/>
+          </a:p>
+        </p:txBody>
+      </p:sp>
+      <p:cxnSp>
+        <p:nvCxnSpPr>
+          <p:cNvPr id="8" name="Straight Arrow Connector 7">
+            <a:extLst>
+              <a:ext uri="{FF2B5EF4-FFF2-40B4-BE49-F238E27FC236}">
+                <a16:creationId xmlns:a16="http://schemas.microsoft.com/office/drawing/2014/main" id="{C5B70E01-A18F-070E-85D9-6AB8CD9224F9}"/>
+              </a:ext>
+            </a:extLst>
+          </p:cNvPr>
+          <p:cNvCxnSpPr>
+            <a:cxnSpLocks/>
+          </p:cNvCxnSpPr>
+          <p:nvPr/>
+        </p:nvCxnSpPr>
+        <p:spPr>
+          <a:xfrm>
+            <a:off x="6290374" y="3429000"/>
+            <a:ext cx="1104881" cy="0"/>
+          </a:xfrm>
+          <a:prstGeom prst="straightConnector1">
+            <a:avLst/>
+          </a:prstGeom>
+          <a:ln w="19050">
+            <a:solidFill>
+              <a:srgbClr val="C00000"/>
+            </a:solidFill>
+            <a:tailEnd type="triangle"/>
+          </a:ln>
+        </p:spPr>
+        <p:style>
+          <a:lnRef idx="1">
+            <a:schemeClr val="accent6"/>
+          </a:lnRef>
+          <a:fillRef idx="0">
+            <a:schemeClr val="accent6"/>
+          </a:fillRef>
+          <a:effectRef idx="0">
+            <a:schemeClr val="accent6"/>
+          </a:effectRef>
+          <a:fontRef idx="minor">
+            <a:schemeClr val="tx1"/>
+          </a:fontRef>
+        </p:style>
+      </p:cxnSp>
+      <p:sp>
+        <p:nvSpPr>
+          <p:cNvPr id="10" name="Content Placeholder 2">
+            <a:extLst>
+              <a:ext uri="{FF2B5EF4-FFF2-40B4-BE49-F238E27FC236}">
+                <a16:creationId xmlns:a16="http://schemas.microsoft.com/office/drawing/2014/main" id="{28F2D1D1-BE81-AE0A-EB48-4334E208CA3C}"/>
+              </a:ext>
+            </a:extLst>
+          </p:cNvPr>
+          <p:cNvSpPr txBox="1">
+            <a:spLocks/>
+          </p:cNvSpPr>
+          <p:nvPr/>
+        </p:nvSpPr>
+        <p:spPr>
+          <a:xfrm>
+            <a:off x="6454372" y="3140290"/>
+            <a:ext cx="1535531" cy="741755"/>
+          </a:xfrm>
+          <a:prstGeom prst="rect">
+            <a:avLst/>
+          </a:prstGeom>
+        </p:spPr>
+        <p:txBody>
+          <a:bodyPr vert="horz" lIns="91440" tIns="45720" rIns="91440" bIns="45720" rtlCol="0">
+            <a:normAutofit fontScale="92500" lnSpcReduction="10000"/>
+          </a:bodyPr>
+          <a:lstStyle>
+            <a:lvl1pPr marL="228600" indent="-228600" algn="l" defTabSz="914400" rtl="0" eaLnBrk="1" latinLnBrk="0" hangingPunct="1">
+              <a:lnSpc>
+                <a:spcPct val="90000"/>
+              </a:lnSpc>
+              <a:spcBef>
+                <a:spcPts val="1000"/>
+              </a:spcBef>
+              <a:buFont typeface="Arial" panose="020B0604020202020204" pitchFamily="34" charset="0"/>
+              <a:buChar char="•"/>
+              <a:defRPr sz="1400" kern="1200">
+                <a:solidFill>
+                  <a:schemeClr val="tx1"/>
+                </a:solidFill>
+                <a:latin typeface="+mn-lt"/>
+                <a:ea typeface="+mn-ea"/>
+                <a:cs typeface="+mn-cs"/>
+              </a:defRPr>
+            </a:lvl1pPr>
+            <a:lvl2pPr marL="685800" indent="-228600" algn="l" defTabSz="914400" rtl="0" eaLnBrk="1" latinLnBrk="0" hangingPunct="1">
+              <a:lnSpc>
+                <a:spcPct val="90000"/>
+              </a:lnSpc>
+              <a:spcBef>
+                <a:spcPts val="500"/>
+              </a:spcBef>
+              <a:buFont typeface="Arial" panose="020B0604020202020204" pitchFamily="34" charset="0"/>
+              <a:buChar char="•"/>
+              <a:defRPr sz="1200" kern="1200">
+                <a:solidFill>
+                  <a:schemeClr val="tx1"/>
+                </a:solidFill>
+                <a:latin typeface="+mn-lt"/>
+                <a:ea typeface="+mn-ea"/>
+                <a:cs typeface="+mn-cs"/>
+              </a:defRPr>
+            </a:lvl2pPr>
+            <a:lvl3pPr marL="1143000" indent="-228600" algn="l" defTabSz="914400" rtl="0" eaLnBrk="1" latinLnBrk="0" hangingPunct="1">
+              <a:lnSpc>
+                <a:spcPct val="90000"/>
+              </a:lnSpc>
+              <a:spcBef>
+                <a:spcPts val="500"/>
+              </a:spcBef>
+              <a:buFont typeface="Arial" panose="020B0604020202020204" pitchFamily="34" charset="0"/>
+              <a:buChar char="•"/>
+              <a:defRPr sz="1200" kern="1200">
+                <a:solidFill>
+                  <a:schemeClr val="tx1"/>
+                </a:solidFill>
+                <a:latin typeface="+mn-lt"/>
+                <a:ea typeface="+mn-ea"/>
+                <a:cs typeface="+mn-cs"/>
+              </a:defRPr>
+            </a:lvl3pPr>
+            <a:lvl4pPr marL="1600200" indent="-228600" algn="l" defTabSz="914400" rtl="0" eaLnBrk="1" latinLnBrk="0" hangingPunct="1">
+              <a:lnSpc>
+                <a:spcPct val="90000"/>
+              </a:lnSpc>
+              <a:spcBef>
+                <a:spcPts val="500"/>
+              </a:spcBef>
+              <a:buFont typeface="Arial" panose="020B0604020202020204" pitchFamily="34" charset="0"/>
+              <a:buChar char="•"/>
+              <a:defRPr sz="1200" kern="1200">
+                <a:solidFill>
+                  <a:schemeClr val="tx1"/>
+                </a:solidFill>
+                <a:latin typeface="+mn-lt"/>
+                <a:ea typeface="+mn-ea"/>
+                <a:cs typeface="+mn-cs"/>
+              </a:defRPr>
+            </a:lvl4pPr>
+            <a:lvl5pPr marL="2057400" indent="-228600" algn="l" defTabSz="914400" rtl="0" eaLnBrk="1" latinLnBrk="0" hangingPunct="1">
+              <a:lnSpc>
+                <a:spcPct val="90000"/>
+              </a:lnSpc>
+              <a:spcBef>
+                <a:spcPts val="500"/>
+              </a:spcBef>
+              <a:buFont typeface="Arial" panose="020B0604020202020204" pitchFamily="34" charset="0"/>
+              <a:buChar char="•"/>
+              <a:defRPr sz="1200" kern="1200">
+                <a:solidFill>
+                  <a:schemeClr val="tx1"/>
+                </a:solidFill>
+                <a:latin typeface="+mn-lt"/>
+                <a:ea typeface="+mn-ea"/>
+                <a:cs typeface="+mn-cs"/>
+              </a:defRPr>
+            </a:lvl5pPr>
+            <a:lvl6pPr marL="2514600" indent="-228600" algn="l" defTabSz="914400" rtl="0" eaLnBrk="1" latinLnBrk="0" hangingPunct="1">
+              <a:lnSpc>
+                <a:spcPct val="90000"/>
+              </a:lnSpc>
+              <a:spcBef>
+                <a:spcPts val="500"/>
+              </a:spcBef>
+              <a:buFont typeface="Arial" panose="020B0604020202020204" pitchFamily="34" charset="0"/>
+              <a:buChar char="•"/>
+              <a:defRPr sz="1800" kern="1200">
+                <a:solidFill>
+                  <a:schemeClr val="tx1"/>
+                </a:solidFill>
+                <a:latin typeface="+mn-lt"/>
+                <a:ea typeface="+mn-ea"/>
+                <a:cs typeface="+mn-cs"/>
+              </a:defRPr>
+            </a:lvl6pPr>
+            <a:lvl7pPr marL="2971800" indent="-228600" algn="l" defTabSz="914400" rtl="0" eaLnBrk="1" latinLnBrk="0" hangingPunct="1">
+              <a:lnSpc>
+                <a:spcPct val="90000"/>
+              </a:lnSpc>
+              <a:spcBef>
+                <a:spcPts val="500"/>
+              </a:spcBef>
+              <a:buFont typeface="Arial" panose="020B0604020202020204" pitchFamily="34" charset="0"/>
+              <a:buChar char="•"/>
+              <a:defRPr sz="1800" kern="1200">
+                <a:solidFill>
+                  <a:schemeClr val="tx1"/>
+                </a:solidFill>
+                <a:latin typeface="+mn-lt"/>
+                <a:ea typeface="+mn-ea"/>
+                <a:cs typeface="+mn-cs"/>
+              </a:defRPr>
+            </a:lvl7pPr>
+            <a:lvl8pPr marL="3429000" indent="-228600" algn="l" defTabSz="914400" rtl="0" eaLnBrk="1" latinLnBrk="0" hangingPunct="1">
+              <a:lnSpc>
+                <a:spcPct val="90000"/>
+              </a:lnSpc>
+              <a:spcBef>
+                <a:spcPts val="500"/>
+              </a:spcBef>
+              <a:buFont typeface="Arial" panose="020B0604020202020204" pitchFamily="34" charset="0"/>
+              <a:buChar char="•"/>
+              <a:defRPr sz="1800" kern="1200">
+                <a:solidFill>
+                  <a:schemeClr val="tx1"/>
+                </a:solidFill>
+                <a:latin typeface="+mn-lt"/>
+                <a:ea typeface="+mn-ea"/>
+                <a:cs typeface="+mn-cs"/>
+              </a:defRPr>
+            </a:lvl8pPr>
+            <a:lvl9pPr marL="3886200" indent="-228600" algn="l" defTabSz="914400" rtl="0" eaLnBrk="1" latinLnBrk="0" hangingPunct="1">
+              <a:lnSpc>
+                <a:spcPct val="90000"/>
+              </a:lnSpc>
+              <a:spcBef>
+                <a:spcPts val="500"/>
+              </a:spcBef>
+              <a:buFont typeface="Arial" panose="020B0604020202020204" pitchFamily="34" charset="0"/>
+              <a:buChar char="•"/>
+              <a:defRPr sz="1800" kern="1200">
+                <a:solidFill>
+                  <a:schemeClr val="tx1"/>
+                </a:solidFill>
+                <a:latin typeface="+mn-lt"/>
+                <a:ea typeface="+mn-ea"/>
+                <a:cs typeface="+mn-cs"/>
+              </a:defRPr>
+            </a:lvl9pPr>
+          </a:lstStyle>
+          <a:p>
+            <a:r>
+              <a:rPr lang="en-US" dirty="0"/>
+              <a:t>module </a:t>
+            </a:r>
+            <a:r>
+              <a:rPr lang="en-US" dirty="0" err="1"/>
+              <a:t>clkgen</a:t>
+            </a:r>
+            <a:r>
+              <a:rPr lang="en-US" dirty="0"/>
+              <a:t>(</a:t>
+            </a:r>
+          </a:p>
+          <a:p>
+            <a:pPr lvl="1"/>
+            <a:r>
+              <a:rPr lang="en-US" dirty="0"/>
+              <a:t>output </a:t>
+            </a:r>
+            <a:r>
+              <a:rPr lang="en-US" dirty="0" err="1"/>
+              <a:t>clk</a:t>
+            </a:r>
+            <a:r>
+              <a:rPr lang="en-US" dirty="0"/>
+              <a:t>)</a:t>
+            </a:r>
+          </a:p>
+          <a:p>
+            <a:r>
+              <a:rPr lang="en-US" dirty="0" err="1"/>
+              <a:t>endmodule</a:t>
+            </a:r>
+            <a:endParaRPr lang="en-US" dirty="0"/>
+          </a:p>
+        </p:txBody>
+      </p:sp>
+      <p:sp>
+        <p:nvSpPr>
+          <p:cNvPr id="11" name="Rectangle 10">
+            <a:extLst>
+              <a:ext uri="{FF2B5EF4-FFF2-40B4-BE49-F238E27FC236}">
+                <a16:creationId xmlns:a16="http://schemas.microsoft.com/office/drawing/2014/main" id="{C367B434-14FD-822E-FF59-0088E09D1BBC}"/>
+              </a:ext>
+            </a:extLst>
+          </p:cNvPr>
+          <p:cNvSpPr/>
+          <p:nvPr/>
+        </p:nvSpPr>
+        <p:spPr>
+          <a:xfrm>
+            <a:off x="3968986" y="1541169"/>
+            <a:ext cx="2873829" cy="741756"/>
+          </a:xfrm>
+          <a:prstGeom prst="rect">
+            <a:avLst/>
+          </a:prstGeom>
+          <a:solidFill>
+            <a:schemeClr val="accent2"/>
+          </a:solidFill>
+        </p:spPr>
+        <p:style>
+          <a:lnRef idx="2">
+            <a:schemeClr val="accent1">
+              <a:shade val="50000"/>
+            </a:schemeClr>
+          </a:lnRef>
+          <a:fillRef idx="1">
+            <a:schemeClr val="accent1"/>
+          </a:fillRef>
+          <a:effectRef idx="0">
+            <a:schemeClr val="accent1"/>
+          </a:effectRef>
+          <a:fontRef idx="minor">
+            <a:schemeClr val="lt1"/>
+          </a:fontRef>
+        </p:style>
+        <p:txBody>
+          <a:bodyPr rtlCol="0" anchor="ctr"/>
+          <a:lstStyle/>
+          <a:p>
+            <a:pPr algn="ctr"/>
+            <a:r>
+              <a:rPr lang="en-US" dirty="0"/>
+              <a:t>module </a:t>
+            </a:r>
+            <a:r>
+              <a:rPr lang="en-US" dirty="0" err="1"/>
+              <a:t>axi</a:t>
+            </a:r>
+            <a:r>
+              <a:rPr lang="en-US" dirty="0"/>
+              <a:t>_</a:t>
+            </a:r>
+          </a:p>
+        </p:txBody>
+      </p:sp>
+      <p:cxnSp>
+        <p:nvCxnSpPr>
+          <p:cNvPr id="12" name="Straight Arrow Connector 11">
+            <a:extLst>
+              <a:ext uri="{FF2B5EF4-FFF2-40B4-BE49-F238E27FC236}">
+                <a16:creationId xmlns:a16="http://schemas.microsoft.com/office/drawing/2014/main" id="{C44171CA-F278-841B-3EA9-73B642359E42}"/>
+              </a:ext>
+            </a:extLst>
+          </p:cNvPr>
+          <p:cNvCxnSpPr>
+            <a:cxnSpLocks/>
+          </p:cNvCxnSpPr>
+          <p:nvPr/>
+        </p:nvCxnSpPr>
+        <p:spPr>
+          <a:xfrm>
+            <a:off x="2864105" y="1932022"/>
+            <a:ext cx="1104881" cy="0"/>
+          </a:xfrm>
+          <a:prstGeom prst="straightConnector1">
+            <a:avLst/>
+          </a:prstGeom>
+          <a:ln w="19050">
+            <a:solidFill>
+              <a:srgbClr val="C00000"/>
+            </a:solidFill>
+            <a:tailEnd type="triangle"/>
+          </a:ln>
+        </p:spPr>
+        <p:style>
+          <a:lnRef idx="1">
+            <a:schemeClr val="accent6"/>
+          </a:lnRef>
+          <a:fillRef idx="0">
+            <a:schemeClr val="accent6"/>
+          </a:fillRef>
+          <a:effectRef idx="0">
+            <a:schemeClr val="accent6"/>
+          </a:effectRef>
+          <a:fontRef idx="minor">
+            <a:schemeClr val="tx1"/>
+          </a:fontRef>
+        </p:style>
+      </p:cxnSp>
+    </p:spTree>
+    <p:extLst>
+      <p:ext uri="{BB962C8B-B14F-4D97-AF65-F5344CB8AC3E}">
+        <p14:creationId xmlns:p14="http://schemas.microsoft.com/office/powerpoint/2010/main" val="3282851643"/>
+      </p:ext>
+    </p:extLst>
+  </p:cSld>
+  <p:clrMapOvr>
+    <a:masterClrMapping/>
+  </p:clrMapOvr>
+</p:sld>
+</file>
+
 <file path=ppt/slides/slide7.xml><?xml version="1.0" encoding="utf-8"?>
 <p:sld xmlns:a="http://schemas.openxmlformats.org/drawingml/2006/main" xmlns:r="http://schemas.openxmlformats.org/officeDocument/2006/relationships" xmlns:p="http://schemas.openxmlformats.org/presentationml/2006/main">
   <p:cSld>
@@ -6610,7 +7414,7 @@
           <p:cNvPr id="2" name="Title 1">
             <a:extLst>
               <a:ext uri="{FF2B5EF4-FFF2-40B4-BE49-F238E27FC236}">
-                <a16:creationId xmlns:a16="http://schemas.microsoft.com/office/drawing/2014/main" id="{E6E7246E-6DDB-2F98-52B0-04AB5D144996}"/>
+                <a16:creationId xmlns:a16="http://schemas.microsoft.com/office/drawing/2014/main" id="{73D23E56-2C2B-BFB5-0308-AF09DD1B0B6B}"/>
               </a:ext>
             </a:extLst>
           </p:cNvPr>
@@ -6628,8 +7432,33 @@
           <a:p>
             <a:r>
               <a:rPr lang="en-US" dirty="0"/>
-              <a:t>lab04</a:t>
-            </a:r>
+              <a:t>lab07</a:t>
+            </a:r>
+          </a:p>
+        </p:txBody>
+      </p:sp>
+      <p:sp>
+        <p:nvSpPr>
+          <p:cNvPr id="3" name="Content Placeholder 2">
+            <a:extLst>
+              <a:ext uri="{FF2B5EF4-FFF2-40B4-BE49-F238E27FC236}">
+                <a16:creationId xmlns:a16="http://schemas.microsoft.com/office/drawing/2014/main" id="{2657A5E9-1614-2F41-5306-EC564139BD28}"/>
+              </a:ext>
+            </a:extLst>
+          </p:cNvPr>
+          <p:cNvSpPr>
+            <a:spLocks noGrp="1"/>
+          </p:cNvSpPr>
+          <p:nvPr>
+            <p:ph idx="1"/>
+          </p:nvPr>
+        </p:nvSpPr>
+        <p:spPr/>
+        <p:txBody>
+          <a:bodyPr/>
+          <a:lstStyle/>
+          <a:p>
+            <a:endParaRPr lang="en-US" dirty="0"/>
           </a:p>
         </p:txBody>
       </p:sp>
@@ -6638,7 +7467,7 @@
           <p:cNvPr id="4" name="Slide Number Placeholder 3">
             <a:extLst>
               <a:ext uri="{FF2B5EF4-FFF2-40B4-BE49-F238E27FC236}">
-                <a16:creationId xmlns:a16="http://schemas.microsoft.com/office/drawing/2014/main" id="{A653B7C0-A01B-B019-AE82-6D2CF11E10FE}"/>
+                <a16:creationId xmlns:a16="http://schemas.microsoft.com/office/drawing/2014/main" id="{620C5C59-E1CB-4945-C254-D59DA973D96B}"/>
               </a:ext>
             </a:extLst>
           </p:cNvPr>
@@ -6657,6 +7486,247 @@
             <a:fld id="{8A2B06E4-34D2-4DD4-ABFF-9F74AC2B18B5}" type="slidenum">
               <a:rPr lang="en-US" smtClean="0"/>
               <a:t>7</a:t>
+            </a:fld>
+            <a:endParaRPr lang="en-US" dirty="0"/>
+          </a:p>
+        </p:txBody>
+      </p:sp>
+      <p:sp>
+        <p:nvSpPr>
+          <p:cNvPr id="5" name="Rectangle 4">
+            <a:extLst>
+              <a:ext uri="{FF2B5EF4-FFF2-40B4-BE49-F238E27FC236}">
+                <a16:creationId xmlns:a16="http://schemas.microsoft.com/office/drawing/2014/main" id="{A0C37854-5741-B17F-49C0-014563D0D4E0}"/>
+              </a:ext>
+            </a:extLst>
+          </p:cNvPr>
+          <p:cNvSpPr/>
+          <p:nvPr/>
+        </p:nvSpPr>
+        <p:spPr>
+          <a:xfrm>
+            <a:off x="2614862" y="1064029"/>
+            <a:ext cx="5995737" cy="3828813"/>
+          </a:xfrm>
+          <a:prstGeom prst="rect">
+            <a:avLst/>
+          </a:prstGeom>
+        </p:spPr>
+        <p:style>
+          <a:lnRef idx="2">
+            <a:schemeClr val="accent1">
+              <a:shade val="50000"/>
+            </a:schemeClr>
+          </a:lnRef>
+          <a:fillRef idx="1">
+            <a:schemeClr val="accent1"/>
+          </a:fillRef>
+          <a:effectRef idx="0">
+            <a:schemeClr val="accent1"/>
+          </a:effectRef>
+          <a:fontRef idx="minor">
+            <a:schemeClr val="lt1"/>
+          </a:fontRef>
+        </p:style>
+        <p:txBody>
+          <a:bodyPr rtlCol="0" anchor="ctr"/>
+          <a:lstStyle/>
+          <a:p>
+            <a:pPr algn="ctr"/>
+            <a:r>
+              <a:rPr lang="en-US" dirty="0"/>
+              <a:t>top</a:t>
+            </a:r>
+          </a:p>
+        </p:txBody>
+      </p:sp>
+      <p:sp>
+        <p:nvSpPr>
+          <p:cNvPr id="6" name="Rectangle 5">
+            <a:extLst>
+              <a:ext uri="{FF2B5EF4-FFF2-40B4-BE49-F238E27FC236}">
+                <a16:creationId xmlns:a16="http://schemas.microsoft.com/office/drawing/2014/main" id="{491B9DA3-B60C-67D1-B7B5-83EF9630BACD}"/>
+              </a:ext>
+            </a:extLst>
+          </p:cNvPr>
+          <p:cNvSpPr/>
+          <p:nvPr/>
+        </p:nvSpPr>
+        <p:spPr>
+          <a:xfrm>
+            <a:off x="5405899" y="1374232"/>
+            <a:ext cx="2873829" cy="637817"/>
+          </a:xfrm>
+          <a:prstGeom prst="rect">
+            <a:avLst/>
+          </a:prstGeom>
+          <a:solidFill>
+            <a:schemeClr val="accent2"/>
+          </a:solidFill>
+        </p:spPr>
+        <p:style>
+          <a:lnRef idx="2">
+            <a:schemeClr val="accent1">
+              <a:shade val="50000"/>
+            </a:schemeClr>
+          </a:lnRef>
+          <a:fillRef idx="1">
+            <a:schemeClr val="accent1"/>
+          </a:fillRef>
+          <a:effectRef idx="0">
+            <a:schemeClr val="accent1"/>
+          </a:effectRef>
+          <a:fontRef idx="minor">
+            <a:schemeClr val="lt1"/>
+          </a:fontRef>
+        </p:style>
+        <p:txBody>
+          <a:bodyPr rtlCol="0" anchor="ctr"/>
+          <a:lstStyle/>
+          <a:p>
+            <a:pPr algn="ctr"/>
+            <a:r>
+              <a:rPr lang="en-US" dirty="0"/>
+              <a:t>tb</a:t>
+            </a:r>
+          </a:p>
+        </p:txBody>
+      </p:sp>
+      <p:sp>
+        <p:nvSpPr>
+          <p:cNvPr id="7" name="Rectangle 6">
+            <a:extLst>
+              <a:ext uri="{FF2B5EF4-FFF2-40B4-BE49-F238E27FC236}">
+                <a16:creationId xmlns:a16="http://schemas.microsoft.com/office/drawing/2014/main" id="{461C591A-42CD-7A14-F811-B1144809831E}"/>
+              </a:ext>
+            </a:extLst>
+          </p:cNvPr>
+          <p:cNvSpPr/>
+          <p:nvPr/>
+        </p:nvSpPr>
+        <p:spPr>
+          <a:xfrm>
+            <a:off x="5405899" y="3960469"/>
+            <a:ext cx="2873829" cy="637817"/>
+          </a:xfrm>
+          <a:prstGeom prst="rect">
+            <a:avLst/>
+          </a:prstGeom>
+          <a:solidFill>
+            <a:schemeClr val="accent2"/>
+          </a:solidFill>
+        </p:spPr>
+        <p:style>
+          <a:lnRef idx="2">
+            <a:schemeClr val="accent1">
+              <a:shade val="50000"/>
+            </a:schemeClr>
+          </a:lnRef>
+          <a:fillRef idx="1">
+            <a:schemeClr val="accent1"/>
+          </a:fillRef>
+          <a:effectRef idx="0">
+            <a:schemeClr val="accent1"/>
+          </a:effectRef>
+          <a:fontRef idx="minor">
+            <a:schemeClr val="lt1"/>
+          </a:fontRef>
+        </p:style>
+        <p:txBody>
+          <a:bodyPr rtlCol="0" anchor="ctr"/>
+          <a:lstStyle/>
+          <a:p>
+            <a:pPr algn="ctr"/>
+            <a:r>
+              <a:rPr lang="en-US" dirty="0" err="1"/>
+              <a:t>dut</a:t>
+            </a:r>
+            <a:endParaRPr lang="en-US" dirty="0"/>
+          </a:p>
+        </p:txBody>
+      </p:sp>
+    </p:spTree>
+    <p:extLst>
+      <p:ext uri="{BB962C8B-B14F-4D97-AF65-F5344CB8AC3E}">
+        <p14:creationId xmlns:p14="http://schemas.microsoft.com/office/powerpoint/2010/main" val="3878401024"/>
+      </p:ext>
+    </p:extLst>
+  </p:cSld>
+  <p:clrMapOvr>
+    <a:masterClrMapping/>
+  </p:clrMapOvr>
+</p:sld>
+</file>
+
+<file path=ppt/slides/slide8.xml><?xml version="1.0" encoding="utf-8"?>
+<p:sld xmlns:a="http://schemas.openxmlformats.org/drawingml/2006/main" xmlns:r="http://schemas.openxmlformats.org/officeDocument/2006/relationships" xmlns:p="http://schemas.openxmlformats.org/presentationml/2006/main">
+  <p:cSld>
+    <p:spTree>
+      <p:nvGrpSpPr>
+        <p:cNvPr id="1" name=""/>
+        <p:cNvGrpSpPr/>
+        <p:nvPr/>
+      </p:nvGrpSpPr>
+      <p:grpSpPr>
+        <a:xfrm>
+          <a:off x="0" y="0"/>
+          <a:ext cx="0" cy="0"/>
+          <a:chOff x="0" y="0"/>
+          <a:chExt cx="0" cy="0"/>
+        </a:xfrm>
+      </p:grpSpPr>
+      <p:sp>
+        <p:nvSpPr>
+          <p:cNvPr id="2" name="Title 1">
+            <a:extLst>
+              <a:ext uri="{FF2B5EF4-FFF2-40B4-BE49-F238E27FC236}">
+                <a16:creationId xmlns:a16="http://schemas.microsoft.com/office/drawing/2014/main" id="{E6E7246E-6DDB-2F98-52B0-04AB5D144996}"/>
+              </a:ext>
+            </a:extLst>
+          </p:cNvPr>
+          <p:cNvSpPr>
+            <a:spLocks noGrp="1"/>
+          </p:cNvSpPr>
+          <p:nvPr>
+            <p:ph type="title"/>
+          </p:nvPr>
+        </p:nvSpPr>
+        <p:spPr/>
+        <p:txBody>
+          <a:bodyPr/>
+          <a:lstStyle/>
+          <a:p>
+            <a:r>
+              <a:rPr lang="en-US" dirty="0"/>
+              <a:t>lab04</a:t>
+            </a:r>
+          </a:p>
+        </p:txBody>
+      </p:sp>
+      <p:sp>
+        <p:nvSpPr>
+          <p:cNvPr id="4" name="Slide Number Placeholder 3">
+            <a:extLst>
+              <a:ext uri="{FF2B5EF4-FFF2-40B4-BE49-F238E27FC236}">
+                <a16:creationId xmlns:a16="http://schemas.microsoft.com/office/drawing/2014/main" id="{A653B7C0-A01B-B019-AE82-6D2CF11E10FE}"/>
+              </a:ext>
+            </a:extLst>
+          </p:cNvPr>
+          <p:cNvSpPr>
+            <a:spLocks noGrp="1"/>
+          </p:cNvSpPr>
+          <p:nvPr>
+            <p:ph type="sldNum" sz="quarter" idx="12"/>
+          </p:nvPr>
+        </p:nvSpPr>
+        <p:spPr/>
+        <p:txBody>
+          <a:bodyPr/>
+          <a:lstStyle/>
+          <a:p>
+            <a:fld id="{8A2B06E4-34D2-4DD4-ABFF-9F74AC2B18B5}" type="slidenum">
+              <a:rPr lang="en-US" smtClean="0"/>
+              <a:t>8</a:t>
             </a:fld>
             <a:endParaRPr lang="en-US" dirty="0"/>
           </a:p>
@@ -7745,7 +8815,7 @@
 </p:sld>
 </file>
 
-<file path=ppt/slides/slide8.xml><?xml version="1.0" encoding="utf-8"?>
+<file path=ppt/slides/slide9.xml><?xml version="1.0" encoding="utf-8"?>
 <p:sld xmlns:a="http://schemas.openxmlformats.org/drawingml/2006/main" xmlns:r="http://schemas.openxmlformats.org/officeDocument/2006/relationships" xmlns:p="http://schemas.openxmlformats.org/presentationml/2006/main">
   <p:cSld>
     <p:spTree>
@@ -7813,7 +8883,7 @@
           <a:p>
             <a:fld id="{8A2B06E4-34D2-4DD4-ABFF-9F74AC2B18B5}" type="slidenum">
               <a:rPr lang="en-US" smtClean="0"/>
-              <a:t>8</a:t>
+              <a:t>9</a:t>
             </a:fld>
             <a:endParaRPr lang="en-US" dirty="0"/>
           </a:p>
@@ -8271,227 +9341,6 @@
     <p:extLst>
       <p:ext uri="{BB962C8B-B14F-4D97-AF65-F5344CB8AC3E}">
         <p14:creationId xmlns:p14="http://schemas.microsoft.com/office/powerpoint/2010/main" val="3022158455"/>
-      </p:ext>
-    </p:extLst>
-  </p:cSld>
-  <p:clrMapOvr>
-    <a:masterClrMapping/>
-  </p:clrMapOvr>
-</p:sld>
-</file>
-
-<file path=ppt/slides/slide9.xml><?xml version="1.0" encoding="utf-8"?>
-<p:sld xmlns:a="http://schemas.openxmlformats.org/drawingml/2006/main" xmlns:r="http://schemas.openxmlformats.org/officeDocument/2006/relationships" xmlns:p="http://schemas.openxmlformats.org/presentationml/2006/main">
-  <p:cSld>
-    <p:spTree>
-      <p:nvGrpSpPr>
-        <p:cNvPr id="1" name=""/>
-        <p:cNvGrpSpPr/>
-        <p:nvPr/>
-      </p:nvGrpSpPr>
-      <p:grpSpPr>
-        <a:xfrm>
-          <a:off x="0" y="0"/>
-          <a:ext cx="0" cy="0"/>
-          <a:chOff x="0" y="0"/>
-          <a:chExt cx="0" cy="0"/>
-        </a:xfrm>
-      </p:grpSpPr>
-      <p:sp>
-        <p:nvSpPr>
-          <p:cNvPr id="2" name="Title 1">
-            <a:extLst>
-              <a:ext uri="{FF2B5EF4-FFF2-40B4-BE49-F238E27FC236}">
-                <a16:creationId xmlns:a16="http://schemas.microsoft.com/office/drawing/2014/main" id="{0AEB7B77-FA10-C46A-0CC0-5C6DA2DB31EB}"/>
-              </a:ext>
-            </a:extLst>
-          </p:cNvPr>
-          <p:cNvSpPr>
-            <a:spLocks noGrp="1"/>
-          </p:cNvSpPr>
-          <p:nvPr>
-            <p:ph type="title"/>
-          </p:nvPr>
-        </p:nvSpPr>
-        <p:spPr>
-          <a:xfrm>
-            <a:off x="324196" y="160394"/>
-            <a:ext cx="11029604" cy="599151"/>
-          </a:xfrm>
-        </p:spPr>
-        <p:txBody>
-          <a:bodyPr/>
-          <a:lstStyle/>
-          <a:p>
-            <a:r>
-              <a:rPr lang="en-US" dirty="0"/>
-              <a:t>lab12</a:t>
-            </a:r>
-          </a:p>
-        </p:txBody>
-      </p:sp>
-      <p:sp>
-        <p:nvSpPr>
-          <p:cNvPr id="3" name="Content Placeholder 2">
-            <a:extLst>
-              <a:ext uri="{FF2B5EF4-FFF2-40B4-BE49-F238E27FC236}">
-                <a16:creationId xmlns:a16="http://schemas.microsoft.com/office/drawing/2014/main" id="{810C7513-AE8B-94AD-262A-53C837DD6E09}"/>
-              </a:ext>
-            </a:extLst>
-          </p:cNvPr>
-          <p:cNvSpPr>
-            <a:spLocks noGrp="1"/>
-          </p:cNvSpPr>
-          <p:nvPr>
-            <p:ph idx="1"/>
-          </p:nvPr>
-        </p:nvSpPr>
-        <p:spPr>
-          <a:xfrm>
-            <a:off x="9062431" y="799639"/>
-            <a:ext cx="2842788" cy="711866"/>
-          </a:xfrm>
-        </p:spPr>
-        <p:txBody>
-          <a:bodyPr/>
-          <a:lstStyle/>
-          <a:p>
-            <a:r>
-              <a:rPr lang="en-US" dirty="0"/>
-              <a:t>red = unsigned addition</a:t>
-            </a:r>
-          </a:p>
-          <a:p>
-            <a:r>
-              <a:rPr lang="en-US" dirty="0"/>
-              <a:t>green = signed addition</a:t>
-            </a:r>
-          </a:p>
-        </p:txBody>
-      </p:sp>
-      <p:sp>
-        <p:nvSpPr>
-          <p:cNvPr id="4" name="Slide Number Placeholder 3">
-            <a:extLst>
-              <a:ext uri="{FF2B5EF4-FFF2-40B4-BE49-F238E27FC236}">
-                <a16:creationId xmlns:a16="http://schemas.microsoft.com/office/drawing/2014/main" id="{8CC1F037-F447-3414-DCE0-2DA083E5302F}"/>
-              </a:ext>
-            </a:extLst>
-          </p:cNvPr>
-          <p:cNvSpPr>
-            <a:spLocks noGrp="1"/>
-          </p:cNvSpPr>
-          <p:nvPr>
-            <p:ph type="sldNum" sz="quarter" idx="12"/>
-          </p:nvPr>
-        </p:nvSpPr>
-        <p:spPr/>
-        <p:txBody>
-          <a:bodyPr/>
-          <a:lstStyle/>
-          <a:p>
-            <a:fld id="{8A2B06E4-34D2-4DD4-ABFF-9F74AC2B18B5}" type="slidenum">
-              <a:rPr lang="en-US" smtClean="0"/>
-              <a:t>9</a:t>
-            </a:fld>
-            <a:endParaRPr lang="en-US" dirty="0"/>
-          </a:p>
-        </p:txBody>
-      </p:sp>
-      <p:pic>
-        <p:nvPicPr>
-          <p:cNvPr id="8" name="Picture 7">
-            <a:extLst>
-              <a:ext uri="{FF2B5EF4-FFF2-40B4-BE49-F238E27FC236}">
-                <a16:creationId xmlns:a16="http://schemas.microsoft.com/office/drawing/2014/main" id="{7E1721ED-D02A-9594-878F-0508E8297F22}"/>
-              </a:ext>
-            </a:extLst>
-          </p:cNvPr>
-          <p:cNvPicPr>
-            <a:picLocks noChangeAspect="1"/>
-          </p:cNvPicPr>
-          <p:nvPr/>
-        </p:nvPicPr>
-        <p:blipFill>
-          <a:blip r:embed="rId2"/>
-          <a:stretch>
-            <a:fillRect/>
-          </a:stretch>
-        </p:blipFill>
-        <p:spPr>
-          <a:xfrm>
-            <a:off x="1808655" y="1511504"/>
-            <a:ext cx="10227356" cy="5346496"/>
-          </a:xfrm>
-          <a:prstGeom prst="rect">
-            <a:avLst/>
-          </a:prstGeom>
-        </p:spPr>
-      </p:pic>
-      <p:pic>
-        <p:nvPicPr>
-          <p:cNvPr id="6" name="Picture 5">
-            <a:extLst>
-              <a:ext uri="{FF2B5EF4-FFF2-40B4-BE49-F238E27FC236}">
-                <a16:creationId xmlns:a16="http://schemas.microsoft.com/office/drawing/2014/main" id="{5A55FC3A-FE61-0247-5376-A97328B92045}"/>
-              </a:ext>
-            </a:extLst>
-          </p:cNvPr>
-          <p:cNvPicPr>
-            <a:picLocks noChangeAspect="1"/>
-          </p:cNvPicPr>
-          <p:nvPr/>
-        </p:nvPicPr>
-        <p:blipFill>
-          <a:blip r:embed="rId3"/>
-          <a:stretch>
-            <a:fillRect/>
-          </a:stretch>
-        </p:blipFill>
-        <p:spPr>
-          <a:xfrm>
-            <a:off x="6590851" y="751717"/>
-            <a:ext cx="1762376" cy="1440317"/>
-          </a:xfrm>
-          <a:prstGeom prst="rect">
-            <a:avLst/>
-          </a:prstGeom>
-        </p:spPr>
-      </p:pic>
-      <p:pic>
-        <p:nvPicPr>
-          <p:cNvPr id="10" name="Picture 9">
-            <a:extLst>
-              <a:ext uri="{FF2B5EF4-FFF2-40B4-BE49-F238E27FC236}">
-                <a16:creationId xmlns:a16="http://schemas.microsoft.com/office/drawing/2014/main" id="{D20F0CA7-9786-5797-2C77-553C00C20154}"/>
-              </a:ext>
-            </a:extLst>
-          </p:cNvPr>
-          <p:cNvPicPr>
-            <a:picLocks noChangeAspect="1"/>
-          </p:cNvPicPr>
-          <p:nvPr/>
-        </p:nvPicPr>
-        <p:blipFill>
-          <a:blip r:embed="rId4"/>
-          <a:stretch>
-            <a:fillRect/>
-          </a:stretch>
-        </p:blipFill>
-        <p:spPr>
-          <a:xfrm>
-            <a:off x="8353227" y="272028"/>
-            <a:ext cx="3198916" cy="487517"/>
-          </a:xfrm>
-          <a:prstGeom prst="rect">
-            <a:avLst/>
-          </a:prstGeom>
-        </p:spPr>
-      </p:pic>
-    </p:spTree>
-    <p:extLst>
-      <p:ext uri="{BB962C8B-B14F-4D97-AF65-F5344CB8AC3E}">
-        <p14:creationId xmlns:p14="http://schemas.microsoft.com/office/powerpoint/2010/main" val="1790081145"/>
       </p:ext>
     </p:extLst>
   </p:cSld>

--- a/note.pptx
+++ b/note.pptx
@@ -5,22 +5,23 @@
     <p:sldMasterId id="2147483648" r:id="rId1"/>
   </p:sldMasterIdLst>
   <p:notesMasterIdLst>
-    <p:notesMasterId r:id="rId15"/>
+    <p:notesMasterId r:id="rId16"/>
   </p:notesMasterIdLst>
   <p:sldIdLst>
-    <p:sldId id="6942" r:id="rId2"/>
-    <p:sldId id="6936" r:id="rId3"/>
-    <p:sldId id="6943" r:id="rId4"/>
-    <p:sldId id="6941" r:id="rId5"/>
-    <p:sldId id="6944" r:id="rId6"/>
-    <p:sldId id="6945" r:id="rId7"/>
+    <p:sldId id="6936" r:id="rId2"/>
+    <p:sldId id="6943" r:id="rId3"/>
+    <p:sldId id="6941" r:id="rId4"/>
+    <p:sldId id="6944" r:id="rId5"/>
+    <p:sldId id="6942" r:id="rId6"/>
+    <p:sldId id="6948" r:id="rId7"/>
     <p:sldId id="6946" r:id="rId8"/>
-    <p:sldId id="6939" r:id="rId9"/>
-    <p:sldId id="6938" r:id="rId10"/>
-    <p:sldId id="6937" r:id="rId11"/>
-    <p:sldId id="6935" r:id="rId12"/>
-    <p:sldId id="6934" r:id="rId13"/>
-    <p:sldId id="264" r:id="rId14"/>
+    <p:sldId id="6945" r:id="rId9"/>
+    <p:sldId id="6939" r:id="rId10"/>
+    <p:sldId id="6938" r:id="rId11"/>
+    <p:sldId id="6937" r:id="rId12"/>
+    <p:sldId id="6935" r:id="rId13"/>
+    <p:sldId id="6934" r:id="rId14"/>
+    <p:sldId id="264" r:id="rId15"/>
   </p:sldIdLst>
   <p:sldSz cx="12192000" cy="6858000"/>
   <p:notesSz cx="6858000" cy="9144000"/>
@@ -130,7 +131,7 @@
 <file path=ppt/revisionInfo.xml><?xml version="1.0" encoding="utf-8"?>
 <p1510:revInfo xmlns:a="http://schemas.openxmlformats.org/drawingml/2006/main" xmlns:r="http://schemas.openxmlformats.org/officeDocument/2006/relationships" xmlns:p1510="http://schemas.microsoft.com/office/powerpoint/2015/10/main">
   <p1510:revLst>
-    <p1510:client id="{AB0BFEC8-14E9-4C61-B10E-456F41DF402E}" v="43" dt="2024-03-07T13:49:02.273"/>
+    <p1510:client id="{AB0BFEC8-14E9-4C61-B10E-456F41DF402E}" v="46" dt="2024-03-14T13:20:31.788"/>
   </p1510:revLst>
 </p1510:revInfo>
 </file>
@@ -672,7 +673,7 @@
   <pc:docChgLst>
     <pc:chgData name="Billy Lin" userId="05f35405-298c-473c-91f2-352ef9a130c9" providerId="ADAL" clId="{AB0BFEC8-14E9-4C61-B10E-456F41DF402E}"/>
     <pc:docChg chg="undo custSel addSld delSld modSld sldOrd">
-      <pc:chgData name="Billy Lin" userId="05f35405-298c-473c-91f2-352ef9a130c9" providerId="ADAL" clId="{AB0BFEC8-14E9-4C61-B10E-456F41DF402E}" dt="2024-03-07T13:49:09.291" v="516" actId="1076"/>
+      <pc:chgData name="Billy Lin" userId="05f35405-298c-473c-91f2-352ef9a130c9" providerId="ADAL" clId="{AB0BFEC8-14E9-4C61-B10E-456F41DF402E}" dt="2024-03-14T13:48:23.976" v="1236" actId="20577"/>
       <pc:docMkLst>
         <pc:docMk/>
       </pc:docMkLst>
@@ -1135,17 +1136,25 @@
         </pc:picChg>
       </pc:sldChg>
       <pc:sldChg chg="modSp add mod ord">
-        <pc:chgData name="Billy Lin" userId="05f35405-298c-473c-91f2-352ef9a130c9" providerId="ADAL" clId="{AB0BFEC8-14E9-4C61-B10E-456F41DF402E}" dt="2024-03-01T03:08:51.722" v="338" actId="20577"/>
+        <pc:chgData name="Billy Lin" userId="05f35405-298c-473c-91f2-352ef9a130c9" providerId="ADAL" clId="{AB0BFEC8-14E9-4C61-B10E-456F41DF402E}" dt="2024-03-14T13:48:23.976" v="1236" actId="20577"/>
         <pc:sldMkLst>
           <pc:docMk/>
           <pc:sldMk cId="2190162818" sldId="6942"/>
         </pc:sldMkLst>
         <pc:spChg chg="mod">
-          <ac:chgData name="Billy Lin" userId="05f35405-298c-473c-91f2-352ef9a130c9" providerId="ADAL" clId="{AB0BFEC8-14E9-4C61-B10E-456F41DF402E}" dt="2024-03-01T03:08:51.722" v="338" actId="20577"/>
+          <ac:chgData name="Billy Lin" userId="05f35405-298c-473c-91f2-352ef9a130c9" providerId="ADAL" clId="{AB0BFEC8-14E9-4C61-B10E-456F41DF402E}" dt="2024-03-14T13:43:59.141" v="914" actId="20577"/>
           <ac:spMkLst>
             <pc:docMk/>
             <pc:sldMk cId="2190162818" sldId="6942"/>
             <ac:spMk id="2" creationId="{E6E7246E-6DDB-2F98-52B0-04AB5D144996}"/>
+          </ac:spMkLst>
+        </pc:spChg>
+        <pc:spChg chg="mod">
+          <ac:chgData name="Billy Lin" userId="05f35405-298c-473c-91f2-352ef9a130c9" providerId="ADAL" clId="{AB0BFEC8-14E9-4C61-B10E-456F41DF402E}" dt="2024-03-14T13:48:23.976" v="1236" actId="20577"/>
+          <ac:spMkLst>
+            <pc:docMk/>
+            <pc:sldMk cId="2190162818" sldId="6942"/>
+            <ac:spMk id="3" creationId="{F0AB9DF1-764A-2056-5BC1-70D34F516704}"/>
           </ac:spMkLst>
         </pc:spChg>
       </pc:sldChg>
@@ -1322,8 +1331,8 @@
           </ac:cxnSpMkLst>
         </pc:cxnChg>
       </pc:sldChg>
-      <pc:sldChg chg="addSp modSp new mod">
-        <pc:chgData name="Billy Lin" userId="05f35405-298c-473c-91f2-352ef9a130c9" providerId="ADAL" clId="{AB0BFEC8-14E9-4C61-B10E-456F41DF402E}" dt="2024-03-07T13:49:09.291" v="516" actId="1076"/>
+      <pc:sldChg chg="addSp modSp new mod ord">
+        <pc:chgData name="Billy Lin" userId="05f35405-298c-473c-91f2-352ef9a130c9" providerId="ADAL" clId="{AB0BFEC8-14E9-4C61-B10E-456F41DF402E}" dt="2024-03-14T13:04:56.782" v="684" actId="20577"/>
         <pc:sldMkLst>
           <pc:docMk/>
           <pc:sldMk cId="3878401024" sldId="6946"/>
@@ -1337,7 +1346,7 @@
           </ac:spMkLst>
         </pc:spChg>
         <pc:spChg chg="add mod">
-          <ac:chgData name="Billy Lin" userId="05f35405-298c-473c-91f2-352ef9a130c9" providerId="ADAL" clId="{AB0BFEC8-14E9-4C61-B10E-456F41DF402E}" dt="2024-03-07T13:48:32.779" v="506" actId="20577"/>
+          <ac:chgData name="Billy Lin" userId="05f35405-298c-473c-91f2-352ef9a130c9" providerId="ADAL" clId="{AB0BFEC8-14E9-4C61-B10E-456F41DF402E}" dt="2024-03-14T13:04:56.782" v="684" actId="20577"/>
           <ac:spMkLst>
             <pc:docMk/>
             <pc:sldMk cId="3878401024" sldId="6946"/>
@@ -1345,7 +1354,7 @@
           </ac:spMkLst>
         </pc:spChg>
         <pc:spChg chg="add mod">
-          <ac:chgData name="Billy Lin" userId="05f35405-298c-473c-91f2-352ef9a130c9" providerId="ADAL" clId="{AB0BFEC8-14E9-4C61-B10E-456F41DF402E}" dt="2024-03-07T13:49:06.546" v="514" actId="1076"/>
+          <ac:chgData name="Billy Lin" userId="05f35405-298c-473c-91f2-352ef9a130c9" providerId="ADAL" clId="{AB0BFEC8-14E9-4C61-B10E-456F41DF402E}" dt="2024-03-14T13:04:39.158" v="657" actId="20577"/>
           <ac:spMkLst>
             <pc:docMk/>
             <pc:sldMk cId="3878401024" sldId="6946"/>
@@ -1353,11 +1362,57 @@
           </ac:spMkLst>
         </pc:spChg>
         <pc:spChg chg="add mod">
-          <ac:chgData name="Billy Lin" userId="05f35405-298c-473c-91f2-352ef9a130c9" providerId="ADAL" clId="{AB0BFEC8-14E9-4C61-B10E-456F41DF402E}" dt="2024-03-07T13:49:09.291" v="516" actId="1076"/>
+          <ac:chgData name="Billy Lin" userId="05f35405-298c-473c-91f2-352ef9a130c9" providerId="ADAL" clId="{AB0BFEC8-14E9-4C61-B10E-456F41DF402E}" dt="2024-03-14T13:04:46.791" v="677" actId="20577"/>
           <ac:spMkLst>
             <pc:docMk/>
             <pc:sldMk cId="3878401024" sldId="6946"/>
             <ac:spMk id="7" creationId="{461C591A-42CD-7A14-F811-B1144809831E}"/>
+          </ac:spMkLst>
+        </pc:spChg>
+      </pc:sldChg>
+      <pc:sldChg chg="add del">
+        <pc:chgData name="Billy Lin" userId="05f35405-298c-473c-91f2-352ef9a130c9" providerId="ADAL" clId="{AB0BFEC8-14E9-4C61-B10E-456F41DF402E}" dt="2024-03-14T12:58:52.399" v="523" actId="47"/>
+        <pc:sldMkLst>
+          <pc:docMk/>
+          <pc:sldMk cId="755825781" sldId="6947"/>
+        </pc:sldMkLst>
+      </pc:sldChg>
+      <pc:sldChg chg="addSp modSp new mod ord">
+        <pc:chgData name="Billy Lin" userId="05f35405-298c-473c-91f2-352ef9a130c9" providerId="ADAL" clId="{AB0BFEC8-14E9-4C61-B10E-456F41DF402E}" dt="2024-03-14T13:36:44.726" v="908" actId="20577"/>
+        <pc:sldMkLst>
+          <pc:docMk/>
+          <pc:sldMk cId="2960610283" sldId="6948"/>
+        </pc:sldMkLst>
+        <pc:spChg chg="mod">
+          <ac:chgData name="Billy Lin" userId="05f35405-298c-473c-91f2-352ef9a130c9" providerId="ADAL" clId="{AB0BFEC8-14E9-4C61-B10E-456F41DF402E}" dt="2024-03-14T13:04:09.248" v="645"/>
+          <ac:spMkLst>
+            <pc:docMk/>
+            <pc:sldMk cId="2960610283" sldId="6948"/>
+            <ac:spMk id="2" creationId="{0D90D065-03EF-C333-329D-B6A904037AA4}"/>
+          </ac:spMkLst>
+        </pc:spChg>
+        <pc:spChg chg="mod">
+          <ac:chgData name="Billy Lin" userId="05f35405-298c-473c-91f2-352ef9a130c9" providerId="ADAL" clId="{AB0BFEC8-14E9-4C61-B10E-456F41DF402E}" dt="2024-03-14T13:36:44.726" v="908" actId="20577"/>
+          <ac:spMkLst>
+            <pc:docMk/>
+            <pc:sldMk cId="2960610283" sldId="6948"/>
+            <ac:spMk id="3" creationId="{6BFC4363-D16A-9B9C-C912-00320CAA407C}"/>
+          </ac:spMkLst>
+        </pc:spChg>
+        <pc:spChg chg="add mod">
+          <ac:chgData name="Billy Lin" userId="05f35405-298c-473c-91f2-352ef9a130c9" providerId="ADAL" clId="{AB0BFEC8-14E9-4C61-B10E-456F41DF402E}" dt="2024-03-14T13:20:30.292" v="814" actId="1076"/>
+          <ac:spMkLst>
+            <pc:docMk/>
+            <pc:sldMk cId="2960610283" sldId="6948"/>
+            <ac:spMk id="5" creationId="{C56A286A-DF8E-552E-E1AA-8A6159B25E16}"/>
+          </ac:spMkLst>
+        </pc:spChg>
+        <pc:spChg chg="add mod">
+          <ac:chgData name="Billy Lin" userId="05f35405-298c-473c-91f2-352ef9a130c9" providerId="ADAL" clId="{AB0BFEC8-14E9-4C61-B10E-456F41DF402E}" dt="2024-03-14T13:20:58.488" v="881" actId="20577"/>
+          <ac:spMkLst>
+            <pc:docMk/>
+            <pc:sldMk cId="2960610283" sldId="6948"/>
+            <ac:spMk id="6" creationId="{B18A52DC-F630-E380-D59D-78A3CE65BFB3}"/>
           </ac:spMkLst>
         </pc:spChg>
       </pc:sldChg>
@@ -1524,7 +1579,7 @@
           <a:p>
             <a:fld id="{2EDDABC3-F3ED-4DD9-983D-F09E8FCF6133}" type="datetimeFigureOut">
               <a:rPr lang="en-US" smtClean="0"/>
-              <a:t>3/7/2024</a:t>
+              <a:t>3/14/2024</a:t>
             </a:fld>
             <a:endParaRPr lang="en-US"/>
           </a:p>
@@ -1916,7 +1971,7 @@
           <a:p>
             <a:fld id="{F59B6F3A-935B-44D1-A66F-61470C6D8F51}" type="datetime1">
               <a:rPr lang="en-US" smtClean="0"/>
-              <a:t>3/7/2024</a:t>
+              <a:t>3/14/2024</a:t>
             </a:fld>
             <a:endParaRPr lang="en-US"/>
           </a:p>
@@ -2160,7 +2215,7 @@
           <a:p>
             <a:fld id="{C63B82BC-FCA2-460F-A60C-8FE94D119F09}" type="datetime1">
               <a:rPr lang="en-US" smtClean="0"/>
-              <a:t>3/7/2024</a:t>
+              <a:t>3/14/2024</a:t>
             </a:fld>
             <a:endParaRPr lang="en-US"/>
           </a:p>
@@ -2594,7 +2649,7 @@
           <a:p>
             <a:r>
               <a:rPr lang="en-US" dirty="0"/>
-              <a:t>lab??</a:t>
+              <a:t>lab14</a:t>
             </a:r>
           </a:p>
         </p:txBody>
@@ -2620,7 +2675,10 @@
           <a:bodyPr/>
           <a:lstStyle/>
           <a:p>
-            <a:endParaRPr lang="en-US"/>
+            <a:r>
+              <a:rPr lang="en-US" dirty="0"/>
+              <a:t>https://www.asic-world.com/systemverilog/process2.html</a:t>
+            </a:r>
           </a:p>
         </p:txBody>
       </p:sp>
@@ -2653,10 +2711,100 @@
           </a:p>
         </p:txBody>
       </p:sp>
+      <p:pic>
+        <p:nvPicPr>
+          <p:cNvPr id="5" name="Picture 4">
+            <a:extLst>
+              <a:ext uri="{FF2B5EF4-FFF2-40B4-BE49-F238E27FC236}">
+                <a16:creationId xmlns:a16="http://schemas.microsoft.com/office/drawing/2014/main" id="{0BBFFD0C-D99A-9D5C-5B42-91421F8AFF18}"/>
+              </a:ext>
+            </a:extLst>
+          </p:cNvPr>
+          <p:cNvPicPr>
+            <a:picLocks noChangeAspect="1"/>
+          </p:cNvPicPr>
+          <p:nvPr/>
+        </p:nvPicPr>
+        <p:blipFill>
+          <a:blip r:embed="rId2"/>
+          <a:stretch>
+            <a:fillRect/>
+          </a:stretch>
+        </p:blipFill>
+        <p:spPr>
+          <a:xfrm>
+            <a:off x="2429121" y="3064695"/>
+            <a:ext cx="8132288" cy="947278"/>
+          </a:xfrm>
+          <a:prstGeom prst="rect">
+            <a:avLst/>
+          </a:prstGeom>
+        </p:spPr>
+      </p:pic>
+      <p:pic>
+        <p:nvPicPr>
+          <p:cNvPr id="6" name="Picture 5">
+            <a:extLst>
+              <a:ext uri="{FF2B5EF4-FFF2-40B4-BE49-F238E27FC236}">
+                <a16:creationId xmlns:a16="http://schemas.microsoft.com/office/drawing/2014/main" id="{EEEC7555-825D-0E97-0A01-89EBF599F77A}"/>
+              </a:ext>
+            </a:extLst>
+          </p:cNvPr>
+          <p:cNvPicPr>
+            <a:picLocks noChangeAspect="1"/>
+          </p:cNvPicPr>
+          <p:nvPr/>
+        </p:nvPicPr>
+        <p:blipFill>
+          <a:blip r:embed="rId3"/>
+          <a:stretch>
+            <a:fillRect/>
+          </a:stretch>
+        </p:blipFill>
+        <p:spPr>
+          <a:xfrm>
+            <a:off x="2327496" y="4137576"/>
+            <a:ext cx="8335538" cy="2372056"/>
+          </a:xfrm>
+          <a:prstGeom prst="rect">
+            <a:avLst/>
+          </a:prstGeom>
+        </p:spPr>
+      </p:pic>
+      <p:pic>
+        <p:nvPicPr>
+          <p:cNvPr id="7" name="Picture 6">
+            <a:extLst>
+              <a:ext uri="{FF2B5EF4-FFF2-40B4-BE49-F238E27FC236}">
+                <a16:creationId xmlns:a16="http://schemas.microsoft.com/office/drawing/2014/main" id="{A37F4D58-0ADB-D668-3C92-D99932EAAC9A}"/>
+              </a:ext>
+            </a:extLst>
+          </p:cNvPr>
+          <p:cNvPicPr>
+            <a:picLocks noChangeAspect="1"/>
+          </p:cNvPicPr>
+          <p:nvPr/>
+        </p:nvPicPr>
+        <p:blipFill>
+          <a:blip r:embed="rId4"/>
+          <a:stretch>
+            <a:fillRect/>
+          </a:stretch>
+        </p:blipFill>
+        <p:spPr>
+          <a:xfrm>
+            <a:off x="2429121" y="1727536"/>
+            <a:ext cx="6833840" cy="1274358"/>
+          </a:xfrm>
+          <a:prstGeom prst="rect">
+            <a:avLst/>
+          </a:prstGeom>
+        </p:spPr>
+      </p:pic>
     </p:spTree>
     <p:extLst>
       <p:ext uri="{BB962C8B-B14F-4D97-AF65-F5344CB8AC3E}">
-        <p14:creationId xmlns:p14="http://schemas.microsoft.com/office/powerpoint/2010/main" val="2190162818"/>
+        <p14:creationId xmlns:p14="http://schemas.microsoft.com/office/powerpoint/2010/main" val="1711539242"/>
       </p:ext>
     </p:extLst>
   </p:cSld>
@@ -2688,6 +2836,541 @@
           <p:cNvPr id="2" name="Title 1">
             <a:extLst>
               <a:ext uri="{FF2B5EF4-FFF2-40B4-BE49-F238E27FC236}">
+                <a16:creationId xmlns:a16="http://schemas.microsoft.com/office/drawing/2014/main" id="{E6E7246E-6DDB-2F98-52B0-04AB5D144996}"/>
+              </a:ext>
+            </a:extLst>
+          </p:cNvPr>
+          <p:cNvSpPr>
+            <a:spLocks noGrp="1"/>
+          </p:cNvSpPr>
+          <p:nvPr>
+            <p:ph type="title"/>
+          </p:nvPr>
+        </p:nvSpPr>
+        <p:spPr/>
+        <p:txBody>
+          <a:bodyPr/>
+          <a:lstStyle/>
+          <a:p>
+            <a:r>
+              <a:rPr lang="en-US" dirty="0"/>
+              <a:t>lab04</a:t>
+            </a:r>
+          </a:p>
+        </p:txBody>
+      </p:sp>
+      <p:sp>
+        <p:nvSpPr>
+          <p:cNvPr id="4" name="Slide Number Placeholder 3">
+            <a:extLst>
+              <a:ext uri="{FF2B5EF4-FFF2-40B4-BE49-F238E27FC236}">
+                <a16:creationId xmlns:a16="http://schemas.microsoft.com/office/drawing/2014/main" id="{A653B7C0-A01B-B019-AE82-6D2CF11E10FE}"/>
+              </a:ext>
+            </a:extLst>
+          </p:cNvPr>
+          <p:cNvSpPr>
+            <a:spLocks noGrp="1"/>
+          </p:cNvSpPr>
+          <p:nvPr>
+            <p:ph type="sldNum" sz="quarter" idx="12"/>
+          </p:nvPr>
+        </p:nvSpPr>
+        <p:spPr/>
+        <p:txBody>
+          <a:bodyPr/>
+          <a:lstStyle/>
+          <a:p>
+            <a:fld id="{8A2B06E4-34D2-4DD4-ABFF-9F74AC2B18B5}" type="slidenum">
+              <a:rPr lang="en-US" smtClean="0"/>
+              <a:t>10</a:t>
+            </a:fld>
+            <a:endParaRPr lang="en-US" dirty="0"/>
+          </a:p>
+        </p:txBody>
+      </p:sp>
+      <p:sp>
+        <p:nvSpPr>
+          <p:cNvPr id="5" name="Rectangle 4">
+            <a:extLst>
+              <a:ext uri="{FF2B5EF4-FFF2-40B4-BE49-F238E27FC236}">
+                <a16:creationId xmlns:a16="http://schemas.microsoft.com/office/drawing/2014/main" id="{6102EB4F-2C6B-BE4F-95C6-8F38139F6238}"/>
+              </a:ext>
+            </a:extLst>
+          </p:cNvPr>
+          <p:cNvSpPr/>
+          <p:nvPr/>
+        </p:nvSpPr>
+        <p:spPr>
+          <a:xfrm>
+            <a:off x="2614862" y="1064029"/>
+            <a:ext cx="5995737" cy="3828813"/>
+          </a:xfrm>
+          <a:prstGeom prst="rect">
+            <a:avLst/>
+          </a:prstGeom>
+        </p:spPr>
+        <p:style>
+          <a:lnRef idx="2">
+            <a:schemeClr val="accent1">
+              <a:shade val="50000"/>
+            </a:schemeClr>
+          </a:lnRef>
+          <a:fillRef idx="1">
+            <a:schemeClr val="accent1"/>
+          </a:fillRef>
+          <a:effectRef idx="0">
+            <a:schemeClr val="accent1"/>
+          </a:effectRef>
+          <a:fontRef idx="minor">
+            <a:schemeClr val="lt1"/>
+          </a:fontRef>
+        </p:style>
+        <p:txBody>
+          <a:bodyPr rtlCol="0" anchor="ctr"/>
+          <a:lstStyle/>
+          <a:p>
+            <a:pPr algn="ctr"/>
+            <a:r>
+              <a:rPr lang="en-US" dirty="0"/>
+              <a:t>top</a:t>
+            </a:r>
+          </a:p>
+        </p:txBody>
+      </p:sp>
+      <p:sp>
+        <p:nvSpPr>
+          <p:cNvPr id="6" name="Rectangle 5">
+            <a:extLst>
+              <a:ext uri="{FF2B5EF4-FFF2-40B4-BE49-F238E27FC236}">
+                <a16:creationId xmlns:a16="http://schemas.microsoft.com/office/drawing/2014/main" id="{DC30FA28-E16B-65EA-6A28-285CD8F8A6D8}"/>
+              </a:ext>
+            </a:extLst>
+          </p:cNvPr>
+          <p:cNvSpPr/>
+          <p:nvPr/>
+        </p:nvSpPr>
+        <p:spPr>
+          <a:xfrm>
+            <a:off x="3968985" y="1374232"/>
+            <a:ext cx="2873829" cy="637817"/>
+          </a:xfrm>
+          <a:prstGeom prst="rect">
+            <a:avLst/>
+          </a:prstGeom>
+          <a:solidFill>
+            <a:schemeClr val="accent2"/>
+          </a:solidFill>
+        </p:spPr>
+        <p:style>
+          <a:lnRef idx="2">
+            <a:schemeClr val="accent1">
+              <a:shade val="50000"/>
+            </a:schemeClr>
+          </a:lnRef>
+          <a:fillRef idx="1">
+            <a:schemeClr val="accent1"/>
+          </a:fillRef>
+          <a:effectRef idx="0">
+            <a:schemeClr val="accent1"/>
+          </a:effectRef>
+          <a:fontRef idx="minor">
+            <a:schemeClr val="lt1"/>
+          </a:fontRef>
+        </p:style>
+        <p:txBody>
+          <a:bodyPr rtlCol="0" anchor="ctr"/>
+          <a:lstStyle/>
+          <a:p>
+            <a:pPr algn="ctr"/>
+            <a:r>
+              <a:rPr lang="en-US" dirty="0" err="1"/>
+              <a:t>clkgen</a:t>
+            </a:r>
+            <a:endParaRPr lang="en-US" dirty="0"/>
+          </a:p>
+        </p:txBody>
+      </p:sp>
+      <p:sp>
+        <p:nvSpPr>
+          <p:cNvPr id="7" name="Rectangle 6">
+            <a:extLst>
+              <a:ext uri="{FF2B5EF4-FFF2-40B4-BE49-F238E27FC236}">
+                <a16:creationId xmlns:a16="http://schemas.microsoft.com/office/drawing/2014/main" id="{E0F94A2B-20CA-C3F8-55B8-B442371743DD}"/>
+              </a:ext>
+            </a:extLst>
+          </p:cNvPr>
+          <p:cNvSpPr/>
+          <p:nvPr/>
+        </p:nvSpPr>
+        <p:spPr>
+          <a:xfrm>
+            <a:off x="3968986" y="3138975"/>
+            <a:ext cx="2873829" cy="637817"/>
+          </a:xfrm>
+          <a:prstGeom prst="rect">
+            <a:avLst/>
+          </a:prstGeom>
+          <a:solidFill>
+            <a:schemeClr val="accent2"/>
+          </a:solidFill>
+        </p:spPr>
+        <p:style>
+          <a:lnRef idx="2">
+            <a:schemeClr val="accent1">
+              <a:shade val="50000"/>
+            </a:schemeClr>
+          </a:lnRef>
+          <a:fillRef idx="1">
+            <a:schemeClr val="accent1"/>
+          </a:fillRef>
+          <a:effectRef idx="0">
+            <a:schemeClr val="accent1"/>
+          </a:effectRef>
+          <a:fontRef idx="minor">
+            <a:schemeClr val="lt1"/>
+          </a:fontRef>
+        </p:style>
+        <p:txBody>
+          <a:bodyPr rtlCol="0" anchor="ctr"/>
+          <a:lstStyle/>
+          <a:p>
+            <a:pPr algn="ctr"/>
+            <a:r>
+              <a:rPr lang="en-US" dirty="0"/>
+              <a:t>design</a:t>
+            </a:r>
+          </a:p>
+        </p:txBody>
+      </p:sp>
+      <p:sp>
+        <p:nvSpPr>
+          <p:cNvPr id="8" name="Rectangle 7">
+            <a:extLst>
+              <a:ext uri="{FF2B5EF4-FFF2-40B4-BE49-F238E27FC236}">
+                <a16:creationId xmlns:a16="http://schemas.microsoft.com/office/drawing/2014/main" id="{779E4C93-F9AD-8601-95A4-D2F42525B701}"/>
+              </a:ext>
+            </a:extLst>
+          </p:cNvPr>
+          <p:cNvSpPr/>
+          <p:nvPr/>
+        </p:nvSpPr>
+        <p:spPr>
+          <a:xfrm>
+            <a:off x="3968986" y="4086994"/>
+            <a:ext cx="2873829" cy="637817"/>
+          </a:xfrm>
+          <a:prstGeom prst="rect">
+            <a:avLst/>
+          </a:prstGeom>
+          <a:solidFill>
+            <a:schemeClr val="accent2"/>
+          </a:solidFill>
+        </p:spPr>
+        <p:style>
+          <a:lnRef idx="2">
+            <a:schemeClr val="accent1">
+              <a:shade val="50000"/>
+            </a:schemeClr>
+          </a:lnRef>
+          <a:fillRef idx="1">
+            <a:schemeClr val="accent1"/>
+          </a:fillRef>
+          <a:effectRef idx="0">
+            <a:schemeClr val="accent1"/>
+          </a:effectRef>
+          <a:fontRef idx="minor">
+            <a:schemeClr val="lt1"/>
+          </a:fontRef>
+        </p:style>
+        <p:txBody>
+          <a:bodyPr rtlCol="0" anchor="ctr"/>
+          <a:lstStyle/>
+          <a:p>
+            <a:pPr algn="ctr"/>
+            <a:r>
+              <a:rPr lang="en-US" dirty="0" err="1"/>
+              <a:t>test_program</a:t>
+            </a:r>
+            <a:endParaRPr lang="en-US" dirty="0"/>
+          </a:p>
+        </p:txBody>
+      </p:sp>
+      <p:cxnSp>
+        <p:nvCxnSpPr>
+          <p:cNvPr id="9" name="Straight Arrow Connector 8">
+            <a:extLst>
+              <a:ext uri="{FF2B5EF4-FFF2-40B4-BE49-F238E27FC236}">
+                <a16:creationId xmlns:a16="http://schemas.microsoft.com/office/drawing/2014/main" id="{EA338D19-8686-67B7-E30D-D1BA267343BC}"/>
+              </a:ext>
+            </a:extLst>
+          </p:cNvPr>
+          <p:cNvCxnSpPr>
+            <a:cxnSpLocks/>
+          </p:cNvCxnSpPr>
+          <p:nvPr/>
+        </p:nvCxnSpPr>
+        <p:spPr>
+          <a:xfrm>
+            <a:off x="6629081" y="1660859"/>
+            <a:ext cx="861056" cy="0"/>
+          </a:xfrm>
+          <a:prstGeom prst="straightConnector1">
+            <a:avLst/>
+          </a:prstGeom>
+          <a:ln w="19050">
+            <a:tailEnd type="triangle"/>
+          </a:ln>
+        </p:spPr>
+        <p:style>
+          <a:lnRef idx="1">
+            <a:schemeClr val="accent6"/>
+          </a:lnRef>
+          <a:fillRef idx="0">
+            <a:schemeClr val="accent6"/>
+          </a:fillRef>
+          <a:effectRef idx="0">
+            <a:schemeClr val="accent6"/>
+          </a:effectRef>
+          <a:fontRef idx="minor">
+            <a:schemeClr val="tx1"/>
+          </a:fontRef>
+        </p:style>
+      </p:cxnSp>
+      <p:cxnSp>
+        <p:nvCxnSpPr>
+          <p:cNvPr id="10" name="Straight Arrow Connector 9">
+            <a:extLst>
+              <a:ext uri="{FF2B5EF4-FFF2-40B4-BE49-F238E27FC236}">
+                <a16:creationId xmlns:a16="http://schemas.microsoft.com/office/drawing/2014/main" id="{244E8A05-74BE-5F40-0352-DC1642D3A123}"/>
+              </a:ext>
+            </a:extLst>
+          </p:cNvPr>
+          <p:cNvCxnSpPr>
+            <a:cxnSpLocks/>
+          </p:cNvCxnSpPr>
+          <p:nvPr/>
+        </p:nvCxnSpPr>
+        <p:spPr>
+          <a:xfrm flipH="1">
+            <a:off x="6708887" y="3429000"/>
+            <a:ext cx="781250" cy="0"/>
+          </a:xfrm>
+          <a:prstGeom prst="straightConnector1">
+            <a:avLst/>
+          </a:prstGeom>
+          <a:ln w="19050">
+            <a:tailEnd type="triangle"/>
+          </a:ln>
+        </p:spPr>
+        <p:style>
+          <a:lnRef idx="1">
+            <a:schemeClr val="accent6"/>
+          </a:lnRef>
+          <a:fillRef idx="0">
+            <a:schemeClr val="accent6"/>
+          </a:fillRef>
+          <a:effectRef idx="0">
+            <a:schemeClr val="accent6"/>
+          </a:effectRef>
+          <a:fontRef idx="minor">
+            <a:schemeClr val="tx1"/>
+          </a:fontRef>
+        </p:style>
+      </p:cxnSp>
+      <p:cxnSp>
+        <p:nvCxnSpPr>
+          <p:cNvPr id="11" name="Straight Arrow Connector 10">
+            <a:extLst>
+              <a:ext uri="{FF2B5EF4-FFF2-40B4-BE49-F238E27FC236}">
+                <a16:creationId xmlns:a16="http://schemas.microsoft.com/office/drawing/2014/main" id="{DC737003-E3BB-1F05-6A23-7BD8C6B63D01}"/>
+              </a:ext>
+            </a:extLst>
+          </p:cNvPr>
+          <p:cNvCxnSpPr>
+            <a:cxnSpLocks/>
+          </p:cNvCxnSpPr>
+          <p:nvPr/>
+        </p:nvCxnSpPr>
+        <p:spPr>
+          <a:xfrm flipH="1">
+            <a:off x="6708887" y="4503821"/>
+            <a:ext cx="781250" cy="0"/>
+          </a:xfrm>
+          <a:prstGeom prst="straightConnector1">
+            <a:avLst/>
+          </a:prstGeom>
+          <a:ln w="19050">
+            <a:tailEnd type="triangle"/>
+          </a:ln>
+        </p:spPr>
+        <p:style>
+          <a:lnRef idx="1">
+            <a:schemeClr val="accent6"/>
+          </a:lnRef>
+          <a:fillRef idx="0">
+            <a:schemeClr val="accent6"/>
+          </a:fillRef>
+          <a:effectRef idx="0">
+            <a:schemeClr val="accent6"/>
+          </a:effectRef>
+          <a:fontRef idx="minor">
+            <a:schemeClr val="tx1"/>
+          </a:fontRef>
+        </p:style>
+      </p:cxnSp>
+      <p:cxnSp>
+        <p:nvCxnSpPr>
+          <p:cNvPr id="12" name="Straight Arrow Connector 11">
+            <a:extLst>
+              <a:ext uri="{FF2B5EF4-FFF2-40B4-BE49-F238E27FC236}">
+                <a16:creationId xmlns:a16="http://schemas.microsoft.com/office/drawing/2014/main" id="{4D8971D2-5837-9C65-CFFE-950463C1F108}"/>
+              </a:ext>
+            </a:extLst>
+          </p:cNvPr>
+          <p:cNvCxnSpPr>
+            <a:cxnSpLocks/>
+          </p:cNvCxnSpPr>
+          <p:nvPr/>
+        </p:nvCxnSpPr>
+        <p:spPr>
+          <a:xfrm flipH="1" flipV="1">
+            <a:off x="4329583" y="3437432"/>
+            <a:ext cx="14750" cy="862014"/>
+          </a:xfrm>
+          <a:prstGeom prst="straightConnector1">
+            <a:avLst/>
+          </a:prstGeom>
+          <a:ln w="19050">
+            <a:solidFill>
+              <a:srgbClr val="C00000"/>
+            </a:solidFill>
+            <a:tailEnd type="triangle"/>
+          </a:ln>
+        </p:spPr>
+        <p:style>
+          <a:lnRef idx="1">
+            <a:schemeClr val="accent6"/>
+          </a:lnRef>
+          <a:fillRef idx="0">
+            <a:schemeClr val="accent6"/>
+          </a:fillRef>
+          <a:effectRef idx="0">
+            <a:schemeClr val="accent6"/>
+          </a:effectRef>
+          <a:fontRef idx="minor">
+            <a:schemeClr val="tx1"/>
+          </a:fontRef>
+        </p:style>
+      </p:cxnSp>
+      <p:cxnSp>
+        <p:nvCxnSpPr>
+          <p:cNvPr id="13" name="Straight Arrow Connector 12">
+            <a:extLst>
+              <a:ext uri="{FF2B5EF4-FFF2-40B4-BE49-F238E27FC236}">
+                <a16:creationId xmlns:a16="http://schemas.microsoft.com/office/drawing/2014/main" id="{21450A2E-06CF-86F0-226C-983450058BD5}"/>
+              </a:ext>
+            </a:extLst>
+          </p:cNvPr>
+          <p:cNvCxnSpPr>
+            <a:cxnSpLocks/>
+          </p:cNvCxnSpPr>
+          <p:nvPr/>
+        </p:nvCxnSpPr>
+        <p:spPr>
+          <a:xfrm>
+            <a:off x="6272463" y="3437432"/>
+            <a:ext cx="0" cy="862014"/>
+          </a:xfrm>
+          <a:prstGeom prst="straightConnector1">
+            <a:avLst/>
+          </a:prstGeom>
+          <a:ln w="19050">
+            <a:solidFill>
+              <a:srgbClr val="C00000"/>
+            </a:solidFill>
+            <a:tailEnd type="triangle"/>
+          </a:ln>
+        </p:spPr>
+        <p:style>
+          <a:lnRef idx="1">
+            <a:schemeClr val="accent6"/>
+          </a:lnRef>
+          <a:fillRef idx="0">
+            <a:schemeClr val="accent6"/>
+          </a:fillRef>
+          <a:effectRef idx="0">
+            <a:schemeClr val="accent6"/>
+          </a:effectRef>
+          <a:fontRef idx="minor">
+            <a:schemeClr val="tx1"/>
+          </a:fontRef>
+        </p:style>
+      </p:cxnSp>
+      <p:pic>
+        <p:nvPicPr>
+          <p:cNvPr id="18" name="Picture 17">
+            <a:extLst>
+              <a:ext uri="{FF2B5EF4-FFF2-40B4-BE49-F238E27FC236}">
+                <a16:creationId xmlns:a16="http://schemas.microsoft.com/office/drawing/2014/main" id="{492A402F-4E66-814B-6D67-6368D699DA8E}"/>
+              </a:ext>
+            </a:extLst>
+          </p:cNvPr>
+          <p:cNvPicPr>
+            <a:picLocks noChangeAspect="1"/>
+          </p:cNvPicPr>
+          <p:nvPr/>
+        </p:nvPicPr>
+        <p:blipFill>
+          <a:blip r:embed="rId2"/>
+          <a:stretch>
+            <a:fillRect/>
+          </a:stretch>
+        </p:blipFill>
+        <p:spPr>
+          <a:xfrm>
+            <a:off x="8782834" y="1064029"/>
+            <a:ext cx="2398731" cy="1426272"/>
+          </a:xfrm>
+          <a:prstGeom prst="rect">
+            <a:avLst/>
+          </a:prstGeom>
+        </p:spPr>
+      </p:pic>
+    </p:spTree>
+    <p:extLst>
+      <p:ext uri="{BB962C8B-B14F-4D97-AF65-F5344CB8AC3E}">
+        <p14:creationId xmlns:p14="http://schemas.microsoft.com/office/powerpoint/2010/main" val="3022158455"/>
+      </p:ext>
+    </p:extLst>
+  </p:cSld>
+  <p:clrMapOvr>
+    <a:masterClrMapping/>
+  </p:clrMapOvr>
+</p:sld>
+</file>
+
+<file path=ppt/slides/slide11.xml><?xml version="1.0" encoding="utf-8"?>
+<p:sld xmlns:a="http://schemas.openxmlformats.org/drawingml/2006/main" xmlns:r="http://schemas.openxmlformats.org/officeDocument/2006/relationships" xmlns:p="http://schemas.openxmlformats.org/presentationml/2006/main">
+  <p:cSld>
+    <p:spTree>
+      <p:nvGrpSpPr>
+        <p:cNvPr id="1" name=""/>
+        <p:cNvGrpSpPr/>
+        <p:nvPr/>
+      </p:nvGrpSpPr>
+      <p:grpSpPr>
+        <a:xfrm>
+          <a:off x="0" y="0"/>
+          <a:ext cx="0" cy="0"/>
+          <a:chOff x="0" y="0"/>
+          <a:chExt cx="0" cy="0"/>
+        </a:xfrm>
+      </p:grpSpPr>
+      <p:sp>
+        <p:nvSpPr>
+          <p:cNvPr id="2" name="Title 1">
+            <a:extLst>
+              <a:ext uri="{FF2B5EF4-FFF2-40B4-BE49-F238E27FC236}">
                 <a16:creationId xmlns:a16="http://schemas.microsoft.com/office/drawing/2014/main" id="{0AEB7B77-FA10-C46A-0CC0-5C6DA2DB31EB}"/>
               </a:ext>
             </a:extLst>
@@ -2778,7 +3461,7 @@
           <a:p>
             <a:fld id="{8A2B06E4-34D2-4DD4-ABFF-9F74AC2B18B5}" type="slidenum">
               <a:rPr lang="en-US" smtClean="0"/>
-              <a:t>10</a:t>
+              <a:t>11</a:t>
             </a:fld>
             <a:endParaRPr lang="en-US" dirty="0"/>
           </a:p>
@@ -2887,7 +3570,7 @@
 </p:sld>
 </file>
 
-<file path=ppt/slides/slide11.xml><?xml version="1.0" encoding="utf-8"?>
+<file path=ppt/slides/slide12.xml><?xml version="1.0" encoding="utf-8"?>
 <p:sld xmlns:a="http://schemas.openxmlformats.org/drawingml/2006/main" xmlns:r="http://schemas.openxmlformats.org/officeDocument/2006/relationships" xmlns:p="http://schemas.openxmlformats.org/presentationml/2006/main">
   <p:cSld>
     <p:spTree>
@@ -2927,7 +3610,7 @@
           <a:p>
             <a:fld id="{8A2B06E4-34D2-4DD4-ABFF-9F74AC2B18B5}" type="slidenum">
               <a:rPr lang="en-US" smtClean="0"/>
-              <a:t>11</a:t>
+              <a:t>12</a:t>
             </a:fld>
             <a:endParaRPr lang="en-US" dirty="0"/>
           </a:p>
@@ -3005,7 +3688,7 @@
 </p:sld>
 </file>
 
-<file path=ppt/slides/slide12.xml><?xml version="1.0" encoding="utf-8"?>
+<file path=ppt/slides/slide13.xml><?xml version="1.0" encoding="utf-8"?>
 <p:sld xmlns:a="http://schemas.openxmlformats.org/drawingml/2006/main" xmlns:r="http://schemas.openxmlformats.org/officeDocument/2006/relationships" xmlns:p="http://schemas.openxmlformats.org/presentationml/2006/main">
   <p:cSld>
     <p:spTree>
@@ -3103,7 +3786,7 @@
           <a:p>
             <a:fld id="{8A2B06E4-34D2-4DD4-ABFF-9F74AC2B18B5}" type="slidenum">
               <a:rPr lang="en-US" smtClean="0"/>
-              <a:t>12</a:t>
+              <a:t>13</a:t>
             </a:fld>
             <a:endParaRPr lang="en-US" dirty="0"/>
           </a:p>
@@ -3710,7 +4393,7 @@
 </p:sld>
 </file>
 
-<file path=ppt/slides/slide13.xml><?xml version="1.0" encoding="utf-8"?>
+<file path=ppt/slides/slide14.xml><?xml version="1.0" encoding="utf-8"?>
 <p:sld xmlns:a="http://schemas.openxmlformats.org/drawingml/2006/main" xmlns:r="http://schemas.openxmlformats.org/officeDocument/2006/relationships" xmlns:p="http://schemas.openxmlformats.org/presentationml/2006/main">
   <p:cSld>
     <p:spTree>
@@ -5237,7 +5920,7 @@
           <a:p>
             <a:fld id="{8A2B06E4-34D2-4DD4-ABFF-9F74AC2B18B5}" type="slidenum">
               <a:rPr lang="en-US" smtClean="0"/>
-              <a:t>13</a:t>
+              <a:t>14</a:t>
             </a:fld>
             <a:endParaRPr lang="en-US" dirty="0"/>
           </a:p>
@@ -5303,34 +5986,6 @@
       </p:sp>
       <p:sp>
         <p:nvSpPr>
-          <p:cNvPr id="3" name="Content Placeholder 2">
-            <a:extLst>
-              <a:ext uri="{FF2B5EF4-FFF2-40B4-BE49-F238E27FC236}">
-                <a16:creationId xmlns:a16="http://schemas.microsoft.com/office/drawing/2014/main" id="{F0AB9DF1-764A-2056-5BC1-70D34F516704}"/>
-              </a:ext>
-            </a:extLst>
-          </p:cNvPr>
-          <p:cNvSpPr>
-            <a:spLocks noGrp="1"/>
-          </p:cNvSpPr>
-          <p:nvPr>
-            <p:ph idx="1"/>
-          </p:nvPr>
-        </p:nvSpPr>
-        <p:spPr/>
-        <p:txBody>
-          <a:bodyPr/>
-          <a:lstStyle/>
-          <a:p>
-            <a:r>
-              <a:rPr lang="en-US" dirty="0"/>
-              <a:t>https://www.asic-world.com/systemverilog/process2.html</a:t>
-            </a:r>
-          </a:p>
-        </p:txBody>
-      </p:sp>
-      <p:sp>
-        <p:nvSpPr>
           <p:cNvPr id="4" name="Slide Number Placeholder 3">
             <a:extLst>
               <a:ext uri="{FF2B5EF4-FFF2-40B4-BE49-F238E27FC236}">
@@ -5353,183 +6008,6 @@
             <a:fld id="{8A2B06E4-34D2-4DD4-ABFF-9F74AC2B18B5}" type="slidenum">
               <a:rPr lang="en-US" smtClean="0"/>
               <a:t>2</a:t>
-            </a:fld>
-            <a:endParaRPr lang="en-US" dirty="0"/>
-          </a:p>
-        </p:txBody>
-      </p:sp>
-      <p:pic>
-        <p:nvPicPr>
-          <p:cNvPr id="5" name="Picture 4">
-            <a:extLst>
-              <a:ext uri="{FF2B5EF4-FFF2-40B4-BE49-F238E27FC236}">
-                <a16:creationId xmlns:a16="http://schemas.microsoft.com/office/drawing/2014/main" id="{0BBFFD0C-D99A-9D5C-5B42-91421F8AFF18}"/>
-              </a:ext>
-            </a:extLst>
-          </p:cNvPr>
-          <p:cNvPicPr>
-            <a:picLocks noChangeAspect="1"/>
-          </p:cNvPicPr>
-          <p:nvPr/>
-        </p:nvPicPr>
-        <p:blipFill>
-          <a:blip r:embed="rId2"/>
-          <a:stretch>
-            <a:fillRect/>
-          </a:stretch>
-        </p:blipFill>
-        <p:spPr>
-          <a:xfrm>
-            <a:off x="2429121" y="3064695"/>
-            <a:ext cx="8132288" cy="947278"/>
-          </a:xfrm>
-          <a:prstGeom prst="rect">
-            <a:avLst/>
-          </a:prstGeom>
-        </p:spPr>
-      </p:pic>
-      <p:pic>
-        <p:nvPicPr>
-          <p:cNvPr id="6" name="Picture 5">
-            <a:extLst>
-              <a:ext uri="{FF2B5EF4-FFF2-40B4-BE49-F238E27FC236}">
-                <a16:creationId xmlns:a16="http://schemas.microsoft.com/office/drawing/2014/main" id="{EEEC7555-825D-0E97-0A01-89EBF599F77A}"/>
-              </a:ext>
-            </a:extLst>
-          </p:cNvPr>
-          <p:cNvPicPr>
-            <a:picLocks noChangeAspect="1"/>
-          </p:cNvPicPr>
-          <p:nvPr/>
-        </p:nvPicPr>
-        <p:blipFill>
-          <a:blip r:embed="rId3"/>
-          <a:stretch>
-            <a:fillRect/>
-          </a:stretch>
-        </p:blipFill>
-        <p:spPr>
-          <a:xfrm>
-            <a:off x="2327496" y="4137576"/>
-            <a:ext cx="8335538" cy="2372056"/>
-          </a:xfrm>
-          <a:prstGeom prst="rect">
-            <a:avLst/>
-          </a:prstGeom>
-        </p:spPr>
-      </p:pic>
-      <p:pic>
-        <p:nvPicPr>
-          <p:cNvPr id="7" name="Picture 6">
-            <a:extLst>
-              <a:ext uri="{FF2B5EF4-FFF2-40B4-BE49-F238E27FC236}">
-                <a16:creationId xmlns:a16="http://schemas.microsoft.com/office/drawing/2014/main" id="{A37F4D58-0ADB-D668-3C92-D99932EAAC9A}"/>
-              </a:ext>
-            </a:extLst>
-          </p:cNvPr>
-          <p:cNvPicPr>
-            <a:picLocks noChangeAspect="1"/>
-          </p:cNvPicPr>
-          <p:nvPr/>
-        </p:nvPicPr>
-        <p:blipFill>
-          <a:blip r:embed="rId4"/>
-          <a:stretch>
-            <a:fillRect/>
-          </a:stretch>
-        </p:blipFill>
-        <p:spPr>
-          <a:xfrm>
-            <a:off x="2429121" y="1727536"/>
-            <a:ext cx="6833840" cy="1274358"/>
-          </a:xfrm>
-          <a:prstGeom prst="rect">
-            <a:avLst/>
-          </a:prstGeom>
-        </p:spPr>
-      </p:pic>
-    </p:spTree>
-    <p:extLst>
-      <p:ext uri="{BB962C8B-B14F-4D97-AF65-F5344CB8AC3E}">
-        <p14:creationId xmlns:p14="http://schemas.microsoft.com/office/powerpoint/2010/main" val="1711539242"/>
-      </p:ext>
-    </p:extLst>
-  </p:cSld>
-  <p:clrMapOvr>
-    <a:masterClrMapping/>
-  </p:clrMapOvr>
-</p:sld>
-</file>
-
-<file path=ppt/slides/slide3.xml><?xml version="1.0" encoding="utf-8"?>
-<p:sld xmlns:a="http://schemas.openxmlformats.org/drawingml/2006/main" xmlns:r="http://schemas.openxmlformats.org/officeDocument/2006/relationships" xmlns:p="http://schemas.openxmlformats.org/presentationml/2006/main">
-  <p:cSld>
-    <p:spTree>
-      <p:nvGrpSpPr>
-        <p:cNvPr id="1" name=""/>
-        <p:cNvGrpSpPr/>
-        <p:nvPr/>
-      </p:nvGrpSpPr>
-      <p:grpSpPr>
-        <a:xfrm>
-          <a:off x="0" y="0"/>
-          <a:ext cx="0" cy="0"/>
-          <a:chOff x="0" y="0"/>
-          <a:chExt cx="0" cy="0"/>
-        </a:xfrm>
-      </p:grpSpPr>
-      <p:sp>
-        <p:nvSpPr>
-          <p:cNvPr id="2" name="Title 1">
-            <a:extLst>
-              <a:ext uri="{FF2B5EF4-FFF2-40B4-BE49-F238E27FC236}">
-                <a16:creationId xmlns:a16="http://schemas.microsoft.com/office/drawing/2014/main" id="{E6E7246E-6DDB-2F98-52B0-04AB5D144996}"/>
-              </a:ext>
-            </a:extLst>
-          </p:cNvPr>
-          <p:cNvSpPr>
-            <a:spLocks noGrp="1"/>
-          </p:cNvSpPr>
-          <p:nvPr>
-            <p:ph type="title"/>
-          </p:nvPr>
-        </p:nvSpPr>
-        <p:spPr/>
-        <p:txBody>
-          <a:bodyPr/>
-          <a:lstStyle/>
-          <a:p>
-            <a:r>
-              <a:rPr lang="en-US" dirty="0"/>
-              <a:t>lab14</a:t>
-            </a:r>
-          </a:p>
-        </p:txBody>
-      </p:sp>
-      <p:sp>
-        <p:nvSpPr>
-          <p:cNvPr id="4" name="Slide Number Placeholder 3">
-            <a:extLst>
-              <a:ext uri="{FF2B5EF4-FFF2-40B4-BE49-F238E27FC236}">
-                <a16:creationId xmlns:a16="http://schemas.microsoft.com/office/drawing/2014/main" id="{A653B7C0-A01B-B019-AE82-6D2CF11E10FE}"/>
-              </a:ext>
-            </a:extLst>
-          </p:cNvPr>
-          <p:cNvSpPr>
-            <a:spLocks noGrp="1"/>
-          </p:cNvSpPr>
-          <p:nvPr>
-            <p:ph type="sldNum" sz="quarter" idx="12"/>
-          </p:nvPr>
-        </p:nvSpPr>
-        <p:spPr/>
-        <p:txBody>
-          <a:bodyPr/>
-          <a:lstStyle/>
-          <a:p>
-            <a:fld id="{8A2B06E4-34D2-4DD4-ABFF-9F74AC2B18B5}" type="slidenum">
-              <a:rPr lang="en-US" smtClean="0"/>
-              <a:t>3</a:t>
             </a:fld>
             <a:endParaRPr lang="en-US" dirty="0"/>
           </a:p>
@@ -5789,7 +6267,7 @@
 </p:sld>
 </file>
 
-<file path=ppt/slides/slide4.xml><?xml version="1.0" encoding="utf-8"?>
+<file path=ppt/slides/slide3.xml><?xml version="1.0" encoding="utf-8"?>
 <p:sld xmlns:a="http://schemas.openxmlformats.org/drawingml/2006/main" xmlns:r="http://schemas.openxmlformats.org/officeDocument/2006/relationships" xmlns:p="http://schemas.openxmlformats.org/presentationml/2006/main">
   <p:cSld>
     <p:spTree>
@@ -5857,7 +6335,7 @@
           <a:p>
             <a:fld id="{8A2B06E4-34D2-4DD4-ABFF-9F74AC2B18B5}" type="slidenum">
               <a:rPr lang="en-US" smtClean="0"/>
-              <a:t>4</a:t>
+              <a:t>3</a:t>
             </a:fld>
             <a:endParaRPr lang="en-US" dirty="0"/>
           </a:p>
@@ -6193,7 +6671,7 @@
 </p:sld>
 </file>
 
-<file path=ppt/slides/slide5.xml><?xml version="1.0" encoding="utf-8"?>
+<file path=ppt/slides/slide4.xml><?xml version="1.0" encoding="utf-8"?>
 <p:sld xmlns:a="http://schemas.openxmlformats.org/drawingml/2006/main" xmlns:r="http://schemas.openxmlformats.org/officeDocument/2006/relationships" xmlns:p="http://schemas.openxmlformats.org/presentationml/2006/main">
   <p:cSld>
     <p:spTree>
@@ -6294,7 +6772,7 @@
           <a:p>
             <a:fld id="{8A2B06E4-34D2-4DD4-ABFF-9F74AC2B18B5}" type="slidenum">
               <a:rPr lang="en-US" smtClean="0"/>
-              <a:t>5</a:t>
+              <a:t>4</a:t>
             </a:fld>
             <a:endParaRPr lang="en-US" dirty="0"/>
           </a:p>
@@ -6801,6 +7279,276 @@
 </p:sld>
 </file>
 
+<file path=ppt/slides/slide5.xml><?xml version="1.0" encoding="utf-8"?>
+<p:sld xmlns:a="http://schemas.openxmlformats.org/drawingml/2006/main" xmlns:r="http://schemas.openxmlformats.org/officeDocument/2006/relationships" xmlns:p="http://schemas.openxmlformats.org/presentationml/2006/main">
+  <p:cSld>
+    <p:spTree>
+      <p:nvGrpSpPr>
+        <p:cNvPr id="1" name=""/>
+        <p:cNvGrpSpPr/>
+        <p:nvPr/>
+      </p:nvGrpSpPr>
+      <p:grpSpPr>
+        <a:xfrm>
+          <a:off x="0" y="0"/>
+          <a:ext cx="0" cy="0"/>
+          <a:chOff x="0" y="0"/>
+          <a:chExt cx="0" cy="0"/>
+        </a:xfrm>
+      </p:grpSpPr>
+      <p:sp>
+        <p:nvSpPr>
+          <p:cNvPr id="2" name="Title 1">
+            <a:extLst>
+              <a:ext uri="{FF2B5EF4-FFF2-40B4-BE49-F238E27FC236}">
+                <a16:creationId xmlns:a16="http://schemas.microsoft.com/office/drawing/2014/main" id="{E6E7246E-6DDB-2F98-52B0-04AB5D144996}"/>
+              </a:ext>
+            </a:extLst>
+          </p:cNvPr>
+          <p:cNvSpPr>
+            <a:spLocks noGrp="1"/>
+          </p:cNvSpPr>
+          <p:nvPr>
+            <p:ph type="title"/>
+          </p:nvPr>
+        </p:nvSpPr>
+        <p:spPr/>
+        <p:txBody>
+          <a:bodyPr/>
+          <a:lstStyle/>
+          <a:p>
+            <a:r>
+              <a:rPr lang="en-US" dirty="0"/>
+              <a:t>lab07</a:t>
+            </a:r>
+          </a:p>
+        </p:txBody>
+      </p:sp>
+      <p:sp>
+        <p:nvSpPr>
+          <p:cNvPr id="3" name="Content Placeholder 2">
+            <a:extLst>
+              <a:ext uri="{FF2B5EF4-FFF2-40B4-BE49-F238E27FC236}">
+                <a16:creationId xmlns:a16="http://schemas.microsoft.com/office/drawing/2014/main" id="{F0AB9DF1-764A-2056-5BC1-70D34F516704}"/>
+              </a:ext>
+            </a:extLst>
+          </p:cNvPr>
+          <p:cNvSpPr>
+            <a:spLocks noGrp="1"/>
+          </p:cNvSpPr>
+          <p:nvPr>
+            <p:ph idx="1"/>
+          </p:nvPr>
+        </p:nvSpPr>
+        <p:spPr>
+          <a:xfrm>
+            <a:off x="590204" y="1064029"/>
+            <a:ext cx="10763596" cy="5363403"/>
+          </a:xfrm>
+        </p:spPr>
+        <p:txBody>
+          <a:bodyPr>
+            <a:normAutofit/>
+          </a:bodyPr>
+          <a:lstStyle/>
+          <a:p>
+            <a:r>
+              <a:rPr lang="en-US" dirty="0"/>
+              <a:t>wire connection by “assign” in generate block </a:t>
+            </a:r>
+          </a:p>
+          <a:p>
+            <a:endParaRPr lang="en-US" dirty="0"/>
+          </a:p>
+          <a:p>
+            <a:r>
+              <a:rPr lang="en-US" dirty="0"/>
+              <a:t>module top;</a:t>
+            </a:r>
+          </a:p>
+          <a:p>
+            <a:pPr lvl="1"/>
+            <a:r>
+              <a:rPr lang="en-US" dirty="0"/>
+              <a:t>sub #(.sel(0)) inst1();</a:t>
+            </a:r>
+          </a:p>
+          <a:p>
+            <a:pPr lvl="1"/>
+            <a:r>
+              <a:rPr lang="en-US" dirty="0"/>
+              <a:t>sub #(.sel(1)) inst2();</a:t>
+            </a:r>
+          </a:p>
+          <a:p>
+            <a:r>
+              <a:rPr lang="en-US" dirty="0" err="1"/>
+              <a:t>endmodule</a:t>
+            </a:r>
+            <a:endParaRPr lang="en-US" dirty="0"/>
+          </a:p>
+          <a:p>
+            <a:endParaRPr lang="en-US" dirty="0"/>
+          </a:p>
+          <a:p>
+            <a:r>
+              <a:rPr lang="en-US" dirty="0"/>
+              <a:t>module sub;</a:t>
+            </a:r>
+          </a:p>
+          <a:p>
+            <a:pPr lvl="1"/>
+            <a:r>
+              <a:rPr lang="en-US" dirty="0"/>
+              <a:t>parameter </a:t>
+            </a:r>
+            <a:r>
+              <a:rPr lang="en-US" dirty="0" err="1"/>
+              <a:t>sel</a:t>
+            </a:r>
+            <a:r>
+              <a:rPr lang="en-US" dirty="0"/>
+              <a:t> = 1;</a:t>
+            </a:r>
+          </a:p>
+          <a:p>
+            <a:endParaRPr lang="en-US" dirty="0"/>
+          </a:p>
+          <a:p>
+            <a:pPr lvl="1"/>
+            <a:r>
+              <a:rPr lang="en-US" dirty="0"/>
+              <a:t>logic sig1, sig2, sig3;</a:t>
+            </a:r>
+          </a:p>
+          <a:p>
+            <a:pPr lvl="1"/>
+            <a:r>
+              <a:rPr lang="en-US" b="1" dirty="0"/>
+              <a:t>generate  </a:t>
+            </a:r>
+            <a:r>
+              <a:rPr lang="en-US" b="1" dirty="0">
+                <a:sym typeface="Wingdings" panose="05000000000000000000" pitchFamily="2" charset="2"/>
+              </a:rPr>
+              <a:t>- this is optional</a:t>
+            </a:r>
+            <a:endParaRPr lang="en-US" b="1" dirty="0"/>
+          </a:p>
+          <a:p>
+            <a:pPr lvl="1"/>
+            <a:r>
+              <a:rPr lang="en-US" dirty="0"/>
+              <a:t>if (</a:t>
+            </a:r>
+            <a:r>
+              <a:rPr lang="en-US" dirty="0" err="1"/>
+              <a:t>sel</a:t>
+            </a:r>
+            <a:r>
+              <a:rPr lang="en-US" dirty="0"/>
+              <a:t>)</a:t>
+            </a:r>
+          </a:p>
+          <a:p>
+            <a:pPr lvl="2"/>
+            <a:r>
+              <a:rPr lang="en-US" dirty="0"/>
+              <a:t>assign sig3 = sig1;</a:t>
+            </a:r>
+          </a:p>
+          <a:p>
+            <a:pPr lvl="1"/>
+            <a:r>
+              <a:rPr lang="en-US" dirty="0"/>
+              <a:t>else</a:t>
+            </a:r>
+          </a:p>
+          <a:p>
+            <a:pPr lvl="2"/>
+            <a:r>
+              <a:rPr lang="en-US" dirty="0"/>
+              <a:t>assign sig3 = sig2;</a:t>
+            </a:r>
+          </a:p>
+          <a:p>
+            <a:pPr lvl="1"/>
+            <a:r>
+              <a:rPr lang="en-US" b="1" dirty="0" err="1"/>
+              <a:t>endgenerate</a:t>
+            </a:r>
+            <a:r>
+              <a:rPr lang="en-US" b="1" dirty="0"/>
+              <a:t> </a:t>
+            </a:r>
+            <a:r>
+              <a:rPr lang="en-US" b="1" dirty="0">
+                <a:sym typeface="Wingdings" panose="05000000000000000000" pitchFamily="2" charset="2"/>
+              </a:rPr>
+              <a:t>- this is optional</a:t>
+            </a:r>
+            <a:endParaRPr lang="en-US" b="1" dirty="0"/>
+          </a:p>
+          <a:p>
+            <a:pPr marL="914400" lvl="2" indent="0">
+              <a:buNone/>
+            </a:pPr>
+            <a:r>
+              <a:rPr lang="en-US" dirty="0"/>
+              <a:t>	</a:t>
+            </a:r>
+          </a:p>
+          <a:p>
+            <a:r>
+              <a:rPr lang="en-US" dirty="0" err="1"/>
+              <a:t>endmodule</a:t>
+            </a:r>
+            <a:endParaRPr lang="en-US" dirty="0"/>
+          </a:p>
+        </p:txBody>
+      </p:sp>
+      <p:sp>
+        <p:nvSpPr>
+          <p:cNvPr id="4" name="Slide Number Placeholder 3">
+            <a:extLst>
+              <a:ext uri="{FF2B5EF4-FFF2-40B4-BE49-F238E27FC236}">
+                <a16:creationId xmlns:a16="http://schemas.microsoft.com/office/drawing/2014/main" id="{A653B7C0-A01B-B019-AE82-6D2CF11E10FE}"/>
+              </a:ext>
+            </a:extLst>
+          </p:cNvPr>
+          <p:cNvSpPr>
+            <a:spLocks noGrp="1"/>
+          </p:cNvSpPr>
+          <p:nvPr>
+            <p:ph type="sldNum" sz="quarter" idx="12"/>
+          </p:nvPr>
+        </p:nvSpPr>
+        <p:spPr/>
+        <p:txBody>
+          <a:bodyPr/>
+          <a:lstStyle/>
+          <a:p>
+            <a:fld id="{8A2B06E4-34D2-4DD4-ABFF-9F74AC2B18B5}" type="slidenum">
+              <a:rPr lang="en-US" smtClean="0"/>
+              <a:t>5</a:t>
+            </a:fld>
+            <a:endParaRPr lang="en-US" dirty="0"/>
+          </a:p>
+        </p:txBody>
+      </p:sp>
+    </p:spTree>
+    <p:extLst>
+      <p:ext uri="{BB962C8B-B14F-4D97-AF65-F5344CB8AC3E}">
+        <p14:creationId xmlns:p14="http://schemas.microsoft.com/office/powerpoint/2010/main" val="2190162818"/>
+      </p:ext>
+    </p:extLst>
+  </p:cSld>
+  <p:clrMapOvr>
+    <a:masterClrMapping/>
+  </p:clrMapOvr>
+</p:sld>
+</file>
+
 <file path=ppt/slides/slide6.xml><?xml version="1.0" encoding="utf-8"?>
 <p:sld xmlns:a="http://schemas.openxmlformats.org/drawingml/2006/main" xmlns:r="http://schemas.openxmlformats.org/officeDocument/2006/relationships" xmlns:p="http://schemas.openxmlformats.org/presentationml/2006/main">
   <p:cSld>
@@ -6823,7 +7571,7 @@
           <p:cNvPr id="2" name="Title 1">
             <a:extLst>
               <a:ext uri="{FF2B5EF4-FFF2-40B4-BE49-F238E27FC236}">
-                <a16:creationId xmlns:a16="http://schemas.microsoft.com/office/drawing/2014/main" id="{E6E7246E-6DDB-2F98-52B0-04AB5D144996}"/>
+                <a16:creationId xmlns:a16="http://schemas.microsoft.com/office/drawing/2014/main" id="{0D90D065-03EF-C333-329D-B6A904037AA4}"/>
               </a:ext>
             </a:extLst>
           </p:cNvPr>
@@ -6841,7 +7589,7 @@
           <a:p>
             <a:r>
               <a:rPr lang="en-US" dirty="0"/>
-              <a:t>lab06</a:t>
+              <a:t>lab07</a:t>
             </a:r>
           </a:p>
         </p:txBody>
@@ -6851,7 +7599,901 @@
           <p:cNvPr id="3" name="Content Placeholder 2">
             <a:extLst>
               <a:ext uri="{FF2B5EF4-FFF2-40B4-BE49-F238E27FC236}">
-                <a16:creationId xmlns:a16="http://schemas.microsoft.com/office/drawing/2014/main" id="{F0AB9DF1-764A-2056-5BC1-70D34F516704}"/>
+                <a16:creationId xmlns:a16="http://schemas.microsoft.com/office/drawing/2014/main" id="{6BFC4363-D16A-9B9C-C912-00320CAA407C}"/>
+              </a:ext>
+            </a:extLst>
+          </p:cNvPr>
+          <p:cNvSpPr>
+            <a:spLocks noGrp="1"/>
+          </p:cNvSpPr>
+          <p:nvPr>
+            <p:ph idx="1"/>
+          </p:nvPr>
+        </p:nvSpPr>
+        <p:spPr>
+          <a:xfrm>
+            <a:off x="590204" y="1064029"/>
+            <a:ext cx="3369237" cy="4662068"/>
+          </a:xfrm>
+        </p:spPr>
+        <p:txBody>
+          <a:bodyPr>
+            <a:normAutofit/>
+          </a:bodyPr>
+          <a:lstStyle/>
+          <a:p>
+            <a:r>
+              <a:rPr lang="en-US" dirty="0"/>
+              <a:t>scope</a:t>
+            </a:r>
+          </a:p>
+          <a:p>
+            <a:pPr lvl="1"/>
+            <a:r>
+              <a:rPr lang="en-US" b="1" dirty="0"/>
+              <a:t>module</a:t>
+            </a:r>
+          </a:p>
+          <a:p>
+            <a:pPr lvl="1"/>
+            <a:r>
+              <a:rPr lang="en-US" b="1" dirty="0" err="1"/>
+              <a:t>endmodule</a:t>
+            </a:r>
+            <a:endParaRPr lang="en-US" b="1" dirty="0"/>
+          </a:p>
+          <a:p>
+            <a:pPr lvl="1"/>
+            <a:endParaRPr lang="en-US" dirty="0"/>
+          </a:p>
+          <a:p>
+            <a:pPr lvl="1"/>
+            <a:r>
+              <a:rPr lang="en-US" dirty="0"/>
+              <a:t>class</a:t>
+            </a:r>
+          </a:p>
+          <a:p>
+            <a:pPr lvl="1"/>
+            <a:r>
+              <a:rPr lang="en-US" dirty="0" err="1"/>
+              <a:t>endclass</a:t>
+            </a:r>
+            <a:endParaRPr lang="en-US" dirty="0"/>
+          </a:p>
+          <a:p>
+            <a:endParaRPr lang="en-US" dirty="0"/>
+          </a:p>
+          <a:p>
+            <a:pPr lvl="1"/>
+            <a:r>
+              <a:rPr lang="en-US" dirty="0"/>
+              <a:t>interface </a:t>
+            </a:r>
+          </a:p>
+          <a:p>
+            <a:pPr lvl="1"/>
+            <a:r>
+              <a:rPr lang="en-US" dirty="0" err="1"/>
+              <a:t>endinterface</a:t>
+            </a:r>
+            <a:endParaRPr lang="en-US" dirty="0"/>
+          </a:p>
+          <a:p>
+            <a:pPr lvl="1"/>
+            <a:endParaRPr lang="en-US" dirty="0"/>
+          </a:p>
+          <a:p>
+            <a:pPr lvl="1"/>
+            <a:r>
+              <a:rPr lang="en-US" dirty="0"/>
+              <a:t>checker</a:t>
+            </a:r>
+          </a:p>
+          <a:p>
+            <a:pPr lvl="1"/>
+            <a:r>
+              <a:rPr lang="en-US" dirty="0" err="1"/>
+              <a:t>endchecker</a:t>
+            </a:r>
+            <a:endParaRPr lang="en-US" dirty="0"/>
+          </a:p>
+          <a:p>
+            <a:pPr lvl="1"/>
+            <a:endParaRPr lang="en-US" dirty="0"/>
+          </a:p>
+          <a:p>
+            <a:pPr lvl="1"/>
+            <a:r>
+              <a:rPr lang="en-US" dirty="0"/>
+              <a:t>program</a:t>
+            </a:r>
+          </a:p>
+          <a:p>
+            <a:pPr lvl="1"/>
+            <a:r>
+              <a:rPr lang="en-US" dirty="0" err="1"/>
+              <a:t>endprogram</a:t>
+            </a:r>
+            <a:endParaRPr lang="en-US" dirty="0"/>
+          </a:p>
+          <a:p>
+            <a:pPr lvl="1"/>
+            <a:endParaRPr lang="en-US" dirty="0"/>
+          </a:p>
+          <a:p>
+            <a:pPr lvl="1"/>
+            <a:r>
+              <a:rPr lang="en-US" dirty="0"/>
+              <a:t>generate</a:t>
+            </a:r>
+          </a:p>
+          <a:p>
+            <a:pPr lvl="1"/>
+            <a:r>
+              <a:rPr lang="en-US" dirty="0" err="1"/>
+              <a:t>endgenerate</a:t>
+            </a:r>
+            <a:endParaRPr lang="en-US" dirty="0"/>
+          </a:p>
+        </p:txBody>
+      </p:sp>
+      <p:sp>
+        <p:nvSpPr>
+          <p:cNvPr id="4" name="Slide Number Placeholder 3">
+            <a:extLst>
+              <a:ext uri="{FF2B5EF4-FFF2-40B4-BE49-F238E27FC236}">
+                <a16:creationId xmlns:a16="http://schemas.microsoft.com/office/drawing/2014/main" id="{AC7F354A-7DB9-26FB-09B1-62B5D79E1C4A}"/>
+              </a:ext>
+            </a:extLst>
+          </p:cNvPr>
+          <p:cNvSpPr>
+            <a:spLocks noGrp="1"/>
+          </p:cNvSpPr>
+          <p:nvPr>
+            <p:ph type="sldNum" sz="quarter" idx="12"/>
+          </p:nvPr>
+        </p:nvSpPr>
+        <p:spPr/>
+        <p:txBody>
+          <a:bodyPr/>
+          <a:lstStyle/>
+          <a:p>
+            <a:fld id="{8A2B06E4-34D2-4DD4-ABFF-9F74AC2B18B5}" type="slidenum">
+              <a:rPr lang="en-US" smtClean="0"/>
+              <a:t>6</a:t>
+            </a:fld>
+            <a:endParaRPr lang="en-US" dirty="0"/>
+          </a:p>
+        </p:txBody>
+      </p:sp>
+      <p:sp>
+        <p:nvSpPr>
+          <p:cNvPr id="5" name="Content Placeholder 2">
+            <a:extLst>
+              <a:ext uri="{FF2B5EF4-FFF2-40B4-BE49-F238E27FC236}">
+                <a16:creationId xmlns:a16="http://schemas.microsoft.com/office/drawing/2014/main" id="{C56A286A-DF8E-552E-E1AA-8A6159B25E16}"/>
+              </a:ext>
+            </a:extLst>
+          </p:cNvPr>
+          <p:cNvSpPr txBox="1">
+            <a:spLocks/>
+          </p:cNvSpPr>
+          <p:nvPr/>
+        </p:nvSpPr>
+        <p:spPr>
+          <a:xfrm>
+            <a:off x="3679633" y="1064029"/>
+            <a:ext cx="3804243" cy="4662068"/>
+          </a:xfrm>
+          <a:prstGeom prst="rect">
+            <a:avLst/>
+          </a:prstGeom>
+        </p:spPr>
+        <p:txBody>
+          <a:bodyPr vert="horz" lIns="91440" tIns="45720" rIns="91440" bIns="45720" rtlCol="0">
+            <a:normAutofit/>
+          </a:bodyPr>
+          <a:lstStyle>
+            <a:lvl1pPr marL="228600" indent="-228600" algn="l" defTabSz="914400" rtl="0" eaLnBrk="1" latinLnBrk="0" hangingPunct="1">
+              <a:lnSpc>
+                <a:spcPct val="90000"/>
+              </a:lnSpc>
+              <a:spcBef>
+                <a:spcPts val="1000"/>
+              </a:spcBef>
+              <a:buFont typeface="Arial" panose="020B0604020202020204" pitchFamily="34" charset="0"/>
+              <a:buChar char="•"/>
+              <a:defRPr sz="1400" kern="1200">
+                <a:solidFill>
+                  <a:schemeClr val="tx1"/>
+                </a:solidFill>
+                <a:latin typeface="+mn-lt"/>
+                <a:ea typeface="+mn-ea"/>
+                <a:cs typeface="+mn-cs"/>
+              </a:defRPr>
+            </a:lvl1pPr>
+            <a:lvl2pPr marL="685800" indent="-228600" algn="l" defTabSz="914400" rtl="0" eaLnBrk="1" latinLnBrk="0" hangingPunct="1">
+              <a:lnSpc>
+                <a:spcPct val="90000"/>
+              </a:lnSpc>
+              <a:spcBef>
+                <a:spcPts val="500"/>
+              </a:spcBef>
+              <a:buFont typeface="Arial" panose="020B0604020202020204" pitchFamily="34" charset="0"/>
+              <a:buChar char="•"/>
+              <a:defRPr sz="1200" kern="1200">
+                <a:solidFill>
+                  <a:schemeClr val="tx1"/>
+                </a:solidFill>
+                <a:latin typeface="+mn-lt"/>
+                <a:ea typeface="+mn-ea"/>
+                <a:cs typeface="+mn-cs"/>
+              </a:defRPr>
+            </a:lvl2pPr>
+            <a:lvl3pPr marL="1143000" indent="-228600" algn="l" defTabSz="914400" rtl="0" eaLnBrk="1" latinLnBrk="0" hangingPunct="1">
+              <a:lnSpc>
+                <a:spcPct val="90000"/>
+              </a:lnSpc>
+              <a:spcBef>
+                <a:spcPts val="500"/>
+              </a:spcBef>
+              <a:buFont typeface="Arial" panose="020B0604020202020204" pitchFamily="34" charset="0"/>
+              <a:buChar char="•"/>
+              <a:defRPr sz="1200" kern="1200">
+                <a:solidFill>
+                  <a:schemeClr val="tx1"/>
+                </a:solidFill>
+                <a:latin typeface="+mn-lt"/>
+                <a:ea typeface="+mn-ea"/>
+                <a:cs typeface="+mn-cs"/>
+              </a:defRPr>
+            </a:lvl3pPr>
+            <a:lvl4pPr marL="1600200" indent="-228600" algn="l" defTabSz="914400" rtl="0" eaLnBrk="1" latinLnBrk="0" hangingPunct="1">
+              <a:lnSpc>
+                <a:spcPct val="90000"/>
+              </a:lnSpc>
+              <a:spcBef>
+                <a:spcPts val="500"/>
+              </a:spcBef>
+              <a:buFont typeface="Arial" panose="020B0604020202020204" pitchFamily="34" charset="0"/>
+              <a:buChar char="•"/>
+              <a:defRPr sz="1200" kern="1200">
+                <a:solidFill>
+                  <a:schemeClr val="tx1"/>
+                </a:solidFill>
+                <a:latin typeface="+mn-lt"/>
+                <a:ea typeface="+mn-ea"/>
+                <a:cs typeface="+mn-cs"/>
+              </a:defRPr>
+            </a:lvl4pPr>
+            <a:lvl5pPr marL="2057400" indent="-228600" algn="l" defTabSz="914400" rtl="0" eaLnBrk="1" latinLnBrk="0" hangingPunct="1">
+              <a:lnSpc>
+                <a:spcPct val="90000"/>
+              </a:lnSpc>
+              <a:spcBef>
+                <a:spcPts val="500"/>
+              </a:spcBef>
+              <a:buFont typeface="Arial" panose="020B0604020202020204" pitchFamily="34" charset="0"/>
+              <a:buChar char="•"/>
+              <a:defRPr sz="1200" kern="1200">
+                <a:solidFill>
+                  <a:schemeClr val="tx1"/>
+                </a:solidFill>
+                <a:latin typeface="+mn-lt"/>
+                <a:ea typeface="+mn-ea"/>
+                <a:cs typeface="+mn-cs"/>
+              </a:defRPr>
+            </a:lvl5pPr>
+            <a:lvl6pPr marL="2514600" indent="-228600" algn="l" defTabSz="914400" rtl="0" eaLnBrk="1" latinLnBrk="0" hangingPunct="1">
+              <a:lnSpc>
+                <a:spcPct val="90000"/>
+              </a:lnSpc>
+              <a:spcBef>
+                <a:spcPts val="500"/>
+              </a:spcBef>
+              <a:buFont typeface="Arial" panose="020B0604020202020204" pitchFamily="34" charset="0"/>
+              <a:buChar char="•"/>
+              <a:defRPr sz="1800" kern="1200">
+                <a:solidFill>
+                  <a:schemeClr val="tx1"/>
+                </a:solidFill>
+                <a:latin typeface="+mn-lt"/>
+                <a:ea typeface="+mn-ea"/>
+                <a:cs typeface="+mn-cs"/>
+              </a:defRPr>
+            </a:lvl6pPr>
+            <a:lvl7pPr marL="2971800" indent="-228600" algn="l" defTabSz="914400" rtl="0" eaLnBrk="1" latinLnBrk="0" hangingPunct="1">
+              <a:lnSpc>
+                <a:spcPct val="90000"/>
+              </a:lnSpc>
+              <a:spcBef>
+                <a:spcPts val="500"/>
+              </a:spcBef>
+              <a:buFont typeface="Arial" panose="020B0604020202020204" pitchFamily="34" charset="0"/>
+              <a:buChar char="•"/>
+              <a:defRPr sz="1800" kern="1200">
+                <a:solidFill>
+                  <a:schemeClr val="tx1"/>
+                </a:solidFill>
+                <a:latin typeface="+mn-lt"/>
+                <a:ea typeface="+mn-ea"/>
+                <a:cs typeface="+mn-cs"/>
+              </a:defRPr>
+            </a:lvl7pPr>
+            <a:lvl8pPr marL="3429000" indent="-228600" algn="l" defTabSz="914400" rtl="0" eaLnBrk="1" latinLnBrk="0" hangingPunct="1">
+              <a:lnSpc>
+                <a:spcPct val="90000"/>
+              </a:lnSpc>
+              <a:spcBef>
+                <a:spcPts val="500"/>
+              </a:spcBef>
+              <a:buFont typeface="Arial" panose="020B0604020202020204" pitchFamily="34" charset="0"/>
+              <a:buChar char="•"/>
+              <a:defRPr sz="1800" kern="1200">
+                <a:solidFill>
+                  <a:schemeClr val="tx1"/>
+                </a:solidFill>
+                <a:latin typeface="+mn-lt"/>
+                <a:ea typeface="+mn-ea"/>
+                <a:cs typeface="+mn-cs"/>
+              </a:defRPr>
+            </a:lvl8pPr>
+            <a:lvl9pPr marL="3886200" indent="-228600" algn="l" defTabSz="914400" rtl="0" eaLnBrk="1" latinLnBrk="0" hangingPunct="1">
+              <a:lnSpc>
+                <a:spcPct val="90000"/>
+              </a:lnSpc>
+              <a:spcBef>
+                <a:spcPts val="500"/>
+              </a:spcBef>
+              <a:buFont typeface="Arial" panose="020B0604020202020204" pitchFamily="34" charset="0"/>
+              <a:buChar char="•"/>
+              <a:defRPr sz="1800" kern="1200">
+                <a:solidFill>
+                  <a:schemeClr val="tx1"/>
+                </a:solidFill>
+                <a:latin typeface="+mn-lt"/>
+                <a:ea typeface="+mn-ea"/>
+                <a:cs typeface="+mn-cs"/>
+              </a:defRPr>
+            </a:lvl9pPr>
+          </a:lstStyle>
+          <a:p>
+            <a:r>
+              <a:rPr lang="en-US" dirty="0"/>
+              <a:t>example</a:t>
+            </a:r>
+          </a:p>
+          <a:p>
+            <a:pPr lvl="1"/>
+            <a:r>
+              <a:rPr lang="en-US" b="1" dirty="0"/>
+              <a:t>module</a:t>
+            </a:r>
+            <a:r>
+              <a:rPr lang="en-US" dirty="0"/>
+              <a:t> top</a:t>
+            </a:r>
+          </a:p>
+          <a:p>
+            <a:pPr lvl="2"/>
+            <a:r>
+              <a:rPr lang="en-US" dirty="0"/>
+              <a:t>c1 inst_c1();</a:t>
+            </a:r>
+          </a:p>
+          <a:p>
+            <a:pPr lvl="2"/>
+            <a:r>
+              <a:rPr lang="en-US" dirty="0"/>
+              <a:t>i1 inst_i1;</a:t>
+            </a:r>
+          </a:p>
+          <a:p>
+            <a:pPr lvl="1"/>
+            <a:r>
+              <a:rPr lang="en-US" dirty="0" err="1"/>
+              <a:t>endmodule</a:t>
+            </a:r>
+            <a:endParaRPr lang="en-US" dirty="0"/>
+          </a:p>
+          <a:p>
+            <a:pPr lvl="1"/>
+            <a:endParaRPr lang="en-US" dirty="0"/>
+          </a:p>
+          <a:p>
+            <a:pPr lvl="1"/>
+            <a:r>
+              <a:rPr lang="en-US" b="1" dirty="0"/>
+              <a:t>class</a:t>
+            </a:r>
+            <a:r>
+              <a:rPr lang="en-US" dirty="0"/>
+              <a:t> c1</a:t>
+            </a:r>
+          </a:p>
+          <a:p>
+            <a:pPr lvl="1"/>
+            <a:r>
+              <a:rPr lang="en-US" dirty="0" err="1"/>
+              <a:t>endclass</a:t>
+            </a:r>
+            <a:endParaRPr lang="en-US" dirty="0"/>
+          </a:p>
+          <a:p>
+            <a:pPr lvl="1"/>
+            <a:endParaRPr lang="en-US" dirty="0"/>
+          </a:p>
+          <a:p>
+            <a:pPr lvl="1"/>
+            <a:r>
+              <a:rPr lang="en-US" b="1" dirty="0"/>
+              <a:t>interface</a:t>
+            </a:r>
+            <a:r>
+              <a:rPr lang="en-US" dirty="0"/>
+              <a:t> i1</a:t>
+            </a:r>
+          </a:p>
+          <a:p>
+            <a:pPr lvl="1"/>
+            <a:r>
+              <a:rPr lang="en-US" dirty="0" err="1"/>
+              <a:t>endinterface</a:t>
+            </a:r>
+            <a:r>
+              <a:rPr lang="en-US" dirty="0"/>
+              <a:t> </a:t>
+            </a:r>
+          </a:p>
+          <a:p>
+            <a:pPr lvl="1"/>
+            <a:endParaRPr lang="en-US" dirty="0"/>
+          </a:p>
+          <a:p>
+            <a:pPr lvl="1"/>
+            <a:r>
+              <a:rPr lang="en-US" b="1" dirty="0"/>
+              <a:t>interface</a:t>
+            </a:r>
+            <a:r>
+              <a:rPr lang="en-US" dirty="0"/>
+              <a:t> i2</a:t>
+            </a:r>
+          </a:p>
+          <a:p>
+            <a:pPr lvl="1"/>
+            <a:r>
+              <a:rPr lang="en-US" dirty="0" err="1"/>
+              <a:t>endinterface</a:t>
+            </a:r>
+            <a:r>
+              <a:rPr lang="en-US" dirty="0"/>
+              <a:t> </a:t>
+            </a:r>
+          </a:p>
+          <a:p>
+            <a:pPr lvl="1"/>
+            <a:endParaRPr lang="en-US" dirty="0"/>
+          </a:p>
+        </p:txBody>
+      </p:sp>
+      <p:sp>
+        <p:nvSpPr>
+          <p:cNvPr id="6" name="Content Placeholder 2">
+            <a:extLst>
+              <a:ext uri="{FF2B5EF4-FFF2-40B4-BE49-F238E27FC236}">
+                <a16:creationId xmlns:a16="http://schemas.microsoft.com/office/drawing/2014/main" id="{B18A52DC-F630-E380-D59D-78A3CE65BFB3}"/>
+              </a:ext>
+            </a:extLst>
+          </p:cNvPr>
+          <p:cNvSpPr txBox="1">
+            <a:spLocks/>
+          </p:cNvSpPr>
+          <p:nvPr/>
+        </p:nvSpPr>
+        <p:spPr>
+          <a:xfrm>
+            <a:off x="6627019" y="1064029"/>
+            <a:ext cx="3804243" cy="4662068"/>
+          </a:xfrm>
+          <a:prstGeom prst="rect">
+            <a:avLst/>
+          </a:prstGeom>
+        </p:spPr>
+        <p:txBody>
+          <a:bodyPr vert="horz" lIns="91440" tIns="45720" rIns="91440" bIns="45720" rtlCol="0">
+            <a:normAutofit/>
+          </a:bodyPr>
+          <a:lstStyle>
+            <a:lvl1pPr marL="228600" indent="-228600" algn="l" defTabSz="914400" rtl="0" eaLnBrk="1" latinLnBrk="0" hangingPunct="1">
+              <a:lnSpc>
+                <a:spcPct val="90000"/>
+              </a:lnSpc>
+              <a:spcBef>
+                <a:spcPts val="1000"/>
+              </a:spcBef>
+              <a:buFont typeface="Arial" panose="020B0604020202020204" pitchFamily="34" charset="0"/>
+              <a:buChar char="•"/>
+              <a:defRPr sz="1400" kern="1200">
+                <a:solidFill>
+                  <a:schemeClr val="tx1"/>
+                </a:solidFill>
+                <a:latin typeface="+mn-lt"/>
+                <a:ea typeface="+mn-ea"/>
+                <a:cs typeface="+mn-cs"/>
+              </a:defRPr>
+            </a:lvl1pPr>
+            <a:lvl2pPr marL="685800" indent="-228600" algn="l" defTabSz="914400" rtl="0" eaLnBrk="1" latinLnBrk="0" hangingPunct="1">
+              <a:lnSpc>
+                <a:spcPct val="90000"/>
+              </a:lnSpc>
+              <a:spcBef>
+                <a:spcPts val="500"/>
+              </a:spcBef>
+              <a:buFont typeface="Arial" panose="020B0604020202020204" pitchFamily="34" charset="0"/>
+              <a:buChar char="•"/>
+              <a:defRPr sz="1200" kern="1200">
+                <a:solidFill>
+                  <a:schemeClr val="tx1"/>
+                </a:solidFill>
+                <a:latin typeface="+mn-lt"/>
+                <a:ea typeface="+mn-ea"/>
+                <a:cs typeface="+mn-cs"/>
+              </a:defRPr>
+            </a:lvl2pPr>
+            <a:lvl3pPr marL="1143000" indent="-228600" algn="l" defTabSz="914400" rtl="0" eaLnBrk="1" latinLnBrk="0" hangingPunct="1">
+              <a:lnSpc>
+                <a:spcPct val="90000"/>
+              </a:lnSpc>
+              <a:spcBef>
+                <a:spcPts val="500"/>
+              </a:spcBef>
+              <a:buFont typeface="Arial" panose="020B0604020202020204" pitchFamily="34" charset="0"/>
+              <a:buChar char="•"/>
+              <a:defRPr sz="1200" kern="1200">
+                <a:solidFill>
+                  <a:schemeClr val="tx1"/>
+                </a:solidFill>
+                <a:latin typeface="+mn-lt"/>
+                <a:ea typeface="+mn-ea"/>
+                <a:cs typeface="+mn-cs"/>
+              </a:defRPr>
+            </a:lvl3pPr>
+            <a:lvl4pPr marL="1600200" indent="-228600" algn="l" defTabSz="914400" rtl="0" eaLnBrk="1" latinLnBrk="0" hangingPunct="1">
+              <a:lnSpc>
+                <a:spcPct val="90000"/>
+              </a:lnSpc>
+              <a:spcBef>
+                <a:spcPts val="500"/>
+              </a:spcBef>
+              <a:buFont typeface="Arial" panose="020B0604020202020204" pitchFamily="34" charset="0"/>
+              <a:buChar char="•"/>
+              <a:defRPr sz="1200" kern="1200">
+                <a:solidFill>
+                  <a:schemeClr val="tx1"/>
+                </a:solidFill>
+                <a:latin typeface="+mn-lt"/>
+                <a:ea typeface="+mn-ea"/>
+                <a:cs typeface="+mn-cs"/>
+              </a:defRPr>
+            </a:lvl4pPr>
+            <a:lvl5pPr marL="2057400" indent="-228600" algn="l" defTabSz="914400" rtl="0" eaLnBrk="1" latinLnBrk="0" hangingPunct="1">
+              <a:lnSpc>
+                <a:spcPct val="90000"/>
+              </a:lnSpc>
+              <a:spcBef>
+                <a:spcPts val="500"/>
+              </a:spcBef>
+              <a:buFont typeface="Arial" panose="020B0604020202020204" pitchFamily="34" charset="0"/>
+              <a:buChar char="•"/>
+              <a:defRPr sz="1200" kern="1200">
+                <a:solidFill>
+                  <a:schemeClr val="tx1"/>
+                </a:solidFill>
+                <a:latin typeface="+mn-lt"/>
+                <a:ea typeface="+mn-ea"/>
+                <a:cs typeface="+mn-cs"/>
+              </a:defRPr>
+            </a:lvl5pPr>
+            <a:lvl6pPr marL="2514600" indent="-228600" algn="l" defTabSz="914400" rtl="0" eaLnBrk="1" latinLnBrk="0" hangingPunct="1">
+              <a:lnSpc>
+                <a:spcPct val="90000"/>
+              </a:lnSpc>
+              <a:spcBef>
+                <a:spcPts val="500"/>
+              </a:spcBef>
+              <a:buFont typeface="Arial" panose="020B0604020202020204" pitchFamily="34" charset="0"/>
+              <a:buChar char="•"/>
+              <a:defRPr sz="1800" kern="1200">
+                <a:solidFill>
+                  <a:schemeClr val="tx1"/>
+                </a:solidFill>
+                <a:latin typeface="+mn-lt"/>
+                <a:ea typeface="+mn-ea"/>
+                <a:cs typeface="+mn-cs"/>
+              </a:defRPr>
+            </a:lvl6pPr>
+            <a:lvl7pPr marL="2971800" indent="-228600" algn="l" defTabSz="914400" rtl="0" eaLnBrk="1" latinLnBrk="0" hangingPunct="1">
+              <a:lnSpc>
+                <a:spcPct val="90000"/>
+              </a:lnSpc>
+              <a:spcBef>
+                <a:spcPts val="500"/>
+              </a:spcBef>
+              <a:buFont typeface="Arial" panose="020B0604020202020204" pitchFamily="34" charset="0"/>
+              <a:buChar char="•"/>
+              <a:defRPr sz="1800" kern="1200">
+                <a:solidFill>
+                  <a:schemeClr val="tx1"/>
+                </a:solidFill>
+                <a:latin typeface="+mn-lt"/>
+                <a:ea typeface="+mn-ea"/>
+                <a:cs typeface="+mn-cs"/>
+              </a:defRPr>
+            </a:lvl7pPr>
+            <a:lvl8pPr marL="3429000" indent="-228600" algn="l" defTabSz="914400" rtl="0" eaLnBrk="1" latinLnBrk="0" hangingPunct="1">
+              <a:lnSpc>
+                <a:spcPct val="90000"/>
+              </a:lnSpc>
+              <a:spcBef>
+                <a:spcPts val="500"/>
+              </a:spcBef>
+              <a:buFont typeface="Arial" panose="020B0604020202020204" pitchFamily="34" charset="0"/>
+              <a:buChar char="•"/>
+              <a:defRPr sz="1800" kern="1200">
+                <a:solidFill>
+                  <a:schemeClr val="tx1"/>
+                </a:solidFill>
+                <a:latin typeface="+mn-lt"/>
+                <a:ea typeface="+mn-ea"/>
+                <a:cs typeface="+mn-cs"/>
+              </a:defRPr>
+            </a:lvl8pPr>
+            <a:lvl9pPr marL="3886200" indent="-228600" algn="l" defTabSz="914400" rtl="0" eaLnBrk="1" latinLnBrk="0" hangingPunct="1">
+              <a:lnSpc>
+                <a:spcPct val="90000"/>
+              </a:lnSpc>
+              <a:spcBef>
+                <a:spcPts val="500"/>
+              </a:spcBef>
+              <a:buFont typeface="Arial" panose="020B0604020202020204" pitchFamily="34" charset="0"/>
+              <a:buChar char="•"/>
+              <a:defRPr sz="1800" kern="1200">
+                <a:solidFill>
+                  <a:schemeClr val="tx1"/>
+                </a:solidFill>
+                <a:latin typeface="+mn-lt"/>
+                <a:ea typeface="+mn-ea"/>
+                <a:cs typeface="+mn-cs"/>
+              </a:defRPr>
+            </a:lvl9pPr>
+          </a:lstStyle>
+          <a:p>
+            <a:r>
+              <a:rPr lang="en-US" dirty="0"/>
+              <a:t>example2</a:t>
+            </a:r>
+          </a:p>
+          <a:p>
+            <a:pPr lvl="1"/>
+            <a:r>
+              <a:rPr lang="en-US" b="1" dirty="0"/>
+              <a:t>module</a:t>
+            </a:r>
+            <a:r>
+              <a:rPr lang="en-US" dirty="0"/>
+              <a:t> top</a:t>
+            </a:r>
+          </a:p>
+          <a:p>
+            <a:pPr lvl="2"/>
+            <a:r>
+              <a:rPr lang="en-US" dirty="0"/>
+              <a:t>c1 inst_c1();</a:t>
+            </a:r>
+          </a:p>
+          <a:p>
+            <a:pPr lvl="2"/>
+            <a:r>
+              <a:rPr lang="en-US" dirty="0"/>
+              <a:t>i1 inst_i1;</a:t>
+            </a:r>
+          </a:p>
+          <a:p>
+            <a:pPr lvl="1"/>
+            <a:r>
+              <a:rPr lang="en-US" dirty="0" err="1"/>
+              <a:t>endmodule</a:t>
+            </a:r>
+            <a:endParaRPr lang="en-US" dirty="0"/>
+          </a:p>
+          <a:p>
+            <a:pPr lvl="1"/>
+            <a:endParaRPr lang="en-US" dirty="0"/>
+          </a:p>
+          <a:p>
+            <a:pPr lvl="1"/>
+            <a:r>
+              <a:rPr lang="en-US" b="1" dirty="0"/>
+              <a:t>class</a:t>
+            </a:r>
+            <a:r>
+              <a:rPr lang="en-US" dirty="0"/>
+              <a:t> c1</a:t>
+            </a:r>
+          </a:p>
+          <a:p>
+            <a:pPr lvl="1"/>
+            <a:r>
+              <a:rPr lang="en-US" dirty="0" err="1"/>
+              <a:t>endclass</a:t>
+            </a:r>
+            <a:endParaRPr lang="en-US" dirty="0"/>
+          </a:p>
+          <a:p>
+            <a:pPr lvl="1"/>
+            <a:endParaRPr lang="en-US" dirty="0"/>
+          </a:p>
+          <a:p>
+            <a:pPr lvl="1"/>
+            <a:r>
+              <a:rPr lang="en-US" b="1" dirty="0"/>
+              <a:t>interface</a:t>
+            </a:r>
+            <a:r>
+              <a:rPr lang="en-US" dirty="0"/>
+              <a:t> i1();</a:t>
+            </a:r>
+          </a:p>
+          <a:p>
+            <a:pPr lvl="2"/>
+            <a:r>
+              <a:rPr lang="en-US" dirty="0"/>
+              <a:t>clocking</a:t>
+            </a:r>
+          </a:p>
+          <a:p>
+            <a:pPr lvl="2"/>
+            <a:endParaRPr lang="en-US" dirty="0"/>
+          </a:p>
+          <a:p>
+            <a:pPr lvl="2"/>
+            <a:r>
+              <a:rPr lang="en-US" dirty="0" err="1"/>
+              <a:t>endclocking</a:t>
+            </a:r>
+            <a:endParaRPr lang="en-US" dirty="0"/>
+          </a:p>
+          <a:p>
+            <a:pPr lvl="2"/>
+            <a:r>
+              <a:rPr lang="en-US" dirty="0" err="1"/>
+              <a:t>modport</a:t>
+            </a:r>
+            <a:r>
+              <a:rPr lang="en-US" dirty="0"/>
+              <a:t> m1;</a:t>
+            </a:r>
+          </a:p>
+          <a:p>
+            <a:pPr lvl="2"/>
+            <a:r>
+              <a:rPr lang="en-US" dirty="0" err="1"/>
+              <a:t>modport</a:t>
+            </a:r>
+            <a:r>
+              <a:rPr lang="en-US" dirty="0"/>
+              <a:t> m2;</a:t>
+            </a:r>
+          </a:p>
+          <a:p>
+            <a:pPr lvl="1"/>
+            <a:r>
+              <a:rPr lang="en-US" dirty="0" err="1"/>
+              <a:t>endinterface</a:t>
+            </a:r>
+            <a:r>
+              <a:rPr lang="en-US" dirty="0"/>
+              <a:t> </a:t>
+            </a:r>
+          </a:p>
+          <a:p>
+            <a:pPr lvl="1"/>
+            <a:endParaRPr lang="en-US" dirty="0"/>
+          </a:p>
+          <a:p>
+            <a:pPr lvl="1"/>
+            <a:r>
+              <a:rPr lang="en-US" b="1" dirty="0"/>
+              <a:t>interface</a:t>
+            </a:r>
+            <a:r>
+              <a:rPr lang="en-US" dirty="0"/>
+              <a:t> i2</a:t>
+            </a:r>
+          </a:p>
+          <a:p>
+            <a:pPr lvl="1"/>
+            <a:r>
+              <a:rPr lang="en-US" dirty="0" err="1"/>
+              <a:t>endinterface</a:t>
+            </a:r>
+            <a:r>
+              <a:rPr lang="en-US" dirty="0"/>
+              <a:t> </a:t>
+            </a:r>
+          </a:p>
+          <a:p>
+            <a:pPr lvl="1"/>
+            <a:endParaRPr lang="en-US" dirty="0"/>
+          </a:p>
+        </p:txBody>
+      </p:sp>
+    </p:spTree>
+    <p:extLst>
+      <p:ext uri="{BB962C8B-B14F-4D97-AF65-F5344CB8AC3E}">
+        <p14:creationId xmlns:p14="http://schemas.microsoft.com/office/powerpoint/2010/main" val="2960610283"/>
+      </p:ext>
+    </p:extLst>
+  </p:cSld>
+  <p:clrMapOvr>
+    <a:masterClrMapping/>
+  </p:clrMapOvr>
+</p:sld>
+</file>
+
+<file path=ppt/slides/slide7.xml><?xml version="1.0" encoding="utf-8"?>
+<p:sld xmlns:a="http://schemas.openxmlformats.org/drawingml/2006/main" xmlns:r="http://schemas.openxmlformats.org/officeDocument/2006/relationships" xmlns:p="http://schemas.openxmlformats.org/presentationml/2006/main">
+  <p:cSld>
+    <p:spTree>
+      <p:nvGrpSpPr>
+        <p:cNvPr id="1" name=""/>
+        <p:cNvGrpSpPr/>
+        <p:nvPr/>
+      </p:nvGrpSpPr>
+      <p:grpSpPr>
+        <a:xfrm>
+          <a:off x="0" y="0"/>
+          <a:ext cx="0" cy="0"/>
+          <a:chOff x="0" y="0"/>
+          <a:chExt cx="0" cy="0"/>
+        </a:xfrm>
+      </p:grpSpPr>
+      <p:sp>
+        <p:nvSpPr>
+          <p:cNvPr id="2" name="Title 1">
+            <a:extLst>
+              <a:ext uri="{FF2B5EF4-FFF2-40B4-BE49-F238E27FC236}">
+                <a16:creationId xmlns:a16="http://schemas.microsoft.com/office/drawing/2014/main" id="{73D23E56-2C2B-BFB5-0308-AF09DD1B0B6B}"/>
+              </a:ext>
+            </a:extLst>
+          </p:cNvPr>
+          <p:cNvSpPr>
+            <a:spLocks noGrp="1"/>
+          </p:cNvSpPr>
+          <p:nvPr>
+            <p:ph type="title"/>
+          </p:nvPr>
+        </p:nvSpPr>
+        <p:spPr/>
+        <p:txBody>
+          <a:bodyPr/>
+          <a:lstStyle/>
+          <a:p>
+            <a:r>
+              <a:rPr lang="en-US" dirty="0"/>
+              <a:t>lab07</a:t>
+            </a:r>
+          </a:p>
+        </p:txBody>
+      </p:sp>
+      <p:sp>
+        <p:nvSpPr>
+          <p:cNvPr id="3" name="Content Placeholder 2">
+            <a:extLst>
+              <a:ext uri="{FF2B5EF4-FFF2-40B4-BE49-F238E27FC236}">
+                <a16:creationId xmlns:a16="http://schemas.microsoft.com/office/drawing/2014/main" id="{2657A5E9-1614-2F41-5306-EC564139BD28}"/>
               </a:ext>
             </a:extLst>
           </p:cNvPr>
@@ -6867,7 +8509,7 @@
           <a:bodyPr/>
           <a:lstStyle/>
           <a:p>
-            <a:endParaRPr lang="en-US"/>
+            <a:endParaRPr lang="en-US" dirty="0"/>
           </a:p>
         </p:txBody>
       </p:sp>
@@ -6876,7 +8518,7 @@
           <p:cNvPr id="4" name="Slide Number Placeholder 3">
             <a:extLst>
               <a:ext uri="{FF2B5EF4-FFF2-40B4-BE49-F238E27FC236}">
-                <a16:creationId xmlns:a16="http://schemas.microsoft.com/office/drawing/2014/main" id="{A653B7C0-A01B-B019-AE82-6D2CF11E10FE}"/>
+                <a16:creationId xmlns:a16="http://schemas.microsoft.com/office/drawing/2014/main" id="{620C5C59-E1CB-4945-C254-D59DA973D96B}"/>
               </a:ext>
             </a:extLst>
           </p:cNvPr>
@@ -6894,7 +8536,280 @@
           <a:p>
             <a:fld id="{8A2B06E4-34D2-4DD4-ABFF-9F74AC2B18B5}" type="slidenum">
               <a:rPr lang="en-US" smtClean="0"/>
-              <a:t>6</a:t>
+              <a:t>7</a:t>
+            </a:fld>
+            <a:endParaRPr lang="en-US" dirty="0"/>
+          </a:p>
+        </p:txBody>
+      </p:sp>
+      <p:sp>
+        <p:nvSpPr>
+          <p:cNvPr id="5" name="Rectangle 4">
+            <a:extLst>
+              <a:ext uri="{FF2B5EF4-FFF2-40B4-BE49-F238E27FC236}">
+                <a16:creationId xmlns:a16="http://schemas.microsoft.com/office/drawing/2014/main" id="{A0C37854-5741-B17F-49C0-014563D0D4E0}"/>
+              </a:ext>
+            </a:extLst>
+          </p:cNvPr>
+          <p:cNvSpPr/>
+          <p:nvPr/>
+        </p:nvSpPr>
+        <p:spPr>
+          <a:xfrm>
+            <a:off x="2614862" y="1064029"/>
+            <a:ext cx="5995737" cy="3828813"/>
+          </a:xfrm>
+          <a:prstGeom prst="rect">
+            <a:avLst/>
+          </a:prstGeom>
+        </p:spPr>
+        <p:style>
+          <a:lnRef idx="2">
+            <a:schemeClr val="accent1">
+              <a:shade val="50000"/>
+            </a:schemeClr>
+          </a:lnRef>
+          <a:fillRef idx="1">
+            <a:schemeClr val="accent1"/>
+          </a:fillRef>
+          <a:effectRef idx="0">
+            <a:schemeClr val="accent1"/>
+          </a:effectRef>
+          <a:fontRef idx="minor">
+            <a:schemeClr val="lt1"/>
+          </a:fontRef>
+        </p:style>
+        <p:txBody>
+          <a:bodyPr rtlCol="0" anchor="ctr"/>
+          <a:lstStyle/>
+          <a:p>
+            <a:pPr algn="ctr"/>
+            <a:r>
+              <a:rPr lang="en-US" dirty="0"/>
+              <a:t>module top</a:t>
+            </a:r>
+          </a:p>
+        </p:txBody>
+      </p:sp>
+      <p:sp>
+        <p:nvSpPr>
+          <p:cNvPr id="6" name="Rectangle 5">
+            <a:extLst>
+              <a:ext uri="{FF2B5EF4-FFF2-40B4-BE49-F238E27FC236}">
+                <a16:creationId xmlns:a16="http://schemas.microsoft.com/office/drawing/2014/main" id="{491B9DA3-B60C-67D1-B7B5-83EF9630BACD}"/>
+              </a:ext>
+            </a:extLst>
+          </p:cNvPr>
+          <p:cNvSpPr/>
+          <p:nvPr/>
+        </p:nvSpPr>
+        <p:spPr>
+          <a:xfrm>
+            <a:off x="5405899" y="1374232"/>
+            <a:ext cx="2873829" cy="637817"/>
+          </a:xfrm>
+          <a:prstGeom prst="rect">
+            <a:avLst/>
+          </a:prstGeom>
+          <a:solidFill>
+            <a:schemeClr val="accent2"/>
+          </a:solidFill>
+        </p:spPr>
+        <p:style>
+          <a:lnRef idx="2">
+            <a:schemeClr val="accent1">
+              <a:shade val="50000"/>
+            </a:schemeClr>
+          </a:lnRef>
+          <a:fillRef idx="1">
+            <a:schemeClr val="accent1"/>
+          </a:fillRef>
+          <a:effectRef idx="0">
+            <a:schemeClr val="accent1"/>
+          </a:effectRef>
+          <a:fontRef idx="minor">
+            <a:schemeClr val="lt1"/>
+          </a:fontRef>
+        </p:style>
+        <p:txBody>
+          <a:bodyPr rtlCol="0" anchor="ctr"/>
+          <a:lstStyle/>
+          <a:p>
+            <a:pPr algn="ctr"/>
+            <a:r>
+              <a:rPr lang="en-US" dirty="0"/>
+              <a:t>testbench (tb)</a:t>
+            </a:r>
+          </a:p>
+        </p:txBody>
+      </p:sp>
+      <p:sp>
+        <p:nvSpPr>
+          <p:cNvPr id="7" name="Rectangle 6">
+            <a:extLst>
+              <a:ext uri="{FF2B5EF4-FFF2-40B4-BE49-F238E27FC236}">
+                <a16:creationId xmlns:a16="http://schemas.microsoft.com/office/drawing/2014/main" id="{461C591A-42CD-7A14-F811-B1144809831E}"/>
+              </a:ext>
+            </a:extLst>
+          </p:cNvPr>
+          <p:cNvSpPr/>
+          <p:nvPr/>
+        </p:nvSpPr>
+        <p:spPr>
+          <a:xfrm>
+            <a:off x="5405899" y="3960469"/>
+            <a:ext cx="2873829" cy="637817"/>
+          </a:xfrm>
+          <a:prstGeom prst="rect">
+            <a:avLst/>
+          </a:prstGeom>
+          <a:solidFill>
+            <a:schemeClr val="accent2"/>
+          </a:solidFill>
+        </p:spPr>
+        <p:style>
+          <a:lnRef idx="2">
+            <a:schemeClr val="accent1">
+              <a:shade val="50000"/>
+            </a:schemeClr>
+          </a:lnRef>
+          <a:fillRef idx="1">
+            <a:schemeClr val="accent1"/>
+          </a:fillRef>
+          <a:effectRef idx="0">
+            <a:schemeClr val="accent1"/>
+          </a:effectRef>
+          <a:fontRef idx="minor">
+            <a:schemeClr val="lt1"/>
+          </a:fontRef>
+        </p:style>
+        <p:txBody>
+          <a:bodyPr rtlCol="0" anchor="ctr"/>
+          <a:lstStyle/>
+          <a:p>
+            <a:pPr algn="ctr"/>
+            <a:r>
+              <a:rPr lang="en-US" dirty="0"/>
+              <a:t>device under test (</a:t>
+            </a:r>
+            <a:r>
+              <a:rPr lang="en-US" dirty="0" err="1"/>
+              <a:t>dut</a:t>
+            </a:r>
+            <a:r>
+              <a:rPr lang="en-US" dirty="0"/>
+              <a:t>)</a:t>
+            </a:r>
+          </a:p>
+        </p:txBody>
+      </p:sp>
+    </p:spTree>
+    <p:extLst>
+      <p:ext uri="{BB962C8B-B14F-4D97-AF65-F5344CB8AC3E}">
+        <p14:creationId xmlns:p14="http://schemas.microsoft.com/office/powerpoint/2010/main" val="3878401024"/>
+      </p:ext>
+    </p:extLst>
+  </p:cSld>
+  <p:clrMapOvr>
+    <a:masterClrMapping/>
+  </p:clrMapOvr>
+</p:sld>
+</file>
+
+<file path=ppt/slides/slide8.xml><?xml version="1.0" encoding="utf-8"?>
+<p:sld xmlns:a="http://schemas.openxmlformats.org/drawingml/2006/main" xmlns:r="http://schemas.openxmlformats.org/officeDocument/2006/relationships" xmlns:p="http://schemas.openxmlformats.org/presentationml/2006/main">
+  <p:cSld>
+    <p:spTree>
+      <p:nvGrpSpPr>
+        <p:cNvPr id="1" name=""/>
+        <p:cNvGrpSpPr/>
+        <p:nvPr/>
+      </p:nvGrpSpPr>
+      <p:grpSpPr>
+        <a:xfrm>
+          <a:off x="0" y="0"/>
+          <a:ext cx="0" cy="0"/>
+          <a:chOff x="0" y="0"/>
+          <a:chExt cx="0" cy="0"/>
+        </a:xfrm>
+      </p:grpSpPr>
+      <p:sp>
+        <p:nvSpPr>
+          <p:cNvPr id="2" name="Title 1">
+            <a:extLst>
+              <a:ext uri="{FF2B5EF4-FFF2-40B4-BE49-F238E27FC236}">
+                <a16:creationId xmlns:a16="http://schemas.microsoft.com/office/drawing/2014/main" id="{E6E7246E-6DDB-2F98-52B0-04AB5D144996}"/>
+              </a:ext>
+            </a:extLst>
+          </p:cNvPr>
+          <p:cNvSpPr>
+            <a:spLocks noGrp="1"/>
+          </p:cNvSpPr>
+          <p:nvPr>
+            <p:ph type="title"/>
+          </p:nvPr>
+        </p:nvSpPr>
+        <p:spPr/>
+        <p:txBody>
+          <a:bodyPr/>
+          <a:lstStyle/>
+          <a:p>
+            <a:r>
+              <a:rPr lang="en-US" dirty="0"/>
+              <a:t>lab06</a:t>
+            </a:r>
+          </a:p>
+        </p:txBody>
+      </p:sp>
+      <p:sp>
+        <p:nvSpPr>
+          <p:cNvPr id="3" name="Content Placeholder 2">
+            <a:extLst>
+              <a:ext uri="{FF2B5EF4-FFF2-40B4-BE49-F238E27FC236}">
+                <a16:creationId xmlns:a16="http://schemas.microsoft.com/office/drawing/2014/main" id="{F0AB9DF1-764A-2056-5BC1-70D34F516704}"/>
+              </a:ext>
+            </a:extLst>
+          </p:cNvPr>
+          <p:cNvSpPr>
+            <a:spLocks noGrp="1"/>
+          </p:cNvSpPr>
+          <p:nvPr>
+            <p:ph idx="1"/>
+          </p:nvPr>
+        </p:nvSpPr>
+        <p:spPr/>
+        <p:txBody>
+          <a:bodyPr/>
+          <a:lstStyle/>
+          <a:p>
+            <a:endParaRPr lang="en-US"/>
+          </a:p>
+        </p:txBody>
+      </p:sp>
+      <p:sp>
+        <p:nvSpPr>
+          <p:cNvPr id="4" name="Slide Number Placeholder 3">
+            <a:extLst>
+              <a:ext uri="{FF2B5EF4-FFF2-40B4-BE49-F238E27FC236}">
+                <a16:creationId xmlns:a16="http://schemas.microsoft.com/office/drawing/2014/main" id="{A653B7C0-A01B-B019-AE82-6D2CF11E10FE}"/>
+              </a:ext>
+            </a:extLst>
+          </p:cNvPr>
+          <p:cNvSpPr>
+            <a:spLocks noGrp="1"/>
+          </p:cNvSpPr>
+          <p:nvPr>
+            <p:ph type="sldNum" sz="quarter" idx="12"/>
+          </p:nvPr>
+        </p:nvSpPr>
+        <p:spPr/>
+        <p:txBody>
+          <a:bodyPr/>
+          <a:lstStyle/>
+          <a:p>
+            <a:fld id="{8A2B06E4-34D2-4DD4-ABFF-9F74AC2B18B5}" type="slidenum">
+              <a:rPr lang="en-US" smtClean="0"/>
+              <a:t>8</a:t>
             </a:fld>
             <a:endParaRPr lang="en-US" dirty="0"/>
           </a:p>
@@ -7392,7 +9307,7 @@
 </p:sld>
 </file>
 
-<file path=ppt/slides/slide7.xml><?xml version="1.0" encoding="utf-8"?>
+<file path=ppt/slides/slide9.xml><?xml version="1.0" encoding="utf-8"?>
 <p:sld xmlns:a="http://schemas.openxmlformats.org/drawingml/2006/main" xmlns:r="http://schemas.openxmlformats.org/officeDocument/2006/relationships" xmlns:p="http://schemas.openxmlformats.org/presentationml/2006/main">
   <p:cSld>
     <p:spTree>
@@ -7414,7 +9329,7 @@
           <p:cNvPr id="2" name="Title 1">
             <a:extLst>
               <a:ext uri="{FF2B5EF4-FFF2-40B4-BE49-F238E27FC236}">
-                <a16:creationId xmlns:a16="http://schemas.microsoft.com/office/drawing/2014/main" id="{73D23E56-2C2B-BFB5-0308-AF09DD1B0B6B}"/>
+                <a16:creationId xmlns:a16="http://schemas.microsoft.com/office/drawing/2014/main" id="{E6E7246E-6DDB-2F98-52B0-04AB5D144996}"/>
               </a:ext>
             </a:extLst>
           </p:cNvPr>
@@ -7432,33 +9347,8 @@
           <a:p>
             <a:r>
               <a:rPr lang="en-US" dirty="0"/>
-              <a:t>lab07</a:t>
-            </a:r>
-          </a:p>
-        </p:txBody>
-      </p:sp>
-      <p:sp>
-        <p:nvSpPr>
-          <p:cNvPr id="3" name="Content Placeholder 2">
-            <a:extLst>
-              <a:ext uri="{FF2B5EF4-FFF2-40B4-BE49-F238E27FC236}">
-                <a16:creationId xmlns:a16="http://schemas.microsoft.com/office/drawing/2014/main" id="{2657A5E9-1614-2F41-5306-EC564139BD28}"/>
-              </a:ext>
-            </a:extLst>
-          </p:cNvPr>
-          <p:cNvSpPr>
-            <a:spLocks noGrp="1"/>
-          </p:cNvSpPr>
-          <p:nvPr>
-            <p:ph idx="1"/>
-          </p:nvPr>
-        </p:nvSpPr>
-        <p:spPr/>
-        <p:txBody>
-          <a:bodyPr/>
-          <a:lstStyle/>
-          <a:p>
-            <a:endParaRPr lang="en-US" dirty="0"/>
+              <a:t>lab04</a:t>
+            </a:r>
           </a:p>
         </p:txBody>
       </p:sp>
@@ -7467,7 +9357,7 @@
           <p:cNvPr id="4" name="Slide Number Placeholder 3">
             <a:extLst>
               <a:ext uri="{FF2B5EF4-FFF2-40B4-BE49-F238E27FC236}">
-                <a16:creationId xmlns:a16="http://schemas.microsoft.com/office/drawing/2014/main" id="{620C5C59-E1CB-4945-C254-D59DA973D96B}"/>
+                <a16:creationId xmlns:a16="http://schemas.microsoft.com/office/drawing/2014/main" id="{A653B7C0-A01B-B019-AE82-6D2CF11E10FE}"/>
               </a:ext>
             </a:extLst>
           </p:cNvPr>
@@ -7485,248 +9375,7 @@
           <a:p>
             <a:fld id="{8A2B06E4-34D2-4DD4-ABFF-9F74AC2B18B5}" type="slidenum">
               <a:rPr lang="en-US" smtClean="0"/>
-              <a:t>7</a:t>
-            </a:fld>
-            <a:endParaRPr lang="en-US" dirty="0"/>
-          </a:p>
-        </p:txBody>
-      </p:sp>
-      <p:sp>
-        <p:nvSpPr>
-          <p:cNvPr id="5" name="Rectangle 4">
-            <a:extLst>
-              <a:ext uri="{FF2B5EF4-FFF2-40B4-BE49-F238E27FC236}">
-                <a16:creationId xmlns:a16="http://schemas.microsoft.com/office/drawing/2014/main" id="{A0C37854-5741-B17F-49C0-014563D0D4E0}"/>
-              </a:ext>
-            </a:extLst>
-          </p:cNvPr>
-          <p:cNvSpPr/>
-          <p:nvPr/>
-        </p:nvSpPr>
-        <p:spPr>
-          <a:xfrm>
-            <a:off x="2614862" y="1064029"/>
-            <a:ext cx="5995737" cy="3828813"/>
-          </a:xfrm>
-          <a:prstGeom prst="rect">
-            <a:avLst/>
-          </a:prstGeom>
-        </p:spPr>
-        <p:style>
-          <a:lnRef idx="2">
-            <a:schemeClr val="accent1">
-              <a:shade val="50000"/>
-            </a:schemeClr>
-          </a:lnRef>
-          <a:fillRef idx="1">
-            <a:schemeClr val="accent1"/>
-          </a:fillRef>
-          <a:effectRef idx="0">
-            <a:schemeClr val="accent1"/>
-          </a:effectRef>
-          <a:fontRef idx="minor">
-            <a:schemeClr val="lt1"/>
-          </a:fontRef>
-        </p:style>
-        <p:txBody>
-          <a:bodyPr rtlCol="0" anchor="ctr"/>
-          <a:lstStyle/>
-          <a:p>
-            <a:pPr algn="ctr"/>
-            <a:r>
-              <a:rPr lang="en-US" dirty="0"/>
-              <a:t>top</a:t>
-            </a:r>
-          </a:p>
-        </p:txBody>
-      </p:sp>
-      <p:sp>
-        <p:nvSpPr>
-          <p:cNvPr id="6" name="Rectangle 5">
-            <a:extLst>
-              <a:ext uri="{FF2B5EF4-FFF2-40B4-BE49-F238E27FC236}">
-                <a16:creationId xmlns:a16="http://schemas.microsoft.com/office/drawing/2014/main" id="{491B9DA3-B60C-67D1-B7B5-83EF9630BACD}"/>
-              </a:ext>
-            </a:extLst>
-          </p:cNvPr>
-          <p:cNvSpPr/>
-          <p:nvPr/>
-        </p:nvSpPr>
-        <p:spPr>
-          <a:xfrm>
-            <a:off x="5405899" y="1374232"/>
-            <a:ext cx="2873829" cy="637817"/>
-          </a:xfrm>
-          <a:prstGeom prst="rect">
-            <a:avLst/>
-          </a:prstGeom>
-          <a:solidFill>
-            <a:schemeClr val="accent2"/>
-          </a:solidFill>
-        </p:spPr>
-        <p:style>
-          <a:lnRef idx="2">
-            <a:schemeClr val="accent1">
-              <a:shade val="50000"/>
-            </a:schemeClr>
-          </a:lnRef>
-          <a:fillRef idx="1">
-            <a:schemeClr val="accent1"/>
-          </a:fillRef>
-          <a:effectRef idx="0">
-            <a:schemeClr val="accent1"/>
-          </a:effectRef>
-          <a:fontRef idx="minor">
-            <a:schemeClr val="lt1"/>
-          </a:fontRef>
-        </p:style>
-        <p:txBody>
-          <a:bodyPr rtlCol="0" anchor="ctr"/>
-          <a:lstStyle/>
-          <a:p>
-            <a:pPr algn="ctr"/>
-            <a:r>
-              <a:rPr lang="en-US" dirty="0"/>
-              <a:t>tb</a:t>
-            </a:r>
-          </a:p>
-        </p:txBody>
-      </p:sp>
-      <p:sp>
-        <p:nvSpPr>
-          <p:cNvPr id="7" name="Rectangle 6">
-            <a:extLst>
-              <a:ext uri="{FF2B5EF4-FFF2-40B4-BE49-F238E27FC236}">
-                <a16:creationId xmlns:a16="http://schemas.microsoft.com/office/drawing/2014/main" id="{461C591A-42CD-7A14-F811-B1144809831E}"/>
-              </a:ext>
-            </a:extLst>
-          </p:cNvPr>
-          <p:cNvSpPr/>
-          <p:nvPr/>
-        </p:nvSpPr>
-        <p:spPr>
-          <a:xfrm>
-            <a:off x="5405899" y="3960469"/>
-            <a:ext cx="2873829" cy="637817"/>
-          </a:xfrm>
-          <a:prstGeom prst="rect">
-            <a:avLst/>
-          </a:prstGeom>
-          <a:solidFill>
-            <a:schemeClr val="accent2"/>
-          </a:solidFill>
-        </p:spPr>
-        <p:style>
-          <a:lnRef idx="2">
-            <a:schemeClr val="accent1">
-              <a:shade val="50000"/>
-            </a:schemeClr>
-          </a:lnRef>
-          <a:fillRef idx="1">
-            <a:schemeClr val="accent1"/>
-          </a:fillRef>
-          <a:effectRef idx="0">
-            <a:schemeClr val="accent1"/>
-          </a:effectRef>
-          <a:fontRef idx="minor">
-            <a:schemeClr val="lt1"/>
-          </a:fontRef>
-        </p:style>
-        <p:txBody>
-          <a:bodyPr rtlCol="0" anchor="ctr"/>
-          <a:lstStyle/>
-          <a:p>
-            <a:pPr algn="ctr"/>
-            <a:r>
-              <a:rPr lang="en-US" dirty="0" err="1"/>
-              <a:t>dut</a:t>
-            </a:r>
-            <a:endParaRPr lang="en-US" dirty="0"/>
-          </a:p>
-        </p:txBody>
-      </p:sp>
-    </p:spTree>
-    <p:extLst>
-      <p:ext uri="{BB962C8B-B14F-4D97-AF65-F5344CB8AC3E}">
-        <p14:creationId xmlns:p14="http://schemas.microsoft.com/office/powerpoint/2010/main" val="3878401024"/>
-      </p:ext>
-    </p:extLst>
-  </p:cSld>
-  <p:clrMapOvr>
-    <a:masterClrMapping/>
-  </p:clrMapOvr>
-</p:sld>
-</file>
-
-<file path=ppt/slides/slide8.xml><?xml version="1.0" encoding="utf-8"?>
-<p:sld xmlns:a="http://schemas.openxmlformats.org/drawingml/2006/main" xmlns:r="http://schemas.openxmlformats.org/officeDocument/2006/relationships" xmlns:p="http://schemas.openxmlformats.org/presentationml/2006/main">
-  <p:cSld>
-    <p:spTree>
-      <p:nvGrpSpPr>
-        <p:cNvPr id="1" name=""/>
-        <p:cNvGrpSpPr/>
-        <p:nvPr/>
-      </p:nvGrpSpPr>
-      <p:grpSpPr>
-        <a:xfrm>
-          <a:off x="0" y="0"/>
-          <a:ext cx="0" cy="0"/>
-          <a:chOff x="0" y="0"/>
-          <a:chExt cx="0" cy="0"/>
-        </a:xfrm>
-      </p:grpSpPr>
-      <p:sp>
-        <p:nvSpPr>
-          <p:cNvPr id="2" name="Title 1">
-            <a:extLst>
-              <a:ext uri="{FF2B5EF4-FFF2-40B4-BE49-F238E27FC236}">
-                <a16:creationId xmlns:a16="http://schemas.microsoft.com/office/drawing/2014/main" id="{E6E7246E-6DDB-2F98-52B0-04AB5D144996}"/>
-              </a:ext>
-            </a:extLst>
-          </p:cNvPr>
-          <p:cNvSpPr>
-            <a:spLocks noGrp="1"/>
-          </p:cNvSpPr>
-          <p:nvPr>
-            <p:ph type="title"/>
-          </p:nvPr>
-        </p:nvSpPr>
-        <p:spPr/>
-        <p:txBody>
-          <a:bodyPr/>
-          <a:lstStyle/>
-          <a:p>
-            <a:r>
-              <a:rPr lang="en-US" dirty="0"/>
-              <a:t>lab04</a:t>
-            </a:r>
-          </a:p>
-        </p:txBody>
-      </p:sp>
-      <p:sp>
-        <p:nvSpPr>
-          <p:cNvPr id="4" name="Slide Number Placeholder 3">
-            <a:extLst>
-              <a:ext uri="{FF2B5EF4-FFF2-40B4-BE49-F238E27FC236}">
-                <a16:creationId xmlns:a16="http://schemas.microsoft.com/office/drawing/2014/main" id="{A653B7C0-A01B-B019-AE82-6D2CF11E10FE}"/>
-              </a:ext>
-            </a:extLst>
-          </p:cNvPr>
-          <p:cNvSpPr>
-            <a:spLocks noGrp="1"/>
-          </p:cNvSpPr>
-          <p:nvPr>
-            <p:ph type="sldNum" sz="quarter" idx="12"/>
-          </p:nvPr>
-        </p:nvSpPr>
-        <p:spPr/>
-        <p:txBody>
-          <a:bodyPr/>
-          <a:lstStyle/>
-          <a:p>
-            <a:fld id="{8A2B06E4-34D2-4DD4-ABFF-9F74AC2B18B5}" type="slidenum">
-              <a:rPr lang="en-US" smtClean="0"/>
-              <a:t>8</a:t>
+              <a:t>9</a:t>
             </a:fld>
             <a:endParaRPr lang="en-US" dirty="0"/>
           </a:p>
@@ -8806,541 +10455,6 @@
     <p:extLst>
       <p:ext uri="{BB962C8B-B14F-4D97-AF65-F5344CB8AC3E}">
         <p14:creationId xmlns:p14="http://schemas.microsoft.com/office/powerpoint/2010/main" val="3981342987"/>
-      </p:ext>
-    </p:extLst>
-  </p:cSld>
-  <p:clrMapOvr>
-    <a:masterClrMapping/>
-  </p:clrMapOvr>
-</p:sld>
-</file>
-
-<file path=ppt/slides/slide9.xml><?xml version="1.0" encoding="utf-8"?>
-<p:sld xmlns:a="http://schemas.openxmlformats.org/drawingml/2006/main" xmlns:r="http://schemas.openxmlformats.org/officeDocument/2006/relationships" xmlns:p="http://schemas.openxmlformats.org/presentationml/2006/main">
-  <p:cSld>
-    <p:spTree>
-      <p:nvGrpSpPr>
-        <p:cNvPr id="1" name=""/>
-        <p:cNvGrpSpPr/>
-        <p:nvPr/>
-      </p:nvGrpSpPr>
-      <p:grpSpPr>
-        <a:xfrm>
-          <a:off x="0" y="0"/>
-          <a:ext cx="0" cy="0"/>
-          <a:chOff x="0" y="0"/>
-          <a:chExt cx="0" cy="0"/>
-        </a:xfrm>
-      </p:grpSpPr>
-      <p:sp>
-        <p:nvSpPr>
-          <p:cNvPr id="2" name="Title 1">
-            <a:extLst>
-              <a:ext uri="{FF2B5EF4-FFF2-40B4-BE49-F238E27FC236}">
-                <a16:creationId xmlns:a16="http://schemas.microsoft.com/office/drawing/2014/main" id="{E6E7246E-6DDB-2F98-52B0-04AB5D144996}"/>
-              </a:ext>
-            </a:extLst>
-          </p:cNvPr>
-          <p:cNvSpPr>
-            <a:spLocks noGrp="1"/>
-          </p:cNvSpPr>
-          <p:nvPr>
-            <p:ph type="title"/>
-          </p:nvPr>
-        </p:nvSpPr>
-        <p:spPr/>
-        <p:txBody>
-          <a:bodyPr/>
-          <a:lstStyle/>
-          <a:p>
-            <a:r>
-              <a:rPr lang="en-US" dirty="0"/>
-              <a:t>lab04</a:t>
-            </a:r>
-          </a:p>
-        </p:txBody>
-      </p:sp>
-      <p:sp>
-        <p:nvSpPr>
-          <p:cNvPr id="4" name="Slide Number Placeholder 3">
-            <a:extLst>
-              <a:ext uri="{FF2B5EF4-FFF2-40B4-BE49-F238E27FC236}">
-                <a16:creationId xmlns:a16="http://schemas.microsoft.com/office/drawing/2014/main" id="{A653B7C0-A01B-B019-AE82-6D2CF11E10FE}"/>
-              </a:ext>
-            </a:extLst>
-          </p:cNvPr>
-          <p:cNvSpPr>
-            <a:spLocks noGrp="1"/>
-          </p:cNvSpPr>
-          <p:nvPr>
-            <p:ph type="sldNum" sz="quarter" idx="12"/>
-          </p:nvPr>
-        </p:nvSpPr>
-        <p:spPr/>
-        <p:txBody>
-          <a:bodyPr/>
-          <a:lstStyle/>
-          <a:p>
-            <a:fld id="{8A2B06E4-34D2-4DD4-ABFF-9F74AC2B18B5}" type="slidenum">
-              <a:rPr lang="en-US" smtClean="0"/>
-              <a:t>9</a:t>
-            </a:fld>
-            <a:endParaRPr lang="en-US" dirty="0"/>
-          </a:p>
-        </p:txBody>
-      </p:sp>
-      <p:sp>
-        <p:nvSpPr>
-          <p:cNvPr id="5" name="Rectangle 4">
-            <a:extLst>
-              <a:ext uri="{FF2B5EF4-FFF2-40B4-BE49-F238E27FC236}">
-                <a16:creationId xmlns:a16="http://schemas.microsoft.com/office/drawing/2014/main" id="{6102EB4F-2C6B-BE4F-95C6-8F38139F6238}"/>
-              </a:ext>
-            </a:extLst>
-          </p:cNvPr>
-          <p:cNvSpPr/>
-          <p:nvPr/>
-        </p:nvSpPr>
-        <p:spPr>
-          <a:xfrm>
-            <a:off x="2614862" y="1064029"/>
-            <a:ext cx="5995737" cy="3828813"/>
-          </a:xfrm>
-          <a:prstGeom prst="rect">
-            <a:avLst/>
-          </a:prstGeom>
-        </p:spPr>
-        <p:style>
-          <a:lnRef idx="2">
-            <a:schemeClr val="accent1">
-              <a:shade val="50000"/>
-            </a:schemeClr>
-          </a:lnRef>
-          <a:fillRef idx="1">
-            <a:schemeClr val="accent1"/>
-          </a:fillRef>
-          <a:effectRef idx="0">
-            <a:schemeClr val="accent1"/>
-          </a:effectRef>
-          <a:fontRef idx="minor">
-            <a:schemeClr val="lt1"/>
-          </a:fontRef>
-        </p:style>
-        <p:txBody>
-          <a:bodyPr rtlCol="0" anchor="ctr"/>
-          <a:lstStyle/>
-          <a:p>
-            <a:pPr algn="ctr"/>
-            <a:r>
-              <a:rPr lang="en-US" dirty="0"/>
-              <a:t>top</a:t>
-            </a:r>
-          </a:p>
-        </p:txBody>
-      </p:sp>
-      <p:sp>
-        <p:nvSpPr>
-          <p:cNvPr id="6" name="Rectangle 5">
-            <a:extLst>
-              <a:ext uri="{FF2B5EF4-FFF2-40B4-BE49-F238E27FC236}">
-                <a16:creationId xmlns:a16="http://schemas.microsoft.com/office/drawing/2014/main" id="{DC30FA28-E16B-65EA-6A28-285CD8F8A6D8}"/>
-              </a:ext>
-            </a:extLst>
-          </p:cNvPr>
-          <p:cNvSpPr/>
-          <p:nvPr/>
-        </p:nvSpPr>
-        <p:spPr>
-          <a:xfrm>
-            <a:off x="3968985" y="1374232"/>
-            <a:ext cx="2873829" cy="637817"/>
-          </a:xfrm>
-          <a:prstGeom prst="rect">
-            <a:avLst/>
-          </a:prstGeom>
-          <a:solidFill>
-            <a:schemeClr val="accent2"/>
-          </a:solidFill>
-        </p:spPr>
-        <p:style>
-          <a:lnRef idx="2">
-            <a:schemeClr val="accent1">
-              <a:shade val="50000"/>
-            </a:schemeClr>
-          </a:lnRef>
-          <a:fillRef idx="1">
-            <a:schemeClr val="accent1"/>
-          </a:fillRef>
-          <a:effectRef idx="0">
-            <a:schemeClr val="accent1"/>
-          </a:effectRef>
-          <a:fontRef idx="minor">
-            <a:schemeClr val="lt1"/>
-          </a:fontRef>
-        </p:style>
-        <p:txBody>
-          <a:bodyPr rtlCol="0" anchor="ctr"/>
-          <a:lstStyle/>
-          <a:p>
-            <a:pPr algn="ctr"/>
-            <a:r>
-              <a:rPr lang="en-US" dirty="0" err="1"/>
-              <a:t>clkgen</a:t>
-            </a:r>
-            <a:endParaRPr lang="en-US" dirty="0"/>
-          </a:p>
-        </p:txBody>
-      </p:sp>
-      <p:sp>
-        <p:nvSpPr>
-          <p:cNvPr id="7" name="Rectangle 6">
-            <a:extLst>
-              <a:ext uri="{FF2B5EF4-FFF2-40B4-BE49-F238E27FC236}">
-                <a16:creationId xmlns:a16="http://schemas.microsoft.com/office/drawing/2014/main" id="{E0F94A2B-20CA-C3F8-55B8-B442371743DD}"/>
-              </a:ext>
-            </a:extLst>
-          </p:cNvPr>
-          <p:cNvSpPr/>
-          <p:nvPr/>
-        </p:nvSpPr>
-        <p:spPr>
-          <a:xfrm>
-            <a:off x="3968986" y="3138975"/>
-            <a:ext cx="2873829" cy="637817"/>
-          </a:xfrm>
-          <a:prstGeom prst="rect">
-            <a:avLst/>
-          </a:prstGeom>
-          <a:solidFill>
-            <a:schemeClr val="accent2"/>
-          </a:solidFill>
-        </p:spPr>
-        <p:style>
-          <a:lnRef idx="2">
-            <a:schemeClr val="accent1">
-              <a:shade val="50000"/>
-            </a:schemeClr>
-          </a:lnRef>
-          <a:fillRef idx="1">
-            <a:schemeClr val="accent1"/>
-          </a:fillRef>
-          <a:effectRef idx="0">
-            <a:schemeClr val="accent1"/>
-          </a:effectRef>
-          <a:fontRef idx="minor">
-            <a:schemeClr val="lt1"/>
-          </a:fontRef>
-        </p:style>
-        <p:txBody>
-          <a:bodyPr rtlCol="0" anchor="ctr"/>
-          <a:lstStyle/>
-          <a:p>
-            <a:pPr algn="ctr"/>
-            <a:r>
-              <a:rPr lang="en-US" dirty="0"/>
-              <a:t>design</a:t>
-            </a:r>
-          </a:p>
-        </p:txBody>
-      </p:sp>
-      <p:sp>
-        <p:nvSpPr>
-          <p:cNvPr id="8" name="Rectangle 7">
-            <a:extLst>
-              <a:ext uri="{FF2B5EF4-FFF2-40B4-BE49-F238E27FC236}">
-                <a16:creationId xmlns:a16="http://schemas.microsoft.com/office/drawing/2014/main" id="{779E4C93-F9AD-8601-95A4-D2F42525B701}"/>
-              </a:ext>
-            </a:extLst>
-          </p:cNvPr>
-          <p:cNvSpPr/>
-          <p:nvPr/>
-        </p:nvSpPr>
-        <p:spPr>
-          <a:xfrm>
-            <a:off x="3968986" y="4086994"/>
-            <a:ext cx="2873829" cy="637817"/>
-          </a:xfrm>
-          <a:prstGeom prst="rect">
-            <a:avLst/>
-          </a:prstGeom>
-          <a:solidFill>
-            <a:schemeClr val="accent2"/>
-          </a:solidFill>
-        </p:spPr>
-        <p:style>
-          <a:lnRef idx="2">
-            <a:schemeClr val="accent1">
-              <a:shade val="50000"/>
-            </a:schemeClr>
-          </a:lnRef>
-          <a:fillRef idx="1">
-            <a:schemeClr val="accent1"/>
-          </a:fillRef>
-          <a:effectRef idx="0">
-            <a:schemeClr val="accent1"/>
-          </a:effectRef>
-          <a:fontRef idx="minor">
-            <a:schemeClr val="lt1"/>
-          </a:fontRef>
-        </p:style>
-        <p:txBody>
-          <a:bodyPr rtlCol="0" anchor="ctr"/>
-          <a:lstStyle/>
-          <a:p>
-            <a:pPr algn="ctr"/>
-            <a:r>
-              <a:rPr lang="en-US" dirty="0" err="1"/>
-              <a:t>test_program</a:t>
-            </a:r>
-            <a:endParaRPr lang="en-US" dirty="0"/>
-          </a:p>
-        </p:txBody>
-      </p:sp>
-      <p:cxnSp>
-        <p:nvCxnSpPr>
-          <p:cNvPr id="9" name="Straight Arrow Connector 8">
-            <a:extLst>
-              <a:ext uri="{FF2B5EF4-FFF2-40B4-BE49-F238E27FC236}">
-                <a16:creationId xmlns:a16="http://schemas.microsoft.com/office/drawing/2014/main" id="{EA338D19-8686-67B7-E30D-D1BA267343BC}"/>
-              </a:ext>
-            </a:extLst>
-          </p:cNvPr>
-          <p:cNvCxnSpPr>
-            <a:cxnSpLocks/>
-          </p:cNvCxnSpPr>
-          <p:nvPr/>
-        </p:nvCxnSpPr>
-        <p:spPr>
-          <a:xfrm>
-            <a:off x="6629081" y="1660859"/>
-            <a:ext cx="861056" cy="0"/>
-          </a:xfrm>
-          <a:prstGeom prst="straightConnector1">
-            <a:avLst/>
-          </a:prstGeom>
-          <a:ln w="19050">
-            <a:tailEnd type="triangle"/>
-          </a:ln>
-        </p:spPr>
-        <p:style>
-          <a:lnRef idx="1">
-            <a:schemeClr val="accent6"/>
-          </a:lnRef>
-          <a:fillRef idx="0">
-            <a:schemeClr val="accent6"/>
-          </a:fillRef>
-          <a:effectRef idx="0">
-            <a:schemeClr val="accent6"/>
-          </a:effectRef>
-          <a:fontRef idx="minor">
-            <a:schemeClr val="tx1"/>
-          </a:fontRef>
-        </p:style>
-      </p:cxnSp>
-      <p:cxnSp>
-        <p:nvCxnSpPr>
-          <p:cNvPr id="10" name="Straight Arrow Connector 9">
-            <a:extLst>
-              <a:ext uri="{FF2B5EF4-FFF2-40B4-BE49-F238E27FC236}">
-                <a16:creationId xmlns:a16="http://schemas.microsoft.com/office/drawing/2014/main" id="{244E8A05-74BE-5F40-0352-DC1642D3A123}"/>
-              </a:ext>
-            </a:extLst>
-          </p:cNvPr>
-          <p:cNvCxnSpPr>
-            <a:cxnSpLocks/>
-          </p:cNvCxnSpPr>
-          <p:nvPr/>
-        </p:nvCxnSpPr>
-        <p:spPr>
-          <a:xfrm flipH="1">
-            <a:off x="6708887" y="3429000"/>
-            <a:ext cx="781250" cy="0"/>
-          </a:xfrm>
-          <a:prstGeom prst="straightConnector1">
-            <a:avLst/>
-          </a:prstGeom>
-          <a:ln w="19050">
-            <a:tailEnd type="triangle"/>
-          </a:ln>
-        </p:spPr>
-        <p:style>
-          <a:lnRef idx="1">
-            <a:schemeClr val="accent6"/>
-          </a:lnRef>
-          <a:fillRef idx="0">
-            <a:schemeClr val="accent6"/>
-          </a:fillRef>
-          <a:effectRef idx="0">
-            <a:schemeClr val="accent6"/>
-          </a:effectRef>
-          <a:fontRef idx="minor">
-            <a:schemeClr val="tx1"/>
-          </a:fontRef>
-        </p:style>
-      </p:cxnSp>
-      <p:cxnSp>
-        <p:nvCxnSpPr>
-          <p:cNvPr id="11" name="Straight Arrow Connector 10">
-            <a:extLst>
-              <a:ext uri="{FF2B5EF4-FFF2-40B4-BE49-F238E27FC236}">
-                <a16:creationId xmlns:a16="http://schemas.microsoft.com/office/drawing/2014/main" id="{DC737003-E3BB-1F05-6A23-7BD8C6B63D01}"/>
-              </a:ext>
-            </a:extLst>
-          </p:cNvPr>
-          <p:cNvCxnSpPr>
-            <a:cxnSpLocks/>
-          </p:cNvCxnSpPr>
-          <p:nvPr/>
-        </p:nvCxnSpPr>
-        <p:spPr>
-          <a:xfrm flipH="1">
-            <a:off x="6708887" y="4503821"/>
-            <a:ext cx="781250" cy="0"/>
-          </a:xfrm>
-          <a:prstGeom prst="straightConnector1">
-            <a:avLst/>
-          </a:prstGeom>
-          <a:ln w="19050">
-            <a:tailEnd type="triangle"/>
-          </a:ln>
-        </p:spPr>
-        <p:style>
-          <a:lnRef idx="1">
-            <a:schemeClr val="accent6"/>
-          </a:lnRef>
-          <a:fillRef idx="0">
-            <a:schemeClr val="accent6"/>
-          </a:fillRef>
-          <a:effectRef idx="0">
-            <a:schemeClr val="accent6"/>
-          </a:effectRef>
-          <a:fontRef idx="minor">
-            <a:schemeClr val="tx1"/>
-          </a:fontRef>
-        </p:style>
-      </p:cxnSp>
-      <p:cxnSp>
-        <p:nvCxnSpPr>
-          <p:cNvPr id="12" name="Straight Arrow Connector 11">
-            <a:extLst>
-              <a:ext uri="{FF2B5EF4-FFF2-40B4-BE49-F238E27FC236}">
-                <a16:creationId xmlns:a16="http://schemas.microsoft.com/office/drawing/2014/main" id="{4D8971D2-5837-9C65-CFFE-950463C1F108}"/>
-              </a:ext>
-            </a:extLst>
-          </p:cNvPr>
-          <p:cNvCxnSpPr>
-            <a:cxnSpLocks/>
-          </p:cNvCxnSpPr>
-          <p:nvPr/>
-        </p:nvCxnSpPr>
-        <p:spPr>
-          <a:xfrm flipH="1" flipV="1">
-            <a:off x="4329583" y="3437432"/>
-            <a:ext cx="14750" cy="862014"/>
-          </a:xfrm>
-          <a:prstGeom prst="straightConnector1">
-            <a:avLst/>
-          </a:prstGeom>
-          <a:ln w="19050">
-            <a:solidFill>
-              <a:srgbClr val="C00000"/>
-            </a:solidFill>
-            <a:tailEnd type="triangle"/>
-          </a:ln>
-        </p:spPr>
-        <p:style>
-          <a:lnRef idx="1">
-            <a:schemeClr val="accent6"/>
-          </a:lnRef>
-          <a:fillRef idx="0">
-            <a:schemeClr val="accent6"/>
-          </a:fillRef>
-          <a:effectRef idx="0">
-            <a:schemeClr val="accent6"/>
-          </a:effectRef>
-          <a:fontRef idx="minor">
-            <a:schemeClr val="tx1"/>
-          </a:fontRef>
-        </p:style>
-      </p:cxnSp>
-      <p:cxnSp>
-        <p:nvCxnSpPr>
-          <p:cNvPr id="13" name="Straight Arrow Connector 12">
-            <a:extLst>
-              <a:ext uri="{FF2B5EF4-FFF2-40B4-BE49-F238E27FC236}">
-                <a16:creationId xmlns:a16="http://schemas.microsoft.com/office/drawing/2014/main" id="{21450A2E-06CF-86F0-226C-983450058BD5}"/>
-              </a:ext>
-            </a:extLst>
-          </p:cNvPr>
-          <p:cNvCxnSpPr>
-            <a:cxnSpLocks/>
-          </p:cNvCxnSpPr>
-          <p:nvPr/>
-        </p:nvCxnSpPr>
-        <p:spPr>
-          <a:xfrm>
-            <a:off x="6272463" y="3437432"/>
-            <a:ext cx="0" cy="862014"/>
-          </a:xfrm>
-          <a:prstGeom prst="straightConnector1">
-            <a:avLst/>
-          </a:prstGeom>
-          <a:ln w="19050">
-            <a:solidFill>
-              <a:srgbClr val="C00000"/>
-            </a:solidFill>
-            <a:tailEnd type="triangle"/>
-          </a:ln>
-        </p:spPr>
-        <p:style>
-          <a:lnRef idx="1">
-            <a:schemeClr val="accent6"/>
-          </a:lnRef>
-          <a:fillRef idx="0">
-            <a:schemeClr val="accent6"/>
-          </a:fillRef>
-          <a:effectRef idx="0">
-            <a:schemeClr val="accent6"/>
-          </a:effectRef>
-          <a:fontRef idx="minor">
-            <a:schemeClr val="tx1"/>
-          </a:fontRef>
-        </p:style>
-      </p:cxnSp>
-      <p:pic>
-        <p:nvPicPr>
-          <p:cNvPr id="18" name="Picture 17">
-            <a:extLst>
-              <a:ext uri="{FF2B5EF4-FFF2-40B4-BE49-F238E27FC236}">
-                <a16:creationId xmlns:a16="http://schemas.microsoft.com/office/drawing/2014/main" id="{492A402F-4E66-814B-6D67-6368D699DA8E}"/>
-              </a:ext>
-            </a:extLst>
-          </p:cNvPr>
-          <p:cNvPicPr>
-            <a:picLocks noChangeAspect="1"/>
-          </p:cNvPicPr>
-          <p:nvPr/>
-        </p:nvPicPr>
-        <p:blipFill>
-          <a:blip r:embed="rId2"/>
-          <a:stretch>
-            <a:fillRect/>
-          </a:stretch>
-        </p:blipFill>
-        <p:spPr>
-          <a:xfrm>
-            <a:off x="8782834" y="1064029"/>
-            <a:ext cx="2398731" cy="1426272"/>
-          </a:xfrm>
-          <a:prstGeom prst="rect">
-            <a:avLst/>
-          </a:prstGeom>
-        </p:spPr>
-      </p:pic>
-    </p:spTree>
-    <p:extLst>
-      <p:ext uri="{BB962C8B-B14F-4D97-AF65-F5344CB8AC3E}">
-        <p14:creationId xmlns:p14="http://schemas.microsoft.com/office/powerpoint/2010/main" val="3022158455"/>
       </p:ext>
     </p:extLst>
   </p:cSld>

--- a/note.pptx
+++ b/note.pptx
@@ -5,23 +5,25 @@
     <p:sldMasterId id="2147483648" r:id="rId1"/>
   </p:sldMasterIdLst>
   <p:notesMasterIdLst>
-    <p:notesMasterId r:id="rId16"/>
+    <p:notesMasterId r:id="rId18"/>
   </p:notesMasterIdLst>
   <p:sldIdLst>
     <p:sldId id="6936" r:id="rId2"/>
     <p:sldId id="6943" r:id="rId3"/>
     <p:sldId id="6941" r:id="rId4"/>
     <p:sldId id="6944" r:id="rId5"/>
-    <p:sldId id="6942" r:id="rId6"/>
-    <p:sldId id="6948" r:id="rId7"/>
-    <p:sldId id="6946" r:id="rId8"/>
-    <p:sldId id="6945" r:id="rId9"/>
-    <p:sldId id="6939" r:id="rId10"/>
-    <p:sldId id="6938" r:id="rId11"/>
-    <p:sldId id="6937" r:id="rId12"/>
-    <p:sldId id="6935" r:id="rId13"/>
-    <p:sldId id="6934" r:id="rId14"/>
-    <p:sldId id="264" r:id="rId15"/>
+    <p:sldId id="6950" r:id="rId6"/>
+    <p:sldId id="6949" r:id="rId7"/>
+    <p:sldId id="6942" r:id="rId8"/>
+    <p:sldId id="6948" r:id="rId9"/>
+    <p:sldId id="6946" r:id="rId10"/>
+    <p:sldId id="6945" r:id="rId11"/>
+    <p:sldId id="6939" r:id="rId12"/>
+    <p:sldId id="6938" r:id="rId13"/>
+    <p:sldId id="6937" r:id="rId14"/>
+    <p:sldId id="6935" r:id="rId15"/>
+    <p:sldId id="6934" r:id="rId16"/>
+    <p:sldId id="264" r:id="rId17"/>
   </p:sldIdLst>
   <p:sldSz cx="12192000" cy="6858000"/>
   <p:notesSz cx="6858000" cy="9144000"/>
@@ -131,7 +133,7 @@
 <file path=ppt/revisionInfo.xml><?xml version="1.0" encoding="utf-8"?>
 <p1510:revInfo xmlns:a="http://schemas.openxmlformats.org/drawingml/2006/main" xmlns:r="http://schemas.openxmlformats.org/officeDocument/2006/relationships" xmlns:p1510="http://schemas.microsoft.com/office/powerpoint/2015/10/main">
   <p1510:revLst>
-    <p1510:client id="{AB0BFEC8-14E9-4C61-B10E-456F41DF402E}" v="46" dt="2024-03-14T13:20:31.788"/>
+    <p1510:client id="{AB0BFEC8-14E9-4C61-B10E-456F41DF402E}" v="54" dt="2024-03-21T14:03:51.462"/>
   </p1510:revLst>
 </p1510:revInfo>
 </file>
@@ -673,7 +675,7 @@
   <pc:docChgLst>
     <pc:chgData name="Billy Lin" userId="05f35405-298c-473c-91f2-352ef9a130c9" providerId="ADAL" clId="{AB0BFEC8-14E9-4C61-B10E-456F41DF402E}"/>
     <pc:docChg chg="undo custSel addSld delSld modSld sldOrd">
-      <pc:chgData name="Billy Lin" userId="05f35405-298c-473c-91f2-352ef9a130c9" providerId="ADAL" clId="{AB0BFEC8-14E9-4C61-B10E-456F41DF402E}" dt="2024-03-14T13:48:23.976" v="1236" actId="20577"/>
+      <pc:chgData name="Billy Lin" userId="05f35405-298c-473c-91f2-352ef9a130c9" providerId="ADAL" clId="{AB0BFEC8-14E9-4C61-B10E-456F41DF402E}" dt="2024-03-21T14:04:57.882" v="1546" actId="20577"/>
       <pc:docMkLst>
         <pc:docMk/>
       </pc:docMkLst>
@@ -1413,6 +1415,116 @@
             <pc:docMk/>
             <pc:sldMk cId="2960610283" sldId="6948"/>
             <ac:spMk id="6" creationId="{B18A52DC-F630-E380-D59D-78A3CE65BFB3}"/>
+          </ac:spMkLst>
+        </pc:spChg>
+      </pc:sldChg>
+      <pc:sldChg chg="addSp delSp modSp new mod">
+        <pc:chgData name="Billy Lin" userId="05f35405-298c-473c-91f2-352ef9a130c9" providerId="ADAL" clId="{AB0BFEC8-14E9-4C61-B10E-456F41DF402E}" dt="2024-03-21T14:03:47.475" v="1536" actId="21"/>
+        <pc:sldMkLst>
+          <pc:docMk/>
+          <pc:sldMk cId="40471721" sldId="6949"/>
+        </pc:sldMkLst>
+        <pc:spChg chg="mod">
+          <ac:chgData name="Billy Lin" userId="05f35405-298c-473c-91f2-352ef9a130c9" providerId="ADAL" clId="{AB0BFEC8-14E9-4C61-B10E-456F41DF402E}" dt="2024-03-21T13:10:11.768" v="1243" actId="20577"/>
+          <ac:spMkLst>
+            <pc:docMk/>
+            <pc:sldMk cId="40471721" sldId="6949"/>
+            <ac:spMk id="2" creationId="{5F881FD3-5F13-3C2B-4417-420DB3202461}"/>
+          </ac:spMkLst>
+        </pc:spChg>
+        <pc:spChg chg="mod">
+          <ac:chgData name="Billy Lin" userId="05f35405-298c-473c-91f2-352ef9a130c9" providerId="ADAL" clId="{AB0BFEC8-14E9-4C61-B10E-456F41DF402E}" dt="2024-03-21T13:10:29.649" v="1257" actId="14100"/>
+          <ac:spMkLst>
+            <pc:docMk/>
+            <pc:sldMk cId="40471721" sldId="6949"/>
+            <ac:spMk id="3" creationId="{C9E3DA7D-CF3B-971E-F419-BEDAC7C6869A}"/>
+          </ac:spMkLst>
+        </pc:spChg>
+        <pc:spChg chg="add mod">
+          <ac:chgData name="Billy Lin" userId="05f35405-298c-473c-91f2-352ef9a130c9" providerId="ADAL" clId="{AB0BFEC8-14E9-4C61-B10E-456F41DF402E}" dt="2024-03-21T13:10:37.297" v="1272" actId="14100"/>
+          <ac:spMkLst>
+            <pc:docMk/>
+            <pc:sldMk cId="40471721" sldId="6949"/>
+            <ac:spMk id="7" creationId="{17D17AFA-9427-1D90-8EDD-A53998DD4F9E}"/>
+          </ac:spMkLst>
+        </pc:spChg>
+        <pc:spChg chg="add mod">
+          <ac:chgData name="Billy Lin" userId="05f35405-298c-473c-91f2-352ef9a130c9" providerId="ADAL" clId="{AB0BFEC8-14E9-4C61-B10E-456F41DF402E}" dt="2024-03-21T13:15:28.400" v="1408" actId="20577"/>
+          <ac:spMkLst>
+            <pc:docMk/>
+            <pc:sldMk cId="40471721" sldId="6949"/>
+            <ac:spMk id="8" creationId="{F4833448-CAB3-1E6D-A1FF-6E20D892A1E9}"/>
+          </ac:spMkLst>
+        </pc:spChg>
+        <pc:spChg chg="add mod">
+          <ac:chgData name="Billy Lin" userId="05f35405-298c-473c-91f2-352ef9a130c9" providerId="ADAL" clId="{AB0BFEC8-14E9-4C61-B10E-456F41DF402E}" dt="2024-03-21T13:12:18.448" v="1377" actId="113"/>
+          <ac:spMkLst>
+            <pc:docMk/>
+            <pc:sldMk cId="40471721" sldId="6949"/>
+            <ac:spMk id="9" creationId="{2BC83A63-7D87-AD28-FD57-0BB3859E289E}"/>
+          </ac:spMkLst>
+        </pc:spChg>
+        <pc:spChg chg="add del mod">
+          <ac:chgData name="Billy Lin" userId="05f35405-298c-473c-91f2-352ef9a130c9" providerId="ADAL" clId="{AB0BFEC8-14E9-4C61-B10E-456F41DF402E}" dt="2024-03-21T14:03:47.475" v="1536" actId="21"/>
+          <ac:spMkLst>
+            <pc:docMk/>
+            <pc:sldMk cId="40471721" sldId="6949"/>
+            <ac:spMk id="10" creationId="{E186161B-170B-A4F5-3A3E-201557D4729F}"/>
+          </ac:spMkLst>
+        </pc:spChg>
+        <pc:spChg chg="add del mod">
+          <ac:chgData name="Billy Lin" userId="05f35405-298c-473c-91f2-352ef9a130c9" providerId="ADAL" clId="{AB0BFEC8-14E9-4C61-B10E-456F41DF402E}" dt="2024-03-21T14:03:47.475" v="1536" actId="21"/>
+          <ac:spMkLst>
+            <pc:docMk/>
+            <pc:sldMk cId="40471721" sldId="6949"/>
+            <ac:spMk id="11" creationId="{3F1B4680-BB17-D782-DCFB-884EFB0D8DF0}"/>
+          </ac:spMkLst>
+        </pc:spChg>
+        <pc:picChg chg="add mod">
+          <ac:chgData name="Billy Lin" userId="05f35405-298c-473c-91f2-352ef9a130c9" providerId="ADAL" clId="{AB0BFEC8-14E9-4C61-B10E-456F41DF402E}" dt="2024-03-21T13:10:24.443" v="1249" actId="1076"/>
+          <ac:picMkLst>
+            <pc:docMk/>
+            <pc:sldMk cId="40471721" sldId="6949"/>
+            <ac:picMk id="6" creationId="{B33452A6-CA57-6AE9-AB6E-8A8377687AE2}"/>
+          </ac:picMkLst>
+        </pc:picChg>
+      </pc:sldChg>
+      <pc:sldChg chg="addSp modSp new mod">
+        <pc:chgData name="Billy Lin" userId="05f35405-298c-473c-91f2-352ef9a130c9" providerId="ADAL" clId="{AB0BFEC8-14E9-4C61-B10E-456F41DF402E}" dt="2024-03-21T14:04:57.882" v="1546" actId="20577"/>
+        <pc:sldMkLst>
+          <pc:docMk/>
+          <pc:sldMk cId="3919686139" sldId="6950"/>
+        </pc:sldMkLst>
+        <pc:spChg chg="mod">
+          <ac:chgData name="Billy Lin" userId="05f35405-298c-473c-91f2-352ef9a130c9" providerId="ADAL" clId="{AB0BFEC8-14E9-4C61-B10E-456F41DF402E}" dt="2024-03-21T14:04:57.882" v="1546" actId="20577"/>
+          <ac:spMkLst>
+            <pc:docMk/>
+            <pc:sldMk cId="3919686139" sldId="6950"/>
+            <ac:spMk id="2" creationId="{61B9909D-D1E1-16A3-EC01-88545176C807}"/>
+          </ac:spMkLst>
+        </pc:spChg>
+        <pc:spChg chg="mod">
+          <ac:chgData name="Billy Lin" userId="05f35405-298c-473c-91f2-352ef9a130c9" providerId="ADAL" clId="{AB0BFEC8-14E9-4C61-B10E-456F41DF402E}" dt="2024-03-21T14:03:53.862" v="1541" actId="20577"/>
+          <ac:spMkLst>
+            <pc:docMk/>
+            <pc:sldMk cId="3919686139" sldId="6950"/>
+            <ac:spMk id="3" creationId="{D91B70C9-7DB3-E7D7-CDF8-61D7E6946E9A}"/>
+          </ac:spMkLst>
+        </pc:spChg>
+        <pc:spChg chg="add mod">
+          <ac:chgData name="Billy Lin" userId="05f35405-298c-473c-91f2-352ef9a130c9" providerId="ADAL" clId="{AB0BFEC8-14E9-4C61-B10E-456F41DF402E}" dt="2024-03-21T14:03:51.462" v="1538"/>
+          <ac:spMkLst>
+            <pc:docMk/>
+            <pc:sldMk cId="3919686139" sldId="6950"/>
+            <ac:spMk id="5" creationId="{81B6832F-6536-BDE0-ED7A-2E9B86B0D995}"/>
+          </ac:spMkLst>
+        </pc:spChg>
+        <pc:spChg chg="add mod">
+          <ac:chgData name="Billy Lin" userId="05f35405-298c-473c-91f2-352ef9a130c9" providerId="ADAL" clId="{AB0BFEC8-14E9-4C61-B10E-456F41DF402E}" dt="2024-03-21T14:03:51.462" v="1538"/>
+          <ac:spMkLst>
+            <pc:docMk/>
+            <pc:sldMk cId="3919686139" sldId="6950"/>
+            <ac:spMk id="6" creationId="{78B64F60-1FA8-64B5-8375-D98B173F6210}"/>
           </ac:spMkLst>
         </pc:spChg>
       </pc:sldChg>
@@ -1579,7 +1691,7 @@
           <a:p>
             <a:fld id="{2EDDABC3-F3ED-4DD9-983D-F09E8FCF6133}" type="datetimeFigureOut">
               <a:rPr lang="en-US" smtClean="0"/>
-              <a:t>3/14/2024</a:t>
+              <a:t>3/21/2024</a:t>
             </a:fld>
             <a:endParaRPr lang="en-US"/>
           </a:p>
@@ -1971,7 +2083,7 @@
           <a:p>
             <a:fld id="{F59B6F3A-935B-44D1-A66F-61470C6D8F51}" type="datetime1">
               <a:rPr lang="en-US" smtClean="0"/>
-              <a:t>3/14/2024</a:t>
+              <a:t>3/21/2024</a:t>
             </a:fld>
             <a:endParaRPr lang="en-US"/>
           </a:p>
@@ -2215,7 +2327,7 @@
           <a:p>
             <a:fld id="{C63B82BC-FCA2-460F-A60C-8FE94D119F09}" type="datetime1">
               <a:rPr lang="en-US" smtClean="0"/>
-              <a:t>3/14/2024</a:t>
+              <a:t>3/21/2024</a:t>
             </a:fld>
             <a:endParaRPr lang="en-US"/>
           </a:p>
@@ -2854,8 +2966,33 @@
           <a:p>
             <a:r>
               <a:rPr lang="en-US" dirty="0"/>
-              <a:t>lab04</a:t>
-            </a:r>
+              <a:t>lab06</a:t>
+            </a:r>
+          </a:p>
+        </p:txBody>
+      </p:sp>
+      <p:sp>
+        <p:nvSpPr>
+          <p:cNvPr id="3" name="Content Placeholder 2">
+            <a:extLst>
+              <a:ext uri="{FF2B5EF4-FFF2-40B4-BE49-F238E27FC236}">
+                <a16:creationId xmlns:a16="http://schemas.microsoft.com/office/drawing/2014/main" id="{F0AB9DF1-764A-2056-5BC1-70D34F516704}"/>
+              </a:ext>
+            </a:extLst>
+          </p:cNvPr>
+          <p:cNvSpPr>
+            <a:spLocks noGrp="1"/>
+          </p:cNvSpPr>
+          <p:nvPr>
+            <p:ph idx="1"/>
+          </p:nvPr>
+        </p:nvSpPr>
+        <p:spPr/>
+        <p:txBody>
+          <a:bodyPr/>
+          <a:lstStyle/>
+          <a:p>
+            <a:endParaRPr lang="en-US"/>
           </a:p>
         </p:txBody>
       </p:sp>
@@ -2883,6 +3020,1729 @@
             <a:fld id="{8A2B06E4-34D2-4DD4-ABFF-9F74AC2B18B5}" type="slidenum">
               <a:rPr lang="en-US" smtClean="0"/>
               <a:t>10</a:t>
+            </a:fld>
+            <a:endParaRPr lang="en-US" dirty="0"/>
+          </a:p>
+        </p:txBody>
+      </p:sp>
+      <p:sp>
+        <p:nvSpPr>
+          <p:cNvPr id="5" name="Rectangle 4">
+            <a:extLst>
+              <a:ext uri="{FF2B5EF4-FFF2-40B4-BE49-F238E27FC236}">
+                <a16:creationId xmlns:a16="http://schemas.microsoft.com/office/drawing/2014/main" id="{7A8BC8B4-90D1-672C-C963-B3FC6CE72CE9}"/>
+              </a:ext>
+            </a:extLst>
+          </p:cNvPr>
+          <p:cNvSpPr/>
+          <p:nvPr/>
+        </p:nvSpPr>
+        <p:spPr>
+          <a:xfrm>
+            <a:off x="2614862" y="1064029"/>
+            <a:ext cx="5995737" cy="3828813"/>
+          </a:xfrm>
+          <a:prstGeom prst="rect">
+            <a:avLst/>
+          </a:prstGeom>
+        </p:spPr>
+        <p:style>
+          <a:lnRef idx="2">
+            <a:schemeClr val="accent1">
+              <a:shade val="50000"/>
+            </a:schemeClr>
+          </a:lnRef>
+          <a:fillRef idx="1">
+            <a:schemeClr val="accent1"/>
+          </a:fillRef>
+          <a:effectRef idx="0">
+            <a:schemeClr val="accent1"/>
+          </a:effectRef>
+          <a:fontRef idx="minor">
+            <a:schemeClr val="lt1"/>
+          </a:fontRef>
+        </p:style>
+        <p:txBody>
+          <a:bodyPr rtlCol="0" anchor="ctr"/>
+          <a:lstStyle/>
+          <a:p>
+            <a:pPr algn="ctr"/>
+            <a:r>
+              <a:rPr lang="en-US" dirty="0"/>
+              <a:t>SOC top</a:t>
+            </a:r>
+          </a:p>
+        </p:txBody>
+      </p:sp>
+      <p:sp>
+        <p:nvSpPr>
+          <p:cNvPr id="6" name="Rectangle 5">
+            <a:extLst>
+              <a:ext uri="{FF2B5EF4-FFF2-40B4-BE49-F238E27FC236}">
+                <a16:creationId xmlns:a16="http://schemas.microsoft.com/office/drawing/2014/main" id="{C8755909-7107-A81F-9E71-A64A0AECAE9D}"/>
+              </a:ext>
+            </a:extLst>
+          </p:cNvPr>
+          <p:cNvSpPr/>
+          <p:nvPr/>
+        </p:nvSpPr>
+        <p:spPr>
+          <a:xfrm>
+            <a:off x="3968986" y="3138975"/>
+            <a:ext cx="2873829" cy="741756"/>
+          </a:xfrm>
+          <a:prstGeom prst="rect">
+            <a:avLst/>
+          </a:prstGeom>
+          <a:solidFill>
+            <a:schemeClr val="accent2"/>
+          </a:solidFill>
+        </p:spPr>
+        <p:style>
+          <a:lnRef idx="2">
+            <a:schemeClr val="accent1">
+              <a:shade val="50000"/>
+            </a:schemeClr>
+          </a:lnRef>
+          <a:fillRef idx="1">
+            <a:schemeClr val="accent1"/>
+          </a:fillRef>
+          <a:effectRef idx="0">
+            <a:schemeClr val="accent1"/>
+          </a:effectRef>
+          <a:fontRef idx="minor">
+            <a:schemeClr val="lt1"/>
+          </a:fontRef>
+        </p:style>
+        <p:txBody>
+          <a:bodyPr rtlCol="0" anchor="ctr"/>
+          <a:lstStyle/>
+          <a:p>
+            <a:pPr algn="ctr"/>
+            <a:r>
+              <a:rPr lang="en-US" dirty="0" err="1"/>
+              <a:t>clkgen</a:t>
+            </a:r>
+            <a:endParaRPr lang="en-US" dirty="0"/>
+          </a:p>
+        </p:txBody>
+      </p:sp>
+      <p:cxnSp>
+        <p:nvCxnSpPr>
+          <p:cNvPr id="8" name="Straight Arrow Connector 7">
+            <a:extLst>
+              <a:ext uri="{FF2B5EF4-FFF2-40B4-BE49-F238E27FC236}">
+                <a16:creationId xmlns:a16="http://schemas.microsoft.com/office/drawing/2014/main" id="{C5B70E01-A18F-070E-85D9-6AB8CD9224F9}"/>
+              </a:ext>
+            </a:extLst>
+          </p:cNvPr>
+          <p:cNvCxnSpPr>
+            <a:cxnSpLocks/>
+          </p:cNvCxnSpPr>
+          <p:nvPr/>
+        </p:nvCxnSpPr>
+        <p:spPr>
+          <a:xfrm>
+            <a:off x="6290374" y="3429000"/>
+            <a:ext cx="1104881" cy="0"/>
+          </a:xfrm>
+          <a:prstGeom prst="straightConnector1">
+            <a:avLst/>
+          </a:prstGeom>
+          <a:ln w="19050">
+            <a:solidFill>
+              <a:srgbClr val="C00000"/>
+            </a:solidFill>
+            <a:tailEnd type="triangle"/>
+          </a:ln>
+        </p:spPr>
+        <p:style>
+          <a:lnRef idx="1">
+            <a:schemeClr val="accent6"/>
+          </a:lnRef>
+          <a:fillRef idx="0">
+            <a:schemeClr val="accent6"/>
+          </a:fillRef>
+          <a:effectRef idx="0">
+            <a:schemeClr val="accent6"/>
+          </a:effectRef>
+          <a:fontRef idx="minor">
+            <a:schemeClr val="tx1"/>
+          </a:fontRef>
+        </p:style>
+      </p:cxnSp>
+      <p:sp>
+        <p:nvSpPr>
+          <p:cNvPr id="10" name="Content Placeholder 2">
+            <a:extLst>
+              <a:ext uri="{FF2B5EF4-FFF2-40B4-BE49-F238E27FC236}">
+                <a16:creationId xmlns:a16="http://schemas.microsoft.com/office/drawing/2014/main" id="{28F2D1D1-BE81-AE0A-EB48-4334E208CA3C}"/>
+              </a:ext>
+            </a:extLst>
+          </p:cNvPr>
+          <p:cNvSpPr txBox="1">
+            <a:spLocks/>
+          </p:cNvSpPr>
+          <p:nvPr/>
+        </p:nvSpPr>
+        <p:spPr>
+          <a:xfrm>
+            <a:off x="6454372" y="3140290"/>
+            <a:ext cx="1535531" cy="741755"/>
+          </a:xfrm>
+          <a:prstGeom prst="rect">
+            <a:avLst/>
+          </a:prstGeom>
+        </p:spPr>
+        <p:txBody>
+          <a:bodyPr vert="horz" lIns="91440" tIns="45720" rIns="91440" bIns="45720" rtlCol="0">
+            <a:normAutofit fontScale="92500" lnSpcReduction="10000"/>
+          </a:bodyPr>
+          <a:lstStyle>
+            <a:lvl1pPr marL="228600" indent="-228600" algn="l" defTabSz="914400" rtl="0" eaLnBrk="1" latinLnBrk="0" hangingPunct="1">
+              <a:lnSpc>
+                <a:spcPct val="90000"/>
+              </a:lnSpc>
+              <a:spcBef>
+                <a:spcPts val="1000"/>
+              </a:spcBef>
+              <a:buFont typeface="Arial" panose="020B0604020202020204" pitchFamily="34" charset="0"/>
+              <a:buChar char="•"/>
+              <a:defRPr sz="1400" kern="1200">
+                <a:solidFill>
+                  <a:schemeClr val="tx1"/>
+                </a:solidFill>
+                <a:latin typeface="+mn-lt"/>
+                <a:ea typeface="+mn-ea"/>
+                <a:cs typeface="+mn-cs"/>
+              </a:defRPr>
+            </a:lvl1pPr>
+            <a:lvl2pPr marL="685800" indent="-228600" algn="l" defTabSz="914400" rtl="0" eaLnBrk="1" latinLnBrk="0" hangingPunct="1">
+              <a:lnSpc>
+                <a:spcPct val="90000"/>
+              </a:lnSpc>
+              <a:spcBef>
+                <a:spcPts val="500"/>
+              </a:spcBef>
+              <a:buFont typeface="Arial" panose="020B0604020202020204" pitchFamily="34" charset="0"/>
+              <a:buChar char="•"/>
+              <a:defRPr sz="1200" kern="1200">
+                <a:solidFill>
+                  <a:schemeClr val="tx1"/>
+                </a:solidFill>
+                <a:latin typeface="+mn-lt"/>
+                <a:ea typeface="+mn-ea"/>
+                <a:cs typeface="+mn-cs"/>
+              </a:defRPr>
+            </a:lvl2pPr>
+            <a:lvl3pPr marL="1143000" indent="-228600" algn="l" defTabSz="914400" rtl="0" eaLnBrk="1" latinLnBrk="0" hangingPunct="1">
+              <a:lnSpc>
+                <a:spcPct val="90000"/>
+              </a:lnSpc>
+              <a:spcBef>
+                <a:spcPts val="500"/>
+              </a:spcBef>
+              <a:buFont typeface="Arial" panose="020B0604020202020204" pitchFamily="34" charset="0"/>
+              <a:buChar char="•"/>
+              <a:defRPr sz="1200" kern="1200">
+                <a:solidFill>
+                  <a:schemeClr val="tx1"/>
+                </a:solidFill>
+                <a:latin typeface="+mn-lt"/>
+                <a:ea typeface="+mn-ea"/>
+                <a:cs typeface="+mn-cs"/>
+              </a:defRPr>
+            </a:lvl3pPr>
+            <a:lvl4pPr marL="1600200" indent="-228600" algn="l" defTabSz="914400" rtl="0" eaLnBrk="1" latinLnBrk="0" hangingPunct="1">
+              <a:lnSpc>
+                <a:spcPct val="90000"/>
+              </a:lnSpc>
+              <a:spcBef>
+                <a:spcPts val="500"/>
+              </a:spcBef>
+              <a:buFont typeface="Arial" panose="020B0604020202020204" pitchFamily="34" charset="0"/>
+              <a:buChar char="•"/>
+              <a:defRPr sz="1200" kern="1200">
+                <a:solidFill>
+                  <a:schemeClr val="tx1"/>
+                </a:solidFill>
+                <a:latin typeface="+mn-lt"/>
+                <a:ea typeface="+mn-ea"/>
+                <a:cs typeface="+mn-cs"/>
+              </a:defRPr>
+            </a:lvl4pPr>
+            <a:lvl5pPr marL="2057400" indent="-228600" algn="l" defTabSz="914400" rtl="0" eaLnBrk="1" latinLnBrk="0" hangingPunct="1">
+              <a:lnSpc>
+                <a:spcPct val="90000"/>
+              </a:lnSpc>
+              <a:spcBef>
+                <a:spcPts val="500"/>
+              </a:spcBef>
+              <a:buFont typeface="Arial" panose="020B0604020202020204" pitchFamily="34" charset="0"/>
+              <a:buChar char="•"/>
+              <a:defRPr sz="1200" kern="1200">
+                <a:solidFill>
+                  <a:schemeClr val="tx1"/>
+                </a:solidFill>
+                <a:latin typeface="+mn-lt"/>
+                <a:ea typeface="+mn-ea"/>
+                <a:cs typeface="+mn-cs"/>
+              </a:defRPr>
+            </a:lvl5pPr>
+            <a:lvl6pPr marL="2514600" indent="-228600" algn="l" defTabSz="914400" rtl="0" eaLnBrk="1" latinLnBrk="0" hangingPunct="1">
+              <a:lnSpc>
+                <a:spcPct val="90000"/>
+              </a:lnSpc>
+              <a:spcBef>
+                <a:spcPts val="500"/>
+              </a:spcBef>
+              <a:buFont typeface="Arial" panose="020B0604020202020204" pitchFamily="34" charset="0"/>
+              <a:buChar char="•"/>
+              <a:defRPr sz="1800" kern="1200">
+                <a:solidFill>
+                  <a:schemeClr val="tx1"/>
+                </a:solidFill>
+                <a:latin typeface="+mn-lt"/>
+                <a:ea typeface="+mn-ea"/>
+                <a:cs typeface="+mn-cs"/>
+              </a:defRPr>
+            </a:lvl6pPr>
+            <a:lvl7pPr marL="2971800" indent="-228600" algn="l" defTabSz="914400" rtl="0" eaLnBrk="1" latinLnBrk="0" hangingPunct="1">
+              <a:lnSpc>
+                <a:spcPct val="90000"/>
+              </a:lnSpc>
+              <a:spcBef>
+                <a:spcPts val="500"/>
+              </a:spcBef>
+              <a:buFont typeface="Arial" panose="020B0604020202020204" pitchFamily="34" charset="0"/>
+              <a:buChar char="•"/>
+              <a:defRPr sz="1800" kern="1200">
+                <a:solidFill>
+                  <a:schemeClr val="tx1"/>
+                </a:solidFill>
+                <a:latin typeface="+mn-lt"/>
+                <a:ea typeface="+mn-ea"/>
+                <a:cs typeface="+mn-cs"/>
+              </a:defRPr>
+            </a:lvl7pPr>
+            <a:lvl8pPr marL="3429000" indent="-228600" algn="l" defTabSz="914400" rtl="0" eaLnBrk="1" latinLnBrk="0" hangingPunct="1">
+              <a:lnSpc>
+                <a:spcPct val="90000"/>
+              </a:lnSpc>
+              <a:spcBef>
+                <a:spcPts val="500"/>
+              </a:spcBef>
+              <a:buFont typeface="Arial" panose="020B0604020202020204" pitchFamily="34" charset="0"/>
+              <a:buChar char="•"/>
+              <a:defRPr sz="1800" kern="1200">
+                <a:solidFill>
+                  <a:schemeClr val="tx1"/>
+                </a:solidFill>
+                <a:latin typeface="+mn-lt"/>
+                <a:ea typeface="+mn-ea"/>
+                <a:cs typeface="+mn-cs"/>
+              </a:defRPr>
+            </a:lvl8pPr>
+            <a:lvl9pPr marL="3886200" indent="-228600" algn="l" defTabSz="914400" rtl="0" eaLnBrk="1" latinLnBrk="0" hangingPunct="1">
+              <a:lnSpc>
+                <a:spcPct val="90000"/>
+              </a:lnSpc>
+              <a:spcBef>
+                <a:spcPts val="500"/>
+              </a:spcBef>
+              <a:buFont typeface="Arial" panose="020B0604020202020204" pitchFamily="34" charset="0"/>
+              <a:buChar char="•"/>
+              <a:defRPr sz="1800" kern="1200">
+                <a:solidFill>
+                  <a:schemeClr val="tx1"/>
+                </a:solidFill>
+                <a:latin typeface="+mn-lt"/>
+                <a:ea typeface="+mn-ea"/>
+                <a:cs typeface="+mn-cs"/>
+              </a:defRPr>
+            </a:lvl9pPr>
+          </a:lstStyle>
+          <a:p>
+            <a:r>
+              <a:rPr lang="en-US" dirty="0"/>
+              <a:t>module </a:t>
+            </a:r>
+            <a:r>
+              <a:rPr lang="en-US" dirty="0" err="1"/>
+              <a:t>clkgen</a:t>
+            </a:r>
+            <a:r>
+              <a:rPr lang="en-US" dirty="0"/>
+              <a:t>(</a:t>
+            </a:r>
+          </a:p>
+          <a:p>
+            <a:pPr lvl="1"/>
+            <a:r>
+              <a:rPr lang="en-US" dirty="0"/>
+              <a:t>output </a:t>
+            </a:r>
+            <a:r>
+              <a:rPr lang="en-US" dirty="0" err="1"/>
+              <a:t>clk</a:t>
+            </a:r>
+            <a:r>
+              <a:rPr lang="en-US" dirty="0"/>
+              <a:t>)</a:t>
+            </a:r>
+          </a:p>
+          <a:p>
+            <a:r>
+              <a:rPr lang="en-US" dirty="0" err="1"/>
+              <a:t>endmodule</a:t>
+            </a:r>
+            <a:endParaRPr lang="en-US" dirty="0"/>
+          </a:p>
+        </p:txBody>
+      </p:sp>
+      <p:sp>
+        <p:nvSpPr>
+          <p:cNvPr id="11" name="Rectangle 10">
+            <a:extLst>
+              <a:ext uri="{FF2B5EF4-FFF2-40B4-BE49-F238E27FC236}">
+                <a16:creationId xmlns:a16="http://schemas.microsoft.com/office/drawing/2014/main" id="{C367B434-14FD-822E-FF59-0088E09D1BBC}"/>
+              </a:ext>
+            </a:extLst>
+          </p:cNvPr>
+          <p:cNvSpPr/>
+          <p:nvPr/>
+        </p:nvSpPr>
+        <p:spPr>
+          <a:xfrm>
+            <a:off x="3968986" y="1541169"/>
+            <a:ext cx="2873829" cy="741756"/>
+          </a:xfrm>
+          <a:prstGeom prst="rect">
+            <a:avLst/>
+          </a:prstGeom>
+          <a:solidFill>
+            <a:schemeClr val="accent2"/>
+          </a:solidFill>
+        </p:spPr>
+        <p:style>
+          <a:lnRef idx="2">
+            <a:schemeClr val="accent1">
+              <a:shade val="50000"/>
+            </a:schemeClr>
+          </a:lnRef>
+          <a:fillRef idx="1">
+            <a:schemeClr val="accent1"/>
+          </a:fillRef>
+          <a:effectRef idx="0">
+            <a:schemeClr val="accent1"/>
+          </a:effectRef>
+          <a:fontRef idx="minor">
+            <a:schemeClr val="lt1"/>
+          </a:fontRef>
+        </p:style>
+        <p:txBody>
+          <a:bodyPr rtlCol="0" anchor="ctr"/>
+          <a:lstStyle/>
+          <a:p>
+            <a:pPr algn="ctr"/>
+            <a:r>
+              <a:rPr lang="en-US" dirty="0"/>
+              <a:t>module </a:t>
+            </a:r>
+            <a:r>
+              <a:rPr lang="en-US" dirty="0" err="1"/>
+              <a:t>axi</a:t>
+            </a:r>
+            <a:r>
+              <a:rPr lang="en-US" dirty="0"/>
+              <a:t>_</a:t>
+            </a:r>
+          </a:p>
+        </p:txBody>
+      </p:sp>
+      <p:cxnSp>
+        <p:nvCxnSpPr>
+          <p:cNvPr id="12" name="Straight Arrow Connector 11">
+            <a:extLst>
+              <a:ext uri="{FF2B5EF4-FFF2-40B4-BE49-F238E27FC236}">
+                <a16:creationId xmlns:a16="http://schemas.microsoft.com/office/drawing/2014/main" id="{C44171CA-F278-841B-3EA9-73B642359E42}"/>
+              </a:ext>
+            </a:extLst>
+          </p:cNvPr>
+          <p:cNvCxnSpPr>
+            <a:cxnSpLocks/>
+          </p:cNvCxnSpPr>
+          <p:nvPr/>
+        </p:nvCxnSpPr>
+        <p:spPr>
+          <a:xfrm>
+            <a:off x="2864105" y="1932022"/>
+            <a:ext cx="1104881" cy="0"/>
+          </a:xfrm>
+          <a:prstGeom prst="straightConnector1">
+            <a:avLst/>
+          </a:prstGeom>
+          <a:ln w="19050">
+            <a:solidFill>
+              <a:srgbClr val="C00000"/>
+            </a:solidFill>
+            <a:tailEnd type="triangle"/>
+          </a:ln>
+        </p:spPr>
+        <p:style>
+          <a:lnRef idx="1">
+            <a:schemeClr val="accent6"/>
+          </a:lnRef>
+          <a:fillRef idx="0">
+            <a:schemeClr val="accent6"/>
+          </a:fillRef>
+          <a:effectRef idx="0">
+            <a:schemeClr val="accent6"/>
+          </a:effectRef>
+          <a:fontRef idx="minor">
+            <a:schemeClr val="tx1"/>
+          </a:fontRef>
+        </p:style>
+      </p:cxnSp>
+    </p:spTree>
+    <p:extLst>
+      <p:ext uri="{BB962C8B-B14F-4D97-AF65-F5344CB8AC3E}">
+        <p14:creationId xmlns:p14="http://schemas.microsoft.com/office/powerpoint/2010/main" val="3282851643"/>
+      </p:ext>
+    </p:extLst>
+  </p:cSld>
+  <p:clrMapOvr>
+    <a:masterClrMapping/>
+  </p:clrMapOvr>
+</p:sld>
+</file>
+
+<file path=ppt/slides/slide11.xml><?xml version="1.0" encoding="utf-8"?>
+<p:sld xmlns:a="http://schemas.openxmlformats.org/drawingml/2006/main" xmlns:r="http://schemas.openxmlformats.org/officeDocument/2006/relationships" xmlns:p="http://schemas.openxmlformats.org/presentationml/2006/main">
+  <p:cSld>
+    <p:spTree>
+      <p:nvGrpSpPr>
+        <p:cNvPr id="1" name=""/>
+        <p:cNvGrpSpPr/>
+        <p:nvPr/>
+      </p:nvGrpSpPr>
+      <p:grpSpPr>
+        <a:xfrm>
+          <a:off x="0" y="0"/>
+          <a:ext cx="0" cy="0"/>
+          <a:chOff x="0" y="0"/>
+          <a:chExt cx="0" cy="0"/>
+        </a:xfrm>
+      </p:grpSpPr>
+      <p:sp>
+        <p:nvSpPr>
+          <p:cNvPr id="2" name="Title 1">
+            <a:extLst>
+              <a:ext uri="{FF2B5EF4-FFF2-40B4-BE49-F238E27FC236}">
+                <a16:creationId xmlns:a16="http://schemas.microsoft.com/office/drawing/2014/main" id="{E6E7246E-6DDB-2F98-52B0-04AB5D144996}"/>
+              </a:ext>
+            </a:extLst>
+          </p:cNvPr>
+          <p:cNvSpPr>
+            <a:spLocks noGrp="1"/>
+          </p:cNvSpPr>
+          <p:nvPr>
+            <p:ph type="title"/>
+          </p:nvPr>
+        </p:nvSpPr>
+        <p:spPr/>
+        <p:txBody>
+          <a:bodyPr/>
+          <a:lstStyle/>
+          <a:p>
+            <a:r>
+              <a:rPr lang="en-US" dirty="0"/>
+              <a:t>lab04</a:t>
+            </a:r>
+          </a:p>
+        </p:txBody>
+      </p:sp>
+      <p:sp>
+        <p:nvSpPr>
+          <p:cNvPr id="4" name="Slide Number Placeholder 3">
+            <a:extLst>
+              <a:ext uri="{FF2B5EF4-FFF2-40B4-BE49-F238E27FC236}">
+                <a16:creationId xmlns:a16="http://schemas.microsoft.com/office/drawing/2014/main" id="{A653B7C0-A01B-B019-AE82-6D2CF11E10FE}"/>
+              </a:ext>
+            </a:extLst>
+          </p:cNvPr>
+          <p:cNvSpPr>
+            <a:spLocks noGrp="1"/>
+          </p:cNvSpPr>
+          <p:nvPr>
+            <p:ph type="sldNum" sz="quarter" idx="12"/>
+          </p:nvPr>
+        </p:nvSpPr>
+        <p:spPr/>
+        <p:txBody>
+          <a:bodyPr/>
+          <a:lstStyle/>
+          <a:p>
+            <a:fld id="{8A2B06E4-34D2-4DD4-ABFF-9F74AC2B18B5}" type="slidenum">
+              <a:rPr lang="en-US" smtClean="0"/>
+              <a:t>11</a:t>
+            </a:fld>
+            <a:endParaRPr lang="en-US" dirty="0"/>
+          </a:p>
+        </p:txBody>
+      </p:sp>
+      <p:sp>
+        <p:nvSpPr>
+          <p:cNvPr id="5" name="Oval 4">
+            <a:extLst>
+              <a:ext uri="{FF2B5EF4-FFF2-40B4-BE49-F238E27FC236}">
+                <a16:creationId xmlns:a16="http://schemas.microsoft.com/office/drawing/2014/main" id="{67CE74D4-43F8-ED2C-D5EE-727D52A246D7}"/>
+              </a:ext>
+            </a:extLst>
+          </p:cNvPr>
+          <p:cNvSpPr/>
+          <p:nvPr/>
+        </p:nvSpPr>
+        <p:spPr>
+          <a:xfrm>
+            <a:off x="1507957" y="3882046"/>
+            <a:ext cx="962527" cy="930442"/>
+          </a:xfrm>
+          <a:prstGeom prst="ellipse">
+            <a:avLst/>
+          </a:prstGeom>
+        </p:spPr>
+        <p:style>
+          <a:lnRef idx="2">
+            <a:schemeClr val="accent1">
+              <a:shade val="50000"/>
+            </a:schemeClr>
+          </a:lnRef>
+          <a:fillRef idx="1">
+            <a:schemeClr val="accent1"/>
+          </a:fillRef>
+          <a:effectRef idx="0">
+            <a:schemeClr val="accent1"/>
+          </a:effectRef>
+          <a:fontRef idx="minor">
+            <a:schemeClr val="lt1"/>
+          </a:fontRef>
+        </p:style>
+        <p:txBody>
+          <a:bodyPr rtlCol="0" anchor="ctr"/>
+          <a:lstStyle/>
+          <a:p>
+            <a:pPr algn="ctr"/>
+            <a:r>
+              <a:rPr lang="en-US" dirty="0"/>
+              <a:t>IDLE</a:t>
+            </a:r>
+          </a:p>
+        </p:txBody>
+      </p:sp>
+      <p:sp>
+        <p:nvSpPr>
+          <p:cNvPr id="6" name="Oval 5">
+            <a:extLst>
+              <a:ext uri="{FF2B5EF4-FFF2-40B4-BE49-F238E27FC236}">
+                <a16:creationId xmlns:a16="http://schemas.microsoft.com/office/drawing/2014/main" id="{22216712-1D2F-3EE1-B5A9-117D0B999522}"/>
+              </a:ext>
+            </a:extLst>
+          </p:cNvPr>
+          <p:cNvSpPr/>
+          <p:nvPr/>
+        </p:nvSpPr>
+        <p:spPr>
+          <a:xfrm>
+            <a:off x="3449051" y="3882046"/>
+            <a:ext cx="1235244" cy="930442"/>
+          </a:xfrm>
+          <a:prstGeom prst="ellipse">
+            <a:avLst/>
+          </a:prstGeom>
+        </p:spPr>
+        <p:style>
+          <a:lnRef idx="2">
+            <a:schemeClr val="accent1">
+              <a:shade val="50000"/>
+            </a:schemeClr>
+          </a:lnRef>
+          <a:fillRef idx="1">
+            <a:schemeClr val="accent1"/>
+          </a:fillRef>
+          <a:effectRef idx="0">
+            <a:schemeClr val="accent1"/>
+          </a:effectRef>
+          <a:fontRef idx="minor">
+            <a:schemeClr val="lt1"/>
+          </a:fontRef>
+        </p:style>
+        <p:txBody>
+          <a:bodyPr rtlCol="0" anchor="ctr"/>
+          <a:lstStyle/>
+          <a:p>
+            <a:pPr algn="ctr"/>
+            <a:r>
+              <a:rPr lang="en-US" dirty="0"/>
+              <a:t>FIRST</a:t>
+            </a:r>
+          </a:p>
+        </p:txBody>
+      </p:sp>
+      <p:sp>
+        <p:nvSpPr>
+          <p:cNvPr id="7" name="Oval 6">
+            <a:extLst>
+              <a:ext uri="{FF2B5EF4-FFF2-40B4-BE49-F238E27FC236}">
+                <a16:creationId xmlns:a16="http://schemas.microsoft.com/office/drawing/2014/main" id="{584E0225-E5B4-F7DB-E0AF-3A01B53D9DA5}"/>
+              </a:ext>
+            </a:extLst>
+          </p:cNvPr>
+          <p:cNvSpPr/>
+          <p:nvPr/>
+        </p:nvSpPr>
+        <p:spPr>
+          <a:xfrm>
+            <a:off x="5694949" y="3882046"/>
+            <a:ext cx="1375282" cy="930442"/>
+          </a:xfrm>
+          <a:prstGeom prst="ellipse">
+            <a:avLst/>
+          </a:prstGeom>
+        </p:spPr>
+        <p:style>
+          <a:lnRef idx="2">
+            <a:schemeClr val="accent1">
+              <a:shade val="50000"/>
+            </a:schemeClr>
+          </a:lnRef>
+          <a:fillRef idx="1">
+            <a:schemeClr val="accent1"/>
+          </a:fillRef>
+          <a:effectRef idx="0">
+            <a:schemeClr val="accent1"/>
+          </a:effectRef>
+          <a:fontRef idx="minor">
+            <a:schemeClr val="lt1"/>
+          </a:fontRef>
+        </p:style>
+        <p:txBody>
+          <a:bodyPr rtlCol="0" anchor="ctr"/>
+          <a:lstStyle/>
+          <a:p>
+            <a:pPr algn="ctr"/>
+            <a:r>
+              <a:rPr lang="en-US" dirty="0"/>
+              <a:t>SECOND</a:t>
+            </a:r>
+          </a:p>
+        </p:txBody>
+      </p:sp>
+      <p:sp>
+        <p:nvSpPr>
+          <p:cNvPr id="8" name="Oval 7">
+            <a:extLst>
+              <a:ext uri="{FF2B5EF4-FFF2-40B4-BE49-F238E27FC236}">
+                <a16:creationId xmlns:a16="http://schemas.microsoft.com/office/drawing/2014/main" id="{D214CD47-E5FB-537B-BC9C-656A393D7711}"/>
+              </a:ext>
+            </a:extLst>
+          </p:cNvPr>
+          <p:cNvSpPr/>
+          <p:nvPr/>
+        </p:nvSpPr>
+        <p:spPr>
+          <a:xfrm>
+            <a:off x="8080885" y="3882046"/>
+            <a:ext cx="1375282" cy="930442"/>
+          </a:xfrm>
+          <a:prstGeom prst="ellipse">
+            <a:avLst/>
+          </a:prstGeom>
+        </p:spPr>
+        <p:style>
+          <a:lnRef idx="2">
+            <a:schemeClr val="accent1">
+              <a:shade val="50000"/>
+            </a:schemeClr>
+          </a:lnRef>
+          <a:fillRef idx="1">
+            <a:schemeClr val="accent1"/>
+          </a:fillRef>
+          <a:effectRef idx="0">
+            <a:schemeClr val="accent1"/>
+          </a:effectRef>
+          <a:fontRef idx="minor">
+            <a:schemeClr val="lt1"/>
+          </a:fontRef>
+        </p:style>
+        <p:txBody>
+          <a:bodyPr rtlCol="0" anchor="ctr"/>
+          <a:lstStyle/>
+          <a:p>
+            <a:pPr algn="ctr"/>
+            <a:r>
+              <a:rPr lang="en-US" dirty="0"/>
+              <a:t>LAST</a:t>
+            </a:r>
+          </a:p>
+        </p:txBody>
+      </p:sp>
+      <p:cxnSp>
+        <p:nvCxnSpPr>
+          <p:cNvPr id="9" name="Straight Arrow Connector 8">
+            <a:extLst>
+              <a:ext uri="{FF2B5EF4-FFF2-40B4-BE49-F238E27FC236}">
+                <a16:creationId xmlns:a16="http://schemas.microsoft.com/office/drawing/2014/main" id="{9E4A227B-17ED-055E-6264-DA38ECBFFD8B}"/>
+              </a:ext>
+            </a:extLst>
+          </p:cNvPr>
+          <p:cNvCxnSpPr>
+            <a:cxnSpLocks/>
+            <a:stCxn id="5" idx="6"/>
+            <a:endCxn id="6" idx="2"/>
+          </p:cNvCxnSpPr>
+          <p:nvPr/>
+        </p:nvCxnSpPr>
+        <p:spPr>
+          <a:xfrm>
+            <a:off x="2470484" y="4347267"/>
+            <a:ext cx="978567" cy="0"/>
+          </a:xfrm>
+          <a:prstGeom prst="straightConnector1">
+            <a:avLst/>
+          </a:prstGeom>
+          <a:ln w="19050">
+            <a:solidFill>
+              <a:srgbClr val="C00000"/>
+            </a:solidFill>
+            <a:tailEnd type="triangle"/>
+          </a:ln>
+        </p:spPr>
+        <p:style>
+          <a:lnRef idx="1">
+            <a:schemeClr val="accent6"/>
+          </a:lnRef>
+          <a:fillRef idx="0">
+            <a:schemeClr val="accent6"/>
+          </a:fillRef>
+          <a:effectRef idx="0">
+            <a:schemeClr val="accent6"/>
+          </a:effectRef>
+          <a:fontRef idx="minor">
+            <a:schemeClr val="tx1"/>
+          </a:fontRef>
+        </p:style>
+      </p:cxnSp>
+      <p:sp>
+        <p:nvSpPr>
+          <p:cNvPr id="12" name="Arrow: Curved Down 11">
+            <a:extLst>
+              <a:ext uri="{FF2B5EF4-FFF2-40B4-BE49-F238E27FC236}">
+                <a16:creationId xmlns:a16="http://schemas.microsoft.com/office/drawing/2014/main" id="{F6A2CBA0-0928-6AF2-750C-0CC3F6FB669B}"/>
+              </a:ext>
+            </a:extLst>
+          </p:cNvPr>
+          <p:cNvSpPr/>
+          <p:nvPr/>
+        </p:nvSpPr>
+        <p:spPr>
+          <a:xfrm>
+            <a:off x="1754604" y="2951604"/>
+            <a:ext cx="625642" cy="930442"/>
+          </a:xfrm>
+          <a:prstGeom prst="curvedDownArrow">
+            <a:avLst/>
+          </a:prstGeom>
+          <a:solidFill>
+            <a:srgbClr val="FF0000"/>
+          </a:solidFill>
+        </p:spPr>
+        <p:style>
+          <a:lnRef idx="2">
+            <a:schemeClr val="accent1">
+              <a:shade val="50000"/>
+            </a:schemeClr>
+          </a:lnRef>
+          <a:fillRef idx="1">
+            <a:schemeClr val="accent1"/>
+          </a:fillRef>
+          <a:effectRef idx="0">
+            <a:schemeClr val="accent1"/>
+          </a:effectRef>
+          <a:fontRef idx="minor">
+            <a:schemeClr val="lt1"/>
+          </a:fontRef>
+        </p:style>
+        <p:txBody>
+          <a:bodyPr rtlCol="0" anchor="ctr"/>
+          <a:lstStyle/>
+          <a:p>
+            <a:pPr algn="ctr"/>
+            <a:endParaRPr lang="en-US">
+              <a:solidFill>
+                <a:schemeClr val="tx1"/>
+              </a:solidFill>
+            </a:endParaRPr>
+          </a:p>
+        </p:txBody>
+      </p:sp>
+      <p:cxnSp>
+        <p:nvCxnSpPr>
+          <p:cNvPr id="13" name="Straight Arrow Connector 12">
+            <a:extLst>
+              <a:ext uri="{FF2B5EF4-FFF2-40B4-BE49-F238E27FC236}">
+                <a16:creationId xmlns:a16="http://schemas.microsoft.com/office/drawing/2014/main" id="{ED432BD8-0F3C-979F-B0CC-DF98C61B0C8A}"/>
+              </a:ext>
+            </a:extLst>
+          </p:cNvPr>
+          <p:cNvCxnSpPr>
+            <a:cxnSpLocks/>
+          </p:cNvCxnSpPr>
+          <p:nvPr/>
+        </p:nvCxnSpPr>
+        <p:spPr>
+          <a:xfrm>
+            <a:off x="4684295" y="4347267"/>
+            <a:ext cx="978567" cy="0"/>
+          </a:xfrm>
+          <a:prstGeom prst="straightConnector1">
+            <a:avLst/>
+          </a:prstGeom>
+          <a:ln w="19050">
+            <a:solidFill>
+              <a:srgbClr val="C00000"/>
+            </a:solidFill>
+            <a:tailEnd type="triangle"/>
+          </a:ln>
+        </p:spPr>
+        <p:style>
+          <a:lnRef idx="1">
+            <a:schemeClr val="accent6"/>
+          </a:lnRef>
+          <a:fillRef idx="0">
+            <a:schemeClr val="accent6"/>
+          </a:fillRef>
+          <a:effectRef idx="0">
+            <a:schemeClr val="accent6"/>
+          </a:effectRef>
+          <a:fontRef idx="minor">
+            <a:schemeClr val="tx1"/>
+          </a:fontRef>
+        </p:style>
+      </p:cxnSp>
+      <p:cxnSp>
+        <p:nvCxnSpPr>
+          <p:cNvPr id="14" name="Straight Arrow Connector 13">
+            <a:extLst>
+              <a:ext uri="{FF2B5EF4-FFF2-40B4-BE49-F238E27FC236}">
+                <a16:creationId xmlns:a16="http://schemas.microsoft.com/office/drawing/2014/main" id="{7F086A61-C436-038C-4A78-341332E81D54}"/>
+              </a:ext>
+            </a:extLst>
+          </p:cNvPr>
+          <p:cNvCxnSpPr>
+            <a:cxnSpLocks/>
+          </p:cNvCxnSpPr>
+          <p:nvPr/>
+        </p:nvCxnSpPr>
+        <p:spPr>
+          <a:xfrm>
+            <a:off x="7070231" y="4347267"/>
+            <a:ext cx="978567" cy="0"/>
+          </a:xfrm>
+          <a:prstGeom prst="straightConnector1">
+            <a:avLst/>
+          </a:prstGeom>
+          <a:ln w="19050">
+            <a:solidFill>
+              <a:srgbClr val="C00000"/>
+            </a:solidFill>
+            <a:tailEnd type="triangle"/>
+          </a:ln>
+        </p:spPr>
+        <p:style>
+          <a:lnRef idx="1">
+            <a:schemeClr val="accent6"/>
+          </a:lnRef>
+          <a:fillRef idx="0">
+            <a:schemeClr val="accent6"/>
+          </a:fillRef>
+          <a:effectRef idx="0">
+            <a:schemeClr val="accent6"/>
+          </a:effectRef>
+          <a:fontRef idx="minor">
+            <a:schemeClr val="tx1"/>
+          </a:fontRef>
+        </p:style>
+      </p:cxnSp>
+      <p:sp>
+        <p:nvSpPr>
+          <p:cNvPr id="15" name="Arrow: Curved Down 14">
+            <a:extLst>
+              <a:ext uri="{FF2B5EF4-FFF2-40B4-BE49-F238E27FC236}">
+                <a16:creationId xmlns:a16="http://schemas.microsoft.com/office/drawing/2014/main" id="{16BDDEF8-E837-D149-F914-65A3D852F7FD}"/>
+              </a:ext>
+            </a:extLst>
+          </p:cNvPr>
+          <p:cNvSpPr/>
+          <p:nvPr/>
+        </p:nvSpPr>
+        <p:spPr>
+          <a:xfrm flipH="1" flipV="1">
+            <a:off x="2037345" y="4799365"/>
+            <a:ext cx="6384104" cy="930441"/>
+          </a:xfrm>
+          <a:prstGeom prst="curvedDownArrow">
+            <a:avLst/>
+          </a:prstGeom>
+          <a:solidFill>
+            <a:srgbClr val="FF0000"/>
+          </a:solidFill>
+        </p:spPr>
+        <p:style>
+          <a:lnRef idx="2">
+            <a:schemeClr val="accent1">
+              <a:shade val="50000"/>
+            </a:schemeClr>
+          </a:lnRef>
+          <a:fillRef idx="1">
+            <a:schemeClr val="accent1"/>
+          </a:fillRef>
+          <a:effectRef idx="0">
+            <a:schemeClr val="accent1"/>
+          </a:effectRef>
+          <a:fontRef idx="minor">
+            <a:schemeClr val="lt1"/>
+          </a:fontRef>
+        </p:style>
+        <p:txBody>
+          <a:bodyPr rtlCol="0" anchor="ctr"/>
+          <a:lstStyle/>
+          <a:p>
+            <a:pPr algn="ctr"/>
+            <a:endParaRPr lang="en-US">
+              <a:solidFill>
+                <a:schemeClr val="tx1"/>
+              </a:solidFill>
+            </a:endParaRPr>
+          </a:p>
+        </p:txBody>
+      </p:sp>
+      <p:sp>
+        <p:nvSpPr>
+          <p:cNvPr id="10" name="Content Placeholder 2">
+            <a:extLst>
+              <a:ext uri="{FF2B5EF4-FFF2-40B4-BE49-F238E27FC236}">
+                <a16:creationId xmlns:a16="http://schemas.microsoft.com/office/drawing/2014/main" id="{1EDD9412-7D1E-387D-C5EB-3AB16BD8EDCF}"/>
+              </a:ext>
+            </a:extLst>
+          </p:cNvPr>
+          <p:cNvSpPr>
+            <a:spLocks noGrp="1"/>
+          </p:cNvSpPr>
+          <p:nvPr>
+            <p:ph idx="1"/>
+          </p:nvPr>
+        </p:nvSpPr>
+        <p:spPr>
+          <a:xfrm>
+            <a:off x="4635839" y="3882046"/>
+            <a:ext cx="1187116" cy="599152"/>
+          </a:xfrm>
+        </p:spPr>
+        <p:txBody>
+          <a:bodyPr/>
+          <a:lstStyle/>
+          <a:p>
+            <a:r>
+              <a:rPr lang="en-US" dirty="0"/>
+              <a:t>200sec</a:t>
+            </a:r>
+          </a:p>
+        </p:txBody>
+      </p:sp>
+      <p:sp>
+        <p:nvSpPr>
+          <p:cNvPr id="11" name="Content Placeholder 2">
+            <a:extLst>
+              <a:ext uri="{FF2B5EF4-FFF2-40B4-BE49-F238E27FC236}">
+                <a16:creationId xmlns:a16="http://schemas.microsoft.com/office/drawing/2014/main" id="{8C722C8C-3547-9C39-3A3A-D5B137897A9A}"/>
+              </a:ext>
+            </a:extLst>
+          </p:cNvPr>
+          <p:cNvSpPr txBox="1">
+            <a:spLocks/>
+          </p:cNvSpPr>
+          <p:nvPr/>
+        </p:nvSpPr>
+        <p:spPr>
+          <a:xfrm>
+            <a:off x="7009743" y="3882046"/>
+            <a:ext cx="1187116" cy="518798"/>
+          </a:xfrm>
+          <a:prstGeom prst="rect">
+            <a:avLst/>
+          </a:prstGeom>
+        </p:spPr>
+        <p:txBody>
+          <a:bodyPr vert="horz" lIns="91440" tIns="45720" rIns="91440" bIns="45720" rtlCol="0">
+            <a:normAutofit/>
+          </a:bodyPr>
+          <a:lstStyle>
+            <a:lvl1pPr marL="228600" indent="-228600" algn="l" defTabSz="914400" rtl="0" eaLnBrk="1" latinLnBrk="0" hangingPunct="1">
+              <a:lnSpc>
+                <a:spcPct val="90000"/>
+              </a:lnSpc>
+              <a:spcBef>
+                <a:spcPts val="1000"/>
+              </a:spcBef>
+              <a:buFont typeface="Arial" panose="020B0604020202020204" pitchFamily="34" charset="0"/>
+              <a:buChar char="•"/>
+              <a:defRPr sz="1400" kern="1200">
+                <a:solidFill>
+                  <a:schemeClr val="tx1"/>
+                </a:solidFill>
+                <a:latin typeface="+mn-lt"/>
+                <a:ea typeface="+mn-ea"/>
+                <a:cs typeface="+mn-cs"/>
+              </a:defRPr>
+            </a:lvl1pPr>
+            <a:lvl2pPr marL="685800" indent="-228600" algn="l" defTabSz="914400" rtl="0" eaLnBrk="1" latinLnBrk="0" hangingPunct="1">
+              <a:lnSpc>
+                <a:spcPct val="90000"/>
+              </a:lnSpc>
+              <a:spcBef>
+                <a:spcPts val="500"/>
+              </a:spcBef>
+              <a:buFont typeface="Arial" panose="020B0604020202020204" pitchFamily="34" charset="0"/>
+              <a:buChar char="•"/>
+              <a:defRPr sz="1200" kern="1200">
+                <a:solidFill>
+                  <a:schemeClr val="tx1"/>
+                </a:solidFill>
+                <a:latin typeface="+mn-lt"/>
+                <a:ea typeface="+mn-ea"/>
+                <a:cs typeface="+mn-cs"/>
+              </a:defRPr>
+            </a:lvl2pPr>
+            <a:lvl3pPr marL="1143000" indent="-228600" algn="l" defTabSz="914400" rtl="0" eaLnBrk="1" latinLnBrk="0" hangingPunct="1">
+              <a:lnSpc>
+                <a:spcPct val="90000"/>
+              </a:lnSpc>
+              <a:spcBef>
+                <a:spcPts val="500"/>
+              </a:spcBef>
+              <a:buFont typeface="Arial" panose="020B0604020202020204" pitchFamily="34" charset="0"/>
+              <a:buChar char="•"/>
+              <a:defRPr sz="1200" kern="1200">
+                <a:solidFill>
+                  <a:schemeClr val="tx1"/>
+                </a:solidFill>
+                <a:latin typeface="+mn-lt"/>
+                <a:ea typeface="+mn-ea"/>
+                <a:cs typeface="+mn-cs"/>
+              </a:defRPr>
+            </a:lvl3pPr>
+            <a:lvl4pPr marL="1600200" indent="-228600" algn="l" defTabSz="914400" rtl="0" eaLnBrk="1" latinLnBrk="0" hangingPunct="1">
+              <a:lnSpc>
+                <a:spcPct val="90000"/>
+              </a:lnSpc>
+              <a:spcBef>
+                <a:spcPts val="500"/>
+              </a:spcBef>
+              <a:buFont typeface="Arial" panose="020B0604020202020204" pitchFamily="34" charset="0"/>
+              <a:buChar char="•"/>
+              <a:defRPr sz="1200" kern="1200">
+                <a:solidFill>
+                  <a:schemeClr val="tx1"/>
+                </a:solidFill>
+                <a:latin typeface="+mn-lt"/>
+                <a:ea typeface="+mn-ea"/>
+                <a:cs typeface="+mn-cs"/>
+              </a:defRPr>
+            </a:lvl4pPr>
+            <a:lvl5pPr marL="2057400" indent="-228600" algn="l" defTabSz="914400" rtl="0" eaLnBrk="1" latinLnBrk="0" hangingPunct="1">
+              <a:lnSpc>
+                <a:spcPct val="90000"/>
+              </a:lnSpc>
+              <a:spcBef>
+                <a:spcPts val="500"/>
+              </a:spcBef>
+              <a:buFont typeface="Arial" panose="020B0604020202020204" pitchFamily="34" charset="0"/>
+              <a:buChar char="•"/>
+              <a:defRPr sz="1200" kern="1200">
+                <a:solidFill>
+                  <a:schemeClr val="tx1"/>
+                </a:solidFill>
+                <a:latin typeface="+mn-lt"/>
+                <a:ea typeface="+mn-ea"/>
+                <a:cs typeface="+mn-cs"/>
+              </a:defRPr>
+            </a:lvl5pPr>
+            <a:lvl6pPr marL="2514600" indent="-228600" algn="l" defTabSz="914400" rtl="0" eaLnBrk="1" latinLnBrk="0" hangingPunct="1">
+              <a:lnSpc>
+                <a:spcPct val="90000"/>
+              </a:lnSpc>
+              <a:spcBef>
+                <a:spcPts val="500"/>
+              </a:spcBef>
+              <a:buFont typeface="Arial" panose="020B0604020202020204" pitchFamily="34" charset="0"/>
+              <a:buChar char="•"/>
+              <a:defRPr sz="1800" kern="1200">
+                <a:solidFill>
+                  <a:schemeClr val="tx1"/>
+                </a:solidFill>
+                <a:latin typeface="+mn-lt"/>
+                <a:ea typeface="+mn-ea"/>
+                <a:cs typeface="+mn-cs"/>
+              </a:defRPr>
+            </a:lvl6pPr>
+            <a:lvl7pPr marL="2971800" indent="-228600" algn="l" defTabSz="914400" rtl="0" eaLnBrk="1" latinLnBrk="0" hangingPunct="1">
+              <a:lnSpc>
+                <a:spcPct val="90000"/>
+              </a:lnSpc>
+              <a:spcBef>
+                <a:spcPts val="500"/>
+              </a:spcBef>
+              <a:buFont typeface="Arial" panose="020B0604020202020204" pitchFamily="34" charset="0"/>
+              <a:buChar char="•"/>
+              <a:defRPr sz="1800" kern="1200">
+                <a:solidFill>
+                  <a:schemeClr val="tx1"/>
+                </a:solidFill>
+                <a:latin typeface="+mn-lt"/>
+                <a:ea typeface="+mn-ea"/>
+                <a:cs typeface="+mn-cs"/>
+              </a:defRPr>
+            </a:lvl7pPr>
+            <a:lvl8pPr marL="3429000" indent="-228600" algn="l" defTabSz="914400" rtl="0" eaLnBrk="1" latinLnBrk="0" hangingPunct="1">
+              <a:lnSpc>
+                <a:spcPct val="90000"/>
+              </a:lnSpc>
+              <a:spcBef>
+                <a:spcPts val="500"/>
+              </a:spcBef>
+              <a:buFont typeface="Arial" panose="020B0604020202020204" pitchFamily="34" charset="0"/>
+              <a:buChar char="•"/>
+              <a:defRPr sz="1800" kern="1200">
+                <a:solidFill>
+                  <a:schemeClr val="tx1"/>
+                </a:solidFill>
+                <a:latin typeface="+mn-lt"/>
+                <a:ea typeface="+mn-ea"/>
+                <a:cs typeface="+mn-cs"/>
+              </a:defRPr>
+            </a:lvl8pPr>
+            <a:lvl9pPr marL="3886200" indent="-228600" algn="l" defTabSz="914400" rtl="0" eaLnBrk="1" latinLnBrk="0" hangingPunct="1">
+              <a:lnSpc>
+                <a:spcPct val="90000"/>
+              </a:lnSpc>
+              <a:spcBef>
+                <a:spcPts val="500"/>
+              </a:spcBef>
+              <a:buFont typeface="Arial" panose="020B0604020202020204" pitchFamily="34" charset="0"/>
+              <a:buChar char="•"/>
+              <a:defRPr sz="1800" kern="1200">
+                <a:solidFill>
+                  <a:schemeClr val="tx1"/>
+                </a:solidFill>
+                <a:latin typeface="+mn-lt"/>
+                <a:ea typeface="+mn-ea"/>
+                <a:cs typeface="+mn-cs"/>
+              </a:defRPr>
+            </a:lvl9pPr>
+          </a:lstStyle>
+          <a:p>
+            <a:r>
+              <a:rPr lang="en-US" dirty="0"/>
+              <a:t>100sec</a:t>
+            </a:r>
+          </a:p>
+        </p:txBody>
+      </p:sp>
+      <p:sp>
+        <p:nvSpPr>
+          <p:cNvPr id="17" name="Content Placeholder 2">
+            <a:extLst>
+              <a:ext uri="{FF2B5EF4-FFF2-40B4-BE49-F238E27FC236}">
+                <a16:creationId xmlns:a16="http://schemas.microsoft.com/office/drawing/2014/main" id="{46ED323A-D782-4031-736B-43DB6B1CD1BA}"/>
+              </a:ext>
+            </a:extLst>
+          </p:cNvPr>
+          <p:cNvSpPr txBox="1">
+            <a:spLocks/>
+          </p:cNvSpPr>
+          <p:nvPr/>
+        </p:nvSpPr>
+        <p:spPr>
+          <a:xfrm>
+            <a:off x="4635839" y="2065396"/>
+            <a:ext cx="1631796" cy="599152"/>
+          </a:xfrm>
+          <a:prstGeom prst="rect">
+            <a:avLst/>
+          </a:prstGeom>
+        </p:spPr>
+        <p:txBody>
+          <a:bodyPr vert="horz" lIns="91440" tIns="45720" rIns="91440" bIns="45720" rtlCol="0">
+            <a:normAutofit/>
+          </a:bodyPr>
+          <a:lstStyle>
+            <a:lvl1pPr marL="228600" indent="-228600" algn="l" defTabSz="914400" rtl="0" eaLnBrk="1" latinLnBrk="0" hangingPunct="1">
+              <a:lnSpc>
+                <a:spcPct val="90000"/>
+              </a:lnSpc>
+              <a:spcBef>
+                <a:spcPts val="1000"/>
+              </a:spcBef>
+              <a:buFont typeface="Arial" panose="020B0604020202020204" pitchFamily="34" charset="0"/>
+              <a:buChar char="•"/>
+              <a:defRPr sz="1400" kern="1200">
+                <a:solidFill>
+                  <a:schemeClr val="tx1"/>
+                </a:solidFill>
+                <a:latin typeface="+mn-lt"/>
+                <a:ea typeface="+mn-ea"/>
+                <a:cs typeface="+mn-cs"/>
+              </a:defRPr>
+            </a:lvl1pPr>
+            <a:lvl2pPr marL="685800" indent="-228600" algn="l" defTabSz="914400" rtl="0" eaLnBrk="1" latinLnBrk="0" hangingPunct="1">
+              <a:lnSpc>
+                <a:spcPct val="90000"/>
+              </a:lnSpc>
+              <a:spcBef>
+                <a:spcPts val="500"/>
+              </a:spcBef>
+              <a:buFont typeface="Arial" panose="020B0604020202020204" pitchFamily="34" charset="0"/>
+              <a:buChar char="•"/>
+              <a:defRPr sz="1200" kern="1200">
+                <a:solidFill>
+                  <a:schemeClr val="tx1"/>
+                </a:solidFill>
+                <a:latin typeface="+mn-lt"/>
+                <a:ea typeface="+mn-ea"/>
+                <a:cs typeface="+mn-cs"/>
+              </a:defRPr>
+            </a:lvl2pPr>
+            <a:lvl3pPr marL="1143000" indent="-228600" algn="l" defTabSz="914400" rtl="0" eaLnBrk="1" latinLnBrk="0" hangingPunct="1">
+              <a:lnSpc>
+                <a:spcPct val="90000"/>
+              </a:lnSpc>
+              <a:spcBef>
+                <a:spcPts val="500"/>
+              </a:spcBef>
+              <a:buFont typeface="Arial" panose="020B0604020202020204" pitchFamily="34" charset="0"/>
+              <a:buChar char="•"/>
+              <a:defRPr sz="1200" kern="1200">
+                <a:solidFill>
+                  <a:schemeClr val="tx1"/>
+                </a:solidFill>
+                <a:latin typeface="+mn-lt"/>
+                <a:ea typeface="+mn-ea"/>
+                <a:cs typeface="+mn-cs"/>
+              </a:defRPr>
+            </a:lvl3pPr>
+            <a:lvl4pPr marL="1600200" indent="-228600" algn="l" defTabSz="914400" rtl="0" eaLnBrk="1" latinLnBrk="0" hangingPunct="1">
+              <a:lnSpc>
+                <a:spcPct val="90000"/>
+              </a:lnSpc>
+              <a:spcBef>
+                <a:spcPts val="500"/>
+              </a:spcBef>
+              <a:buFont typeface="Arial" panose="020B0604020202020204" pitchFamily="34" charset="0"/>
+              <a:buChar char="•"/>
+              <a:defRPr sz="1200" kern="1200">
+                <a:solidFill>
+                  <a:schemeClr val="tx1"/>
+                </a:solidFill>
+                <a:latin typeface="+mn-lt"/>
+                <a:ea typeface="+mn-ea"/>
+                <a:cs typeface="+mn-cs"/>
+              </a:defRPr>
+            </a:lvl4pPr>
+            <a:lvl5pPr marL="2057400" indent="-228600" algn="l" defTabSz="914400" rtl="0" eaLnBrk="1" latinLnBrk="0" hangingPunct="1">
+              <a:lnSpc>
+                <a:spcPct val="90000"/>
+              </a:lnSpc>
+              <a:spcBef>
+                <a:spcPts val="500"/>
+              </a:spcBef>
+              <a:buFont typeface="Arial" panose="020B0604020202020204" pitchFamily="34" charset="0"/>
+              <a:buChar char="•"/>
+              <a:defRPr sz="1200" kern="1200">
+                <a:solidFill>
+                  <a:schemeClr val="tx1"/>
+                </a:solidFill>
+                <a:latin typeface="+mn-lt"/>
+                <a:ea typeface="+mn-ea"/>
+                <a:cs typeface="+mn-cs"/>
+              </a:defRPr>
+            </a:lvl5pPr>
+            <a:lvl6pPr marL="2514600" indent="-228600" algn="l" defTabSz="914400" rtl="0" eaLnBrk="1" latinLnBrk="0" hangingPunct="1">
+              <a:lnSpc>
+                <a:spcPct val="90000"/>
+              </a:lnSpc>
+              <a:spcBef>
+                <a:spcPts val="500"/>
+              </a:spcBef>
+              <a:buFont typeface="Arial" panose="020B0604020202020204" pitchFamily="34" charset="0"/>
+              <a:buChar char="•"/>
+              <a:defRPr sz="1800" kern="1200">
+                <a:solidFill>
+                  <a:schemeClr val="tx1"/>
+                </a:solidFill>
+                <a:latin typeface="+mn-lt"/>
+                <a:ea typeface="+mn-ea"/>
+                <a:cs typeface="+mn-cs"/>
+              </a:defRPr>
+            </a:lvl6pPr>
+            <a:lvl7pPr marL="2971800" indent="-228600" algn="l" defTabSz="914400" rtl="0" eaLnBrk="1" latinLnBrk="0" hangingPunct="1">
+              <a:lnSpc>
+                <a:spcPct val="90000"/>
+              </a:lnSpc>
+              <a:spcBef>
+                <a:spcPts val="500"/>
+              </a:spcBef>
+              <a:buFont typeface="Arial" panose="020B0604020202020204" pitchFamily="34" charset="0"/>
+              <a:buChar char="•"/>
+              <a:defRPr sz="1800" kern="1200">
+                <a:solidFill>
+                  <a:schemeClr val="tx1"/>
+                </a:solidFill>
+                <a:latin typeface="+mn-lt"/>
+                <a:ea typeface="+mn-ea"/>
+                <a:cs typeface="+mn-cs"/>
+              </a:defRPr>
+            </a:lvl7pPr>
+            <a:lvl8pPr marL="3429000" indent="-228600" algn="l" defTabSz="914400" rtl="0" eaLnBrk="1" latinLnBrk="0" hangingPunct="1">
+              <a:lnSpc>
+                <a:spcPct val="90000"/>
+              </a:lnSpc>
+              <a:spcBef>
+                <a:spcPts val="500"/>
+              </a:spcBef>
+              <a:buFont typeface="Arial" panose="020B0604020202020204" pitchFamily="34" charset="0"/>
+              <a:buChar char="•"/>
+              <a:defRPr sz="1800" kern="1200">
+                <a:solidFill>
+                  <a:schemeClr val="tx1"/>
+                </a:solidFill>
+                <a:latin typeface="+mn-lt"/>
+                <a:ea typeface="+mn-ea"/>
+                <a:cs typeface="+mn-cs"/>
+              </a:defRPr>
+            </a:lvl8pPr>
+            <a:lvl9pPr marL="3886200" indent="-228600" algn="l" defTabSz="914400" rtl="0" eaLnBrk="1" latinLnBrk="0" hangingPunct="1">
+              <a:lnSpc>
+                <a:spcPct val="90000"/>
+              </a:lnSpc>
+              <a:spcBef>
+                <a:spcPts val="500"/>
+              </a:spcBef>
+              <a:buFont typeface="Arial" panose="020B0604020202020204" pitchFamily="34" charset="0"/>
+              <a:buChar char="•"/>
+              <a:defRPr sz="1800" kern="1200">
+                <a:solidFill>
+                  <a:schemeClr val="tx1"/>
+                </a:solidFill>
+                <a:latin typeface="+mn-lt"/>
+                <a:ea typeface="+mn-ea"/>
+                <a:cs typeface="+mn-cs"/>
+              </a:defRPr>
+            </a:lvl9pPr>
+          </a:lstStyle>
+          <a:p>
+            <a:r>
+              <a:rPr lang="en-US" dirty="0" err="1"/>
+              <a:t>clk</a:t>
+            </a:r>
+            <a:r>
+              <a:rPr lang="en-US" dirty="0"/>
+              <a:t> T = 10sec</a:t>
+            </a:r>
+          </a:p>
+        </p:txBody>
+      </p:sp>
+      <p:sp>
+        <p:nvSpPr>
+          <p:cNvPr id="18" name="Content Placeholder 2">
+            <a:extLst>
+              <a:ext uri="{FF2B5EF4-FFF2-40B4-BE49-F238E27FC236}">
+                <a16:creationId xmlns:a16="http://schemas.microsoft.com/office/drawing/2014/main" id="{3AEF1497-6D68-5A6C-43CB-CC5F2EA14517}"/>
+              </a:ext>
+            </a:extLst>
+          </p:cNvPr>
+          <p:cNvSpPr txBox="1">
+            <a:spLocks/>
+          </p:cNvSpPr>
+          <p:nvPr/>
+        </p:nvSpPr>
+        <p:spPr>
+          <a:xfrm>
+            <a:off x="4635839" y="3356422"/>
+            <a:ext cx="1631796" cy="525624"/>
+          </a:xfrm>
+          <a:prstGeom prst="rect">
+            <a:avLst/>
+          </a:prstGeom>
+        </p:spPr>
+        <p:txBody>
+          <a:bodyPr vert="horz" lIns="91440" tIns="45720" rIns="91440" bIns="45720" rtlCol="0">
+            <a:normAutofit/>
+          </a:bodyPr>
+          <a:lstStyle>
+            <a:lvl1pPr marL="228600" indent="-228600" algn="l" defTabSz="914400" rtl="0" eaLnBrk="1" latinLnBrk="0" hangingPunct="1">
+              <a:lnSpc>
+                <a:spcPct val="90000"/>
+              </a:lnSpc>
+              <a:spcBef>
+                <a:spcPts val="1000"/>
+              </a:spcBef>
+              <a:buFont typeface="Arial" panose="020B0604020202020204" pitchFamily="34" charset="0"/>
+              <a:buChar char="•"/>
+              <a:defRPr sz="1400" kern="1200">
+                <a:solidFill>
+                  <a:schemeClr val="tx1"/>
+                </a:solidFill>
+                <a:latin typeface="+mn-lt"/>
+                <a:ea typeface="+mn-ea"/>
+                <a:cs typeface="+mn-cs"/>
+              </a:defRPr>
+            </a:lvl1pPr>
+            <a:lvl2pPr marL="685800" indent="-228600" algn="l" defTabSz="914400" rtl="0" eaLnBrk="1" latinLnBrk="0" hangingPunct="1">
+              <a:lnSpc>
+                <a:spcPct val="90000"/>
+              </a:lnSpc>
+              <a:spcBef>
+                <a:spcPts val="500"/>
+              </a:spcBef>
+              <a:buFont typeface="Arial" panose="020B0604020202020204" pitchFamily="34" charset="0"/>
+              <a:buChar char="•"/>
+              <a:defRPr sz="1200" kern="1200">
+                <a:solidFill>
+                  <a:schemeClr val="tx1"/>
+                </a:solidFill>
+                <a:latin typeface="+mn-lt"/>
+                <a:ea typeface="+mn-ea"/>
+                <a:cs typeface="+mn-cs"/>
+              </a:defRPr>
+            </a:lvl2pPr>
+            <a:lvl3pPr marL="1143000" indent="-228600" algn="l" defTabSz="914400" rtl="0" eaLnBrk="1" latinLnBrk="0" hangingPunct="1">
+              <a:lnSpc>
+                <a:spcPct val="90000"/>
+              </a:lnSpc>
+              <a:spcBef>
+                <a:spcPts val="500"/>
+              </a:spcBef>
+              <a:buFont typeface="Arial" panose="020B0604020202020204" pitchFamily="34" charset="0"/>
+              <a:buChar char="•"/>
+              <a:defRPr sz="1200" kern="1200">
+                <a:solidFill>
+                  <a:schemeClr val="tx1"/>
+                </a:solidFill>
+                <a:latin typeface="+mn-lt"/>
+                <a:ea typeface="+mn-ea"/>
+                <a:cs typeface="+mn-cs"/>
+              </a:defRPr>
+            </a:lvl3pPr>
+            <a:lvl4pPr marL="1600200" indent="-228600" algn="l" defTabSz="914400" rtl="0" eaLnBrk="1" latinLnBrk="0" hangingPunct="1">
+              <a:lnSpc>
+                <a:spcPct val="90000"/>
+              </a:lnSpc>
+              <a:spcBef>
+                <a:spcPts val="500"/>
+              </a:spcBef>
+              <a:buFont typeface="Arial" panose="020B0604020202020204" pitchFamily="34" charset="0"/>
+              <a:buChar char="•"/>
+              <a:defRPr sz="1200" kern="1200">
+                <a:solidFill>
+                  <a:schemeClr val="tx1"/>
+                </a:solidFill>
+                <a:latin typeface="+mn-lt"/>
+                <a:ea typeface="+mn-ea"/>
+                <a:cs typeface="+mn-cs"/>
+              </a:defRPr>
+            </a:lvl4pPr>
+            <a:lvl5pPr marL="2057400" indent="-228600" algn="l" defTabSz="914400" rtl="0" eaLnBrk="1" latinLnBrk="0" hangingPunct="1">
+              <a:lnSpc>
+                <a:spcPct val="90000"/>
+              </a:lnSpc>
+              <a:spcBef>
+                <a:spcPts val="500"/>
+              </a:spcBef>
+              <a:buFont typeface="Arial" panose="020B0604020202020204" pitchFamily="34" charset="0"/>
+              <a:buChar char="•"/>
+              <a:defRPr sz="1200" kern="1200">
+                <a:solidFill>
+                  <a:schemeClr val="tx1"/>
+                </a:solidFill>
+                <a:latin typeface="+mn-lt"/>
+                <a:ea typeface="+mn-ea"/>
+                <a:cs typeface="+mn-cs"/>
+              </a:defRPr>
+            </a:lvl5pPr>
+            <a:lvl6pPr marL="2514600" indent="-228600" algn="l" defTabSz="914400" rtl="0" eaLnBrk="1" latinLnBrk="0" hangingPunct="1">
+              <a:lnSpc>
+                <a:spcPct val="90000"/>
+              </a:lnSpc>
+              <a:spcBef>
+                <a:spcPts val="500"/>
+              </a:spcBef>
+              <a:buFont typeface="Arial" panose="020B0604020202020204" pitchFamily="34" charset="0"/>
+              <a:buChar char="•"/>
+              <a:defRPr sz="1800" kern="1200">
+                <a:solidFill>
+                  <a:schemeClr val="tx1"/>
+                </a:solidFill>
+                <a:latin typeface="+mn-lt"/>
+                <a:ea typeface="+mn-ea"/>
+                <a:cs typeface="+mn-cs"/>
+              </a:defRPr>
+            </a:lvl6pPr>
+            <a:lvl7pPr marL="2971800" indent="-228600" algn="l" defTabSz="914400" rtl="0" eaLnBrk="1" latinLnBrk="0" hangingPunct="1">
+              <a:lnSpc>
+                <a:spcPct val="90000"/>
+              </a:lnSpc>
+              <a:spcBef>
+                <a:spcPts val="500"/>
+              </a:spcBef>
+              <a:buFont typeface="Arial" panose="020B0604020202020204" pitchFamily="34" charset="0"/>
+              <a:buChar char="•"/>
+              <a:defRPr sz="1800" kern="1200">
+                <a:solidFill>
+                  <a:schemeClr val="tx1"/>
+                </a:solidFill>
+                <a:latin typeface="+mn-lt"/>
+                <a:ea typeface="+mn-ea"/>
+                <a:cs typeface="+mn-cs"/>
+              </a:defRPr>
+            </a:lvl7pPr>
+            <a:lvl8pPr marL="3429000" indent="-228600" algn="l" defTabSz="914400" rtl="0" eaLnBrk="1" latinLnBrk="0" hangingPunct="1">
+              <a:lnSpc>
+                <a:spcPct val="90000"/>
+              </a:lnSpc>
+              <a:spcBef>
+                <a:spcPts val="500"/>
+              </a:spcBef>
+              <a:buFont typeface="Arial" panose="020B0604020202020204" pitchFamily="34" charset="0"/>
+              <a:buChar char="•"/>
+              <a:defRPr sz="1800" kern="1200">
+                <a:solidFill>
+                  <a:schemeClr val="tx1"/>
+                </a:solidFill>
+                <a:latin typeface="+mn-lt"/>
+                <a:ea typeface="+mn-ea"/>
+                <a:cs typeface="+mn-cs"/>
+              </a:defRPr>
+            </a:lvl8pPr>
+            <a:lvl9pPr marL="3886200" indent="-228600" algn="l" defTabSz="914400" rtl="0" eaLnBrk="1" latinLnBrk="0" hangingPunct="1">
+              <a:lnSpc>
+                <a:spcPct val="90000"/>
+              </a:lnSpc>
+              <a:spcBef>
+                <a:spcPts val="500"/>
+              </a:spcBef>
+              <a:buFont typeface="Arial" panose="020B0604020202020204" pitchFamily="34" charset="0"/>
+              <a:buChar char="•"/>
+              <a:defRPr sz="1800" kern="1200">
+                <a:solidFill>
+                  <a:schemeClr val="tx1"/>
+                </a:solidFill>
+                <a:latin typeface="+mn-lt"/>
+                <a:ea typeface="+mn-ea"/>
+                <a:cs typeface="+mn-cs"/>
+              </a:defRPr>
+            </a:lvl9pPr>
+          </a:lstStyle>
+          <a:p>
+            <a:r>
+              <a:rPr lang="en-US" dirty="0"/>
+              <a:t>20 clock counts</a:t>
+            </a:r>
+          </a:p>
+        </p:txBody>
+      </p:sp>
+    </p:spTree>
+    <p:extLst>
+      <p:ext uri="{BB962C8B-B14F-4D97-AF65-F5344CB8AC3E}">
+        <p14:creationId xmlns:p14="http://schemas.microsoft.com/office/powerpoint/2010/main" val="3981342987"/>
+      </p:ext>
+    </p:extLst>
+  </p:cSld>
+  <p:clrMapOvr>
+    <a:masterClrMapping/>
+  </p:clrMapOvr>
+</p:sld>
+</file>
+
+<file path=ppt/slides/slide12.xml><?xml version="1.0" encoding="utf-8"?>
+<p:sld xmlns:a="http://schemas.openxmlformats.org/drawingml/2006/main" xmlns:r="http://schemas.openxmlformats.org/officeDocument/2006/relationships" xmlns:p="http://schemas.openxmlformats.org/presentationml/2006/main">
+  <p:cSld>
+    <p:spTree>
+      <p:nvGrpSpPr>
+        <p:cNvPr id="1" name=""/>
+        <p:cNvGrpSpPr/>
+        <p:nvPr/>
+      </p:nvGrpSpPr>
+      <p:grpSpPr>
+        <a:xfrm>
+          <a:off x="0" y="0"/>
+          <a:ext cx="0" cy="0"/>
+          <a:chOff x="0" y="0"/>
+          <a:chExt cx="0" cy="0"/>
+        </a:xfrm>
+      </p:grpSpPr>
+      <p:sp>
+        <p:nvSpPr>
+          <p:cNvPr id="2" name="Title 1">
+            <a:extLst>
+              <a:ext uri="{FF2B5EF4-FFF2-40B4-BE49-F238E27FC236}">
+                <a16:creationId xmlns:a16="http://schemas.microsoft.com/office/drawing/2014/main" id="{E6E7246E-6DDB-2F98-52B0-04AB5D144996}"/>
+              </a:ext>
+            </a:extLst>
+          </p:cNvPr>
+          <p:cNvSpPr>
+            <a:spLocks noGrp="1"/>
+          </p:cNvSpPr>
+          <p:nvPr>
+            <p:ph type="title"/>
+          </p:nvPr>
+        </p:nvSpPr>
+        <p:spPr/>
+        <p:txBody>
+          <a:bodyPr/>
+          <a:lstStyle/>
+          <a:p>
+            <a:r>
+              <a:rPr lang="en-US" dirty="0"/>
+              <a:t>lab04</a:t>
+            </a:r>
+          </a:p>
+        </p:txBody>
+      </p:sp>
+      <p:sp>
+        <p:nvSpPr>
+          <p:cNvPr id="4" name="Slide Number Placeholder 3">
+            <a:extLst>
+              <a:ext uri="{FF2B5EF4-FFF2-40B4-BE49-F238E27FC236}">
+                <a16:creationId xmlns:a16="http://schemas.microsoft.com/office/drawing/2014/main" id="{A653B7C0-A01B-B019-AE82-6D2CF11E10FE}"/>
+              </a:ext>
+            </a:extLst>
+          </p:cNvPr>
+          <p:cNvSpPr>
+            <a:spLocks noGrp="1"/>
+          </p:cNvSpPr>
+          <p:nvPr>
+            <p:ph type="sldNum" sz="quarter" idx="12"/>
+          </p:nvPr>
+        </p:nvSpPr>
+        <p:spPr/>
+        <p:txBody>
+          <a:bodyPr/>
+          <a:lstStyle/>
+          <a:p>
+            <a:fld id="{8A2B06E4-34D2-4DD4-ABFF-9F74AC2B18B5}" type="slidenum">
+              <a:rPr lang="en-US" smtClean="0"/>
+              <a:t>12</a:t>
             </a:fld>
             <a:endParaRPr lang="en-US" dirty="0"/>
           </a:p>
@@ -3349,7 +5209,7 @@
 </p:sld>
 </file>
 
-<file path=ppt/slides/slide11.xml><?xml version="1.0" encoding="utf-8"?>
+<file path=ppt/slides/slide13.xml><?xml version="1.0" encoding="utf-8"?>
 <p:sld xmlns:a="http://schemas.openxmlformats.org/drawingml/2006/main" xmlns:r="http://schemas.openxmlformats.org/officeDocument/2006/relationships" xmlns:p="http://schemas.openxmlformats.org/presentationml/2006/main">
   <p:cSld>
     <p:spTree>
@@ -3461,7 +5321,7 @@
           <a:p>
             <a:fld id="{8A2B06E4-34D2-4DD4-ABFF-9F74AC2B18B5}" type="slidenum">
               <a:rPr lang="en-US" smtClean="0"/>
-              <a:t>11</a:t>
+              <a:t>13</a:t>
             </a:fld>
             <a:endParaRPr lang="en-US" dirty="0"/>
           </a:p>
@@ -3570,7 +5430,7 @@
 </p:sld>
 </file>
 
-<file path=ppt/slides/slide12.xml><?xml version="1.0" encoding="utf-8"?>
+<file path=ppt/slides/slide14.xml><?xml version="1.0" encoding="utf-8"?>
 <p:sld xmlns:a="http://schemas.openxmlformats.org/drawingml/2006/main" xmlns:r="http://schemas.openxmlformats.org/officeDocument/2006/relationships" xmlns:p="http://schemas.openxmlformats.org/presentationml/2006/main">
   <p:cSld>
     <p:spTree>
@@ -3610,7 +5470,7 @@
           <a:p>
             <a:fld id="{8A2B06E4-34D2-4DD4-ABFF-9F74AC2B18B5}" type="slidenum">
               <a:rPr lang="en-US" smtClean="0"/>
-              <a:t>12</a:t>
+              <a:t>14</a:t>
             </a:fld>
             <a:endParaRPr lang="en-US" dirty="0"/>
           </a:p>
@@ -3688,7 +5548,7 @@
 </p:sld>
 </file>
 
-<file path=ppt/slides/slide13.xml><?xml version="1.0" encoding="utf-8"?>
+<file path=ppt/slides/slide15.xml><?xml version="1.0" encoding="utf-8"?>
 <p:sld xmlns:a="http://schemas.openxmlformats.org/drawingml/2006/main" xmlns:r="http://schemas.openxmlformats.org/officeDocument/2006/relationships" xmlns:p="http://schemas.openxmlformats.org/presentationml/2006/main">
   <p:cSld>
     <p:spTree>
@@ -3786,7 +5646,7 @@
           <a:p>
             <a:fld id="{8A2B06E4-34D2-4DD4-ABFF-9F74AC2B18B5}" type="slidenum">
               <a:rPr lang="en-US" smtClean="0"/>
-              <a:t>13</a:t>
+              <a:t>15</a:t>
             </a:fld>
             <a:endParaRPr lang="en-US" dirty="0"/>
           </a:p>
@@ -4393,7 +6253,7 @@
 </p:sld>
 </file>
 
-<file path=ppt/slides/slide14.xml><?xml version="1.0" encoding="utf-8"?>
+<file path=ppt/slides/slide16.xml><?xml version="1.0" encoding="utf-8"?>
 <p:sld xmlns:a="http://schemas.openxmlformats.org/drawingml/2006/main" xmlns:r="http://schemas.openxmlformats.org/officeDocument/2006/relationships" xmlns:p="http://schemas.openxmlformats.org/presentationml/2006/main">
   <p:cSld>
     <p:spTree>
@@ -5920,7 +7780,7 @@
           <a:p>
             <a:fld id="{8A2B06E4-34D2-4DD4-ABFF-9F74AC2B18B5}" type="slidenum">
               <a:rPr lang="en-US" smtClean="0"/>
-              <a:t>14</a:t>
+              <a:t>16</a:t>
             </a:fld>
             <a:endParaRPr lang="en-US" dirty="0"/>
           </a:p>
@@ -7301,7 +9161,7 @@
           <p:cNvPr id="2" name="Title 1">
             <a:extLst>
               <a:ext uri="{FF2B5EF4-FFF2-40B4-BE49-F238E27FC236}">
-                <a16:creationId xmlns:a16="http://schemas.microsoft.com/office/drawing/2014/main" id="{E6E7246E-6DDB-2F98-52B0-04AB5D144996}"/>
+                <a16:creationId xmlns:a16="http://schemas.microsoft.com/office/drawing/2014/main" id="{61B9909D-D1E1-16A3-EC01-88545176C807}"/>
               </a:ext>
             </a:extLst>
           </p:cNvPr>
@@ -7318,9 +9178,10 @@
           <a:lstStyle/>
           <a:p>
             <a:r>
-              <a:rPr lang="en-US" dirty="0"/>
-              <a:t>lab07</a:t>
-            </a:r>
+              <a:rPr lang="en-US"/>
+              <a:t>lab??</a:t>
+            </a:r>
+            <a:endParaRPr lang="en-US" dirty="0"/>
           </a:p>
         </p:txBody>
       </p:sp>
@@ -7329,7 +9190,7 @@
           <p:cNvPr id="3" name="Content Placeholder 2">
             <a:extLst>
               <a:ext uri="{FF2B5EF4-FFF2-40B4-BE49-F238E27FC236}">
-                <a16:creationId xmlns:a16="http://schemas.microsoft.com/office/drawing/2014/main" id="{F0AB9DF1-764A-2056-5BC1-70D34F516704}"/>
+                <a16:creationId xmlns:a16="http://schemas.microsoft.com/office/drawing/2014/main" id="{D91B70C9-7DB3-E7D7-CDF8-61D7E6946E9A}"/>
               </a:ext>
             </a:extLst>
           </p:cNvPr>
@@ -7340,168 +9201,14 @@
             <p:ph idx="1"/>
           </p:nvPr>
         </p:nvSpPr>
-        <p:spPr>
-          <a:xfrm>
-            <a:off x="590204" y="1064029"/>
-            <a:ext cx="10763596" cy="5363403"/>
-          </a:xfrm>
-        </p:spPr>
+        <p:spPr/>
         <p:txBody>
-          <a:bodyPr>
-            <a:normAutofit/>
-          </a:bodyPr>
+          <a:bodyPr/>
           <a:lstStyle/>
           <a:p>
             <a:r>
-              <a:rPr lang="en-US" dirty="0"/>
-              <a:t>wire connection by “assign” in generate block </a:t>
-            </a:r>
-          </a:p>
-          <a:p>
-            <a:endParaRPr lang="en-US" dirty="0"/>
-          </a:p>
-          <a:p>
-            <a:r>
-              <a:rPr lang="en-US" dirty="0"/>
-              <a:t>module top;</a:t>
-            </a:r>
-          </a:p>
-          <a:p>
-            <a:pPr lvl="1"/>
-            <a:r>
-              <a:rPr lang="en-US" dirty="0"/>
-              <a:t>sub #(.sel(0)) inst1();</a:t>
-            </a:r>
-          </a:p>
-          <a:p>
-            <a:pPr lvl="1"/>
-            <a:r>
-              <a:rPr lang="en-US" dirty="0"/>
-              <a:t>sub #(.sel(1)) inst2();</a:t>
-            </a:r>
-          </a:p>
-          <a:p>
-            <a:r>
               <a:rPr lang="en-US" dirty="0" err="1"/>
-              <a:t>endmodule</a:t>
-            </a:r>
-            <a:endParaRPr lang="en-US" dirty="0"/>
-          </a:p>
-          <a:p>
-            <a:endParaRPr lang="en-US" dirty="0"/>
-          </a:p>
-          <a:p>
-            <a:r>
-              <a:rPr lang="en-US" dirty="0"/>
-              <a:t>module sub;</a:t>
-            </a:r>
-          </a:p>
-          <a:p>
-            <a:pPr lvl="1"/>
-            <a:r>
-              <a:rPr lang="en-US" dirty="0"/>
-              <a:t>parameter </a:t>
-            </a:r>
-            <a:r>
-              <a:rPr lang="en-US" dirty="0" err="1"/>
-              <a:t>sel</a:t>
-            </a:r>
-            <a:r>
-              <a:rPr lang="en-US" dirty="0"/>
-              <a:t> = 1;</a:t>
-            </a:r>
-          </a:p>
-          <a:p>
-            <a:endParaRPr lang="en-US" dirty="0"/>
-          </a:p>
-          <a:p>
-            <a:pPr lvl="1"/>
-            <a:r>
-              <a:rPr lang="en-US" dirty="0"/>
-              <a:t>logic sig1, sig2, sig3;</a:t>
-            </a:r>
-          </a:p>
-          <a:p>
-            <a:pPr lvl="1"/>
-            <a:r>
-              <a:rPr lang="en-US" b="1" dirty="0"/>
-              <a:t>generate  </a:t>
-            </a:r>
-            <a:r>
-              <a:rPr lang="en-US" b="1" dirty="0">
-                <a:sym typeface="Wingdings" panose="05000000000000000000" pitchFamily="2" charset="2"/>
-              </a:rPr>
-              <a:t>- this is optional</a:t>
-            </a:r>
-            <a:endParaRPr lang="en-US" b="1" dirty="0"/>
-          </a:p>
-          <a:p>
-            <a:pPr lvl="1"/>
-            <a:r>
-              <a:rPr lang="en-US" dirty="0"/>
-              <a:t>if (</a:t>
-            </a:r>
-            <a:r>
-              <a:rPr lang="en-US" dirty="0" err="1"/>
-              <a:t>sel</a:t>
-            </a:r>
-            <a:r>
-              <a:rPr lang="en-US" dirty="0"/>
-              <a:t>)</a:t>
-            </a:r>
-          </a:p>
-          <a:p>
-            <a:pPr lvl="2"/>
-            <a:r>
-              <a:rPr lang="en-US" dirty="0"/>
-              <a:t>assign sig3 = sig1;</a:t>
-            </a:r>
-          </a:p>
-          <a:p>
-            <a:pPr lvl="1"/>
-            <a:r>
-              <a:rPr lang="en-US" dirty="0"/>
-              <a:t>else</a:t>
-            </a:r>
-          </a:p>
-          <a:p>
-            <a:pPr lvl="2"/>
-            <a:r>
-              <a:rPr lang="en-US" dirty="0"/>
-              <a:t>assign sig3 = sig2;</a:t>
-            </a:r>
-          </a:p>
-          <a:p>
-            <a:pPr lvl="1"/>
-            <a:r>
-              <a:rPr lang="en-US" b="1" dirty="0" err="1"/>
-              <a:t>endgenerate</a:t>
-            </a:r>
-            <a:r>
-              <a:rPr lang="en-US" b="1" dirty="0"/>
-              <a:t> </a:t>
-            </a:r>
-            <a:r>
-              <a:rPr lang="en-US" b="1" dirty="0">
-                <a:sym typeface="Wingdings" panose="05000000000000000000" pitchFamily="2" charset="2"/>
-              </a:rPr>
-              <a:t>- this is optional</a:t>
-            </a:r>
-            <a:endParaRPr lang="en-US" b="1" dirty="0"/>
-          </a:p>
-          <a:p>
-            <a:pPr marL="914400" lvl="2" indent="0">
-              <a:buNone/>
-            </a:pPr>
-            <a:r>
-              <a:rPr lang="en-US" dirty="0"/>
-              <a:t>	</a:t>
-            </a:r>
-          </a:p>
-          <a:p>
-            <a:r>
-              <a:rPr lang="en-US" dirty="0" err="1"/>
-              <a:t>endmodule</a:t>
+              <a:t>iff</a:t>
             </a:r>
             <a:endParaRPr lang="en-US" dirty="0"/>
           </a:p>
@@ -7512,7 +9219,7 @@
           <p:cNvPr id="4" name="Slide Number Placeholder 3">
             <a:extLst>
               <a:ext uri="{FF2B5EF4-FFF2-40B4-BE49-F238E27FC236}">
-                <a16:creationId xmlns:a16="http://schemas.microsoft.com/office/drawing/2014/main" id="{A653B7C0-A01B-B019-AE82-6D2CF11E10FE}"/>
+                <a16:creationId xmlns:a16="http://schemas.microsoft.com/office/drawing/2014/main" id="{B605DEE3-0D96-14F7-3B26-04F80F0714C7}"/>
               </a:ext>
             </a:extLst>
           </p:cNvPr>
@@ -7536,10 +9243,493 @@
           </a:p>
         </p:txBody>
       </p:sp>
+      <p:sp>
+        <p:nvSpPr>
+          <p:cNvPr id="5" name="Content Placeholder 2">
+            <a:extLst>
+              <a:ext uri="{FF2B5EF4-FFF2-40B4-BE49-F238E27FC236}">
+                <a16:creationId xmlns:a16="http://schemas.microsoft.com/office/drawing/2014/main" id="{81B6832F-6536-BDE0-ED7A-2E9B86B0D995}"/>
+              </a:ext>
+            </a:extLst>
+          </p:cNvPr>
+          <p:cNvSpPr txBox="1">
+            <a:spLocks/>
+          </p:cNvSpPr>
+          <p:nvPr/>
+        </p:nvSpPr>
+        <p:spPr>
+          <a:xfrm>
+            <a:off x="4566740" y="1900752"/>
+            <a:ext cx="4568382" cy="1528248"/>
+          </a:xfrm>
+          <a:prstGeom prst="rect">
+            <a:avLst/>
+          </a:prstGeom>
+        </p:spPr>
+        <p:txBody>
+          <a:bodyPr vert="horz" lIns="91440" tIns="45720" rIns="91440" bIns="45720" rtlCol="0">
+            <a:normAutofit/>
+          </a:bodyPr>
+          <a:lstStyle>
+            <a:lvl1pPr marL="228600" indent="-228600" algn="l" defTabSz="914400" rtl="0" eaLnBrk="1" latinLnBrk="0" hangingPunct="1">
+              <a:lnSpc>
+                <a:spcPct val="90000"/>
+              </a:lnSpc>
+              <a:spcBef>
+                <a:spcPts val="1000"/>
+              </a:spcBef>
+              <a:buFont typeface="Arial" panose="020B0604020202020204" pitchFamily="34" charset="0"/>
+              <a:buChar char="•"/>
+              <a:defRPr sz="1400" kern="1200">
+                <a:solidFill>
+                  <a:schemeClr val="tx1"/>
+                </a:solidFill>
+                <a:latin typeface="+mn-lt"/>
+                <a:ea typeface="+mn-ea"/>
+                <a:cs typeface="+mn-cs"/>
+              </a:defRPr>
+            </a:lvl1pPr>
+            <a:lvl2pPr marL="685800" indent="-228600" algn="l" defTabSz="914400" rtl="0" eaLnBrk="1" latinLnBrk="0" hangingPunct="1">
+              <a:lnSpc>
+                <a:spcPct val="90000"/>
+              </a:lnSpc>
+              <a:spcBef>
+                <a:spcPts val="500"/>
+              </a:spcBef>
+              <a:buFont typeface="Arial" panose="020B0604020202020204" pitchFamily="34" charset="0"/>
+              <a:buChar char="•"/>
+              <a:defRPr sz="1200" kern="1200">
+                <a:solidFill>
+                  <a:schemeClr val="tx1"/>
+                </a:solidFill>
+                <a:latin typeface="+mn-lt"/>
+                <a:ea typeface="+mn-ea"/>
+                <a:cs typeface="+mn-cs"/>
+              </a:defRPr>
+            </a:lvl2pPr>
+            <a:lvl3pPr marL="1143000" indent="-228600" algn="l" defTabSz="914400" rtl="0" eaLnBrk="1" latinLnBrk="0" hangingPunct="1">
+              <a:lnSpc>
+                <a:spcPct val="90000"/>
+              </a:lnSpc>
+              <a:spcBef>
+                <a:spcPts val="500"/>
+              </a:spcBef>
+              <a:buFont typeface="Arial" panose="020B0604020202020204" pitchFamily="34" charset="0"/>
+              <a:buChar char="•"/>
+              <a:defRPr sz="1200" kern="1200">
+                <a:solidFill>
+                  <a:schemeClr val="tx1"/>
+                </a:solidFill>
+                <a:latin typeface="+mn-lt"/>
+                <a:ea typeface="+mn-ea"/>
+                <a:cs typeface="+mn-cs"/>
+              </a:defRPr>
+            </a:lvl3pPr>
+            <a:lvl4pPr marL="1600200" indent="-228600" algn="l" defTabSz="914400" rtl="0" eaLnBrk="1" latinLnBrk="0" hangingPunct="1">
+              <a:lnSpc>
+                <a:spcPct val="90000"/>
+              </a:lnSpc>
+              <a:spcBef>
+                <a:spcPts val="500"/>
+              </a:spcBef>
+              <a:buFont typeface="Arial" panose="020B0604020202020204" pitchFamily="34" charset="0"/>
+              <a:buChar char="•"/>
+              <a:defRPr sz="1200" kern="1200">
+                <a:solidFill>
+                  <a:schemeClr val="tx1"/>
+                </a:solidFill>
+                <a:latin typeface="+mn-lt"/>
+                <a:ea typeface="+mn-ea"/>
+                <a:cs typeface="+mn-cs"/>
+              </a:defRPr>
+            </a:lvl4pPr>
+            <a:lvl5pPr marL="2057400" indent="-228600" algn="l" defTabSz="914400" rtl="0" eaLnBrk="1" latinLnBrk="0" hangingPunct="1">
+              <a:lnSpc>
+                <a:spcPct val="90000"/>
+              </a:lnSpc>
+              <a:spcBef>
+                <a:spcPts val="500"/>
+              </a:spcBef>
+              <a:buFont typeface="Arial" panose="020B0604020202020204" pitchFamily="34" charset="0"/>
+              <a:buChar char="•"/>
+              <a:defRPr sz="1200" kern="1200">
+                <a:solidFill>
+                  <a:schemeClr val="tx1"/>
+                </a:solidFill>
+                <a:latin typeface="+mn-lt"/>
+                <a:ea typeface="+mn-ea"/>
+                <a:cs typeface="+mn-cs"/>
+              </a:defRPr>
+            </a:lvl5pPr>
+            <a:lvl6pPr marL="2514600" indent="-228600" algn="l" defTabSz="914400" rtl="0" eaLnBrk="1" latinLnBrk="0" hangingPunct="1">
+              <a:lnSpc>
+                <a:spcPct val="90000"/>
+              </a:lnSpc>
+              <a:spcBef>
+                <a:spcPts val="500"/>
+              </a:spcBef>
+              <a:buFont typeface="Arial" panose="020B0604020202020204" pitchFamily="34" charset="0"/>
+              <a:buChar char="•"/>
+              <a:defRPr sz="1800" kern="1200">
+                <a:solidFill>
+                  <a:schemeClr val="tx1"/>
+                </a:solidFill>
+                <a:latin typeface="+mn-lt"/>
+                <a:ea typeface="+mn-ea"/>
+                <a:cs typeface="+mn-cs"/>
+              </a:defRPr>
+            </a:lvl6pPr>
+            <a:lvl7pPr marL="2971800" indent="-228600" algn="l" defTabSz="914400" rtl="0" eaLnBrk="1" latinLnBrk="0" hangingPunct="1">
+              <a:lnSpc>
+                <a:spcPct val="90000"/>
+              </a:lnSpc>
+              <a:spcBef>
+                <a:spcPts val="500"/>
+              </a:spcBef>
+              <a:buFont typeface="Arial" panose="020B0604020202020204" pitchFamily="34" charset="0"/>
+              <a:buChar char="•"/>
+              <a:defRPr sz="1800" kern="1200">
+                <a:solidFill>
+                  <a:schemeClr val="tx1"/>
+                </a:solidFill>
+                <a:latin typeface="+mn-lt"/>
+                <a:ea typeface="+mn-ea"/>
+                <a:cs typeface="+mn-cs"/>
+              </a:defRPr>
+            </a:lvl7pPr>
+            <a:lvl8pPr marL="3429000" indent="-228600" algn="l" defTabSz="914400" rtl="0" eaLnBrk="1" latinLnBrk="0" hangingPunct="1">
+              <a:lnSpc>
+                <a:spcPct val="90000"/>
+              </a:lnSpc>
+              <a:spcBef>
+                <a:spcPts val="500"/>
+              </a:spcBef>
+              <a:buFont typeface="Arial" panose="020B0604020202020204" pitchFamily="34" charset="0"/>
+              <a:buChar char="•"/>
+              <a:defRPr sz="1800" kern="1200">
+                <a:solidFill>
+                  <a:schemeClr val="tx1"/>
+                </a:solidFill>
+                <a:latin typeface="+mn-lt"/>
+                <a:ea typeface="+mn-ea"/>
+                <a:cs typeface="+mn-cs"/>
+              </a:defRPr>
+            </a:lvl8pPr>
+            <a:lvl9pPr marL="3886200" indent="-228600" algn="l" defTabSz="914400" rtl="0" eaLnBrk="1" latinLnBrk="0" hangingPunct="1">
+              <a:lnSpc>
+                <a:spcPct val="90000"/>
+              </a:lnSpc>
+              <a:spcBef>
+                <a:spcPts val="500"/>
+              </a:spcBef>
+              <a:buFont typeface="Arial" panose="020B0604020202020204" pitchFamily="34" charset="0"/>
+              <a:buChar char="•"/>
+              <a:defRPr sz="1800" kern="1200">
+                <a:solidFill>
+                  <a:schemeClr val="tx1"/>
+                </a:solidFill>
+                <a:latin typeface="+mn-lt"/>
+                <a:ea typeface="+mn-ea"/>
+                <a:cs typeface="+mn-cs"/>
+              </a:defRPr>
+            </a:lvl9pPr>
+          </a:lstStyle>
+          <a:p>
+            <a:r>
+              <a:rPr lang="en-US" dirty="0" err="1"/>
+              <a:t>always_ff</a:t>
+            </a:r>
+            <a:r>
+              <a:rPr lang="en-US" dirty="0"/>
+              <a:t>@(</a:t>
+            </a:r>
+            <a:r>
+              <a:rPr lang="en-US" dirty="0">
+                <a:solidFill>
+                  <a:srgbClr val="FF0000"/>
+                </a:solidFill>
+              </a:rPr>
+              <a:t>posedge </a:t>
+            </a:r>
+            <a:r>
+              <a:rPr lang="en-US" dirty="0" err="1">
+                <a:solidFill>
+                  <a:srgbClr val="FF0000"/>
+                </a:solidFill>
+              </a:rPr>
+              <a:t>clk</a:t>
+            </a:r>
+            <a:r>
+              <a:rPr lang="en-US" dirty="0">
+                <a:solidFill>
+                  <a:srgbClr val="FF0000"/>
+                </a:solidFill>
+              </a:rPr>
+              <a:t> </a:t>
+            </a:r>
+            <a:r>
+              <a:rPr lang="en-US" dirty="0" err="1">
+                <a:solidFill>
+                  <a:srgbClr val="FF0000"/>
+                </a:solidFill>
+              </a:rPr>
+              <a:t>iff</a:t>
+            </a:r>
+            <a:r>
+              <a:rPr lang="en-US" dirty="0">
+                <a:solidFill>
+                  <a:srgbClr val="FF0000"/>
+                </a:solidFill>
+              </a:rPr>
+              <a:t> reset == 0  </a:t>
+            </a:r>
+            <a:r>
+              <a:rPr lang="en-US" dirty="0"/>
+              <a:t>or </a:t>
+            </a:r>
+            <a:r>
+              <a:rPr lang="en-US" dirty="0" err="1"/>
+              <a:t>negedge</a:t>
+            </a:r>
+            <a:r>
+              <a:rPr lang="en-US" dirty="0"/>
+              <a:t> reset)</a:t>
+            </a:r>
+          </a:p>
+        </p:txBody>
+      </p:sp>
+      <p:sp>
+        <p:nvSpPr>
+          <p:cNvPr id="6" name="Content Placeholder 2">
+            <a:extLst>
+              <a:ext uri="{FF2B5EF4-FFF2-40B4-BE49-F238E27FC236}">
+                <a16:creationId xmlns:a16="http://schemas.microsoft.com/office/drawing/2014/main" id="{78B64F60-1FA8-64B5-8375-D98B173F6210}"/>
+              </a:ext>
+            </a:extLst>
+          </p:cNvPr>
+          <p:cNvSpPr txBox="1">
+            <a:spLocks/>
+          </p:cNvSpPr>
+          <p:nvPr/>
+        </p:nvSpPr>
+        <p:spPr>
+          <a:xfrm>
+            <a:off x="4566740" y="2259986"/>
+            <a:ext cx="4568382" cy="856019"/>
+          </a:xfrm>
+          <a:prstGeom prst="rect">
+            <a:avLst/>
+          </a:prstGeom>
+        </p:spPr>
+        <p:txBody>
+          <a:bodyPr vert="horz" lIns="91440" tIns="45720" rIns="91440" bIns="45720" rtlCol="0">
+            <a:normAutofit/>
+          </a:bodyPr>
+          <a:lstStyle>
+            <a:lvl1pPr marL="228600" indent="-228600" algn="l" defTabSz="914400" rtl="0" eaLnBrk="1" latinLnBrk="0" hangingPunct="1">
+              <a:lnSpc>
+                <a:spcPct val="90000"/>
+              </a:lnSpc>
+              <a:spcBef>
+                <a:spcPts val="1000"/>
+              </a:spcBef>
+              <a:buFont typeface="Arial" panose="020B0604020202020204" pitchFamily="34" charset="0"/>
+              <a:buChar char="•"/>
+              <a:defRPr sz="1400" kern="1200">
+                <a:solidFill>
+                  <a:schemeClr val="tx1"/>
+                </a:solidFill>
+                <a:latin typeface="+mn-lt"/>
+                <a:ea typeface="+mn-ea"/>
+                <a:cs typeface="+mn-cs"/>
+              </a:defRPr>
+            </a:lvl1pPr>
+            <a:lvl2pPr marL="685800" indent="-228600" algn="l" defTabSz="914400" rtl="0" eaLnBrk="1" latinLnBrk="0" hangingPunct="1">
+              <a:lnSpc>
+                <a:spcPct val="90000"/>
+              </a:lnSpc>
+              <a:spcBef>
+                <a:spcPts val="500"/>
+              </a:spcBef>
+              <a:buFont typeface="Arial" panose="020B0604020202020204" pitchFamily="34" charset="0"/>
+              <a:buChar char="•"/>
+              <a:defRPr sz="1200" kern="1200">
+                <a:solidFill>
+                  <a:schemeClr val="tx1"/>
+                </a:solidFill>
+                <a:latin typeface="+mn-lt"/>
+                <a:ea typeface="+mn-ea"/>
+                <a:cs typeface="+mn-cs"/>
+              </a:defRPr>
+            </a:lvl2pPr>
+            <a:lvl3pPr marL="1143000" indent="-228600" algn="l" defTabSz="914400" rtl="0" eaLnBrk="1" latinLnBrk="0" hangingPunct="1">
+              <a:lnSpc>
+                <a:spcPct val="90000"/>
+              </a:lnSpc>
+              <a:spcBef>
+                <a:spcPts val="500"/>
+              </a:spcBef>
+              <a:buFont typeface="Arial" panose="020B0604020202020204" pitchFamily="34" charset="0"/>
+              <a:buChar char="•"/>
+              <a:defRPr sz="1200" kern="1200">
+                <a:solidFill>
+                  <a:schemeClr val="tx1"/>
+                </a:solidFill>
+                <a:latin typeface="+mn-lt"/>
+                <a:ea typeface="+mn-ea"/>
+                <a:cs typeface="+mn-cs"/>
+              </a:defRPr>
+            </a:lvl3pPr>
+            <a:lvl4pPr marL="1600200" indent="-228600" algn="l" defTabSz="914400" rtl="0" eaLnBrk="1" latinLnBrk="0" hangingPunct="1">
+              <a:lnSpc>
+                <a:spcPct val="90000"/>
+              </a:lnSpc>
+              <a:spcBef>
+                <a:spcPts val="500"/>
+              </a:spcBef>
+              <a:buFont typeface="Arial" panose="020B0604020202020204" pitchFamily="34" charset="0"/>
+              <a:buChar char="•"/>
+              <a:defRPr sz="1200" kern="1200">
+                <a:solidFill>
+                  <a:schemeClr val="tx1"/>
+                </a:solidFill>
+                <a:latin typeface="+mn-lt"/>
+                <a:ea typeface="+mn-ea"/>
+                <a:cs typeface="+mn-cs"/>
+              </a:defRPr>
+            </a:lvl4pPr>
+            <a:lvl5pPr marL="2057400" indent="-228600" algn="l" defTabSz="914400" rtl="0" eaLnBrk="1" latinLnBrk="0" hangingPunct="1">
+              <a:lnSpc>
+                <a:spcPct val="90000"/>
+              </a:lnSpc>
+              <a:spcBef>
+                <a:spcPts val="500"/>
+              </a:spcBef>
+              <a:buFont typeface="Arial" panose="020B0604020202020204" pitchFamily="34" charset="0"/>
+              <a:buChar char="•"/>
+              <a:defRPr sz="1200" kern="1200">
+                <a:solidFill>
+                  <a:schemeClr val="tx1"/>
+                </a:solidFill>
+                <a:latin typeface="+mn-lt"/>
+                <a:ea typeface="+mn-ea"/>
+                <a:cs typeface="+mn-cs"/>
+              </a:defRPr>
+            </a:lvl5pPr>
+            <a:lvl6pPr marL="2514600" indent="-228600" algn="l" defTabSz="914400" rtl="0" eaLnBrk="1" latinLnBrk="0" hangingPunct="1">
+              <a:lnSpc>
+                <a:spcPct val="90000"/>
+              </a:lnSpc>
+              <a:spcBef>
+                <a:spcPts val="500"/>
+              </a:spcBef>
+              <a:buFont typeface="Arial" panose="020B0604020202020204" pitchFamily="34" charset="0"/>
+              <a:buChar char="•"/>
+              <a:defRPr sz="1800" kern="1200">
+                <a:solidFill>
+                  <a:schemeClr val="tx1"/>
+                </a:solidFill>
+                <a:latin typeface="+mn-lt"/>
+                <a:ea typeface="+mn-ea"/>
+                <a:cs typeface="+mn-cs"/>
+              </a:defRPr>
+            </a:lvl6pPr>
+            <a:lvl7pPr marL="2971800" indent="-228600" algn="l" defTabSz="914400" rtl="0" eaLnBrk="1" latinLnBrk="0" hangingPunct="1">
+              <a:lnSpc>
+                <a:spcPct val="90000"/>
+              </a:lnSpc>
+              <a:spcBef>
+                <a:spcPts val="500"/>
+              </a:spcBef>
+              <a:buFont typeface="Arial" panose="020B0604020202020204" pitchFamily="34" charset="0"/>
+              <a:buChar char="•"/>
+              <a:defRPr sz="1800" kern="1200">
+                <a:solidFill>
+                  <a:schemeClr val="tx1"/>
+                </a:solidFill>
+                <a:latin typeface="+mn-lt"/>
+                <a:ea typeface="+mn-ea"/>
+                <a:cs typeface="+mn-cs"/>
+              </a:defRPr>
+            </a:lvl7pPr>
+            <a:lvl8pPr marL="3429000" indent="-228600" algn="l" defTabSz="914400" rtl="0" eaLnBrk="1" latinLnBrk="0" hangingPunct="1">
+              <a:lnSpc>
+                <a:spcPct val="90000"/>
+              </a:lnSpc>
+              <a:spcBef>
+                <a:spcPts val="500"/>
+              </a:spcBef>
+              <a:buFont typeface="Arial" panose="020B0604020202020204" pitchFamily="34" charset="0"/>
+              <a:buChar char="•"/>
+              <a:defRPr sz="1800" kern="1200">
+                <a:solidFill>
+                  <a:schemeClr val="tx1"/>
+                </a:solidFill>
+                <a:latin typeface="+mn-lt"/>
+                <a:ea typeface="+mn-ea"/>
+                <a:cs typeface="+mn-cs"/>
+              </a:defRPr>
+            </a:lvl8pPr>
+            <a:lvl9pPr marL="3886200" indent="-228600" algn="l" defTabSz="914400" rtl="0" eaLnBrk="1" latinLnBrk="0" hangingPunct="1">
+              <a:lnSpc>
+                <a:spcPct val="90000"/>
+              </a:lnSpc>
+              <a:spcBef>
+                <a:spcPts val="500"/>
+              </a:spcBef>
+              <a:buFont typeface="Arial" panose="020B0604020202020204" pitchFamily="34" charset="0"/>
+              <a:buChar char="•"/>
+              <a:defRPr sz="1800" kern="1200">
+                <a:solidFill>
+                  <a:schemeClr val="tx1"/>
+                </a:solidFill>
+                <a:latin typeface="+mn-lt"/>
+                <a:ea typeface="+mn-ea"/>
+                <a:cs typeface="+mn-cs"/>
+              </a:defRPr>
+            </a:lvl9pPr>
+          </a:lstStyle>
+          <a:p>
+            <a:r>
+              <a:rPr lang="en-US" dirty="0"/>
+              <a:t>@(</a:t>
+            </a:r>
+            <a:r>
+              <a:rPr lang="en-US" dirty="0">
+                <a:solidFill>
+                  <a:srgbClr val="FF0000"/>
+                </a:solidFill>
+              </a:rPr>
+              <a:t>A</a:t>
+            </a:r>
+            <a:r>
+              <a:rPr lang="en-US" dirty="0"/>
+              <a:t> or B)</a:t>
+            </a:r>
+          </a:p>
+          <a:p>
+            <a:r>
+              <a:rPr lang="en-US" dirty="0"/>
+              <a:t>if reset == 1</a:t>
+            </a:r>
+          </a:p>
+          <a:p>
+            <a:pPr lvl="1"/>
+            <a:r>
+              <a:rPr lang="en-US" dirty="0"/>
+              <a:t>@(negedge reset)</a:t>
+            </a:r>
+          </a:p>
+          <a:p>
+            <a:pPr lvl="1"/>
+            <a:endParaRPr lang="en-US" dirty="0"/>
+          </a:p>
+        </p:txBody>
+      </p:sp>
     </p:spTree>
     <p:extLst>
       <p:ext uri="{BB962C8B-B14F-4D97-AF65-F5344CB8AC3E}">
-        <p14:creationId xmlns:p14="http://schemas.microsoft.com/office/powerpoint/2010/main" val="2190162818"/>
+        <p14:creationId xmlns:p14="http://schemas.microsoft.com/office/powerpoint/2010/main" val="3919686139"/>
       </p:ext>
     </p:extLst>
   </p:cSld>
@@ -7571,7 +9761,7 @@
           <p:cNvPr id="2" name="Title 1">
             <a:extLst>
               <a:ext uri="{FF2B5EF4-FFF2-40B4-BE49-F238E27FC236}">
-                <a16:creationId xmlns:a16="http://schemas.microsoft.com/office/drawing/2014/main" id="{0D90D065-03EF-C333-329D-B6A904037AA4}"/>
+                <a16:creationId xmlns:a16="http://schemas.microsoft.com/office/drawing/2014/main" id="{5F881FD3-5F13-3C2B-4417-420DB3202461}"/>
               </a:ext>
             </a:extLst>
           </p:cNvPr>
@@ -7589,7 +9779,7 @@
           <a:p>
             <a:r>
               <a:rPr lang="en-US" dirty="0"/>
-              <a:t>lab07</a:t>
+              <a:t>lab09</a:t>
             </a:r>
           </a:p>
         </p:txBody>
@@ -7599,7 +9789,7 @@
           <p:cNvPr id="3" name="Content Placeholder 2">
             <a:extLst>
               <a:ext uri="{FF2B5EF4-FFF2-40B4-BE49-F238E27FC236}">
-                <a16:creationId xmlns:a16="http://schemas.microsoft.com/office/drawing/2014/main" id="{6BFC4363-D16A-9B9C-C912-00320CAA407C}"/>
+                <a16:creationId xmlns:a16="http://schemas.microsoft.com/office/drawing/2014/main" id="{C9E3DA7D-CF3B-971E-F419-BEDAC7C6869A}"/>
               </a:ext>
             </a:extLst>
           </p:cNvPr>
@@ -7612,127 +9802,17 @@
         </p:nvSpPr>
         <p:spPr>
           <a:xfrm>
-            <a:off x="590204" y="1064029"/>
-            <a:ext cx="3369237" cy="4662068"/>
+            <a:off x="590204" y="1064030"/>
+            <a:ext cx="3058518" cy="2601884"/>
           </a:xfrm>
         </p:spPr>
         <p:txBody>
-          <a:bodyPr>
-            <a:normAutofit/>
-          </a:bodyPr>
+          <a:bodyPr/>
           <a:lstStyle/>
           <a:p>
             <a:r>
-              <a:rPr lang="en-US" dirty="0"/>
-              <a:t>scope</a:t>
-            </a:r>
-          </a:p>
-          <a:p>
-            <a:pPr lvl="1"/>
-            <a:r>
-              <a:rPr lang="en-US" b="1" dirty="0"/>
-              <a:t>module</a:t>
-            </a:r>
-          </a:p>
-          <a:p>
-            <a:pPr lvl="1"/>
-            <a:r>
-              <a:rPr lang="en-US" b="1" dirty="0" err="1"/>
-              <a:t>endmodule</a:t>
-            </a:r>
-            <a:endParaRPr lang="en-US" b="1" dirty="0"/>
-          </a:p>
-          <a:p>
-            <a:pPr lvl="1"/>
-            <a:endParaRPr lang="en-US" dirty="0"/>
-          </a:p>
-          <a:p>
-            <a:pPr lvl="1"/>
-            <a:r>
-              <a:rPr lang="en-US" dirty="0"/>
-              <a:t>class</a:t>
-            </a:r>
-          </a:p>
-          <a:p>
-            <a:pPr lvl="1"/>
-            <a:r>
               <a:rPr lang="en-US" dirty="0" err="1"/>
-              <a:t>endclass</a:t>
-            </a:r>
-            <a:endParaRPr lang="en-US" dirty="0"/>
-          </a:p>
-          <a:p>
-            <a:endParaRPr lang="en-US" dirty="0"/>
-          </a:p>
-          <a:p>
-            <a:pPr lvl="1"/>
-            <a:r>
-              <a:rPr lang="en-US" dirty="0"/>
-              <a:t>interface </a:t>
-            </a:r>
-          </a:p>
-          <a:p>
-            <a:pPr lvl="1"/>
-            <a:r>
-              <a:rPr lang="en-US" dirty="0" err="1"/>
-              <a:t>endinterface</a:t>
-            </a:r>
-            <a:endParaRPr lang="en-US" dirty="0"/>
-          </a:p>
-          <a:p>
-            <a:pPr lvl="1"/>
-            <a:endParaRPr lang="en-US" dirty="0"/>
-          </a:p>
-          <a:p>
-            <a:pPr lvl="1"/>
-            <a:r>
-              <a:rPr lang="en-US" dirty="0"/>
-              <a:t>checker</a:t>
-            </a:r>
-          </a:p>
-          <a:p>
-            <a:pPr lvl="1"/>
-            <a:r>
-              <a:rPr lang="en-US" dirty="0" err="1"/>
-              <a:t>endchecker</a:t>
-            </a:r>
-            <a:endParaRPr lang="en-US" dirty="0"/>
-          </a:p>
-          <a:p>
-            <a:pPr lvl="1"/>
-            <a:endParaRPr lang="en-US" dirty="0"/>
-          </a:p>
-          <a:p>
-            <a:pPr lvl="1"/>
-            <a:r>
-              <a:rPr lang="en-US" dirty="0"/>
-              <a:t>program</a:t>
-            </a:r>
-          </a:p>
-          <a:p>
-            <a:pPr lvl="1"/>
-            <a:r>
-              <a:rPr lang="en-US" dirty="0" err="1"/>
-              <a:t>endprogram</a:t>
-            </a:r>
-            <a:endParaRPr lang="en-US" dirty="0"/>
-          </a:p>
-          <a:p>
-            <a:pPr lvl="1"/>
-            <a:endParaRPr lang="en-US" dirty="0"/>
-          </a:p>
-          <a:p>
-            <a:pPr lvl="1"/>
-            <a:r>
-              <a:rPr lang="en-US" dirty="0"/>
-              <a:t>generate</a:t>
-            </a:r>
-          </a:p>
-          <a:p>
-            <a:pPr lvl="1"/>
-            <a:r>
-              <a:rPr lang="en-US" dirty="0" err="1"/>
-              <a:t>endgenerate</a:t>
+              <a:t>verilog</a:t>
             </a:r>
             <a:endParaRPr lang="en-US" dirty="0"/>
           </a:p>
@@ -7743,7 +9823,7 @@
           <p:cNvPr id="4" name="Slide Number Placeholder 3">
             <a:extLst>
               <a:ext uri="{FF2B5EF4-FFF2-40B4-BE49-F238E27FC236}">
-                <a16:creationId xmlns:a16="http://schemas.microsoft.com/office/drawing/2014/main" id="{AC7F354A-7DB9-26FB-09B1-62B5D79E1C4A}"/>
+                <a16:creationId xmlns:a16="http://schemas.microsoft.com/office/drawing/2014/main" id="{323CBED7-26D9-2476-833B-76E80BDCCDF2}"/>
               </a:ext>
             </a:extLst>
           </p:cNvPr>
@@ -7767,12 +9847,42 @@
           </a:p>
         </p:txBody>
       </p:sp>
+      <p:pic>
+        <p:nvPicPr>
+          <p:cNvPr id="6" name="Picture 5">
+            <a:extLst>
+              <a:ext uri="{FF2B5EF4-FFF2-40B4-BE49-F238E27FC236}">
+                <a16:creationId xmlns:a16="http://schemas.microsoft.com/office/drawing/2014/main" id="{B33452A6-CA57-6AE9-AB6E-8A8377687AE2}"/>
+              </a:ext>
+            </a:extLst>
+          </p:cNvPr>
+          <p:cNvPicPr>
+            <a:picLocks noChangeAspect="1"/>
+          </p:cNvPicPr>
+          <p:nvPr/>
+        </p:nvPicPr>
+        <p:blipFill>
+          <a:blip r:embed="rId2"/>
+          <a:stretch>
+            <a:fillRect/>
+          </a:stretch>
+        </p:blipFill>
+        <p:spPr>
+          <a:xfrm>
+            <a:off x="660919" y="1760924"/>
+            <a:ext cx="2644192" cy="4418144"/>
+          </a:xfrm>
+          <a:prstGeom prst="rect">
+            <a:avLst/>
+          </a:prstGeom>
+        </p:spPr>
+      </p:pic>
       <p:sp>
         <p:nvSpPr>
-          <p:cNvPr id="5" name="Content Placeholder 2">
-            <a:extLst>
-              <a:ext uri="{FF2B5EF4-FFF2-40B4-BE49-F238E27FC236}">
-                <a16:creationId xmlns:a16="http://schemas.microsoft.com/office/drawing/2014/main" id="{C56A286A-DF8E-552E-E1AA-8A6159B25E16}"/>
+          <p:cNvPr id="7" name="Content Placeholder 2">
+            <a:extLst>
+              <a:ext uri="{FF2B5EF4-FFF2-40B4-BE49-F238E27FC236}">
+                <a16:creationId xmlns:a16="http://schemas.microsoft.com/office/drawing/2014/main" id="{17D17AFA-9427-1D90-8EDD-A53998DD4F9E}"/>
               </a:ext>
             </a:extLst>
           </p:cNvPr>
@@ -7783,8 +9893,8 @@
         </p:nvSpPr>
         <p:spPr>
           <a:xfrm>
-            <a:off x="3679633" y="1064029"/>
-            <a:ext cx="3804243" cy="4662068"/>
+            <a:off x="4566741" y="1064030"/>
+            <a:ext cx="3058518" cy="480685"/>
           </a:xfrm>
           <a:prstGeom prst="rect">
             <a:avLst/>
@@ -7960,130 +10070,19 @@
           </a:lstStyle>
           <a:p>
             <a:r>
-              <a:rPr lang="en-US" dirty="0"/>
-              <a:t>example</a:t>
-            </a:r>
-          </a:p>
-          <a:p>
-            <a:pPr lvl="1"/>
-            <a:r>
-              <a:rPr lang="en-US" b="1" dirty="0"/>
-              <a:t>module</a:t>
-            </a:r>
-            <a:r>
-              <a:rPr lang="en-US" dirty="0"/>
-              <a:t> top</a:t>
-            </a:r>
-          </a:p>
-          <a:p>
-            <a:pPr lvl="2"/>
-            <a:r>
-              <a:rPr lang="en-US" dirty="0"/>
-              <a:t>c1 inst_c1();</a:t>
-            </a:r>
-          </a:p>
-          <a:p>
-            <a:pPr lvl="2"/>
-            <a:r>
-              <a:rPr lang="en-US" dirty="0"/>
-              <a:t>i1 inst_i1;</a:t>
-            </a:r>
-          </a:p>
-          <a:p>
-            <a:pPr lvl="1"/>
-            <a:r>
               <a:rPr lang="en-US" dirty="0" err="1"/>
-              <a:t>endmodule</a:t>
-            </a:r>
-            <a:endParaRPr lang="en-US" dirty="0"/>
-          </a:p>
-          <a:p>
-            <a:pPr lvl="1"/>
-            <a:endParaRPr lang="en-US" dirty="0"/>
-          </a:p>
-          <a:p>
-            <a:pPr lvl="1"/>
-            <a:r>
-              <a:rPr lang="en-US" b="1" dirty="0"/>
-              <a:t>class</a:t>
-            </a:r>
-            <a:r>
-              <a:rPr lang="en-US" dirty="0"/>
-              <a:t> c1</a:t>
-            </a:r>
-          </a:p>
-          <a:p>
-            <a:pPr lvl="1"/>
-            <a:r>
-              <a:rPr lang="en-US" dirty="0" err="1"/>
-              <a:t>endclass</a:t>
-            </a:r>
-            <a:endParaRPr lang="en-US" dirty="0"/>
-          </a:p>
-          <a:p>
-            <a:pPr lvl="1"/>
-            <a:endParaRPr lang="en-US" dirty="0"/>
-          </a:p>
-          <a:p>
-            <a:pPr lvl="1"/>
-            <a:r>
-              <a:rPr lang="en-US" b="1" dirty="0"/>
-              <a:t>interface</a:t>
-            </a:r>
-            <a:r>
-              <a:rPr lang="en-US" dirty="0"/>
-              <a:t> i1</a:t>
-            </a:r>
-          </a:p>
-          <a:p>
-            <a:pPr lvl="1"/>
-            <a:r>
-              <a:rPr lang="en-US" dirty="0" err="1"/>
-              <a:t>endinterface</a:t>
-            </a:r>
-            <a:r>
-              <a:rPr lang="en-US" dirty="0"/>
-              <a:t> </a:t>
-            </a:r>
-          </a:p>
-          <a:p>
-            <a:pPr lvl="1"/>
-            <a:endParaRPr lang="en-US" dirty="0"/>
-          </a:p>
-          <a:p>
-            <a:pPr lvl="1"/>
-            <a:r>
-              <a:rPr lang="en-US" b="1" dirty="0"/>
-              <a:t>interface</a:t>
-            </a:r>
-            <a:r>
-              <a:rPr lang="en-US" dirty="0"/>
-              <a:t> i2</a:t>
-            </a:r>
-          </a:p>
-          <a:p>
-            <a:pPr lvl="1"/>
-            <a:r>
-              <a:rPr lang="en-US" dirty="0" err="1"/>
-              <a:t>endinterface</a:t>
-            </a:r>
-            <a:r>
-              <a:rPr lang="en-US" dirty="0"/>
-              <a:t> </a:t>
-            </a:r>
-          </a:p>
-          <a:p>
-            <a:pPr lvl="1"/>
+              <a:t>systemverilog</a:t>
+            </a:r>
             <a:endParaRPr lang="en-US" dirty="0"/>
           </a:p>
         </p:txBody>
       </p:sp>
       <p:sp>
         <p:nvSpPr>
-          <p:cNvPr id="6" name="Content Placeholder 2">
-            <a:extLst>
-              <a:ext uri="{FF2B5EF4-FFF2-40B4-BE49-F238E27FC236}">
-                <a16:creationId xmlns:a16="http://schemas.microsoft.com/office/drawing/2014/main" id="{B18A52DC-F630-E380-D59D-78A3CE65BFB3}"/>
+          <p:cNvPr id="8" name="Content Placeholder 2">
+            <a:extLst>
+              <a:ext uri="{FF2B5EF4-FFF2-40B4-BE49-F238E27FC236}">
+                <a16:creationId xmlns:a16="http://schemas.microsoft.com/office/drawing/2014/main" id="{F4833448-CAB3-1E6D-A1FF-6E20D892A1E9}"/>
               </a:ext>
             </a:extLst>
           </p:cNvPr>
@@ -8094,8 +10093,8 @@
         </p:nvSpPr>
         <p:spPr>
           <a:xfrm>
-            <a:off x="6627019" y="1064029"/>
-            <a:ext cx="3804243" cy="4662068"/>
+            <a:off x="4566741" y="3524437"/>
+            <a:ext cx="3058518" cy="2601884"/>
           </a:xfrm>
           <a:prstGeom prst="rect">
             <a:avLst/>
@@ -8271,169 +10270,322 @@
           </a:lstStyle>
           <a:p>
             <a:r>
+              <a:rPr lang="en-US" dirty="0" err="1"/>
+              <a:t>always_</a:t>
+            </a:r>
+            <a:r>
+              <a:rPr lang="en-US" b="1" dirty="0" err="1"/>
+              <a:t>ff</a:t>
+            </a:r>
+            <a:r>
               <a:rPr lang="en-US" dirty="0"/>
-              <a:t>example2</a:t>
+              <a:t>@(posedge </a:t>
+            </a:r>
+            <a:r>
+              <a:rPr lang="en-US" dirty="0" err="1"/>
+              <a:t>clk</a:t>
+            </a:r>
+            <a:r>
+              <a:rPr lang="en-US" dirty="0"/>
+              <a:t>) begin</a:t>
             </a:r>
           </a:p>
           <a:p>
             <a:pPr lvl="1"/>
             <a:r>
+              <a:rPr lang="en-US" dirty="0"/>
+              <a:t>…</a:t>
+            </a:r>
+          </a:p>
+          <a:p>
+            <a:r>
+              <a:rPr lang="en-US" dirty="0"/>
+              <a:t>end</a:t>
+            </a:r>
+          </a:p>
+          <a:p>
+            <a:endParaRPr lang="en-US" dirty="0"/>
+          </a:p>
+          <a:p>
+            <a:endParaRPr lang="en-US" dirty="0"/>
+          </a:p>
+          <a:p>
+            <a:r>
+              <a:rPr lang="en-US" dirty="0" err="1"/>
+              <a:t>always_</a:t>
+            </a:r>
+            <a:r>
+              <a:rPr lang="en-US" b="1" dirty="0" err="1"/>
+              <a:t>comb</a:t>
+            </a:r>
+            <a:r>
+              <a:rPr lang="en-US" dirty="0"/>
+              <a:t>@(a or b or c) begin</a:t>
+            </a:r>
+          </a:p>
+          <a:p>
+            <a:pPr lvl="1"/>
+            <a:r>
+              <a:rPr lang="en-US" dirty="0"/>
+              <a:t>out1 = a &amp; b &amp; c;</a:t>
+            </a:r>
+          </a:p>
+          <a:p>
+            <a:r>
+              <a:rPr lang="en-US" dirty="0"/>
+              <a:t>end</a:t>
+            </a:r>
+          </a:p>
+          <a:p>
+            <a:endParaRPr lang="en-US" dirty="0"/>
+          </a:p>
+        </p:txBody>
+      </p:sp>
+      <p:sp>
+        <p:nvSpPr>
+          <p:cNvPr id="9" name="Content Placeholder 2">
+            <a:extLst>
+              <a:ext uri="{FF2B5EF4-FFF2-40B4-BE49-F238E27FC236}">
+                <a16:creationId xmlns:a16="http://schemas.microsoft.com/office/drawing/2014/main" id="{2BC83A63-7D87-AD28-FD57-0BB3859E289E}"/>
+              </a:ext>
+            </a:extLst>
+          </p:cNvPr>
+          <p:cNvSpPr txBox="1">
+            <a:spLocks/>
+          </p:cNvSpPr>
+          <p:nvPr/>
+        </p:nvSpPr>
+        <p:spPr>
+          <a:xfrm>
+            <a:off x="8295282" y="3524437"/>
+            <a:ext cx="3058518" cy="2601884"/>
+          </a:xfrm>
+          <a:prstGeom prst="rect">
+            <a:avLst/>
+          </a:prstGeom>
+        </p:spPr>
+        <p:txBody>
+          <a:bodyPr vert="horz" lIns="91440" tIns="45720" rIns="91440" bIns="45720" rtlCol="0">
+            <a:normAutofit/>
+          </a:bodyPr>
+          <a:lstStyle>
+            <a:lvl1pPr marL="228600" indent="-228600" algn="l" defTabSz="914400" rtl="0" eaLnBrk="1" latinLnBrk="0" hangingPunct="1">
+              <a:lnSpc>
+                <a:spcPct val="90000"/>
+              </a:lnSpc>
+              <a:spcBef>
+                <a:spcPts val="1000"/>
+              </a:spcBef>
+              <a:buFont typeface="Arial" panose="020B0604020202020204" pitchFamily="34" charset="0"/>
+              <a:buChar char="•"/>
+              <a:defRPr sz="1400" kern="1200">
+                <a:solidFill>
+                  <a:schemeClr val="tx1"/>
+                </a:solidFill>
+                <a:latin typeface="+mn-lt"/>
+                <a:ea typeface="+mn-ea"/>
+                <a:cs typeface="+mn-cs"/>
+              </a:defRPr>
+            </a:lvl1pPr>
+            <a:lvl2pPr marL="685800" indent="-228600" algn="l" defTabSz="914400" rtl="0" eaLnBrk="1" latinLnBrk="0" hangingPunct="1">
+              <a:lnSpc>
+                <a:spcPct val="90000"/>
+              </a:lnSpc>
+              <a:spcBef>
+                <a:spcPts val="500"/>
+              </a:spcBef>
+              <a:buFont typeface="Arial" panose="020B0604020202020204" pitchFamily="34" charset="0"/>
+              <a:buChar char="•"/>
+              <a:defRPr sz="1200" kern="1200">
+                <a:solidFill>
+                  <a:schemeClr val="tx1"/>
+                </a:solidFill>
+                <a:latin typeface="+mn-lt"/>
+                <a:ea typeface="+mn-ea"/>
+                <a:cs typeface="+mn-cs"/>
+              </a:defRPr>
+            </a:lvl2pPr>
+            <a:lvl3pPr marL="1143000" indent="-228600" algn="l" defTabSz="914400" rtl="0" eaLnBrk="1" latinLnBrk="0" hangingPunct="1">
+              <a:lnSpc>
+                <a:spcPct val="90000"/>
+              </a:lnSpc>
+              <a:spcBef>
+                <a:spcPts val="500"/>
+              </a:spcBef>
+              <a:buFont typeface="Arial" panose="020B0604020202020204" pitchFamily="34" charset="0"/>
+              <a:buChar char="•"/>
+              <a:defRPr sz="1200" kern="1200">
+                <a:solidFill>
+                  <a:schemeClr val="tx1"/>
+                </a:solidFill>
+                <a:latin typeface="+mn-lt"/>
+                <a:ea typeface="+mn-ea"/>
+                <a:cs typeface="+mn-cs"/>
+              </a:defRPr>
+            </a:lvl3pPr>
+            <a:lvl4pPr marL="1600200" indent="-228600" algn="l" defTabSz="914400" rtl="0" eaLnBrk="1" latinLnBrk="0" hangingPunct="1">
+              <a:lnSpc>
+                <a:spcPct val="90000"/>
+              </a:lnSpc>
+              <a:spcBef>
+                <a:spcPts val="500"/>
+              </a:spcBef>
+              <a:buFont typeface="Arial" panose="020B0604020202020204" pitchFamily="34" charset="0"/>
+              <a:buChar char="•"/>
+              <a:defRPr sz="1200" kern="1200">
+                <a:solidFill>
+                  <a:schemeClr val="tx1"/>
+                </a:solidFill>
+                <a:latin typeface="+mn-lt"/>
+                <a:ea typeface="+mn-ea"/>
+                <a:cs typeface="+mn-cs"/>
+              </a:defRPr>
+            </a:lvl4pPr>
+            <a:lvl5pPr marL="2057400" indent="-228600" algn="l" defTabSz="914400" rtl="0" eaLnBrk="1" latinLnBrk="0" hangingPunct="1">
+              <a:lnSpc>
+                <a:spcPct val="90000"/>
+              </a:lnSpc>
+              <a:spcBef>
+                <a:spcPts val="500"/>
+              </a:spcBef>
+              <a:buFont typeface="Arial" panose="020B0604020202020204" pitchFamily="34" charset="0"/>
+              <a:buChar char="•"/>
+              <a:defRPr sz="1200" kern="1200">
+                <a:solidFill>
+                  <a:schemeClr val="tx1"/>
+                </a:solidFill>
+                <a:latin typeface="+mn-lt"/>
+                <a:ea typeface="+mn-ea"/>
+                <a:cs typeface="+mn-cs"/>
+              </a:defRPr>
+            </a:lvl5pPr>
+            <a:lvl6pPr marL="2514600" indent="-228600" algn="l" defTabSz="914400" rtl="0" eaLnBrk="1" latinLnBrk="0" hangingPunct="1">
+              <a:lnSpc>
+                <a:spcPct val="90000"/>
+              </a:lnSpc>
+              <a:spcBef>
+                <a:spcPts val="500"/>
+              </a:spcBef>
+              <a:buFont typeface="Arial" panose="020B0604020202020204" pitchFamily="34" charset="0"/>
+              <a:buChar char="•"/>
+              <a:defRPr sz="1800" kern="1200">
+                <a:solidFill>
+                  <a:schemeClr val="tx1"/>
+                </a:solidFill>
+                <a:latin typeface="+mn-lt"/>
+                <a:ea typeface="+mn-ea"/>
+                <a:cs typeface="+mn-cs"/>
+              </a:defRPr>
+            </a:lvl6pPr>
+            <a:lvl7pPr marL="2971800" indent="-228600" algn="l" defTabSz="914400" rtl="0" eaLnBrk="1" latinLnBrk="0" hangingPunct="1">
+              <a:lnSpc>
+                <a:spcPct val="90000"/>
+              </a:lnSpc>
+              <a:spcBef>
+                <a:spcPts val="500"/>
+              </a:spcBef>
+              <a:buFont typeface="Arial" panose="020B0604020202020204" pitchFamily="34" charset="0"/>
+              <a:buChar char="•"/>
+              <a:defRPr sz="1800" kern="1200">
+                <a:solidFill>
+                  <a:schemeClr val="tx1"/>
+                </a:solidFill>
+                <a:latin typeface="+mn-lt"/>
+                <a:ea typeface="+mn-ea"/>
+                <a:cs typeface="+mn-cs"/>
+              </a:defRPr>
+            </a:lvl7pPr>
+            <a:lvl8pPr marL="3429000" indent="-228600" algn="l" defTabSz="914400" rtl="0" eaLnBrk="1" latinLnBrk="0" hangingPunct="1">
+              <a:lnSpc>
+                <a:spcPct val="90000"/>
+              </a:lnSpc>
+              <a:spcBef>
+                <a:spcPts val="500"/>
+              </a:spcBef>
+              <a:buFont typeface="Arial" panose="020B0604020202020204" pitchFamily="34" charset="0"/>
+              <a:buChar char="•"/>
+              <a:defRPr sz="1800" kern="1200">
+                <a:solidFill>
+                  <a:schemeClr val="tx1"/>
+                </a:solidFill>
+                <a:latin typeface="+mn-lt"/>
+                <a:ea typeface="+mn-ea"/>
+                <a:cs typeface="+mn-cs"/>
+              </a:defRPr>
+            </a:lvl8pPr>
+            <a:lvl9pPr marL="3886200" indent="-228600" algn="l" defTabSz="914400" rtl="0" eaLnBrk="1" latinLnBrk="0" hangingPunct="1">
+              <a:lnSpc>
+                <a:spcPct val="90000"/>
+              </a:lnSpc>
+              <a:spcBef>
+                <a:spcPts val="500"/>
+              </a:spcBef>
+              <a:buFont typeface="Arial" panose="020B0604020202020204" pitchFamily="34" charset="0"/>
+              <a:buChar char="•"/>
+              <a:defRPr sz="1800" kern="1200">
+                <a:solidFill>
+                  <a:schemeClr val="tx1"/>
+                </a:solidFill>
+                <a:latin typeface="+mn-lt"/>
+                <a:ea typeface="+mn-ea"/>
+                <a:cs typeface="+mn-cs"/>
+              </a:defRPr>
+            </a:lvl9pPr>
+          </a:lstStyle>
+          <a:p>
+            <a:r>
+              <a:rPr lang="en-US" dirty="0" err="1"/>
+              <a:t>always_comb</a:t>
+            </a:r>
+            <a:r>
+              <a:rPr lang="en-US" dirty="0"/>
+              <a:t>@(</a:t>
+            </a:r>
+            <a:r>
               <a:rPr lang="en-US" b="1" dirty="0"/>
-              <a:t>module</a:t>
-            </a:r>
-            <a:r>
-              <a:rPr lang="en-US" dirty="0"/>
-              <a:t> top</a:t>
-            </a:r>
-          </a:p>
-          <a:p>
-            <a:pPr lvl="2"/>
-            <a:r>
-              <a:rPr lang="en-US" dirty="0"/>
-              <a:t>c1 inst_c1();</a:t>
-            </a:r>
-          </a:p>
-          <a:p>
-            <a:pPr lvl="2"/>
-            <a:r>
-              <a:rPr lang="en-US" dirty="0"/>
-              <a:t>i1 inst_i1;</a:t>
-            </a:r>
-          </a:p>
-          <a:p>
-            <a:pPr lvl="1"/>
-            <a:r>
-              <a:rPr lang="en-US" dirty="0" err="1"/>
-              <a:t>endmodule</a:t>
-            </a:r>
-            <a:endParaRPr lang="en-US" dirty="0"/>
-          </a:p>
-          <a:p>
-            <a:pPr lvl="1"/>
-            <a:endParaRPr lang="en-US" dirty="0"/>
-          </a:p>
-          <a:p>
-            <a:pPr lvl="1"/>
-            <a:r>
-              <a:rPr lang="en-US" b="1" dirty="0"/>
-              <a:t>class</a:t>
-            </a:r>
-            <a:r>
-              <a:rPr lang="en-US" dirty="0"/>
-              <a:t> c1</a:t>
-            </a:r>
-          </a:p>
-          <a:p>
-            <a:pPr lvl="1"/>
-            <a:r>
-              <a:rPr lang="en-US" dirty="0" err="1"/>
-              <a:t>endclass</a:t>
-            </a:r>
-            <a:endParaRPr lang="en-US" dirty="0"/>
-          </a:p>
-          <a:p>
-            <a:pPr lvl="1"/>
-            <a:endParaRPr lang="en-US" dirty="0"/>
-          </a:p>
-          <a:p>
-            <a:pPr lvl="1"/>
-            <a:r>
-              <a:rPr lang="en-US" b="1" dirty="0"/>
-              <a:t>interface</a:t>
-            </a:r>
-            <a:r>
-              <a:rPr lang="en-US" dirty="0"/>
-              <a:t> i1();</a:t>
-            </a:r>
-          </a:p>
-          <a:p>
-            <a:pPr lvl="2"/>
-            <a:r>
-              <a:rPr lang="en-US" dirty="0"/>
-              <a:t>clocking</a:t>
-            </a:r>
-          </a:p>
-          <a:p>
-            <a:pPr lvl="2"/>
-            <a:endParaRPr lang="en-US" dirty="0"/>
-          </a:p>
-          <a:p>
-            <a:pPr lvl="2"/>
-            <a:r>
-              <a:rPr lang="en-US" dirty="0" err="1"/>
-              <a:t>endclocking</a:t>
-            </a:r>
-            <a:endParaRPr lang="en-US" dirty="0"/>
-          </a:p>
-          <a:p>
-            <a:pPr lvl="2"/>
-            <a:r>
-              <a:rPr lang="en-US" dirty="0" err="1"/>
-              <a:t>modport</a:t>
-            </a:r>
-            <a:r>
-              <a:rPr lang="en-US" dirty="0"/>
-              <a:t> m1;</a:t>
-            </a:r>
-          </a:p>
-          <a:p>
-            <a:pPr lvl="2"/>
-            <a:r>
-              <a:rPr lang="en-US" dirty="0" err="1"/>
-              <a:t>modport</a:t>
-            </a:r>
-            <a:r>
-              <a:rPr lang="en-US" dirty="0"/>
-              <a:t> m2;</a:t>
-            </a:r>
-          </a:p>
-          <a:p>
-            <a:pPr lvl="1"/>
-            <a:r>
-              <a:rPr lang="en-US" dirty="0" err="1"/>
-              <a:t>endinterface</a:t>
+              <a:t>posedge</a:t>
             </a:r>
             <a:r>
               <a:rPr lang="en-US" dirty="0"/>
               <a:t> </a:t>
             </a:r>
+            <a:r>
+              <a:rPr lang="en-US" dirty="0" err="1"/>
+              <a:t>clk</a:t>
+            </a:r>
+            <a:r>
+              <a:rPr lang="en-US" dirty="0"/>
+              <a:t>) begin</a:t>
+            </a:r>
           </a:p>
           <a:p>
             <a:pPr lvl="1"/>
+            <a:r>
+              <a:rPr lang="en-US" dirty="0"/>
+              <a:t>…</a:t>
+            </a:r>
+          </a:p>
+          <a:p>
+            <a:r>
+              <a:rPr lang="en-US" dirty="0"/>
+              <a:t>end</a:t>
+            </a:r>
+          </a:p>
+          <a:p>
             <a:endParaRPr lang="en-US" dirty="0"/>
           </a:p>
           <a:p>
-            <a:pPr lvl="1"/>
-            <a:r>
-              <a:rPr lang="en-US" b="1" dirty="0"/>
-              <a:t>interface</a:t>
-            </a:r>
             <a:r>
               <a:rPr lang="en-US" dirty="0"/>
-              <a:t> i2</a:t>
-            </a:r>
-          </a:p>
-          <a:p>
-            <a:pPr lvl="1"/>
-            <a:r>
-              <a:rPr lang="en-US" dirty="0" err="1"/>
-              <a:t>endinterface</a:t>
-            </a:r>
-            <a:r>
-              <a:rPr lang="en-US" dirty="0"/>
-              <a:t> </a:t>
-            </a:r>
-          </a:p>
-          <a:p>
-            <a:pPr lvl="1"/>
-            <a:endParaRPr lang="en-US" dirty="0"/>
+              <a:t>=&gt; sim error, </a:t>
+            </a:r>
           </a:p>
         </p:txBody>
       </p:sp>
     </p:spTree>
     <p:extLst>
       <p:ext uri="{BB962C8B-B14F-4D97-AF65-F5344CB8AC3E}">
-        <p14:creationId xmlns:p14="http://schemas.microsoft.com/office/powerpoint/2010/main" val="2960610283"/>
+        <p14:creationId xmlns:p14="http://schemas.microsoft.com/office/powerpoint/2010/main" val="40471721"/>
       </p:ext>
     </p:extLst>
   </p:cSld>
@@ -8465,7 +10617,7 @@
           <p:cNvPr id="2" name="Title 1">
             <a:extLst>
               <a:ext uri="{FF2B5EF4-FFF2-40B4-BE49-F238E27FC236}">
-                <a16:creationId xmlns:a16="http://schemas.microsoft.com/office/drawing/2014/main" id="{73D23E56-2C2B-BFB5-0308-AF09DD1B0B6B}"/>
+                <a16:creationId xmlns:a16="http://schemas.microsoft.com/office/drawing/2014/main" id="{E6E7246E-6DDB-2F98-52B0-04AB5D144996}"/>
               </a:ext>
             </a:extLst>
           </p:cNvPr>
@@ -8493,6 +10645,1170 @@
           <p:cNvPr id="3" name="Content Placeholder 2">
             <a:extLst>
               <a:ext uri="{FF2B5EF4-FFF2-40B4-BE49-F238E27FC236}">
+                <a16:creationId xmlns:a16="http://schemas.microsoft.com/office/drawing/2014/main" id="{F0AB9DF1-764A-2056-5BC1-70D34F516704}"/>
+              </a:ext>
+            </a:extLst>
+          </p:cNvPr>
+          <p:cNvSpPr>
+            <a:spLocks noGrp="1"/>
+          </p:cNvSpPr>
+          <p:nvPr>
+            <p:ph idx="1"/>
+          </p:nvPr>
+        </p:nvSpPr>
+        <p:spPr>
+          <a:xfrm>
+            <a:off x="590204" y="1064029"/>
+            <a:ext cx="10763596" cy="5363403"/>
+          </a:xfrm>
+        </p:spPr>
+        <p:txBody>
+          <a:bodyPr>
+            <a:normAutofit/>
+          </a:bodyPr>
+          <a:lstStyle/>
+          <a:p>
+            <a:r>
+              <a:rPr lang="en-US" dirty="0"/>
+              <a:t>wire connection by “assign” in generate block </a:t>
+            </a:r>
+          </a:p>
+          <a:p>
+            <a:endParaRPr lang="en-US" dirty="0"/>
+          </a:p>
+          <a:p>
+            <a:r>
+              <a:rPr lang="en-US" dirty="0"/>
+              <a:t>module top;</a:t>
+            </a:r>
+          </a:p>
+          <a:p>
+            <a:pPr lvl="1"/>
+            <a:r>
+              <a:rPr lang="en-US" dirty="0"/>
+              <a:t>sub #(.sel(0)) inst1();</a:t>
+            </a:r>
+          </a:p>
+          <a:p>
+            <a:pPr lvl="1"/>
+            <a:r>
+              <a:rPr lang="en-US" dirty="0"/>
+              <a:t>sub #(.sel(1)) inst2();</a:t>
+            </a:r>
+          </a:p>
+          <a:p>
+            <a:r>
+              <a:rPr lang="en-US" dirty="0" err="1"/>
+              <a:t>endmodule</a:t>
+            </a:r>
+            <a:endParaRPr lang="en-US" dirty="0"/>
+          </a:p>
+          <a:p>
+            <a:endParaRPr lang="en-US" dirty="0"/>
+          </a:p>
+          <a:p>
+            <a:r>
+              <a:rPr lang="en-US" dirty="0"/>
+              <a:t>module sub;</a:t>
+            </a:r>
+          </a:p>
+          <a:p>
+            <a:pPr lvl="1"/>
+            <a:r>
+              <a:rPr lang="en-US" dirty="0"/>
+              <a:t>parameter </a:t>
+            </a:r>
+            <a:r>
+              <a:rPr lang="en-US" dirty="0" err="1"/>
+              <a:t>sel</a:t>
+            </a:r>
+            <a:r>
+              <a:rPr lang="en-US" dirty="0"/>
+              <a:t> = 1;</a:t>
+            </a:r>
+          </a:p>
+          <a:p>
+            <a:endParaRPr lang="en-US" dirty="0"/>
+          </a:p>
+          <a:p>
+            <a:pPr lvl="1"/>
+            <a:r>
+              <a:rPr lang="en-US" dirty="0"/>
+              <a:t>logic sig1, sig2, sig3;</a:t>
+            </a:r>
+          </a:p>
+          <a:p>
+            <a:pPr lvl="1"/>
+            <a:r>
+              <a:rPr lang="en-US" b="1" dirty="0"/>
+              <a:t>generate  </a:t>
+            </a:r>
+            <a:r>
+              <a:rPr lang="en-US" b="1" dirty="0">
+                <a:sym typeface="Wingdings" panose="05000000000000000000" pitchFamily="2" charset="2"/>
+              </a:rPr>
+              <a:t>- this is optional</a:t>
+            </a:r>
+            <a:endParaRPr lang="en-US" b="1" dirty="0"/>
+          </a:p>
+          <a:p>
+            <a:pPr lvl="1"/>
+            <a:r>
+              <a:rPr lang="en-US" dirty="0"/>
+              <a:t>if (</a:t>
+            </a:r>
+            <a:r>
+              <a:rPr lang="en-US" dirty="0" err="1"/>
+              <a:t>sel</a:t>
+            </a:r>
+            <a:r>
+              <a:rPr lang="en-US" dirty="0"/>
+              <a:t>)</a:t>
+            </a:r>
+          </a:p>
+          <a:p>
+            <a:pPr lvl="2"/>
+            <a:r>
+              <a:rPr lang="en-US" dirty="0"/>
+              <a:t>assign sig3 = sig1;</a:t>
+            </a:r>
+          </a:p>
+          <a:p>
+            <a:pPr lvl="1"/>
+            <a:r>
+              <a:rPr lang="en-US" dirty="0"/>
+              <a:t>else</a:t>
+            </a:r>
+          </a:p>
+          <a:p>
+            <a:pPr lvl="2"/>
+            <a:r>
+              <a:rPr lang="en-US" dirty="0"/>
+              <a:t>assign sig3 = sig2;</a:t>
+            </a:r>
+          </a:p>
+          <a:p>
+            <a:pPr lvl="1"/>
+            <a:r>
+              <a:rPr lang="en-US" b="1" dirty="0" err="1"/>
+              <a:t>endgenerate</a:t>
+            </a:r>
+            <a:r>
+              <a:rPr lang="en-US" b="1" dirty="0"/>
+              <a:t> </a:t>
+            </a:r>
+            <a:r>
+              <a:rPr lang="en-US" b="1" dirty="0">
+                <a:sym typeface="Wingdings" panose="05000000000000000000" pitchFamily="2" charset="2"/>
+              </a:rPr>
+              <a:t>- this is optional</a:t>
+            </a:r>
+            <a:endParaRPr lang="en-US" b="1" dirty="0"/>
+          </a:p>
+          <a:p>
+            <a:pPr marL="914400" lvl="2" indent="0">
+              <a:buNone/>
+            </a:pPr>
+            <a:r>
+              <a:rPr lang="en-US" dirty="0"/>
+              <a:t>	</a:t>
+            </a:r>
+          </a:p>
+          <a:p>
+            <a:r>
+              <a:rPr lang="en-US" dirty="0" err="1"/>
+              <a:t>endmodule</a:t>
+            </a:r>
+            <a:endParaRPr lang="en-US" dirty="0"/>
+          </a:p>
+        </p:txBody>
+      </p:sp>
+      <p:sp>
+        <p:nvSpPr>
+          <p:cNvPr id="4" name="Slide Number Placeholder 3">
+            <a:extLst>
+              <a:ext uri="{FF2B5EF4-FFF2-40B4-BE49-F238E27FC236}">
+                <a16:creationId xmlns:a16="http://schemas.microsoft.com/office/drawing/2014/main" id="{A653B7C0-A01B-B019-AE82-6D2CF11E10FE}"/>
+              </a:ext>
+            </a:extLst>
+          </p:cNvPr>
+          <p:cNvSpPr>
+            <a:spLocks noGrp="1"/>
+          </p:cNvSpPr>
+          <p:nvPr>
+            <p:ph type="sldNum" sz="quarter" idx="12"/>
+          </p:nvPr>
+        </p:nvSpPr>
+        <p:spPr/>
+        <p:txBody>
+          <a:bodyPr/>
+          <a:lstStyle/>
+          <a:p>
+            <a:fld id="{8A2B06E4-34D2-4DD4-ABFF-9F74AC2B18B5}" type="slidenum">
+              <a:rPr lang="en-US" smtClean="0"/>
+              <a:t>7</a:t>
+            </a:fld>
+            <a:endParaRPr lang="en-US" dirty="0"/>
+          </a:p>
+        </p:txBody>
+      </p:sp>
+    </p:spTree>
+    <p:extLst>
+      <p:ext uri="{BB962C8B-B14F-4D97-AF65-F5344CB8AC3E}">
+        <p14:creationId xmlns:p14="http://schemas.microsoft.com/office/powerpoint/2010/main" val="2190162818"/>
+      </p:ext>
+    </p:extLst>
+  </p:cSld>
+  <p:clrMapOvr>
+    <a:masterClrMapping/>
+  </p:clrMapOvr>
+</p:sld>
+</file>
+
+<file path=ppt/slides/slide8.xml><?xml version="1.0" encoding="utf-8"?>
+<p:sld xmlns:a="http://schemas.openxmlformats.org/drawingml/2006/main" xmlns:r="http://schemas.openxmlformats.org/officeDocument/2006/relationships" xmlns:p="http://schemas.openxmlformats.org/presentationml/2006/main">
+  <p:cSld>
+    <p:spTree>
+      <p:nvGrpSpPr>
+        <p:cNvPr id="1" name=""/>
+        <p:cNvGrpSpPr/>
+        <p:nvPr/>
+      </p:nvGrpSpPr>
+      <p:grpSpPr>
+        <a:xfrm>
+          <a:off x="0" y="0"/>
+          <a:ext cx="0" cy="0"/>
+          <a:chOff x="0" y="0"/>
+          <a:chExt cx="0" cy="0"/>
+        </a:xfrm>
+      </p:grpSpPr>
+      <p:sp>
+        <p:nvSpPr>
+          <p:cNvPr id="2" name="Title 1">
+            <a:extLst>
+              <a:ext uri="{FF2B5EF4-FFF2-40B4-BE49-F238E27FC236}">
+                <a16:creationId xmlns:a16="http://schemas.microsoft.com/office/drawing/2014/main" id="{0D90D065-03EF-C333-329D-B6A904037AA4}"/>
+              </a:ext>
+            </a:extLst>
+          </p:cNvPr>
+          <p:cNvSpPr>
+            <a:spLocks noGrp="1"/>
+          </p:cNvSpPr>
+          <p:nvPr>
+            <p:ph type="title"/>
+          </p:nvPr>
+        </p:nvSpPr>
+        <p:spPr/>
+        <p:txBody>
+          <a:bodyPr/>
+          <a:lstStyle/>
+          <a:p>
+            <a:r>
+              <a:rPr lang="en-US" dirty="0"/>
+              <a:t>lab07</a:t>
+            </a:r>
+          </a:p>
+        </p:txBody>
+      </p:sp>
+      <p:sp>
+        <p:nvSpPr>
+          <p:cNvPr id="3" name="Content Placeholder 2">
+            <a:extLst>
+              <a:ext uri="{FF2B5EF4-FFF2-40B4-BE49-F238E27FC236}">
+                <a16:creationId xmlns:a16="http://schemas.microsoft.com/office/drawing/2014/main" id="{6BFC4363-D16A-9B9C-C912-00320CAA407C}"/>
+              </a:ext>
+            </a:extLst>
+          </p:cNvPr>
+          <p:cNvSpPr>
+            <a:spLocks noGrp="1"/>
+          </p:cNvSpPr>
+          <p:nvPr>
+            <p:ph idx="1"/>
+          </p:nvPr>
+        </p:nvSpPr>
+        <p:spPr>
+          <a:xfrm>
+            <a:off x="590204" y="1064029"/>
+            <a:ext cx="3369237" cy="4662068"/>
+          </a:xfrm>
+        </p:spPr>
+        <p:txBody>
+          <a:bodyPr>
+            <a:normAutofit/>
+          </a:bodyPr>
+          <a:lstStyle/>
+          <a:p>
+            <a:r>
+              <a:rPr lang="en-US" dirty="0"/>
+              <a:t>scope</a:t>
+            </a:r>
+          </a:p>
+          <a:p>
+            <a:pPr lvl="1"/>
+            <a:r>
+              <a:rPr lang="en-US" b="1" dirty="0"/>
+              <a:t>module</a:t>
+            </a:r>
+          </a:p>
+          <a:p>
+            <a:pPr lvl="1"/>
+            <a:r>
+              <a:rPr lang="en-US" b="1" dirty="0" err="1"/>
+              <a:t>endmodule</a:t>
+            </a:r>
+            <a:endParaRPr lang="en-US" b="1" dirty="0"/>
+          </a:p>
+          <a:p>
+            <a:pPr lvl="1"/>
+            <a:endParaRPr lang="en-US" dirty="0"/>
+          </a:p>
+          <a:p>
+            <a:pPr lvl="1"/>
+            <a:r>
+              <a:rPr lang="en-US" dirty="0"/>
+              <a:t>class</a:t>
+            </a:r>
+          </a:p>
+          <a:p>
+            <a:pPr lvl="1"/>
+            <a:r>
+              <a:rPr lang="en-US" dirty="0" err="1"/>
+              <a:t>endclass</a:t>
+            </a:r>
+            <a:endParaRPr lang="en-US" dirty="0"/>
+          </a:p>
+          <a:p>
+            <a:endParaRPr lang="en-US" dirty="0"/>
+          </a:p>
+          <a:p>
+            <a:pPr lvl="1"/>
+            <a:r>
+              <a:rPr lang="en-US" dirty="0"/>
+              <a:t>interface </a:t>
+            </a:r>
+          </a:p>
+          <a:p>
+            <a:pPr lvl="1"/>
+            <a:r>
+              <a:rPr lang="en-US" dirty="0" err="1"/>
+              <a:t>endinterface</a:t>
+            </a:r>
+            <a:endParaRPr lang="en-US" dirty="0"/>
+          </a:p>
+          <a:p>
+            <a:pPr lvl="1"/>
+            <a:endParaRPr lang="en-US" dirty="0"/>
+          </a:p>
+          <a:p>
+            <a:pPr lvl="1"/>
+            <a:r>
+              <a:rPr lang="en-US" dirty="0"/>
+              <a:t>checker</a:t>
+            </a:r>
+          </a:p>
+          <a:p>
+            <a:pPr lvl="1"/>
+            <a:r>
+              <a:rPr lang="en-US" dirty="0" err="1"/>
+              <a:t>endchecker</a:t>
+            </a:r>
+            <a:endParaRPr lang="en-US" dirty="0"/>
+          </a:p>
+          <a:p>
+            <a:pPr lvl="1"/>
+            <a:endParaRPr lang="en-US" dirty="0"/>
+          </a:p>
+          <a:p>
+            <a:pPr lvl="1"/>
+            <a:r>
+              <a:rPr lang="en-US" dirty="0"/>
+              <a:t>program</a:t>
+            </a:r>
+          </a:p>
+          <a:p>
+            <a:pPr lvl="1"/>
+            <a:r>
+              <a:rPr lang="en-US" dirty="0" err="1"/>
+              <a:t>endprogram</a:t>
+            </a:r>
+            <a:endParaRPr lang="en-US" dirty="0"/>
+          </a:p>
+          <a:p>
+            <a:pPr lvl="1"/>
+            <a:endParaRPr lang="en-US" dirty="0"/>
+          </a:p>
+          <a:p>
+            <a:pPr lvl="1"/>
+            <a:r>
+              <a:rPr lang="en-US" dirty="0"/>
+              <a:t>generate</a:t>
+            </a:r>
+          </a:p>
+          <a:p>
+            <a:pPr lvl="1"/>
+            <a:r>
+              <a:rPr lang="en-US" dirty="0" err="1"/>
+              <a:t>endgenerate</a:t>
+            </a:r>
+            <a:endParaRPr lang="en-US" dirty="0"/>
+          </a:p>
+        </p:txBody>
+      </p:sp>
+      <p:sp>
+        <p:nvSpPr>
+          <p:cNvPr id="4" name="Slide Number Placeholder 3">
+            <a:extLst>
+              <a:ext uri="{FF2B5EF4-FFF2-40B4-BE49-F238E27FC236}">
+                <a16:creationId xmlns:a16="http://schemas.microsoft.com/office/drawing/2014/main" id="{AC7F354A-7DB9-26FB-09B1-62B5D79E1C4A}"/>
+              </a:ext>
+            </a:extLst>
+          </p:cNvPr>
+          <p:cNvSpPr>
+            <a:spLocks noGrp="1"/>
+          </p:cNvSpPr>
+          <p:nvPr>
+            <p:ph type="sldNum" sz="quarter" idx="12"/>
+          </p:nvPr>
+        </p:nvSpPr>
+        <p:spPr/>
+        <p:txBody>
+          <a:bodyPr/>
+          <a:lstStyle/>
+          <a:p>
+            <a:fld id="{8A2B06E4-34D2-4DD4-ABFF-9F74AC2B18B5}" type="slidenum">
+              <a:rPr lang="en-US" smtClean="0"/>
+              <a:t>8</a:t>
+            </a:fld>
+            <a:endParaRPr lang="en-US" dirty="0"/>
+          </a:p>
+        </p:txBody>
+      </p:sp>
+      <p:sp>
+        <p:nvSpPr>
+          <p:cNvPr id="5" name="Content Placeholder 2">
+            <a:extLst>
+              <a:ext uri="{FF2B5EF4-FFF2-40B4-BE49-F238E27FC236}">
+                <a16:creationId xmlns:a16="http://schemas.microsoft.com/office/drawing/2014/main" id="{C56A286A-DF8E-552E-E1AA-8A6159B25E16}"/>
+              </a:ext>
+            </a:extLst>
+          </p:cNvPr>
+          <p:cNvSpPr txBox="1">
+            <a:spLocks/>
+          </p:cNvSpPr>
+          <p:nvPr/>
+        </p:nvSpPr>
+        <p:spPr>
+          <a:xfrm>
+            <a:off x="3679633" y="1064029"/>
+            <a:ext cx="3804243" cy="4662068"/>
+          </a:xfrm>
+          <a:prstGeom prst="rect">
+            <a:avLst/>
+          </a:prstGeom>
+        </p:spPr>
+        <p:txBody>
+          <a:bodyPr vert="horz" lIns="91440" tIns="45720" rIns="91440" bIns="45720" rtlCol="0">
+            <a:normAutofit/>
+          </a:bodyPr>
+          <a:lstStyle>
+            <a:lvl1pPr marL="228600" indent="-228600" algn="l" defTabSz="914400" rtl="0" eaLnBrk="1" latinLnBrk="0" hangingPunct="1">
+              <a:lnSpc>
+                <a:spcPct val="90000"/>
+              </a:lnSpc>
+              <a:spcBef>
+                <a:spcPts val="1000"/>
+              </a:spcBef>
+              <a:buFont typeface="Arial" panose="020B0604020202020204" pitchFamily="34" charset="0"/>
+              <a:buChar char="•"/>
+              <a:defRPr sz="1400" kern="1200">
+                <a:solidFill>
+                  <a:schemeClr val="tx1"/>
+                </a:solidFill>
+                <a:latin typeface="+mn-lt"/>
+                <a:ea typeface="+mn-ea"/>
+                <a:cs typeface="+mn-cs"/>
+              </a:defRPr>
+            </a:lvl1pPr>
+            <a:lvl2pPr marL="685800" indent="-228600" algn="l" defTabSz="914400" rtl="0" eaLnBrk="1" latinLnBrk="0" hangingPunct="1">
+              <a:lnSpc>
+                <a:spcPct val="90000"/>
+              </a:lnSpc>
+              <a:spcBef>
+                <a:spcPts val="500"/>
+              </a:spcBef>
+              <a:buFont typeface="Arial" panose="020B0604020202020204" pitchFamily="34" charset="0"/>
+              <a:buChar char="•"/>
+              <a:defRPr sz="1200" kern="1200">
+                <a:solidFill>
+                  <a:schemeClr val="tx1"/>
+                </a:solidFill>
+                <a:latin typeface="+mn-lt"/>
+                <a:ea typeface="+mn-ea"/>
+                <a:cs typeface="+mn-cs"/>
+              </a:defRPr>
+            </a:lvl2pPr>
+            <a:lvl3pPr marL="1143000" indent="-228600" algn="l" defTabSz="914400" rtl="0" eaLnBrk="1" latinLnBrk="0" hangingPunct="1">
+              <a:lnSpc>
+                <a:spcPct val="90000"/>
+              </a:lnSpc>
+              <a:spcBef>
+                <a:spcPts val="500"/>
+              </a:spcBef>
+              <a:buFont typeface="Arial" panose="020B0604020202020204" pitchFamily="34" charset="0"/>
+              <a:buChar char="•"/>
+              <a:defRPr sz="1200" kern="1200">
+                <a:solidFill>
+                  <a:schemeClr val="tx1"/>
+                </a:solidFill>
+                <a:latin typeface="+mn-lt"/>
+                <a:ea typeface="+mn-ea"/>
+                <a:cs typeface="+mn-cs"/>
+              </a:defRPr>
+            </a:lvl3pPr>
+            <a:lvl4pPr marL="1600200" indent="-228600" algn="l" defTabSz="914400" rtl="0" eaLnBrk="1" latinLnBrk="0" hangingPunct="1">
+              <a:lnSpc>
+                <a:spcPct val="90000"/>
+              </a:lnSpc>
+              <a:spcBef>
+                <a:spcPts val="500"/>
+              </a:spcBef>
+              <a:buFont typeface="Arial" panose="020B0604020202020204" pitchFamily="34" charset="0"/>
+              <a:buChar char="•"/>
+              <a:defRPr sz="1200" kern="1200">
+                <a:solidFill>
+                  <a:schemeClr val="tx1"/>
+                </a:solidFill>
+                <a:latin typeface="+mn-lt"/>
+                <a:ea typeface="+mn-ea"/>
+                <a:cs typeface="+mn-cs"/>
+              </a:defRPr>
+            </a:lvl4pPr>
+            <a:lvl5pPr marL="2057400" indent="-228600" algn="l" defTabSz="914400" rtl="0" eaLnBrk="1" latinLnBrk="0" hangingPunct="1">
+              <a:lnSpc>
+                <a:spcPct val="90000"/>
+              </a:lnSpc>
+              <a:spcBef>
+                <a:spcPts val="500"/>
+              </a:spcBef>
+              <a:buFont typeface="Arial" panose="020B0604020202020204" pitchFamily="34" charset="0"/>
+              <a:buChar char="•"/>
+              <a:defRPr sz="1200" kern="1200">
+                <a:solidFill>
+                  <a:schemeClr val="tx1"/>
+                </a:solidFill>
+                <a:latin typeface="+mn-lt"/>
+                <a:ea typeface="+mn-ea"/>
+                <a:cs typeface="+mn-cs"/>
+              </a:defRPr>
+            </a:lvl5pPr>
+            <a:lvl6pPr marL="2514600" indent="-228600" algn="l" defTabSz="914400" rtl="0" eaLnBrk="1" latinLnBrk="0" hangingPunct="1">
+              <a:lnSpc>
+                <a:spcPct val="90000"/>
+              </a:lnSpc>
+              <a:spcBef>
+                <a:spcPts val="500"/>
+              </a:spcBef>
+              <a:buFont typeface="Arial" panose="020B0604020202020204" pitchFamily="34" charset="0"/>
+              <a:buChar char="•"/>
+              <a:defRPr sz="1800" kern="1200">
+                <a:solidFill>
+                  <a:schemeClr val="tx1"/>
+                </a:solidFill>
+                <a:latin typeface="+mn-lt"/>
+                <a:ea typeface="+mn-ea"/>
+                <a:cs typeface="+mn-cs"/>
+              </a:defRPr>
+            </a:lvl6pPr>
+            <a:lvl7pPr marL="2971800" indent="-228600" algn="l" defTabSz="914400" rtl="0" eaLnBrk="1" latinLnBrk="0" hangingPunct="1">
+              <a:lnSpc>
+                <a:spcPct val="90000"/>
+              </a:lnSpc>
+              <a:spcBef>
+                <a:spcPts val="500"/>
+              </a:spcBef>
+              <a:buFont typeface="Arial" panose="020B0604020202020204" pitchFamily="34" charset="0"/>
+              <a:buChar char="•"/>
+              <a:defRPr sz="1800" kern="1200">
+                <a:solidFill>
+                  <a:schemeClr val="tx1"/>
+                </a:solidFill>
+                <a:latin typeface="+mn-lt"/>
+                <a:ea typeface="+mn-ea"/>
+                <a:cs typeface="+mn-cs"/>
+              </a:defRPr>
+            </a:lvl7pPr>
+            <a:lvl8pPr marL="3429000" indent="-228600" algn="l" defTabSz="914400" rtl="0" eaLnBrk="1" latinLnBrk="0" hangingPunct="1">
+              <a:lnSpc>
+                <a:spcPct val="90000"/>
+              </a:lnSpc>
+              <a:spcBef>
+                <a:spcPts val="500"/>
+              </a:spcBef>
+              <a:buFont typeface="Arial" panose="020B0604020202020204" pitchFamily="34" charset="0"/>
+              <a:buChar char="•"/>
+              <a:defRPr sz="1800" kern="1200">
+                <a:solidFill>
+                  <a:schemeClr val="tx1"/>
+                </a:solidFill>
+                <a:latin typeface="+mn-lt"/>
+                <a:ea typeface="+mn-ea"/>
+                <a:cs typeface="+mn-cs"/>
+              </a:defRPr>
+            </a:lvl8pPr>
+            <a:lvl9pPr marL="3886200" indent="-228600" algn="l" defTabSz="914400" rtl="0" eaLnBrk="1" latinLnBrk="0" hangingPunct="1">
+              <a:lnSpc>
+                <a:spcPct val="90000"/>
+              </a:lnSpc>
+              <a:spcBef>
+                <a:spcPts val="500"/>
+              </a:spcBef>
+              <a:buFont typeface="Arial" panose="020B0604020202020204" pitchFamily="34" charset="0"/>
+              <a:buChar char="•"/>
+              <a:defRPr sz="1800" kern="1200">
+                <a:solidFill>
+                  <a:schemeClr val="tx1"/>
+                </a:solidFill>
+                <a:latin typeface="+mn-lt"/>
+                <a:ea typeface="+mn-ea"/>
+                <a:cs typeface="+mn-cs"/>
+              </a:defRPr>
+            </a:lvl9pPr>
+          </a:lstStyle>
+          <a:p>
+            <a:r>
+              <a:rPr lang="en-US" dirty="0"/>
+              <a:t>example</a:t>
+            </a:r>
+          </a:p>
+          <a:p>
+            <a:pPr lvl="1"/>
+            <a:r>
+              <a:rPr lang="en-US" b="1" dirty="0"/>
+              <a:t>module</a:t>
+            </a:r>
+            <a:r>
+              <a:rPr lang="en-US" dirty="0"/>
+              <a:t> top</a:t>
+            </a:r>
+          </a:p>
+          <a:p>
+            <a:pPr lvl="2"/>
+            <a:r>
+              <a:rPr lang="en-US" dirty="0"/>
+              <a:t>c1 inst_c1();</a:t>
+            </a:r>
+          </a:p>
+          <a:p>
+            <a:pPr lvl="2"/>
+            <a:r>
+              <a:rPr lang="en-US" dirty="0"/>
+              <a:t>i1 inst_i1;</a:t>
+            </a:r>
+          </a:p>
+          <a:p>
+            <a:pPr lvl="1"/>
+            <a:r>
+              <a:rPr lang="en-US" dirty="0" err="1"/>
+              <a:t>endmodule</a:t>
+            </a:r>
+            <a:endParaRPr lang="en-US" dirty="0"/>
+          </a:p>
+          <a:p>
+            <a:pPr lvl="1"/>
+            <a:endParaRPr lang="en-US" dirty="0"/>
+          </a:p>
+          <a:p>
+            <a:pPr lvl="1"/>
+            <a:r>
+              <a:rPr lang="en-US" b="1" dirty="0"/>
+              <a:t>class</a:t>
+            </a:r>
+            <a:r>
+              <a:rPr lang="en-US" dirty="0"/>
+              <a:t> c1</a:t>
+            </a:r>
+          </a:p>
+          <a:p>
+            <a:pPr lvl="1"/>
+            <a:r>
+              <a:rPr lang="en-US" dirty="0" err="1"/>
+              <a:t>endclass</a:t>
+            </a:r>
+            <a:endParaRPr lang="en-US" dirty="0"/>
+          </a:p>
+          <a:p>
+            <a:pPr lvl="1"/>
+            <a:endParaRPr lang="en-US" dirty="0"/>
+          </a:p>
+          <a:p>
+            <a:pPr lvl="1"/>
+            <a:r>
+              <a:rPr lang="en-US" b="1" dirty="0"/>
+              <a:t>interface</a:t>
+            </a:r>
+            <a:r>
+              <a:rPr lang="en-US" dirty="0"/>
+              <a:t> i1</a:t>
+            </a:r>
+          </a:p>
+          <a:p>
+            <a:pPr lvl="1"/>
+            <a:r>
+              <a:rPr lang="en-US" dirty="0" err="1"/>
+              <a:t>endinterface</a:t>
+            </a:r>
+            <a:r>
+              <a:rPr lang="en-US" dirty="0"/>
+              <a:t> </a:t>
+            </a:r>
+          </a:p>
+          <a:p>
+            <a:pPr lvl="1"/>
+            <a:endParaRPr lang="en-US" dirty="0"/>
+          </a:p>
+          <a:p>
+            <a:pPr lvl="1"/>
+            <a:r>
+              <a:rPr lang="en-US" b="1" dirty="0"/>
+              <a:t>interface</a:t>
+            </a:r>
+            <a:r>
+              <a:rPr lang="en-US" dirty="0"/>
+              <a:t> i2</a:t>
+            </a:r>
+          </a:p>
+          <a:p>
+            <a:pPr lvl="1"/>
+            <a:r>
+              <a:rPr lang="en-US" dirty="0" err="1"/>
+              <a:t>endinterface</a:t>
+            </a:r>
+            <a:r>
+              <a:rPr lang="en-US" dirty="0"/>
+              <a:t> </a:t>
+            </a:r>
+          </a:p>
+          <a:p>
+            <a:pPr lvl="1"/>
+            <a:endParaRPr lang="en-US" dirty="0"/>
+          </a:p>
+        </p:txBody>
+      </p:sp>
+      <p:sp>
+        <p:nvSpPr>
+          <p:cNvPr id="6" name="Content Placeholder 2">
+            <a:extLst>
+              <a:ext uri="{FF2B5EF4-FFF2-40B4-BE49-F238E27FC236}">
+                <a16:creationId xmlns:a16="http://schemas.microsoft.com/office/drawing/2014/main" id="{B18A52DC-F630-E380-D59D-78A3CE65BFB3}"/>
+              </a:ext>
+            </a:extLst>
+          </p:cNvPr>
+          <p:cNvSpPr txBox="1">
+            <a:spLocks/>
+          </p:cNvSpPr>
+          <p:nvPr/>
+        </p:nvSpPr>
+        <p:spPr>
+          <a:xfrm>
+            <a:off x="6627019" y="1064029"/>
+            <a:ext cx="3804243" cy="4662068"/>
+          </a:xfrm>
+          <a:prstGeom prst="rect">
+            <a:avLst/>
+          </a:prstGeom>
+        </p:spPr>
+        <p:txBody>
+          <a:bodyPr vert="horz" lIns="91440" tIns="45720" rIns="91440" bIns="45720" rtlCol="0">
+            <a:normAutofit/>
+          </a:bodyPr>
+          <a:lstStyle>
+            <a:lvl1pPr marL="228600" indent="-228600" algn="l" defTabSz="914400" rtl="0" eaLnBrk="1" latinLnBrk="0" hangingPunct="1">
+              <a:lnSpc>
+                <a:spcPct val="90000"/>
+              </a:lnSpc>
+              <a:spcBef>
+                <a:spcPts val="1000"/>
+              </a:spcBef>
+              <a:buFont typeface="Arial" panose="020B0604020202020204" pitchFamily="34" charset="0"/>
+              <a:buChar char="•"/>
+              <a:defRPr sz="1400" kern="1200">
+                <a:solidFill>
+                  <a:schemeClr val="tx1"/>
+                </a:solidFill>
+                <a:latin typeface="+mn-lt"/>
+                <a:ea typeface="+mn-ea"/>
+                <a:cs typeface="+mn-cs"/>
+              </a:defRPr>
+            </a:lvl1pPr>
+            <a:lvl2pPr marL="685800" indent="-228600" algn="l" defTabSz="914400" rtl="0" eaLnBrk="1" latinLnBrk="0" hangingPunct="1">
+              <a:lnSpc>
+                <a:spcPct val="90000"/>
+              </a:lnSpc>
+              <a:spcBef>
+                <a:spcPts val="500"/>
+              </a:spcBef>
+              <a:buFont typeface="Arial" panose="020B0604020202020204" pitchFamily="34" charset="0"/>
+              <a:buChar char="•"/>
+              <a:defRPr sz="1200" kern="1200">
+                <a:solidFill>
+                  <a:schemeClr val="tx1"/>
+                </a:solidFill>
+                <a:latin typeface="+mn-lt"/>
+                <a:ea typeface="+mn-ea"/>
+                <a:cs typeface="+mn-cs"/>
+              </a:defRPr>
+            </a:lvl2pPr>
+            <a:lvl3pPr marL="1143000" indent="-228600" algn="l" defTabSz="914400" rtl="0" eaLnBrk="1" latinLnBrk="0" hangingPunct="1">
+              <a:lnSpc>
+                <a:spcPct val="90000"/>
+              </a:lnSpc>
+              <a:spcBef>
+                <a:spcPts val="500"/>
+              </a:spcBef>
+              <a:buFont typeface="Arial" panose="020B0604020202020204" pitchFamily="34" charset="0"/>
+              <a:buChar char="•"/>
+              <a:defRPr sz="1200" kern="1200">
+                <a:solidFill>
+                  <a:schemeClr val="tx1"/>
+                </a:solidFill>
+                <a:latin typeface="+mn-lt"/>
+                <a:ea typeface="+mn-ea"/>
+                <a:cs typeface="+mn-cs"/>
+              </a:defRPr>
+            </a:lvl3pPr>
+            <a:lvl4pPr marL="1600200" indent="-228600" algn="l" defTabSz="914400" rtl="0" eaLnBrk="1" latinLnBrk="0" hangingPunct="1">
+              <a:lnSpc>
+                <a:spcPct val="90000"/>
+              </a:lnSpc>
+              <a:spcBef>
+                <a:spcPts val="500"/>
+              </a:spcBef>
+              <a:buFont typeface="Arial" panose="020B0604020202020204" pitchFamily="34" charset="0"/>
+              <a:buChar char="•"/>
+              <a:defRPr sz="1200" kern="1200">
+                <a:solidFill>
+                  <a:schemeClr val="tx1"/>
+                </a:solidFill>
+                <a:latin typeface="+mn-lt"/>
+                <a:ea typeface="+mn-ea"/>
+                <a:cs typeface="+mn-cs"/>
+              </a:defRPr>
+            </a:lvl4pPr>
+            <a:lvl5pPr marL="2057400" indent="-228600" algn="l" defTabSz="914400" rtl="0" eaLnBrk="1" latinLnBrk="0" hangingPunct="1">
+              <a:lnSpc>
+                <a:spcPct val="90000"/>
+              </a:lnSpc>
+              <a:spcBef>
+                <a:spcPts val="500"/>
+              </a:spcBef>
+              <a:buFont typeface="Arial" panose="020B0604020202020204" pitchFamily="34" charset="0"/>
+              <a:buChar char="•"/>
+              <a:defRPr sz="1200" kern="1200">
+                <a:solidFill>
+                  <a:schemeClr val="tx1"/>
+                </a:solidFill>
+                <a:latin typeface="+mn-lt"/>
+                <a:ea typeface="+mn-ea"/>
+                <a:cs typeface="+mn-cs"/>
+              </a:defRPr>
+            </a:lvl5pPr>
+            <a:lvl6pPr marL="2514600" indent="-228600" algn="l" defTabSz="914400" rtl="0" eaLnBrk="1" latinLnBrk="0" hangingPunct="1">
+              <a:lnSpc>
+                <a:spcPct val="90000"/>
+              </a:lnSpc>
+              <a:spcBef>
+                <a:spcPts val="500"/>
+              </a:spcBef>
+              <a:buFont typeface="Arial" panose="020B0604020202020204" pitchFamily="34" charset="0"/>
+              <a:buChar char="•"/>
+              <a:defRPr sz="1800" kern="1200">
+                <a:solidFill>
+                  <a:schemeClr val="tx1"/>
+                </a:solidFill>
+                <a:latin typeface="+mn-lt"/>
+                <a:ea typeface="+mn-ea"/>
+                <a:cs typeface="+mn-cs"/>
+              </a:defRPr>
+            </a:lvl6pPr>
+            <a:lvl7pPr marL="2971800" indent="-228600" algn="l" defTabSz="914400" rtl="0" eaLnBrk="1" latinLnBrk="0" hangingPunct="1">
+              <a:lnSpc>
+                <a:spcPct val="90000"/>
+              </a:lnSpc>
+              <a:spcBef>
+                <a:spcPts val="500"/>
+              </a:spcBef>
+              <a:buFont typeface="Arial" panose="020B0604020202020204" pitchFamily="34" charset="0"/>
+              <a:buChar char="•"/>
+              <a:defRPr sz="1800" kern="1200">
+                <a:solidFill>
+                  <a:schemeClr val="tx1"/>
+                </a:solidFill>
+                <a:latin typeface="+mn-lt"/>
+                <a:ea typeface="+mn-ea"/>
+                <a:cs typeface="+mn-cs"/>
+              </a:defRPr>
+            </a:lvl7pPr>
+            <a:lvl8pPr marL="3429000" indent="-228600" algn="l" defTabSz="914400" rtl="0" eaLnBrk="1" latinLnBrk="0" hangingPunct="1">
+              <a:lnSpc>
+                <a:spcPct val="90000"/>
+              </a:lnSpc>
+              <a:spcBef>
+                <a:spcPts val="500"/>
+              </a:spcBef>
+              <a:buFont typeface="Arial" panose="020B0604020202020204" pitchFamily="34" charset="0"/>
+              <a:buChar char="•"/>
+              <a:defRPr sz="1800" kern="1200">
+                <a:solidFill>
+                  <a:schemeClr val="tx1"/>
+                </a:solidFill>
+                <a:latin typeface="+mn-lt"/>
+                <a:ea typeface="+mn-ea"/>
+                <a:cs typeface="+mn-cs"/>
+              </a:defRPr>
+            </a:lvl8pPr>
+            <a:lvl9pPr marL="3886200" indent="-228600" algn="l" defTabSz="914400" rtl="0" eaLnBrk="1" latinLnBrk="0" hangingPunct="1">
+              <a:lnSpc>
+                <a:spcPct val="90000"/>
+              </a:lnSpc>
+              <a:spcBef>
+                <a:spcPts val="500"/>
+              </a:spcBef>
+              <a:buFont typeface="Arial" panose="020B0604020202020204" pitchFamily="34" charset="0"/>
+              <a:buChar char="•"/>
+              <a:defRPr sz="1800" kern="1200">
+                <a:solidFill>
+                  <a:schemeClr val="tx1"/>
+                </a:solidFill>
+                <a:latin typeface="+mn-lt"/>
+                <a:ea typeface="+mn-ea"/>
+                <a:cs typeface="+mn-cs"/>
+              </a:defRPr>
+            </a:lvl9pPr>
+          </a:lstStyle>
+          <a:p>
+            <a:r>
+              <a:rPr lang="en-US" dirty="0"/>
+              <a:t>example2</a:t>
+            </a:r>
+          </a:p>
+          <a:p>
+            <a:pPr lvl="1"/>
+            <a:r>
+              <a:rPr lang="en-US" b="1" dirty="0"/>
+              <a:t>module</a:t>
+            </a:r>
+            <a:r>
+              <a:rPr lang="en-US" dirty="0"/>
+              <a:t> top</a:t>
+            </a:r>
+          </a:p>
+          <a:p>
+            <a:pPr lvl="2"/>
+            <a:r>
+              <a:rPr lang="en-US" dirty="0"/>
+              <a:t>c1 inst_c1();</a:t>
+            </a:r>
+          </a:p>
+          <a:p>
+            <a:pPr lvl="2"/>
+            <a:r>
+              <a:rPr lang="en-US" dirty="0"/>
+              <a:t>i1 inst_i1;</a:t>
+            </a:r>
+          </a:p>
+          <a:p>
+            <a:pPr lvl="1"/>
+            <a:r>
+              <a:rPr lang="en-US" dirty="0" err="1"/>
+              <a:t>endmodule</a:t>
+            </a:r>
+            <a:endParaRPr lang="en-US" dirty="0"/>
+          </a:p>
+          <a:p>
+            <a:pPr lvl="1"/>
+            <a:endParaRPr lang="en-US" dirty="0"/>
+          </a:p>
+          <a:p>
+            <a:pPr lvl="1"/>
+            <a:r>
+              <a:rPr lang="en-US" b="1" dirty="0"/>
+              <a:t>class</a:t>
+            </a:r>
+            <a:r>
+              <a:rPr lang="en-US" dirty="0"/>
+              <a:t> c1</a:t>
+            </a:r>
+          </a:p>
+          <a:p>
+            <a:pPr lvl="1"/>
+            <a:r>
+              <a:rPr lang="en-US" dirty="0" err="1"/>
+              <a:t>endclass</a:t>
+            </a:r>
+            <a:endParaRPr lang="en-US" dirty="0"/>
+          </a:p>
+          <a:p>
+            <a:pPr lvl="1"/>
+            <a:endParaRPr lang="en-US" dirty="0"/>
+          </a:p>
+          <a:p>
+            <a:pPr lvl="1"/>
+            <a:r>
+              <a:rPr lang="en-US" b="1" dirty="0"/>
+              <a:t>interface</a:t>
+            </a:r>
+            <a:r>
+              <a:rPr lang="en-US" dirty="0"/>
+              <a:t> i1();</a:t>
+            </a:r>
+          </a:p>
+          <a:p>
+            <a:pPr lvl="2"/>
+            <a:r>
+              <a:rPr lang="en-US" dirty="0"/>
+              <a:t>clocking</a:t>
+            </a:r>
+          </a:p>
+          <a:p>
+            <a:pPr lvl="2"/>
+            <a:endParaRPr lang="en-US" dirty="0"/>
+          </a:p>
+          <a:p>
+            <a:pPr lvl="2"/>
+            <a:r>
+              <a:rPr lang="en-US" dirty="0" err="1"/>
+              <a:t>endclocking</a:t>
+            </a:r>
+            <a:endParaRPr lang="en-US" dirty="0"/>
+          </a:p>
+          <a:p>
+            <a:pPr lvl="2"/>
+            <a:r>
+              <a:rPr lang="en-US" dirty="0" err="1"/>
+              <a:t>modport</a:t>
+            </a:r>
+            <a:r>
+              <a:rPr lang="en-US" dirty="0"/>
+              <a:t> m1;</a:t>
+            </a:r>
+          </a:p>
+          <a:p>
+            <a:pPr lvl="2"/>
+            <a:r>
+              <a:rPr lang="en-US" dirty="0" err="1"/>
+              <a:t>modport</a:t>
+            </a:r>
+            <a:r>
+              <a:rPr lang="en-US" dirty="0"/>
+              <a:t> m2;</a:t>
+            </a:r>
+          </a:p>
+          <a:p>
+            <a:pPr lvl="1"/>
+            <a:r>
+              <a:rPr lang="en-US" dirty="0" err="1"/>
+              <a:t>endinterface</a:t>
+            </a:r>
+            <a:r>
+              <a:rPr lang="en-US" dirty="0"/>
+              <a:t> </a:t>
+            </a:r>
+          </a:p>
+          <a:p>
+            <a:pPr lvl="1"/>
+            <a:endParaRPr lang="en-US" dirty="0"/>
+          </a:p>
+          <a:p>
+            <a:pPr lvl="1"/>
+            <a:r>
+              <a:rPr lang="en-US" b="1" dirty="0"/>
+              <a:t>interface</a:t>
+            </a:r>
+            <a:r>
+              <a:rPr lang="en-US" dirty="0"/>
+              <a:t> i2</a:t>
+            </a:r>
+          </a:p>
+          <a:p>
+            <a:pPr lvl="1"/>
+            <a:r>
+              <a:rPr lang="en-US" dirty="0" err="1"/>
+              <a:t>endinterface</a:t>
+            </a:r>
+            <a:r>
+              <a:rPr lang="en-US" dirty="0"/>
+              <a:t> </a:t>
+            </a:r>
+          </a:p>
+          <a:p>
+            <a:pPr lvl="1"/>
+            <a:endParaRPr lang="en-US" dirty="0"/>
+          </a:p>
+        </p:txBody>
+      </p:sp>
+    </p:spTree>
+    <p:extLst>
+      <p:ext uri="{BB962C8B-B14F-4D97-AF65-F5344CB8AC3E}">
+        <p14:creationId xmlns:p14="http://schemas.microsoft.com/office/powerpoint/2010/main" val="2960610283"/>
+      </p:ext>
+    </p:extLst>
+  </p:cSld>
+  <p:clrMapOvr>
+    <a:masterClrMapping/>
+  </p:clrMapOvr>
+</p:sld>
+</file>
+
+<file path=ppt/slides/slide9.xml><?xml version="1.0" encoding="utf-8"?>
+<p:sld xmlns:a="http://schemas.openxmlformats.org/drawingml/2006/main" xmlns:r="http://schemas.openxmlformats.org/officeDocument/2006/relationships" xmlns:p="http://schemas.openxmlformats.org/presentationml/2006/main">
+  <p:cSld>
+    <p:spTree>
+      <p:nvGrpSpPr>
+        <p:cNvPr id="1" name=""/>
+        <p:cNvGrpSpPr/>
+        <p:nvPr/>
+      </p:nvGrpSpPr>
+      <p:grpSpPr>
+        <a:xfrm>
+          <a:off x="0" y="0"/>
+          <a:ext cx="0" cy="0"/>
+          <a:chOff x="0" y="0"/>
+          <a:chExt cx="0" cy="0"/>
+        </a:xfrm>
+      </p:grpSpPr>
+      <p:sp>
+        <p:nvSpPr>
+          <p:cNvPr id="2" name="Title 1">
+            <a:extLst>
+              <a:ext uri="{FF2B5EF4-FFF2-40B4-BE49-F238E27FC236}">
+                <a16:creationId xmlns:a16="http://schemas.microsoft.com/office/drawing/2014/main" id="{73D23E56-2C2B-BFB5-0308-AF09DD1B0B6B}"/>
+              </a:ext>
+            </a:extLst>
+          </p:cNvPr>
+          <p:cNvSpPr>
+            <a:spLocks noGrp="1"/>
+          </p:cNvSpPr>
+          <p:nvPr>
+            <p:ph type="title"/>
+          </p:nvPr>
+        </p:nvSpPr>
+        <p:spPr/>
+        <p:txBody>
+          <a:bodyPr/>
+          <a:lstStyle/>
+          <a:p>
+            <a:r>
+              <a:rPr lang="en-US" dirty="0"/>
+              <a:t>lab07</a:t>
+            </a:r>
+          </a:p>
+        </p:txBody>
+      </p:sp>
+      <p:sp>
+        <p:nvSpPr>
+          <p:cNvPr id="3" name="Content Placeholder 2">
+            <a:extLst>
+              <a:ext uri="{FF2B5EF4-FFF2-40B4-BE49-F238E27FC236}">
                 <a16:creationId xmlns:a16="http://schemas.microsoft.com/office/drawing/2014/main" id="{2657A5E9-1614-2F41-5306-EC564139BD28}"/>
               </a:ext>
             </a:extLst>
@@ -8536,7 +11852,7 @@
           <a:p>
             <a:fld id="{8A2B06E4-34D2-4DD4-ABFF-9F74AC2B18B5}" type="slidenum">
               <a:rPr lang="en-US" smtClean="0"/>
-              <a:t>7</a:t>
+              <a:t>9</a:t>
             </a:fld>
             <a:endParaRPr lang="en-US" dirty="0"/>
           </a:p>
@@ -8707,1754 +12023,6 @@
     <p:extLst>
       <p:ext uri="{BB962C8B-B14F-4D97-AF65-F5344CB8AC3E}">
         <p14:creationId xmlns:p14="http://schemas.microsoft.com/office/powerpoint/2010/main" val="3878401024"/>
-      </p:ext>
-    </p:extLst>
-  </p:cSld>
-  <p:clrMapOvr>
-    <a:masterClrMapping/>
-  </p:clrMapOvr>
-</p:sld>
-</file>
-
-<file path=ppt/slides/slide8.xml><?xml version="1.0" encoding="utf-8"?>
-<p:sld xmlns:a="http://schemas.openxmlformats.org/drawingml/2006/main" xmlns:r="http://schemas.openxmlformats.org/officeDocument/2006/relationships" xmlns:p="http://schemas.openxmlformats.org/presentationml/2006/main">
-  <p:cSld>
-    <p:spTree>
-      <p:nvGrpSpPr>
-        <p:cNvPr id="1" name=""/>
-        <p:cNvGrpSpPr/>
-        <p:nvPr/>
-      </p:nvGrpSpPr>
-      <p:grpSpPr>
-        <a:xfrm>
-          <a:off x="0" y="0"/>
-          <a:ext cx="0" cy="0"/>
-          <a:chOff x="0" y="0"/>
-          <a:chExt cx="0" cy="0"/>
-        </a:xfrm>
-      </p:grpSpPr>
-      <p:sp>
-        <p:nvSpPr>
-          <p:cNvPr id="2" name="Title 1">
-            <a:extLst>
-              <a:ext uri="{FF2B5EF4-FFF2-40B4-BE49-F238E27FC236}">
-                <a16:creationId xmlns:a16="http://schemas.microsoft.com/office/drawing/2014/main" id="{E6E7246E-6DDB-2F98-52B0-04AB5D144996}"/>
-              </a:ext>
-            </a:extLst>
-          </p:cNvPr>
-          <p:cNvSpPr>
-            <a:spLocks noGrp="1"/>
-          </p:cNvSpPr>
-          <p:nvPr>
-            <p:ph type="title"/>
-          </p:nvPr>
-        </p:nvSpPr>
-        <p:spPr/>
-        <p:txBody>
-          <a:bodyPr/>
-          <a:lstStyle/>
-          <a:p>
-            <a:r>
-              <a:rPr lang="en-US" dirty="0"/>
-              <a:t>lab06</a:t>
-            </a:r>
-          </a:p>
-        </p:txBody>
-      </p:sp>
-      <p:sp>
-        <p:nvSpPr>
-          <p:cNvPr id="3" name="Content Placeholder 2">
-            <a:extLst>
-              <a:ext uri="{FF2B5EF4-FFF2-40B4-BE49-F238E27FC236}">
-                <a16:creationId xmlns:a16="http://schemas.microsoft.com/office/drawing/2014/main" id="{F0AB9DF1-764A-2056-5BC1-70D34F516704}"/>
-              </a:ext>
-            </a:extLst>
-          </p:cNvPr>
-          <p:cNvSpPr>
-            <a:spLocks noGrp="1"/>
-          </p:cNvSpPr>
-          <p:nvPr>
-            <p:ph idx="1"/>
-          </p:nvPr>
-        </p:nvSpPr>
-        <p:spPr/>
-        <p:txBody>
-          <a:bodyPr/>
-          <a:lstStyle/>
-          <a:p>
-            <a:endParaRPr lang="en-US"/>
-          </a:p>
-        </p:txBody>
-      </p:sp>
-      <p:sp>
-        <p:nvSpPr>
-          <p:cNvPr id="4" name="Slide Number Placeholder 3">
-            <a:extLst>
-              <a:ext uri="{FF2B5EF4-FFF2-40B4-BE49-F238E27FC236}">
-                <a16:creationId xmlns:a16="http://schemas.microsoft.com/office/drawing/2014/main" id="{A653B7C0-A01B-B019-AE82-6D2CF11E10FE}"/>
-              </a:ext>
-            </a:extLst>
-          </p:cNvPr>
-          <p:cNvSpPr>
-            <a:spLocks noGrp="1"/>
-          </p:cNvSpPr>
-          <p:nvPr>
-            <p:ph type="sldNum" sz="quarter" idx="12"/>
-          </p:nvPr>
-        </p:nvSpPr>
-        <p:spPr/>
-        <p:txBody>
-          <a:bodyPr/>
-          <a:lstStyle/>
-          <a:p>
-            <a:fld id="{8A2B06E4-34D2-4DD4-ABFF-9F74AC2B18B5}" type="slidenum">
-              <a:rPr lang="en-US" smtClean="0"/>
-              <a:t>8</a:t>
-            </a:fld>
-            <a:endParaRPr lang="en-US" dirty="0"/>
-          </a:p>
-        </p:txBody>
-      </p:sp>
-      <p:sp>
-        <p:nvSpPr>
-          <p:cNvPr id="5" name="Rectangle 4">
-            <a:extLst>
-              <a:ext uri="{FF2B5EF4-FFF2-40B4-BE49-F238E27FC236}">
-                <a16:creationId xmlns:a16="http://schemas.microsoft.com/office/drawing/2014/main" id="{7A8BC8B4-90D1-672C-C963-B3FC6CE72CE9}"/>
-              </a:ext>
-            </a:extLst>
-          </p:cNvPr>
-          <p:cNvSpPr/>
-          <p:nvPr/>
-        </p:nvSpPr>
-        <p:spPr>
-          <a:xfrm>
-            <a:off x="2614862" y="1064029"/>
-            <a:ext cx="5995737" cy="3828813"/>
-          </a:xfrm>
-          <a:prstGeom prst="rect">
-            <a:avLst/>
-          </a:prstGeom>
-        </p:spPr>
-        <p:style>
-          <a:lnRef idx="2">
-            <a:schemeClr val="accent1">
-              <a:shade val="50000"/>
-            </a:schemeClr>
-          </a:lnRef>
-          <a:fillRef idx="1">
-            <a:schemeClr val="accent1"/>
-          </a:fillRef>
-          <a:effectRef idx="0">
-            <a:schemeClr val="accent1"/>
-          </a:effectRef>
-          <a:fontRef idx="minor">
-            <a:schemeClr val="lt1"/>
-          </a:fontRef>
-        </p:style>
-        <p:txBody>
-          <a:bodyPr rtlCol="0" anchor="ctr"/>
-          <a:lstStyle/>
-          <a:p>
-            <a:pPr algn="ctr"/>
-            <a:r>
-              <a:rPr lang="en-US" dirty="0"/>
-              <a:t>SOC top</a:t>
-            </a:r>
-          </a:p>
-        </p:txBody>
-      </p:sp>
-      <p:sp>
-        <p:nvSpPr>
-          <p:cNvPr id="6" name="Rectangle 5">
-            <a:extLst>
-              <a:ext uri="{FF2B5EF4-FFF2-40B4-BE49-F238E27FC236}">
-                <a16:creationId xmlns:a16="http://schemas.microsoft.com/office/drawing/2014/main" id="{C8755909-7107-A81F-9E71-A64A0AECAE9D}"/>
-              </a:ext>
-            </a:extLst>
-          </p:cNvPr>
-          <p:cNvSpPr/>
-          <p:nvPr/>
-        </p:nvSpPr>
-        <p:spPr>
-          <a:xfrm>
-            <a:off x="3968986" y="3138975"/>
-            <a:ext cx="2873829" cy="741756"/>
-          </a:xfrm>
-          <a:prstGeom prst="rect">
-            <a:avLst/>
-          </a:prstGeom>
-          <a:solidFill>
-            <a:schemeClr val="accent2"/>
-          </a:solidFill>
-        </p:spPr>
-        <p:style>
-          <a:lnRef idx="2">
-            <a:schemeClr val="accent1">
-              <a:shade val="50000"/>
-            </a:schemeClr>
-          </a:lnRef>
-          <a:fillRef idx="1">
-            <a:schemeClr val="accent1"/>
-          </a:fillRef>
-          <a:effectRef idx="0">
-            <a:schemeClr val="accent1"/>
-          </a:effectRef>
-          <a:fontRef idx="minor">
-            <a:schemeClr val="lt1"/>
-          </a:fontRef>
-        </p:style>
-        <p:txBody>
-          <a:bodyPr rtlCol="0" anchor="ctr"/>
-          <a:lstStyle/>
-          <a:p>
-            <a:pPr algn="ctr"/>
-            <a:r>
-              <a:rPr lang="en-US" dirty="0" err="1"/>
-              <a:t>clkgen</a:t>
-            </a:r>
-            <a:endParaRPr lang="en-US" dirty="0"/>
-          </a:p>
-        </p:txBody>
-      </p:sp>
-      <p:cxnSp>
-        <p:nvCxnSpPr>
-          <p:cNvPr id="8" name="Straight Arrow Connector 7">
-            <a:extLst>
-              <a:ext uri="{FF2B5EF4-FFF2-40B4-BE49-F238E27FC236}">
-                <a16:creationId xmlns:a16="http://schemas.microsoft.com/office/drawing/2014/main" id="{C5B70E01-A18F-070E-85D9-6AB8CD9224F9}"/>
-              </a:ext>
-            </a:extLst>
-          </p:cNvPr>
-          <p:cNvCxnSpPr>
-            <a:cxnSpLocks/>
-          </p:cNvCxnSpPr>
-          <p:nvPr/>
-        </p:nvCxnSpPr>
-        <p:spPr>
-          <a:xfrm>
-            <a:off x="6290374" y="3429000"/>
-            <a:ext cx="1104881" cy="0"/>
-          </a:xfrm>
-          <a:prstGeom prst="straightConnector1">
-            <a:avLst/>
-          </a:prstGeom>
-          <a:ln w="19050">
-            <a:solidFill>
-              <a:srgbClr val="C00000"/>
-            </a:solidFill>
-            <a:tailEnd type="triangle"/>
-          </a:ln>
-        </p:spPr>
-        <p:style>
-          <a:lnRef idx="1">
-            <a:schemeClr val="accent6"/>
-          </a:lnRef>
-          <a:fillRef idx="0">
-            <a:schemeClr val="accent6"/>
-          </a:fillRef>
-          <a:effectRef idx="0">
-            <a:schemeClr val="accent6"/>
-          </a:effectRef>
-          <a:fontRef idx="minor">
-            <a:schemeClr val="tx1"/>
-          </a:fontRef>
-        </p:style>
-      </p:cxnSp>
-      <p:sp>
-        <p:nvSpPr>
-          <p:cNvPr id="10" name="Content Placeholder 2">
-            <a:extLst>
-              <a:ext uri="{FF2B5EF4-FFF2-40B4-BE49-F238E27FC236}">
-                <a16:creationId xmlns:a16="http://schemas.microsoft.com/office/drawing/2014/main" id="{28F2D1D1-BE81-AE0A-EB48-4334E208CA3C}"/>
-              </a:ext>
-            </a:extLst>
-          </p:cNvPr>
-          <p:cNvSpPr txBox="1">
-            <a:spLocks/>
-          </p:cNvSpPr>
-          <p:nvPr/>
-        </p:nvSpPr>
-        <p:spPr>
-          <a:xfrm>
-            <a:off x="6454372" y="3140290"/>
-            <a:ext cx="1535531" cy="741755"/>
-          </a:xfrm>
-          <a:prstGeom prst="rect">
-            <a:avLst/>
-          </a:prstGeom>
-        </p:spPr>
-        <p:txBody>
-          <a:bodyPr vert="horz" lIns="91440" tIns="45720" rIns="91440" bIns="45720" rtlCol="0">
-            <a:normAutofit fontScale="92500" lnSpcReduction="10000"/>
-          </a:bodyPr>
-          <a:lstStyle>
-            <a:lvl1pPr marL="228600" indent="-228600" algn="l" defTabSz="914400" rtl="0" eaLnBrk="1" latinLnBrk="0" hangingPunct="1">
-              <a:lnSpc>
-                <a:spcPct val="90000"/>
-              </a:lnSpc>
-              <a:spcBef>
-                <a:spcPts val="1000"/>
-              </a:spcBef>
-              <a:buFont typeface="Arial" panose="020B0604020202020204" pitchFamily="34" charset="0"/>
-              <a:buChar char="•"/>
-              <a:defRPr sz="1400" kern="1200">
-                <a:solidFill>
-                  <a:schemeClr val="tx1"/>
-                </a:solidFill>
-                <a:latin typeface="+mn-lt"/>
-                <a:ea typeface="+mn-ea"/>
-                <a:cs typeface="+mn-cs"/>
-              </a:defRPr>
-            </a:lvl1pPr>
-            <a:lvl2pPr marL="685800" indent="-228600" algn="l" defTabSz="914400" rtl="0" eaLnBrk="1" latinLnBrk="0" hangingPunct="1">
-              <a:lnSpc>
-                <a:spcPct val="90000"/>
-              </a:lnSpc>
-              <a:spcBef>
-                <a:spcPts val="500"/>
-              </a:spcBef>
-              <a:buFont typeface="Arial" panose="020B0604020202020204" pitchFamily="34" charset="0"/>
-              <a:buChar char="•"/>
-              <a:defRPr sz="1200" kern="1200">
-                <a:solidFill>
-                  <a:schemeClr val="tx1"/>
-                </a:solidFill>
-                <a:latin typeface="+mn-lt"/>
-                <a:ea typeface="+mn-ea"/>
-                <a:cs typeface="+mn-cs"/>
-              </a:defRPr>
-            </a:lvl2pPr>
-            <a:lvl3pPr marL="1143000" indent="-228600" algn="l" defTabSz="914400" rtl="0" eaLnBrk="1" latinLnBrk="0" hangingPunct="1">
-              <a:lnSpc>
-                <a:spcPct val="90000"/>
-              </a:lnSpc>
-              <a:spcBef>
-                <a:spcPts val="500"/>
-              </a:spcBef>
-              <a:buFont typeface="Arial" panose="020B0604020202020204" pitchFamily="34" charset="0"/>
-              <a:buChar char="•"/>
-              <a:defRPr sz="1200" kern="1200">
-                <a:solidFill>
-                  <a:schemeClr val="tx1"/>
-                </a:solidFill>
-                <a:latin typeface="+mn-lt"/>
-                <a:ea typeface="+mn-ea"/>
-                <a:cs typeface="+mn-cs"/>
-              </a:defRPr>
-            </a:lvl3pPr>
-            <a:lvl4pPr marL="1600200" indent="-228600" algn="l" defTabSz="914400" rtl="0" eaLnBrk="1" latinLnBrk="0" hangingPunct="1">
-              <a:lnSpc>
-                <a:spcPct val="90000"/>
-              </a:lnSpc>
-              <a:spcBef>
-                <a:spcPts val="500"/>
-              </a:spcBef>
-              <a:buFont typeface="Arial" panose="020B0604020202020204" pitchFamily="34" charset="0"/>
-              <a:buChar char="•"/>
-              <a:defRPr sz="1200" kern="1200">
-                <a:solidFill>
-                  <a:schemeClr val="tx1"/>
-                </a:solidFill>
-                <a:latin typeface="+mn-lt"/>
-                <a:ea typeface="+mn-ea"/>
-                <a:cs typeface="+mn-cs"/>
-              </a:defRPr>
-            </a:lvl4pPr>
-            <a:lvl5pPr marL="2057400" indent="-228600" algn="l" defTabSz="914400" rtl="0" eaLnBrk="1" latinLnBrk="0" hangingPunct="1">
-              <a:lnSpc>
-                <a:spcPct val="90000"/>
-              </a:lnSpc>
-              <a:spcBef>
-                <a:spcPts val="500"/>
-              </a:spcBef>
-              <a:buFont typeface="Arial" panose="020B0604020202020204" pitchFamily="34" charset="0"/>
-              <a:buChar char="•"/>
-              <a:defRPr sz="1200" kern="1200">
-                <a:solidFill>
-                  <a:schemeClr val="tx1"/>
-                </a:solidFill>
-                <a:latin typeface="+mn-lt"/>
-                <a:ea typeface="+mn-ea"/>
-                <a:cs typeface="+mn-cs"/>
-              </a:defRPr>
-            </a:lvl5pPr>
-            <a:lvl6pPr marL="2514600" indent="-228600" algn="l" defTabSz="914400" rtl="0" eaLnBrk="1" latinLnBrk="0" hangingPunct="1">
-              <a:lnSpc>
-                <a:spcPct val="90000"/>
-              </a:lnSpc>
-              <a:spcBef>
-                <a:spcPts val="500"/>
-              </a:spcBef>
-              <a:buFont typeface="Arial" panose="020B0604020202020204" pitchFamily="34" charset="0"/>
-              <a:buChar char="•"/>
-              <a:defRPr sz="1800" kern="1200">
-                <a:solidFill>
-                  <a:schemeClr val="tx1"/>
-                </a:solidFill>
-                <a:latin typeface="+mn-lt"/>
-                <a:ea typeface="+mn-ea"/>
-                <a:cs typeface="+mn-cs"/>
-              </a:defRPr>
-            </a:lvl6pPr>
-            <a:lvl7pPr marL="2971800" indent="-228600" algn="l" defTabSz="914400" rtl="0" eaLnBrk="1" latinLnBrk="0" hangingPunct="1">
-              <a:lnSpc>
-                <a:spcPct val="90000"/>
-              </a:lnSpc>
-              <a:spcBef>
-                <a:spcPts val="500"/>
-              </a:spcBef>
-              <a:buFont typeface="Arial" panose="020B0604020202020204" pitchFamily="34" charset="0"/>
-              <a:buChar char="•"/>
-              <a:defRPr sz="1800" kern="1200">
-                <a:solidFill>
-                  <a:schemeClr val="tx1"/>
-                </a:solidFill>
-                <a:latin typeface="+mn-lt"/>
-                <a:ea typeface="+mn-ea"/>
-                <a:cs typeface="+mn-cs"/>
-              </a:defRPr>
-            </a:lvl7pPr>
-            <a:lvl8pPr marL="3429000" indent="-228600" algn="l" defTabSz="914400" rtl="0" eaLnBrk="1" latinLnBrk="0" hangingPunct="1">
-              <a:lnSpc>
-                <a:spcPct val="90000"/>
-              </a:lnSpc>
-              <a:spcBef>
-                <a:spcPts val="500"/>
-              </a:spcBef>
-              <a:buFont typeface="Arial" panose="020B0604020202020204" pitchFamily="34" charset="0"/>
-              <a:buChar char="•"/>
-              <a:defRPr sz="1800" kern="1200">
-                <a:solidFill>
-                  <a:schemeClr val="tx1"/>
-                </a:solidFill>
-                <a:latin typeface="+mn-lt"/>
-                <a:ea typeface="+mn-ea"/>
-                <a:cs typeface="+mn-cs"/>
-              </a:defRPr>
-            </a:lvl8pPr>
-            <a:lvl9pPr marL="3886200" indent="-228600" algn="l" defTabSz="914400" rtl="0" eaLnBrk="1" latinLnBrk="0" hangingPunct="1">
-              <a:lnSpc>
-                <a:spcPct val="90000"/>
-              </a:lnSpc>
-              <a:spcBef>
-                <a:spcPts val="500"/>
-              </a:spcBef>
-              <a:buFont typeface="Arial" panose="020B0604020202020204" pitchFamily="34" charset="0"/>
-              <a:buChar char="•"/>
-              <a:defRPr sz="1800" kern="1200">
-                <a:solidFill>
-                  <a:schemeClr val="tx1"/>
-                </a:solidFill>
-                <a:latin typeface="+mn-lt"/>
-                <a:ea typeface="+mn-ea"/>
-                <a:cs typeface="+mn-cs"/>
-              </a:defRPr>
-            </a:lvl9pPr>
-          </a:lstStyle>
-          <a:p>
-            <a:r>
-              <a:rPr lang="en-US" dirty="0"/>
-              <a:t>module </a:t>
-            </a:r>
-            <a:r>
-              <a:rPr lang="en-US" dirty="0" err="1"/>
-              <a:t>clkgen</a:t>
-            </a:r>
-            <a:r>
-              <a:rPr lang="en-US" dirty="0"/>
-              <a:t>(</a:t>
-            </a:r>
-          </a:p>
-          <a:p>
-            <a:pPr lvl="1"/>
-            <a:r>
-              <a:rPr lang="en-US" dirty="0"/>
-              <a:t>output </a:t>
-            </a:r>
-            <a:r>
-              <a:rPr lang="en-US" dirty="0" err="1"/>
-              <a:t>clk</a:t>
-            </a:r>
-            <a:r>
-              <a:rPr lang="en-US" dirty="0"/>
-              <a:t>)</a:t>
-            </a:r>
-          </a:p>
-          <a:p>
-            <a:r>
-              <a:rPr lang="en-US" dirty="0" err="1"/>
-              <a:t>endmodule</a:t>
-            </a:r>
-            <a:endParaRPr lang="en-US" dirty="0"/>
-          </a:p>
-        </p:txBody>
-      </p:sp>
-      <p:sp>
-        <p:nvSpPr>
-          <p:cNvPr id="11" name="Rectangle 10">
-            <a:extLst>
-              <a:ext uri="{FF2B5EF4-FFF2-40B4-BE49-F238E27FC236}">
-                <a16:creationId xmlns:a16="http://schemas.microsoft.com/office/drawing/2014/main" id="{C367B434-14FD-822E-FF59-0088E09D1BBC}"/>
-              </a:ext>
-            </a:extLst>
-          </p:cNvPr>
-          <p:cNvSpPr/>
-          <p:nvPr/>
-        </p:nvSpPr>
-        <p:spPr>
-          <a:xfrm>
-            <a:off x="3968986" y="1541169"/>
-            <a:ext cx="2873829" cy="741756"/>
-          </a:xfrm>
-          <a:prstGeom prst="rect">
-            <a:avLst/>
-          </a:prstGeom>
-          <a:solidFill>
-            <a:schemeClr val="accent2"/>
-          </a:solidFill>
-        </p:spPr>
-        <p:style>
-          <a:lnRef idx="2">
-            <a:schemeClr val="accent1">
-              <a:shade val="50000"/>
-            </a:schemeClr>
-          </a:lnRef>
-          <a:fillRef idx="1">
-            <a:schemeClr val="accent1"/>
-          </a:fillRef>
-          <a:effectRef idx="0">
-            <a:schemeClr val="accent1"/>
-          </a:effectRef>
-          <a:fontRef idx="minor">
-            <a:schemeClr val="lt1"/>
-          </a:fontRef>
-        </p:style>
-        <p:txBody>
-          <a:bodyPr rtlCol="0" anchor="ctr"/>
-          <a:lstStyle/>
-          <a:p>
-            <a:pPr algn="ctr"/>
-            <a:r>
-              <a:rPr lang="en-US" dirty="0"/>
-              <a:t>module </a:t>
-            </a:r>
-            <a:r>
-              <a:rPr lang="en-US" dirty="0" err="1"/>
-              <a:t>axi</a:t>
-            </a:r>
-            <a:r>
-              <a:rPr lang="en-US" dirty="0"/>
-              <a:t>_</a:t>
-            </a:r>
-          </a:p>
-        </p:txBody>
-      </p:sp>
-      <p:cxnSp>
-        <p:nvCxnSpPr>
-          <p:cNvPr id="12" name="Straight Arrow Connector 11">
-            <a:extLst>
-              <a:ext uri="{FF2B5EF4-FFF2-40B4-BE49-F238E27FC236}">
-                <a16:creationId xmlns:a16="http://schemas.microsoft.com/office/drawing/2014/main" id="{C44171CA-F278-841B-3EA9-73B642359E42}"/>
-              </a:ext>
-            </a:extLst>
-          </p:cNvPr>
-          <p:cNvCxnSpPr>
-            <a:cxnSpLocks/>
-          </p:cNvCxnSpPr>
-          <p:nvPr/>
-        </p:nvCxnSpPr>
-        <p:spPr>
-          <a:xfrm>
-            <a:off x="2864105" y="1932022"/>
-            <a:ext cx="1104881" cy="0"/>
-          </a:xfrm>
-          <a:prstGeom prst="straightConnector1">
-            <a:avLst/>
-          </a:prstGeom>
-          <a:ln w="19050">
-            <a:solidFill>
-              <a:srgbClr val="C00000"/>
-            </a:solidFill>
-            <a:tailEnd type="triangle"/>
-          </a:ln>
-        </p:spPr>
-        <p:style>
-          <a:lnRef idx="1">
-            <a:schemeClr val="accent6"/>
-          </a:lnRef>
-          <a:fillRef idx="0">
-            <a:schemeClr val="accent6"/>
-          </a:fillRef>
-          <a:effectRef idx="0">
-            <a:schemeClr val="accent6"/>
-          </a:effectRef>
-          <a:fontRef idx="minor">
-            <a:schemeClr val="tx1"/>
-          </a:fontRef>
-        </p:style>
-      </p:cxnSp>
-    </p:spTree>
-    <p:extLst>
-      <p:ext uri="{BB962C8B-B14F-4D97-AF65-F5344CB8AC3E}">
-        <p14:creationId xmlns:p14="http://schemas.microsoft.com/office/powerpoint/2010/main" val="3282851643"/>
-      </p:ext>
-    </p:extLst>
-  </p:cSld>
-  <p:clrMapOvr>
-    <a:masterClrMapping/>
-  </p:clrMapOvr>
-</p:sld>
-</file>
-
-<file path=ppt/slides/slide9.xml><?xml version="1.0" encoding="utf-8"?>
-<p:sld xmlns:a="http://schemas.openxmlformats.org/drawingml/2006/main" xmlns:r="http://schemas.openxmlformats.org/officeDocument/2006/relationships" xmlns:p="http://schemas.openxmlformats.org/presentationml/2006/main">
-  <p:cSld>
-    <p:spTree>
-      <p:nvGrpSpPr>
-        <p:cNvPr id="1" name=""/>
-        <p:cNvGrpSpPr/>
-        <p:nvPr/>
-      </p:nvGrpSpPr>
-      <p:grpSpPr>
-        <a:xfrm>
-          <a:off x="0" y="0"/>
-          <a:ext cx="0" cy="0"/>
-          <a:chOff x="0" y="0"/>
-          <a:chExt cx="0" cy="0"/>
-        </a:xfrm>
-      </p:grpSpPr>
-      <p:sp>
-        <p:nvSpPr>
-          <p:cNvPr id="2" name="Title 1">
-            <a:extLst>
-              <a:ext uri="{FF2B5EF4-FFF2-40B4-BE49-F238E27FC236}">
-                <a16:creationId xmlns:a16="http://schemas.microsoft.com/office/drawing/2014/main" id="{E6E7246E-6DDB-2F98-52B0-04AB5D144996}"/>
-              </a:ext>
-            </a:extLst>
-          </p:cNvPr>
-          <p:cNvSpPr>
-            <a:spLocks noGrp="1"/>
-          </p:cNvSpPr>
-          <p:nvPr>
-            <p:ph type="title"/>
-          </p:nvPr>
-        </p:nvSpPr>
-        <p:spPr/>
-        <p:txBody>
-          <a:bodyPr/>
-          <a:lstStyle/>
-          <a:p>
-            <a:r>
-              <a:rPr lang="en-US" dirty="0"/>
-              <a:t>lab04</a:t>
-            </a:r>
-          </a:p>
-        </p:txBody>
-      </p:sp>
-      <p:sp>
-        <p:nvSpPr>
-          <p:cNvPr id="4" name="Slide Number Placeholder 3">
-            <a:extLst>
-              <a:ext uri="{FF2B5EF4-FFF2-40B4-BE49-F238E27FC236}">
-                <a16:creationId xmlns:a16="http://schemas.microsoft.com/office/drawing/2014/main" id="{A653B7C0-A01B-B019-AE82-6D2CF11E10FE}"/>
-              </a:ext>
-            </a:extLst>
-          </p:cNvPr>
-          <p:cNvSpPr>
-            <a:spLocks noGrp="1"/>
-          </p:cNvSpPr>
-          <p:nvPr>
-            <p:ph type="sldNum" sz="quarter" idx="12"/>
-          </p:nvPr>
-        </p:nvSpPr>
-        <p:spPr/>
-        <p:txBody>
-          <a:bodyPr/>
-          <a:lstStyle/>
-          <a:p>
-            <a:fld id="{8A2B06E4-34D2-4DD4-ABFF-9F74AC2B18B5}" type="slidenum">
-              <a:rPr lang="en-US" smtClean="0"/>
-              <a:t>9</a:t>
-            </a:fld>
-            <a:endParaRPr lang="en-US" dirty="0"/>
-          </a:p>
-        </p:txBody>
-      </p:sp>
-      <p:sp>
-        <p:nvSpPr>
-          <p:cNvPr id="5" name="Oval 4">
-            <a:extLst>
-              <a:ext uri="{FF2B5EF4-FFF2-40B4-BE49-F238E27FC236}">
-                <a16:creationId xmlns:a16="http://schemas.microsoft.com/office/drawing/2014/main" id="{67CE74D4-43F8-ED2C-D5EE-727D52A246D7}"/>
-              </a:ext>
-            </a:extLst>
-          </p:cNvPr>
-          <p:cNvSpPr/>
-          <p:nvPr/>
-        </p:nvSpPr>
-        <p:spPr>
-          <a:xfrm>
-            <a:off x="1507957" y="3882046"/>
-            <a:ext cx="962527" cy="930442"/>
-          </a:xfrm>
-          <a:prstGeom prst="ellipse">
-            <a:avLst/>
-          </a:prstGeom>
-        </p:spPr>
-        <p:style>
-          <a:lnRef idx="2">
-            <a:schemeClr val="accent1">
-              <a:shade val="50000"/>
-            </a:schemeClr>
-          </a:lnRef>
-          <a:fillRef idx="1">
-            <a:schemeClr val="accent1"/>
-          </a:fillRef>
-          <a:effectRef idx="0">
-            <a:schemeClr val="accent1"/>
-          </a:effectRef>
-          <a:fontRef idx="minor">
-            <a:schemeClr val="lt1"/>
-          </a:fontRef>
-        </p:style>
-        <p:txBody>
-          <a:bodyPr rtlCol="0" anchor="ctr"/>
-          <a:lstStyle/>
-          <a:p>
-            <a:pPr algn="ctr"/>
-            <a:r>
-              <a:rPr lang="en-US" dirty="0"/>
-              <a:t>IDLE</a:t>
-            </a:r>
-          </a:p>
-        </p:txBody>
-      </p:sp>
-      <p:sp>
-        <p:nvSpPr>
-          <p:cNvPr id="6" name="Oval 5">
-            <a:extLst>
-              <a:ext uri="{FF2B5EF4-FFF2-40B4-BE49-F238E27FC236}">
-                <a16:creationId xmlns:a16="http://schemas.microsoft.com/office/drawing/2014/main" id="{22216712-1D2F-3EE1-B5A9-117D0B999522}"/>
-              </a:ext>
-            </a:extLst>
-          </p:cNvPr>
-          <p:cNvSpPr/>
-          <p:nvPr/>
-        </p:nvSpPr>
-        <p:spPr>
-          <a:xfrm>
-            <a:off x="3449051" y="3882046"/>
-            <a:ext cx="1235244" cy="930442"/>
-          </a:xfrm>
-          <a:prstGeom prst="ellipse">
-            <a:avLst/>
-          </a:prstGeom>
-        </p:spPr>
-        <p:style>
-          <a:lnRef idx="2">
-            <a:schemeClr val="accent1">
-              <a:shade val="50000"/>
-            </a:schemeClr>
-          </a:lnRef>
-          <a:fillRef idx="1">
-            <a:schemeClr val="accent1"/>
-          </a:fillRef>
-          <a:effectRef idx="0">
-            <a:schemeClr val="accent1"/>
-          </a:effectRef>
-          <a:fontRef idx="minor">
-            <a:schemeClr val="lt1"/>
-          </a:fontRef>
-        </p:style>
-        <p:txBody>
-          <a:bodyPr rtlCol="0" anchor="ctr"/>
-          <a:lstStyle/>
-          <a:p>
-            <a:pPr algn="ctr"/>
-            <a:r>
-              <a:rPr lang="en-US" dirty="0"/>
-              <a:t>FIRST</a:t>
-            </a:r>
-          </a:p>
-        </p:txBody>
-      </p:sp>
-      <p:sp>
-        <p:nvSpPr>
-          <p:cNvPr id="7" name="Oval 6">
-            <a:extLst>
-              <a:ext uri="{FF2B5EF4-FFF2-40B4-BE49-F238E27FC236}">
-                <a16:creationId xmlns:a16="http://schemas.microsoft.com/office/drawing/2014/main" id="{584E0225-E5B4-F7DB-E0AF-3A01B53D9DA5}"/>
-              </a:ext>
-            </a:extLst>
-          </p:cNvPr>
-          <p:cNvSpPr/>
-          <p:nvPr/>
-        </p:nvSpPr>
-        <p:spPr>
-          <a:xfrm>
-            <a:off x="5694949" y="3882046"/>
-            <a:ext cx="1375282" cy="930442"/>
-          </a:xfrm>
-          <a:prstGeom prst="ellipse">
-            <a:avLst/>
-          </a:prstGeom>
-        </p:spPr>
-        <p:style>
-          <a:lnRef idx="2">
-            <a:schemeClr val="accent1">
-              <a:shade val="50000"/>
-            </a:schemeClr>
-          </a:lnRef>
-          <a:fillRef idx="1">
-            <a:schemeClr val="accent1"/>
-          </a:fillRef>
-          <a:effectRef idx="0">
-            <a:schemeClr val="accent1"/>
-          </a:effectRef>
-          <a:fontRef idx="minor">
-            <a:schemeClr val="lt1"/>
-          </a:fontRef>
-        </p:style>
-        <p:txBody>
-          <a:bodyPr rtlCol="0" anchor="ctr"/>
-          <a:lstStyle/>
-          <a:p>
-            <a:pPr algn="ctr"/>
-            <a:r>
-              <a:rPr lang="en-US" dirty="0"/>
-              <a:t>SECOND</a:t>
-            </a:r>
-          </a:p>
-        </p:txBody>
-      </p:sp>
-      <p:sp>
-        <p:nvSpPr>
-          <p:cNvPr id="8" name="Oval 7">
-            <a:extLst>
-              <a:ext uri="{FF2B5EF4-FFF2-40B4-BE49-F238E27FC236}">
-                <a16:creationId xmlns:a16="http://schemas.microsoft.com/office/drawing/2014/main" id="{D214CD47-E5FB-537B-BC9C-656A393D7711}"/>
-              </a:ext>
-            </a:extLst>
-          </p:cNvPr>
-          <p:cNvSpPr/>
-          <p:nvPr/>
-        </p:nvSpPr>
-        <p:spPr>
-          <a:xfrm>
-            <a:off x="8080885" y="3882046"/>
-            <a:ext cx="1375282" cy="930442"/>
-          </a:xfrm>
-          <a:prstGeom prst="ellipse">
-            <a:avLst/>
-          </a:prstGeom>
-        </p:spPr>
-        <p:style>
-          <a:lnRef idx="2">
-            <a:schemeClr val="accent1">
-              <a:shade val="50000"/>
-            </a:schemeClr>
-          </a:lnRef>
-          <a:fillRef idx="1">
-            <a:schemeClr val="accent1"/>
-          </a:fillRef>
-          <a:effectRef idx="0">
-            <a:schemeClr val="accent1"/>
-          </a:effectRef>
-          <a:fontRef idx="minor">
-            <a:schemeClr val="lt1"/>
-          </a:fontRef>
-        </p:style>
-        <p:txBody>
-          <a:bodyPr rtlCol="0" anchor="ctr"/>
-          <a:lstStyle/>
-          <a:p>
-            <a:pPr algn="ctr"/>
-            <a:r>
-              <a:rPr lang="en-US" dirty="0"/>
-              <a:t>LAST</a:t>
-            </a:r>
-          </a:p>
-        </p:txBody>
-      </p:sp>
-      <p:cxnSp>
-        <p:nvCxnSpPr>
-          <p:cNvPr id="9" name="Straight Arrow Connector 8">
-            <a:extLst>
-              <a:ext uri="{FF2B5EF4-FFF2-40B4-BE49-F238E27FC236}">
-                <a16:creationId xmlns:a16="http://schemas.microsoft.com/office/drawing/2014/main" id="{9E4A227B-17ED-055E-6264-DA38ECBFFD8B}"/>
-              </a:ext>
-            </a:extLst>
-          </p:cNvPr>
-          <p:cNvCxnSpPr>
-            <a:cxnSpLocks/>
-            <a:stCxn id="5" idx="6"/>
-            <a:endCxn id="6" idx="2"/>
-          </p:cNvCxnSpPr>
-          <p:nvPr/>
-        </p:nvCxnSpPr>
-        <p:spPr>
-          <a:xfrm>
-            <a:off x="2470484" y="4347267"/>
-            <a:ext cx="978567" cy="0"/>
-          </a:xfrm>
-          <a:prstGeom prst="straightConnector1">
-            <a:avLst/>
-          </a:prstGeom>
-          <a:ln w="19050">
-            <a:solidFill>
-              <a:srgbClr val="C00000"/>
-            </a:solidFill>
-            <a:tailEnd type="triangle"/>
-          </a:ln>
-        </p:spPr>
-        <p:style>
-          <a:lnRef idx="1">
-            <a:schemeClr val="accent6"/>
-          </a:lnRef>
-          <a:fillRef idx="0">
-            <a:schemeClr val="accent6"/>
-          </a:fillRef>
-          <a:effectRef idx="0">
-            <a:schemeClr val="accent6"/>
-          </a:effectRef>
-          <a:fontRef idx="minor">
-            <a:schemeClr val="tx1"/>
-          </a:fontRef>
-        </p:style>
-      </p:cxnSp>
-      <p:sp>
-        <p:nvSpPr>
-          <p:cNvPr id="12" name="Arrow: Curved Down 11">
-            <a:extLst>
-              <a:ext uri="{FF2B5EF4-FFF2-40B4-BE49-F238E27FC236}">
-                <a16:creationId xmlns:a16="http://schemas.microsoft.com/office/drawing/2014/main" id="{F6A2CBA0-0928-6AF2-750C-0CC3F6FB669B}"/>
-              </a:ext>
-            </a:extLst>
-          </p:cNvPr>
-          <p:cNvSpPr/>
-          <p:nvPr/>
-        </p:nvSpPr>
-        <p:spPr>
-          <a:xfrm>
-            <a:off x="1754604" y="2951604"/>
-            <a:ext cx="625642" cy="930442"/>
-          </a:xfrm>
-          <a:prstGeom prst="curvedDownArrow">
-            <a:avLst/>
-          </a:prstGeom>
-          <a:solidFill>
-            <a:srgbClr val="FF0000"/>
-          </a:solidFill>
-        </p:spPr>
-        <p:style>
-          <a:lnRef idx="2">
-            <a:schemeClr val="accent1">
-              <a:shade val="50000"/>
-            </a:schemeClr>
-          </a:lnRef>
-          <a:fillRef idx="1">
-            <a:schemeClr val="accent1"/>
-          </a:fillRef>
-          <a:effectRef idx="0">
-            <a:schemeClr val="accent1"/>
-          </a:effectRef>
-          <a:fontRef idx="minor">
-            <a:schemeClr val="lt1"/>
-          </a:fontRef>
-        </p:style>
-        <p:txBody>
-          <a:bodyPr rtlCol="0" anchor="ctr"/>
-          <a:lstStyle/>
-          <a:p>
-            <a:pPr algn="ctr"/>
-            <a:endParaRPr lang="en-US">
-              <a:solidFill>
-                <a:schemeClr val="tx1"/>
-              </a:solidFill>
-            </a:endParaRPr>
-          </a:p>
-        </p:txBody>
-      </p:sp>
-      <p:cxnSp>
-        <p:nvCxnSpPr>
-          <p:cNvPr id="13" name="Straight Arrow Connector 12">
-            <a:extLst>
-              <a:ext uri="{FF2B5EF4-FFF2-40B4-BE49-F238E27FC236}">
-                <a16:creationId xmlns:a16="http://schemas.microsoft.com/office/drawing/2014/main" id="{ED432BD8-0F3C-979F-B0CC-DF98C61B0C8A}"/>
-              </a:ext>
-            </a:extLst>
-          </p:cNvPr>
-          <p:cNvCxnSpPr>
-            <a:cxnSpLocks/>
-          </p:cNvCxnSpPr>
-          <p:nvPr/>
-        </p:nvCxnSpPr>
-        <p:spPr>
-          <a:xfrm>
-            <a:off x="4684295" y="4347267"/>
-            <a:ext cx="978567" cy="0"/>
-          </a:xfrm>
-          <a:prstGeom prst="straightConnector1">
-            <a:avLst/>
-          </a:prstGeom>
-          <a:ln w="19050">
-            <a:solidFill>
-              <a:srgbClr val="C00000"/>
-            </a:solidFill>
-            <a:tailEnd type="triangle"/>
-          </a:ln>
-        </p:spPr>
-        <p:style>
-          <a:lnRef idx="1">
-            <a:schemeClr val="accent6"/>
-          </a:lnRef>
-          <a:fillRef idx="0">
-            <a:schemeClr val="accent6"/>
-          </a:fillRef>
-          <a:effectRef idx="0">
-            <a:schemeClr val="accent6"/>
-          </a:effectRef>
-          <a:fontRef idx="minor">
-            <a:schemeClr val="tx1"/>
-          </a:fontRef>
-        </p:style>
-      </p:cxnSp>
-      <p:cxnSp>
-        <p:nvCxnSpPr>
-          <p:cNvPr id="14" name="Straight Arrow Connector 13">
-            <a:extLst>
-              <a:ext uri="{FF2B5EF4-FFF2-40B4-BE49-F238E27FC236}">
-                <a16:creationId xmlns:a16="http://schemas.microsoft.com/office/drawing/2014/main" id="{7F086A61-C436-038C-4A78-341332E81D54}"/>
-              </a:ext>
-            </a:extLst>
-          </p:cNvPr>
-          <p:cNvCxnSpPr>
-            <a:cxnSpLocks/>
-          </p:cNvCxnSpPr>
-          <p:nvPr/>
-        </p:nvCxnSpPr>
-        <p:spPr>
-          <a:xfrm>
-            <a:off x="7070231" y="4347267"/>
-            <a:ext cx="978567" cy="0"/>
-          </a:xfrm>
-          <a:prstGeom prst="straightConnector1">
-            <a:avLst/>
-          </a:prstGeom>
-          <a:ln w="19050">
-            <a:solidFill>
-              <a:srgbClr val="C00000"/>
-            </a:solidFill>
-            <a:tailEnd type="triangle"/>
-          </a:ln>
-        </p:spPr>
-        <p:style>
-          <a:lnRef idx="1">
-            <a:schemeClr val="accent6"/>
-          </a:lnRef>
-          <a:fillRef idx="0">
-            <a:schemeClr val="accent6"/>
-          </a:fillRef>
-          <a:effectRef idx="0">
-            <a:schemeClr val="accent6"/>
-          </a:effectRef>
-          <a:fontRef idx="minor">
-            <a:schemeClr val="tx1"/>
-          </a:fontRef>
-        </p:style>
-      </p:cxnSp>
-      <p:sp>
-        <p:nvSpPr>
-          <p:cNvPr id="15" name="Arrow: Curved Down 14">
-            <a:extLst>
-              <a:ext uri="{FF2B5EF4-FFF2-40B4-BE49-F238E27FC236}">
-                <a16:creationId xmlns:a16="http://schemas.microsoft.com/office/drawing/2014/main" id="{16BDDEF8-E837-D149-F914-65A3D852F7FD}"/>
-              </a:ext>
-            </a:extLst>
-          </p:cNvPr>
-          <p:cNvSpPr/>
-          <p:nvPr/>
-        </p:nvSpPr>
-        <p:spPr>
-          <a:xfrm flipH="1" flipV="1">
-            <a:off x="2037345" y="4799365"/>
-            <a:ext cx="6384104" cy="930441"/>
-          </a:xfrm>
-          <a:prstGeom prst="curvedDownArrow">
-            <a:avLst/>
-          </a:prstGeom>
-          <a:solidFill>
-            <a:srgbClr val="FF0000"/>
-          </a:solidFill>
-        </p:spPr>
-        <p:style>
-          <a:lnRef idx="2">
-            <a:schemeClr val="accent1">
-              <a:shade val="50000"/>
-            </a:schemeClr>
-          </a:lnRef>
-          <a:fillRef idx="1">
-            <a:schemeClr val="accent1"/>
-          </a:fillRef>
-          <a:effectRef idx="0">
-            <a:schemeClr val="accent1"/>
-          </a:effectRef>
-          <a:fontRef idx="minor">
-            <a:schemeClr val="lt1"/>
-          </a:fontRef>
-        </p:style>
-        <p:txBody>
-          <a:bodyPr rtlCol="0" anchor="ctr"/>
-          <a:lstStyle/>
-          <a:p>
-            <a:pPr algn="ctr"/>
-            <a:endParaRPr lang="en-US">
-              <a:solidFill>
-                <a:schemeClr val="tx1"/>
-              </a:solidFill>
-            </a:endParaRPr>
-          </a:p>
-        </p:txBody>
-      </p:sp>
-      <p:sp>
-        <p:nvSpPr>
-          <p:cNvPr id="10" name="Content Placeholder 2">
-            <a:extLst>
-              <a:ext uri="{FF2B5EF4-FFF2-40B4-BE49-F238E27FC236}">
-                <a16:creationId xmlns:a16="http://schemas.microsoft.com/office/drawing/2014/main" id="{1EDD9412-7D1E-387D-C5EB-3AB16BD8EDCF}"/>
-              </a:ext>
-            </a:extLst>
-          </p:cNvPr>
-          <p:cNvSpPr>
-            <a:spLocks noGrp="1"/>
-          </p:cNvSpPr>
-          <p:nvPr>
-            <p:ph idx="1"/>
-          </p:nvPr>
-        </p:nvSpPr>
-        <p:spPr>
-          <a:xfrm>
-            <a:off x="4635839" y="3882046"/>
-            <a:ext cx="1187116" cy="599152"/>
-          </a:xfrm>
-        </p:spPr>
-        <p:txBody>
-          <a:bodyPr/>
-          <a:lstStyle/>
-          <a:p>
-            <a:r>
-              <a:rPr lang="en-US" dirty="0"/>
-              <a:t>200sec</a:t>
-            </a:r>
-          </a:p>
-        </p:txBody>
-      </p:sp>
-      <p:sp>
-        <p:nvSpPr>
-          <p:cNvPr id="11" name="Content Placeholder 2">
-            <a:extLst>
-              <a:ext uri="{FF2B5EF4-FFF2-40B4-BE49-F238E27FC236}">
-                <a16:creationId xmlns:a16="http://schemas.microsoft.com/office/drawing/2014/main" id="{8C722C8C-3547-9C39-3A3A-D5B137897A9A}"/>
-              </a:ext>
-            </a:extLst>
-          </p:cNvPr>
-          <p:cNvSpPr txBox="1">
-            <a:spLocks/>
-          </p:cNvSpPr>
-          <p:nvPr/>
-        </p:nvSpPr>
-        <p:spPr>
-          <a:xfrm>
-            <a:off x="7009743" y="3882046"/>
-            <a:ext cx="1187116" cy="518798"/>
-          </a:xfrm>
-          <a:prstGeom prst="rect">
-            <a:avLst/>
-          </a:prstGeom>
-        </p:spPr>
-        <p:txBody>
-          <a:bodyPr vert="horz" lIns="91440" tIns="45720" rIns="91440" bIns="45720" rtlCol="0">
-            <a:normAutofit/>
-          </a:bodyPr>
-          <a:lstStyle>
-            <a:lvl1pPr marL="228600" indent="-228600" algn="l" defTabSz="914400" rtl="0" eaLnBrk="1" latinLnBrk="0" hangingPunct="1">
-              <a:lnSpc>
-                <a:spcPct val="90000"/>
-              </a:lnSpc>
-              <a:spcBef>
-                <a:spcPts val="1000"/>
-              </a:spcBef>
-              <a:buFont typeface="Arial" panose="020B0604020202020204" pitchFamily="34" charset="0"/>
-              <a:buChar char="•"/>
-              <a:defRPr sz="1400" kern="1200">
-                <a:solidFill>
-                  <a:schemeClr val="tx1"/>
-                </a:solidFill>
-                <a:latin typeface="+mn-lt"/>
-                <a:ea typeface="+mn-ea"/>
-                <a:cs typeface="+mn-cs"/>
-              </a:defRPr>
-            </a:lvl1pPr>
-            <a:lvl2pPr marL="685800" indent="-228600" algn="l" defTabSz="914400" rtl="0" eaLnBrk="1" latinLnBrk="0" hangingPunct="1">
-              <a:lnSpc>
-                <a:spcPct val="90000"/>
-              </a:lnSpc>
-              <a:spcBef>
-                <a:spcPts val="500"/>
-              </a:spcBef>
-              <a:buFont typeface="Arial" panose="020B0604020202020204" pitchFamily="34" charset="0"/>
-              <a:buChar char="•"/>
-              <a:defRPr sz="1200" kern="1200">
-                <a:solidFill>
-                  <a:schemeClr val="tx1"/>
-                </a:solidFill>
-                <a:latin typeface="+mn-lt"/>
-                <a:ea typeface="+mn-ea"/>
-                <a:cs typeface="+mn-cs"/>
-              </a:defRPr>
-            </a:lvl2pPr>
-            <a:lvl3pPr marL="1143000" indent="-228600" algn="l" defTabSz="914400" rtl="0" eaLnBrk="1" latinLnBrk="0" hangingPunct="1">
-              <a:lnSpc>
-                <a:spcPct val="90000"/>
-              </a:lnSpc>
-              <a:spcBef>
-                <a:spcPts val="500"/>
-              </a:spcBef>
-              <a:buFont typeface="Arial" panose="020B0604020202020204" pitchFamily="34" charset="0"/>
-              <a:buChar char="•"/>
-              <a:defRPr sz="1200" kern="1200">
-                <a:solidFill>
-                  <a:schemeClr val="tx1"/>
-                </a:solidFill>
-                <a:latin typeface="+mn-lt"/>
-                <a:ea typeface="+mn-ea"/>
-                <a:cs typeface="+mn-cs"/>
-              </a:defRPr>
-            </a:lvl3pPr>
-            <a:lvl4pPr marL="1600200" indent="-228600" algn="l" defTabSz="914400" rtl="0" eaLnBrk="1" latinLnBrk="0" hangingPunct="1">
-              <a:lnSpc>
-                <a:spcPct val="90000"/>
-              </a:lnSpc>
-              <a:spcBef>
-                <a:spcPts val="500"/>
-              </a:spcBef>
-              <a:buFont typeface="Arial" panose="020B0604020202020204" pitchFamily="34" charset="0"/>
-              <a:buChar char="•"/>
-              <a:defRPr sz="1200" kern="1200">
-                <a:solidFill>
-                  <a:schemeClr val="tx1"/>
-                </a:solidFill>
-                <a:latin typeface="+mn-lt"/>
-                <a:ea typeface="+mn-ea"/>
-                <a:cs typeface="+mn-cs"/>
-              </a:defRPr>
-            </a:lvl4pPr>
-            <a:lvl5pPr marL="2057400" indent="-228600" algn="l" defTabSz="914400" rtl="0" eaLnBrk="1" latinLnBrk="0" hangingPunct="1">
-              <a:lnSpc>
-                <a:spcPct val="90000"/>
-              </a:lnSpc>
-              <a:spcBef>
-                <a:spcPts val="500"/>
-              </a:spcBef>
-              <a:buFont typeface="Arial" panose="020B0604020202020204" pitchFamily="34" charset="0"/>
-              <a:buChar char="•"/>
-              <a:defRPr sz="1200" kern="1200">
-                <a:solidFill>
-                  <a:schemeClr val="tx1"/>
-                </a:solidFill>
-                <a:latin typeface="+mn-lt"/>
-                <a:ea typeface="+mn-ea"/>
-                <a:cs typeface="+mn-cs"/>
-              </a:defRPr>
-            </a:lvl5pPr>
-            <a:lvl6pPr marL="2514600" indent="-228600" algn="l" defTabSz="914400" rtl="0" eaLnBrk="1" latinLnBrk="0" hangingPunct="1">
-              <a:lnSpc>
-                <a:spcPct val="90000"/>
-              </a:lnSpc>
-              <a:spcBef>
-                <a:spcPts val="500"/>
-              </a:spcBef>
-              <a:buFont typeface="Arial" panose="020B0604020202020204" pitchFamily="34" charset="0"/>
-              <a:buChar char="•"/>
-              <a:defRPr sz="1800" kern="1200">
-                <a:solidFill>
-                  <a:schemeClr val="tx1"/>
-                </a:solidFill>
-                <a:latin typeface="+mn-lt"/>
-                <a:ea typeface="+mn-ea"/>
-                <a:cs typeface="+mn-cs"/>
-              </a:defRPr>
-            </a:lvl6pPr>
-            <a:lvl7pPr marL="2971800" indent="-228600" algn="l" defTabSz="914400" rtl="0" eaLnBrk="1" latinLnBrk="0" hangingPunct="1">
-              <a:lnSpc>
-                <a:spcPct val="90000"/>
-              </a:lnSpc>
-              <a:spcBef>
-                <a:spcPts val="500"/>
-              </a:spcBef>
-              <a:buFont typeface="Arial" panose="020B0604020202020204" pitchFamily="34" charset="0"/>
-              <a:buChar char="•"/>
-              <a:defRPr sz="1800" kern="1200">
-                <a:solidFill>
-                  <a:schemeClr val="tx1"/>
-                </a:solidFill>
-                <a:latin typeface="+mn-lt"/>
-                <a:ea typeface="+mn-ea"/>
-                <a:cs typeface="+mn-cs"/>
-              </a:defRPr>
-            </a:lvl7pPr>
-            <a:lvl8pPr marL="3429000" indent="-228600" algn="l" defTabSz="914400" rtl="0" eaLnBrk="1" latinLnBrk="0" hangingPunct="1">
-              <a:lnSpc>
-                <a:spcPct val="90000"/>
-              </a:lnSpc>
-              <a:spcBef>
-                <a:spcPts val="500"/>
-              </a:spcBef>
-              <a:buFont typeface="Arial" panose="020B0604020202020204" pitchFamily="34" charset="0"/>
-              <a:buChar char="•"/>
-              <a:defRPr sz="1800" kern="1200">
-                <a:solidFill>
-                  <a:schemeClr val="tx1"/>
-                </a:solidFill>
-                <a:latin typeface="+mn-lt"/>
-                <a:ea typeface="+mn-ea"/>
-                <a:cs typeface="+mn-cs"/>
-              </a:defRPr>
-            </a:lvl8pPr>
-            <a:lvl9pPr marL="3886200" indent="-228600" algn="l" defTabSz="914400" rtl="0" eaLnBrk="1" latinLnBrk="0" hangingPunct="1">
-              <a:lnSpc>
-                <a:spcPct val="90000"/>
-              </a:lnSpc>
-              <a:spcBef>
-                <a:spcPts val="500"/>
-              </a:spcBef>
-              <a:buFont typeface="Arial" panose="020B0604020202020204" pitchFamily="34" charset="0"/>
-              <a:buChar char="•"/>
-              <a:defRPr sz="1800" kern="1200">
-                <a:solidFill>
-                  <a:schemeClr val="tx1"/>
-                </a:solidFill>
-                <a:latin typeface="+mn-lt"/>
-                <a:ea typeface="+mn-ea"/>
-                <a:cs typeface="+mn-cs"/>
-              </a:defRPr>
-            </a:lvl9pPr>
-          </a:lstStyle>
-          <a:p>
-            <a:r>
-              <a:rPr lang="en-US" dirty="0"/>
-              <a:t>100sec</a:t>
-            </a:r>
-          </a:p>
-        </p:txBody>
-      </p:sp>
-      <p:sp>
-        <p:nvSpPr>
-          <p:cNvPr id="17" name="Content Placeholder 2">
-            <a:extLst>
-              <a:ext uri="{FF2B5EF4-FFF2-40B4-BE49-F238E27FC236}">
-                <a16:creationId xmlns:a16="http://schemas.microsoft.com/office/drawing/2014/main" id="{46ED323A-D782-4031-736B-43DB6B1CD1BA}"/>
-              </a:ext>
-            </a:extLst>
-          </p:cNvPr>
-          <p:cNvSpPr txBox="1">
-            <a:spLocks/>
-          </p:cNvSpPr>
-          <p:nvPr/>
-        </p:nvSpPr>
-        <p:spPr>
-          <a:xfrm>
-            <a:off x="4635839" y="2065396"/>
-            <a:ext cx="1631796" cy="599152"/>
-          </a:xfrm>
-          <a:prstGeom prst="rect">
-            <a:avLst/>
-          </a:prstGeom>
-        </p:spPr>
-        <p:txBody>
-          <a:bodyPr vert="horz" lIns="91440" tIns="45720" rIns="91440" bIns="45720" rtlCol="0">
-            <a:normAutofit/>
-          </a:bodyPr>
-          <a:lstStyle>
-            <a:lvl1pPr marL="228600" indent="-228600" algn="l" defTabSz="914400" rtl="0" eaLnBrk="1" latinLnBrk="0" hangingPunct="1">
-              <a:lnSpc>
-                <a:spcPct val="90000"/>
-              </a:lnSpc>
-              <a:spcBef>
-                <a:spcPts val="1000"/>
-              </a:spcBef>
-              <a:buFont typeface="Arial" panose="020B0604020202020204" pitchFamily="34" charset="0"/>
-              <a:buChar char="•"/>
-              <a:defRPr sz="1400" kern="1200">
-                <a:solidFill>
-                  <a:schemeClr val="tx1"/>
-                </a:solidFill>
-                <a:latin typeface="+mn-lt"/>
-                <a:ea typeface="+mn-ea"/>
-                <a:cs typeface="+mn-cs"/>
-              </a:defRPr>
-            </a:lvl1pPr>
-            <a:lvl2pPr marL="685800" indent="-228600" algn="l" defTabSz="914400" rtl="0" eaLnBrk="1" latinLnBrk="0" hangingPunct="1">
-              <a:lnSpc>
-                <a:spcPct val="90000"/>
-              </a:lnSpc>
-              <a:spcBef>
-                <a:spcPts val="500"/>
-              </a:spcBef>
-              <a:buFont typeface="Arial" panose="020B0604020202020204" pitchFamily="34" charset="0"/>
-              <a:buChar char="•"/>
-              <a:defRPr sz="1200" kern="1200">
-                <a:solidFill>
-                  <a:schemeClr val="tx1"/>
-                </a:solidFill>
-                <a:latin typeface="+mn-lt"/>
-                <a:ea typeface="+mn-ea"/>
-                <a:cs typeface="+mn-cs"/>
-              </a:defRPr>
-            </a:lvl2pPr>
-            <a:lvl3pPr marL="1143000" indent="-228600" algn="l" defTabSz="914400" rtl="0" eaLnBrk="1" latinLnBrk="0" hangingPunct="1">
-              <a:lnSpc>
-                <a:spcPct val="90000"/>
-              </a:lnSpc>
-              <a:spcBef>
-                <a:spcPts val="500"/>
-              </a:spcBef>
-              <a:buFont typeface="Arial" panose="020B0604020202020204" pitchFamily="34" charset="0"/>
-              <a:buChar char="•"/>
-              <a:defRPr sz="1200" kern="1200">
-                <a:solidFill>
-                  <a:schemeClr val="tx1"/>
-                </a:solidFill>
-                <a:latin typeface="+mn-lt"/>
-                <a:ea typeface="+mn-ea"/>
-                <a:cs typeface="+mn-cs"/>
-              </a:defRPr>
-            </a:lvl3pPr>
-            <a:lvl4pPr marL="1600200" indent="-228600" algn="l" defTabSz="914400" rtl="0" eaLnBrk="1" latinLnBrk="0" hangingPunct="1">
-              <a:lnSpc>
-                <a:spcPct val="90000"/>
-              </a:lnSpc>
-              <a:spcBef>
-                <a:spcPts val="500"/>
-              </a:spcBef>
-              <a:buFont typeface="Arial" panose="020B0604020202020204" pitchFamily="34" charset="0"/>
-              <a:buChar char="•"/>
-              <a:defRPr sz="1200" kern="1200">
-                <a:solidFill>
-                  <a:schemeClr val="tx1"/>
-                </a:solidFill>
-                <a:latin typeface="+mn-lt"/>
-                <a:ea typeface="+mn-ea"/>
-                <a:cs typeface="+mn-cs"/>
-              </a:defRPr>
-            </a:lvl4pPr>
-            <a:lvl5pPr marL="2057400" indent="-228600" algn="l" defTabSz="914400" rtl="0" eaLnBrk="1" latinLnBrk="0" hangingPunct="1">
-              <a:lnSpc>
-                <a:spcPct val="90000"/>
-              </a:lnSpc>
-              <a:spcBef>
-                <a:spcPts val="500"/>
-              </a:spcBef>
-              <a:buFont typeface="Arial" panose="020B0604020202020204" pitchFamily="34" charset="0"/>
-              <a:buChar char="•"/>
-              <a:defRPr sz="1200" kern="1200">
-                <a:solidFill>
-                  <a:schemeClr val="tx1"/>
-                </a:solidFill>
-                <a:latin typeface="+mn-lt"/>
-                <a:ea typeface="+mn-ea"/>
-                <a:cs typeface="+mn-cs"/>
-              </a:defRPr>
-            </a:lvl5pPr>
-            <a:lvl6pPr marL="2514600" indent="-228600" algn="l" defTabSz="914400" rtl="0" eaLnBrk="1" latinLnBrk="0" hangingPunct="1">
-              <a:lnSpc>
-                <a:spcPct val="90000"/>
-              </a:lnSpc>
-              <a:spcBef>
-                <a:spcPts val="500"/>
-              </a:spcBef>
-              <a:buFont typeface="Arial" panose="020B0604020202020204" pitchFamily="34" charset="0"/>
-              <a:buChar char="•"/>
-              <a:defRPr sz="1800" kern="1200">
-                <a:solidFill>
-                  <a:schemeClr val="tx1"/>
-                </a:solidFill>
-                <a:latin typeface="+mn-lt"/>
-                <a:ea typeface="+mn-ea"/>
-                <a:cs typeface="+mn-cs"/>
-              </a:defRPr>
-            </a:lvl6pPr>
-            <a:lvl7pPr marL="2971800" indent="-228600" algn="l" defTabSz="914400" rtl="0" eaLnBrk="1" latinLnBrk="0" hangingPunct="1">
-              <a:lnSpc>
-                <a:spcPct val="90000"/>
-              </a:lnSpc>
-              <a:spcBef>
-                <a:spcPts val="500"/>
-              </a:spcBef>
-              <a:buFont typeface="Arial" panose="020B0604020202020204" pitchFamily="34" charset="0"/>
-              <a:buChar char="•"/>
-              <a:defRPr sz="1800" kern="1200">
-                <a:solidFill>
-                  <a:schemeClr val="tx1"/>
-                </a:solidFill>
-                <a:latin typeface="+mn-lt"/>
-                <a:ea typeface="+mn-ea"/>
-                <a:cs typeface="+mn-cs"/>
-              </a:defRPr>
-            </a:lvl7pPr>
-            <a:lvl8pPr marL="3429000" indent="-228600" algn="l" defTabSz="914400" rtl="0" eaLnBrk="1" latinLnBrk="0" hangingPunct="1">
-              <a:lnSpc>
-                <a:spcPct val="90000"/>
-              </a:lnSpc>
-              <a:spcBef>
-                <a:spcPts val="500"/>
-              </a:spcBef>
-              <a:buFont typeface="Arial" panose="020B0604020202020204" pitchFamily="34" charset="0"/>
-              <a:buChar char="•"/>
-              <a:defRPr sz="1800" kern="1200">
-                <a:solidFill>
-                  <a:schemeClr val="tx1"/>
-                </a:solidFill>
-                <a:latin typeface="+mn-lt"/>
-                <a:ea typeface="+mn-ea"/>
-                <a:cs typeface="+mn-cs"/>
-              </a:defRPr>
-            </a:lvl8pPr>
-            <a:lvl9pPr marL="3886200" indent="-228600" algn="l" defTabSz="914400" rtl="0" eaLnBrk="1" latinLnBrk="0" hangingPunct="1">
-              <a:lnSpc>
-                <a:spcPct val="90000"/>
-              </a:lnSpc>
-              <a:spcBef>
-                <a:spcPts val="500"/>
-              </a:spcBef>
-              <a:buFont typeface="Arial" panose="020B0604020202020204" pitchFamily="34" charset="0"/>
-              <a:buChar char="•"/>
-              <a:defRPr sz="1800" kern="1200">
-                <a:solidFill>
-                  <a:schemeClr val="tx1"/>
-                </a:solidFill>
-                <a:latin typeface="+mn-lt"/>
-                <a:ea typeface="+mn-ea"/>
-                <a:cs typeface="+mn-cs"/>
-              </a:defRPr>
-            </a:lvl9pPr>
-          </a:lstStyle>
-          <a:p>
-            <a:r>
-              <a:rPr lang="en-US" dirty="0" err="1"/>
-              <a:t>clk</a:t>
-            </a:r>
-            <a:r>
-              <a:rPr lang="en-US" dirty="0"/>
-              <a:t> T = 10sec</a:t>
-            </a:r>
-          </a:p>
-        </p:txBody>
-      </p:sp>
-      <p:sp>
-        <p:nvSpPr>
-          <p:cNvPr id="18" name="Content Placeholder 2">
-            <a:extLst>
-              <a:ext uri="{FF2B5EF4-FFF2-40B4-BE49-F238E27FC236}">
-                <a16:creationId xmlns:a16="http://schemas.microsoft.com/office/drawing/2014/main" id="{3AEF1497-6D68-5A6C-43CB-CC5F2EA14517}"/>
-              </a:ext>
-            </a:extLst>
-          </p:cNvPr>
-          <p:cNvSpPr txBox="1">
-            <a:spLocks/>
-          </p:cNvSpPr>
-          <p:nvPr/>
-        </p:nvSpPr>
-        <p:spPr>
-          <a:xfrm>
-            <a:off x="4635839" y="3356422"/>
-            <a:ext cx="1631796" cy="525624"/>
-          </a:xfrm>
-          <a:prstGeom prst="rect">
-            <a:avLst/>
-          </a:prstGeom>
-        </p:spPr>
-        <p:txBody>
-          <a:bodyPr vert="horz" lIns="91440" tIns="45720" rIns="91440" bIns="45720" rtlCol="0">
-            <a:normAutofit/>
-          </a:bodyPr>
-          <a:lstStyle>
-            <a:lvl1pPr marL="228600" indent="-228600" algn="l" defTabSz="914400" rtl="0" eaLnBrk="1" latinLnBrk="0" hangingPunct="1">
-              <a:lnSpc>
-                <a:spcPct val="90000"/>
-              </a:lnSpc>
-              <a:spcBef>
-                <a:spcPts val="1000"/>
-              </a:spcBef>
-              <a:buFont typeface="Arial" panose="020B0604020202020204" pitchFamily="34" charset="0"/>
-              <a:buChar char="•"/>
-              <a:defRPr sz="1400" kern="1200">
-                <a:solidFill>
-                  <a:schemeClr val="tx1"/>
-                </a:solidFill>
-                <a:latin typeface="+mn-lt"/>
-                <a:ea typeface="+mn-ea"/>
-                <a:cs typeface="+mn-cs"/>
-              </a:defRPr>
-            </a:lvl1pPr>
-            <a:lvl2pPr marL="685800" indent="-228600" algn="l" defTabSz="914400" rtl="0" eaLnBrk="1" latinLnBrk="0" hangingPunct="1">
-              <a:lnSpc>
-                <a:spcPct val="90000"/>
-              </a:lnSpc>
-              <a:spcBef>
-                <a:spcPts val="500"/>
-              </a:spcBef>
-              <a:buFont typeface="Arial" panose="020B0604020202020204" pitchFamily="34" charset="0"/>
-              <a:buChar char="•"/>
-              <a:defRPr sz="1200" kern="1200">
-                <a:solidFill>
-                  <a:schemeClr val="tx1"/>
-                </a:solidFill>
-                <a:latin typeface="+mn-lt"/>
-                <a:ea typeface="+mn-ea"/>
-                <a:cs typeface="+mn-cs"/>
-              </a:defRPr>
-            </a:lvl2pPr>
-            <a:lvl3pPr marL="1143000" indent="-228600" algn="l" defTabSz="914400" rtl="0" eaLnBrk="1" latinLnBrk="0" hangingPunct="1">
-              <a:lnSpc>
-                <a:spcPct val="90000"/>
-              </a:lnSpc>
-              <a:spcBef>
-                <a:spcPts val="500"/>
-              </a:spcBef>
-              <a:buFont typeface="Arial" panose="020B0604020202020204" pitchFamily="34" charset="0"/>
-              <a:buChar char="•"/>
-              <a:defRPr sz="1200" kern="1200">
-                <a:solidFill>
-                  <a:schemeClr val="tx1"/>
-                </a:solidFill>
-                <a:latin typeface="+mn-lt"/>
-                <a:ea typeface="+mn-ea"/>
-                <a:cs typeface="+mn-cs"/>
-              </a:defRPr>
-            </a:lvl3pPr>
-            <a:lvl4pPr marL="1600200" indent="-228600" algn="l" defTabSz="914400" rtl="0" eaLnBrk="1" latinLnBrk="0" hangingPunct="1">
-              <a:lnSpc>
-                <a:spcPct val="90000"/>
-              </a:lnSpc>
-              <a:spcBef>
-                <a:spcPts val="500"/>
-              </a:spcBef>
-              <a:buFont typeface="Arial" panose="020B0604020202020204" pitchFamily="34" charset="0"/>
-              <a:buChar char="•"/>
-              <a:defRPr sz="1200" kern="1200">
-                <a:solidFill>
-                  <a:schemeClr val="tx1"/>
-                </a:solidFill>
-                <a:latin typeface="+mn-lt"/>
-                <a:ea typeface="+mn-ea"/>
-                <a:cs typeface="+mn-cs"/>
-              </a:defRPr>
-            </a:lvl4pPr>
-            <a:lvl5pPr marL="2057400" indent="-228600" algn="l" defTabSz="914400" rtl="0" eaLnBrk="1" latinLnBrk="0" hangingPunct="1">
-              <a:lnSpc>
-                <a:spcPct val="90000"/>
-              </a:lnSpc>
-              <a:spcBef>
-                <a:spcPts val="500"/>
-              </a:spcBef>
-              <a:buFont typeface="Arial" panose="020B0604020202020204" pitchFamily="34" charset="0"/>
-              <a:buChar char="•"/>
-              <a:defRPr sz="1200" kern="1200">
-                <a:solidFill>
-                  <a:schemeClr val="tx1"/>
-                </a:solidFill>
-                <a:latin typeface="+mn-lt"/>
-                <a:ea typeface="+mn-ea"/>
-                <a:cs typeface="+mn-cs"/>
-              </a:defRPr>
-            </a:lvl5pPr>
-            <a:lvl6pPr marL="2514600" indent="-228600" algn="l" defTabSz="914400" rtl="0" eaLnBrk="1" latinLnBrk="0" hangingPunct="1">
-              <a:lnSpc>
-                <a:spcPct val="90000"/>
-              </a:lnSpc>
-              <a:spcBef>
-                <a:spcPts val="500"/>
-              </a:spcBef>
-              <a:buFont typeface="Arial" panose="020B0604020202020204" pitchFamily="34" charset="0"/>
-              <a:buChar char="•"/>
-              <a:defRPr sz="1800" kern="1200">
-                <a:solidFill>
-                  <a:schemeClr val="tx1"/>
-                </a:solidFill>
-                <a:latin typeface="+mn-lt"/>
-                <a:ea typeface="+mn-ea"/>
-                <a:cs typeface="+mn-cs"/>
-              </a:defRPr>
-            </a:lvl6pPr>
-            <a:lvl7pPr marL="2971800" indent="-228600" algn="l" defTabSz="914400" rtl="0" eaLnBrk="1" latinLnBrk="0" hangingPunct="1">
-              <a:lnSpc>
-                <a:spcPct val="90000"/>
-              </a:lnSpc>
-              <a:spcBef>
-                <a:spcPts val="500"/>
-              </a:spcBef>
-              <a:buFont typeface="Arial" panose="020B0604020202020204" pitchFamily="34" charset="0"/>
-              <a:buChar char="•"/>
-              <a:defRPr sz="1800" kern="1200">
-                <a:solidFill>
-                  <a:schemeClr val="tx1"/>
-                </a:solidFill>
-                <a:latin typeface="+mn-lt"/>
-                <a:ea typeface="+mn-ea"/>
-                <a:cs typeface="+mn-cs"/>
-              </a:defRPr>
-            </a:lvl7pPr>
-            <a:lvl8pPr marL="3429000" indent="-228600" algn="l" defTabSz="914400" rtl="0" eaLnBrk="1" latinLnBrk="0" hangingPunct="1">
-              <a:lnSpc>
-                <a:spcPct val="90000"/>
-              </a:lnSpc>
-              <a:spcBef>
-                <a:spcPts val="500"/>
-              </a:spcBef>
-              <a:buFont typeface="Arial" panose="020B0604020202020204" pitchFamily="34" charset="0"/>
-              <a:buChar char="•"/>
-              <a:defRPr sz="1800" kern="1200">
-                <a:solidFill>
-                  <a:schemeClr val="tx1"/>
-                </a:solidFill>
-                <a:latin typeface="+mn-lt"/>
-                <a:ea typeface="+mn-ea"/>
-                <a:cs typeface="+mn-cs"/>
-              </a:defRPr>
-            </a:lvl8pPr>
-            <a:lvl9pPr marL="3886200" indent="-228600" algn="l" defTabSz="914400" rtl="0" eaLnBrk="1" latinLnBrk="0" hangingPunct="1">
-              <a:lnSpc>
-                <a:spcPct val="90000"/>
-              </a:lnSpc>
-              <a:spcBef>
-                <a:spcPts val="500"/>
-              </a:spcBef>
-              <a:buFont typeface="Arial" panose="020B0604020202020204" pitchFamily="34" charset="0"/>
-              <a:buChar char="•"/>
-              <a:defRPr sz="1800" kern="1200">
-                <a:solidFill>
-                  <a:schemeClr val="tx1"/>
-                </a:solidFill>
-                <a:latin typeface="+mn-lt"/>
-                <a:ea typeface="+mn-ea"/>
-                <a:cs typeface="+mn-cs"/>
-              </a:defRPr>
-            </a:lvl9pPr>
-          </a:lstStyle>
-          <a:p>
-            <a:r>
-              <a:rPr lang="en-US" dirty="0"/>
-              <a:t>20 clock counts</a:t>
-            </a:r>
-          </a:p>
-        </p:txBody>
-      </p:sp>
-    </p:spTree>
-    <p:extLst>
-      <p:ext uri="{BB962C8B-B14F-4D97-AF65-F5344CB8AC3E}">
-        <p14:creationId xmlns:p14="http://schemas.microsoft.com/office/powerpoint/2010/main" val="3981342987"/>
       </p:ext>
     </p:extLst>
   </p:cSld>

--- a/note.pptx
+++ b/note.pptx
@@ -675,12 +675,12 @@
   <pc:docChgLst>
     <pc:chgData name="Billy Lin" userId="05f35405-298c-473c-91f2-352ef9a130c9" providerId="ADAL" clId="{AB0BFEC8-14E9-4C61-B10E-456F41DF402E}"/>
     <pc:docChg chg="undo custSel addSld delSld modSld sldOrd">
-      <pc:chgData name="Billy Lin" userId="05f35405-298c-473c-91f2-352ef9a130c9" providerId="ADAL" clId="{AB0BFEC8-14E9-4C61-B10E-456F41DF402E}" dt="2024-03-21T14:04:57.882" v="1546" actId="20577"/>
+      <pc:chgData name="Billy Lin" userId="05f35405-298c-473c-91f2-352ef9a130c9" providerId="ADAL" clId="{AB0BFEC8-14E9-4C61-B10E-456F41DF402E}" dt="2024-03-28T14:04:30.844" v="1640" actId="20577"/>
       <pc:docMkLst>
         <pc:docMk/>
       </pc:docMkLst>
       <pc:sldChg chg="addSp modSp mod">
-        <pc:chgData name="Billy Lin" userId="05f35405-298c-473c-91f2-352ef9a130c9" providerId="ADAL" clId="{AB0BFEC8-14E9-4C61-B10E-456F41DF402E}" dt="2024-03-01T03:10:12.156" v="345" actId="1076"/>
+        <pc:chgData name="Billy Lin" userId="05f35405-298c-473c-91f2-352ef9a130c9" providerId="ADAL" clId="{AB0BFEC8-14E9-4C61-B10E-456F41DF402E}" dt="2024-03-28T12:57:37.438" v="1552" actId="14100"/>
         <pc:sldMkLst>
           <pc:docMk/>
           <pc:sldMk cId="1711539242" sldId="6936"/>
@@ -702,7 +702,7 @@
           </ac:spMkLst>
         </pc:spChg>
         <pc:picChg chg="add mod">
-          <ac:chgData name="Billy Lin" userId="05f35405-298c-473c-91f2-352ef9a130c9" providerId="ADAL" clId="{AB0BFEC8-14E9-4C61-B10E-456F41DF402E}" dt="2024-03-01T03:10:12.156" v="345" actId="1076"/>
+          <ac:chgData name="Billy Lin" userId="05f35405-298c-473c-91f2-352ef9a130c9" providerId="ADAL" clId="{AB0BFEC8-14E9-4C61-B10E-456F41DF402E}" dt="2024-03-28T12:57:35.437" v="1551" actId="1076"/>
           <ac:picMkLst>
             <pc:docMk/>
             <pc:sldMk cId="1711539242" sldId="6936"/>
@@ -710,7 +710,7 @@
           </ac:picMkLst>
         </pc:picChg>
         <pc:picChg chg="add mod">
-          <ac:chgData name="Billy Lin" userId="05f35405-298c-473c-91f2-352ef9a130c9" providerId="ADAL" clId="{AB0BFEC8-14E9-4C61-B10E-456F41DF402E}" dt="2024-03-01T03:10:12.156" v="345" actId="1076"/>
+          <ac:chgData name="Billy Lin" userId="05f35405-298c-473c-91f2-352ef9a130c9" providerId="ADAL" clId="{AB0BFEC8-14E9-4C61-B10E-456F41DF402E}" dt="2024-03-28T12:57:37.438" v="1552" actId="14100"/>
           <ac:picMkLst>
             <pc:docMk/>
             <pc:sldMk cId="1711539242" sldId="6936"/>
@@ -718,7 +718,7 @@
           </ac:picMkLst>
         </pc:picChg>
         <pc:picChg chg="add mod">
-          <ac:chgData name="Billy Lin" userId="05f35405-298c-473c-91f2-352ef9a130c9" providerId="ADAL" clId="{AB0BFEC8-14E9-4C61-B10E-456F41DF402E}" dt="2024-03-01T03:10:12.156" v="345" actId="1076"/>
+          <ac:chgData name="Billy Lin" userId="05f35405-298c-473c-91f2-352ef9a130c9" providerId="ADAL" clId="{AB0BFEC8-14E9-4C61-B10E-456F41DF402E}" dt="2024-03-28T12:57:34.371" v="1550" actId="14100"/>
           <ac:picMkLst>
             <pc:docMk/>
             <pc:sldMk cId="1711539242" sldId="6936"/>
@@ -1161,7 +1161,7 @@
         </pc:spChg>
       </pc:sldChg>
       <pc:sldChg chg="addSp delSp modSp add mod">
-        <pc:chgData name="Billy Lin" userId="05f35405-298c-473c-91f2-352ef9a130c9" providerId="ADAL" clId="{AB0BFEC8-14E9-4C61-B10E-456F41DF402E}" dt="2024-03-01T03:09:10.250" v="343" actId="478"/>
+        <pc:chgData name="Billy Lin" userId="05f35405-298c-473c-91f2-352ef9a130c9" providerId="ADAL" clId="{AB0BFEC8-14E9-4C61-B10E-456F41DF402E}" dt="2024-03-28T13:43:39.737" v="1638" actId="20577"/>
         <pc:sldMkLst>
           <pc:docMk/>
           <pc:sldMk cId="3400827552" sldId="6943"/>
@@ -1183,7 +1183,7 @@
           </ac:spMkLst>
         </pc:spChg>
         <pc:spChg chg="add mod">
-          <ac:chgData name="Billy Lin" userId="05f35405-298c-473c-91f2-352ef9a130c9" providerId="ADAL" clId="{AB0BFEC8-14E9-4C61-B10E-456F41DF402E}" dt="2024-03-01T03:09:07.640" v="342"/>
+          <ac:chgData name="Billy Lin" userId="05f35405-298c-473c-91f2-352ef9a130c9" providerId="ADAL" clId="{AB0BFEC8-14E9-4C61-B10E-456F41DF402E}" dt="2024-03-28T13:43:39.737" v="1638" actId="20577"/>
           <ac:spMkLst>
             <pc:docMk/>
             <pc:sldMk cId="3400827552" sldId="6943"/>
@@ -1191,7 +1191,7 @@
           </ac:spMkLst>
         </pc:spChg>
         <pc:picChg chg="add mod">
-          <ac:chgData name="Billy Lin" userId="05f35405-298c-473c-91f2-352ef9a130c9" providerId="ADAL" clId="{AB0BFEC8-14E9-4C61-B10E-456F41DF402E}" dt="2024-03-01T03:09:07.640" v="342"/>
+          <ac:chgData name="Billy Lin" userId="05f35405-298c-473c-91f2-352ef9a130c9" providerId="ADAL" clId="{AB0BFEC8-14E9-4C61-B10E-456F41DF402E}" dt="2024-03-28T13:39:21.814" v="1557" actId="1076"/>
           <ac:picMkLst>
             <pc:docMk/>
             <pc:sldMk cId="3400827552" sldId="6943"/>
@@ -1490,13 +1490,13 @@
         </pc:picChg>
       </pc:sldChg>
       <pc:sldChg chg="addSp modSp new mod">
-        <pc:chgData name="Billy Lin" userId="05f35405-298c-473c-91f2-352ef9a130c9" providerId="ADAL" clId="{AB0BFEC8-14E9-4C61-B10E-456F41DF402E}" dt="2024-03-21T14:04:57.882" v="1546" actId="20577"/>
+        <pc:chgData name="Billy Lin" userId="05f35405-298c-473c-91f2-352ef9a130c9" providerId="ADAL" clId="{AB0BFEC8-14E9-4C61-B10E-456F41DF402E}" dt="2024-03-28T14:04:30.844" v="1640" actId="20577"/>
         <pc:sldMkLst>
           <pc:docMk/>
           <pc:sldMk cId="3919686139" sldId="6950"/>
         </pc:sldMkLst>
         <pc:spChg chg="mod">
-          <ac:chgData name="Billy Lin" userId="05f35405-298c-473c-91f2-352ef9a130c9" providerId="ADAL" clId="{AB0BFEC8-14E9-4C61-B10E-456F41DF402E}" dt="2024-03-21T14:04:57.882" v="1546" actId="20577"/>
+          <ac:chgData name="Billy Lin" userId="05f35405-298c-473c-91f2-352ef9a130c9" providerId="ADAL" clId="{AB0BFEC8-14E9-4C61-B10E-456F41DF402E}" dt="2024-03-28T14:04:30.844" v="1640" actId="20577"/>
           <ac:spMkLst>
             <pc:docMk/>
             <pc:sldMk cId="3919686139" sldId="6950"/>
@@ -1691,7 +1691,7 @@
           <a:p>
             <a:fld id="{2EDDABC3-F3ED-4DD9-983D-F09E8FCF6133}" type="datetimeFigureOut">
               <a:rPr lang="en-US" smtClean="0"/>
-              <a:t>3/21/2024</a:t>
+              <a:t>3/28/2024</a:t>
             </a:fld>
             <a:endParaRPr lang="en-US"/>
           </a:p>
@@ -2083,7 +2083,7 @@
           <a:p>
             <a:fld id="{F59B6F3A-935B-44D1-A66F-61470C6D8F51}" type="datetime1">
               <a:rPr lang="en-US" smtClean="0"/>
-              <a:t>3/21/2024</a:t>
+              <a:t>3/28/2024</a:t>
             </a:fld>
             <a:endParaRPr lang="en-US"/>
           </a:p>
@@ -2327,7 +2327,7 @@
           <a:p>
             <a:fld id="{C63B82BC-FCA2-460F-A60C-8FE94D119F09}" type="datetime1">
               <a:rPr lang="en-US" smtClean="0"/>
-              <a:t>3/21/2024</a:t>
+              <a:t>3/28/2024</a:t>
             </a:fld>
             <a:endParaRPr lang="en-US"/>
           </a:p>
@@ -2845,8 +2845,8 @@
         </p:blipFill>
         <p:spPr>
           <a:xfrm>
-            <a:off x="2429121" y="3064695"/>
-            <a:ext cx="8132288" cy="947278"/>
+            <a:off x="2327496" y="3038570"/>
+            <a:ext cx="7241160" cy="843476"/>
           </a:xfrm>
           <a:prstGeom prst="rect">
             <a:avLst/>
@@ -2875,8 +2875,8 @@
         </p:blipFill>
         <p:spPr>
           <a:xfrm>
-            <a:off x="2327496" y="4137576"/>
-            <a:ext cx="8335538" cy="2372056"/>
+            <a:off x="2327496" y="4403112"/>
+            <a:ext cx="7402430" cy="2106520"/>
           </a:xfrm>
           <a:prstGeom prst="rect">
             <a:avLst/>
@@ -2905,8 +2905,8 @@
         </p:blipFill>
         <p:spPr>
           <a:xfrm>
-            <a:off x="2429121" y="1727536"/>
-            <a:ext cx="6833840" cy="1274358"/>
+            <a:off x="2327497" y="1625758"/>
+            <a:ext cx="5475976" cy="1021147"/>
           </a:xfrm>
           <a:prstGeom prst="rect">
             <a:avLst/>
@@ -7890,7 +7890,7 @@
         <p:spPr>
           <a:xfrm>
             <a:off x="446314" y="1591056"/>
-            <a:ext cx="5155496" cy="4688363"/>
+            <a:ext cx="4960141" cy="4688363"/>
           </a:xfrm>
           <a:prstGeom prst="rect">
             <a:avLst/>
@@ -8064,24 +8064,78 @@
           </a:lstStyle>
           <a:p>
             <a:r>
-              <a:rPr lang="en-US"/>
+              <a:rPr lang="en-US" dirty="0"/>
               <a:t>the problem without fork-join</a:t>
             </a:r>
           </a:p>
           <a:p>
             <a:pPr lvl="1"/>
             <a:r>
-              <a:rPr lang="en-US"/>
+              <a:rPr lang="en-US" dirty="0"/>
               <a:t>as the figure, separate begin-end block for memory content initialization</a:t>
             </a:r>
           </a:p>
           <a:p>
             <a:pPr lvl="1"/>
             <a:r>
-              <a:rPr lang="en-US"/>
+              <a:rPr lang="en-US" dirty="0"/>
               <a:t>the drawback is that it cannot control the relationship between threads, i.e. no explicit expression among threads</a:t>
             </a:r>
+          </a:p>
+          <a:p>
+            <a:pPr lvl="1"/>
             <a:endParaRPr lang="en-US" dirty="0"/>
+          </a:p>
+          <a:p>
+            <a:r>
+              <a:rPr lang="en-US" dirty="0" err="1"/>
+              <a:t>cpu</a:t>
+            </a:r>
+            <a:endParaRPr lang="en-US" dirty="0"/>
+          </a:p>
+          <a:p>
+            <a:pPr lvl="1"/>
+            <a:r>
+              <a:rPr lang="en-US" dirty="0" err="1"/>
+              <a:t>im</a:t>
+            </a:r>
+            <a:endParaRPr lang="en-US" dirty="0"/>
+          </a:p>
+          <a:p>
+            <a:pPr lvl="2"/>
+            <a:r>
+              <a:rPr lang="en-US" dirty="0"/>
+              <a:t>instruction memory</a:t>
+            </a:r>
+          </a:p>
+          <a:p>
+            <a:pPr lvl="1"/>
+            <a:r>
+              <a:rPr lang="en-US" dirty="0"/>
+              <a:t>dm</a:t>
+            </a:r>
+          </a:p>
+          <a:p>
+            <a:pPr lvl="2"/>
+            <a:r>
+              <a:rPr lang="en-US" dirty="0"/>
+              <a:t>data memory</a:t>
+            </a:r>
+          </a:p>
+          <a:p>
+            <a:pPr lvl="1"/>
+            <a:r>
+              <a:rPr lang="en-US" dirty="0" err="1"/>
+              <a:t>gpr</a:t>
+            </a:r>
+            <a:endParaRPr lang="en-US" dirty="0"/>
+          </a:p>
+          <a:p>
+            <a:pPr lvl="2"/>
+            <a:r>
+              <a:rPr lang="en-US" dirty="0"/>
+              <a:t>general purpose register</a:t>
+            </a:r>
           </a:p>
         </p:txBody>
       </p:sp>
@@ -8106,7 +8160,7 @@
         </p:blipFill>
         <p:spPr>
           <a:xfrm>
-            <a:off x="5717174" y="1719073"/>
+            <a:off x="5486354" y="1946164"/>
             <a:ext cx="6039396" cy="3122013"/>
           </a:xfrm>
           <a:prstGeom prst="rect">
@@ -8392,65 +8446,74 @@
           </a:lstStyle>
           <a:p>
             <a:r>
-              <a:rPr lang="en-US"/>
+              <a:rPr lang="en-US" dirty="0"/>
               <a:t>as the figure shown, with </a:t>
             </a:r>
             <a:r>
-              <a:rPr lang="en-US" b="1"/>
+              <a:rPr lang="en-US" b="1" dirty="0"/>
               <a:t>fork-join</a:t>
             </a:r>
           </a:p>
           <a:p>
             <a:pPr lvl="1"/>
             <a:r>
-              <a:rPr lang="en-US"/>
+              <a:rPr lang="en-US" dirty="0"/>
               <a:t>organize threads in one initial begin end block</a:t>
             </a:r>
           </a:p>
           <a:p>
             <a:pPr lvl="1"/>
             <a:r>
-              <a:rPr lang="en-US"/>
+              <a:rPr lang="en-US" dirty="0"/>
               <a:t>exit the fork-join block when all threads are finish</a:t>
             </a:r>
           </a:p>
           <a:p>
             <a:pPr lvl="1"/>
             <a:r>
-              <a:rPr lang="en-US"/>
+              <a:rPr lang="en-US" dirty="0"/>
               <a:t>the purpose of fork-join is to confirm that all the memory are given the initial value in the beginning of simulation</a:t>
             </a:r>
           </a:p>
           <a:p>
             <a:r>
-              <a:rPr lang="en-US"/>
+              <a:rPr lang="en-US" dirty="0"/>
               <a:t>as the figure shown, with </a:t>
             </a:r>
             <a:r>
-              <a:rPr lang="en-US" b="1"/>
-              <a:t>fork-join_any</a:t>
-            </a:r>
+              <a:rPr lang="en-US" b="1" dirty="0"/>
+              <a:t>fork-</a:t>
+            </a:r>
+            <a:r>
+              <a:rPr lang="en-US" b="1" dirty="0" err="1"/>
+              <a:t>join_any</a:t>
+            </a:r>
+            <a:endParaRPr lang="en-US" b="1" dirty="0"/>
           </a:p>
           <a:p>
             <a:pPr lvl="1"/>
             <a:r>
-              <a:rPr lang="en-US"/>
-              <a:t>exit the fork-join</a:t>
-            </a:r>
-            <a:r>
-              <a:rPr lang="en-US" altLang="zh-TW"/>
+              <a:rPr lang="en-US" dirty="0"/>
+              <a:t>exit the fork-</a:t>
+            </a:r>
+            <a:r>
+              <a:rPr lang="en-US" dirty="0" err="1"/>
+              <a:t>join</a:t>
+            </a:r>
+            <a:r>
+              <a:rPr lang="en-US" altLang="zh-TW" dirty="0" err="1"/>
               <a:t>_any</a:t>
             </a:r>
             <a:r>
-              <a:rPr lang="en-US"/>
+              <a:rPr lang="en-US" dirty="0"/>
               <a:t> block when either thread finishes</a:t>
             </a:r>
-            <a:endParaRPr lang="en-US" b="1"/>
+            <a:endParaRPr lang="en-US" b="1" dirty="0"/>
           </a:p>
           <a:p>
             <a:pPr lvl="1"/>
             <a:r>
-              <a:rPr lang="en-US"/>
+              <a:rPr lang="en-US" dirty="0"/>
               <a:t>simulation timeout mechanism</a:t>
             </a:r>
           </a:p>
@@ -9178,10 +9241,9 @@
           <a:lstStyle/>
           <a:p>
             <a:r>
-              <a:rPr lang="en-US"/>
-              <a:t>lab??</a:t>
-            </a:r>
-            <a:endParaRPr lang="en-US" dirty="0"/>
+              <a:rPr lang="en-US" dirty="0"/>
+              <a:t>lab</a:t>
+            </a:r>
           </a:p>
         </p:txBody>
       </p:sp>

--- a/note.pptx
+++ b/note.pptx
@@ -5,25 +5,26 @@
     <p:sldMasterId id="2147483648" r:id="rId1"/>
   </p:sldMasterIdLst>
   <p:notesMasterIdLst>
-    <p:notesMasterId r:id="rId18"/>
+    <p:notesMasterId r:id="rId19"/>
   </p:notesMasterIdLst>
   <p:sldIdLst>
-    <p:sldId id="6936" r:id="rId2"/>
-    <p:sldId id="6943" r:id="rId3"/>
-    <p:sldId id="6941" r:id="rId4"/>
-    <p:sldId id="6944" r:id="rId5"/>
-    <p:sldId id="6950" r:id="rId6"/>
-    <p:sldId id="6949" r:id="rId7"/>
-    <p:sldId id="6942" r:id="rId8"/>
-    <p:sldId id="6948" r:id="rId9"/>
-    <p:sldId id="6946" r:id="rId10"/>
-    <p:sldId id="6945" r:id="rId11"/>
-    <p:sldId id="6939" r:id="rId12"/>
-    <p:sldId id="6938" r:id="rId13"/>
-    <p:sldId id="6937" r:id="rId14"/>
-    <p:sldId id="6935" r:id="rId15"/>
-    <p:sldId id="6934" r:id="rId16"/>
-    <p:sldId id="264" r:id="rId17"/>
+    <p:sldId id="6951" r:id="rId2"/>
+    <p:sldId id="6937" r:id="rId3"/>
+    <p:sldId id="6935" r:id="rId4"/>
+    <p:sldId id="6936" r:id="rId5"/>
+    <p:sldId id="6943" r:id="rId6"/>
+    <p:sldId id="6941" r:id="rId7"/>
+    <p:sldId id="6944" r:id="rId8"/>
+    <p:sldId id="6950" r:id="rId9"/>
+    <p:sldId id="6949" r:id="rId10"/>
+    <p:sldId id="6942" r:id="rId11"/>
+    <p:sldId id="6948" r:id="rId12"/>
+    <p:sldId id="6946" r:id="rId13"/>
+    <p:sldId id="6945" r:id="rId14"/>
+    <p:sldId id="6939" r:id="rId15"/>
+    <p:sldId id="6938" r:id="rId16"/>
+    <p:sldId id="6934" r:id="rId17"/>
+    <p:sldId id="264" r:id="rId18"/>
   </p:sldIdLst>
   <p:sldSz cx="12192000" cy="6858000"/>
   <p:notesSz cx="6858000" cy="9144000"/>
@@ -675,10 +676,17 @@
   <pc:docChgLst>
     <pc:chgData name="Billy Lin" userId="05f35405-298c-473c-91f2-352ef9a130c9" providerId="ADAL" clId="{AB0BFEC8-14E9-4C61-B10E-456F41DF402E}"/>
     <pc:docChg chg="undo custSel addSld delSld modSld sldOrd">
-      <pc:chgData name="Billy Lin" userId="05f35405-298c-473c-91f2-352ef9a130c9" providerId="ADAL" clId="{AB0BFEC8-14E9-4C61-B10E-456F41DF402E}" dt="2024-03-28T14:04:30.844" v="1640" actId="20577"/>
+      <pc:chgData name="Billy Lin" userId="05f35405-298c-473c-91f2-352ef9a130c9" providerId="ADAL" clId="{AB0BFEC8-14E9-4C61-B10E-456F41DF402E}" dt="2024-04-04T13:48:24.585" v="1654" actId="1076"/>
       <pc:docMkLst>
         <pc:docMk/>
       </pc:docMkLst>
+      <pc:sldChg chg="ord">
+        <pc:chgData name="Billy Lin" userId="05f35405-298c-473c-91f2-352ef9a130c9" providerId="ADAL" clId="{AB0BFEC8-14E9-4C61-B10E-456F41DF402E}" dt="2024-04-04T12:53:43.039" v="1645"/>
+        <pc:sldMkLst>
+          <pc:docMk/>
+          <pc:sldMk cId="325488205" sldId="6935"/>
+        </pc:sldMkLst>
+      </pc:sldChg>
       <pc:sldChg chg="addSp modSp mod">
         <pc:chgData name="Billy Lin" userId="05f35405-298c-473c-91f2-352ef9a130c9" providerId="ADAL" clId="{AB0BFEC8-14E9-4C61-B10E-456F41DF402E}" dt="2024-03-28T12:57:37.438" v="1552" actId="14100"/>
         <pc:sldMkLst>
@@ -726,8 +734,8 @@
           </ac:picMkLst>
         </pc:picChg>
       </pc:sldChg>
-      <pc:sldChg chg="addSp delSp modSp new mod">
-        <pc:chgData name="Billy Lin" userId="05f35405-298c-473c-91f2-352ef9a130c9" providerId="ADAL" clId="{AB0BFEC8-14E9-4C61-B10E-456F41DF402E}" dt="2024-02-02T05:43:09.225" v="91" actId="1076"/>
+      <pc:sldChg chg="addSp delSp modSp new mod ord">
+        <pc:chgData name="Billy Lin" userId="05f35405-298c-473c-91f2-352ef9a130c9" providerId="ADAL" clId="{AB0BFEC8-14E9-4C61-B10E-456F41DF402E}" dt="2024-04-04T13:48:24.585" v="1654" actId="1076"/>
         <pc:sldMkLst>
           <pc:docMk/>
           <pc:sldMk cId="1790081145" sldId="6937"/>
@@ -749,7 +757,7 @@
           </ac:spMkLst>
         </pc:spChg>
         <pc:picChg chg="add mod ord">
-          <ac:chgData name="Billy Lin" userId="05f35405-298c-473c-91f2-352ef9a130c9" providerId="ADAL" clId="{AB0BFEC8-14E9-4C61-B10E-456F41DF402E}" dt="2024-02-02T05:43:09.225" v="91" actId="1076"/>
+          <ac:chgData name="Billy Lin" userId="05f35405-298c-473c-91f2-352ef9a130c9" providerId="ADAL" clId="{AB0BFEC8-14E9-4C61-B10E-456F41DF402E}" dt="2024-04-04T13:48:24.585" v="1654" actId="1076"/>
           <ac:picMkLst>
             <pc:docMk/>
             <pc:sldMk cId="1790081145" sldId="6937"/>
@@ -774,7 +782,7 @@
         </pc:picChg>
       </pc:sldChg>
       <pc:sldChg chg="addSp delSp modSp add mod">
-        <pc:chgData name="Billy Lin" userId="05f35405-298c-473c-91f2-352ef9a130c9" providerId="ADAL" clId="{AB0BFEC8-14E9-4C61-B10E-456F41DF402E}" dt="2024-02-29T13:02:20.524" v="256" actId="1076"/>
+        <pc:chgData name="Billy Lin" userId="05f35405-298c-473c-91f2-352ef9a130c9" providerId="ADAL" clId="{AB0BFEC8-14E9-4C61-B10E-456F41DF402E}" dt="2024-04-04T13:10:03.102" v="1649" actId="14100"/>
         <pc:sldMkLst>
           <pc:docMk/>
           <pc:sldMk cId="3022158455" sldId="6938"/>
@@ -796,7 +804,7 @@
           </ac:spMkLst>
         </pc:spChg>
         <pc:spChg chg="add mod">
-          <ac:chgData name="Billy Lin" userId="05f35405-298c-473c-91f2-352ef9a130c9" providerId="ADAL" clId="{AB0BFEC8-14E9-4C61-B10E-456F41DF402E}" dt="2024-02-22T13:52:23.185" v="232" actId="14100"/>
+          <ac:chgData name="Billy Lin" userId="05f35405-298c-473c-91f2-352ef9a130c9" providerId="ADAL" clId="{AB0BFEC8-14E9-4C61-B10E-456F41DF402E}" dt="2024-04-04T13:09:59.444" v="1648" actId="1076"/>
           <ac:spMkLst>
             <pc:docMk/>
             <pc:sldMk cId="3022158455" sldId="6938"/>
@@ -828,7 +836,7 @@
           </ac:spMkLst>
         </pc:spChg>
         <pc:picChg chg="add mod">
-          <ac:chgData name="Billy Lin" userId="05f35405-298c-473c-91f2-352ef9a130c9" providerId="ADAL" clId="{AB0BFEC8-14E9-4C61-B10E-456F41DF402E}" dt="2024-02-29T13:02:20.524" v="256" actId="1076"/>
+          <ac:chgData name="Billy Lin" userId="05f35405-298c-473c-91f2-352ef9a130c9" providerId="ADAL" clId="{AB0BFEC8-14E9-4C61-B10E-456F41DF402E}" dt="2024-04-04T13:10:03.102" v="1649" actId="14100"/>
           <ac:picMkLst>
             <pc:docMk/>
             <pc:sldMk cId="3022158455" sldId="6938"/>
@@ -1527,6 +1535,13 @@
             <ac:spMk id="6" creationId="{78B64F60-1FA8-64B5-8375-D98B173F6210}"/>
           </ac:spMkLst>
         </pc:spChg>
+      </pc:sldChg>
+      <pc:sldChg chg="new ord">
+        <pc:chgData name="Billy Lin" userId="05f35405-298c-473c-91f2-352ef9a130c9" providerId="ADAL" clId="{AB0BFEC8-14E9-4C61-B10E-456F41DF402E}" dt="2024-04-04T12:52:14.572" v="1643"/>
+        <pc:sldMkLst>
+          <pc:docMk/>
+          <pc:sldMk cId="368460460" sldId="6951"/>
+        </pc:sldMkLst>
       </pc:sldChg>
     </pc:docChg>
   </pc:docChgLst>
@@ -1691,7 +1706,7 @@
           <a:p>
             <a:fld id="{2EDDABC3-F3ED-4DD9-983D-F09E8FCF6133}" type="datetimeFigureOut">
               <a:rPr lang="en-US" smtClean="0"/>
-              <a:t>3/28/2024</a:t>
+              <a:t>4/4/2024</a:t>
             </a:fld>
             <a:endParaRPr lang="en-US"/>
           </a:p>
@@ -2083,7 +2098,7 @@
           <a:p>
             <a:fld id="{F59B6F3A-935B-44D1-A66F-61470C6D8F51}" type="datetime1">
               <a:rPr lang="en-US" smtClean="0"/>
-              <a:t>3/28/2024</a:t>
+              <a:t>4/4/2024</a:t>
             </a:fld>
             <a:endParaRPr lang="en-US"/>
           </a:p>
@@ -2327,7 +2342,7 @@
           <a:p>
             <a:fld id="{C63B82BC-FCA2-460F-A60C-8FE94D119F09}" type="datetime1">
               <a:rPr lang="en-US" smtClean="0"/>
-              <a:t>3/28/2024</a:t>
+              <a:t>4/4/2024</a:t>
             </a:fld>
             <a:endParaRPr lang="en-US"/>
           </a:p>
@@ -2743,7 +2758,7 @@
           <p:cNvPr id="2" name="Title 1">
             <a:extLst>
               <a:ext uri="{FF2B5EF4-FFF2-40B4-BE49-F238E27FC236}">
-                <a16:creationId xmlns:a16="http://schemas.microsoft.com/office/drawing/2014/main" id="{E6E7246E-6DDB-2F98-52B0-04AB5D144996}"/>
+                <a16:creationId xmlns:a16="http://schemas.microsoft.com/office/drawing/2014/main" id="{43D1D697-1161-C784-840E-14841340824B}"/>
               </a:ext>
             </a:extLst>
           </p:cNvPr>
@@ -2759,10 +2774,7 @@
           <a:bodyPr/>
           <a:lstStyle/>
           <a:p>
-            <a:r>
-              <a:rPr lang="en-US" dirty="0"/>
-              <a:t>lab14</a:t>
-            </a:r>
+            <a:endParaRPr lang="en-US"/>
           </a:p>
         </p:txBody>
       </p:sp>
@@ -2771,7 +2783,7 @@
           <p:cNvPr id="3" name="Content Placeholder 2">
             <a:extLst>
               <a:ext uri="{FF2B5EF4-FFF2-40B4-BE49-F238E27FC236}">
-                <a16:creationId xmlns:a16="http://schemas.microsoft.com/office/drawing/2014/main" id="{F0AB9DF1-764A-2056-5BC1-70D34F516704}"/>
+                <a16:creationId xmlns:a16="http://schemas.microsoft.com/office/drawing/2014/main" id="{0A0542D1-5791-798E-8E08-3954675BF52A}"/>
               </a:ext>
             </a:extLst>
           </p:cNvPr>
@@ -2787,10 +2799,7 @@
           <a:bodyPr/>
           <a:lstStyle/>
           <a:p>
-            <a:r>
-              <a:rPr lang="en-US" dirty="0"/>
-              <a:t>https://www.asic-world.com/systemverilog/process2.html</a:t>
-            </a:r>
+            <a:endParaRPr lang="en-US"/>
           </a:p>
         </p:txBody>
       </p:sp>
@@ -2799,7 +2808,7 @@
           <p:cNvPr id="4" name="Slide Number Placeholder 3">
             <a:extLst>
               <a:ext uri="{FF2B5EF4-FFF2-40B4-BE49-F238E27FC236}">
-                <a16:creationId xmlns:a16="http://schemas.microsoft.com/office/drawing/2014/main" id="{A653B7C0-A01B-B019-AE82-6D2CF11E10FE}"/>
+                <a16:creationId xmlns:a16="http://schemas.microsoft.com/office/drawing/2014/main" id="{11234AFF-52D9-A0B1-9930-AC2A7905F8D8}"/>
               </a:ext>
             </a:extLst>
           </p:cNvPr>
@@ -2823,100 +2832,10 @@
           </a:p>
         </p:txBody>
       </p:sp>
-      <p:pic>
-        <p:nvPicPr>
-          <p:cNvPr id="5" name="Picture 4">
-            <a:extLst>
-              <a:ext uri="{FF2B5EF4-FFF2-40B4-BE49-F238E27FC236}">
-                <a16:creationId xmlns:a16="http://schemas.microsoft.com/office/drawing/2014/main" id="{0BBFFD0C-D99A-9D5C-5B42-91421F8AFF18}"/>
-              </a:ext>
-            </a:extLst>
-          </p:cNvPr>
-          <p:cNvPicPr>
-            <a:picLocks noChangeAspect="1"/>
-          </p:cNvPicPr>
-          <p:nvPr/>
-        </p:nvPicPr>
-        <p:blipFill>
-          <a:blip r:embed="rId2"/>
-          <a:stretch>
-            <a:fillRect/>
-          </a:stretch>
-        </p:blipFill>
-        <p:spPr>
-          <a:xfrm>
-            <a:off x="2327496" y="3038570"/>
-            <a:ext cx="7241160" cy="843476"/>
-          </a:xfrm>
-          <a:prstGeom prst="rect">
-            <a:avLst/>
-          </a:prstGeom>
-        </p:spPr>
-      </p:pic>
-      <p:pic>
-        <p:nvPicPr>
-          <p:cNvPr id="6" name="Picture 5">
-            <a:extLst>
-              <a:ext uri="{FF2B5EF4-FFF2-40B4-BE49-F238E27FC236}">
-                <a16:creationId xmlns:a16="http://schemas.microsoft.com/office/drawing/2014/main" id="{EEEC7555-825D-0E97-0A01-89EBF599F77A}"/>
-              </a:ext>
-            </a:extLst>
-          </p:cNvPr>
-          <p:cNvPicPr>
-            <a:picLocks noChangeAspect="1"/>
-          </p:cNvPicPr>
-          <p:nvPr/>
-        </p:nvPicPr>
-        <p:blipFill>
-          <a:blip r:embed="rId3"/>
-          <a:stretch>
-            <a:fillRect/>
-          </a:stretch>
-        </p:blipFill>
-        <p:spPr>
-          <a:xfrm>
-            <a:off x="2327496" y="4403112"/>
-            <a:ext cx="7402430" cy="2106520"/>
-          </a:xfrm>
-          <a:prstGeom prst="rect">
-            <a:avLst/>
-          </a:prstGeom>
-        </p:spPr>
-      </p:pic>
-      <p:pic>
-        <p:nvPicPr>
-          <p:cNvPr id="7" name="Picture 6">
-            <a:extLst>
-              <a:ext uri="{FF2B5EF4-FFF2-40B4-BE49-F238E27FC236}">
-                <a16:creationId xmlns:a16="http://schemas.microsoft.com/office/drawing/2014/main" id="{A37F4D58-0ADB-D668-3C92-D99932EAAC9A}"/>
-              </a:ext>
-            </a:extLst>
-          </p:cNvPr>
-          <p:cNvPicPr>
-            <a:picLocks noChangeAspect="1"/>
-          </p:cNvPicPr>
-          <p:nvPr/>
-        </p:nvPicPr>
-        <p:blipFill>
-          <a:blip r:embed="rId4"/>
-          <a:stretch>
-            <a:fillRect/>
-          </a:stretch>
-        </p:blipFill>
-        <p:spPr>
-          <a:xfrm>
-            <a:off x="2327497" y="1625758"/>
-            <a:ext cx="5475976" cy="1021147"/>
-          </a:xfrm>
-          <a:prstGeom prst="rect">
-            <a:avLst/>
-          </a:prstGeom>
-        </p:spPr>
-      </p:pic>
     </p:spTree>
     <p:extLst>
       <p:ext uri="{BB962C8B-B14F-4D97-AF65-F5344CB8AC3E}">
-        <p14:creationId xmlns:p14="http://schemas.microsoft.com/office/powerpoint/2010/main" val="1711539242"/>
+        <p14:creationId xmlns:p14="http://schemas.microsoft.com/office/powerpoint/2010/main" val="368460460"/>
       </p:ext>
     </p:extLst>
   </p:cSld>
@@ -2966,7 +2885,7 @@
           <a:p>
             <a:r>
               <a:rPr lang="en-US" dirty="0"/>
-              <a:t>lab06</a:t>
+              <a:t>lab07</a:t>
             </a:r>
           </a:p>
         </p:txBody>
@@ -2977,6 +2896,1170 @@
             <a:extLst>
               <a:ext uri="{FF2B5EF4-FFF2-40B4-BE49-F238E27FC236}">
                 <a16:creationId xmlns:a16="http://schemas.microsoft.com/office/drawing/2014/main" id="{F0AB9DF1-764A-2056-5BC1-70D34F516704}"/>
+              </a:ext>
+            </a:extLst>
+          </p:cNvPr>
+          <p:cNvSpPr>
+            <a:spLocks noGrp="1"/>
+          </p:cNvSpPr>
+          <p:nvPr>
+            <p:ph idx="1"/>
+          </p:nvPr>
+        </p:nvSpPr>
+        <p:spPr>
+          <a:xfrm>
+            <a:off x="590204" y="1064029"/>
+            <a:ext cx="10763596" cy="5363403"/>
+          </a:xfrm>
+        </p:spPr>
+        <p:txBody>
+          <a:bodyPr>
+            <a:normAutofit/>
+          </a:bodyPr>
+          <a:lstStyle/>
+          <a:p>
+            <a:r>
+              <a:rPr lang="en-US" dirty="0"/>
+              <a:t>wire connection by “assign” in generate block </a:t>
+            </a:r>
+          </a:p>
+          <a:p>
+            <a:endParaRPr lang="en-US" dirty="0"/>
+          </a:p>
+          <a:p>
+            <a:r>
+              <a:rPr lang="en-US" dirty="0"/>
+              <a:t>module top;</a:t>
+            </a:r>
+          </a:p>
+          <a:p>
+            <a:pPr lvl="1"/>
+            <a:r>
+              <a:rPr lang="en-US" dirty="0"/>
+              <a:t>sub #(.sel(0)) inst1();</a:t>
+            </a:r>
+          </a:p>
+          <a:p>
+            <a:pPr lvl="1"/>
+            <a:r>
+              <a:rPr lang="en-US" dirty="0"/>
+              <a:t>sub #(.sel(1)) inst2();</a:t>
+            </a:r>
+          </a:p>
+          <a:p>
+            <a:r>
+              <a:rPr lang="en-US" dirty="0" err="1"/>
+              <a:t>endmodule</a:t>
+            </a:r>
+            <a:endParaRPr lang="en-US" dirty="0"/>
+          </a:p>
+          <a:p>
+            <a:endParaRPr lang="en-US" dirty="0"/>
+          </a:p>
+          <a:p>
+            <a:r>
+              <a:rPr lang="en-US" dirty="0"/>
+              <a:t>module sub;</a:t>
+            </a:r>
+          </a:p>
+          <a:p>
+            <a:pPr lvl="1"/>
+            <a:r>
+              <a:rPr lang="en-US" dirty="0"/>
+              <a:t>parameter </a:t>
+            </a:r>
+            <a:r>
+              <a:rPr lang="en-US" dirty="0" err="1"/>
+              <a:t>sel</a:t>
+            </a:r>
+            <a:r>
+              <a:rPr lang="en-US" dirty="0"/>
+              <a:t> = 1;</a:t>
+            </a:r>
+          </a:p>
+          <a:p>
+            <a:endParaRPr lang="en-US" dirty="0"/>
+          </a:p>
+          <a:p>
+            <a:pPr lvl="1"/>
+            <a:r>
+              <a:rPr lang="en-US" dirty="0"/>
+              <a:t>logic sig1, sig2, sig3;</a:t>
+            </a:r>
+          </a:p>
+          <a:p>
+            <a:pPr lvl="1"/>
+            <a:r>
+              <a:rPr lang="en-US" b="1" dirty="0"/>
+              <a:t>generate  </a:t>
+            </a:r>
+            <a:r>
+              <a:rPr lang="en-US" b="1" dirty="0">
+                <a:sym typeface="Wingdings" panose="05000000000000000000" pitchFamily="2" charset="2"/>
+              </a:rPr>
+              <a:t>- this is optional</a:t>
+            </a:r>
+            <a:endParaRPr lang="en-US" b="1" dirty="0"/>
+          </a:p>
+          <a:p>
+            <a:pPr lvl="1"/>
+            <a:r>
+              <a:rPr lang="en-US" dirty="0"/>
+              <a:t>if (</a:t>
+            </a:r>
+            <a:r>
+              <a:rPr lang="en-US" dirty="0" err="1"/>
+              <a:t>sel</a:t>
+            </a:r>
+            <a:r>
+              <a:rPr lang="en-US" dirty="0"/>
+              <a:t>)</a:t>
+            </a:r>
+          </a:p>
+          <a:p>
+            <a:pPr lvl="2"/>
+            <a:r>
+              <a:rPr lang="en-US" dirty="0"/>
+              <a:t>assign sig3 = sig1;</a:t>
+            </a:r>
+          </a:p>
+          <a:p>
+            <a:pPr lvl="1"/>
+            <a:r>
+              <a:rPr lang="en-US" dirty="0"/>
+              <a:t>else</a:t>
+            </a:r>
+          </a:p>
+          <a:p>
+            <a:pPr lvl="2"/>
+            <a:r>
+              <a:rPr lang="en-US" dirty="0"/>
+              <a:t>assign sig3 = sig2;</a:t>
+            </a:r>
+          </a:p>
+          <a:p>
+            <a:pPr lvl="1"/>
+            <a:r>
+              <a:rPr lang="en-US" b="1" dirty="0" err="1"/>
+              <a:t>endgenerate</a:t>
+            </a:r>
+            <a:r>
+              <a:rPr lang="en-US" b="1" dirty="0"/>
+              <a:t> </a:t>
+            </a:r>
+            <a:r>
+              <a:rPr lang="en-US" b="1" dirty="0">
+                <a:sym typeface="Wingdings" panose="05000000000000000000" pitchFamily="2" charset="2"/>
+              </a:rPr>
+              <a:t>- this is optional</a:t>
+            </a:r>
+            <a:endParaRPr lang="en-US" b="1" dirty="0"/>
+          </a:p>
+          <a:p>
+            <a:pPr marL="914400" lvl="2" indent="0">
+              <a:buNone/>
+            </a:pPr>
+            <a:r>
+              <a:rPr lang="en-US" dirty="0"/>
+              <a:t>	</a:t>
+            </a:r>
+          </a:p>
+          <a:p>
+            <a:r>
+              <a:rPr lang="en-US" dirty="0" err="1"/>
+              <a:t>endmodule</a:t>
+            </a:r>
+            <a:endParaRPr lang="en-US" dirty="0"/>
+          </a:p>
+        </p:txBody>
+      </p:sp>
+      <p:sp>
+        <p:nvSpPr>
+          <p:cNvPr id="4" name="Slide Number Placeholder 3">
+            <a:extLst>
+              <a:ext uri="{FF2B5EF4-FFF2-40B4-BE49-F238E27FC236}">
+                <a16:creationId xmlns:a16="http://schemas.microsoft.com/office/drawing/2014/main" id="{A653B7C0-A01B-B019-AE82-6D2CF11E10FE}"/>
+              </a:ext>
+            </a:extLst>
+          </p:cNvPr>
+          <p:cNvSpPr>
+            <a:spLocks noGrp="1"/>
+          </p:cNvSpPr>
+          <p:nvPr>
+            <p:ph type="sldNum" sz="quarter" idx="12"/>
+          </p:nvPr>
+        </p:nvSpPr>
+        <p:spPr/>
+        <p:txBody>
+          <a:bodyPr/>
+          <a:lstStyle/>
+          <a:p>
+            <a:fld id="{8A2B06E4-34D2-4DD4-ABFF-9F74AC2B18B5}" type="slidenum">
+              <a:rPr lang="en-US" smtClean="0"/>
+              <a:t>10</a:t>
+            </a:fld>
+            <a:endParaRPr lang="en-US" dirty="0"/>
+          </a:p>
+        </p:txBody>
+      </p:sp>
+    </p:spTree>
+    <p:extLst>
+      <p:ext uri="{BB962C8B-B14F-4D97-AF65-F5344CB8AC3E}">
+        <p14:creationId xmlns:p14="http://schemas.microsoft.com/office/powerpoint/2010/main" val="2190162818"/>
+      </p:ext>
+    </p:extLst>
+  </p:cSld>
+  <p:clrMapOvr>
+    <a:masterClrMapping/>
+  </p:clrMapOvr>
+</p:sld>
+</file>
+
+<file path=ppt/slides/slide11.xml><?xml version="1.0" encoding="utf-8"?>
+<p:sld xmlns:a="http://schemas.openxmlformats.org/drawingml/2006/main" xmlns:r="http://schemas.openxmlformats.org/officeDocument/2006/relationships" xmlns:p="http://schemas.openxmlformats.org/presentationml/2006/main">
+  <p:cSld>
+    <p:spTree>
+      <p:nvGrpSpPr>
+        <p:cNvPr id="1" name=""/>
+        <p:cNvGrpSpPr/>
+        <p:nvPr/>
+      </p:nvGrpSpPr>
+      <p:grpSpPr>
+        <a:xfrm>
+          <a:off x="0" y="0"/>
+          <a:ext cx="0" cy="0"/>
+          <a:chOff x="0" y="0"/>
+          <a:chExt cx="0" cy="0"/>
+        </a:xfrm>
+      </p:grpSpPr>
+      <p:sp>
+        <p:nvSpPr>
+          <p:cNvPr id="2" name="Title 1">
+            <a:extLst>
+              <a:ext uri="{FF2B5EF4-FFF2-40B4-BE49-F238E27FC236}">
+                <a16:creationId xmlns:a16="http://schemas.microsoft.com/office/drawing/2014/main" id="{0D90D065-03EF-C333-329D-B6A904037AA4}"/>
+              </a:ext>
+            </a:extLst>
+          </p:cNvPr>
+          <p:cNvSpPr>
+            <a:spLocks noGrp="1"/>
+          </p:cNvSpPr>
+          <p:nvPr>
+            <p:ph type="title"/>
+          </p:nvPr>
+        </p:nvSpPr>
+        <p:spPr/>
+        <p:txBody>
+          <a:bodyPr/>
+          <a:lstStyle/>
+          <a:p>
+            <a:r>
+              <a:rPr lang="en-US" dirty="0"/>
+              <a:t>lab07</a:t>
+            </a:r>
+          </a:p>
+        </p:txBody>
+      </p:sp>
+      <p:sp>
+        <p:nvSpPr>
+          <p:cNvPr id="3" name="Content Placeholder 2">
+            <a:extLst>
+              <a:ext uri="{FF2B5EF4-FFF2-40B4-BE49-F238E27FC236}">
+                <a16:creationId xmlns:a16="http://schemas.microsoft.com/office/drawing/2014/main" id="{6BFC4363-D16A-9B9C-C912-00320CAA407C}"/>
+              </a:ext>
+            </a:extLst>
+          </p:cNvPr>
+          <p:cNvSpPr>
+            <a:spLocks noGrp="1"/>
+          </p:cNvSpPr>
+          <p:nvPr>
+            <p:ph idx="1"/>
+          </p:nvPr>
+        </p:nvSpPr>
+        <p:spPr>
+          <a:xfrm>
+            <a:off x="590204" y="1064029"/>
+            <a:ext cx="3369237" cy="4662068"/>
+          </a:xfrm>
+        </p:spPr>
+        <p:txBody>
+          <a:bodyPr>
+            <a:normAutofit/>
+          </a:bodyPr>
+          <a:lstStyle/>
+          <a:p>
+            <a:r>
+              <a:rPr lang="en-US" dirty="0"/>
+              <a:t>scope</a:t>
+            </a:r>
+          </a:p>
+          <a:p>
+            <a:pPr lvl="1"/>
+            <a:r>
+              <a:rPr lang="en-US" b="1" dirty="0"/>
+              <a:t>module</a:t>
+            </a:r>
+          </a:p>
+          <a:p>
+            <a:pPr lvl="1"/>
+            <a:r>
+              <a:rPr lang="en-US" b="1" dirty="0" err="1"/>
+              <a:t>endmodule</a:t>
+            </a:r>
+            <a:endParaRPr lang="en-US" b="1" dirty="0"/>
+          </a:p>
+          <a:p>
+            <a:pPr lvl="1"/>
+            <a:endParaRPr lang="en-US" dirty="0"/>
+          </a:p>
+          <a:p>
+            <a:pPr lvl="1"/>
+            <a:r>
+              <a:rPr lang="en-US" dirty="0"/>
+              <a:t>class</a:t>
+            </a:r>
+          </a:p>
+          <a:p>
+            <a:pPr lvl="1"/>
+            <a:r>
+              <a:rPr lang="en-US" dirty="0" err="1"/>
+              <a:t>endclass</a:t>
+            </a:r>
+            <a:endParaRPr lang="en-US" dirty="0"/>
+          </a:p>
+          <a:p>
+            <a:endParaRPr lang="en-US" dirty="0"/>
+          </a:p>
+          <a:p>
+            <a:pPr lvl="1"/>
+            <a:r>
+              <a:rPr lang="en-US" dirty="0"/>
+              <a:t>interface </a:t>
+            </a:r>
+          </a:p>
+          <a:p>
+            <a:pPr lvl="1"/>
+            <a:r>
+              <a:rPr lang="en-US" dirty="0" err="1"/>
+              <a:t>endinterface</a:t>
+            </a:r>
+            <a:endParaRPr lang="en-US" dirty="0"/>
+          </a:p>
+          <a:p>
+            <a:pPr lvl="1"/>
+            <a:endParaRPr lang="en-US" dirty="0"/>
+          </a:p>
+          <a:p>
+            <a:pPr lvl="1"/>
+            <a:r>
+              <a:rPr lang="en-US" dirty="0"/>
+              <a:t>checker</a:t>
+            </a:r>
+          </a:p>
+          <a:p>
+            <a:pPr lvl="1"/>
+            <a:r>
+              <a:rPr lang="en-US" dirty="0" err="1"/>
+              <a:t>endchecker</a:t>
+            </a:r>
+            <a:endParaRPr lang="en-US" dirty="0"/>
+          </a:p>
+          <a:p>
+            <a:pPr lvl="1"/>
+            <a:endParaRPr lang="en-US" dirty="0"/>
+          </a:p>
+          <a:p>
+            <a:pPr lvl="1"/>
+            <a:r>
+              <a:rPr lang="en-US" dirty="0"/>
+              <a:t>program</a:t>
+            </a:r>
+          </a:p>
+          <a:p>
+            <a:pPr lvl="1"/>
+            <a:r>
+              <a:rPr lang="en-US" dirty="0" err="1"/>
+              <a:t>endprogram</a:t>
+            </a:r>
+            <a:endParaRPr lang="en-US" dirty="0"/>
+          </a:p>
+          <a:p>
+            <a:pPr lvl="1"/>
+            <a:endParaRPr lang="en-US" dirty="0"/>
+          </a:p>
+          <a:p>
+            <a:pPr lvl="1"/>
+            <a:r>
+              <a:rPr lang="en-US" dirty="0"/>
+              <a:t>generate</a:t>
+            </a:r>
+          </a:p>
+          <a:p>
+            <a:pPr lvl="1"/>
+            <a:r>
+              <a:rPr lang="en-US" dirty="0" err="1"/>
+              <a:t>endgenerate</a:t>
+            </a:r>
+            <a:endParaRPr lang="en-US" dirty="0"/>
+          </a:p>
+        </p:txBody>
+      </p:sp>
+      <p:sp>
+        <p:nvSpPr>
+          <p:cNvPr id="4" name="Slide Number Placeholder 3">
+            <a:extLst>
+              <a:ext uri="{FF2B5EF4-FFF2-40B4-BE49-F238E27FC236}">
+                <a16:creationId xmlns:a16="http://schemas.microsoft.com/office/drawing/2014/main" id="{AC7F354A-7DB9-26FB-09B1-62B5D79E1C4A}"/>
+              </a:ext>
+            </a:extLst>
+          </p:cNvPr>
+          <p:cNvSpPr>
+            <a:spLocks noGrp="1"/>
+          </p:cNvSpPr>
+          <p:nvPr>
+            <p:ph type="sldNum" sz="quarter" idx="12"/>
+          </p:nvPr>
+        </p:nvSpPr>
+        <p:spPr/>
+        <p:txBody>
+          <a:bodyPr/>
+          <a:lstStyle/>
+          <a:p>
+            <a:fld id="{8A2B06E4-34D2-4DD4-ABFF-9F74AC2B18B5}" type="slidenum">
+              <a:rPr lang="en-US" smtClean="0"/>
+              <a:t>11</a:t>
+            </a:fld>
+            <a:endParaRPr lang="en-US" dirty="0"/>
+          </a:p>
+        </p:txBody>
+      </p:sp>
+      <p:sp>
+        <p:nvSpPr>
+          <p:cNvPr id="5" name="Content Placeholder 2">
+            <a:extLst>
+              <a:ext uri="{FF2B5EF4-FFF2-40B4-BE49-F238E27FC236}">
+                <a16:creationId xmlns:a16="http://schemas.microsoft.com/office/drawing/2014/main" id="{C56A286A-DF8E-552E-E1AA-8A6159B25E16}"/>
+              </a:ext>
+            </a:extLst>
+          </p:cNvPr>
+          <p:cNvSpPr txBox="1">
+            <a:spLocks/>
+          </p:cNvSpPr>
+          <p:nvPr/>
+        </p:nvSpPr>
+        <p:spPr>
+          <a:xfrm>
+            <a:off x="3679633" y="1064029"/>
+            <a:ext cx="3804243" cy="4662068"/>
+          </a:xfrm>
+          <a:prstGeom prst="rect">
+            <a:avLst/>
+          </a:prstGeom>
+        </p:spPr>
+        <p:txBody>
+          <a:bodyPr vert="horz" lIns="91440" tIns="45720" rIns="91440" bIns="45720" rtlCol="0">
+            <a:normAutofit/>
+          </a:bodyPr>
+          <a:lstStyle>
+            <a:lvl1pPr marL="228600" indent="-228600" algn="l" defTabSz="914400" rtl="0" eaLnBrk="1" latinLnBrk="0" hangingPunct="1">
+              <a:lnSpc>
+                <a:spcPct val="90000"/>
+              </a:lnSpc>
+              <a:spcBef>
+                <a:spcPts val="1000"/>
+              </a:spcBef>
+              <a:buFont typeface="Arial" panose="020B0604020202020204" pitchFamily="34" charset="0"/>
+              <a:buChar char="•"/>
+              <a:defRPr sz="1400" kern="1200">
+                <a:solidFill>
+                  <a:schemeClr val="tx1"/>
+                </a:solidFill>
+                <a:latin typeface="+mn-lt"/>
+                <a:ea typeface="+mn-ea"/>
+                <a:cs typeface="+mn-cs"/>
+              </a:defRPr>
+            </a:lvl1pPr>
+            <a:lvl2pPr marL="685800" indent="-228600" algn="l" defTabSz="914400" rtl="0" eaLnBrk="1" latinLnBrk="0" hangingPunct="1">
+              <a:lnSpc>
+                <a:spcPct val="90000"/>
+              </a:lnSpc>
+              <a:spcBef>
+                <a:spcPts val="500"/>
+              </a:spcBef>
+              <a:buFont typeface="Arial" panose="020B0604020202020204" pitchFamily="34" charset="0"/>
+              <a:buChar char="•"/>
+              <a:defRPr sz="1200" kern="1200">
+                <a:solidFill>
+                  <a:schemeClr val="tx1"/>
+                </a:solidFill>
+                <a:latin typeface="+mn-lt"/>
+                <a:ea typeface="+mn-ea"/>
+                <a:cs typeface="+mn-cs"/>
+              </a:defRPr>
+            </a:lvl2pPr>
+            <a:lvl3pPr marL="1143000" indent="-228600" algn="l" defTabSz="914400" rtl="0" eaLnBrk="1" latinLnBrk="0" hangingPunct="1">
+              <a:lnSpc>
+                <a:spcPct val="90000"/>
+              </a:lnSpc>
+              <a:spcBef>
+                <a:spcPts val="500"/>
+              </a:spcBef>
+              <a:buFont typeface="Arial" panose="020B0604020202020204" pitchFamily="34" charset="0"/>
+              <a:buChar char="•"/>
+              <a:defRPr sz="1200" kern="1200">
+                <a:solidFill>
+                  <a:schemeClr val="tx1"/>
+                </a:solidFill>
+                <a:latin typeface="+mn-lt"/>
+                <a:ea typeface="+mn-ea"/>
+                <a:cs typeface="+mn-cs"/>
+              </a:defRPr>
+            </a:lvl3pPr>
+            <a:lvl4pPr marL="1600200" indent="-228600" algn="l" defTabSz="914400" rtl="0" eaLnBrk="1" latinLnBrk="0" hangingPunct="1">
+              <a:lnSpc>
+                <a:spcPct val="90000"/>
+              </a:lnSpc>
+              <a:spcBef>
+                <a:spcPts val="500"/>
+              </a:spcBef>
+              <a:buFont typeface="Arial" panose="020B0604020202020204" pitchFamily="34" charset="0"/>
+              <a:buChar char="•"/>
+              <a:defRPr sz="1200" kern="1200">
+                <a:solidFill>
+                  <a:schemeClr val="tx1"/>
+                </a:solidFill>
+                <a:latin typeface="+mn-lt"/>
+                <a:ea typeface="+mn-ea"/>
+                <a:cs typeface="+mn-cs"/>
+              </a:defRPr>
+            </a:lvl4pPr>
+            <a:lvl5pPr marL="2057400" indent="-228600" algn="l" defTabSz="914400" rtl="0" eaLnBrk="1" latinLnBrk="0" hangingPunct="1">
+              <a:lnSpc>
+                <a:spcPct val="90000"/>
+              </a:lnSpc>
+              <a:spcBef>
+                <a:spcPts val="500"/>
+              </a:spcBef>
+              <a:buFont typeface="Arial" panose="020B0604020202020204" pitchFamily="34" charset="0"/>
+              <a:buChar char="•"/>
+              <a:defRPr sz="1200" kern="1200">
+                <a:solidFill>
+                  <a:schemeClr val="tx1"/>
+                </a:solidFill>
+                <a:latin typeface="+mn-lt"/>
+                <a:ea typeface="+mn-ea"/>
+                <a:cs typeface="+mn-cs"/>
+              </a:defRPr>
+            </a:lvl5pPr>
+            <a:lvl6pPr marL="2514600" indent="-228600" algn="l" defTabSz="914400" rtl="0" eaLnBrk="1" latinLnBrk="0" hangingPunct="1">
+              <a:lnSpc>
+                <a:spcPct val="90000"/>
+              </a:lnSpc>
+              <a:spcBef>
+                <a:spcPts val="500"/>
+              </a:spcBef>
+              <a:buFont typeface="Arial" panose="020B0604020202020204" pitchFamily="34" charset="0"/>
+              <a:buChar char="•"/>
+              <a:defRPr sz="1800" kern="1200">
+                <a:solidFill>
+                  <a:schemeClr val="tx1"/>
+                </a:solidFill>
+                <a:latin typeface="+mn-lt"/>
+                <a:ea typeface="+mn-ea"/>
+                <a:cs typeface="+mn-cs"/>
+              </a:defRPr>
+            </a:lvl6pPr>
+            <a:lvl7pPr marL="2971800" indent="-228600" algn="l" defTabSz="914400" rtl="0" eaLnBrk="1" latinLnBrk="0" hangingPunct="1">
+              <a:lnSpc>
+                <a:spcPct val="90000"/>
+              </a:lnSpc>
+              <a:spcBef>
+                <a:spcPts val="500"/>
+              </a:spcBef>
+              <a:buFont typeface="Arial" panose="020B0604020202020204" pitchFamily="34" charset="0"/>
+              <a:buChar char="•"/>
+              <a:defRPr sz="1800" kern="1200">
+                <a:solidFill>
+                  <a:schemeClr val="tx1"/>
+                </a:solidFill>
+                <a:latin typeface="+mn-lt"/>
+                <a:ea typeface="+mn-ea"/>
+                <a:cs typeface="+mn-cs"/>
+              </a:defRPr>
+            </a:lvl7pPr>
+            <a:lvl8pPr marL="3429000" indent="-228600" algn="l" defTabSz="914400" rtl="0" eaLnBrk="1" latinLnBrk="0" hangingPunct="1">
+              <a:lnSpc>
+                <a:spcPct val="90000"/>
+              </a:lnSpc>
+              <a:spcBef>
+                <a:spcPts val="500"/>
+              </a:spcBef>
+              <a:buFont typeface="Arial" panose="020B0604020202020204" pitchFamily="34" charset="0"/>
+              <a:buChar char="•"/>
+              <a:defRPr sz="1800" kern="1200">
+                <a:solidFill>
+                  <a:schemeClr val="tx1"/>
+                </a:solidFill>
+                <a:latin typeface="+mn-lt"/>
+                <a:ea typeface="+mn-ea"/>
+                <a:cs typeface="+mn-cs"/>
+              </a:defRPr>
+            </a:lvl8pPr>
+            <a:lvl9pPr marL="3886200" indent="-228600" algn="l" defTabSz="914400" rtl="0" eaLnBrk="1" latinLnBrk="0" hangingPunct="1">
+              <a:lnSpc>
+                <a:spcPct val="90000"/>
+              </a:lnSpc>
+              <a:spcBef>
+                <a:spcPts val="500"/>
+              </a:spcBef>
+              <a:buFont typeface="Arial" panose="020B0604020202020204" pitchFamily="34" charset="0"/>
+              <a:buChar char="•"/>
+              <a:defRPr sz="1800" kern="1200">
+                <a:solidFill>
+                  <a:schemeClr val="tx1"/>
+                </a:solidFill>
+                <a:latin typeface="+mn-lt"/>
+                <a:ea typeface="+mn-ea"/>
+                <a:cs typeface="+mn-cs"/>
+              </a:defRPr>
+            </a:lvl9pPr>
+          </a:lstStyle>
+          <a:p>
+            <a:r>
+              <a:rPr lang="en-US" dirty="0"/>
+              <a:t>example</a:t>
+            </a:r>
+          </a:p>
+          <a:p>
+            <a:pPr lvl="1"/>
+            <a:r>
+              <a:rPr lang="en-US" b="1" dirty="0"/>
+              <a:t>module</a:t>
+            </a:r>
+            <a:r>
+              <a:rPr lang="en-US" dirty="0"/>
+              <a:t> top</a:t>
+            </a:r>
+          </a:p>
+          <a:p>
+            <a:pPr lvl="2"/>
+            <a:r>
+              <a:rPr lang="en-US" dirty="0"/>
+              <a:t>c1 inst_c1();</a:t>
+            </a:r>
+          </a:p>
+          <a:p>
+            <a:pPr lvl="2"/>
+            <a:r>
+              <a:rPr lang="en-US" dirty="0"/>
+              <a:t>i1 inst_i1;</a:t>
+            </a:r>
+          </a:p>
+          <a:p>
+            <a:pPr lvl="1"/>
+            <a:r>
+              <a:rPr lang="en-US" dirty="0" err="1"/>
+              <a:t>endmodule</a:t>
+            </a:r>
+            <a:endParaRPr lang="en-US" dirty="0"/>
+          </a:p>
+          <a:p>
+            <a:pPr lvl="1"/>
+            <a:endParaRPr lang="en-US" dirty="0"/>
+          </a:p>
+          <a:p>
+            <a:pPr lvl="1"/>
+            <a:r>
+              <a:rPr lang="en-US" b="1" dirty="0"/>
+              <a:t>class</a:t>
+            </a:r>
+            <a:r>
+              <a:rPr lang="en-US" dirty="0"/>
+              <a:t> c1</a:t>
+            </a:r>
+          </a:p>
+          <a:p>
+            <a:pPr lvl="1"/>
+            <a:r>
+              <a:rPr lang="en-US" dirty="0" err="1"/>
+              <a:t>endclass</a:t>
+            </a:r>
+            <a:endParaRPr lang="en-US" dirty="0"/>
+          </a:p>
+          <a:p>
+            <a:pPr lvl="1"/>
+            <a:endParaRPr lang="en-US" dirty="0"/>
+          </a:p>
+          <a:p>
+            <a:pPr lvl="1"/>
+            <a:r>
+              <a:rPr lang="en-US" b="1" dirty="0"/>
+              <a:t>interface</a:t>
+            </a:r>
+            <a:r>
+              <a:rPr lang="en-US" dirty="0"/>
+              <a:t> i1</a:t>
+            </a:r>
+          </a:p>
+          <a:p>
+            <a:pPr lvl="1"/>
+            <a:r>
+              <a:rPr lang="en-US" dirty="0" err="1"/>
+              <a:t>endinterface</a:t>
+            </a:r>
+            <a:r>
+              <a:rPr lang="en-US" dirty="0"/>
+              <a:t> </a:t>
+            </a:r>
+          </a:p>
+          <a:p>
+            <a:pPr lvl="1"/>
+            <a:endParaRPr lang="en-US" dirty="0"/>
+          </a:p>
+          <a:p>
+            <a:pPr lvl="1"/>
+            <a:r>
+              <a:rPr lang="en-US" b="1" dirty="0"/>
+              <a:t>interface</a:t>
+            </a:r>
+            <a:r>
+              <a:rPr lang="en-US" dirty="0"/>
+              <a:t> i2</a:t>
+            </a:r>
+          </a:p>
+          <a:p>
+            <a:pPr lvl="1"/>
+            <a:r>
+              <a:rPr lang="en-US" dirty="0" err="1"/>
+              <a:t>endinterface</a:t>
+            </a:r>
+            <a:r>
+              <a:rPr lang="en-US" dirty="0"/>
+              <a:t> </a:t>
+            </a:r>
+          </a:p>
+          <a:p>
+            <a:pPr lvl="1"/>
+            <a:endParaRPr lang="en-US" dirty="0"/>
+          </a:p>
+        </p:txBody>
+      </p:sp>
+      <p:sp>
+        <p:nvSpPr>
+          <p:cNvPr id="6" name="Content Placeholder 2">
+            <a:extLst>
+              <a:ext uri="{FF2B5EF4-FFF2-40B4-BE49-F238E27FC236}">
+                <a16:creationId xmlns:a16="http://schemas.microsoft.com/office/drawing/2014/main" id="{B18A52DC-F630-E380-D59D-78A3CE65BFB3}"/>
+              </a:ext>
+            </a:extLst>
+          </p:cNvPr>
+          <p:cNvSpPr txBox="1">
+            <a:spLocks/>
+          </p:cNvSpPr>
+          <p:nvPr/>
+        </p:nvSpPr>
+        <p:spPr>
+          <a:xfrm>
+            <a:off x="6627019" y="1064029"/>
+            <a:ext cx="3804243" cy="4662068"/>
+          </a:xfrm>
+          <a:prstGeom prst="rect">
+            <a:avLst/>
+          </a:prstGeom>
+        </p:spPr>
+        <p:txBody>
+          <a:bodyPr vert="horz" lIns="91440" tIns="45720" rIns="91440" bIns="45720" rtlCol="0">
+            <a:normAutofit/>
+          </a:bodyPr>
+          <a:lstStyle>
+            <a:lvl1pPr marL="228600" indent="-228600" algn="l" defTabSz="914400" rtl="0" eaLnBrk="1" latinLnBrk="0" hangingPunct="1">
+              <a:lnSpc>
+                <a:spcPct val="90000"/>
+              </a:lnSpc>
+              <a:spcBef>
+                <a:spcPts val="1000"/>
+              </a:spcBef>
+              <a:buFont typeface="Arial" panose="020B0604020202020204" pitchFamily="34" charset="0"/>
+              <a:buChar char="•"/>
+              <a:defRPr sz="1400" kern="1200">
+                <a:solidFill>
+                  <a:schemeClr val="tx1"/>
+                </a:solidFill>
+                <a:latin typeface="+mn-lt"/>
+                <a:ea typeface="+mn-ea"/>
+                <a:cs typeface="+mn-cs"/>
+              </a:defRPr>
+            </a:lvl1pPr>
+            <a:lvl2pPr marL="685800" indent="-228600" algn="l" defTabSz="914400" rtl="0" eaLnBrk="1" latinLnBrk="0" hangingPunct="1">
+              <a:lnSpc>
+                <a:spcPct val="90000"/>
+              </a:lnSpc>
+              <a:spcBef>
+                <a:spcPts val="500"/>
+              </a:spcBef>
+              <a:buFont typeface="Arial" panose="020B0604020202020204" pitchFamily="34" charset="0"/>
+              <a:buChar char="•"/>
+              <a:defRPr sz="1200" kern="1200">
+                <a:solidFill>
+                  <a:schemeClr val="tx1"/>
+                </a:solidFill>
+                <a:latin typeface="+mn-lt"/>
+                <a:ea typeface="+mn-ea"/>
+                <a:cs typeface="+mn-cs"/>
+              </a:defRPr>
+            </a:lvl2pPr>
+            <a:lvl3pPr marL="1143000" indent="-228600" algn="l" defTabSz="914400" rtl="0" eaLnBrk="1" latinLnBrk="0" hangingPunct="1">
+              <a:lnSpc>
+                <a:spcPct val="90000"/>
+              </a:lnSpc>
+              <a:spcBef>
+                <a:spcPts val="500"/>
+              </a:spcBef>
+              <a:buFont typeface="Arial" panose="020B0604020202020204" pitchFamily="34" charset="0"/>
+              <a:buChar char="•"/>
+              <a:defRPr sz="1200" kern="1200">
+                <a:solidFill>
+                  <a:schemeClr val="tx1"/>
+                </a:solidFill>
+                <a:latin typeface="+mn-lt"/>
+                <a:ea typeface="+mn-ea"/>
+                <a:cs typeface="+mn-cs"/>
+              </a:defRPr>
+            </a:lvl3pPr>
+            <a:lvl4pPr marL="1600200" indent="-228600" algn="l" defTabSz="914400" rtl="0" eaLnBrk="1" latinLnBrk="0" hangingPunct="1">
+              <a:lnSpc>
+                <a:spcPct val="90000"/>
+              </a:lnSpc>
+              <a:spcBef>
+                <a:spcPts val="500"/>
+              </a:spcBef>
+              <a:buFont typeface="Arial" panose="020B0604020202020204" pitchFamily="34" charset="0"/>
+              <a:buChar char="•"/>
+              <a:defRPr sz="1200" kern="1200">
+                <a:solidFill>
+                  <a:schemeClr val="tx1"/>
+                </a:solidFill>
+                <a:latin typeface="+mn-lt"/>
+                <a:ea typeface="+mn-ea"/>
+                <a:cs typeface="+mn-cs"/>
+              </a:defRPr>
+            </a:lvl4pPr>
+            <a:lvl5pPr marL="2057400" indent="-228600" algn="l" defTabSz="914400" rtl="0" eaLnBrk="1" latinLnBrk="0" hangingPunct="1">
+              <a:lnSpc>
+                <a:spcPct val="90000"/>
+              </a:lnSpc>
+              <a:spcBef>
+                <a:spcPts val="500"/>
+              </a:spcBef>
+              <a:buFont typeface="Arial" panose="020B0604020202020204" pitchFamily="34" charset="0"/>
+              <a:buChar char="•"/>
+              <a:defRPr sz="1200" kern="1200">
+                <a:solidFill>
+                  <a:schemeClr val="tx1"/>
+                </a:solidFill>
+                <a:latin typeface="+mn-lt"/>
+                <a:ea typeface="+mn-ea"/>
+                <a:cs typeface="+mn-cs"/>
+              </a:defRPr>
+            </a:lvl5pPr>
+            <a:lvl6pPr marL="2514600" indent="-228600" algn="l" defTabSz="914400" rtl="0" eaLnBrk="1" latinLnBrk="0" hangingPunct="1">
+              <a:lnSpc>
+                <a:spcPct val="90000"/>
+              </a:lnSpc>
+              <a:spcBef>
+                <a:spcPts val="500"/>
+              </a:spcBef>
+              <a:buFont typeface="Arial" panose="020B0604020202020204" pitchFamily="34" charset="0"/>
+              <a:buChar char="•"/>
+              <a:defRPr sz="1800" kern="1200">
+                <a:solidFill>
+                  <a:schemeClr val="tx1"/>
+                </a:solidFill>
+                <a:latin typeface="+mn-lt"/>
+                <a:ea typeface="+mn-ea"/>
+                <a:cs typeface="+mn-cs"/>
+              </a:defRPr>
+            </a:lvl6pPr>
+            <a:lvl7pPr marL="2971800" indent="-228600" algn="l" defTabSz="914400" rtl="0" eaLnBrk="1" latinLnBrk="0" hangingPunct="1">
+              <a:lnSpc>
+                <a:spcPct val="90000"/>
+              </a:lnSpc>
+              <a:spcBef>
+                <a:spcPts val="500"/>
+              </a:spcBef>
+              <a:buFont typeface="Arial" panose="020B0604020202020204" pitchFamily="34" charset="0"/>
+              <a:buChar char="•"/>
+              <a:defRPr sz="1800" kern="1200">
+                <a:solidFill>
+                  <a:schemeClr val="tx1"/>
+                </a:solidFill>
+                <a:latin typeface="+mn-lt"/>
+                <a:ea typeface="+mn-ea"/>
+                <a:cs typeface="+mn-cs"/>
+              </a:defRPr>
+            </a:lvl7pPr>
+            <a:lvl8pPr marL="3429000" indent="-228600" algn="l" defTabSz="914400" rtl="0" eaLnBrk="1" latinLnBrk="0" hangingPunct="1">
+              <a:lnSpc>
+                <a:spcPct val="90000"/>
+              </a:lnSpc>
+              <a:spcBef>
+                <a:spcPts val="500"/>
+              </a:spcBef>
+              <a:buFont typeface="Arial" panose="020B0604020202020204" pitchFamily="34" charset="0"/>
+              <a:buChar char="•"/>
+              <a:defRPr sz="1800" kern="1200">
+                <a:solidFill>
+                  <a:schemeClr val="tx1"/>
+                </a:solidFill>
+                <a:latin typeface="+mn-lt"/>
+                <a:ea typeface="+mn-ea"/>
+                <a:cs typeface="+mn-cs"/>
+              </a:defRPr>
+            </a:lvl8pPr>
+            <a:lvl9pPr marL="3886200" indent="-228600" algn="l" defTabSz="914400" rtl="0" eaLnBrk="1" latinLnBrk="0" hangingPunct="1">
+              <a:lnSpc>
+                <a:spcPct val="90000"/>
+              </a:lnSpc>
+              <a:spcBef>
+                <a:spcPts val="500"/>
+              </a:spcBef>
+              <a:buFont typeface="Arial" panose="020B0604020202020204" pitchFamily="34" charset="0"/>
+              <a:buChar char="•"/>
+              <a:defRPr sz="1800" kern="1200">
+                <a:solidFill>
+                  <a:schemeClr val="tx1"/>
+                </a:solidFill>
+                <a:latin typeface="+mn-lt"/>
+                <a:ea typeface="+mn-ea"/>
+                <a:cs typeface="+mn-cs"/>
+              </a:defRPr>
+            </a:lvl9pPr>
+          </a:lstStyle>
+          <a:p>
+            <a:r>
+              <a:rPr lang="en-US" dirty="0"/>
+              <a:t>example2</a:t>
+            </a:r>
+          </a:p>
+          <a:p>
+            <a:pPr lvl="1"/>
+            <a:r>
+              <a:rPr lang="en-US" b="1" dirty="0"/>
+              <a:t>module</a:t>
+            </a:r>
+            <a:r>
+              <a:rPr lang="en-US" dirty="0"/>
+              <a:t> top</a:t>
+            </a:r>
+          </a:p>
+          <a:p>
+            <a:pPr lvl="2"/>
+            <a:r>
+              <a:rPr lang="en-US" dirty="0"/>
+              <a:t>c1 inst_c1();</a:t>
+            </a:r>
+          </a:p>
+          <a:p>
+            <a:pPr lvl="2"/>
+            <a:r>
+              <a:rPr lang="en-US" dirty="0"/>
+              <a:t>i1 inst_i1;</a:t>
+            </a:r>
+          </a:p>
+          <a:p>
+            <a:pPr lvl="1"/>
+            <a:r>
+              <a:rPr lang="en-US" dirty="0" err="1"/>
+              <a:t>endmodule</a:t>
+            </a:r>
+            <a:endParaRPr lang="en-US" dirty="0"/>
+          </a:p>
+          <a:p>
+            <a:pPr lvl="1"/>
+            <a:endParaRPr lang="en-US" dirty="0"/>
+          </a:p>
+          <a:p>
+            <a:pPr lvl="1"/>
+            <a:r>
+              <a:rPr lang="en-US" b="1" dirty="0"/>
+              <a:t>class</a:t>
+            </a:r>
+            <a:r>
+              <a:rPr lang="en-US" dirty="0"/>
+              <a:t> c1</a:t>
+            </a:r>
+          </a:p>
+          <a:p>
+            <a:pPr lvl="1"/>
+            <a:r>
+              <a:rPr lang="en-US" dirty="0" err="1"/>
+              <a:t>endclass</a:t>
+            </a:r>
+            <a:endParaRPr lang="en-US" dirty="0"/>
+          </a:p>
+          <a:p>
+            <a:pPr lvl="1"/>
+            <a:endParaRPr lang="en-US" dirty="0"/>
+          </a:p>
+          <a:p>
+            <a:pPr lvl="1"/>
+            <a:r>
+              <a:rPr lang="en-US" b="1" dirty="0"/>
+              <a:t>interface</a:t>
+            </a:r>
+            <a:r>
+              <a:rPr lang="en-US" dirty="0"/>
+              <a:t> i1();</a:t>
+            </a:r>
+          </a:p>
+          <a:p>
+            <a:pPr lvl="2"/>
+            <a:r>
+              <a:rPr lang="en-US" dirty="0"/>
+              <a:t>clocking</a:t>
+            </a:r>
+          </a:p>
+          <a:p>
+            <a:pPr lvl="2"/>
+            <a:endParaRPr lang="en-US" dirty="0"/>
+          </a:p>
+          <a:p>
+            <a:pPr lvl="2"/>
+            <a:r>
+              <a:rPr lang="en-US" dirty="0" err="1"/>
+              <a:t>endclocking</a:t>
+            </a:r>
+            <a:endParaRPr lang="en-US" dirty="0"/>
+          </a:p>
+          <a:p>
+            <a:pPr lvl="2"/>
+            <a:r>
+              <a:rPr lang="en-US" dirty="0" err="1"/>
+              <a:t>modport</a:t>
+            </a:r>
+            <a:r>
+              <a:rPr lang="en-US" dirty="0"/>
+              <a:t> m1;</a:t>
+            </a:r>
+          </a:p>
+          <a:p>
+            <a:pPr lvl="2"/>
+            <a:r>
+              <a:rPr lang="en-US" dirty="0" err="1"/>
+              <a:t>modport</a:t>
+            </a:r>
+            <a:r>
+              <a:rPr lang="en-US" dirty="0"/>
+              <a:t> m2;</a:t>
+            </a:r>
+          </a:p>
+          <a:p>
+            <a:pPr lvl="1"/>
+            <a:r>
+              <a:rPr lang="en-US" dirty="0" err="1"/>
+              <a:t>endinterface</a:t>
+            </a:r>
+            <a:r>
+              <a:rPr lang="en-US" dirty="0"/>
+              <a:t> </a:t>
+            </a:r>
+          </a:p>
+          <a:p>
+            <a:pPr lvl="1"/>
+            <a:endParaRPr lang="en-US" dirty="0"/>
+          </a:p>
+          <a:p>
+            <a:pPr lvl="1"/>
+            <a:r>
+              <a:rPr lang="en-US" b="1" dirty="0"/>
+              <a:t>interface</a:t>
+            </a:r>
+            <a:r>
+              <a:rPr lang="en-US" dirty="0"/>
+              <a:t> i2</a:t>
+            </a:r>
+          </a:p>
+          <a:p>
+            <a:pPr lvl="1"/>
+            <a:r>
+              <a:rPr lang="en-US" dirty="0" err="1"/>
+              <a:t>endinterface</a:t>
+            </a:r>
+            <a:r>
+              <a:rPr lang="en-US" dirty="0"/>
+              <a:t> </a:t>
+            </a:r>
+          </a:p>
+          <a:p>
+            <a:pPr lvl="1"/>
+            <a:endParaRPr lang="en-US" dirty="0"/>
+          </a:p>
+        </p:txBody>
+      </p:sp>
+    </p:spTree>
+    <p:extLst>
+      <p:ext uri="{BB962C8B-B14F-4D97-AF65-F5344CB8AC3E}">
+        <p14:creationId xmlns:p14="http://schemas.microsoft.com/office/powerpoint/2010/main" val="2960610283"/>
+      </p:ext>
+    </p:extLst>
+  </p:cSld>
+  <p:clrMapOvr>
+    <a:masterClrMapping/>
+  </p:clrMapOvr>
+</p:sld>
+</file>
+
+<file path=ppt/slides/slide12.xml><?xml version="1.0" encoding="utf-8"?>
+<p:sld xmlns:a="http://schemas.openxmlformats.org/drawingml/2006/main" xmlns:r="http://schemas.openxmlformats.org/officeDocument/2006/relationships" xmlns:p="http://schemas.openxmlformats.org/presentationml/2006/main">
+  <p:cSld>
+    <p:spTree>
+      <p:nvGrpSpPr>
+        <p:cNvPr id="1" name=""/>
+        <p:cNvGrpSpPr/>
+        <p:nvPr/>
+      </p:nvGrpSpPr>
+      <p:grpSpPr>
+        <a:xfrm>
+          <a:off x="0" y="0"/>
+          <a:ext cx="0" cy="0"/>
+          <a:chOff x="0" y="0"/>
+          <a:chExt cx="0" cy="0"/>
+        </a:xfrm>
+      </p:grpSpPr>
+      <p:sp>
+        <p:nvSpPr>
+          <p:cNvPr id="2" name="Title 1">
+            <a:extLst>
+              <a:ext uri="{FF2B5EF4-FFF2-40B4-BE49-F238E27FC236}">
+                <a16:creationId xmlns:a16="http://schemas.microsoft.com/office/drawing/2014/main" id="{73D23E56-2C2B-BFB5-0308-AF09DD1B0B6B}"/>
+              </a:ext>
+            </a:extLst>
+          </p:cNvPr>
+          <p:cNvSpPr>
+            <a:spLocks noGrp="1"/>
+          </p:cNvSpPr>
+          <p:nvPr>
+            <p:ph type="title"/>
+          </p:nvPr>
+        </p:nvSpPr>
+        <p:spPr/>
+        <p:txBody>
+          <a:bodyPr/>
+          <a:lstStyle/>
+          <a:p>
+            <a:r>
+              <a:rPr lang="en-US" dirty="0"/>
+              <a:t>lab07</a:t>
+            </a:r>
+          </a:p>
+        </p:txBody>
+      </p:sp>
+      <p:sp>
+        <p:nvSpPr>
+          <p:cNvPr id="3" name="Content Placeholder 2">
+            <a:extLst>
+              <a:ext uri="{FF2B5EF4-FFF2-40B4-BE49-F238E27FC236}">
+                <a16:creationId xmlns:a16="http://schemas.microsoft.com/office/drawing/2014/main" id="{2657A5E9-1614-2F41-5306-EC564139BD28}"/>
               </a:ext>
             </a:extLst>
           </p:cNvPr>
@@ -2992,7 +4075,7 @@
           <a:bodyPr/>
           <a:lstStyle/>
           <a:p>
-            <a:endParaRPr lang="en-US"/>
+            <a:endParaRPr lang="en-US" dirty="0"/>
           </a:p>
         </p:txBody>
       </p:sp>
@@ -3001,7 +4084,7 @@
           <p:cNvPr id="4" name="Slide Number Placeholder 3">
             <a:extLst>
               <a:ext uri="{FF2B5EF4-FFF2-40B4-BE49-F238E27FC236}">
-                <a16:creationId xmlns:a16="http://schemas.microsoft.com/office/drawing/2014/main" id="{A653B7C0-A01B-B019-AE82-6D2CF11E10FE}"/>
+                <a16:creationId xmlns:a16="http://schemas.microsoft.com/office/drawing/2014/main" id="{620C5C59-E1CB-4945-C254-D59DA973D96B}"/>
               </a:ext>
             </a:extLst>
           </p:cNvPr>
@@ -3019,7 +4102,280 @@
           <a:p>
             <a:fld id="{8A2B06E4-34D2-4DD4-ABFF-9F74AC2B18B5}" type="slidenum">
               <a:rPr lang="en-US" smtClean="0"/>
-              <a:t>10</a:t>
+              <a:t>12</a:t>
+            </a:fld>
+            <a:endParaRPr lang="en-US" dirty="0"/>
+          </a:p>
+        </p:txBody>
+      </p:sp>
+      <p:sp>
+        <p:nvSpPr>
+          <p:cNvPr id="5" name="Rectangle 4">
+            <a:extLst>
+              <a:ext uri="{FF2B5EF4-FFF2-40B4-BE49-F238E27FC236}">
+                <a16:creationId xmlns:a16="http://schemas.microsoft.com/office/drawing/2014/main" id="{A0C37854-5741-B17F-49C0-014563D0D4E0}"/>
+              </a:ext>
+            </a:extLst>
+          </p:cNvPr>
+          <p:cNvSpPr/>
+          <p:nvPr/>
+        </p:nvSpPr>
+        <p:spPr>
+          <a:xfrm>
+            <a:off x="2614862" y="1064029"/>
+            <a:ext cx="5995737" cy="3828813"/>
+          </a:xfrm>
+          <a:prstGeom prst="rect">
+            <a:avLst/>
+          </a:prstGeom>
+        </p:spPr>
+        <p:style>
+          <a:lnRef idx="2">
+            <a:schemeClr val="accent1">
+              <a:shade val="50000"/>
+            </a:schemeClr>
+          </a:lnRef>
+          <a:fillRef idx="1">
+            <a:schemeClr val="accent1"/>
+          </a:fillRef>
+          <a:effectRef idx="0">
+            <a:schemeClr val="accent1"/>
+          </a:effectRef>
+          <a:fontRef idx="minor">
+            <a:schemeClr val="lt1"/>
+          </a:fontRef>
+        </p:style>
+        <p:txBody>
+          <a:bodyPr rtlCol="0" anchor="ctr"/>
+          <a:lstStyle/>
+          <a:p>
+            <a:pPr algn="ctr"/>
+            <a:r>
+              <a:rPr lang="en-US" dirty="0"/>
+              <a:t>module top</a:t>
+            </a:r>
+          </a:p>
+        </p:txBody>
+      </p:sp>
+      <p:sp>
+        <p:nvSpPr>
+          <p:cNvPr id="6" name="Rectangle 5">
+            <a:extLst>
+              <a:ext uri="{FF2B5EF4-FFF2-40B4-BE49-F238E27FC236}">
+                <a16:creationId xmlns:a16="http://schemas.microsoft.com/office/drawing/2014/main" id="{491B9DA3-B60C-67D1-B7B5-83EF9630BACD}"/>
+              </a:ext>
+            </a:extLst>
+          </p:cNvPr>
+          <p:cNvSpPr/>
+          <p:nvPr/>
+        </p:nvSpPr>
+        <p:spPr>
+          <a:xfrm>
+            <a:off x="5405899" y="1374232"/>
+            <a:ext cx="2873829" cy="637817"/>
+          </a:xfrm>
+          <a:prstGeom prst="rect">
+            <a:avLst/>
+          </a:prstGeom>
+          <a:solidFill>
+            <a:schemeClr val="accent2"/>
+          </a:solidFill>
+        </p:spPr>
+        <p:style>
+          <a:lnRef idx="2">
+            <a:schemeClr val="accent1">
+              <a:shade val="50000"/>
+            </a:schemeClr>
+          </a:lnRef>
+          <a:fillRef idx="1">
+            <a:schemeClr val="accent1"/>
+          </a:fillRef>
+          <a:effectRef idx="0">
+            <a:schemeClr val="accent1"/>
+          </a:effectRef>
+          <a:fontRef idx="minor">
+            <a:schemeClr val="lt1"/>
+          </a:fontRef>
+        </p:style>
+        <p:txBody>
+          <a:bodyPr rtlCol="0" anchor="ctr"/>
+          <a:lstStyle/>
+          <a:p>
+            <a:pPr algn="ctr"/>
+            <a:r>
+              <a:rPr lang="en-US" dirty="0"/>
+              <a:t>testbench (tb)</a:t>
+            </a:r>
+          </a:p>
+        </p:txBody>
+      </p:sp>
+      <p:sp>
+        <p:nvSpPr>
+          <p:cNvPr id="7" name="Rectangle 6">
+            <a:extLst>
+              <a:ext uri="{FF2B5EF4-FFF2-40B4-BE49-F238E27FC236}">
+                <a16:creationId xmlns:a16="http://schemas.microsoft.com/office/drawing/2014/main" id="{461C591A-42CD-7A14-F811-B1144809831E}"/>
+              </a:ext>
+            </a:extLst>
+          </p:cNvPr>
+          <p:cNvSpPr/>
+          <p:nvPr/>
+        </p:nvSpPr>
+        <p:spPr>
+          <a:xfrm>
+            <a:off x="5405899" y="3960469"/>
+            <a:ext cx="2873829" cy="637817"/>
+          </a:xfrm>
+          <a:prstGeom prst="rect">
+            <a:avLst/>
+          </a:prstGeom>
+          <a:solidFill>
+            <a:schemeClr val="accent2"/>
+          </a:solidFill>
+        </p:spPr>
+        <p:style>
+          <a:lnRef idx="2">
+            <a:schemeClr val="accent1">
+              <a:shade val="50000"/>
+            </a:schemeClr>
+          </a:lnRef>
+          <a:fillRef idx="1">
+            <a:schemeClr val="accent1"/>
+          </a:fillRef>
+          <a:effectRef idx="0">
+            <a:schemeClr val="accent1"/>
+          </a:effectRef>
+          <a:fontRef idx="minor">
+            <a:schemeClr val="lt1"/>
+          </a:fontRef>
+        </p:style>
+        <p:txBody>
+          <a:bodyPr rtlCol="0" anchor="ctr"/>
+          <a:lstStyle/>
+          <a:p>
+            <a:pPr algn="ctr"/>
+            <a:r>
+              <a:rPr lang="en-US" dirty="0"/>
+              <a:t>device under test (</a:t>
+            </a:r>
+            <a:r>
+              <a:rPr lang="en-US" dirty="0" err="1"/>
+              <a:t>dut</a:t>
+            </a:r>
+            <a:r>
+              <a:rPr lang="en-US" dirty="0"/>
+              <a:t>)</a:t>
+            </a:r>
+          </a:p>
+        </p:txBody>
+      </p:sp>
+    </p:spTree>
+    <p:extLst>
+      <p:ext uri="{BB962C8B-B14F-4D97-AF65-F5344CB8AC3E}">
+        <p14:creationId xmlns:p14="http://schemas.microsoft.com/office/powerpoint/2010/main" val="3878401024"/>
+      </p:ext>
+    </p:extLst>
+  </p:cSld>
+  <p:clrMapOvr>
+    <a:masterClrMapping/>
+  </p:clrMapOvr>
+</p:sld>
+</file>
+
+<file path=ppt/slides/slide13.xml><?xml version="1.0" encoding="utf-8"?>
+<p:sld xmlns:a="http://schemas.openxmlformats.org/drawingml/2006/main" xmlns:r="http://schemas.openxmlformats.org/officeDocument/2006/relationships" xmlns:p="http://schemas.openxmlformats.org/presentationml/2006/main">
+  <p:cSld>
+    <p:spTree>
+      <p:nvGrpSpPr>
+        <p:cNvPr id="1" name=""/>
+        <p:cNvGrpSpPr/>
+        <p:nvPr/>
+      </p:nvGrpSpPr>
+      <p:grpSpPr>
+        <a:xfrm>
+          <a:off x="0" y="0"/>
+          <a:ext cx="0" cy="0"/>
+          <a:chOff x="0" y="0"/>
+          <a:chExt cx="0" cy="0"/>
+        </a:xfrm>
+      </p:grpSpPr>
+      <p:sp>
+        <p:nvSpPr>
+          <p:cNvPr id="2" name="Title 1">
+            <a:extLst>
+              <a:ext uri="{FF2B5EF4-FFF2-40B4-BE49-F238E27FC236}">
+                <a16:creationId xmlns:a16="http://schemas.microsoft.com/office/drawing/2014/main" id="{E6E7246E-6DDB-2F98-52B0-04AB5D144996}"/>
+              </a:ext>
+            </a:extLst>
+          </p:cNvPr>
+          <p:cNvSpPr>
+            <a:spLocks noGrp="1"/>
+          </p:cNvSpPr>
+          <p:nvPr>
+            <p:ph type="title"/>
+          </p:nvPr>
+        </p:nvSpPr>
+        <p:spPr/>
+        <p:txBody>
+          <a:bodyPr/>
+          <a:lstStyle/>
+          <a:p>
+            <a:r>
+              <a:rPr lang="en-US" dirty="0"/>
+              <a:t>lab06</a:t>
+            </a:r>
+          </a:p>
+        </p:txBody>
+      </p:sp>
+      <p:sp>
+        <p:nvSpPr>
+          <p:cNvPr id="3" name="Content Placeholder 2">
+            <a:extLst>
+              <a:ext uri="{FF2B5EF4-FFF2-40B4-BE49-F238E27FC236}">
+                <a16:creationId xmlns:a16="http://schemas.microsoft.com/office/drawing/2014/main" id="{F0AB9DF1-764A-2056-5BC1-70D34F516704}"/>
+              </a:ext>
+            </a:extLst>
+          </p:cNvPr>
+          <p:cNvSpPr>
+            <a:spLocks noGrp="1"/>
+          </p:cNvSpPr>
+          <p:nvPr>
+            <p:ph idx="1"/>
+          </p:nvPr>
+        </p:nvSpPr>
+        <p:spPr/>
+        <p:txBody>
+          <a:bodyPr/>
+          <a:lstStyle/>
+          <a:p>
+            <a:endParaRPr lang="en-US"/>
+          </a:p>
+        </p:txBody>
+      </p:sp>
+      <p:sp>
+        <p:nvSpPr>
+          <p:cNvPr id="4" name="Slide Number Placeholder 3">
+            <a:extLst>
+              <a:ext uri="{FF2B5EF4-FFF2-40B4-BE49-F238E27FC236}">
+                <a16:creationId xmlns:a16="http://schemas.microsoft.com/office/drawing/2014/main" id="{A653B7C0-A01B-B019-AE82-6D2CF11E10FE}"/>
+              </a:ext>
+            </a:extLst>
+          </p:cNvPr>
+          <p:cNvSpPr>
+            <a:spLocks noGrp="1"/>
+          </p:cNvSpPr>
+          <p:nvPr>
+            <p:ph type="sldNum" sz="quarter" idx="12"/>
+          </p:nvPr>
+        </p:nvSpPr>
+        <p:spPr/>
+        <p:txBody>
+          <a:bodyPr/>
+          <a:lstStyle/>
+          <a:p>
+            <a:fld id="{8A2B06E4-34D2-4DD4-ABFF-9F74AC2B18B5}" type="slidenum">
+              <a:rPr lang="en-US" smtClean="0"/>
+              <a:t>13</a:t>
             </a:fld>
             <a:endParaRPr lang="en-US" dirty="0"/>
           </a:p>
@@ -3517,7 +4873,7 @@
 </p:sld>
 </file>
 
-<file path=ppt/slides/slide11.xml><?xml version="1.0" encoding="utf-8"?>
+<file path=ppt/slides/slide14.xml><?xml version="1.0" encoding="utf-8"?>
 <p:sld xmlns:a="http://schemas.openxmlformats.org/drawingml/2006/main" xmlns:r="http://schemas.openxmlformats.org/officeDocument/2006/relationships" xmlns:p="http://schemas.openxmlformats.org/presentationml/2006/main">
   <p:cSld>
     <p:spTree>
@@ -3585,7 +4941,7 @@
           <a:p>
             <a:fld id="{8A2B06E4-34D2-4DD4-ABFF-9F74AC2B18B5}" type="slidenum">
               <a:rPr lang="en-US" smtClean="0"/>
-              <a:t>11</a:t>
+              <a:t>14</a:t>
             </a:fld>
             <a:endParaRPr lang="en-US" dirty="0"/>
           </a:p>
@@ -4674,7 +6030,7 @@
 </p:sld>
 </file>
 
-<file path=ppt/slides/slide12.xml><?xml version="1.0" encoding="utf-8"?>
+<file path=ppt/slides/slide15.xml><?xml version="1.0" encoding="utf-8"?>
 <p:sld xmlns:a="http://schemas.openxmlformats.org/drawingml/2006/main" xmlns:r="http://schemas.openxmlformats.org/officeDocument/2006/relationships" xmlns:p="http://schemas.openxmlformats.org/presentationml/2006/main">
   <p:cSld>
     <p:spTree>
@@ -4742,7 +6098,7 @@
           <a:p>
             <a:fld id="{8A2B06E4-34D2-4DD4-ABFF-9F74AC2B18B5}" type="slidenum">
               <a:rPr lang="en-US" smtClean="0"/>
-              <a:t>12</a:t>
+              <a:t>15</a:t>
             </a:fld>
             <a:endParaRPr lang="en-US" dirty="0"/>
           </a:p>
@@ -4762,7 +6118,7 @@
         </p:nvSpPr>
         <p:spPr>
           <a:xfrm>
-            <a:off x="2614862" y="1064029"/>
+            <a:off x="2614863" y="1064029"/>
             <a:ext cx="5995737" cy="3828813"/>
           </a:xfrm>
           <a:prstGeom prst="rect">
@@ -5189,7 +6545,7 @@
         <p:spPr>
           <a:xfrm>
             <a:off x="8782834" y="1064029"/>
-            <a:ext cx="2398731" cy="1426272"/>
+            <a:ext cx="2314253" cy="1376042"/>
           </a:xfrm>
           <a:prstGeom prst="rect">
             <a:avLst/>
@@ -5209,7 +6565,7 @@
 </p:sld>
 </file>
 
-<file path=ppt/slides/slide13.xml><?xml version="1.0" encoding="utf-8"?>
+<file path=ppt/slides/slide16.xml><?xml version="1.0" encoding="utf-8"?>
 <p:sld xmlns:a="http://schemas.openxmlformats.org/drawingml/2006/main" xmlns:r="http://schemas.openxmlformats.org/officeDocument/2006/relationships" xmlns:p="http://schemas.openxmlformats.org/presentationml/2006/main">
   <p:cSld>
     <p:spTree>
@@ -5231,345 +6587,6 @@
           <p:cNvPr id="2" name="Title 1">
             <a:extLst>
               <a:ext uri="{FF2B5EF4-FFF2-40B4-BE49-F238E27FC236}">
-                <a16:creationId xmlns:a16="http://schemas.microsoft.com/office/drawing/2014/main" id="{0AEB7B77-FA10-C46A-0CC0-5C6DA2DB31EB}"/>
-              </a:ext>
-            </a:extLst>
-          </p:cNvPr>
-          <p:cNvSpPr>
-            <a:spLocks noGrp="1"/>
-          </p:cNvSpPr>
-          <p:nvPr>
-            <p:ph type="title"/>
-          </p:nvPr>
-        </p:nvSpPr>
-        <p:spPr>
-          <a:xfrm>
-            <a:off x="324196" y="160394"/>
-            <a:ext cx="11029604" cy="599151"/>
-          </a:xfrm>
-        </p:spPr>
-        <p:txBody>
-          <a:bodyPr/>
-          <a:lstStyle/>
-          <a:p>
-            <a:r>
-              <a:rPr lang="en-US" dirty="0"/>
-              <a:t>lab12</a:t>
-            </a:r>
-          </a:p>
-        </p:txBody>
-      </p:sp>
-      <p:sp>
-        <p:nvSpPr>
-          <p:cNvPr id="3" name="Content Placeholder 2">
-            <a:extLst>
-              <a:ext uri="{FF2B5EF4-FFF2-40B4-BE49-F238E27FC236}">
-                <a16:creationId xmlns:a16="http://schemas.microsoft.com/office/drawing/2014/main" id="{810C7513-AE8B-94AD-262A-53C837DD6E09}"/>
-              </a:ext>
-            </a:extLst>
-          </p:cNvPr>
-          <p:cNvSpPr>
-            <a:spLocks noGrp="1"/>
-          </p:cNvSpPr>
-          <p:nvPr>
-            <p:ph idx="1"/>
-          </p:nvPr>
-        </p:nvSpPr>
-        <p:spPr>
-          <a:xfrm>
-            <a:off x="9062431" y="799639"/>
-            <a:ext cx="2842788" cy="711866"/>
-          </a:xfrm>
-        </p:spPr>
-        <p:txBody>
-          <a:bodyPr/>
-          <a:lstStyle/>
-          <a:p>
-            <a:r>
-              <a:rPr lang="en-US" dirty="0"/>
-              <a:t>red = unsigned addition</a:t>
-            </a:r>
-          </a:p>
-          <a:p>
-            <a:r>
-              <a:rPr lang="en-US" dirty="0"/>
-              <a:t>green = signed addition</a:t>
-            </a:r>
-          </a:p>
-        </p:txBody>
-      </p:sp>
-      <p:sp>
-        <p:nvSpPr>
-          <p:cNvPr id="4" name="Slide Number Placeholder 3">
-            <a:extLst>
-              <a:ext uri="{FF2B5EF4-FFF2-40B4-BE49-F238E27FC236}">
-                <a16:creationId xmlns:a16="http://schemas.microsoft.com/office/drawing/2014/main" id="{8CC1F037-F447-3414-DCE0-2DA083E5302F}"/>
-              </a:ext>
-            </a:extLst>
-          </p:cNvPr>
-          <p:cNvSpPr>
-            <a:spLocks noGrp="1"/>
-          </p:cNvSpPr>
-          <p:nvPr>
-            <p:ph type="sldNum" sz="quarter" idx="12"/>
-          </p:nvPr>
-        </p:nvSpPr>
-        <p:spPr/>
-        <p:txBody>
-          <a:bodyPr/>
-          <a:lstStyle/>
-          <a:p>
-            <a:fld id="{8A2B06E4-34D2-4DD4-ABFF-9F74AC2B18B5}" type="slidenum">
-              <a:rPr lang="en-US" smtClean="0"/>
-              <a:t>13</a:t>
-            </a:fld>
-            <a:endParaRPr lang="en-US" dirty="0"/>
-          </a:p>
-        </p:txBody>
-      </p:sp>
-      <p:pic>
-        <p:nvPicPr>
-          <p:cNvPr id="8" name="Picture 7">
-            <a:extLst>
-              <a:ext uri="{FF2B5EF4-FFF2-40B4-BE49-F238E27FC236}">
-                <a16:creationId xmlns:a16="http://schemas.microsoft.com/office/drawing/2014/main" id="{7E1721ED-D02A-9594-878F-0508E8297F22}"/>
-              </a:ext>
-            </a:extLst>
-          </p:cNvPr>
-          <p:cNvPicPr>
-            <a:picLocks noChangeAspect="1"/>
-          </p:cNvPicPr>
-          <p:nvPr/>
-        </p:nvPicPr>
-        <p:blipFill>
-          <a:blip r:embed="rId2"/>
-          <a:stretch>
-            <a:fillRect/>
-          </a:stretch>
-        </p:blipFill>
-        <p:spPr>
-          <a:xfrm>
-            <a:off x="1808655" y="1511504"/>
-            <a:ext cx="10227356" cy="5346496"/>
-          </a:xfrm>
-          <a:prstGeom prst="rect">
-            <a:avLst/>
-          </a:prstGeom>
-        </p:spPr>
-      </p:pic>
-      <p:pic>
-        <p:nvPicPr>
-          <p:cNvPr id="6" name="Picture 5">
-            <a:extLst>
-              <a:ext uri="{FF2B5EF4-FFF2-40B4-BE49-F238E27FC236}">
-                <a16:creationId xmlns:a16="http://schemas.microsoft.com/office/drawing/2014/main" id="{5A55FC3A-FE61-0247-5376-A97328B92045}"/>
-              </a:ext>
-            </a:extLst>
-          </p:cNvPr>
-          <p:cNvPicPr>
-            <a:picLocks noChangeAspect="1"/>
-          </p:cNvPicPr>
-          <p:nvPr/>
-        </p:nvPicPr>
-        <p:blipFill>
-          <a:blip r:embed="rId3"/>
-          <a:stretch>
-            <a:fillRect/>
-          </a:stretch>
-        </p:blipFill>
-        <p:spPr>
-          <a:xfrm>
-            <a:off x="6590851" y="751717"/>
-            <a:ext cx="1762376" cy="1440317"/>
-          </a:xfrm>
-          <a:prstGeom prst="rect">
-            <a:avLst/>
-          </a:prstGeom>
-        </p:spPr>
-      </p:pic>
-      <p:pic>
-        <p:nvPicPr>
-          <p:cNvPr id="10" name="Picture 9">
-            <a:extLst>
-              <a:ext uri="{FF2B5EF4-FFF2-40B4-BE49-F238E27FC236}">
-                <a16:creationId xmlns:a16="http://schemas.microsoft.com/office/drawing/2014/main" id="{D20F0CA7-9786-5797-2C77-553C00C20154}"/>
-              </a:ext>
-            </a:extLst>
-          </p:cNvPr>
-          <p:cNvPicPr>
-            <a:picLocks noChangeAspect="1"/>
-          </p:cNvPicPr>
-          <p:nvPr/>
-        </p:nvPicPr>
-        <p:blipFill>
-          <a:blip r:embed="rId4"/>
-          <a:stretch>
-            <a:fillRect/>
-          </a:stretch>
-        </p:blipFill>
-        <p:spPr>
-          <a:xfrm>
-            <a:off x="8353227" y="272028"/>
-            <a:ext cx="3198916" cy="487517"/>
-          </a:xfrm>
-          <a:prstGeom prst="rect">
-            <a:avLst/>
-          </a:prstGeom>
-        </p:spPr>
-      </p:pic>
-    </p:spTree>
-    <p:extLst>
-      <p:ext uri="{BB962C8B-B14F-4D97-AF65-F5344CB8AC3E}">
-        <p14:creationId xmlns:p14="http://schemas.microsoft.com/office/powerpoint/2010/main" val="1790081145"/>
-      </p:ext>
-    </p:extLst>
-  </p:cSld>
-  <p:clrMapOvr>
-    <a:masterClrMapping/>
-  </p:clrMapOvr>
-</p:sld>
-</file>
-
-<file path=ppt/slides/slide14.xml><?xml version="1.0" encoding="utf-8"?>
-<p:sld xmlns:a="http://schemas.openxmlformats.org/drawingml/2006/main" xmlns:r="http://schemas.openxmlformats.org/officeDocument/2006/relationships" xmlns:p="http://schemas.openxmlformats.org/presentationml/2006/main">
-  <p:cSld>
-    <p:spTree>
-      <p:nvGrpSpPr>
-        <p:cNvPr id="1" name=""/>
-        <p:cNvGrpSpPr/>
-        <p:nvPr/>
-      </p:nvGrpSpPr>
-      <p:grpSpPr>
-        <a:xfrm>
-          <a:off x="0" y="0"/>
-          <a:ext cx="0" cy="0"/>
-          <a:chOff x="0" y="0"/>
-          <a:chExt cx="0" cy="0"/>
-        </a:xfrm>
-      </p:grpSpPr>
-      <p:sp>
-        <p:nvSpPr>
-          <p:cNvPr id="4" name="Slide Number Placeholder 3">
-            <a:extLst>
-              <a:ext uri="{FF2B5EF4-FFF2-40B4-BE49-F238E27FC236}">
-                <a16:creationId xmlns:a16="http://schemas.microsoft.com/office/drawing/2014/main" id="{E2DF548D-AE6E-101F-FEEE-0F3BD243E28E}"/>
-              </a:ext>
-            </a:extLst>
-          </p:cNvPr>
-          <p:cNvSpPr>
-            <a:spLocks noGrp="1"/>
-          </p:cNvSpPr>
-          <p:nvPr>
-            <p:ph type="sldNum" sz="quarter" idx="12"/>
-          </p:nvPr>
-        </p:nvSpPr>
-        <p:spPr/>
-        <p:txBody>
-          <a:bodyPr/>
-          <a:lstStyle/>
-          <a:p>
-            <a:fld id="{8A2B06E4-34D2-4DD4-ABFF-9F74AC2B18B5}" type="slidenum">
-              <a:rPr lang="en-US" smtClean="0"/>
-              <a:t>14</a:t>
-            </a:fld>
-            <a:endParaRPr lang="en-US" dirty="0"/>
-          </a:p>
-        </p:txBody>
-      </p:sp>
-      <p:pic>
-        <p:nvPicPr>
-          <p:cNvPr id="6" name="Picture 5">
-            <a:extLst>
-              <a:ext uri="{FF2B5EF4-FFF2-40B4-BE49-F238E27FC236}">
-                <a16:creationId xmlns:a16="http://schemas.microsoft.com/office/drawing/2014/main" id="{88B5BDED-AFB5-3520-45EC-D18EC75A5FF3}"/>
-              </a:ext>
-            </a:extLst>
-          </p:cNvPr>
-          <p:cNvPicPr>
-            <a:picLocks noChangeAspect="1"/>
-          </p:cNvPicPr>
-          <p:nvPr/>
-        </p:nvPicPr>
-        <p:blipFill rotWithShape="1">
-          <a:blip r:embed="rId2"/>
-          <a:srcRect b="23183"/>
-          <a:stretch/>
-        </p:blipFill>
-        <p:spPr>
-          <a:xfrm>
-            <a:off x="2408423" y="4258181"/>
-            <a:ext cx="6525536" cy="1646509"/>
-          </a:xfrm>
-          <a:prstGeom prst="rect">
-            <a:avLst/>
-          </a:prstGeom>
-        </p:spPr>
-      </p:pic>
-      <p:pic>
-        <p:nvPicPr>
-          <p:cNvPr id="8" name="Picture 7">
-            <a:extLst>
-              <a:ext uri="{FF2B5EF4-FFF2-40B4-BE49-F238E27FC236}">
-                <a16:creationId xmlns:a16="http://schemas.microsoft.com/office/drawing/2014/main" id="{71605D0B-3902-B141-D2FE-92220EB6CA63}"/>
-              </a:ext>
-            </a:extLst>
-          </p:cNvPr>
-          <p:cNvPicPr>
-            <a:picLocks noChangeAspect="1"/>
-          </p:cNvPicPr>
-          <p:nvPr/>
-        </p:nvPicPr>
-        <p:blipFill>
-          <a:blip r:embed="rId3"/>
-          <a:stretch>
-            <a:fillRect/>
-          </a:stretch>
-        </p:blipFill>
-        <p:spPr>
-          <a:xfrm>
-            <a:off x="2408422" y="2831178"/>
-            <a:ext cx="4974655" cy="1215527"/>
-          </a:xfrm>
-          <a:prstGeom prst="rect">
-            <a:avLst/>
-          </a:prstGeom>
-        </p:spPr>
-      </p:pic>
-    </p:spTree>
-    <p:extLst>
-      <p:ext uri="{BB962C8B-B14F-4D97-AF65-F5344CB8AC3E}">
-        <p14:creationId xmlns:p14="http://schemas.microsoft.com/office/powerpoint/2010/main" val="325488205"/>
-      </p:ext>
-    </p:extLst>
-  </p:cSld>
-  <p:clrMapOvr>
-    <a:masterClrMapping/>
-  </p:clrMapOvr>
-</p:sld>
-</file>
-
-<file path=ppt/slides/slide15.xml><?xml version="1.0" encoding="utf-8"?>
-<p:sld xmlns:a="http://schemas.openxmlformats.org/drawingml/2006/main" xmlns:r="http://schemas.openxmlformats.org/officeDocument/2006/relationships" xmlns:p="http://schemas.openxmlformats.org/presentationml/2006/main">
-  <p:cSld>
-    <p:spTree>
-      <p:nvGrpSpPr>
-        <p:cNvPr id="1" name=""/>
-        <p:cNvGrpSpPr/>
-        <p:nvPr/>
-      </p:nvGrpSpPr>
-      <p:grpSpPr>
-        <a:xfrm>
-          <a:off x="0" y="0"/>
-          <a:ext cx="0" cy="0"/>
-          <a:chOff x="0" y="0"/>
-          <a:chExt cx="0" cy="0"/>
-        </a:xfrm>
-      </p:grpSpPr>
-      <p:sp>
-        <p:nvSpPr>
-          <p:cNvPr id="2" name="Title 1">
-            <a:extLst>
-              <a:ext uri="{FF2B5EF4-FFF2-40B4-BE49-F238E27FC236}">
                 <a16:creationId xmlns:a16="http://schemas.microsoft.com/office/drawing/2014/main" id="{56F1B890-DD2D-46F9-A853-3CB5A42A15D2}"/>
               </a:ext>
             </a:extLst>
@@ -5646,7 +6663,7 @@
           <a:p>
             <a:fld id="{8A2B06E4-34D2-4DD4-ABFF-9F74AC2B18B5}" type="slidenum">
               <a:rPr lang="en-US" smtClean="0"/>
-              <a:t>15</a:t>
+              <a:t>16</a:t>
             </a:fld>
             <a:endParaRPr lang="en-US" dirty="0"/>
           </a:p>
@@ -6253,7 +7270,7 @@
 </p:sld>
 </file>
 
-<file path=ppt/slides/slide16.xml><?xml version="1.0" encoding="utf-8"?>
+<file path=ppt/slides/slide17.xml><?xml version="1.0" encoding="utf-8"?>
 <p:sld xmlns:a="http://schemas.openxmlformats.org/drawingml/2006/main" xmlns:r="http://schemas.openxmlformats.org/officeDocument/2006/relationships" xmlns:p="http://schemas.openxmlformats.org/presentationml/2006/main">
   <p:cSld>
     <p:spTree>
@@ -7780,7 +8797,7 @@
           <a:p>
             <a:fld id="{8A2B06E4-34D2-4DD4-ABFF-9F74AC2B18B5}" type="slidenum">
               <a:rPr lang="en-US" smtClean="0"/>
-              <a:t>16</a:t>
+              <a:t>17</a:t>
             </a:fld>
             <a:endParaRPr lang="en-US" dirty="0"/>
           </a:p>
@@ -7821,6 +8838,345 @@
           <p:cNvPr id="2" name="Title 1">
             <a:extLst>
               <a:ext uri="{FF2B5EF4-FFF2-40B4-BE49-F238E27FC236}">
+                <a16:creationId xmlns:a16="http://schemas.microsoft.com/office/drawing/2014/main" id="{0AEB7B77-FA10-C46A-0CC0-5C6DA2DB31EB}"/>
+              </a:ext>
+            </a:extLst>
+          </p:cNvPr>
+          <p:cNvSpPr>
+            <a:spLocks noGrp="1"/>
+          </p:cNvSpPr>
+          <p:nvPr>
+            <p:ph type="title"/>
+          </p:nvPr>
+        </p:nvSpPr>
+        <p:spPr>
+          <a:xfrm>
+            <a:off x="324196" y="160394"/>
+            <a:ext cx="11029604" cy="599151"/>
+          </a:xfrm>
+        </p:spPr>
+        <p:txBody>
+          <a:bodyPr/>
+          <a:lstStyle/>
+          <a:p>
+            <a:r>
+              <a:rPr lang="en-US" dirty="0"/>
+              <a:t>lab12</a:t>
+            </a:r>
+          </a:p>
+        </p:txBody>
+      </p:sp>
+      <p:sp>
+        <p:nvSpPr>
+          <p:cNvPr id="3" name="Content Placeholder 2">
+            <a:extLst>
+              <a:ext uri="{FF2B5EF4-FFF2-40B4-BE49-F238E27FC236}">
+                <a16:creationId xmlns:a16="http://schemas.microsoft.com/office/drawing/2014/main" id="{810C7513-AE8B-94AD-262A-53C837DD6E09}"/>
+              </a:ext>
+            </a:extLst>
+          </p:cNvPr>
+          <p:cNvSpPr>
+            <a:spLocks noGrp="1"/>
+          </p:cNvSpPr>
+          <p:nvPr>
+            <p:ph idx="1"/>
+          </p:nvPr>
+        </p:nvSpPr>
+        <p:spPr>
+          <a:xfrm>
+            <a:off x="9062431" y="799639"/>
+            <a:ext cx="2842788" cy="711866"/>
+          </a:xfrm>
+        </p:spPr>
+        <p:txBody>
+          <a:bodyPr/>
+          <a:lstStyle/>
+          <a:p>
+            <a:r>
+              <a:rPr lang="en-US" dirty="0"/>
+              <a:t>red = unsigned addition</a:t>
+            </a:r>
+          </a:p>
+          <a:p>
+            <a:r>
+              <a:rPr lang="en-US" dirty="0"/>
+              <a:t>green = signed addition</a:t>
+            </a:r>
+          </a:p>
+        </p:txBody>
+      </p:sp>
+      <p:sp>
+        <p:nvSpPr>
+          <p:cNvPr id="4" name="Slide Number Placeholder 3">
+            <a:extLst>
+              <a:ext uri="{FF2B5EF4-FFF2-40B4-BE49-F238E27FC236}">
+                <a16:creationId xmlns:a16="http://schemas.microsoft.com/office/drawing/2014/main" id="{8CC1F037-F447-3414-DCE0-2DA083E5302F}"/>
+              </a:ext>
+            </a:extLst>
+          </p:cNvPr>
+          <p:cNvSpPr>
+            <a:spLocks noGrp="1"/>
+          </p:cNvSpPr>
+          <p:nvPr>
+            <p:ph type="sldNum" sz="quarter" idx="12"/>
+          </p:nvPr>
+        </p:nvSpPr>
+        <p:spPr/>
+        <p:txBody>
+          <a:bodyPr/>
+          <a:lstStyle/>
+          <a:p>
+            <a:fld id="{8A2B06E4-34D2-4DD4-ABFF-9F74AC2B18B5}" type="slidenum">
+              <a:rPr lang="en-US" smtClean="0"/>
+              <a:t>2</a:t>
+            </a:fld>
+            <a:endParaRPr lang="en-US" dirty="0"/>
+          </a:p>
+        </p:txBody>
+      </p:sp>
+      <p:pic>
+        <p:nvPicPr>
+          <p:cNvPr id="8" name="Picture 7">
+            <a:extLst>
+              <a:ext uri="{FF2B5EF4-FFF2-40B4-BE49-F238E27FC236}">
+                <a16:creationId xmlns:a16="http://schemas.microsoft.com/office/drawing/2014/main" id="{7E1721ED-D02A-9594-878F-0508E8297F22}"/>
+              </a:ext>
+            </a:extLst>
+          </p:cNvPr>
+          <p:cNvPicPr>
+            <a:picLocks noChangeAspect="1"/>
+          </p:cNvPicPr>
+          <p:nvPr/>
+        </p:nvPicPr>
+        <p:blipFill>
+          <a:blip r:embed="rId2"/>
+          <a:stretch>
+            <a:fillRect/>
+          </a:stretch>
+        </p:blipFill>
+        <p:spPr>
+          <a:xfrm>
+            <a:off x="1808655" y="1511504"/>
+            <a:ext cx="10227356" cy="5346496"/>
+          </a:xfrm>
+          <a:prstGeom prst="rect">
+            <a:avLst/>
+          </a:prstGeom>
+        </p:spPr>
+      </p:pic>
+      <p:pic>
+        <p:nvPicPr>
+          <p:cNvPr id="6" name="Picture 5">
+            <a:extLst>
+              <a:ext uri="{FF2B5EF4-FFF2-40B4-BE49-F238E27FC236}">
+                <a16:creationId xmlns:a16="http://schemas.microsoft.com/office/drawing/2014/main" id="{5A55FC3A-FE61-0247-5376-A97328B92045}"/>
+              </a:ext>
+            </a:extLst>
+          </p:cNvPr>
+          <p:cNvPicPr>
+            <a:picLocks noChangeAspect="1"/>
+          </p:cNvPicPr>
+          <p:nvPr/>
+        </p:nvPicPr>
+        <p:blipFill>
+          <a:blip r:embed="rId3"/>
+          <a:stretch>
+            <a:fillRect/>
+          </a:stretch>
+        </p:blipFill>
+        <p:spPr>
+          <a:xfrm>
+            <a:off x="6320901" y="143287"/>
+            <a:ext cx="2032326" cy="1660936"/>
+          </a:xfrm>
+          <a:prstGeom prst="rect">
+            <a:avLst/>
+          </a:prstGeom>
+        </p:spPr>
+      </p:pic>
+      <p:pic>
+        <p:nvPicPr>
+          <p:cNvPr id="10" name="Picture 9">
+            <a:extLst>
+              <a:ext uri="{FF2B5EF4-FFF2-40B4-BE49-F238E27FC236}">
+                <a16:creationId xmlns:a16="http://schemas.microsoft.com/office/drawing/2014/main" id="{D20F0CA7-9786-5797-2C77-553C00C20154}"/>
+              </a:ext>
+            </a:extLst>
+          </p:cNvPr>
+          <p:cNvPicPr>
+            <a:picLocks noChangeAspect="1"/>
+          </p:cNvPicPr>
+          <p:nvPr/>
+        </p:nvPicPr>
+        <p:blipFill>
+          <a:blip r:embed="rId4"/>
+          <a:stretch>
+            <a:fillRect/>
+          </a:stretch>
+        </p:blipFill>
+        <p:spPr>
+          <a:xfrm>
+            <a:off x="8353227" y="272028"/>
+            <a:ext cx="3198916" cy="487517"/>
+          </a:xfrm>
+          <a:prstGeom prst="rect">
+            <a:avLst/>
+          </a:prstGeom>
+        </p:spPr>
+      </p:pic>
+    </p:spTree>
+    <p:extLst>
+      <p:ext uri="{BB962C8B-B14F-4D97-AF65-F5344CB8AC3E}">
+        <p14:creationId xmlns:p14="http://schemas.microsoft.com/office/powerpoint/2010/main" val="1790081145"/>
+      </p:ext>
+    </p:extLst>
+  </p:cSld>
+  <p:clrMapOvr>
+    <a:masterClrMapping/>
+  </p:clrMapOvr>
+</p:sld>
+</file>
+
+<file path=ppt/slides/slide3.xml><?xml version="1.0" encoding="utf-8"?>
+<p:sld xmlns:a="http://schemas.openxmlformats.org/drawingml/2006/main" xmlns:r="http://schemas.openxmlformats.org/officeDocument/2006/relationships" xmlns:p="http://schemas.openxmlformats.org/presentationml/2006/main">
+  <p:cSld>
+    <p:spTree>
+      <p:nvGrpSpPr>
+        <p:cNvPr id="1" name=""/>
+        <p:cNvGrpSpPr/>
+        <p:nvPr/>
+      </p:nvGrpSpPr>
+      <p:grpSpPr>
+        <a:xfrm>
+          <a:off x="0" y="0"/>
+          <a:ext cx="0" cy="0"/>
+          <a:chOff x="0" y="0"/>
+          <a:chExt cx="0" cy="0"/>
+        </a:xfrm>
+      </p:grpSpPr>
+      <p:sp>
+        <p:nvSpPr>
+          <p:cNvPr id="4" name="Slide Number Placeholder 3">
+            <a:extLst>
+              <a:ext uri="{FF2B5EF4-FFF2-40B4-BE49-F238E27FC236}">
+                <a16:creationId xmlns:a16="http://schemas.microsoft.com/office/drawing/2014/main" id="{E2DF548D-AE6E-101F-FEEE-0F3BD243E28E}"/>
+              </a:ext>
+            </a:extLst>
+          </p:cNvPr>
+          <p:cNvSpPr>
+            <a:spLocks noGrp="1"/>
+          </p:cNvSpPr>
+          <p:nvPr>
+            <p:ph type="sldNum" sz="quarter" idx="12"/>
+          </p:nvPr>
+        </p:nvSpPr>
+        <p:spPr/>
+        <p:txBody>
+          <a:bodyPr/>
+          <a:lstStyle/>
+          <a:p>
+            <a:fld id="{8A2B06E4-34D2-4DD4-ABFF-9F74AC2B18B5}" type="slidenum">
+              <a:rPr lang="en-US" smtClean="0"/>
+              <a:t>3</a:t>
+            </a:fld>
+            <a:endParaRPr lang="en-US" dirty="0"/>
+          </a:p>
+        </p:txBody>
+      </p:sp>
+      <p:pic>
+        <p:nvPicPr>
+          <p:cNvPr id="6" name="Picture 5">
+            <a:extLst>
+              <a:ext uri="{FF2B5EF4-FFF2-40B4-BE49-F238E27FC236}">
+                <a16:creationId xmlns:a16="http://schemas.microsoft.com/office/drawing/2014/main" id="{88B5BDED-AFB5-3520-45EC-D18EC75A5FF3}"/>
+              </a:ext>
+            </a:extLst>
+          </p:cNvPr>
+          <p:cNvPicPr>
+            <a:picLocks noChangeAspect="1"/>
+          </p:cNvPicPr>
+          <p:nvPr/>
+        </p:nvPicPr>
+        <p:blipFill rotWithShape="1">
+          <a:blip r:embed="rId2"/>
+          <a:srcRect b="23183"/>
+          <a:stretch/>
+        </p:blipFill>
+        <p:spPr>
+          <a:xfrm>
+            <a:off x="2408423" y="4258181"/>
+            <a:ext cx="6525536" cy="1646509"/>
+          </a:xfrm>
+          <a:prstGeom prst="rect">
+            <a:avLst/>
+          </a:prstGeom>
+        </p:spPr>
+      </p:pic>
+      <p:pic>
+        <p:nvPicPr>
+          <p:cNvPr id="8" name="Picture 7">
+            <a:extLst>
+              <a:ext uri="{FF2B5EF4-FFF2-40B4-BE49-F238E27FC236}">
+                <a16:creationId xmlns:a16="http://schemas.microsoft.com/office/drawing/2014/main" id="{71605D0B-3902-B141-D2FE-92220EB6CA63}"/>
+              </a:ext>
+            </a:extLst>
+          </p:cNvPr>
+          <p:cNvPicPr>
+            <a:picLocks noChangeAspect="1"/>
+          </p:cNvPicPr>
+          <p:nvPr/>
+        </p:nvPicPr>
+        <p:blipFill>
+          <a:blip r:embed="rId3"/>
+          <a:stretch>
+            <a:fillRect/>
+          </a:stretch>
+        </p:blipFill>
+        <p:spPr>
+          <a:xfrm>
+            <a:off x="2408422" y="2831178"/>
+            <a:ext cx="4974655" cy="1215527"/>
+          </a:xfrm>
+          <a:prstGeom prst="rect">
+            <a:avLst/>
+          </a:prstGeom>
+        </p:spPr>
+      </p:pic>
+    </p:spTree>
+    <p:extLst>
+      <p:ext uri="{BB962C8B-B14F-4D97-AF65-F5344CB8AC3E}">
+        <p14:creationId xmlns:p14="http://schemas.microsoft.com/office/powerpoint/2010/main" val="325488205"/>
+      </p:ext>
+    </p:extLst>
+  </p:cSld>
+  <p:clrMapOvr>
+    <a:masterClrMapping/>
+  </p:clrMapOvr>
+</p:sld>
+</file>
+
+<file path=ppt/slides/slide4.xml><?xml version="1.0" encoding="utf-8"?>
+<p:sld xmlns:a="http://schemas.openxmlformats.org/drawingml/2006/main" xmlns:r="http://schemas.openxmlformats.org/officeDocument/2006/relationships" xmlns:p="http://schemas.openxmlformats.org/presentationml/2006/main">
+  <p:cSld>
+    <p:spTree>
+      <p:nvGrpSpPr>
+        <p:cNvPr id="1" name=""/>
+        <p:cNvGrpSpPr/>
+        <p:nvPr/>
+      </p:nvGrpSpPr>
+      <p:grpSpPr>
+        <a:xfrm>
+          <a:off x="0" y="0"/>
+          <a:ext cx="0" cy="0"/>
+          <a:chOff x="0" y="0"/>
+          <a:chExt cx="0" cy="0"/>
+        </a:xfrm>
+      </p:grpSpPr>
+      <p:sp>
+        <p:nvSpPr>
+          <p:cNvPr id="2" name="Title 1">
+            <a:extLst>
+              <a:ext uri="{FF2B5EF4-FFF2-40B4-BE49-F238E27FC236}">
                 <a16:creationId xmlns:a16="http://schemas.microsoft.com/office/drawing/2014/main" id="{E6E7246E-6DDB-2F98-52B0-04AB5D144996}"/>
               </a:ext>
             </a:extLst>
@@ -7846,6 +9202,34 @@
       </p:sp>
       <p:sp>
         <p:nvSpPr>
+          <p:cNvPr id="3" name="Content Placeholder 2">
+            <a:extLst>
+              <a:ext uri="{FF2B5EF4-FFF2-40B4-BE49-F238E27FC236}">
+                <a16:creationId xmlns:a16="http://schemas.microsoft.com/office/drawing/2014/main" id="{F0AB9DF1-764A-2056-5BC1-70D34F516704}"/>
+              </a:ext>
+            </a:extLst>
+          </p:cNvPr>
+          <p:cNvSpPr>
+            <a:spLocks noGrp="1"/>
+          </p:cNvSpPr>
+          <p:nvPr>
+            <p:ph idx="1"/>
+          </p:nvPr>
+        </p:nvSpPr>
+        <p:spPr/>
+        <p:txBody>
+          <a:bodyPr/>
+          <a:lstStyle/>
+          <a:p>
+            <a:r>
+              <a:rPr lang="en-US" dirty="0"/>
+              <a:t>https://www.asic-world.com/systemverilog/process2.html</a:t>
+            </a:r>
+          </a:p>
+        </p:txBody>
+      </p:sp>
+      <p:sp>
+        <p:nvSpPr>
           <p:cNvPr id="4" name="Slide Number Placeholder 3">
             <a:extLst>
               <a:ext uri="{FF2B5EF4-FFF2-40B4-BE49-F238E27FC236}">
@@ -7867,7 +9251,184 @@
           <a:p>
             <a:fld id="{8A2B06E4-34D2-4DD4-ABFF-9F74AC2B18B5}" type="slidenum">
               <a:rPr lang="en-US" smtClean="0"/>
-              <a:t>2</a:t>
+              <a:t>4</a:t>
+            </a:fld>
+            <a:endParaRPr lang="en-US" dirty="0"/>
+          </a:p>
+        </p:txBody>
+      </p:sp>
+      <p:pic>
+        <p:nvPicPr>
+          <p:cNvPr id="5" name="Picture 4">
+            <a:extLst>
+              <a:ext uri="{FF2B5EF4-FFF2-40B4-BE49-F238E27FC236}">
+                <a16:creationId xmlns:a16="http://schemas.microsoft.com/office/drawing/2014/main" id="{0BBFFD0C-D99A-9D5C-5B42-91421F8AFF18}"/>
+              </a:ext>
+            </a:extLst>
+          </p:cNvPr>
+          <p:cNvPicPr>
+            <a:picLocks noChangeAspect="1"/>
+          </p:cNvPicPr>
+          <p:nvPr/>
+        </p:nvPicPr>
+        <p:blipFill>
+          <a:blip r:embed="rId2"/>
+          <a:stretch>
+            <a:fillRect/>
+          </a:stretch>
+        </p:blipFill>
+        <p:spPr>
+          <a:xfrm>
+            <a:off x="2327496" y="3038570"/>
+            <a:ext cx="7241160" cy="843476"/>
+          </a:xfrm>
+          <a:prstGeom prst="rect">
+            <a:avLst/>
+          </a:prstGeom>
+        </p:spPr>
+      </p:pic>
+      <p:pic>
+        <p:nvPicPr>
+          <p:cNvPr id="6" name="Picture 5">
+            <a:extLst>
+              <a:ext uri="{FF2B5EF4-FFF2-40B4-BE49-F238E27FC236}">
+                <a16:creationId xmlns:a16="http://schemas.microsoft.com/office/drawing/2014/main" id="{EEEC7555-825D-0E97-0A01-89EBF599F77A}"/>
+              </a:ext>
+            </a:extLst>
+          </p:cNvPr>
+          <p:cNvPicPr>
+            <a:picLocks noChangeAspect="1"/>
+          </p:cNvPicPr>
+          <p:nvPr/>
+        </p:nvPicPr>
+        <p:blipFill>
+          <a:blip r:embed="rId3"/>
+          <a:stretch>
+            <a:fillRect/>
+          </a:stretch>
+        </p:blipFill>
+        <p:spPr>
+          <a:xfrm>
+            <a:off x="2327496" y="4403112"/>
+            <a:ext cx="7402430" cy="2106520"/>
+          </a:xfrm>
+          <a:prstGeom prst="rect">
+            <a:avLst/>
+          </a:prstGeom>
+        </p:spPr>
+      </p:pic>
+      <p:pic>
+        <p:nvPicPr>
+          <p:cNvPr id="7" name="Picture 6">
+            <a:extLst>
+              <a:ext uri="{FF2B5EF4-FFF2-40B4-BE49-F238E27FC236}">
+                <a16:creationId xmlns:a16="http://schemas.microsoft.com/office/drawing/2014/main" id="{A37F4D58-0ADB-D668-3C92-D99932EAAC9A}"/>
+              </a:ext>
+            </a:extLst>
+          </p:cNvPr>
+          <p:cNvPicPr>
+            <a:picLocks noChangeAspect="1"/>
+          </p:cNvPicPr>
+          <p:nvPr/>
+        </p:nvPicPr>
+        <p:blipFill>
+          <a:blip r:embed="rId4"/>
+          <a:stretch>
+            <a:fillRect/>
+          </a:stretch>
+        </p:blipFill>
+        <p:spPr>
+          <a:xfrm>
+            <a:off x="2327497" y="1625758"/>
+            <a:ext cx="5475976" cy="1021147"/>
+          </a:xfrm>
+          <a:prstGeom prst="rect">
+            <a:avLst/>
+          </a:prstGeom>
+        </p:spPr>
+      </p:pic>
+    </p:spTree>
+    <p:extLst>
+      <p:ext uri="{BB962C8B-B14F-4D97-AF65-F5344CB8AC3E}">
+        <p14:creationId xmlns:p14="http://schemas.microsoft.com/office/powerpoint/2010/main" val="1711539242"/>
+      </p:ext>
+    </p:extLst>
+  </p:cSld>
+  <p:clrMapOvr>
+    <a:masterClrMapping/>
+  </p:clrMapOvr>
+</p:sld>
+</file>
+
+<file path=ppt/slides/slide5.xml><?xml version="1.0" encoding="utf-8"?>
+<p:sld xmlns:a="http://schemas.openxmlformats.org/drawingml/2006/main" xmlns:r="http://schemas.openxmlformats.org/officeDocument/2006/relationships" xmlns:p="http://schemas.openxmlformats.org/presentationml/2006/main">
+  <p:cSld>
+    <p:spTree>
+      <p:nvGrpSpPr>
+        <p:cNvPr id="1" name=""/>
+        <p:cNvGrpSpPr/>
+        <p:nvPr/>
+      </p:nvGrpSpPr>
+      <p:grpSpPr>
+        <a:xfrm>
+          <a:off x="0" y="0"/>
+          <a:ext cx="0" cy="0"/>
+          <a:chOff x="0" y="0"/>
+          <a:chExt cx="0" cy="0"/>
+        </a:xfrm>
+      </p:grpSpPr>
+      <p:sp>
+        <p:nvSpPr>
+          <p:cNvPr id="2" name="Title 1">
+            <a:extLst>
+              <a:ext uri="{FF2B5EF4-FFF2-40B4-BE49-F238E27FC236}">
+                <a16:creationId xmlns:a16="http://schemas.microsoft.com/office/drawing/2014/main" id="{E6E7246E-6DDB-2F98-52B0-04AB5D144996}"/>
+              </a:ext>
+            </a:extLst>
+          </p:cNvPr>
+          <p:cNvSpPr>
+            <a:spLocks noGrp="1"/>
+          </p:cNvSpPr>
+          <p:nvPr>
+            <p:ph type="title"/>
+          </p:nvPr>
+        </p:nvSpPr>
+        <p:spPr/>
+        <p:txBody>
+          <a:bodyPr/>
+          <a:lstStyle/>
+          <a:p>
+            <a:r>
+              <a:rPr lang="en-US" dirty="0"/>
+              <a:t>lab14</a:t>
+            </a:r>
+          </a:p>
+        </p:txBody>
+      </p:sp>
+      <p:sp>
+        <p:nvSpPr>
+          <p:cNvPr id="4" name="Slide Number Placeholder 3">
+            <a:extLst>
+              <a:ext uri="{FF2B5EF4-FFF2-40B4-BE49-F238E27FC236}">
+                <a16:creationId xmlns:a16="http://schemas.microsoft.com/office/drawing/2014/main" id="{A653B7C0-A01B-B019-AE82-6D2CF11E10FE}"/>
+              </a:ext>
+            </a:extLst>
+          </p:cNvPr>
+          <p:cNvSpPr>
+            <a:spLocks noGrp="1"/>
+          </p:cNvSpPr>
+          <p:nvPr>
+            <p:ph type="sldNum" sz="quarter" idx="12"/>
+          </p:nvPr>
+        </p:nvSpPr>
+        <p:spPr/>
+        <p:txBody>
+          <a:bodyPr/>
+          <a:lstStyle/>
+          <a:p>
+            <a:fld id="{8A2B06E4-34D2-4DD4-ABFF-9F74AC2B18B5}" type="slidenum">
+              <a:rPr lang="en-US" smtClean="0"/>
+              <a:t>5</a:t>
             </a:fld>
             <a:endParaRPr lang="en-US" dirty="0"/>
           </a:p>
@@ -8181,7 +9742,7 @@
 </p:sld>
 </file>
 
-<file path=ppt/slides/slide3.xml><?xml version="1.0" encoding="utf-8"?>
+<file path=ppt/slides/slide6.xml><?xml version="1.0" encoding="utf-8"?>
 <p:sld xmlns:a="http://schemas.openxmlformats.org/drawingml/2006/main" xmlns:r="http://schemas.openxmlformats.org/officeDocument/2006/relationships" xmlns:p="http://schemas.openxmlformats.org/presentationml/2006/main">
   <p:cSld>
     <p:spTree>
@@ -8249,7 +9810,7 @@
           <a:p>
             <a:fld id="{8A2B06E4-34D2-4DD4-ABFF-9F74AC2B18B5}" type="slidenum">
               <a:rPr lang="en-US" smtClean="0"/>
-              <a:t>3</a:t>
+              <a:t>6</a:t>
             </a:fld>
             <a:endParaRPr lang="en-US" dirty="0"/>
           </a:p>
@@ -8594,7 +10155,7 @@
 </p:sld>
 </file>
 
-<file path=ppt/slides/slide4.xml><?xml version="1.0" encoding="utf-8"?>
+<file path=ppt/slides/slide7.xml><?xml version="1.0" encoding="utf-8"?>
 <p:sld xmlns:a="http://schemas.openxmlformats.org/drawingml/2006/main" xmlns:r="http://schemas.openxmlformats.org/officeDocument/2006/relationships" xmlns:p="http://schemas.openxmlformats.org/presentationml/2006/main">
   <p:cSld>
     <p:spTree>
@@ -8695,7 +10256,7 @@
           <a:p>
             <a:fld id="{8A2B06E4-34D2-4DD4-ABFF-9F74AC2B18B5}" type="slidenum">
               <a:rPr lang="en-US" smtClean="0"/>
-              <a:t>4</a:t>
+              <a:t>7</a:t>
             </a:fld>
             <a:endParaRPr lang="en-US" dirty="0"/>
           </a:p>
@@ -9202,7 +10763,7 @@
 </p:sld>
 </file>
 
-<file path=ppt/slides/slide5.xml><?xml version="1.0" encoding="utf-8"?>
+<file path=ppt/slides/slide8.xml><?xml version="1.0" encoding="utf-8"?>
 <p:sld xmlns:a="http://schemas.openxmlformats.org/drawingml/2006/main" xmlns:r="http://schemas.openxmlformats.org/officeDocument/2006/relationships" xmlns:p="http://schemas.openxmlformats.org/presentationml/2006/main">
   <p:cSld>
     <p:spTree>
@@ -9299,7 +10860,7 @@
           <a:p>
             <a:fld id="{8A2B06E4-34D2-4DD4-ABFF-9F74AC2B18B5}" type="slidenum">
               <a:rPr lang="en-US" smtClean="0"/>
-              <a:t>5</a:t>
+              <a:t>8</a:t>
             </a:fld>
             <a:endParaRPr lang="en-US" dirty="0"/>
           </a:p>
@@ -9792,2026 +11353,6 @@
     <p:extLst>
       <p:ext uri="{BB962C8B-B14F-4D97-AF65-F5344CB8AC3E}">
         <p14:creationId xmlns:p14="http://schemas.microsoft.com/office/powerpoint/2010/main" val="3919686139"/>
-      </p:ext>
-    </p:extLst>
-  </p:cSld>
-  <p:clrMapOvr>
-    <a:masterClrMapping/>
-  </p:clrMapOvr>
-</p:sld>
-</file>
-
-<file path=ppt/slides/slide6.xml><?xml version="1.0" encoding="utf-8"?>
-<p:sld xmlns:a="http://schemas.openxmlformats.org/drawingml/2006/main" xmlns:r="http://schemas.openxmlformats.org/officeDocument/2006/relationships" xmlns:p="http://schemas.openxmlformats.org/presentationml/2006/main">
-  <p:cSld>
-    <p:spTree>
-      <p:nvGrpSpPr>
-        <p:cNvPr id="1" name=""/>
-        <p:cNvGrpSpPr/>
-        <p:nvPr/>
-      </p:nvGrpSpPr>
-      <p:grpSpPr>
-        <a:xfrm>
-          <a:off x="0" y="0"/>
-          <a:ext cx="0" cy="0"/>
-          <a:chOff x="0" y="0"/>
-          <a:chExt cx="0" cy="0"/>
-        </a:xfrm>
-      </p:grpSpPr>
-      <p:sp>
-        <p:nvSpPr>
-          <p:cNvPr id="2" name="Title 1">
-            <a:extLst>
-              <a:ext uri="{FF2B5EF4-FFF2-40B4-BE49-F238E27FC236}">
-                <a16:creationId xmlns:a16="http://schemas.microsoft.com/office/drawing/2014/main" id="{5F881FD3-5F13-3C2B-4417-420DB3202461}"/>
-              </a:ext>
-            </a:extLst>
-          </p:cNvPr>
-          <p:cNvSpPr>
-            <a:spLocks noGrp="1"/>
-          </p:cNvSpPr>
-          <p:nvPr>
-            <p:ph type="title"/>
-          </p:nvPr>
-        </p:nvSpPr>
-        <p:spPr/>
-        <p:txBody>
-          <a:bodyPr/>
-          <a:lstStyle/>
-          <a:p>
-            <a:r>
-              <a:rPr lang="en-US" dirty="0"/>
-              <a:t>lab09</a:t>
-            </a:r>
-          </a:p>
-        </p:txBody>
-      </p:sp>
-      <p:sp>
-        <p:nvSpPr>
-          <p:cNvPr id="3" name="Content Placeholder 2">
-            <a:extLst>
-              <a:ext uri="{FF2B5EF4-FFF2-40B4-BE49-F238E27FC236}">
-                <a16:creationId xmlns:a16="http://schemas.microsoft.com/office/drawing/2014/main" id="{C9E3DA7D-CF3B-971E-F419-BEDAC7C6869A}"/>
-              </a:ext>
-            </a:extLst>
-          </p:cNvPr>
-          <p:cNvSpPr>
-            <a:spLocks noGrp="1"/>
-          </p:cNvSpPr>
-          <p:nvPr>
-            <p:ph idx="1"/>
-          </p:nvPr>
-        </p:nvSpPr>
-        <p:spPr>
-          <a:xfrm>
-            <a:off x="590204" y="1064030"/>
-            <a:ext cx="3058518" cy="2601884"/>
-          </a:xfrm>
-        </p:spPr>
-        <p:txBody>
-          <a:bodyPr/>
-          <a:lstStyle/>
-          <a:p>
-            <a:r>
-              <a:rPr lang="en-US" dirty="0" err="1"/>
-              <a:t>verilog</a:t>
-            </a:r>
-            <a:endParaRPr lang="en-US" dirty="0"/>
-          </a:p>
-        </p:txBody>
-      </p:sp>
-      <p:sp>
-        <p:nvSpPr>
-          <p:cNvPr id="4" name="Slide Number Placeholder 3">
-            <a:extLst>
-              <a:ext uri="{FF2B5EF4-FFF2-40B4-BE49-F238E27FC236}">
-                <a16:creationId xmlns:a16="http://schemas.microsoft.com/office/drawing/2014/main" id="{323CBED7-26D9-2476-833B-76E80BDCCDF2}"/>
-              </a:ext>
-            </a:extLst>
-          </p:cNvPr>
-          <p:cNvSpPr>
-            <a:spLocks noGrp="1"/>
-          </p:cNvSpPr>
-          <p:nvPr>
-            <p:ph type="sldNum" sz="quarter" idx="12"/>
-          </p:nvPr>
-        </p:nvSpPr>
-        <p:spPr/>
-        <p:txBody>
-          <a:bodyPr/>
-          <a:lstStyle/>
-          <a:p>
-            <a:fld id="{8A2B06E4-34D2-4DD4-ABFF-9F74AC2B18B5}" type="slidenum">
-              <a:rPr lang="en-US" smtClean="0"/>
-              <a:t>6</a:t>
-            </a:fld>
-            <a:endParaRPr lang="en-US" dirty="0"/>
-          </a:p>
-        </p:txBody>
-      </p:sp>
-      <p:pic>
-        <p:nvPicPr>
-          <p:cNvPr id="6" name="Picture 5">
-            <a:extLst>
-              <a:ext uri="{FF2B5EF4-FFF2-40B4-BE49-F238E27FC236}">
-                <a16:creationId xmlns:a16="http://schemas.microsoft.com/office/drawing/2014/main" id="{B33452A6-CA57-6AE9-AB6E-8A8377687AE2}"/>
-              </a:ext>
-            </a:extLst>
-          </p:cNvPr>
-          <p:cNvPicPr>
-            <a:picLocks noChangeAspect="1"/>
-          </p:cNvPicPr>
-          <p:nvPr/>
-        </p:nvPicPr>
-        <p:blipFill>
-          <a:blip r:embed="rId2"/>
-          <a:stretch>
-            <a:fillRect/>
-          </a:stretch>
-        </p:blipFill>
-        <p:spPr>
-          <a:xfrm>
-            <a:off x="660919" y="1760924"/>
-            <a:ext cx="2644192" cy="4418144"/>
-          </a:xfrm>
-          <a:prstGeom prst="rect">
-            <a:avLst/>
-          </a:prstGeom>
-        </p:spPr>
-      </p:pic>
-      <p:sp>
-        <p:nvSpPr>
-          <p:cNvPr id="7" name="Content Placeholder 2">
-            <a:extLst>
-              <a:ext uri="{FF2B5EF4-FFF2-40B4-BE49-F238E27FC236}">
-                <a16:creationId xmlns:a16="http://schemas.microsoft.com/office/drawing/2014/main" id="{17D17AFA-9427-1D90-8EDD-A53998DD4F9E}"/>
-              </a:ext>
-            </a:extLst>
-          </p:cNvPr>
-          <p:cNvSpPr txBox="1">
-            <a:spLocks/>
-          </p:cNvSpPr>
-          <p:nvPr/>
-        </p:nvSpPr>
-        <p:spPr>
-          <a:xfrm>
-            <a:off x="4566741" y="1064030"/>
-            <a:ext cx="3058518" cy="480685"/>
-          </a:xfrm>
-          <a:prstGeom prst="rect">
-            <a:avLst/>
-          </a:prstGeom>
-        </p:spPr>
-        <p:txBody>
-          <a:bodyPr vert="horz" lIns="91440" tIns="45720" rIns="91440" bIns="45720" rtlCol="0">
-            <a:normAutofit/>
-          </a:bodyPr>
-          <a:lstStyle>
-            <a:lvl1pPr marL="228600" indent="-228600" algn="l" defTabSz="914400" rtl="0" eaLnBrk="1" latinLnBrk="0" hangingPunct="1">
-              <a:lnSpc>
-                <a:spcPct val="90000"/>
-              </a:lnSpc>
-              <a:spcBef>
-                <a:spcPts val="1000"/>
-              </a:spcBef>
-              <a:buFont typeface="Arial" panose="020B0604020202020204" pitchFamily="34" charset="0"/>
-              <a:buChar char="•"/>
-              <a:defRPr sz="1400" kern="1200">
-                <a:solidFill>
-                  <a:schemeClr val="tx1"/>
-                </a:solidFill>
-                <a:latin typeface="+mn-lt"/>
-                <a:ea typeface="+mn-ea"/>
-                <a:cs typeface="+mn-cs"/>
-              </a:defRPr>
-            </a:lvl1pPr>
-            <a:lvl2pPr marL="685800" indent="-228600" algn="l" defTabSz="914400" rtl="0" eaLnBrk="1" latinLnBrk="0" hangingPunct="1">
-              <a:lnSpc>
-                <a:spcPct val="90000"/>
-              </a:lnSpc>
-              <a:spcBef>
-                <a:spcPts val="500"/>
-              </a:spcBef>
-              <a:buFont typeface="Arial" panose="020B0604020202020204" pitchFamily="34" charset="0"/>
-              <a:buChar char="•"/>
-              <a:defRPr sz="1200" kern="1200">
-                <a:solidFill>
-                  <a:schemeClr val="tx1"/>
-                </a:solidFill>
-                <a:latin typeface="+mn-lt"/>
-                <a:ea typeface="+mn-ea"/>
-                <a:cs typeface="+mn-cs"/>
-              </a:defRPr>
-            </a:lvl2pPr>
-            <a:lvl3pPr marL="1143000" indent="-228600" algn="l" defTabSz="914400" rtl="0" eaLnBrk="1" latinLnBrk="0" hangingPunct="1">
-              <a:lnSpc>
-                <a:spcPct val="90000"/>
-              </a:lnSpc>
-              <a:spcBef>
-                <a:spcPts val="500"/>
-              </a:spcBef>
-              <a:buFont typeface="Arial" panose="020B0604020202020204" pitchFamily="34" charset="0"/>
-              <a:buChar char="•"/>
-              <a:defRPr sz="1200" kern="1200">
-                <a:solidFill>
-                  <a:schemeClr val="tx1"/>
-                </a:solidFill>
-                <a:latin typeface="+mn-lt"/>
-                <a:ea typeface="+mn-ea"/>
-                <a:cs typeface="+mn-cs"/>
-              </a:defRPr>
-            </a:lvl3pPr>
-            <a:lvl4pPr marL="1600200" indent="-228600" algn="l" defTabSz="914400" rtl="0" eaLnBrk="1" latinLnBrk="0" hangingPunct="1">
-              <a:lnSpc>
-                <a:spcPct val="90000"/>
-              </a:lnSpc>
-              <a:spcBef>
-                <a:spcPts val="500"/>
-              </a:spcBef>
-              <a:buFont typeface="Arial" panose="020B0604020202020204" pitchFamily="34" charset="0"/>
-              <a:buChar char="•"/>
-              <a:defRPr sz="1200" kern="1200">
-                <a:solidFill>
-                  <a:schemeClr val="tx1"/>
-                </a:solidFill>
-                <a:latin typeface="+mn-lt"/>
-                <a:ea typeface="+mn-ea"/>
-                <a:cs typeface="+mn-cs"/>
-              </a:defRPr>
-            </a:lvl4pPr>
-            <a:lvl5pPr marL="2057400" indent="-228600" algn="l" defTabSz="914400" rtl="0" eaLnBrk="1" latinLnBrk="0" hangingPunct="1">
-              <a:lnSpc>
-                <a:spcPct val="90000"/>
-              </a:lnSpc>
-              <a:spcBef>
-                <a:spcPts val="500"/>
-              </a:spcBef>
-              <a:buFont typeface="Arial" panose="020B0604020202020204" pitchFamily="34" charset="0"/>
-              <a:buChar char="•"/>
-              <a:defRPr sz="1200" kern="1200">
-                <a:solidFill>
-                  <a:schemeClr val="tx1"/>
-                </a:solidFill>
-                <a:latin typeface="+mn-lt"/>
-                <a:ea typeface="+mn-ea"/>
-                <a:cs typeface="+mn-cs"/>
-              </a:defRPr>
-            </a:lvl5pPr>
-            <a:lvl6pPr marL="2514600" indent="-228600" algn="l" defTabSz="914400" rtl="0" eaLnBrk="1" latinLnBrk="0" hangingPunct="1">
-              <a:lnSpc>
-                <a:spcPct val="90000"/>
-              </a:lnSpc>
-              <a:spcBef>
-                <a:spcPts val="500"/>
-              </a:spcBef>
-              <a:buFont typeface="Arial" panose="020B0604020202020204" pitchFamily="34" charset="0"/>
-              <a:buChar char="•"/>
-              <a:defRPr sz="1800" kern="1200">
-                <a:solidFill>
-                  <a:schemeClr val="tx1"/>
-                </a:solidFill>
-                <a:latin typeface="+mn-lt"/>
-                <a:ea typeface="+mn-ea"/>
-                <a:cs typeface="+mn-cs"/>
-              </a:defRPr>
-            </a:lvl6pPr>
-            <a:lvl7pPr marL="2971800" indent="-228600" algn="l" defTabSz="914400" rtl="0" eaLnBrk="1" latinLnBrk="0" hangingPunct="1">
-              <a:lnSpc>
-                <a:spcPct val="90000"/>
-              </a:lnSpc>
-              <a:spcBef>
-                <a:spcPts val="500"/>
-              </a:spcBef>
-              <a:buFont typeface="Arial" panose="020B0604020202020204" pitchFamily="34" charset="0"/>
-              <a:buChar char="•"/>
-              <a:defRPr sz="1800" kern="1200">
-                <a:solidFill>
-                  <a:schemeClr val="tx1"/>
-                </a:solidFill>
-                <a:latin typeface="+mn-lt"/>
-                <a:ea typeface="+mn-ea"/>
-                <a:cs typeface="+mn-cs"/>
-              </a:defRPr>
-            </a:lvl7pPr>
-            <a:lvl8pPr marL="3429000" indent="-228600" algn="l" defTabSz="914400" rtl="0" eaLnBrk="1" latinLnBrk="0" hangingPunct="1">
-              <a:lnSpc>
-                <a:spcPct val="90000"/>
-              </a:lnSpc>
-              <a:spcBef>
-                <a:spcPts val="500"/>
-              </a:spcBef>
-              <a:buFont typeface="Arial" panose="020B0604020202020204" pitchFamily="34" charset="0"/>
-              <a:buChar char="•"/>
-              <a:defRPr sz="1800" kern="1200">
-                <a:solidFill>
-                  <a:schemeClr val="tx1"/>
-                </a:solidFill>
-                <a:latin typeface="+mn-lt"/>
-                <a:ea typeface="+mn-ea"/>
-                <a:cs typeface="+mn-cs"/>
-              </a:defRPr>
-            </a:lvl8pPr>
-            <a:lvl9pPr marL="3886200" indent="-228600" algn="l" defTabSz="914400" rtl="0" eaLnBrk="1" latinLnBrk="0" hangingPunct="1">
-              <a:lnSpc>
-                <a:spcPct val="90000"/>
-              </a:lnSpc>
-              <a:spcBef>
-                <a:spcPts val="500"/>
-              </a:spcBef>
-              <a:buFont typeface="Arial" panose="020B0604020202020204" pitchFamily="34" charset="0"/>
-              <a:buChar char="•"/>
-              <a:defRPr sz="1800" kern="1200">
-                <a:solidFill>
-                  <a:schemeClr val="tx1"/>
-                </a:solidFill>
-                <a:latin typeface="+mn-lt"/>
-                <a:ea typeface="+mn-ea"/>
-                <a:cs typeface="+mn-cs"/>
-              </a:defRPr>
-            </a:lvl9pPr>
-          </a:lstStyle>
-          <a:p>
-            <a:r>
-              <a:rPr lang="en-US" dirty="0" err="1"/>
-              <a:t>systemverilog</a:t>
-            </a:r>
-            <a:endParaRPr lang="en-US" dirty="0"/>
-          </a:p>
-        </p:txBody>
-      </p:sp>
-      <p:sp>
-        <p:nvSpPr>
-          <p:cNvPr id="8" name="Content Placeholder 2">
-            <a:extLst>
-              <a:ext uri="{FF2B5EF4-FFF2-40B4-BE49-F238E27FC236}">
-                <a16:creationId xmlns:a16="http://schemas.microsoft.com/office/drawing/2014/main" id="{F4833448-CAB3-1E6D-A1FF-6E20D892A1E9}"/>
-              </a:ext>
-            </a:extLst>
-          </p:cNvPr>
-          <p:cNvSpPr txBox="1">
-            <a:spLocks/>
-          </p:cNvSpPr>
-          <p:nvPr/>
-        </p:nvSpPr>
-        <p:spPr>
-          <a:xfrm>
-            <a:off x="4566741" y="3524437"/>
-            <a:ext cx="3058518" cy="2601884"/>
-          </a:xfrm>
-          <a:prstGeom prst="rect">
-            <a:avLst/>
-          </a:prstGeom>
-        </p:spPr>
-        <p:txBody>
-          <a:bodyPr vert="horz" lIns="91440" tIns="45720" rIns="91440" bIns="45720" rtlCol="0">
-            <a:normAutofit/>
-          </a:bodyPr>
-          <a:lstStyle>
-            <a:lvl1pPr marL="228600" indent="-228600" algn="l" defTabSz="914400" rtl="0" eaLnBrk="1" latinLnBrk="0" hangingPunct="1">
-              <a:lnSpc>
-                <a:spcPct val="90000"/>
-              </a:lnSpc>
-              <a:spcBef>
-                <a:spcPts val="1000"/>
-              </a:spcBef>
-              <a:buFont typeface="Arial" panose="020B0604020202020204" pitchFamily="34" charset="0"/>
-              <a:buChar char="•"/>
-              <a:defRPr sz="1400" kern="1200">
-                <a:solidFill>
-                  <a:schemeClr val="tx1"/>
-                </a:solidFill>
-                <a:latin typeface="+mn-lt"/>
-                <a:ea typeface="+mn-ea"/>
-                <a:cs typeface="+mn-cs"/>
-              </a:defRPr>
-            </a:lvl1pPr>
-            <a:lvl2pPr marL="685800" indent="-228600" algn="l" defTabSz="914400" rtl="0" eaLnBrk="1" latinLnBrk="0" hangingPunct="1">
-              <a:lnSpc>
-                <a:spcPct val="90000"/>
-              </a:lnSpc>
-              <a:spcBef>
-                <a:spcPts val="500"/>
-              </a:spcBef>
-              <a:buFont typeface="Arial" panose="020B0604020202020204" pitchFamily="34" charset="0"/>
-              <a:buChar char="•"/>
-              <a:defRPr sz="1200" kern="1200">
-                <a:solidFill>
-                  <a:schemeClr val="tx1"/>
-                </a:solidFill>
-                <a:latin typeface="+mn-lt"/>
-                <a:ea typeface="+mn-ea"/>
-                <a:cs typeface="+mn-cs"/>
-              </a:defRPr>
-            </a:lvl2pPr>
-            <a:lvl3pPr marL="1143000" indent="-228600" algn="l" defTabSz="914400" rtl="0" eaLnBrk="1" latinLnBrk="0" hangingPunct="1">
-              <a:lnSpc>
-                <a:spcPct val="90000"/>
-              </a:lnSpc>
-              <a:spcBef>
-                <a:spcPts val="500"/>
-              </a:spcBef>
-              <a:buFont typeface="Arial" panose="020B0604020202020204" pitchFamily="34" charset="0"/>
-              <a:buChar char="•"/>
-              <a:defRPr sz="1200" kern="1200">
-                <a:solidFill>
-                  <a:schemeClr val="tx1"/>
-                </a:solidFill>
-                <a:latin typeface="+mn-lt"/>
-                <a:ea typeface="+mn-ea"/>
-                <a:cs typeface="+mn-cs"/>
-              </a:defRPr>
-            </a:lvl3pPr>
-            <a:lvl4pPr marL="1600200" indent="-228600" algn="l" defTabSz="914400" rtl="0" eaLnBrk="1" latinLnBrk="0" hangingPunct="1">
-              <a:lnSpc>
-                <a:spcPct val="90000"/>
-              </a:lnSpc>
-              <a:spcBef>
-                <a:spcPts val="500"/>
-              </a:spcBef>
-              <a:buFont typeface="Arial" panose="020B0604020202020204" pitchFamily="34" charset="0"/>
-              <a:buChar char="•"/>
-              <a:defRPr sz="1200" kern="1200">
-                <a:solidFill>
-                  <a:schemeClr val="tx1"/>
-                </a:solidFill>
-                <a:latin typeface="+mn-lt"/>
-                <a:ea typeface="+mn-ea"/>
-                <a:cs typeface="+mn-cs"/>
-              </a:defRPr>
-            </a:lvl4pPr>
-            <a:lvl5pPr marL="2057400" indent="-228600" algn="l" defTabSz="914400" rtl="0" eaLnBrk="1" latinLnBrk="0" hangingPunct="1">
-              <a:lnSpc>
-                <a:spcPct val="90000"/>
-              </a:lnSpc>
-              <a:spcBef>
-                <a:spcPts val="500"/>
-              </a:spcBef>
-              <a:buFont typeface="Arial" panose="020B0604020202020204" pitchFamily="34" charset="0"/>
-              <a:buChar char="•"/>
-              <a:defRPr sz="1200" kern="1200">
-                <a:solidFill>
-                  <a:schemeClr val="tx1"/>
-                </a:solidFill>
-                <a:latin typeface="+mn-lt"/>
-                <a:ea typeface="+mn-ea"/>
-                <a:cs typeface="+mn-cs"/>
-              </a:defRPr>
-            </a:lvl5pPr>
-            <a:lvl6pPr marL="2514600" indent="-228600" algn="l" defTabSz="914400" rtl="0" eaLnBrk="1" latinLnBrk="0" hangingPunct="1">
-              <a:lnSpc>
-                <a:spcPct val="90000"/>
-              </a:lnSpc>
-              <a:spcBef>
-                <a:spcPts val="500"/>
-              </a:spcBef>
-              <a:buFont typeface="Arial" panose="020B0604020202020204" pitchFamily="34" charset="0"/>
-              <a:buChar char="•"/>
-              <a:defRPr sz="1800" kern="1200">
-                <a:solidFill>
-                  <a:schemeClr val="tx1"/>
-                </a:solidFill>
-                <a:latin typeface="+mn-lt"/>
-                <a:ea typeface="+mn-ea"/>
-                <a:cs typeface="+mn-cs"/>
-              </a:defRPr>
-            </a:lvl6pPr>
-            <a:lvl7pPr marL="2971800" indent="-228600" algn="l" defTabSz="914400" rtl="0" eaLnBrk="1" latinLnBrk="0" hangingPunct="1">
-              <a:lnSpc>
-                <a:spcPct val="90000"/>
-              </a:lnSpc>
-              <a:spcBef>
-                <a:spcPts val="500"/>
-              </a:spcBef>
-              <a:buFont typeface="Arial" panose="020B0604020202020204" pitchFamily="34" charset="0"/>
-              <a:buChar char="•"/>
-              <a:defRPr sz="1800" kern="1200">
-                <a:solidFill>
-                  <a:schemeClr val="tx1"/>
-                </a:solidFill>
-                <a:latin typeface="+mn-lt"/>
-                <a:ea typeface="+mn-ea"/>
-                <a:cs typeface="+mn-cs"/>
-              </a:defRPr>
-            </a:lvl7pPr>
-            <a:lvl8pPr marL="3429000" indent="-228600" algn="l" defTabSz="914400" rtl="0" eaLnBrk="1" latinLnBrk="0" hangingPunct="1">
-              <a:lnSpc>
-                <a:spcPct val="90000"/>
-              </a:lnSpc>
-              <a:spcBef>
-                <a:spcPts val="500"/>
-              </a:spcBef>
-              <a:buFont typeface="Arial" panose="020B0604020202020204" pitchFamily="34" charset="0"/>
-              <a:buChar char="•"/>
-              <a:defRPr sz="1800" kern="1200">
-                <a:solidFill>
-                  <a:schemeClr val="tx1"/>
-                </a:solidFill>
-                <a:latin typeface="+mn-lt"/>
-                <a:ea typeface="+mn-ea"/>
-                <a:cs typeface="+mn-cs"/>
-              </a:defRPr>
-            </a:lvl8pPr>
-            <a:lvl9pPr marL="3886200" indent="-228600" algn="l" defTabSz="914400" rtl="0" eaLnBrk="1" latinLnBrk="0" hangingPunct="1">
-              <a:lnSpc>
-                <a:spcPct val="90000"/>
-              </a:lnSpc>
-              <a:spcBef>
-                <a:spcPts val="500"/>
-              </a:spcBef>
-              <a:buFont typeface="Arial" panose="020B0604020202020204" pitchFamily="34" charset="0"/>
-              <a:buChar char="•"/>
-              <a:defRPr sz="1800" kern="1200">
-                <a:solidFill>
-                  <a:schemeClr val="tx1"/>
-                </a:solidFill>
-                <a:latin typeface="+mn-lt"/>
-                <a:ea typeface="+mn-ea"/>
-                <a:cs typeface="+mn-cs"/>
-              </a:defRPr>
-            </a:lvl9pPr>
-          </a:lstStyle>
-          <a:p>
-            <a:r>
-              <a:rPr lang="en-US" dirty="0" err="1"/>
-              <a:t>always_</a:t>
-            </a:r>
-            <a:r>
-              <a:rPr lang="en-US" b="1" dirty="0" err="1"/>
-              <a:t>ff</a:t>
-            </a:r>
-            <a:r>
-              <a:rPr lang="en-US" dirty="0"/>
-              <a:t>@(posedge </a:t>
-            </a:r>
-            <a:r>
-              <a:rPr lang="en-US" dirty="0" err="1"/>
-              <a:t>clk</a:t>
-            </a:r>
-            <a:r>
-              <a:rPr lang="en-US" dirty="0"/>
-              <a:t>) begin</a:t>
-            </a:r>
-          </a:p>
-          <a:p>
-            <a:pPr lvl="1"/>
-            <a:r>
-              <a:rPr lang="en-US" dirty="0"/>
-              <a:t>…</a:t>
-            </a:r>
-          </a:p>
-          <a:p>
-            <a:r>
-              <a:rPr lang="en-US" dirty="0"/>
-              <a:t>end</a:t>
-            </a:r>
-          </a:p>
-          <a:p>
-            <a:endParaRPr lang="en-US" dirty="0"/>
-          </a:p>
-          <a:p>
-            <a:endParaRPr lang="en-US" dirty="0"/>
-          </a:p>
-          <a:p>
-            <a:r>
-              <a:rPr lang="en-US" dirty="0" err="1"/>
-              <a:t>always_</a:t>
-            </a:r>
-            <a:r>
-              <a:rPr lang="en-US" b="1" dirty="0" err="1"/>
-              <a:t>comb</a:t>
-            </a:r>
-            <a:r>
-              <a:rPr lang="en-US" dirty="0"/>
-              <a:t>@(a or b or c) begin</a:t>
-            </a:r>
-          </a:p>
-          <a:p>
-            <a:pPr lvl="1"/>
-            <a:r>
-              <a:rPr lang="en-US" dirty="0"/>
-              <a:t>out1 = a &amp; b &amp; c;</a:t>
-            </a:r>
-          </a:p>
-          <a:p>
-            <a:r>
-              <a:rPr lang="en-US" dirty="0"/>
-              <a:t>end</a:t>
-            </a:r>
-          </a:p>
-          <a:p>
-            <a:endParaRPr lang="en-US" dirty="0"/>
-          </a:p>
-        </p:txBody>
-      </p:sp>
-      <p:sp>
-        <p:nvSpPr>
-          <p:cNvPr id="9" name="Content Placeholder 2">
-            <a:extLst>
-              <a:ext uri="{FF2B5EF4-FFF2-40B4-BE49-F238E27FC236}">
-                <a16:creationId xmlns:a16="http://schemas.microsoft.com/office/drawing/2014/main" id="{2BC83A63-7D87-AD28-FD57-0BB3859E289E}"/>
-              </a:ext>
-            </a:extLst>
-          </p:cNvPr>
-          <p:cNvSpPr txBox="1">
-            <a:spLocks/>
-          </p:cNvSpPr>
-          <p:nvPr/>
-        </p:nvSpPr>
-        <p:spPr>
-          <a:xfrm>
-            <a:off x="8295282" y="3524437"/>
-            <a:ext cx="3058518" cy="2601884"/>
-          </a:xfrm>
-          <a:prstGeom prst="rect">
-            <a:avLst/>
-          </a:prstGeom>
-        </p:spPr>
-        <p:txBody>
-          <a:bodyPr vert="horz" lIns="91440" tIns="45720" rIns="91440" bIns="45720" rtlCol="0">
-            <a:normAutofit/>
-          </a:bodyPr>
-          <a:lstStyle>
-            <a:lvl1pPr marL="228600" indent="-228600" algn="l" defTabSz="914400" rtl="0" eaLnBrk="1" latinLnBrk="0" hangingPunct="1">
-              <a:lnSpc>
-                <a:spcPct val="90000"/>
-              </a:lnSpc>
-              <a:spcBef>
-                <a:spcPts val="1000"/>
-              </a:spcBef>
-              <a:buFont typeface="Arial" panose="020B0604020202020204" pitchFamily="34" charset="0"/>
-              <a:buChar char="•"/>
-              <a:defRPr sz="1400" kern="1200">
-                <a:solidFill>
-                  <a:schemeClr val="tx1"/>
-                </a:solidFill>
-                <a:latin typeface="+mn-lt"/>
-                <a:ea typeface="+mn-ea"/>
-                <a:cs typeface="+mn-cs"/>
-              </a:defRPr>
-            </a:lvl1pPr>
-            <a:lvl2pPr marL="685800" indent="-228600" algn="l" defTabSz="914400" rtl="0" eaLnBrk="1" latinLnBrk="0" hangingPunct="1">
-              <a:lnSpc>
-                <a:spcPct val="90000"/>
-              </a:lnSpc>
-              <a:spcBef>
-                <a:spcPts val="500"/>
-              </a:spcBef>
-              <a:buFont typeface="Arial" panose="020B0604020202020204" pitchFamily="34" charset="0"/>
-              <a:buChar char="•"/>
-              <a:defRPr sz="1200" kern="1200">
-                <a:solidFill>
-                  <a:schemeClr val="tx1"/>
-                </a:solidFill>
-                <a:latin typeface="+mn-lt"/>
-                <a:ea typeface="+mn-ea"/>
-                <a:cs typeface="+mn-cs"/>
-              </a:defRPr>
-            </a:lvl2pPr>
-            <a:lvl3pPr marL="1143000" indent="-228600" algn="l" defTabSz="914400" rtl="0" eaLnBrk="1" latinLnBrk="0" hangingPunct="1">
-              <a:lnSpc>
-                <a:spcPct val="90000"/>
-              </a:lnSpc>
-              <a:spcBef>
-                <a:spcPts val="500"/>
-              </a:spcBef>
-              <a:buFont typeface="Arial" panose="020B0604020202020204" pitchFamily="34" charset="0"/>
-              <a:buChar char="•"/>
-              <a:defRPr sz="1200" kern="1200">
-                <a:solidFill>
-                  <a:schemeClr val="tx1"/>
-                </a:solidFill>
-                <a:latin typeface="+mn-lt"/>
-                <a:ea typeface="+mn-ea"/>
-                <a:cs typeface="+mn-cs"/>
-              </a:defRPr>
-            </a:lvl3pPr>
-            <a:lvl4pPr marL="1600200" indent="-228600" algn="l" defTabSz="914400" rtl="0" eaLnBrk="1" latinLnBrk="0" hangingPunct="1">
-              <a:lnSpc>
-                <a:spcPct val="90000"/>
-              </a:lnSpc>
-              <a:spcBef>
-                <a:spcPts val="500"/>
-              </a:spcBef>
-              <a:buFont typeface="Arial" panose="020B0604020202020204" pitchFamily="34" charset="0"/>
-              <a:buChar char="•"/>
-              <a:defRPr sz="1200" kern="1200">
-                <a:solidFill>
-                  <a:schemeClr val="tx1"/>
-                </a:solidFill>
-                <a:latin typeface="+mn-lt"/>
-                <a:ea typeface="+mn-ea"/>
-                <a:cs typeface="+mn-cs"/>
-              </a:defRPr>
-            </a:lvl4pPr>
-            <a:lvl5pPr marL="2057400" indent="-228600" algn="l" defTabSz="914400" rtl="0" eaLnBrk="1" latinLnBrk="0" hangingPunct="1">
-              <a:lnSpc>
-                <a:spcPct val="90000"/>
-              </a:lnSpc>
-              <a:spcBef>
-                <a:spcPts val="500"/>
-              </a:spcBef>
-              <a:buFont typeface="Arial" panose="020B0604020202020204" pitchFamily="34" charset="0"/>
-              <a:buChar char="•"/>
-              <a:defRPr sz="1200" kern="1200">
-                <a:solidFill>
-                  <a:schemeClr val="tx1"/>
-                </a:solidFill>
-                <a:latin typeface="+mn-lt"/>
-                <a:ea typeface="+mn-ea"/>
-                <a:cs typeface="+mn-cs"/>
-              </a:defRPr>
-            </a:lvl5pPr>
-            <a:lvl6pPr marL="2514600" indent="-228600" algn="l" defTabSz="914400" rtl="0" eaLnBrk="1" latinLnBrk="0" hangingPunct="1">
-              <a:lnSpc>
-                <a:spcPct val="90000"/>
-              </a:lnSpc>
-              <a:spcBef>
-                <a:spcPts val="500"/>
-              </a:spcBef>
-              <a:buFont typeface="Arial" panose="020B0604020202020204" pitchFamily="34" charset="0"/>
-              <a:buChar char="•"/>
-              <a:defRPr sz="1800" kern="1200">
-                <a:solidFill>
-                  <a:schemeClr val="tx1"/>
-                </a:solidFill>
-                <a:latin typeface="+mn-lt"/>
-                <a:ea typeface="+mn-ea"/>
-                <a:cs typeface="+mn-cs"/>
-              </a:defRPr>
-            </a:lvl6pPr>
-            <a:lvl7pPr marL="2971800" indent="-228600" algn="l" defTabSz="914400" rtl="0" eaLnBrk="1" latinLnBrk="0" hangingPunct="1">
-              <a:lnSpc>
-                <a:spcPct val="90000"/>
-              </a:lnSpc>
-              <a:spcBef>
-                <a:spcPts val="500"/>
-              </a:spcBef>
-              <a:buFont typeface="Arial" panose="020B0604020202020204" pitchFamily="34" charset="0"/>
-              <a:buChar char="•"/>
-              <a:defRPr sz="1800" kern="1200">
-                <a:solidFill>
-                  <a:schemeClr val="tx1"/>
-                </a:solidFill>
-                <a:latin typeface="+mn-lt"/>
-                <a:ea typeface="+mn-ea"/>
-                <a:cs typeface="+mn-cs"/>
-              </a:defRPr>
-            </a:lvl7pPr>
-            <a:lvl8pPr marL="3429000" indent="-228600" algn="l" defTabSz="914400" rtl="0" eaLnBrk="1" latinLnBrk="0" hangingPunct="1">
-              <a:lnSpc>
-                <a:spcPct val="90000"/>
-              </a:lnSpc>
-              <a:spcBef>
-                <a:spcPts val="500"/>
-              </a:spcBef>
-              <a:buFont typeface="Arial" panose="020B0604020202020204" pitchFamily="34" charset="0"/>
-              <a:buChar char="•"/>
-              <a:defRPr sz="1800" kern="1200">
-                <a:solidFill>
-                  <a:schemeClr val="tx1"/>
-                </a:solidFill>
-                <a:latin typeface="+mn-lt"/>
-                <a:ea typeface="+mn-ea"/>
-                <a:cs typeface="+mn-cs"/>
-              </a:defRPr>
-            </a:lvl8pPr>
-            <a:lvl9pPr marL="3886200" indent="-228600" algn="l" defTabSz="914400" rtl="0" eaLnBrk="1" latinLnBrk="0" hangingPunct="1">
-              <a:lnSpc>
-                <a:spcPct val="90000"/>
-              </a:lnSpc>
-              <a:spcBef>
-                <a:spcPts val="500"/>
-              </a:spcBef>
-              <a:buFont typeface="Arial" panose="020B0604020202020204" pitchFamily="34" charset="0"/>
-              <a:buChar char="•"/>
-              <a:defRPr sz="1800" kern="1200">
-                <a:solidFill>
-                  <a:schemeClr val="tx1"/>
-                </a:solidFill>
-                <a:latin typeface="+mn-lt"/>
-                <a:ea typeface="+mn-ea"/>
-                <a:cs typeface="+mn-cs"/>
-              </a:defRPr>
-            </a:lvl9pPr>
-          </a:lstStyle>
-          <a:p>
-            <a:r>
-              <a:rPr lang="en-US" dirty="0" err="1"/>
-              <a:t>always_comb</a:t>
-            </a:r>
-            <a:r>
-              <a:rPr lang="en-US" dirty="0"/>
-              <a:t>@(</a:t>
-            </a:r>
-            <a:r>
-              <a:rPr lang="en-US" b="1" dirty="0"/>
-              <a:t>posedge</a:t>
-            </a:r>
-            <a:r>
-              <a:rPr lang="en-US" dirty="0"/>
-              <a:t> </a:t>
-            </a:r>
-            <a:r>
-              <a:rPr lang="en-US" dirty="0" err="1"/>
-              <a:t>clk</a:t>
-            </a:r>
-            <a:r>
-              <a:rPr lang="en-US" dirty="0"/>
-              <a:t>) begin</a:t>
-            </a:r>
-          </a:p>
-          <a:p>
-            <a:pPr lvl="1"/>
-            <a:r>
-              <a:rPr lang="en-US" dirty="0"/>
-              <a:t>…</a:t>
-            </a:r>
-          </a:p>
-          <a:p>
-            <a:r>
-              <a:rPr lang="en-US" dirty="0"/>
-              <a:t>end</a:t>
-            </a:r>
-          </a:p>
-          <a:p>
-            <a:endParaRPr lang="en-US" dirty="0"/>
-          </a:p>
-          <a:p>
-            <a:r>
-              <a:rPr lang="en-US" dirty="0"/>
-              <a:t>=&gt; sim error, </a:t>
-            </a:r>
-          </a:p>
-        </p:txBody>
-      </p:sp>
-    </p:spTree>
-    <p:extLst>
-      <p:ext uri="{BB962C8B-B14F-4D97-AF65-F5344CB8AC3E}">
-        <p14:creationId xmlns:p14="http://schemas.microsoft.com/office/powerpoint/2010/main" val="40471721"/>
-      </p:ext>
-    </p:extLst>
-  </p:cSld>
-  <p:clrMapOvr>
-    <a:masterClrMapping/>
-  </p:clrMapOvr>
-</p:sld>
-</file>
-
-<file path=ppt/slides/slide7.xml><?xml version="1.0" encoding="utf-8"?>
-<p:sld xmlns:a="http://schemas.openxmlformats.org/drawingml/2006/main" xmlns:r="http://schemas.openxmlformats.org/officeDocument/2006/relationships" xmlns:p="http://schemas.openxmlformats.org/presentationml/2006/main">
-  <p:cSld>
-    <p:spTree>
-      <p:nvGrpSpPr>
-        <p:cNvPr id="1" name=""/>
-        <p:cNvGrpSpPr/>
-        <p:nvPr/>
-      </p:nvGrpSpPr>
-      <p:grpSpPr>
-        <a:xfrm>
-          <a:off x="0" y="0"/>
-          <a:ext cx="0" cy="0"/>
-          <a:chOff x="0" y="0"/>
-          <a:chExt cx="0" cy="0"/>
-        </a:xfrm>
-      </p:grpSpPr>
-      <p:sp>
-        <p:nvSpPr>
-          <p:cNvPr id="2" name="Title 1">
-            <a:extLst>
-              <a:ext uri="{FF2B5EF4-FFF2-40B4-BE49-F238E27FC236}">
-                <a16:creationId xmlns:a16="http://schemas.microsoft.com/office/drawing/2014/main" id="{E6E7246E-6DDB-2F98-52B0-04AB5D144996}"/>
-              </a:ext>
-            </a:extLst>
-          </p:cNvPr>
-          <p:cNvSpPr>
-            <a:spLocks noGrp="1"/>
-          </p:cNvSpPr>
-          <p:nvPr>
-            <p:ph type="title"/>
-          </p:nvPr>
-        </p:nvSpPr>
-        <p:spPr/>
-        <p:txBody>
-          <a:bodyPr/>
-          <a:lstStyle/>
-          <a:p>
-            <a:r>
-              <a:rPr lang="en-US" dirty="0"/>
-              <a:t>lab07</a:t>
-            </a:r>
-          </a:p>
-        </p:txBody>
-      </p:sp>
-      <p:sp>
-        <p:nvSpPr>
-          <p:cNvPr id="3" name="Content Placeholder 2">
-            <a:extLst>
-              <a:ext uri="{FF2B5EF4-FFF2-40B4-BE49-F238E27FC236}">
-                <a16:creationId xmlns:a16="http://schemas.microsoft.com/office/drawing/2014/main" id="{F0AB9DF1-764A-2056-5BC1-70D34F516704}"/>
-              </a:ext>
-            </a:extLst>
-          </p:cNvPr>
-          <p:cNvSpPr>
-            <a:spLocks noGrp="1"/>
-          </p:cNvSpPr>
-          <p:nvPr>
-            <p:ph idx="1"/>
-          </p:nvPr>
-        </p:nvSpPr>
-        <p:spPr>
-          <a:xfrm>
-            <a:off x="590204" y="1064029"/>
-            <a:ext cx="10763596" cy="5363403"/>
-          </a:xfrm>
-        </p:spPr>
-        <p:txBody>
-          <a:bodyPr>
-            <a:normAutofit/>
-          </a:bodyPr>
-          <a:lstStyle/>
-          <a:p>
-            <a:r>
-              <a:rPr lang="en-US" dirty="0"/>
-              <a:t>wire connection by “assign” in generate block </a:t>
-            </a:r>
-          </a:p>
-          <a:p>
-            <a:endParaRPr lang="en-US" dirty="0"/>
-          </a:p>
-          <a:p>
-            <a:r>
-              <a:rPr lang="en-US" dirty="0"/>
-              <a:t>module top;</a:t>
-            </a:r>
-          </a:p>
-          <a:p>
-            <a:pPr lvl="1"/>
-            <a:r>
-              <a:rPr lang="en-US" dirty="0"/>
-              <a:t>sub #(.sel(0)) inst1();</a:t>
-            </a:r>
-          </a:p>
-          <a:p>
-            <a:pPr lvl="1"/>
-            <a:r>
-              <a:rPr lang="en-US" dirty="0"/>
-              <a:t>sub #(.sel(1)) inst2();</a:t>
-            </a:r>
-          </a:p>
-          <a:p>
-            <a:r>
-              <a:rPr lang="en-US" dirty="0" err="1"/>
-              <a:t>endmodule</a:t>
-            </a:r>
-            <a:endParaRPr lang="en-US" dirty="0"/>
-          </a:p>
-          <a:p>
-            <a:endParaRPr lang="en-US" dirty="0"/>
-          </a:p>
-          <a:p>
-            <a:r>
-              <a:rPr lang="en-US" dirty="0"/>
-              <a:t>module sub;</a:t>
-            </a:r>
-          </a:p>
-          <a:p>
-            <a:pPr lvl="1"/>
-            <a:r>
-              <a:rPr lang="en-US" dirty="0"/>
-              <a:t>parameter </a:t>
-            </a:r>
-            <a:r>
-              <a:rPr lang="en-US" dirty="0" err="1"/>
-              <a:t>sel</a:t>
-            </a:r>
-            <a:r>
-              <a:rPr lang="en-US" dirty="0"/>
-              <a:t> = 1;</a:t>
-            </a:r>
-          </a:p>
-          <a:p>
-            <a:endParaRPr lang="en-US" dirty="0"/>
-          </a:p>
-          <a:p>
-            <a:pPr lvl="1"/>
-            <a:r>
-              <a:rPr lang="en-US" dirty="0"/>
-              <a:t>logic sig1, sig2, sig3;</a:t>
-            </a:r>
-          </a:p>
-          <a:p>
-            <a:pPr lvl="1"/>
-            <a:r>
-              <a:rPr lang="en-US" b="1" dirty="0"/>
-              <a:t>generate  </a:t>
-            </a:r>
-            <a:r>
-              <a:rPr lang="en-US" b="1" dirty="0">
-                <a:sym typeface="Wingdings" panose="05000000000000000000" pitchFamily="2" charset="2"/>
-              </a:rPr>
-              <a:t>- this is optional</a:t>
-            </a:r>
-            <a:endParaRPr lang="en-US" b="1" dirty="0"/>
-          </a:p>
-          <a:p>
-            <a:pPr lvl="1"/>
-            <a:r>
-              <a:rPr lang="en-US" dirty="0"/>
-              <a:t>if (</a:t>
-            </a:r>
-            <a:r>
-              <a:rPr lang="en-US" dirty="0" err="1"/>
-              <a:t>sel</a:t>
-            </a:r>
-            <a:r>
-              <a:rPr lang="en-US" dirty="0"/>
-              <a:t>)</a:t>
-            </a:r>
-          </a:p>
-          <a:p>
-            <a:pPr lvl="2"/>
-            <a:r>
-              <a:rPr lang="en-US" dirty="0"/>
-              <a:t>assign sig3 = sig1;</a:t>
-            </a:r>
-          </a:p>
-          <a:p>
-            <a:pPr lvl="1"/>
-            <a:r>
-              <a:rPr lang="en-US" dirty="0"/>
-              <a:t>else</a:t>
-            </a:r>
-          </a:p>
-          <a:p>
-            <a:pPr lvl="2"/>
-            <a:r>
-              <a:rPr lang="en-US" dirty="0"/>
-              <a:t>assign sig3 = sig2;</a:t>
-            </a:r>
-          </a:p>
-          <a:p>
-            <a:pPr lvl="1"/>
-            <a:r>
-              <a:rPr lang="en-US" b="1" dirty="0" err="1"/>
-              <a:t>endgenerate</a:t>
-            </a:r>
-            <a:r>
-              <a:rPr lang="en-US" b="1" dirty="0"/>
-              <a:t> </a:t>
-            </a:r>
-            <a:r>
-              <a:rPr lang="en-US" b="1" dirty="0">
-                <a:sym typeface="Wingdings" panose="05000000000000000000" pitchFamily="2" charset="2"/>
-              </a:rPr>
-              <a:t>- this is optional</a:t>
-            </a:r>
-            <a:endParaRPr lang="en-US" b="1" dirty="0"/>
-          </a:p>
-          <a:p>
-            <a:pPr marL="914400" lvl="2" indent="0">
-              <a:buNone/>
-            </a:pPr>
-            <a:r>
-              <a:rPr lang="en-US" dirty="0"/>
-              <a:t>	</a:t>
-            </a:r>
-          </a:p>
-          <a:p>
-            <a:r>
-              <a:rPr lang="en-US" dirty="0" err="1"/>
-              <a:t>endmodule</a:t>
-            </a:r>
-            <a:endParaRPr lang="en-US" dirty="0"/>
-          </a:p>
-        </p:txBody>
-      </p:sp>
-      <p:sp>
-        <p:nvSpPr>
-          <p:cNvPr id="4" name="Slide Number Placeholder 3">
-            <a:extLst>
-              <a:ext uri="{FF2B5EF4-FFF2-40B4-BE49-F238E27FC236}">
-                <a16:creationId xmlns:a16="http://schemas.microsoft.com/office/drawing/2014/main" id="{A653B7C0-A01B-B019-AE82-6D2CF11E10FE}"/>
-              </a:ext>
-            </a:extLst>
-          </p:cNvPr>
-          <p:cNvSpPr>
-            <a:spLocks noGrp="1"/>
-          </p:cNvSpPr>
-          <p:nvPr>
-            <p:ph type="sldNum" sz="quarter" idx="12"/>
-          </p:nvPr>
-        </p:nvSpPr>
-        <p:spPr/>
-        <p:txBody>
-          <a:bodyPr/>
-          <a:lstStyle/>
-          <a:p>
-            <a:fld id="{8A2B06E4-34D2-4DD4-ABFF-9F74AC2B18B5}" type="slidenum">
-              <a:rPr lang="en-US" smtClean="0"/>
-              <a:t>7</a:t>
-            </a:fld>
-            <a:endParaRPr lang="en-US" dirty="0"/>
-          </a:p>
-        </p:txBody>
-      </p:sp>
-    </p:spTree>
-    <p:extLst>
-      <p:ext uri="{BB962C8B-B14F-4D97-AF65-F5344CB8AC3E}">
-        <p14:creationId xmlns:p14="http://schemas.microsoft.com/office/powerpoint/2010/main" val="2190162818"/>
-      </p:ext>
-    </p:extLst>
-  </p:cSld>
-  <p:clrMapOvr>
-    <a:masterClrMapping/>
-  </p:clrMapOvr>
-</p:sld>
-</file>
-
-<file path=ppt/slides/slide8.xml><?xml version="1.0" encoding="utf-8"?>
-<p:sld xmlns:a="http://schemas.openxmlformats.org/drawingml/2006/main" xmlns:r="http://schemas.openxmlformats.org/officeDocument/2006/relationships" xmlns:p="http://schemas.openxmlformats.org/presentationml/2006/main">
-  <p:cSld>
-    <p:spTree>
-      <p:nvGrpSpPr>
-        <p:cNvPr id="1" name=""/>
-        <p:cNvGrpSpPr/>
-        <p:nvPr/>
-      </p:nvGrpSpPr>
-      <p:grpSpPr>
-        <a:xfrm>
-          <a:off x="0" y="0"/>
-          <a:ext cx="0" cy="0"/>
-          <a:chOff x="0" y="0"/>
-          <a:chExt cx="0" cy="0"/>
-        </a:xfrm>
-      </p:grpSpPr>
-      <p:sp>
-        <p:nvSpPr>
-          <p:cNvPr id="2" name="Title 1">
-            <a:extLst>
-              <a:ext uri="{FF2B5EF4-FFF2-40B4-BE49-F238E27FC236}">
-                <a16:creationId xmlns:a16="http://schemas.microsoft.com/office/drawing/2014/main" id="{0D90D065-03EF-C333-329D-B6A904037AA4}"/>
-              </a:ext>
-            </a:extLst>
-          </p:cNvPr>
-          <p:cNvSpPr>
-            <a:spLocks noGrp="1"/>
-          </p:cNvSpPr>
-          <p:nvPr>
-            <p:ph type="title"/>
-          </p:nvPr>
-        </p:nvSpPr>
-        <p:spPr/>
-        <p:txBody>
-          <a:bodyPr/>
-          <a:lstStyle/>
-          <a:p>
-            <a:r>
-              <a:rPr lang="en-US" dirty="0"/>
-              <a:t>lab07</a:t>
-            </a:r>
-          </a:p>
-        </p:txBody>
-      </p:sp>
-      <p:sp>
-        <p:nvSpPr>
-          <p:cNvPr id="3" name="Content Placeholder 2">
-            <a:extLst>
-              <a:ext uri="{FF2B5EF4-FFF2-40B4-BE49-F238E27FC236}">
-                <a16:creationId xmlns:a16="http://schemas.microsoft.com/office/drawing/2014/main" id="{6BFC4363-D16A-9B9C-C912-00320CAA407C}"/>
-              </a:ext>
-            </a:extLst>
-          </p:cNvPr>
-          <p:cNvSpPr>
-            <a:spLocks noGrp="1"/>
-          </p:cNvSpPr>
-          <p:nvPr>
-            <p:ph idx="1"/>
-          </p:nvPr>
-        </p:nvSpPr>
-        <p:spPr>
-          <a:xfrm>
-            <a:off x="590204" y="1064029"/>
-            <a:ext cx="3369237" cy="4662068"/>
-          </a:xfrm>
-        </p:spPr>
-        <p:txBody>
-          <a:bodyPr>
-            <a:normAutofit/>
-          </a:bodyPr>
-          <a:lstStyle/>
-          <a:p>
-            <a:r>
-              <a:rPr lang="en-US" dirty="0"/>
-              <a:t>scope</a:t>
-            </a:r>
-          </a:p>
-          <a:p>
-            <a:pPr lvl="1"/>
-            <a:r>
-              <a:rPr lang="en-US" b="1" dirty="0"/>
-              <a:t>module</a:t>
-            </a:r>
-          </a:p>
-          <a:p>
-            <a:pPr lvl="1"/>
-            <a:r>
-              <a:rPr lang="en-US" b="1" dirty="0" err="1"/>
-              <a:t>endmodule</a:t>
-            </a:r>
-            <a:endParaRPr lang="en-US" b="1" dirty="0"/>
-          </a:p>
-          <a:p>
-            <a:pPr lvl="1"/>
-            <a:endParaRPr lang="en-US" dirty="0"/>
-          </a:p>
-          <a:p>
-            <a:pPr lvl="1"/>
-            <a:r>
-              <a:rPr lang="en-US" dirty="0"/>
-              <a:t>class</a:t>
-            </a:r>
-          </a:p>
-          <a:p>
-            <a:pPr lvl="1"/>
-            <a:r>
-              <a:rPr lang="en-US" dirty="0" err="1"/>
-              <a:t>endclass</a:t>
-            </a:r>
-            <a:endParaRPr lang="en-US" dirty="0"/>
-          </a:p>
-          <a:p>
-            <a:endParaRPr lang="en-US" dirty="0"/>
-          </a:p>
-          <a:p>
-            <a:pPr lvl="1"/>
-            <a:r>
-              <a:rPr lang="en-US" dirty="0"/>
-              <a:t>interface </a:t>
-            </a:r>
-          </a:p>
-          <a:p>
-            <a:pPr lvl="1"/>
-            <a:r>
-              <a:rPr lang="en-US" dirty="0" err="1"/>
-              <a:t>endinterface</a:t>
-            </a:r>
-            <a:endParaRPr lang="en-US" dirty="0"/>
-          </a:p>
-          <a:p>
-            <a:pPr lvl="1"/>
-            <a:endParaRPr lang="en-US" dirty="0"/>
-          </a:p>
-          <a:p>
-            <a:pPr lvl="1"/>
-            <a:r>
-              <a:rPr lang="en-US" dirty="0"/>
-              <a:t>checker</a:t>
-            </a:r>
-          </a:p>
-          <a:p>
-            <a:pPr lvl="1"/>
-            <a:r>
-              <a:rPr lang="en-US" dirty="0" err="1"/>
-              <a:t>endchecker</a:t>
-            </a:r>
-            <a:endParaRPr lang="en-US" dirty="0"/>
-          </a:p>
-          <a:p>
-            <a:pPr lvl="1"/>
-            <a:endParaRPr lang="en-US" dirty="0"/>
-          </a:p>
-          <a:p>
-            <a:pPr lvl="1"/>
-            <a:r>
-              <a:rPr lang="en-US" dirty="0"/>
-              <a:t>program</a:t>
-            </a:r>
-          </a:p>
-          <a:p>
-            <a:pPr lvl="1"/>
-            <a:r>
-              <a:rPr lang="en-US" dirty="0" err="1"/>
-              <a:t>endprogram</a:t>
-            </a:r>
-            <a:endParaRPr lang="en-US" dirty="0"/>
-          </a:p>
-          <a:p>
-            <a:pPr lvl="1"/>
-            <a:endParaRPr lang="en-US" dirty="0"/>
-          </a:p>
-          <a:p>
-            <a:pPr lvl="1"/>
-            <a:r>
-              <a:rPr lang="en-US" dirty="0"/>
-              <a:t>generate</a:t>
-            </a:r>
-          </a:p>
-          <a:p>
-            <a:pPr lvl="1"/>
-            <a:r>
-              <a:rPr lang="en-US" dirty="0" err="1"/>
-              <a:t>endgenerate</a:t>
-            </a:r>
-            <a:endParaRPr lang="en-US" dirty="0"/>
-          </a:p>
-        </p:txBody>
-      </p:sp>
-      <p:sp>
-        <p:nvSpPr>
-          <p:cNvPr id="4" name="Slide Number Placeholder 3">
-            <a:extLst>
-              <a:ext uri="{FF2B5EF4-FFF2-40B4-BE49-F238E27FC236}">
-                <a16:creationId xmlns:a16="http://schemas.microsoft.com/office/drawing/2014/main" id="{AC7F354A-7DB9-26FB-09B1-62B5D79E1C4A}"/>
-              </a:ext>
-            </a:extLst>
-          </p:cNvPr>
-          <p:cNvSpPr>
-            <a:spLocks noGrp="1"/>
-          </p:cNvSpPr>
-          <p:nvPr>
-            <p:ph type="sldNum" sz="quarter" idx="12"/>
-          </p:nvPr>
-        </p:nvSpPr>
-        <p:spPr/>
-        <p:txBody>
-          <a:bodyPr/>
-          <a:lstStyle/>
-          <a:p>
-            <a:fld id="{8A2B06E4-34D2-4DD4-ABFF-9F74AC2B18B5}" type="slidenum">
-              <a:rPr lang="en-US" smtClean="0"/>
-              <a:t>8</a:t>
-            </a:fld>
-            <a:endParaRPr lang="en-US" dirty="0"/>
-          </a:p>
-        </p:txBody>
-      </p:sp>
-      <p:sp>
-        <p:nvSpPr>
-          <p:cNvPr id="5" name="Content Placeholder 2">
-            <a:extLst>
-              <a:ext uri="{FF2B5EF4-FFF2-40B4-BE49-F238E27FC236}">
-                <a16:creationId xmlns:a16="http://schemas.microsoft.com/office/drawing/2014/main" id="{C56A286A-DF8E-552E-E1AA-8A6159B25E16}"/>
-              </a:ext>
-            </a:extLst>
-          </p:cNvPr>
-          <p:cNvSpPr txBox="1">
-            <a:spLocks/>
-          </p:cNvSpPr>
-          <p:nvPr/>
-        </p:nvSpPr>
-        <p:spPr>
-          <a:xfrm>
-            <a:off x="3679633" y="1064029"/>
-            <a:ext cx="3804243" cy="4662068"/>
-          </a:xfrm>
-          <a:prstGeom prst="rect">
-            <a:avLst/>
-          </a:prstGeom>
-        </p:spPr>
-        <p:txBody>
-          <a:bodyPr vert="horz" lIns="91440" tIns="45720" rIns="91440" bIns="45720" rtlCol="0">
-            <a:normAutofit/>
-          </a:bodyPr>
-          <a:lstStyle>
-            <a:lvl1pPr marL="228600" indent="-228600" algn="l" defTabSz="914400" rtl="0" eaLnBrk="1" latinLnBrk="0" hangingPunct="1">
-              <a:lnSpc>
-                <a:spcPct val="90000"/>
-              </a:lnSpc>
-              <a:spcBef>
-                <a:spcPts val="1000"/>
-              </a:spcBef>
-              <a:buFont typeface="Arial" panose="020B0604020202020204" pitchFamily="34" charset="0"/>
-              <a:buChar char="•"/>
-              <a:defRPr sz="1400" kern="1200">
-                <a:solidFill>
-                  <a:schemeClr val="tx1"/>
-                </a:solidFill>
-                <a:latin typeface="+mn-lt"/>
-                <a:ea typeface="+mn-ea"/>
-                <a:cs typeface="+mn-cs"/>
-              </a:defRPr>
-            </a:lvl1pPr>
-            <a:lvl2pPr marL="685800" indent="-228600" algn="l" defTabSz="914400" rtl="0" eaLnBrk="1" latinLnBrk="0" hangingPunct="1">
-              <a:lnSpc>
-                <a:spcPct val="90000"/>
-              </a:lnSpc>
-              <a:spcBef>
-                <a:spcPts val="500"/>
-              </a:spcBef>
-              <a:buFont typeface="Arial" panose="020B0604020202020204" pitchFamily="34" charset="0"/>
-              <a:buChar char="•"/>
-              <a:defRPr sz="1200" kern="1200">
-                <a:solidFill>
-                  <a:schemeClr val="tx1"/>
-                </a:solidFill>
-                <a:latin typeface="+mn-lt"/>
-                <a:ea typeface="+mn-ea"/>
-                <a:cs typeface="+mn-cs"/>
-              </a:defRPr>
-            </a:lvl2pPr>
-            <a:lvl3pPr marL="1143000" indent="-228600" algn="l" defTabSz="914400" rtl="0" eaLnBrk="1" latinLnBrk="0" hangingPunct="1">
-              <a:lnSpc>
-                <a:spcPct val="90000"/>
-              </a:lnSpc>
-              <a:spcBef>
-                <a:spcPts val="500"/>
-              </a:spcBef>
-              <a:buFont typeface="Arial" panose="020B0604020202020204" pitchFamily="34" charset="0"/>
-              <a:buChar char="•"/>
-              <a:defRPr sz="1200" kern="1200">
-                <a:solidFill>
-                  <a:schemeClr val="tx1"/>
-                </a:solidFill>
-                <a:latin typeface="+mn-lt"/>
-                <a:ea typeface="+mn-ea"/>
-                <a:cs typeface="+mn-cs"/>
-              </a:defRPr>
-            </a:lvl3pPr>
-            <a:lvl4pPr marL="1600200" indent="-228600" algn="l" defTabSz="914400" rtl="0" eaLnBrk="1" latinLnBrk="0" hangingPunct="1">
-              <a:lnSpc>
-                <a:spcPct val="90000"/>
-              </a:lnSpc>
-              <a:spcBef>
-                <a:spcPts val="500"/>
-              </a:spcBef>
-              <a:buFont typeface="Arial" panose="020B0604020202020204" pitchFamily="34" charset="0"/>
-              <a:buChar char="•"/>
-              <a:defRPr sz="1200" kern="1200">
-                <a:solidFill>
-                  <a:schemeClr val="tx1"/>
-                </a:solidFill>
-                <a:latin typeface="+mn-lt"/>
-                <a:ea typeface="+mn-ea"/>
-                <a:cs typeface="+mn-cs"/>
-              </a:defRPr>
-            </a:lvl4pPr>
-            <a:lvl5pPr marL="2057400" indent="-228600" algn="l" defTabSz="914400" rtl="0" eaLnBrk="1" latinLnBrk="0" hangingPunct="1">
-              <a:lnSpc>
-                <a:spcPct val="90000"/>
-              </a:lnSpc>
-              <a:spcBef>
-                <a:spcPts val="500"/>
-              </a:spcBef>
-              <a:buFont typeface="Arial" panose="020B0604020202020204" pitchFamily="34" charset="0"/>
-              <a:buChar char="•"/>
-              <a:defRPr sz="1200" kern="1200">
-                <a:solidFill>
-                  <a:schemeClr val="tx1"/>
-                </a:solidFill>
-                <a:latin typeface="+mn-lt"/>
-                <a:ea typeface="+mn-ea"/>
-                <a:cs typeface="+mn-cs"/>
-              </a:defRPr>
-            </a:lvl5pPr>
-            <a:lvl6pPr marL="2514600" indent="-228600" algn="l" defTabSz="914400" rtl="0" eaLnBrk="1" latinLnBrk="0" hangingPunct="1">
-              <a:lnSpc>
-                <a:spcPct val="90000"/>
-              </a:lnSpc>
-              <a:spcBef>
-                <a:spcPts val="500"/>
-              </a:spcBef>
-              <a:buFont typeface="Arial" panose="020B0604020202020204" pitchFamily="34" charset="0"/>
-              <a:buChar char="•"/>
-              <a:defRPr sz="1800" kern="1200">
-                <a:solidFill>
-                  <a:schemeClr val="tx1"/>
-                </a:solidFill>
-                <a:latin typeface="+mn-lt"/>
-                <a:ea typeface="+mn-ea"/>
-                <a:cs typeface="+mn-cs"/>
-              </a:defRPr>
-            </a:lvl6pPr>
-            <a:lvl7pPr marL="2971800" indent="-228600" algn="l" defTabSz="914400" rtl="0" eaLnBrk="1" latinLnBrk="0" hangingPunct="1">
-              <a:lnSpc>
-                <a:spcPct val="90000"/>
-              </a:lnSpc>
-              <a:spcBef>
-                <a:spcPts val="500"/>
-              </a:spcBef>
-              <a:buFont typeface="Arial" panose="020B0604020202020204" pitchFamily="34" charset="0"/>
-              <a:buChar char="•"/>
-              <a:defRPr sz="1800" kern="1200">
-                <a:solidFill>
-                  <a:schemeClr val="tx1"/>
-                </a:solidFill>
-                <a:latin typeface="+mn-lt"/>
-                <a:ea typeface="+mn-ea"/>
-                <a:cs typeface="+mn-cs"/>
-              </a:defRPr>
-            </a:lvl7pPr>
-            <a:lvl8pPr marL="3429000" indent="-228600" algn="l" defTabSz="914400" rtl="0" eaLnBrk="1" latinLnBrk="0" hangingPunct="1">
-              <a:lnSpc>
-                <a:spcPct val="90000"/>
-              </a:lnSpc>
-              <a:spcBef>
-                <a:spcPts val="500"/>
-              </a:spcBef>
-              <a:buFont typeface="Arial" panose="020B0604020202020204" pitchFamily="34" charset="0"/>
-              <a:buChar char="•"/>
-              <a:defRPr sz="1800" kern="1200">
-                <a:solidFill>
-                  <a:schemeClr val="tx1"/>
-                </a:solidFill>
-                <a:latin typeface="+mn-lt"/>
-                <a:ea typeface="+mn-ea"/>
-                <a:cs typeface="+mn-cs"/>
-              </a:defRPr>
-            </a:lvl8pPr>
-            <a:lvl9pPr marL="3886200" indent="-228600" algn="l" defTabSz="914400" rtl="0" eaLnBrk="1" latinLnBrk="0" hangingPunct="1">
-              <a:lnSpc>
-                <a:spcPct val="90000"/>
-              </a:lnSpc>
-              <a:spcBef>
-                <a:spcPts val="500"/>
-              </a:spcBef>
-              <a:buFont typeface="Arial" panose="020B0604020202020204" pitchFamily="34" charset="0"/>
-              <a:buChar char="•"/>
-              <a:defRPr sz="1800" kern="1200">
-                <a:solidFill>
-                  <a:schemeClr val="tx1"/>
-                </a:solidFill>
-                <a:latin typeface="+mn-lt"/>
-                <a:ea typeface="+mn-ea"/>
-                <a:cs typeface="+mn-cs"/>
-              </a:defRPr>
-            </a:lvl9pPr>
-          </a:lstStyle>
-          <a:p>
-            <a:r>
-              <a:rPr lang="en-US" dirty="0"/>
-              <a:t>example</a:t>
-            </a:r>
-          </a:p>
-          <a:p>
-            <a:pPr lvl="1"/>
-            <a:r>
-              <a:rPr lang="en-US" b="1" dirty="0"/>
-              <a:t>module</a:t>
-            </a:r>
-            <a:r>
-              <a:rPr lang="en-US" dirty="0"/>
-              <a:t> top</a:t>
-            </a:r>
-          </a:p>
-          <a:p>
-            <a:pPr lvl="2"/>
-            <a:r>
-              <a:rPr lang="en-US" dirty="0"/>
-              <a:t>c1 inst_c1();</a:t>
-            </a:r>
-          </a:p>
-          <a:p>
-            <a:pPr lvl="2"/>
-            <a:r>
-              <a:rPr lang="en-US" dirty="0"/>
-              <a:t>i1 inst_i1;</a:t>
-            </a:r>
-          </a:p>
-          <a:p>
-            <a:pPr lvl="1"/>
-            <a:r>
-              <a:rPr lang="en-US" dirty="0" err="1"/>
-              <a:t>endmodule</a:t>
-            </a:r>
-            <a:endParaRPr lang="en-US" dirty="0"/>
-          </a:p>
-          <a:p>
-            <a:pPr lvl="1"/>
-            <a:endParaRPr lang="en-US" dirty="0"/>
-          </a:p>
-          <a:p>
-            <a:pPr lvl="1"/>
-            <a:r>
-              <a:rPr lang="en-US" b="1" dirty="0"/>
-              <a:t>class</a:t>
-            </a:r>
-            <a:r>
-              <a:rPr lang="en-US" dirty="0"/>
-              <a:t> c1</a:t>
-            </a:r>
-          </a:p>
-          <a:p>
-            <a:pPr lvl="1"/>
-            <a:r>
-              <a:rPr lang="en-US" dirty="0" err="1"/>
-              <a:t>endclass</a:t>
-            </a:r>
-            <a:endParaRPr lang="en-US" dirty="0"/>
-          </a:p>
-          <a:p>
-            <a:pPr lvl="1"/>
-            <a:endParaRPr lang="en-US" dirty="0"/>
-          </a:p>
-          <a:p>
-            <a:pPr lvl="1"/>
-            <a:r>
-              <a:rPr lang="en-US" b="1" dirty="0"/>
-              <a:t>interface</a:t>
-            </a:r>
-            <a:r>
-              <a:rPr lang="en-US" dirty="0"/>
-              <a:t> i1</a:t>
-            </a:r>
-          </a:p>
-          <a:p>
-            <a:pPr lvl="1"/>
-            <a:r>
-              <a:rPr lang="en-US" dirty="0" err="1"/>
-              <a:t>endinterface</a:t>
-            </a:r>
-            <a:r>
-              <a:rPr lang="en-US" dirty="0"/>
-              <a:t> </a:t>
-            </a:r>
-          </a:p>
-          <a:p>
-            <a:pPr lvl="1"/>
-            <a:endParaRPr lang="en-US" dirty="0"/>
-          </a:p>
-          <a:p>
-            <a:pPr lvl="1"/>
-            <a:r>
-              <a:rPr lang="en-US" b="1" dirty="0"/>
-              <a:t>interface</a:t>
-            </a:r>
-            <a:r>
-              <a:rPr lang="en-US" dirty="0"/>
-              <a:t> i2</a:t>
-            </a:r>
-          </a:p>
-          <a:p>
-            <a:pPr lvl="1"/>
-            <a:r>
-              <a:rPr lang="en-US" dirty="0" err="1"/>
-              <a:t>endinterface</a:t>
-            </a:r>
-            <a:r>
-              <a:rPr lang="en-US" dirty="0"/>
-              <a:t> </a:t>
-            </a:r>
-          </a:p>
-          <a:p>
-            <a:pPr lvl="1"/>
-            <a:endParaRPr lang="en-US" dirty="0"/>
-          </a:p>
-        </p:txBody>
-      </p:sp>
-      <p:sp>
-        <p:nvSpPr>
-          <p:cNvPr id="6" name="Content Placeholder 2">
-            <a:extLst>
-              <a:ext uri="{FF2B5EF4-FFF2-40B4-BE49-F238E27FC236}">
-                <a16:creationId xmlns:a16="http://schemas.microsoft.com/office/drawing/2014/main" id="{B18A52DC-F630-E380-D59D-78A3CE65BFB3}"/>
-              </a:ext>
-            </a:extLst>
-          </p:cNvPr>
-          <p:cNvSpPr txBox="1">
-            <a:spLocks/>
-          </p:cNvSpPr>
-          <p:nvPr/>
-        </p:nvSpPr>
-        <p:spPr>
-          <a:xfrm>
-            <a:off x="6627019" y="1064029"/>
-            <a:ext cx="3804243" cy="4662068"/>
-          </a:xfrm>
-          <a:prstGeom prst="rect">
-            <a:avLst/>
-          </a:prstGeom>
-        </p:spPr>
-        <p:txBody>
-          <a:bodyPr vert="horz" lIns="91440" tIns="45720" rIns="91440" bIns="45720" rtlCol="0">
-            <a:normAutofit/>
-          </a:bodyPr>
-          <a:lstStyle>
-            <a:lvl1pPr marL="228600" indent="-228600" algn="l" defTabSz="914400" rtl="0" eaLnBrk="1" latinLnBrk="0" hangingPunct="1">
-              <a:lnSpc>
-                <a:spcPct val="90000"/>
-              </a:lnSpc>
-              <a:spcBef>
-                <a:spcPts val="1000"/>
-              </a:spcBef>
-              <a:buFont typeface="Arial" panose="020B0604020202020204" pitchFamily="34" charset="0"/>
-              <a:buChar char="•"/>
-              <a:defRPr sz="1400" kern="1200">
-                <a:solidFill>
-                  <a:schemeClr val="tx1"/>
-                </a:solidFill>
-                <a:latin typeface="+mn-lt"/>
-                <a:ea typeface="+mn-ea"/>
-                <a:cs typeface="+mn-cs"/>
-              </a:defRPr>
-            </a:lvl1pPr>
-            <a:lvl2pPr marL="685800" indent="-228600" algn="l" defTabSz="914400" rtl="0" eaLnBrk="1" latinLnBrk="0" hangingPunct="1">
-              <a:lnSpc>
-                <a:spcPct val="90000"/>
-              </a:lnSpc>
-              <a:spcBef>
-                <a:spcPts val="500"/>
-              </a:spcBef>
-              <a:buFont typeface="Arial" panose="020B0604020202020204" pitchFamily="34" charset="0"/>
-              <a:buChar char="•"/>
-              <a:defRPr sz="1200" kern="1200">
-                <a:solidFill>
-                  <a:schemeClr val="tx1"/>
-                </a:solidFill>
-                <a:latin typeface="+mn-lt"/>
-                <a:ea typeface="+mn-ea"/>
-                <a:cs typeface="+mn-cs"/>
-              </a:defRPr>
-            </a:lvl2pPr>
-            <a:lvl3pPr marL="1143000" indent="-228600" algn="l" defTabSz="914400" rtl="0" eaLnBrk="1" latinLnBrk="0" hangingPunct="1">
-              <a:lnSpc>
-                <a:spcPct val="90000"/>
-              </a:lnSpc>
-              <a:spcBef>
-                <a:spcPts val="500"/>
-              </a:spcBef>
-              <a:buFont typeface="Arial" panose="020B0604020202020204" pitchFamily="34" charset="0"/>
-              <a:buChar char="•"/>
-              <a:defRPr sz="1200" kern="1200">
-                <a:solidFill>
-                  <a:schemeClr val="tx1"/>
-                </a:solidFill>
-                <a:latin typeface="+mn-lt"/>
-                <a:ea typeface="+mn-ea"/>
-                <a:cs typeface="+mn-cs"/>
-              </a:defRPr>
-            </a:lvl3pPr>
-            <a:lvl4pPr marL="1600200" indent="-228600" algn="l" defTabSz="914400" rtl="0" eaLnBrk="1" latinLnBrk="0" hangingPunct="1">
-              <a:lnSpc>
-                <a:spcPct val="90000"/>
-              </a:lnSpc>
-              <a:spcBef>
-                <a:spcPts val="500"/>
-              </a:spcBef>
-              <a:buFont typeface="Arial" panose="020B0604020202020204" pitchFamily="34" charset="0"/>
-              <a:buChar char="•"/>
-              <a:defRPr sz="1200" kern="1200">
-                <a:solidFill>
-                  <a:schemeClr val="tx1"/>
-                </a:solidFill>
-                <a:latin typeface="+mn-lt"/>
-                <a:ea typeface="+mn-ea"/>
-                <a:cs typeface="+mn-cs"/>
-              </a:defRPr>
-            </a:lvl4pPr>
-            <a:lvl5pPr marL="2057400" indent="-228600" algn="l" defTabSz="914400" rtl="0" eaLnBrk="1" latinLnBrk="0" hangingPunct="1">
-              <a:lnSpc>
-                <a:spcPct val="90000"/>
-              </a:lnSpc>
-              <a:spcBef>
-                <a:spcPts val="500"/>
-              </a:spcBef>
-              <a:buFont typeface="Arial" panose="020B0604020202020204" pitchFamily="34" charset="0"/>
-              <a:buChar char="•"/>
-              <a:defRPr sz="1200" kern="1200">
-                <a:solidFill>
-                  <a:schemeClr val="tx1"/>
-                </a:solidFill>
-                <a:latin typeface="+mn-lt"/>
-                <a:ea typeface="+mn-ea"/>
-                <a:cs typeface="+mn-cs"/>
-              </a:defRPr>
-            </a:lvl5pPr>
-            <a:lvl6pPr marL="2514600" indent="-228600" algn="l" defTabSz="914400" rtl="0" eaLnBrk="1" latinLnBrk="0" hangingPunct="1">
-              <a:lnSpc>
-                <a:spcPct val="90000"/>
-              </a:lnSpc>
-              <a:spcBef>
-                <a:spcPts val="500"/>
-              </a:spcBef>
-              <a:buFont typeface="Arial" panose="020B0604020202020204" pitchFamily="34" charset="0"/>
-              <a:buChar char="•"/>
-              <a:defRPr sz="1800" kern="1200">
-                <a:solidFill>
-                  <a:schemeClr val="tx1"/>
-                </a:solidFill>
-                <a:latin typeface="+mn-lt"/>
-                <a:ea typeface="+mn-ea"/>
-                <a:cs typeface="+mn-cs"/>
-              </a:defRPr>
-            </a:lvl6pPr>
-            <a:lvl7pPr marL="2971800" indent="-228600" algn="l" defTabSz="914400" rtl="0" eaLnBrk="1" latinLnBrk="0" hangingPunct="1">
-              <a:lnSpc>
-                <a:spcPct val="90000"/>
-              </a:lnSpc>
-              <a:spcBef>
-                <a:spcPts val="500"/>
-              </a:spcBef>
-              <a:buFont typeface="Arial" panose="020B0604020202020204" pitchFamily="34" charset="0"/>
-              <a:buChar char="•"/>
-              <a:defRPr sz="1800" kern="1200">
-                <a:solidFill>
-                  <a:schemeClr val="tx1"/>
-                </a:solidFill>
-                <a:latin typeface="+mn-lt"/>
-                <a:ea typeface="+mn-ea"/>
-                <a:cs typeface="+mn-cs"/>
-              </a:defRPr>
-            </a:lvl7pPr>
-            <a:lvl8pPr marL="3429000" indent="-228600" algn="l" defTabSz="914400" rtl="0" eaLnBrk="1" latinLnBrk="0" hangingPunct="1">
-              <a:lnSpc>
-                <a:spcPct val="90000"/>
-              </a:lnSpc>
-              <a:spcBef>
-                <a:spcPts val="500"/>
-              </a:spcBef>
-              <a:buFont typeface="Arial" panose="020B0604020202020204" pitchFamily="34" charset="0"/>
-              <a:buChar char="•"/>
-              <a:defRPr sz="1800" kern="1200">
-                <a:solidFill>
-                  <a:schemeClr val="tx1"/>
-                </a:solidFill>
-                <a:latin typeface="+mn-lt"/>
-                <a:ea typeface="+mn-ea"/>
-                <a:cs typeface="+mn-cs"/>
-              </a:defRPr>
-            </a:lvl8pPr>
-            <a:lvl9pPr marL="3886200" indent="-228600" algn="l" defTabSz="914400" rtl="0" eaLnBrk="1" latinLnBrk="0" hangingPunct="1">
-              <a:lnSpc>
-                <a:spcPct val="90000"/>
-              </a:lnSpc>
-              <a:spcBef>
-                <a:spcPts val="500"/>
-              </a:spcBef>
-              <a:buFont typeface="Arial" panose="020B0604020202020204" pitchFamily="34" charset="0"/>
-              <a:buChar char="•"/>
-              <a:defRPr sz="1800" kern="1200">
-                <a:solidFill>
-                  <a:schemeClr val="tx1"/>
-                </a:solidFill>
-                <a:latin typeface="+mn-lt"/>
-                <a:ea typeface="+mn-ea"/>
-                <a:cs typeface="+mn-cs"/>
-              </a:defRPr>
-            </a:lvl9pPr>
-          </a:lstStyle>
-          <a:p>
-            <a:r>
-              <a:rPr lang="en-US" dirty="0"/>
-              <a:t>example2</a:t>
-            </a:r>
-          </a:p>
-          <a:p>
-            <a:pPr lvl="1"/>
-            <a:r>
-              <a:rPr lang="en-US" b="1" dirty="0"/>
-              <a:t>module</a:t>
-            </a:r>
-            <a:r>
-              <a:rPr lang="en-US" dirty="0"/>
-              <a:t> top</a:t>
-            </a:r>
-          </a:p>
-          <a:p>
-            <a:pPr lvl="2"/>
-            <a:r>
-              <a:rPr lang="en-US" dirty="0"/>
-              <a:t>c1 inst_c1();</a:t>
-            </a:r>
-          </a:p>
-          <a:p>
-            <a:pPr lvl="2"/>
-            <a:r>
-              <a:rPr lang="en-US" dirty="0"/>
-              <a:t>i1 inst_i1;</a:t>
-            </a:r>
-          </a:p>
-          <a:p>
-            <a:pPr lvl="1"/>
-            <a:r>
-              <a:rPr lang="en-US" dirty="0" err="1"/>
-              <a:t>endmodule</a:t>
-            </a:r>
-            <a:endParaRPr lang="en-US" dirty="0"/>
-          </a:p>
-          <a:p>
-            <a:pPr lvl="1"/>
-            <a:endParaRPr lang="en-US" dirty="0"/>
-          </a:p>
-          <a:p>
-            <a:pPr lvl="1"/>
-            <a:r>
-              <a:rPr lang="en-US" b="1" dirty="0"/>
-              <a:t>class</a:t>
-            </a:r>
-            <a:r>
-              <a:rPr lang="en-US" dirty="0"/>
-              <a:t> c1</a:t>
-            </a:r>
-          </a:p>
-          <a:p>
-            <a:pPr lvl="1"/>
-            <a:r>
-              <a:rPr lang="en-US" dirty="0" err="1"/>
-              <a:t>endclass</a:t>
-            </a:r>
-            <a:endParaRPr lang="en-US" dirty="0"/>
-          </a:p>
-          <a:p>
-            <a:pPr lvl="1"/>
-            <a:endParaRPr lang="en-US" dirty="0"/>
-          </a:p>
-          <a:p>
-            <a:pPr lvl="1"/>
-            <a:r>
-              <a:rPr lang="en-US" b="1" dirty="0"/>
-              <a:t>interface</a:t>
-            </a:r>
-            <a:r>
-              <a:rPr lang="en-US" dirty="0"/>
-              <a:t> i1();</a:t>
-            </a:r>
-          </a:p>
-          <a:p>
-            <a:pPr lvl="2"/>
-            <a:r>
-              <a:rPr lang="en-US" dirty="0"/>
-              <a:t>clocking</a:t>
-            </a:r>
-          </a:p>
-          <a:p>
-            <a:pPr lvl="2"/>
-            <a:endParaRPr lang="en-US" dirty="0"/>
-          </a:p>
-          <a:p>
-            <a:pPr lvl="2"/>
-            <a:r>
-              <a:rPr lang="en-US" dirty="0" err="1"/>
-              <a:t>endclocking</a:t>
-            </a:r>
-            <a:endParaRPr lang="en-US" dirty="0"/>
-          </a:p>
-          <a:p>
-            <a:pPr lvl="2"/>
-            <a:r>
-              <a:rPr lang="en-US" dirty="0" err="1"/>
-              <a:t>modport</a:t>
-            </a:r>
-            <a:r>
-              <a:rPr lang="en-US" dirty="0"/>
-              <a:t> m1;</a:t>
-            </a:r>
-          </a:p>
-          <a:p>
-            <a:pPr lvl="2"/>
-            <a:r>
-              <a:rPr lang="en-US" dirty="0" err="1"/>
-              <a:t>modport</a:t>
-            </a:r>
-            <a:r>
-              <a:rPr lang="en-US" dirty="0"/>
-              <a:t> m2;</a:t>
-            </a:r>
-          </a:p>
-          <a:p>
-            <a:pPr lvl="1"/>
-            <a:r>
-              <a:rPr lang="en-US" dirty="0" err="1"/>
-              <a:t>endinterface</a:t>
-            </a:r>
-            <a:r>
-              <a:rPr lang="en-US" dirty="0"/>
-              <a:t> </a:t>
-            </a:r>
-          </a:p>
-          <a:p>
-            <a:pPr lvl="1"/>
-            <a:endParaRPr lang="en-US" dirty="0"/>
-          </a:p>
-          <a:p>
-            <a:pPr lvl="1"/>
-            <a:r>
-              <a:rPr lang="en-US" b="1" dirty="0"/>
-              <a:t>interface</a:t>
-            </a:r>
-            <a:r>
-              <a:rPr lang="en-US" dirty="0"/>
-              <a:t> i2</a:t>
-            </a:r>
-          </a:p>
-          <a:p>
-            <a:pPr lvl="1"/>
-            <a:r>
-              <a:rPr lang="en-US" dirty="0" err="1"/>
-              <a:t>endinterface</a:t>
-            </a:r>
-            <a:r>
-              <a:rPr lang="en-US" dirty="0"/>
-              <a:t> </a:t>
-            </a:r>
-          </a:p>
-          <a:p>
-            <a:pPr lvl="1"/>
-            <a:endParaRPr lang="en-US" dirty="0"/>
-          </a:p>
-        </p:txBody>
-      </p:sp>
-    </p:spTree>
-    <p:extLst>
-      <p:ext uri="{BB962C8B-B14F-4D97-AF65-F5344CB8AC3E}">
-        <p14:creationId xmlns:p14="http://schemas.microsoft.com/office/powerpoint/2010/main" val="2960610283"/>
       </p:ext>
     </p:extLst>
   </p:cSld>
@@ -11843,7 +11384,7 @@
           <p:cNvPr id="2" name="Title 1">
             <a:extLst>
               <a:ext uri="{FF2B5EF4-FFF2-40B4-BE49-F238E27FC236}">
-                <a16:creationId xmlns:a16="http://schemas.microsoft.com/office/drawing/2014/main" id="{73D23E56-2C2B-BFB5-0308-AF09DD1B0B6B}"/>
+                <a16:creationId xmlns:a16="http://schemas.microsoft.com/office/drawing/2014/main" id="{5F881FD3-5F13-3C2B-4417-420DB3202461}"/>
               </a:ext>
             </a:extLst>
           </p:cNvPr>
@@ -11861,7 +11402,7 @@
           <a:p>
             <a:r>
               <a:rPr lang="en-US" dirty="0"/>
-              <a:t>lab07</a:t>
+              <a:t>lab09</a:t>
             </a:r>
           </a:p>
         </p:txBody>
@@ -11871,7 +11412,7 @@
           <p:cNvPr id="3" name="Content Placeholder 2">
             <a:extLst>
               <a:ext uri="{FF2B5EF4-FFF2-40B4-BE49-F238E27FC236}">
-                <a16:creationId xmlns:a16="http://schemas.microsoft.com/office/drawing/2014/main" id="{2657A5E9-1614-2F41-5306-EC564139BD28}"/>
+                <a16:creationId xmlns:a16="http://schemas.microsoft.com/office/drawing/2014/main" id="{C9E3DA7D-CF3B-971E-F419-BEDAC7C6869A}"/>
               </a:ext>
             </a:extLst>
           </p:cNvPr>
@@ -11882,11 +11423,20 @@
             <p:ph idx="1"/>
           </p:nvPr>
         </p:nvSpPr>
-        <p:spPr/>
+        <p:spPr>
+          <a:xfrm>
+            <a:off x="590204" y="1064030"/>
+            <a:ext cx="3058518" cy="2601884"/>
+          </a:xfrm>
+        </p:spPr>
         <p:txBody>
           <a:bodyPr/>
           <a:lstStyle/>
           <a:p>
+            <a:r>
+              <a:rPr lang="en-US" dirty="0" err="1"/>
+              <a:t>verilog</a:t>
+            </a:r>
             <a:endParaRPr lang="en-US" dirty="0"/>
           </a:p>
         </p:txBody>
@@ -11896,7 +11446,7 @@
           <p:cNvPr id="4" name="Slide Number Placeholder 3">
             <a:extLst>
               <a:ext uri="{FF2B5EF4-FFF2-40B4-BE49-F238E27FC236}">
-                <a16:creationId xmlns:a16="http://schemas.microsoft.com/office/drawing/2014/main" id="{620C5C59-E1CB-4945-C254-D59DA973D96B}"/>
+                <a16:creationId xmlns:a16="http://schemas.microsoft.com/office/drawing/2014/main" id="{323CBED7-26D9-2476-833B-76E80BDCCDF2}"/>
               </a:ext>
             </a:extLst>
           </p:cNvPr>
@@ -11920,163 +11470,737 @@
           </a:p>
         </p:txBody>
       </p:sp>
-      <p:sp>
-        <p:nvSpPr>
-          <p:cNvPr id="5" name="Rectangle 4">
-            <a:extLst>
-              <a:ext uri="{FF2B5EF4-FFF2-40B4-BE49-F238E27FC236}">
-                <a16:creationId xmlns:a16="http://schemas.microsoft.com/office/drawing/2014/main" id="{A0C37854-5741-B17F-49C0-014563D0D4E0}"/>
-              </a:ext>
-            </a:extLst>
-          </p:cNvPr>
-          <p:cNvSpPr/>
+      <p:pic>
+        <p:nvPicPr>
+          <p:cNvPr id="6" name="Picture 5">
+            <a:extLst>
+              <a:ext uri="{FF2B5EF4-FFF2-40B4-BE49-F238E27FC236}">
+                <a16:creationId xmlns:a16="http://schemas.microsoft.com/office/drawing/2014/main" id="{B33452A6-CA57-6AE9-AB6E-8A8377687AE2}"/>
+              </a:ext>
+            </a:extLst>
+          </p:cNvPr>
+          <p:cNvPicPr>
+            <a:picLocks noChangeAspect="1"/>
+          </p:cNvPicPr>
           <p:nvPr/>
-        </p:nvSpPr>
+        </p:nvPicPr>
+        <p:blipFill>
+          <a:blip r:embed="rId2"/>
+          <a:stretch>
+            <a:fillRect/>
+          </a:stretch>
+        </p:blipFill>
         <p:spPr>
           <a:xfrm>
-            <a:off x="2614862" y="1064029"/>
-            <a:ext cx="5995737" cy="3828813"/>
+            <a:off x="660919" y="1760924"/>
+            <a:ext cx="2644192" cy="4418144"/>
           </a:xfrm>
           <a:prstGeom prst="rect">
             <a:avLst/>
           </a:prstGeom>
         </p:spPr>
-        <p:style>
-          <a:lnRef idx="2">
-            <a:schemeClr val="accent1">
-              <a:shade val="50000"/>
-            </a:schemeClr>
-          </a:lnRef>
-          <a:fillRef idx="1">
-            <a:schemeClr val="accent1"/>
-          </a:fillRef>
-          <a:effectRef idx="0">
-            <a:schemeClr val="accent1"/>
-          </a:effectRef>
-          <a:fontRef idx="minor">
-            <a:schemeClr val="lt1"/>
-          </a:fontRef>
-        </p:style>
+      </p:pic>
+      <p:sp>
+        <p:nvSpPr>
+          <p:cNvPr id="7" name="Content Placeholder 2">
+            <a:extLst>
+              <a:ext uri="{FF2B5EF4-FFF2-40B4-BE49-F238E27FC236}">
+                <a16:creationId xmlns:a16="http://schemas.microsoft.com/office/drawing/2014/main" id="{17D17AFA-9427-1D90-8EDD-A53998DD4F9E}"/>
+              </a:ext>
+            </a:extLst>
+          </p:cNvPr>
+          <p:cNvSpPr txBox="1">
+            <a:spLocks/>
+          </p:cNvSpPr>
+          <p:nvPr/>
+        </p:nvSpPr>
+        <p:spPr>
+          <a:xfrm>
+            <a:off x="4566741" y="1064030"/>
+            <a:ext cx="3058518" cy="480685"/>
+          </a:xfrm>
+          <a:prstGeom prst="rect">
+            <a:avLst/>
+          </a:prstGeom>
+        </p:spPr>
         <p:txBody>
-          <a:bodyPr rtlCol="0" anchor="ctr"/>
-          <a:lstStyle/>
-          <a:p>
-            <a:pPr algn="ctr"/>
-            <a:r>
-              <a:rPr lang="en-US" dirty="0"/>
-              <a:t>module top</a:t>
-            </a:r>
+          <a:bodyPr vert="horz" lIns="91440" tIns="45720" rIns="91440" bIns="45720" rtlCol="0">
+            <a:normAutofit/>
+          </a:bodyPr>
+          <a:lstStyle>
+            <a:lvl1pPr marL="228600" indent="-228600" algn="l" defTabSz="914400" rtl="0" eaLnBrk="1" latinLnBrk="0" hangingPunct="1">
+              <a:lnSpc>
+                <a:spcPct val="90000"/>
+              </a:lnSpc>
+              <a:spcBef>
+                <a:spcPts val="1000"/>
+              </a:spcBef>
+              <a:buFont typeface="Arial" panose="020B0604020202020204" pitchFamily="34" charset="0"/>
+              <a:buChar char="•"/>
+              <a:defRPr sz="1400" kern="1200">
+                <a:solidFill>
+                  <a:schemeClr val="tx1"/>
+                </a:solidFill>
+                <a:latin typeface="+mn-lt"/>
+                <a:ea typeface="+mn-ea"/>
+                <a:cs typeface="+mn-cs"/>
+              </a:defRPr>
+            </a:lvl1pPr>
+            <a:lvl2pPr marL="685800" indent="-228600" algn="l" defTabSz="914400" rtl="0" eaLnBrk="1" latinLnBrk="0" hangingPunct="1">
+              <a:lnSpc>
+                <a:spcPct val="90000"/>
+              </a:lnSpc>
+              <a:spcBef>
+                <a:spcPts val="500"/>
+              </a:spcBef>
+              <a:buFont typeface="Arial" panose="020B0604020202020204" pitchFamily="34" charset="0"/>
+              <a:buChar char="•"/>
+              <a:defRPr sz="1200" kern="1200">
+                <a:solidFill>
+                  <a:schemeClr val="tx1"/>
+                </a:solidFill>
+                <a:latin typeface="+mn-lt"/>
+                <a:ea typeface="+mn-ea"/>
+                <a:cs typeface="+mn-cs"/>
+              </a:defRPr>
+            </a:lvl2pPr>
+            <a:lvl3pPr marL="1143000" indent="-228600" algn="l" defTabSz="914400" rtl="0" eaLnBrk="1" latinLnBrk="0" hangingPunct="1">
+              <a:lnSpc>
+                <a:spcPct val="90000"/>
+              </a:lnSpc>
+              <a:spcBef>
+                <a:spcPts val="500"/>
+              </a:spcBef>
+              <a:buFont typeface="Arial" panose="020B0604020202020204" pitchFamily="34" charset="0"/>
+              <a:buChar char="•"/>
+              <a:defRPr sz="1200" kern="1200">
+                <a:solidFill>
+                  <a:schemeClr val="tx1"/>
+                </a:solidFill>
+                <a:latin typeface="+mn-lt"/>
+                <a:ea typeface="+mn-ea"/>
+                <a:cs typeface="+mn-cs"/>
+              </a:defRPr>
+            </a:lvl3pPr>
+            <a:lvl4pPr marL="1600200" indent="-228600" algn="l" defTabSz="914400" rtl="0" eaLnBrk="1" latinLnBrk="0" hangingPunct="1">
+              <a:lnSpc>
+                <a:spcPct val="90000"/>
+              </a:lnSpc>
+              <a:spcBef>
+                <a:spcPts val="500"/>
+              </a:spcBef>
+              <a:buFont typeface="Arial" panose="020B0604020202020204" pitchFamily="34" charset="0"/>
+              <a:buChar char="•"/>
+              <a:defRPr sz="1200" kern="1200">
+                <a:solidFill>
+                  <a:schemeClr val="tx1"/>
+                </a:solidFill>
+                <a:latin typeface="+mn-lt"/>
+                <a:ea typeface="+mn-ea"/>
+                <a:cs typeface="+mn-cs"/>
+              </a:defRPr>
+            </a:lvl4pPr>
+            <a:lvl5pPr marL="2057400" indent="-228600" algn="l" defTabSz="914400" rtl="0" eaLnBrk="1" latinLnBrk="0" hangingPunct="1">
+              <a:lnSpc>
+                <a:spcPct val="90000"/>
+              </a:lnSpc>
+              <a:spcBef>
+                <a:spcPts val="500"/>
+              </a:spcBef>
+              <a:buFont typeface="Arial" panose="020B0604020202020204" pitchFamily="34" charset="0"/>
+              <a:buChar char="•"/>
+              <a:defRPr sz="1200" kern="1200">
+                <a:solidFill>
+                  <a:schemeClr val="tx1"/>
+                </a:solidFill>
+                <a:latin typeface="+mn-lt"/>
+                <a:ea typeface="+mn-ea"/>
+                <a:cs typeface="+mn-cs"/>
+              </a:defRPr>
+            </a:lvl5pPr>
+            <a:lvl6pPr marL="2514600" indent="-228600" algn="l" defTabSz="914400" rtl="0" eaLnBrk="1" latinLnBrk="0" hangingPunct="1">
+              <a:lnSpc>
+                <a:spcPct val="90000"/>
+              </a:lnSpc>
+              <a:spcBef>
+                <a:spcPts val="500"/>
+              </a:spcBef>
+              <a:buFont typeface="Arial" panose="020B0604020202020204" pitchFamily="34" charset="0"/>
+              <a:buChar char="•"/>
+              <a:defRPr sz="1800" kern="1200">
+                <a:solidFill>
+                  <a:schemeClr val="tx1"/>
+                </a:solidFill>
+                <a:latin typeface="+mn-lt"/>
+                <a:ea typeface="+mn-ea"/>
+                <a:cs typeface="+mn-cs"/>
+              </a:defRPr>
+            </a:lvl6pPr>
+            <a:lvl7pPr marL="2971800" indent="-228600" algn="l" defTabSz="914400" rtl="0" eaLnBrk="1" latinLnBrk="0" hangingPunct="1">
+              <a:lnSpc>
+                <a:spcPct val="90000"/>
+              </a:lnSpc>
+              <a:spcBef>
+                <a:spcPts val="500"/>
+              </a:spcBef>
+              <a:buFont typeface="Arial" panose="020B0604020202020204" pitchFamily="34" charset="0"/>
+              <a:buChar char="•"/>
+              <a:defRPr sz="1800" kern="1200">
+                <a:solidFill>
+                  <a:schemeClr val="tx1"/>
+                </a:solidFill>
+                <a:latin typeface="+mn-lt"/>
+                <a:ea typeface="+mn-ea"/>
+                <a:cs typeface="+mn-cs"/>
+              </a:defRPr>
+            </a:lvl7pPr>
+            <a:lvl8pPr marL="3429000" indent="-228600" algn="l" defTabSz="914400" rtl="0" eaLnBrk="1" latinLnBrk="0" hangingPunct="1">
+              <a:lnSpc>
+                <a:spcPct val="90000"/>
+              </a:lnSpc>
+              <a:spcBef>
+                <a:spcPts val="500"/>
+              </a:spcBef>
+              <a:buFont typeface="Arial" panose="020B0604020202020204" pitchFamily="34" charset="0"/>
+              <a:buChar char="•"/>
+              <a:defRPr sz="1800" kern="1200">
+                <a:solidFill>
+                  <a:schemeClr val="tx1"/>
+                </a:solidFill>
+                <a:latin typeface="+mn-lt"/>
+                <a:ea typeface="+mn-ea"/>
+                <a:cs typeface="+mn-cs"/>
+              </a:defRPr>
+            </a:lvl8pPr>
+            <a:lvl9pPr marL="3886200" indent="-228600" algn="l" defTabSz="914400" rtl="0" eaLnBrk="1" latinLnBrk="0" hangingPunct="1">
+              <a:lnSpc>
+                <a:spcPct val="90000"/>
+              </a:lnSpc>
+              <a:spcBef>
+                <a:spcPts val="500"/>
+              </a:spcBef>
+              <a:buFont typeface="Arial" panose="020B0604020202020204" pitchFamily="34" charset="0"/>
+              <a:buChar char="•"/>
+              <a:defRPr sz="1800" kern="1200">
+                <a:solidFill>
+                  <a:schemeClr val="tx1"/>
+                </a:solidFill>
+                <a:latin typeface="+mn-lt"/>
+                <a:ea typeface="+mn-ea"/>
+                <a:cs typeface="+mn-cs"/>
+              </a:defRPr>
+            </a:lvl9pPr>
+          </a:lstStyle>
+          <a:p>
+            <a:r>
+              <a:rPr lang="en-US" dirty="0" err="1"/>
+              <a:t>systemverilog</a:t>
+            </a:r>
+            <a:endParaRPr lang="en-US" dirty="0"/>
           </a:p>
         </p:txBody>
       </p:sp>
       <p:sp>
         <p:nvSpPr>
-          <p:cNvPr id="6" name="Rectangle 5">
-            <a:extLst>
-              <a:ext uri="{FF2B5EF4-FFF2-40B4-BE49-F238E27FC236}">
-                <a16:creationId xmlns:a16="http://schemas.microsoft.com/office/drawing/2014/main" id="{491B9DA3-B60C-67D1-B7B5-83EF9630BACD}"/>
-              </a:ext>
-            </a:extLst>
-          </p:cNvPr>
-          <p:cNvSpPr/>
+          <p:cNvPr id="8" name="Content Placeholder 2">
+            <a:extLst>
+              <a:ext uri="{FF2B5EF4-FFF2-40B4-BE49-F238E27FC236}">
+                <a16:creationId xmlns:a16="http://schemas.microsoft.com/office/drawing/2014/main" id="{F4833448-CAB3-1E6D-A1FF-6E20D892A1E9}"/>
+              </a:ext>
+            </a:extLst>
+          </p:cNvPr>
+          <p:cNvSpPr txBox="1">
+            <a:spLocks/>
+          </p:cNvSpPr>
           <p:nvPr/>
         </p:nvSpPr>
         <p:spPr>
           <a:xfrm>
-            <a:off x="5405899" y="1374232"/>
-            <a:ext cx="2873829" cy="637817"/>
+            <a:off x="4566741" y="3524437"/>
+            <a:ext cx="3058518" cy="2601884"/>
           </a:xfrm>
           <a:prstGeom prst="rect">
             <a:avLst/>
           </a:prstGeom>
-          <a:solidFill>
-            <a:schemeClr val="accent2"/>
-          </a:solidFill>
         </p:spPr>
-        <p:style>
-          <a:lnRef idx="2">
-            <a:schemeClr val="accent1">
-              <a:shade val="50000"/>
-            </a:schemeClr>
-          </a:lnRef>
-          <a:fillRef idx="1">
-            <a:schemeClr val="accent1"/>
-          </a:fillRef>
-          <a:effectRef idx="0">
-            <a:schemeClr val="accent1"/>
-          </a:effectRef>
-          <a:fontRef idx="minor">
-            <a:schemeClr val="lt1"/>
-          </a:fontRef>
-        </p:style>
         <p:txBody>
-          <a:bodyPr rtlCol="0" anchor="ctr"/>
-          <a:lstStyle/>
-          <a:p>
-            <a:pPr algn="ctr"/>
-            <a:r>
-              <a:rPr lang="en-US" dirty="0"/>
-              <a:t>testbench (tb)</a:t>
-            </a:r>
+          <a:bodyPr vert="horz" lIns="91440" tIns="45720" rIns="91440" bIns="45720" rtlCol="0">
+            <a:normAutofit/>
+          </a:bodyPr>
+          <a:lstStyle>
+            <a:lvl1pPr marL="228600" indent="-228600" algn="l" defTabSz="914400" rtl="0" eaLnBrk="1" latinLnBrk="0" hangingPunct="1">
+              <a:lnSpc>
+                <a:spcPct val="90000"/>
+              </a:lnSpc>
+              <a:spcBef>
+                <a:spcPts val="1000"/>
+              </a:spcBef>
+              <a:buFont typeface="Arial" panose="020B0604020202020204" pitchFamily="34" charset="0"/>
+              <a:buChar char="•"/>
+              <a:defRPr sz="1400" kern="1200">
+                <a:solidFill>
+                  <a:schemeClr val="tx1"/>
+                </a:solidFill>
+                <a:latin typeface="+mn-lt"/>
+                <a:ea typeface="+mn-ea"/>
+                <a:cs typeface="+mn-cs"/>
+              </a:defRPr>
+            </a:lvl1pPr>
+            <a:lvl2pPr marL="685800" indent="-228600" algn="l" defTabSz="914400" rtl="0" eaLnBrk="1" latinLnBrk="0" hangingPunct="1">
+              <a:lnSpc>
+                <a:spcPct val="90000"/>
+              </a:lnSpc>
+              <a:spcBef>
+                <a:spcPts val="500"/>
+              </a:spcBef>
+              <a:buFont typeface="Arial" panose="020B0604020202020204" pitchFamily="34" charset="0"/>
+              <a:buChar char="•"/>
+              <a:defRPr sz="1200" kern="1200">
+                <a:solidFill>
+                  <a:schemeClr val="tx1"/>
+                </a:solidFill>
+                <a:latin typeface="+mn-lt"/>
+                <a:ea typeface="+mn-ea"/>
+                <a:cs typeface="+mn-cs"/>
+              </a:defRPr>
+            </a:lvl2pPr>
+            <a:lvl3pPr marL="1143000" indent="-228600" algn="l" defTabSz="914400" rtl="0" eaLnBrk="1" latinLnBrk="0" hangingPunct="1">
+              <a:lnSpc>
+                <a:spcPct val="90000"/>
+              </a:lnSpc>
+              <a:spcBef>
+                <a:spcPts val="500"/>
+              </a:spcBef>
+              <a:buFont typeface="Arial" panose="020B0604020202020204" pitchFamily="34" charset="0"/>
+              <a:buChar char="•"/>
+              <a:defRPr sz="1200" kern="1200">
+                <a:solidFill>
+                  <a:schemeClr val="tx1"/>
+                </a:solidFill>
+                <a:latin typeface="+mn-lt"/>
+                <a:ea typeface="+mn-ea"/>
+                <a:cs typeface="+mn-cs"/>
+              </a:defRPr>
+            </a:lvl3pPr>
+            <a:lvl4pPr marL="1600200" indent="-228600" algn="l" defTabSz="914400" rtl="0" eaLnBrk="1" latinLnBrk="0" hangingPunct="1">
+              <a:lnSpc>
+                <a:spcPct val="90000"/>
+              </a:lnSpc>
+              <a:spcBef>
+                <a:spcPts val="500"/>
+              </a:spcBef>
+              <a:buFont typeface="Arial" panose="020B0604020202020204" pitchFamily="34" charset="0"/>
+              <a:buChar char="•"/>
+              <a:defRPr sz="1200" kern="1200">
+                <a:solidFill>
+                  <a:schemeClr val="tx1"/>
+                </a:solidFill>
+                <a:latin typeface="+mn-lt"/>
+                <a:ea typeface="+mn-ea"/>
+                <a:cs typeface="+mn-cs"/>
+              </a:defRPr>
+            </a:lvl4pPr>
+            <a:lvl5pPr marL="2057400" indent="-228600" algn="l" defTabSz="914400" rtl="0" eaLnBrk="1" latinLnBrk="0" hangingPunct="1">
+              <a:lnSpc>
+                <a:spcPct val="90000"/>
+              </a:lnSpc>
+              <a:spcBef>
+                <a:spcPts val="500"/>
+              </a:spcBef>
+              <a:buFont typeface="Arial" panose="020B0604020202020204" pitchFamily="34" charset="0"/>
+              <a:buChar char="•"/>
+              <a:defRPr sz="1200" kern="1200">
+                <a:solidFill>
+                  <a:schemeClr val="tx1"/>
+                </a:solidFill>
+                <a:latin typeface="+mn-lt"/>
+                <a:ea typeface="+mn-ea"/>
+                <a:cs typeface="+mn-cs"/>
+              </a:defRPr>
+            </a:lvl5pPr>
+            <a:lvl6pPr marL="2514600" indent="-228600" algn="l" defTabSz="914400" rtl="0" eaLnBrk="1" latinLnBrk="0" hangingPunct="1">
+              <a:lnSpc>
+                <a:spcPct val="90000"/>
+              </a:lnSpc>
+              <a:spcBef>
+                <a:spcPts val="500"/>
+              </a:spcBef>
+              <a:buFont typeface="Arial" panose="020B0604020202020204" pitchFamily="34" charset="0"/>
+              <a:buChar char="•"/>
+              <a:defRPr sz="1800" kern="1200">
+                <a:solidFill>
+                  <a:schemeClr val="tx1"/>
+                </a:solidFill>
+                <a:latin typeface="+mn-lt"/>
+                <a:ea typeface="+mn-ea"/>
+                <a:cs typeface="+mn-cs"/>
+              </a:defRPr>
+            </a:lvl6pPr>
+            <a:lvl7pPr marL="2971800" indent="-228600" algn="l" defTabSz="914400" rtl="0" eaLnBrk="1" latinLnBrk="0" hangingPunct="1">
+              <a:lnSpc>
+                <a:spcPct val="90000"/>
+              </a:lnSpc>
+              <a:spcBef>
+                <a:spcPts val="500"/>
+              </a:spcBef>
+              <a:buFont typeface="Arial" panose="020B0604020202020204" pitchFamily="34" charset="0"/>
+              <a:buChar char="•"/>
+              <a:defRPr sz="1800" kern="1200">
+                <a:solidFill>
+                  <a:schemeClr val="tx1"/>
+                </a:solidFill>
+                <a:latin typeface="+mn-lt"/>
+                <a:ea typeface="+mn-ea"/>
+                <a:cs typeface="+mn-cs"/>
+              </a:defRPr>
+            </a:lvl7pPr>
+            <a:lvl8pPr marL="3429000" indent="-228600" algn="l" defTabSz="914400" rtl="0" eaLnBrk="1" latinLnBrk="0" hangingPunct="1">
+              <a:lnSpc>
+                <a:spcPct val="90000"/>
+              </a:lnSpc>
+              <a:spcBef>
+                <a:spcPts val="500"/>
+              </a:spcBef>
+              <a:buFont typeface="Arial" panose="020B0604020202020204" pitchFamily="34" charset="0"/>
+              <a:buChar char="•"/>
+              <a:defRPr sz="1800" kern="1200">
+                <a:solidFill>
+                  <a:schemeClr val="tx1"/>
+                </a:solidFill>
+                <a:latin typeface="+mn-lt"/>
+                <a:ea typeface="+mn-ea"/>
+                <a:cs typeface="+mn-cs"/>
+              </a:defRPr>
+            </a:lvl8pPr>
+            <a:lvl9pPr marL="3886200" indent="-228600" algn="l" defTabSz="914400" rtl="0" eaLnBrk="1" latinLnBrk="0" hangingPunct="1">
+              <a:lnSpc>
+                <a:spcPct val="90000"/>
+              </a:lnSpc>
+              <a:spcBef>
+                <a:spcPts val="500"/>
+              </a:spcBef>
+              <a:buFont typeface="Arial" panose="020B0604020202020204" pitchFamily="34" charset="0"/>
+              <a:buChar char="•"/>
+              <a:defRPr sz="1800" kern="1200">
+                <a:solidFill>
+                  <a:schemeClr val="tx1"/>
+                </a:solidFill>
+                <a:latin typeface="+mn-lt"/>
+                <a:ea typeface="+mn-ea"/>
+                <a:cs typeface="+mn-cs"/>
+              </a:defRPr>
+            </a:lvl9pPr>
+          </a:lstStyle>
+          <a:p>
+            <a:r>
+              <a:rPr lang="en-US" dirty="0" err="1"/>
+              <a:t>always_</a:t>
+            </a:r>
+            <a:r>
+              <a:rPr lang="en-US" b="1" dirty="0" err="1"/>
+              <a:t>ff</a:t>
+            </a:r>
+            <a:r>
+              <a:rPr lang="en-US" dirty="0"/>
+              <a:t>@(posedge </a:t>
+            </a:r>
+            <a:r>
+              <a:rPr lang="en-US" dirty="0" err="1"/>
+              <a:t>clk</a:t>
+            </a:r>
+            <a:r>
+              <a:rPr lang="en-US" dirty="0"/>
+              <a:t>) begin</a:t>
+            </a:r>
+          </a:p>
+          <a:p>
+            <a:pPr lvl="1"/>
+            <a:r>
+              <a:rPr lang="en-US" dirty="0"/>
+              <a:t>…</a:t>
+            </a:r>
+          </a:p>
+          <a:p>
+            <a:r>
+              <a:rPr lang="en-US" dirty="0"/>
+              <a:t>end</a:t>
+            </a:r>
+          </a:p>
+          <a:p>
+            <a:endParaRPr lang="en-US" dirty="0"/>
+          </a:p>
+          <a:p>
+            <a:endParaRPr lang="en-US" dirty="0"/>
+          </a:p>
+          <a:p>
+            <a:r>
+              <a:rPr lang="en-US" dirty="0" err="1"/>
+              <a:t>always_</a:t>
+            </a:r>
+            <a:r>
+              <a:rPr lang="en-US" b="1" dirty="0" err="1"/>
+              <a:t>comb</a:t>
+            </a:r>
+            <a:r>
+              <a:rPr lang="en-US" dirty="0"/>
+              <a:t>@(a or b or c) begin</a:t>
+            </a:r>
+          </a:p>
+          <a:p>
+            <a:pPr lvl="1"/>
+            <a:r>
+              <a:rPr lang="en-US" dirty="0"/>
+              <a:t>out1 = a &amp; b &amp; c;</a:t>
+            </a:r>
+          </a:p>
+          <a:p>
+            <a:r>
+              <a:rPr lang="en-US" dirty="0"/>
+              <a:t>end</a:t>
+            </a:r>
+          </a:p>
+          <a:p>
+            <a:endParaRPr lang="en-US" dirty="0"/>
           </a:p>
         </p:txBody>
       </p:sp>
       <p:sp>
         <p:nvSpPr>
-          <p:cNvPr id="7" name="Rectangle 6">
-            <a:extLst>
-              <a:ext uri="{FF2B5EF4-FFF2-40B4-BE49-F238E27FC236}">
-                <a16:creationId xmlns:a16="http://schemas.microsoft.com/office/drawing/2014/main" id="{461C591A-42CD-7A14-F811-B1144809831E}"/>
-              </a:ext>
-            </a:extLst>
-          </p:cNvPr>
-          <p:cNvSpPr/>
+          <p:cNvPr id="9" name="Content Placeholder 2">
+            <a:extLst>
+              <a:ext uri="{FF2B5EF4-FFF2-40B4-BE49-F238E27FC236}">
+                <a16:creationId xmlns:a16="http://schemas.microsoft.com/office/drawing/2014/main" id="{2BC83A63-7D87-AD28-FD57-0BB3859E289E}"/>
+              </a:ext>
+            </a:extLst>
+          </p:cNvPr>
+          <p:cNvSpPr txBox="1">
+            <a:spLocks/>
+          </p:cNvSpPr>
           <p:nvPr/>
         </p:nvSpPr>
         <p:spPr>
           <a:xfrm>
-            <a:off x="5405899" y="3960469"/>
-            <a:ext cx="2873829" cy="637817"/>
+            <a:off x="8295282" y="3524437"/>
+            <a:ext cx="3058518" cy="2601884"/>
           </a:xfrm>
           <a:prstGeom prst="rect">
             <a:avLst/>
           </a:prstGeom>
-          <a:solidFill>
-            <a:schemeClr val="accent2"/>
-          </a:solidFill>
         </p:spPr>
-        <p:style>
-          <a:lnRef idx="2">
-            <a:schemeClr val="accent1">
-              <a:shade val="50000"/>
-            </a:schemeClr>
-          </a:lnRef>
-          <a:fillRef idx="1">
-            <a:schemeClr val="accent1"/>
-          </a:fillRef>
-          <a:effectRef idx="0">
-            <a:schemeClr val="accent1"/>
-          </a:effectRef>
-          <a:fontRef idx="minor">
-            <a:schemeClr val="lt1"/>
-          </a:fontRef>
-        </p:style>
         <p:txBody>
-          <a:bodyPr rtlCol="0" anchor="ctr"/>
-          <a:lstStyle/>
-          <a:p>
-            <a:pPr algn="ctr"/>
-            <a:r>
-              <a:rPr lang="en-US" dirty="0"/>
-              <a:t>device under test (</a:t>
-            </a:r>
+          <a:bodyPr vert="horz" lIns="91440" tIns="45720" rIns="91440" bIns="45720" rtlCol="0">
+            <a:normAutofit/>
+          </a:bodyPr>
+          <a:lstStyle>
+            <a:lvl1pPr marL="228600" indent="-228600" algn="l" defTabSz="914400" rtl="0" eaLnBrk="1" latinLnBrk="0" hangingPunct="1">
+              <a:lnSpc>
+                <a:spcPct val="90000"/>
+              </a:lnSpc>
+              <a:spcBef>
+                <a:spcPts val="1000"/>
+              </a:spcBef>
+              <a:buFont typeface="Arial" panose="020B0604020202020204" pitchFamily="34" charset="0"/>
+              <a:buChar char="•"/>
+              <a:defRPr sz="1400" kern="1200">
+                <a:solidFill>
+                  <a:schemeClr val="tx1"/>
+                </a:solidFill>
+                <a:latin typeface="+mn-lt"/>
+                <a:ea typeface="+mn-ea"/>
+                <a:cs typeface="+mn-cs"/>
+              </a:defRPr>
+            </a:lvl1pPr>
+            <a:lvl2pPr marL="685800" indent="-228600" algn="l" defTabSz="914400" rtl="0" eaLnBrk="1" latinLnBrk="0" hangingPunct="1">
+              <a:lnSpc>
+                <a:spcPct val="90000"/>
+              </a:lnSpc>
+              <a:spcBef>
+                <a:spcPts val="500"/>
+              </a:spcBef>
+              <a:buFont typeface="Arial" panose="020B0604020202020204" pitchFamily="34" charset="0"/>
+              <a:buChar char="•"/>
+              <a:defRPr sz="1200" kern="1200">
+                <a:solidFill>
+                  <a:schemeClr val="tx1"/>
+                </a:solidFill>
+                <a:latin typeface="+mn-lt"/>
+                <a:ea typeface="+mn-ea"/>
+                <a:cs typeface="+mn-cs"/>
+              </a:defRPr>
+            </a:lvl2pPr>
+            <a:lvl3pPr marL="1143000" indent="-228600" algn="l" defTabSz="914400" rtl="0" eaLnBrk="1" latinLnBrk="0" hangingPunct="1">
+              <a:lnSpc>
+                <a:spcPct val="90000"/>
+              </a:lnSpc>
+              <a:spcBef>
+                <a:spcPts val="500"/>
+              </a:spcBef>
+              <a:buFont typeface="Arial" panose="020B0604020202020204" pitchFamily="34" charset="0"/>
+              <a:buChar char="•"/>
+              <a:defRPr sz="1200" kern="1200">
+                <a:solidFill>
+                  <a:schemeClr val="tx1"/>
+                </a:solidFill>
+                <a:latin typeface="+mn-lt"/>
+                <a:ea typeface="+mn-ea"/>
+                <a:cs typeface="+mn-cs"/>
+              </a:defRPr>
+            </a:lvl3pPr>
+            <a:lvl4pPr marL="1600200" indent="-228600" algn="l" defTabSz="914400" rtl="0" eaLnBrk="1" latinLnBrk="0" hangingPunct="1">
+              <a:lnSpc>
+                <a:spcPct val="90000"/>
+              </a:lnSpc>
+              <a:spcBef>
+                <a:spcPts val="500"/>
+              </a:spcBef>
+              <a:buFont typeface="Arial" panose="020B0604020202020204" pitchFamily="34" charset="0"/>
+              <a:buChar char="•"/>
+              <a:defRPr sz="1200" kern="1200">
+                <a:solidFill>
+                  <a:schemeClr val="tx1"/>
+                </a:solidFill>
+                <a:latin typeface="+mn-lt"/>
+                <a:ea typeface="+mn-ea"/>
+                <a:cs typeface="+mn-cs"/>
+              </a:defRPr>
+            </a:lvl4pPr>
+            <a:lvl5pPr marL="2057400" indent="-228600" algn="l" defTabSz="914400" rtl="0" eaLnBrk="1" latinLnBrk="0" hangingPunct="1">
+              <a:lnSpc>
+                <a:spcPct val="90000"/>
+              </a:lnSpc>
+              <a:spcBef>
+                <a:spcPts val="500"/>
+              </a:spcBef>
+              <a:buFont typeface="Arial" panose="020B0604020202020204" pitchFamily="34" charset="0"/>
+              <a:buChar char="•"/>
+              <a:defRPr sz="1200" kern="1200">
+                <a:solidFill>
+                  <a:schemeClr val="tx1"/>
+                </a:solidFill>
+                <a:latin typeface="+mn-lt"/>
+                <a:ea typeface="+mn-ea"/>
+                <a:cs typeface="+mn-cs"/>
+              </a:defRPr>
+            </a:lvl5pPr>
+            <a:lvl6pPr marL="2514600" indent="-228600" algn="l" defTabSz="914400" rtl="0" eaLnBrk="1" latinLnBrk="0" hangingPunct="1">
+              <a:lnSpc>
+                <a:spcPct val="90000"/>
+              </a:lnSpc>
+              <a:spcBef>
+                <a:spcPts val="500"/>
+              </a:spcBef>
+              <a:buFont typeface="Arial" panose="020B0604020202020204" pitchFamily="34" charset="0"/>
+              <a:buChar char="•"/>
+              <a:defRPr sz="1800" kern="1200">
+                <a:solidFill>
+                  <a:schemeClr val="tx1"/>
+                </a:solidFill>
+                <a:latin typeface="+mn-lt"/>
+                <a:ea typeface="+mn-ea"/>
+                <a:cs typeface="+mn-cs"/>
+              </a:defRPr>
+            </a:lvl6pPr>
+            <a:lvl7pPr marL="2971800" indent="-228600" algn="l" defTabSz="914400" rtl="0" eaLnBrk="1" latinLnBrk="0" hangingPunct="1">
+              <a:lnSpc>
+                <a:spcPct val="90000"/>
+              </a:lnSpc>
+              <a:spcBef>
+                <a:spcPts val="500"/>
+              </a:spcBef>
+              <a:buFont typeface="Arial" panose="020B0604020202020204" pitchFamily="34" charset="0"/>
+              <a:buChar char="•"/>
+              <a:defRPr sz="1800" kern="1200">
+                <a:solidFill>
+                  <a:schemeClr val="tx1"/>
+                </a:solidFill>
+                <a:latin typeface="+mn-lt"/>
+                <a:ea typeface="+mn-ea"/>
+                <a:cs typeface="+mn-cs"/>
+              </a:defRPr>
+            </a:lvl7pPr>
+            <a:lvl8pPr marL="3429000" indent="-228600" algn="l" defTabSz="914400" rtl="0" eaLnBrk="1" latinLnBrk="0" hangingPunct="1">
+              <a:lnSpc>
+                <a:spcPct val="90000"/>
+              </a:lnSpc>
+              <a:spcBef>
+                <a:spcPts val="500"/>
+              </a:spcBef>
+              <a:buFont typeface="Arial" panose="020B0604020202020204" pitchFamily="34" charset="0"/>
+              <a:buChar char="•"/>
+              <a:defRPr sz="1800" kern="1200">
+                <a:solidFill>
+                  <a:schemeClr val="tx1"/>
+                </a:solidFill>
+                <a:latin typeface="+mn-lt"/>
+                <a:ea typeface="+mn-ea"/>
+                <a:cs typeface="+mn-cs"/>
+              </a:defRPr>
+            </a:lvl8pPr>
+            <a:lvl9pPr marL="3886200" indent="-228600" algn="l" defTabSz="914400" rtl="0" eaLnBrk="1" latinLnBrk="0" hangingPunct="1">
+              <a:lnSpc>
+                <a:spcPct val="90000"/>
+              </a:lnSpc>
+              <a:spcBef>
+                <a:spcPts val="500"/>
+              </a:spcBef>
+              <a:buFont typeface="Arial" panose="020B0604020202020204" pitchFamily="34" charset="0"/>
+              <a:buChar char="•"/>
+              <a:defRPr sz="1800" kern="1200">
+                <a:solidFill>
+                  <a:schemeClr val="tx1"/>
+                </a:solidFill>
+                <a:latin typeface="+mn-lt"/>
+                <a:ea typeface="+mn-ea"/>
+                <a:cs typeface="+mn-cs"/>
+              </a:defRPr>
+            </a:lvl9pPr>
+          </a:lstStyle>
+          <a:p>
             <a:r>
               <a:rPr lang="en-US" dirty="0" err="1"/>
-              <a:t>dut</a:t>
-            </a:r>
-            <a:r>
-              <a:rPr lang="en-US" dirty="0"/>
-              <a:t>)</a:t>
+              <a:t>always_comb</a:t>
+            </a:r>
+            <a:r>
+              <a:rPr lang="en-US" dirty="0"/>
+              <a:t>@(</a:t>
+            </a:r>
+            <a:r>
+              <a:rPr lang="en-US" b="1" dirty="0"/>
+              <a:t>posedge</a:t>
+            </a:r>
+            <a:r>
+              <a:rPr lang="en-US" dirty="0"/>
+              <a:t> </a:t>
+            </a:r>
+            <a:r>
+              <a:rPr lang="en-US" dirty="0" err="1"/>
+              <a:t>clk</a:t>
+            </a:r>
+            <a:r>
+              <a:rPr lang="en-US" dirty="0"/>
+              <a:t>) begin</a:t>
+            </a:r>
+          </a:p>
+          <a:p>
+            <a:pPr lvl="1"/>
+            <a:r>
+              <a:rPr lang="en-US" dirty="0"/>
+              <a:t>…</a:t>
+            </a:r>
+          </a:p>
+          <a:p>
+            <a:r>
+              <a:rPr lang="en-US" dirty="0"/>
+              <a:t>end</a:t>
+            </a:r>
+          </a:p>
+          <a:p>
+            <a:endParaRPr lang="en-US" dirty="0"/>
+          </a:p>
+          <a:p>
+            <a:r>
+              <a:rPr lang="en-US" dirty="0"/>
+              <a:t>=&gt; sim error, </a:t>
             </a:r>
           </a:p>
         </p:txBody>
@@ -12084,7 +12208,7 @@
     </p:spTree>
     <p:extLst>
       <p:ext uri="{BB962C8B-B14F-4D97-AF65-F5344CB8AC3E}">
-        <p14:creationId xmlns:p14="http://schemas.microsoft.com/office/powerpoint/2010/main" val="3878401024"/>
+        <p14:creationId xmlns:p14="http://schemas.microsoft.com/office/powerpoint/2010/main" val="40471721"/>
       </p:ext>
     </p:extLst>
   </p:cSld>

--- a/note.pptx
+++ b/note.pptx
@@ -687,7 +687,7 @@
   <pc:docChgLst>
     <pc:chgData name="Billy Lin" userId="05f35405-298c-473c-91f2-352ef9a130c9" providerId="ADAL" clId="{AB0BFEC8-14E9-4C61-B10E-456F41DF402E}"/>
     <pc:docChg chg="undo custSel addSld delSld modSld sldOrd">
-      <pc:chgData name="Billy Lin" userId="05f35405-298c-473c-91f2-352ef9a130c9" providerId="ADAL" clId="{AB0BFEC8-14E9-4C61-B10E-456F41DF402E}" dt="2024-04-22T07:05:00.703" v="1730" actId="26606"/>
+      <pc:chgData name="Billy Lin" userId="05f35405-298c-473c-91f2-352ef9a130c9" providerId="ADAL" clId="{AB0BFEC8-14E9-4C61-B10E-456F41DF402E}" dt="2024-05-02T13:00:08.499" v="1738" actId="2711"/>
       <pc:docMkLst>
         <pc:docMk/>
       </pc:docMkLst>
@@ -1735,7 +1735,7 @@
         </pc:cxnChg>
       </pc:sldChg>
       <pc:sldChg chg="addSp delSp modSp add mod">
-        <pc:chgData name="Billy Lin" userId="05f35405-298c-473c-91f2-352ef9a130c9" providerId="ADAL" clId="{AB0BFEC8-14E9-4C61-B10E-456F41DF402E}" dt="2024-04-22T06:58:36.934" v="1694" actId="1076"/>
+        <pc:chgData name="Billy Lin" userId="05f35405-298c-473c-91f2-352ef9a130c9" providerId="ADAL" clId="{AB0BFEC8-14E9-4C61-B10E-456F41DF402E}" dt="2024-05-02T13:00:08.499" v="1738" actId="2711"/>
         <pc:sldMkLst>
           <pc:docMk/>
           <pc:sldMk cId="315012207" sldId="6955"/>
@@ -1757,7 +1757,7 @@
           </ac:spMkLst>
         </pc:spChg>
         <pc:spChg chg="add mod">
-          <ac:chgData name="Billy Lin" userId="05f35405-298c-473c-91f2-352ef9a130c9" providerId="ADAL" clId="{AB0BFEC8-14E9-4C61-B10E-456F41DF402E}" dt="2024-04-22T06:58:30.006" v="1691"/>
+          <ac:chgData name="Billy Lin" userId="05f35405-298c-473c-91f2-352ef9a130c9" providerId="ADAL" clId="{AB0BFEC8-14E9-4C61-B10E-456F41DF402E}" dt="2024-05-02T13:00:08.499" v="1738" actId="2711"/>
           <ac:spMkLst>
             <pc:docMk/>
             <pc:sldMk cId="315012207" sldId="6955"/>
@@ -1781,7 +1781,7 @@
           </ac:spMkLst>
         </pc:spChg>
         <pc:spChg chg="add mod">
-          <ac:chgData name="Billy Lin" userId="05f35405-298c-473c-91f2-352ef9a130c9" providerId="ADAL" clId="{AB0BFEC8-14E9-4C61-B10E-456F41DF402E}" dt="2024-04-22T06:58:30.006" v="1691"/>
+          <ac:chgData name="Billy Lin" userId="05f35405-298c-473c-91f2-352ef9a130c9" providerId="ADAL" clId="{AB0BFEC8-14E9-4C61-B10E-456F41DF402E}" dt="2024-05-02T12:59:56.658" v="1736" actId="1076"/>
           <ac:spMkLst>
             <pc:docMk/>
             <pc:sldMk cId="315012207" sldId="6955"/>
@@ -1821,7 +1821,7 @@
           </ac:cxnSpMkLst>
         </pc:cxnChg>
         <pc:cxnChg chg="add mod">
-          <ac:chgData name="Billy Lin" userId="05f35405-298c-473c-91f2-352ef9a130c9" providerId="ADAL" clId="{AB0BFEC8-14E9-4C61-B10E-456F41DF402E}" dt="2024-04-22T06:58:30.006" v="1691"/>
+          <ac:chgData name="Billy Lin" userId="05f35405-298c-473c-91f2-352ef9a130c9" providerId="ADAL" clId="{AB0BFEC8-14E9-4C61-B10E-456F41DF402E}" dt="2024-05-02T12:59:58.922" v="1737" actId="14100"/>
           <ac:cxnSpMkLst>
             <pc:docMk/>
             <pc:sldMk cId="315012207" sldId="6955"/>
@@ -1829,14 +1829,22 @@
           </ac:cxnSpMkLst>
         </pc:cxnChg>
       </pc:sldChg>
-      <pc:sldChg chg="addSp modSp add">
-        <pc:chgData name="Billy Lin" userId="05f35405-298c-473c-91f2-352ef9a130c9" providerId="ADAL" clId="{AB0BFEC8-14E9-4C61-B10E-456F41DF402E}" dt="2024-04-22T06:58:52.076" v="1696"/>
+      <pc:sldChg chg="addSp modSp add mod">
+        <pc:chgData name="Billy Lin" userId="05f35405-298c-473c-91f2-352ef9a130c9" providerId="ADAL" clId="{AB0BFEC8-14E9-4C61-B10E-456F41DF402E}" dt="2024-05-02T12:59:16.990" v="1735" actId="14100"/>
         <pc:sldMkLst>
           <pc:docMk/>
           <pc:sldMk cId="3934375447" sldId="6956"/>
         </pc:sldMkLst>
+        <pc:spChg chg="mod">
+          <ac:chgData name="Billy Lin" userId="05f35405-298c-473c-91f2-352ef9a130c9" providerId="ADAL" clId="{AB0BFEC8-14E9-4C61-B10E-456F41DF402E}" dt="2024-05-02T12:59:14.937" v="1734" actId="1076"/>
+          <ac:spMkLst>
+            <pc:docMk/>
+            <pc:sldMk cId="3934375447" sldId="6956"/>
+            <ac:spMk id="4" creationId="{7DD44BDC-6127-E796-C787-2F6EF654F887}"/>
+          </ac:spMkLst>
+        </pc:spChg>
         <pc:picChg chg="add mod">
-          <ac:chgData name="Billy Lin" userId="05f35405-298c-473c-91f2-352ef9a130c9" providerId="ADAL" clId="{AB0BFEC8-14E9-4C61-B10E-456F41DF402E}" dt="2024-04-22T06:58:52.076" v="1696"/>
+          <ac:chgData name="Billy Lin" userId="05f35405-298c-473c-91f2-352ef9a130c9" providerId="ADAL" clId="{AB0BFEC8-14E9-4C61-B10E-456F41DF402E}" dt="2024-05-02T12:59:12.390" v="1731" actId="14100"/>
           <ac:picMkLst>
             <pc:docMk/>
             <pc:sldMk cId="3934375447" sldId="6956"/>
@@ -1844,7 +1852,7 @@
           </ac:picMkLst>
         </pc:picChg>
         <pc:picChg chg="add mod">
-          <ac:chgData name="Billy Lin" userId="05f35405-298c-473c-91f2-352ef9a130c9" providerId="ADAL" clId="{AB0BFEC8-14E9-4C61-B10E-456F41DF402E}" dt="2024-04-22T06:58:52.076" v="1696"/>
+          <ac:chgData name="Billy Lin" userId="05f35405-298c-473c-91f2-352ef9a130c9" providerId="ADAL" clId="{AB0BFEC8-14E9-4C61-B10E-456F41DF402E}" dt="2024-05-02T12:59:16.990" v="1735" actId="14100"/>
           <ac:picMkLst>
             <pc:docMk/>
             <pc:sldMk cId="3934375447" sldId="6956"/>
@@ -2257,7 +2265,7 @@
           <a:p>
             <a:fld id="{2EDDABC3-F3ED-4DD9-983D-F09E8FCF6133}" type="datetimeFigureOut">
               <a:rPr lang="en-US" smtClean="0"/>
-              <a:t>4/22/2024</a:t>
+              <a:t>5/2/2024</a:t>
             </a:fld>
             <a:endParaRPr lang="en-US"/>
           </a:p>
@@ -2649,7 +2657,7 @@
           <a:p>
             <a:fld id="{F59B6F3A-935B-44D1-A66F-61470C6D8F51}" type="datetime1">
               <a:rPr lang="en-US" smtClean="0"/>
-              <a:t>4/22/2024</a:t>
+              <a:t>5/2/2024</a:t>
             </a:fld>
             <a:endParaRPr lang="en-US"/>
           </a:p>
@@ -2893,7 +2901,7 @@
           <a:p>
             <a:fld id="{C63B82BC-FCA2-460F-A60C-8FE94D119F09}" type="datetime1">
               <a:rPr lang="en-US" smtClean="0"/>
-              <a:t>4/22/2024</a:t>
+              <a:t>5/2/2024</a:t>
             </a:fld>
             <a:endParaRPr lang="en-US"/>
           </a:p>
@@ -16868,12 +16876,18 @@
           </a:lstStyle>
           <a:p>
             <a:r>
-              <a:rPr lang="en-US"/>
+              <a:rPr lang="en-US" dirty="0">
+                <a:latin typeface="Arial" panose="020B0604020202020204" pitchFamily="34" charset="0"/>
+                <a:cs typeface="Arial" panose="020B0604020202020204" pitchFamily="34" charset="0"/>
+              </a:rPr>
               <a:t>deferred, observed</a:t>
             </a:r>
           </a:p>
           <a:p>
-            <a:endParaRPr lang="en-US" dirty="0"/>
+            <a:endParaRPr lang="en-US" dirty="0">
+              <a:latin typeface="Arial" panose="020B0604020202020204" pitchFamily="34" charset="0"/>
+              <a:cs typeface="Arial" panose="020B0604020202020204" pitchFamily="34" charset="0"/>
+            </a:endParaRPr>
           </a:p>
         </p:txBody>
       </p:sp>
@@ -17527,7 +17541,7 @@
         </p:nvSpPr>
         <p:spPr>
           <a:xfrm>
-            <a:off x="446313" y="588241"/>
+            <a:off x="446313" y="868156"/>
             <a:ext cx="5649687" cy="510827"/>
           </a:xfrm>
           <a:prstGeom prst="rect">
@@ -17765,9 +17779,9 @@
           <p:nvPr/>
         </p:nvCxnSpPr>
         <p:spPr>
-          <a:xfrm>
-            <a:off x="2459736" y="771874"/>
-            <a:ext cx="3636264" cy="74263"/>
+          <a:xfrm flipV="1">
+            <a:off x="2459736" y="846137"/>
+            <a:ext cx="3636264" cy="152081"/>
           </a:xfrm>
           <a:prstGeom prst="straightConnector1">
             <a:avLst/>
@@ -17894,7 +17908,12 @@
             <p:ph type="sldNum" sz="quarter" idx="12"/>
           </p:nvPr>
         </p:nvSpPr>
-        <p:spPr/>
+        <p:spPr>
+          <a:xfrm>
+            <a:off x="8594656" y="6306399"/>
+            <a:ext cx="2743200" cy="365125"/>
+          </a:xfrm>
+        </p:spPr>
         <p:txBody>
           <a:bodyPr/>
           <a:lstStyle/>
@@ -17929,8 +17948,8 @@
         </p:blipFill>
         <p:spPr>
           <a:xfrm>
-            <a:off x="1723415" y="1425858"/>
-            <a:ext cx="8051521" cy="2964503"/>
+            <a:off x="1723416" y="1425859"/>
+            <a:ext cx="7225276" cy="2660286"/>
           </a:xfrm>
           <a:prstGeom prst="rect">
             <a:avLst/>
@@ -17959,8 +17978,8 @@
         </p:blipFill>
         <p:spPr>
           <a:xfrm>
-            <a:off x="1723415" y="4546193"/>
-            <a:ext cx="8745170" cy="1771897"/>
+            <a:off x="1723416" y="4546193"/>
+            <a:ext cx="8246207" cy="1670800"/>
           </a:xfrm>
           <a:prstGeom prst="rect">
             <a:avLst/>

--- a/note.pptx
+++ b/note.pptx
@@ -5,37 +5,39 @@
     <p:sldMasterId id="2147483648" r:id="rId1"/>
   </p:sldMasterIdLst>
   <p:notesMasterIdLst>
-    <p:notesMasterId r:id="rId30"/>
+    <p:notesMasterId r:id="rId32"/>
   </p:notesMasterIdLst>
   <p:sldIdLst>
-    <p:sldId id="6959" r:id="rId2"/>
-    <p:sldId id="6960" r:id="rId3"/>
-    <p:sldId id="6961" r:id="rId4"/>
-    <p:sldId id="6962" r:id="rId5"/>
-    <p:sldId id="6951" r:id="rId6"/>
-    <p:sldId id="6952" r:id="rId7"/>
-    <p:sldId id="6954" r:id="rId8"/>
-    <p:sldId id="6955" r:id="rId9"/>
-    <p:sldId id="6956" r:id="rId10"/>
-    <p:sldId id="6958" r:id="rId11"/>
-    <p:sldId id="6957" r:id="rId12"/>
-    <p:sldId id="6953" r:id="rId13"/>
-    <p:sldId id="6937" r:id="rId14"/>
-    <p:sldId id="6935" r:id="rId15"/>
-    <p:sldId id="6936" r:id="rId16"/>
-    <p:sldId id="6943" r:id="rId17"/>
-    <p:sldId id="6941" r:id="rId18"/>
-    <p:sldId id="6944" r:id="rId19"/>
-    <p:sldId id="6950" r:id="rId20"/>
-    <p:sldId id="6949" r:id="rId21"/>
-    <p:sldId id="6942" r:id="rId22"/>
-    <p:sldId id="6948" r:id="rId23"/>
-    <p:sldId id="6946" r:id="rId24"/>
-    <p:sldId id="6945" r:id="rId25"/>
-    <p:sldId id="6939" r:id="rId26"/>
-    <p:sldId id="6938" r:id="rId27"/>
-    <p:sldId id="6934" r:id="rId28"/>
-    <p:sldId id="264" r:id="rId29"/>
+    <p:sldId id="6964" r:id="rId2"/>
+    <p:sldId id="6963" r:id="rId3"/>
+    <p:sldId id="6959" r:id="rId4"/>
+    <p:sldId id="6960" r:id="rId5"/>
+    <p:sldId id="6961" r:id="rId6"/>
+    <p:sldId id="6962" r:id="rId7"/>
+    <p:sldId id="6951" r:id="rId8"/>
+    <p:sldId id="6952" r:id="rId9"/>
+    <p:sldId id="6954" r:id="rId10"/>
+    <p:sldId id="6955" r:id="rId11"/>
+    <p:sldId id="6956" r:id="rId12"/>
+    <p:sldId id="6958" r:id="rId13"/>
+    <p:sldId id="6957" r:id="rId14"/>
+    <p:sldId id="6953" r:id="rId15"/>
+    <p:sldId id="6937" r:id="rId16"/>
+    <p:sldId id="6935" r:id="rId17"/>
+    <p:sldId id="6936" r:id="rId18"/>
+    <p:sldId id="6943" r:id="rId19"/>
+    <p:sldId id="6941" r:id="rId20"/>
+    <p:sldId id="6944" r:id="rId21"/>
+    <p:sldId id="6950" r:id="rId22"/>
+    <p:sldId id="6949" r:id="rId23"/>
+    <p:sldId id="6942" r:id="rId24"/>
+    <p:sldId id="6948" r:id="rId25"/>
+    <p:sldId id="6946" r:id="rId26"/>
+    <p:sldId id="6945" r:id="rId27"/>
+    <p:sldId id="6939" r:id="rId28"/>
+    <p:sldId id="6938" r:id="rId29"/>
+    <p:sldId id="6934" r:id="rId30"/>
+    <p:sldId id="264" r:id="rId31"/>
   </p:sldIdLst>
   <p:sldSz cx="12192000" cy="6858000"/>
   <p:notesSz cx="6858000" cy="9144000"/>
@@ -145,7 +147,7 @@
 <file path=ppt/revisionInfo.xml><?xml version="1.0" encoding="utf-8"?>
 <p1510:revInfo xmlns:a="http://schemas.openxmlformats.org/drawingml/2006/main" xmlns:r="http://schemas.openxmlformats.org/officeDocument/2006/relationships" xmlns:p1510="http://schemas.microsoft.com/office/powerpoint/2015/10/main">
   <p1510:revLst>
-    <p1510:client id="{AB0BFEC8-14E9-4C61-B10E-456F41DF402E}" v="70" dt="2024-04-22T07:04:52.732"/>
+    <p1510:client id="{AB0BFEC8-14E9-4C61-B10E-456F41DF402E}" v="78" dt="2024-05-14T05:04:58.749"/>
   </p1510:revLst>
 </p1510:revInfo>
 </file>
@@ -687,7 +689,7 @@
   <pc:docChgLst>
     <pc:chgData name="Billy Lin" userId="05f35405-298c-473c-91f2-352ef9a130c9" providerId="ADAL" clId="{AB0BFEC8-14E9-4C61-B10E-456F41DF402E}"/>
     <pc:docChg chg="undo custSel addSld delSld modSld sldOrd">
-      <pc:chgData name="Billy Lin" userId="05f35405-298c-473c-91f2-352ef9a130c9" providerId="ADAL" clId="{AB0BFEC8-14E9-4C61-B10E-456F41DF402E}" dt="2024-05-02T13:00:08.499" v="1738" actId="2711"/>
+      <pc:chgData name="Billy Lin" userId="05f35405-298c-473c-91f2-352ef9a130c9" providerId="ADAL" clId="{AB0BFEC8-14E9-4C61-B10E-456F41DF402E}" dt="2024-05-14T05:05:00.516" v="1789" actId="47"/>
       <pc:docMkLst>
         <pc:docMk/>
       </pc:docMkLst>
@@ -1931,13 +1933,13 @@
         </pc:picChg>
       </pc:sldChg>
       <pc:sldChg chg="modSp new mod ord">
-        <pc:chgData name="Billy Lin" userId="05f35405-298c-473c-91f2-352ef9a130c9" providerId="ADAL" clId="{AB0BFEC8-14E9-4C61-B10E-456F41DF402E}" dt="2024-04-22T07:02:45.403" v="1716"/>
+        <pc:chgData name="Billy Lin" userId="05f35405-298c-473c-91f2-352ef9a130c9" providerId="ADAL" clId="{AB0BFEC8-14E9-4C61-B10E-456F41DF402E}" dt="2024-05-14T04:46:43.955" v="1770" actId="20577"/>
         <pc:sldMkLst>
           <pc:docMk/>
           <pc:sldMk cId="2689668643" sldId="6959"/>
         </pc:sldMkLst>
         <pc:spChg chg="mod">
-          <ac:chgData name="Billy Lin" userId="05f35405-298c-473c-91f2-352ef9a130c9" providerId="ADAL" clId="{AB0BFEC8-14E9-4C61-B10E-456F41DF402E}" dt="2024-04-22T07:02:42.684" v="1715" actId="20577"/>
+          <ac:chgData name="Billy Lin" userId="05f35405-298c-473c-91f2-352ef9a130c9" providerId="ADAL" clId="{AB0BFEC8-14E9-4C61-B10E-456F41DF402E}" dt="2024-05-14T04:46:43.955" v="1770" actId="20577"/>
           <ac:spMkLst>
             <pc:docMk/>
             <pc:sldMk cId="2689668643" sldId="6959"/>
@@ -1945,7 +1947,7 @@
           </ac:spMkLst>
         </pc:spChg>
         <pc:spChg chg="mod">
-          <ac:chgData name="Billy Lin" userId="05f35405-298c-473c-91f2-352ef9a130c9" providerId="ADAL" clId="{AB0BFEC8-14E9-4C61-B10E-456F41DF402E}" dt="2024-04-22T07:02:45.403" v="1716"/>
+          <ac:chgData name="Billy Lin" userId="05f35405-298c-473c-91f2-352ef9a130c9" providerId="ADAL" clId="{AB0BFEC8-14E9-4C61-B10E-456F41DF402E}" dt="2024-05-14T04:46:17.562" v="1742" actId="20577"/>
           <ac:spMkLst>
             <pc:docMk/>
             <pc:sldMk cId="2689668643" sldId="6959"/>
@@ -2101,6 +2103,43 @@
             <ac:picMk id="6" creationId="{9786F8EC-75BE-92CF-A58D-ABB46C451047}"/>
           </ac:picMkLst>
         </pc:picChg>
+      </pc:sldChg>
+      <pc:sldChg chg="modSp new mod ord">
+        <pc:chgData name="Billy Lin" userId="05f35405-298c-473c-91f2-352ef9a130c9" providerId="ADAL" clId="{AB0BFEC8-14E9-4C61-B10E-456F41DF402E}" dt="2024-05-14T04:47:06.935" v="1787" actId="15"/>
+        <pc:sldMkLst>
+          <pc:docMk/>
+          <pc:sldMk cId="3696567033" sldId="6963"/>
+        </pc:sldMkLst>
+        <pc:spChg chg="mod">
+          <ac:chgData name="Billy Lin" userId="05f35405-298c-473c-91f2-352ef9a130c9" providerId="ADAL" clId="{AB0BFEC8-14E9-4C61-B10E-456F41DF402E}" dt="2024-05-14T04:47:06.935" v="1787" actId="15"/>
+          <ac:spMkLst>
+            <pc:docMk/>
+            <pc:sldMk cId="3696567033" sldId="6963"/>
+            <ac:spMk id="3" creationId="{D6B9BDCC-8824-D385-C4F6-976FF630386D}"/>
+          </ac:spMkLst>
+        </pc:spChg>
+      </pc:sldChg>
+      <pc:sldChg chg="modSp add mod ord">
+        <pc:chgData name="Billy Lin" userId="05f35405-298c-473c-91f2-352ef9a130c9" providerId="ADAL" clId="{AB0BFEC8-14E9-4C61-B10E-456F41DF402E}" dt="2024-05-14T04:46:57.234" v="1782" actId="20577"/>
+        <pc:sldMkLst>
+          <pc:docMk/>
+          <pc:sldMk cId="1372148226" sldId="6964"/>
+        </pc:sldMkLst>
+        <pc:spChg chg="mod">
+          <ac:chgData name="Billy Lin" userId="05f35405-298c-473c-91f2-352ef9a130c9" providerId="ADAL" clId="{AB0BFEC8-14E9-4C61-B10E-456F41DF402E}" dt="2024-05-14T04:46:57.234" v="1782" actId="20577"/>
+          <ac:spMkLst>
+            <pc:docMk/>
+            <pc:sldMk cId="1372148226" sldId="6964"/>
+            <ac:spMk id="2" creationId="{63B19FFD-555C-673A-82D5-1766F95D704A}"/>
+          </ac:spMkLst>
+        </pc:spChg>
+      </pc:sldChg>
+      <pc:sldChg chg="add del">
+        <pc:chgData name="Billy Lin" userId="05f35405-298c-473c-91f2-352ef9a130c9" providerId="ADAL" clId="{AB0BFEC8-14E9-4C61-B10E-456F41DF402E}" dt="2024-05-14T05:05:00.516" v="1789" actId="47"/>
+        <pc:sldMkLst>
+          <pc:docMk/>
+          <pc:sldMk cId="2767457329" sldId="6965"/>
+        </pc:sldMkLst>
       </pc:sldChg>
     </pc:docChg>
   </pc:docChgLst>
@@ -2265,7 +2304,7 @@
           <a:p>
             <a:fld id="{2EDDABC3-F3ED-4DD9-983D-F09E8FCF6133}" type="datetimeFigureOut">
               <a:rPr lang="en-US" smtClean="0"/>
-              <a:t>5/2/2024</a:t>
+              <a:t>5/14/2024</a:t>
             </a:fld>
             <a:endParaRPr lang="en-US"/>
           </a:p>
@@ -2657,7 +2696,7 @@
           <a:p>
             <a:fld id="{F59B6F3A-935B-44D1-A66F-61470C6D8F51}" type="datetime1">
               <a:rPr lang="en-US" smtClean="0"/>
-              <a:t>5/2/2024</a:t>
+              <a:t>5/14/2024</a:t>
             </a:fld>
             <a:endParaRPr lang="en-US"/>
           </a:p>
@@ -2901,7 +2940,7 @@
           <a:p>
             <a:fld id="{C63B82BC-FCA2-460F-A60C-8FE94D119F09}" type="datetime1">
               <a:rPr lang="en-US" smtClean="0"/>
-              <a:t>5/2/2024</a:t>
+              <a:t>5/14/2024</a:t>
             </a:fld>
             <a:endParaRPr lang="en-US"/>
           </a:p>
@@ -3334,9 +3373,18 @@
           <a:lstStyle/>
           <a:p>
             <a:r>
-              <a:rPr lang="en-US" dirty="0"/>
-              <a:t>outline</a:t>
-            </a:r>
+              <a:rPr lang="en-US" altLang="zh-TW" dirty="0"/>
+              <a:t>20240516</a:t>
+            </a:r>
+            <a:r>
+              <a:rPr lang="zh-TW" altLang="en-US" dirty="0"/>
+              <a:t> </a:t>
+            </a:r>
+            <a:r>
+              <a:rPr lang="en-US" altLang="zh-TW" dirty="0"/>
+              <a:t>below</a:t>
+            </a:r>
+            <a:endParaRPr lang="en-US" dirty="0"/>
           </a:p>
         </p:txBody>
       </p:sp>
@@ -3361,14 +3409,7 @@
           <a:bodyPr/>
           <a:lstStyle/>
           <a:p>
-            <a:r>
-              <a:rPr lang="en-US" dirty="0" err="1"/>
-              <a:t>sva</a:t>
-            </a:r>
-            <a:r>
-              <a:rPr lang="en-US" dirty="0"/>
-              <a:t> introduction</a:t>
-            </a:r>
+            <a:endParaRPr lang="en-US" dirty="0"/>
           </a:p>
         </p:txBody>
       </p:sp>
@@ -3404,7 +3445,7 @@
     </p:spTree>
     <p:extLst>
       <p:ext uri="{BB962C8B-B14F-4D97-AF65-F5344CB8AC3E}">
-        <p14:creationId xmlns:p14="http://schemas.microsoft.com/office/powerpoint/2010/main" val="2689668643"/>
+        <p14:creationId xmlns:p14="http://schemas.microsoft.com/office/powerpoint/2010/main" val="1372148226"/>
       </p:ext>
     </p:extLst>
   </p:cSld>
@@ -3465,6 +3506,1217 @@
       </p:sp>
       <p:sp>
         <p:nvSpPr>
+          <p:cNvPr id="4" name="Slide Number Placeholder 3">
+            <a:extLst>
+              <a:ext uri="{FF2B5EF4-FFF2-40B4-BE49-F238E27FC236}">
+                <a16:creationId xmlns:a16="http://schemas.microsoft.com/office/drawing/2014/main" id="{7DD44BDC-6127-E796-C787-2F6EF654F887}"/>
+              </a:ext>
+            </a:extLst>
+          </p:cNvPr>
+          <p:cNvSpPr>
+            <a:spLocks noGrp="1"/>
+          </p:cNvSpPr>
+          <p:nvPr>
+            <p:ph type="sldNum" sz="quarter" idx="12"/>
+          </p:nvPr>
+        </p:nvSpPr>
+        <p:spPr/>
+        <p:txBody>
+          <a:bodyPr/>
+          <a:lstStyle/>
+          <a:p>
+            <a:fld id="{8A2B06E4-34D2-4DD4-ABFF-9F74AC2B18B5}" type="slidenum">
+              <a:rPr lang="en-US" smtClean="0"/>
+              <a:t>10</a:t>
+            </a:fld>
+            <a:endParaRPr lang="en-US" dirty="0"/>
+          </a:p>
+        </p:txBody>
+      </p:sp>
+      <p:sp>
+        <p:nvSpPr>
+          <p:cNvPr id="5" name="Content Placeholder 2">
+            <a:extLst>
+              <a:ext uri="{FF2B5EF4-FFF2-40B4-BE49-F238E27FC236}">
+                <a16:creationId xmlns:a16="http://schemas.microsoft.com/office/drawing/2014/main" id="{394A5A22-617E-B4AF-4121-A4C8A4A697E8}"/>
+              </a:ext>
+            </a:extLst>
+          </p:cNvPr>
+          <p:cNvSpPr txBox="1">
+            <a:spLocks/>
+          </p:cNvSpPr>
+          <p:nvPr/>
+        </p:nvSpPr>
+        <p:spPr>
+          <a:xfrm>
+            <a:off x="446313" y="3329034"/>
+            <a:ext cx="5649687" cy="510827"/>
+          </a:xfrm>
+          <a:prstGeom prst="rect">
+            <a:avLst/>
+          </a:prstGeom>
+        </p:spPr>
+        <p:txBody>
+          <a:bodyPr/>
+          <a:lstStyle>
+            <a:lvl1pPr marL="228600" indent="-228600" algn="l" defTabSz="914400" rtl="0" eaLnBrk="1" latinLnBrk="0" hangingPunct="1">
+              <a:lnSpc>
+                <a:spcPct val="90000"/>
+              </a:lnSpc>
+              <a:spcBef>
+                <a:spcPts val="1000"/>
+              </a:spcBef>
+              <a:buFont typeface="Arial" panose="020B0604020202020204" pitchFamily="34" charset="0"/>
+              <a:buChar char="•"/>
+              <a:defRPr sz="1400" kern="1200">
+                <a:solidFill>
+                  <a:schemeClr val="tx1"/>
+                </a:solidFill>
+                <a:latin typeface="+mn-lt"/>
+                <a:ea typeface="+mn-ea"/>
+                <a:cs typeface="+mn-cs"/>
+              </a:defRPr>
+            </a:lvl1pPr>
+            <a:lvl2pPr marL="685800" indent="-228600" algn="l" defTabSz="914400" rtl="0" eaLnBrk="1" latinLnBrk="0" hangingPunct="1">
+              <a:lnSpc>
+                <a:spcPct val="90000"/>
+              </a:lnSpc>
+              <a:spcBef>
+                <a:spcPts val="500"/>
+              </a:spcBef>
+              <a:buFont typeface="Arial" panose="020B0604020202020204" pitchFamily="34" charset="0"/>
+              <a:buChar char="•"/>
+              <a:defRPr sz="1200" kern="1200">
+                <a:solidFill>
+                  <a:schemeClr val="tx1"/>
+                </a:solidFill>
+                <a:latin typeface="+mn-lt"/>
+                <a:ea typeface="+mn-ea"/>
+                <a:cs typeface="+mn-cs"/>
+              </a:defRPr>
+            </a:lvl2pPr>
+            <a:lvl3pPr marL="1143000" indent="-228600" algn="l" defTabSz="914400" rtl="0" eaLnBrk="1" latinLnBrk="0" hangingPunct="1">
+              <a:lnSpc>
+                <a:spcPct val="90000"/>
+              </a:lnSpc>
+              <a:spcBef>
+                <a:spcPts val="500"/>
+              </a:spcBef>
+              <a:buFont typeface="Arial" panose="020B0604020202020204" pitchFamily="34" charset="0"/>
+              <a:buChar char="•"/>
+              <a:defRPr sz="1200" kern="1200">
+                <a:solidFill>
+                  <a:schemeClr val="tx1"/>
+                </a:solidFill>
+                <a:latin typeface="+mn-lt"/>
+                <a:ea typeface="+mn-ea"/>
+                <a:cs typeface="+mn-cs"/>
+              </a:defRPr>
+            </a:lvl3pPr>
+            <a:lvl4pPr marL="1600200" indent="-228600" algn="l" defTabSz="914400" rtl="0" eaLnBrk="1" latinLnBrk="0" hangingPunct="1">
+              <a:lnSpc>
+                <a:spcPct val="90000"/>
+              </a:lnSpc>
+              <a:spcBef>
+                <a:spcPts val="500"/>
+              </a:spcBef>
+              <a:buFont typeface="Arial" panose="020B0604020202020204" pitchFamily="34" charset="0"/>
+              <a:buChar char="•"/>
+              <a:defRPr sz="1200" kern="1200">
+                <a:solidFill>
+                  <a:schemeClr val="tx1"/>
+                </a:solidFill>
+                <a:latin typeface="+mn-lt"/>
+                <a:ea typeface="+mn-ea"/>
+                <a:cs typeface="+mn-cs"/>
+              </a:defRPr>
+            </a:lvl4pPr>
+            <a:lvl5pPr marL="2057400" indent="-228600" algn="l" defTabSz="914400" rtl="0" eaLnBrk="1" latinLnBrk="0" hangingPunct="1">
+              <a:lnSpc>
+                <a:spcPct val="90000"/>
+              </a:lnSpc>
+              <a:spcBef>
+                <a:spcPts val="500"/>
+              </a:spcBef>
+              <a:buFont typeface="Arial" panose="020B0604020202020204" pitchFamily="34" charset="0"/>
+              <a:buChar char="•"/>
+              <a:defRPr sz="1200" kern="1200">
+                <a:solidFill>
+                  <a:schemeClr val="tx1"/>
+                </a:solidFill>
+                <a:latin typeface="+mn-lt"/>
+                <a:ea typeface="+mn-ea"/>
+                <a:cs typeface="+mn-cs"/>
+              </a:defRPr>
+            </a:lvl5pPr>
+            <a:lvl6pPr marL="2514600" indent="-228600" algn="l" defTabSz="914400" rtl="0" eaLnBrk="1" latinLnBrk="0" hangingPunct="1">
+              <a:lnSpc>
+                <a:spcPct val="90000"/>
+              </a:lnSpc>
+              <a:spcBef>
+                <a:spcPts val="500"/>
+              </a:spcBef>
+              <a:buFont typeface="Arial" panose="020B0604020202020204" pitchFamily="34" charset="0"/>
+              <a:buChar char="•"/>
+              <a:defRPr sz="1800" kern="1200">
+                <a:solidFill>
+                  <a:schemeClr val="tx1"/>
+                </a:solidFill>
+                <a:latin typeface="+mn-lt"/>
+                <a:ea typeface="+mn-ea"/>
+                <a:cs typeface="+mn-cs"/>
+              </a:defRPr>
+            </a:lvl6pPr>
+            <a:lvl7pPr marL="2971800" indent="-228600" algn="l" defTabSz="914400" rtl="0" eaLnBrk="1" latinLnBrk="0" hangingPunct="1">
+              <a:lnSpc>
+                <a:spcPct val="90000"/>
+              </a:lnSpc>
+              <a:spcBef>
+                <a:spcPts val="500"/>
+              </a:spcBef>
+              <a:buFont typeface="Arial" panose="020B0604020202020204" pitchFamily="34" charset="0"/>
+              <a:buChar char="•"/>
+              <a:defRPr sz="1800" kern="1200">
+                <a:solidFill>
+                  <a:schemeClr val="tx1"/>
+                </a:solidFill>
+                <a:latin typeface="+mn-lt"/>
+                <a:ea typeface="+mn-ea"/>
+                <a:cs typeface="+mn-cs"/>
+              </a:defRPr>
+            </a:lvl7pPr>
+            <a:lvl8pPr marL="3429000" indent="-228600" algn="l" defTabSz="914400" rtl="0" eaLnBrk="1" latinLnBrk="0" hangingPunct="1">
+              <a:lnSpc>
+                <a:spcPct val="90000"/>
+              </a:lnSpc>
+              <a:spcBef>
+                <a:spcPts val="500"/>
+              </a:spcBef>
+              <a:buFont typeface="Arial" panose="020B0604020202020204" pitchFamily="34" charset="0"/>
+              <a:buChar char="•"/>
+              <a:defRPr sz="1800" kern="1200">
+                <a:solidFill>
+                  <a:schemeClr val="tx1"/>
+                </a:solidFill>
+                <a:latin typeface="+mn-lt"/>
+                <a:ea typeface="+mn-ea"/>
+                <a:cs typeface="+mn-cs"/>
+              </a:defRPr>
+            </a:lvl8pPr>
+            <a:lvl9pPr marL="3886200" indent="-228600" algn="l" defTabSz="914400" rtl="0" eaLnBrk="1" latinLnBrk="0" hangingPunct="1">
+              <a:lnSpc>
+                <a:spcPct val="90000"/>
+              </a:lnSpc>
+              <a:spcBef>
+                <a:spcPts val="500"/>
+              </a:spcBef>
+              <a:buFont typeface="Arial" panose="020B0604020202020204" pitchFamily="34" charset="0"/>
+              <a:buChar char="•"/>
+              <a:defRPr sz="1800" kern="1200">
+                <a:solidFill>
+                  <a:schemeClr val="tx1"/>
+                </a:solidFill>
+                <a:latin typeface="+mn-lt"/>
+                <a:ea typeface="+mn-ea"/>
+                <a:cs typeface="+mn-cs"/>
+              </a:defRPr>
+            </a:lvl9pPr>
+          </a:lstStyle>
+          <a:p>
+            <a:r>
+              <a:rPr lang="en-US" dirty="0">
+                <a:latin typeface="Arial" panose="020B0604020202020204" pitchFamily="34" charset="0"/>
+                <a:cs typeface="Arial" panose="020B0604020202020204" pitchFamily="34" charset="0"/>
+              </a:rPr>
+              <a:t>deferred, observed</a:t>
+            </a:r>
+          </a:p>
+          <a:p>
+            <a:endParaRPr lang="en-US" dirty="0">
+              <a:latin typeface="Arial" panose="020B0604020202020204" pitchFamily="34" charset="0"/>
+              <a:cs typeface="Arial" panose="020B0604020202020204" pitchFamily="34" charset="0"/>
+            </a:endParaRPr>
+          </a:p>
+        </p:txBody>
+      </p:sp>
+      <p:pic>
+        <p:nvPicPr>
+          <p:cNvPr id="6" name="Picture 5">
+            <a:extLst>
+              <a:ext uri="{FF2B5EF4-FFF2-40B4-BE49-F238E27FC236}">
+                <a16:creationId xmlns:a16="http://schemas.microsoft.com/office/drawing/2014/main" id="{A84CA857-F7BA-EA4B-2889-E1B98C39174D}"/>
+              </a:ext>
+            </a:extLst>
+          </p:cNvPr>
+          <p:cNvPicPr>
+            <a:picLocks noChangeAspect="1"/>
+          </p:cNvPicPr>
+          <p:nvPr/>
+        </p:nvPicPr>
+        <p:blipFill>
+          <a:blip r:embed="rId2"/>
+          <a:stretch>
+            <a:fillRect/>
+          </a:stretch>
+        </p:blipFill>
+        <p:spPr>
+          <a:xfrm>
+            <a:off x="4561044" y="429768"/>
+            <a:ext cx="3615092" cy="6309360"/>
+          </a:xfrm>
+          <a:prstGeom prst="rect">
+            <a:avLst/>
+          </a:prstGeom>
+        </p:spPr>
+      </p:pic>
+      <p:cxnSp>
+        <p:nvCxnSpPr>
+          <p:cNvPr id="7" name="Straight Arrow Connector 6">
+            <a:extLst>
+              <a:ext uri="{FF2B5EF4-FFF2-40B4-BE49-F238E27FC236}">
+                <a16:creationId xmlns:a16="http://schemas.microsoft.com/office/drawing/2014/main" id="{EE89999B-3C20-F45E-1AA6-FE2FF42A6058}"/>
+              </a:ext>
+            </a:extLst>
+          </p:cNvPr>
+          <p:cNvCxnSpPr>
+            <a:cxnSpLocks/>
+          </p:cNvCxnSpPr>
+          <p:nvPr/>
+        </p:nvCxnSpPr>
+        <p:spPr>
+          <a:xfrm>
+            <a:off x="2020824" y="4796679"/>
+            <a:ext cx="3950208" cy="1567545"/>
+          </a:xfrm>
+          <a:prstGeom prst="straightConnector1">
+            <a:avLst/>
+          </a:prstGeom>
+          <a:ln w="19050">
+            <a:tailEnd type="triangle"/>
+          </a:ln>
+        </p:spPr>
+        <p:style>
+          <a:lnRef idx="1">
+            <a:schemeClr val="accent6"/>
+          </a:lnRef>
+          <a:fillRef idx="0">
+            <a:schemeClr val="accent6"/>
+          </a:fillRef>
+          <a:effectRef idx="0">
+            <a:schemeClr val="accent6"/>
+          </a:effectRef>
+          <a:fontRef idx="minor">
+            <a:schemeClr val="tx1"/>
+          </a:fontRef>
+        </p:style>
+      </p:cxnSp>
+      <p:cxnSp>
+        <p:nvCxnSpPr>
+          <p:cNvPr id="8" name="Straight Arrow Connector 7">
+            <a:extLst>
+              <a:ext uri="{FF2B5EF4-FFF2-40B4-BE49-F238E27FC236}">
+                <a16:creationId xmlns:a16="http://schemas.microsoft.com/office/drawing/2014/main" id="{1F76D9A9-D993-5C63-1119-C1FAAC2F81F1}"/>
+              </a:ext>
+            </a:extLst>
+          </p:cNvPr>
+          <p:cNvCxnSpPr>
+            <a:cxnSpLocks/>
+          </p:cNvCxnSpPr>
+          <p:nvPr/>
+        </p:nvCxnSpPr>
+        <p:spPr>
+          <a:xfrm>
+            <a:off x="2459736" y="3512667"/>
+            <a:ext cx="3636264" cy="74263"/>
+          </a:xfrm>
+          <a:prstGeom prst="straightConnector1">
+            <a:avLst/>
+          </a:prstGeom>
+          <a:ln w="19050">
+            <a:tailEnd type="triangle"/>
+          </a:ln>
+        </p:spPr>
+        <p:style>
+          <a:lnRef idx="1">
+            <a:schemeClr val="accent6"/>
+          </a:lnRef>
+          <a:fillRef idx="0">
+            <a:schemeClr val="accent6"/>
+          </a:fillRef>
+          <a:effectRef idx="0">
+            <a:schemeClr val="accent6"/>
+          </a:effectRef>
+          <a:fontRef idx="minor">
+            <a:schemeClr val="tx1"/>
+          </a:fontRef>
+        </p:style>
+      </p:cxnSp>
+      <p:sp>
+        <p:nvSpPr>
+          <p:cNvPr id="9" name="Content Placeholder 2">
+            <a:extLst>
+              <a:ext uri="{FF2B5EF4-FFF2-40B4-BE49-F238E27FC236}">
+                <a16:creationId xmlns:a16="http://schemas.microsoft.com/office/drawing/2014/main" id="{AC40A362-0FD3-29AD-8A4A-E3DC3E8167E0}"/>
+              </a:ext>
+            </a:extLst>
+          </p:cNvPr>
+          <p:cNvSpPr txBox="1">
+            <a:spLocks/>
+          </p:cNvSpPr>
+          <p:nvPr/>
+        </p:nvSpPr>
+        <p:spPr>
+          <a:xfrm>
+            <a:off x="446313" y="4100073"/>
+            <a:ext cx="5649687" cy="1065691"/>
+          </a:xfrm>
+          <a:prstGeom prst="rect">
+            <a:avLst/>
+          </a:prstGeom>
+        </p:spPr>
+        <p:txBody>
+          <a:bodyPr vert="horz" lIns="0" tIns="45720" rIns="91440" bIns="45720" rtlCol="0">
+            <a:noAutofit/>
+          </a:bodyPr>
+          <a:lstStyle>
+            <a:lvl1pPr marL="346075" indent="-288925" algn="l" defTabSz="914400" rtl="0" eaLnBrk="1" latinLnBrk="0" hangingPunct="1">
+              <a:lnSpc>
+                <a:spcPct val="90000"/>
+              </a:lnSpc>
+              <a:spcBef>
+                <a:spcPts val="1600"/>
+              </a:spcBef>
+              <a:spcAft>
+                <a:spcPts val="200"/>
+              </a:spcAft>
+              <a:buClr>
+                <a:schemeClr val="tx2"/>
+              </a:buClr>
+              <a:buSzPct val="100000"/>
+              <a:buFont typeface="Arial" panose="020B0604020202020204" pitchFamily="34" charset="0"/>
+              <a:buChar char="•"/>
+              <a:tabLst/>
+              <a:defRPr lang="en-US" sz="1400" kern="1200" dirty="0">
+                <a:solidFill>
+                  <a:schemeClr val="tx1"/>
+                </a:solidFill>
+                <a:latin typeface="Arial" panose="020B0604020202020204" pitchFamily="34" charset="0"/>
+                <a:ea typeface="+mn-ea"/>
+                <a:cs typeface="+mn-cs"/>
+              </a:defRPr>
+            </a:lvl1pPr>
+            <a:lvl2pPr marL="738188" indent="-280988" algn="l" defTabSz="914400" rtl="0" eaLnBrk="1" latinLnBrk="0" hangingPunct="1">
+              <a:lnSpc>
+                <a:spcPct val="90000"/>
+              </a:lnSpc>
+              <a:spcBef>
+                <a:spcPts val="300"/>
+              </a:spcBef>
+              <a:spcAft>
+                <a:spcPts val="600"/>
+              </a:spcAft>
+              <a:buClr>
+                <a:schemeClr val="tx2"/>
+              </a:buClr>
+              <a:buSzPct val="60000"/>
+              <a:buFont typeface="Courier New" panose="02070309020205020404" pitchFamily="49" charset="0"/>
+              <a:buChar char="o"/>
+              <a:tabLst/>
+              <a:defRPr lang="en-US" sz="1200" kern="1200" dirty="0">
+                <a:solidFill>
+                  <a:schemeClr val="tx1"/>
+                </a:solidFill>
+                <a:latin typeface="Arial" panose="020B0604020202020204" pitchFamily="34" charset="0"/>
+                <a:ea typeface="+mn-ea"/>
+                <a:cs typeface="+mn-cs"/>
+              </a:defRPr>
+            </a:lvl2pPr>
+            <a:lvl3pPr marL="1200150" indent="-285750" algn="l" defTabSz="914400" rtl="0" eaLnBrk="1" latinLnBrk="0" hangingPunct="1">
+              <a:lnSpc>
+                <a:spcPct val="90000"/>
+              </a:lnSpc>
+              <a:spcBef>
+                <a:spcPts val="300"/>
+              </a:spcBef>
+              <a:spcAft>
+                <a:spcPts val="500"/>
+              </a:spcAft>
+              <a:buClr>
+                <a:schemeClr val="tx2"/>
+              </a:buClr>
+              <a:buSzPct val="100000"/>
+              <a:buFont typeface="Rubik Light" panose="00000400000000000000" pitchFamily="2" charset="-79"/>
+              <a:buChar char="–"/>
+              <a:tabLst/>
+              <a:defRPr lang="en-US" sz="1200" kern="1200" dirty="0">
+                <a:solidFill>
+                  <a:schemeClr val="tx1"/>
+                </a:solidFill>
+                <a:latin typeface="Arial" panose="020B0604020202020204" pitchFamily="34" charset="0"/>
+                <a:ea typeface="+mn-ea"/>
+                <a:cs typeface="+mn-cs"/>
+              </a:defRPr>
+            </a:lvl3pPr>
+            <a:lvl4pPr marL="1652588" indent="-280988" algn="l" defTabSz="914400" rtl="0" eaLnBrk="1" latinLnBrk="0" hangingPunct="1">
+              <a:lnSpc>
+                <a:spcPct val="90000"/>
+              </a:lnSpc>
+              <a:spcBef>
+                <a:spcPts val="500"/>
+              </a:spcBef>
+              <a:spcAft>
+                <a:spcPts val="1200"/>
+              </a:spcAft>
+              <a:buClr>
+                <a:schemeClr val="accent2"/>
+              </a:buClr>
+              <a:buSzPct val="115000"/>
+              <a:buFont typeface=".Lucida Grande UI Regular"/>
+              <a:buChar char="▹"/>
+              <a:tabLst/>
+              <a:defRPr sz="1200" kern="1200">
+                <a:solidFill>
+                  <a:schemeClr val="tx1"/>
+                </a:solidFill>
+                <a:latin typeface="+mn-lt"/>
+                <a:ea typeface="+mn-ea"/>
+                <a:cs typeface="+mn-cs"/>
+              </a:defRPr>
+            </a:lvl4pPr>
+            <a:lvl5pPr marL="2170113" indent="-341313" algn="l" defTabSz="914400" rtl="0" eaLnBrk="1" latinLnBrk="0" hangingPunct="1">
+              <a:lnSpc>
+                <a:spcPct val="90000"/>
+              </a:lnSpc>
+              <a:spcBef>
+                <a:spcPts val="500"/>
+              </a:spcBef>
+              <a:spcAft>
+                <a:spcPts val="1200"/>
+              </a:spcAft>
+              <a:buClr>
+                <a:schemeClr val="accent2"/>
+              </a:buClr>
+              <a:buSzPct val="115000"/>
+              <a:buFont typeface=".Lucida Grande UI Regular"/>
+              <a:buChar char="▹"/>
+              <a:tabLst/>
+              <a:defRPr sz="1500" kern="1200">
+                <a:solidFill>
+                  <a:schemeClr val="tx2"/>
+                </a:solidFill>
+                <a:latin typeface="+mn-lt"/>
+                <a:ea typeface="+mn-ea"/>
+                <a:cs typeface="+mn-cs"/>
+              </a:defRPr>
+            </a:lvl5pPr>
+            <a:lvl6pPr marL="2514600" indent="-228600" algn="l" defTabSz="914400" rtl="0" eaLnBrk="1" latinLnBrk="0" hangingPunct="1">
+              <a:lnSpc>
+                <a:spcPct val="90000"/>
+              </a:lnSpc>
+              <a:spcBef>
+                <a:spcPts val="500"/>
+              </a:spcBef>
+              <a:buFont typeface="Arial" panose="020B0604020202020204" pitchFamily="34" charset="0"/>
+              <a:buChar char="•"/>
+              <a:defRPr sz="1800" kern="1200">
+                <a:solidFill>
+                  <a:schemeClr val="tx1"/>
+                </a:solidFill>
+                <a:latin typeface="+mn-lt"/>
+                <a:ea typeface="+mn-ea"/>
+                <a:cs typeface="+mn-cs"/>
+              </a:defRPr>
+            </a:lvl6pPr>
+            <a:lvl7pPr marL="2971800" indent="-228600" algn="l" defTabSz="914400" rtl="0" eaLnBrk="1" latinLnBrk="0" hangingPunct="1">
+              <a:lnSpc>
+                <a:spcPct val="90000"/>
+              </a:lnSpc>
+              <a:spcBef>
+                <a:spcPts val="500"/>
+              </a:spcBef>
+              <a:buFont typeface="Arial" panose="020B0604020202020204" pitchFamily="34" charset="0"/>
+              <a:buChar char="•"/>
+              <a:defRPr sz="1800" kern="1200">
+                <a:solidFill>
+                  <a:schemeClr val="tx1"/>
+                </a:solidFill>
+                <a:latin typeface="+mn-lt"/>
+                <a:ea typeface="+mn-ea"/>
+                <a:cs typeface="+mn-cs"/>
+              </a:defRPr>
+            </a:lvl7pPr>
+            <a:lvl8pPr marL="3429000" indent="-228600" algn="l" defTabSz="914400" rtl="0" eaLnBrk="1" latinLnBrk="0" hangingPunct="1">
+              <a:lnSpc>
+                <a:spcPct val="90000"/>
+              </a:lnSpc>
+              <a:spcBef>
+                <a:spcPts val="500"/>
+              </a:spcBef>
+              <a:buFont typeface="Arial" panose="020B0604020202020204" pitchFamily="34" charset="0"/>
+              <a:buChar char="•"/>
+              <a:defRPr sz="1800" kern="1200">
+                <a:solidFill>
+                  <a:schemeClr val="tx1"/>
+                </a:solidFill>
+                <a:latin typeface="+mn-lt"/>
+                <a:ea typeface="+mn-ea"/>
+                <a:cs typeface="+mn-cs"/>
+              </a:defRPr>
+            </a:lvl8pPr>
+            <a:lvl9pPr marL="3886200" indent="-228600" algn="l" defTabSz="914400" rtl="0" eaLnBrk="1" latinLnBrk="0" hangingPunct="1">
+              <a:lnSpc>
+                <a:spcPct val="90000"/>
+              </a:lnSpc>
+              <a:spcBef>
+                <a:spcPts val="500"/>
+              </a:spcBef>
+              <a:buFont typeface="Arial" panose="020B0604020202020204" pitchFamily="34" charset="0"/>
+              <a:buChar char="•"/>
+              <a:defRPr sz="1800" kern="1200">
+                <a:solidFill>
+                  <a:schemeClr val="tx1"/>
+                </a:solidFill>
+                <a:latin typeface="+mn-lt"/>
+                <a:ea typeface="+mn-ea"/>
+                <a:cs typeface="+mn-cs"/>
+              </a:defRPr>
+            </a:lvl9pPr>
+          </a:lstStyle>
+          <a:p>
+            <a:r>
+              <a:rPr lang="en-US" dirty="0"/>
+              <a:t>program block</a:t>
+            </a:r>
+          </a:p>
+          <a:p>
+            <a:endParaRPr lang="en-US" dirty="0"/>
+          </a:p>
+        </p:txBody>
+      </p:sp>
+      <p:sp>
+        <p:nvSpPr>
+          <p:cNvPr id="10" name="Content Placeholder 2">
+            <a:extLst>
+              <a:ext uri="{FF2B5EF4-FFF2-40B4-BE49-F238E27FC236}">
+                <a16:creationId xmlns:a16="http://schemas.microsoft.com/office/drawing/2014/main" id="{1315710B-FDCA-8E97-749D-49BD6F8C9617}"/>
+              </a:ext>
+            </a:extLst>
+          </p:cNvPr>
+          <p:cNvSpPr txBox="1">
+            <a:spLocks/>
+          </p:cNvSpPr>
+          <p:nvPr/>
+        </p:nvSpPr>
+        <p:spPr>
+          <a:xfrm>
+            <a:off x="446313" y="4632919"/>
+            <a:ext cx="5649687" cy="1065691"/>
+          </a:xfrm>
+          <a:prstGeom prst="rect">
+            <a:avLst/>
+          </a:prstGeom>
+        </p:spPr>
+        <p:txBody>
+          <a:bodyPr vert="horz" lIns="0" tIns="45720" rIns="91440" bIns="45720" rtlCol="0">
+            <a:noAutofit/>
+          </a:bodyPr>
+          <a:lstStyle>
+            <a:lvl1pPr marL="346075" indent="-288925" algn="l" defTabSz="914400" rtl="0" eaLnBrk="1" latinLnBrk="0" hangingPunct="1">
+              <a:lnSpc>
+                <a:spcPct val="90000"/>
+              </a:lnSpc>
+              <a:spcBef>
+                <a:spcPts val="1600"/>
+              </a:spcBef>
+              <a:spcAft>
+                <a:spcPts val="200"/>
+              </a:spcAft>
+              <a:buClr>
+                <a:schemeClr val="tx2"/>
+              </a:buClr>
+              <a:buSzPct val="100000"/>
+              <a:buFont typeface="Arial" panose="020B0604020202020204" pitchFamily="34" charset="0"/>
+              <a:buChar char="•"/>
+              <a:tabLst/>
+              <a:defRPr lang="en-US" sz="1400" kern="1200" dirty="0">
+                <a:solidFill>
+                  <a:schemeClr val="tx1"/>
+                </a:solidFill>
+                <a:latin typeface="Arial" panose="020B0604020202020204" pitchFamily="34" charset="0"/>
+                <a:ea typeface="+mn-ea"/>
+                <a:cs typeface="+mn-cs"/>
+              </a:defRPr>
+            </a:lvl1pPr>
+            <a:lvl2pPr marL="738188" indent="-280988" algn="l" defTabSz="914400" rtl="0" eaLnBrk="1" latinLnBrk="0" hangingPunct="1">
+              <a:lnSpc>
+                <a:spcPct val="90000"/>
+              </a:lnSpc>
+              <a:spcBef>
+                <a:spcPts val="300"/>
+              </a:spcBef>
+              <a:spcAft>
+                <a:spcPts val="600"/>
+              </a:spcAft>
+              <a:buClr>
+                <a:schemeClr val="tx2"/>
+              </a:buClr>
+              <a:buSzPct val="60000"/>
+              <a:buFont typeface="Courier New" panose="02070309020205020404" pitchFamily="49" charset="0"/>
+              <a:buChar char="o"/>
+              <a:tabLst/>
+              <a:defRPr lang="en-US" sz="1200" kern="1200" dirty="0">
+                <a:solidFill>
+                  <a:schemeClr val="tx1"/>
+                </a:solidFill>
+                <a:latin typeface="Arial" panose="020B0604020202020204" pitchFamily="34" charset="0"/>
+                <a:ea typeface="+mn-ea"/>
+                <a:cs typeface="+mn-cs"/>
+              </a:defRPr>
+            </a:lvl2pPr>
+            <a:lvl3pPr marL="1200150" indent="-285750" algn="l" defTabSz="914400" rtl="0" eaLnBrk="1" latinLnBrk="0" hangingPunct="1">
+              <a:lnSpc>
+                <a:spcPct val="90000"/>
+              </a:lnSpc>
+              <a:spcBef>
+                <a:spcPts val="300"/>
+              </a:spcBef>
+              <a:spcAft>
+                <a:spcPts val="500"/>
+              </a:spcAft>
+              <a:buClr>
+                <a:schemeClr val="tx2"/>
+              </a:buClr>
+              <a:buSzPct val="100000"/>
+              <a:buFont typeface="Rubik Light" panose="00000400000000000000" pitchFamily="2" charset="-79"/>
+              <a:buChar char="–"/>
+              <a:tabLst/>
+              <a:defRPr lang="en-US" sz="1200" kern="1200" dirty="0">
+                <a:solidFill>
+                  <a:schemeClr val="tx1"/>
+                </a:solidFill>
+                <a:latin typeface="Arial" panose="020B0604020202020204" pitchFamily="34" charset="0"/>
+                <a:ea typeface="+mn-ea"/>
+                <a:cs typeface="+mn-cs"/>
+              </a:defRPr>
+            </a:lvl3pPr>
+            <a:lvl4pPr marL="1652588" indent="-280988" algn="l" defTabSz="914400" rtl="0" eaLnBrk="1" latinLnBrk="0" hangingPunct="1">
+              <a:lnSpc>
+                <a:spcPct val="90000"/>
+              </a:lnSpc>
+              <a:spcBef>
+                <a:spcPts val="500"/>
+              </a:spcBef>
+              <a:spcAft>
+                <a:spcPts val="1200"/>
+              </a:spcAft>
+              <a:buClr>
+                <a:schemeClr val="accent2"/>
+              </a:buClr>
+              <a:buSzPct val="115000"/>
+              <a:buFont typeface=".Lucida Grande UI Regular"/>
+              <a:buChar char="▹"/>
+              <a:tabLst/>
+              <a:defRPr sz="1200" kern="1200">
+                <a:solidFill>
+                  <a:schemeClr val="tx1"/>
+                </a:solidFill>
+                <a:latin typeface="+mn-lt"/>
+                <a:ea typeface="+mn-ea"/>
+                <a:cs typeface="+mn-cs"/>
+              </a:defRPr>
+            </a:lvl4pPr>
+            <a:lvl5pPr marL="2170113" indent="-341313" algn="l" defTabSz="914400" rtl="0" eaLnBrk="1" latinLnBrk="0" hangingPunct="1">
+              <a:lnSpc>
+                <a:spcPct val="90000"/>
+              </a:lnSpc>
+              <a:spcBef>
+                <a:spcPts val="500"/>
+              </a:spcBef>
+              <a:spcAft>
+                <a:spcPts val="1200"/>
+              </a:spcAft>
+              <a:buClr>
+                <a:schemeClr val="accent2"/>
+              </a:buClr>
+              <a:buSzPct val="115000"/>
+              <a:buFont typeface=".Lucida Grande UI Regular"/>
+              <a:buChar char="▹"/>
+              <a:tabLst/>
+              <a:defRPr sz="1500" kern="1200">
+                <a:solidFill>
+                  <a:schemeClr val="tx2"/>
+                </a:solidFill>
+                <a:latin typeface="+mn-lt"/>
+                <a:ea typeface="+mn-ea"/>
+                <a:cs typeface="+mn-cs"/>
+              </a:defRPr>
+            </a:lvl5pPr>
+            <a:lvl6pPr marL="2514600" indent="-228600" algn="l" defTabSz="914400" rtl="0" eaLnBrk="1" latinLnBrk="0" hangingPunct="1">
+              <a:lnSpc>
+                <a:spcPct val="90000"/>
+              </a:lnSpc>
+              <a:spcBef>
+                <a:spcPts val="500"/>
+              </a:spcBef>
+              <a:buFont typeface="Arial" panose="020B0604020202020204" pitchFamily="34" charset="0"/>
+              <a:buChar char="•"/>
+              <a:defRPr sz="1800" kern="1200">
+                <a:solidFill>
+                  <a:schemeClr val="tx1"/>
+                </a:solidFill>
+                <a:latin typeface="+mn-lt"/>
+                <a:ea typeface="+mn-ea"/>
+                <a:cs typeface="+mn-cs"/>
+              </a:defRPr>
+            </a:lvl6pPr>
+            <a:lvl7pPr marL="2971800" indent="-228600" algn="l" defTabSz="914400" rtl="0" eaLnBrk="1" latinLnBrk="0" hangingPunct="1">
+              <a:lnSpc>
+                <a:spcPct val="90000"/>
+              </a:lnSpc>
+              <a:spcBef>
+                <a:spcPts val="500"/>
+              </a:spcBef>
+              <a:buFont typeface="Arial" panose="020B0604020202020204" pitchFamily="34" charset="0"/>
+              <a:buChar char="•"/>
+              <a:defRPr sz="1800" kern="1200">
+                <a:solidFill>
+                  <a:schemeClr val="tx1"/>
+                </a:solidFill>
+                <a:latin typeface="+mn-lt"/>
+                <a:ea typeface="+mn-ea"/>
+                <a:cs typeface="+mn-cs"/>
+              </a:defRPr>
+            </a:lvl7pPr>
+            <a:lvl8pPr marL="3429000" indent="-228600" algn="l" defTabSz="914400" rtl="0" eaLnBrk="1" latinLnBrk="0" hangingPunct="1">
+              <a:lnSpc>
+                <a:spcPct val="90000"/>
+              </a:lnSpc>
+              <a:spcBef>
+                <a:spcPts val="500"/>
+              </a:spcBef>
+              <a:buFont typeface="Arial" panose="020B0604020202020204" pitchFamily="34" charset="0"/>
+              <a:buChar char="•"/>
+              <a:defRPr sz="1800" kern="1200">
+                <a:solidFill>
+                  <a:schemeClr val="tx1"/>
+                </a:solidFill>
+                <a:latin typeface="+mn-lt"/>
+                <a:ea typeface="+mn-ea"/>
+                <a:cs typeface="+mn-cs"/>
+              </a:defRPr>
+            </a:lvl8pPr>
+            <a:lvl9pPr marL="3886200" indent="-228600" algn="l" defTabSz="914400" rtl="0" eaLnBrk="1" latinLnBrk="0" hangingPunct="1">
+              <a:lnSpc>
+                <a:spcPct val="90000"/>
+              </a:lnSpc>
+              <a:spcBef>
+                <a:spcPts val="500"/>
+              </a:spcBef>
+              <a:buFont typeface="Arial" panose="020B0604020202020204" pitchFamily="34" charset="0"/>
+              <a:buChar char="•"/>
+              <a:defRPr sz="1800" kern="1200">
+                <a:solidFill>
+                  <a:schemeClr val="tx1"/>
+                </a:solidFill>
+                <a:latin typeface="+mn-lt"/>
+                <a:ea typeface="+mn-ea"/>
+                <a:cs typeface="+mn-cs"/>
+              </a:defRPr>
+            </a:lvl9pPr>
+          </a:lstStyle>
+          <a:p>
+            <a:r>
+              <a:rPr lang="en-US" dirty="0"/>
+              <a:t>deferred, final </a:t>
+            </a:r>
+          </a:p>
+        </p:txBody>
+      </p:sp>
+      <p:cxnSp>
+        <p:nvCxnSpPr>
+          <p:cNvPr id="11" name="Straight Arrow Connector 10">
+            <a:extLst>
+              <a:ext uri="{FF2B5EF4-FFF2-40B4-BE49-F238E27FC236}">
+                <a16:creationId xmlns:a16="http://schemas.microsoft.com/office/drawing/2014/main" id="{67E48574-345A-6CA6-FF31-C35DFA716159}"/>
+              </a:ext>
+            </a:extLst>
+          </p:cNvPr>
+          <p:cNvCxnSpPr>
+            <a:cxnSpLocks/>
+          </p:cNvCxnSpPr>
+          <p:nvPr/>
+        </p:nvCxnSpPr>
+        <p:spPr>
+          <a:xfrm>
+            <a:off x="2177796" y="4255102"/>
+            <a:ext cx="3636264" cy="74263"/>
+          </a:xfrm>
+          <a:prstGeom prst="straightConnector1">
+            <a:avLst/>
+          </a:prstGeom>
+          <a:ln w="19050">
+            <a:tailEnd type="triangle"/>
+          </a:ln>
+        </p:spPr>
+        <p:style>
+          <a:lnRef idx="1">
+            <a:schemeClr val="accent6"/>
+          </a:lnRef>
+          <a:fillRef idx="0">
+            <a:schemeClr val="accent6"/>
+          </a:fillRef>
+          <a:effectRef idx="0">
+            <a:schemeClr val="accent6"/>
+          </a:effectRef>
+          <a:fontRef idx="minor">
+            <a:schemeClr val="tx1"/>
+          </a:fontRef>
+        </p:style>
+      </p:cxnSp>
+      <p:sp>
+        <p:nvSpPr>
+          <p:cNvPr id="12" name="Content Placeholder 2">
+            <a:extLst>
+              <a:ext uri="{FF2B5EF4-FFF2-40B4-BE49-F238E27FC236}">
+                <a16:creationId xmlns:a16="http://schemas.microsoft.com/office/drawing/2014/main" id="{CEC9CD41-E23E-8879-DBCD-05976306D1C6}"/>
+              </a:ext>
+            </a:extLst>
+          </p:cNvPr>
+          <p:cNvSpPr txBox="1">
+            <a:spLocks/>
+          </p:cNvSpPr>
+          <p:nvPr/>
+        </p:nvSpPr>
+        <p:spPr>
+          <a:xfrm>
+            <a:off x="446313" y="868156"/>
+            <a:ext cx="5649687" cy="510827"/>
+          </a:xfrm>
+          <a:prstGeom prst="rect">
+            <a:avLst/>
+          </a:prstGeom>
+        </p:spPr>
+        <p:txBody>
+          <a:bodyPr vert="horz" lIns="0" tIns="45720" rIns="91440" bIns="45720" rtlCol="0">
+            <a:noAutofit/>
+          </a:bodyPr>
+          <a:lstStyle>
+            <a:lvl1pPr marL="346075" indent="-288925" algn="l" defTabSz="914400" rtl="0" eaLnBrk="1" latinLnBrk="0" hangingPunct="1">
+              <a:lnSpc>
+                <a:spcPct val="90000"/>
+              </a:lnSpc>
+              <a:spcBef>
+                <a:spcPts val="1600"/>
+              </a:spcBef>
+              <a:spcAft>
+                <a:spcPts val="200"/>
+              </a:spcAft>
+              <a:buClr>
+                <a:schemeClr val="tx2"/>
+              </a:buClr>
+              <a:buSzPct val="100000"/>
+              <a:buFont typeface="Arial" panose="020B0604020202020204" pitchFamily="34" charset="0"/>
+              <a:buChar char="•"/>
+              <a:tabLst/>
+              <a:defRPr lang="en-US" sz="1400" kern="1200" dirty="0">
+                <a:solidFill>
+                  <a:schemeClr val="tx1"/>
+                </a:solidFill>
+                <a:latin typeface="Arial" panose="020B0604020202020204" pitchFamily="34" charset="0"/>
+                <a:ea typeface="+mn-ea"/>
+                <a:cs typeface="+mn-cs"/>
+              </a:defRPr>
+            </a:lvl1pPr>
+            <a:lvl2pPr marL="738188" indent="-280988" algn="l" defTabSz="914400" rtl="0" eaLnBrk="1" latinLnBrk="0" hangingPunct="1">
+              <a:lnSpc>
+                <a:spcPct val="90000"/>
+              </a:lnSpc>
+              <a:spcBef>
+                <a:spcPts val="300"/>
+              </a:spcBef>
+              <a:spcAft>
+                <a:spcPts val="600"/>
+              </a:spcAft>
+              <a:buClr>
+                <a:schemeClr val="tx2"/>
+              </a:buClr>
+              <a:buSzPct val="60000"/>
+              <a:buFont typeface="Courier New" panose="02070309020205020404" pitchFamily="49" charset="0"/>
+              <a:buChar char="o"/>
+              <a:tabLst/>
+              <a:defRPr lang="en-US" sz="1200" kern="1200" dirty="0">
+                <a:solidFill>
+                  <a:schemeClr val="tx1"/>
+                </a:solidFill>
+                <a:latin typeface="Arial" panose="020B0604020202020204" pitchFamily="34" charset="0"/>
+                <a:ea typeface="+mn-ea"/>
+                <a:cs typeface="+mn-cs"/>
+              </a:defRPr>
+            </a:lvl2pPr>
+            <a:lvl3pPr marL="1200150" indent="-285750" algn="l" defTabSz="914400" rtl="0" eaLnBrk="1" latinLnBrk="0" hangingPunct="1">
+              <a:lnSpc>
+                <a:spcPct val="90000"/>
+              </a:lnSpc>
+              <a:spcBef>
+                <a:spcPts val="300"/>
+              </a:spcBef>
+              <a:spcAft>
+                <a:spcPts val="500"/>
+              </a:spcAft>
+              <a:buClr>
+                <a:schemeClr val="tx2"/>
+              </a:buClr>
+              <a:buSzPct val="100000"/>
+              <a:buFont typeface="Rubik Light" panose="00000400000000000000" pitchFamily="2" charset="-79"/>
+              <a:buChar char="–"/>
+              <a:tabLst/>
+              <a:defRPr lang="en-US" sz="1200" kern="1200" dirty="0">
+                <a:solidFill>
+                  <a:schemeClr val="tx1"/>
+                </a:solidFill>
+                <a:latin typeface="Arial" panose="020B0604020202020204" pitchFamily="34" charset="0"/>
+                <a:ea typeface="+mn-ea"/>
+                <a:cs typeface="+mn-cs"/>
+              </a:defRPr>
+            </a:lvl3pPr>
+            <a:lvl4pPr marL="1652588" indent="-280988" algn="l" defTabSz="914400" rtl="0" eaLnBrk="1" latinLnBrk="0" hangingPunct="1">
+              <a:lnSpc>
+                <a:spcPct val="90000"/>
+              </a:lnSpc>
+              <a:spcBef>
+                <a:spcPts val="500"/>
+              </a:spcBef>
+              <a:spcAft>
+                <a:spcPts val="1200"/>
+              </a:spcAft>
+              <a:buClr>
+                <a:schemeClr val="accent2"/>
+              </a:buClr>
+              <a:buSzPct val="115000"/>
+              <a:buFont typeface=".Lucida Grande UI Regular"/>
+              <a:buChar char="▹"/>
+              <a:tabLst/>
+              <a:defRPr sz="1200" kern="1200">
+                <a:solidFill>
+                  <a:schemeClr val="tx1"/>
+                </a:solidFill>
+                <a:latin typeface="+mn-lt"/>
+                <a:ea typeface="+mn-ea"/>
+                <a:cs typeface="+mn-cs"/>
+              </a:defRPr>
+            </a:lvl4pPr>
+            <a:lvl5pPr marL="2170113" indent="-341313" algn="l" defTabSz="914400" rtl="0" eaLnBrk="1" latinLnBrk="0" hangingPunct="1">
+              <a:lnSpc>
+                <a:spcPct val="90000"/>
+              </a:lnSpc>
+              <a:spcBef>
+                <a:spcPts val="500"/>
+              </a:spcBef>
+              <a:spcAft>
+                <a:spcPts val="1200"/>
+              </a:spcAft>
+              <a:buClr>
+                <a:schemeClr val="accent2"/>
+              </a:buClr>
+              <a:buSzPct val="115000"/>
+              <a:buFont typeface=".Lucida Grande UI Regular"/>
+              <a:buChar char="▹"/>
+              <a:tabLst/>
+              <a:defRPr sz="1500" kern="1200">
+                <a:solidFill>
+                  <a:schemeClr val="tx2"/>
+                </a:solidFill>
+                <a:latin typeface="+mn-lt"/>
+                <a:ea typeface="+mn-ea"/>
+                <a:cs typeface="+mn-cs"/>
+              </a:defRPr>
+            </a:lvl5pPr>
+            <a:lvl6pPr marL="2514600" indent="-228600" algn="l" defTabSz="914400" rtl="0" eaLnBrk="1" latinLnBrk="0" hangingPunct="1">
+              <a:lnSpc>
+                <a:spcPct val="90000"/>
+              </a:lnSpc>
+              <a:spcBef>
+                <a:spcPts val="500"/>
+              </a:spcBef>
+              <a:buFont typeface="Arial" panose="020B0604020202020204" pitchFamily="34" charset="0"/>
+              <a:buChar char="•"/>
+              <a:defRPr sz="1800" kern="1200">
+                <a:solidFill>
+                  <a:schemeClr val="tx1"/>
+                </a:solidFill>
+                <a:latin typeface="+mn-lt"/>
+                <a:ea typeface="+mn-ea"/>
+                <a:cs typeface="+mn-cs"/>
+              </a:defRPr>
+            </a:lvl6pPr>
+            <a:lvl7pPr marL="2971800" indent="-228600" algn="l" defTabSz="914400" rtl="0" eaLnBrk="1" latinLnBrk="0" hangingPunct="1">
+              <a:lnSpc>
+                <a:spcPct val="90000"/>
+              </a:lnSpc>
+              <a:spcBef>
+                <a:spcPts val="500"/>
+              </a:spcBef>
+              <a:buFont typeface="Arial" panose="020B0604020202020204" pitchFamily="34" charset="0"/>
+              <a:buChar char="•"/>
+              <a:defRPr sz="1800" kern="1200">
+                <a:solidFill>
+                  <a:schemeClr val="tx1"/>
+                </a:solidFill>
+                <a:latin typeface="+mn-lt"/>
+                <a:ea typeface="+mn-ea"/>
+                <a:cs typeface="+mn-cs"/>
+              </a:defRPr>
+            </a:lvl7pPr>
+            <a:lvl8pPr marL="3429000" indent="-228600" algn="l" defTabSz="914400" rtl="0" eaLnBrk="1" latinLnBrk="0" hangingPunct="1">
+              <a:lnSpc>
+                <a:spcPct val="90000"/>
+              </a:lnSpc>
+              <a:spcBef>
+                <a:spcPts val="500"/>
+              </a:spcBef>
+              <a:buFont typeface="Arial" panose="020B0604020202020204" pitchFamily="34" charset="0"/>
+              <a:buChar char="•"/>
+              <a:defRPr sz="1800" kern="1200">
+                <a:solidFill>
+                  <a:schemeClr val="tx1"/>
+                </a:solidFill>
+                <a:latin typeface="+mn-lt"/>
+                <a:ea typeface="+mn-ea"/>
+                <a:cs typeface="+mn-cs"/>
+              </a:defRPr>
+            </a:lvl8pPr>
+            <a:lvl9pPr marL="3886200" indent="-228600" algn="l" defTabSz="914400" rtl="0" eaLnBrk="1" latinLnBrk="0" hangingPunct="1">
+              <a:lnSpc>
+                <a:spcPct val="90000"/>
+              </a:lnSpc>
+              <a:spcBef>
+                <a:spcPts val="500"/>
+              </a:spcBef>
+              <a:buFont typeface="Arial" panose="020B0604020202020204" pitchFamily="34" charset="0"/>
+              <a:buChar char="•"/>
+              <a:defRPr sz="1800" kern="1200">
+                <a:solidFill>
+                  <a:schemeClr val="tx1"/>
+                </a:solidFill>
+                <a:latin typeface="+mn-lt"/>
+                <a:ea typeface="+mn-ea"/>
+                <a:cs typeface="+mn-cs"/>
+              </a:defRPr>
+            </a:lvl9pPr>
+          </a:lstStyle>
+          <a:p>
+            <a:r>
+              <a:rPr lang="en-US" dirty="0"/>
+              <a:t>sample</a:t>
+            </a:r>
+          </a:p>
+        </p:txBody>
+      </p:sp>
+      <p:cxnSp>
+        <p:nvCxnSpPr>
+          <p:cNvPr id="13" name="Straight Arrow Connector 12">
+            <a:extLst>
+              <a:ext uri="{FF2B5EF4-FFF2-40B4-BE49-F238E27FC236}">
+                <a16:creationId xmlns:a16="http://schemas.microsoft.com/office/drawing/2014/main" id="{556D2D50-33E7-E92E-83B5-1B3498EE176B}"/>
+              </a:ext>
+            </a:extLst>
+          </p:cNvPr>
+          <p:cNvCxnSpPr>
+            <a:cxnSpLocks/>
+          </p:cNvCxnSpPr>
+          <p:nvPr/>
+        </p:nvCxnSpPr>
+        <p:spPr>
+          <a:xfrm flipV="1">
+            <a:off x="2459736" y="846137"/>
+            <a:ext cx="3636264" cy="152081"/>
+          </a:xfrm>
+          <a:prstGeom prst="straightConnector1">
+            <a:avLst/>
+          </a:prstGeom>
+          <a:ln w="19050">
+            <a:tailEnd type="triangle"/>
+          </a:ln>
+        </p:spPr>
+        <p:style>
+          <a:lnRef idx="1">
+            <a:schemeClr val="accent6"/>
+          </a:lnRef>
+          <a:fillRef idx="0">
+            <a:schemeClr val="accent6"/>
+          </a:fillRef>
+          <a:effectRef idx="0">
+            <a:schemeClr val="accent6"/>
+          </a:effectRef>
+          <a:fontRef idx="minor">
+            <a:schemeClr val="tx1"/>
+          </a:fontRef>
+        </p:style>
+      </p:cxnSp>
+    </p:spTree>
+    <p:extLst>
+      <p:ext uri="{BB962C8B-B14F-4D97-AF65-F5344CB8AC3E}">
+        <p14:creationId xmlns:p14="http://schemas.microsoft.com/office/powerpoint/2010/main" val="315012207"/>
+      </p:ext>
+    </p:extLst>
+  </p:cSld>
+  <p:clrMapOvr>
+    <a:masterClrMapping/>
+  </p:clrMapOvr>
+</p:sld>
+</file>
+
+<file path=ppt/slides/slide11.xml><?xml version="1.0" encoding="utf-8"?>
+<p:sld xmlns:a="http://schemas.openxmlformats.org/drawingml/2006/main" xmlns:r="http://schemas.openxmlformats.org/officeDocument/2006/relationships" xmlns:p="http://schemas.openxmlformats.org/presentationml/2006/main">
+  <p:cSld>
+    <p:spTree>
+      <p:nvGrpSpPr>
+        <p:cNvPr id="1" name=""/>
+        <p:cNvGrpSpPr/>
+        <p:nvPr/>
+      </p:nvGrpSpPr>
+      <p:grpSpPr>
+        <a:xfrm>
+          <a:off x="0" y="0"/>
+          <a:ext cx="0" cy="0"/>
+          <a:chOff x="0" y="0"/>
+          <a:chExt cx="0" cy="0"/>
+        </a:xfrm>
+      </p:grpSpPr>
+      <p:sp>
+        <p:nvSpPr>
+          <p:cNvPr id="2" name="Title 1">
+            <a:extLst>
+              <a:ext uri="{FF2B5EF4-FFF2-40B4-BE49-F238E27FC236}">
+                <a16:creationId xmlns:a16="http://schemas.microsoft.com/office/drawing/2014/main" id="{B0ACDDE9-14E8-4FC2-512C-6429588613AC}"/>
+              </a:ext>
+            </a:extLst>
+          </p:cNvPr>
+          <p:cNvSpPr>
+            <a:spLocks noGrp="1"/>
+          </p:cNvSpPr>
+          <p:nvPr>
+            <p:ph type="title"/>
+          </p:nvPr>
+        </p:nvSpPr>
+        <p:spPr/>
+        <p:txBody>
+          <a:bodyPr/>
+          <a:lstStyle/>
+          <a:p>
+            <a:r>
+              <a:rPr lang="en-US" dirty="0" err="1"/>
+              <a:t>sva</a:t>
+            </a:r>
+            <a:r>
+              <a:rPr lang="en-US" dirty="0"/>
+              <a:t> introduction</a:t>
+            </a:r>
+          </a:p>
+        </p:txBody>
+      </p:sp>
+      <p:sp>
+        <p:nvSpPr>
           <p:cNvPr id="3" name="Content Placeholder 2">
             <a:extLst>
               <a:ext uri="{FF2B5EF4-FFF2-40B4-BE49-F238E27FC236}">
@@ -3504,14 +4756,195 @@
             <p:ph type="sldNum" sz="quarter" idx="12"/>
           </p:nvPr>
         </p:nvSpPr>
+        <p:spPr>
+          <a:xfrm>
+            <a:off x="8594656" y="6306399"/>
+            <a:ext cx="2743200" cy="365125"/>
+          </a:xfrm>
+        </p:spPr>
+        <p:txBody>
+          <a:bodyPr/>
+          <a:lstStyle/>
+          <a:p>
+            <a:fld id="{8A2B06E4-34D2-4DD4-ABFF-9F74AC2B18B5}" type="slidenum">
+              <a:rPr lang="en-US" smtClean="0"/>
+              <a:t>11</a:t>
+            </a:fld>
+            <a:endParaRPr lang="en-US" dirty="0"/>
+          </a:p>
+        </p:txBody>
+      </p:sp>
+      <p:pic>
+        <p:nvPicPr>
+          <p:cNvPr id="5" name="Picture 4">
+            <a:extLst>
+              <a:ext uri="{FF2B5EF4-FFF2-40B4-BE49-F238E27FC236}">
+                <a16:creationId xmlns:a16="http://schemas.microsoft.com/office/drawing/2014/main" id="{BDE8C942-D843-8111-3B1C-4FAF2A206D89}"/>
+              </a:ext>
+            </a:extLst>
+          </p:cNvPr>
+          <p:cNvPicPr>
+            <a:picLocks noChangeAspect="1"/>
+          </p:cNvPicPr>
+          <p:nvPr/>
+        </p:nvPicPr>
+        <p:blipFill>
+          <a:blip r:embed="rId2"/>
+          <a:stretch>
+            <a:fillRect/>
+          </a:stretch>
+        </p:blipFill>
+        <p:spPr>
+          <a:xfrm>
+            <a:off x="1723416" y="1425859"/>
+            <a:ext cx="7225276" cy="2660286"/>
+          </a:xfrm>
+          <a:prstGeom prst="rect">
+            <a:avLst/>
+          </a:prstGeom>
+        </p:spPr>
+      </p:pic>
+      <p:pic>
+        <p:nvPicPr>
+          <p:cNvPr id="6" name="Picture 5">
+            <a:extLst>
+              <a:ext uri="{FF2B5EF4-FFF2-40B4-BE49-F238E27FC236}">
+                <a16:creationId xmlns:a16="http://schemas.microsoft.com/office/drawing/2014/main" id="{25B66C03-09E8-B409-1F00-7C2A4C294F02}"/>
+              </a:ext>
+            </a:extLst>
+          </p:cNvPr>
+          <p:cNvPicPr>
+            <a:picLocks noChangeAspect="1"/>
+          </p:cNvPicPr>
+          <p:nvPr/>
+        </p:nvPicPr>
+        <p:blipFill>
+          <a:blip r:embed="rId3"/>
+          <a:stretch>
+            <a:fillRect/>
+          </a:stretch>
+        </p:blipFill>
+        <p:spPr>
+          <a:xfrm>
+            <a:off x="1723416" y="4546193"/>
+            <a:ext cx="8246207" cy="1670800"/>
+          </a:xfrm>
+          <a:prstGeom prst="rect">
+            <a:avLst/>
+          </a:prstGeom>
+        </p:spPr>
+      </p:pic>
+    </p:spTree>
+    <p:extLst>
+      <p:ext uri="{BB962C8B-B14F-4D97-AF65-F5344CB8AC3E}">
+        <p14:creationId xmlns:p14="http://schemas.microsoft.com/office/powerpoint/2010/main" val="3934375447"/>
+      </p:ext>
+    </p:extLst>
+  </p:cSld>
+  <p:clrMapOvr>
+    <a:masterClrMapping/>
+  </p:clrMapOvr>
+</p:sld>
+</file>
+
+<file path=ppt/slides/slide12.xml><?xml version="1.0" encoding="utf-8"?>
+<p:sld xmlns:a="http://schemas.openxmlformats.org/drawingml/2006/main" xmlns:r="http://schemas.openxmlformats.org/officeDocument/2006/relationships" xmlns:p="http://schemas.openxmlformats.org/presentationml/2006/main">
+  <p:cSld>
+    <p:spTree>
+      <p:nvGrpSpPr>
+        <p:cNvPr id="1" name=""/>
+        <p:cNvGrpSpPr/>
+        <p:nvPr/>
+      </p:nvGrpSpPr>
+      <p:grpSpPr>
+        <a:xfrm>
+          <a:off x="0" y="0"/>
+          <a:ext cx="0" cy="0"/>
+          <a:chOff x="0" y="0"/>
+          <a:chExt cx="0" cy="0"/>
+        </a:xfrm>
+      </p:grpSpPr>
+      <p:sp>
+        <p:nvSpPr>
+          <p:cNvPr id="2" name="Title 1">
+            <a:extLst>
+              <a:ext uri="{FF2B5EF4-FFF2-40B4-BE49-F238E27FC236}">
+                <a16:creationId xmlns:a16="http://schemas.microsoft.com/office/drawing/2014/main" id="{B0ACDDE9-14E8-4FC2-512C-6429588613AC}"/>
+              </a:ext>
+            </a:extLst>
+          </p:cNvPr>
+          <p:cNvSpPr>
+            <a:spLocks noGrp="1"/>
+          </p:cNvSpPr>
+          <p:nvPr>
+            <p:ph type="title"/>
+          </p:nvPr>
+        </p:nvSpPr>
         <p:spPr/>
         <p:txBody>
           <a:bodyPr/>
           <a:lstStyle/>
           <a:p>
+            <a:r>
+              <a:rPr lang="en-US" dirty="0" err="1"/>
+              <a:t>sva</a:t>
+            </a:r>
+            <a:r>
+              <a:rPr lang="en-US" dirty="0"/>
+              <a:t> introduction</a:t>
+            </a:r>
+          </a:p>
+        </p:txBody>
+      </p:sp>
+      <p:sp>
+        <p:nvSpPr>
+          <p:cNvPr id="3" name="Content Placeholder 2">
+            <a:extLst>
+              <a:ext uri="{FF2B5EF4-FFF2-40B4-BE49-F238E27FC236}">
+                <a16:creationId xmlns:a16="http://schemas.microsoft.com/office/drawing/2014/main" id="{C2EC6D9B-9CBC-FC98-8514-E2137510FE78}"/>
+              </a:ext>
+            </a:extLst>
+          </p:cNvPr>
+          <p:cNvSpPr>
+            <a:spLocks noGrp="1"/>
+          </p:cNvSpPr>
+          <p:nvPr>
+            <p:ph idx="1"/>
+          </p:nvPr>
+        </p:nvSpPr>
+        <p:spPr/>
+        <p:txBody>
+          <a:bodyPr/>
+          <a:lstStyle/>
+          <a:p>
+            <a:endParaRPr lang="en-US"/>
+          </a:p>
+        </p:txBody>
+      </p:sp>
+      <p:sp>
+        <p:nvSpPr>
+          <p:cNvPr id="4" name="Slide Number Placeholder 3">
+            <a:extLst>
+              <a:ext uri="{FF2B5EF4-FFF2-40B4-BE49-F238E27FC236}">
+                <a16:creationId xmlns:a16="http://schemas.microsoft.com/office/drawing/2014/main" id="{7DD44BDC-6127-E796-C787-2F6EF654F887}"/>
+              </a:ext>
+            </a:extLst>
+          </p:cNvPr>
+          <p:cNvSpPr>
+            <a:spLocks noGrp="1"/>
+          </p:cNvSpPr>
+          <p:nvPr>
+            <p:ph type="sldNum" sz="quarter" idx="12"/>
+          </p:nvPr>
+        </p:nvSpPr>
+        <p:spPr/>
+        <p:txBody>
+          <a:bodyPr/>
+          <a:lstStyle/>
+          <a:p>
             <a:fld id="{8A2B06E4-34D2-4DD4-ABFF-9F74AC2B18B5}" type="slidenum">
               <a:rPr lang="en-US" smtClean="0"/>
-              <a:t>10</a:t>
+              <a:t>12</a:t>
             </a:fld>
             <a:endParaRPr lang="en-US" dirty="0"/>
           </a:p>
@@ -3560,7 +4993,7 @@
 </p:sld>
 </file>
 
-<file path=ppt/slides/slide11.xml><?xml version="1.0" encoding="utf-8"?>
+<file path=ppt/slides/slide13.xml><?xml version="1.0" encoding="utf-8"?>
 <p:sld xmlns:a="http://schemas.openxmlformats.org/drawingml/2006/main" xmlns:r="http://schemas.openxmlformats.org/officeDocument/2006/relationships" xmlns:p="http://schemas.openxmlformats.org/presentationml/2006/main">
   <p:cSld>
     <p:spTree>
@@ -3632,7 +5065,7 @@
           <a:p>
             <a:fld id="{8A2B06E4-34D2-4DD4-ABFF-9F74AC2B18B5}" type="slidenum">
               <a:rPr lang="en-US" smtClean="0"/>
-              <a:t>11</a:t>
+              <a:t>13</a:t>
             </a:fld>
             <a:endParaRPr lang="en-US" dirty="0"/>
           </a:p>
@@ -4069,7 +5502,7 @@
 </p:sld>
 </file>
 
-<file path=ppt/slides/slide12.xml><?xml version="1.0" encoding="utf-8"?>
+<file path=ppt/slides/slide14.xml><?xml version="1.0" encoding="utf-8"?>
 <p:sld xmlns:a="http://schemas.openxmlformats.org/drawingml/2006/main" xmlns:r="http://schemas.openxmlformats.org/officeDocument/2006/relationships" xmlns:p="http://schemas.openxmlformats.org/presentationml/2006/main">
   <p:cSld>
     <p:spTree>
@@ -4159,7 +5592,7 @@
           <a:p>
             <a:fld id="{8A2B06E4-34D2-4DD4-ABFF-9F74AC2B18B5}" type="slidenum">
               <a:rPr lang="en-US" smtClean="0"/>
-              <a:t>12</a:t>
+              <a:t>14</a:t>
             </a:fld>
             <a:endParaRPr lang="en-US" dirty="0"/>
           </a:p>
@@ -4178,7 +5611,7 @@
 </p:sld>
 </file>
 
-<file path=ppt/slides/slide13.xml><?xml version="1.0" encoding="utf-8"?>
+<file path=ppt/slides/slide15.xml><?xml version="1.0" encoding="utf-8"?>
 <p:sld xmlns:a="http://schemas.openxmlformats.org/drawingml/2006/main" xmlns:r="http://schemas.openxmlformats.org/officeDocument/2006/relationships" xmlns:p="http://schemas.openxmlformats.org/presentationml/2006/main">
   <p:cSld>
     <p:spTree>
@@ -4290,7 +5723,7 @@
           <a:p>
             <a:fld id="{8A2B06E4-34D2-4DD4-ABFF-9F74AC2B18B5}" type="slidenum">
               <a:rPr lang="en-US" smtClean="0"/>
-              <a:t>13</a:t>
+              <a:t>15</a:t>
             </a:fld>
             <a:endParaRPr lang="en-US" dirty="0"/>
           </a:p>
@@ -4399,7 +5832,7 @@
 </p:sld>
 </file>
 
-<file path=ppt/slides/slide14.xml><?xml version="1.0" encoding="utf-8"?>
+<file path=ppt/slides/slide16.xml><?xml version="1.0" encoding="utf-8"?>
 <p:sld xmlns:a="http://schemas.openxmlformats.org/drawingml/2006/main" xmlns:r="http://schemas.openxmlformats.org/officeDocument/2006/relationships" xmlns:p="http://schemas.openxmlformats.org/presentationml/2006/main">
   <p:cSld>
     <p:spTree>
@@ -4439,7 +5872,7 @@
           <a:p>
             <a:fld id="{8A2B06E4-34D2-4DD4-ABFF-9F74AC2B18B5}" type="slidenum">
               <a:rPr lang="en-US" smtClean="0"/>
-              <a:t>14</a:t>
+              <a:t>16</a:t>
             </a:fld>
             <a:endParaRPr lang="en-US" dirty="0"/>
           </a:p>
@@ -4517,7 +5950,7 @@
 </p:sld>
 </file>
 
-<file path=ppt/slides/slide15.xml><?xml version="1.0" encoding="utf-8"?>
+<file path=ppt/slides/slide17.xml><?xml version="1.0" encoding="utf-8"?>
 <p:sld xmlns:a="http://schemas.openxmlformats.org/drawingml/2006/main" xmlns:r="http://schemas.openxmlformats.org/officeDocument/2006/relationships" xmlns:p="http://schemas.openxmlformats.org/presentationml/2006/main">
   <p:cSld>
     <p:spTree>
@@ -4613,7 +6046,7 @@
           <a:p>
             <a:fld id="{8A2B06E4-34D2-4DD4-ABFF-9F74AC2B18B5}" type="slidenum">
               <a:rPr lang="en-US" smtClean="0"/>
-              <a:t>15</a:t>
+              <a:t>17</a:t>
             </a:fld>
             <a:endParaRPr lang="en-US" dirty="0"/>
           </a:p>
@@ -4722,7 +6155,7 @@
 </p:sld>
 </file>
 
-<file path=ppt/slides/slide16.xml><?xml version="1.0" encoding="utf-8"?>
+<file path=ppt/slides/slide18.xml><?xml version="1.0" encoding="utf-8"?>
 <p:sld xmlns:a="http://schemas.openxmlformats.org/drawingml/2006/main" xmlns:r="http://schemas.openxmlformats.org/officeDocument/2006/relationships" xmlns:p="http://schemas.openxmlformats.org/presentationml/2006/main">
   <p:cSld>
     <p:spTree>
@@ -4790,7 +6223,7 @@
           <a:p>
             <a:fld id="{8A2B06E4-34D2-4DD4-ABFF-9F74AC2B18B5}" type="slidenum">
               <a:rPr lang="en-US" smtClean="0"/>
-              <a:t>16</a:t>
+              <a:t>18</a:t>
             </a:fld>
             <a:endParaRPr lang="en-US" dirty="0"/>
           </a:p>
@@ -5104,7 +6537,7 @@
 </p:sld>
 </file>
 
-<file path=ppt/slides/slide17.xml><?xml version="1.0" encoding="utf-8"?>
+<file path=ppt/slides/slide19.xml><?xml version="1.0" encoding="utf-8"?>
 <p:sld xmlns:a="http://schemas.openxmlformats.org/drawingml/2006/main" xmlns:r="http://schemas.openxmlformats.org/officeDocument/2006/relationships" xmlns:p="http://schemas.openxmlformats.org/presentationml/2006/main">
   <p:cSld>
     <p:spTree>
@@ -5172,7 +6605,7 @@
           <a:p>
             <a:fld id="{8A2B06E4-34D2-4DD4-ABFF-9F74AC2B18B5}" type="slidenum">
               <a:rPr lang="en-US" smtClean="0"/>
-              <a:t>17</a:t>
+              <a:t>19</a:t>
             </a:fld>
             <a:endParaRPr lang="en-US" dirty="0"/>
           </a:p>
@@ -5517,7 +6950,7 @@
 </p:sld>
 </file>
 
-<file path=ppt/slides/slide18.xml><?xml version="1.0" encoding="utf-8"?>
+<file path=ppt/slides/slide2.xml><?xml version="1.0" encoding="utf-8"?>
 <p:sld xmlns:a="http://schemas.openxmlformats.org/drawingml/2006/main" xmlns:r="http://schemas.openxmlformats.org/officeDocument/2006/relationships" xmlns:p="http://schemas.openxmlformats.org/presentationml/2006/main">
   <p:cSld>
     <p:spTree>
@@ -5539,6 +6972,126 @@
           <p:cNvPr id="2" name="Title 1">
             <a:extLst>
               <a:ext uri="{FF2B5EF4-FFF2-40B4-BE49-F238E27FC236}">
+                <a16:creationId xmlns:a16="http://schemas.microsoft.com/office/drawing/2014/main" id="{1073C9BB-6581-709B-AEAE-0031AF3DFA18}"/>
+              </a:ext>
+            </a:extLst>
+          </p:cNvPr>
+          <p:cNvSpPr>
+            <a:spLocks noGrp="1"/>
+          </p:cNvSpPr>
+          <p:nvPr>
+            <p:ph type="title"/>
+          </p:nvPr>
+        </p:nvSpPr>
+        <p:spPr/>
+        <p:txBody>
+          <a:bodyPr/>
+          <a:lstStyle/>
+          <a:p>
+            <a:endParaRPr lang="en-US"/>
+          </a:p>
+        </p:txBody>
+      </p:sp>
+      <p:sp>
+        <p:nvSpPr>
+          <p:cNvPr id="3" name="Content Placeholder 2">
+            <a:extLst>
+              <a:ext uri="{FF2B5EF4-FFF2-40B4-BE49-F238E27FC236}">
+                <a16:creationId xmlns:a16="http://schemas.microsoft.com/office/drawing/2014/main" id="{D6B9BDCC-8824-D385-C4F6-976FF630386D}"/>
+              </a:ext>
+            </a:extLst>
+          </p:cNvPr>
+          <p:cNvSpPr>
+            <a:spLocks noGrp="1"/>
+          </p:cNvSpPr>
+          <p:nvPr>
+            <p:ph idx="1"/>
+          </p:nvPr>
+        </p:nvSpPr>
+        <p:spPr/>
+        <p:txBody>
+          <a:bodyPr/>
+          <a:lstStyle/>
+          <a:p>
+            <a:r>
+              <a:rPr lang="en-US" dirty="0" err="1"/>
+              <a:t>sva</a:t>
+            </a:r>
+            <a:endParaRPr lang="en-US" dirty="0"/>
+          </a:p>
+          <a:p>
+            <a:pPr lvl="1"/>
+            <a:r>
+              <a:rPr lang="en-US" dirty="0"/>
+              <a:t>https://blog.csdn.net/bleauchat/article/details/90415146</a:t>
+            </a:r>
+          </a:p>
+        </p:txBody>
+      </p:sp>
+      <p:sp>
+        <p:nvSpPr>
+          <p:cNvPr id="4" name="Slide Number Placeholder 3">
+            <a:extLst>
+              <a:ext uri="{FF2B5EF4-FFF2-40B4-BE49-F238E27FC236}">
+                <a16:creationId xmlns:a16="http://schemas.microsoft.com/office/drawing/2014/main" id="{26288191-CBB0-BDBB-564D-3A7C1A2BA07F}"/>
+              </a:ext>
+            </a:extLst>
+          </p:cNvPr>
+          <p:cNvSpPr>
+            <a:spLocks noGrp="1"/>
+          </p:cNvSpPr>
+          <p:nvPr>
+            <p:ph type="sldNum" sz="quarter" idx="12"/>
+          </p:nvPr>
+        </p:nvSpPr>
+        <p:spPr/>
+        <p:txBody>
+          <a:bodyPr/>
+          <a:lstStyle/>
+          <a:p>
+            <a:fld id="{8A2B06E4-34D2-4DD4-ABFF-9F74AC2B18B5}" type="slidenum">
+              <a:rPr lang="en-US" smtClean="0"/>
+              <a:t>2</a:t>
+            </a:fld>
+            <a:endParaRPr lang="en-US" dirty="0"/>
+          </a:p>
+        </p:txBody>
+      </p:sp>
+    </p:spTree>
+    <p:extLst>
+      <p:ext uri="{BB962C8B-B14F-4D97-AF65-F5344CB8AC3E}">
+        <p14:creationId xmlns:p14="http://schemas.microsoft.com/office/powerpoint/2010/main" val="3696567033"/>
+      </p:ext>
+    </p:extLst>
+  </p:cSld>
+  <p:clrMapOvr>
+    <a:masterClrMapping/>
+  </p:clrMapOvr>
+</p:sld>
+</file>
+
+<file path=ppt/slides/slide20.xml><?xml version="1.0" encoding="utf-8"?>
+<p:sld xmlns:a="http://schemas.openxmlformats.org/drawingml/2006/main" xmlns:r="http://schemas.openxmlformats.org/officeDocument/2006/relationships" xmlns:p="http://schemas.openxmlformats.org/presentationml/2006/main">
+  <p:cSld>
+    <p:spTree>
+      <p:nvGrpSpPr>
+        <p:cNvPr id="1" name=""/>
+        <p:cNvGrpSpPr/>
+        <p:nvPr/>
+      </p:nvGrpSpPr>
+      <p:grpSpPr>
+        <a:xfrm>
+          <a:off x="0" y="0"/>
+          <a:ext cx="0" cy="0"/>
+          <a:chOff x="0" y="0"/>
+          <a:chExt cx="0" cy="0"/>
+        </a:xfrm>
+      </p:grpSpPr>
+      <p:sp>
+        <p:nvSpPr>
+          <p:cNvPr id="2" name="Title 1">
+            <a:extLst>
+              <a:ext uri="{FF2B5EF4-FFF2-40B4-BE49-F238E27FC236}">
                 <a16:creationId xmlns:a16="http://schemas.microsoft.com/office/drawing/2014/main" id="{E6E7246E-6DDB-2F98-52B0-04AB5D144996}"/>
               </a:ext>
             </a:extLst>
@@ -5618,7 +7171,7 @@
           <a:p>
             <a:fld id="{8A2B06E4-34D2-4DD4-ABFF-9F74AC2B18B5}" type="slidenum">
               <a:rPr lang="en-US" smtClean="0"/>
-              <a:t>18</a:t>
+              <a:t>20</a:t>
             </a:fld>
             <a:endParaRPr lang="en-US" dirty="0"/>
           </a:p>
@@ -6125,7 +7678,7 @@
 </p:sld>
 </file>
 
-<file path=ppt/slides/slide19.xml><?xml version="1.0" encoding="utf-8"?>
+<file path=ppt/slides/slide21.xml><?xml version="1.0" encoding="utf-8"?>
 <p:sld xmlns:a="http://schemas.openxmlformats.org/drawingml/2006/main" xmlns:r="http://schemas.openxmlformats.org/officeDocument/2006/relationships" xmlns:p="http://schemas.openxmlformats.org/presentationml/2006/main">
   <p:cSld>
     <p:spTree>
@@ -6222,7 +7775,7 @@
           <a:p>
             <a:fld id="{8A2B06E4-34D2-4DD4-ABFF-9F74AC2B18B5}" type="slidenum">
               <a:rPr lang="en-US" smtClean="0"/>
-              <a:t>19</a:t>
+              <a:t>21</a:t>
             </a:fld>
             <a:endParaRPr lang="en-US" dirty="0"/>
           </a:p>
@@ -6715,1703 +8268,6 @@
     <p:extLst>
       <p:ext uri="{BB962C8B-B14F-4D97-AF65-F5344CB8AC3E}">
         <p14:creationId xmlns:p14="http://schemas.microsoft.com/office/powerpoint/2010/main" val="3919686139"/>
-      </p:ext>
-    </p:extLst>
-  </p:cSld>
-  <p:clrMapOvr>
-    <a:masterClrMapping/>
-  </p:clrMapOvr>
-</p:sld>
-</file>
-
-<file path=ppt/slides/slide2.xml><?xml version="1.0" encoding="utf-8"?>
-<p:sld xmlns:a="http://schemas.openxmlformats.org/drawingml/2006/main" xmlns:r="http://schemas.openxmlformats.org/officeDocument/2006/relationships" xmlns:p="http://schemas.openxmlformats.org/presentationml/2006/main">
-  <p:cSld>
-    <p:spTree>
-      <p:nvGrpSpPr>
-        <p:cNvPr id="1" name=""/>
-        <p:cNvGrpSpPr/>
-        <p:nvPr/>
-      </p:nvGrpSpPr>
-      <p:grpSpPr>
-        <a:xfrm>
-          <a:off x="0" y="0"/>
-          <a:ext cx="0" cy="0"/>
-          <a:chOff x="0" y="0"/>
-          <a:chExt cx="0" cy="0"/>
-        </a:xfrm>
-      </p:grpSpPr>
-      <p:sp>
-        <p:nvSpPr>
-          <p:cNvPr id="2" name="Title 1">
-            <a:extLst>
-              <a:ext uri="{FF2B5EF4-FFF2-40B4-BE49-F238E27FC236}">
-                <a16:creationId xmlns:a16="http://schemas.microsoft.com/office/drawing/2014/main" id="{1C08BF58-57AE-0C57-36BF-BB25DD3D68FE}"/>
-              </a:ext>
-            </a:extLst>
-          </p:cNvPr>
-          <p:cNvSpPr>
-            <a:spLocks noGrp="1"/>
-          </p:cNvSpPr>
-          <p:nvPr>
-            <p:ph type="title"/>
-          </p:nvPr>
-        </p:nvSpPr>
-        <p:spPr/>
-        <p:txBody>
-          <a:bodyPr/>
-          <a:lstStyle/>
-          <a:p>
-            <a:r>
-              <a:rPr lang="en-US" dirty="0" err="1"/>
-              <a:t>sva</a:t>
-            </a:r>
-            <a:r>
-              <a:rPr lang="en-US" dirty="0"/>
-              <a:t> introduction</a:t>
-            </a:r>
-          </a:p>
-        </p:txBody>
-      </p:sp>
-      <p:sp>
-        <p:nvSpPr>
-          <p:cNvPr id="4" name="Slide Number Placeholder 3">
-            <a:extLst>
-              <a:ext uri="{FF2B5EF4-FFF2-40B4-BE49-F238E27FC236}">
-                <a16:creationId xmlns:a16="http://schemas.microsoft.com/office/drawing/2014/main" id="{8A358433-B0C5-F453-B142-756FF1298CDE}"/>
-              </a:ext>
-            </a:extLst>
-          </p:cNvPr>
-          <p:cNvSpPr>
-            <a:spLocks noGrp="1"/>
-          </p:cNvSpPr>
-          <p:nvPr>
-            <p:ph type="sldNum" sz="quarter" idx="12"/>
-          </p:nvPr>
-        </p:nvSpPr>
-        <p:spPr/>
-        <p:txBody>
-          <a:bodyPr/>
-          <a:lstStyle/>
-          <a:p>
-            <a:fld id="{8A2B06E4-34D2-4DD4-ABFF-9F74AC2B18B5}" type="slidenum">
-              <a:rPr lang="en-US" smtClean="0"/>
-              <a:t>2</a:t>
-            </a:fld>
-            <a:endParaRPr lang="en-US" dirty="0"/>
-          </a:p>
-        </p:txBody>
-      </p:sp>
-      <p:sp>
-        <p:nvSpPr>
-          <p:cNvPr id="5" name="Content Placeholder 3">
-            <a:extLst>
-              <a:ext uri="{FF2B5EF4-FFF2-40B4-BE49-F238E27FC236}">
-                <a16:creationId xmlns:a16="http://schemas.microsoft.com/office/drawing/2014/main" id="{5446FD1F-720A-18AB-3A5E-DFB940F72CA3}"/>
-              </a:ext>
-            </a:extLst>
-          </p:cNvPr>
-          <p:cNvSpPr txBox="1">
-            <a:spLocks/>
-          </p:cNvSpPr>
-          <p:nvPr/>
-        </p:nvSpPr>
-        <p:spPr>
-          <a:xfrm>
-            <a:off x="446314" y="1591057"/>
-            <a:ext cx="2447266" cy="4255562"/>
-          </a:xfrm>
-          <a:prstGeom prst="rect">
-            <a:avLst/>
-          </a:prstGeom>
-        </p:spPr>
-        <p:txBody>
-          <a:bodyPr/>
-          <a:lstStyle>
-            <a:lvl1pPr marL="228600" indent="-228600" algn="l" defTabSz="914400" rtl="0" eaLnBrk="1" latinLnBrk="0" hangingPunct="1">
-              <a:lnSpc>
-                <a:spcPct val="90000"/>
-              </a:lnSpc>
-              <a:spcBef>
-                <a:spcPts val="1000"/>
-              </a:spcBef>
-              <a:buFont typeface="Arial" panose="020B0604020202020204" pitchFamily="34" charset="0"/>
-              <a:buChar char="•"/>
-              <a:defRPr sz="1400" kern="1200">
-                <a:solidFill>
-                  <a:schemeClr val="tx1"/>
-                </a:solidFill>
-                <a:latin typeface="+mn-lt"/>
-                <a:ea typeface="+mn-ea"/>
-                <a:cs typeface="+mn-cs"/>
-              </a:defRPr>
-            </a:lvl1pPr>
-            <a:lvl2pPr marL="685800" indent="-228600" algn="l" defTabSz="914400" rtl="0" eaLnBrk="1" latinLnBrk="0" hangingPunct="1">
-              <a:lnSpc>
-                <a:spcPct val="90000"/>
-              </a:lnSpc>
-              <a:spcBef>
-                <a:spcPts val="500"/>
-              </a:spcBef>
-              <a:buFont typeface="Arial" panose="020B0604020202020204" pitchFamily="34" charset="0"/>
-              <a:buChar char="•"/>
-              <a:defRPr sz="1200" kern="1200">
-                <a:solidFill>
-                  <a:schemeClr val="tx1"/>
-                </a:solidFill>
-                <a:latin typeface="+mn-lt"/>
-                <a:ea typeface="+mn-ea"/>
-                <a:cs typeface="+mn-cs"/>
-              </a:defRPr>
-            </a:lvl2pPr>
-            <a:lvl3pPr marL="1143000" indent="-228600" algn="l" defTabSz="914400" rtl="0" eaLnBrk="1" latinLnBrk="0" hangingPunct="1">
-              <a:lnSpc>
-                <a:spcPct val="90000"/>
-              </a:lnSpc>
-              <a:spcBef>
-                <a:spcPts val="500"/>
-              </a:spcBef>
-              <a:buFont typeface="Arial" panose="020B0604020202020204" pitchFamily="34" charset="0"/>
-              <a:buChar char="•"/>
-              <a:defRPr sz="1200" kern="1200">
-                <a:solidFill>
-                  <a:schemeClr val="tx1"/>
-                </a:solidFill>
-                <a:latin typeface="+mn-lt"/>
-                <a:ea typeface="+mn-ea"/>
-                <a:cs typeface="+mn-cs"/>
-              </a:defRPr>
-            </a:lvl3pPr>
-            <a:lvl4pPr marL="1600200" indent="-228600" algn="l" defTabSz="914400" rtl="0" eaLnBrk="1" latinLnBrk="0" hangingPunct="1">
-              <a:lnSpc>
-                <a:spcPct val="90000"/>
-              </a:lnSpc>
-              <a:spcBef>
-                <a:spcPts val="500"/>
-              </a:spcBef>
-              <a:buFont typeface="Arial" panose="020B0604020202020204" pitchFamily="34" charset="0"/>
-              <a:buChar char="•"/>
-              <a:defRPr sz="1200" kern="1200">
-                <a:solidFill>
-                  <a:schemeClr val="tx1"/>
-                </a:solidFill>
-                <a:latin typeface="+mn-lt"/>
-                <a:ea typeface="+mn-ea"/>
-                <a:cs typeface="+mn-cs"/>
-              </a:defRPr>
-            </a:lvl4pPr>
-            <a:lvl5pPr marL="2057400" indent="-228600" algn="l" defTabSz="914400" rtl="0" eaLnBrk="1" latinLnBrk="0" hangingPunct="1">
-              <a:lnSpc>
-                <a:spcPct val="90000"/>
-              </a:lnSpc>
-              <a:spcBef>
-                <a:spcPts val="500"/>
-              </a:spcBef>
-              <a:buFont typeface="Arial" panose="020B0604020202020204" pitchFamily="34" charset="0"/>
-              <a:buChar char="•"/>
-              <a:defRPr sz="1200" kern="1200">
-                <a:solidFill>
-                  <a:schemeClr val="tx1"/>
-                </a:solidFill>
-                <a:latin typeface="+mn-lt"/>
-                <a:ea typeface="+mn-ea"/>
-                <a:cs typeface="+mn-cs"/>
-              </a:defRPr>
-            </a:lvl5pPr>
-            <a:lvl6pPr marL="2514600" indent="-228600" algn="l" defTabSz="914400" rtl="0" eaLnBrk="1" latinLnBrk="0" hangingPunct="1">
-              <a:lnSpc>
-                <a:spcPct val="90000"/>
-              </a:lnSpc>
-              <a:spcBef>
-                <a:spcPts val="500"/>
-              </a:spcBef>
-              <a:buFont typeface="Arial" panose="020B0604020202020204" pitchFamily="34" charset="0"/>
-              <a:buChar char="•"/>
-              <a:defRPr sz="1800" kern="1200">
-                <a:solidFill>
-                  <a:schemeClr val="tx1"/>
-                </a:solidFill>
-                <a:latin typeface="+mn-lt"/>
-                <a:ea typeface="+mn-ea"/>
-                <a:cs typeface="+mn-cs"/>
-              </a:defRPr>
-            </a:lvl6pPr>
-            <a:lvl7pPr marL="2971800" indent="-228600" algn="l" defTabSz="914400" rtl="0" eaLnBrk="1" latinLnBrk="0" hangingPunct="1">
-              <a:lnSpc>
-                <a:spcPct val="90000"/>
-              </a:lnSpc>
-              <a:spcBef>
-                <a:spcPts val="500"/>
-              </a:spcBef>
-              <a:buFont typeface="Arial" panose="020B0604020202020204" pitchFamily="34" charset="0"/>
-              <a:buChar char="•"/>
-              <a:defRPr sz="1800" kern="1200">
-                <a:solidFill>
-                  <a:schemeClr val="tx1"/>
-                </a:solidFill>
-                <a:latin typeface="+mn-lt"/>
-                <a:ea typeface="+mn-ea"/>
-                <a:cs typeface="+mn-cs"/>
-              </a:defRPr>
-            </a:lvl7pPr>
-            <a:lvl8pPr marL="3429000" indent="-228600" algn="l" defTabSz="914400" rtl="0" eaLnBrk="1" latinLnBrk="0" hangingPunct="1">
-              <a:lnSpc>
-                <a:spcPct val="90000"/>
-              </a:lnSpc>
-              <a:spcBef>
-                <a:spcPts val="500"/>
-              </a:spcBef>
-              <a:buFont typeface="Arial" panose="020B0604020202020204" pitchFamily="34" charset="0"/>
-              <a:buChar char="•"/>
-              <a:defRPr sz="1800" kern="1200">
-                <a:solidFill>
-                  <a:schemeClr val="tx1"/>
-                </a:solidFill>
-                <a:latin typeface="+mn-lt"/>
-                <a:ea typeface="+mn-ea"/>
-                <a:cs typeface="+mn-cs"/>
-              </a:defRPr>
-            </a:lvl8pPr>
-            <a:lvl9pPr marL="3886200" indent="-228600" algn="l" defTabSz="914400" rtl="0" eaLnBrk="1" latinLnBrk="0" hangingPunct="1">
-              <a:lnSpc>
-                <a:spcPct val="90000"/>
-              </a:lnSpc>
-              <a:spcBef>
-                <a:spcPts val="500"/>
-              </a:spcBef>
-              <a:buFont typeface="Arial" panose="020B0604020202020204" pitchFamily="34" charset="0"/>
-              <a:buChar char="•"/>
-              <a:defRPr sz="1800" kern="1200">
-                <a:solidFill>
-                  <a:schemeClr val="tx1"/>
-                </a:solidFill>
-                <a:latin typeface="+mn-lt"/>
-                <a:ea typeface="+mn-ea"/>
-                <a:cs typeface="+mn-cs"/>
-              </a:defRPr>
-            </a:lvl9pPr>
-          </a:lstStyle>
-          <a:p>
-            <a:r>
-              <a:rPr lang="en-US"/>
-              <a:t>without sva</a:t>
-            </a:r>
-          </a:p>
-          <a:p>
-            <a:pPr lvl="1"/>
-            <a:r>
-              <a:rPr lang="en-US"/>
-              <a:t>hard to write</a:t>
-            </a:r>
-            <a:endParaRPr lang="en-US" dirty="0"/>
-          </a:p>
-        </p:txBody>
-      </p:sp>
-      <p:sp>
-        <p:nvSpPr>
-          <p:cNvPr id="6" name="Content Placeholder 3">
-            <a:extLst>
-              <a:ext uri="{FF2B5EF4-FFF2-40B4-BE49-F238E27FC236}">
-                <a16:creationId xmlns:a16="http://schemas.microsoft.com/office/drawing/2014/main" id="{D96A3296-C55E-A366-1641-A4870C278B2F}"/>
-              </a:ext>
-            </a:extLst>
-          </p:cNvPr>
-          <p:cNvSpPr txBox="1">
-            <a:spLocks/>
-          </p:cNvSpPr>
-          <p:nvPr/>
-        </p:nvSpPr>
-        <p:spPr>
-          <a:xfrm>
-            <a:off x="446313" y="6037126"/>
-            <a:ext cx="8069614" cy="653150"/>
-          </a:xfrm>
-          <a:prstGeom prst="rect">
-            <a:avLst/>
-          </a:prstGeom>
-        </p:spPr>
-        <p:txBody>
-          <a:bodyPr vert="horz" lIns="0" tIns="45720" rIns="91440" bIns="45720" rtlCol="0">
-            <a:noAutofit/>
-          </a:bodyPr>
-          <a:lstStyle>
-            <a:lvl1pPr marL="346075" indent="-288925" algn="l" defTabSz="914400" rtl="0" eaLnBrk="1" latinLnBrk="0" hangingPunct="1">
-              <a:lnSpc>
-                <a:spcPct val="90000"/>
-              </a:lnSpc>
-              <a:spcBef>
-                <a:spcPts val="1600"/>
-              </a:spcBef>
-              <a:spcAft>
-                <a:spcPts val="200"/>
-              </a:spcAft>
-              <a:buClr>
-                <a:schemeClr val="tx2"/>
-              </a:buClr>
-              <a:buSzPct val="100000"/>
-              <a:buFont typeface="Arial" panose="020B0604020202020204" pitchFamily="34" charset="0"/>
-              <a:buChar char="•"/>
-              <a:tabLst/>
-              <a:defRPr lang="en-US" sz="2000" kern="1200" dirty="0">
-                <a:solidFill>
-                  <a:schemeClr val="tx1"/>
-                </a:solidFill>
-                <a:latin typeface="Arial" panose="020B0604020202020204" pitchFamily="34" charset="0"/>
-                <a:ea typeface="+mn-ea"/>
-                <a:cs typeface="+mn-cs"/>
-              </a:defRPr>
-            </a:lvl1pPr>
-            <a:lvl2pPr marL="738188" indent="-280988" algn="l" defTabSz="914400" rtl="0" eaLnBrk="1" latinLnBrk="0" hangingPunct="1">
-              <a:lnSpc>
-                <a:spcPct val="90000"/>
-              </a:lnSpc>
-              <a:spcBef>
-                <a:spcPts val="300"/>
-              </a:spcBef>
-              <a:spcAft>
-                <a:spcPts val="600"/>
-              </a:spcAft>
-              <a:buClr>
-                <a:schemeClr val="tx2"/>
-              </a:buClr>
-              <a:buSzPct val="60000"/>
-              <a:buFont typeface="Courier New" panose="02070309020205020404" pitchFamily="49" charset="0"/>
-              <a:buChar char="o"/>
-              <a:tabLst/>
-              <a:defRPr lang="en-US" sz="1600" kern="1200" dirty="0">
-                <a:solidFill>
-                  <a:schemeClr val="tx1"/>
-                </a:solidFill>
-                <a:latin typeface="Arial" panose="020B0604020202020204" pitchFamily="34" charset="0"/>
-                <a:ea typeface="+mn-ea"/>
-                <a:cs typeface="+mn-cs"/>
-              </a:defRPr>
-            </a:lvl2pPr>
-            <a:lvl3pPr marL="1200150" indent="-285750" algn="l" defTabSz="914400" rtl="0" eaLnBrk="1" latinLnBrk="0" hangingPunct="1">
-              <a:lnSpc>
-                <a:spcPct val="90000"/>
-              </a:lnSpc>
-              <a:spcBef>
-                <a:spcPts val="300"/>
-              </a:spcBef>
-              <a:spcAft>
-                <a:spcPts val="500"/>
-              </a:spcAft>
-              <a:buClr>
-                <a:schemeClr val="tx2"/>
-              </a:buClr>
-              <a:buSzPct val="100000"/>
-              <a:buFont typeface="Rubik Light" panose="00000400000000000000" pitchFamily="2" charset="-79"/>
-              <a:buChar char="–"/>
-              <a:tabLst/>
-              <a:defRPr lang="en-US" sz="1200" kern="1200" dirty="0">
-                <a:solidFill>
-                  <a:schemeClr val="tx1"/>
-                </a:solidFill>
-                <a:latin typeface="Arial" panose="020B0604020202020204" pitchFamily="34" charset="0"/>
-                <a:ea typeface="+mn-ea"/>
-                <a:cs typeface="+mn-cs"/>
-              </a:defRPr>
-            </a:lvl3pPr>
-            <a:lvl4pPr marL="1652588" indent="-280988" algn="l" defTabSz="914400" rtl="0" eaLnBrk="1" latinLnBrk="0" hangingPunct="1">
-              <a:lnSpc>
-                <a:spcPct val="90000"/>
-              </a:lnSpc>
-              <a:spcBef>
-                <a:spcPts val="500"/>
-              </a:spcBef>
-              <a:spcAft>
-                <a:spcPts val="1200"/>
-              </a:spcAft>
-              <a:buClr>
-                <a:schemeClr val="accent2"/>
-              </a:buClr>
-              <a:buSzPct val="115000"/>
-              <a:buFont typeface=".Lucida Grande UI Regular"/>
-              <a:buChar char="▹"/>
-              <a:tabLst/>
-              <a:defRPr sz="1500" kern="1200">
-                <a:solidFill>
-                  <a:schemeClr val="tx2"/>
-                </a:solidFill>
-                <a:latin typeface="+mn-lt"/>
-                <a:ea typeface="+mn-ea"/>
-                <a:cs typeface="+mn-cs"/>
-              </a:defRPr>
-            </a:lvl4pPr>
-            <a:lvl5pPr marL="2170113" indent="-341313" algn="l" defTabSz="914400" rtl="0" eaLnBrk="1" latinLnBrk="0" hangingPunct="1">
-              <a:lnSpc>
-                <a:spcPct val="90000"/>
-              </a:lnSpc>
-              <a:spcBef>
-                <a:spcPts val="500"/>
-              </a:spcBef>
-              <a:spcAft>
-                <a:spcPts val="1200"/>
-              </a:spcAft>
-              <a:buClr>
-                <a:schemeClr val="accent2"/>
-              </a:buClr>
-              <a:buSzPct val="115000"/>
-              <a:buFont typeface=".Lucida Grande UI Regular"/>
-              <a:buChar char="▹"/>
-              <a:tabLst/>
-              <a:defRPr sz="1500" kern="1200">
-                <a:solidFill>
-                  <a:schemeClr val="tx2"/>
-                </a:solidFill>
-                <a:latin typeface="+mn-lt"/>
-                <a:ea typeface="+mn-ea"/>
-                <a:cs typeface="+mn-cs"/>
-              </a:defRPr>
-            </a:lvl5pPr>
-            <a:lvl6pPr marL="2514600" indent="-228600" algn="l" defTabSz="914400" rtl="0" eaLnBrk="1" latinLnBrk="0" hangingPunct="1">
-              <a:lnSpc>
-                <a:spcPct val="90000"/>
-              </a:lnSpc>
-              <a:spcBef>
-                <a:spcPts val="500"/>
-              </a:spcBef>
-              <a:buFont typeface="Arial" panose="020B0604020202020204" pitchFamily="34" charset="0"/>
-              <a:buChar char="•"/>
-              <a:defRPr sz="1800" kern="1200">
-                <a:solidFill>
-                  <a:schemeClr val="tx1"/>
-                </a:solidFill>
-                <a:latin typeface="+mn-lt"/>
-                <a:ea typeface="+mn-ea"/>
-                <a:cs typeface="+mn-cs"/>
-              </a:defRPr>
-            </a:lvl6pPr>
-            <a:lvl7pPr marL="2971800" indent="-228600" algn="l" defTabSz="914400" rtl="0" eaLnBrk="1" latinLnBrk="0" hangingPunct="1">
-              <a:lnSpc>
-                <a:spcPct val="90000"/>
-              </a:lnSpc>
-              <a:spcBef>
-                <a:spcPts val="500"/>
-              </a:spcBef>
-              <a:buFont typeface="Arial" panose="020B0604020202020204" pitchFamily="34" charset="0"/>
-              <a:buChar char="•"/>
-              <a:defRPr sz="1800" kern="1200">
-                <a:solidFill>
-                  <a:schemeClr val="tx1"/>
-                </a:solidFill>
-                <a:latin typeface="+mn-lt"/>
-                <a:ea typeface="+mn-ea"/>
-                <a:cs typeface="+mn-cs"/>
-              </a:defRPr>
-            </a:lvl7pPr>
-            <a:lvl8pPr marL="3429000" indent="-228600" algn="l" defTabSz="914400" rtl="0" eaLnBrk="1" latinLnBrk="0" hangingPunct="1">
-              <a:lnSpc>
-                <a:spcPct val="90000"/>
-              </a:lnSpc>
-              <a:spcBef>
-                <a:spcPts val="500"/>
-              </a:spcBef>
-              <a:buFont typeface="Arial" panose="020B0604020202020204" pitchFamily="34" charset="0"/>
-              <a:buChar char="•"/>
-              <a:defRPr sz="1800" kern="1200">
-                <a:solidFill>
-                  <a:schemeClr val="tx1"/>
-                </a:solidFill>
-                <a:latin typeface="+mn-lt"/>
-                <a:ea typeface="+mn-ea"/>
-                <a:cs typeface="+mn-cs"/>
-              </a:defRPr>
-            </a:lvl8pPr>
-            <a:lvl9pPr marL="3886200" indent="-228600" algn="l" defTabSz="914400" rtl="0" eaLnBrk="1" latinLnBrk="0" hangingPunct="1">
-              <a:lnSpc>
-                <a:spcPct val="90000"/>
-              </a:lnSpc>
-              <a:spcBef>
-                <a:spcPts val="500"/>
-              </a:spcBef>
-              <a:buFont typeface="Arial" panose="020B0604020202020204" pitchFamily="34" charset="0"/>
-              <a:buChar char="•"/>
-              <a:defRPr sz="1800" kern="1200">
-                <a:solidFill>
-                  <a:schemeClr val="tx1"/>
-                </a:solidFill>
-                <a:latin typeface="+mn-lt"/>
-                <a:ea typeface="+mn-ea"/>
-                <a:cs typeface="+mn-cs"/>
-              </a:defRPr>
-            </a:lvl9pPr>
-          </a:lstStyle>
-          <a:p>
-            <a:r>
-              <a:rPr lang="en-US" sz="1600"/>
-              <a:t>reference </a:t>
-            </a:r>
-          </a:p>
-          <a:p>
-            <a:pPr lvl="1"/>
-            <a:r>
-              <a:rPr lang="en-US" sz="1200"/>
-              <a:t>https://www.sutherland-hdl.com/papers/2015-DVClub-Austin_SVA-tutorial_and_SVA-planning.pdf</a:t>
-            </a:r>
-          </a:p>
-        </p:txBody>
-      </p:sp>
-      <p:pic>
-        <p:nvPicPr>
-          <p:cNvPr id="7" name="Picture 6">
-            <a:extLst>
-              <a:ext uri="{FF2B5EF4-FFF2-40B4-BE49-F238E27FC236}">
-                <a16:creationId xmlns:a16="http://schemas.microsoft.com/office/drawing/2014/main" id="{F3325ED2-5A7B-928F-C14A-122F22AC1A0A}"/>
-              </a:ext>
-            </a:extLst>
-          </p:cNvPr>
-          <p:cNvPicPr>
-            <a:picLocks noChangeAspect="1"/>
-          </p:cNvPicPr>
-          <p:nvPr/>
-        </p:nvPicPr>
-        <p:blipFill rotWithShape="1">
-          <a:blip r:embed="rId2"/>
-          <a:srcRect t="20420"/>
-          <a:stretch/>
-        </p:blipFill>
-        <p:spPr>
-          <a:xfrm>
-            <a:off x="2893579" y="1442815"/>
-            <a:ext cx="7762999" cy="4552045"/>
-          </a:xfrm>
-          <a:prstGeom prst="rect">
-            <a:avLst/>
-          </a:prstGeom>
-        </p:spPr>
-      </p:pic>
-    </p:spTree>
-    <p:extLst>
-      <p:ext uri="{BB962C8B-B14F-4D97-AF65-F5344CB8AC3E}">
-        <p14:creationId xmlns:p14="http://schemas.microsoft.com/office/powerpoint/2010/main" val="2670248214"/>
-      </p:ext>
-    </p:extLst>
-  </p:cSld>
-  <p:clrMapOvr>
-    <a:masterClrMapping/>
-  </p:clrMapOvr>
-</p:sld>
-</file>
-
-<file path=ppt/slides/slide20.xml><?xml version="1.0" encoding="utf-8"?>
-<p:sld xmlns:a="http://schemas.openxmlformats.org/drawingml/2006/main" xmlns:r="http://schemas.openxmlformats.org/officeDocument/2006/relationships" xmlns:p="http://schemas.openxmlformats.org/presentationml/2006/main">
-  <p:cSld>
-    <p:spTree>
-      <p:nvGrpSpPr>
-        <p:cNvPr id="1" name=""/>
-        <p:cNvGrpSpPr/>
-        <p:nvPr/>
-      </p:nvGrpSpPr>
-      <p:grpSpPr>
-        <a:xfrm>
-          <a:off x="0" y="0"/>
-          <a:ext cx="0" cy="0"/>
-          <a:chOff x="0" y="0"/>
-          <a:chExt cx="0" cy="0"/>
-        </a:xfrm>
-      </p:grpSpPr>
-      <p:sp>
-        <p:nvSpPr>
-          <p:cNvPr id="2" name="Title 1">
-            <a:extLst>
-              <a:ext uri="{FF2B5EF4-FFF2-40B4-BE49-F238E27FC236}">
-                <a16:creationId xmlns:a16="http://schemas.microsoft.com/office/drawing/2014/main" id="{5F881FD3-5F13-3C2B-4417-420DB3202461}"/>
-              </a:ext>
-            </a:extLst>
-          </p:cNvPr>
-          <p:cNvSpPr>
-            <a:spLocks noGrp="1"/>
-          </p:cNvSpPr>
-          <p:nvPr>
-            <p:ph type="title"/>
-          </p:nvPr>
-        </p:nvSpPr>
-        <p:spPr/>
-        <p:txBody>
-          <a:bodyPr/>
-          <a:lstStyle/>
-          <a:p>
-            <a:r>
-              <a:rPr lang="en-US" dirty="0"/>
-              <a:t>lab09</a:t>
-            </a:r>
-          </a:p>
-        </p:txBody>
-      </p:sp>
-      <p:sp>
-        <p:nvSpPr>
-          <p:cNvPr id="3" name="Content Placeholder 2">
-            <a:extLst>
-              <a:ext uri="{FF2B5EF4-FFF2-40B4-BE49-F238E27FC236}">
-                <a16:creationId xmlns:a16="http://schemas.microsoft.com/office/drawing/2014/main" id="{C9E3DA7D-CF3B-971E-F419-BEDAC7C6869A}"/>
-              </a:ext>
-            </a:extLst>
-          </p:cNvPr>
-          <p:cNvSpPr>
-            <a:spLocks noGrp="1"/>
-          </p:cNvSpPr>
-          <p:nvPr>
-            <p:ph idx="1"/>
-          </p:nvPr>
-        </p:nvSpPr>
-        <p:spPr>
-          <a:xfrm>
-            <a:off x="590204" y="1064030"/>
-            <a:ext cx="3058518" cy="2601884"/>
-          </a:xfrm>
-        </p:spPr>
-        <p:txBody>
-          <a:bodyPr/>
-          <a:lstStyle/>
-          <a:p>
-            <a:r>
-              <a:rPr lang="en-US" dirty="0" err="1"/>
-              <a:t>verilog</a:t>
-            </a:r>
-            <a:endParaRPr lang="en-US" dirty="0"/>
-          </a:p>
-        </p:txBody>
-      </p:sp>
-      <p:sp>
-        <p:nvSpPr>
-          <p:cNvPr id="4" name="Slide Number Placeholder 3">
-            <a:extLst>
-              <a:ext uri="{FF2B5EF4-FFF2-40B4-BE49-F238E27FC236}">
-                <a16:creationId xmlns:a16="http://schemas.microsoft.com/office/drawing/2014/main" id="{323CBED7-26D9-2476-833B-76E80BDCCDF2}"/>
-              </a:ext>
-            </a:extLst>
-          </p:cNvPr>
-          <p:cNvSpPr>
-            <a:spLocks noGrp="1"/>
-          </p:cNvSpPr>
-          <p:nvPr>
-            <p:ph type="sldNum" sz="quarter" idx="12"/>
-          </p:nvPr>
-        </p:nvSpPr>
-        <p:spPr/>
-        <p:txBody>
-          <a:bodyPr/>
-          <a:lstStyle/>
-          <a:p>
-            <a:fld id="{8A2B06E4-34D2-4DD4-ABFF-9F74AC2B18B5}" type="slidenum">
-              <a:rPr lang="en-US" smtClean="0"/>
-              <a:t>20</a:t>
-            </a:fld>
-            <a:endParaRPr lang="en-US" dirty="0"/>
-          </a:p>
-        </p:txBody>
-      </p:sp>
-      <p:pic>
-        <p:nvPicPr>
-          <p:cNvPr id="6" name="Picture 5">
-            <a:extLst>
-              <a:ext uri="{FF2B5EF4-FFF2-40B4-BE49-F238E27FC236}">
-                <a16:creationId xmlns:a16="http://schemas.microsoft.com/office/drawing/2014/main" id="{B33452A6-CA57-6AE9-AB6E-8A8377687AE2}"/>
-              </a:ext>
-            </a:extLst>
-          </p:cNvPr>
-          <p:cNvPicPr>
-            <a:picLocks noChangeAspect="1"/>
-          </p:cNvPicPr>
-          <p:nvPr/>
-        </p:nvPicPr>
-        <p:blipFill>
-          <a:blip r:embed="rId2"/>
-          <a:stretch>
-            <a:fillRect/>
-          </a:stretch>
-        </p:blipFill>
-        <p:spPr>
-          <a:xfrm>
-            <a:off x="660919" y="1760924"/>
-            <a:ext cx="2644192" cy="4418144"/>
-          </a:xfrm>
-          <a:prstGeom prst="rect">
-            <a:avLst/>
-          </a:prstGeom>
-        </p:spPr>
-      </p:pic>
-      <p:sp>
-        <p:nvSpPr>
-          <p:cNvPr id="7" name="Content Placeholder 2">
-            <a:extLst>
-              <a:ext uri="{FF2B5EF4-FFF2-40B4-BE49-F238E27FC236}">
-                <a16:creationId xmlns:a16="http://schemas.microsoft.com/office/drawing/2014/main" id="{17D17AFA-9427-1D90-8EDD-A53998DD4F9E}"/>
-              </a:ext>
-            </a:extLst>
-          </p:cNvPr>
-          <p:cNvSpPr txBox="1">
-            <a:spLocks/>
-          </p:cNvSpPr>
-          <p:nvPr/>
-        </p:nvSpPr>
-        <p:spPr>
-          <a:xfrm>
-            <a:off x="4566741" y="1064030"/>
-            <a:ext cx="3058518" cy="480685"/>
-          </a:xfrm>
-          <a:prstGeom prst="rect">
-            <a:avLst/>
-          </a:prstGeom>
-        </p:spPr>
-        <p:txBody>
-          <a:bodyPr vert="horz" lIns="91440" tIns="45720" rIns="91440" bIns="45720" rtlCol="0">
-            <a:normAutofit/>
-          </a:bodyPr>
-          <a:lstStyle>
-            <a:lvl1pPr marL="228600" indent="-228600" algn="l" defTabSz="914400" rtl="0" eaLnBrk="1" latinLnBrk="0" hangingPunct="1">
-              <a:lnSpc>
-                <a:spcPct val="90000"/>
-              </a:lnSpc>
-              <a:spcBef>
-                <a:spcPts val="1000"/>
-              </a:spcBef>
-              <a:buFont typeface="Arial" panose="020B0604020202020204" pitchFamily="34" charset="0"/>
-              <a:buChar char="•"/>
-              <a:defRPr sz="1400" kern="1200">
-                <a:solidFill>
-                  <a:schemeClr val="tx1"/>
-                </a:solidFill>
-                <a:latin typeface="+mn-lt"/>
-                <a:ea typeface="+mn-ea"/>
-                <a:cs typeface="+mn-cs"/>
-              </a:defRPr>
-            </a:lvl1pPr>
-            <a:lvl2pPr marL="685800" indent="-228600" algn="l" defTabSz="914400" rtl="0" eaLnBrk="1" latinLnBrk="0" hangingPunct="1">
-              <a:lnSpc>
-                <a:spcPct val="90000"/>
-              </a:lnSpc>
-              <a:spcBef>
-                <a:spcPts val="500"/>
-              </a:spcBef>
-              <a:buFont typeface="Arial" panose="020B0604020202020204" pitchFamily="34" charset="0"/>
-              <a:buChar char="•"/>
-              <a:defRPr sz="1200" kern="1200">
-                <a:solidFill>
-                  <a:schemeClr val="tx1"/>
-                </a:solidFill>
-                <a:latin typeface="+mn-lt"/>
-                <a:ea typeface="+mn-ea"/>
-                <a:cs typeface="+mn-cs"/>
-              </a:defRPr>
-            </a:lvl2pPr>
-            <a:lvl3pPr marL="1143000" indent="-228600" algn="l" defTabSz="914400" rtl="0" eaLnBrk="1" latinLnBrk="0" hangingPunct="1">
-              <a:lnSpc>
-                <a:spcPct val="90000"/>
-              </a:lnSpc>
-              <a:spcBef>
-                <a:spcPts val="500"/>
-              </a:spcBef>
-              <a:buFont typeface="Arial" panose="020B0604020202020204" pitchFamily="34" charset="0"/>
-              <a:buChar char="•"/>
-              <a:defRPr sz="1200" kern="1200">
-                <a:solidFill>
-                  <a:schemeClr val="tx1"/>
-                </a:solidFill>
-                <a:latin typeface="+mn-lt"/>
-                <a:ea typeface="+mn-ea"/>
-                <a:cs typeface="+mn-cs"/>
-              </a:defRPr>
-            </a:lvl3pPr>
-            <a:lvl4pPr marL="1600200" indent="-228600" algn="l" defTabSz="914400" rtl="0" eaLnBrk="1" latinLnBrk="0" hangingPunct="1">
-              <a:lnSpc>
-                <a:spcPct val="90000"/>
-              </a:lnSpc>
-              <a:spcBef>
-                <a:spcPts val="500"/>
-              </a:spcBef>
-              <a:buFont typeface="Arial" panose="020B0604020202020204" pitchFamily="34" charset="0"/>
-              <a:buChar char="•"/>
-              <a:defRPr sz="1200" kern="1200">
-                <a:solidFill>
-                  <a:schemeClr val="tx1"/>
-                </a:solidFill>
-                <a:latin typeface="+mn-lt"/>
-                <a:ea typeface="+mn-ea"/>
-                <a:cs typeface="+mn-cs"/>
-              </a:defRPr>
-            </a:lvl4pPr>
-            <a:lvl5pPr marL="2057400" indent="-228600" algn="l" defTabSz="914400" rtl="0" eaLnBrk="1" latinLnBrk="0" hangingPunct="1">
-              <a:lnSpc>
-                <a:spcPct val="90000"/>
-              </a:lnSpc>
-              <a:spcBef>
-                <a:spcPts val="500"/>
-              </a:spcBef>
-              <a:buFont typeface="Arial" panose="020B0604020202020204" pitchFamily="34" charset="0"/>
-              <a:buChar char="•"/>
-              <a:defRPr sz="1200" kern="1200">
-                <a:solidFill>
-                  <a:schemeClr val="tx1"/>
-                </a:solidFill>
-                <a:latin typeface="+mn-lt"/>
-                <a:ea typeface="+mn-ea"/>
-                <a:cs typeface="+mn-cs"/>
-              </a:defRPr>
-            </a:lvl5pPr>
-            <a:lvl6pPr marL="2514600" indent="-228600" algn="l" defTabSz="914400" rtl="0" eaLnBrk="1" latinLnBrk="0" hangingPunct="1">
-              <a:lnSpc>
-                <a:spcPct val="90000"/>
-              </a:lnSpc>
-              <a:spcBef>
-                <a:spcPts val="500"/>
-              </a:spcBef>
-              <a:buFont typeface="Arial" panose="020B0604020202020204" pitchFamily="34" charset="0"/>
-              <a:buChar char="•"/>
-              <a:defRPr sz="1800" kern="1200">
-                <a:solidFill>
-                  <a:schemeClr val="tx1"/>
-                </a:solidFill>
-                <a:latin typeface="+mn-lt"/>
-                <a:ea typeface="+mn-ea"/>
-                <a:cs typeface="+mn-cs"/>
-              </a:defRPr>
-            </a:lvl6pPr>
-            <a:lvl7pPr marL="2971800" indent="-228600" algn="l" defTabSz="914400" rtl="0" eaLnBrk="1" latinLnBrk="0" hangingPunct="1">
-              <a:lnSpc>
-                <a:spcPct val="90000"/>
-              </a:lnSpc>
-              <a:spcBef>
-                <a:spcPts val="500"/>
-              </a:spcBef>
-              <a:buFont typeface="Arial" panose="020B0604020202020204" pitchFamily="34" charset="0"/>
-              <a:buChar char="•"/>
-              <a:defRPr sz="1800" kern="1200">
-                <a:solidFill>
-                  <a:schemeClr val="tx1"/>
-                </a:solidFill>
-                <a:latin typeface="+mn-lt"/>
-                <a:ea typeface="+mn-ea"/>
-                <a:cs typeface="+mn-cs"/>
-              </a:defRPr>
-            </a:lvl7pPr>
-            <a:lvl8pPr marL="3429000" indent="-228600" algn="l" defTabSz="914400" rtl="0" eaLnBrk="1" latinLnBrk="0" hangingPunct="1">
-              <a:lnSpc>
-                <a:spcPct val="90000"/>
-              </a:lnSpc>
-              <a:spcBef>
-                <a:spcPts val="500"/>
-              </a:spcBef>
-              <a:buFont typeface="Arial" panose="020B0604020202020204" pitchFamily="34" charset="0"/>
-              <a:buChar char="•"/>
-              <a:defRPr sz="1800" kern="1200">
-                <a:solidFill>
-                  <a:schemeClr val="tx1"/>
-                </a:solidFill>
-                <a:latin typeface="+mn-lt"/>
-                <a:ea typeface="+mn-ea"/>
-                <a:cs typeface="+mn-cs"/>
-              </a:defRPr>
-            </a:lvl8pPr>
-            <a:lvl9pPr marL="3886200" indent="-228600" algn="l" defTabSz="914400" rtl="0" eaLnBrk="1" latinLnBrk="0" hangingPunct="1">
-              <a:lnSpc>
-                <a:spcPct val="90000"/>
-              </a:lnSpc>
-              <a:spcBef>
-                <a:spcPts val="500"/>
-              </a:spcBef>
-              <a:buFont typeface="Arial" panose="020B0604020202020204" pitchFamily="34" charset="0"/>
-              <a:buChar char="•"/>
-              <a:defRPr sz="1800" kern="1200">
-                <a:solidFill>
-                  <a:schemeClr val="tx1"/>
-                </a:solidFill>
-                <a:latin typeface="+mn-lt"/>
-                <a:ea typeface="+mn-ea"/>
-                <a:cs typeface="+mn-cs"/>
-              </a:defRPr>
-            </a:lvl9pPr>
-          </a:lstStyle>
-          <a:p>
-            <a:r>
-              <a:rPr lang="en-US" dirty="0" err="1"/>
-              <a:t>systemverilog</a:t>
-            </a:r>
-            <a:endParaRPr lang="en-US" dirty="0"/>
-          </a:p>
-        </p:txBody>
-      </p:sp>
-      <p:sp>
-        <p:nvSpPr>
-          <p:cNvPr id="8" name="Content Placeholder 2">
-            <a:extLst>
-              <a:ext uri="{FF2B5EF4-FFF2-40B4-BE49-F238E27FC236}">
-                <a16:creationId xmlns:a16="http://schemas.microsoft.com/office/drawing/2014/main" id="{F4833448-CAB3-1E6D-A1FF-6E20D892A1E9}"/>
-              </a:ext>
-            </a:extLst>
-          </p:cNvPr>
-          <p:cNvSpPr txBox="1">
-            <a:spLocks/>
-          </p:cNvSpPr>
-          <p:nvPr/>
-        </p:nvSpPr>
-        <p:spPr>
-          <a:xfrm>
-            <a:off x="4566741" y="3524437"/>
-            <a:ext cx="3058518" cy="2601884"/>
-          </a:xfrm>
-          <a:prstGeom prst="rect">
-            <a:avLst/>
-          </a:prstGeom>
-        </p:spPr>
-        <p:txBody>
-          <a:bodyPr vert="horz" lIns="91440" tIns="45720" rIns="91440" bIns="45720" rtlCol="0">
-            <a:normAutofit/>
-          </a:bodyPr>
-          <a:lstStyle>
-            <a:lvl1pPr marL="228600" indent="-228600" algn="l" defTabSz="914400" rtl="0" eaLnBrk="1" latinLnBrk="0" hangingPunct="1">
-              <a:lnSpc>
-                <a:spcPct val="90000"/>
-              </a:lnSpc>
-              <a:spcBef>
-                <a:spcPts val="1000"/>
-              </a:spcBef>
-              <a:buFont typeface="Arial" panose="020B0604020202020204" pitchFamily="34" charset="0"/>
-              <a:buChar char="•"/>
-              <a:defRPr sz="1400" kern="1200">
-                <a:solidFill>
-                  <a:schemeClr val="tx1"/>
-                </a:solidFill>
-                <a:latin typeface="+mn-lt"/>
-                <a:ea typeface="+mn-ea"/>
-                <a:cs typeface="+mn-cs"/>
-              </a:defRPr>
-            </a:lvl1pPr>
-            <a:lvl2pPr marL="685800" indent="-228600" algn="l" defTabSz="914400" rtl="0" eaLnBrk="1" latinLnBrk="0" hangingPunct="1">
-              <a:lnSpc>
-                <a:spcPct val="90000"/>
-              </a:lnSpc>
-              <a:spcBef>
-                <a:spcPts val="500"/>
-              </a:spcBef>
-              <a:buFont typeface="Arial" panose="020B0604020202020204" pitchFamily="34" charset="0"/>
-              <a:buChar char="•"/>
-              <a:defRPr sz="1200" kern="1200">
-                <a:solidFill>
-                  <a:schemeClr val="tx1"/>
-                </a:solidFill>
-                <a:latin typeface="+mn-lt"/>
-                <a:ea typeface="+mn-ea"/>
-                <a:cs typeface="+mn-cs"/>
-              </a:defRPr>
-            </a:lvl2pPr>
-            <a:lvl3pPr marL="1143000" indent="-228600" algn="l" defTabSz="914400" rtl="0" eaLnBrk="1" latinLnBrk="0" hangingPunct="1">
-              <a:lnSpc>
-                <a:spcPct val="90000"/>
-              </a:lnSpc>
-              <a:spcBef>
-                <a:spcPts val="500"/>
-              </a:spcBef>
-              <a:buFont typeface="Arial" panose="020B0604020202020204" pitchFamily="34" charset="0"/>
-              <a:buChar char="•"/>
-              <a:defRPr sz="1200" kern="1200">
-                <a:solidFill>
-                  <a:schemeClr val="tx1"/>
-                </a:solidFill>
-                <a:latin typeface="+mn-lt"/>
-                <a:ea typeface="+mn-ea"/>
-                <a:cs typeface="+mn-cs"/>
-              </a:defRPr>
-            </a:lvl3pPr>
-            <a:lvl4pPr marL="1600200" indent="-228600" algn="l" defTabSz="914400" rtl="0" eaLnBrk="1" latinLnBrk="0" hangingPunct="1">
-              <a:lnSpc>
-                <a:spcPct val="90000"/>
-              </a:lnSpc>
-              <a:spcBef>
-                <a:spcPts val="500"/>
-              </a:spcBef>
-              <a:buFont typeface="Arial" panose="020B0604020202020204" pitchFamily="34" charset="0"/>
-              <a:buChar char="•"/>
-              <a:defRPr sz="1200" kern="1200">
-                <a:solidFill>
-                  <a:schemeClr val="tx1"/>
-                </a:solidFill>
-                <a:latin typeface="+mn-lt"/>
-                <a:ea typeface="+mn-ea"/>
-                <a:cs typeface="+mn-cs"/>
-              </a:defRPr>
-            </a:lvl4pPr>
-            <a:lvl5pPr marL="2057400" indent="-228600" algn="l" defTabSz="914400" rtl="0" eaLnBrk="1" latinLnBrk="0" hangingPunct="1">
-              <a:lnSpc>
-                <a:spcPct val="90000"/>
-              </a:lnSpc>
-              <a:spcBef>
-                <a:spcPts val="500"/>
-              </a:spcBef>
-              <a:buFont typeface="Arial" panose="020B0604020202020204" pitchFamily="34" charset="0"/>
-              <a:buChar char="•"/>
-              <a:defRPr sz="1200" kern="1200">
-                <a:solidFill>
-                  <a:schemeClr val="tx1"/>
-                </a:solidFill>
-                <a:latin typeface="+mn-lt"/>
-                <a:ea typeface="+mn-ea"/>
-                <a:cs typeface="+mn-cs"/>
-              </a:defRPr>
-            </a:lvl5pPr>
-            <a:lvl6pPr marL="2514600" indent="-228600" algn="l" defTabSz="914400" rtl="0" eaLnBrk="1" latinLnBrk="0" hangingPunct="1">
-              <a:lnSpc>
-                <a:spcPct val="90000"/>
-              </a:lnSpc>
-              <a:spcBef>
-                <a:spcPts val="500"/>
-              </a:spcBef>
-              <a:buFont typeface="Arial" panose="020B0604020202020204" pitchFamily="34" charset="0"/>
-              <a:buChar char="•"/>
-              <a:defRPr sz="1800" kern="1200">
-                <a:solidFill>
-                  <a:schemeClr val="tx1"/>
-                </a:solidFill>
-                <a:latin typeface="+mn-lt"/>
-                <a:ea typeface="+mn-ea"/>
-                <a:cs typeface="+mn-cs"/>
-              </a:defRPr>
-            </a:lvl6pPr>
-            <a:lvl7pPr marL="2971800" indent="-228600" algn="l" defTabSz="914400" rtl="0" eaLnBrk="1" latinLnBrk="0" hangingPunct="1">
-              <a:lnSpc>
-                <a:spcPct val="90000"/>
-              </a:lnSpc>
-              <a:spcBef>
-                <a:spcPts val="500"/>
-              </a:spcBef>
-              <a:buFont typeface="Arial" panose="020B0604020202020204" pitchFamily="34" charset="0"/>
-              <a:buChar char="•"/>
-              <a:defRPr sz="1800" kern="1200">
-                <a:solidFill>
-                  <a:schemeClr val="tx1"/>
-                </a:solidFill>
-                <a:latin typeface="+mn-lt"/>
-                <a:ea typeface="+mn-ea"/>
-                <a:cs typeface="+mn-cs"/>
-              </a:defRPr>
-            </a:lvl7pPr>
-            <a:lvl8pPr marL="3429000" indent="-228600" algn="l" defTabSz="914400" rtl="0" eaLnBrk="1" latinLnBrk="0" hangingPunct="1">
-              <a:lnSpc>
-                <a:spcPct val="90000"/>
-              </a:lnSpc>
-              <a:spcBef>
-                <a:spcPts val="500"/>
-              </a:spcBef>
-              <a:buFont typeface="Arial" panose="020B0604020202020204" pitchFamily="34" charset="0"/>
-              <a:buChar char="•"/>
-              <a:defRPr sz="1800" kern="1200">
-                <a:solidFill>
-                  <a:schemeClr val="tx1"/>
-                </a:solidFill>
-                <a:latin typeface="+mn-lt"/>
-                <a:ea typeface="+mn-ea"/>
-                <a:cs typeface="+mn-cs"/>
-              </a:defRPr>
-            </a:lvl8pPr>
-            <a:lvl9pPr marL="3886200" indent="-228600" algn="l" defTabSz="914400" rtl="0" eaLnBrk="1" latinLnBrk="0" hangingPunct="1">
-              <a:lnSpc>
-                <a:spcPct val="90000"/>
-              </a:lnSpc>
-              <a:spcBef>
-                <a:spcPts val="500"/>
-              </a:spcBef>
-              <a:buFont typeface="Arial" panose="020B0604020202020204" pitchFamily="34" charset="0"/>
-              <a:buChar char="•"/>
-              <a:defRPr sz="1800" kern="1200">
-                <a:solidFill>
-                  <a:schemeClr val="tx1"/>
-                </a:solidFill>
-                <a:latin typeface="+mn-lt"/>
-                <a:ea typeface="+mn-ea"/>
-                <a:cs typeface="+mn-cs"/>
-              </a:defRPr>
-            </a:lvl9pPr>
-          </a:lstStyle>
-          <a:p>
-            <a:r>
-              <a:rPr lang="en-US" dirty="0" err="1"/>
-              <a:t>always_</a:t>
-            </a:r>
-            <a:r>
-              <a:rPr lang="en-US" b="1" dirty="0" err="1"/>
-              <a:t>ff</a:t>
-            </a:r>
-            <a:r>
-              <a:rPr lang="en-US" dirty="0"/>
-              <a:t>@(posedge </a:t>
-            </a:r>
-            <a:r>
-              <a:rPr lang="en-US" dirty="0" err="1"/>
-              <a:t>clk</a:t>
-            </a:r>
-            <a:r>
-              <a:rPr lang="en-US" dirty="0"/>
-              <a:t>) begin</a:t>
-            </a:r>
-          </a:p>
-          <a:p>
-            <a:pPr lvl="1"/>
-            <a:r>
-              <a:rPr lang="en-US" dirty="0"/>
-              <a:t>…</a:t>
-            </a:r>
-          </a:p>
-          <a:p>
-            <a:r>
-              <a:rPr lang="en-US" dirty="0"/>
-              <a:t>end</a:t>
-            </a:r>
-          </a:p>
-          <a:p>
-            <a:endParaRPr lang="en-US" dirty="0"/>
-          </a:p>
-          <a:p>
-            <a:endParaRPr lang="en-US" dirty="0"/>
-          </a:p>
-          <a:p>
-            <a:r>
-              <a:rPr lang="en-US" dirty="0" err="1"/>
-              <a:t>always_</a:t>
-            </a:r>
-            <a:r>
-              <a:rPr lang="en-US" b="1" dirty="0" err="1"/>
-              <a:t>comb</a:t>
-            </a:r>
-            <a:r>
-              <a:rPr lang="en-US" dirty="0"/>
-              <a:t>@(a or b or c) begin</a:t>
-            </a:r>
-          </a:p>
-          <a:p>
-            <a:pPr lvl="1"/>
-            <a:r>
-              <a:rPr lang="en-US" dirty="0"/>
-              <a:t>out1 = a &amp; b &amp; c;</a:t>
-            </a:r>
-          </a:p>
-          <a:p>
-            <a:r>
-              <a:rPr lang="en-US" dirty="0"/>
-              <a:t>end</a:t>
-            </a:r>
-          </a:p>
-          <a:p>
-            <a:endParaRPr lang="en-US" dirty="0"/>
-          </a:p>
-        </p:txBody>
-      </p:sp>
-      <p:sp>
-        <p:nvSpPr>
-          <p:cNvPr id="9" name="Content Placeholder 2">
-            <a:extLst>
-              <a:ext uri="{FF2B5EF4-FFF2-40B4-BE49-F238E27FC236}">
-                <a16:creationId xmlns:a16="http://schemas.microsoft.com/office/drawing/2014/main" id="{2BC83A63-7D87-AD28-FD57-0BB3859E289E}"/>
-              </a:ext>
-            </a:extLst>
-          </p:cNvPr>
-          <p:cNvSpPr txBox="1">
-            <a:spLocks/>
-          </p:cNvSpPr>
-          <p:nvPr/>
-        </p:nvSpPr>
-        <p:spPr>
-          <a:xfrm>
-            <a:off x="8295282" y="3524437"/>
-            <a:ext cx="3058518" cy="2601884"/>
-          </a:xfrm>
-          <a:prstGeom prst="rect">
-            <a:avLst/>
-          </a:prstGeom>
-        </p:spPr>
-        <p:txBody>
-          <a:bodyPr vert="horz" lIns="91440" tIns="45720" rIns="91440" bIns="45720" rtlCol="0">
-            <a:normAutofit/>
-          </a:bodyPr>
-          <a:lstStyle>
-            <a:lvl1pPr marL="228600" indent="-228600" algn="l" defTabSz="914400" rtl="0" eaLnBrk="1" latinLnBrk="0" hangingPunct="1">
-              <a:lnSpc>
-                <a:spcPct val="90000"/>
-              </a:lnSpc>
-              <a:spcBef>
-                <a:spcPts val="1000"/>
-              </a:spcBef>
-              <a:buFont typeface="Arial" panose="020B0604020202020204" pitchFamily="34" charset="0"/>
-              <a:buChar char="•"/>
-              <a:defRPr sz="1400" kern="1200">
-                <a:solidFill>
-                  <a:schemeClr val="tx1"/>
-                </a:solidFill>
-                <a:latin typeface="+mn-lt"/>
-                <a:ea typeface="+mn-ea"/>
-                <a:cs typeface="+mn-cs"/>
-              </a:defRPr>
-            </a:lvl1pPr>
-            <a:lvl2pPr marL="685800" indent="-228600" algn="l" defTabSz="914400" rtl="0" eaLnBrk="1" latinLnBrk="0" hangingPunct="1">
-              <a:lnSpc>
-                <a:spcPct val="90000"/>
-              </a:lnSpc>
-              <a:spcBef>
-                <a:spcPts val="500"/>
-              </a:spcBef>
-              <a:buFont typeface="Arial" panose="020B0604020202020204" pitchFamily="34" charset="0"/>
-              <a:buChar char="•"/>
-              <a:defRPr sz="1200" kern="1200">
-                <a:solidFill>
-                  <a:schemeClr val="tx1"/>
-                </a:solidFill>
-                <a:latin typeface="+mn-lt"/>
-                <a:ea typeface="+mn-ea"/>
-                <a:cs typeface="+mn-cs"/>
-              </a:defRPr>
-            </a:lvl2pPr>
-            <a:lvl3pPr marL="1143000" indent="-228600" algn="l" defTabSz="914400" rtl="0" eaLnBrk="1" latinLnBrk="0" hangingPunct="1">
-              <a:lnSpc>
-                <a:spcPct val="90000"/>
-              </a:lnSpc>
-              <a:spcBef>
-                <a:spcPts val="500"/>
-              </a:spcBef>
-              <a:buFont typeface="Arial" panose="020B0604020202020204" pitchFamily="34" charset="0"/>
-              <a:buChar char="•"/>
-              <a:defRPr sz="1200" kern="1200">
-                <a:solidFill>
-                  <a:schemeClr val="tx1"/>
-                </a:solidFill>
-                <a:latin typeface="+mn-lt"/>
-                <a:ea typeface="+mn-ea"/>
-                <a:cs typeface="+mn-cs"/>
-              </a:defRPr>
-            </a:lvl3pPr>
-            <a:lvl4pPr marL="1600200" indent="-228600" algn="l" defTabSz="914400" rtl="0" eaLnBrk="1" latinLnBrk="0" hangingPunct="1">
-              <a:lnSpc>
-                <a:spcPct val="90000"/>
-              </a:lnSpc>
-              <a:spcBef>
-                <a:spcPts val="500"/>
-              </a:spcBef>
-              <a:buFont typeface="Arial" panose="020B0604020202020204" pitchFamily="34" charset="0"/>
-              <a:buChar char="•"/>
-              <a:defRPr sz="1200" kern="1200">
-                <a:solidFill>
-                  <a:schemeClr val="tx1"/>
-                </a:solidFill>
-                <a:latin typeface="+mn-lt"/>
-                <a:ea typeface="+mn-ea"/>
-                <a:cs typeface="+mn-cs"/>
-              </a:defRPr>
-            </a:lvl4pPr>
-            <a:lvl5pPr marL="2057400" indent="-228600" algn="l" defTabSz="914400" rtl="0" eaLnBrk="1" latinLnBrk="0" hangingPunct="1">
-              <a:lnSpc>
-                <a:spcPct val="90000"/>
-              </a:lnSpc>
-              <a:spcBef>
-                <a:spcPts val="500"/>
-              </a:spcBef>
-              <a:buFont typeface="Arial" panose="020B0604020202020204" pitchFamily="34" charset="0"/>
-              <a:buChar char="•"/>
-              <a:defRPr sz="1200" kern="1200">
-                <a:solidFill>
-                  <a:schemeClr val="tx1"/>
-                </a:solidFill>
-                <a:latin typeface="+mn-lt"/>
-                <a:ea typeface="+mn-ea"/>
-                <a:cs typeface="+mn-cs"/>
-              </a:defRPr>
-            </a:lvl5pPr>
-            <a:lvl6pPr marL="2514600" indent="-228600" algn="l" defTabSz="914400" rtl="0" eaLnBrk="1" latinLnBrk="0" hangingPunct="1">
-              <a:lnSpc>
-                <a:spcPct val="90000"/>
-              </a:lnSpc>
-              <a:spcBef>
-                <a:spcPts val="500"/>
-              </a:spcBef>
-              <a:buFont typeface="Arial" panose="020B0604020202020204" pitchFamily="34" charset="0"/>
-              <a:buChar char="•"/>
-              <a:defRPr sz="1800" kern="1200">
-                <a:solidFill>
-                  <a:schemeClr val="tx1"/>
-                </a:solidFill>
-                <a:latin typeface="+mn-lt"/>
-                <a:ea typeface="+mn-ea"/>
-                <a:cs typeface="+mn-cs"/>
-              </a:defRPr>
-            </a:lvl6pPr>
-            <a:lvl7pPr marL="2971800" indent="-228600" algn="l" defTabSz="914400" rtl="0" eaLnBrk="1" latinLnBrk="0" hangingPunct="1">
-              <a:lnSpc>
-                <a:spcPct val="90000"/>
-              </a:lnSpc>
-              <a:spcBef>
-                <a:spcPts val="500"/>
-              </a:spcBef>
-              <a:buFont typeface="Arial" panose="020B0604020202020204" pitchFamily="34" charset="0"/>
-              <a:buChar char="•"/>
-              <a:defRPr sz="1800" kern="1200">
-                <a:solidFill>
-                  <a:schemeClr val="tx1"/>
-                </a:solidFill>
-                <a:latin typeface="+mn-lt"/>
-                <a:ea typeface="+mn-ea"/>
-                <a:cs typeface="+mn-cs"/>
-              </a:defRPr>
-            </a:lvl7pPr>
-            <a:lvl8pPr marL="3429000" indent="-228600" algn="l" defTabSz="914400" rtl="0" eaLnBrk="1" latinLnBrk="0" hangingPunct="1">
-              <a:lnSpc>
-                <a:spcPct val="90000"/>
-              </a:lnSpc>
-              <a:spcBef>
-                <a:spcPts val="500"/>
-              </a:spcBef>
-              <a:buFont typeface="Arial" panose="020B0604020202020204" pitchFamily="34" charset="0"/>
-              <a:buChar char="•"/>
-              <a:defRPr sz="1800" kern="1200">
-                <a:solidFill>
-                  <a:schemeClr val="tx1"/>
-                </a:solidFill>
-                <a:latin typeface="+mn-lt"/>
-                <a:ea typeface="+mn-ea"/>
-                <a:cs typeface="+mn-cs"/>
-              </a:defRPr>
-            </a:lvl8pPr>
-            <a:lvl9pPr marL="3886200" indent="-228600" algn="l" defTabSz="914400" rtl="0" eaLnBrk="1" latinLnBrk="0" hangingPunct="1">
-              <a:lnSpc>
-                <a:spcPct val="90000"/>
-              </a:lnSpc>
-              <a:spcBef>
-                <a:spcPts val="500"/>
-              </a:spcBef>
-              <a:buFont typeface="Arial" panose="020B0604020202020204" pitchFamily="34" charset="0"/>
-              <a:buChar char="•"/>
-              <a:defRPr sz="1800" kern="1200">
-                <a:solidFill>
-                  <a:schemeClr val="tx1"/>
-                </a:solidFill>
-                <a:latin typeface="+mn-lt"/>
-                <a:ea typeface="+mn-ea"/>
-                <a:cs typeface="+mn-cs"/>
-              </a:defRPr>
-            </a:lvl9pPr>
-          </a:lstStyle>
-          <a:p>
-            <a:r>
-              <a:rPr lang="en-US" dirty="0" err="1"/>
-              <a:t>always_comb</a:t>
-            </a:r>
-            <a:r>
-              <a:rPr lang="en-US" dirty="0"/>
-              <a:t>@(</a:t>
-            </a:r>
-            <a:r>
-              <a:rPr lang="en-US" b="1" dirty="0"/>
-              <a:t>posedge</a:t>
-            </a:r>
-            <a:r>
-              <a:rPr lang="en-US" dirty="0"/>
-              <a:t> </a:t>
-            </a:r>
-            <a:r>
-              <a:rPr lang="en-US" dirty="0" err="1"/>
-              <a:t>clk</a:t>
-            </a:r>
-            <a:r>
-              <a:rPr lang="en-US" dirty="0"/>
-              <a:t>) begin</a:t>
-            </a:r>
-          </a:p>
-          <a:p>
-            <a:pPr lvl="1"/>
-            <a:r>
-              <a:rPr lang="en-US" dirty="0"/>
-              <a:t>…</a:t>
-            </a:r>
-          </a:p>
-          <a:p>
-            <a:r>
-              <a:rPr lang="en-US" dirty="0"/>
-              <a:t>end</a:t>
-            </a:r>
-          </a:p>
-          <a:p>
-            <a:endParaRPr lang="en-US" dirty="0"/>
-          </a:p>
-          <a:p>
-            <a:r>
-              <a:rPr lang="en-US" dirty="0"/>
-              <a:t>=&gt; sim error, </a:t>
-            </a:r>
-          </a:p>
-        </p:txBody>
-      </p:sp>
-    </p:spTree>
-    <p:extLst>
-      <p:ext uri="{BB962C8B-B14F-4D97-AF65-F5344CB8AC3E}">
-        <p14:creationId xmlns:p14="http://schemas.microsoft.com/office/powerpoint/2010/main" val="40471721"/>
-      </p:ext>
-    </p:extLst>
-  </p:cSld>
-  <p:clrMapOvr>
-    <a:masterClrMapping/>
-  </p:clrMapOvr>
-</p:sld>
-</file>
-
-<file path=ppt/slides/slide21.xml><?xml version="1.0" encoding="utf-8"?>
-<p:sld xmlns:a="http://schemas.openxmlformats.org/drawingml/2006/main" xmlns:r="http://schemas.openxmlformats.org/officeDocument/2006/relationships" xmlns:p="http://schemas.openxmlformats.org/presentationml/2006/main">
-  <p:cSld>
-    <p:spTree>
-      <p:nvGrpSpPr>
-        <p:cNvPr id="1" name=""/>
-        <p:cNvGrpSpPr/>
-        <p:nvPr/>
-      </p:nvGrpSpPr>
-      <p:grpSpPr>
-        <a:xfrm>
-          <a:off x="0" y="0"/>
-          <a:ext cx="0" cy="0"/>
-          <a:chOff x="0" y="0"/>
-          <a:chExt cx="0" cy="0"/>
-        </a:xfrm>
-      </p:grpSpPr>
-      <p:sp>
-        <p:nvSpPr>
-          <p:cNvPr id="2" name="Title 1">
-            <a:extLst>
-              <a:ext uri="{FF2B5EF4-FFF2-40B4-BE49-F238E27FC236}">
-                <a16:creationId xmlns:a16="http://schemas.microsoft.com/office/drawing/2014/main" id="{E6E7246E-6DDB-2F98-52B0-04AB5D144996}"/>
-              </a:ext>
-            </a:extLst>
-          </p:cNvPr>
-          <p:cNvSpPr>
-            <a:spLocks noGrp="1"/>
-          </p:cNvSpPr>
-          <p:nvPr>
-            <p:ph type="title"/>
-          </p:nvPr>
-        </p:nvSpPr>
-        <p:spPr/>
-        <p:txBody>
-          <a:bodyPr/>
-          <a:lstStyle/>
-          <a:p>
-            <a:r>
-              <a:rPr lang="en-US" dirty="0"/>
-              <a:t>lab07</a:t>
-            </a:r>
-          </a:p>
-        </p:txBody>
-      </p:sp>
-      <p:sp>
-        <p:nvSpPr>
-          <p:cNvPr id="3" name="Content Placeholder 2">
-            <a:extLst>
-              <a:ext uri="{FF2B5EF4-FFF2-40B4-BE49-F238E27FC236}">
-                <a16:creationId xmlns:a16="http://schemas.microsoft.com/office/drawing/2014/main" id="{F0AB9DF1-764A-2056-5BC1-70D34F516704}"/>
-              </a:ext>
-            </a:extLst>
-          </p:cNvPr>
-          <p:cNvSpPr>
-            <a:spLocks noGrp="1"/>
-          </p:cNvSpPr>
-          <p:nvPr>
-            <p:ph idx="1"/>
-          </p:nvPr>
-        </p:nvSpPr>
-        <p:spPr>
-          <a:xfrm>
-            <a:off x="590204" y="1064029"/>
-            <a:ext cx="10763596" cy="5363403"/>
-          </a:xfrm>
-        </p:spPr>
-        <p:txBody>
-          <a:bodyPr>
-            <a:normAutofit/>
-          </a:bodyPr>
-          <a:lstStyle/>
-          <a:p>
-            <a:r>
-              <a:rPr lang="en-US" dirty="0"/>
-              <a:t>wire connection by “assign” in generate block </a:t>
-            </a:r>
-          </a:p>
-          <a:p>
-            <a:endParaRPr lang="en-US" dirty="0"/>
-          </a:p>
-          <a:p>
-            <a:r>
-              <a:rPr lang="en-US" dirty="0"/>
-              <a:t>module top;</a:t>
-            </a:r>
-          </a:p>
-          <a:p>
-            <a:pPr lvl="1"/>
-            <a:r>
-              <a:rPr lang="en-US" dirty="0"/>
-              <a:t>sub #(.sel(0)) inst1();</a:t>
-            </a:r>
-          </a:p>
-          <a:p>
-            <a:pPr lvl="1"/>
-            <a:r>
-              <a:rPr lang="en-US" dirty="0"/>
-              <a:t>sub #(.sel(1)) inst2();</a:t>
-            </a:r>
-          </a:p>
-          <a:p>
-            <a:r>
-              <a:rPr lang="en-US" dirty="0" err="1"/>
-              <a:t>endmodule</a:t>
-            </a:r>
-            <a:endParaRPr lang="en-US" dirty="0"/>
-          </a:p>
-          <a:p>
-            <a:endParaRPr lang="en-US" dirty="0"/>
-          </a:p>
-          <a:p>
-            <a:r>
-              <a:rPr lang="en-US" dirty="0"/>
-              <a:t>module sub;</a:t>
-            </a:r>
-          </a:p>
-          <a:p>
-            <a:pPr lvl="1"/>
-            <a:r>
-              <a:rPr lang="en-US" dirty="0"/>
-              <a:t>parameter </a:t>
-            </a:r>
-            <a:r>
-              <a:rPr lang="en-US" dirty="0" err="1"/>
-              <a:t>sel</a:t>
-            </a:r>
-            <a:r>
-              <a:rPr lang="en-US" dirty="0"/>
-              <a:t> = 1;</a:t>
-            </a:r>
-          </a:p>
-          <a:p>
-            <a:endParaRPr lang="en-US" dirty="0"/>
-          </a:p>
-          <a:p>
-            <a:pPr lvl="1"/>
-            <a:r>
-              <a:rPr lang="en-US" dirty="0"/>
-              <a:t>logic sig1, sig2, sig3;</a:t>
-            </a:r>
-          </a:p>
-          <a:p>
-            <a:pPr lvl="1"/>
-            <a:r>
-              <a:rPr lang="en-US" b="1" dirty="0"/>
-              <a:t>generate  </a:t>
-            </a:r>
-            <a:r>
-              <a:rPr lang="en-US" b="1" dirty="0">
-                <a:sym typeface="Wingdings" panose="05000000000000000000" pitchFamily="2" charset="2"/>
-              </a:rPr>
-              <a:t>- this is optional</a:t>
-            </a:r>
-            <a:endParaRPr lang="en-US" b="1" dirty="0"/>
-          </a:p>
-          <a:p>
-            <a:pPr lvl="1"/>
-            <a:r>
-              <a:rPr lang="en-US" dirty="0"/>
-              <a:t>if (</a:t>
-            </a:r>
-            <a:r>
-              <a:rPr lang="en-US" dirty="0" err="1"/>
-              <a:t>sel</a:t>
-            </a:r>
-            <a:r>
-              <a:rPr lang="en-US" dirty="0"/>
-              <a:t>)</a:t>
-            </a:r>
-          </a:p>
-          <a:p>
-            <a:pPr lvl="2"/>
-            <a:r>
-              <a:rPr lang="en-US" dirty="0"/>
-              <a:t>assign sig3 = sig1;</a:t>
-            </a:r>
-          </a:p>
-          <a:p>
-            <a:pPr lvl="1"/>
-            <a:r>
-              <a:rPr lang="en-US" dirty="0"/>
-              <a:t>else</a:t>
-            </a:r>
-          </a:p>
-          <a:p>
-            <a:pPr lvl="2"/>
-            <a:r>
-              <a:rPr lang="en-US" dirty="0"/>
-              <a:t>assign sig3 = sig2;</a:t>
-            </a:r>
-          </a:p>
-          <a:p>
-            <a:pPr lvl="1"/>
-            <a:r>
-              <a:rPr lang="en-US" b="1" dirty="0" err="1"/>
-              <a:t>endgenerate</a:t>
-            </a:r>
-            <a:r>
-              <a:rPr lang="en-US" b="1" dirty="0"/>
-              <a:t> </a:t>
-            </a:r>
-            <a:r>
-              <a:rPr lang="en-US" b="1" dirty="0">
-                <a:sym typeface="Wingdings" panose="05000000000000000000" pitchFamily="2" charset="2"/>
-              </a:rPr>
-              <a:t>- this is optional</a:t>
-            </a:r>
-            <a:endParaRPr lang="en-US" b="1" dirty="0"/>
-          </a:p>
-          <a:p>
-            <a:pPr marL="914400" lvl="2" indent="0">
-              <a:buNone/>
-            </a:pPr>
-            <a:r>
-              <a:rPr lang="en-US" dirty="0"/>
-              <a:t>	</a:t>
-            </a:r>
-          </a:p>
-          <a:p>
-            <a:r>
-              <a:rPr lang="en-US" dirty="0" err="1"/>
-              <a:t>endmodule</a:t>
-            </a:r>
-            <a:endParaRPr lang="en-US" dirty="0"/>
-          </a:p>
-        </p:txBody>
-      </p:sp>
-      <p:sp>
-        <p:nvSpPr>
-          <p:cNvPr id="4" name="Slide Number Placeholder 3">
-            <a:extLst>
-              <a:ext uri="{FF2B5EF4-FFF2-40B4-BE49-F238E27FC236}">
-                <a16:creationId xmlns:a16="http://schemas.microsoft.com/office/drawing/2014/main" id="{A653B7C0-A01B-B019-AE82-6D2CF11E10FE}"/>
-              </a:ext>
-            </a:extLst>
-          </p:cNvPr>
-          <p:cNvSpPr>
-            <a:spLocks noGrp="1"/>
-          </p:cNvSpPr>
-          <p:nvPr>
-            <p:ph type="sldNum" sz="quarter" idx="12"/>
-          </p:nvPr>
-        </p:nvSpPr>
-        <p:spPr/>
-        <p:txBody>
-          <a:bodyPr/>
-          <a:lstStyle/>
-          <a:p>
-            <a:fld id="{8A2B06E4-34D2-4DD4-ABFF-9F74AC2B18B5}" type="slidenum">
-              <a:rPr lang="en-US" smtClean="0"/>
-              <a:t>21</a:t>
-            </a:fld>
-            <a:endParaRPr lang="en-US" dirty="0"/>
-          </a:p>
-        </p:txBody>
-      </p:sp>
-    </p:spTree>
-    <p:extLst>
-      <p:ext uri="{BB962C8B-B14F-4D97-AF65-F5344CB8AC3E}">
-        <p14:creationId xmlns:p14="http://schemas.microsoft.com/office/powerpoint/2010/main" val="2190162818"/>
       </p:ext>
     </p:extLst>
   </p:cSld>
@@ -8443,7 +8299,7 @@
           <p:cNvPr id="2" name="Title 1">
             <a:extLst>
               <a:ext uri="{FF2B5EF4-FFF2-40B4-BE49-F238E27FC236}">
-                <a16:creationId xmlns:a16="http://schemas.microsoft.com/office/drawing/2014/main" id="{0D90D065-03EF-C333-329D-B6A904037AA4}"/>
+                <a16:creationId xmlns:a16="http://schemas.microsoft.com/office/drawing/2014/main" id="{5F881FD3-5F13-3C2B-4417-420DB3202461}"/>
               </a:ext>
             </a:extLst>
           </p:cNvPr>
@@ -8461,7 +8317,7 @@
           <a:p>
             <a:r>
               <a:rPr lang="en-US" dirty="0"/>
-              <a:t>lab07</a:t>
+              <a:t>lab09</a:t>
             </a:r>
           </a:p>
         </p:txBody>
@@ -8471,7 +8327,7 @@
           <p:cNvPr id="3" name="Content Placeholder 2">
             <a:extLst>
               <a:ext uri="{FF2B5EF4-FFF2-40B4-BE49-F238E27FC236}">
-                <a16:creationId xmlns:a16="http://schemas.microsoft.com/office/drawing/2014/main" id="{6BFC4363-D16A-9B9C-C912-00320CAA407C}"/>
+                <a16:creationId xmlns:a16="http://schemas.microsoft.com/office/drawing/2014/main" id="{C9E3DA7D-CF3B-971E-F419-BEDAC7C6869A}"/>
               </a:ext>
             </a:extLst>
           </p:cNvPr>
@@ -8484,127 +8340,17 @@
         </p:nvSpPr>
         <p:spPr>
           <a:xfrm>
-            <a:off x="590204" y="1064029"/>
-            <a:ext cx="3369237" cy="4662068"/>
+            <a:off x="590204" y="1064030"/>
+            <a:ext cx="3058518" cy="2601884"/>
           </a:xfrm>
         </p:spPr>
         <p:txBody>
-          <a:bodyPr>
-            <a:normAutofit/>
-          </a:bodyPr>
+          <a:bodyPr/>
           <a:lstStyle/>
           <a:p>
             <a:r>
-              <a:rPr lang="en-US" dirty="0"/>
-              <a:t>scope</a:t>
-            </a:r>
-          </a:p>
-          <a:p>
-            <a:pPr lvl="1"/>
-            <a:r>
-              <a:rPr lang="en-US" b="1" dirty="0"/>
-              <a:t>module</a:t>
-            </a:r>
-          </a:p>
-          <a:p>
-            <a:pPr lvl="1"/>
-            <a:r>
-              <a:rPr lang="en-US" b="1" dirty="0" err="1"/>
-              <a:t>endmodule</a:t>
-            </a:r>
-            <a:endParaRPr lang="en-US" b="1" dirty="0"/>
-          </a:p>
-          <a:p>
-            <a:pPr lvl="1"/>
-            <a:endParaRPr lang="en-US" dirty="0"/>
-          </a:p>
-          <a:p>
-            <a:pPr lvl="1"/>
-            <a:r>
-              <a:rPr lang="en-US" dirty="0"/>
-              <a:t>class</a:t>
-            </a:r>
-          </a:p>
-          <a:p>
-            <a:pPr lvl="1"/>
-            <a:r>
               <a:rPr lang="en-US" dirty="0" err="1"/>
-              <a:t>endclass</a:t>
-            </a:r>
-            <a:endParaRPr lang="en-US" dirty="0"/>
-          </a:p>
-          <a:p>
-            <a:endParaRPr lang="en-US" dirty="0"/>
-          </a:p>
-          <a:p>
-            <a:pPr lvl="1"/>
-            <a:r>
-              <a:rPr lang="en-US" dirty="0"/>
-              <a:t>interface </a:t>
-            </a:r>
-          </a:p>
-          <a:p>
-            <a:pPr lvl="1"/>
-            <a:r>
-              <a:rPr lang="en-US" dirty="0" err="1"/>
-              <a:t>endinterface</a:t>
-            </a:r>
-            <a:endParaRPr lang="en-US" dirty="0"/>
-          </a:p>
-          <a:p>
-            <a:pPr lvl="1"/>
-            <a:endParaRPr lang="en-US" dirty="0"/>
-          </a:p>
-          <a:p>
-            <a:pPr lvl="1"/>
-            <a:r>
-              <a:rPr lang="en-US" dirty="0"/>
-              <a:t>checker</a:t>
-            </a:r>
-          </a:p>
-          <a:p>
-            <a:pPr lvl="1"/>
-            <a:r>
-              <a:rPr lang="en-US" dirty="0" err="1"/>
-              <a:t>endchecker</a:t>
-            </a:r>
-            <a:endParaRPr lang="en-US" dirty="0"/>
-          </a:p>
-          <a:p>
-            <a:pPr lvl="1"/>
-            <a:endParaRPr lang="en-US" dirty="0"/>
-          </a:p>
-          <a:p>
-            <a:pPr lvl="1"/>
-            <a:r>
-              <a:rPr lang="en-US" dirty="0"/>
-              <a:t>program</a:t>
-            </a:r>
-          </a:p>
-          <a:p>
-            <a:pPr lvl="1"/>
-            <a:r>
-              <a:rPr lang="en-US" dirty="0" err="1"/>
-              <a:t>endprogram</a:t>
-            </a:r>
-            <a:endParaRPr lang="en-US" dirty="0"/>
-          </a:p>
-          <a:p>
-            <a:pPr lvl="1"/>
-            <a:endParaRPr lang="en-US" dirty="0"/>
-          </a:p>
-          <a:p>
-            <a:pPr lvl="1"/>
-            <a:r>
-              <a:rPr lang="en-US" dirty="0"/>
-              <a:t>generate</a:t>
-            </a:r>
-          </a:p>
-          <a:p>
-            <a:pPr lvl="1"/>
-            <a:r>
-              <a:rPr lang="en-US" dirty="0" err="1"/>
-              <a:t>endgenerate</a:t>
+              <a:t>verilog</a:t>
             </a:r>
             <a:endParaRPr lang="en-US" dirty="0"/>
           </a:p>
@@ -8615,7 +8361,7 @@
           <p:cNvPr id="4" name="Slide Number Placeholder 3">
             <a:extLst>
               <a:ext uri="{FF2B5EF4-FFF2-40B4-BE49-F238E27FC236}">
-                <a16:creationId xmlns:a16="http://schemas.microsoft.com/office/drawing/2014/main" id="{AC7F354A-7DB9-26FB-09B1-62B5D79E1C4A}"/>
+                <a16:creationId xmlns:a16="http://schemas.microsoft.com/office/drawing/2014/main" id="{323CBED7-26D9-2476-833B-76E80BDCCDF2}"/>
               </a:ext>
             </a:extLst>
           </p:cNvPr>
@@ -8639,12 +8385,42 @@
           </a:p>
         </p:txBody>
       </p:sp>
+      <p:pic>
+        <p:nvPicPr>
+          <p:cNvPr id="6" name="Picture 5">
+            <a:extLst>
+              <a:ext uri="{FF2B5EF4-FFF2-40B4-BE49-F238E27FC236}">
+                <a16:creationId xmlns:a16="http://schemas.microsoft.com/office/drawing/2014/main" id="{B33452A6-CA57-6AE9-AB6E-8A8377687AE2}"/>
+              </a:ext>
+            </a:extLst>
+          </p:cNvPr>
+          <p:cNvPicPr>
+            <a:picLocks noChangeAspect="1"/>
+          </p:cNvPicPr>
+          <p:nvPr/>
+        </p:nvPicPr>
+        <p:blipFill>
+          <a:blip r:embed="rId2"/>
+          <a:stretch>
+            <a:fillRect/>
+          </a:stretch>
+        </p:blipFill>
+        <p:spPr>
+          <a:xfrm>
+            <a:off x="660919" y="1760924"/>
+            <a:ext cx="2644192" cy="4418144"/>
+          </a:xfrm>
+          <a:prstGeom prst="rect">
+            <a:avLst/>
+          </a:prstGeom>
+        </p:spPr>
+      </p:pic>
       <p:sp>
         <p:nvSpPr>
-          <p:cNvPr id="5" name="Content Placeholder 2">
-            <a:extLst>
-              <a:ext uri="{FF2B5EF4-FFF2-40B4-BE49-F238E27FC236}">
-                <a16:creationId xmlns:a16="http://schemas.microsoft.com/office/drawing/2014/main" id="{C56A286A-DF8E-552E-E1AA-8A6159B25E16}"/>
+          <p:cNvPr id="7" name="Content Placeholder 2">
+            <a:extLst>
+              <a:ext uri="{FF2B5EF4-FFF2-40B4-BE49-F238E27FC236}">
+                <a16:creationId xmlns:a16="http://schemas.microsoft.com/office/drawing/2014/main" id="{17D17AFA-9427-1D90-8EDD-A53998DD4F9E}"/>
               </a:ext>
             </a:extLst>
           </p:cNvPr>
@@ -8655,8 +8431,8 @@
         </p:nvSpPr>
         <p:spPr>
           <a:xfrm>
-            <a:off x="3679633" y="1064029"/>
-            <a:ext cx="3804243" cy="4662068"/>
+            <a:off x="4566741" y="1064030"/>
+            <a:ext cx="3058518" cy="480685"/>
           </a:xfrm>
           <a:prstGeom prst="rect">
             <a:avLst/>
@@ -8832,130 +8608,19 @@
           </a:lstStyle>
           <a:p>
             <a:r>
-              <a:rPr lang="en-US" dirty="0"/>
-              <a:t>example</a:t>
-            </a:r>
-          </a:p>
-          <a:p>
-            <a:pPr lvl="1"/>
-            <a:r>
-              <a:rPr lang="en-US" b="1" dirty="0"/>
-              <a:t>module</a:t>
-            </a:r>
-            <a:r>
-              <a:rPr lang="en-US" dirty="0"/>
-              <a:t> top</a:t>
-            </a:r>
-          </a:p>
-          <a:p>
-            <a:pPr lvl="2"/>
-            <a:r>
-              <a:rPr lang="en-US" dirty="0"/>
-              <a:t>c1 inst_c1();</a:t>
-            </a:r>
-          </a:p>
-          <a:p>
-            <a:pPr lvl="2"/>
-            <a:r>
-              <a:rPr lang="en-US" dirty="0"/>
-              <a:t>i1 inst_i1;</a:t>
-            </a:r>
-          </a:p>
-          <a:p>
-            <a:pPr lvl="1"/>
-            <a:r>
               <a:rPr lang="en-US" dirty="0" err="1"/>
-              <a:t>endmodule</a:t>
-            </a:r>
-            <a:endParaRPr lang="en-US" dirty="0"/>
-          </a:p>
-          <a:p>
-            <a:pPr lvl="1"/>
-            <a:endParaRPr lang="en-US" dirty="0"/>
-          </a:p>
-          <a:p>
-            <a:pPr lvl="1"/>
-            <a:r>
-              <a:rPr lang="en-US" b="1" dirty="0"/>
-              <a:t>class</a:t>
-            </a:r>
-            <a:r>
-              <a:rPr lang="en-US" dirty="0"/>
-              <a:t> c1</a:t>
-            </a:r>
-          </a:p>
-          <a:p>
-            <a:pPr lvl="1"/>
-            <a:r>
-              <a:rPr lang="en-US" dirty="0" err="1"/>
-              <a:t>endclass</a:t>
-            </a:r>
-            <a:endParaRPr lang="en-US" dirty="0"/>
-          </a:p>
-          <a:p>
-            <a:pPr lvl="1"/>
-            <a:endParaRPr lang="en-US" dirty="0"/>
-          </a:p>
-          <a:p>
-            <a:pPr lvl="1"/>
-            <a:r>
-              <a:rPr lang="en-US" b="1" dirty="0"/>
-              <a:t>interface</a:t>
-            </a:r>
-            <a:r>
-              <a:rPr lang="en-US" dirty="0"/>
-              <a:t> i1</a:t>
-            </a:r>
-          </a:p>
-          <a:p>
-            <a:pPr lvl="1"/>
-            <a:r>
-              <a:rPr lang="en-US" dirty="0" err="1"/>
-              <a:t>endinterface</a:t>
-            </a:r>
-            <a:r>
-              <a:rPr lang="en-US" dirty="0"/>
-              <a:t> </a:t>
-            </a:r>
-          </a:p>
-          <a:p>
-            <a:pPr lvl="1"/>
-            <a:endParaRPr lang="en-US" dirty="0"/>
-          </a:p>
-          <a:p>
-            <a:pPr lvl="1"/>
-            <a:r>
-              <a:rPr lang="en-US" b="1" dirty="0"/>
-              <a:t>interface</a:t>
-            </a:r>
-            <a:r>
-              <a:rPr lang="en-US" dirty="0"/>
-              <a:t> i2</a:t>
-            </a:r>
-          </a:p>
-          <a:p>
-            <a:pPr lvl="1"/>
-            <a:r>
-              <a:rPr lang="en-US" dirty="0" err="1"/>
-              <a:t>endinterface</a:t>
-            </a:r>
-            <a:r>
-              <a:rPr lang="en-US" dirty="0"/>
-              <a:t> </a:t>
-            </a:r>
-          </a:p>
-          <a:p>
-            <a:pPr lvl="1"/>
+              <a:t>systemverilog</a:t>
+            </a:r>
             <a:endParaRPr lang="en-US" dirty="0"/>
           </a:p>
         </p:txBody>
       </p:sp>
       <p:sp>
         <p:nvSpPr>
-          <p:cNvPr id="6" name="Content Placeholder 2">
-            <a:extLst>
-              <a:ext uri="{FF2B5EF4-FFF2-40B4-BE49-F238E27FC236}">
-                <a16:creationId xmlns:a16="http://schemas.microsoft.com/office/drawing/2014/main" id="{B18A52DC-F630-E380-D59D-78A3CE65BFB3}"/>
+          <p:cNvPr id="8" name="Content Placeholder 2">
+            <a:extLst>
+              <a:ext uri="{FF2B5EF4-FFF2-40B4-BE49-F238E27FC236}">
+                <a16:creationId xmlns:a16="http://schemas.microsoft.com/office/drawing/2014/main" id="{F4833448-CAB3-1E6D-A1FF-6E20D892A1E9}"/>
               </a:ext>
             </a:extLst>
           </p:cNvPr>
@@ -8966,8 +8631,8 @@
         </p:nvSpPr>
         <p:spPr>
           <a:xfrm>
-            <a:off x="6627019" y="1064029"/>
-            <a:ext cx="3804243" cy="4662068"/>
+            <a:off x="4566741" y="3524437"/>
+            <a:ext cx="3058518" cy="2601884"/>
           </a:xfrm>
           <a:prstGeom prst="rect">
             <a:avLst/>
@@ -9143,169 +8808,322 @@
           </a:lstStyle>
           <a:p>
             <a:r>
+              <a:rPr lang="en-US" dirty="0" err="1"/>
+              <a:t>always_</a:t>
+            </a:r>
+            <a:r>
+              <a:rPr lang="en-US" b="1" dirty="0" err="1"/>
+              <a:t>ff</a:t>
+            </a:r>
+            <a:r>
               <a:rPr lang="en-US" dirty="0"/>
-              <a:t>example2</a:t>
+              <a:t>@(posedge </a:t>
+            </a:r>
+            <a:r>
+              <a:rPr lang="en-US" dirty="0" err="1"/>
+              <a:t>clk</a:t>
+            </a:r>
+            <a:r>
+              <a:rPr lang="en-US" dirty="0"/>
+              <a:t>) begin</a:t>
             </a:r>
           </a:p>
           <a:p>
             <a:pPr lvl="1"/>
             <a:r>
+              <a:rPr lang="en-US" dirty="0"/>
+              <a:t>…</a:t>
+            </a:r>
+          </a:p>
+          <a:p>
+            <a:r>
+              <a:rPr lang="en-US" dirty="0"/>
+              <a:t>end</a:t>
+            </a:r>
+          </a:p>
+          <a:p>
+            <a:endParaRPr lang="en-US" dirty="0"/>
+          </a:p>
+          <a:p>
+            <a:endParaRPr lang="en-US" dirty="0"/>
+          </a:p>
+          <a:p>
+            <a:r>
+              <a:rPr lang="en-US" dirty="0" err="1"/>
+              <a:t>always_</a:t>
+            </a:r>
+            <a:r>
+              <a:rPr lang="en-US" b="1" dirty="0" err="1"/>
+              <a:t>comb</a:t>
+            </a:r>
+            <a:r>
+              <a:rPr lang="en-US" dirty="0"/>
+              <a:t>@(a or b or c) begin</a:t>
+            </a:r>
+          </a:p>
+          <a:p>
+            <a:pPr lvl="1"/>
+            <a:r>
+              <a:rPr lang="en-US" dirty="0"/>
+              <a:t>out1 = a &amp; b &amp; c;</a:t>
+            </a:r>
+          </a:p>
+          <a:p>
+            <a:r>
+              <a:rPr lang="en-US" dirty="0"/>
+              <a:t>end</a:t>
+            </a:r>
+          </a:p>
+          <a:p>
+            <a:endParaRPr lang="en-US" dirty="0"/>
+          </a:p>
+        </p:txBody>
+      </p:sp>
+      <p:sp>
+        <p:nvSpPr>
+          <p:cNvPr id="9" name="Content Placeholder 2">
+            <a:extLst>
+              <a:ext uri="{FF2B5EF4-FFF2-40B4-BE49-F238E27FC236}">
+                <a16:creationId xmlns:a16="http://schemas.microsoft.com/office/drawing/2014/main" id="{2BC83A63-7D87-AD28-FD57-0BB3859E289E}"/>
+              </a:ext>
+            </a:extLst>
+          </p:cNvPr>
+          <p:cNvSpPr txBox="1">
+            <a:spLocks/>
+          </p:cNvSpPr>
+          <p:nvPr/>
+        </p:nvSpPr>
+        <p:spPr>
+          <a:xfrm>
+            <a:off x="8295282" y="3524437"/>
+            <a:ext cx="3058518" cy="2601884"/>
+          </a:xfrm>
+          <a:prstGeom prst="rect">
+            <a:avLst/>
+          </a:prstGeom>
+        </p:spPr>
+        <p:txBody>
+          <a:bodyPr vert="horz" lIns="91440" tIns="45720" rIns="91440" bIns="45720" rtlCol="0">
+            <a:normAutofit/>
+          </a:bodyPr>
+          <a:lstStyle>
+            <a:lvl1pPr marL="228600" indent="-228600" algn="l" defTabSz="914400" rtl="0" eaLnBrk="1" latinLnBrk="0" hangingPunct="1">
+              <a:lnSpc>
+                <a:spcPct val="90000"/>
+              </a:lnSpc>
+              <a:spcBef>
+                <a:spcPts val="1000"/>
+              </a:spcBef>
+              <a:buFont typeface="Arial" panose="020B0604020202020204" pitchFamily="34" charset="0"/>
+              <a:buChar char="•"/>
+              <a:defRPr sz="1400" kern="1200">
+                <a:solidFill>
+                  <a:schemeClr val="tx1"/>
+                </a:solidFill>
+                <a:latin typeface="+mn-lt"/>
+                <a:ea typeface="+mn-ea"/>
+                <a:cs typeface="+mn-cs"/>
+              </a:defRPr>
+            </a:lvl1pPr>
+            <a:lvl2pPr marL="685800" indent="-228600" algn="l" defTabSz="914400" rtl="0" eaLnBrk="1" latinLnBrk="0" hangingPunct="1">
+              <a:lnSpc>
+                <a:spcPct val="90000"/>
+              </a:lnSpc>
+              <a:spcBef>
+                <a:spcPts val="500"/>
+              </a:spcBef>
+              <a:buFont typeface="Arial" panose="020B0604020202020204" pitchFamily="34" charset="0"/>
+              <a:buChar char="•"/>
+              <a:defRPr sz="1200" kern="1200">
+                <a:solidFill>
+                  <a:schemeClr val="tx1"/>
+                </a:solidFill>
+                <a:latin typeface="+mn-lt"/>
+                <a:ea typeface="+mn-ea"/>
+                <a:cs typeface="+mn-cs"/>
+              </a:defRPr>
+            </a:lvl2pPr>
+            <a:lvl3pPr marL="1143000" indent="-228600" algn="l" defTabSz="914400" rtl="0" eaLnBrk="1" latinLnBrk="0" hangingPunct="1">
+              <a:lnSpc>
+                <a:spcPct val="90000"/>
+              </a:lnSpc>
+              <a:spcBef>
+                <a:spcPts val="500"/>
+              </a:spcBef>
+              <a:buFont typeface="Arial" panose="020B0604020202020204" pitchFamily="34" charset="0"/>
+              <a:buChar char="•"/>
+              <a:defRPr sz="1200" kern="1200">
+                <a:solidFill>
+                  <a:schemeClr val="tx1"/>
+                </a:solidFill>
+                <a:latin typeface="+mn-lt"/>
+                <a:ea typeface="+mn-ea"/>
+                <a:cs typeface="+mn-cs"/>
+              </a:defRPr>
+            </a:lvl3pPr>
+            <a:lvl4pPr marL="1600200" indent="-228600" algn="l" defTabSz="914400" rtl="0" eaLnBrk="1" latinLnBrk="0" hangingPunct="1">
+              <a:lnSpc>
+                <a:spcPct val="90000"/>
+              </a:lnSpc>
+              <a:spcBef>
+                <a:spcPts val="500"/>
+              </a:spcBef>
+              <a:buFont typeface="Arial" panose="020B0604020202020204" pitchFamily="34" charset="0"/>
+              <a:buChar char="•"/>
+              <a:defRPr sz="1200" kern="1200">
+                <a:solidFill>
+                  <a:schemeClr val="tx1"/>
+                </a:solidFill>
+                <a:latin typeface="+mn-lt"/>
+                <a:ea typeface="+mn-ea"/>
+                <a:cs typeface="+mn-cs"/>
+              </a:defRPr>
+            </a:lvl4pPr>
+            <a:lvl5pPr marL="2057400" indent="-228600" algn="l" defTabSz="914400" rtl="0" eaLnBrk="1" latinLnBrk="0" hangingPunct="1">
+              <a:lnSpc>
+                <a:spcPct val="90000"/>
+              </a:lnSpc>
+              <a:spcBef>
+                <a:spcPts val="500"/>
+              </a:spcBef>
+              <a:buFont typeface="Arial" panose="020B0604020202020204" pitchFamily="34" charset="0"/>
+              <a:buChar char="•"/>
+              <a:defRPr sz="1200" kern="1200">
+                <a:solidFill>
+                  <a:schemeClr val="tx1"/>
+                </a:solidFill>
+                <a:latin typeface="+mn-lt"/>
+                <a:ea typeface="+mn-ea"/>
+                <a:cs typeface="+mn-cs"/>
+              </a:defRPr>
+            </a:lvl5pPr>
+            <a:lvl6pPr marL="2514600" indent="-228600" algn="l" defTabSz="914400" rtl="0" eaLnBrk="1" latinLnBrk="0" hangingPunct="1">
+              <a:lnSpc>
+                <a:spcPct val="90000"/>
+              </a:lnSpc>
+              <a:spcBef>
+                <a:spcPts val="500"/>
+              </a:spcBef>
+              <a:buFont typeface="Arial" panose="020B0604020202020204" pitchFamily="34" charset="0"/>
+              <a:buChar char="•"/>
+              <a:defRPr sz="1800" kern="1200">
+                <a:solidFill>
+                  <a:schemeClr val="tx1"/>
+                </a:solidFill>
+                <a:latin typeface="+mn-lt"/>
+                <a:ea typeface="+mn-ea"/>
+                <a:cs typeface="+mn-cs"/>
+              </a:defRPr>
+            </a:lvl6pPr>
+            <a:lvl7pPr marL="2971800" indent="-228600" algn="l" defTabSz="914400" rtl="0" eaLnBrk="1" latinLnBrk="0" hangingPunct="1">
+              <a:lnSpc>
+                <a:spcPct val="90000"/>
+              </a:lnSpc>
+              <a:spcBef>
+                <a:spcPts val="500"/>
+              </a:spcBef>
+              <a:buFont typeface="Arial" panose="020B0604020202020204" pitchFamily="34" charset="0"/>
+              <a:buChar char="•"/>
+              <a:defRPr sz="1800" kern="1200">
+                <a:solidFill>
+                  <a:schemeClr val="tx1"/>
+                </a:solidFill>
+                <a:latin typeface="+mn-lt"/>
+                <a:ea typeface="+mn-ea"/>
+                <a:cs typeface="+mn-cs"/>
+              </a:defRPr>
+            </a:lvl7pPr>
+            <a:lvl8pPr marL="3429000" indent="-228600" algn="l" defTabSz="914400" rtl="0" eaLnBrk="1" latinLnBrk="0" hangingPunct="1">
+              <a:lnSpc>
+                <a:spcPct val="90000"/>
+              </a:lnSpc>
+              <a:spcBef>
+                <a:spcPts val="500"/>
+              </a:spcBef>
+              <a:buFont typeface="Arial" panose="020B0604020202020204" pitchFamily="34" charset="0"/>
+              <a:buChar char="•"/>
+              <a:defRPr sz="1800" kern="1200">
+                <a:solidFill>
+                  <a:schemeClr val="tx1"/>
+                </a:solidFill>
+                <a:latin typeface="+mn-lt"/>
+                <a:ea typeface="+mn-ea"/>
+                <a:cs typeface="+mn-cs"/>
+              </a:defRPr>
+            </a:lvl8pPr>
+            <a:lvl9pPr marL="3886200" indent="-228600" algn="l" defTabSz="914400" rtl="0" eaLnBrk="1" latinLnBrk="0" hangingPunct="1">
+              <a:lnSpc>
+                <a:spcPct val="90000"/>
+              </a:lnSpc>
+              <a:spcBef>
+                <a:spcPts val="500"/>
+              </a:spcBef>
+              <a:buFont typeface="Arial" panose="020B0604020202020204" pitchFamily="34" charset="0"/>
+              <a:buChar char="•"/>
+              <a:defRPr sz="1800" kern="1200">
+                <a:solidFill>
+                  <a:schemeClr val="tx1"/>
+                </a:solidFill>
+                <a:latin typeface="+mn-lt"/>
+                <a:ea typeface="+mn-ea"/>
+                <a:cs typeface="+mn-cs"/>
+              </a:defRPr>
+            </a:lvl9pPr>
+          </a:lstStyle>
+          <a:p>
+            <a:r>
+              <a:rPr lang="en-US" dirty="0" err="1"/>
+              <a:t>always_comb</a:t>
+            </a:r>
+            <a:r>
+              <a:rPr lang="en-US" dirty="0"/>
+              <a:t>@(</a:t>
+            </a:r>
+            <a:r>
               <a:rPr lang="en-US" b="1" dirty="0"/>
-              <a:t>module</a:t>
-            </a:r>
-            <a:r>
-              <a:rPr lang="en-US" dirty="0"/>
-              <a:t> top</a:t>
-            </a:r>
-          </a:p>
-          <a:p>
-            <a:pPr lvl="2"/>
-            <a:r>
-              <a:rPr lang="en-US" dirty="0"/>
-              <a:t>c1 inst_c1();</a:t>
-            </a:r>
-          </a:p>
-          <a:p>
-            <a:pPr lvl="2"/>
-            <a:r>
-              <a:rPr lang="en-US" dirty="0"/>
-              <a:t>i1 inst_i1;</a:t>
-            </a:r>
-          </a:p>
-          <a:p>
-            <a:pPr lvl="1"/>
-            <a:r>
-              <a:rPr lang="en-US" dirty="0" err="1"/>
-              <a:t>endmodule</a:t>
-            </a:r>
-            <a:endParaRPr lang="en-US" dirty="0"/>
-          </a:p>
-          <a:p>
-            <a:pPr lvl="1"/>
-            <a:endParaRPr lang="en-US" dirty="0"/>
-          </a:p>
-          <a:p>
-            <a:pPr lvl="1"/>
-            <a:r>
-              <a:rPr lang="en-US" b="1" dirty="0"/>
-              <a:t>class</a:t>
-            </a:r>
-            <a:r>
-              <a:rPr lang="en-US" dirty="0"/>
-              <a:t> c1</a:t>
-            </a:r>
-          </a:p>
-          <a:p>
-            <a:pPr lvl="1"/>
-            <a:r>
-              <a:rPr lang="en-US" dirty="0" err="1"/>
-              <a:t>endclass</a:t>
-            </a:r>
-            <a:endParaRPr lang="en-US" dirty="0"/>
-          </a:p>
-          <a:p>
-            <a:pPr lvl="1"/>
-            <a:endParaRPr lang="en-US" dirty="0"/>
-          </a:p>
-          <a:p>
-            <a:pPr lvl="1"/>
-            <a:r>
-              <a:rPr lang="en-US" b="1" dirty="0"/>
-              <a:t>interface</a:t>
-            </a:r>
-            <a:r>
-              <a:rPr lang="en-US" dirty="0"/>
-              <a:t> i1();</a:t>
-            </a:r>
-          </a:p>
-          <a:p>
-            <a:pPr lvl="2"/>
-            <a:r>
-              <a:rPr lang="en-US" dirty="0"/>
-              <a:t>clocking</a:t>
-            </a:r>
-          </a:p>
-          <a:p>
-            <a:pPr lvl="2"/>
-            <a:endParaRPr lang="en-US" dirty="0"/>
-          </a:p>
-          <a:p>
-            <a:pPr lvl="2"/>
-            <a:r>
-              <a:rPr lang="en-US" dirty="0" err="1"/>
-              <a:t>endclocking</a:t>
-            </a:r>
-            <a:endParaRPr lang="en-US" dirty="0"/>
-          </a:p>
-          <a:p>
-            <a:pPr lvl="2"/>
-            <a:r>
-              <a:rPr lang="en-US" dirty="0" err="1"/>
-              <a:t>modport</a:t>
-            </a:r>
-            <a:r>
-              <a:rPr lang="en-US" dirty="0"/>
-              <a:t> m1;</a:t>
-            </a:r>
-          </a:p>
-          <a:p>
-            <a:pPr lvl="2"/>
-            <a:r>
-              <a:rPr lang="en-US" dirty="0" err="1"/>
-              <a:t>modport</a:t>
-            </a:r>
-            <a:r>
-              <a:rPr lang="en-US" dirty="0"/>
-              <a:t> m2;</a:t>
-            </a:r>
-          </a:p>
-          <a:p>
-            <a:pPr lvl="1"/>
-            <a:r>
-              <a:rPr lang="en-US" dirty="0" err="1"/>
-              <a:t>endinterface</a:t>
+              <a:t>posedge</a:t>
             </a:r>
             <a:r>
               <a:rPr lang="en-US" dirty="0"/>
               <a:t> </a:t>
             </a:r>
+            <a:r>
+              <a:rPr lang="en-US" dirty="0" err="1"/>
+              <a:t>clk</a:t>
+            </a:r>
+            <a:r>
+              <a:rPr lang="en-US" dirty="0"/>
+              <a:t>) begin</a:t>
+            </a:r>
           </a:p>
           <a:p>
             <a:pPr lvl="1"/>
+            <a:r>
+              <a:rPr lang="en-US" dirty="0"/>
+              <a:t>…</a:t>
+            </a:r>
+          </a:p>
+          <a:p>
+            <a:r>
+              <a:rPr lang="en-US" dirty="0"/>
+              <a:t>end</a:t>
+            </a:r>
+          </a:p>
+          <a:p>
             <a:endParaRPr lang="en-US" dirty="0"/>
           </a:p>
           <a:p>
-            <a:pPr lvl="1"/>
-            <a:r>
-              <a:rPr lang="en-US" b="1" dirty="0"/>
-              <a:t>interface</a:t>
-            </a:r>
             <a:r>
               <a:rPr lang="en-US" dirty="0"/>
-              <a:t> i2</a:t>
-            </a:r>
-          </a:p>
-          <a:p>
-            <a:pPr lvl="1"/>
-            <a:r>
-              <a:rPr lang="en-US" dirty="0" err="1"/>
-              <a:t>endinterface</a:t>
-            </a:r>
-            <a:r>
-              <a:rPr lang="en-US" dirty="0"/>
-              <a:t> </a:t>
-            </a:r>
-          </a:p>
-          <a:p>
-            <a:pPr lvl="1"/>
-            <a:endParaRPr lang="en-US" dirty="0"/>
+              <a:t>=&gt; sim error, </a:t>
+            </a:r>
           </a:p>
         </p:txBody>
       </p:sp>
     </p:spTree>
     <p:extLst>
       <p:ext uri="{BB962C8B-B14F-4D97-AF65-F5344CB8AC3E}">
-        <p14:creationId xmlns:p14="http://schemas.microsoft.com/office/powerpoint/2010/main" val="2960610283"/>
+        <p14:creationId xmlns:p14="http://schemas.microsoft.com/office/powerpoint/2010/main" val="40471721"/>
       </p:ext>
     </p:extLst>
   </p:cSld>
@@ -9337,7 +9155,7 @@
           <p:cNvPr id="2" name="Title 1">
             <a:extLst>
               <a:ext uri="{FF2B5EF4-FFF2-40B4-BE49-F238E27FC236}">
-                <a16:creationId xmlns:a16="http://schemas.microsoft.com/office/drawing/2014/main" id="{73D23E56-2C2B-BFB5-0308-AF09DD1B0B6B}"/>
+                <a16:creationId xmlns:a16="http://schemas.microsoft.com/office/drawing/2014/main" id="{E6E7246E-6DDB-2F98-52B0-04AB5D144996}"/>
               </a:ext>
             </a:extLst>
           </p:cNvPr>
@@ -9365,6 +9183,1170 @@
           <p:cNvPr id="3" name="Content Placeholder 2">
             <a:extLst>
               <a:ext uri="{FF2B5EF4-FFF2-40B4-BE49-F238E27FC236}">
+                <a16:creationId xmlns:a16="http://schemas.microsoft.com/office/drawing/2014/main" id="{F0AB9DF1-764A-2056-5BC1-70D34F516704}"/>
+              </a:ext>
+            </a:extLst>
+          </p:cNvPr>
+          <p:cNvSpPr>
+            <a:spLocks noGrp="1"/>
+          </p:cNvSpPr>
+          <p:nvPr>
+            <p:ph idx="1"/>
+          </p:nvPr>
+        </p:nvSpPr>
+        <p:spPr>
+          <a:xfrm>
+            <a:off x="590204" y="1064029"/>
+            <a:ext cx="10763596" cy="5363403"/>
+          </a:xfrm>
+        </p:spPr>
+        <p:txBody>
+          <a:bodyPr>
+            <a:normAutofit/>
+          </a:bodyPr>
+          <a:lstStyle/>
+          <a:p>
+            <a:r>
+              <a:rPr lang="en-US" dirty="0"/>
+              <a:t>wire connection by “assign” in generate block </a:t>
+            </a:r>
+          </a:p>
+          <a:p>
+            <a:endParaRPr lang="en-US" dirty="0"/>
+          </a:p>
+          <a:p>
+            <a:r>
+              <a:rPr lang="en-US" dirty="0"/>
+              <a:t>module top;</a:t>
+            </a:r>
+          </a:p>
+          <a:p>
+            <a:pPr lvl="1"/>
+            <a:r>
+              <a:rPr lang="en-US" dirty="0"/>
+              <a:t>sub #(.sel(0)) inst1();</a:t>
+            </a:r>
+          </a:p>
+          <a:p>
+            <a:pPr lvl="1"/>
+            <a:r>
+              <a:rPr lang="en-US" dirty="0"/>
+              <a:t>sub #(.sel(1)) inst2();</a:t>
+            </a:r>
+          </a:p>
+          <a:p>
+            <a:r>
+              <a:rPr lang="en-US" dirty="0" err="1"/>
+              <a:t>endmodule</a:t>
+            </a:r>
+            <a:endParaRPr lang="en-US" dirty="0"/>
+          </a:p>
+          <a:p>
+            <a:endParaRPr lang="en-US" dirty="0"/>
+          </a:p>
+          <a:p>
+            <a:r>
+              <a:rPr lang="en-US" dirty="0"/>
+              <a:t>module sub;</a:t>
+            </a:r>
+          </a:p>
+          <a:p>
+            <a:pPr lvl="1"/>
+            <a:r>
+              <a:rPr lang="en-US" dirty="0"/>
+              <a:t>parameter </a:t>
+            </a:r>
+            <a:r>
+              <a:rPr lang="en-US" dirty="0" err="1"/>
+              <a:t>sel</a:t>
+            </a:r>
+            <a:r>
+              <a:rPr lang="en-US" dirty="0"/>
+              <a:t> = 1;</a:t>
+            </a:r>
+          </a:p>
+          <a:p>
+            <a:endParaRPr lang="en-US" dirty="0"/>
+          </a:p>
+          <a:p>
+            <a:pPr lvl="1"/>
+            <a:r>
+              <a:rPr lang="en-US" dirty="0"/>
+              <a:t>logic sig1, sig2, sig3;</a:t>
+            </a:r>
+          </a:p>
+          <a:p>
+            <a:pPr lvl="1"/>
+            <a:r>
+              <a:rPr lang="en-US" b="1" dirty="0"/>
+              <a:t>generate  </a:t>
+            </a:r>
+            <a:r>
+              <a:rPr lang="en-US" b="1" dirty="0">
+                <a:sym typeface="Wingdings" panose="05000000000000000000" pitchFamily="2" charset="2"/>
+              </a:rPr>
+              <a:t>- this is optional</a:t>
+            </a:r>
+            <a:endParaRPr lang="en-US" b="1" dirty="0"/>
+          </a:p>
+          <a:p>
+            <a:pPr lvl="1"/>
+            <a:r>
+              <a:rPr lang="en-US" dirty="0"/>
+              <a:t>if (</a:t>
+            </a:r>
+            <a:r>
+              <a:rPr lang="en-US" dirty="0" err="1"/>
+              <a:t>sel</a:t>
+            </a:r>
+            <a:r>
+              <a:rPr lang="en-US" dirty="0"/>
+              <a:t>)</a:t>
+            </a:r>
+          </a:p>
+          <a:p>
+            <a:pPr lvl="2"/>
+            <a:r>
+              <a:rPr lang="en-US" dirty="0"/>
+              <a:t>assign sig3 = sig1;</a:t>
+            </a:r>
+          </a:p>
+          <a:p>
+            <a:pPr lvl="1"/>
+            <a:r>
+              <a:rPr lang="en-US" dirty="0"/>
+              <a:t>else</a:t>
+            </a:r>
+          </a:p>
+          <a:p>
+            <a:pPr lvl="2"/>
+            <a:r>
+              <a:rPr lang="en-US" dirty="0"/>
+              <a:t>assign sig3 = sig2;</a:t>
+            </a:r>
+          </a:p>
+          <a:p>
+            <a:pPr lvl="1"/>
+            <a:r>
+              <a:rPr lang="en-US" b="1" dirty="0" err="1"/>
+              <a:t>endgenerate</a:t>
+            </a:r>
+            <a:r>
+              <a:rPr lang="en-US" b="1" dirty="0"/>
+              <a:t> </a:t>
+            </a:r>
+            <a:r>
+              <a:rPr lang="en-US" b="1" dirty="0">
+                <a:sym typeface="Wingdings" panose="05000000000000000000" pitchFamily="2" charset="2"/>
+              </a:rPr>
+              <a:t>- this is optional</a:t>
+            </a:r>
+            <a:endParaRPr lang="en-US" b="1" dirty="0"/>
+          </a:p>
+          <a:p>
+            <a:pPr marL="914400" lvl="2" indent="0">
+              <a:buNone/>
+            </a:pPr>
+            <a:r>
+              <a:rPr lang="en-US" dirty="0"/>
+              <a:t>	</a:t>
+            </a:r>
+          </a:p>
+          <a:p>
+            <a:r>
+              <a:rPr lang="en-US" dirty="0" err="1"/>
+              <a:t>endmodule</a:t>
+            </a:r>
+            <a:endParaRPr lang="en-US" dirty="0"/>
+          </a:p>
+        </p:txBody>
+      </p:sp>
+      <p:sp>
+        <p:nvSpPr>
+          <p:cNvPr id="4" name="Slide Number Placeholder 3">
+            <a:extLst>
+              <a:ext uri="{FF2B5EF4-FFF2-40B4-BE49-F238E27FC236}">
+                <a16:creationId xmlns:a16="http://schemas.microsoft.com/office/drawing/2014/main" id="{A653B7C0-A01B-B019-AE82-6D2CF11E10FE}"/>
+              </a:ext>
+            </a:extLst>
+          </p:cNvPr>
+          <p:cNvSpPr>
+            <a:spLocks noGrp="1"/>
+          </p:cNvSpPr>
+          <p:nvPr>
+            <p:ph type="sldNum" sz="quarter" idx="12"/>
+          </p:nvPr>
+        </p:nvSpPr>
+        <p:spPr/>
+        <p:txBody>
+          <a:bodyPr/>
+          <a:lstStyle/>
+          <a:p>
+            <a:fld id="{8A2B06E4-34D2-4DD4-ABFF-9F74AC2B18B5}" type="slidenum">
+              <a:rPr lang="en-US" smtClean="0"/>
+              <a:t>23</a:t>
+            </a:fld>
+            <a:endParaRPr lang="en-US" dirty="0"/>
+          </a:p>
+        </p:txBody>
+      </p:sp>
+    </p:spTree>
+    <p:extLst>
+      <p:ext uri="{BB962C8B-B14F-4D97-AF65-F5344CB8AC3E}">
+        <p14:creationId xmlns:p14="http://schemas.microsoft.com/office/powerpoint/2010/main" val="2190162818"/>
+      </p:ext>
+    </p:extLst>
+  </p:cSld>
+  <p:clrMapOvr>
+    <a:masterClrMapping/>
+  </p:clrMapOvr>
+</p:sld>
+</file>
+
+<file path=ppt/slides/slide24.xml><?xml version="1.0" encoding="utf-8"?>
+<p:sld xmlns:a="http://schemas.openxmlformats.org/drawingml/2006/main" xmlns:r="http://schemas.openxmlformats.org/officeDocument/2006/relationships" xmlns:p="http://schemas.openxmlformats.org/presentationml/2006/main">
+  <p:cSld>
+    <p:spTree>
+      <p:nvGrpSpPr>
+        <p:cNvPr id="1" name=""/>
+        <p:cNvGrpSpPr/>
+        <p:nvPr/>
+      </p:nvGrpSpPr>
+      <p:grpSpPr>
+        <a:xfrm>
+          <a:off x="0" y="0"/>
+          <a:ext cx="0" cy="0"/>
+          <a:chOff x="0" y="0"/>
+          <a:chExt cx="0" cy="0"/>
+        </a:xfrm>
+      </p:grpSpPr>
+      <p:sp>
+        <p:nvSpPr>
+          <p:cNvPr id="2" name="Title 1">
+            <a:extLst>
+              <a:ext uri="{FF2B5EF4-FFF2-40B4-BE49-F238E27FC236}">
+                <a16:creationId xmlns:a16="http://schemas.microsoft.com/office/drawing/2014/main" id="{0D90D065-03EF-C333-329D-B6A904037AA4}"/>
+              </a:ext>
+            </a:extLst>
+          </p:cNvPr>
+          <p:cNvSpPr>
+            <a:spLocks noGrp="1"/>
+          </p:cNvSpPr>
+          <p:nvPr>
+            <p:ph type="title"/>
+          </p:nvPr>
+        </p:nvSpPr>
+        <p:spPr/>
+        <p:txBody>
+          <a:bodyPr/>
+          <a:lstStyle/>
+          <a:p>
+            <a:r>
+              <a:rPr lang="en-US" dirty="0"/>
+              <a:t>lab07</a:t>
+            </a:r>
+          </a:p>
+        </p:txBody>
+      </p:sp>
+      <p:sp>
+        <p:nvSpPr>
+          <p:cNvPr id="3" name="Content Placeholder 2">
+            <a:extLst>
+              <a:ext uri="{FF2B5EF4-FFF2-40B4-BE49-F238E27FC236}">
+                <a16:creationId xmlns:a16="http://schemas.microsoft.com/office/drawing/2014/main" id="{6BFC4363-D16A-9B9C-C912-00320CAA407C}"/>
+              </a:ext>
+            </a:extLst>
+          </p:cNvPr>
+          <p:cNvSpPr>
+            <a:spLocks noGrp="1"/>
+          </p:cNvSpPr>
+          <p:nvPr>
+            <p:ph idx="1"/>
+          </p:nvPr>
+        </p:nvSpPr>
+        <p:spPr>
+          <a:xfrm>
+            <a:off x="590204" y="1064029"/>
+            <a:ext cx="3369237" cy="4662068"/>
+          </a:xfrm>
+        </p:spPr>
+        <p:txBody>
+          <a:bodyPr>
+            <a:normAutofit/>
+          </a:bodyPr>
+          <a:lstStyle/>
+          <a:p>
+            <a:r>
+              <a:rPr lang="en-US" dirty="0"/>
+              <a:t>scope</a:t>
+            </a:r>
+          </a:p>
+          <a:p>
+            <a:pPr lvl="1"/>
+            <a:r>
+              <a:rPr lang="en-US" b="1" dirty="0"/>
+              <a:t>module</a:t>
+            </a:r>
+          </a:p>
+          <a:p>
+            <a:pPr lvl="1"/>
+            <a:r>
+              <a:rPr lang="en-US" b="1" dirty="0" err="1"/>
+              <a:t>endmodule</a:t>
+            </a:r>
+            <a:endParaRPr lang="en-US" b="1" dirty="0"/>
+          </a:p>
+          <a:p>
+            <a:pPr lvl="1"/>
+            <a:endParaRPr lang="en-US" dirty="0"/>
+          </a:p>
+          <a:p>
+            <a:pPr lvl="1"/>
+            <a:r>
+              <a:rPr lang="en-US" dirty="0"/>
+              <a:t>class</a:t>
+            </a:r>
+          </a:p>
+          <a:p>
+            <a:pPr lvl="1"/>
+            <a:r>
+              <a:rPr lang="en-US" dirty="0" err="1"/>
+              <a:t>endclass</a:t>
+            </a:r>
+            <a:endParaRPr lang="en-US" dirty="0"/>
+          </a:p>
+          <a:p>
+            <a:endParaRPr lang="en-US" dirty="0"/>
+          </a:p>
+          <a:p>
+            <a:pPr lvl="1"/>
+            <a:r>
+              <a:rPr lang="en-US" dirty="0"/>
+              <a:t>interface </a:t>
+            </a:r>
+          </a:p>
+          <a:p>
+            <a:pPr lvl="1"/>
+            <a:r>
+              <a:rPr lang="en-US" dirty="0" err="1"/>
+              <a:t>endinterface</a:t>
+            </a:r>
+            <a:endParaRPr lang="en-US" dirty="0"/>
+          </a:p>
+          <a:p>
+            <a:pPr lvl="1"/>
+            <a:endParaRPr lang="en-US" dirty="0"/>
+          </a:p>
+          <a:p>
+            <a:pPr lvl="1"/>
+            <a:r>
+              <a:rPr lang="en-US" dirty="0"/>
+              <a:t>checker</a:t>
+            </a:r>
+          </a:p>
+          <a:p>
+            <a:pPr lvl="1"/>
+            <a:r>
+              <a:rPr lang="en-US" dirty="0" err="1"/>
+              <a:t>endchecker</a:t>
+            </a:r>
+            <a:endParaRPr lang="en-US" dirty="0"/>
+          </a:p>
+          <a:p>
+            <a:pPr lvl="1"/>
+            <a:endParaRPr lang="en-US" dirty="0"/>
+          </a:p>
+          <a:p>
+            <a:pPr lvl="1"/>
+            <a:r>
+              <a:rPr lang="en-US" dirty="0"/>
+              <a:t>program</a:t>
+            </a:r>
+          </a:p>
+          <a:p>
+            <a:pPr lvl="1"/>
+            <a:r>
+              <a:rPr lang="en-US" dirty="0" err="1"/>
+              <a:t>endprogram</a:t>
+            </a:r>
+            <a:endParaRPr lang="en-US" dirty="0"/>
+          </a:p>
+          <a:p>
+            <a:pPr lvl="1"/>
+            <a:endParaRPr lang="en-US" dirty="0"/>
+          </a:p>
+          <a:p>
+            <a:pPr lvl="1"/>
+            <a:r>
+              <a:rPr lang="en-US" dirty="0"/>
+              <a:t>generate</a:t>
+            </a:r>
+          </a:p>
+          <a:p>
+            <a:pPr lvl="1"/>
+            <a:r>
+              <a:rPr lang="en-US" dirty="0" err="1"/>
+              <a:t>endgenerate</a:t>
+            </a:r>
+            <a:endParaRPr lang="en-US" dirty="0"/>
+          </a:p>
+        </p:txBody>
+      </p:sp>
+      <p:sp>
+        <p:nvSpPr>
+          <p:cNvPr id="4" name="Slide Number Placeholder 3">
+            <a:extLst>
+              <a:ext uri="{FF2B5EF4-FFF2-40B4-BE49-F238E27FC236}">
+                <a16:creationId xmlns:a16="http://schemas.microsoft.com/office/drawing/2014/main" id="{AC7F354A-7DB9-26FB-09B1-62B5D79E1C4A}"/>
+              </a:ext>
+            </a:extLst>
+          </p:cNvPr>
+          <p:cNvSpPr>
+            <a:spLocks noGrp="1"/>
+          </p:cNvSpPr>
+          <p:nvPr>
+            <p:ph type="sldNum" sz="quarter" idx="12"/>
+          </p:nvPr>
+        </p:nvSpPr>
+        <p:spPr/>
+        <p:txBody>
+          <a:bodyPr/>
+          <a:lstStyle/>
+          <a:p>
+            <a:fld id="{8A2B06E4-34D2-4DD4-ABFF-9F74AC2B18B5}" type="slidenum">
+              <a:rPr lang="en-US" smtClean="0"/>
+              <a:t>24</a:t>
+            </a:fld>
+            <a:endParaRPr lang="en-US" dirty="0"/>
+          </a:p>
+        </p:txBody>
+      </p:sp>
+      <p:sp>
+        <p:nvSpPr>
+          <p:cNvPr id="5" name="Content Placeholder 2">
+            <a:extLst>
+              <a:ext uri="{FF2B5EF4-FFF2-40B4-BE49-F238E27FC236}">
+                <a16:creationId xmlns:a16="http://schemas.microsoft.com/office/drawing/2014/main" id="{C56A286A-DF8E-552E-E1AA-8A6159B25E16}"/>
+              </a:ext>
+            </a:extLst>
+          </p:cNvPr>
+          <p:cNvSpPr txBox="1">
+            <a:spLocks/>
+          </p:cNvSpPr>
+          <p:nvPr/>
+        </p:nvSpPr>
+        <p:spPr>
+          <a:xfrm>
+            <a:off x="3679633" y="1064029"/>
+            <a:ext cx="3804243" cy="4662068"/>
+          </a:xfrm>
+          <a:prstGeom prst="rect">
+            <a:avLst/>
+          </a:prstGeom>
+        </p:spPr>
+        <p:txBody>
+          <a:bodyPr vert="horz" lIns="91440" tIns="45720" rIns="91440" bIns="45720" rtlCol="0">
+            <a:normAutofit/>
+          </a:bodyPr>
+          <a:lstStyle>
+            <a:lvl1pPr marL="228600" indent="-228600" algn="l" defTabSz="914400" rtl="0" eaLnBrk="1" latinLnBrk="0" hangingPunct="1">
+              <a:lnSpc>
+                <a:spcPct val="90000"/>
+              </a:lnSpc>
+              <a:spcBef>
+                <a:spcPts val="1000"/>
+              </a:spcBef>
+              <a:buFont typeface="Arial" panose="020B0604020202020204" pitchFamily="34" charset="0"/>
+              <a:buChar char="•"/>
+              <a:defRPr sz="1400" kern="1200">
+                <a:solidFill>
+                  <a:schemeClr val="tx1"/>
+                </a:solidFill>
+                <a:latin typeface="+mn-lt"/>
+                <a:ea typeface="+mn-ea"/>
+                <a:cs typeface="+mn-cs"/>
+              </a:defRPr>
+            </a:lvl1pPr>
+            <a:lvl2pPr marL="685800" indent="-228600" algn="l" defTabSz="914400" rtl="0" eaLnBrk="1" latinLnBrk="0" hangingPunct="1">
+              <a:lnSpc>
+                <a:spcPct val="90000"/>
+              </a:lnSpc>
+              <a:spcBef>
+                <a:spcPts val="500"/>
+              </a:spcBef>
+              <a:buFont typeface="Arial" panose="020B0604020202020204" pitchFamily="34" charset="0"/>
+              <a:buChar char="•"/>
+              <a:defRPr sz="1200" kern="1200">
+                <a:solidFill>
+                  <a:schemeClr val="tx1"/>
+                </a:solidFill>
+                <a:latin typeface="+mn-lt"/>
+                <a:ea typeface="+mn-ea"/>
+                <a:cs typeface="+mn-cs"/>
+              </a:defRPr>
+            </a:lvl2pPr>
+            <a:lvl3pPr marL="1143000" indent="-228600" algn="l" defTabSz="914400" rtl="0" eaLnBrk="1" latinLnBrk="0" hangingPunct="1">
+              <a:lnSpc>
+                <a:spcPct val="90000"/>
+              </a:lnSpc>
+              <a:spcBef>
+                <a:spcPts val="500"/>
+              </a:spcBef>
+              <a:buFont typeface="Arial" panose="020B0604020202020204" pitchFamily="34" charset="0"/>
+              <a:buChar char="•"/>
+              <a:defRPr sz="1200" kern="1200">
+                <a:solidFill>
+                  <a:schemeClr val="tx1"/>
+                </a:solidFill>
+                <a:latin typeface="+mn-lt"/>
+                <a:ea typeface="+mn-ea"/>
+                <a:cs typeface="+mn-cs"/>
+              </a:defRPr>
+            </a:lvl3pPr>
+            <a:lvl4pPr marL="1600200" indent="-228600" algn="l" defTabSz="914400" rtl="0" eaLnBrk="1" latinLnBrk="0" hangingPunct="1">
+              <a:lnSpc>
+                <a:spcPct val="90000"/>
+              </a:lnSpc>
+              <a:spcBef>
+                <a:spcPts val="500"/>
+              </a:spcBef>
+              <a:buFont typeface="Arial" panose="020B0604020202020204" pitchFamily="34" charset="0"/>
+              <a:buChar char="•"/>
+              <a:defRPr sz="1200" kern="1200">
+                <a:solidFill>
+                  <a:schemeClr val="tx1"/>
+                </a:solidFill>
+                <a:latin typeface="+mn-lt"/>
+                <a:ea typeface="+mn-ea"/>
+                <a:cs typeface="+mn-cs"/>
+              </a:defRPr>
+            </a:lvl4pPr>
+            <a:lvl5pPr marL="2057400" indent="-228600" algn="l" defTabSz="914400" rtl="0" eaLnBrk="1" latinLnBrk="0" hangingPunct="1">
+              <a:lnSpc>
+                <a:spcPct val="90000"/>
+              </a:lnSpc>
+              <a:spcBef>
+                <a:spcPts val="500"/>
+              </a:spcBef>
+              <a:buFont typeface="Arial" panose="020B0604020202020204" pitchFamily="34" charset="0"/>
+              <a:buChar char="•"/>
+              <a:defRPr sz="1200" kern="1200">
+                <a:solidFill>
+                  <a:schemeClr val="tx1"/>
+                </a:solidFill>
+                <a:latin typeface="+mn-lt"/>
+                <a:ea typeface="+mn-ea"/>
+                <a:cs typeface="+mn-cs"/>
+              </a:defRPr>
+            </a:lvl5pPr>
+            <a:lvl6pPr marL="2514600" indent="-228600" algn="l" defTabSz="914400" rtl="0" eaLnBrk="1" latinLnBrk="0" hangingPunct="1">
+              <a:lnSpc>
+                <a:spcPct val="90000"/>
+              </a:lnSpc>
+              <a:spcBef>
+                <a:spcPts val="500"/>
+              </a:spcBef>
+              <a:buFont typeface="Arial" panose="020B0604020202020204" pitchFamily="34" charset="0"/>
+              <a:buChar char="•"/>
+              <a:defRPr sz="1800" kern="1200">
+                <a:solidFill>
+                  <a:schemeClr val="tx1"/>
+                </a:solidFill>
+                <a:latin typeface="+mn-lt"/>
+                <a:ea typeface="+mn-ea"/>
+                <a:cs typeface="+mn-cs"/>
+              </a:defRPr>
+            </a:lvl6pPr>
+            <a:lvl7pPr marL="2971800" indent="-228600" algn="l" defTabSz="914400" rtl="0" eaLnBrk="1" latinLnBrk="0" hangingPunct="1">
+              <a:lnSpc>
+                <a:spcPct val="90000"/>
+              </a:lnSpc>
+              <a:spcBef>
+                <a:spcPts val="500"/>
+              </a:spcBef>
+              <a:buFont typeface="Arial" panose="020B0604020202020204" pitchFamily="34" charset="0"/>
+              <a:buChar char="•"/>
+              <a:defRPr sz="1800" kern="1200">
+                <a:solidFill>
+                  <a:schemeClr val="tx1"/>
+                </a:solidFill>
+                <a:latin typeface="+mn-lt"/>
+                <a:ea typeface="+mn-ea"/>
+                <a:cs typeface="+mn-cs"/>
+              </a:defRPr>
+            </a:lvl7pPr>
+            <a:lvl8pPr marL="3429000" indent="-228600" algn="l" defTabSz="914400" rtl="0" eaLnBrk="1" latinLnBrk="0" hangingPunct="1">
+              <a:lnSpc>
+                <a:spcPct val="90000"/>
+              </a:lnSpc>
+              <a:spcBef>
+                <a:spcPts val="500"/>
+              </a:spcBef>
+              <a:buFont typeface="Arial" panose="020B0604020202020204" pitchFamily="34" charset="0"/>
+              <a:buChar char="•"/>
+              <a:defRPr sz="1800" kern="1200">
+                <a:solidFill>
+                  <a:schemeClr val="tx1"/>
+                </a:solidFill>
+                <a:latin typeface="+mn-lt"/>
+                <a:ea typeface="+mn-ea"/>
+                <a:cs typeface="+mn-cs"/>
+              </a:defRPr>
+            </a:lvl8pPr>
+            <a:lvl9pPr marL="3886200" indent="-228600" algn="l" defTabSz="914400" rtl="0" eaLnBrk="1" latinLnBrk="0" hangingPunct="1">
+              <a:lnSpc>
+                <a:spcPct val="90000"/>
+              </a:lnSpc>
+              <a:spcBef>
+                <a:spcPts val="500"/>
+              </a:spcBef>
+              <a:buFont typeface="Arial" panose="020B0604020202020204" pitchFamily="34" charset="0"/>
+              <a:buChar char="•"/>
+              <a:defRPr sz="1800" kern="1200">
+                <a:solidFill>
+                  <a:schemeClr val="tx1"/>
+                </a:solidFill>
+                <a:latin typeface="+mn-lt"/>
+                <a:ea typeface="+mn-ea"/>
+                <a:cs typeface="+mn-cs"/>
+              </a:defRPr>
+            </a:lvl9pPr>
+          </a:lstStyle>
+          <a:p>
+            <a:r>
+              <a:rPr lang="en-US" dirty="0"/>
+              <a:t>example</a:t>
+            </a:r>
+          </a:p>
+          <a:p>
+            <a:pPr lvl="1"/>
+            <a:r>
+              <a:rPr lang="en-US" b="1" dirty="0"/>
+              <a:t>module</a:t>
+            </a:r>
+            <a:r>
+              <a:rPr lang="en-US" dirty="0"/>
+              <a:t> top</a:t>
+            </a:r>
+          </a:p>
+          <a:p>
+            <a:pPr lvl="2"/>
+            <a:r>
+              <a:rPr lang="en-US" dirty="0"/>
+              <a:t>c1 inst_c1();</a:t>
+            </a:r>
+          </a:p>
+          <a:p>
+            <a:pPr lvl="2"/>
+            <a:r>
+              <a:rPr lang="en-US" dirty="0"/>
+              <a:t>i1 inst_i1;</a:t>
+            </a:r>
+          </a:p>
+          <a:p>
+            <a:pPr lvl="1"/>
+            <a:r>
+              <a:rPr lang="en-US" dirty="0" err="1"/>
+              <a:t>endmodule</a:t>
+            </a:r>
+            <a:endParaRPr lang="en-US" dirty="0"/>
+          </a:p>
+          <a:p>
+            <a:pPr lvl="1"/>
+            <a:endParaRPr lang="en-US" dirty="0"/>
+          </a:p>
+          <a:p>
+            <a:pPr lvl="1"/>
+            <a:r>
+              <a:rPr lang="en-US" b="1" dirty="0"/>
+              <a:t>class</a:t>
+            </a:r>
+            <a:r>
+              <a:rPr lang="en-US" dirty="0"/>
+              <a:t> c1</a:t>
+            </a:r>
+          </a:p>
+          <a:p>
+            <a:pPr lvl="1"/>
+            <a:r>
+              <a:rPr lang="en-US" dirty="0" err="1"/>
+              <a:t>endclass</a:t>
+            </a:r>
+            <a:endParaRPr lang="en-US" dirty="0"/>
+          </a:p>
+          <a:p>
+            <a:pPr lvl="1"/>
+            <a:endParaRPr lang="en-US" dirty="0"/>
+          </a:p>
+          <a:p>
+            <a:pPr lvl="1"/>
+            <a:r>
+              <a:rPr lang="en-US" b="1" dirty="0"/>
+              <a:t>interface</a:t>
+            </a:r>
+            <a:r>
+              <a:rPr lang="en-US" dirty="0"/>
+              <a:t> i1</a:t>
+            </a:r>
+          </a:p>
+          <a:p>
+            <a:pPr lvl="1"/>
+            <a:r>
+              <a:rPr lang="en-US" dirty="0" err="1"/>
+              <a:t>endinterface</a:t>
+            </a:r>
+            <a:r>
+              <a:rPr lang="en-US" dirty="0"/>
+              <a:t> </a:t>
+            </a:r>
+          </a:p>
+          <a:p>
+            <a:pPr lvl="1"/>
+            <a:endParaRPr lang="en-US" dirty="0"/>
+          </a:p>
+          <a:p>
+            <a:pPr lvl="1"/>
+            <a:r>
+              <a:rPr lang="en-US" b="1" dirty="0"/>
+              <a:t>interface</a:t>
+            </a:r>
+            <a:r>
+              <a:rPr lang="en-US" dirty="0"/>
+              <a:t> i2</a:t>
+            </a:r>
+          </a:p>
+          <a:p>
+            <a:pPr lvl="1"/>
+            <a:r>
+              <a:rPr lang="en-US" dirty="0" err="1"/>
+              <a:t>endinterface</a:t>
+            </a:r>
+            <a:r>
+              <a:rPr lang="en-US" dirty="0"/>
+              <a:t> </a:t>
+            </a:r>
+          </a:p>
+          <a:p>
+            <a:pPr lvl="1"/>
+            <a:endParaRPr lang="en-US" dirty="0"/>
+          </a:p>
+        </p:txBody>
+      </p:sp>
+      <p:sp>
+        <p:nvSpPr>
+          <p:cNvPr id="6" name="Content Placeholder 2">
+            <a:extLst>
+              <a:ext uri="{FF2B5EF4-FFF2-40B4-BE49-F238E27FC236}">
+                <a16:creationId xmlns:a16="http://schemas.microsoft.com/office/drawing/2014/main" id="{B18A52DC-F630-E380-D59D-78A3CE65BFB3}"/>
+              </a:ext>
+            </a:extLst>
+          </p:cNvPr>
+          <p:cNvSpPr txBox="1">
+            <a:spLocks/>
+          </p:cNvSpPr>
+          <p:nvPr/>
+        </p:nvSpPr>
+        <p:spPr>
+          <a:xfrm>
+            <a:off x="6627019" y="1064029"/>
+            <a:ext cx="3804243" cy="4662068"/>
+          </a:xfrm>
+          <a:prstGeom prst="rect">
+            <a:avLst/>
+          </a:prstGeom>
+        </p:spPr>
+        <p:txBody>
+          <a:bodyPr vert="horz" lIns="91440" tIns="45720" rIns="91440" bIns="45720" rtlCol="0">
+            <a:normAutofit/>
+          </a:bodyPr>
+          <a:lstStyle>
+            <a:lvl1pPr marL="228600" indent="-228600" algn="l" defTabSz="914400" rtl="0" eaLnBrk="1" latinLnBrk="0" hangingPunct="1">
+              <a:lnSpc>
+                <a:spcPct val="90000"/>
+              </a:lnSpc>
+              <a:spcBef>
+                <a:spcPts val="1000"/>
+              </a:spcBef>
+              <a:buFont typeface="Arial" panose="020B0604020202020204" pitchFamily="34" charset="0"/>
+              <a:buChar char="•"/>
+              <a:defRPr sz="1400" kern="1200">
+                <a:solidFill>
+                  <a:schemeClr val="tx1"/>
+                </a:solidFill>
+                <a:latin typeface="+mn-lt"/>
+                <a:ea typeface="+mn-ea"/>
+                <a:cs typeface="+mn-cs"/>
+              </a:defRPr>
+            </a:lvl1pPr>
+            <a:lvl2pPr marL="685800" indent="-228600" algn="l" defTabSz="914400" rtl="0" eaLnBrk="1" latinLnBrk="0" hangingPunct="1">
+              <a:lnSpc>
+                <a:spcPct val="90000"/>
+              </a:lnSpc>
+              <a:spcBef>
+                <a:spcPts val="500"/>
+              </a:spcBef>
+              <a:buFont typeface="Arial" panose="020B0604020202020204" pitchFamily="34" charset="0"/>
+              <a:buChar char="•"/>
+              <a:defRPr sz="1200" kern="1200">
+                <a:solidFill>
+                  <a:schemeClr val="tx1"/>
+                </a:solidFill>
+                <a:latin typeface="+mn-lt"/>
+                <a:ea typeface="+mn-ea"/>
+                <a:cs typeface="+mn-cs"/>
+              </a:defRPr>
+            </a:lvl2pPr>
+            <a:lvl3pPr marL="1143000" indent="-228600" algn="l" defTabSz="914400" rtl="0" eaLnBrk="1" latinLnBrk="0" hangingPunct="1">
+              <a:lnSpc>
+                <a:spcPct val="90000"/>
+              </a:lnSpc>
+              <a:spcBef>
+                <a:spcPts val="500"/>
+              </a:spcBef>
+              <a:buFont typeface="Arial" panose="020B0604020202020204" pitchFamily="34" charset="0"/>
+              <a:buChar char="•"/>
+              <a:defRPr sz="1200" kern="1200">
+                <a:solidFill>
+                  <a:schemeClr val="tx1"/>
+                </a:solidFill>
+                <a:latin typeface="+mn-lt"/>
+                <a:ea typeface="+mn-ea"/>
+                <a:cs typeface="+mn-cs"/>
+              </a:defRPr>
+            </a:lvl3pPr>
+            <a:lvl4pPr marL="1600200" indent="-228600" algn="l" defTabSz="914400" rtl="0" eaLnBrk="1" latinLnBrk="0" hangingPunct="1">
+              <a:lnSpc>
+                <a:spcPct val="90000"/>
+              </a:lnSpc>
+              <a:spcBef>
+                <a:spcPts val="500"/>
+              </a:spcBef>
+              <a:buFont typeface="Arial" panose="020B0604020202020204" pitchFamily="34" charset="0"/>
+              <a:buChar char="•"/>
+              <a:defRPr sz="1200" kern="1200">
+                <a:solidFill>
+                  <a:schemeClr val="tx1"/>
+                </a:solidFill>
+                <a:latin typeface="+mn-lt"/>
+                <a:ea typeface="+mn-ea"/>
+                <a:cs typeface="+mn-cs"/>
+              </a:defRPr>
+            </a:lvl4pPr>
+            <a:lvl5pPr marL="2057400" indent="-228600" algn="l" defTabSz="914400" rtl="0" eaLnBrk="1" latinLnBrk="0" hangingPunct="1">
+              <a:lnSpc>
+                <a:spcPct val="90000"/>
+              </a:lnSpc>
+              <a:spcBef>
+                <a:spcPts val="500"/>
+              </a:spcBef>
+              <a:buFont typeface="Arial" panose="020B0604020202020204" pitchFamily="34" charset="0"/>
+              <a:buChar char="•"/>
+              <a:defRPr sz="1200" kern="1200">
+                <a:solidFill>
+                  <a:schemeClr val="tx1"/>
+                </a:solidFill>
+                <a:latin typeface="+mn-lt"/>
+                <a:ea typeface="+mn-ea"/>
+                <a:cs typeface="+mn-cs"/>
+              </a:defRPr>
+            </a:lvl5pPr>
+            <a:lvl6pPr marL="2514600" indent="-228600" algn="l" defTabSz="914400" rtl="0" eaLnBrk="1" latinLnBrk="0" hangingPunct="1">
+              <a:lnSpc>
+                <a:spcPct val="90000"/>
+              </a:lnSpc>
+              <a:spcBef>
+                <a:spcPts val="500"/>
+              </a:spcBef>
+              <a:buFont typeface="Arial" panose="020B0604020202020204" pitchFamily="34" charset="0"/>
+              <a:buChar char="•"/>
+              <a:defRPr sz="1800" kern="1200">
+                <a:solidFill>
+                  <a:schemeClr val="tx1"/>
+                </a:solidFill>
+                <a:latin typeface="+mn-lt"/>
+                <a:ea typeface="+mn-ea"/>
+                <a:cs typeface="+mn-cs"/>
+              </a:defRPr>
+            </a:lvl6pPr>
+            <a:lvl7pPr marL="2971800" indent="-228600" algn="l" defTabSz="914400" rtl="0" eaLnBrk="1" latinLnBrk="0" hangingPunct="1">
+              <a:lnSpc>
+                <a:spcPct val="90000"/>
+              </a:lnSpc>
+              <a:spcBef>
+                <a:spcPts val="500"/>
+              </a:spcBef>
+              <a:buFont typeface="Arial" panose="020B0604020202020204" pitchFamily="34" charset="0"/>
+              <a:buChar char="•"/>
+              <a:defRPr sz="1800" kern="1200">
+                <a:solidFill>
+                  <a:schemeClr val="tx1"/>
+                </a:solidFill>
+                <a:latin typeface="+mn-lt"/>
+                <a:ea typeface="+mn-ea"/>
+                <a:cs typeface="+mn-cs"/>
+              </a:defRPr>
+            </a:lvl7pPr>
+            <a:lvl8pPr marL="3429000" indent="-228600" algn="l" defTabSz="914400" rtl="0" eaLnBrk="1" latinLnBrk="0" hangingPunct="1">
+              <a:lnSpc>
+                <a:spcPct val="90000"/>
+              </a:lnSpc>
+              <a:spcBef>
+                <a:spcPts val="500"/>
+              </a:spcBef>
+              <a:buFont typeface="Arial" panose="020B0604020202020204" pitchFamily="34" charset="0"/>
+              <a:buChar char="•"/>
+              <a:defRPr sz="1800" kern="1200">
+                <a:solidFill>
+                  <a:schemeClr val="tx1"/>
+                </a:solidFill>
+                <a:latin typeface="+mn-lt"/>
+                <a:ea typeface="+mn-ea"/>
+                <a:cs typeface="+mn-cs"/>
+              </a:defRPr>
+            </a:lvl8pPr>
+            <a:lvl9pPr marL="3886200" indent="-228600" algn="l" defTabSz="914400" rtl="0" eaLnBrk="1" latinLnBrk="0" hangingPunct="1">
+              <a:lnSpc>
+                <a:spcPct val="90000"/>
+              </a:lnSpc>
+              <a:spcBef>
+                <a:spcPts val="500"/>
+              </a:spcBef>
+              <a:buFont typeface="Arial" panose="020B0604020202020204" pitchFamily="34" charset="0"/>
+              <a:buChar char="•"/>
+              <a:defRPr sz="1800" kern="1200">
+                <a:solidFill>
+                  <a:schemeClr val="tx1"/>
+                </a:solidFill>
+                <a:latin typeface="+mn-lt"/>
+                <a:ea typeface="+mn-ea"/>
+                <a:cs typeface="+mn-cs"/>
+              </a:defRPr>
+            </a:lvl9pPr>
+          </a:lstStyle>
+          <a:p>
+            <a:r>
+              <a:rPr lang="en-US" dirty="0"/>
+              <a:t>example2</a:t>
+            </a:r>
+          </a:p>
+          <a:p>
+            <a:pPr lvl="1"/>
+            <a:r>
+              <a:rPr lang="en-US" b="1" dirty="0"/>
+              <a:t>module</a:t>
+            </a:r>
+            <a:r>
+              <a:rPr lang="en-US" dirty="0"/>
+              <a:t> top</a:t>
+            </a:r>
+          </a:p>
+          <a:p>
+            <a:pPr lvl="2"/>
+            <a:r>
+              <a:rPr lang="en-US" dirty="0"/>
+              <a:t>c1 inst_c1();</a:t>
+            </a:r>
+          </a:p>
+          <a:p>
+            <a:pPr lvl="2"/>
+            <a:r>
+              <a:rPr lang="en-US" dirty="0"/>
+              <a:t>i1 inst_i1;</a:t>
+            </a:r>
+          </a:p>
+          <a:p>
+            <a:pPr lvl="1"/>
+            <a:r>
+              <a:rPr lang="en-US" dirty="0" err="1"/>
+              <a:t>endmodule</a:t>
+            </a:r>
+            <a:endParaRPr lang="en-US" dirty="0"/>
+          </a:p>
+          <a:p>
+            <a:pPr lvl="1"/>
+            <a:endParaRPr lang="en-US" dirty="0"/>
+          </a:p>
+          <a:p>
+            <a:pPr lvl="1"/>
+            <a:r>
+              <a:rPr lang="en-US" b="1" dirty="0"/>
+              <a:t>class</a:t>
+            </a:r>
+            <a:r>
+              <a:rPr lang="en-US" dirty="0"/>
+              <a:t> c1</a:t>
+            </a:r>
+          </a:p>
+          <a:p>
+            <a:pPr lvl="1"/>
+            <a:r>
+              <a:rPr lang="en-US" dirty="0" err="1"/>
+              <a:t>endclass</a:t>
+            </a:r>
+            <a:endParaRPr lang="en-US" dirty="0"/>
+          </a:p>
+          <a:p>
+            <a:pPr lvl="1"/>
+            <a:endParaRPr lang="en-US" dirty="0"/>
+          </a:p>
+          <a:p>
+            <a:pPr lvl="1"/>
+            <a:r>
+              <a:rPr lang="en-US" b="1" dirty="0"/>
+              <a:t>interface</a:t>
+            </a:r>
+            <a:r>
+              <a:rPr lang="en-US" dirty="0"/>
+              <a:t> i1();</a:t>
+            </a:r>
+          </a:p>
+          <a:p>
+            <a:pPr lvl="2"/>
+            <a:r>
+              <a:rPr lang="en-US" dirty="0"/>
+              <a:t>clocking</a:t>
+            </a:r>
+          </a:p>
+          <a:p>
+            <a:pPr lvl="2"/>
+            <a:endParaRPr lang="en-US" dirty="0"/>
+          </a:p>
+          <a:p>
+            <a:pPr lvl="2"/>
+            <a:r>
+              <a:rPr lang="en-US" dirty="0" err="1"/>
+              <a:t>endclocking</a:t>
+            </a:r>
+            <a:endParaRPr lang="en-US" dirty="0"/>
+          </a:p>
+          <a:p>
+            <a:pPr lvl="2"/>
+            <a:r>
+              <a:rPr lang="en-US" dirty="0" err="1"/>
+              <a:t>modport</a:t>
+            </a:r>
+            <a:r>
+              <a:rPr lang="en-US" dirty="0"/>
+              <a:t> m1;</a:t>
+            </a:r>
+          </a:p>
+          <a:p>
+            <a:pPr lvl="2"/>
+            <a:r>
+              <a:rPr lang="en-US" dirty="0" err="1"/>
+              <a:t>modport</a:t>
+            </a:r>
+            <a:r>
+              <a:rPr lang="en-US" dirty="0"/>
+              <a:t> m2;</a:t>
+            </a:r>
+          </a:p>
+          <a:p>
+            <a:pPr lvl="1"/>
+            <a:r>
+              <a:rPr lang="en-US" dirty="0" err="1"/>
+              <a:t>endinterface</a:t>
+            </a:r>
+            <a:r>
+              <a:rPr lang="en-US" dirty="0"/>
+              <a:t> </a:t>
+            </a:r>
+          </a:p>
+          <a:p>
+            <a:pPr lvl="1"/>
+            <a:endParaRPr lang="en-US" dirty="0"/>
+          </a:p>
+          <a:p>
+            <a:pPr lvl="1"/>
+            <a:r>
+              <a:rPr lang="en-US" b="1" dirty="0"/>
+              <a:t>interface</a:t>
+            </a:r>
+            <a:r>
+              <a:rPr lang="en-US" dirty="0"/>
+              <a:t> i2</a:t>
+            </a:r>
+          </a:p>
+          <a:p>
+            <a:pPr lvl="1"/>
+            <a:r>
+              <a:rPr lang="en-US" dirty="0" err="1"/>
+              <a:t>endinterface</a:t>
+            </a:r>
+            <a:r>
+              <a:rPr lang="en-US" dirty="0"/>
+              <a:t> </a:t>
+            </a:r>
+          </a:p>
+          <a:p>
+            <a:pPr lvl="1"/>
+            <a:endParaRPr lang="en-US" dirty="0"/>
+          </a:p>
+        </p:txBody>
+      </p:sp>
+    </p:spTree>
+    <p:extLst>
+      <p:ext uri="{BB962C8B-B14F-4D97-AF65-F5344CB8AC3E}">
+        <p14:creationId xmlns:p14="http://schemas.microsoft.com/office/powerpoint/2010/main" val="2960610283"/>
+      </p:ext>
+    </p:extLst>
+  </p:cSld>
+  <p:clrMapOvr>
+    <a:masterClrMapping/>
+  </p:clrMapOvr>
+</p:sld>
+</file>
+
+<file path=ppt/slides/slide25.xml><?xml version="1.0" encoding="utf-8"?>
+<p:sld xmlns:a="http://schemas.openxmlformats.org/drawingml/2006/main" xmlns:r="http://schemas.openxmlformats.org/officeDocument/2006/relationships" xmlns:p="http://schemas.openxmlformats.org/presentationml/2006/main">
+  <p:cSld>
+    <p:spTree>
+      <p:nvGrpSpPr>
+        <p:cNvPr id="1" name=""/>
+        <p:cNvGrpSpPr/>
+        <p:nvPr/>
+      </p:nvGrpSpPr>
+      <p:grpSpPr>
+        <a:xfrm>
+          <a:off x="0" y="0"/>
+          <a:ext cx="0" cy="0"/>
+          <a:chOff x="0" y="0"/>
+          <a:chExt cx="0" cy="0"/>
+        </a:xfrm>
+      </p:grpSpPr>
+      <p:sp>
+        <p:nvSpPr>
+          <p:cNvPr id="2" name="Title 1">
+            <a:extLst>
+              <a:ext uri="{FF2B5EF4-FFF2-40B4-BE49-F238E27FC236}">
+                <a16:creationId xmlns:a16="http://schemas.microsoft.com/office/drawing/2014/main" id="{73D23E56-2C2B-BFB5-0308-AF09DD1B0B6B}"/>
+              </a:ext>
+            </a:extLst>
+          </p:cNvPr>
+          <p:cNvSpPr>
+            <a:spLocks noGrp="1"/>
+          </p:cNvSpPr>
+          <p:nvPr>
+            <p:ph type="title"/>
+          </p:nvPr>
+        </p:nvSpPr>
+        <p:spPr/>
+        <p:txBody>
+          <a:bodyPr/>
+          <a:lstStyle/>
+          <a:p>
+            <a:r>
+              <a:rPr lang="en-US" dirty="0"/>
+              <a:t>lab07</a:t>
+            </a:r>
+          </a:p>
+        </p:txBody>
+      </p:sp>
+      <p:sp>
+        <p:nvSpPr>
+          <p:cNvPr id="3" name="Content Placeholder 2">
+            <a:extLst>
+              <a:ext uri="{FF2B5EF4-FFF2-40B4-BE49-F238E27FC236}">
                 <a16:creationId xmlns:a16="http://schemas.microsoft.com/office/drawing/2014/main" id="{2657A5E9-1614-2F41-5306-EC564139BD28}"/>
               </a:ext>
             </a:extLst>
@@ -9408,7 +10390,7 @@
           <a:p>
             <a:fld id="{8A2B06E4-34D2-4DD4-ABFF-9F74AC2B18B5}" type="slidenum">
               <a:rPr lang="en-US" smtClean="0"/>
-              <a:t>23</a:t>
+              <a:t>25</a:t>
             </a:fld>
             <a:endParaRPr lang="en-US" dirty="0"/>
           </a:p>
@@ -9588,7 +10570,7 @@
 </p:sld>
 </file>
 
-<file path=ppt/slides/slide24.xml><?xml version="1.0" encoding="utf-8"?>
+<file path=ppt/slides/slide26.xml><?xml version="1.0" encoding="utf-8"?>
 <p:sld xmlns:a="http://schemas.openxmlformats.org/drawingml/2006/main" xmlns:r="http://schemas.openxmlformats.org/officeDocument/2006/relationships" xmlns:p="http://schemas.openxmlformats.org/presentationml/2006/main">
   <p:cSld>
     <p:spTree>
@@ -9681,7 +10663,7 @@
           <a:p>
             <a:fld id="{8A2B06E4-34D2-4DD4-ABFF-9F74AC2B18B5}" type="slidenum">
               <a:rPr lang="en-US" smtClean="0"/>
-              <a:t>24</a:t>
+              <a:t>26</a:t>
             </a:fld>
             <a:endParaRPr lang="en-US" dirty="0"/>
           </a:p>
@@ -10179,7 +11161,7 @@
 </p:sld>
 </file>
 
-<file path=ppt/slides/slide25.xml><?xml version="1.0" encoding="utf-8"?>
+<file path=ppt/slides/slide27.xml><?xml version="1.0" encoding="utf-8"?>
 <p:sld xmlns:a="http://schemas.openxmlformats.org/drawingml/2006/main" xmlns:r="http://schemas.openxmlformats.org/officeDocument/2006/relationships" xmlns:p="http://schemas.openxmlformats.org/presentationml/2006/main">
   <p:cSld>
     <p:spTree>
@@ -10247,7 +11229,7 @@
           <a:p>
             <a:fld id="{8A2B06E4-34D2-4DD4-ABFF-9F74AC2B18B5}" type="slidenum">
               <a:rPr lang="en-US" smtClean="0"/>
-              <a:t>25</a:t>
+              <a:t>27</a:t>
             </a:fld>
             <a:endParaRPr lang="en-US" dirty="0"/>
           </a:p>
@@ -11336,7 +12318,7 @@
 </p:sld>
 </file>
 
-<file path=ppt/slides/slide26.xml><?xml version="1.0" encoding="utf-8"?>
+<file path=ppt/slides/slide28.xml><?xml version="1.0" encoding="utf-8"?>
 <p:sld xmlns:a="http://schemas.openxmlformats.org/drawingml/2006/main" xmlns:r="http://schemas.openxmlformats.org/officeDocument/2006/relationships" xmlns:p="http://schemas.openxmlformats.org/presentationml/2006/main">
   <p:cSld>
     <p:spTree>
@@ -11404,7 +12386,7 @@
           <a:p>
             <a:fld id="{8A2B06E4-34D2-4DD4-ABFF-9F74AC2B18B5}" type="slidenum">
               <a:rPr lang="en-US" smtClean="0"/>
-              <a:t>26</a:t>
+              <a:t>28</a:t>
             </a:fld>
             <a:endParaRPr lang="en-US" dirty="0"/>
           </a:p>
@@ -11871,7 +12853,7 @@
 </p:sld>
 </file>
 
-<file path=ppt/slides/slide27.xml><?xml version="1.0" encoding="utf-8"?>
+<file path=ppt/slides/slide29.xml><?xml version="1.0" encoding="utf-8"?>
 <p:sld xmlns:a="http://schemas.openxmlformats.org/drawingml/2006/main" xmlns:r="http://schemas.openxmlformats.org/officeDocument/2006/relationships" xmlns:p="http://schemas.openxmlformats.org/presentationml/2006/main">
   <p:cSld>
     <p:spTree>
@@ -11969,7 +12951,7 @@
           <a:p>
             <a:fld id="{8A2B06E4-34D2-4DD4-ABFF-9F74AC2B18B5}" type="slidenum">
               <a:rPr lang="en-US" smtClean="0"/>
-              <a:t>27</a:t>
+              <a:t>29</a:t>
             </a:fld>
             <a:endParaRPr lang="en-US" dirty="0"/>
           </a:p>
@@ -12576,7 +13558,128 @@
 </p:sld>
 </file>
 
-<file path=ppt/slides/slide28.xml><?xml version="1.0" encoding="utf-8"?>
+<file path=ppt/slides/slide3.xml><?xml version="1.0" encoding="utf-8"?>
+<p:sld xmlns:a="http://schemas.openxmlformats.org/drawingml/2006/main" xmlns:r="http://schemas.openxmlformats.org/officeDocument/2006/relationships" xmlns:p="http://schemas.openxmlformats.org/presentationml/2006/main">
+  <p:cSld>
+    <p:spTree>
+      <p:nvGrpSpPr>
+        <p:cNvPr id="1" name=""/>
+        <p:cNvGrpSpPr/>
+        <p:nvPr/>
+      </p:nvGrpSpPr>
+      <p:grpSpPr>
+        <a:xfrm>
+          <a:off x="0" y="0"/>
+          <a:ext cx="0" cy="0"/>
+          <a:chOff x="0" y="0"/>
+          <a:chExt cx="0" cy="0"/>
+        </a:xfrm>
+      </p:grpSpPr>
+      <p:sp>
+        <p:nvSpPr>
+          <p:cNvPr id="2" name="Title 1">
+            <a:extLst>
+              <a:ext uri="{FF2B5EF4-FFF2-40B4-BE49-F238E27FC236}">
+                <a16:creationId xmlns:a16="http://schemas.microsoft.com/office/drawing/2014/main" id="{63B19FFD-555C-673A-82D5-1766F95D704A}"/>
+              </a:ext>
+            </a:extLst>
+          </p:cNvPr>
+          <p:cNvSpPr>
+            <a:spLocks noGrp="1"/>
+          </p:cNvSpPr>
+          <p:nvPr>
+            <p:ph type="title"/>
+          </p:nvPr>
+        </p:nvSpPr>
+        <p:spPr/>
+        <p:txBody>
+          <a:bodyPr/>
+          <a:lstStyle/>
+          <a:p>
+            <a:r>
+              <a:rPr lang="en-US" altLang="zh-TW" dirty="0"/>
+              <a:t>20240509</a:t>
+            </a:r>
+            <a:r>
+              <a:rPr lang="zh-TW" altLang="en-US" dirty="0"/>
+              <a:t> </a:t>
+            </a:r>
+            <a:r>
+              <a:rPr lang="en-US" altLang="zh-TW" dirty="0"/>
+              <a:t>below</a:t>
+            </a:r>
+            <a:endParaRPr lang="en-US" dirty="0"/>
+          </a:p>
+        </p:txBody>
+      </p:sp>
+      <p:sp>
+        <p:nvSpPr>
+          <p:cNvPr id="3" name="Content Placeholder 2">
+            <a:extLst>
+              <a:ext uri="{FF2B5EF4-FFF2-40B4-BE49-F238E27FC236}">
+                <a16:creationId xmlns:a16="http://schemas.microsoft.com/office/drawing/2014/main" id="{130DB93F-F47C-DCC6-06F8-F6FC5C92DD64}"/>
+              </a:ext>
+            </a:extLst>
+          </p:cNvPr>
+          <p:cNvSpPr>
+            <a:spLocks noGrp="1"/>
+          </p:cNvSpPr>
+          <p:nvPr>
+            <p:ph idx="1"/>
+          </p:nvPr>
+        </p:nvSpPr>
+        <p:spPr/>
+        <p:txBody>
+          <a:bodyPr/>
+          <a:lstStyle/>
+          <a:p>
+            <a:endParaRPr lang="en-US" dirty="0"/>
+          </a:p>
+        </p:txBody>
+      </p:sp>
+      <p:sp>
+        <p:nvSpPr>
+          <p:cNvPr id="4" name="Slide Number Placeholder 3">
+            <a:extLst>
+              <a:ext uri="{FF2B5EF4-FFF2-40B4-BE49-F238E27FC236}">
+                <a16:creationId xmlns:a16="http://schemas.microsoft.com/office/drawing/2014/main" id="{C80EE293-8908-07B8-DC7E-60356F1A1147}"/>
+              </a:ext>
+            </a:extLst>
+          </p:cNvPr>
+          <p:cNvSpPr>
+            <a:spLocks noGrp="1"/>
+          </p:cNvSpPr>
+          <p:nvPr>
+            <p:ph type="sldNum" sz="quarter" idx="12"/>
+          </p:nvPr>
+        </p:nvSpPr>
+        <p:spPr/>
+        <p:txBody>
+          <a:bodyPr/>
+          <a:lstStyle/>
+          <a:p>
+            <a:fld id="{8A2B06E4-34D2-4DD4-ABFF-9F74AC2B18B5}" type="slidenum">
+              <a:rPr lang="en-US" smtClean="0"/>
+              <a:t>3</a:t>
+            </a:fld>
+            <a:endParaRPr lang="en-US" dirty="0"/>
+          </a:p>
+        </p:txBody>
+      </p:sp>
+    </p:spTree>
+    <p:extLst>
+      <p:ext uri="{BB962C8B-B14F-4D97-AF65-F5344CB8AC3E}">
+        <p14:creationId xmlns:p14="http://schemas.microsoft.com/office/powerpoint/2010/main" val="2689668643"/>
+      </p:ext>
+    </p:extLst>
+  </p:cSld>
+  <p:clrMapOvr>
+    <a:masterClrMapping/>
+  </p:clrMapOvr>
+</p:sld>
+</file>
+
+<file path=ppt/slides/slide30.xml><?xml version="1.0" encoding="utf-8"?>
 <p:sld xmlns:a="http://schemas.openxmlformats.org/drawingml/2006/main" xmlns:r="http://schemas.openxmlformats.org/officeDocument/2006/relationships" xmlns:p="http://schemas.openxmlformats.org/presentationml/2006/main">
   <p:cSld>
     <p:spTree>
@@ -14103,7 +15206,7 @@
           <a:p>
             <a:fld id="{8A2B06E4-34D2-4DD4-ABFF-9F74AC2B18B5}" type="slidenum">
               <a:rPr lang="en-US" smtClean="0"/>
-              <a:t>28</a:t>
+              <a:t>30</a:t>
             </a:fld>
             <a:endParaRPr lang="en-US" dirty="0"/>
           </a:p>
@@ -14122,7 +15225,7 @@
 </p:sld>
 </file>
 
-<file path=ppt/slides/slide3.xml><?xml version="1.0" encoding="utf-8"?>
+<file path=ppt/slides/slide4.xml><?xml version="1.0" encoding="utf-8"?>
 <p:sld xmlns:a="http://schemas.openxmlformats.org/drawingml/2006/main" xmlns:r="http://schemas.openxmlformats.org/officeDocument/2006/relationships" xmlns:p="http://schemas.openxmlformats.org/presentationml/2006/main">
   <p:cSld>
     <p:spTree>
@@ -14144,7 +15247,7 @@
           <p:cNvPr id="2" name="Title 1">
             <a:extLst>
               <a:ext uri="{FF2B5EF4-FFF2-40B4-BE49-F238E27FC236}">
-                <a16:creationId xmlns:a16="http://schemas.microsoft.com/office/drawing/2014/main" id="{FD994FBF-D407-F5A8-820A-7C87E2F71325}"/>
+                <a16:creationId xmlns:a16="http://schemas.microsoft.com/office/drawing/2014/main" id="{1C08BF58-57AE-0C57-36BF-BB25DD3D68FE}"/>
               </a:ext>
             </a:extLst>
           </p:cNvPr>
@@ -14173,6 +15276,577 @@
       </p:sp>
       <p:sp>
         <p:nvSpPr>
+          <p:cNvPr id="4" name="Slide Number Placeholder 3">
+            <a:extLst>
+              <a:ext uri="{FF2B5EF4-FFF2-40B4-BE49-F238E27FC236}">
+                <a16:creationId xmlns:a16="http://schemas.microsoft.com/office/drawing/2014/main" id="{8A358433-B0C5-F453-B142-756FF1298CDE}"/>
+              </a:ext>
+            </a:extLst>
+          </p:cNvPr>
+          <p:cNvSpPr>
+            <a:spLocks noGrp="1"/>
+          </p:cNvSpPr>
+          <p:nvPr>
+            <p:ph type="sldNum" sz="quarter" idx="12"/>
+          </p:nvPr>
+        </p:nvSpPr>
+        <p:spPr/>
+        <p:txBody>
+          <a:bodyPr/>
+          <a:lstStyle/>
+          <a:p>
+            <a:fld id="{8A2B06E4-34D2-4DD4-ABFF-9F74AC2B18B5}" type="slidenum">
+              <a:rPr lang="en-US" smtClean="0"/>
+              <a:t>4</a:t>
+            </a:fld>
+            <a:endParaRPr lang="en-US" dirty="0"/>
+          </a:p>
+        </p:txBody>
+      </p:sp>
+      <p:sp>
+        <p:nvSpPr>
+          <p:cNvPr id="5" name="Content Placeholder 3">
+            <a:extLst>
+              <a:ext uri="{FF2B5EF4-FFF2-40B4-BE49-F238E27FC236}">
+                <a16:creationId xmlns:a16="http://schemas.microsoft.com/office/drawing/2014/main" id="{5446FD1F-720A-18AB-3A5E-DFB940F72CA3}"/>
+              </a:ext>
+            </a:extLst>
+          </p:cNvPr>
+          <p:cNvSpPr txBox="1">
+            <a:spLocks/>
+          </p:cNvSpPr>
+          <p:nvPr/>
+        </p:nvSpPr>
+        <p:spPr>
+          <a:xfrm>
+            <a:off x="446314" y="1591057"/>
+            <a:ext cx="2447266" cy="4255562"/>
+          </a:xfrm>
+          <a:prstGeom prst="rect">
+            <a:avLst/>
+          </a:prstGeom>
+        </p:spPr>
+        <p:txBody>
+          <a:bodyPr/>
+          <a:lstStyle>
+            <a:lvl1pPr marL="228600" indent="-228600" algn="l" defTabSz="914400" rtl="0" eaLnBrk="1" latinLnBrk="0" hangingPunct="1">
+              <a:lnSpc>
+                <a:spcPct val="90000"/>
+              </a:lnSpc>
+              <a:spcBef>
+                <a:spcPts val="1000"/>
+              </a:spcBef>
+              <a:buFont typeface="Arial" panose="020B0604020202020204" pitchFamily="34" charset="0"/>
+              <a:buChar char="•"/>
+              <a:defRPr sz="1400" kern="1200">
+                <a:solidFill>
+                  <a:schemeClr val="tx1"/>
+                </a:solidFill>
+                <a:latin typeface="+mn-lt"/>
+                <a:ea typeface="+mn-ea"/>
+                <a:cs typeface="+mn-cs"/>
+              </a:defRPr>
+            </a:lvl1pPr>
+            <a:lvl2pPr marL="685800" indent="-228600" algn="l" defTabSz="914400" rtl="0" eaLnBrk="1" latinLnBrk="0" hangingPunct="1">
+              <a:lnSpc>
+                <a:spcPct val="90000"/>
+              </a:lnSpc>
+              <a:spcBef>
+                <a:spcPts val="500"/>
+              </a:spcBef>
+              <a:buFont typeface="Arial" panose="020B0604020202020204" pitchFamily="34" charset="0"/>
+              <a:buChar char="•"/>
+              <a:defRPr sz="1200" kern="1200">
+                <a:solidFill>
+                  <a:schemeClr val="tx1"/>
+                </a:solidFill>
+                <a:latin typeface="+mn-lt"/>
+                <a:ea typeface="+mn-ea"/>
+                <a:cs typeface="+mn-cs"/>
+              </a:defRPr>
+            </a:lvl2pPr>
+            <a:lvl3pPr marL="1143000" indent="-228600" algn="l" defTabSz="914400" rtl="0" eaLnBrk="1" latinLnBrk="0" hangingPunct="1">
+              <a:lnSpc>
+                <a:spcPct val="90000"/>
+              </a:lnSpc>
+              <a:spcBef>
+                <a:spcPts val="500"/>
+              </a:spcBef>
+              <a:buFont typeface="Arial" panose="020B0604020202020204" pitchFamily="34" charset="0"/>
+              <a:buChar char="•"/>
+              <a:defRPr sz="1200" kern="1200">
+                <a:solidFill>
+                  <a:schemeClr val="tx1"/>
+                </a:solidFill>
+                <a:latin typeface="+mn-lt"/>
+                <a:ea typeface="+mn-ea"/>
+                <a:cs typeface="+mn-cs"/>
+              </a:defRPr>
+            </a:lvl3pPr>
+            <a:lvl4pPr marL="1600200" indent="-228600" algn="l" defTabSz="914400" rtl="0" eaLnBrk="1" latinLnBrk="0" hangingPunct="1">
+              <a:lnSpc>
+                <a:spcPct val="90000"/>
+              </a:lnSpc>
+              <a:spcBef>
+                <a:spcPts val="500"/>
+              </a:spcBef>
+              <a:buFont typeface="Arial" panose="020B0604020202020204" pitchFamily="34" charset="0"/>
+              <a:buChar char="•"/>
+              <a:defRPr sz="1200" kern="1200">
+                <a:solidFill>
+                  <a:schemeClr val="tx1"/>
+                </a:solidFill>
+                <a:latin typeface="+mn-lt"/>
+                <a:ea typeface="+mn-ea"/>
+                <a:cs typeface="+mn-cs"/>
+              </a:defRPr>
+            </a:lvl4pPr>
+            <a:lvl5pPr marL="2057400" indent="-228600" algn="l" defTabSz="914400" rtl="0" eaLnBrk="1" latinLnBrk="0" hangingPunct="1">
+              <a:lnSpc>
+                <a:spcPct val="90000"/>
+              </a:lnSpc>
+              <a:spcBef>
+                <a:spcPts val="500"/>
+              </a:spcBef>
+              <a:buFont typeface="Arial" panose="020B0604020202020204" pitchFamily="34" charset="0"/>
+              <a:buChar char="•"/>
+              <a:defRPr sz="1200" kern="1200">
+                <a:solidFill>
+                  <a:schemeClr val="tx1"/>
+                </a:solidFill>
+                <a:latin typeface="+mn-lt"/>
+                <a:ea typeface="+mn-ea"/>
+                <a:cs typeface="+mn-cs"/>
+              </a:defRPr>
+            </a:lvl5pPr>
+            <a:lvl6pPr marL="2514600" indent="-228600" algn="l" defTabSz="914400" rtl="0" eaLnBrk="1" latinLnBrk="0" hangingPunct="1">
+              <a:lnSpc>
+                <a:spcPct val="90000"/>
+              </a:lnSpc>
+              <a:spcBef>
+                <a:spcPts val="500"/>
+              </a:spcBef>
+              <a:buFont typeface="Arial" panose="020B0604020202020204" pitchFamily="34" charset="0"/>
+              <a:buChar char="•"/>
+              <a:defRPr sz="1800" kern="1200">
+                <a:solidFill>
+                  <a:schemeClr val="tx1"/>
+                </a:solidFill>
+                <a:latin typeface="+mn-lt"/>
+                <a:ea typeface="+mn-ea"/>
+                <a:cs typeface="+mn-cs"/>
+              </a:defRPr>
+            </a:lvl6pPr>
+            <a:lvl7pPr marL="2971800" indent="-228600" algn="l" defTabSz="914400" rtl="0" eaLnBrk="1" latinLnBrk="0" hangingPunct="1">
+              <a:lnSpc>
+                <a:spcPct val="90000"/>
+              </a:lnSpc>
+              <a:spcBef>
+                <a:spcPts val="500"/>
+              </a:spcBef>
+              <a:buFont typeface="Arial" panose="020B0604020202020204" pitchFamily="34" charset="0"/>
+              <a:buChar char="•"/>
+              <a:defRPr sz="1800" kern="1200">
+                <a:solidFill>
+                  <a:schemeClr val="tx1"/>
+                </a:solidFill>
+                <a:latin typeface="+mn-lt"/>
+                <a:ea typeface="+mn-ea"/>
+                <a:cs typeface="+mn-cs"/>
+              </a:defRPr>
+            </a:lvl7pPr>
+            <a:lvl8pPr marL="3429000" indent="-228600" algn="l" defTabSz="914400" rtl="0" eaLnBrk="1" latinLnBrk="0" hangingPunct="1">
+              <a:lnSpc>
+                <a:spcPct val="90000"/>
+              </a:lnSpc>
+              <a:spcBef>
+                <a:spcPts val="500"/>
+              </a:spcBef>
+              <a:buFont typeface="Arial" panose="020B0604020202020204" pitchFamily="34" charset="0"/>
+              <a:buChar char="•"/>
+              <a:defRPr sz="1800" kern="1200">
+                <a:solidFill>
+                  <a:schemeClr val="tx1"/>
+                </a:solidFill>
+                <a:latin typeface="+mn-lt"/>
+                <a:ea typeface="+mn-ea"/>
+                <a:cs typeface="+mn-cs"/>
+              </a:defRPr>
+            </a:lvl8pPr>
+            <a:lvl9pPr marL="3886200" indent="-228600" algn="l" defTabSz="914400" rtl="0" eaLnBrk="1" latinLnBrk="0" hangingPunct="1">
+              <a:lnSpc>
+                <a:spcPct val="90000"/>
+              </a:lnSpc>
+              <a:spcBef>
+                <a:spcPts val="500"/>
+              </a:spcBef>
+              <a:buFont typeface="Arial" panose="020B0604020202020204" pitchFamily="34" charset="0"/>
+              <a:buChar char="•"/>
+              <a:defRPr sz="1800" kern="1200">
+                <a:solidFill>
+                  <a:schemeClr val="tx1"/>
+                </a:solidFill>
+                <a:latin typeface="+mn-lt"/>
+                <a:ea typeface="+mn-ea"/>
+                <a:cs typeface="+mn-cs"/>
+              </a:defRPr>
+            </a:lvl9pPr>
+          </a:lstStyle>
+          <a:p>
+            <a:r>
+              <a:rPr lang="en-US"/>
+              <a:t>without sva</a:t>
+            </a:r>
+          </a:p>
+          <a:p>
+            <a:pPr lvl="1"/>
+            <a:r>
+              <a:rPr lang="en-US"/>
+              <a:t>hard to write</a:t>
+            </a:r>
+            <a:endParaRPr lang="en-US" dirty="0"/>
+          </a:p>
+        </p:txBody>
+      </p:sp>
+      <p:sp>
+        <p:nvSpPr>
+          <p:cNvPr id="6" name="Content Placeholder 3">
+            <a:extLst>
+              <a:ext uri="{FF2B5EF4-FFF2-40B4-BE49-F238E27FC236}">
+                <a16:creationId xmlns:a16="http://schemas.microsoft.com/office/drawing/2014/main" id="{D96A3296-C55E-A366-1641-A4870C278B2F}"/>
+              </a:ext>
+            </a:extLst>
+          </p:cNvPr>
+          <p:cNvSpPr txBox="1">
+            <a:spLocks/>
+          </p:cNvSpPr>
+          <p:nvPr/>
+        </p:nvSpPr>
+        <p:spPr>
+          <a:xfrm>
+            <a:off x="446313" y="6037126"/>
+            <a:ext cx="8069614" cy="653150"/>
+          </a:xfrm>
+          <a:prstGeom prst="rect">
+            <a:avLst/>
+          </a:prstGeom>
+        </p:spPr>
+        <p:txBody>
+          <a:bodyPr vert="horz" lIns="0" tIns="45720" rIns="91440" bIns="45720" rtlCol="0">
+            <a:noAutofit/>
+          </a:bodyPr>
+          <a:lstStyle>
+            <a:lvl1pPr marL="346075" indent="-288925" algn="l" defTabSz="914400" rtl="0" eaLnBrk="1" latinLnBrk="0" hangingPunct="1">
+              <a:lnSpc>
+                <a:spcPct val="90000"/>
+              </a:lnSpc>
+              <a:spcBef>
+                <a:spcPts val="1600"/>
+              </a:spcBef>
+              <a:spcAft>
+                <a:spcPts val="200"/>
+              </a:spcAft>
+              <a:buClr>
+                <a:schemeClr val="tx2"/>
+              </a:buClr>
+              <a:buSzPct val="100000"/>
+              <a:buFont typeface="Arial" panose="020B0604020202020204" pitchFamily="34" charset="0"/>
+              <a:buChar char="•"/>
+              <a:tabLst/>
+              <a:defRPr lang="en-US" sz="2000" kern="1200" dirty="0">
+                <a:solidFill>
+                  <a:schemeClr val="tx1"/>
+                </a:solidFill>
+                <a:latin typeface="Arial" panose="020B0604020202020204" pitchFamily="34" charset="0"/>
+                <a:ea typeface="+mn-ea"/>
+                <a:cs typeface="+mn-cs"/>
+              </a:defRPr>
+            </a:lvl1pPr>
+            <a:lvl2pPr marL="738188" indent="-280988" algn="l" defTabSz="914400" rtl="0" eaLnBrk="1" latinLnBrk="0" hangingPunct="1">
+              <a:lnSpc>
+                <a:spcPct val="90000"/>
+              </a:lnSpc>
+              <a:spcBef>
+                <a:spcPts val="300"/>
+              </a:spcBef>
+              <a:spcAft>
+                <a:spcPts val="600"/>
+              </a:spcAft>
+              <a:buClr>
+                <a:schemeClr val="tx2"/>
+              </a:buClr>
+              <a:buSzPct val="60000"/>
+              <a:buFont typeface="Courier New" panose="02070309020205020404" pitchFamily="49" charset="0"/>
+              <a:buChar char="o"/>
+              <a:tabLst/>
+              <a:defRPr lang="en-US" sz="1600" kern="1200" dirty="0">
+                <a:solidFill>
+                  <a:schemeClr val="tx1"/>
+                </a:solidFill>
+                <a:latin typeface="Arial" panose="020B0604020202020204" pitchFamily="34" charset="0"/>
+                <a:ea typeface="+mn-ea"/>
+                <a:cs typeface="+mn-cs"/>
+              </a:defRPr>
+            </a:lvl2pPr>
+            <a:lvl3pPr marL="1200150" indent="-285750" algn="l" defTabSz="914400" rtl="0" eaLnBrk="1" latinLnBrk="0" hangingPunct="1">
+              <a:lnSpc>
+                <a:spcPct val="90000"/>
+              </a:lnSpc>
+              <a:spcBef>
+                <a:spcPts val="300"/>
+              </a:spcBef>
+              <a:spcAft>
+                <a:spcPts val="500"/>
+              </a:spcAft>
+              <a:buClr>
+                <a:schemeClr val="tx2"/>
+              </a:buClr>
+              <a:buSzPct val="100000"/>
+              <a:buFont typeface="Rubik Light" panose="00000400000000000000" pitchFamily="2" charset="-79"/>
+              <a:buChar char="–"/>
+              <a:tabLst/>
+              <a:defRPr lang="en-US" sz="1200" kern="1200" dirty="0">
+                <a:solidFill>
+                  <a:schemeClr val="tx1"/>
+                </a:solidFill>
+                <a:latin typeface="Arial" panose="020B0604020202020204" pitchFamily="34" charset="0"/>
+                <a:ea typeface="+mn-ea"/>
+                <a:cs typeface="+mn-cs"/>
+              </a:defRPr>
+            </a:lvl3pPr>
+            <a:lvl4pPr marL="1652588" indent="-280988" algn="l" defTabSz="914400" rtl="0" eaLnBrk="1" latinLnBrk="0" hangingPunct="1">
+              <a:lnSpc>
+                <a:spcPct val="90000"/>
+              </a:lnSpc>
+              <a:spcBef>
+                <a:spcPts val="500"/>
+              </a:spcBef>
+              <a:spcAft>
+                <a:spcPts val="1200"/>
+              </a:spcAft>
+              <a:buClr>
+                <a:schemeClr val="accent2"/>
+              </a:buClr>
+              <a:buSzPct val="115000"/>
+              <a:buFont typeface=".Lucida Grande UI Regular"/>
+              <a:buChar char="▹"/>
+              <a:tabLst/>
+              <a:defRPr sz="1500" kern="1200">
+                <a:solidFill>
+                  <a:schemeClr val="tx2"/>
+                </a:solidFill>
+                <a:latin typeface="+mn-lt"/>
+                <a:ea typeface="+mn-ea"/>
+                <a:cs typeface="+mn-cs"/>
+              </a:defRPr>
+            </a:lvl4pPr>
+            <a:lvl5pPr marL="2170113" indent="-341313" algn="l" defTabSz="914400" rtl="0" eaLnBrk="1" latinLnBrk="0" hangingPunct="1">
+              <a:lnSpc>
+                <a:spcPct val="90000"/>
+              </a:lnSpc>
+              <a:spcBef>
+                <a:spcPts val="500"/>
+              </a:spcBef>
+              <a:spcAft>
+                <a:spcPts val="1200"/>
+              </a:spcAft>
+              <a:buClr>
+                <a:schemeClr val="accent2"/>
+              </a:buClr>
+              <a:buSzPct val="115000"/>
+              <a:buFont typeface=".Lucida Grande UI Regular"/>
+              <a:buChar char="▹"/>
+              <a:tabLst/>
+              <a:defRPr sz="1500" kern="1200">
+                <a:solidFill>
+                  <a:schemeClr val="tx2"/>
+                </a:solidFill>
+                <a:latin typeface="+mn-lt"/>
+                <a:ea typeface="+mn-ea"/>
+                <a:cs typeface="+mn-cs"/>
+              </a:defRPr>
+            </a:lvl5pPr>
+            <a:lvl6pPr marL="2514600" indent="-228600" algn="l" defTabSz="914400" rtl="0" eaLnBrk="1" latinLnBrk="0" hangingPunct="1">
+              <a:lnSpc>
+                <a:spcPct val="90000"/>
+              </a:lnSpc>
+              <a:spcBef>
+                <a:spcPts val="500"/>
+              </a:spcBef>
+              <a:buFont typeface="Arial" panose="020B0604020202020204" pitchFamily="34" charset="0"/>
+              <a:buChar char="•"/>
+              <a:defRPr sz="1800" kern="1200">
+                <a:solidFill>
+                  <a:schemeClr val="tx1"/>
+                </a:solidFill>
+                <a:latin typeface="+mn-lt"/>
+                <a:ea typeface="+mn-ea"/>
+                <a:cs typeface="+mn-cs"/>
+              </a:defRPr>
+            </a:lvl6pPr>
+            <a:lvl7pPr marL="2971800" indent="-228600" algn="l" defTabSz="914400" rtl="0" eaLnBrk="1" latinLnBrk="0" hangingPunct="1">
+              <a:lnSpc>
+                <a:spcPct val="90000"/>
+              </a:lnSpc>
+              <a:spcBef>
+                <a:spcPts val="500"/>
+              </a:spcBef>
+              <a:buFont typeface="Arial" panose="020B0604020202020204" pitchFamily="34" charset="0"/>
+              <a:buChar char="•"/>
+              <a:defRPr sz="1800" kern="1200">
+                <a:solidFill>
+                  <a:schemeClr val="tx1"/>
+                </a:solidFill>
+                <a:latin typeface="+mn-lt"/>
+                <a:ea typeface="+mn-ea"/>
+                <a:cs typeface="+mn-cs"/>
+              </a:defRPr>
+            </a:lvl7pPr>
+            <a:lvl8pPr marL="3429000" indent="-228600" algn="l" defTabSz="914400" rtl="0" eaLnBrk="1" latinLnBrk="0" hangingPunct="1">
+              <a:lnSpc>
+                <a:spcPct val="90000"/>
+              </a:lnSpc>
+              <a:spcBef>
+                <a:spcPts val="500"/>
+              </a:spcBef>
+              <a:buFont typeface="Arial" panose="020B0604020202020204" pitchFamily="34" charset="0"/>
+              <a:buChar char="•"/>
+              <a:defRPr sz="1800" kern="1200">
+                <a:solidFill>
+                  <a:schemeClr val="tx1"/>
+                </a:solidFill>
+                <a:latin typeface="+mn-lt"/>
+                <a:ea typeface="+mn-ea"/>
+                <a:cs typeface="+mn-cs"/>
+              </a:defRPr>
+            </a:lvl8pPr>
+            <a:lvl9pPr marL="3886200" indent="-228600" algn="l" defTabSz="914400" rtl="0" eaLnBrk="1" latinLnBrk="0" hangingPunct="1">
+              <a:lnSpc>
+                <a:spcPct val="90000"/>
+              </a:lnSpc>
+              <a:spcBef>
+                <a:spcPts val="500"/>
+              </a:spcBef>
+              <a:buFont typeface="Arial" panose="020B0604020202020204" pitchFamily="34" charset="0"/>
+              <a:buChar char="•"/>
+              <a:defRPr sz="1800" kern="1200">
+                <a:solidFill>
+                  <a:schemeClr val="tx1"/>
+                </a:solidFill>
+                <a:latin typeface="+mn-lt"/>
+                <a:ea typeface="+mn-ea"/>
+                <a:cs typeface="+mn-cs"/>
+              </a:defRPr>
+            </a:lvl9pPr>
+          </a:lstStyle>
+          <a:p>
+            <a:r>
+              <a:rPr lang="en-US" sz="1600"/>
+              <a:t>reference </a:t>
+            </a:r>
+          </a:p>
+          <a:p>
+            <a:pPr lvl="1"/>
+            <a:r>
+              <a:rPr lang="en-US" sz="1200"/>
+              <a:t>https://www.sutherland-hdl.com/papers/2015-DVClub-Austin_SVA-tutorial_and_SVA-planning.pdf</a:t>
+            </a:r>
+          </a:p>
+        </p:txBody>
+      </p:sp>
+      <p:pic>
+        <p:nvPicPr>
+          <p:cNvPr id="7" name="Picture 6">
+            <a:extLst>
+              <a:ext uri="{FF2B5EF4-FFF2-40B4-BE49-F238E27FC236}">
+                <a16:creationId xmlns:a16="http://schemas.microsoft.com/office/drawing/2014/main" id="{F3325ED2-5A7B-928F-C14A-122F22AC1A0A}"/>
+              </a:ext>
+            </a:extLst>
+          </p:cNvPr>
+          <p:cNvPicPr>
+            <a:picLocks noChangeAspect="1"/>
+          </p:cNvPicPr>
+          <p:nvPr/>
+        </p:nvPicPr>
+        <p:blipFill rotWithShape="1">
+          <a:blip r:embed="rId2"/>
+          <a:srcRect t="20420"/>
+          <a:stretch/>
+        </p:blipFill>
+        <p:spPr>
+          <a:xfrm>
+            <a:off x="2893579" y="1442815"/>
+            <a:ext cx="7762999" cy="4552045"/>
+          </a:xfrm>
+          <a:prstGeom prst="rect">
+            <a:avLst/>
+          </a:prstGeom>
+        </p:spPr>
+      </p:pic>
+    </p:spTree>
+    <p:extLst>
+      <p:ext uri="{BB962C8B-B14F-4D97-AF65-F5344CB8AC3E}">
+        <p14:creationId xmlns:p14="http://schemas.microsoft.com/office/powerpoint/2010/main" val="2670248214"/>
+      </p:ext>
+    </p:extLst>
+  </p:cSld>
+  <p:clrMapOvr>
+    <a:masterClrMapping/>
+  </p:clrMapOvr>
+</p:sld>
+</file>
+
+<file path=ppt/slides/slide5.xml><?xml version="1.0" encoding="utf-8"?>
+<p:sld xmlns:a="http://schemas.openxmlformats.org/drawingml/2006/main" xmlns:r="http://schemas.openxmlformats.org/officeDocument/2006/relationships" xmlns:p="http://schemas.openxmlformats.org/presentationml/2006/main">
+  <p:cSld>
+    <p:spTree>
+      <p:nvGrpSpPr>
+        <p:cNvPr id="1" name=""/>
+        <p:cNvGrpSpPr/>
+        <p:nvPr/>
+      </p:nvGrpSpPr>
+      <p:grpSpPr>
+        <a:xfrm>
+          <a:off x="0" y="0"/>
+          <a:ext cx="0" cy="0"/>
+          <a:chOff x="0" y="0"/>
+          <a:chExt cx="0" cy="0"/>
+        </a:xfrm>
+      </p:grpSpPr>
+      <p:sp>
+        <p:nvSpPr>
+          <p:cNvPr id="2" name="Title 1">
+            <a:extLst>
+              <a:ext uri="{FF2B5EF4-FFF2-40B4-BE49-F238E27FC236}">
+                <a16:creationId xmlns:a16="http://schemas.microsoft.com/office/drawing/2014/main" id="{FD994FBF-D407-F5A8-820A-7C87E2F71325}"/>
+              </a:ext>
+            </a:extLst>
+          </p:cNvPr>
+          <p:cNvSpPr>
+            <a:spLocks noGrp="1"/>
+          </p:cNvSpPr>
+          <p:nvPr>
+            <p:ph type="title"/>
+          </p:nvPr>
+        </p:nvSpPr>
+        <p:spPr/>
+        <p:txBody>
+          <a:bodyPr/>
+          <a:lstStyle/>
+          <a:p>
+            <a:r>
+              <a:rPr lang="en-US" dirty="0" err="1"/>
+              <a:t>sva</a:t>
+            </a:r>
+            <a:r>
+              <a:rPr lang="en-US" dirty="0"/>
+              <a:t> introduction</a:t>
+            </a:r>
+          </a:p>
+        </p:txBody>
+      </p:sp>
+      <p:sp>
+        <p:nvSpPr>
           <p:cNvPr id="3" name="Content Placeholder 2">
             <a:extLst>
               <a:ext uri="{FF2B5EF4-FFF2-40B4-BE49-F238E27FC236}">
@@ -14219,7 +15893,7 @@
           <a:p>
             <a:fld id="{8A2B06E4-34D2-4DD4-ABFF-9F74AC2B18B5}" type="slidenum">
               <a:rPr lang="en-US" smtClean="0"/>
-              <a:t>3</a:t>
+              <a:t>5</a:t>
             </a:fld>
             <a:endParaRPr lang="en-US" dirty="0"/>
           </a:p>
@@ -14721,7 +16395,7 @@
 </p:sld>
 </file>
 
-<file path=ppt/slides/slide4.xml><?xml version="1.0" encoding="utf-8"?>
+<file path=ppt/slides/slide6.xml><?xml version="1.0" encoding="utf-8"?>
 <p:sld xmlns:a="http://schemas.openxmlformats.org/drawingml/2006/main" xmlns:r="http://schemas.openxmlformats.org/officeDocument/2006/relationships" xmlns:p="http://schemas.openxmlformats.org/presentationml/2006/main">
   <p:cSld>
     <p:spTree>
@@ -14815,7 +16489,7 @@
           <a:p>
             <a:fld id="{8A2B06E4-34D2-4DD4-ABFF-9F74AC2B18B5}" type="slidenum">
               <a:rPr lang="en-US" smtClean="0"/>
-              <a:t>4</a:t>
+              <a:t>6</a:t>
             </a:fld>
             <a:endParaRPr lang="en-US" dirty="0"/>
           </a:p>
@@ -15134,7 +16808,7 @@
 </p:sld>
 </file>
 
-<file path=ppt/slides/slide5.xml><?xml version="1.0" encoding="utf-8"?>
+<file path=ppt/slides/slide7.xml><?xml version="1.0" encoding="utf-8"?>
 <p:sld xmlns:a="http://schemas.openxmlformats.org/drawingml/2006/main" xmlns:r="http://schemas.openxmlformats.org/officeDocument/2006/relationships" xmlns:p="http://schemas.openxmlformats.org/presentationml/2006/main">
   <p:cSld>
     <p:spTree>
@@ -15231,7 +16905,7 @@
           <a:p>
             <a:fld id="{8A2B06E4-34D2-4DD4-ABFF-9F74AC2B18B5}" type="slidenum">
               <a:rPr lang="en-US" smtClean="0"/>
-              <a:t>5</a:t>
+              <a:t>7</a:t>
             </a:fld>
             <a:endParaRPr lang="en-US" dirty="0"/>
           </a:p>
@@ -15455,7 +17129,7 @@
 </p:sld>
 </file>
 
-<file path=ppt/slides/slide6.xml><?xml version="1.0" encoding="utf-8"?>
+<file path=ppt/slides/slide8.xml><?xml version="1.0" encoding="utf-8"?>
 <p:sld xmlns:a="http://schemas.openxmlformats.org/drawingml/2006/main" xmlns:r="http://schemas.openxmlformats.org/officeDocument/2006/relationships" xmlns:p="http://schemas.openxmlformats.org/presentationml/2006/main">
   <p:cSld>
     <p:spTree>
@@ -15527,7 +17201,7 @@
           <a:p>
             <a:fld id="{8A2B06E4-34D2-4DD4-ABFF-9F74AC2B18B5}" type="slidenum">
               <a:rPr lang="en-US" smtClean="0"/>
-              <a:t>6</a:t>
+              <a:t>8</a:t>
             </a:fld>
             <a:endParaRPr lang="en-US" dirty="0"/>
           </a:p>
@@ -16111,7 +17785,7 @@
 </p:sld>
 </file>
 
-<file path=ppt/slides/slide7.xml><?xml version="1.0" encoding="utf-8"?>
+<file path=ppt/slides/slide9.xml><?xml version="1.0" encoding="utf-8"?>
 <p:sld xmlns:a="http://schemas.openxmlformats.org/drawingml/2006/main" xmlns:r="http://schemas.openxmlformats.org/officeDocument/2006/relationships" xmlns:p="http://schemas.openxmlformats.org/presentationml/2006/main">
   <p:cSld>
     <p:spTree>
@@ -16183,7 +17857,7 @@
           <a:p>
             <a:fld id="{8A2B06E4-34D2-4DD4-ABFF-9F74AC2B18B5}" type="slidenum">
               <a:rPr lang="en-US" smtClean="0"/>
-              <a:t>7</a:t>
+              <a:t>9</a:t>
             </a:fld>
             <a:endParaRPr lang="en-US" dirty="0"/>
           </a:p>
@@ -16598,1398 +18272,6 @@
     <p:extLst>
       <p:ext uri="{BB962C8B-B14F-4D97-AF65-F5344CB8AC3E}">
         <p14:creationId xmlns:p14="http://schemas.microsoft.com/office/powerpoint/2010/main" val="2883854016"/>
-      </p:ext>
-    </p:extLst>
-  </p:cSld>
-  <p:clrMapOvr>
-    <a:masterClrMapping/>
-  </p:clrMapOvr>
-</p:sld>
-</file>
-
-<file path=ppt/slides/slide8.xml><?xml version="1.0" encoding="utf-8"?>
-<p:sld xmlns:a="http://schemas.openxmlformats.org/drawingml/2006/main" xmlns:r="http://schemas.openxmlformats.org/officeDocument/2006/relationships" xmlns:p="http://schemas.openxmlformats.org/presentationml/2006/main">
-  <p:cSld>
-    <p:spTree>
-      <p:nvGrpSpPr>
-        <p:cNvPr id="1" name=""/>
-        <p:cNvGrpSpPr/>
-        <p:nvPr/>
-      </p:nvGrpSpPr>
-      <p:grpSpPr>
-        <a:xfrm>
-          <a:off x="0" y="0"/>
-          <a:ext cx="0" cy="0"/>
-          <a:chOff x="0" y="0"/>
-          <a:chExt cx="0" cy="0"/>
-        </a:xfrm>
-      </p:grpSpPr>
-      <p:sp>
-        <p:nvSpPr>
-          <p:cNvPr id="2" name="Title 1">
-            <a:extLst>
-              <a:ext uri="{FF2B5EF4-FFF2-40B4-BE49-F238E27FC236}">
-                <a16:creationId xmlns:a16="http://schemas.microsoft.com/office/drawing/2014/main" id="{B0ACDDE9-14E8-4FC2-512C-6429588613AC}"/>
-              </a:ext>
-            </a:extLst>
-          </p:cNvPr>
-          <p:cNvSpPr>
-            <a:spLocks noGrp="1"/>
-          </p:cNvSpPr>
-          <p:nvPr>
-            <p:ph type="title"/>
-          </p:nvPr>
-        </p:nvSpPr>
-        <p:spPr/>
-        <p:txBody>
-          <a:bodyPr/>
-          <a:lstStyle/>
-          <a:p>
-            <a:r>
-              <a:rPr lang="en-US" dirty="0" err="1"/>
-              <a:t>sva</a:t>
-            </a:r>
-            <a:r>
-              <a:rPr lang="en-US" dirty="0"/>
-              <a:t> introduction</a:t>
-            </a:r>
-          </a:p>
-        </p:txBody>
-      </p:sp>
-      <p:sp>
-        <p:nvSpPr>
-          <p:cNvPr id="4" name="Slide Number Placeholder 3">
-            <a:extLst>
-              <a:ext uri="{FF2B5EF4-FFF2-40B4-BE49-F238E27FC236}">
-                <a16:creationId xmlns:a16="http://schemas.microsoft.com/office/drawing/2014/main" id="{7DD44BDC-6127-E796-C787-2F6EF654F887}"/>
-              </a:ext>
-            </a:extLst>
-          </p:cNvPr>
-          <p:cNvSpPr>
-            <a:spLocks noGrp="1"/>
-          </p:cNvSpPr>
-          <p:nvPr>
-            <p:ph type="sldNum" sz="quarter" idx="12"/>
-          </p:nvPr>
-        </p:nvSpPr>
-        <p:spPr/>
-        <p:txBody>
-          <a:bodyPr/>
-          <a:lstStyle/>
-          <a:p>
-            <a:fld id="{8A2B06E4-34D2-4DD4-ABFF-9F74AC2B18B5}" type="slidenum">
-              <a:rPr lang="en-US" smtClean="0"/>
-              <a:t>8</a:t>
-            </a:fld>
-            <a:endParaRPr lang="en-US" dirty="0"/>
-          </a:p>
-        </p:txBody>
-      </p:sp>
-      <p:sp>
-        <p:nvSpPr>
-          <p:cNvPr id="5" name="Content Placeholder 2">
-            <a:extLst>
-              <a:ext uri="{FF2B5EF4-FFF2-40B4-BE49-F238E27FC236}">
-                <a16:creationId xmlns:a16="http://schemas.microsoft.com/office/drawing/2014/main" id="{394A5A22-617E-B4AF-4121-A4C8A4A697E8}"/>
-              </a:ext>
-            </a:extLst>
-          </p:cNvPr>
-          <p:cNvSpPr txBox="1">
-            <a:spLocks/>
-          </p:cNvSpPr>
-          <p:nvPr/>
-        </p:nvSpPr>
-        <p:spPr>
-          <a:xfrm>
-            <a:off x="446313" y="3329034"/>
-            <a:ext cx="5649687" cy="510827"/>
-          </a:xfrm>
-          <a:prstGeom prst="rect">
-            <a:avLst/>
-          </a:prstGeom>
-        </p:spPr>
-        <p:txBody>
-          <a:bodyPr/>
-          <a:lstStyle>
-            <a:lvl1pPr marL="228600" indent="-228600" algn="l" defTabSz="914400" rtl="0" eaLnBrk="1" latinLnBrk="0" hangingPunct="1">
-              <a:lnSpc>
-                <a:spcPct val="90000"/>
-              </a:lnSpc>
-              <a:spcBef>
-                <a:spcPts val="1000"/>
-              </a:spcBef>
-              <a:buFont typeface="Arial" panose="020B0604020202020204" pitchFamily="34" charset="0"/>
-              <a:buChar char="•"/>
-              <a:defRPr sz="1400" kern="1200">
-                <a:solidFill>
-                  <a:schemeClr val="tx1"/>
-                </a:solidFill>
-                <a:latin typeface="+mn-lt"/>
-                <a:ea typeface="+mn-ea"/>
-                <a:cs typeface="+mn-cs"/>
-              </a:defRPr>
-            </a:lvl1pPr>
-            <a:lvl2pPr marL="685800" indent="-228600" algn="l" defTabSz="914400" rtl="0" eaLnBrk="1" latinLnBrk="0" hangingPunct="1">
-              <a:lnSpc>
-                <a:spcPct val="90000"/>
-              </a:lnSpc>
-              <a:spcBef>
-                <a:spcPts val="500"/>
-              </a:spcBef>
-              <a:buFont typeface="Arial" panose="020B0604020202020204" pitchFamily="34" charset="0"/>
-              <a:buChar char="•"/>
-              <a:defRPr sz="1200" kern="1200">
-                <a:solidFill>
-                  <a:schemeClr val="tx1"/>
-                </a:solidFill>
-                <a:latin typeface="+mn-lt"/>
-                <a:ea typeface="+mn-ea"/>
-                <a:cs typeface="+mn-cs"/>
-              </a:defRPr>
-            </a:lvl2pPr>
-            <a:lvl3pPr marL="1143000" indent="-228600" algn="l" defTabSz="914400" rtl="0" eaLnBrk="1" latinLnBrk="0" hangingPunct="1">
-              <a:lnSpc>
-                <a:spcPct val="90000"/>
-              </a:lnSpc>
-              <a:spcBef>
-                <a:spcPts val="500"/>
-              </a:spcBef>
-              <a:buFont typeface="Arial" panose="020B0604020202020204" pitchFamily="34" charset="0"/>
-              <a:buChar char="•"/>
-              <a:defRPr sz="1200" kern="1200">
-                <a:solidFill>
-                  <a:schemeClr val="tx1"/>
-                </a:solidFill>
-                <a:latin typeface="+mn-lt"/>
-                <a:ea typeface="+mn-ea"/>
-                <a:cs typeface="+mn-cs"/>
-              </a:defRPr>
-            </a:lvl3pPr>
-            <a:lvl4pPr marL="1600200" indent="-228600" algn="l" defTabSz="914400" rtl="0" eaLnBrk="1" latinLnBrk="0" hangingPunct="1">
-              <a:lnSpc>
-                <a:spcPct val="90000"/>
-              </a:lnSpc>
-              <a:spcBef>
-                <a:spcPts val="500"/>
-              </a:spcBef>
-              <a:buFont typeface="Arial" panose="020B0604020202020204" pitchFamily="34" charset="0"/>
-              <a:buChar char="•"/>
-              <a:defRPr sz="1200" kern="1200">
-                <a:solidFill>
-                  <a:schemeClr val="tx1"/>
-                </a:solidFill>
-                <a:latin typeface="+mn-lt"/>
-                <a:ea typeface="+mn-ea"/>
-                <a:cs typeface="+mn-cs"/>
-              </a:defRPr>
-            </a:lvl4pPr>
-            <a:lvl5pPr marL="2057400" indent="-228600" algn="l" defTabSz="914400" rtl="0" eaLnBrk="1" latinLnBrk="0" hangingPunct="1">
-              <a:lnSpc>
-                <a:spcPct val="90000"/>
-              </a:lnSpc>
-              <a:spcBef>
-                <a:spcPts val="500"/>
-              </a:spcBef>
-              <a:buFont typeface="Arial" panose="020B0604020202020204" pitchFamily="34" charset="0"/>
-              <a:buChar char="•"/>
-              <a:defRPr sz="1200" kern="1200">
-                <a:solidFill>
-                  <a:schemeClr val="tx1"/>
-                </a:solidFill>
-                <a:latin typeface="+mn-lt"/>
-                <a:ea typeface="+mn-ea"/>
-                <a:cs typeface="+mn-cs"/>
-              </a:defRPr>
-            </a:lvl5pPr>
-            <a:lvl6pPr marL="2514600" indent="-228600" algn="l" defTabSz="914400" rtl="0" eaLnBrk="1" latinLnBrk="0" hangingPunct="1">
-              <a:lnSpc>
-                <a:spcPct val="90000"/>
-              </a:lnSpc>
-              <a:spcBef>
-                <a:spcPts val="500"/>
-              </a:spcBef>
-              <a:buFont typeface="Arial" panose="020B0604020202020204" pitchFamily="34" charset="0"/>
-              <a:buChar char="•"/>
-              <a:defRPr sz="1800" kern="1200">
-                <a:solidFill>
-                  <a:schemeClr val="tx1"/>
-                </a:solidFill>
-                <a:latin typeface="+mn-lt"/>
-                <a:ea typeface="+mn-ea"/>
-                <a:cs typeface="+mn-cs"/>
-              </a:defRPr>
-            </a:lvl6pPr>
-            <a:lvl7pPr marL="2971800" indent="-228600" algn="l" defTabSz="914400" rtl="0" eaLnBrk="1" latinLnBrk="0" hangingPunct="1">
-              <a:lnSpc>
-                <a:spcPct val="90000"/>
-              </a:lnSpc>
-              <a:spcBef>
-                <a:spcPts val="500"/>
-              </a:spcBef>
-              <a:buFont typeface="Arial" panose="020B0604020202020204" pitchFamily="34" charset="0"/>
-              <a:buChar char="•"/>
-              <a:defRPr sz="1800" kern="1200">
-                <a:solidFill>
-                  <a:schemeClr val="tx1"/>
-                </a:solidFill>
-                <a:latin typeface="+mn-lt"/>
-                <a:ea typeface="+mn-ea"/>
-                <a:cs typeface="+mn-cs"/>
-              </a:defRPr>
-            </a:lvl7pPr>
-            <a:lvl8pPr marL="3429000" indent="-228600" algn="l" defTabSz="914400" rtl="0" eaLnBrk="1" latinLnBrk="0" hangingPunct="1">
-              <a:lnSpc>
-                <a:spcPct val="90000"/>
-              </a:lnSpc>
-              <a:spcBef>
-                <a:spcPts val="500"/>
-              </a:spcBef>
-              <a:buFont typeface="Arial" panose="020B0604020202020204" pitchFamily="34" charset="0"/>
-              <a:buChar char="•"/>
-              <a:defRPr sz="1800" kern="1200">
-                <a:solidFill>
-                  <a:schemeClr val="tx1"/>
-                </a:solidFill>
-                <a:latin typeface="+mn-lt"/>
-                <a:ea typeface="+mn-ea"/>
-                <a:cs typeface="+mn-cs"/>
-              </a:defRPr>
-            </a:lvl8pPr>
-            <a:lvl9pPr marL="3886200" indent="-228600" algn="l" defTabSz="914400" rtl="0" eaLnBrk="1" latinLnBrk="0" hangingPunct="1">
-              <a:lnSpc>
-                <a:spcPct val="90000"/>
-              </a:lnSpc>
-              <a:spcBef>
-                <a:spcPts val="500"/>
-              </a:spcBef>
-              <a:buFont typeface="Arial" panose="020B0604020202020204" pitchFamily="34" charset="0"/>
-              <a:buChar char="•"/>
-              <a:defRPr sz="1800" kern="1200">
-                <a:solidFill>
-                  <a:schemeClr val="tx1"/>
-                </a:solidFill>
-                <a:latin typeface="+mn-lt"/>
-                <a:ea typeface="+mn-ea"/>
-                <a:cs typeface="+mn-cs"/>
-              </a:defRPr>
-            </a:lvl9pPr>
-          </a:lstStyle>
-          <a:p>
-            <a:r>
-              <a:rPr lang="en-US" dirty="0">
-                <a:latin typeface="Arial" panose="020B0604020202020204" pitchFamily="34" charset="0"/>
-                <a:cs typeface="Arial" panose="020B0604020202020204" pitchFamily="34" charset="0"/>
-              </a:rPr>
-              <a:t>deferred, observed</a:t>
-            </a:r>
-          </a:p>
-          <a:p>
-            <a:endParaRPr lang="en-US" dirty="0">
-              <a:latin typeface="Arial" panose="020B0604020202020204" pitchFamily="34" charset="0"/>
-              <a:cs typeface="Arial" panose="020B0604020202020204" pitchFamily="34" charset="0"/>
-            </a:endParaRPr>
-          </a:p>
-        </p:txBody>
-      </p:sp>
-      <p:pic>
-        <p:nvPicPr>
-          <p:cNvPr id="6" name="Picture 5">
-            <a:extLst>
-              <a:ext uri="{FF2B5EF4-FFF2-40B4-BE49-F238E27FC236}">
-                <a16:creationId xmlns:a16="http://schemas.microsoft.com/office/drawing/2014/main" id="{A84CA857-F7BA-EA4B-2889-E1B98C39174D}"/>
-              </a:ext>
-            </a:extLst>
-          </p:cNvPr>
-          <p:cNvPicPr>
-            <a:picLocks noChangeAspect="1"/>
-          </p:cNvPicPr>
-          <p:nvPr/>
-        </p:nvPicPr>
-        <p:blipFill>
-          <a:blip r:embed="rId2"/>
-          <a:stretch>
-            <a:fillRect/>
-          </a:stretch>
-        </p:blipFill>
-        <p:spPr>
-          <a:xfrm>
-            <a:off x="4561044" y="429768"/>
-            <a:ext cx="3615092" cy="6309360"/>
-          </a:xfrm>
-          <a:prstGeom prst="rect">
-            <a:avLst/>
-          </a:prstGeom>
-        </p:spPr>
-      </p:pic>
-      <p:cxnSp>
-        <p:nvCxnSpPr>
-          <p:cNvPr id="7" name="Straight Arrow Connector 6">
-            <a:extLst>
-              <a:ext uri="{FF2B5EF4-FFF2-40B4-BE49-F238E27FC236}">
-                <a16:creationId xmlns:a16="http://schemas.microsoft.com/office/drawing/2014/main" id="{EE89999B-3C20-F45E-1AA6-FE2FF42A6058}"/>
-              </a:ext>
-            </a:extLst>
-          </p:cNvPr>
-          <p:cNvCxnSpPr>
-            <a:cxnSpLocks/>
-          </p:cNvCxnSpPr>
-          <p:nvPr/>
-        </p:nvCxnSpPr>
-        <p:spPr>
-          <a:xfrm>
-            <a:off x="2020824" y="4796679"/>
-            <a:ext cx="3950208" cy="1567545"/>
-          </a:xfrm>
-          <a:prstGeom prst="straightConnector1">
-            <a:avLst/>
-          </a:prstGeom>
-          <a:ln w="19050">
-            <a:tailEnd type="triangle"/>
-          </a:ln>
-        </p:spPr>
-        <p:style>
-          <a:lnRef idx="1">
-            <a:schemeClr val="accent6"/>
-          </a:lnRef>
-          <a:fillRef idx="0">
-            <a:schemeClr val="accent6"/>
-          </a:fillRef>
-          <a:effectRef idx="0">
-            <a:schemeClr val="accent6"/>
-          </a:effectRef>
-          <a:fontRef idx="minor">
-            <a:schemeClr val="tx1"/>
-          </a:fontRef>
-        </p:style>
-      </p:cxnSp>
-      <p:cxnSp>
-        <p:nvCxnSpPr>
-          <p:cNvPr id="8" name="Straight Arrow Connector 7">
-            <a:extLst>
-              <a:ext uri="{FF2B5EF4-FFF2-40B4-BE49-F238E27FC236}">
-                <a16:creationId xmlns:a16="http://schemas.microsoft.com/office/drawing/2014/main" id="{1F76D9A9-D993-5C63-1119-C1FAAC2F81F1}"/>
-              </a:ext>
-            </a:extLst>
-          </p:cNvPr>
-          <p:cNvCxnSpPr>
-            <a:cxnSpLocks/>
-          </p:cNvCxnSpPr>
-          <p:nvPr/>
-        </p:nvCxnSpPr>
-        <p:spPr>
-          <a:xfrm>
-            <a:off x="2459736" y="3512667"/>
-            <a:ext cx="3636264" cy="74263"/>
-          </a:xfrm>
-          <a:prstGeom prst="straightConnector1">
-            <a:avLst/>
-          </a:prstGeom>
-          <a:ln w="19050">
-            <a:tailEnd type="triangle"/>
-          </a:ln>
-        </p:spPr>
-        <p:style>
-          <a:lnRef idx="1">
-            <a:schemeClr val="accent6"/>
-          </a:lnRef>
-          <a:fillRef idx="0">
-            <a:schemeClr val="accent6"/>
-          </a:fillRef>
-          <a:effectRef idx="0">
-            <a:schemeClr val="accent6"/>
-          </a:effectRef>
-          <a:fontRef idx="minor">
-            <a:schemeClr val="tx1"/>
-          </a:fontRef>
-        </p:style>
-      </p:cxnSp>
-      <p:sp>
-        <p:nvSpPr>
-          <p:cNvPr id="9" name="Content Placeholder 2">
-            <a:extLst>
-              <a:ext uri="{FF2B5EF4-FFF2-40B4-BE49-F238E27FC236}">
-                <a16:creationId xmlns:a16="http://schemas.microsoft.com/office/drawing/2014/main" id="{AC40A362-0FD3-29AD-8A4A-E3DC3E8167E0}"/>
-              </a:ext>
-            </a:extLst>
-          </p:cNvPr>
-          <p:cNvSpPr txBox="1">
-            <a:spLocks/>
-          </p:cNvSpPr>
-          <p:nvPr/>
-        </p:nvSpPr>
-        <p:spPr>
-          <a:xfrm>
-            <a:off x="446313" y="4100073"/>
-            <a:ext cx="5649687" cy="1065691"/>
-          </a:xfrm>
-          <a:prstGeom prst="rect">
-            <a:avLst/>
-          </a:prstGeom>
-        </p:spPr>
-        <p:txBody>
-          <a:bodyPr vert="horz" lIns="0" tIns="45720" rIns="91440" bIns="45720" rtlCol="0">
-            <a:noAutofit/>
-          </a:bodyPr>
-          <a:lstStyle>
-            <a:lvl1pPr marL="346075" indent="-288925" algn="l" defTabSz="914400" rtl="0" eaLnBrk="1" latinLnBrk="0" hangingPunct="1">
-              <a:lnSpc>
-                <a:spcPct val="90000"/>
-              </a:lnSpc>
-              <a:spcBef>
-                <a:spcPts val="1600"/>
-              </a:spcBef>
-              <a:spcAft>
-                <a:spcPts val="200"/>
-              </a:spcAft>
-              <a:buClr>
-                <a:schemeClr val="tx2"/>
-              </a:buClr>
-              <a:buSzPct val="100000"/>
-              <a:buFont typeface="Arial" panose="020B0604020202020204" pitchFamily="34" charset="0"/>
-              <a:buChar char="•"/>
-              <a:tabLst/>
-              <a:defRPr lang="en-US" sz="1400" kern="1200" dirty="0">
-                <a:solidFill>
-                  <a:schemeClr val="tx1"/>
-                </a:solidFill>
-                <a:latin typeface="Arial" panose="020B0604020202020204" pitchFamily="34" charset="0"/>
-                <a:ea typeface="+mn-ea"/>
-                <a:cs typeface="+mn-cs"/>
-              </a:defRPr>
-            </a:lvl1pPr>
-            <a:lvl2pPr marL="738188" indent="-280988" algn="l" defTabSz="914400" rtl="0" eaLnBrk="1" latinLnBrk="0" hangingPunct="1">
-              <a:lnSpc>
-                <a:spcPct val="90000"/>
-              </a:lnSpc>
-              <a:spcBef>
-                <a:spcPts val="300"/>
-              </a:spcBef>
-              <a:spcAft>
-                <a:spcPts val="600"/>
-              </a:spcAft>
-              <a:buClr>
-                <a:schemeClr val="tx2"/>
-              </a:buClr>
-              <a:buSzPct val="60000"/>
-              <a:buFont typeface="Courier New" panose="02070309020205020404" pitchFamily="49" charset="0"/>
-              <a:buChar char="o"/>
-              <a:tabLst/>
-              <a:defRPr lang="en-US" sz="1200" kern="1200" dirty="0">
-                <a:solidFill>
-                  <a:schemeClr val="tx1"/>
-                </a:solidFill>
-                <a:latin typeface="Arial" panose="020B0604020202020204" pitchFamily="34" charset="0"/>
-                <a:ea typeface="+mn-ea"/>
-                <a:cs typeface="+mn-cs"/>
-              </a:defRPr>
-            </a:lvl2pPr>
-            <a:lvl3pPr marL="1200150" indent="-285750" algn="l" defTabSz="914400" rtl="0" eaLnBrk="1" latinLnBrk="0" hangingPunct="1">
-              <a:lnSpc>
-                <a:spcPct val="90000"/>
-              </a:lnSpc>
-              <a:spcBef>
-                <a:spcPts val="300"/>
-              </a:spcBef>
-              <a:spcAft>
-                <a:spcPts val="500"/>
-              </a:spcAft>
-              <a:buClr>
-                <a:schemeClr val="tx2"/>
-              </a:buClr>
-              <a:buSzPct val="100000"/>
-              <a:buFont typeface="Rubik Light" panose="00000400000000000000" pitchFamily="2" charset="-79"/>
-              <a:buChar char="–"/>
-              <a:tabLst/>
-              <a:defRPr lang="en-US" sz="1200" kern="1200" dirty="0">
-                <a:solidFill>
-                  <a:schemeClr val="tx1"/>
-                </a:solidFill>
-                <a:latin typeface="Arial" panose="020B0604020202020204" pitchFamily="34" charset="0"/>
-                <a:ea typeface="+mn-ea"/>
-                <a:cs typeface="+mn-cs"/>
-              </a:defRPr>
-            </a:lvl3pPr>
-            <a:lvl4pPr marL="1652588" indent="-280988" algn="l" defTabSz="914400" rtl="0" eaLnBrk="1" latinLnBrk="0" hangingPunct="1">
-              <a:lnSpc>
-                <a:spcPct val="90000"/>
-              </a:lnSpc>
-              <a:spcBef>
-                <a:spcPts val="500"/>
-              </a:spcBef>
-              <a:spcAft>
-                <a:spcPts val="1200"/>
-              </a:spcAft>
-              <a:buClr>
-                <a:schemeClr val="accent2"/>
-              </a:buClr>
-              <a:buSzPct val="115000"/>
-              <a:buFont typeface=".Lucida Grande UI Regular"/>
-              <a:buChar char="▹"/>
-              <a:tabLst/>
-              <a:defRPr sz="1200" kern="1200">
-                <a:solidFill>
-                  <a:schemeClr val="tx1"/>
-                </a:solidFill>
-                <a:latin typeface="+mn-lt"/>
-                <a:ea typeface="+mn-ea"/>
-                <a:cs typeface="+mn-cs"/>
-              </a:defRPr>
-            </a:lvl4pPr>
-            <a:lvl5pPr marL="2170113" indent="-341313" algn="l" defTabSz="914400" rtl="0" eaLnBrk="1" latinLnBrk="0" hangingPunct="1">
-              <a:lnSpc>
-                <a:spcPct val="90000"/>
-              </a:lnSpc>
-              <a:spcBef>
-                <a:spcPts val="500"/>
-              </a:spcBef>
-              <a:spcAft>
-                <a:spcPts val="1200"/>
-              </a:spcAft>
-              <a:buClr>
-                <a:schemeClr val="accent2"/>
-              </a:buClr>
-              <a:buSzPct val="115000"/>
-              <a:buFont typeface=".Lucida Grande UI Regular"/>
-              <a:buChar char="▹"/>
-              <a:tabLst/>
-              <a:defRPr sz="1500" kern="1200">
-                <a:solidFill>
-                  <a:schemeClr val="tx2"/>
-                </a:solidFill>
-                <a:latin typeface="+mn-lt"/>
-                <a:ea typeface="+mn-ea"/>
-                <a:cs typeface="+mn-cs"/>
-              </a:defRPr>
-            </a:lvl5pPr>
-            <a:lvl6pPr marL="2514600" indent="-228600" algn="l" defTabSz="914400" rtl="0" eaLnBrk="1" latinLnBrk="0" hangingPunct="1">
-              <a:lnSpc>
-                <a:spcPct val="90000"/>
-              </a:lnSpc>
-              <a:spcBef>
-                <a:spcPts val="500"/>
-              </a:spcBef>
-              <a:buFont typeface="Arial" panose="020B0604020202020204" pitchFamily="34" charset="0"/>
-              <a:buChar char="•"/>
-              <a:defRPr sz="1800" kern="1200">
-                <a:solidFill>
-                  <a:schemeClr val="tx1"/>
-                </a:solidFill>
-                <a:latin typeface="+mn-lt"/>
-                <a:ea typeface="+mn-ea"/>
-                <a:cs typeface="+mn-cs"/>
-              </a:defRPr>
-            </a:lvl6pPr>
-            <a:lvl7pPr marL="2971800" indent="-228600" algn="l" defTabSz="914400" rtl="0" eaLnBrk="1" latinLnBrk="0" hangingPunct="1">
-              <a:lnSpc>
-                <a:spcPct val="90000"/>
-              </a:lnSpc>
-              <a:spcBef>
-                <a:spcPts val="500"/>
-              </a:spcBef>
-              <a:buFont typeface="Arial" panose="020B0604020202020204" pitchFamily="34" charset="0"/>
-              <a:buChar char="•"/>
-              <a:defRPr sz="1800" kern="1200">
-                <a:solidFill>
-                  <a:schemeClr val="tx1"/>
-                </a:solidFill>
-                <a:latin typeface="+mn-lt"/>
-                <a:ea typeface="+mn-ea"/>
-                <a:cs typeface="+mn-cs"/>
-              </a:defRPr>
-            </a:lvl7pPr>
-            <a:lvl8pPr marL="3429000" indent="-228600" algn="l" defTabSz="914400" rtl="0" eaLnBrk="1" latinLnBrk="0" hangingPunct="1">
-              <a:lnSpc>
-                <a:spcPct val="90000"/>
-              </a:lnSpc>
-              <a:spcBef>
-                <a:spcPts val="500"/>
-              </a:spcBef>
-              <a:buFont typeface="Arial" panose="020B0604020202020204" pitchFamily="34" charset="0"/>
-              <a:buChar char="•"/>
-              <a:defRPr sz="1800" kern="1200">
-                <a:solidFill>
-                  <a:schemeClr val="tx1"/>
-                </a:solidFill>
-                <a:latin typeface="+mn-lt"/>
-                <a:ea typeface="+mn-ea"/>
-                <a:cs typeface="+mn-cs"/>
-              </a:defRPr>
-            </a:lvl8pPr>
-            <a:lvl9pPr marL="3886200" indent="-228600" algn="l" defTabSz="914400" rtl="0" eaLnBrk="1" latinLnBrk="0" hangingPunct="1">
-              <a:lnSpc>
-                <a:spcPct val="90000"/>
-              </a:lnSpc>
-              <a:spcBef>
-                <a:spcPts val="500"/>
-              </a:spcBef>
-              <a:buFont typeface="Arial" panose="020B0604020202020204" pitchFamily="34" charset="0"/>
-              <a:buChar char="•"/>
-              <a:defRPr sz="1800" kern="1200">
-                <a:solidFill>
-                  <a:schemeClr val="tx1"/>
-                </a:solidFill>
-                <a:latin typeface="+mn-lt"/>
-                <a:ea typeface="+mn-ea"/>
-                <a:cs typeface="+mn-cs"/>
-              </a:defRPr>
-            </a:lvl9pPr>
-          </a:lstStyle>
-          <a:p>
-            <a:r>
-              <a:rPr lang="en-US" dirty="0"/>
-              <a:t>program block</a:t>
-            </a:r>
-          </a:p>
-          <a:p>
-            <a:endParaRPr lang="en-US" dirty="0"/>
-          </a:p>
-        </p:txBody>
-      </p:sp>
-      <p:sp>
-        <p:nvSpPr>
-          <p:cNvPr id="10" name="Content Placeholder 2">
-            <a:extLst>
-              <a:ext uri="{FF2B5EF4-FFF2-40B4-BE49-F238E27FC236}">
-                <a16:creationId xmlns:a16="http://schemas.microsoft.com/office/drawing/2014/main" id="{1315710B-FDCA-8E97-749D-49BD6F8C9617}"/>
-              </a:ext>
-            </a:extLst>
-          </p:cNvPr>
-          <p:cNvSpPr txBox="1">
-            <a:spLocks/>
-          </p:cNvSpPr>
-          <p:nvPr/>
-        </p:nvSpPr>
-        <p:spPr>
-          <a:xfrm>
-            <a:off x="446313" y="4632919"/>
-            <a:ext cx="5649687" cy="1065691"/>
-          </a:xfrm>
-          <a:prstGeom prst="rect">
-            <a:avLst/>
-          </a:prstGeom>
-        </p:spPr>
-        <p:txBody>
-          <a:bodyPr vert="horz" lIns="0" tIns="45720" rIns="91440" bIns="45720" rtlCol="0">
-            <a:noAutofit/>
-          </a:bodyPr>
-          <a:lstStyle>
-            <a:lvl1pPr marL="346075" indent="-288925" algn="l" defTabSz="914400" rtl="0" eaLnBrk="1" latinLnBrk="0" hangingPunct="1">
-              <a:lnSpc>
-                <a:spcPct val="90000"/>
-              </a:lnSpc>
-              <a:spcBef>
-                <a:spcPts val="1600"/>
-              </a:spcBef>
-              <a:spcAft>
-                <a:spcPts val="200"/>
-              </a:spcAft>
-              <a:buClr>
-                <a:schemeClr val="tx2"/>
-              </a:buClr>
-              <a:buSzPct val="100000"/>
-              <a:buFont typeface="Arial" panose="020B0604020202020204" pitchFamily="34" charset="0"/>
-              <a:buChar char="•"/>
-              <a:tabLst/>
-              <a:defRPr lang="en-US" sz="1400" kern="1200" dirty="0">
-                <a:solidFill>
-                  <a:schemeClr val="tx1"/>
-                </a:solidFill>
-                <a:latin typeface="Arial" panose="020B0604020202020204" pitchFamily="34" charset="0"/>
-                <a:ea typeface="+mn-ea"/>
-                <a:cs typeface="+mn-cs"/>
-              </a:defRPr>
-            </a:lvl1pPr>
-            <a:lvl2pPr marL="738188" indent="-280988" algn="l" defTabSz="914400" rtl="0" eaLnBrk="1" latinLnBrk="0" hangingPunct="1">
-              <a:lnSpc>
-                <a:spcPct val="90000"/>
-              </a:lnSpc>
-              <a:spcBef>
-                <a:spcPts val="300"/>
-              </a:spcBef>
-              <a:spcAft>
-                <a:spcPts val="600"/>
-              </a:spcAft>
-              <a:buClr>
-                <a:schemeClr val="tx2"/>
-              </a:buClr>
-              <a:buSzPct val="60000"/>
-              <a:buFont typeface="Courier New" panose="02070309020205020404" pitchFamily="49" charset="0"/>
-              <a:buChar char="o"/>
-              <a:tabLst/>
-              <a:defRPr lang="en-US" sz="1200" kern="1200" dirty="0">
-                <a:solidFill>
-                  <a:schemeClr val="tx1"/>
-                </a:solidFill>
-                <a:latin typeface="Arial" panose="020B0604020202020204" pitchFamily="34" charset="0"/>
-                <a:ea typeface="+mn-ea"/>
-                <a:cs typeface="+mn-cs"/>
-              </a:defRPr>
-            </a:lvl2pPr>
-            <a:lvl3pPr marL="1200150" indent="-285750" algn="l" defTabSz="914400" rtl="0" eaLnBrk="1" latinLnBrk="0" hangingPunct="1">
-              <a:lnSpc>
-                <a:spcPct val="90000"/>
-              </a:lnSpc>
-              <a:spcBef>
-                <a:spcPts val="300"/>
-              </a:spcBef>
-              <a:spcAft>
-                <a:spcPts val="500"/>
-              </a:spcAft>
-              <a:buClr>
-                <a:schemeClr val="tx2"/>
-              </a:buClr>
-              <a:buSzPct val="100000"/>
-              <a:buFont typeface="Rubik Light" panose="00000400000000000000" pitchFamily="2" charset="-79"/>
-              <a:buChar char="–"/>
-              <a:tabLst/>
-              <a:defRPr lang="en-US" sz="1200" kern="1200" dirty="0">
-                <a:solidFill>
-                  <a:schemeClr val="tx1"/>
-                </a:solidFill>
-                <a:latin typeface="Arial" panose="020B0604020202020204" pitchFamily="34" charset="0"/>
-                <a:ea typeface="+mn-ea"/>
-                <a:cs typeface="+mn-cs"/>
-              </a:defRPr>
-            </a:lvl3pPr>
-            <a:lvl4pPr marL="1652588" indent="-280988" algn="l" defTabSz="914400" rtl="0" eaLnBrk="1" latinLnBrk="0" hangingPunct="1">
-              <a:lnSpc>
-                <a:spcPct val="90000"/>
-              </a:lnSpc>
-              <a:spcBef>
-                <a:spcPts val="500"/>
-              </a:spcBef>
-              <a:spcAft>
-                <a:spcPts val="1200"/>
-              </a:spcAft>
-              <a:buClr>
-                <a:schemeClr val="accent2"/>
-              </a:buClr>
-              <a:buSzPct val="115000"/>
-              <a:buFont typeface=".Lucida Grande UI Regular"/>
-              <a:buChar char="▹"/>
-              <a:tabLst/>
-              <a:defRPr sz="1200" kern="1200">
-                <a:solidFill>
-                  <a:schemeClr val="tx1"/>
-                </a:solidFill>
-                <a:latin typeface="+mn-lt"/>
-                <a:ea typeface="+mn-ea"/>
-                <a:cs typeface="+mn-cs"/>
-              </a:defRPr>
-            </a:lvl4pPr>
-            <a:lvl5pPr marL="2170113" indent="-341313" algn="l" defTabSz="914400" rtl="0" eaLnBrk="1" latinLnBrk="0" hangingPunct="1">
-              <a:lnSpc>
-                <a:spcPct val="90000"/>
-              </a:lnSpc>
-              <a:spcBef>
-                <a:spcPts val="500"/>
-              </a:spcBef>
-              <a:spcAft>
-                <a:spcPts val="1200"/>
-              </a:spcAft>
-              <a:buClr>
-                <a:schemeClr val="accent2"/>
-              </a:buClr>
-              <a:buSzPct val="115000"/>
-              <a:buFont typeface=".Lucida Grande UI Regular"/>
-              <a:buChar char="▹"/>
-              <a:tabLst/>
-              <a:defRPr sz="1500" kern="1200">
-                <a:solidFill>
-                  <a:schemeClr val="tx2"/>
-                </a:solidFill>
-                <a:latin typeface="+mn-lt"/>
-                <a:ea typeface="+mn-ea"/>
-                <a:cs typeface="+mn-cs"/>
-              </a:defRPr>
-            </a:lvl5pPr>
-            <a:lvl6pPr marL="2514600" indent="-228600" algn="l" defTabSz="914400" rtl="0" eaLnBrk="1" latinLnBrk="0" hangingPunct="1">
-              <a:lnSpc>
-                <a:spcPct val="90000"/>
-              </a:lnSpc>
-              <a:spcBef>
-                <a:spcPts val="500"/>
-              </a:spcBef>
-              <a:buFont typeface="Arial" panose="020B0604020202020204" pitchFamily="34" charset="0"/>
-              <a:buChar char="•"/>
-              <a:defRPr sz="1800" kern="1200">
-                <a:solidFill>
-                  <a:schemeClr val="tx1"/>
-                </a:solidFill>
-                <a:latin typeface="+mn-lt"/>
-                <a:ea typeface="+mn-ea"/>
-                <a:cs typeface="+mn-cs"/>
-              </a:defRPr>
-            </a:lvl6pPr>
-            <a:lvl7pPr marL="2971800" indent="-228600" algn="l" defTabSz="914400" rtl="0" eaLnBrk="1" latinLnBrk="0" hangingPunct="1">
-              <a:lnSpc>
-                <a:spcPct val="90000"/>
-              </a:lnSpc>
-              <a:spcBef>
-                <a:spcPts val="500"/>
-              </a:spcBef>
-              <a:buFont typeface="Arial" panose="020B0604020202020204" pitchFamily="34" charset="0"/>
-              <a:buChar char="•"/>
-              <a:defRPr sz="1800" kern="1200">
-                <a:solidFill>
-                  <a:schemeClr val="tx1"/>
-                </a:solidFill>
-                <a:latin typeface="+mn-lt"/>
-                <a:ea typeface="+mn-ea"/>
-                <a:cs typeface="+mn-cs"/>
-              </a:defRPr>
-            </a:lvl7pPr>
-            <a:lvl8pPr marL="3429000" indent="-228600" algn="l" defTabSz="914400" rtl="0" eaLnBrk="1" latinLnBrk="0" hangingPunct="1">
-              <a:lnSpc>
-                <a:spcPct val="90000"/>
-              </a:lnSpc>
-              <a:spcBef>
-                <a:spcPts val="500"/>
-              </a:spcBef>
-              <a:buFont typeface="Arial" panose="020B0604020202020204" pitchFamily="34" charset="0"/>
-              <a:buChar char="•"/>
-              <a:defRPr sz="1800" kern="1200">
-                <a:solidFill>
-                  <a:schemeClr val="tx1"/>
-                </a:solidFill>
-                <a:latin typeface="+mn-lt"/>
-                <a:ea typeface="+mn-ea"/>
-                <a:cs typeface="+mn-cs"/>
-              </a:defRPr>
-            </a:lvl8pPr>
-            <a:lvl9pPr marL="3886200" indent="-228600" algn="l" defTabSz="914400" rtl="0" eaLnBrk="1" latinLnBrk="0" hangingPunct="1">
-              <a:lnSpc>
-                <a:spcPct val="90000"/>
-              </a:lnSpc>
-              <a:spcBef>
-                <a:spcPts val="500"/>
-              </a:spcBef>
-              <a:buFont typeface="Arial" panose="020B0604020202020204" pitchFamily="34" charset="0"/>
-              <a:buChar char="•"/>
-              <a:defRPr sz="1800" kern="1200">
-                <a:solidFill>
-                  <a:schemeClr val="tx1"/>
-                </a:solidFill>
-                <a:latin typeface="+mn-lt"/>
-                <a:ea typeface="+mn-ea"/>
-                <a:cs typeface="+mn-cs"/>
-              </a:defRPr>
-            </a:lvl9pPr>
-          </a:lstStyle>
-          <a:p>
-            <a:r>
-              <a:rPr lang="en-US" dirty="0"/>
-              <a:t>deferred, final </a:t>
-            </a:r>
-          </a:p>
-        </p:txBody>
-      </p:sp>
-      <p:cxnSp>
-        <p:nvCxnSpPr>
-          <p:cNvPr id="11" name="Straight Arrow Connector 10">
-            <a:extLst>
-              <a:ext uri="{FF2B5EF4-FFF2-40B4-BE49-F238E27FC236}">
-                <a16:creationId xmlns:a16="http://schemas.microsoft.com/office/drawing/2014/main" id="{67E48574-345A-6CA6-FF31-C35DFA716159}"/>
-              </a:ext>
-            </a:extLst>
-          </p:cNvPr>
-          <p:cNvCxnSpPr>
-            <a:cxnSpLocks/>
-          </p:cNvCxnSpPr>
-          <p:nvPr/>
-        </p:nvCxnSpPr>
-        <p:spPr>
-          <a:xfrm>
-            <a:off x="2177796" y="4255102"/>
-            <a:ext cx="3636264" cy="74263"/>
-          </a:xfrm>
-          <a:prstGeom prst="straightConnector1">
-            <a:avLst/>
-          </a:prstGeom>
-          <a:ln w="19050">
-            <a:tailEnd type="triangle"/>
-          </a:ln>
-        </p:spPr>
-        <p:style>
-          <a:lnRef idx="1">
-            <a:schemeClr val="accent6"/>
-          </a:lnRef>
-          <a:fillRef idx="0">
-            <a:schemeClr val="accent6"/>
-          </a:fillRef>
-          <a:effectRef idx="0">
-            <a:schemeClr val="accent6"/>
-          </a:effectRef>
-          <a:fontRef idx="minor">
-            <a:schemeClr val="tx1"/>
-          </a:fontRef>
-        </p:style>
-      </p:cxnSp>
-      <p:sp>
-        <p:nvSpPr>
-          <p:cNvPr id="12" name="Content Placeholder 2">
-            <a:extLst>
-              <a:ext uri="{FF2B5EF4-FFF2-40B4-BE49-F238E27FC236}">
-                <a16:creationId xmlns:a16="http://schemas.microsoft.com/office/drawing/2014/main" id="{CEC9CD41-E23E-8879-DBCD-05976306D1C6}"/>
-              </a:ext>
-            </a:extLst>
-          </p:cNvPr>
-          <p:cNvSpPr txBox="1">
-            <a:spLocks/>
-          </p:cNvSpPr>
-          <p:nvPr/>
-        </p:nvSpPr>
-        <p:spPr>
-          <a:xfrm>
-            <a:off x="446313" y="868156"/>
-            <a:ext cx="5649687" cy="510827"/>
-          </a:xfrm>
-          <a:prstGeom prst="rect">
-            <a:avLst/>
-          </a:prstGeom>
-        </p:spPr>
-        <p:txBody>
-          <a:bodyPr vert="horz" lIns="0" tIns="45720" rIns="91440" bIns="45720" rtlCol="0">
-            <a:noAutofit/>
-          </a:bodyPr>
-          <a:lstStyle>
-            <a:lvl1pPr marL="346075" indent="-288925" algn="l" defTabSz="914400" rtl="0" eaLnBrk="1" latinLnBrk="0" hangingPunct="1">
-              <a:lnSpc>
-                <a:spcPct val="90000"/>
-              </a:lnSpc>
-              <a:spcBef>
-                <a:spcPts val="1600"/>
-              </a:spcBef>
-              <a:spcAft>
-                <a:spcPts val="200"/>
-              </a:spcAft>
-              <a:buClr>
-                <a:schemeClr val="tx2"/>
-              </a:buClr>
-              <a:buSzPct val="100000"/>
-              <a:buFont typeface="Arial" panose="020B0604020202020204" pitchFamily="34" charset="0"/>
-              <a:buChar char="•"/>
-              <a:tabLst/>
-              <a:defRPr lang="en-US" sz="1400" kern="1200" dirty="0">
-                <a:solidFill>
-                  <a:schemeClr val="tx1"/>
-                </a:solidFill>
-                <a:latin typeface="Arial" panose="020B0604020202020204" pitchFamily="34" charset="0"/>
-                <a:ea typeface="+mn-ea"/>
-                <a:cs typeface="+mn-cs"/>
-              </a:defRPr>
-            </a:lvl1pPr>
-            <a:lvl2pPr marL="738188" indent="-280988" algn="l" defTabSz="914400" rtl="0" eaLnBrk="1" latinLnBrk="0" hangingPunct="1">
-              <a:lnSpc>
-                <a:spcPct val="90000"/>
-              </a:lnSpc>
-              <a:spcBef>
-                <a:spcPts val="300"/>
-              </a:spcBef>
-              <a:spcAft>
-                <a:spcPts val="600"/>
-              </a:spcAft>
-              <a:buClr>
-                <a:schemeClr val="tx2"/>
-              </a:buClr>
-              <a:buSzPct val="60000"/>
-              <a:buFont typeface="Courier New" panose="02070309020205020404" pitchFamily="49" charset="0"/>
-              <a:buChar char="o"/>
-              <a:tabLst/>
-              <a:defRPr lang="en-US" sz="1200" kern="1200" dirty="0">
-                <a:solidFill>
-                  <a:schemeClr val="tx1"/>
-                </a:solidFill>
-                <a:latin typeface="Arial" panose="020B0604020202020204" pitchFamily="34" charset="0"/>
-                <a:ea typeface="+mn-ea"/>
-                <a:cs typeface="+mn-cs"/>
-              </a:defRPr>
-            </a:lvl2pPr>
-            <a:lvl3pPr marL="1200150" indent="-285750" algn="l" defTabSz="914400" rtl="0" eaLnBrk="1" latinLnBrk="0" hangingPunct="1">
-              <a:lnSpc>
-                <a:spcPct val="90000"/>
-              </a:lnSpc>
-              <a:spcBef>
-                <a:spcPts val="300"/>
-              </a:spcBef>
-              <a:spcAft>
-                <a:spcPts val="500"/>
-              </a:spcAft>
-              <a:buClr>
-                <a:schemeClr val="tx2"/>
-              </a:buClr>
-              <a:buSzPct val="100000"/>
-              <a:buFont typeface="Rubik Light" panose="00000400000000000000" pitchFamily="2" charset="-79"/>
-              <a:buChar char="–"/>
-              <a:tabLst/>
-              <a:defRPr lang="en-US" sz="1200" kern="1200" dirty="0">
-                <a:solidFill>
-                  <a:schemeClr val="tx1"/>
-                </a:solidFill>
-                <a:latin typeface="Arial" panose="020B0604020202020204" pitchFamily="34" charset="0"/>
-                <a:ea typeface="+mn-ea"/>
-                <a:cs typeface="+mn-cs"/>
-              </a:defRPr>
-            </a:lvl3pPr>
-            <a:lvl4pPr marL="1652588" indent="-280988" algn="l" defTabSz="914400" rtl="0" eaLnBrk="1" latinLnBrk="0" hangingPunct="1">
-              <a:lnSpc>
-                <a:spcPct val="90000"/>
-              </a:lnSpc>
-              <a:spcBef>
-                <a:spcPts val="500"/>
-              </a:spcBef>
-              <a:spcAft>
-                <a:spcPts val="1200"/>
-              </a:spcAft>
-              <a:buClr>
-                <a:schemeClr val="accent2"/>
-              </a:buClr>
-              <a:buSzPct val="115000"/>
-              <a:buFont typeface=".Lucida Grande UI Regular"/>
-              <a:buChar char="▹"/>
-              <a:tabLst/>
-              <a:defRPr sz="1200" kern="1200">
-                <a:solidFill>
-                  <a:schemeClr val="tx1"/>
-                </a:solidFill>
-                <a:latin typeface="+mn-lt"/>
-                <a:ea typeface="+mn-ea"/>
-                <a:cs typeface="+mn-cs"/>
-              </a:defRPr>
-            </a:lvl4pPr>
-            <a:lvl5pPr marL="2170113" indent="-341313" algn="l" defTabSz="914400" rtl="0" eaLnBrk="1" latinLnBrk="0" hangingPunct="1">
-              <a:lnSpc>
-                <a:spcPct val="90000"/>
-              </a:lnSpc>
-              <a:spcBef>
-                <a:spcPts val="500"/>
-              </a:spcBef>
-              <a:spcAft>
-                <a:spcPts val="1200"/>
-              </a:spcAft>
-              <a:buClr>
-                <a:schemeClr val="accent2"/>
-              </a:buClr>
-              <a:buSzPct val="115000"/>
-              <a:buFont typeface=".Lucida Grande UI Regular"/>
-              <a:buChar char="▹"/>
-              <a:tabLst/>
-              <a:defRPr sz="1500" kern="1200">
-                <a:solidFill>
-                  <a:schemeClr val="tx2"/>
-                </a:solidFill>
-                <a:latin typeface="+mn-lt"/>
-                <a:ea typeface="+mn-ea"/>
-                <a:cs typeface="+mn-cs"/>
-              </a:defRPr>
-            </a:lvl5pPr>
-            <a:lvl6pPr marL="2514600" indent="-228600" algn="l" defTabSz="914400" rtl="0" eaLnBrk="1" latinLnBrk="0" hangingPunct="1">
-              <a:lnSpc>
-                <a:spcPct val="90000"/>
-              </a:lnSpc>
-              <a:spcBef>
-                <a:spcPts val="500"/>
-              </a:spcBef>
-              <a:buFont typeface="Arial" panose="020B0604020202020204" pitchFamily="34" charset="0"/>
-              <a:buChar char="•"/>
-              <a:defRPr sz="1800" kern="1200">
-                <a:solidFill>
-                  <a:schemeClr val="tx1"/>
-                </a:solidFill>
-                <a:latin typeface="+mn-lt"/>
-                <a:ea typeface="+mn-ea"/>
-                <a:cs typeface="+mn-cs"/>
-              </a:defRPr>
-            </a:lvl6pPr>
-            <a:lvl7pPr marL="2971800" indent="-228600" algn="l" defTabSz="914400" rtl="0" eaLnBrk="1" latinLnBrk="0" hangingPunct="1">
-              <a:lnSpc>
-                <a:spcPct val="90000"/>
-              </a:lnSpc>
-              <a:spcBef>
-                <a:spcPts val="500"/>
-              </a:spcBef>
-              <a:buFont typeface="Arial" panose="020B0604020202020204" pitchFamily="34" charset="0"/>
-              <a:buChar char="•"/>
-              <a:defRPr sz="1800" kern="1200">
-                <a:solidFill>
-                  <a:schemeClr val="tx1"/>
-                </a:solidFill>
-                <a:latin typeface="+mn-lt"/>
-                <a:ea typeface="+mn-ea"/>
-                <a:cs typeface="+mn-cs"/>
-              </a:defRPr>
-            </a:lvl7pPr>
-            <a:lvl8pPr marL="3429000" indent="-228600" algn="l" defTabSz="914400" rtl="0" eaLnBrk="1" latinLnBrk="0" hangingPunct="1">
-              <a:lnSpc>
-                <a:spcPct val="90000"/>
-              </a:lnSpc>
-              <a:spcBef>
-                <a:spcPts val="500"/>
-              </a:spcBef>
-              <a:buFont typeface="Arial" panose="020B0604020202020204" pitchFamily="34" charset="0"/>
-              <a:buChar char="•"/>
-              <a:defRPr sz="1800" kern="1200">
-                <a:solidFill>
-                  <a:schemeClr val="tx1"/>
-                </a:solidFill>
-                <a:latin typeface="+mn-lt"/>
-                <a:ea typeface="+mn-ea"/>
-                <a:cs typeface="+mn-cs"/>
-              </a:defRPr>
-            </a:lvl8pPr>
-            <a:lvl9pPr marL="3886200" indent="-228600" algn="l" defTabSz="914400" rtl="0" eaLnBrk="1" latinLnBrk="0" hangingPunct="1">
-              <a:lnSpc>
-                <a:spcPct val="90000"/>
-              </a:lnSpc>
-              <a:spcBef>
-                <a:spcPts val="500"/>
-              </a:spcBef>
-              <a:buFont typeface="Arial" panose="020B0604020202020204" pitchFamily="34" charset="0"/>
-              <a:buChar char="•"/>
-              <a:defRPr sz="1800" kern="1200">
-                <a:solidFill>
-                  <a:schemeClr val="tx1"/>
-                </a:solidFill>
-                <a:latin typeface="+mn-lt"/>
-                <a:ea typeface="+mn-ea"/>
-                <a:cs typeface="+mn-cs"/>
-              </a:defRPr>
-            </a:lvl9pPr>
-          </a:lstStyle>
-          <a:p>
-            <a:r>
-              <a:rPr lang="en-US" dirty="0"/>
-              <a:t>sample</a:t>
-            </a:r>
-          </a:p>
-        </p:txBody>
-      </p:sp>
-      <p:cxnSp>
-        <p:nvCxnSpPr>
-          <p:cNvPr id="13" name="Straight Arrow Connector 12">
-            <a:extLst>
-              <a:ext uri="{FF2B5EF4-FFF2-40B4-BE49-F238E27FC236}">
-                <a16:creationId xmlns:a16="http://schemas.microsoft.com/office/drawing/2014/main" id="{556D2D50-33E7-E92E-83B5-1B3498EE176B}"/>
-              </a:ext>
-            </a:extLst>
-          </p:cNvPr>
-          <p:cNvCxnSpPr>
-            <a:cxnSpLocks/>
-          </p:cNvCxnSpPr>
-          <p:nvPr/>
-        </p:nvCxnSpPr>
-        <p:spPr>
-          <a:xfrm flipV="1">
-            <a:off x="2459736" y="846137"/>
-            <a:ext cx="3636264" cy="152081"/>
-          </a:xfrm>
-          <a:prstGeom prst="straightConnector1">
-            <a:avLst/>
-          </a:prstGeom>
-          <a:ln w="19050">
-            <a:tailEnd type="triangle"/>
-          </a:ln>
-        </p:spPr>
-        <p:style>
-          <a:lnRef idx="1">
-            <a:schemeClr val="accent6"/>
-          </a:lnRef>
-          <a:fillRef idx="0">
-            <a:schemeClr val="accent6"/>
-          </a:fillRef>
-          <a:effectRef idx="0">
-            <a:schemeClr val="accent6"/>
-          </a:effectRef>
-          <a:fontRef idx="minor">
-            <a:schemeClr val="tx1"/>
-          </a:fontRef>
-        </p:style>
-      </p:cxnSp>
-    </p:spTree>
-    <p:extLst>
-      <p:ext uri="{BB962C8B-B14F-4D97-AF65-F5344CB8AC3E}">
-        <p14:creationId xmlns:p14="http://schemas.microsoft.com/office/powerpoint/2010/main" val="315012207"/>
-      </p:ext>
-    </p:extLst>
-  </p:cSld>
-  <p:clrMapOvr>
-    <a:masterClrMapping/>
-  </p:clrMapOvr>
-</p:sld>
-</file>
-
-<file path=ppt/slides/slide9.xml><?xml version="1.0" encoding="utf-8"?>
-<p:sld xmlns:a="http://schemas.openxmlformats.org/drawingml/2006/main" xmlns:r="http://schemas.openxmlformats.org/officeDocument/2006/relationships" xmlns:p="http://schemas.openxmlformats.org/presentationml/2006/main">
-  <p:cSld>
-    <p:spTree>
-      <p:nvGrpSpPr>
-        <p:cNvPr id="1" name=""/>
-        <p:cNvGrpSpPr/>
-        <p:nvPr/>
-      </p:nvGrpSpPr>
-      <p:grpSpPr>
-        <a:xfrm>
-          <a:off x="0" y="0"/>
-          <a:ext cx="0" cy="0"/>
-          <a:chOff x="0" y="0"/>
-          <a:chExt cx="0" cy="0"/>
-        </a:xfrm>
-      </p:grpSpPr>
-      <p:sp>
-        <p:nvSpPr>
-          <p:cNvPr id="2" name="Title 1">
-            <a:extLst>
-              <a:ext uri="{FF2B5EF4-FFF2-40B4-BE49-F238E27FC236}">
-                <a16:creationId xmlns:a16="http://schemas.microsoft.com/office/drawing/2014/main" id="{B0ACDDE9-14E8-4FC2-512C-6429588613AC}"/>
-              </a:ext>
-            </a:extLst>
-          </p:cNvPr>
-          <p:cNvSpPr>
-            <a:spLocks noGrp="1"/>
-          </p:cNvSpPr>
-          <p:nvPr>
-            <p:ph type="title"/>
-          </p:nvPr>
-        </p:nvSpPr>
-        <p:spPr/>
-        <p:txBody>
-          <a:bodyPr/>
-          <a:lstStyle/>
-          <a:p>
-            <a:r>
-              <a:rPr lang="en-US" dirty="0" err="1"/>
-              <a:t>sva</a:t>
-            </a:r>
-            <a:r>
-              <a:rPr lang="en-US" dirty="0"/>
-              <a:t> introduction</a:t>
-            </a:r>
-          </a:p>
-        </p:txBody>
-      </p:sp>
-      <p:sp>
-        <p:nvSpPr>
-          <p:cNvPr id="3" name="Content Placeholder 2">
-            <a:extLst>
-              <a:ext uri="{FF2B5EF4-FFF2-40B4-BE49-F238E27FC236}">
-                <a16:creationId xmlns:a16="http://schemas.microsoft.com/office/drawing/2014/main" id="{C2EC6D9B-9CBC-FC98-8514-E2137510FE78}"/>
-              </a:ext>
-            </a:extLst>
-          </p:cNvPr>
-          <p:cNvSpPr>
-            <a:spLocks noGrp="1"/>
-          </p:cNvSpPr>
-          <p:nvPr>
-            <p:ph idx="1"/>
-          </p:nvPr>
-        </p:nvSpPr>
-        <p:spPr/>
-        <p:txBody>
-          <a:bodyPr/>
-          <a:lstStyle/>
-          <a:p>
-            <a:endParaRPr lang="en-US"/>
-          </a:p>
-        </p:txBody>
-      </p:sp>
-      <p:sp>
-        <p:nvSpPr>
-          <p:cNvPr id="4" name="Slide Number Placeholder 3">
-            <a:extLst>
-              <a:ext uri="{FF2B5EF4-FFF2-40B4-BE49-F238E27FC236}">
-                <a16:creationId xmlns:a16="http://schemas.microsoft.com/office/drawing/2014/main" id="{7DD44BDC-6127-E796-C787-2F6EF654F887}"/>
-              </a:ext>
-            </a:extLst>
-          </p:cNvPr>
-          <p:cNvSpPr>
-            <a:spLocks noGrp="1"/>
-          </p:cNvSpPr>
-          <p:nvPr>
-            <p:ph type="sldNum" sz="quarter" idx="12"/>
-          </p:nvPr>
-        </p:nvSpPr>
-        <p:spPr>
-          <a:xfrm>
-            <a:off x="8594656" y="6306399"/>
-            <a:ext cx="2743200" cy="365125"/>
-          </a:xfrm>
-        </p:spPr>
-        <p:txBody>
-          <a:bodyPr/>
-          <a:lstStyle/>
-          <a:p>
-            <a:fld id="{8A2B06E4-34D2-4DD4-ABFF-9F74AC2B18B5}" type="slidenum">
-              <a:rPr lang="en-US" smtClean="0"/>
-              <a:t>9</a:t>
-            </a:fld>
-            <a:endParaRPr lang="en-US" dirty="0"/>
-          </a:p>
-        </p:txBody>
-      </p:sp>
-      <p:pic>
-        <p:nvPicPr>
-          <p:cNvPr id="5" name="Picture 4">
-            <a:extLst>
-              <a:ext uri="{FF2B5EF4-FFF2-40B4-BE49-F238E27FC236}">
-                <a16:creationId xmlns:a16="http://schemas.microsoft.com/office/drawing/2014/main" id="{BDE8C942-D843-8111-3B1C-4FAF2A206D89}"/>
-              </a:ext>
-            </a:extLst>
-          </p:cNvPr>
-          <p:cNvPicPr>
-            <a:picLocks noChangeAspect="1"/>
-          </p:cNvPicPr>
-          <p:nvPr/>
-        </p:nvPicPr>
-        <p:blipFill>
-          <a:blip r:embed="rId2"/>
-          <a:stretch>
-            <a:fillRect/>
-          </a:stretch>
-        </p:blipFill>
-        <p:spPr>
-          <a:xfrm>
-            <a:off x="1723416" y="1425859"/>
-            <a:ext cx="7225276" cy="2660286"/>
-          </a:xfrm>
-          <a:prstGeom prst="rect">
-            <a:avLst/>
-          </a:prstGeom>
-        </p:spPr>
-      </p:pic>
-      <p:pic>
-        <p:nvPicPr>
-          <p:cNvPr id="6" name="Picture 5">
-            <a:extLst>
-              <a:ext uri="{FF2B5EF4-FFF2-40B4-BE49-F238E27FC236}">
-                <a16:creationId xmlns:a16="http://schemas.microsoft.com/office/drawing/2014/main" id="{25B66C03-09E8-B409-1F00-7C2A4C294F02}"/>
-              </a:ext>
-            </a:extLst>
-          </p:cNvPr>
-          <p:cNvPicPr>
-            <a:picLocks noChangeAspect="1"/>
-          </p:cNvPicPr>
-          <p:nvPr/>
-        </p:nvPicPr>
-        <p:blipFill>
-          <a:blip r:embed="rId3"/>
-          <a:stretch>
-            <a:fillRect/>
-          </a:stretch>
-        </p:blipFill>
-        <p:spPr>
-          <a:xfrm>
-            <a:off x="1723416" y="4546193"/>
-            <a:ext cx="8246207" cy="1670800"/>
-          </a:xfrm>
-          <a:prstGeom prst="rect">
-            <a:avLst/>
-          </a:prstGeom>
-        </p:spPr>
-      </p:pic>
-    </p:spTree>
-    <p:extLst>
-      <p:ext uri="{BB962C8B-B14F-4D97-AF65-F5344CB8AC3E}">
-        <p14:creationId xmlns:p14="http://schemas.microsoft.com/office/powerpoint/2010/main" val="3934375447"/>
       </p:ext>
     </p:extLst>
   </p:cSld>

--- a/note.pptx
+++ b/note.pptx
@@ -5,44 +5,48 @@
     <p:sldMasterId id="2147483648" r:id="rId1"/>
   </p:sldMasterIdLst>
   <p:notesMasterIdLst>
-    <p:notesMasterId r:id="rId37"/>
+    <p:notesMasterId r:id="rId41"/>
   </p:notesMasterIdLst>
   <p:sldIdLst>
     <p:sldId id="264" r:id="rId2"/>
-    <p:sldId id="6965" r:id="rId3"/>
-    <p:sldId id="6969" r:id="rId4"/>
-    <p:sldId id="6970" r:id="rId5"/>
-    <p:sldId id="6971" r:id="rId6"/>
-    <p:sldId id="6968" r:id="rId7"/>
-    <p:sldId id="6964" r:id="rId8"/>
-    <p:sldId id="6966" r:id="rId9"/>
-    <p:sldId id="6959" r:id="rId10"/>
-    <p:sldId id="6960" r:id="rId11"/>
-    <p:sldId id="6961" r:id="rId12"/>
-    <p:sldId id="6962" r:id="rId13"/>
-    <p:sldId id="6951" r:id="rId14"/>
-    <p:sldId id="6952" r:id="rId15"/>
-    <p:sldId id="6954" r:id="rId16"/>
-    <p:sldId id="6955" r:id="rId17"/>
-    <p:sldId id="6956" r:id="rId18"/>
-    <p:sldId id="6958" r:id="rId19"/>
-    <p:sldId id="6957" r:id="rId20"/>
-    <p:sldId id="6953" r:id="rId21"/>
-    <p:sldId id="6937" r:id="rId22"/>
-    <p:sldId id="6935" r:id="rId23"/>
-    <p:sldId id="6936" r:id="rId24"/>
-    <p:sldId id="6943" r:id="rId25"/>
-    <p:sldId id="6941" r:id="rId26"/>
-    <p:sldId id="6944" r:id="rId27"/>
-    <p:sldId id="6950" r:id="rId28"/>
-    <p:sldId id="6949" r:id="rId29"/>
-    <p:sldId id="6942" r:id="rId30"/>
-    <p:sldId id="6948" r:id="rId31"/>
-    <p:sldId id="6946" r:id="rId32"/>
-    <p:sldId id="6945" r:id="rId33"/>
-    <p:sldId id="6939" r:id="rId34"/>
-    <p:sldId id="6938" r:id="rId35"/>
-    <p:sldId id="6934" r:id="rId36"/>
+    <p:sldId id="6973" r:id="rId3"/>
+    <p:sldId id="6975" r:id="rId4"/>
+    <p:sldId id="6972" r:id="rId5"/>
+    <p:sldId id="6974" r:id="rId6"/>
+    <p:sldId id="6965" r:id="rId7"/>
+    <p:sldId id="6969" r:id="rId8"/>
+    <p:sldId id="6970" r:id="rId9"/>
+    <p:sldId id="6971" r:id="rId10"/>
+    <p:sldId id="6968" r:id="rId11"/>
+    <p:sldId id="6964" r:id="rId12"/>
+    <p:sldId id="6966" r:id="rId13"/>
+    <p:sldId id="6959" r:id="rId14"/>
+    <p:sldId id="6960" r:id="rId15"/>
+    <p:sldId id="6961" r:id="rId16"/>
+    <p:sldId id="6962" r:id="rId17"/>
+    <p:sldId id="6951" r:id="rId18"/>
+    <p:sldId id="6952" r:id="rId19"/>
+    <p:sldId id="6954" r:id="rId20"/>
+    <p:sldId id="6955" r:id="rId21"/>
+    <p:sldId id="6956" r:id="rId22"/>
+    <p:sldId id="6958" r:id="rId23"/>
+    <p:sldId id="6957" r:id="rId24"/>
+    <p:sldId id="6953" r:id="rId25"/>
+    <p:sldId id="6937" r:id="rId26"/>
+    <p:sldId id="6935" r:id="rId27"/>
+    <p:sldId id="6936" r:id="rId28"/>
+    <p:sldId id="6943" r:id="rId29"/>
+    <p:sldId id="6941" r:id="rId30"/>
+    <p:sldId id="6944" r:id="rId31"/>
+    <p:sldId id="6950" r:id="rId32"/>
+    <p:sldId id="6949" r:id="rId33"/>
+    <p:sldId id="6942" r:id="rId34"/>
+    <p:sldId id="6948" r:id="rId35"/>
+    <p:sldId id="6946" r:id="rId36"/>
+    <p:sldId id="6945" r:id="rId37"/>
+    <p:sldId id="6939" r:id="rId38"/>
+    <p:sldId id="6938" r:id="rId39"/>
+    <p:sldId id="6934" r:id="rId40"/>
   </p:sldIdLst>
   <p:sldSz cx="12192000" cy="6858000"/>
   <p:notesSz cx="6858000" cy="9144000"/>
@@ -152,7 +156,7 @@
 <file path=ppt/revisionInfo.xml><?xml version="1.0" encoding="utf-8"?>
 <p1510:revInfo xmlns:a="http://schemas.openxmlformats.org/drawingml/2006/main" xmlns:r="http://schemas.openxmlformats.org/officeDocument/2006/relationships" xmlns:p1510="http://schemas.microsoft.com/office/powerpoint/2015/10/main">
   <p1510:revLst>
-    <p1510:client id="{AB0BFEC8-14E9-4C61-B10E-456F41DF402E}" v="98" dt="2024-05-17T06:58:11.708"/>
+    <p1510:client id="{AB0BFEC8-14E9-4C61-B10E-456F41DF402E}" v="113" dt="2024-05-17T15:55:48.032"/>
   </p1510:revLst>
 </p1510:revInfo>
 </file>
@@ -694,7 +698,7 @@
   <pc:docChgLst>
     <pc:chgData name="Billy Lin" userId="05f35405-298c-473c-91f2-352ef9a130c9" providerId="ADAL" clId="{AB0BFEC8-14E9-4C61-B10E-456F41DF402E}"/>
     <pc:docChg chg="undo custSel addSld delSld modSld sldOrd">
-      <pc:chgData name="Billy Lin" userId="05f35405-298c-473c-91f2-352ef9a130c9" providerId="ADAL" clId="{AB0BFEC8-14E9-4C61-B10E-456F41DF402E}" dt="2024-05-17T07:16:13.236" v="1897" actId="47"/>
+      <pc:chgData name="Billy Lin" userId="05f35405-298c-473c-91f2-352ef9a130c9" providerId="ADAL" clId="{AB0BFEC8-14E9-4C61-B10E-456F41DF402E}" dt="2024-05-17T15:55:51.087" v="2013" actId="20577"/>
       <pc:docMkLst>
         <pc:docMk/>
       </pc:docMkLst>
@@ -2201,12 +2205,116 @@
           </ac:cxnSpMkLst>
         </pc:cxnChg>
       </pc:sldChg>
-      <pc:sldChg chg="addSp delSp new ord">
-        <pc:chgData name="Billy Lin" userId="05f35405-298c-473c-91f2-352ef9a130c9" providerId="ADAL" clId="{AB0BFEC8-14E9-4C61-B10E-456F41DF402E}" dt="2024-05-17T05:38:29.317" v="1809"/>
+      <pc:sldChg chg="addSp delSp modSp new mod ord">
+        <pc:chgData name="Billy Lin" userId="05f35405-298c-473c-91f2-352ef9a130c9" providerId="ADAL" clId="{AB0BFEC8-14E9-4C61-B10E-456F41DF402E}" dt="2024-05-17T15:38:04.712" v="1940" actId="1076"/>
         <pc:sldMkLst>
           <pc:docMk/>
           <pc:sldMk cId="962797789" sldId="6965"/>
         </pc:sldMkLst>
+        <pc:spChg chg="mod">
+          <ac:chgData name="Billy Lin" userId="05f35405-298c-473c-91f2-352ef9a130c9" providerId="ADAL" clId="{AB0BFEC8-14E9-4C61-B10E-456F41DF402E}" dt="2024-05-17T15:37:06.392" v="1933" actId="20577"/>
+          <ac:spMkLst>
+            <pc:docMk/>
+            <pc:sldMk cId="962797789" sldId="6965"/>
+            <ac:spMk id="2" creationId="{5341C237-6C29-DE8F-6C53-653F228530ED}"/>
+          </ac:spMkLst>
+        </pc:spChg>
+        <pc:spChg chg="mod">
+          <ac:chgData name="Billy Lin" userId="05f35405-298c-473c-91f2-352ef9a130c9" providerId="ADAL" clId="{AB0BFEC8-14E9-4C61-B10E-456F41DF402E}" dt="2024-05-17T15:38:04.712" v="1940" actId="1076"/>
+          <ac:spMkLst>
+            <pc:docMk/>
+            <pc:sldMk cId="962797789" sldId="6965"/>
+            <ac:spMk id="3" creationId="{102F272C-2176-62B3-CEE5-B81FC02E7F2A}"/>
+          </ac:spMkLst>
+        </pc:spChg>
+        <pc:spChg chg="add mod">
+          <ac:chgData name="Billy Lin" userId="05f35405-298c-473c-91f2-352ef9a130c9" providerId="ADAL" clId="{AB0BFEC8-14E9-4C61-B10E-456F41DF402E}" dt="2024-05-17T15:36:35.788" v="1911"/>
+          <ac:spMkLst>
+            <pc:docMk/>
+            <pc:sldMk cId="962797789" sldId="6965"/>
+            <ac:spMk id="11" creationId="{70F56C8B-1720-FCEC-256E-6E884820857B}"/>
+          </ac:spMkLst>
+        </pc:spChg>
+        <pc:spChg chg="add mod">
+          <ac:chgData name="Billy Lin" userId="05f35405-298c-473c-91f2-352ef9a130c9" providerId="ADAL" clId="{AB0BFEC8-14E9-4C61-B10E-456F41DF402E}" dt="2024-05-17T15:36:35.788" v="1911"/>
+          <ac:spMkLst>
+            <pc:docMk/>
+            <pc:sldMk cId="962797789" sldId="6965"/>
+            <ac:spMk id="12" creationId="{93AE5E3A-6F0B-7BCC-7321-A90CE78C08EA}"/>
+          </ac:spMkLst>
+        </pc:spChg>
+        <pc:spChg chg="add mod">
+          <ac:chgData name="Billy Lin" userId="05f35405-298c-473c-91f2-352ef9a130c9" providerId="ADAL" clId="{AB0BFEC8-14E9-4C61-B10E-456F41DF402E}" dt="2024-05-17T15:36:35.788" v="1911"/>
+          <ac:spMkLst>
+            <pc:docMk/>
+            <pc:sldMk cId="962797789" sldId="6965"/>
+            <ac:spMk id="13" creationId="{C87A96F6-A76F-6516-C907-B707E886FFF4}"/>
+          </ac:spMkLst>
+        </pc:spChg>
+        <pc:spChg chg="add mod">
+          <ac:chgData name="Billy Lin" userId="05f35405-298c-473c-91f2-352ef9a130c9" providerId="ADAL" clId="{AB0BFEC8-14E9-4C61-B10E-456F41DF402E}" dt="2024-05-17T15:36:35.788" v="1911"/>
+          <ac:spMkLst>
+            <pc:docMk/>
+            <pc:sldMk cId="962797789" sldId="6965"/>
+            <ac:spMk id="14" creationId="{081B3D78-9841-EE1B-6AAC-D09C6BF699B2}"/>
+          </ac:spMkLst>
+        </pc:spChg>
+        <pc:spChg chg="add mod">
+          <ac:chgData name="Billy Lin" userId="05f35405-298c-473c-91f2-352ef9a130c9" providerId="ADAL" clId="{AB0BFEC8-14E9-4C61-B10E-456F41DF402E}" dt="2024-05-17T15:36:35.788" v="1911"/>
+          <ac:spMkLst>
+            <pc:docMk/>
+            <pc:sldMk cId="962797789" sldId="6965"/>
+            <ac:spMk id="15" creationId="{53BCFD8E-9532-C859-00CE-F8A969E3F5F3}"/>
+          </ac:spMkLst>
+        </pc:spChg>
+        <pc:spChg chg="add mod">
+          <ac:chgData name="Billy Lin" userId="05f35405-298c-473c-91f2-352ef9a130c9" providerId="ADAL" clId="{AB0BFEC8-14E9-4C61-B10E-456F41DF402E}" dt="2024-05-17T15:36:35.788" v="1911"/>
+          <ac:spMkLst>
+            <pc:docMk/>
+            <pc:sldMk cId="962797789" sldId="6965"/>
+            <ac:spMk id="16" creationId="{636BDD39-9D6C-EBFB-3954-1E7E33968E66}"/>
+          </ac:spMkLst>
+        </pc:spChg>
+        <pc:spChg chg="add mod">
+          <ac:chgData name="Billy Lin" userId="05f35405-298c-473c-91f2-352ef9a130c9" providerId="ADAL" clId="{AB0BFEC8-14E9-4C61-B10E-456F41DF402E}" dt="2024-05-17T15:36:35.788" v="1911"/>
+          <ac:spMkLst>
+            <pc:docMk/>
+            <pc:sldMk cId="962797789" sldId="6965"/>
+            <ac:spMk id="17" creationId="{4652530B-A120-DAF1-6E83-54AA5A834EEF}"/>
+          </ac:spMkLst>
+        </pc:spChg>
+        <pc:spChg chg="add mod">
+          <ac:chgData name="Billy Lin" userId="05f35405-298c-473c-91f2-352ef9a130c9" providerId="ADAL" clId="{AB0BFEC8-14E9-4C61-B10E-456F41DF402E}" dt="2024-05-17T15:36:35.788" v="1911"/>
+          <ac:spMkLst>
+            <pc:docMk/>
+            <pc:sldMk cId="962797789" sldId="6965"/>
+            <ac:spMk id="18" creationId="{A267BB70-66D5-2E04-ACB3-4BEA8EA39BDE}"/>
+          </ac:spMkLst>
+        </pc:spChg>
+        <pc:picChg chg="add mod">
+          <ac:chgData name="Billy Lin" userId="05f35405-298c-473c-91f2-352ef9a130c9" providerId="ADAL" clId="{AB0BFEC8-14E9-4C61-B10E-456F41DF402E}" dt="2024-05-17T15:37:21.136" v="1935"/>
+          <ac:picMkLst>
+            <pc:docMk/>
+            <pc:sldMk cId="962797789" sldId="6965"/>
+            <ac:picMk id="19" creationId="{523D4A98-AC7D-7522-0AB8-67F91868641D}"/>
+          </ac:picMkLst>
+        </pc:picChg>
+        <pc:picChg chg="add mod">
+          <ac:chgData name="Billy Lin" userId="05f35405-298c-473c-91f2-352ef9a130c9" providerId="ADAL" clId="{AB0BFEC8-14E9-4C61-B10E-456F41DF402E}" dt="2024-05-17T15:37:21.136" v="1935"/>
+          <ac:picMkLst>
+            <pc:docMk/>
+            <pc:sldMk cId="962797789" sldId="6965"/>
+            <ac:picMk id="20" creationId="{02385190-AF85-7014-D776-A060D82DD2A6}"/>
+          </ac:picMkLst>
+        </pc:picChg>
+        <pc:picChg chg="add mod">
+          <ac:chgData name="Billy Lin" userId="05f35405-298c-473c-91f2-352ef9a130c9" providerId="ADAL" clId="{AB0BFEC8-14E9-4C61-B10E-456F41DF402E}" dt="2024-05-17T15:37:21.136" v="1935"/>
+          <ac:picMkLst>
+            <pc:docMk/>
+            <pc:sldMk cId="962797789" sldId="6965"/>
+            <ac:picMk id="21" creationId="{B4F302E5-6C4D-04CF-DF68-D216C4E0888F}"/>
+          </ac:picMkLst>
+        </pc:picChg>
         <pc:picChg chg="add del">
           <ac:chgData name="Billy Lin" userId="05f35405-298c-473c-91f2-352ef9a130c9" providerId="ADAL" clId="{AB0BFEC8-14E9-4C61-B10E-456F41DF402E}" dt="2024-05-17T05:38:17.468" v="1793"/>
           <ac:picMkLst>
@@ -2223,6 +2331,54 @@
             <ac:picMk id="1027" creationId="{EBE7F661-ACE5-8DAD-1D42-C3042EBDB001}"/>
           </ac:picMkLst>
         </pc:picChg>
+        <pc:cxnChg chg="add mod">
+          <ac:chgData name="Billy Lin" userId="05f35405-298c-473c-91f2-352ef9a130c9" providerId="ADAL" clId="{AB0BFEC8-14E9-4C61-B10E-456F41DF402E}" dt="2024-05-17T15:36:35.788" v="1911"/>
+          <ac:cxnSpMkLst>
+            <pc:docMk/>
+            <pc:sldMk cId="962797789" sldId="6965"/>
+            <ac:cxnSpMk id="5" creationId="{C147AC7A-4607-6730-2157-465DF138D7F9}"/>
+          </ac:cxnSpMkLst>
+        </pc:cxnChg>
+        <pc:cxnChg chg="add mod">
+          <ac:chgData name="Billy Lin" userId="05f35405-298c-473c-91f2-352ef9a130c9" providerId="ADAL" clId="{AB0BFEC8-14E9-4C61-B10E-456F41DF402E}" dt="2024-05-17T15:36:35.788" v="1911"/>
+          <ac:cxnSpMkLst>
+            <pc:docMk/>
+            <pc:sldMk cId="962797789" sldId="6965"/>
+            <ac:cxnSpMk id="6" creationId="{F527989C-8EED-308A-5CA0-BBC0CF00D988}"/>
+          </ac:cxnSpMkLst>
+        </pc:cxnChg>
+        <pc:cxnChg chg="add mod">
+          <ac:chgData name="Billy Lin" userId="05f35405-298c-473c-91f2-352ef9a130c9" providerId="ADAL" clId="{AB0BFEC8-14E9-4C61-B10E-456F41DF402E}" dt="2024-05-17T15:36:35.788" v="1911"/>
+          <ac:cxnSpMkLst>
+            <pc:docMk/>
+            <pc:sldMk cId="962797789" sldId="6965"/>
+            <ac:cxnSpMk id="7" creationId="{3CA639BB-4979-C17A-B355-8E4D702D97C8}"/>
+          </ac:cxnSpMkLst>
+        </pc:cxnChg>
+        <pc:cxnChg chg="add mod">
+          <ac:chgData name="Billy Lin" userId="05f35405-298c-473c-91f2-352ef9a130c9" providerId="ADAL" clId="{AB0BFEC8-14E9-4C61-B10E-456F41DF402E}" dt="2024-05-17T15:36:35.788" v="1911"/>
+          <ac:cxnSpMkLst>
+            <pc:docMk/>
+            <pc:sldMk cId="962797789" sldId="6965"/>
+            <ac:cxnSpMk id="8" creationId="{973DABD3-5CDB-10ED-DD81-639586C77677}"/>
+          </ac:cxnSpMkLst>
+        </pc:cxnChg>
+        <pc:cxnChg chg="add mod">
+          <ac:chgData name="Billy Lin" userId="05f35405-298c-473c-91f2-352ef9a130c9" providerId="ADAL" clId="{AB0BFEC8-14E9-4C61-B10E-456F41DF402E}" dt="2024-05-17T15:36:35.788" v="1911"/>
+          <ac:cxnSpMkLst>
+            <pc:docMk/>
+            <pc:sldMk cId="962797789" sldId="6965"/>
+            <ac:cxnSpMk id="9" creationId="{483237CA-8BFE-A097-825F-051843630BB6}"/>
+          </ac:cxnSpMkLst>
+        </pc:cxnChg>
+        <pc:cxnChg chg="add mod">
+          <ac:chgData name="Billy Lin" userId="05f35405-298c-473c-91f2-352ef9a130c9" providerId="ADAL" clId="{AB0BFEC8-14E9-4C61-B10E-456F41DF402E}" dt="2024-05-17T15:36:35.788" v="1911"/>
+          <ac:cxnSpMkLst>
+            <pc:docMk/>
+            <pc:sldMk cId="962797789" sldId="6965"/>
+            <ac:cxnSpMk id="10" creationId="{0812EC6F-927D-4DDA-2FD4-34B36465F245}"/>
+          </ac:cxnSpMkLst>
+        </pc:cxnChg>
       </pc:sldChg>
       <pc:sldChg chg="add del">
         <pc:chgData name="Billy Lin" userId="05f35405-298c-473c-91f2-352ef9a130c9" providerId="ADAL" clId="{AB0BFEC8-14E9-4C61-B10E-456F41DF402E}" dt="2024-05-14T05:05:00.516" v="1789" actId="47"/>
@@ -2696,6 +2852,37 @@
           </ac:cxnSpMkLst>
         </pc:cxnChg>
       </pc:sldChg>
+      <pc:sldChg chg="addSp delSp modSp add mod ord">
+        <pc:chgData name="Billy Lin" userId="05f35405-298c-473c-91f2-352ef9a130c9" providerId="ADAL" clId="{AB0BFEC8-14E9-4C61-B10E-456F41DF402E}" dt="2024-05-17T15:53:49.622" v="1995" actId="478"/>
+        <pc:sldMkLst>
+          <pc:docMk/>
+          <pc:sldMk cId="124153823" sldId="6972"/>
+        </pc:sldMkLst>
+        <pc:spChg chg="mod">
+          <ac:chgData name="Billy Lin" userId="05f35405-298c-473c-91f2-352ef9a130c9" providerId="ADAL" clId="{AB0BFEC8-14E9-4C61-B10E-456F41DF402E}" dt="2024-05-17T15:46:54.690" v="1980" actId="20577"/>
+          <ac:spMkLst>
+            <pc:docMk/>
+            <pc:sldMk cId="124153823" sldId="6972"/>
+            <ac:spMk id="2" creationId="{5341C237-6C29-DE8F-6C53-653F228530ED}"/>
+          </ac:spMkLst>
+        </pc:spChg>
+        <pc:picChg chg="add del mod">
+          <ac:chgData name="Billy Lin" userId="05f35405-298c-473c-91f2-352ef9a130c9" providerId="ADAL" clId="{AB0BFEC8-14E9-4C61-B10E-456F41DF402E}" dt="2024-05-17T15:53:49.622" v="1995" actId="478"/>
+          <ac:picMkLst>
+            <pc:docMk/>
+            <pc:sldMk cId="124153823" sldId="6972"/>
+            <ac:picMk id="5" creationId="{3A68B88B-E8CA-5401-F0D2-2503CE0EC00C}"/>
+          </ac:picMkLst>
+        </pc:picChg>
+        <pc:picChg chg="add del mod">
+          <ac:chgData name="Billy Lin" userId="05f35405-298c-473c-91f2-352ef9a130c9" providerId="ADAL" clId="{AB0BFEC8-14E9-4C61-B10E-456F41DF402E}" dt="2024-05-17T15:53:49.118" v="1994" actId="478"/>
+          <ac:picMkLst>
+            <pc:docMk/>
+            <pc:sldMk cId="124153823" sldId="6972"/>
+            <ac:picMk id="6" creationId="{6B8F0F37-43E0-634E-0CF0-B8CEFFEDEAA1}"/>
+          </ac:picMkLst>
+        </pc:picChg>
+      </pc:sldChg>
       <pc:sldChg chg="add del">
         <pc:chgData name="Billy Lin" userId="05f35405-298c-473c-91f2-352ef9a130c9" providerId="ADAL" clId="{AB0BFEC8-14E9-4C61-B10E-456F41DF402E}" dt="2024-05-17T07:16:13.236" v="1897" actId="47"/>
         <pc:sldMkLst>
@@ -2717,6 +2904,67 @@
             <ac:spMk id="2" creationId="{17843A6B-13FB-1562-C25B-ECA9427848C3}"/>
           </ac:spMkLst>
         </pc:spChg>
+      </pc:sldChg>
+      <pc:sldChg chg="delSp modSp add mod ord">
+        <pc:chgData name="Billy Lin" userId="05f35405-298c-473c-91f2-352ef9a130c9" providerId="ADAL" clId="{AB0BFEC8-14E9-4C61-B10E-456F41DF402E}" dt="2024-05-17T15:55:51.087" v="2013" actId="20577"/>
+        <pc:sldMkLst>
+          <pc:docMk/>
+          <pc:sldMk cId="2631381310" sldId="6973"/>
+        </pc:sldMkLst>
+        <pc:spChg chg="mod">
+          <ac:chgData name="Billy Lin" userId="05f35405-298c-473c-91f2-352ef9a130c9" providerId="ADAL" clId="{AB0BFEC8-14E9-4C61-B10E-456F41DF402E}" dt="2024-05-17T15:55:51.087" v="2013" actId="20577"/>
+          <ac:spMkLst>
+            <pc:docMk/>
+            <pc:sldMk cId="2631381310" sldId="6973"/>
+            <ac:spMk id="2" creationId="{5341C237-6C29-DE8F-6C53-653F228530ED}"/>
+          </ac:spMkLst>
+        </pc:spChg>
+        <pc:picChg chg="del">
+          <ac:chgData name="Billy Lin" userId="05f35405-298c-473c-91f2-352ef9a130c9" providerId="ADAL" clId="{AB0BFEC8-14E9-4C61-B10E-456F41DF402E}" dt="2024-05-17T15:47:05.176" v="1987" actId="478"/>
+          <ac:picMkLst>
+            <pc:docMk/>
+            <pc:sldMk cId="2631381310" sldId="6973"/>
+            <ac:picMk id="5" creationId="{3A68B88B-E8CA-5401-F0D2-2503CE0EC00C}"/>
+          </ac:picMkLst>
+        </pc:picChg>
+        <pc:picChg chg="del">
+          <ac:chgData name="Billy Lin" userId="05f35405-298c-473c-91f2-352ef9a130c9" providerId="ADAL" clId="{AB0BFEC8-14E9-4C61-B10E-456F41DF402E}" dt="2024-05-17T15:47:05.176" v="1987" actId="478"/>
+          <ac:picMkLst>
+            <pc:docMk/>
+            <pc:sldMk cId="2631381310" sldId="6973"/>
+            <ac:picMk id="6" creationId="{6B8F0F37-43E0-634E-0CF0-B8CEFFEDEAA1}"/>
+          </ac:picMkLst>
+        </pc:picChg>
+      </pc:sldChg>
+      <pc:sldChg chg="delSp add mod">
+        <pc:chgData name="Billy Lin" userId="05f35405-298c-473c-91f2-352ef9a130c9" providerId="ADAL" clId="{AB0BFEC8-14E9-4C61-B10E-456F41DF402E}" dt="2024-05-17T15:49:14.571" v="1993" actId="478"/>
+        <pc:sldMkLst>
+          <pc:docMk/>
+          <pc:sldMk cId="3736139539" sldId="6974"/>
+        </pc:sldMkLst>
+        <pc:picChg chg="del">
+          <ac:chgData name="Billy Lin" userId="05f35405-298c-473c-91f2-352ef9a130c9" providerId="ADAL" clId="{AB0BFEC8-14E9-4C61-B10E-456F41DF402E}" dt="2024-05-17T15:49:14.571" v="1993" actId="478"/>
+          <ac:picMkLst>
+            <pc:docMk/>
+            <pc:sldMk cId="3736139539" sldId="6974"/>
+            <ac:picMk id="5" creationId="{3A68B88B-E8CA-5401-F0D2-2503CE0EC00C}"/>
+          </ac:picMkLst>
+        </pc:picChg>
+        <pc:picChg chg="del">
+          <ac:chgData name="Billy Lin" userId="05f35405-298c-473c-91f2-352ef9a130c9" providerId="ADAL" clId="{AB0BFEC8-14E9-4C61-B10E-456F41DF402E}" dt="2024-05-17T15:49:14.571" v="1993" actId="478"/>
+          <ac:picMkLst>
+            <pc:docMk/>
+            <pc:sldMk cId="3736139539" sldId="6974"/>
+            <ac:picMk id="6" creationId="{6B8F0F37-43E0-634E-0CF0-B8CEFFEDEAA1}"/>
+          </ac:picMkLst>
+        </pc:picChg>
+      </pc:sldChg>
+      <pc:sldChg chg="add">
+        <pc:chgData name="Billy Lin" userId="05f35405-298c-473c-91f2-352ef9a130c9" providerId="ADAL" clId="{AB0BFEC8-14E9-4C61-B10E-456F41DF402E}" dt="2024-05-17T15:55:45.053" v="1996"/>
+        <pc:sldMkLst>
+          <pc:docMk/>
+          <pc:sldMk cId="2768999792" sldId="6975"/>
+        </pc:sldMkLst>
       </pc:sldChg>
     </pc:docChg>
   </pc:docChgLst>
@@ -5479,7 +5727,7 @@
           <p:cNvPr id="2" name="Title 1">
             <a:extLst>
               <a:ext uri="{FF2B5EF4-FFF2-40B4-BE49-F238E27FC236}">
-                <a16:creationId xmlns:a16="http://schemas.microsoft.com/office/drawing/2014/main" id="{1C08BF58-57AE-0C57-36BF-BB25DD3D68FE}"/>
+                <a16:creationId xmlns:a16="http://schemas.microsoft.com/office/drawing/2014/main" id="{63B19FFD-555C-673A-82D5-1766F95D704A}"/>
               </a:ext>
             </a:extLst>
           </p:cNvPr>
@@ -5496,13 +5744,34 @@
           <a:lstStyle/>
           <a:p>
             <a:r>
-              <a:rPr lang="en-US" dirty="0" err="1"/>
-              <a:t>sva</a:t>
-            </a:r>
-            <a:r>
               <a:rPr lang="en-US" dirty="0"/>
-              <a:t> introduction</a:t>
-            </a:r>
+              <a:t>lab32</a:t>
+            </a:r>
+          </a:p>
+        </p:txBody>
+      </p:sp>
+      <p:sp>
+        <p:nvSpPr>
+          <p:cNvPr id="3" name="Content Placeholder 2">
+            <a:extLst>
+              <a:ext uri="{FF2B5EF4-FFF2-40B4-BE49-F238E27FC236}">
+                <a16:creationId xmlns:a16="http://schemas.microsoft.com/office/drawing/2014/main" id="{130DB93F-F47C-DCC6-06F8-F6FC5C92DD64}"/>
+              </a:ext>
+            </a:extLst>
+          </p:cNvPr>
+          <p:cNvSpPr>
+            <a:spLocks noGrp="1"/>
+          </p:cNvSpPr>
+          <p:nvPr>
+            <p:ph idx="1"/>
+          </p:nvPr>
+        </p:nvSpPr>
+        <p:spPr/>
+        <p:txBody>
+          <a:bodyPr/>
+          <a:lstStyle/>
+          <a:p>
+            <a:endParaRPr lang="en-US" dirty="0"/>
           </a:p>
         </p:txBody>
       </p:sp>
@@ -5511,7 +5780,7 @@
           <p:cNvPr id="4" name="Slide Number Placeholder 3">
             <a:extLst>
               <a:ext uri="{FF2B5EF4-FFF2-40B4-BE49-F238E27FC236}">
-                <a16:creationId xmlns:a16="http://schemas.microsoft.com/office/drawing/2014/main" id="{8A358433-B0C5-F453-B142-756FF1298CDE}"/>
+                <a16:creationId xmlns:a16="http://schemas.microsoft.com/office/drawing/2014/main" id="{C80EE293-8908-07B8-DC7E-60356F1A1147}"/>
               </a:ext>
             </a:extLst>
           </p:cNvPr>
@@ -5530,6 +5799,1520 @@
             <a:fld id="{8A2B06E4-34D2-4DD4-ABFF-9F74AC2B18B5}" type="slidenum">
               <a:rPr lang="en-US" smtClean="0"/>
               <a:t>10</a:t>
+            </a:fld>
+            <a:endParaRPr lang="en-US" dirty="0"/>
+          </a:p>
+        </p:txBody>
+      </p:sp>
+      <p:pic>
+        <p:nvPicPr>
+          <p:cNvPr id="6" name="Picture 5">
+            <a:extLst>
+              <a:ext uri="{FF2B5EF4-FFF2-40B4-BE49-F238E27FC236}">
+                <a16:creationId xmlns:a16="http://schemas.microsoft.com/office/drawing/2014/main" id="{5563B1BF-3238-128B-35AD-8D12EC4BF930}"/>
+              </a:ext>
+            </a:extLst>
+          </p:cNvPr>
+          <p:cNvPicPr>
+            <a:picLocks noChangeAspect="1"/>
+          </p:cNvPicPr>
+          <p:nvPr/>
+        </p:nvPicPr>
+        <p:blipFill>
+          <a:blip r:embed="rId2"/>
+          <a:stretch>
+            <a:fillRect/>
+          </a:stretch>
+        </p:blipFill>
+        <p:spPr>
+          <a:xfrm>
+            <a:off x="505260" y="1685867"/>
+            <a:ext cx="5020376" cy="1600423"/>
+          </a:xfrm>
+          <a:prstGeom prst="rect">
+            <a:avLst/>
+          </a:prstGeom>
+        </p:spPr>
+      </p:pic>
+      <p:sp>
+        <p:nvSpPr>
+          <p:cNvPr id="9" name="Oval 8">
+            <a:extLst>
+              <a:ext uri="{FF2B5EF4-FFF2-40B4-BE49-F238E27FC236}">
+                <a16:creationId xmlns:a16="http://schemas.microsoft.com/office/drawing/2014/main" id="{AF9E5066-1D5F-8E3B-C9D0-3F0ACA163F39}"/>
+              </a:ext>
+            </a:extLst>
+          </p:cNvPr>
+          <p:cNvSpPr/>
+          <p:nvPr/>
+        </p:nvSpPr>
+        <p:spPr>
+          <a:xfrm>
+            <a:off x="6893167" y="1620296"/>
+            <a:ext cx="4863403" cy="3617407"/>
+          </a:xfrm>
+          <a:prstGeom prst="ellipse">
+            <a:avLst/>
+          </a:prstGeom>
+          <a:solidFill>
+            <a:schemeClr val="accent1"/>
+          </a:solidFill>
+          <a:ln>
+            <a:noFill/>
+          </a:ln>
+        </p:spPr>
+        <p:style>
+          <a:lnRef idx="2">
+            <a:schemeClr val="accent1">
+              <a:shade val="50000"/>
+            </a:schemeClr>
+          </a:lnRef>
+          <a:fillRef idx="1">
+            <a:schemeClr val="accent1"/>
+          </a:fillRef>
+          <a:effectRef idx="0">
+            <a:schemeClr val="accent1"/>
+          </a:effectRef>
+          <a:fontRef idx="minor">
+            <a:schemeClr val="lt1"/>
+          </a:fontRef>
+        </p:style>
+        <p:txBody>
+          <a:bodyPr rtlCol="0" anchor="t"/>
+          <a:lstStyle/>
+          <a:p>
+            <a:pPr algn="ctr"/>
+            <a:r>
+              <a:rPr lang="en-US" dirty="0"/>
+              <a:t>[=</a:t>
+            </a:r>
+          </a:p>
+        </p:txBody>
+      </p:sp>
+      <p:sp>
+        <p:nvSpPr>
+          <p:cNvPr id="10" name="Oval 9">
+            <a:extLst>
+              <a:ext uri="{FF2B5EF4-FFF2-40B4-BE49-F238E27FC236}">
+                <a16:creationId xmlns:a16="http://schemas.microsoft.com/office/drawing/2014/main" id="{03F26726-0628-D3E4-E2A0-03837D725BFE}"/>
+              </a:ext>
+            </a:extLst>
+          </p:cNvPr>
+          <p:cNvSpPr/>
+          <p:nvPr/>
+        </p:nvSpPr>
+        <p:spPr>
+          <a:xfrm>
+            <a:off x="7988436" y="2795953"/>
+            <a:ext cx="2863782" cy="2240782"/>
+          </a:xfrm>
+          <a:prstGeom prst="ellipse">
+            <a:avLst/>
+          </a:prstGeom>
+          <a:solidFill>
+            <a:srgbClr val="002060"/>
+          </a:solidFill>
+          <a:ln>
+            <a:noFill/>
+          </a:ln>
+        </p:spPr>
+        <p:style>
+          <a:lnRef idx="2">
+            <a:schemeClr val="accent1">
+              <a:shade val="50000"/>
+            </a:schemeClr>
+          </a:lnRef>
+          <a:fillRef idx="1">
+            <a:schemeClr val="accent1"/>
+          </a:fillRef>
+          <a:effectRef idx="0">
+            <a:schemeClr val="accent1"/>
+          </a:effectRef>
+          <a:fontRef idx="minor">
+            <a:schemeClr val="lt1"/>
+          </a:fontRef>
+        </p:style>
+        <p:txBody>
+          <a:bodyPr rtlCol="0" anchor="t"/>
+          <a:lstStyle/>
+          <a:p>
+            <a:pPr algn="ctr"/>
+            <a:r>
+              <a:rPr lang="en-US" dirty="0"/>
+              <a:t>[-&gt;</a:t>
+            </a:r>
+          </a:p>
+        </p:txBody>
+      </p:sp>
+      <p:sp>
+        <p:nvSpPr>
+          <p:cNvPr id="11" name="Oval 10">
+            <a:extLst>
+              <a:ext uri="{FF2B5EF4-FFF2-40B4-BE49-F238E27FC236}">
+                <a16:creationId xmlns:a16="http://schemas.microsoft.com/office/drawing/2014/main" id="{46DACBFB-C729-6070-4BF3-1E8C351962C1}"/>
+              </a:ext>
+            </a:extLst>
+          </p:cNvPr>
+          <p:cNvSpPr/>
+          <p:nvPr/>
+        </p:nvSpPr>
+        <p:spPr>
+          <a:xfrm>
+            <a:off x="8603059" y="3694881"/>
+            <a:ext cx="1634535" cy="1125415"/>
+          </a:xfrm>
+          <a:prstGeom prst="ellipse">
+            <a:avLst/>
+          </a:prstGeom>
+          <a:solidFill>
+            <a:srgbClr val="00B050"/>
+          </a:solidFill>
+          <a:ln>
+            <a:noFill/>
+          </a:ln>
+        </p:spPr>
+        <p:style>
+          <a:lnRef idx="2">
+            <a:schemeClr val="accent1">
+              <a:shade val="50000"/>
+            </a:schemeClr>
+          </a:lnRef>
+          <a:fillRef idx="1">
+            <a:schemeClr val="accent1"/>
+          </a:fillRef>
+          <a:effectRef idx="0">
+            <a:schemeClr val="accent1"/>
+          </a:effectRef>
+          <a:fontRef idx="minor">
+            <a:schemeClr val="lt1"/>
+          </a:fontRef>
+        </p:style>
+        <p:txBody>
+          <a:bodyPr rtlCol="0" anchor="t"/>
+          <a:lstStyle/>
+          <a:p>
+            <a:pPr algn="ctr"/>
+            <a:r>
+              <a:rPr lang="en-US" dirty="0"/>
+              <a:t>[*</a:t>
+            </a:r>
+          </a:p>
+        </p:txBody>
+      </p:sp>
+      <p:sp>
+        <p:nvSpPr>
+          <p:cNvPr id="12" name="Content Placeholder 3">
+            <a:extLst>
+              <a:ext uri="{FF2B5EF4-FFF2-40B4-BE49-F238E27FC236}">
+                <a16:creationId xmlns:a16="http://schemas.microsoft.com/office/drawing/2014/main" id="{667666CE-8CD4-01C0-2D39-30B27ABCE34E}"/>
+              </a:ext>
+            </a:extLst>
+          </p:cNvPr>
+          <p:cNvSpPr txBox="1">
+            <a:spLocks/>
+          </p:cNvSpPr>
+          <p:nvPr/>
+        </p:nvSpPr>
+        <p:spPr>
+          <a:xfrm>
+            <a:off x="2473990" y="3998630"/>
+            <a:ext cx="5649687" cy="2937913"/>
+          </a:xfrm>
+          <a:prstGeom prst="rect">
+            <a:avLst/>
+          </a:prstGeom>
+        </p:spPr>
+        <p:txBody>
+          <a:bodyPr/>
+          <a:lstStyle>
+            <a:lvl1pPr marL="228600" indent="-228600" algn="l" defTabSz="914400" rtl="0" eaLnBrk="1" latinLnBrk="0" hangingPunct="1">
+              <a:lnSpc>
+                <a:spcPct val="90000"/>
+              </a:lnSpc>
+              <a:spcBef>
+                <a:spcPts val="1000"/>
+              </a:spcBef>
+              <a:buFont typeface="Arial" panose="020B0604020202020204" pitchFamily="34" charset="0"/>
+              <a:buChar char="•"/>
+              <a:defRPr sz="1400" kern="1200">
+                <a:solidFill>
+                  <a:schemeClr val="tx1"/>
+                </a:solidFill>
+                <a:latin typeface="+mn-lt"/>
+                <a:ea typeface="+mn-ea"/>
+                <a:cs typeface="+mn-cs"/>
+              </a:defRPr>
+            </a:lvl1pPr>
+            <a:lvl2pPr marL="685800" indent="-228600" algn="l" defTabSz="914400" rtl="0" eaLnBrk="1" latinLnBrk="0" hangingPunct="1">
+              <a:lnSpc>
+                <a:spcPct val="90000"/>
+              </a:lnSpc>
+              <a:spcBef>
+                <a:spcPts val="500"/>
+              </a:spcBef>
+              <a:buFont typeface="Arial" panose="020B0604020202020204" pitchFamily="34" charset="0"/>
+              <a:buChar char="•"/>
+              <a:defRPr sz="1200" kern="1200">
+                <a:solidFill>
+                  <a:schemeClr val="tx1"/>
+                </a:solidFill>
+                <a:latin typeface="+mn-lt"/>
+                <a:ea typeface="+mn-ea"/>
+                <a:cs typeface="+mn-cs"/>
+              </a:defRPr>
+            </a:lvl2pPr>
+            <a:lvl3pPr marL="1143000" indent="-228600" algn="l" defTabSz="914400" rtl="0" eaLnBrk="1" latinLnBrk="0" hangingPunct="1">
+              <a:lnSpc>
+                <a:spcPct val="90000"/>
+              </a:lnSpc>
+              <a:spcBef>
+                <a:spcPts val="500"/>
+              </a:spcBef>
+              <a:buFont typeface="Arial" panose="020B0604020202020204" pitchFamily="34" charset="0"/>
+              <a:buChar char="•"/>
+              <a:defRPr sz="1200" kern="1200">
+                <a:solidFill>
+                  <a:schemeClr val="tx1"/>
+                </a:solidFill>
+                <a:latin typeface="+mn-lt"/>
+                <a:ea typeface="+mn-ea"/>
+                <a:cs typeface="+mn-cs"/>
+              </a:defRPr>
+            </a:lvl3pPr>
+            <a:lvl4pPr marL="1600200" indent="-228600" algn="l" defTabSz="914400" rtl="0" eaLnBrk="1" latinLnBrk="0" hangingPunct="1">
+              <a:lnSpc>
+                <a:spcPct val="90000"/>
+              </a:lnSpc>
+              <a:spcBef>
+                <a:spcPts val="500"/>
+              </a:spcBef>
+              <a:buFont typeface="Arial" panose="020B0604020202020204" pitchFamily="34" charset="0"/>
+              <a:buChar char="•"/>
+              <a:defRPr sz="1200" kern="1200">
+                <a:solidFill>
+                  <a:schemeClr val="tx1"/>
+                </a:solidFill>
+                <a:latin typeface="+mn-lt"/>
+                <a:ea typeface="+mn-ea"/>
+                <a:cs typeface="+mn-cs"/>
+              </a:defRPr>
+            </a:lvl4pPr>
+            <a:lvl5pPr marL="2057400" indent="-228600" algn="l" defTabSz="914400" rtl="0" eaLnBrk="1" latinLnBrk="0" hangingPunct="1">
+              <a:lnSpc>
+                <a:spcPct val="90000"/>
+              </a:lnSpc>
+              <a:spcBef>
+                <a:spcPts val="500"/>
+              </a:spcBef>
+              <a:buFont typeface="Arial" panose="020B0604020202020204" pitchFamily="34" charset="0"/>
+              <a:buChar char="•"/>
+              <a:defRPr sz="1200" kern="1200">
+                <a:solidFill>
+                  <a:schemeClr val="tx1"/>
+                </a:solidFill>
+                <a:latin typeface="+mn-lt"/>
+                <a:ea typeface="+mn-ea"/>
+                <a:cs typeface="+mn-cs"/>
+              </a:defRPr>
+            </a:lvl5pPr>
+            <a:lvl6pPr marL="2514600" indent="-228600" algn="l" defTabSz="914400" rtl="0" eaLnBrk="1" latinLnBrk="0" hangingPunct="1">
+              <a:lnSpc>
+                <a:spcPct val="90000"/>
+              </a:lnSpc>
+              <a:spcBef>
+                <a:spcPts val="500"/>
+              </a:spcBef>
+              <a:buFont typeface="Arial" panose="020B0604020202020204" pitchFamily="34" charset="0"/>
+              <a:buChar char="•"/>
+              <a:defRPr sz="1800" kern="1200">
+                <a:solidFill>
+                  <a:schemeClr val="tx1"/>
+                </a:solidFill>
+                <a:latin typeface="+mn-lt"/>
+                <a:ea typeface="+mn-ea"/>
+                <a:cs typeface="+mn-cs"/>
+              </a:defRPr>
+            </a:lvl6pPr>
+            <a:lvl7pPr marL="2971800" indent="-228600" algn="l" defTabSz="914400" rtl="0" eaLnBrk="1" latinLnBrk="0" hangingPunct="1">
+              <a:lnSpc>
+                <a:spcPct val="90000"/>
+              </a:lnSpc>
+              <a:spcBef>
+                <a:spcPts val="500"/>
+              </a:spcBef>
+              <a:buFont typeface="Arial" panose="020B0604020202020204" pitchFamily="34" charset="0"/>
+              <a:buChar char="•"/>
+              <a:defRPr sz="1800" kern="1200">
+                <a:solidFill>
+                  <a:schemeClr val="tx1"/>
+                </a:solidFill>
+                <a:latin typeface="+mn-lt"/>
+                <a:ea typeface="+mn-ea"/>
+                <a:cs typeface="+mn-cs"/>
+              </a:defRPr>
+            </a:lvl7pPr>
+            <a:lvl8pPr marL="3429000" indent="-228600" algn="l" defTabSz="914400" rtl="0" eaLnBrk="1" latinLnBrk="0" hangingPunct="1">
+              <a:lnSpc>
+                <a:spcPct val="90000"/>
+              </a:lnSpc>
+              <a:spcBef>
+                <a:spcPts val="500"/>
+              </a:spcBef>
+              <a:buFont typeface="Arial" panose="020B0604020202020204" pitchFamily="34" charset="0"/>
+              <a:buChar char="•"/>
+              <a:defRPr sz="1800" kern="1200">
+                <a:solidFill>
+                  <a:schemeClr val="tx1"/>
+                </a:solidFill>
+                <a:latin typeface="+mn-lt"/>
+                <a:ea typeface="+mn-ea"/>
+                <a:cs typeface="+mn-cs"/>
+              </a:defRPr>
+            </a:lvl8pPr>
+            <a:lvl9pPr marL="3886200" indent="-228600" algn="l" defTabSz="914400" rtl="0" eaLnBrk="1" latinLnBrk="0" hangingPunct="1">
+              <a:lnSpc>
+                <a:spcPct val="90000"/>
+              </a:lnSpc>
+              <a:spcBef>
+                <a:spcPts val="500"/>
+              </a:spcBef>
+              <a:buFont typeface="Arial" panose="020B0604020202020204" pitchFamily="34" charset="0"/>
+              <a:buChar char="•"/>
+              <a:defRPr sz="1800" kern="1200">
+                <a:solidFill>
+                  <a:schemeClr val="tx1"/>
+                </a:solidFill>
+                <a:latin typeface="+mn-lt"/>
+                <a:ea typeface="+mn-ea"/>
+                <a:cs typeface="+mn-cs"/>
+              </a:defRPr>
+            </a:lvl9pPr>
+          </a:lstStyle>
+          <a:p>
+            <a:r>
+              <a:rPr lang="en-US"/>
+              <a:t>consecutive repetition</a:t>
+            </a:r>
+          </a:p>
+          <a:p>
+            <a:pPr lvl="1"/>
+            <a:r>
+              <a:rPr lang="en-US"/>
+              <a:t>easy to cause assertion fail, the most strict</a:t>
+            </a:r>
+          </a:p>
+          <a:p>
+            <a:pPr lvl="1"/>
+            <a:r>
+              <a:rPr lang="en-US"/>
+              <a:t>[*</a:t>
+            </a:r>
+          </a:p>
+          <a:p>
+            <a:r>
+              <a:rPr lang="en-US"/>
+              <a:t>go-to repetition</a:t>
+            </a:r>
+          </a:p>
+          <a:p>
+            <a:pPr lvl="1"/>
+            <a:r>
+              <a:rPr lang="en-US"/>
+              <a:t>[-&gt;</a:t>
+            </a:r>
+          </a:p>
+          <a:p>
+            <a:r>
+              <a:rPr lang="en-US"/>
+              <a:t>non-consecutive repetition</a:t>
+            </a:r>
+          </a:p>
+          <a:p>
+            <a:pPr lvl="1"/>
+            <a:r>
+              <a:rPr lang="en-US"/>
+              <a:t>[=</a:t>
+            </a:r>
+            <a:endParaRPr lang="en-US" dirty="0"/>
+          </a:p>
+        </p:txBody>
+      </p:sp>
+    </p:spTree>
+    <p:extLst>
+      <p:ext uri="{BB962C8B-B14F-4D97-AF65-F5344CB8AC3E}">
+        <p14:creationId xmlns:p14="http://schemas.microsoft.com/office/powerpoint/2010/main" val="1378476422"/>
+      </p:ext>
+    </p:extLst>
+  </p:cSld>
+  <p:clrMapOvr>
+    <a:masterClrMapping/>
+  </p:clrMapOvr>
+</p:sld>
+</file>
+
+<file path=ppt/slides/slide11.xml><?xml version="1.0" encoding="utf-8"?>
+<p:sld xmlns:a="http://schemas.openxmlformats.org/drawingml/2006/main" xmlns:r="http://schemas.openxmlformats.org/officeDocument/2006/relationships" xmlns:p="http://schemas.openxmlformats.org/presentationml/2006/main">
+  <p:cSld>
+    <p:spTree>
+      <p:nvGrpSpPr>
+        <p:cNvPr id="1" name=""/>
+        <p:cNvGrpSpPr/>
+        <p:nvPr/>
+      </p:nvGrpSpPr>
+      <p:grpSpPr>
+        <a:xfrm>
+          <a:off x="0" y="0"/>
+          <a:ext cx="0" cy="0"/>
+          <a:chOff x="0" y="0"/>
+          <a:chExt cx="0" cy="0"/>
+        </a:xfrm>
+      </p:grpSpPr>
+      <p:sp>
+        <p:nvSpPr>
+          <p:cNvPr id="2" name="Title 1">
+            <a:extLst>
+              <a:ext uri="{FF2B5EF4-FFF2-40B4-BE49-F238E27FC236}">
+                <a16:creationId xmlns:a16="http://schemas.microsoft.com/office/drawing/2014/main" id="{63B19FFD-555C-673A-82D5-1766F95D704A}"/>
+              </a:ext>
+            </a:extLst>
+          </p:cNvPr>
+          <p:cNvSpPr>
+            <a:spLocks noGrp="1"/>
+          </p:cNvSpPr>
+          <p:nvPr>
+            <p:ph type="title"/>
+          </p:nvPr>
+        </p:nvSpPr>
+        <p:spPr/>
+        <p:txBody>
+          <a:bodyPr/>
+          <a:lstStyle/>
+          <a:p>
+            <a:r>
+              <a:rPr lang="en-US" dirty="0"/>
+              <a:t>lab31</a:t>
+            </a:r>
+          </a:p>
+        </p:txBody>
+      </p:sp>
+      <p:sp>
+        <p:nvSpPr>
+          <p:cNvPr id="4" name="Slide Number Placeholder 3">
+            <a:extLst>
+              <a:ext uri="{FF2B5EF4-FFF2-40B4-BE49-F238E27FC236}">
+                <a16:creationId xmlns:a16="http://schemas.microsoft.com/office/drawing/2014/main" id="{C80EE293-8908-07B8-DC7E-60356F1A1147}"/>
+              </a:ext>
+            </a:extLst>
+          </p:cNvPr>
+          <p:cNvSpPr>
+            <a:spLocks noGrp="1"/>
+          </p:cNvSpPr>
+          <p:nvPr>
+            <p:ph type="sldNum" sz="quarter" idx="12"/>
+          </p:nvPr>
+        </p:nvSpPr>
+        <p:spPr/>
+        <p:txBody>
+          <a:bodyPr/>
+          <a:lstStyle/>
+          <a:p>
+            <a:fld id="{8A2B06E4-34D2-4DD4-ABFF-9F74AC2B18B5}" type="slidenum">
+              <a:rPr lang="en-US" smtClean="0"/>
+              <a:t>11</a:t>
+            </a:fld>
+            <a:endParaRPr lang="en-US" dirty="0"/>
+          </a:p>
+        </p:txBody>
+      </p:sp>
+      <p:pic>
+        <p:nvPicPr>
+          <p:cNvPr id="7" name="Picture 6">
+            <a:extLst>
+              <a:ext uri="{FF2B5EF4-FFF2-40B4-BE49-F238E27FC236}">
+                <a16:creationId xmlns:a16="http://schemas.microsoft.com/office/drawing/2014/main" id="{E30A83F5-FA20-BC5A-8301-F69C543DE419}"/>
+              </a:ext>
+            </a:extLst>
+          </p:cNvPr>
+          <p:cNvPicPr>
+            <a:picLocks noChangeAspect="1"/>
+          </p:cNvPicPr>
+          <p:nvPr/>
+        </p:nvPicPr>
+        <p:blipFill>
+          <a:blip r:embed="rId2"/>
+          <a:stretch>
+            <a:fillRect/>
+          </a:stretch>
+        </p:blipFill>
+        <p:spPr>
+          <a:xfrm>
+            <a:off x="574242" y="1588593"/>
+            <a:ext cx="3113503" cy="1528574"/>
+          </a:xfrm>
+          <a:prstGeom prst="rect">
+            <a:avLst/>
+          </a:prstGeom>
+        </p:spPr>
+      </p:pic>
+      <p:pic>
+        <p:nvPicPr>
+          <p:cNvPr id="8" name="Picture 7">
+            <a:extLst>
+              <a:ext uri="{FF2B5EF4-FFF2-40B4-BE49-F238E27FC236}">
+                <a16:creationId xmlns:a16="http://schemas.microsoft.com/office/drawing/2014/main" id="{CC38D81E-B90C-2924-1F11-CA31246B8788}"/>
+              </a:ext>
+            </a:extLst>
+          </p:cNvPr>
+          <p:cNvPicPr>
+            <a:picLocks noChangeAspect="1"/>
+          </p:cNvPicPr>
+          <p:nvPr/>
+        </p:nvPicPr>
+        <p:blipFill>
+          <a:blip r:embed="rId3"/>
+          <a:stretch>
+            <a:fillRect/>
+          </a:stretch>
+        </p:blipFill>
+        <p:spPr>
+          <a:xfrm>
+            <a:off x="652939" y="3297277"/>
+            <a:ext cx="7305355" cy="2099509"/>
+          </a:xfrm>
+          <a:prstGeom prst="rect">
+            <a:avLst/>
+          </a:prstGeom>
+        </p:spPr>
+      </p:pic>
+      <p:cxnSp>
+        <p:nvCxnSpPr>
+          <p:cNvPr id="9" name="Straight Arrow Connector 8">
+            <a:extLst>
+              <a:ext uri="{FF2B5EF4-FFF2-40B4-BE49-F238E27FC236}">
+                <a16:creationId xmlns:a16="http://schemas.microsoft.com/office/drawing/2014/main" id="{D6E0BCED-6F6F-D936-E2B5-CEC98D50D81D}"/>
+              </a:ext>
+            </a:extLst>
+          </p:cNvPr>
+          <p:cNvCxnSpPr/>
+          <p:nvPr/>
+        </p:nvCxnSpPr>
+        <p:spPr>
+          <a:xfrm>
+            <a:off x="3687745" y="2084301"/>
+            <a:ext cx="1416035" cy="0"/>
+          </a:xfrm>
+          <a:prstGeom prst="straightConnector1">
+            <a:avLst/>
+          </a:prstGeom>
+          <a:ln w="28575">
+            <a:tailEnd type="triangle"/>
+          </a:ln>
+        </p:spPr>
+        <p:style>
+          <a:lnRef idx="1">
+            <a:schemeClr val="accent6"/>
+          </a:lnRef>
+          <a:fillRef idx="0">
+            <a:schemeClr val="accent6"/>
+          </a:fillRef>
+          <a:effectRef idx="0">
+            <a:schemeClr val="accent6"/>
+          </a:effectRef>
+          <a:fontRef idx="minor">
+            <a:schemeClr val="tx1"/>
+          </a:fontRef>
+        </p:style>
+      </p:cxnSp>
+      <p:sp>
+        <p:nvSpPr>
+          <p:cNvPr id="10" name="Content Placeholder 5">
+            <a:extLst>
+              <a:ext uri="{FF2B5EF4-FFF2-40B4-BE49-F238E27FC236}">
+                <a16:creationId xmlns:a16="http://schemas.microsoft.com/office/drawing/2014/main" id="{589107BB-E2C0-CFBD-7B24-90E4256567B7}"/>
+              </a:ext>
+            </a:extLst>
+          </p:cNvPr>
+          <p:cNvSpPr txBox="1">
+            <a:spLocks/>
+          </p:cNvSpPr>
+          <p:nvPr/>
+        </p:nvSpPr>
+        <p:spPr>
+          <a:xfrm>
+            <a:off x="5133450" y="1885648"/>
+            <a:ext cx="5649687" cy="910984"/>
+          </a:xfrm>
+          <a:prstGeom prst="rect">
+            <a:avLst/>
+          </a:prstGeom>
+        </p:spPr>
+        <p:txBody>
+          <a:bodyPr vert="horz" lIns="0" tIns="45720" rIns="91440" bIns="45720" rtlCol="0">
+            <a:noAutofit/>
+          </a:bodyPr>
+          <a:lstStyle>
+            <a:lvl1pPr marL="346075" indent="-288925" algn="l" defTabSz="914400" rtl="0" eaLnBrk="1" latinLnBrk="0" hangingPunct="1">
+              <a:lnSpc>
+                <a:spcPct val="90000"/>
+              </a:lnSpc>
+              <a:spcBef>
+                <a:spcPts val="1600"/>
+              </a:spcBef>
+              <a:spcAft>
+                <a:spcPts val="200"/>
+              </a:spcAft>
+              <a:buClr>
+                <a:schemeClr val="tx2"/>
+              </a:buClr>
+              <a:buSzPct val="100000"/>
+              <a:buFont typeface="Arial" panose="020B0604020202020204" pitchFamily="34" charset="0"/>
+              <a:buChar char="•"/>
+              <a:tabLst/>
+              <a:defRPr lang="en-US" sz="2000" kern="1200" dirty="0">
+                <a:solidFill>
+                  <a:schemeClr val="tx1"/>
+                </a:solidFill>
+                <a:latin typeface="Arial" panose="020B0604020202020204" pitchFamily="34" charset="0"/>
+                <a:ea typeface="+mn-ea"/>
+                <a:cs typeface="+mn-cs"/>
+              </a:defRPr>
+            </a:lvl1pPr>
+            <a:lvl2pPr marL="738188" indent="-280988" algn="l" defTabSz="914400" rtl="0" eaLnBrk="1" latinLnBrk="0" hangingPunct="1">
+              <a:lnSpc>
+                <a:spcPct val="90000"/>
+              </a:lnSpc>
+              <a:spcBef>
+                <a:spcPts val="300"/>
+              </a:spcBef>
+              <a:spcAft>
+                <a:spcPts val="600"/>
+              </a:spcAft>
+              <a:buClr>
+                <a:schemeClr val="tx2"/>
+              </a:buClr>
+              <a:buSzPct val="60000"/>
+              <a:buFont typeface="Courier New" panose="02070309020205020404" pitchFamily="49" charset="0"/>
+              <a:buChar char="o"/>
+              <a:tabLst/>
+              <a:defRPr lang="en-US" sz="1600" kern="1200" dirty="0">
+                <a:solidFill>
+                  <a:schemeClr val="tx1"/>
+                </a:solidFill>
+                <a:latin typeface="Arial" panose="020B0604020202020204" pitchFamily="34" charset="0"/>
+                <a:ea typeface="+mn-ea"/>
+                <a:cs typeface="+mn-cs"/>
+              </a:defRPr>
+            </a:lvl2pPr>
+            <a:lvl3pPr marL="1200150" indent="-285750" algn="l" defTabSz="914400" rtl="0" eaLnBrk="1" latinLnBrk="0" hangingPunct="1">
+              <a:lnSpc>
+                <a:spcPct val="90000"/>
+              </a:lnSpc>
+              <a:spcBef>
+                <a:spcPts val="300"/>
+              </a:spcBef>
+              <a:spcAft>
+                <a:spcPts val="500"/>
+              </a:spcAft>
+              <a:buClr>
+                <a:schemeClr val="tx2"/>
+              </a:buClr>
+              <a:buSzPct val="100000"/>
+              <a:buFont typeface="Rubik Light" panose="00000400000000000000" pitchFamily="2" charset="-79"/>
+              <a:buChar char="–"/>
+              <a:tabLst/>
+              <a:defRPr lang="en-US" sz="1200" kern="1200" dirty="0">
+                <a:solidFill>
+                  <a:schemeClr val="tx1"/>
+                </a:solidFill>
+                <a:latin typeface="Arial" panose="020B0604020202020204" pitchFamily="34" charset="0"/>
+                <a:ea typeface="+mn-ea"/>
+                <a:cs typeface="+mn-cs"/>
+              </a:defRPr>
+            </a:lvl3pPr>
+            <a:lvl4pPr marL="1652588" indent="-280988" algn="l" defTabSz="914400" rtl="0" eaLnBrk="1" latinLnBrk="0" hangingPunct="1">
+              <a:lnSpc>
+                <a:spcPct val="90000"/>
+              </a:lnSpc>
+              <a:spcBef>
+                <a:spcPts val="500"/>
+              </a:spcBef>
+              <a:spcAft>
+                <a:spcPts val="1200"/>
+              </a:spcAft>
+              <a:buClr>
+                <a:schemeClr val="accent2"/>
+              </a:buClr>
+              <a:buSzPct val="115000"/>
+              <a:buFont typeface=".Lucida Grande UI Regular"/>
+              <a:buChar char="▹"/>
+              <a:tabLst/>
+              <a:defRPr sz="1500" kern="1200">
+                <a:solidFill>
+                  <a:schemeClr val="tx2"/>
+                </a:solidFill>
+                <a:latin typeface="+mn-lt"/>
+                <a:ea typeface="+mn-ea"/>
+                <a:cs typeface="+mn-cs"/>
+              </a:defRPr>
+            </a:lvl4pPr>
+            <a:lvl5pPr marL="2170113" indent="-341313" algn="l" defTabSz="914400" rtl="0" eaLnBrk="1" latinLnBrk="0" hangingPunct="1">
+              <a:lnSpc>
+                <a:spcPct val="90000"/>
+              </a:lnSpc>
+              <a:spcBef>
+                <a:spcPts val="500"/>
+              </a:spcBef>
+              <a:spcAft>
+                <a:spcPts val="1200"/>
+              </a:spcAft>
+              <a:buClr>
+                <a:schemeClr val="accent2"/>
+              </a:buClr>
+              <a:buSzPct val="115000"/>
+              <a:buFont typeface=".Lucida Grande UI Regular"/>
+              <a:buChar char="▹"/>
+              <a:tabLst/>
+              <a:defRPr sz="1500" kern="1200">
+                <a:solidFill>
+                  <a:schemeClr val="tx2"/>
+                </a:solidFill>
+                <a:latin typeface="+mn-lt"/>
+                <a:ea typeface="+mn-ea"/>
+                <a:cs typeface="+mn-cs"/>
+              </a:defRPr>
+            </a:lvl5pPr>
+            <a:lvl6pPr marL="2514600" indent="-228600" algn="l" defTabSz="914400" rtl="0" eaLnBrk="1" latinLnBrk="0" hangingPunct="1">
+              <a:lnSpc>
+                <a:spcPct val="90000"/>
+              </a:lnSpc>
+              <a:spcBef>
+                <a:spcPts val="500"/>
+              </a:spcBef>
+              <a:buFont typeface="Arial" panose="020B0604020202020204" pitchFamily="34" charset="0"/>
+              <a:buChar char="•"/>
+              <a:defRPr sz="1800" kern="1200">
+                <a:solidFill>
+                  <a:schemeClr val="tx1"/>
+                </a:solidFill>
+                <a:latin typeface="+mn-lt"/>
+                <a:ea typeface="+mn-ea"/>
+                <a:cs typeface="+mn-cs"/>
+              </a:defRPr>
+            </a:lvl6pPr>
+            <a:lvl7pPr marL="2971800" indent="-228600" algn="l" defTabSz="914400" rtl="0" eaLnBrk="1" latinLnBrk="0" hangingPunct="1">
+              <a:lnSpc>
+                <a:spcPct val="90000"/>
+              </a:lnSpc>
+              <a:spcBef>
+                <a:spcPts val="500"/>
+              </a:spcBef>
+              <a:buFont typeface="Arial" panose="020B0604020202020204" pitchFamily="34" charset="0"/>
+              <a:buChar char="•"/>
+              <a:defRPr sz="1800" kern="1200">
+                <a:solidFill>
+                  <a:schemeClr val="tx1"/>
+                </a:solidFill>
+                <a:latin typeface="+mn-lt"/>
+                <a:ea typeface="+mn-ea"/>
+                <a:cs typeface="+mn-cs"/>
+              </a:defRPr>
+            </a:lvl7pPr>
+            <a:lvl8pPr marL="3429000" indent="-228600" algn="l" defTabSz="914400" rtl="0" eaLnBrk="1" latinLnBrk="0" hangingPunct="1">
+              <a:lnSpc>
+                <a:spcPct val="90000"/>
+              </a:lnSpc>
+              <a:spcBef>
+                <a:spcPts val="500"/>
+              </a:spcBef>
+              <a:buFont typeface="Arial" panose="020B0604020202020204" pitchFamily="34" charset="0"/>
+              <a:buChar char="•"/>
+              <a:defRPr sz="1800" kern="1200">
+                <a:solidFill>
+                  <a:schemeClr val="tx1"/>
+                </a:solidFill>
+                <a:latin typeface="+mn-lt"/>
+                <a:ea typeface="+mn-ea"/>
+                <a:cs typeface="+mn-cs"/>
+              </a:defRPr>
+            </a:lvl8pPr>
+            <a:lvl9pPr marL="3886200" indent="-228600" algn="l" defTabSz="914400" rtl="0" eaLnBrk="1" latinLnBrk="0" hangingPunct="1">
+              <a:lnSpc>
+                <a:spcPct val="90000"/>
+              </a:lnSpc>
+              <a:spcBef>
+                <a:spcPts val="500"/>
+              </a:spcBef>
+              <a:buFont typeface="Arial" panose="020B0604020202020204" pitchFamily="34" charset="0"/>
+              <a:buChar char="•"/>
+              <a:defRPr sz="1800" kern="1200">
+                <a:solidFill>
+                  <a:schemeClr val="tx1"/>
+                </a:solidFill>
+                <a:latin typeface="+mn-lt"/>
+                <a:ea typeface="+mn-ea"/>
+                <a:cs typeface="+mn-cs"/>
+              </a:defRPr>
+            </a:lvl9pPr>
+          </a:lstStyle>
+          <a:p>
+            <a:r>
+              <a:rPr lang="en-US"/>
+              <a:t>min value</a:t>
+            </a:r>
+            <a:r>
+              <a:rPr lang="en-US" altLang="zh-TW"/>
+              <a:t>: 0</a:t>
+            </a:r>
+          </a:p>
+          <a:p>
+            <a:r>
+              <a:rPr lang="en-US"/>
+              <a:t>max value: $</a:t>
+            </a:r>
+          </a:p>
+          <a:p>
+            <a:endParaRPr lang="en-US"/>
+          </a:p>
+        </p:txBody>
+      </p:sp>
+    </p:spTree>
+    <p:extLst>
+      <p:ext uri="{BB962C8B-B14F-4D97-AF65-F5344CB8AC3E}">
+        <p14:creationId xmlns:p14="http://schemas.microsoft.com/office/powerpoint/2010/main" val="1372148226"/>
+      </p:ext>
+    </p:extLst>
+  </p:cSld>
+  <p:clrMapOvr>
+    <a:masterClrMapping/>
+  </p:clrMapOvr>
+</p:sld>
+</file>
+
+<file path=ppt/slides/slide12.xml><?xml version="1.0" encoding="utf-8"?>
+<p:sld xmlns:a="http://schemas.openxmlformats.org/drawingml/2006/main" xmlns:r="http://schemas.openxmlformats.org/officeDocument/2006/relationships" xmlns:p="http://schemas.openxmlformats.org/presentationml/2006/main">
+  <p:cSld>
+    <p:spTree>
+      <p:nvGrpSpPr>
+        <p:cNvPr id="1" name=""/>
+        <p:cNvGrpSpPr/>
+        <p:nvPr/>
+      </p:nvGrpSpPr>
+      <p:grpSpPr>
+        <a:xfrm>
+          <a:off x="0" y="0"/>
+          <a:ext cx="0" cy="0"/>
+          <a:chOff x="0" y="0"/>
+          <a:chExt cx="0" cy="0"/>
+        </a:xfrm>
+      </p:grpSpPr>
+      <p:sp>
+        <p:nvSpPr>
+          <p:cNvPr id="2" name="Title 1">
+            <a:extLst>
+              <a:ext uri="{FF2B5EF4-FFF2-40B4-BE49-F238E27FC236}">
+                <a16:creationId xmlns:a16="http://schemas.microsoft.com/office/drawing/2014/main" id="{63B19FFD-555C-673A-82D5-1766F95D704A}"/>
+              </a:ext>
+            </a:extLst>
+          </p:cNvPr>
+          <p:cNvSpPr>
+            <a:spLocks noGrp="1"/>
+          </p:cNvSpPr>
+          <p:nvPr>
+            <p:ph type="title"/>
+          </p:nvPr>
+        </p:nvSpPr>
+        <p:spPr/>
+        <p:txBody>
+          <a:bodyPr/>
+          <a:lstStyle/>
+          <a:p>
+            <a:r>
+              <a:rPr lang="en-US" dirty="0"/>
+              <a:t>lab31</a:t>
+            </a:r>
+          </a:p>
+        </p:txBody>
+      </p:sp>
+      <p:sp>
+        <p:nvSpPr>
+          <p:cNvPr id="4" name="Slide Number Placeholder 3">
+            <a:extLst>
+              <a:ext uri="{FF2B5EF4-FFF2-40B4-BE49-F238E27FC236}">
+                <a16:creationId xmlns:a16="http://schemas.microsoft.com/office/drawing/2014/main" id="{C80EE293-8908-07B8-DC7E-60356F1A1147}"/>
+              </a:ext>
+            </a:extLst>
+          </p:cNvPr>
+          <p:cNvSpPr>
+            <a:spLocks noGrp="1"/>
+          </p:cNvSpPr>
+          <p:nvPr>
+            <p:ph type="sldNum" sz="quarter" idx="12"/>
+          </p:nvPr>
+        </p:nvSpPr>
+        <p:spPr/>
+        <p:txBody>
+          <a:bodyPr/>
+          <a:lstStyle/>
+          <a:p>
+            <a:fld id="{8A2B06E4-34D2-4DD4-ABFF-9F74AC2B18B5}" type="slidenum">
+              <a:rPr lang="en-US" smtClean="0"/>
+              <a:t>12</a:t>
+            </a:fld>
+            <a:endParaRPr lang="en-US" dirty="0"/>
+          </a:p>
+        </p:txBody>
+      </p:sp>
+      <p:sp>
+        <p:nvSpPr>
+          <p:cNvPr id="5" name="Content Placeholder 5">
+            <a:extLst>
+              <a:ext uri="{FF2B5EF4-FFF2-40B4-BE49-F238E27FC236}">
+                <a16:creationId xmlns:a16="http://schemas.microsoft.com/office/drawing/2014/main" id="{4133E508-717C-F5A4-8DA3-4A77A942FEFD}"/>
+              </a:ext>
+            </a:extLst>
+          </p:cNvPr>
+          <p:cNvSpPr txBox="1">
+            <a:spLocks/>
+          </p:cNvSpPr>
+          <p:nvPr/>
+        </p:nvSpPr>
+        <p:spPr>
+          <a:xfrm>
+            <a:off x="446312" y="1462579"/>
+            <a:ext cx="11038954" cy="4041576"/>
+          </a:xfrm>
+          <a:prstGeom prst="rect">
+            <a:avLst/>
+          </a:prstGeom>
+        </p:spPr>
+        <p:txBody>
+          <a:bodyPr vert="horz" lIns="0" tIns="45720" rIns="91440" bIns="45720" rtlCol="0">
+            <a:noAutofit/>
+          </a:bodyPr>
+          <a:lstStyle>
+            <a:lvl1pPr marL="346075" indent="-288925" algn="l" defTabSz="914400" rtl="0" eaLnBrk="1" latinLnBrk="0" hangingPunct="1">
+              <a:lnSpc>
+                <a:spcPct val="90000"/>
+              </a:lnSpc>
+              <a:spcBef>
+                <a:spcPts val="1600"/>
+              </a:spcBef>
+              <a:spcAft>
+                <a:spcPts val="200"/>
+              </a:spcAft>
+              <a:buClr>
+                <a:schemeClr val="tx2"/>
+              </a:buClr>
+              <a:buSzPct val="100000"/>
+              <a:buFont typeface="Arial" panose="020B0604020202020204" pitchFamily="34" charset="0"/>
+              <a:buChar char="•"/>
+              <a:tabLst/>
+              <a:defRPr lang="en-US" sz="2000" kern="1200" dirty="0">
+                <a:solidFill>
+                  <a:schemeClr val="tx1"/>
+                </a:solidFill>
+                <a:latin typeface="Arial" panose="020B0604020202020204" pitchFamily="34" charset="0"/>
+                <a:ea typeface="+mn-ea"/>
+                <a:cs typeface="+mn-cs"/>
+              </a:defRPr>
+            </a:lvl1pPr>
+            <a:lvl2pPr marL="738188" indent="-280988" algn="l" defTabSz="914400" rtl="0" eaLnBrk="1" latinLnBrk="0" hangingPunct="1">
+              <a:lnSpc>
+                <a:spcPct val="90000"/>
+              </a:lnSpc>
+              <a:spcBef>
+                <a:spcPts val="300"/>
+              </a:spcBef>
+              <a:spcAft>
+                <a:spcPts val="600"/>
+              </a:spcAft>
+              <a:buClr>
+                <a:schemeClr val="tx2"/>
+              </a:buClr>
+              <a:buSzPct val="60000"/>
+              <a:buFont typeface="Courier New" panose="02070309020205020404" pitchFamily="49" charset="0"/>
+              <a:buChar char="o"/>
+              <a:tabLst/>
+              <a:defRPr lang="en-US" sz="1600" kern="1200" dirty="0">
+                <a:solidFill>
+                  <a:schemeClr val="tx1"/>
+                </a:solidFill>
+                <a:latin typeface="Arial" panose="020B0604020202020204" pitchFamily="34" charset="0"/>
+                <a:ea typeface="+mn-ea"/>
+                <a:cs typeface="+mn-cs"/>
+              </a:defRPr>
+            </a:lvl2pPr>
+            <a:lvl3pPr marL="1200150" indent="-285750" algn="l" defTabSz="914400" rtl="0" eaLnBrk="1" latinLnBrk="0" hangingPunct="1">
+              <a:lnSpc>
+                <a:spcPct val="90000"/>
+              </a:lnSpc>
+              <a:spcBef>
+                <a:spcPts val="300"/>
+              </a:spcBef>
+              <a:spcAft>
+                <a:spcPts val="500"/>
+              </a:spcAft>
+              <a:buClr>
+                <a:schemeClr val="tx2"/>
+              </a:buClr>
+              <a:buSzPct val="100000"/>
+              <a:buFont typeface="Rubik Light" panose="00000400000000000000" pitchFamily="2" charset="-79"/>
+              <a:buChar char="–"/>
+              <a:tabLst/>
+              <a:defRPr lang="en-US" sz="1200" kern="1200" dirty="0">
+                <a:solidFill>
+                  <a:schemeClr val="tx1"/>
+                </a:solidFill>
+                <a:latin typeface="Arial" panose="020B0604020202020204" pitchFamily="34" charset="0"/>
+                <a:ea typeface="+mn-ea"/>
+                <a:cs typeface="+mn-cs"/>
+              </a:defRPr>
+            </a:lvl3pPr>
+            <a:lvl4pPr marL="1652588" indent="-280988" algn="l" defTabSz="914400" rtl="0" eaLnBrk="1" latinLnBrk="0" hangingPunct="1">
+              <a:lnSpc>
+                <a:spcPct val="90000"/>
+              </a:lnSpc>
+              <a:spcBef>
+                <a:spcPts val="500"/>
+              </a:spcBef>
+              <a:spcAft>
+                <a:spcPts val="1200"/>
+              </a:spcAft>
+              <a:buClr>
+                <a:schemeClr val="accent2"/>
+              </a:buClr>
+              <a:buSzPct val="115000"/>
+              <a:buFont typeface=".Lucida Grande UI Regular"/>
+              <a:buChar char="▹"/>
+              <a:tabLst/>
+              <a:defRPr sz="1500" kern="1200">
+                <a:solidFill>
+                  <a:schemeClr val="tx2"/>
+                </a:solidFill>
+                <a:latin typeface="+mn-lt"/>
+                <a:ea typeface="+mn-ea"/>
+                <a:cs typeface="+mn-cs"/>
+              </a:defRPr>
+            </a:lvl4pPr>
+            <a:lvl5pPr marL="2170113" indent="-341313" algn="l" defTabSz="914400" rtl="0" eaLnBrk="1" latinLnBrk="0" hangingPunct="1">
+              <a:lnSpc>
+                <a:spcPct val="90000"/>
+              </a:lnSpc>
+              <a:spcBef>
+                <a:spcPts val="500"/>
+              </a:spcBef>
+              <a:spcAft>
+                <a:spcPts val="1200"/>
+              </a:spcAft>
+              <a:buClr>
+                <a:schemeClr val="accent2"/>
+              </a:buClr>
+              <a:buSzPct val="115000"/>
+              <a:buFont typeface=".Lucida Grande UI Regular"/>
+              <a:buChar char="▹"/>
+              <a:tabLst/>
+              <a:defRPr sz="1500" kern="1200">
+                <a:solidFill>
+                  <a:schemeClr val="tx2"/>
+                </a:solidFill>
+                <a:latin typeface="+mn-lt"/>
+                <a:ea typeface="+mn-ea"/>
+                <a:cs typeface="+mn-cs"/>
+              </a:defRPr>
+            </a:lvl5pPr>
+            <a:lvl6pPr marL="2514600" indent="-228600" algn="l" defTabSz="914400" rtl="0" eaLnBrk="1" latinLnBrk="0" hangingPunct="1">
+              <a:lnSpc>
+                <a:spcPct val="90000"/>
+              </a:lnSpc>
+              <a:spcBef>
+                <a:spcPts val="500"/>
+              </a:spcBef>
+              <a:buFont typeface="Arial" panose="020B0604020202020204" pitchFamily="34" charset="0"/>
+              <a:buChar char="•"/>
+              <a:defRPr sz="1800" kern="1200">
+                <a:solidFill>
+                  <a:schemeClr val="tx1"/>
+                </a:solidFill>
+                <a:latin typeface="+mn-lt"/>
+                <a:ea typeface="+mn-ea"/>
+                <a:cs typeface="+mn-cs"/>
+              </a:defRPr>
+            </a:lvl6pPr>
+            <a:lvl7pPr marL="2971800" indent="-228600" algn="l" defTabSz="914400" rtl="0" eaLnBrk="1" latinLnBrk="0" hangingPunct="1">
+              <a:lnSpc>
+                <a:spcPct val="90000"/>
+              </a:lnSpc>
+              <a:spcBef>
+                <a:spcPts val="500"/>
+              </a:spcBef>
+              <a:buFont typeface="Arial" panose="020B0604020202020204" pitchFamily="34" charset="0"/>
+              <a:buChar char="•"/>
+              <a:defRPr sz="1800" kern="1200">
+                <a:solidFill>
+                  <a:schemeClr val="tx1"/>
+                </a:solidFill>
+                <a:latin typeface="+mn-lt"/>
+                <a:ea typeface="+mn-ea"/>
+                <a:cs typeface="+mn-cs"/>
+              </a:defRPr>
+            </a:lvl7pPr>
+            <a:lvl8pPr marL="3429000" indent="-228600" algn="l" defTabSz="914400" rtl="0" eaLnBrk="1" latinLnBrk="0" hangingPunct="1">
+              <a:lnSpc>
+                <a:spcPct val="90000"/>
+              </a:lnSpc>
+              <a:spcBef>
+                <a:spcPts val="500"/>
+              </a:spcBef>
+              <a:buFont typeface="Arial" panose="020B0604020202020204" pitchFamily="34" charset="0"/>
+              <a:buChar char="•"/>
+              <a:defRPr sz="1800" kern="1200">
+                <a:solidFill>
+                  <a:schemeClr val="tx1"/>
+                </a:solidFill>
+                <a:latin typeface="+mn-lt"/>
+                <a:ea typeface="+mn-ea"/>
+                <a:cs typeface="+mn-cs"/>
+              </a:defRPr>
+            </a:lvl8pPr>
+            <a:lvl9pPr marL="3886200" indent="-228600" algn="l" defTabSz="914400" rtl="0" eaLnBrk="1" latinLnBrk="0" hangingPunct="1">
+              <a:lnSpc>
+                <a:spcPct val="90000"/>
+              </a:lnSpc>
+              <a:spcBef>
+                <a:spcPts val="500"/>
+              </a:spcBef>
+              <a:buFont typeface="Arial" panose="020B0604020202020204" pitchFamily="34" charset="0"/>
+              <a:buChar char="•"/>
+              <a:defRPr sz="1800" kern="1200">
+                <a:solidFill>
+                  <a:schemeClr val="tx1"/>
+                </a:solidFill>
+                <a:latin typeface="+mn-lt"/>
+                <a:ea typeface="+mn-ea"/>
+                <a:cs typeface="+mn-cs"/>
+              </a:defRPr>
+            </a:lvl9pPr>
+          </a:lstStyle>
+          <a:p>
+            <a:r>
+              <a:rPr lang="en-US" dirty="0"/>
+              <a:t>when dealing with </a:t>
+            </a:r>
+            <a:r>
+              <a:rPr lang="en-US" dirty="0" err="1"/>
+              <a:t>sva</a:t>
+            </a:r>
+            <a:r>
+              <a:rPr lang="en-US" dirty="0"/>
+              <a:t> seq expression with unbounded range &lt;- use “strong” to modify seq</a:t>
+            </a:r>
+          </a:p>
+          <a:p>
+            <a:pPr lvl="1"/>
+            <a:r>
+              <a:rPr lang="en-US" dirty="0"/>
+              <a:t>use “strong” </a:t>
+            </a:r>
+            <a:r>
+              <a:rPr lang="en-US" dirty="0">
+                <a:sym typeface="Wingdings" panose="05000000000000000000" pitchFamily="2" charset="2"/>
+              </a:rPr>
+              <a:t>to check its liveness (</a:t>
+            </a:r>
+            <a:r>
+              <a:rPr lang="en-US" dirty="0"/>
+              <a:t>default is “weak”  to check safety</a:t>
+            </a:r>
+            <a:r>
+              <a:rPr lang="en-US" dirty="0">
+                <a:sym typeface="Wingdings" panose="05000000000000000000" pitchFamily="2" charset="2"/>
+              </a:rPr>
+              <a:t>)</a:t>
+            </a:r>
+          </a:p>
+          <a:p>
+            <a:pPr lvl="1"/>
+            <a:r>
+              <a:rPr lang="en-US" dirty="0"/>
+              <a:t>for example</a:t>
+            </a:r>
+          </a:p>
+          <a:p>
+            <a:pPr lvl="2"/>
+            <a:r>
+              <a:rPr lang="en-US" dirty="0"/>
+              <a:t>##[0:$]</a:t>
+            </a:r>
+          </a:p>
+          <a:p>
+            <a:pPr lvl="2"/>
+            <a:r>
+              <a:rPr lang="en-US" dirty="0"/>
+              <a:t>##[+]</a:t>
+            </a:r>
+          </a:p>
+          <a:p>
+            <a:pPr lvl="2"/>
+            <a:endParaRPr lang="en-US" dirty="0"/>
+          </a:p>
+          <a:p>
+            <a:pPr lvl="2"/>
+            <a:endParaRPr lang="en-US" dirty="0"/>
+          </a:p>
+          <a:p>
+            <a:pPr lvl="2"/>
+            <a:endParaRPr lang="en-US" dirty="0"/>
+          </a:p>
+          <a:p>
+            <a:pPr lvl="2"/>
+            <a:endParaRPr lang="en-US" dirty="0"/>
+          </a:p>
+          <a:p>
+            <a:pPr lvl="1"/>
+            <a:r>
+              <a:rPr lang="en-US" dirty="0"/>
+              <a:t>https://www.youtube.com/watch?v=OScfnDGFEOg</a:t>
+            </a:r>
+          </a:p>
+        </p:txBody>
+      </p:sp>
+      <p:pic>
+        <p:nvPicPr>
+          <p:cNvPr id="9" name="Picture 8">
+            <a:extLst>
+              <a:ext uri="{FF2B5EF4-FFF2-40B4-BE49-F238E27FC236}">
+                <a16:creationId xmlns:a16="http://schemas.microsoft.com/office/drawing/2014/main" id="{179C40AD-C071-6AC1-BB35-F12B108D9C7E}"/>
+              </a:ext>
+            </a:extLst>
+          </p:cNvPr>
+          <p:cNvPicPr>
+            <a:picLocks noChangeAspect="1"/>
+          </p:cNvPicPr>
+          <p:nvPr/>
+        </p:nvPicPr>
+        <p:blipFill>
+          <a:blip r:embed="rId2"/>
+          <a:stretch>
+            <a:fillRect/>
+          </a:stretch>
+        </p:blipFill>
+        <p:spPr>
+          <a:xfrm>
+            <a:off x="3844391" y="601265"/>
+            <a:ext cx="1467055" cy="752580"/>
+          </a:xfrm>
+          <a:prstGeom prst="rect">
+            <a:avLst/>
+          </a:prstGeom>
+        </p:spPr>
+      </p:pic>
+    </p:spTree>
+    <p:extLst>
+      <p:ext uri="{BB962C8B-B14F-4D97-AF65-F5344CB8AC3E}">
+        <p14:creationId xmlns:p14="http://schemas.microsoft.com/office/powerpoint/2010/main" val="2246201281"/>
+      </p:ext>
+    </p:extLst>
+  </p:cSld>
+  <p:clrMapOvr>
+    <a:masterClrMapping/>
+  </p:clrMapOvr>
+</p:sld>
+</file>
+
+<file path=ppt/slides/slide13.xml><?xml version="1.0" encoding="utf-8"?>
+<p:sld xmlns:a="http://schemas.openxmlformats.org/drawingml/2006/main" xmlns:r="http://schemas.openxmlformats.org/officeDocument/2006/relationships" xmlns:p="http://schemas.openxmlformats.org/presentationml/2006/main">
+  <p:cSld>
+    <p:spTree>
+      <p:nvGrpSpPr>
+        <p:cNvPr id="1" name=""/>
+        <p:cNvGrpSpPr/>
+        <p:nvPr/>
+      </p:nvGrpSpPr>
+      <p:grpSpPr>
+        <a:xfrm>
+          <a:off x="0" y="0"/>
+          <a:ext cx="0" cy="0"/>
+          <a:chOff x="0" y="0"/>
+          <a:chExt cx="0" cy="0"/>
+        </a:xfrm>
+      </p:grpSpPr>
+      <p:sp>
+        <p:nvSpPr>
+          <p:cNvPr id="2" name="Title 1">
+            <a:extLst>
+              <a:ext uri="{FF2B5EF4-FFF2-40B4-BE49-F238E27FC236}">
+                <a16:creationId xmlns:a16="http://schemas.microsoft.com/office/drawing/2014/main" id="{63B19FFD-555C-673A-82D5-1766F95D704A}"/>
+              </a:ext>
+            </a:extLst>
+          </p:cNvPr>
+          <p:cNvSpPr>
+            <a:spLocks noGrp="1"/>
+          </p:cNvSpPr>
+          <p:nvPr>
+            <p:ph type="title"/>
+          </p:nvPr>
+        </p:nvSpPr>
+        <p:spPr/>
+        <p:txBody>
+          <a:bodyPr/>
+          <a:lstStyle/>
+          <a:p>
+            <a:r>
+              <a:rPr lang="en-US" altLang="zh-TW" dirty="0"/>
+              <a:t>20240509</a:t>
+            </a:r>
+            <a:r>
+              <a:rPr lang="zh-TW" altLang="en-US" dirty="0"/>
+              <a:t> </a:t>
+            </a:r>
+            <a:r>
+              <a:rPr lang="en-US" altLang="zh-TW" dirty="0"/>
+              <a:t>below</a:t>
+            </a:r>
+            <a:endParaRPr lang="en-US" dirty="0"/>
+          </a:p>
+        </p:txBody>
+      </p:sp>
+      <p:sp>
+        <p:nvSpPr>
+          <p:cNvPr id="3" name="Content Placeholder 2">
+            <a:extLst>
+              <a:ext uri="{FF2B5EF4-FFF2-40B4-BE49-F238E27FC236}">
+                <a16:creationId xmlns:a16="http://schemas.microsoft.com/office/drawing/2014/main" id="{130DB93F-F47C-DCC6-06F8-F6FC5C92DD64}"/>
+              </a:ext>
+            </a:extLst>
+          </p:cNvPr>
+          <p:cNvSpPr>
+            <a:spLocks noGrp="1"/>
+          </p:cNvSpPr>
+          <p:nvPr>
+            <p:ph idx="1"/>
+          </p:nvPr>
+        </p:nvSpPr>
+        <p:spPr/>
+        <p:txBody>
+          <a:bodyPr/>
+          <a:lstStyle/>
+          <a:p>
+            <a:endParaRPr lang="en-US" dirty="0"/>
+          </a:p>
+        </p:txBody>
+      </p:sp>
+      <p:sp>
+        <p:nvSpPr>
+          <p:cNvPr id="4" name="Slide Number Placeholder 3">
+            <a:extLst>
+              <a:ext uri="{FF2B5EF4-FFF2-40B4-BE49-F238E27FC236}">
+                <a16:creationId xmlns:a16="http://schemas.microsoft.com/office/drawing/2014/main" id="{C80EE293-8908-07B8-DC7E-60356F1A1147}"/>
+              </a:ext>
+            </a:extLst>
+          </p:cNvPr>
+          <p:cNvSpPr>
+            <a:spLocks noGrp="1"/>
+          </p:cNvSpPr>
+          <p:nvPr>
+            <p:ph type="sldNum" sz="quarter" idx="12"/>
+          </p:nvPr>
+        </p:nvSpPr>
+        <p:spPr/>
+        <p:txBody>
+          <a:bodyPr/>
+          <a:lstStyle/>
+          <a:p>
+            <a:fld id="{8A2B06E4-34D2-4DD4-ABFF-9F74AC2B18B5}" type="slidenum">
+              <a:rPr lang="en-US" smtClean="0"/>
+              <a:t>13</a:t>
+            </a:fld>
+            <a:endParaRPr lang="en-US" dirty="0"/>
+          </a:p>
+        </p:txBody>
+      </p:sp>
+    </p:spTree>
+    <p:extLst>
+      <p:ext uri="{BB962C8B-B14F-4D97-AF65-F5344CB8AC3E}">
+        <p14:creationId xmlns:p14="http://schemas.microsoft.com/office/powerpoint/2010/main" val="2689668643"/>
+      </p:ext>
+    </p:extLst>
+  </p:cSld>
+  <p:clrMapOvr>
+    <a:masterClrMapping/>
+  </p:clrMapOvr>
+</p:sld>
+</file>
+
+<file path=ppt/slides/slide14.xml><?xml version="1.0" encoding="utf-8"?>
+<p:sld xmlns:a="http://schemas.openxmlformats.org/drawingml/2006/main" xmlns:r="http://schemas.openxmlformats.org/officeDocument/2006/relationships" xmlns:p="http://schemas.openxmlformats.org/presentationml/2006/main">
+  <p:cSld>
+    <p:spTree>
+      <p:nvGrpSpPr>
+        <p:cNvPr id="1" name=""/>
+        <p:cNvGrpSpPr/>
+        <p:nvPr/>
+      </p:nvGrpSpPr>
+      <p:grpSpPr>
+        <a:xfrm>
+          <a:off x="0" y="0"/>
+          <a:ext cx="0" cy="0"/>
+          <a:chOff x="0" y="0"/>
+          <a:chExt cx="0" cy="0"/>
+        </a:xfrm>
+      </p:grpSpPr>
+      <p:sp>
+        <p:nvSpPr>
+          <p:cNvPr id="2" name="Title 1">
+            <a:extLst>
+              <a:ext uri="{FF2B5EF4-FFF2-40B4-BE49-F238E27FC236}">
+                <a16:creationId xmlns:a16="http://schemas.microsoft.com/office/drawing/2014/main" id="{1C08BF58-57AE-0C57-36BF-BB25DD3D68FE}"/>
+              </a:ext>
+            </a:extLst>
+          </p:cNvPr>
+          <p:cNvSpPr>
+            <a:spLocks noGrp="1"/>
+          </p:cNvSpPr>
+          <p:nvPr>
+            <p:ph type="title"/>
+          </p:nvPr>
+        </p:nvSpPr>
+        <p:spPr/>
+        <p:txBody>
+          <a:bodyPr/>
+          <a:lstStyle/>
+          <a:p>
+            <a:r>
+              <a:rPr lang="en-US" dirty="0" err="1"/>
+              <a:t>sva</a:t>
+            </a:r>
+            <a:r>
+              <a:rPr lang="en-US" dirty="0"/>
+              <a:t> introduction</a:t>
+            </a:r>
+          </a:p>
+        </p:txBody>
+      </p:sp>
+      <p:sp>
+        <p:nvSpPr>
+          <p:cNvPr id="4" name="Slide Number Placeholder 3">
+            <a:extLst>
+              <a:ext uri="{FF2B5EF4-FFF2-40B4-BE49-F238E27FC236}">
+                <a16:creationId xmlns:a16="http://schemas.microsoft.com/office/drawing/2014/main" id="{8A358433-B0C5-F453-B142-756FF1298CDE}"/>
+              </a:ext>
+            </a:extLst>
+          </p:cNvPr>
+          <p:cNvSpPr>
+            <a:spLocks noGrp="1"/>
+          </p:cNvSpPr>
+          <p:nvPr>
+            <p:ph type="sldNum" sz="quarter" idx="12"/>
+          </p:nvPr>
+        </p:nvSpPr>
+        <p:spPr/>
+        <p:txBody>
+          <a:bodyPr/>
+          <a:lstStyle/>
+          <a:p>
+            <a:fld id="{8A2B06E4-34D2-4DD4-ABFF-9F74AC2B18B5}" type="slidenum">
+              <a:rPr lang="en-US" smtClean="0"/>
+              <a:t>14</a:t>
             </a:fld>
             <a:endParaRPr lang="en-US" dirty="0"/>
           </a:p>
@@ -6028,7 +7811,7 @@
 </p:sld>
 </file>
 
-<file path=ppt/slides/slide11.xml><?xml version="1.0" encoding="utf-8"?>
+<file path=ppt/slides/slide15.xml><?xml version="1.0" encoding="utf-8"?>
 <p:sld xmlns:a="http://schemas.openxmlformats.org/drawingml/2006/main" xmlns:r="http://schemas.openxmlformats.org/officeDocument/2006/relationships" xmlns:p="http://schemas.openxmlformats.org/presentationml/2006/main">
   <p:cSld>
     <p:spTree>
@@ -6125,7 +7908,7 @@
           <a:p>
             <a:fld id="{8A2B06E4-34D2-4DD4-ABFF-9F74AC2B18B5}" type="slidenum">
               <a:rPr lang="en-US" smtClean="0"/>
-              <a:t>11</a:t>
+              <a:t>15</a:t>
             </a:fld>
             <a:endParaRPr lang="en-US" dirty="0"/>
           </a:p>
@@ -6627,7 +8410,7 @@
 </p:sld>
 </file>
 
-<file path=ppt/slides/slide12.xml><?xml version="1.0" encoding="utf-8"?>
+<file path=ppt/slides/slide16.xml><?xml version="1.0" encoding="utf-8"?>
 <p:sld xmlns:a="http://schemas.openxmlformats.org/drawingml/2006/main" xmlns:r="http://schemas.openxmlformats.org/officeDocument/2006/relationships" xmlns:p="http://schemas.openxmlformats.org/presentationml/2006/main">
   <p:cSld>
     <p:spTree>
@@ -6721,7 +8504,7 @@
           <a:p>
             <a:fld id="{8A2B06E4-34D2-4DD4-ABFF-9F74AC2B18B5}" type="slidenum">
               <a:rPr lang="en-US" smtClean="0"/>
-              <a:t>12</a:t>
+              <a:t>16</a:t>
             </a:fld>
             <a:endParaRPr lang="en-US" dirty="0"/>
           </a:p>
@@ -7040,7 +8823,7 @@
 </p:sld>
 </file>
 
-<file path=ppt/slides/slide13.xml><?xml version="1.0" encoding="utf-8"?>
+<file path=ppt/slides/slide17.xml><?xml version="1.0" encoding="utf-8"?>
 <p:sld xmlns:a="http://schemas.openxmlformats.org/drawingml/2006/main" xmlns:r="http://schemas.openxmlformats.org/officeDocument/2006/relationships" xmlns:p="http://schemas.openxmlformats.org/presentationml/2006/main">
   <p:cSld>
     <p:spTree>
@@ -7137,7 +8920,7 @@
           <a:p>
             <a:fld id="{8A2B06E4-34D2-4DD4-ABFF-9F74AC2B18B5}" type="slidenum">
               <a:rPr lang="en-US" smtClean="0"/>
-              <a:t>13</a:t>
+              <a:t>17</a:t>
             </a:fld>
             <a:endParaRPr lang="en-US" dirty="0"/>
           </a:p>
@@ -7361,7 +9144,7 @@
 </p:sld>
 </file>
 
-<file path=ppt/slides/slide14.xml><?xml version="1.0" encoding="utf-8"?>
+<file path=ppt/slides/slide18.xml><?xml version="1.0" encoding="utf-8"?>
 <p:sld xmlns:a="http://schemas.openxmlformats.org/drawingml/2006/main" xmlns:r="http://schemas.openxmlformats.org/officeDocument/2006/relationships" xmlns:p="http://schemas.openxmlformats.org/presentationml/2006/main">
   <p:cSld>
     <p:spTree>
@@ -7433,7 +9216,7 @@
           <a:p>
             <a:fld id="{8A2B06E4-34D2-4DD4-ABFF-9F74AC2B18B5}" type="slidenum">
               <a:rPr lang="en-US" smtClean="0"/>
-              <a:t>14</a:t>
+              <a:t>18</a:t>
             </a:fld>
             <a:endParaRPr lang="en-US" dirty="0"/>
           </a:p>
@@ -8017,7 +9800,7 @@
 </p:sld>
 </file>
 
-<file path=ppt/slides/slide15.xml><?xml version="1.0" encoding="utf-8"?>
+<file path=ppt/slides/slide19.xml><?xml version="1.0" encoding="utf-8"?>
 <p:sld xmlns:a="http://schemas.openxmlformats.org/drawingml/2006/main" xmlns:r="http://schemas.openxmlformats.org/officeDocument/2006/relationships" xmlns:p="http://schemas.openxmlformats.org/presentationml/2006/main">
   <p:cSld>
     <p:spTree>
@@ -8089,7 +9872,7 @@
           <a:p>
             <a:fld id="{8A2B06E4-34D2-4DD4-ABFF-9F74AC2B18B5}" type="slidenum">
               <a:rPr lang="en-US" smtClean="0"/>
-              <a:t>15</a:t>
+              <a:t>19</a:t>
             </a:fld>
             <a:endParaRPr lang="en-US" dirty="0"/>
           </a:p>
@@ -8513,7 +10296,7 @@
 </p:sld>
 </file>
 
-<file path=ppt/slides/slide16.xml><?xml version="1.0" encoding="utf-8"?>
+<file path=ppt/slides/slide2.xml><?xml version="1.0" encoding="utf-8"?>
 <p:sld xmlns:a="http://schemas.openxmlformats.org/drawingml/2006/main" xmlns:r="http://schemas.openxmlformats.org/officeDocument/2006/relationships" xmlns:p="http://schemas.openxmlformats.org/presentationml/2006/main">
   <p:cSld>
     <p:spTree>
@@ -8535,7 +10318,7 @@
           <p:cNvPr id="2" name="Title 1">
             <a:extLst>
               <a:ext uri="{FF2B5EF4-FFF2-40B4-BE49-F238E27FC236}">
-                <a16:creationId xmlns:a16="http://schemas.microsoft.com/office/drawing/2014/main" id="{B0ACDDE9-14E8-4FC2-512C-6429588613AC}"/>
+                <a16:creationId xmlns:a16="http://schemas.microsoft.com/office/drawing/2014/main" id="{5341C237-6C29-DE8F-6C53-653F228530ED}"/>
               </a:ext>
             </a:extLst>
           </p:cNvPr>
@@ -8552,13 +10335,35 @@
           <a:lstStyle/>
           <a:p>
             <a:r>
-              <a:rPr lang="en-US" dirty="0" err="1"/>
-              <a:t>sva</a:t>
-            </a:r>
-            <a:r>
-              <a:rPr lang="en-US" dirty="0"/>
-              <a:t> introduction</a:t>
-            </a:r>
+              <a:rPr lang="en-US"/>
+              <a:t>lab37</a:t>
+            </a:r>
+            <a:endParaRPr lang="en-US" dirty="0"/>
+          </a:p>
+        </p:txBody>
+      </p:sp>
+      <p:sp>
+        <p:nvSpPr>
+          <p:cNvPr id="3" name="Content Placeholder 2">
+            <a:extLst>
+              <a:ext uri="{FF2B5EF4-FFF2-40B4-BE49-F238E27FC236}">
+                <a16:creationId xmlns:a16="http://schemas.microsoft.com/office/drawing/2014/main" id="{102F272C-2176-62B3-CEE5-B81FC02E7F2A}"/>
+              </a:ext>
+            </a:extLst>
+          </p:cNvPr>
+          <p:cNvSpPr>
+            <a:spLocks noGrp="1"/>
+          </p:cNvSpPr>
+          <p:nvPr>
+            <p:ph idx="1"/>
+          </p:nvPr>
+        </p:nvSpPr>
+        <p:spPr/>
+        <p:txBody>
+          <a:bodyPr/>
+          <a:lstStyle/>
+          <a:p>
+            <a:endParaRPr lang="en-US"/>
           </a:p>
         </p:txBody>
       </p:sp>
@@ -8567,7 +10372,7 @@
           <p:cNvPr id="4" name="Slide Number Placeholder 3">
             <a:extLst>
               <a:ext uri="{FF2B5EF4-FFF2-40B4-BE49-F238E27FC236}">
-                <a16:creationId xmlns:a16="http://schemas.microsoft.com/office/drawing/2014/main" id="{7DD44BDC-6127-E796-C787-2F6EF654F887}"/>
+                <a16:creationId xmlns:a16="http://schemas.microsoft.com/office/drawing/2014/main" id="{BA82B0D7-EEE9-5B86-CBA9-F6EB5F08A642}"/>
               </a:ext>
             </a:extLst>
           </p:cNvPr>
@@ -8585,7 +10390,98 @@
           <a:p>
             <a:fld id="{8A2B06E4-34D2-4DD4-ABFF-9F74AC2B18B5}" type="slidenum">
               <a:rPr lang="en-US" smtClean="0"/>
-              <a:t>16</a:t>
+              <a:t>2</a:t>
+            </a:fld>
+            <a:endParaRPr lang="en-US" dirty="0"/>
+          </a:p>
+        </p:txBody>
+      </p:sp>
+    </p:spTree>
+    <p:extLst>
+      <p:ext uri="{BB962C8B-B14F-4D97-AF65-F5344CB8AC3E}">
+        <p14:creationId xmlns:p14="http://schemas.microsoft.com/office/powerpoint/2010/main" val="2631381310"/>
+      </p:ext>
+    </p:extLst>
+  </p:cSld>
+  <p:clrMapOvr>
+    <a:masterClrMapping/>
+  </p:clrMapOvr>
+</p:sld>
+</file>
+
+<file path=ppt/slides/slide20.xml><?xml version="1.0" encoding="utf-8"?>
+<p:sld xmlns:a="http://schemas.openxmlformats.org/drawingml/2006/main" xmlns:r="http://schemas.openxmlformats.org/officeDocument/2006/relationships" xmlns:p="http://schemas.openxmlformats.org/presentationml/2006/main">
+  <p:cSld>
+    <p:spTree>
+      <p:nvGrpSpPr>
+        <p:cNvPr id="1" name=""/>
+        <p:cNvGrpSpPr/>
+        <p:nvPr/>
+      </p:nvGrpSpPr>
+      <p:grpSpPr>
+        <a:xfrm>
+          <a:off x="0" y="0"/>
+          <a:ext cx="0" cy="0"/>
+          <a:chOff x="0" y="0"/>
+          <a:chExt cx="0" cy="0"/>
+        </a:xfrm>
+      </p:grpSpPr>
+      <p:sp>
+        <p:nvSpPr>
+          <p:cNvPr id="2" name="Title 1">
+            <a:extLst>
+              <a:ext uri="{FF2B5EF4-FFF2-40B4-BE49-F238E27FC236}">
+                <a16:creationId xmlns:a16="http://schemas.microsoft.com/office/drawing/2014/main" id="{B0ACDDE9-14E8-4FC2-512C-6429588613AC}"/>
+              </a:ext>
+            </a:extLst>
+          </p:cNvPr>
+          <p:cNvSpPr>
+            <a:spLocks noGrp="1"/>
+          </p:cNvSpPr>
+          <p:nvPr>
+            <p:ph type="title"/>
+          </p:nvPr>
+        </p:nvSpPr>
+        <p:spPr/>
+        <p:txBody>
+          <a:bodyPr/>
+          <a:lstStyle/>
+          <a:p>
+            <a:r>
+              <a:rPr lang="en-US" dirty="0" err="1"/>
+              <a:t>sva</a:t>
+            </a:r>
+            <a:r>
+              <a:rPr lang="en-US" dirty="0"/>
+              <a:t> introduction</a:t>
+            </a:r>
+          </a:p>
+        </p:txBody>
+      </p:sp>
+      <p:sp>
+        <p:nvSpPr>
+          <p:cNvPr id="4" name="Slide Number Placeholder 3">
+            <a:extLst>
+              <a:ext uri="{FF2B5EF4-FFF2-40B4-BE49-F238E27FC236}">
+                <a16:creationId xmlns:a16="http://schemas.microsoft.com/office/drawing/2014/main" id="{7DD44BDC-6127-E796-C787-2F6EF654F887}"/>
+              </a:ext>
+            </a:extLst>
+          </p:cNvPr>
+          <p:cNvSpPr>
+            <a:spLocks noGrp="1"/>
+          </p:cNvSpPr>
+          <p:nvPr>
+            <p:ph type="sldNum" sz="quarter" idx="12"/>
+          </p:nvPr>
+        </p:nvSpPr>
+        <p:spPr/>
+        <p:txBody>
+          <a:bodyPr/>
+          <a:lstStyle/>
+          <a:p>
+            <a:fld id="{8A2B06E4-34D2-4DD4-ABFF-9F74AC2B18B5}" type="slidenum">
+              <a:rPr lang="en-US" smtClean="0"/>
+              <a:t>20</a:t>
             </a:fld>
             <a:endParaRPr lang="en-US" dirty="0"/>
           </a:p>
@@ -9724,7 +11620,7 @@
 </p:sld>
 </file>
 
-<file path=ppt/slides/slide17.xml><?xml version="1.0" encoding="utf-8"?>
+<file path=ppt/slides/slide21.xml><?xml version="1.0" encoding="utf-8"?>
 <p:sld xmlns:a="http://schemas.openxmlformats.org/drawingml/2006/main" xmlns:r="http://schemas.openxmlformats.org/officeDocument/2006/relationships" xmlns:p="http://schemas.openxmlformats.org/presentationml/2006/main">
   <p:cSld>
     <p:spTree>
@@ -9826,7 +11722,7 @@
           <a:p>
             <a:fld id="{8A2B06E4-34D2-4DD4-ABFF-9F74AC2B18B5}" type="slidenum">
               <a:rPr lang="en-US" smtClean="0"/>
-              <a:t>17</a:t>
+              <a:t>21</a:t>
             </a:fld>
             <a:endParaRPr lang="en-US" dirty="0"/>
           </a:p>
@@ -9905,7 +11801,7 @@
 </p:sld>
 </file>
 
-<file path=ppt/slides/slide18.xml><?xml version="1.0" encoding="utf-8"?>
+<file path=ppt/slides/slide22.xml><?xml version="1.0" encoding="utf-8"?>
 <p:sld xmlns:a="http://schemas.openxmlformats.org/drawingml/2006/main" xmlns:r="http://schemas.openxmlformats.org/officeDocument/2006/relationships" xmlns:p="http://schemas.openxmlformats.org/presentationml/2006/main">
   <p:cSld>
     <p:spTree>
@@ -10002,7 +11898,7 @@
           <a:p>
             <a:fld id="{8A2B06E4-34D2-4DD4-ABFF-9F74AC2B18B5}" type="slidenum">
               <a:rPr lang="en-US" smtClean="0"/>
-              <a:t>18</a:t>
+              <a:t>22</a:t>
             </a:fld>
             <a:endParaRPr lang="en-US" dirty="0"/>
           </a:p>
@@ -10051,7 +11947,7 @@
 </p:sld>
 </file>
 
-<file path=ppt/slides/slide19.xml><?xml version="1.0" encoding="utf-8"?>
+<file path=ppt/slides/slide23.xml><?xml version="1.0" encoding="utf-8"?>
 <p:sld xmlns:a="http://schemas.openxmlformats.org/drawingml/2006/main" xmlns:r="http://schemas.openxmlformats.org/officeDocument/2006/relationships" xmlns:p="http://schemas.openxmlformats.org/presentationml/2006/main">
   <p:cSld>
     <p:spTree>
@@ -10123,7 +12019,7 @@
           <a:p>
             <a:fld id="{8A2B06E4-34D2-4DD4-ABFF-9F74AC2B18B5}" type="slidenum">
               <a:rPr lang="en-US" smtClean="0"/>
-              <a:t>19</a:t>
+              <a:t>23</a:t>
             </a:fld>
             <a:endParaRPr lang="en-US" dirty="0"/>
           </a:p>
@@ -10560,7 +12456,7 @@
 </p:sld>
 </file>
 
-<file path=ppt/slides/slide2.xml><?xml version="1.0" encoding="utf-8"?>
+<file path=ppt/slides/slide24.xml><?xml version="1.0" encoding="utf-8"?>
 <p:sld xmlns:a="http://schemas.openxmlformats.org/drawingml/2006/main" xmlns:r="http://schemas.openxmlformats.org/officeDocument/2006/relationships" xmlns:p="http://schemas.openxmlformats.org/presentationml/2006/main">
   <p:cSld>
     <p:spTree>
@@ -10582,7 +12478,7 @@
           <p:cNvPr id="2" name="Title 1">
             <a:extLst>
               <a:ext uri="{FF2B5EF4-FFF2-40B4-BE49-F238E27FC236}">
-                <a16:creationId xmlns:a16="http://schemas.microsoft.com/office/drawing/2014/main" id="{5341C237-6C29-DE8F-6C53-653F228530ED}"/>
+                <a16:creationId xmlns:a16="http://schemas.microsoft.com/office/drawing/2014/main" id="{215738EF-D22B-79F6-41D8-44F71310141D}"/>
               </a:ext>
             </a:extLst>
           </p:cNvPr>
@@ -10607,7 +12503,7 @@
           <p:cNvPr id="3" name="Content Placeholder 2">
             <a:extLst>
               <a:ext uri="{FF2B5EF4-FFF2-40B4-BE49-F238E27FC236}">
-                <a16:creationId xmlns:a16="http://schemas.microsoft.com/office/drawing/2014/main" id="{102F272C-2176-62B3-CEE5-B81FC02E7F2A}"/>
+                <a16:creationId xmlns:a16="http://schemas.microsoft.com/office/drawing/2014/main" id="{B330B9E8-5257-7E1E-6016-200994D3941D}"/>
               </a:ext>
             </a:extLst>
           </p:cNvPr>
@@ -10632,7 +12528,7 @@
           <p:cNvPr id="4" name="Slide Number Placeholder 3">
             <a:extLst>
               <a:ext uri="{FF2B5EF4-FFF2-40B4-BE49-F238E27FC236}">
-                <a16:creationId xmlns:a16="http://schemas.microsoft.com/office/drawing/2014/main" id="{BA82B0D7-EEE9-5B86-CBA9-F6EB5F08A642}"/>
+                <a16:creationId xmlns:a16="http://schemas.microsoft.com/office/drawing/2014/main" id="{38FC1EB7-2B79-F3C9-3E2F-B08A085925CE}"/>
               </a:ext>
             </a:extLst>
           </p:cNvPr>
@@ -10650,7 +12546,7 @@
           <a:p>
             <a:fld id="{8A2B06E4-34D2-4DD4-ABFF-9F74AC2B18B5}" type="slidenum">
               <a:rPr lang="en-US" smtClean="0"/>
-              <a:t>2</a:t>
+              <a:t>24</a:t>
             </a:fld>
             <a:endParaRPr lang="en-US" dirty="0"/>
           </a:p>
@@ -10659,7 +12555,7 @@
     </p:spTree>
     <p:extLst>
       <p:ext uri="{BB962C8B-B14F-4D97-AF65-F5344CB8AC3E}">
-        <p14:creationId xmlns:p14="http://schemas.microsoft.com/office/powerpoint/2010/main" val="962797789"/>
+        <p14:creationId xmlns:p14="http://schemas.microsoft.com/office/powerpoint/2010/main" val="3322072056"/>
       </p:ext>
     </p:extLst>
   </p:cSld>
@@ -10669,7 +12565,7 @@
 </p:sld>
 </file>
 
-<file path=ppt/slides/slide20.xml><?xml version="1.0" encoding="utf-8"?>
+<file path=ppt/slides/slide25.xml><?xml version="1.0" encoding="utf-8"?>
 <p:sld xmlns:a="http://schemas.openxmlformats.org/drawingml/2006/main" xmlns:r="http://schemas.openxmlformats.org/officeDocument/2006/relationships" xmlns:p="http://schemas.openxmlformats.org/presentationml/2006/main">
   <p:cSld>
     <p:spTree>
@@ -10691,115 +12587,6 @@
           <p:cNvPr id="2" name="Title 1">
             <a:extLst>
               <a:ext uri="{FF2B5EF4-FFF2-40B4-BE49-F238E27FC236}">
-                <a16:creationId xmlns:a16="http://schemas.microsoft.com/office/drawing/2014/main" id="{215738EF-D22B-79F6-41D8-44F71310141D}"/>
-              </a:ext>
-            </a:extLst>
-          </p:cNvPr>
-          <p:cNvSpPr>
-            <a:spLocks noGrp="1"/>
-          </p:cNvSpPr>
-          <p:nvPr>
-            <p:ph type="title"/>
-          </p:nvPr>
-        </p:nvSpPr>
-        <p:spPr/>
-        <p:txBody>
-          <a:bodyPr/>
-          <a:lstStyle/>
-          <a:p>
-            <a:endParaRPr lang="en-US"/>
-          </a:p>
-        </p:txBody>
-      </p:sp>
-      <p:sp>
-        <p:nvSpPr>
-          <p:cNvPr id="3" name="Content Placeholder 2">
-            <a:extLst>
-              <a:ext uri="{FF2B5EF4-FFF2-40B4-BE49-F238E27FC236}">
-                <a16:creationId xmlns:a16="http://schemas.microsoft.com/office/drawing/2014/main" id="{B330B9E8-5257-7E1E-6016-200994D3941D}"/>
-              </a:ext>
-            </a:extLst>
-          </p:cNvPr>
-          <p:cNvSpPr>
-            <a:spLocks noGrp="1"/>
-          </p:cNvSpPr>
-          <p:nvPr>
-            <p:ph idx="1"/>
-          </p:nvPr>
-        </p:nvSpPr>
-        <p:spPr/>
-        <p:txBody>
-          <a:bodyPr/>
-          <a:lstStyle/>
-          <a:p>
-            <a:endParaRPr lang="en-US"/>
-          </a:p>
-        </p:txBody>
-      </p:sp>
-      <p:sp>
-        <p:nvSpPr>
-          <p:cNvPr id="4" name="Slide Number Placeholder 3">
-            <a:extLst>
-              <a:ext uri="{FF2B5EF4-FFF2-40B4-BE49-F238E27FC236}">
-                <a16:creationId xmlns:a16="http://schemas.microsoft.com/office/drawing/2014/main" id="{38FC1EB7-2B79-F3C9-3E2F-B08A085925CE}"/>
-              </a:ext>
-            </a:extLst>
-          </p:cNvPr>
-          <p:cNvSpPr>
-            <a:spLocks noGrp="1"/>
-          </p:cNvSpPr>
-          <p:nvPr>
-            <p:ph type="sldNum" sz="quarter" idx="12"/>
-          </p:nvPr>
-        </p:nvSpPr>
-        <p:spPr/>
-        <p:txBody>
-          <a:bodyPr/>
-          <a:lstStyle/>
-          <a:p>
-            <a:fld id="{8A2B06E4-34D2-4DD4-ABFF-9F74AC2B18B5}" type="slidenum">
-              <a:rPr lang="en-US" smtClean="0"/>
-              <a:t>20</a:t>
-            </a:fld>
-            <a:endParaRPr lang="en-US" dirty="0"/>
-          </a:p>
-        </p:txBody>
-      </p:sp>
-    </p:spTree>
-    <p:extLst>
-      <p:ext uri="{BB962C8B-B14F-4D97-AF65-F5344CB8AC3E}">
-        <p14:creationId xmlns:p14="http://schemas.microsoft.com/office/powerpoint/2010/main" val="3322072056"/>
-      </p:ext>
-    </p:extLst>
-  </p:cSld>
-  <p:clrMapOvr>
-    <a:masterClrMapping/>
-  </p:clrMapOvr>
-</p:sld>
-</file>
-
-<file path=ppt/slides/slide21.xml><?xml version="1.0" encoding="utf-8"?>
-<p:sld xmlns:a="http://schemas.openxmlformats.org/drawingml/2006/main" xmlns:r="http://schemas.openxmlformats.org/officeDocument/2006/relationships" xmlns:p="http://schemas.openxmlformats.org/presentationml/2006/main">
-  <p:cSld>
-    <p:spTree>
-      <p:nvGrpSpPr>
-        <p:cNvPr id="1" name=""/>
-        <p:cNvGrpSpPr/>
-        <p:nvPr/>
-      </p:nvGrpSpPr>
-      <p:grpSpPr>
-        <a:xfrm>
-          <a:off x="0" y="0"/>
-          <a:ext cx="0" cy="0"/>
-          <a:chOff x="0" y="0"/>
-          <a:chExt cx="0" cy="0"/>
-        </a:xfrm>
-      </p:grpSpPr>
-      <p:sp>
-        <p:nvSpPr>
-          <p:cNvPr id="2" name="Title 1">
-            <a:extLst>
-              <a:ext uri="{FF2B5EF4-FFF2-40B4-BE49-F238E27FC236}">
                 <a16:creationId xmlns:a16="http://schemas.microsoft.com/office/drawing/2014/main" id="{0AEB7B77-FA10-C46A-0CC0-5C6DA2DB31EB}"/>
               </a:ext>
             </a:extLst>
@@ -10890,7 +12677,7 @@
           <a:p>
             <a:fld id="{8A2B06E4-34D2-4DD4-ABFF-9F74AC2B18B5}" type="slidenum">
               <a:rPr lang="en-US" smtClean="0"/>
-              <a:t>21</a:t>
+              <a:t>25</a:t>
             </a:fld>
             <a:endParaRPr lang="en-US" dirty="0"/>
           </a:p>
@@ -10999,7 +12786,7 @@
 </p:sld>
 </file>
 
-<file path=ppt/slides/slide22.xml><?xml version="1.0" encoding="utf-8"?>
+<file path=ppt/slides/slide26.xml><?xml version="1.0" encoding="utf-8"?>
 <p:sld xmlns:a="http://schemas.openxmlformats.org/drawingml/2006/main" xmlns:r="http://schemas.openxmlformats.org/officeDocument/2006/relationships" xmlns:p="http://schemas.openxmlformats.org/presentationml/2006/main">
   <p:cSld>
     <p:spTree>
@@ -11039,7 +12826,7 @@
           <a:p>
             <a:fld id="{8A2B06E4-34D2-4DD4-ABFF-9F74AC2B18B5}" type="slidenum">
               <a:rPr lang="en-US" smtClean="0"/>
-              <a:t>22</a:t>
+              <a:t>26</a:t>
             </a:fld>
             <a:endParaRPr lang="en-US" dirty="0"/>
           </a:p>
@@ -11117,7 +12904,7 @@
 </p:sld>
 </file>
 
-<file path=ppt/slides/slide23.xml><?xml version="1.0" encoding="utf-8"?>
+<file path=ppt/slides/slide27.xml><?xml version="1.0" encoding="utf-8"?>
 <p:sld xmlns:a="http://schemas.openxmlformats.org/drawingml/2006/main" xmlns:r="http://schemas.openxmlformats.org/officeDocument/2006/relationships" xmlns:p="http://schemas.openxmlformats.org/presentationml/2006/main">
   <p:cSld>
     <p:spTree>
@@ -11213,7 +13000,7 @@
           <a:p>
             <a:fld id="{8A2B06E4-34D2-4DD4-ABFF-9F74AC2B18B5}" type="slidenum">
               <a:rPr lang="en-US" smtClean="0"/>
-              <a:t>23</a:t>
+              <a:t>27</a:t>
             </a:fld>
             <a:endParaRPr lang="en-US" dirty="0"/>
           </a:p>
@@ -11322,7 +13109,7 @@
 </p:sld>
 </file>
 
-<file path=ppt/slides/slide24.xml><?xml version="1.0" encoding="utf-8"?>
+<file path=ppt/slides/slide28.xml><?xml version="1.0" encoding="utf-8"?>
 <p:sld xmlns:a="http://schemas.openxmlformats.org/drawingml/2006/main" xmlns:r="http://schemas.openxmlformats.org/officeDocument/2006/relationships" xmlns:p="http://schemas.openxmlformats.org/presentationml/2006/main">
   <p:cSld>
     <p:spTree>
@@ -11390,7 +13177,7 @@
           <a:p>
             <a:fld id="{8A2B06E4-34D2-4DD4-ABFF-9F74AC2B18B5}" type="slidenum">
               <a:rPr lang="en-US" smtClean="0"/>
-              <a:t>24</a:t>
+              <a:t>28</a:t>
             </a:fld>
             <a:endParaRPr lang="en-US" dirty="0"/>
           </a:p>
@@ -11704,7 +13491,7 @@
 </p:sld>
 </file>
 
-<file path=ppt/slides/slide25.xml><?xml version="1.0" encoding="utf-8"?>
+<file path=ppt/slides/slide29.xml><?xml version="1.0" encoding="utf-8"?>
 <p:sld xmlns:a="http://schemas.openxmlformats.org/drawingml/2006/main" xmlns:r="http://schemas.openxmlformats.org/officeDocument/2006/relationships" xmlns:p="http://schemas.openxmlformats.org/presentationml/2006/main">
   <p:cSld>
     <p:spTree>
@@ -11772,7 +13559,7 @@
           <a:p>
             <a:fld id="{8A2B06E4-34D2-4DD4-ABFF-9F74AC2B18B5}" type="slidenum">
               <a:rPr lang="en-US" smtClean="0"/>
-              <a:t>25</a:t>
+              <a:t>29</a:t>
             </a:fld>
             <a:endParaRPr lang="en-US" dirty="0"/>
           </a:p>
@@ -12117,7 +13904,7 @@
 </p:sld>
 </file>
 
-<file path=ppt/slides/slide26.xml><?xml version="1.0" encoding="utf-8"?>
+<file path=ppt/slides/slide3.xml><?xml version="1.0" encoding="utf-8"?>
 <p:sld xmlns:a="http://schemas.openxmlformats.org/drawingml/2006/main" xmlns:r="http://schemas.openxmlformats.org/officeDocument/2006/relationships" xmlns:p="http://schemas.openxmlformats.org/presentationml/2006/main">
   <p:cSld>
     <p:spTree>
@@ -12139,6 +13926,118 @@
           <p:cNvPr id="2" name="Title 1">
             <a:extLst>
               <a:ext uri="{FF2B5EF4-FFF2-40B4-BE49-F238E27FC236}">
+                <a16:creationId xmlns:a16="http://schemas.microsoft.com/office/drawing/2014/main" id="{5341C237-6C29-DE8F-6C53-653F228530ED}"/>
+              </a:ext>
+            </a:extLst>
+          </p:cNvPr>
+          <p:cNvSpPr>
+            <a:spLocks noGrp="1"/>
+          </p:cNvSpPr>
+          <p:nvPr>
+            <p:ph type="title"/>
+          </p:nvPr>
+        </p:nvSpPr>
+        <p:spPr/>
+        <p:txBody>
+          <a:bodyPr/>
+          <a:lstStyle/>
+          <a:p>
+            <a:r>
+              <a:rPr lang="en-US" dirty="0"/>
+              <a:t>lab36</a:t>
+            </a:r>
+          </a:p>
+        </p:txBody>
+      </p:sp>
+      <p:sp>
+        <p:nvSpPr>
+          <p:cNvPr id="3" name="Content Placeholder 2">
+            <a:extLst>
+              <a:ext uri="{FF2B5EF4-FFF2-40B4-BE49-F238E27FC236}">
+                <a16:creationId xmlns:a16="http://schemas.microsoft.com/office/drawing/2014/main" id="{102F272C-2176-62B3-CEE5-B81FC02E7F2A}"/>
+              </a:ext>
+            </a:extLst>
+          </p:cNvPr>
+          <p:cNvSpPr>
+            <a:spLocks noGrp="1"/>
+          </p:cNvSpPr>
+          <p:nvPr>
+            <p:ph idx="1"/>
+          </p:nvPr>
+        </p:nvSpPr>
+        <p:spPr/>
+        <p:txBody>
+          <a:bodyPr/>
+          <a:lstStyle/>
+          <a:p>
+            <a:endParaRPr lang="en-US"/>
+          </a:p>
+        </p:txBody>
+      </p:sp>
+      <p:sp>
+        <p:nvSpPr>
+          <p:cNvPr id="4" name="Slide Number Placeholder 3">
+            <a:extLst>
+              <a:ext uri="{FF2B5EF4-FFF2-40B4-BE49-F238E27FC236}">
+                <a16:creationId xmlns:a16="http://schemas.microsoft.com/office/drawing/2014/main" id="{BA82B0D7-EEE9-5B86-CBA9-F6EB5F08A642}"/>
+              </a:ext>
+            </a:extLst>
+          </p:cNvPr>
+          <p:cNvSpPr>
+            <a:spLocks noGrp="1"/>
+          </p:cNvSpPr>
+          <p:nvPr>
+            <p:ph type="sldNum" sz="quarter" idx="12"/>
+          </p:nvPr>
+        </p:nvSpPr>
+        <p:spPr/>
+        <p:txBody>
+          <a:bodyPr/>
+          <a:lstStyle/>
+          <a:p>
+            <a:fld id="{8A2B06E4-34D2-4DD4-ABFF-9F74AC2B18B5}" type="slidenum">
+              <a:rPr lang="en-US" smtClean="0"/>
+              <a:t>3</a:t>
+            </a:fld>
+            <a:endParaRPr lang="en-US" dirty="0"/>
+          </a:p>
+        </p:txBody>
+      </p:sp>
+    </p:spTree>
+    <p:extLst>
+      <p:ext uri="{BB962C8B-B14F-4D97-AF65-F5344CB8AC3E}">
+        <p14:creationId xmlns:p14="http://schemas.microsoft.com/office/powerpoint/2010/main" val="2768999792"/>
+      </p:ext>
+    </p:extLst>
+  </p:cSld>
+  <p:clrMapOvr>
+    <a:masterClrMapping/>
+  </p:clrMapOvr>
+</p:sld>
+</file>
+
+<file path=ppt/slides/slide30.xml><?xml version="1.0" encoding="utf-8"?>
+<p:sld xmlns:a="http://schemas.openxmlformats.org/drawingml/2006/main" xmlns:r="http://schemas.openxmlformats.org/officeDocument/2006/relationships" xmlns:p="http://schemas.openxmlformats.org/presentationml/2006/main">
+  <p:cSld>
+    <p:spTree>
+      <p:nvGrpSpPr>
+        <p:cNvPr id="1" name=""/>
+        <p:cNvGrpSpPr/>
+        <p:nvPr/>
+      </p:nvGrpSpPr>
+      <p:grpSpPr>
+        <a:xfrm>
+          <a:off x="0" y="0"/>
+          <a:ext cx="0" cy="0"/>
+          <a:chOff x="0" y="0"/>
+          <a:chExt cx="0" cy="0"/>
+        </a:xfrm>
+      </p:grpSpPr>
+      <p:sp>
+        <p:nvSpPr>
+          <p:cNvPr id="2" name="Title 1">
+            <a:extLst>
+              <a:ext uri="{FF2B5EF4-FFF2-40B4-BE49-F238E27FC236}">
                 <a16:creationId xmlns:a16="http://schemas.microsoft.com/office/drawing/2014/main" id="{E6E7246E-6DDB-2F98-52B0-04AB5D144996}"/>
               </a:ext>
             </a:extLst>
@@ -12218,7 +14117,7 @@
           <a:p>
             <a:fld id="{8A2B06E4-34D2-4DD4-ABFF-9F74AC2B18B5}" type="slidenum">
               <a:rPr lang="en-US" smtClean="0"/>
-              <a:t>26</a:t>
+              <a:t>30</a:t>
             </a:fld>
             <a:endParaRPr lang="en-US" dirty="0"/>
           </a:p>
@@ -12725,7 +14624,7 @@
 </p:sld>
 </file>
 
-<file path=ppt/slides/slide27.xml><?xml version="1.0" encoding="utf-8"?>
+<file path=ppt/slides/slide31.xml><?xml version="1.0" encoding="utf-8"?>
 <p:sld xmlns:a="http://schemas.openxmlformats.org/drawingml/2006/main" xmlns:r="http://schemas.openxmlformats.org/officeDocument/2006/relationships" xmlns:p="http://schemas.openxmlformats.org/presentationml/2006/main">
   <p:cSld>
     <p:spTree>
@@ -12822,7 +14721,7 @@
           <a:p>
             <a:fld id="{8A2B06E4-34D2-4DD4-ABFF-9F74AC2B18B5}" type="slidenum">
               <a:rPr lang="en-US" smtClean="0"/>
-              <a:t>27</a:t>
+              <a:t>31</a:t>
             </a:fld>
             <a:endParaRPr lang="en-US" dirty="0"/>
           </a:p>
@@ -13324,7 +15223,7 @@
 </p:sld>
 </file>
 
-<file path=ppt/slides/slide28.xml><?xml version="1.0" encoding="utf-8"?>
+<file path=ppt/slides/slide32.xml><?xml version="1.0" encoding="utf-8"?>
 <p:sld xmlns:a="http://schemas.openxmlformats.org/drawingml/2006/main" xmlns:r="http://schemas.openxmlformats.org/officeDocument/2006/relationships" xmlns:p="http://schemas.openxmlformats.org/presentationml/2006/main">
   <p:cSld>
     <p:spTree>
@@ -13426,7 +15325,7 @@
           <a:p>
             <a:fld id="{8A2B06E4-34D2-4DD4-ABFF-9F74AC2B18B5}" type="slidenum">
               <a:rPr lang="en-US" smtClean="0"/>
-              <a:t>28</a:t>
+              <a:t>32</a:t>
             </a:fld>
             <a:endParaRPr lang="en-US" dirty="0"/>
           </a:p>
@@ -14180,7 +16079,7 @@
 </p:sld>
 </file>
 
-<file path=ppt/slides/slide29.xml><?xml version="1.0" encoding="utf-8"?>
+<file path=ppt/slides/slide33.xml><?xml version="1.0" encoding="utf-8"?>
 <p:sld xmlns:a="http://schemas.openxmlformats.org/drawingml/2006/main" xmlns:r="http://schemas.openxmlformats.org/officeDocument/2006/relationships" xmlns:p="http://schemas.openxmlformats.org/presentationml/2006/main">
   <p:cSld>
     <p:spTree>
@@ -14431,7 +16330,7 @@
           <a:p>
             <a:fld id="{8A2B06E4-34D2-4DD4-ABFF-9F74AC2B18B5}" type="slidenum">
               <a:rPr lang="en-US" smtClean="0"/>
-              <a:t>29</a:t>
+              <a:t>33</a:t>
             </a:fld>
             <a:endParaRPr lang="en-US" dirty="0"/>
           </a:p>
@@ -14450,7 +16349,7 @@
 </p:sld>
 </file>
 
-<file path=ppt/slides/slide3.xml><?xml version="1.0" encoding="utf-8"?>
+<file path=ppt/slides/slide34.xml><?xml version="1.0" encoding="utf-8"?>
 <p:sld xmlns:a="http://schemas.openxmlformats.org/drawingml/2006/main" xmlns:r="http://schemas.openxmlformats.org/officeDocument/2006/relationships" xmlns:p="http://schemas.openxmlformats.org/presentationml/2006/main">
   <p:cSld>
     <p:spTree>
@@ -14472,178 +16371,6 @@
           <p:cNvPr id="2" name="Title 1">
             <a:extLst>
               <a:ext uri="{FF2B5EF4-FFF2-40B4-BE49-F238E27FC236}">
-                <a16:creationId xmlns:a16="http://schemas.microsoft.com/office/drawing/2014/main" id="{63B19FFD-555C-673A-82D5-1766F95D704A}"/>
-              </a:ext>
-            </a:extLst>
-          </p:cNvPr>
-          <p:cNvSpPr>
-            <a:spLocks noGrp="1"/>
-          </p:cNvSpPr>
-          <p:nvPr>
-            <p:ph type="title"/>
-          </p:nvPr>
-        </p:nvSpPr>
-        <p:spPr/>
-        <p:txBody>
-          <a:bodyPr/>
-          <a:lstStyle/>
-          <a:p>
-            <a:r>
-              <a:rPr lang="en-US" dirty="0"/>
-              <a:t>lab33</a:t>
-            </a:r>
-          </a:p>
-        </p:txBody>
-      </p:sp>
-      <p:sp>
-        <p:nvSpPr>
-          <p:cNvPr id="3" name="Content Placeholder 2">
-            <a:extLst>
-              <a:ext uri="{FF2B5EF4-FFF2-40B4-BE49-F238E27FC236}">
-                <a16:creationId xmlns:a16="http://schemas.microsoft.com/office/drawing/2014/main" id="{130DB93F-F47C-DCC6-06F8-F6FC5C92DD64}"/>
-              </a:ext>
-            </a:extLst>
-          </p:cNvPr>
-          <p:cNvSpPr>
-            <a:spLocks noGrp="1"/>
-          </p:cNvSpPr>
-          <p:nvPr>
-            <p:ph idx="1"/>
-          </p:nvPr>
-        </p:nvSpPr>
-        <p:spPr/>
-        <p:txBody>
-          <a:bodyPr/>
-          <a:lstStyle/>
-          <a:p>
-            <a:endParaRPr lang="en-US" dirty="0"/>
-          </a:p>
-        </p:txBody>
-      </p:sp>
-      <p:sp>
-        <p:nvSpPr>
-          <p:cNvPr id="4" name="Slide Number Placeholder 3">
-            <a:extLst>
-              <a:ext uri="{FF2B5EF4-FFF2-40B4-BE49-F238E27FC236}">
-                <a16:creationId xmlns:a16="http://schemas.microsoft.com/office/drawing/2014/main" id="{C80EE293-8908-07B8-DC7E-60356F1A1147}"/>
-              </a:ext>
-            </a:extLst>
-          </p:cNvPr>
-          <p:cNvSpPr>
-            <a:spLocks noGrp="1"/>
-          </p:cNvSpPr>
-          <p:nvPr>
-            <p:ph type="sldNum" sz="quarter" idx="12"/>
-          </p:nvPr>
-        </p:nvSpPr>
-        <p:spPr/>
-        <p:txBody>
-          <a:bodyPr/>
-          <a:lstStyle/>
-          <a:p>
-            <a:fld id="{8A2B06E4-34D2-4DD4-ABFF-9F74AC2B18B5}" type="slidenum">
-              <a:rPr lang="en-US" smtClean="0"/>
-              <a:t>3</a:t>
-            </a:fld>
-            <a:endParaRPr lang="en-US" dirty="0"/>
-          </a:p>
-        </p:txBody>
-      </p:sp>
-      <p:pic>
-        <p:nvPicPr>
-          <p:cNvPr id="5" name="Picture 4">
-            <a:extLst>
-              <a:ext uri="{FF2B5EF4-FFF2-40B4-BE49-F238E27FC236}">
-                <a16:creationId xmlns:a16="http://schemas.microsoft.com/office/drawing/2014/main" id="{EED0D171-1788-B74D-03A8-DF1AD0D86A8F}"/>
-              </a:ext>
-            </a:extLst>
-          </p:cNvPr>
-          <p:cNvPicPr>
-            <a:picLocks noChangeAspect="1"/>
-          </p:cNvPicPr>
-          <p:nvPr/>
-        </p:nvPicPr>
-        <p:blipFill>
-          <a:blip r:embed="rId2"/>
-          <a:stretch>
-            <a:fillRect/>
-          </a:stretch>
-        </p:blipFill>
-        <p:spPr>
-          <a:xfrm>
-            <a:off x="1649555" y="429511"/>
-            <a:ext cx="8892890" cy="3634008"/>
-          </a:xfrm>
-          <a:prstGeom prst="rect">
-            <a:avLst/>
-          </a:prstGeom>
-        </p:spPr>
-      </p:pic>
-      <p:pic>
-        <p:nvPicPr>
-          <p:cNvPr id="6" name="Picture 5">
-            <a:extLst>
-              <a:ext uri="{FF2B5EF4-FFF2-40B4-BE49-F238E27FC236}">
-                <a16:creationId xmlns:a16="http://schemas.microsoft.com/office/drawing/2014/main" id="{C365A1A7-2559-E86F-8865-2BCC0B2AFD21}"/>
-              </a:ext>
-            </a:extLst>
-          </p:cNvPr>
-          <p:cNvPicPr>
-            <a:picLocks noChangeAspect="1"/>
-          </p:cNvPicPr>
-          <p:nvPr/>
-        </p:nvPicPr>
-        <p:blipFill>
-          <a:blip r:embed="rId3"/>
-          <a:stretch>
-            <a:fillRect/>
-          </a:stretch>
-        </p:blipFill>
-        <p:spPr>
-          <a:xfrm>
-            <a:off x="1728528" y="4289955"/>
-            <a:ext cx="6443533" cy="2319298"/>
-          </a:xfrm>
-          <a:prstGeom prst="rect">
-            <a:avLst/>
-          </a:prstGeom>
-        </p:spPr>
-      </p:pic>
-    </p:spTree>
-    <p:extLst>
-      <p:ext uri="{BB962C8B-B14F-4D97-AF65-F5344CB8AC3E}">
-        <p14:creationId xmlns:p14="http://schemas.microsoft.com/office/powerpoint/2010/main" val="400077400"/>
-      </p:ext>
-    </p:extLst>
-  </p:cSld>
-  <p:clrMapOvr>
-    <a:masterClrMapping/>
-  </p:clrMapOvr>
-</p:sld>
-</file>
-
-<file path=ppt/slides/slide30.xml><?xml version="1.0" encoding="utf-8"?>
-<p:sld xmlns:a="http://schemas.openxmlformats.org/drawingml/2006/main" xmlns:r="http://schemas.openxmlformats.org/officeDocument/2006/relationships" xmlns:p="http://schemas.openxmlformats.org/presentationml/2006/main">
-  <p:cSld>
-    <p:spTree>
-      <p:nvGrpSpPr>
-        <p:cNvPr id="1" name=""/>
-        <p:cNvGrpSpPr/>
-        <p:nvPr/>
-      </p:nvGrpSpPr>
-      <p:grpSpPr>
-        <a:xfrm>
-          <a:off x="0" y="0"/>
-          <a:ext cx="0" cy="0"/>
-          <a:chOff x="0" y="0"/>
-          <a:chExt cx="0" cy="0"/>
-        </a:xfrm>
-      </p:grpSpPr>
-      <p:sp>
-        <p:nvSpPr>
-          <p:cNvPr id="2" name="Title 1">
-            <a:extLst>
-              <a:ext uri="{FF2B5EF4-FFF2-40B4-BE49-F238E27FC236}">
                 <a16:creationId xmlns:a16="http://schemas.microsoft.com/office/drawing/2014/main" id="{0D90D065-03EF-C333-329D-B6A904037AA4}"/>
               </a:ext>
             </a:extLst>
@@ -14834,7 +16561,7 @@
           <a:p>
             <a:fld id="{8A2B06E4-34D2-4DD4-ABFF-9F74AC2B18B5}" type="slidenum">
               <a:rPr lang="en-US" smtClean="0"/>
-              <a:t>30</a:t>
+              <a:t>34</a:t>
             </a:fld>
             <a:endParaRPr lang="en-US" dirty="0"/>
           </a:p>
@@ -15516,7 +17243,7 @@
 </p:sld>
 </file>
 
-<file path=ppt/slides/slide31.xml><?xml version="1.0" encoding="utf-8"?>
+<file path=ppt/slides/slide35.xml><?xml version="1.0" encoding="utf-8"?>
 <p:sld xmlns:a="http://schemas.openxmlformats.org/drawingml/2006/main" xmlns:r="http://schemas.openxmlformats.org/officeDocument/2006/relationships" xmlns:p="http://schemas.openxmlformats.org/presentationml/2006/main">
   <p:cSld>
     <p:spTree>
@@ -15609,7 +17336,7 @@
           <a:p>
             <a:fld id="{8A2B06E4-34D2-4DD4-ABFF-9F74AC2B18B5}" type="slidenum">
               <a:rPr lang="en-US" smtClean="0"/>
-              <a:t>31</a:t>
+              <a:t>35</a:t>
             </a:fld>
             <a:endParaRPr lang="en-US" dirty="0"/>
           </a:p>
@@ -15789,7 +17516,7 @@
 </p:sld>
 </file>
 
-<file path=ppt/slides/slide32.xml><?xml version="1.0" encoding="utf-8"?>
+<file path=ppt/slides/slide36.xml><?xml version="1.0" encoding="utf-8"?>
 <p:sld xmlns:a="http://schemas.openxmlformats.org/drawingml/2006/main" xmlns:r="http://schemas.openxmlformats.org/officeDocument/2006/relationships" xmlns:p="http://schemas.openxmlformats.org/presentationml/2006/main">
   <p:cSld>
     <p:spTree>
@@ -15882,7 +17609,7 @@
           <a:p>
             <a:fld id="{8A2B06E4-34D2-4DD4-ABFF-9F74AC2B18B5}" type="slidenum">
               <a:rPr lang="en-US" smtClean="0"/>
-              <a:t>32</a:t>
+              <a:t>36</a:t>
             </a:fld>
             <a:endParaRPr lang="en-US" dirty="0"/>
           </a:p>
@@ -16380,7 +18107,7 @@
 </p:sld>
 </file>
 
-<file path=ppt/slides/slide33.xml><?xml version="1.0" encoding="utf-8"?>
+<file path=ppt/slides/slide37.xml><?xml version="1.0" encoding="utf-8"?>
 <p:sld xmlns:a="http://schemas.openxmlformats.org/drawingml/2006/main" xmlns:r="http://schemas.openxmlformats.org/officeDocument/2006/relationships" xmlns:p="http://schemas.openxmlformats.org/presentationml/2006/main">
   <p:cSld>
     <p:spTree>
@@ -16448,7 +18175,7 @@
           <a:p>
             <a:fld id="{8A2B06E4-34D2-4DD4-ABFF-9F74AC2B18B5}" type="slidenum">
               <a:rPr lang="en-US" smtClean="0"/>
-              <a:t>33</a:t>
+              <a:t>37</a:t>
             </a:fld>
             <a:endParaRPr lang="en-US" dirty="0"/>
           </a:p>
@@ -17537,7 +19264,7 @@
 </p:sld>
 </file>
 
-<file path=ppt/slides/slide34.xml><?xml version="1.0" encoding="utf-8"?>
+<file path=ppt/slides/slide38.xml><?xml version="1.0" encoding="utf-8"?>
 <p:sld xmlns:a="http://schemas.openxmlformats.org/drawingml/2006/main" xmlns:r="http://schemas.openxmlformats.org/officeDocument/2006/relationships" xmlns:p="http://schemas.openxmlformats.org/presentationml/2006/main">
   <p:cSld>
     <p:spTree>
@@ -17605,7 +19332,7 @@
           <a:p>
             <a:fld id="{8A2B06E4-34D2-4DD4-ABFF-9F74AC2B18B5}" type="slidenum">
               <a:rPr lang="en-US" smtClean="0"/>
-              <a:t>34</a:t>
+              <a:t>38</a:t>
             </a:fld>
             <a:endParaRPr lang="en-US" dirty="0"/>
           </a:p>
@@ -18072,7 +19799,7 @@
 </p:sld>
 </file>
 
-<file path=ppt/slides/slide35.xml><?xml version="1.0" encoding="utf-8"?>
+<file path=ppt/slides/slide39.xml><?xml version="1.0" encoding="utf-8"?>
 <p:sld xmlns:a="http://schemas.openxmlformats.org/drawingml/2006/main" xmlns:r="http://schemas.openxmlformats.org/officeDocument/2006/relationships" xmlns:p="http://schemas.openxmlformats.org/presentationml/2006/main">
   <p:cSld>
     <p:spTree>
@@ -18170,7 +19897,7 @@
           <a:p>
             <a:fld id="{8A2B06E4-34D2-4DD4-ABFF-9F74AC2B18B5}" type="slidenum">
               <a:rPr lang="en-US" smtClean="0"/>
-              <a:t>35</a:t>
+              <a:t>39</a:t>
             </a:fld>
             <a:endParaRPr lang="en-US" dirty="0"/>
           </a:p>
@@ -18799,7 +20526,7 @@
           <p:cNvPr id="2" name="Title 1">
             <a:extLst>
               <a:ext uri="{FF2B5EF4-FFF2-40B4-BE49-F238E27FC236}">
-                <a16:creationId xmlns:a16="http://schemas.microsoft.com/office/drawing/2014/main" id="{63B19FFD-555C-673A-82D5-1766F95D704A}"/>
+                <a16:creationId xmlns:a16="http://schemas.microsoft.com/office/drawing/2014/main" id="{5341C237-6C29-DE8F-6C53-653F228530ED}"/>
               </a:ext>
             </a:extLst>
           </p:cNvPr>
@@ -18817,8 +20544,38 @@
           <a:p>
             <a:r>
               <a:rPr lang="en-US" dirty="0"/>
-              <a:t>lab33</a:t>
-            </a:r>
+              <a:t>lab3</a:t>
+            </a:r>
+            <a:r>
+              <a:rPr lang="en-US" altLang="zh-TW" dirty="0"/>
+              <a:t>5</a:t>
+            </a:r>
+            <a:endParaRPr lang="en-US" dirty="0"/>
+          </a:p>
+        </p:txBody>
+      </p:sp>
+      <p:sp>
+        <p:nvSpPr>
+          <p:cNvPr id="3" name="Content Placeholder 2">
+            <a:extLst>
+              <a:ext uri="{FF2B5EF4-FFF2-40B4-BE49-F238E27FC236}">
+                <a16:creationId xmlns:a16="http://schemas.microsoft.com/office/drawing/2014/main" id="{102F272C-2176-62B3-CEE5-B81FC02E7F2A}"/>
+              </a:ext>
+            </a:extLst>
+          </p:cNvPr>
+          <p:cNvSpPr>
+            <a:spLocks noGrp="1"/>
+          </p:cNvSpPr>
+          <p:nvPr>
+            <p:ph idx="1"/>
+          </p:nvPr>
+        </p:nvSpPr>
+        <p:spPr/>
+        <p:txBody>
+          <a:bodyPr/>
+          <a:lstStyle/>
+          <a:p>
+            <a:endParaRPr lang="en-US"/>
           </a:p>
         </p:txBody>
       </p:sp>
@@ -18827,7 +20584,7 @@
           <p:cNvPr id="4" name="Slide Number Placeholder 3">
             <a:extLst>
               <a:ext uri="{FF2B5EF4-FFF2-40B4-BE49-F238E27FC236}">
-                <a16:creationId xmlns:a16="http://schemas.microsoft.com/office/drawing/2014/main" id="{C80EE293-8908-07B8-DC7E-60356F1A1147}"/>
+                <a16:creationId xmlns:a16="http://schemas.microsoft.com/office/drawing/2014/main" id="{BA82B0D7-EEE9-5B86-CBA9-F6EB5F08A642}"/>
               </a:ext>
             </a:extLst>
           </p:cNvPr>
@@ -18846,6 +20603,2040 @@
             <a:fld id="{8A2B06E4-34D2-4DD4-ABFF-9F74AC2B18B5}" type="slidenum">
               <a:rPr lang="en-US" smtClean="0"/>
               <a:t>4</a:t>
+            </a:fld>
+            <a:endParaRPr lang="en-US" dirty="0"/>
+          </a:p>
+        </p:txBody>
+      </p:sp>
+    </p:spTree>
+    <p:extLst>
+      <p:ext uri="{BB962C8B-B14F-4D97-AF65-F5344CB8AC3E}">
+        <p14:creationId xmlns:p14="http://schemas.microsoft.com/office/powerpoint/2010/main" val="124153823"/>
+      </p:ext>
+    </p:extLst>
+  </p:cSld>
+  <p:clrMapOvr>
+    <a:masterClrMapping/>
+  </p:clrMapOvr>
+</p:sld>
+</file>
+
+<file path=ppt/slides/slide5.xml><?xml version="1.0" encoding="utf-8"?>
+<p:sld xmlns:a="http://schemas.openxmlformats.org/drawingml/2006/main" xmlns:r="http://schemas.openxmlformats.org/officeDocument/2006/relationships" xmlns:p="http://schemas.openxmlformats.org/presentationml/2006/main">
+  <p:cSld>
+    <p:spTree>
+      <p:nvGrpSpPr>
+        <p:cNvPr id="1" name=""/>
+        <p:cNvGrpSpPr/>
+        <p:nvPr/>
+      </p:nvGrpSpPr>
+      <p:grpSpPr>
+        <a:xfrm>
+          <a:off x="0" y="0"/>
+          <a:ext cx="0" cy="0"/>
+          <a:chOff x="0" y="0"/>
+          <a:chExt cx="0" cy="0"/>
+        </a:xfrm>
+      </p:grpSpPr>
+      <p:sp>
+        <p:nvSpPr>
+          <p:cNvPr id="2" name="Title 1">
+            <a:extLst>
+              <a:ext uri="{FF2B5EF4-FFF2-40B4-BE49-F238E27FC236}">
+                <a16:creationId xmlns:a16="http://schemas.microsoft.com/office/drawing/2014/main" id="{5341C237-6C29-DE8F-6C53-653F228530ED}"/>
+              </a:ext>
+            </a:extLst>
+          </p:cNvPr>
+          <p:cNvSpPr>
+            <a:spLocks noGrp="1"/>
+          </p:cNvSpPr>
+          <p:nvPr>
+            <p:ph type="title"/>
+          </p:nvPr>
+        </p:nvSpPr>
+        <p:spPr/>
+        <p:txBody>
+          <a:bodyPr/>
+          <a:lstStyle/>
+          <a:p>
+            <a:r>
+              <a:rPr lang="en-US" dirty="0"/>
+              <a:t>lab3</a:t>
+            </a:r>
+            <a:r>
+              <a:rPr lang="en-US" altLang="zh-TW" dirty="0"/>
+              <a:t>5</a:t>
+            </a:r>
+            <a:endParaRPr lang="en-US" dirty="0"/>
+          </a:p>
+        </p:txBody>
+      </p:sp>
+      <p:sp>
+        <p:nvSpPr>
+          <p:cNvPr id="3" name="Content Placeholder 2">
+            <a:extLst>
+              <a:ext uri="{FF2B5EF4-FFF2-40B4-BE49-F238E27FC236}">
+                <a16:creationId xmlns:a16="http://schemas.microsoft.com/office/drawing/2014/main" id="{102F272C-2176-62B3-CEE5-B81FC02E7F2A}"/>
+              </a:ext>
+            </a:extLst>
+          </p:cNvPr>
+          <p:cNvSpPr>
+            <a:spLocks noGrp="1"/>
+          </p:cNvSpPr>
+          <p:nvPr>
+            <p:ph idx="1"/>
+          </p:nvPr>
+        </p:nvSpPr>
+        <p:spPr/>
+        <p:txBody>
+          <a:bodyPr/>
+          <a:lstStyle/>
+          <a:p>
+            <a:endParaRPr lang="en-US"/>
+          </a:p>
+        </p:txBody>
+      </p:sp>
+      <p:sp>
+        <p:nvSpPr>
+          <p:cNvPr id="4" name="Slide Number Placeholder 3">
+            <a:extLst>
+              <a:ext uri="{FF2B5EF4-FFF2-40B4-BE49-F238E27FC236}">
+                <a16:creationId xmlns:a16="http://schemas.microsoft.com/office/drawing/2014/main" id="{BA82B0D7-EEE9-5B86-CBA9-F6EB5F08A642}"/>
+              </a:ext>
+            </a:extLst>
+          </p:cNvPr>
+          <p:cNvSpPr>
+            <a:spLocks noGrp="1"/>
+          </p:cNvSpPr>
+          <p:nvPr>
+            <p:ph type="sldNum" sz="quarter" idx="12"/>
+          </p:nvPr>
+        </p:nvSpPr>
+        <p:spPr/>
+        <p:txBody>
+          <a:bodyPr/>
+          <a:lstStyle/>
+          <a:p>
+            <a:fld id="{8A2B06E4-34D2-4DD4-ABFF-9F74AC2B18B5}" type="slidenum">
+              <a:rPr lang="en-US" smtClean="0"/>
+              <a:t>5</a:t>
+            </a:fld>
+            <a:endParaRPr lang="en-US" dirty="0"/>
+          </a:p>
+        </p:txBody>
+      </p:sp>
+    </p:spTree>
+    <p:extLst>
+      <p:ext uri="{BB962C8B-B14F-4D97-AF65-F5344CB8AC3E}">
+        <p14:creationId xmlns:p14="http://schemas.microsoft.com/office/powerpoint/2010/main" val="3736139539"/>
+      </p:ext>
+    </p:extLst>
+  </p:cSld>
+  <p:clrMapOvr>
+    <a:masterClrMapping/>
+  </p:clrMapOvr>
+</p:sld>
+</file>
+
+<file path=ppt/slides/slide6.xml><?xml version="1.0" encoding="utf-8"?>
+<p:sld xmlns:a="http://schemas.openxmlformats.org/drawingml/2006/main" xmlns:r="http://schemas.openxmlformats.org/officeDocument/2006/relationships" xmlns:p="http://schemas.openxmlformats.org/presentationml/2006/main">
+  <p:cSld>
+    <p:spTree>
+      <p:nvGrpSpPr>
+        <p:cNvPr id="1" name=""/>
+        <p:cNvGrpSpPr/>
+        <p:nvPr/>
+      </p:nvGrpSpPr>
+      <p:grpSpPr>
+        <a:xfrm>
+          <a:off x="0" y="0"/>
+          <a:ext cx="0" cy="0"/>
+          <a:chOff x="0" y="0"/>
+          <a:chExt cx="0" cy="0"/>
+        </a:xfrm>
+      </p:grpSpPr>
+      <p:sp>
+        <p:nvSpPr>
+          <p:cNvPr id="2" name="Title 1">
+            <a:extLst>
+              <a:ext uri="{FF2B5EF4-FFF2-40B4-BE49-F238E27FC236}">
+                <a16:creationId xmlns:a16="http://schemas.microsoft.com/office/drawing/2014/main" id="{5341C237-6C29-DE8F-6C53-653F228530ED}"/>
+              </a:ext>
+            </a:extLst>
+          </p:cNvPr>
+          <p:cNvSpPr>
+            <a:spLocks noGrp="1"/>
+          </p:cNvSpPr>
+          <p:nvPr>
+            <p:ph type="title"/>
+          </p:nvPr>
+        </p:nvSpPr>
+        <p:spPr/>
+        <p:txBody>
+          <a:bodyPr/>
+          <a:lstStyle/>
+          <a:p>
+            <a:r>
+              <a:rPr lang="en-US" dirty="0"/>
+              <a:t>lab34, and, intersect, or</a:t>
+            </a:r>
+          </a:p>
+        </p:txBody>
+      </p:sp>
+      <p:sp>
+        <p:nvSpPr>
+          <p:cNvPr id="3" name="Content Placeholder 2">
+            <a:extLst>
+              <a:ext uri="{FF2B5EF4-FFF2-40B4-BE49-F238E27FC236}">
+                <a16:creationId xmlns:a16="http://schemas.microsoft.com/office/drawing/2014/main" id="{102F272C-2176-62B3-CEE5-B81FC02E7F2A}"/>
+              </a:ext>
+            </a:extLst>
+          </p:cNvPr>
+          <p:cNvSpPr>
+            <a:spLocks noGrp="1"/>
+          </p:cNvSpPr>
+          <p:nvPr>
+            <p:ph idx="1"/>
+          </p:nvPr>
+        </p:nvSpPr>
+        <p:spPr>
+          <a:xfrm>
+            <a:off x="590204" y="4291774"/>
+            <a:ext cx="10763596" cy="1803033"/>
+          </a:xfrm>
+        </p:spPr>
+        <p:txBody>
+          <a:bodyPr/>
+          <a:lstStyle/>
+          <a:p>
+            <a:r>
+              <a:rPr lang="en-US" sz="1400" dirty="0"/>
+              <a:t>reference </a:t>
+            </a:r>
+          </a:p>
+          <a:p>
+            <a:pPr lvl="1"/>
+            <a:r>
+              <a:rPr lang="en-US" sz="1200" dirty="0"/>
+              <a:t>https://www.asic-world.com/systemverilog/assertions8.html</a:t>
+            </a:r>
+          </a:p>
+          <a:p>
+            <a:endParaRPr lang="en-US" dirty="0"/>
+          </a:p>
+        </p:txBody>
+      </p:sp>
+      <p:sp>
+        <p:nvSpPr>
+          <p:cNvPr id="4" name="Slide Number Placeholder 3">
+            <a:extLst>
+              <a:ext uri="{FF2B5EF4-FFF2-40B4-BE49-F238E27FC236}">
+                <a16:creationId xmlns:a16="http://schemas.microsoft.com/office/drawing/2014/main" id="{BA82B0D7-EEE9-5B86-CBA9-F6EB5F08A642}"/>
+              </a:ext>
+            </a:extLst>
+          </p:cNvPr>
+          <p:cNvSpPr>
+            <a:spLocks noGrp="1"/>
+          </p:cNvSpPr>
+          <p:nvPr>
+            <p:ph type="sldNum" sz="quarter" idx="12"/>
+          </p:nvPr>
+        </p:nvSpPr>
+        <p:spPr/>
+        <p:txBody>
+          <a:bodyPr/>
+          <a:lstStyle/>
+          <a:p>
+            <a:fld id="{8A2B06E4-34D2-4DD4-ABFF-9F74AC2B18B5}" type="slidenum">
+              <a:rPr lang="en-US" smtClean="0"/>
+              <a:t>6</a:t>
+            </a:fld>
+            <a:endParaRPr lang="en-US" dirty="0"/>
+          </a:p>
+        </p:txBody>
+      </p:sp>
+      <p:cxnSp>
+        <p:nvCxnSpPr>
+          <p:cNvPr id="5" name="Straight Arrow Connector 4">
+            <a:extLst>
+              <a:ext uri="{FF2B5EF4-FFF2-40B4-BE49-F238E27FC236}">
+                <a16:creationId xmlns:a16="http://schemas.microsoft.com/office/drawing/2014/main" id="{C147AC7A-4607-6730-2157-465DF138D7F9}"/>
+              </a:ext>
+            </a:extLst>
+          </p:cNvPr>
+          <p:cNvCxnSpPr>
+            <a:cxnSpLocks/>
+          </p:cNvCxnSpPr>
+          <p:nvPr/>
+        </p:nvCxnSpPr>
+        <p:spPr>
+          <a:xfrm>
+            <a:off x="9840708" y="4585024"/>
+            <a:ext cx="1416035" cy="0"/>
+          </a:xfrm>
+          <a:prstGeom prst="straightConnector1">
+            <a:avLst/>
+          </a:prstGeom>
+          <a:ln w="28575">
+            <a:tailEnd type="triangle"/>
+          </a:ln>
+        </p:spPr>
+        <p:style>
+          <a:lnRef idx="1">
+            <a:schemeClr val="accent6"/>
+          </a:lnRef>
+          <a:fillRef idx="0">
+            <a:schemeClr val="accent6"/>
+          </a:fillRef>
+          <a:effectRef idx="0">
+            <a:schemeClr val="accent6"/>
+          </a:effectRef>
+          <a:fontRef idx="minor">
+            <a:schemeClr val="tx1"/>
+          </a:fontRef>
+        </p:style>
+      </p:cxnSp>
+      <p:cxnSp>
+        <p:nvCxnSpPr>
+          <p:cNvPr id="6" name="Straight Arrow Connector 5">
+            <a:extLst>
+              <a:ext uri="{FF2B5EF4-FFF2-40B4-BE49-F238E27FC236}">
+                <a16:creationId xmlns:a16="http://schemas.microsoft.com/office/drawing/2014/main" id="{F527989C-8EED-308A-5CA0-BBC0CF00D988}"/>
+              </a:ext>
+            </a:extLst>
+          </p:cNvPr>
+          <p:cNvCxnSpPr>
+            <a:cxnSpLocks/>
+          </p:cNvCxnSpPr>
+          <p:nvPr/>
+        </p:nvCxnSpPr>
+        <p:spPr>
+          <a:xfrm>
+            <a:off x="9840708" y="4868799"/>
+            <a:ext cx="1416035" cy="0"/>
+          </a:xfrm>
+          <a:prstGeom prst="straightConnector1">
+            <a:avLst/>
+          </a:prstGeom>
+          <a:ln w="28575">
+            <a:tailEnd type="triangle"/>
+          </a:ln>
+        </p:spPr>
+        <p:style>
+          <a:lnRef idx="1">
+            <a:schemeClr val="accent6"/>
+          </a:lnRef>
+          <a:fillRef idx="0">
+            <a:schemeClr val="accent6"/>
+          </a:fillRef>
+          <a:effectRef idx="0">
+            <a:schemeClr val="accent6"/>
+          </a:effectRef>
+          <a:fontRef idx="minor">
+            <a:schemeClr val="tx1"/>
+          </a:fontRef>
+        </p:style>
+      </p:cxnSp>
+      <p:cxnSp>
+        <p:nvCxnSpPr>
+          <p:cNvPr id="7" name="Straight Arrow Connector 6">
+            <a:extLst>
+              <a:ext uri="{FF2B5EF4-FFF2-40B4-BE49-F238E27FC236}">
+                <a16:creationId xmlns:a16="http://schemas.microsoft.com/office/drawing/2014/main" id="{3CA639BB-4979-C17A-B355-8E4D702D97C8}"/>
+              </a:ext>
+            </a:extLst>
+          </p:cNvPr>
+          <p:cNvCxnSpPr>
+            <a:cxnSpLocks/>
+          </p:cNvCxnSpPr>
+          <p:nvPr/>
+        </p:nvCxnSpPr>
+        <p:spPr>
+          <a:xfrm>
+            <a:off x="9840708" y="5700903"/>
+            <a:ext cx="1416035" cy="0"/>
+          </a:xfrm>
+          <a:prstGeom prst="straightConnector1">
+            <a:avLst/>
+          </a:prstGeom>
+          <a:ln w="28575">
+            <a:tailEnd type="triangle"/>
+          </a:ln>
+        </p:spPr>
+        <p:style>
+          <a:lnRef idx="1">
+            <a:schemeClr val="accent6"/>
+          </a:lnRef>
+          <a:fillRef idx="0">
+            <a:schemeClr val="accent6"/>
+          </a:fillRef>
+          <a:effectRef idx="0">
+            <a:schemeClr val="accent6"/>
+          </a:effectRef>
+          <a:fontRef idx="minor">
+            <a:schemeClr val="tx1"/>
+          </a:fontRef>
+        </p:style>
+      </p:cxnSp>
+      <p:cxnSp>
+        <p:nvCxnSpPr>
+          <p:cNvPr id="8" name="Straight Arrow Connector 7">
+            <a:extLst>
+              <a:ext uri="{FF2B5EF4-FFF2-40B4-BE49-F238E27FC236}">
+                <a16:creationId xmlns:a16="http://schemas.microsoft.com/office/drawing/2014/main" id="{973DABD3-5CDB-10ED-DD81-639586C77677}"/>
+              </a:ext>
+            </a:extLst>
+          </p:cNvPr>
+          <p:cNvCxnSpPr>
+            <a:cxnSpLocks/>
+          </p:cNvCxnSpPr>
+          <p:nvPr/>
+        </p:nvCxnSpPr>
+        <p:spPr>
+          <a:xfrm>
+            <a:off x="9840708" y="5883783"/>
+            <a:ext cx="977123" cy="0"/>
+          </a:xfrm>
+          <a:prstGeom prst="straightConnector1">
+            <a:avLst/>
+          </a:prstGeom>
+          <a:ln w="28575">
+            <a:tailEnd type="triangle"/>
+          </a:ln>
+        </p:spPr>
+        <p:style>
+          <a:lnRef idx="1">
+            <a:schemeClr val="accent6"/>
+          </a:lnRef>
+          <a:fillRef idx="0">
+            <a:schemeClr val="accent6"/>
+          </a:fillRef>
+          <a:effectRef idx="0">
+            <a:schemeClr val="accent6"/>
+          </a:effectRef>
+          <a:fontRef idx="minor">
+            <a:schemeClr val="tx1"/>
+          </a:fontRef>
+        </p:style>
+      </p:cxnSp>
+      <p:cxnSp>
+        <p:nvCxnSpPr>
+          <p:cNvPr id="9" name="Straight Connector 8">
+            <a:extLst>
+              <a:ext uri="{FF2B5EF4-FFF2-40B4-BE49-F238E27FC236}">
+                <a16:creationId xmlns:a16="http://schemas.microsoft.com/office/drawing/2014/main" id="{483237CA-8BFE-A097-825F-051843630BB6}"/>
+              </a:ext>
+            </a:extLst>
+          </p:cNvPr>
+          <p:cNvCxnSpPr>
+            <a:cxnSpLocks/>
+          </p:cNvCxnSpPr>
+          <p:nvPr/>
+        </p:nvCxnSpPr>
+        <p:spPr>
+          <a:xfrm>
+            <a:off x="9840708" y="4295215"/>
+            <a:ext cx="0" cy="1867841"/>
+          </a:xfrm>
+          <a:prstGeom prst="line">
+            <a:avLst/>
+          </a:prstGeom>
+          <a:ln w="19050"/>
+        </p:spPr>
+        <p:style>
+          <a:lnRef idx="1">
+            <a:schemeClr val="dk1"/>
+          </a:lnRef>
+          <a:fillRef idx="0">
+            <a:schemeClr val="dk1"/>
+          </a:fillRef>
+          <a:effectRef idx="0">
+            <a:schemeClr val="dk1"/>
+          </a:effectRef>
+          <a:fontRef idx="minor">
+            <a:schemeClr val="tx1"/>
+          </a:fontRef>
+        </p:style>
+      </p:cxnSp>
+      <p:cxnSp>
+        <p:nvCxnSpPr>
+          <p:cNvPr id="10" name="Straight Connector 9">
+            <a:extLst>
+              <a:ext uri="{FF2B5EF4-FFF2-40B4-BE49-F238E27FC236}">
+                <a16:creationId xmlns:a16="http://schemas.microsoft.com/office/drawing/2014/main" id="{0812EC6F-927D-4DDA-2FD4-34B36465F245}"/>
+              </a:ext>
+            </a:extLst>
+          </p:cNvPr>
+          <p:cNvCxnSpPr>
+            <a:cxnSpLocks/>
+          </p:cNvCxnSpPr>
+          <p:nvPr/>
+        </p:nvCxnSpPr>
+        <p:spPr>
+          <a:xfrm>
+            <a:off x="11256743" y="4295215"/>
+            <a:ext cx="0" cy="1867841"/>
+          </a:xfrm>
+          <a:prstGeom prst="line">
+            <a:avLst/>
+          </a:prstGeom>
+          <a:ln w="19050"/>
+        </p:spPr>
+        <p:style>
+          <a:lnRef idx="1">
+            <a:schemeClr val="dk1"/>
+          </a:lnRef>
+          <a:fillRef idx="0">
+            <a:schemeClr val="dk1"/>
+          </a:fillRef>
+          <a:effectRef idx="0">
+            <a:schemeClr val="dk1"/>
+          </a:effectRef>
+          <a:fontRef idx="minor">
+            <a:schemeClr val="tx1"/>
+          </a:fontRef>
+        </p:style>
+      </p:cxnSp>
+      <p:sp>
+        <p:nvSpPr>
+          <p:cNvPr id="11" name="Rectangle: Rounded Corners 10">
+            <a:extLst>
+              <a:ext uri="{FF2B5EF4-FFF2-40B4-BE49-F238E27FC236}">
+                <a16:creationId xmlns:a16="http://schemas.microsoft.com/office/drawing/2014/main" id="{70F56C8B-1720-FCEC-256E-6E884820857B}"/>
+              </a:ext>
+            </a:extLst>
+          </p:cNvPr>
+          <p:cNvSpPr/>
+          <p:nvPr/>
+        </p:nvSpPr>
+        <p:spPr>
+          <a:xfrm>
+            <a:off x="9406369" y="4435010"/>
+            <a:ext cx="429767" cy="287003"/>
+          </a:xfrm>
+          <a:prstGeom prst="roundRect">
+            <a:avLst/>
+          </a:prstGeom>
+          <a:solidFill>
+            <a:srgbClr val="00B050"/>
+          </a:solidFill>
+          <a:ln w="19050">
+            <a:solidFill>
+              <a:schemeClr val="tx1"/>
+            </a:solidFill>
+          </a:ln>
+        </p:spPr>
+        <p:style>
+          <a:lnRef idx="2">
+            <a:schemeClr val="accent1">
+              <a:shade val="50000"/>
+            </a:schemeClr>
+          </a:lnRef>
+          <a:fillRef idx="1">
+            <a:schemeClr val="accent1"/>
+          </a:fillRef>
+          <a:effectRef idx="0">
+            <a:schemeClr val="accent1"/>
+          </a:effectRef>
+          <a:fontRef idx="minor">
+            <a:schemeClr val="lt1"/>
+          </a:fontRef>
+        </p:style>
+        <p:txBody>
+          <a:bodyPr rtlCol="0" anchor="t"/>
+          <a:lstStyle/>
+          <a:p>
+            <a:pPr algn="ctr"/>
+            <a:r>
+              <a:rPr lang="en-US" sz="1000" dirty="0"/>
+              <a:t>s1</a:t>
+            </a:r>
+          </a:p>
+        </p:txBody>
+      </p:sp>
+      <p:sp>
+        <p:nvSpPr>
+          <p:cNvPr id="12" name="Rectangle: Rounded Corners 11">
+            <a:extLst>
+              <a:ext uri="{FF2B5EF4-FFF2-40B4-BE49-F238E27FC236}">
+                <a16:creationId xmlns:a16="http://schemas.microsoft.com/office/drawing/2014/main" id="{93AE5E3A-6F0B-7BCC-7321-A90CE78C08EA}"/>
+              </a:ext>
+            </a:extLst>
+          </p:cNvPr>
+          <p:cNvSpPr/>
+          <p:nvPr/>
+        </p:nvSpPr>
+        <p:spPr>
+          <a:xfrm>
+            <a:off x="9406369" y="4754880"/>
+            <a:ext cx="429767" cy="287003"/>
+          </a:xfrm>
+          <a:prstGeom prst="roundRect">
+            <a:avLst/>
+          </a:prstGeom>
+          <a:solidFill>
+            <a:srgbClr val="00B050"/>
+          </a:solidFill>
+          <a:ln w="19050">
+            <a:solidFill>
+              <a:schemeClr val="tx1"/>
+            </a:solidFill>
+          </a:ln>
+        </p:spPr>
+        <p:style>
+          <a:lnRef idx="2">
+            <a:schemeClr val="accent1">
+              <a:shade val="50000"/>
+            </a:schemeClr>
+          </a:lnRef>
+          <a:fillRef idx="1">
+            <a:schemeClr val="accent1"/>
+          </a:fillRef>
+          <a:effectRef idx="0">
+            <a:schemeClr val="accent1"/>
+          </a:effectRef>
+          <a:fontRef idx="minor">
+            <a:schemeClr val="lt1"/>
+          </a:fontRef>
+        </p:style>
+        <p:txBody>
+          <a:bodyPr rtlCol="0" anchor="t"/>
+          <a:lstStyle/>
+          <a:p>
+            <a:pPr algn="ctr"/>
+            <a:r>
+              <a:rPr lang="en-US" sz="1000" dirty="0"/>
+              <a:t>s2</a:t>
+            </a:r>
+          </a:p>
+        </p:txBody>
+      </p:sp>
+      <p:sp>
+        <p:nvSpPr>
+          <p:cNvPr id="13" name="Rectangle: Rounded Corners 12">
+            <a:extLst>
+              <a:ext uri="{FF2B5EF4-FFF2-40B4-BE49-F238E27FC236}">
+                <a16:creationId xmlns:a16="http://schemas.microsoft.com/office/drawing/2014/main" id="{C87A96F6-A76F-6516-C907-B707E886FFF4}"/>
+              </a:ext>
+            </a:extLst>
+          </p:cNvPr>
+          <p:cNvSpPr/>
+          <p:nvPr/>
+        </p:nvSpPr>
+        <p:spPr>
+          <a:xfrm>
+            <a:off x="9406369" y="5517682"/>
+            <a:ext cx="429767" cy="287003"/>
+          </a:xfrm>
+          <a:prstGeom prst="roundRect">
+            <a:avLst/>
+          </a:prstGeom>
+          <a:solidFill>
+            <a:srgbClr val="00B050"/>
+          </a:solidFill>
+          <a:ln w="19050">
+            <a:solidFill>
+              <a:schemeClr val="tx1"/>
+            </a:solidFill>
+          </a:ln>
+        </p:spPr>
+        <p:style>
+          <a:lnRef idx="2">
+            <a:schemeClr val="accent1">
+              <a:shade val="50000"/>
+            </a:schemeClr>
+          </a:lnRef>
+          <a:fillRef idx="1">
+            <a:schemeClr val="accent1"/>
+          </a:fillRef>
+          <a:effectRef idx="0">
+            <a:schemeClr val="accent1"/>
+          </a:effectRef>
+          <a:fontRef idx="minor">
+            <a:schemeClr val="lt1"/>
+          </a:fontRef>
+        </p:style>
+        <p:txBody>
+          <a:bodyPr rtlCol="0" anchor="t"/>
+          <a:lstStyle/>
+          <a:p>
+            <a:pPr algn="ctr"/>
+            <a:r>
+              <a:rPr lang="en-US" sz="1000" dirty="0"/>
+              <a:t>s1</a:t>
+            </a:r>
+          </a:p>
+        </p:txBody>
+      </p:sp>
+      <p:sp>
+        <p:nvSpPr>
+          <p:cNvPr id="14" name="Rectangle: Rounded Corners 13">
+            <a:extLst>
+              <a:ext uri="{FF2B5EF4-FFF2-40B4-BE49-F238E27FC236}">
+                <a16:creationId xmlns:a16="http://schemas.microsoft.com/office/drawing/2014/main" id="{081B3D78-9841-EE1B-6AAC-D09C6BF699B2}"/>
+              </a:ext>
+            </a:extLst>
+          </p:cNvPr>
+          <p:cNvSpPr/>
+          <p:nvPr/>
+        </p:nvSpPr>
+        <p:spPr>
+          <a:xfrm>
+            <a:off x="9406369" y="5837552"/>
+            <a:ext cx="429767" cy="287003"/>
+          </a:xfrm>
+          <a:prstGeom prst="roundRect">
+            <a:avLst/>
+          </a:prstGeom>
+          <a:solidFill>
+            <a:srgbClr val="00B050"/>
+          </a:solidFill>
+          <a:ln w="19050">
+            <a:solidFill>
+              <a:schemeClr val="tx1"/>
+            </a:solidFill>
+          </a:ln>
+        </p:spPr>
+        <p:style>
+          <a:lnRef idx="2">
+            <a:schemeClr val="accent1">
+              <a:shade val="50000"/>
+            </a:schemeClr>
+          </a:lnRef>
+          <a:fillRef idx="1">
+            <a:schemeClr val="accent1"/>
+          </a:fillRef>
+          <a:effectRef idx="0">
+            <a:schemeClr val="accent1"/>
+          </a:effectRef>
+          <a:fontRef idx="minor">
+            <a:schemeClr val="lt1"/>
+          </a:fontRef>
+        </p:style>
+        <p:txBody>
+          <a:bodyPr rtlCol="0" anchor="t"/>
+          <a:lstStyle/>
+          <a:p>
+            <a:pPr algn="ctr"/>
+            <a:r>
+              <a:rPr lang="en-US" sz="1000" dirty="0"/>
+              <a:t>s2</a:t>
+            </a:r>
+          </a:p>
+        </p:txBody>
+      </p:sp>
+      <p:sp>
+        <p:nvSpPr>
+          <p:cNvPr id="15" name="Content Placeholder 2">
+            <a:extLst>
+              <a:ext uri="{FF2B5EF4-FFF2-40B4-BE49-F238E27FC236}">
+                <a16:creationId xmlns:a16="http://schemas.microsoft.com/office/drawing/2014/main" id="{53BCFD8E-9532-C859-00CE-F8A969E3F5F3}"/>
+              </a:ext>
+            </a:extLst>
+          </p:cNvPr>
+          <p:cNvSpPr txBox="1">
+            <a:spLocks/>
+          </p:cNvSpPr>
+          <p:nvPr/>
+        </p:nvSpPr>
+        <p:spPr>
+          <a:xfrm>
+            <a:off x="9584677" y="4061392"/>
+            <a:ext cx="925286" cy="416103"/>
+          </a:xfrm>
+          <a:prstGeom prst="rect">
+            <a:avLst/>
+          </a:prstGeom>
+        </p:spPr>
+        <p:txBody>
+          <a:bodyPr vert="horz" lIns="0" tIns="45720" rIns="91440" bIns="45720" rtlCol="0">
+            <a:noAutofit/>
+          </a:bodyPr>
+          <a:lstStyle>
+            <a:lvl1pPr marL="346075" indent="-288925" algn="l" defTabSz="914400" rtl="0" eaLnBrk="1" latinLnBrk="0" hangingPunct="1">
+              <a:lnSpc>
+                <a:spcPct val="90000"/>
+              </a:lnSpc>
+              <a:spcBef>
+                <a:spcPts val="1600"/>
+              </a:spcBef>
+              <a:spcAft>
+                <a:spcPts val="200"/>
+              </a:spcAft>
+              <a:buClr>
+                <a:schemeClr val="tx2"/>
+              </a:buClr>
+              <a:buSzPct val="100000"/>
+              <a:buFont typeface="Arial" panose="020B0604020202020204" pitchFamily="34" charset="0"/>
+              <a:buChar char="•"/>
+              <a:tabLst/>
+              <a:defRPr lang="en-US" sz="1400" kern="1200" dirty="0">
+                <a:solidFill>
+                  <a:schemeClr val="tx1"/>
+                </a:solidFill>
+                <a:latin typeface="Arial" panose="020B0604020202020204" pitchFamily="34" charset="0"/>
+                <a:ea typeface="+mn-ea"/>
+                <a:cs typeface="+mn-cs"/>
+              </a:defRPr>
+            </a:lvl1pPr>
+            <a:lvl2pPr marL="738188" indent="-280988" algn="l" defTabSz="914400" rtl="0" eaLnBrk="1" latinLnBrk="0" hangingPunct="1">
+              <a:lnSpc>
+                <a:spcPct val="90000"/>
+              </a:lnSpc>
+              <a:spcBef>
+                <a:spcPts val="300"/>
+              </a:spcBef>
+              <a:spcAft>
+                <a:spcPts val="600"/>
+              </a:spcAft>
+              <a:buClr>
+                <a:schemeClr val="tx2"/>
+              </a:buClr>
+              <a:buSzPct val="60000"/>
+              <a:buFont typeface="Courier New" panose="02070309020205020404" pitchFamily="49" charset="0"/>
+              <a:buChar char="o"/>
+              <a:tabLst/>
+              <a:defRPr lang="en-US" sz="1200" kern="1200" dirty="0">
+                <a:solidFill>
+                  <a:schemeClr val="tx1"/>
+                </a:solidFill>
+                <a:latin typeface="Arial" panose="020B0604020202020204" pitchFamily="34" charset="0"/>
+                <a:ea typeface="+mn-ea"/>
+                <a:cs typeface="+mn-cs"/>
+              </a:defRPr>
+            </a:lvl2pPr>
+            <a:lvl3pPr marL="1200150" indent="-285750" algn="l" defTabSz="914400" rtl="0" eaLnBrk="1" latinLnBrk="0" hangingPunct="1">
+              <a:lnSpc>
+                <a:spcPct val="90000"/>
+              </a:lnSpc>
+              <a:spcBef>
+                <a:spcPts val="300"/>
+              </a:spcBef>
+              <a:spcAft>
+                <a:spcPts val="500"/>
+              </a:spcAft>
+              <a:buClr>
+                <a:schemeClr val="tx2"/>
+              </a:buClr>
+              <a:buSzPct val="100000"/>
+              <a:buFont typeface="Rubik Light" panose="00000400000000000000" pitchFamily="2" charset="-79"/>
+              <a:buChar char="–"/>
+              <a:tabLst/>
+              <a:defRPr lang="en-US" sz="1200" kern="1200" dirty="0">
+                <a:solidFill>
+                  <a:schemeClr val="tx1"/>
+                </a:solidFill>
+                <a:latin typeface="Arial" panose="020B0604020202020204" pitchFamily="34" charset="0"/>
+                <a:ea typeface="+mn-ea"/>
+                <a:cs typeface="+mn-cs"/>
+              </a:defRPr>
+            </a:lvl3pPr>
+            <a:lvl4pPr marL="1652588" indent="-280988" algn="l" defTabSz="914400" rtl="0" eaLnBrk="1" latinLnBrk="0" hangingPunct="1">
+              <a:lnSpc>
+                <a:spcPct val="90000"/>
+              </a:lnSpc>
+              <a:spcBef>
+                <a:spcPts val="500"/>
+              </a:spcBef>
+              <a:spcAft>
+                <a:spcPts val="1200"/>
+              </a:spcAft>
+              <a:buClr>
+                <a:schemeClr val="accent2"/>
+              </a:buClr>
+              <a:buSzPct val="115000"/>
+              <a:buFont typeface=".Lucida Grande UI Regular"/>
+              <a:buChar char="▹"/>
+              <a:tabLst/>
+              <a:defRPr sz="1200" kern="1200">
+                <a:solidFill>
+                  <a:schemeClr val="tx1"/>
+                </a:solidFill>
+                <a:latin typeface="+mn-lt"/>
+                <a:ea typeface="+mn-ea"/>
+                <a:cs typeface="+mn-cs"/>
+              </a:defRPr>
+            </a:lvl4pPr>
+            <a:lvl5pPr marL="2170113" indent="-341313" algn="l" defTabSz="914400" rtl="0" eaLnBrk="1" latinLnBrk="0" hangingPunct="1">
+              <a:lnSpc>
+                <a:spcPct val="90000"/>
+              </a:lnSpc>
+              <a:spcBef>
+                <a:spcPts val="500"/>
+              </a:spcBef>
+              <a:spcAft>
+                <a:spcPts val="1200"/>
+              </a:spcAft>
+              <a:buClr>
+                <a:schemeClr val="accent2"/>
+              </a:buClr>
+              <a:buSzPct val="115000"/>
+              <a:buFont typeface=".Lucida Grande UI Regular"/>
+              <a:buChar char="▹"/>
+              <a:tabLst/>
+              <a:defRPr sz="1500" kern="1200">
+                <a:solidFill>
+                  <a:schemeClr val="tx2"/>
+                </a:solidFill>
+                <a:latin typeface="+mn-lt"/>
+                <a:ea typeface="+mn-ea"/>
+                <a:cs typeface="+mn-cs"/>
+              </a:defRPr>
+            </a:lvl5pPr>
+            <a:lvl6pPr marL="2514600" indent="-228600" algn="l" defTabSz="914400" rtl="0" eaLnBrk="1" latinLnBrk="0" hangingPunct="1">
+              <a:lnSpc>
+                <a:spcPct val="90000"/>
+              </a:lnSpc>
+              <a:spcBef>
+                <a:spcPts val="500"/>
+              </a:spcBef>
+              <a:buFont typeface="Arial" panose="020B0604020202020204" pitchFamily="34" charset="0"/>
+              <a:buChar char="•"/>
+              <a:defRPr sz="1800" kern="1200">
+                <a:solidFill>
+                  <a:schemeClr val="tx1"/>
+                </a:solidFill>
+                <a:latin typeface="+mn-lt"/>
+                <a:ea typeface="+mn-ea"/>
+                <a:cs typeface="+mn-cs"/>
+              </a:defRPr>
+            </a:lvl6pPr>
+            <a:lvl7pPr marL="2971800" indent="-228600" algn="l" defTabSz="914400" rtl="0" eaLnBrk="1" latinLnBrk="0" hangingPunct="1">
+              <a:lnSpc>
+                <a:spcPct val="90000"/>
+              </a:lnSpc>
+              <a:spcBef>
+                <a:spcPts val="500"/>
+              </a:spcBef>
+              <a:buFont typeface="Arial" panose="020B0604020202020204" pitchFamily="34" charset="0"/>
+              <a:buChar char="•"/>
+              <a:defRPr sz="1800" kern="1200">
+                <a:solidFill>
+                  <a:schemeClr val="tx1"/>
+                </a:solidFill>
+                <a:latin typeface="+mn-lt"/>
+                <a:ea typeface="+mn-ea"/>
+                <a:cs typeface="+mn-cs"/>
+              </a:defRPr>
+            </a:lvl7pPr>
+            <a:lvl8pPr marL="3429000" indent="-228600" algn="l" defTabSz="914400" rtl="0" eaLnBrk="1" latinLnBrk="0" hangingPunct="1">
+              <a:lnSpc>
+                <a:spcPct val="90000"/>
+              </a:lnSpc>
+              <a:spcBef>
+                <a:spcPts val="500"/>
+              </a:spcBef>
+              <a:buFont typeface="Arial" panose="020B0604020202020204" pitchFamily="34" charset="0"/>
+              <a:buChar char="•"/>
+              <a:defRPr sz="1800" kern="1200">
+                <a:solidFill>
+                  <a:schemeClr val="tx1"/>
+                </a:solidFill>
+                <a:latin typeface="+mn-lt"/>
+                <a:ea typeface="+mn-ea"/>
+                <a:cs typeface="+mn-cs"/>
+              </a:defRPr>
+            </a:lvl8pPr>
+            <a:lvl9pPr marL="3886200" indent="-228600" algn="l" defTabSz="914400" rtl="0" eaLnBrk="1" latinLnBrk="0" hangingPunct="1">
+              <a:lnSpc>
+                <a:spcPct val="90000"/>
+              </a:lnSpc>
+              <a:spcBef>
+                <a:spcPts val="500"/>
+              </a:spcBef>
+              <a:buFont typeface="Arial" panose="020B0604020202020204" pitchFamily="34" charset="0"/>
+              <a:buChar char="•"/>
+              <a:defRPr sz="1800" kern="1200">
+                <a:solidFill>
+                  <a:schemeClr val="tx1"/>
+                </a:solidFill>
+                <a:latin typeface="+mn-lt"/>
+                <a:ea typeface="+mn-ea"/>
+                <a:cs typeface="+mn-cs"/>
+              </a:defRPr>
+            </a:lvl9pPr>
+          </a:lstStyle>
+          <a:p>
+            <a:pPr marL="57150" indent="0">
+              <a:buNone/>
+            </a:pPr>
+            <a:r>
+              <a:rPr lang="en-US" dirty="0"/>
+              <a:t>start</a:t>
+            </a:r>
+          </a:p>
+        </p:txBody>
+      </p:sp>
+      <p:sp>
+        <p:nvSpPr>
+          <p:cNvPr id="16" name="Content Placeholder 2">
+            <a:extLst>
+              <a:ext uri="{FF2B5EF4-FFF2-40B4-BE49-F238E27FC236}">
+                <a16:creationId xmlns:a16="http://schemas.microsoft.com/office/drawing/2014/main" id="{636BDD39-9D6C-EBFB-3954-1E7E33968E66}"/>
+              </a:ext>
+            </a:extLst>
+          </p:cNvPr>
+          <p:cNvSpPr txBox="1">
+            <a:spLocks/>
+          </p:cNvSpPr>
+          <p:nvPr/>
+        </p:nvSpPr>
+        <p:spPr>
+          <a:xfrm>
+            <a:off x="11035058" y="4061392"/>
+            <a:ext cx="710629" cy="416103"/>
+          </a:xfrm>
+          <a:prstGeom prst="rect">
+            <a:avLst/>
+          </a:prstGeom>
+        </p:spPr>
+        <p:txBody>
+          <a:bodyPr vert="horz" lIns="0" tIns="45720" rIns="91440" bIns="45720" rtlCol="0">
+            <a:noAutofit/>
+          </a:bodyPr>
+          <a:lstStyle>
+            <a:lvl1pPr marL="346075" indent="-288925" algn="l" defTabSz="914400" rtl="0" eaLnBrk="1" latinLnBrk="0" hangingPunct="1">
+              <a:lnSpc>
+                <a:spcPct val="90000"/>
+              </a:lnSpc>
+              <a:spcBef>
+                <a:spcPts val="1600"/>
+              </a:spcBef>
+              <a:spcAft>
+                <a:spcPts val="200"/>
+              </a:spcAft>
+              <a:buClr>
+                <a:schemeClr val="tx2"/>
+              </a:buClr>
+              <a:buSzPct val="100000"/>
+              <a:buFont typeface="Arial" panose="020B0604020202020204" pitchFamily="34" charset="0"/>
+              <a:buChar char="•"/>
+              <a:tabLst/>
+              <a:defRPr lang="en-US" sz="1400" kern="1200" dirty="0">
+                <a:solidFill>
+                  <a:schemeClr val="tx1"/>
+                </a:solidFill>
+                <a:latin typeface="Arial" panose="020B0604020202020204" pitchFamily="34" charset="0"/>
+                <a:ea typeface="+mn-ea"/>
+                <a:cs typeface="+mn-cs"/>
+              </a:defRPr>
+            </a:lvl1pPr>
+            <a:lvl2pPr marL="738188" indent="-280988" algn="l" defTabSz="914400" rtl="0" eaLnBrk="1" latinLnBrk="0" hangingPunct="1">
+              <a:lnSpc>
+                <a:spcPct val="90000"/>
+              </a:lnSpc>
+              <a:spcBef>
+                <a:spcPts val="300"/>
+              </a:spcBef>
+              <a:spcAft>
+                <a:spcPts val="600"/>
+              </a:spcAft>
+              <a:buClr>
+                <a:schemeClr val="tx2"/>
+              </a:buClr>
+              <a:buSzPct val="60000"/>
+              <a:buFont typeface="Courier New" panose="02070309020205020404" pitchFamily="49" charset="0"/>
+              <a:buChar char="o"/>
+              <a:tabLst/>
+              <a:defRPr lang="en-US" sz="1200" kern="1200" dirty="0">
+                <a:solidFill>
+                  <a:schemeClr val="tx1"/>
+                </a:solidFill>
+                <a:latin typeface="Arial" panose="020B0604020202020204" pitchFamily="34" charset="0"/>
+                <a:ea typeface="+mn-ea"/>
+                <a:cs typeface="+mn-cs"/>
+              </a:defRPr>
+            </a:lvl2pPr>
+            <a:lvl3pPr marL="1200150" indent="-285750" algn="l" defTabSz="914400" rtl="0" eaLnBrk="1" latinLnBrk="0" hangingPunct="1">
+              <a:lnSpc>
+                <a:spcPct val="90000"/>
+              </a:lnSpc>
+              <a:spcBef>
+                <a:spcPts val="300"/>
+              </a:spcBef>
+              <a:spcAft>
+                <a:spcPts val="500"/>
+              </a:spcAft>
+              <a:buClr>
+                <a:schemeClr val="tx2"/>
+              </a:buClr>
+              <a:buSzPct val="100000"/>
+              <a:buFont typeface="Rubik Light" panose="00000400000000000000" pitchFamily="2" charset="-79"/>
+              <a:buChar char="–"/>
+              <a:tabLst/>
+              <a:defRPr lang="en-US" sz="1200" kern="1200" dirty="0">
+                <a:solidFill>
+                  <a:schemeClr val="tx1"/>
+                </a:solidFill>
+                <a:latin typeface="Arial" panose="020B0604020202020204" pitchFamily="34" charset="0"/>
+                <a:ea typeface="+mn-ea"/>
+                <a:cs typeface="+mn-cs"/>
+              </a:defRPr>
+            </a:lvl3pPr>
+            <a:lvl4pPr marL="1652588" indent="-280988" algn="l" defTabSz="914400" rtl="0" eaLnBrk="1" latinLnBrk="0" hangingPunct="1">
+              <a:lnSpc>
+                <a:spcPct val="90000"/>
+              </a:lnSpc>
+              <a:spcBef>
+                <a:spcPts val="500"/>
+              </a:spcBef>
+              <a:spcAft>
+                <a:spcPts val="1200"/>
+              </a:spcAft>
+              <a:buClr>
+                <a:schemeClr val="accent2"/>
+              </a:buClr>
+              <a:buSzPct val="115000"/>
+              <a:buFont typeface=".Lucida Grande UI Regular"/>
+              <a:buChar char="▹"/>
+              <a:tabLst/>
+              <a:defRPr sz="1200" kern="1200">
+                <a:solidFill>
+                  <a:schemeClr val="tx1"/>
+                </a:solidFill>
+                <a:latin typeface="+mn-lt"/>
+                <a:ea typeface="+mn-ea"/>
+                <a:cs typeface="+mn-cs"/>
+              </a:defRPr>
+            </a:lvl4pPr>
+            <a:lvl5pPr marL="2170113" indent="-341313" algn="l" defTabSz="914400" rtl="0" eaLnBrk="1" latinLnBrk="0" hangingPunct="1">
+              <a:lnSpc>
+                <a:spcPct val="90000"/>
+              </a:lnSpc>
+              <a:spcBef>
+                <a:spcPts val="500"/>
+              </a:spcBef>
+              <a:spcAft>
+                <a:spcPts val="1200"/>
+              </a:spcAft>
+              <a:buClr>
+                <a:schemeClr val="accent2"/>
+              </a:buClr>
+              <a:buSzPct val="115000"/>
+              <a:buFont typeface=".Lucida Grande UI Regular"/>
+              <a:buChar char="▹"/>
+              <a:tabLst/>
+              <a:defRPr sz="1500" kern="1200">
+                <a:solidFill>
+                  <a:schemeClr val="tx2"/>
+                </a:solidFill>
+                <a:latin typeface="+mn-lt"/>
+                <a:ea typeface="+mn-ea"/>
+                <a:cs typeface="+mn-cs"/>
+              </a:defRPr>
+            </a:lvl5pPr>
+            <a:lvl6pPr marL="2514600" indent="-228600" algn="l" defTabSz="914400" rtl="0" eaLnBrk="1" latinLnBrk="0" hangingPunct="1">
+              <a:lnSpc>
+                <a:spcPct val="90000"/>
+              </a:lnSpc>
+              <a:spcBef>
+                <a:spcPts val="500"/>
+              </a:spcBef>
+              <a:buFont typeface="Arial" panose="020B0604020202020204" pitchFamily="34" charset="0"/>
+              <a:buChar char="•"/>
+              <a:defRPr sz="1800" kern="1200">
+                <a:solidFill>
+                  <a:schemeClr val="tx1"/>
+                </a:solidFill>
+                <a:latin typeface="+mn-lt"/>
+                <a:ea typeface="+mn-ea"/>
+                <a:cs typeface="+mn-cs"/>
+              </a:defRPr>
+            </a:lvl6pPr>
+            <a:lvl7pPr marL="2971800" indent="-228600" algn="l" defTabSz="914400" rtl="0" eaLnBrk="1" latinLnBrk="0" hangingPunct="1">
+              <a:lnSpc>
+                <a:spcPct val="90000"/>
+              </a:lnSpc>
+              <a:spcBef>
+                <a:spcPts val="500"/>
+              </a:spcBef>
+              <a:buFont typeface="Arial" panose="020B0604020202020204" pitchFamily="34" charset="0"/>
+              <a:buChar char="•"/>
+              <a:defRPr sz="1800" kern="1200">
+                <a:solidFill>
+                  <a:schemeClr val="tx1"/>
+                </a:solidFill>
+                <a:latin typeface="+mn-lt"/>
+                <a:ea typeface="+mn-ea"/>
+                <a:cs typeface="+mn-cs"/>
+              </a:defRPr>
+            </a:lvl7pPr>
+            <a:lvl8pPr marL="3429000" indent="-228600" algn="l" defTabSz="914400" rtl="0" eaLnBrk="1" latinLnBrk="0" hangingPunct="1">
+              <a:lnSpc>
+                <a:spcPct val="90000"/>
+              </a:lnSpc>
+              <a:spcBef>
+                <a:spcPts val="500"/>
+              </a:spcBef>
+              <a:buFont typeface="Arial" panose="020B0604020202020204" pitchFamily="34" charset="0"/>
+              <a:buChar char="•"/>
+              <a:defRPr sz="1800" kern="1200">
+                <a:solidFill>
+                  <a:schemeClr val="tx1"/>
+                </a:solidFill>
+                <a:latin typeface="+mn-lt"/>
+                <a:ea typeface="+mn-ea"/>
+                <a:cs typeface="+mn-cs"/>
+              </a:defRPr>
+            </a:lvl8pPr>
+            <a:lvl9pPr marL="3886200" indent="-228600" algn="l" defTabSz="914400" rtl="0" eaLnBrk="1" latinLnBrk="0" hangingPunct="1">
+              <a:lnSpc>
+                <a:spcPct val="90000"/>
+              </a:lnSpc>
+              <a:spcBef>
+                <a:spcPts val="500"/>
+              </a:spcBef>
+              <a:buFont typeface="Arial" panose="020B0604020202020204" pitchFamily="34" charset="0"/>
+              <a:buChar char="•"/>
+              <a:defRPr sz="1800" kern="1200">
+                <a:solidFill>
+                  <a:schemeClr val="tx1"/>
+                </a:solidFill>
+                <a:latin typeface="+mn-lt"/>
+                <a:ea typeface="+mn-ea"/>
+                <a:cs typeface="+mn-cs"/>
+              </a:defRPr>
+            </a:lvl9pPr>
+          </a:lstStyle>
+          <a:p>
+            <a:pPr marL="57150" indent="0">
+              <a:buNone/>
+            </a:pPr>
+            <a:r>
+              <a:rPr lang="en-US" dirty="0"/>
+              <a:t>finish</a:t>
+            </a:r>
+          </a:p>
+        </p:txBody>
+      </p:sp>
+      <p:sp>
+        <p:nvSpPr>
+          <p:cNvPr id="17" name="Content Placeholder 2">
+            <a:extLst>
+              <a:ext uri="{FF2B5EF4-FFF2-40B4-BE49-F238E27FC236}">
+                <a16:creationId xmlns:a16="http://schemas.microsoft.com/office/drawing/2014/main" id="{4652530B-A120-DAF1-6E83-54AA5A834EEF}"/>
+              </a:ext>
+            </a:extLst>
+          </p:cNvPr>
+          <p:cNvSpPr txBox="1">
+            <a:spLocks/>
+          </p:cNvSpPr>
+          <p:nvPr/>
+        </p:nvSpPr>
+        <p:spPr>
+          <a:xfrm>
+            <a:off x="8348951" y="5483410"/>
+            <a:ext cx="925286" cy="416103"/>
+          </a:xfrm>
+          <a:prstGeom prst="rect">
+            <a:avLst/>
+          </a:prstGeom>
+        </p:spPr>
+        <p:txBody>
+          <a:bodyPr vert="horz" lIns="0" tIns="45720" rIns="91440" bIns="45720" rtlCol="0">
+            <a:noAutofit/>
+          </a:bodyPr>
+          <a:lstStyle>
+            <a:lvl1pPr marL="346075" indent="-288925" algn="l" defTabSz="914400" rtl="0" eaLnBrk="1" latinLnBrk="0" hangingPunct="1">
+              <a:lnSpc>
+                <a:spcPct val="90000"/>
+              </a:lnSpc>
+              <a:spcBef>
+                <a:spcPts val="1600"/>
+              </a:spcBef>
+              <a:spcAft>
+                <a:spcPts val="200"/>
+              </a:spcAft>
+              <a:buClr>
+                <a:schemeClr val="tx2"/>
+              </a:buClr>
+              <a:buSzPct val="100000"/>
+              <a:buFont typeface="Arial" panose="020B0604020202020204" pitchFamily="34" charset="0"/>
+              <a:buChar char="•"/>
+              <a:tabLst/>
+              <a:defRPr lang="en-US" sz="1400" kern="1200" dirty="0">
+                <a:solidFill>
+                  <a:schemeClr val="tx1"/>
+                </a:solidFill>
+                <a:latin typeface="Arial" panose="020B0604020202020204" pitchFamily="34" charset="0"/>
+                <a:ea typeface="+mn-ea"/>
+                <a:cs typeface="+mn-cs"/>
+              </a:defRPr>
+            </a:lvl1pPr>
+            <a:lvl2pPr marL="738188" indent="-280988" algn="l" defTabSz="914400" rtl="0" eaLnBrk="1" latinLnBrk="0" hangingPunct="1">
+              <a:lnSpc>
+                <a:spcPct val="90000"/>
+              </a:lnSpc>
+              <a:spcBef>
+                <a:spcPts val="300"/>
+              </a:spcBef>
+              <a:spcAft>
+                <a:spcPts val="600"/>
+              </a:spcAft>
+              <a:buClr>
+                <a:schemeClr val="tx2"/>
+              </a:buClr>
+              <a:buSzPct val="60000"/>
+              <a:buFont typeface="Courier New" panose="02070309020205020404" pitchFamily="49" charset="0"/>
+              <a:buChar char="o"/>
+              <a:tabLst/>
+              <a:defRPr lang="en-US" sz="1200" kern="1200" dirty="0">
+                <a:solidFill>
+                  <a:schemeClr val="tx1"/>
+                </a:solidFill>
+                <a:latin typeface="Arial" panose="020B0604020202020204" pitchFamily="34" charset="0"/>
+                <a:ea typeface="+mn-ea"/>
+                <a:cs typeface="+mn-cs"/>
+              </a:defRPr>
+            </a:lvl2pPr>
+            <a:lvl3pPr marL="1200150" indent="-285750" algn="l" defTabSz="914400" rtl="0" eaLnBrk="1" latinLnBrk="0" hangingPunct="1">
+              <a:lnSpc>
+                <a:spcPct val="90000"/>
+              </a:lnSpc>
+              <a:spcBef>
+                <a:spcPts val="300"/>
+              </a:spcBef>
+              <a:spcAft>
+                <a:spcPts val="500"/>
+              </a:spcAft>
+              <a:buClr>
+                <a:schemeClr val="tx2"/>
+              </a:buClr>
+              <a:buSzPct val="100000"/>
+              <a:buFont typeface="Rubik Light" panose="00000400000000000000" pitchFamily="2" charset="-79"/>
+              <a:buChar char="–"/>
+              <a:tabLst/>
+              <a:defRPr lang="en-US" sz="1200" kern="1200" dirty="0">
+                <a:solidFill>
+                  <a:schemeClr val="tx1"/>
+                </a:solidFill>
+                <a:latin typeface="Arial" panose="020B0604020202020204" pitchFamily="34" charset="0"/>
+                <a:ea typeface="+mn-ea"/>
+                <a:cs typeface="+mn-cs"/>
+              </a:defRPr>
+            </a:lvl3pPr>
+            <a:lvl4pPr marL="1652588" indent="-280988" algn="l" defTabSz="914400" rtl="0" eaLnBrk="1" latinLnBrk="0" hangingPunct="1">
+              <a:lnSpc>
+                <a:spcPct val="90000"/>
+              </a:lnSpc>
+              <a:spcBef>
+                <a:spcPts val="500"/>
+              </a:spcBef>
+              <a:spcAft>
+                <a:spcPts val="1200"/>
+              </a:spcAft>
+              <a:buClr>
+                <a:schemeClr val="accent2"/>
+              </a:buClr>
+              <a:buSzPct val="115000"/>
+              <a:buFont typeface=".Lucida Grande UI Regular"/>
+              <a:buChar char="▹"/>
+              <a:tabLst/>
+              <a:defRPr sz="1200" kern="1200">
+                <a:solidFill>
+                  <a:schemeClr val="tx1"/>
+                </a:solidFill>
+                <a:latin typeface="+mn-lt"/>
+                <a:ea typeface="+mn-ea"/>
+                <a:cs typeface="+mn-cs"/>
+              </a:defRPr>
+            </a:lvl4pPr>
+            <a:lvl5pPr marL="2170113" indent="-341313" algn="l" defTabSz="914400" rtl="0" eaLnBrk="1" latinLnBrk="0" hangingPunct="1">
+              <a:lnSpc>
+                <a:spcPct val="90000"/>
+              </a:lnSpc>
+              <a:spcBef>
+                <a:spcPts val="500"/>
+              </a:spcBef>
+              <a:spcAft>
+                <a:spcPts val="1200"/>
+              </a:spcAft>
+              <a:buClr>
+                <a:schemeClr val="accent2"/>
+              </a:buClr>
+              <a:buSzPct val="115000"/>
+              <a:buFont typeface=".Lucida Grande UI Regular"/>
+              <a:buChar char="▹"/>
+              <a:tabLst/>
+              <a:defRPr sz="1500" kern="1200">
+                <a:solidFill>
+                  <a:schemeClr val="tx2"/>
+                </a:solidFill>
+                <a:latin typeface="+mn-lt"/>
+                <a:ea typeface="+mn-ea"/>
+                <a:cs typeface="+mn-cs"/>
+              </a:defRPr>
+            </a:lvl5pPr>
+            <a:lvl6pPr marL="2514600" indent="-228600" algn="l" defTabSz="914400" rtl="0" eaLnBrk="1" latinLnBrk="0" hangingPunct="1">
+              <a:lnSpc>
+                <a:spcPct val="90000"/>
+              </a:lnSpc>
+              <a:spcBef>
+                <a:spcPts val="500"/>
+              </a:spcBef>
+              <a:buFont typeface="Arial" panose="020B0604020202020204" pitchFamily="34" charset="0"/>
+              <a:buChar char="•"/>
+              <a:defRPr sz="1800" kern="1200">
+                <a:solidFill>
+                  <a:schemeClr val="tx1"/>
+                </a:solidFill>
+                <a:latin typeface="+mn-lt"/>
+                <a:ea typeface="+mn-ea"/>
+                <a:cs typeface="+mn-cs"/>
+              </a:defRPr>
+            </a:lvl6pPr>
+            <a:lvl7pPr marL="2971800" indent="-228600" algn="l" defTabSz="914400" rtl="0" eaLnBrk="1" latinLnBrk="0" hangingPunct="1">
+              <a:lnSpc>
+                <a:spcPct val="90000"/>
+              </a:lnSpc>
+              <a:spcBef>
+                <a:spcPts val="500"/>
+              </a:spcBef>
+              <a:buFont typeface="Arial" panose="020B0604020202020204" pitchFamily="34" charset="0"/>
+              <a:buChar char="•"/>
+              <a:defRPr sz="1800" kern="1200">
+                <a:solidFill>
+                  <a:schemeClr val="tx1"/>
+                </a:solidFill>
+                <a:latin typeface="+mn-lt"/>
+                <a:ea typeface="+mn-ea"/>
+                <a:cs typeface="+mn-cs"/>
+              </a:defRPr>
+            </a:lvl7pPr>
+            <a:lvl8pPr marL="3429000" indent="-228600" algn="l" defTabSz="914400" rtl="0" eaLnBrk="1" latinLnBrk="0" hangingPunct="1">
+              <a:lnSpc>
+                <a:spcPct val="90000"/>
+              </a:lnSpc>
+              <a:spcBef>
+                <a:spcPts val="500"/>
+              </a:spcBef>
+              <a:buFont typeface="Arial" panose="020B0604020202020204" pitchFamily="34" charset="0"/>
+              <a:buChar char="•"/>
+              <a:defRPr sz="1800" kern="1200">
+                <a:solidFill>
+                  <a:schemeClr val="tx1"/>
+                </a:solidFill>
+                <a:latin typeface="+mn-lt"/>
+                <a:ea typeface="+mn-ea"/>
+                <a:cs typeface="+mn-cs"/>
+              </a:defRPr>
+            </a:lvl8pPr>
+            <a:lvl9pPr marL="3886200" indent="-228600" algn="l" defTabSz="914400" rtl="0" eaLnBrk="1" latinLnBrk="0" hangingPunct="1">
+              <a:lnSpc>
+                <a:spcPct val="90000"/>
+              </a:lnSpc>
+              <a:spcBef>
+                <a:spcPts val="500"/>
+              </a:spcBef>
+              <a:buFont typeface="Arial" panose="020B0604020202020204" pitchFamily="34" charset="0"/>
+              <a:buChar char="•"/>
+              <a:defRPr sz="1800" kern="1200">
+                <a:solidFill>
+                  <a:schemeClr val="tx1"/>
+                </a:solidFill>
+                <a:latin typeface="+mn-lt"/>
+                <a:ea typeface="+mn-ea"/>
+                <a:cs typeface="+mn-cs"/>
+              </a:defRPr>
+            </a:lvl9pPr>
+          </a:lstStyle>
+          <a:p>
+            <a:pPr marL="57150" indent="0">
+              <a:buNone/>
+            </a:pPr>
+            <a:r>
+              <a:rPr lang="en-US" dirty="0"/>
+              <a:t>and:</a:t>
+            </a:r>
+          </a:p>
+        </p:txBody>
+      </p:sp>
+      <p:sp>
+        <p:nvSpPr>
+          <p:cNvPr id="18" name="Content Placeholder 2">
+            <a:extLst>
+              <a:ext uri="{FF2B5EF4-FFF2-40B4-BE49-F238E27FC236}">
+                <a16:creationId xmlns:a16="http://schemas.microsoft.com/office/drawing/2014/main" id="{A267BB70-66D5-2E04-ACB3-4BEA8EA39BDE}"/>
+              </a:ext>
+            </a:extLst>
+          </p:cNvPr>
+          <p:cNvSpPr txBox="1">
+            <a:spLocks/>
+          </p:cNvSpPr>
+          <p:nvPr/>
+        </p:nvSpPr>
+        <p:spPr>
+          <a:xfrm>
+            <a:off x="8348951" y="4439033"/>
+            <a:ext cx="925286" cy="416103"/>
+          </a:xfrm>
+          <a:prstGeom prst="rect">
+            <a:avLst/>
+          </a:prstGeom>
+        </p:spPr>
+        <p:txBody>
+          <a:bodyPr vert="horz" lIns="0" tIns="45720" rIns="91440" bIns="45720" rtlCol="0">
+            <a:noAutofit/>
+          </a:bodyPr>
+          <a:lstStyle>
+            <a:lvl1pPr marL="346075" indent="-288925" algn="l" defTabSz="914400" rtl="0" eaLnBrk="1" latinLnBrk="0" hangingPunct="1">
+              <a:lnSpc>
+                <a:spcPct val="90000"/>
+              </a:lnSpc>
+              <a:spcBef>
+                <a:spcPts val="1600"/>
+              </a:spcBef>
+              <a:spcAft>
+                <a:spcPts val="200"/>
+              </a:spcAft>
+              <a:buClr>
+                <a:schemeClr val="tx2"/>
+              </a:buClr>
+              <a:buSzPct val="100000"/>
+              <a:buFont typeface="Arial" panose="020B0604020202020204" pitchFamily="34" charset="0"/>
+              <a:buChar char="•"/>
+              <a:tabLst/>
+              <a:defRPr lang="en-US" sz="1400" kern="1200" dirty="0">
+                <a:solidFill>
+                  <a:schemeClr val="tx1"/>
+                </a:solidFill>
+                <a:latin typeface="Arial" panose="020B0604020202020204" pitchFamily="34" charset="0"/>
+                <a:ea typeface="+mn-ea"/>
+                <a:cs typeface="+mn-cs"/>
+              </a:defRPr>
+            </a:lvl1pPr>
+            <a:lvl2pPr marL="738188" indent="-280988" algn="l" defTabSz="914400" rtl="0" eaLnBrk="1" latinLnBrk="0" hangingPunct="1">
+              <a:lnSpc>
+                <a:spcPct val="90000"/>
+              </a:lnSpc>
+              <a:spcBef>
+                <a:spcPts val="300"/>
+              </a:spcBef>
+              <a:spcAft>
+                <a:spcPts val="600"/>
+              </a:spcAft>
+              <a:buClr>
+                <a:schemeClr val="tx2"/>
+              </a:buClr>
+              <a:buSzPct val="60000"/>
+              <a:buFont typeface="Courier New" panose="02070309020205020404" pitchFamily="49" charset="0"/>
+              <a:buChar char="o"/>
+              <a:tabLst/>
+              <a:defRPr lang="en-US" sz="1200" kern="1200" dirty="0">
+                <a:solidFill>
+                  <a:schemeClr val="tx1"/>
+                </a:solidFill>
+                <a:latin typeface="Arial" panose="020B0604020202020204" pitchFamily="34" charset="0"/>
+                <a:ea typeface="+mn-ea"/>
+                <a:cs typeface="+mn-cs"/>
+              </a:defRPr>
+            </a:lvl2pPr>
+            <a:lvl3pPr marL="1200150" indent="-285750" algn="l" defTabSz="914400" rtl="0" eaLnBrk="1" latinLnBrk="0" hangingPunct="1">
+              <a:lnSpc>
+                <a:spcPct val="90000"/>
+              </a:lnSpc>
+              <a:spcBef>
+                <a:spcPts val="300"/>
+              </a:spcBef>
+              <a:spcAft>
+                <a:spcPts val="500"/>
+              </a:spcAft>
+              <a:buClr>
+                <a:schemeClr val="tx2"/>
+              </a:buClr>
+              <a:buSzPct val="100000"/>
+              <a:buFont typeface="Rubik Light" panose="00000400000000000000" pitchFamily="2" charset="-79"/>
+              <a:buChar char="–"/>
+              <a:tabLst/>
+              <a:defRPr lang="en-US" sz="1200" kern="1200" dirty="0">
+                <a:solidFill>
+                  <a:schemeClr val="tx1"/>
+                </a:solidFill>
+                <a:latin typeface="Arial" panose="020B0604020202020204" pitchFamily="34" charset="0"/>
+                <a:ea typeface="+mn-ea"/>
+                <a:cs typeface="+mn-cs"/>
+              </a:defRPr>
+            </a:lvl3pPr>
+            <a:lvl4pPr marL="1652588" indent="-280988" algn="l" defTabSz="914400" rtl="0" eaLnBrk="1" latinLnBrk="0" hangingPunct="1">
+              <a:lnSpc>
+                <a:spcPct val="90000"/>
+              </a:lnSpc>
+              <a:spcBef>
+                <a:spcPts val="500"/>
+              </a:spcBef>
+              <a:spcAft>
+                <a:spcPts val="1200"/>
+              </a:spcAft>
+              <a:buClr>
+                <a:schemeClr val="accent2"/>
+              </a:buClr>
+              <a:buSzPct val="115000"/>
+              <a:buFont typeface=".Lucida Grande UI Regular"/>
+              <a:buChar char="▹"/>
+              <a:tabLst/>
+              <a:defRPr sz="1200" kern="1200">
+                <a:solidFill>
+                  <a:schemeClr val="tx1"/>
+                </a:solidFill>
+                <a:latin typeface="+mn-lt"/>
+                <a:ea typeface="+mn-ea"/>
+                <a:cs typeface="+mn-cs"/>
+              </a:defRPr>
+            </a:lvl4pPr>
+            <a:lvl5pPr marL="2170113" indent="-341313" algn="l" defTabSz="914400" rtl="0" eaLnBrk="1" latinLnBrk="0" hangingPunct="1">
+              <a:lnSpc>
+                <a:spcPct val="90000"/>
+              </a:lnSpc>
+              <a:spcBef>
+                <a:spcPts val="500"/>
+              </a:spcBef>
+              <a:spcAft>
+                <a:spcPts val="1200"/>
+              </a:spcAft>
+              <a:buClr>
+                <a:schemeClr val="accent2"/>
+              </a:buClr>
+              <a:buSzPct val="115000"/>
+              <a:buFont typeface=".Lucida Grande UI Regular"/>
+              <a:buChar char="▹"/>
+              <a:tabLst/>
+              <a:defRPr sz="1500" kern="1200">
+                <a:solidFill>
+                  <a:schemeClr val="tx2"/>
+                </a:solidFill>
+                <a:latin typeface="+mn-lt"/>
+                <a:ea typeface="+mn-ea"/>
+                <a:cs typeface="+mn-cs"/>
+              </a:defRPr>
+            </a:lvl5pPr>
+            <a:lvl6pPr marL="2514600" indent="-228600" algn="l" defTabSz="914400" rtl="0" eaLnBrk="1" latinLnBrk="0" hangingPunct="1">
+              <a:lnSpc>
+                <a:spcPct val="90000"/>
+              </a:lnSpc>
+              <a:spcBef>
+                <a:spcPts val="500"/>
+              </a:spcBef>
+              <a:buFont typeface="Arial" panose="020B0604020202020204" pitchFamily="34" charset="0"/>
+              <a:buChar char="•"/>
+              <a:defRPr sz="1800" kern="1200">
+                <a:solidFill>
+                  <a:schemeClr val="tx1"/>
+                </a:solidFill>
+                <a:latin typeface="+mn-lt"/>
+                <a:ea typeface="+mn-ea"/>
+                <a:cs typeface="+mn-cs"/>
+              </a:defRPr>
+            </a:lvl6pPr>
+            <a:lvl7pPr marL="2971800" indent="-228600" algn="l" defTabSz="914400" rtl="0" eaLnBrk="1" latinLnBrk="0" hangingPunct="1">
+              <a:lnSpc>
+                <a:spcPct val="90000"/>
+              </a:lnSpc>
+              <a:spcBef>
+                <a:spcPts val="500"/>
+              </a:spcBef>
+              <a:buFont typeface="Arial" panose="020B0604020202020204" pitchFamily="34" charset="0"/>
+              <a:buChar char="•"/>
+              <a:defRPr sz="1800" kern="1200">
+                <a:solidFill>
+                  <a:schemeClr val="tx1"/>
+                </a:solidFill>
+                <a:latin typeface="+mn-lt"/>
+                <a:ea typeface="+mn-ea"/>
+                <a:cs typeface="+mn-cs"/>
+              </a:defRPr>
+            </a:lvl7pPr>
+            <a:lvl8pPr marL="3429000" indent="-228600" algn="l" defTabSz="914400" rtl="0" eaLnBrk="1" latinLnBrk="0" hangingPunct="1">
+              <a:lnSpc>
+                <a:spcPct val="90000"/>
+              </a:lnSpc>
+              <a:spcBef>
+                <a:spcPts val="500"/>
+              </a:spcBef>
+              <a:buFont typeface="Arial" panose="020B0604020202020204" pitchFamily="34" charset="0"/>
+              <a:buChar char="•"/>
+              <a:defRPr sz="1800" kern="1200">
+                <a:solidFill>
+                  <a:schemeClr val="tx1"/>
+                </a:solidFill>
+                <a:latin typeface="+mn-lt"/>
+                <a:ea typeface="+mn-ea"/>
+                <a:cs typeface="+mn-cs"/>
+              </a:defRPr>
+            </a:lvl8pPr>
+            <a:lvl9pPr marL="3886200" indent="-228600" algn="l" defTabSz="914400" rtl="0" eaLnBrk="1" latinLnBrk="0" hangingPunct="1">
+              <a:lnSpc>
+                <a:spcPct val="90000"/>
+              </a:lnSpc>
+              <a:spcBef>
+                <a:spcPts val="500"/>
+              </a:spcBef>
+              <a:buFont typeface="Arial" panose="020B0604020202020204" pitchFamily="34" charset="0"/>
+              <a:buChar char="•"/>
+              <a:defRPr sz="1800" kern="1200">
+                <a:solidFill>
+                  <a:schemeClr val="tx1"/>
+                </a:solidFill>
+                <a:latin typeface="+mn-lt"/>
+                <a:ea typeface="+mn-ea"/>
+                <a:cs typeface="+mn-cs"/>
+              </a:defRPr>
+            </a:lvl9pPr>
+          </a:lstStyle>
+          <a:p>
+            <a:pPr marL="57150" indent="0">
+              <a:buNone/>
+            </a:pPr>
+            <a:r>
+              <a:rPr lang="en-US" dirty="0"/>
+              <a:t>intersect:</a:t>
+            </a:r>
+          </a:p>
+        </p:txBody>
+      </p:sp>
+      <p:pic>
+        <p:nvPicPr>
+          <p:cNvPr id="19" name="Picture 18">
+            <a:extLst>
+              <a:ext uri="{FF2B5EF4-FFF2-40B4-BE49-F238E27FC236}">
+                <a16:creationId xmlns:a16="http://schemas.microsoft.com/office/drawing/2014/main" id="{523D4A98-AC7D-7522-0AB8-67F91868641D}"/>
+              </a:ext>
+            </a:extLst>
+          </p:cNvPr>
+          <p:cNvPicPr>
+            <a:picLocks noChangeAspect="1"/>
+          </p:cNvPicPr>
+          <p:nvPr/>
+        </p:nvPicPr>
+        <p:blipFill>
+          <a:blip r:embed="rId2"/>
+          <a:stretch>
+            <a:fillRect/>
+          </a:stretch>
+        </p:blipFill>
+        <p:spPr>
+          <a:xfrm>
+            <a:off x="1338268" y="2215916"/>
+            <a:ext cx="6415844" cy="805393"/>
+          </a:xfrm>
+          <a:prstGeom prst="rect">
+            <a:avLst/>
+          </a:prstGeom>
+        </p:spPr>
+      </p:pic>
+      <p:pic>
+        <p:nvPicPr>
+          <p:cNvPr id="20" name="Picture 19">
+            <a:extLst>
+              <a:ext uri="{FF2B5EF4-FFF2-40B4-BE49-F238E27FC236}">
+                <a16:creationId xmlns:a16="http://schemas.microsoft.com/office/drawing/2014/main" id="{02385190-AF85-7014-D776-A060D82DD2A6}"/>
+              </a:ext>
+            </a:extLst>
+          </p:cNvPr>
+          <p:cNvPicPr>
+            <a:picLocks noChangeAspect="1"/>
+          </p:cNvPicPr>
+          <p:nvPr/>
+        </p:nvPicPr>
+        <p:blipFill>
+          <a:blip r:embed="rId3"/>
+          <a:stretch>
+            <a:fillRect/>
+          </a:stretch>
+        </p:blipFill>
+        <p:spPr>
+          <a:xfrm>
+            <a:off x="1266346" y="1310838"/>
+            <a:ext cx="6350304" cy="915718"/>
+          </a:xfrm>
+          <a:prstGeom prst="rect">
+            <a:avLst/>
+          </a:prstGeom>
+        </p:spPr>
+      </p:pic>
+      <p:pic>
+        <p:nvPicPr>
+          <p:cNvPr id="21" name="Picture 20">
+            <a:extLst>
+              <a:ext uri="{FF2B5EF4-FFF2-40B4-BE49-F238E27FC236}">
+                <a16:creationId xmlns:a16="http://schemas.microsoft.com/office/drawing/2014/main" id="{B4F302E5-6C4D-04CF-DF68-D216C4E0888F}"/>
+              </a:ext>
+            </a:extLst>
+          </p:cNvPr>
+          <p:cNvPicPr>
+            <a:picLocks noChangeAspect="1"/>
+          </p:cNvPicPr>
+          <p:nvPr/>
+        </p:nvPicPr>
+        <p:blipFill>
+          <a:blip r:embed="rId4"/>
+          <a:stretch>
+            <a:fillRect/>
+          </a:stretch>
+        </p:blipFill>
+        <p:spPr>
+          <a:xfrm>
+            <a:off x="1338268" y="3021309"/>
+            <a:ext cx="5422854" cy="570827"/>
+          </a:xfrm>
+          <a:prstGeom prst="rect">
+            <a:avLst/>
+          </a:prstGeom>
+        </p:spPr>
+      </p:pic>
+    </p:spTree>
+    <p:extLst>
+      <p:ext uri="{BB962C8B-B14F-4D97-AF65-F5344CB8AC3E}">
+        <p14:creationId xmlns:p14="http://schemas.microsoft.com/office/powerpoint/2010/main" val="962797789"/>
+      </p:ext>
+    </p:extLst>
+  </p:cSld>
+  <p:clrMapOvr>
+    <a:masterClrMapping/>
+  </p:clrMapOvr>
+</p:sld>
+</file>
+
+<file path=ppt/slides/slide7.xml><?xml version="1.0" encoding="utf-8"?>
+<p:sld xmlns:a="http://schemas.openxmlformats.org/drawingml/2006/main" xmlns:r="http://schemas.openxmlformats.org/officeDocument/2006/relationships" xmlns:p="http://schemas.openxmlformats.org/presentationml/2006/main">
+  <p:cSld>
+    <p:spTree>
+      <p:nvGrpSpPr>
+        <p:cNvPr id="1" name=""/>
+        <p:cNvGrpSpPr/>
+        <p:nvPr/>
+      </p:nvGrpSpPr>
+      <p:grpSpPr>
+        <a:xfrm>
+          <a:off x="0" y="0"/>
+          <a:ext cx="0" cy="0"/>
+          <a:chOff x="0" y="0"/>
+          <a:chExt cx="0" cy="0"/>
+        </a:xfrm>
+      </p:grpSpPr>
+      <p:sp>
+        <p:nvSpPr>
+          <p:cNvPr id="2" name="Title 1">
+            <a:extLst>
+              <a:ext uri="{FF2B5EF4-FFF2-40B4-BE49-F238E27FC236}">
+                <a16:creationId xmlns:a16="http://schemas.microsoft.com/office/drawing/2014/main" id="{63B19FFD-555C-673A-82D5-1766F95D704A}"/>
+              </a:ext>
+            </a:extLst>
+          </p:cNvPr>
+          <p:cNvSpPr>
+            <a:spLocks noGrp="1"/>
+          </p:cNvSpPr>
+          <p:nvPr>
+            <p:ph type="title"/>
+          </p:nvPr>
+        </p:nvSpPr>
+        <p:spPr/>
+        <p:txBody>
+          <a:bodyPr/>
+          <a:lstStyle/>
+          <a:p>
+            <a:r>
+              <a:rPr lang="en-US" dirty="0"/>
+              <a:t>lab33</a:t>
+            </a:r>
+          </a:p>
+        </p:txBody>
+      </p:sp>
+      <p:sp>
+        <p:nvSpPr>
+          <p:cNvPr id="3" name="Content Placeholder 2">
+            <a:extLst>
+              <a:ext uri="{FF2B5EF4-FFF2-40B4-BE49-F238E27FC236}">
+                <a16:creationId xmlns:a16="http://schemas.microsoft.com/office/drawing/2014/main" id="{130DB93F-F47C-DCC6-06F8-F6FC5C92DD64}"/>
+              </a:ext>
+            </a:extLst>
+          </p:cNvPr>
+          <p:cNvSpPr>
+            <a:spLocks noGrp="1"/>
+          </p:cNvSpPr>
+          <p:nvPr>
+            <p:ph idx="1"/>
+          </p:nvPr>
+        </p:nvSpPr>
+        <p:spPr/>
+        <p:txBody>
+          <a:bodyPr/>
+          <a:lstStyle/>
+          <a:p>
+            <a:endParaRPr lang="en-US" dirty="0"/>
+          </a:p>
+        </p:txBody>
+      </p:sp>
+      <p:sp>
+        <p:nvSpPr>
+          <p:cNvPr id="4" name="Slide Number Placeholder 3">
+            <a:extLst>
+              <a:ext uri="{FF2B5EF4-FFF2-40B4-BE49-F238E27FC236}">
+                <a16:creationId xmlns:a16="http://schemas.microsoft.com/office/drawing/2014/main" id="{C80EE293-8908-07B8-DC7E-60356F1A1147}"/>
+              </a:ext>
+            </a:extLst>
+          </p:cNvPr>
+          <p:cNvSpPr>
+            <a:spLocks noGrp="1"/>
+          </p:cNvSpPr>
+          <p:nvPr>
+            <p:ph type="sldNum" sz="quarter" idx="12"/>
+          </p:nvPr>
+        </p:nvSpPr>
+        <p:spPr/>
+        <p:txBody>
+          <a:bodyPr/>
+          <a:lstStyle/>
+          <a:p>
+            <a:fld id="{8A2B06E4-34D2-4DD4-ABFF-9F74AC2B18B5}" type="slidenum">
+              <a:rPr lang="en-US" smtClean="0"/>
+              <a:t>7</a:t>
+            </a:fld>
+            <a:endParaRPr lang="en-US" dirty="0"/>
+          </a:p>
+        </p:txBody>
+      </p:sp>
+      <p:pic>
+        <p:nvPicPr>
+          <p:cNvPr id="5" name="Picture 4">
+            <a:extLst>
+              <a:ext uri="{FF2B5EF4-FFF2-40B4-BE49-F238E27FC236}">
+                <a16:creationId xmlns:a16="http://schemas.microsoft.com/office/drawing/2014/main" id="{EED0D171-1788-B74D-03A8-DF1AD0D86A8F}"/>
+              </a:ext>
+            </a:extLst>
+          </p:cNvPr>
+          <p:cNvPicPr>
+            <a:picLocks noChangeAspect="1"/>
+          </p:cNvPicPr>
+          <p:nvPr/>
+        </p:nvPicPr>
+        <p:blipFill>
+          <a:blip r:embed="rId2"/>
+          <a:stretch>
+            <a:fillRect/>
+          </a:stretch>
+        </p:blipFill>
+        <p:spPr>
+          <a:xfrm>
+            <a:off x="1649555" y="429511"/>
+            <a:ext cx="8892890" cy="3634008"/>
+          </a:xfrm>
+          <a:prstGeom prst="rect">
+            <a:avLst/>
+          </a:prstGeom>
+        </p:spPr>
+      </p:pic>
+      <p:pic>
+        <p:nvPicPr>
+          <p:cNvPr id="6" name="Picture 5">
+            <a:extLst>
+              <a:ext uri="{FF2B5EF4-FFF2-40B4-BE49-F238E27FC236}">
+                <a16:creationId xmlns:a16="http://schemas.microsoft.com/office/drawing/2014/main" id="{C365A1A7-2559-E86F-8865-2BCC0B2AFD21}"/>
+              </a:ext>
+            </a:extLst>
+          </p:cNvPr>
+          <p:cNvPicPr>
+            <a:picLocks noChangeAspect="1"/>
+          </p:cNvPicPr>
+          <p:nvPr/>
+        </p:nvPicPr>
+        <p:blipFill>
+          <a:blip r:embed="rId3"/>
+          <a:stretch>
+            <a:fillRect/>
+          </a:stretch>
+        </p:blipFill>
+        <p:spPr>
+          <a:xfrm>
+            <a:off x="1728528" y="4289955"/>
+            <a:ext cx="6443533" cy="2319298"/>
+          </a:xfrm>
+          <a:prstGeom prst="rect">
+            <a:avLst/>
+          </a:prstGeom>
+        </p:spPr>
+      </p:pic>
+    </p:spTree>
+    <p:extLst>
+      <p:ext uri="{BB962C8B-B14F-4D97-AF65-F5344CB8AC3E}">
+        <p14:creationId xmlns:p14="http://schemas.microsoft.com/office/powerpoint/2010/main" val="400077400"/>
+      </p:ext>
+    </p:extLst>
+  </p:cSld>
+  <p:clrMapOvr>
+    <a:masterClrMapping/>
+  </p:clrMapOvr>
+</p:sld>
+</file>
+
+<file path=ppt/slides/slide8.xml><?xml version="1.0" encoding="utf-8"?>
+<p:sld xmlns:a="http://schemas.openxmlformats.org/drawingml/2006/main" xmlns:r="http://schemas.openxmlformats.org/officeDocument/2006/relationships" xmlns:p="http://schemas.openxmlformats.org/presentationml/2006/main">
+  <p:cSld>
+    <p:spTree>
+      <p:nvGrpSpPr>
+        <p:cNvPr id="1" name=""/>
+        <p:cNvGrpSpPr/>
+        <p:nvPr/>
+      </p:nvGrpSpPr>
+      <p:grpSpPr>
+        <a:xfrm>
+          <a:off x="0" y="0"/>
+          <a:ext cx="0" cy="0"/>
+          <a:chOff x="0" y="0"/>
+          <a:chExt cx="0" cy="0"/>
+        </a:xfrm>
+      </p:grpSpPr>
+      <p:sp>
+        <p:nvSpPr>
+          <p:cNvPr id="2" name="Title 1">
+            <a:extLst>
+              <a:ext uri="{FF2B5EF4-FFF2-40B4-BE49-F238E27FC236}">
+                <a16:creationId xmlns:a16="http://schemas.microsoft.com/office/drawing/2014/main" id="{63B19FFD-555C-673A-82D5-1766F95D704A}"/>
+              </a:ext>
+            </a:extLst>
+          </p:cNvPr>
+          <p:cNvSpPr>
+            <a:spLocks noGrp="1"/>
+          </p:cNvSpPr>
+          <p:nvPr>
+            <p:ph type="title"/>
+          </p:nvPr>
+        </p:nvSpPr>
+        <p:spPr/>
+        <p:txBody>
+          <a:bodyPr/>
+          <a:lstStyle/>
+          <a:p>
+            <a:r>
+              <a:rPr lang="en-US" dirty="0"/>
+              <a:t>lab33</a:t>
+            </a:r>
+          </a:p>
+        </p:txBody>
+      </p:sp>
+      <p:sp>
+        <p:nvSpPr>
+          <p:cNvPr id="4" name="Slide Number Placeholder 3">
+            <a:extLst>
+              <a:ext uri="{FF2B5EF4-FFF2-40B4-BE49-F238E27FC236}">
+                <a16:creationId xmlns:a16="http://schemas.microsoft.com/office/drawing/2014/main" id="{C80EE293-8908-07B8-DC7E-60356F1A1147}"/>
+              </a:ext>
+            </a:extLst>
+          </p:cNvPr>
+          <p:cNvSpPr>
+            <a:spLocks noGrp="1"/>
+          </p:cNvSpPr>
+          <p:nvPr>
+            <p:ph type="sldNum" sz="quarter" idx="12"/>
+          </p:nvPr>
+        </p:nvSpPr>
+        <p:spPr/>
+        <p:txBody>
+          <a:bodyPr/>
+          <a:lstStyle/>
+          <a:p>
+            <a:fld id="{8A2B06E4-34D2-4DD4-ABFF-9F74AC2B18B5}" type="slidenum">
+              <a:rPr lang="en-US" smtClean="0"/>
+              <a:t>8</a:t>
             </a:fld>
             <a:endParaRPr lang="en-US" dirty="0"/>
           </a:p>
@@ -19236,7 +23027,7 @@
 </p:sld>
 </file>
 
-<file path=ppt/slides/slide5.xml><?xml version="1.0" encoding="utf-8"?>
+<file path=ppt/slides/slide9.xml><?xml version="1.0" encoding="utf-8"?>
 <p:sld xmlns:a="http://schemas.openxmlformats.org/drawingml/2006/main" xmlns:r="http://schemas.openxmlformats.org/officeDocument/2006/relationships" xmlns:p="http://schemas.openxmlformats.org/presentationml/2006/main">
   <p:cSld>
     <p:spTree>
@@ -19304,7 +23095,7 @@
           <a:p>
             <a:fld id="{8A2B06E4-34D2-4DD4-ABFF-9F74AC2B18B5}" type="slidenum">
               <a:rPr lang="en-US" smtClean="0"/>
-              <a:t>5</a:t>
+              <a:t>9</a:t>
             </a:fld>
             <a:endParaRPr lang="en-US" dirty="0"/>
           </a:p>
@@ -22082,1541 +25873,6 @@
     <p:extLst>
       <p:ext uri="{BB962C8B-B14F-4D97-AF65-F5344CB8AC3E}">
         <p14:creationId xmlns:p14="http://schemas.microsoft.com/office/powerpoint/2010/main" val="3030797407"/>
-      </p:ext>
-    </p:extLst>
-  </p:cSld>
-  <p:clrMapOvr>
-    <a:masterClrMapping/>
-  </p:clrMapOvr>
-</p:sld>
-</file>
-
-<file path=ppt/slides/slide6.xml><?xml version="1.0" encoding="utf-8"?>
-<p:sld xmlns:a="http://schemas.openxmlformats.org/drawingml/2006/main" xmlns:r="http://schemas.openxmlformats.org/officeDocument/2006/relationships" xmlns:p="http://schemas.openxmlformats.org/presentationml/2006/main">
-  <p:cSld>
-    <p:spTree>
-      <p:nvGrpSpPr>
-        <p:cNvPr id="1" name=""/>
-        <p:cNvGrpSpPr/>
-        <p:nvPr/>
-      </p:nvGrpSpPr>
-      <p:grpSpPr>
-        <a:xfrm>
-          <a:off x="0" y="0"/>
-          <a:ext cx="0" cy="0"/>
-          <a:chOff x="0" y="0"/>
-          <a:chExt cx="0" cy="0"/>
-        </a:xfrm>
-      </p:grpSpPr>
-      <p:sp>
-        <p:nvSpPr>
-          <p:cNvPr id="2" name="Title 1">
-            <a:extLst>
-              <a:ext uri="{FF2B5EF4-FFF2-40B4-BE49-F238E27FC236}">
-                <a16:creationId xmlns:a16="http://schemas.microsoft.com/office/drawing/2014/main" id="{63B19FFD-555C-673A-82D5-1766F95D704A}"/>
-              </a:ext>
-            </a:extLst>
-          </p:cNvPr>
-          <p:cNvSpPr>
-            <a:spLocks noGrp="1"/>
-          </p:cNvSpPr>
-          <p:nvPr>
-            <p:ph type="title"/>
-          </p:nvPr>
-        </p:nvSpPr>
-        <p:spPr/>
-        <p:txBody>
-          <a:bodyPr/>
-          <a:lstStyle/>
-          <a:p>
-            <a:r>
-              <a:rPr lang="en-US" dirty="0"/>
-              <a:t>lab32</a:t>
-            </a:r>
-          </a:p>
-        </p:txBody>
-      </p:sp>
-      <p:sp>
-        <p:nvSpPr>
-          <p:cNvPr id="3" name="Content Placeholder 2">
-            <a:extLst>
-              <a:ext uri="{FF2B5EF4-FFF2-40B4-BE49-F238E27FC236}">
-                <a16:creationId xmlns:a16="http://schemas.microsoft.com/office/drawing/2014/main" id="{130DB93F-F47C-DCC6-06F8-F6FC5C92DD64}"/>
-              </a:ext>
-            </a:extLst>
-          </p:cNvPr>
-          <p:cNvSpPr>
-            <a:spLocks noGrp="1"/>
-          </p:cNvSpPr>
-          <p:nvPr>
-            <p:ph idx="1"/>
-          </p:nvPr>
-        </p:nvSpPr>
-        <p:spPr/>
-        <p:txBody>
-          <a:bodyPr/>
-          <a:lstStyle/>
-          <a:p>
-            <a:endParaRPr lang="en-US" dirty="0"/>
-          </a:p>
-        </p:txBody>
-      </p:sp>
-      <p:sp>
-        <p:nvSpPr>
-          <p:cNvPr id="4" name="Slide Number Placeholder 3">
-            <a:extLst>
-              <a:ext uri="{FF2B5EF4-FFF2-40B4-BE49-F238E27FC236}">
-                <a16:creationId xmlns:a16="http://schemas.microsoft.com/office/drawing/2014/main" id="{C80EE293-8908-07B8-DC7E-60356F1A1147}"/>
-              </a:ext>
-            </a:extLst>
-          </p:cNvPr>
-          <p:cNvSpPr>
-            <a:spLocks noGrp="1"/>
-          </p:cNvSpPr>
-          <p:nvPr>
-            <p:ph type="sldNum" sz="quarter" idx="12"/>
-          </p:nvPr>
-        </p:nvSpPr>
-        <p:spPr/>
-        <p:txBody>
-          <a:bodyPr/>
-          <a:lstStyle/>
-          <a:p>
-            <a:fld id="{8A2B06E4-34D2-4DD4-ABFF-9F74AC2B18B5}" type="slidenum">
-              <a:rPr lang="en-US" smtClean="0"/>
-              <a:t>6</a:t>
-            </a:fld>
-            <a:endParaRPr lang="en-US" dirty="0"/>
-          </a:p>
-        </p:txBody>
-      </p:sp>
-      <p:pic>
-        <p:nvPicPr>
-          <p:cNvPr id="6" name="Picture 5">
-            <a:extLst>
-              <a:ext uri="{FF2B5EF4-FFF2-40B4-BE49-F238E27FC236}">
-                <a16:creationId xmlns:a16="http://schemas.microsoft.com/office/drawing/2014/main" id="{5563B1BF-3238-128B-35AD-8D12EC4BF930}"/>
-              </a:ext>
-            </a:extLst>
-          </p:cNvPr>
-          <p:cNvPicPr>
-            <a:picLocks noChangeAspect="1"/>
-          </p:cNvPicPr>
-          <p:nvPr/>
-        </p:nvPicPr>
-        <p:blipFill>
-          <a:blip r:embed="rId2"/>
-          <a:stretch>
-            <a:fillRect/>
-          </a:stretch>
-        </p:blipFill>
-        <p:spPr>
-          <a:xfrm>
-            <a:off x="505260" y="1685867"/>
-            <a:ext cx="5020376" cy="1600423"/>
-          </a:xfrm>
-          <a:prstGeom prst="rect">
-            <a:avLst/>
-          </a:prstGeom>
-        </p:spPr>
-      </p:pic>
-      <p:sp>
-        <p:nvSpPr>
-          <p:cNvPr id="9" name="Oval 8">
-            <a:extLst>
-              <a:ext uri="{FF2B5EF4-FFF2-40B4-BE49-F238E27FC236}">
-                <a16:creationId xmlns:a16="http://schemas.microsoft.com/office/drawing/2014/main" id="{AF9E5066-1D5F-8E3B-C9D0-3F0ACA163F39}"/>
-              </a:ext>
-            </a:extLst>
-          </p:cNvPr>
-          <p:cNvSpPr/>
-          <p:nvPr/>
-        </p:nvSpPr>
-        <p:spPr>
-          <a:xfrm>
-            <a:off x="6893167" y="1620296"/>
-            <a:ext cx="4863403" cy="3617407"/>
-          </a:xfrm>
-          <a:prstGeom prst="ellipse">
-            <a:avLst/>
-          </a:prstGeom>
-          <a:solidFill>
-            <a:schemeClr val="accent1"/>
-          </a:solidFill>
-          <a:ln>
-            <a:noFill/>
-          </a:ln>
-        </p:spPr>
-        <p:style>
-          <a:lnRef idx="2">
-            <a:schemeClr val="accent1">
-              <a:shade val="50000"/>
-            </a:schemeClr>
-          </a:lnRef>
-          <a:fillRef idx="1">
-            <a:schemeClr val="accent1"/>
-          </a:fillRef>
-          <a:effectRef idx="0">
-            <a:schemeClr val="accent1"/>
-          </a:effectRef>
-          <a:fontRef idx="minor">
-            <a:schemeClr val="lt1"/>
-          </a:fontRef>
-        </p:style>
-        <p:txBody>
-          <a:bodyPr rtlCol="0" anchor="t"/>
-          <a:lstStyle/>
-          <a:p>
-            <a:pPr algn="ctr"/>
-            <a:r>
-              <a:rPr lang="en-US" dirty="0"/>
-              <a:t>[=</a:t>
-            </a:r>
-          </a:p>
-        </p:txBody>
-      </p:sp>
-      <p:sp>
-        <p:nvSpPr>
-          <p:cNvPr id="10" name="Oval 9">
-            <a:extLst>
-              <a:ext uri="{FF2B5EF4-FFF2-40B4-BE49-F238E27FC236}">
-                <a16:creationId xmlns:a16="http://schemas.microsoft.com/office/drawing/2014/main" id="{03F26726-0628-D3E4-E2A0-03837D725BFE}"/>
-              </a:ext>
-            </a:extLst>
-          </p:cNvPr>
-          <p:cNvSpPr/>
-          <p:nvPr/>
-        </p:nvSpPr>
-        <p:spPr>
-          <a:xfrm>
-            <a:off x="7988436" y="2795953"/>
-            <a:ext cx="2863782" cy="2240782"/>
-          </a:xfrm>
-          <a:prstGeom prst="ellipse">
-            <a:avLst/>
-          </a:prstGeom>
-          <a:solidFill>
-            <a:srgbClr val="002060"/>
-          </a:solidFill>
-          <a:ln>
-            <a:noFill/>
-          </a:ln>
-        </p:spPr>
-        <p:style>
-          <a:lnRef idx="2">
-            <a:schemeClr val="accent1">
-              <a:shade val="50000"/>
-            </a:schemeClr>
-          </a:lnRef>
-          <a:fillRef idx="1">
-            <a:schemeClr val="accent1"/>
-          </a:fillRef>
-          <a:effectRef idx="0">
-            <a:schemeClr val="accent1"/>
-          </a:effectRef>
-          <a:fontRef idx="minor">
-            <a:schemeClr val="lt1"/>
-          </a:fontRef>
-        </p:style>
-        <p:txBody>
-          <a:bodyPr rtlCol="0" anchor="t"/>
-          <a:lstStyle/>
-          <a:p>
-            <a:pPr algn="ctr"/>
-            <a:r>
-              <a:rPr lang="en-US" dirty="0"/>
-              <a:t>[-&gt;</a:t>
-            </a:r>
-          </a:p>
-        </p:txBody>
-      </p:sp>
-      <p:sp>
-        <p:nvSpPr>
-          <p:cNvPr id="11" name="Oval 10">
-            <a:extLst>
-              <a:ext uri="{FF2B5EF4-FFF2-40B4-BE49-F238E27FC236}">
-                <a16:creationId xmlns:a16="http://schemas.microsoft.com/office/drawing/2014/main" id="{46DACBFB-C729-6070-4BF3-1E8C351962C1}"/>
-              </a:ext>
-            </a:extLst>
-          </p:cNvPr>
-          <p:cNvSpPr/>
-          <p:nvPr/>
-        </p:nvSpPr>
-        <p:spPr>
-          <a:xfrm>
-            <a:off x="8603059" y="3694881"/>
-            <a:ext cx="1634535" cy="1125415"/>
-          </a:xfrm>
-          <a:prstGeom prst="ellipse">
-            <a:avLst/>
-          </a:prstGeom>
-          <a:solidFill>
-            <a:srgbClr val="00B050"/>
-          </a:solidFill>
-          <a:ln>
-            <a:noFill/>
-          </a:ln>
-        </p:spPr>
-        <p:style>
-          <a:lnRef idx="2">
-            <a:schemeClr val="accent1">
-              <a:shade val="50000"/>
-            </a:schemeClr>
-          </a:lnRef>
-          <a:fillRef idx="1">
-            <a:schemeClr val="accent1"/>
-          </a:fillRef>
-          <a:effectRef idx="0">
-            <a:schemeClr val="accent1"/>
-          </a:effectRef>
-          <a:fontRef idx="minor">
-            <a:schemeClr val="lt1"/>
-          </a:fontRef>
-        </p:style>
-        <p:txBody>
-          <a:bodyPr rtlCol="0" anchor="t"/>
-          <a:lstStyle/>
-          <a:p>
-            <a:pPr algn="ctr"/>
-            <a:r>
-              <a:rPr lang="en-US" dirty="0"/>
-              <a:t>[*</a:t>
-            </a:r>
-          </a:p>
-        </p:txBody>
-      </p:sp>
-      <p:sp>
-        <p:nvSpPr>
-          <p:cNvPr id="12" name="Content Placeholder 3">
-            <a:extLst>
-              <a:ext uri="{FF2B5EF4-FFF2-40B4-BE49-F238E27FC236}">
-                <a16:creationId xmlns:a16="http://schemas.microsoft.com/office/drawing/2014/main" id="{667666CE-8CD4-01C0-2D39-30B27ABCE34E}"/>
-              </a:ext>
-            </a:extLst>
-          </p:cNvPr>
-          <p:cNvSpPr txBox="1">
-            <a:spLocks/>
-          </p:cNvSpPr>
-          <p:nvPr/>
-        </p:nvSpPr>
-        <p:spPr>
-          <a:xfrm>
-            <a:off x="2473990" y="3998630"/>
-            <a:ext cx="5649687" cy="2937913"/>
-          </a:xfrm>
-          <a:prstGeom prst="rect">
-            <a:avLst/>
-          </a:prstGeom>
-        </p:spPr>
-        <p:txBody>
-          <a:bodyPr/>
-          <a:lstStyle>
-            <a:lvl1pPr marL="228600" indent="-228600" algn="l" defTabSz="914400" rtl="0" eaLnBrk="1" latinLnBrk="0" hangingPunct="1">
-              <a:lnSpc>
-                <a:spcPct val="90000"/>
-              </a:lnSpc>
-              <a:spcBef>
-                <a:spcPts val="1000"/>
-              </a:spcBef>
-              <a:buFont typeface="Arial" panose="020B0604020202020204" pitchFamily="34" charset="0"/>
-              <a:buChar char="•"/>
-              <a:defRPr sz="1400" kern="1200">
-                <a:solidFill>
-                  <a:schemeClr val="tx1"/>
-                </a:solidFill>
-                <a:latin typeface="+mn-lt"/>
-                <a:ea typeface="+mn-ea"/>
-                <a:cs typeface="+mn-cs"/>
-              </a:defRPr>
-            </a:lvl1pPr>
-            <a:lvl2pPr marL="685800" indent="-228600" algn="l" defTabSz="914400" rtl="0" eaLnBrk="1" latinLnBrk="0" hangingPunct="1">
-              <a:lnSpc>
-                <a:spcPct val="90000"/>
-              </a:lnSpc>
-              <a:spcBef>
-                <a:spcPts val="500"/>
-              </a:spcBef>
-              <a:buFont typeface="Arial" panose="020B0604020202020204" pitchFamily="34" charset="0"/>
-              <a:buChar char="•"/>
-              <a:defRPr sz="1200" kern="1200">
-                <a:solidFill>
-                  <a:schemeClr val="tx1"/>
-                </a:solidFill>
-                <a:latin typeface="+mn-lt"/>
-                <a:ea typeface="+mn-ea"/>
-                <a:cs typeface="+mn-cs"/>
-              </a:defRPr>
-            </a:lvl2pPr>
-            <a:lvl3pPr marL="1143000" indent="-228600" algn="l" defTabSz="914400" rtl="0" eaLnBrk="1" latinLnBrk="0" hangingPunct="1">
-              <a:lnSpc>
-                <a:spcPct val="90000"/>
-              </a:lnSpc>
-              <a:spcBef>
-                <a:spcPts val="500"/>
-              </a:spcBef>
-              <a:buFont typeface="Arial" panose="020B0604020202020204" pitchFamily="34" charset="0"/>
-              <a:buChar char="•"/>
-              <a:defRPr sz="1200" kern="1200">
-                <a:solidFill>
-                  <a:schemeClr val="tx1"/>
-                </a:solidFill>
-                <a:latin typeface="+mn-lt"/>
-                <a:ea typeface="+mn-ea"/>
-                <a:cs typeface="+mn-cs"/>
-              </a:defRPr>
-            </a:lvl3pPr>
-            <a:lvl4pPr marL="1600200" indent="-228600" algn="l" defTabSz="914400" rtl="0" eaLnBrk="1" latinLnBrk="0" hangingPunct="1">
-              <a:lnSpc>
-                <a:spcPct val="90000"/>
-              </a:lnSpc>
-              <a:spcBef>
-                <a:spcPts val="500"/>
-              </a:spcBef>
-              <a:buFont typeface="Arial" panose="020B0604020202020204" pitchFamily="34" charset="0"/>
-              <a:buChar char="•"/>
-              <a:defRPr sz="1200" kern="1200">
-                <a:solidFill>
-                  <a:schemeClr val="tx1"/>
-                </a:solidFill>
-                <a:latin typeface="+mn-lt"/>
-                <a:ea typeface="+mn-ea"/>
-                <a:cs typeface="+mn-cs"/>
-              </a:defRPr>
-            </a:lvl4pPr>
-            <a:lvl5pPr marL="2057400" indent="-228600" algn="l" defTabSz="914400" rtl="0" eaLnBrk="1" latinLnBrk="0" hangingPunct="1">
-              <a:lnSpc>
-                <a:spcPct val="90000"/>
-              </a:lnSpc>
-              <a:spcBef>
-                <a:spcPts val="500"/>
-              </a:spcBef>
-              <a:buFont typeface="Arial" panose="020B0604020202020204" pitchFamily="34" charset="0"/>
-              <a:buChar char="•"/>
-              <a:defRPr sz="1200" kern="1200">
-                <a:solidFill>
-                  <a:schemeClr val="tx1"/>
-                </a:solidFill>
-                <a:latin typeface="+mn-lt"/>
-                <a:ea typeface="+mn-ea"/>
-                <a:cs typeface="+mn-cs"/>
-              </a:defRPr>
-            </a:lvl5pPr>
-            <a:lvl6pPr marL="2514600" indent="-228600" algn="l" defTabSz="914400" rtl="0" eaLnBrk="1" latinLnBrk="0" hangingPunct="1">
-              <a:lnSpc>
-                <a:spcPct val="90000"/>
-              </a:lnSpc>
-              <a:spcBef>
-                <a:spcPts val="500"/>
-              </a:spcBef>
-              <a:buFont typeface="Arial" panose="020B0604020202020204" pitchFamily="34" charset="0"/>
-              <a:buChar char="•"/>
-              <a:defRPr sz="1800" kern="1200">
-                <a:solidFill>
-                  <a:schemeClr val="tx1"/>
-                </a:solidFill>
-                <a:latin typeface="+mn-lt"/>
-                <a:ea typeface="+mn-ea"/>
-                <a:cs typeface="+mn-cs"/>
-              </a:defRPr>
-            </a:lvl6pPr>
-            <a:lvl7pPr marL="2971800" indent="-228600" algn="l" defTabSz="914400" rtl="0" eaLnBrk="1" latinLnBrk="0" hangingPunct="1">
-              <a:lnSpc>
-                <a:spcPct val="90000"/>
-              </a:lnSpc>
-              <a:spcBef>
-                <a:spcPts val="500"/>
-              </a:spcBef>
-              <a:buFont typeface="Arial" panose="020B0604020202020204" pitchFamily="34" charset="0"/>
-              <a:buChar char="•"/>
-              <a:defRPr sz="1800" kern="1200">
-                <a:solidFill>
-                  <a:schemeClr val="tx1"/>
-                </a:solidFill>
-                <a:latin typeface="+mn-lt"/>
-                <a:ea typeface="+mn-ea"/>
-                <a:cs typeface="+mn-cs"/>
-              </a:defRPr>
-            </a:lvl7pPr>
-            <a:lvl8pPr marL="3429000" indent="-228600" algn="l" defTabSz="914400" rtl="0" eaLnBrk="1" latinLnBrk="0" hangingPunct="1">
-              <a:lnSpc>
-                <a:spcPct val="90000"/>
-              </a:lnSpc>
-              <a:spcBef>
-                <a:spcPts val="500"/>
-              </a:spcBef>
-              <a:buFont typeface="Arial" panose="020B0604020202020204" pitchFamily="34" charset="0"/>
-              <a:buChar char="•"/>
-              <a:defRPr sz="1800" kern="1200">
-                <a:solidFill>
-                  <a:schemeClr val="tx1"/>
-                </a:solidFill>
-                <a:latin typeface="+mn-lt"/>
-                <a:ea typeface="+mn-ea"/>
-                <a:cs typeface="+mn-cs"/>
-              </a:defRPr>
-            </a:lvl8pPr>
-            <a:lvl9pPr marL="3886200" indent="-228600" algn="l" defTabSz="914400" rtl="0" eaLnBrk="1" latinLnBrk="0" hangingPunct="1">
-              <a:lnSpc>
-                <a:spcPct val="90000"/>
-              </a:lnSpc>
-              <a:spcBef>
-                <a:spcPts val="500"/>
-              </a:spcBef>
-              <a:buFont typeface="Arial" panose="020B0604020202020204" pitchFamily="34" charset="0"/>
-              <a:buChar char="•"/>
-              <a:defRPr sz="1800" kern="1200">
-                <a:solidFill>
-                  <a:schemeClr val="tx1"/>
-                </a:solidFill>
-                <a:latin typeface="+mn-lt"/>
-                <a:ea typeface="+mn-ea"/>
-                <a:cs typeface="+mn-cs"/>
-              </a:defRPr>
-            </a:lvl9pPr>
-          </a:lstStyle>
-          <a:p>
-            <a:r>
-              <a:rPr lang="en-US"/>
-              <a:t>consecutive repetition</a:t>
-            </a:r>
-          </a:p>
-          <a:p>
-            <a:pPr lvl="1"/>
-            <a:r>
-              <a:rPr lang="en-US"/>
-              <a:t>easy to cause assertion fail, the most strict</a:t>
-            </a:r>
-          </a:p>
-          <a:p>
-            <a:pPr lvl="1"/>
-            <a:r>
-              <a:rPr lang="en-US"/>
-              <a:t>[*</a:t>
-            </a:r>
-          </a:p>
-          <a:p>
-            <a:r>
-              <a:rPr lang="en-US"/>
-              <a:t>go-to repetition</a:t>
-            </a:r>
-          </a:p>
-          <a:p>
-            <a:pPr lvl="1"/>
-            <a:r>
-              <a:rPr lang="en-US"/>
-              <a:t>[-&gt;</a:t>
-            </a:r>
-          </a:p>
-          <a:p>
-            <a:r>
-              <a:rPr lang="en-US"/>
-              <a:t>non-consecutive repetition</a:t>
-            </a:r>
-          </a:p>
-          <a:p>
-            <a:pPr lvl="1"/>
-            <a:r>
-              <a:rPr lang="en-US"/>
-              <a:t>[=</a:t>
-            </a:r>
-            <a:endParaRPr lang="en-US" dirty="0"/>
-          </a:p>
-        </p:txBody>
-      </p:sp>
-    </p:spTree>
-    <p:extLst>
-      <p:ext uri="{BB962C8B-B14F-4D97-AF65-F5344CB8AC3E}">
-        <p14:creationId xmlns:p14="http://schemas.microsoft.com/office/powerpoint/2010/main" val="1378476422"/>
-      </p:ext>
-    </p:extLst>
-  </p:cSld>
-  <p:clrMapOvr>
-    <a:masterClrMapping/>
-  </p:clrMapOvr>
-</p:sld>
-</file>
-
-<file path=ppt/slides/slide7.xml><?xml version="1.0" encoding="utf-8"?>
-<p:sld xmlns:a="http://schemas.openxmlformats.org/drawingml/2006/main" xmlns:r="http://schemas.openxmlformats.org/officeDocument/2006/relationships" xmlns:p="http://schemas.openxmlformats.org/presentationml/2006/main">
-  <p:cSld>
-    <p:spTree>
-      <p:nvGrpSpPr>
-        <p:cNvPr id="1" name=""/>
-        <p:cNvGrpSpPr/>
-        <p:nvPr/>
-      </p:nvGrpSpPr>
-      <p:grpSpPr>
-        <a:xfrm>
-          <a:off x="0" y="0"/>
-          <a:ext cx="0" cy="0"/>
-          <a:chOff x="0" y="0"/>
-          <a:chExt cx="0" cy="0"/>
-        </a:xfrm>
-      </p:grpSpPr>
-      <p:sp>
-        <p:nvSpPr>
-          <p:cNvPr id="2" name="Title 1">
-            <a:extLst>
-              <a:ext uri="{FF2B5EF4-FFF2-40B4-BE49-F238E27FC236}">
-                <a16:creationId xmlns:a16="http://schemas.microsoft.com/office/drawing/2014/main" id="{63B19FFD-555C-673A-82D5-1766F95D704A}"/>
-              </a:ext>
-            </a:extLst>
-          </p:cNvPr>
-          <p:cNvSpPr>
-            <a:spLocks noGrp="1"/>
-          </p:cNvSpPr>
-          <p:nvPr>
-            <p:ph type="title"/>
-          </p:nvPr>
-        </p:nvSpPr>
-        <p:spPr/>
-        <p:txBody>
-          <a:bodyPr/>
-          <a:lstStyle/>
-          <a:p>
-            <a:r>
-              <a:rPr lang="en-US" dirty="0"/>
-              <a:t>lab31</a:t>
-            </a:r>
-          </a:p>
-        </p:txBody>
-      </p:sp>
-      <p:sp>
-        <p:nvSpPr>
-          <p:cNvPr id="4" name="Slide Number Placeholder 3">
-            <a:extLst>
-              <a:ext uri="{FF2B5EF4-FFF2-40B4-BE49-F238E27FC236}">
-                <a16:creationId xmlns:a16="http://schemas.microsoft.com/office/drawing/2014/main" id="{C80EE293-8908-07B8-DC7E-60356F1A1147}"/>
-              </a:ext>
-            </a:extLst>
-          </p:cNvPr>
-          <p:cNvSpPr>
-            <a:spLocks noGrp="1"/>
-          </p:cNvSpPr>
-          <p:nvPr>
-            <p:ph type="sldNum" sz="quarter" idx="12"/>
-          </p:nvPr>
-        </p:nvSpPr>
-        <p:spPr/>
-        <p:txBody>
-          <a:bodyPr/>
-          <a:lstStyle/>
-          <a:p>
-            <a:fld id="{8A2B06E4-34D2-4DD4-ABFF-9F74AC2B18B5}" type="slidenum">
-              <a:rPr lang="en-US" smtClean="0"/>
-              <a:t>7</a:t>
-            </a:fld>
-            <a:endParaRPr lang="en-US" dirty="0"/>
-          </a:p>
-        </p:txBody>
-      </p:sp>
-      <p:pic>
-        <p:nvPicPr>
-          <p:cNvPr id="7" name="Picture 6">
-            <a:extLst>
-              <a:ext uri="{FF2B5EF4-FFF2-40B4-BE49-F238E27FC236}">
-                <a16:creationId xmlns:a16="http://schemas.microsoft.com/office/drawing/2014/main" id="{E30A83F5-FA20-BC5A-8301-F69C543DE419}"/>
-              </a:ext>
-            </a:extLst>
-          </p:cNvPr>
-          <p:cNvPicPr>
-            <a:picLocks noChangeAspect="1"/>
-          </p:cNvPicPr>
-          <p:nvPr/>
-        </p:nvPicPr>
-        <p:blipFill>
-          <a:blip r:embed="rId2"/>
-          <a:stretch>
-            <a:fillRect/>
-          </a:stretch>
-        </p:blipFill>
-        <p:spPr>
-          <a:xfrm>
-            <a:off x="574242" y="1588593"/>
-            <a:ext cx="3113503" cy="1528574"/>
-          </a:xfrm>
-          <a:prstGeom prst="rect">
-            <a:avLst/>
-          </a:prstGeom>
-        </p:spPr>
-      </p:pic>
-      <p:pic>
-        <p:nvPicPr>
-          <p:cNvPr id="8" name="Picture 7">
-            <a:extLst>
-              <a:ext uri="{FF2B5EF4-FFF2-40B4-BE49-F238E27FC236}">
-                <a16:creationId xmlns:a16="http://schemas.microsoft.com/office/drawing/2014/main" id="{CC38D81E-B90C-2924-1F11-CA31246B8788}"/>
-              </a:ext>
-            </a:extLst>
-          </p:cNvPr>
-          <p:cNvPicPr>
-            <a:picLocks noChangeAspect="1"/>
-          </p:cNvPicPr>
-          <p:nvPr/>
-        </p:nvPicPr>
-        <p:blipFill>
-          <a:blip r:embed="rId3"/>
-          <a:stretch>
-            <a:fillRect/>
-          </a:stretch>
-        </p:blipFill>
-        <p:spPr>
-          <a:xfrm>
-            <a:off x="652939" y="3297277"/>
-            <a:ext cx="7305355" cy="2099509"/>
-          </a:xfrm>
-          <a:prstGeom prst="rect">
-            <a:avLst/>
-          </a:prstGeom>
-        </p:spPr>
-      </p:pic>
-      <p:cxnSp>
-        <p:nvCxnSpPr>
-          <p:cNvPr id="9" name="Straight Arrow Connector 8">
-            <a:extLst>
-              <a:ext uri="{FF2B5EF4-FFF2-40B4-BE49-F238E27FC236}">
-                <a16:creationId xmlns:a16="http://schemas.microsoft.com/office/drawing/2014/main" id="{D6E0BCED-6F6F-D936-E2B5-CEC98D50D81D}"/>
-              </a:ext>
-            </a:extLst>
-          </p:cNvPr>
-          <p:cNvCxnSpPr/>
-          <p:nvPr/>
-        </p:nvCxnSpPr>
-        <p:spPr>
-          <a:xfrm>
-            <a:off x="3687745" y="2084301"/>
-            <a:ext cx="1416035" cy="0"/>
-          </a:xfrm>
-          <a:prstGeom prst="straightConnector1">
-            <a:avLst/>
-          </a:prstGeom>
-          <a:ln w="28575">
-            <a:tailEnd type="triangle"/>
-          </a:ln>
-        </p:spPr>
-        <p:style>
-          <a:lnRef idx="1">
-            <a:schemeClr val="accent6"/>
-          </a:lnRef>
-          <a:fillRef idx="0">
-            <a:schemeClr val="accent6"/>
-          </a:fillRef>
-          <a:effectRef idx="0">
-            <a:schemeClr val="accent6"/>
-          </a:effectRef>
-          <a:fontRef idx="minor">
-            <a:schemeClr val="tx1"/>
-          </a:fontRef>
-        </p:style>
-      </p:cxnSp>
-      <p:sp>
-        <p:nvSpPr>
-          <p:cNvPr id="10" name="Content Placeholder 5">
-            <a:extLst>
-              <a:ext uri="{FF2B5EF4-FFF2-40B4-BE49-F238E27FC236}">
-                <a16:creationId xmlns:a16="http://schemas.microsoft.com/office/drawing/2014/main" id="{589107BB-E2C0-CFBD-7B24-90E4256567B7}"/>
-              </a:ext>
-            </a:extLst>
-          </p:cNvPr>
-          <p:cNvSpPr txBox="1">
-            <a:spLocks/>
-          </p:cNvSpPr>
-          <p:nvPr/>
-        </p:nvSpPr>
-        <p:spPr>
-          <a:xfrm>
-            <a:off x="5133450" y="1885648"/>
-            <a:ext cx="5649687" cy="910984"/>
-          </a:xfrm>
-          <a:prstGeom prst="rect">
-            <a:avLst/>
-          </a:prstGeom>
-        </p:spPr>
-        <p:txBody>
-          <a:bodyPr vert="horz" lIns="0" tIns="45720" rIns="91440" bIns="45720" rtlCol="0">
-            <a:noAutofit/>
-          </a:bodyPr>
-          <a:lstStyle>
-            <a:lvl1pPr marL="346075" indent="-288925" algn="l" defTabSz="914400" rtl="0" eaLnBrk="1" latinLnBrk="0" hangingPunct="1">
-              <a:lnSpc>
-                <a:spcPct val="90000"/>
-              </a:lnSpc>
-              <a:spcBef>
-                <a:spcPts val="1600"/>
-              </a:spcBef>
-              <a:spcAft>
-                <a:spcPts val="200"/>
-              </a:spcAft>
-              <a:buClr>
-                <a:schemeClr val="tx2"/>
-              </a:buClr>
-              <a:buSzPct val="100000"/>
-              <a:buFont typeface="Arial" panose="020B0604020202020204" pitchFamily="34" charset="0"/>
-              <a:buChar char="•"/>
-              <a:tabLst/>
-              <a:defRPr lang="en-US" sz="2000" kern="1200" dirty="0">
-                <a:solidFill>
-                  <a:schemeClr val="tx1"/>
-                </a:solidFill>
-                <a:latin typeface="Arial" panose="020B0604020202020204" pitchFamily="34" charset="0"/>
-                <a:ea typeface="+mn-ea"/>
-                <a:cs typeface="+mn-cs"/>
-              </a:defRPr>
-            </a:lvl1pPr>
-            <a:lvl2pPr marL="738188" indent="-280988" algn="l" defTabSz="914400" rtl="0" eaLnBrk="1" latinLnBrk="0" hangingPunct="1">
-              <a:lnSpc>
-                <a:spcPct val="90000"/>
-              </a:lnSpc>
-              <a:spcBef>
-                <a:spcPts val="300"/>
-              </a:spcBef>
-              <a:spcAft>
-                <a:spcPts val="600"/>
-              </a:spcAft>
-              <a:buClr>
-                <a:schemeClr val="tx2"/>
-              </a:buClr>
-              <a:buSzPct val="60000"/>
-              <a:buFont typeface="Courier New" panose="02070309020205020404" pitchFamily="49" charset="0"/>
-              <a:buChar char="o"/>
-              <a:tabLst/>
-              <a:defRPr lang="en-US" sz="1600" kern="1200" dirty="0">
-                <a:solidFill>
-                  <a:schemeClr val="tx1"/>
-                </a:solidFill>
-                <a:latin typeface="Arial" panose="020B0604020202020204" pitchFamily="34" charset="0"/>
-                <a:ea typeface="+mn-ea"/>
-                <a:cs typeface="+mn-cs"/>
-              </a:defRPr>
-            </a:lvl2pPr>
-            <a:lvl3pPr marL="1200150" indent="-285750" algn="l" defTabSz="914400" rtl="0" eaLnBrk="1" latinLnBrk="0" hangingPunct="1">
-              <a:lnSpc>
-                <a:spcPct val="90000"/>
-              </a:lnSpc>
-              <a:spcBef>
-                <a:spcPts val="300"/>
-              </a:spcBef>
-              <a:spcAft>
-                <a:spcPts val="500"/>
-              </a:spcAft>
-              <a:buClr>
-                <a:schemeClr val="tx2"/>
-              </a:buClr>
-              <a:buSzPct val="100000"/>
-              <a:buFont typeface="Rubik Light" panose="00000400000000000000" pitchFamily="2" charset="-79"/>
-              <a:buChar char="–"/>
-              <a:tabLst/>
-              <a:defRPr lang="en-US" sz="1200" kern="1200" dirty="0">
-                <a:solidFill>
-                  <a:schemeClr val="tx1"/>
-                </a:solidFill>
-                <a:latin typeface="Arial" panose="020B0604020202020204" pitchFamily="34" charset="0"/>
-                <a:ea typeface="+mn-ea"/>
-                <a:cs typeface="+mn-cs"/>
-              </a:defRPr>
-            </a:lvl3pPr>
-            <a:lvl4pPr marL="1652588" indent="-280988" algn="l" defTabSz="914400" rtl="0" eaLnBrk="1" latinLnBrk="0" hangingPunct="1">
-              <a:lnSpc>
-                <a:spcPct val="90000"/>
-              </a:lnSpc>
-              <a:spcBef>
-                <a:spcPts val="500"/>
-              </a:spcBef>
-              <a:spcAft>
-                <a:spcPts val="1200"/>
-              </a:spcAft>
-              <a:buClr>
-                <a:schemeClr val="accent2"/>
-              </a:buClr>
-              <a:buSzPct val="115000"/>
-              <a:buFont typeface=".Lucida Grande UI Regular"/>
-              <a:buChar char="▹"/>
-              <a:tabLst/>
-              <a:defRPr sz="1500" kern="1200">
-                <a:solidFill>
-                  <a:schemeClr val="tx2"/>
-                </a:solidFill>
-                <a:latin typeface="+mn-lt"/>
-                <a:ea typeface="+mn-ea"/>
-                <a:cs typeface="+mn-cs"/>
-              </a:defRPr>
-            </a:lvl4pPr>
-            <a:lvl5pPr marL="2170113" indent="-341313" algn="l" defTabSz="914400" rtl="0" eaLnBrk="1" latinLnBrk="0" hangingPunct="1">
-              <a:lnSpc>
-                <a:spcPct val="90000"/>
-              </a:lnSpc>
-              <a:spcBef>
-                <a:spcPts val="500"/>
-              </a:spcBef>
-              <a:spcAft>
-                <a:spcPts val="1200"/>
-              </a:spcAft>
-              <a:buClr>
-                <a:schemeClr val="accent2"/>
-              </a:buClr>
-              <a:buSzPct val="115000"/>
-              <a:buFont typeface=".Lucida Grande UI Regular"/>
-              <a:buChar char="▹"/>
-              <a:tabLst/>
-              <a:defRPr sz="1500" kern="1200">
-                <a:solidFill>
-                  <a:schemeClr val="tx2"/>
-                </a:solidFill>
-                <a:latin typeface="+mn-lt"/>
-                <a:ea typeface="+mn-ea"/>
-                <a:cs typeface="+mn-cs"/>
-              </a:defRPr>
-            </a:lvl5pPr>
-            <a:lvl6pPr marL="2514600" indent="-228600" algn="l" defTabSz="914400" rtl="0" eaLnBrk="1" latinLnBrk="0" hangingPunct="1">
-              <a:lnSpc>
-                <a:spcPct val="90000"/>
-              </a:lnSpc>
-              <a:spcBef>
-                <a:spcPts val="500"/>
-              </a:spcBef>
-              <a:buFont typeface="Arial" panose="020B0604020202020204" pitchFamily="34" charset="0"/>
-              <a:buChar char="•"/>
-              <a:defRPr sz="1800" kern="1200">
-                <a:solidFill>
-                  <a:schemeClr val="tx1"/>
-                </a:solidFill>
-                <a:latin typeface="+mn-lt"/>
-                <a:ea typeface="+mn-ea"/>
-                <a:cs typeface="+mn-cs"/>
-              </a:defRPr>
-            </a:lvl6pPr>
-            <a:lvl7pPr marL="2971800" indent="-228600" algn="l" defTabSz="914400" rtl="0" eaLnBrk="1" latinLnBrk="0" hangingPunct="1">
-              <a:lnSpc>
-                <a:spcPct val="90000"/>
-              </a:lnSpc>
-              <a:spcBef>
-                <a:spcPts val="500"/>
-              </a:spcBef>
-              <a:buFont typeface="Arial" panose="020B0604020202020204" pitchFamily="34" charset="0"/>
-              <a:buChar char="•"/>
-              <a:defRPr sz="1800" kern="1200">
-                <a:solidFill>
-                  <a:schemeClr val="tx1"/>
-                </a:solidFill>
-                <a:latin typeface="+mn-lt"/>
-                <a:ea typeface="+mn-ea"/>
-                <a:cs typeface="+mn-cs"/>
-              </a:defRPr>
-            </a:lvl7pPr>
-            <a:lvl8pPr marL="3429000" indent="-228600" algn="l" defTabSz="914400" rtl="0" eaLnBrk="1" latinLnBrk="0" hangingPunct="1">
-              <a:lnSpc>
-                <a:spcPct val="90000"/>
-              </a:lnSpc>
-              <a:spcBef>
-                <a:spcPts val="500"/>
-              </a:spcBef>
-              <a:buFont typeface="Arial" panose="020B0604020202020204" pitchFamily="34" charset="0"/>
-              <a:buChar char="•"/>
-              <a:defRPr sz="1800" kern="1200">
-                <a:solidFill>
-                  <a:schemeClr val="tx1"/>
-                </a:solidFill>
-                <a:latin typeface="+mn-lt"/>
-                <a:ea typeface="+mn-ea"/>
-                <a:cs typeface="+mn-cs"/>
-              </a:defRPr>
-            </a:lvl8pPr>
-            <a:lvl9pPr marL="3886200" indent="-228600" algn="l" defTabSz="914400" rtl="0" eaLnBrk="1" latinLnBrk="0" hangingPunct="1">
-              <a:lnSpc>
-                <a:spcPct val="90000"/>
-              </a:lnSpc>
-              <a:spcBef>
-                <a:spcPts val="500"/>
-              </a:spcBef>
-              <a:buFont typeface="Arial" panose="020B0604020202020204" pitchFamily="34" charset="0"/>
-              <a:buChar char="•"/>
-              <a:defRPr sz="1800" kern="1200">
-                <a:solidFill>
-                  <a:schemeClr val="tx1"/>
-                </a:solidFill>
-                <a:latin typeface="+mn-lt"/>
-                <a:ea typeface="+mn-ea"/>
-                <a:cs typeface="+mn-cs"/>
-              </a:defRPr>
-            </a:lvl9pPr>
-          </a:lstStyle>
-          <a:p>
-            <a:r>
-              <a:rPr lang="en-US"/>
-              <a:t>min value</a:t>
-            </a:r>
-            <a:r>
-              <a:rPr lang="en-US" altLang="zh-TW"/>
-              <a:t>: 0</a:t>
-            </a:r>
-          </a:p>
-          <a:p>
-            <a:r>
-              <a:rPr lang="en-US"/>
-              <a:t>max value: $</a:t>
-            </a:r>
-          </a:p>
-          <a:p>
-            <a:endParaRPr lang="en-US"/>
-          </a:p>
-        </p:txBody>
-      </p:sp>
-    </p:spTree>
-    <p:extLst>
-      <p:ext uri="{BB962C8B-B14F-4D97-AF65-F5344CB8AC3E}">
-        <p14:creationId xmlns:p14="http://schemas.microsoft.com/office/powerpoint/2010/main" val="1372148226"/>
-      </p:ext>
-    </p:extLst>
-  </p:cSld>
-  <p:clrMapOvr>
-    <a:masterClrMapping/>
-  </p:clrMapOvr>
-</p:sld>
-</file>
-
-<file path=ppt/slides/slide8.xml><?xml version="1.0" encoding="utf-8"?>
-<p:sld xmlns:a="http://schemas.openxmlformats.org/drawingml/2006/main" xmlns:r="http://schemas.openxmlformats.org/officeDocument/2006/relationships" xmlns:p="http://schemas.openxmlformats.org/presentationml/2006/main">
-  <p:cSld>
-    <p:spTree>
-      <p:nvGrpSpPr>
-        <p:cNvPr id="1" name=""/>
-        <p:cNvGrpSpPr/>
-        <p:nvPr/>
-      </p:nvGrpSpPr>
-      <p:grpSpPr>
-        <a:xfrm>
-          <a:off x="0" y="0"/>
-          <a:ext cx="0" cy="0"/>
-          <a:chOff x="0" y="0"/>
-          <a:chExt cx="0" cy="0"/>
-        </a:xfrm>
-      </p:grpSpPr>
-      <p:sp>
-        <p:nvSpPr>
-          <p:cNvPr id="2" name="Title 1">
-            <a:extLst>
-              <a:ext uri="{FF2B5EF4-FFF2-40B4-BE49-F238E27FC236}">
-                <a16:creationId xmlns:a16="http://schemas.microsoft.com/office/drawing/2014/main" id="{63B19FFD-555C-673A-82D5-1766F95D704A}"/>
-              </a:ext>
-            </a:extLst>
-          </p:cNvPr>
-          <p:cNvSpPr>
-            <a:spLocks noGrp="1"/>
-          </p:cNvSpPr>
-          <p:nvPr>
-            <p:ph type="title"/>
-          </p:nvPr>
-        </p:nvSpPr>
-        <p:spPr/>
-        <p:txBody>
-          <a:bodyPr/>
-          <a:lstStyle/>
-          <a:p>
-            <a:r>
-              <a:rPr lang="en-US" dirty="0"/>
-              <a:t>lab31</a:t>
-            </a:r>
-          </a:p>
-        </p:txBody>
-      </p:sp>
-      <p:sp>
-        <p:nvSpPr>
-          <p:cNvPr id="4" name="Slide Number Placeholder 3">
-            <a:extLst>
-              <a:ext uri="{FF2B5EF4-FFF2-40B4-BE49-F238E27FC236}">
-                <a16:creationId xmlns:a16="http://schemas.microsoft.com/office/drawing/2014/main" id="{C80EE293-8908-07B8-DC7E-60356F1A1147}"/>
-              </a:ext>
-            </a:extLst>
-          </p:cNvPr>
-          <p:cNvSpPr>
-            <a:spLocks noGrp="1"/>
-          </p:cNvSpPr>
-          <p:nvPr>
-            <p:ph type="sldNum" sz="quarter" idx="12"/>
-          </p:nvPr>
-        </p:nvSpPr>
-        <p:spPr/>
-        <p:txBody>
-          <a:bodyPr/>
-          <a:lstStyle/>
-          <a:p>
-            <a:fld id="{8A2B06E4-34D2-4DD4-ABFF-9F74AC2B18B5}" type="slidenum">
-              <a:rPr lang="en-US" smtClean="0"/>
-              <a:t>8</a:t>
-            </a:fld>
-            <a:endParaRPr lang="en-US" dirty="0"/>
-          </a:p>
-        </p:txBody>
-      </p:sp>
-      <p:sp>
-        <p:nvSpPr>
-          <p:cNvPr id="5" name="Content Placeholder 5">
-            <a:extLst>
-              <a:ext uri="{FF2B5EF4-FFF2-40B4-BE49-F238E27FC236}">
-                <a16:creationId xmlns:a16="http://schemas.microsoft.com/office/drawing/2014/main" id="{4133E508-717C-F5A4-8DA3-4A77A942FEFD}"/>
-              </a:ext>
-            </a:extLst>
-          </p:cNvPr>
-          <p:cNvSpPr txBox="1">
-            <a:spLocks/>
-          </p:cNvSpPr>
-          <p:nvPr/>
-        </p:nvSpPr>
-        <p:spPr>
-          <a:xfrm>
-            <a:off x="446312" y="1462579"/>
-            <a:ext cx="11038954" cy="4041576"/>
-          </a:xfrm>
-          <a:prstGeom prst="rect">
-            <a:avLst/>
-          </a:prstGeom>
-        </p:spPr>
-        <p:txBody>
-          <a:bodyPr vert="horz" lIns="0" tIns="45720" rIns="91440" bIns="45720" rtlCol="0">
-            <a:noAutofit/>
-          </a:bodyPr>
-          <a:lstStyle>
-            <a:lvl1pPr marL="346075" indent="-288925" algn="l" defTabSz="914400" rtl="0" eaLnBrk="1" latinLnBrk="0" hangingPunct="1">
-              <a:lnSpc>
-                <a:spcPct val="90000"/>
-              </a:lnSpc>
-              <a:spcBef>
-                <a:spcPts val="1600"/>
-              </a:spcBef>
-              <a:spcAft>
-                <a:spcPts val="200"/>
-              </a:spcAft>
-              <a:buClr>
-                <a:schemeClr val="tx2"/>
-              </a:buClr>
-              <a:buSzPct val="100000"/>
-              <a:buFont typeface="Arial" panose="020B0604020202020204" pitchFamily="34" charset="0"/>
-              <a:buChar char="•"/>
-              <a:tabLst/>
-              <a:defRPr lang="en-US" sz="2000" kern="1200" dirty="0">
-                <a:solidFill>
-                  <a:schemeClr val="tx1"/>
-                </a:solidFill>
-                <a:latin typeface="Arial" panose="020B0604020202020204" pitchFamily="34" charset="0"/>
-                <a:ea typeface="+mn-ea"/>
-                <a:cs typeface="+mn-cs"/>
-              </a:defRPr>
-            </a:lvl1pPr>
-            <a:lvl2pPr marL="738188" indent="-280988" algn="l" defTabSz="914400" rtl="0" eaLnBrk="1" latinLnBrk="0" hangingPunct="1">
-              <a:lnSpc>
-                <a:spcPct val="90000"/>
-              </a:lnSpc>
-              <a:spcBef>
-                <a:spcPts val="300"/>
-              </a:spcBef>
-              <a:spcAft>
-                <a:spcPts val="600"/>
-              </a:spcAft>
-              <a:buClr>
-                <a:schemeClr val="tx2"/>
-              </a:buClr>
-              <a:buSzPct val="60000"/>
-              <a:buFont typeface="Courier New" panose="02070309020205020404" pitchFamily="49" charset="0"/>
-              <a:buChar char="o"/>
-              <a:tabLst/>
-              <a:defRPr lang="en-US" sz="1600" kern="1200" dirty="0">
-                <a:solidFill>
-                  <a:schemeClr val="tx1"/>
-                </a:solidFill>
-                <a:latin typeface="Arial" panose="020B0604020202020204" pitchFamily="34" charset="0"/>
-                <a:ea typeface="+mn-ea"/>
-                <a:cs typeface="+mn-cs"/>
-              </a:defRPr>
-            </a:lvl2pPr>
-            <a:lvl3pPr marL="1200150" indent="-285750" algn="l" defTabSz="914400" rtl="0" eaLnBrk="1" latinLnBrk="0" hangingPunct="1">
-              <a:lnSpc>
-                <a:spcPct val="90000"/>
-              </a:lnSpc>
-              <a:spcBef>
-                <a:spcPts val="300"/>
-              </a:spcBef>
-              <a:spcAft>
-                <a:spcPts val="500"/>
-              </a:spcAft>
-              <a:buClr>
-                <a:schemeClr val="tx2"/>
-              </a:buClr>
-              <a:buSzPct val="100000"/>
-              <a:buFont typeface="Rubik Light" panose="00000400000000000000" pitchFamily="2" charset="-79"/>
-              <a:buChar char="–"/>
-              <a:tabLst/>
-              <a:defRPr lang="en-US" sz="1200" kern="1200" dirty="0">
-                <a:solidFill>
-                  <a:schemeClr val="tx1"/>
-                </a:solidFill>
-                <a:latin typeface="Arial" panose="020B0604020202020204" pitchFamily="34" charset="0"/>
-                <a:ea typeface="+mn-ea"/>
-                <a:cs typeface="+mn-cs"/>
-              </a:defRPr>
-            </a:lvl3pPr>
-            <a:lvl4pPr marL="1652588" indent="-280988" algn="l" defTabSz="914400" rtl="0" eaLnBrk="1" latinLnBrk="0" hangingPunct="1">
-              <a:lnSpc>
-                <a:spcPct val="90000"/>
-              </a:lnSpc>
-              <a:spcBef>
-                <a:spcPts val="500"/>
-              </a:spcBef>
-              <a:spcAft>
-                <a:spcPts val="1200"/>
-              </a:spcAft>
-              <a:buClr>
-                <a:schemeClr val="accent2"/>
-              </a:buClr>
-              <a:buSzPct val="115000"/>
-              <a:buFont typeface=".Lucida Grande UI Regular"/>
-              <a:buChar char="▹"/>
-              <a:tabLst/>
-              <a:defRPr sz="1500" kern="1200">
-                <a:solidFill>
-                  <a:schemeClr val="tx2"/>
-                </a:solidFill>
-                <a:latin typeface="+mn-lt"/>
-                <a:ea typeface="+mn-ea"/>
-                <a:cs typeface="+mn-cs"/>
-              </a:defRPr>
-            </a:lvl4pPr>
-            <a:lvl5pPr marL="2170113" indent="-341313" algn="l" defTabSz="914400" rtl="0" eaLnBrk="1" latinLnBrk="0" hangingPunct="1">
-              <a:lnSpc>
-                <a:spcPct val="90000"/>
-              </a:lnSpc>
-              <a:spcBef>
-                <a:spcPts val="500"/>
-              </a:spcBef>
-              <a:spcAft>
-                <a:spcPts val="1200"/>
-              </a:spcAft>
-              <a:buClr>
-                <a:schemeClr val="accent2"/>
-              </a:buClr>
-              <a:buSzPct val="115000"/>
-              <a:buFont typeface=".Lucida Grande UI Regular"/>
-              <a:buChar char="▹"/>
-              <a:tabLst/>
-              <a:defRPr sz="1500" kern="1200">
-                <a:solidFill>
-                  <a:schemeClr val="tx2"/>
-                </a:solidFill>
-                <a:latin typeface="+mn-lt"/>
-                <a:ea typeface="+mn-ea"/>
-                <a:cs typeface="+mn-cs"/>
-              </a:defRPr>
-            </a:lvl5pPr>
-            <a:lvl6pPr marL="2514600" indent="-228600" algn="l" defTabSz="914400" rtl="0" eaLnBrk="1" latinLnBrk="0" hangingPunct="1">
-              <a:lnSpc>
-                <a:spcPct val="90000"/>
-              </a:lnSpc>
-              <a:spcBef>
-                <a:spcPts val="500"/>
-              </a:spcBef>
-              <a:buFont typeface="Arial" panose="020B0604020202020204" pitchFamily="34" charset="0"/>
-              <a:buChar char="•"/>
-              <a:defRPr sz="1800" kern="1200">
-                <a:solidFill>
-                  <a:schemeClr val="tx1"/>
-                </a:solidFill>
-                <a:latin typeface="+mn-lt"/>
-                <a:ea typeface="+mn-ea"/>
-                <a:cs typeface="+mn-cs"/>
-              </a:defRPr>
-            </a:lvl6pPr>
-            <a:lvl7pPr marL="2971800" indent="-228600" algn="l" defTabSz="914400" rtl="0" eaLnBrk="1" latinLnBrk="0" hangingPunct="1">
-              <a:lnSpc>
-                <a:spcPct val="90000"/>
-              </a:lnSpc>
-              <a:spcBef>
-                <a:spcPts val="500"/>
-              </a:spcBef>
-              <a:buFont typeface="Arial" panose="020B0604020202020204" pitchFamily="34" charset="0"/>
-              <a:buChar char="•"/>
-              <a:defRPr sz="1800" kern="1200">
-                <a:solidFill>
-                  <a:schemeClr val="tx1"/>
-                </a:solidFill>
-                <a:latin typeface="+mn-lt"/>
-                <a:ea typeface="+mn-ea"/>
-                <a:cs typeface="+mn-cs"/>
-              </a:defRPr>
-            </a:lvl7pPr>
-            <a:lvl8pPr marL="3429000" indent="-228600" algn="l" defTabSz="914400" rtl="0" eaLnBrk="1" latinLnBrk="0" hangingPunct="1">
-              <a:lnSpc>
-                <a:spcPct val="90000"/>
-              </a:lnSpc>
-              <a:spcBef>
-                <a:spcPts val="500"/>
-              </a:spcBef>
-              <a:buFont typeface="Arial" panose="020B0604020202020204" pitchFamily="34" charset="0"/>
-              <a:buChar char="•"/>
-              <a:defRPr sz="1800" kern="1200">
-                <a:solidFill>
-                  <a:schemeClr val="tx1"/>
-                </a:solidFill>
-                <a:latin typeface="+mn-lt"/>
-                <a:ea typeface="+mn-ea"/>
-                <a:cs typeface="+mn-cs"/>
-              </a:defRPr>
-            </a:lvl8pPr>
-            <a:lvl9pPr marL="3886200" indent="-228600" algn="l" defTabSz="914400" rtl="0" eaLnBrk="1" latinLnBrk="0" hangingPunct="1">
-              <a:lnSpc>
-                <a:spcPct val="90000"/>
-              </a:lnSpc>
-              <a:spcBef>
-                <a:spcPts val="500"/>
-              </a:spcBef>
-              <a:buFont typeface="Arial" panose="020B0604020202020204" pitchFamily="34" charset="0"/>
-              <a:buChar char="•"/>
-              <a:defRPr sz="1800" kern="1200">
-                <a:solidFill>
-                  <a:schemeClr val="tx1"/>
-                </a:solidFill>
-                <a:latin typeface="+mn-lt"/>
-                <a:ea typeface="+mn-ea"/>
-                <a:cs typeface="+mn-cs"/>
-              </a:defRPr>
-            </a:lvl9pPr>
-          </a:lstStyle>
-          <a:p>
-            <a:r>
-              <a:rPr lang="en-US" dirty="0"/>
-              <a:t>when dealing with </a:t>
-            </a:r>
-            <a:r>
-              <a:rPr lang="en-US" dirty="0" err="1"/>
-              <a:t>sva</a:t>
-            </a:r>
-            <a:r>
-              <a:rPr lang="en-US" dirty="0"/>
-              <a:t> seq expression with unbounded range &lt;- use “strong” to modify seq</a:t>
-            </a:r>
-          </a:p>
-          <a:p>
-            <a:pPr lvl="1"/>
-            <a:r>
-              <a:rPr lang="en-US" dirty="0"/>
-              <a:t>use “strong” </a:t>
-            </a:r>
-            <a:r>
-              <a:rPr lang="en-US" dirty="0">
-                <a:sym typeface="Wingdings" panose="05000000000000000000" pitchFamily="2" charset="2"/>
-              </a:rPr>
-              <a:t>to check its liveness (</a:t>
-            </a:r>
-            <a:r>
-              <a:rPr lang="en-US" dirty="0"/>
-              <a:t>default is “weak”  to check safety</a:t>
-            </a:r>
-            <a:r>
-              <a:rPr lang="en-US" dirty="0">
-                <a:sym typeface="Wingdings" panose="05000000000000000000" pitchFamily="2" charset="2"/>
-              </a:rPr>
-              <a:t>)</a:t>
-            </a:r>
-          </a:p>
-          <a:p>
-            <a:pPr lvl="1"/>
-            <a:r>
-              <a:rPr lang="en-US" dirty="0"/>
-              <a:t>for example</a:t>
-            </a:r>
-          </a:p>
-          <a:p>
-            <a:pPr lvl="2"/>
-            <a:r>
-              <a:rPr lang="en-US" dirty="0"/>
-              <a:t>##[0:$]</a:t>
-            </a:r>
-          </a:p>
-          <a:p>
-            <a:pPr lvl="2"/>
-            <a:r>
-              <a:rPr lang="en-US" dirty="0"/>
-              <a:t>##[+]</a:t>
-            </a:r>
-          </a:p>
-          <a:p>
-            <a:pPr lvl="2"/>
-            <a:endParaRPr lang="en-US" dirty="0"/>
-          </a:p>
-          <a:p>
-            <a:pPr lvl="2"/>
-            <a:endParaRPr lang="en-US" dirty="0"/>
-          </a:p>
-          <a:p>
-            <a:pPr lvl="2"/>
-            <a:endParaRPr lang="en-US" dirty="0"/>
-          </a:p>
-          <a:p>
-            <a:pPr lvl="2"/>
-            <a:endParaRPr lang="en-US" dirty="0"/>
-          </a:p>
-          <a:p>
-            <a:pPr lvl="1"/>
-            <a:r>
-              <a:rPr lang="en-US" dirty="0"/>
-              <a:t>https://www.youtube.com/watch?v=OScfnDGFEOg</a:t>
-            </a:r>
-          </a:p>
-        </p:txBody>
-      </p:sp>
-      <p:pic>
-        <p:nvPicPr>
-          <p:cNvPr id="9" name="Picture 8">
-            <a:extLst>
-              <a:ext uri="{FF2B5EF4-FFF2-40B4-BE49-F238E27FC236}">
-                <a16:creationId xmlns:a16="http://schemas.microsoft.com/office/drawing/2014/main" id="{179C40AD-C071-6AC1-BB35-F12B108D9C7E}"/>
-              </a:ext>
-            </a:extLst>
-          </p:cNvPr>
-          <p:cNvPicPr>
-            <a:picLocks noChangeAspect="1"/>
-          </p:cNvPicPr>
-          <p:nvPr/>
-        </p:nvPicPr>
-        <p:blipFill>
-          <a:blip r:embed="rId2"/>
-          <a:stretch>
-            <a:fillRect/>
-          </a:stretch>
-        </p:blipFill>
-        <p:spPr>
-          <a:xfrm>
-            <a:off x="3844391" y="601265"/>
-            <a:ext cx="1467055" cy="752580"/>
-          </a:xfrm>
-          <a:prstGeom prst="rect">
-            <a:avLst/>
-          </a:prstGeom>
-        </p:spPr>
-      </p:pic>
-    </p:spTree>
-    <p:extLst>
-      <p:ext uri="{BB962C8B-B14F-4D97-AF65-F5344CB8AC3E}">
-        <p14:creationId xmlns:p14="http://schemas.microsoft.com/office/powerpoint/2010/main" val="2246201281"/>
-      </p:ext>
-    </p:extLst>
-  </p:cSld>
-  <p:clrMapOvr>
-    <a:masterClrMapping/>
-  </p:clrMapOvr>
-</p:sld>
-</file>
-
-<file path=ppt/slides/slide9.xml><?xml version="1.0" encoding="utf-8"?>
-<p:sld xmlns:a="http://schemas.openxmlformats.org/drawingml/2006/main" xmlns:r="http://schemas.openxmlformats.org/officeDocument/2006/relationships" xmlns:p="http://schemas.openxmlformats.org/presentationml/2006/main">
-  <p:cSld>
-    <p:spTree>
-      <p:nvGrpSpPr>
-        <p:cNvPr id="1" name=""/>
-        <p:cNvGrpSpPr/>
-        <p:nvPr/>
-      </p:nvGrpSpPr>
-      <p:grpSpPr>
-        <a:xfrm>
-          <a:off x="0" y="0"/>
-          <a:ext cx="0" cy="0"/>
-          <a:chOff x="0" y="0"/>
-          <a:chExt cx="0" cy="0"/>
-        </a:xfrm>
-      </p:grpSpPr>
-      <p:sp>
-        <p:nvSpPr>
-          <p:cNvPr id="2" name="Title 1">
-            <a:extLst>
-              <a:ext uri="{FF2B5EF4-FFF2-40B4-BE49-F238E27FC236}">
-                <a16:creationId xmlns:a16="http://schemas.microsoft.com/office/drawing/2014/main" id="{63B19FFD-555C-673A-82D5-1766F95D704A}"/>
-              </a:ext>
-            </a:extLst>
-          </p:cNvPr>
-          <p:cNvSpPr>
-            <a:spLocks noGrp="1"/>
-          </p:cNvSpPr>
-          <p:nvPr>
-            <p:ph type="title"/>
-          </p:nvPr>
-        </p:nvSpPr>
-        <p:spPr/>
-        <p:txBody>
-          <a:bodyPr/>
-          <a:lstStyle/>
-          <a:p>
-            <a:r>
-              <a:rPr lang="en-US" altLang="zh-TW" dirty="0"/>
-              <a:t>20240509</a:t>
-            </a:r>
-            <a:r>
-              <a:rPr lang="zh-TW" altLang="en-US" dirty="0"/>
-              <a:t> </a:t>
-            </a:r>
-            <a:r>
-              <a:rPr lang="en-US" altLang="zh-TW" dirty="0"/>
-              <a:t>below</a:t>
-            </a:r>
-            <a:endParaRPr lang="en-US" dirty="0"/>
-          </a:p>
-        </p:txBody>
-      </p:sp>
-      <p:sp>
-        <p:nvSpPr>
-          <p:cNvPr id="3" name="Content Placeholder 2">
-            <a:extLst>
-              <a:ext uri="{FF2B5EF4-FFF2-40B4-BE49-F238E27FC236}">
-                <a16:creationId xmlns:a16="http://schemas.microsoft.com/office/drawing/2014/main" id="{130DB93F-F47C-DCC6-06F8-F6FC5C92DD64}"/>
-              </a:ext>
-            </a:extLst>
-          </p:cNvPr>
-          <p:cNvSpPr>
-            <a:spLocks noGrp="1"/>
-          </p:cNvSpPr>
-          <p:nvPr>
-            <p:ph idx="1"/>
-          </p:nvPr>
-        </p:nvSpPr>
-        <p:spPr/>
-        <p:txBody>
-          <a:bodyPr/>
-          <a:lstStyle/>
-          <a:p>
-            <a:endParaRPr lang="en-US" dirty="0"/>
-          </a:p>
-        </p:txBody>
-      </p:sp>
-      <p:sp>
-        <p:nvSpPr>
-          <p:cNvPr id="4" name="Slide Number Placeholder 3">
-            <a:extLst>
-              <a:ext uri="{FF2B5EF4-FFF2-40B4-BE49-F238E27FC236}">
-                <a16:creationId xmlns:a16="http://schemas.microsoft.com/office/drawing/2014/main" id="{C80EE293-8908-07B8-DC7E-60356F1A1147}"/>
-              </a:ext>
-            </a:extLst>
-          </p:cNvPr>
-          <p:cNvSpPr>
-            <a:spLocks noGrp="1"/>
-          </p:cNvSpPr>
-          <p:nvPr>
-            <p:ph type="sldNum" sz="quarter" idx="12"/>
-          </p:nvPr>
-        </p:nvSpPr>
-        <p:spPr/>
-        <p:txBody>
-          <a:bodyPr/>
-          <a:lstStyle/>
-          <a:p>
-            <a:fld id="{8A2B06E4-34D2-4DD4-ABFF-9F74AC2B18B5}" type="slidenum">
-              <a:rPr lang="en-US" smtClean="0"/>
-              <a:t>9</a:t>
-            </a:fld>
-            <a:endParaRPr lang="en-US" dirty="0"/>
-          </a:p>
-        </p:txBody>
-      </p:sp>
-    </p:spTree>
-    <p:extLst>
-      <p:ext uri="{BB962C8B-B14F-4D97-AF65-F5344CB8AC3E}">
-        <p14:creationId xmlns:p14="http://schemas.microsoft.com/office/powerpoint/2010/main" val="2689668643"/>
       </p:ext>
     </p:extLst>
   </p:cSld>

--- a/note.pptx
+++ b/note.pptx
@@ -156,7 +156,7 @@
 <file path=ppt/revisionInfo.xml><?xml version="1.0" encoding="utf-8"?>
 <p1510:revInfo xmlns:a="http://schemas.openxmlformats.org/drawingml/2006/main" xmlns:r="http://schemas.openxmlformats.org/officeDocument/2006/relationships" xmlns:p1510="http://schemas.microsoft.com/office/powerpoint/2015/10/main">
   <p1510:revLst>
-    <p1510:client id="{AB0BFEC8-14E9-4C61-B10E-456F41DF402E}" v="113" dt="2024-05-17T15:55:48.032"/>
+    <p1510:client id="{AB0BFEC8-14E9-4C61-B10E-456F41DF402E}" v="115" dt="2024-05-23T14:00:25.172"/>
   </p1510:revLst>
 </p1510:revInfo>
 </file>
@@ -698,7 +698,7 @@
   <pc:docChgLst>
     <pc:chgData name="Billy Lin" userId="05f35405-298c-473c-91f2-352ef9a130c9" providerId="ADAL" clId="{AB0BFEC8-14E9-4C61-B10E-456F41DF402E}"/>
     <pc:docChg chg="undo custSel addSld delSld modSld sldOrd">
-      <pc:chgData name="Billy Lin" userId="05f35405-298c-473c-91f2-352ef9a130c9" providerId="ADAL" clId="{AB0BFEC8-14E9-4C61-B10E-456F41DF402E}" dt="2024-05-17T15:55:51.087" v="2013" actId="20577"/>
+      <pc:chgData name="Billy Lin" userId="05f35405-298c-473c-91f2-352ef9a130c9" providerId="ADAL" clId="{AB0BFEC8-14E9-4C61-B10E-456F41DF402E}" dt="2024-05-23T14:00:52.481" v="2042" actId="1076"/>
       <pc:docMkLst>
         <pc:docMk/>
       </pc:docMkLst>
@@ -1940,14 +1940,14 @@
           </ac:picMkLst>
         </pc:picChg>
       </pc:sldChg>
-      <pc:sldChg chg="addSp modSp add">
-        <pc:chgData name="Billy Lin" userId="05f35405-298c-473c-91f2-352ef9a130c9" providerId="ADAL" clId="{AB0BFEC8-14E9-4C61-B10E-456F41DF402E}" dt="2024-04-22T06:59:00.370" v="1697"/>
+      <pc:sldChg chg="addSp modSp add mod">
+        <pc:chgData name="Billy Lin" userId="05f35405-298c-473c-91f2-352ef9a130c9" providerId="ADAL" clId="{AB0BFEC8-14E9-4C61-B10E-456F41DF402E}" dt="2024-05-23T13:32:19.393" v="2016" actId="14100"/>
         <pc:sldMkLst>
           <pc:docMk/>
           <pc:sldMk cId="164610840" sldId="6958"/>
         </pc:sldMkLst>
         <pc:picChg chg="add mod">
-          <ac:chgData name="Billy Lin" userId="05f35405-298c-473c-91f2-352ef9a130c9" providerId="ADAL" clId="{AB0BFEC8-14E9-4C61-B10E-456F41DF402E}" dt="2024-04-22T06:59:00.370" v="1697"/>
+          <ac:chgData name="Billy Lin" userId="05f35405-298c-473c-91f2-352ef9a130c9" providerId="ADAL" clId="{AB0BFEC8-14E9-4C61-B10E-456F41DF402E}" dt="2024-05-23T13:32:19.393" v="2016" actId="14100"/>
           <ac:picMkLst>
             <pc:docMk/>
             <pc:sldMk cId="164610840" sldId="6958"/>
@@ -1955,8 +1955,8 @@
           </ac:picMkLst>
         </pc:picChg>
       </pc:sldChg>
-      <pc:sldChg chg="modSp new mod ord">
-        <pc:chgData name="Billy Lin" userId="05f35405-298c-473c-91f2-352ef9a130c9" providerId="ADAL" clId="{AB0BFEC8-14E9-4C61-B10E-456F41DF402E}" dt="2024-05-14T04:46:43.955" v="1770" actId="20577"/>
+      <pc:sldChg chg="addSp modSp new mod ord">
+        <pc:chgData name="Billy Lin" userId="05f35405-298c-473c-91f2-352ef9a130c9" providerId="ADAL" clId="{AB0BFEC8-14E9-4C61-B10E-456F41DF402E}" dt="2024-05-23T14:00:52.481" v="2042" actId="1076"/>
         <pc:sldMkLst>
           <pc:docMk/>
           <pc:sldMk cId="2689668643" sldId="6959"/>
@@ -1975,6 +1975,22 @@
             <pc:docMk/>
             <pc:sldMk cId="2689668643" sldId="6959"/>
             <ac:spMk id="3" creationId="{130DB93F-F47C-DCC6-06F8-F6FC5C92DD64}"/>
+          </ac:spMkLst>
+        </pc:spChg>
+        <pc:spChg chg="add mod">
+          <ac:chgData name="Billy Lin" userId="05f35405-298c-473c-91f2-352ef9a130c9" providerId="ADAL" clId="{AB0BFEC8-14E9-4C61-B10E-456F41DF402E}" dt="2024-05-23T14:00:46.310" v="2038" actId="20577"/>
+          <ac:spMkLst>
+            <pc:docMk/>
+            <pc:sldMk cId="2689668643" sldId="6959"/>
+            <ac:spMk id="5" creationId="{5AF1DFF2-C8DE-6DD2-F8FC-E52CEB89ACC0}"/>
+          </ac:spMkLst>
+        </pc:spChg>
+        <pc:spChg chg="add mod">
+          <ac:chgData name="Billy Lin" userId="05f35405-298c-473c-91f2-352ef9a130c9" providerId="ADAL" clId="{AB0BFEC8-14E9-4C61-B10E-456F41DF402E}" dt="2024-05-23T14:00:52.481" v="2042" actId="1076"/>
+          <ac:spMkLst>
+            <pc:docMk/>
+            <pc:sldMk cId="2689668643" sldId="6959"/>
+            <ac:spMk id="6" creationId="{68F19C1C-B4BA-065C-AF53-9478A8458217}"/>
           </ac:spMkLst>
         </pc:spChg>
       </pc:sldChg>
@@ -3129,7 +3145,7 @@
           <a:p>
             <a:fld id="{2EDDABC3-F3ED-4DD9-983D-F09E8FCF6133}" type="datetimeFigureOut">
               <a:rPr lang="en-US" smtClean="0"/>
-              <a:t>5/17/2024</a:t>
+              <a:t>5/23/2024</a:t>
             </a:fld>
             <a:endParaRPr lang="en-US"/>
           </a:p>
@@ -3521,7 +3537,7 @@
           <a:p>
             <a:fld id="{F59B6F3A-935B-44D1-A66F-61470C6D8F51}" type="datetime1">
               <a:rPr lang="en-US" smtClean="0"/>
-              <a:t>5/17/2024</a:t>
+              <a:t>5/23/2024</a:t>
             </a:fld>
             <a:endParaRPr lang="en-US"/>
           </a:p>
@@ -3765,7 +3781,7 @@
           <a:p>
             <a:fld id="{C63B82BC-FCA2-460F-A60C-8FE94D119F09}" type="datetime1">
               <a:rPr lang="en-US" smtClean="0"/>
-              <a:t>5/17/2024</a:t>
+              <a:t>5/23/2024</a:t>
             </a:fld>
             <a:endParaRPr lang="en-US"/>
           </a:p>
@@ -7227,6 +7243,116 @@
           </a:p>
         </p:txBody>
       </p:sp>
+      <p:sp>
+        <p:nvSpPr>
+          <p:cNvPr id="5" name="Oval 4">
+            <a:extLst>
+              <a:ext uri="{FF2B5EF4-FFF2-40B4-BE49-F238E27FC236}">
+                <a16:creationId xmlns:a16="http://schemas.microsoft.com/office/drawing/2014/main" id="{5AF1DFF2-C8DE-6DD2-F8FC-E52CEB89ACC0}"/>
+              </a:ext>
+            </a:extLst>
+          </p:cNvPr>
+          <p:cNvSpPr/>
+          <p:nvPr/>
+        </p:nvSpPr>
+        <p:spPr>
+          <a:xfrm>
+            <a:off x="6893167" y="1620296"/>
+            <a:ext cx="4863403" cy="3617407"/>
+          </a:xfrm>
+          <a:prstGeom prst="ellipse">
+            <a:avLst/>
+          </a:prstGeom>
+          <a:solidFill>
+            <a:schemeClr val="accent1"/>
+          </a:solidFill>
+          <a:ln>
+            <a:noFill/>
+          </a:ln>
+        </p:spPr>
+        <p:style>
+          <a:lnRef idx="2">
+            <a:schemeClr val="accent1">
+              <a:shade val="50000"/>
+            </a:schemeClr>
+          </a:lnRef>
+          <a:fillRef idx="1">
+            <a:schemeClr val="accent1"/>
+          </a:fillRef>
+          <a:effectRef idx="0">
+            <a:schemeClr val="accent1"/>
+          </a:effectRef>
+          <a:fontRef idx="minor">
+            <a:schemeClr val="lt1"/>
+          </a:fontRef>
+        </p:style>
+        <p:txBody>
+          <a:bodyPr rtlCol="0" anchor="t"/>
+          <a:lstStyle/>
+          <a:p>
+            <a:pPr algn="ctr"/>
+            <a:r>
+              <a:rPr lang="en-US" dirty="0"/>
+              <a:t>strong assertion</a:t>
+            </a:r>
+          </a:p>
+        </p:txBody>
+      </p:sp>
+      <p:sp>
+        <p:nvSpPr>
+          <p:cNvPr id="6" name="Oval 5">
+            <a:extLst>
+              <a:ext uri="{FF2B5EF4-FFF2-40B4-BE49-F238E27FC236}">
+                <a16:creationId xmlns:a16="http://schemas.microsoft.com/office/drawing/2014/main" id="{68F19C1C-B4BA-065C-AF53-9478A8458217}"/>
+              </a:ext>
+            </a:extLst>
+          </p:cNvPr>
+          <p:cNvSpPr/>
+          <p:nvPr/>
+        </p:nvSpPr>
+        <p:spPr>
+          <a:xfrm>
+            <a:off x="8026011" y="3659146"/>
+            <a:ext cx="2396374" cy="1125415"/>
+          </a:xfrm>
+          <a:prstGeom prst="ellipse">
+            <a:avLst/>
+          </a:prstGeom>
+          <a:solidFill>
+            <a:srgbClr val="00B050"/>
+          </a:solidFill>
+          <a:ln>
+            <a:noFill/>
+          </a:ln>
+        </p:spPr>
+        <p:style>
+          <a:lnRef idx="2">
+            <a:schemeClr val="accent1">
+              <a:shade val="50000"/>
+            </a:schemeClr>
+          </a:lnRef>
+          <a:fillRef idx="1">
+            <a:schemeClr val="accent1"/>
+          </a:fillRef>
+          <a:effectRef idx="0">
+            <a:schemeClr val="accent1"/>
+          </a:effectRef>
+          <a:fontRef idx="minor">
+            <a:schemeClr val="lt1"/>
+          </a:fontRef>
+        </p:style>
+        <p:txBody>
+          <a:bodyPr rtlCol="0" anchor="t"/>
+          <a:lstStyle/>
+          <a:p>
+            <a:pPr algn="ctr"/>
+            <a:r>
+              <a:rPr lang="en-US" dirty="0"/>
+              <a:t>weak assertion</a:t>
+            </a:r>
+          </a:p>
+        </p:txBody>
+      </p:sp>
     </p:spTree>
     <p:extLst>
       <p:ext uri="{BB962C8B-B14F-4D97-AF65-F5344CB8AC3E}">
@@ -11871,7 +11997,7 @@
           <a:bodyPr/>
           <a:lstStyle/>
           <a:p>
-            <a:endParaRPr lang="en-US"/>
+            <a:endParaRPr lang="en-US" dirty="0"/>
           </a:p>
         </p:txBody>
       </p:sp>
@@ -11926,8 +12052,8 @@
         </p:blipFill>
         <p:spPr>
           <a:xfrm>
-            <a:off x="1717123" y="1755761"/>
-            <a:ext cx="7664621" cy="4440023"/>
+            <a:off x="1717123" y="1411550"/>
+            <a:ext cx="8535996" cy="4944800"/>
           </a:xfrm>
           <a:prstGeom prst="rect">
             <a:avLst/>

--- a/note.pptx
+++ b/note.pptx
@@ -698,7 +698,7 @@
   <pc:docChgLst>
     <pc:chgData name="Billy Lin" userId="05f35405-298c-473c-91f2-352ef9a130c9" providerId="ADAL" clId="{AB0BFEC8-14E9-4C61-B10E-456F41DF402E}"/>
     <pc:docChg chg="undo custSel addSld delSld modSld sldOrd">
-      <pc:chgData name="Billy Lin" userId="05f35405-298c-473c-91f2-352ef9a130c9" providerId="ADAL" clId="{AB0BFEC8-14E9-4C61-B10E-456F41DF402E}" dt="2024-05-23T14:00:52.481" v="2042" actId="1076"/>
+      <pc:chgData name="Billy Lin" userId="05f35405-298c-473c-91f2-352ef9a130c9" providerId="ADAL" clId="{AB0BFEC8-14E9-4C61-B10E-456F41DF402E}" dt="2024-05-30T12:29:14.854" v="2047" actId="14100"/>
       <pc:docMkLst>
         <pc:docMk/>
       </pc:docMkLst>
@@ -2404,7 +2404,7 @@
         </pc:sldMkLst>
       </pc:sldChg>
       <pc:sldChg chg="addSp delSp modSp add mod">
-        <pc:chgData name="Billy Lin" userId="05f35405-298c-473c-91f2-352ef9a130c9" providerId="ADAL" clId="{AB0BFEC8-14E9-4C61-B10E-456F41DF402E}" dt="2024-05-17T05:55:02.598" v="1856" actId="1076"/>
+        <pc:chgData name="Billy Lin" userId="05f35405-298c-473c-91f2-352ef9a130c9" providerId="ADAL" clId="{AB0BFEC8-14E9-4C61-B10E-456F41DF402E}" dt="2024-05-30T12:29:03.765" v="2043" actId="20577"/>
         <pc:sldMkLst>
           <pc:docMk/>
           <pc:sldMk cId="2246201281" sldId="6966"/>
@@ -2418,7 +2418,7 @@
           </ac:spMkLst>
         </pc:spChg>
         <pc:spChg chg="add mod">
-          <ac:chgData name="Billy Lin" userId="05f35405-298c-473c-91f2-352ef9a130c9" providerId="ADAL" clId="{AB0BFEC8-14E9-4C61-B10E-456F41DF402E}" dt="2024-05-17T05:55:01.292" v="1855" actId="14100"/>
+          <ac:chgData name="Billy Lin" userId="05f35405-298c-473c-91f2-352ef9a130c9" providerId="ADAL" clId="{AB0BFEC8-14E9-4C61-B10E-456F41DF402E}" dt="2024-05-30T12:29:03.765" v="2043" actId="20577"/>
           <ac:spMkLst>
             <pc:docMk/>
             <pc:sldMk cId="2246201281" sldId="6966"/>
@@ -2457,7 +2457,7 @@
         </pc:sldMkLst>
       </pc:sldChg>
       <pc:sldChg chg="addSp delSp modSp add mod ord">
-        <pc:chgData name="Billy Lin" userId="05f35405-298c-473c-91f2-352ef9a130c9" providerId="ADAL" clId="{AB0BFEC8-14E9-4C61-B10E-456F41DF402E}" dt="2024-05-17T06:03:26.994" v="1865" actId="1076"/>
+        <pc:chgData name="Billy Lin" userId="05f35405-298c-473c-91f2-352ef9a130c9" providerId="ADAL" clId="{AB0BFEC8-14E9-4C61-B10E-456F41DF402E}" dt="2024-05-30T12:29:14.854" v="2047" actId="14100"/>
         <pc:sldMkLst>
           <pc:docMk/>
           <pc:sldMk cId="1378476422" sldId="6968"/>
@@ -2511,7 +2511,7 @@
           </ac:spMkLst>
         </pc:spChg>
         <pc:spChg chg="add mod">
-          <ac:chgData name="Billy Lin" userId="05f35405-298c-473c-91f2-352ef9a130c9" providerId="ADAL" clId="{AB0BFEC8-14E9-4C61-B10E-456F41DF402E}" dt="2024-05-17T06:03:26.994" v="1865" actId="1076"/>
+          <ac:chgData name="Billy Lin" userId="05f35405-298c-473c-91f2-352ef9a130c9" providerId="ADAL" clId="{AB0BFEC8-14E9-4C61-B10E-456F41DF402E}" dt="2024-05-30T12:29:12.038" v="2046" actId="1076"/>
           <ac:spMkLst>
             <pc:docMk/>
             <pc:sldMk cId="1378476422" sldId="6968"/>
@@ -2519,7 +2519,7 @@
           </ac:spMkLst>
         </pc:spChg>
         <pc:picChg chg="add mod">
-          <ac:chgData name="Billy Lin" userId="05f35405-298c-473c-91f2-352ef9a130c9" providerId="ADAL" clId="{AB0BFEC8-14E9-4C61-B10E-456F41DF402E}" dt="2024-05-17T06:03:00.253" v="1860" actId="1076"/>
+          <ac:chgData name="Billy Lin" userId="05f35405-298c-473c-91f2-352ef9a130c9" providerId="ADAL" clId="{AB0BFEC8-14E9-4C61-B10E-456F41DF402E}" dt="2024-05-30T12:29:14.854" v="2047" actId="14100"/>
           <ac:picMkLst>
             <pc:docMk/>
             <pc:sldMk cId="1378476422" sldId="6968"/>
@@ -3145,7 +3145,7 @@
           <a:p>
             <a:fld id="{2EDDABC3-F3ED-4DD9-983D-F09E8FCF6133}" type="datetimeFigureOut">
               <a:rPr lang="en-US" smtClean="0"/>
-              <a:t>5/23/2024</a:t>
+              <a:t>5/30/2024</a:t>
             </a:fld>
             <a:endParaRPr lang="en-US"/>
           </a:p>
@@ -3537,7 +3537,7 @@
           <a:p>
             <a:fld id="{F59B6F3A-935B-44D1-A66F-61470C6D8F51}" type="datetime1">
               <a:rPr lang="en-US" smtClean="0"/>
-              <a:t>5/23/2024</a:t>
+              <a:t>5/30/2024</a:t>
             </a:fld>
             <a:endParaRPr lang="en-US"/>
           </a:p>
@@ -3781,7 +3781,7 @@
           <a:p>
             <a:fld id="{C63B82BC-FCA2-460F-A60C-8FE94D119F09}" type="datetime1">
               <a:rPr lang="en-US" smtClean="0"/>
-              <a:t>5/23/2024</a:t>
+              <a:t>5/30/2024</a:t>
             </a:fld>
             <a:endParaRPr lang="en-US"/>
           </a:p>
@@ -5843,7 +5843,7 @@
         <p:spPr>
           <a:xfrm>
             <a:off x="505260" y="1685867"/>
-            <a:ext cx="5020376" cy="1600423"/>
+            <a:ext cx="5238294" cy="1669892"/>
           </a:xfrm>
           <a:prstGeom prst="rect">
             <a:avLst/>
@@ -6031,8 +6031,8 @@
         </p:nvSpPr>
         <p:spPr>
           <a:xfrm>
-            <a:off x="2473990" y="3998630"/>
-            <a:ext cx="5649687" cy="2937913"/>
+            <a:off x="505260" y="4106252"/>
+            <a:ext cx="5649687" cy="2432660"/>
           </a:xfrm>
           <a:prstGeom prst="rect">
             <a:avLst/>
@@ -6206,50 +6206,49 @@
           </a:lstStyle>
           <a:p>
             <a:r>
-              <a:rPr lang="en-US"/>
+              <a:rPr lang="en-US" dirty="0"/>
               <a:t>consecutive repetition</a:t>
             </a:r>
           </a:p>
           <a:p>
             <a:pPr lvl="1"/>
             <a:r>
-              <a:rPr lang="en-US"/>
+              <a:rPr lang="en-US" dirty="0"/>
               <a:t>easy to cause assertion fail, the most strict</a:t>
             </a:r>
           </a:p>
           <a:p>
             <a:pPr lvl="1"/>
             <a:r>
-              <a:rPr lang="en-US"/>
+              <a:rPr lang="en-US" dirty="0"/>
               <a:t>[*</a:t>
             </a:r>
           </a:p>
           <a:p>
             <a:r>
-              <a:rPr lang="en-US"/>
+              <a:rPr lang="en-US" dirty="0"/>
               <a:t>go-to repetition</a:t>
             </a:r>
           </a:p>
           <a:p>
             <a:pPr lvl="1"/>
             <a:r>
-              <a:rPr lang="en-US"/>
+              <a:rPr lang="en-US" dirty="0"/>
               <a:t>[-&gt;</a:t>
             </a:r>
           </a:p>
           <a:p>
             <a:r>
-              <a:rPr lang="en-US"/>
+              <a:rPr lang="en-US" dirty="0"/>
               <a:t>non-consecutive repetition</a:t>
             </a:r>
           </a:p>
           <a:p>
             <a:pPr lvl="1"/>
             <a:r>
-              <a:rPr lang="en-US"/>
+              <a:rPr lang="en-US" dirty="0"/>
               <a:t>[=</a:t>
             </a:r>
-            <a:endParaRPr lang="en-US" dirty="0"/>
           </a:p>
         </p:txBody>
       </p:sp>
@@ -7050,7 +7049,7 @@
             <a:pPr lvl="1"/>
             <a:r>
               <a:rPr lang="en-US" dirty="0"/>
-              <a:t>for example</a:t>
+              <a:t>for example,</a:t>
             </a:r>
           </a:p>
           <a:p>

--- a/note.pptx
+++ b/note.pptx
@@ -156,7 +156,7 @@
 <file path=ppt/revisionInfo.xml><?xml version="1.0" encoding="utf-8"?>
 <p1510:revInfo xmlns:a="http://schemas.openxmlformats.org/drawingml/2006/main" xmlns:r="http://schemas.openxmlformats.org/officeDocument/2006/relationships" xmlns:p1510="http://schemas.microsoft.com/office/powerpoint/2015/10/main">
   <p1510:revLst>
-    <p1510:client id="{AB0BFEC8-14E9-4C61-B10E-456F41DF402E}" v="115" dt="2024-05-23T14:00:25.172"/>
+    <p1510:client id="{AB0BFEC8-14E9-4C61-B10E-456F41DF402E}" v="118" dt="2024-06-06T13:15:16.922"/>
   </p1510:revLst>
 </p1510:revInfo>
 </file>
@@ -698,7 +698,7 @@
   <pc:docChgLst>
     <pc:chgData name="Billy Lin" userId="05f35405-298c-473c-91f2-352ef9a130c9" providerId="ADAL" clId="{AB0BFEC8-14E9-4C61-B10E-456F41DF402E}"/>
     <pc:docChg chg="undo custSel addSld delSld modSld sldOrd">
-      <pc:chgData name="Billy Lin" userId="05f35405-298c-473c-91f2-352ef9a130c9" providerId="ADAL" clId="{AB0BFEC8-14E9-4C61-B10E-456F41DF402E}" dt="2024-05-30T12:29:14.854" v="2047" actId="14100"/>
+      <pc:chgData name="Billy Lin" userId="05f35405-298c-473c-91f2-352ef9a130c9" providerId="ADAL" clId="{AB0BFEC8-14E9-4C61-B10E-456F41DF402E}" dt="2024-06-06T13:19:24.374" v="2108" actId="14100"/>
       <pc:docMkLst>
         <pc:docMk/>
       </pc:docMkLst>
@@ -2457,7 +2457,7 @@
         </pc:sldMkLst>
       </pc:sldChg>
       <pc:sldChg chg="addSp delSp modSp add mod ord">
-        <pc:chgData name="Billy Lin" userId="05f35405-298c-473c-91f2-352ef9a130c9" providerId="ADAL" clId="{AB0BFEC8-14E9-4C61-B10E-456F41DF402E}" dt="2024-05-30T12:29:14.854" v="2047" actId="14100"/>
+        <pc:chgData name="Billy Lin" userId="05f35405-298c-473c-91f2-352ef9a130c9" providerId="ADAL" clId="{AB0BFEC8-14E9-4C61-B10E-456F41DF402E}" dt="2024-06-06T12:38:09.295" v="2049" actId="20577"/>
         <pc:sldMkLst>
           <pc:docMk/>
           <pc:sldMk cId="1378476422" sldId="6968"/>
@@ -2511,7 +2511,7 @@
           </ac:spMkLst>
         </pc:spChg>
         <pc:spChg chg="add mod">
-          <ac:chgData name="Billy Lin" userId="05f35405-298c-473c-91f2-352ef9a130c9" providerId="ADAL" clId="{AB0BFEC8-14E9-4C61-B10E-456F41DF402E}" dt="2024-05-30T12:29:12.038" v="2046" actId="1076"/>
+          <ac:chgData name="Billy Lin" userId="05f35405-298c-473c-91f2-352ef9a130c9" providerId="ADAL" clId="{AB0BFEC8-14E9-4C61-B10E-456F41DF402E}" dt="2024-06-06T12:38:09.295" v="2049" actId="20577"/>
           <ac:spMkLst>
             <pc:docMk/>
             <pc:sldMk cId="1378476422" sldId="6968"/>
@@ -2519,7 +2519,7 @@
           </ac:spMkLst>
         </pc:spChg>
         <pc:picChg chg="add mod">
-          <ac:chgData name="Billy Lin" userId="05f35405-298c-473c-91f2-352ef9a130c9" providerId="ADAL" clId="{AB0BFEC8-14E9-4C61-B10E-456F41DF402E}" dt="2024-05-30T12:29:14.854" v="2047" actId="14100"/>
+          <ac:chgData name="Billy Lin" userId="05f35405-298c-473c-91f2-352ef9a130c9" providerId="ADAL" clId="{AB0BFEC8-14E9-4C61-B10E-456F41DF402E}" dt="2024-06-06T12:32:13.766" v="2048" actId="14100"/>
           <ac:picMkLst>
             <pc:docMk/>
             <pc:sldMk cId="1378476422" sldId="6968"/>
@@ -2559,7 +2559,7 @@
         </pc:picChg>
       </pc:sldChg>
       <pc:sldChg chg="addSp delSp modSp add mod">
-        <pc:chgData name="Billy Lin" userId="05f35405-298c-473c-91f2-352ef9a130c9" providerId="ADAL" clId="{AB0BFEC8-14E9-4C61-B10E-456F41DF402E}" dt="2024-05-17T06:56:38.115" v="1889" actId="478"/>
+        <pc:chgData name="Billy Lin" userId="05f35405-298c-473c-91f2-352ef9a130c9" providerId="ADAL" clId="{AB0BFEC8-14E9-4C61-B10E-456F41DF402E}" dt="2024-06-06T13:04:17.964" v="2051" actId="20578"/>
         <pc:sldMkLst>
           <pc:docMk/>
           <pc:sldMk cId="3813714233" sldId="6970"/>
@@ -2573,7 +2573,7 @@
           </ac:spMkLst>
         </pc:spChg>
         <pc:spChg chg="add mod">
-          <ac:chgData name="Billy Lin" userId="05f35405-298c-473c-91f2-352ef9a130c9" providerId="ADAL" clId="{AB0BFEC8-14E9-4C61-B10E-456F41DF402E}" dt="2024-05-17T06:56:34.533" v="1888"/>
+          <ac:chgData name="Billy Lin" userId="05f35405-298c-473c-91f2-352ef9a130c9" providerId="ADAL" clId="{AB0BFEC8-14E9-4C61-B10E-456F41DF402E}" dt="2024-06-06T13:04:17.964" v="2051" actId="20578"/>
           <ac:spMkLst>
             <pc:docMk/>
             <pc:sldMk cId="3813714233" sldId="6970"/>
@@ -2598,7 +2598,7 @@
         </pc:cxnChg>
       </pc:sldChg>
       <pc:sldChg chg="addSp delSp modSp add mod">
-        <pc:chgData name="Billy Lin" userId="05f35405-298c-473c-91f2-352ef9a130c9" providerId="ADAL" clId="{AB0BFEC8-14E9-4C61-B10E-456F41DF402E}" dt="2024-05-17T06:58:21.278" v="1893" actId="478"/>
+        <pc:chgData name="Billy Lin" userId="05f35405-298c-473c-91f2-352ef9a130c9" providerId="ADAL" clId="{AB0BFEC8-14E9-4C61-B10E-456F41DF402E}" dt="2024-06-06T13:19:24.374" v="2108" actId="14100"/>
         <pc:sldMkLst>
           <pc:docMk/>
           <pc:sldMk cId="3030797407" sldId="6971"/>
@@ -2611,6 +2611,14 @@
             <ac:spMk id="3" creationId="{130DB93F-F47C-DCC6-06F8-F6FC5C92DD64}"/>
           </ac:spMkLst>
         </pc:spChg>
+        <pc:spChg chg="add mod">
+          <ac:chgData name="Billy Lin" userId="05f35405-298c-473c-91f2-352ef9a130c9" providerId="ADAL" clId="{AB0BFEC8-14E9-4C61-B10E-456F41DF402E}" dt="2024-06-06T13:19:24.374" v="2108" actId="14100"/>
+          <ac:spMkLst>
+            <pc:docMk/>
+            <pc:sldMk cId="3030797407" sldId="6971"/>
+            <ac:spMk id="3" creationId="{51C83673-8560-5738-11C5-5DBDBFD5E60E}"/>
+          </ac:spMkLst>
+        </pc:spChg>
         <pc:spChg chg="add del mod">
           <ac:chgData name="Billy Lin" userId="05f35405-298c-473c-91f2-352ef9a130c9" providerId="ADAL" clId="{AB0BFEC8-14E9-4C61-B10E-456F41DF402E}" dt="2024-05-17T06:58:21.278" v="1893" actId="478"/>
           <ac:spMkLst>
@@ -2620,7 +2628,7 @@
           </ac:spMkLst>
         </pc:spChg>
         <pc:spChg chg="add mod">
-          <ac:chgData name="Billy Lin" userId="05f35405-298c-473c-91f2-352ef9a130c9" providerId="ADAL" clId="{AB0BFEC8-14E9-4C61-B10E-456F41DF402E}" dt="2024-05-17T06:58:11.708" v="1891"/>
+          <ac:chgData name="Billy Lin" userId="05f35405-298c-473c-91f2-352ef9a130c9" providerId="ADAL" clId="{AB0BFEC8-14E9-4C61-B10E-456F41DF402E}" dt="2024-06-06T13:15:08.129" v="2065" actId="1076"/>
           <ac:spMkLst>
             <pc:docMk/>
             <pc:sldMk cId="3030797407" sldId="6971"/>
@@ -2636,7 +2644,7 @@
           </ac:spMkLst>
         </pc:spChg>
         <pc:spChg chg="add mod">
-          <ac:chgData name="Billy Lin" userId="05f35405-298c-473c-91f2-352ef9a130c9" providerId="ADAL" clId="{AB0BFEC8-14E9-4C61-B10E-456F41DF402E}" dt="2024-05-17T06:58:11.708" v="1891"/>
+          <ac:chgData name="Billy Lin" userId="05f35405-298c-473c-91f2-352ef9a130c9" providerId="ADAL" clId="{AB0BFEC8-14E9-4C61-B10E-456F41DF402E}" dt="2024-06-06T13:15:06.113" v="2063" actId="14100"/>
           <ac:spMkLst>
             <pc:docMk/>
             <pc:sldMk cId="3030797407" sldId="6971"/>
@@ -2644,7 +2652,7 @@
           </ac:spMkLst>
         </pc:spChg>
         <pc:spChg chg="add mod">
-          <ac:chgData name="Billy Lin" userId="05f35405-298c-473c-91f2-352ef9a130c9" providerId="ADAL" clId="{AB0BFEC8-14E9-4C61-B10E-456F41DF402E}" dt="2024-05-17T06:58:11.708" v="1891"/>
+          <ac:chgData name="Billy Lin" userId="05f35405-298c-473c-91f2-352ef9a130c9" providerId="ADAL" clId="{AB0BFEC8-14E9-4C61-B10E-456F41DF402E}" dt="2024-06-06T13:16:52.181" v="2080" actId="14100"/>
           <ac:spMkLst>
             <pc:docMk/>
             <pc:sldMk cId="3030797407" sldId="6971"/>
@@ -2652,7 +2660,7 @@
           </ac:spMkLst>
         </pc:spChg>
         <pc:spChg chg="add mod">
-          <ac:chgData name="Billy Lin" userId="05f35405-298c-473c-91f2-352ef9a130c9" providerId="ADAL" clId="{AB0BFEC8-14E9-4C61-B10E-456F41DF402E}" dt="2024-05-17T06:58:11.708" v="1891"/>
+          <ac:chgData name="Billy Lin" userId="05f35405-298c-473c-91f2-352ef9a130c9" providerId="ADAL" clId="{AB0BFEC8-14E9-4C61-B10E-456F41DF402E}" dt="2024-06-06T13:15:15.031" v="2067" actId="1076"/>
           <ac:spMkLst>
             <pc:docMk/>
             <pc:sldMk cId="3030797407" sldId="6971"/>
@@ -2660,7 +2668,7 @@
           </ac:spMkLst>
         </pc:spChg>
         <pc:spChg chg="add mod">
-          <ac:chgData name="Billy Lin" userId="05f35405-298c-473c-91f2-352ef9a130c9" providerId="ADAL" clId="{AB0BFEC8-14E9-4C61-B10E-456F41DF402E}" dt="2024-05-17T06:58:11.708" v="1891"/>
+          <ac:chgData name="Billy Lin" userId="05f35405-298c-473c-91f2-352ef9a130c9" providerId="ADAL" clId="{AB0BFEC8-14E9-4C61-B10E-456F41DF402E}" dt="2024-06-06T13:15:11.239" v="2066" actId="1076"/>
           <ac:spMkLst>
             <pc:docMk/>
             <pc:sldMk cId="3030797407" sldId="6971"/>
@@ -2772,7 +2780,7 @@
           </ac:cxnSpMkLst>
         </pc:cxnChg>
         <pc:cxnChg chg="add mod">
-          <ac:chgData name="Billy Lin" userId="05f35405-298c-473c-91f2-352ef9a130c9" providerId="ADAL" clId="{AB0BFEC8-14E9-4C61-B10E-456F41DF402E}" dt="2024-05-17T06:58:11.708" v="1891"/>
+          <ac:chgData name="Billy Lin" userId="05f35405-298c-473c-91f2-352ef9a130c9" providerId="ADAL" clId="{AB0BFEC8-14E9-4C61-B10E-456F41DF402E}" dt="2024-06-06T13:15:11.239" v="2066" actId="1076"/>
           <ac:cxnSpMkLst>
             <pc:docMk/>
             <pc:sldMk cId="3030797407" sldId="6971"/>
@@ -2828,7 +2836,7 @@
           </ac:cxnSpMkLst>
         </pc:cxnChg>
         <pc:cxnChg chg="add mod">
-          <ac:chgData name="Billy Lin" userId="05f35405-298c-473c-91f2-352ef9a130c9" providerId="ADAL" clId="{AB0BFEC8-14E9-4C61-B10E-456F41DF402E}" dt="2024-05-17T06:58:11.708" v="1891"/>
+          <ac:chgData name="Billy Lin" userId="05f35405-298c-473c-91f2-352ef9a130c9" providerId="ADAL" clId="{AB0BFEC8-14E9-4C61-B10E-456F41DF402E}" dt="2024-06-06T13:15:53.222" v="2079" actId="1076"/>
           <ac:cxnSpMkLst>
             <pc:docMk/>
             <pc:sldMk cId="3030797407" sldId="6971"/>
@@ -2836,7 +2844,7 @@
           </ac:cxnSpMkLst>
         </pc:cxnChg>
         <pc:cxnChg chg="add mod">
-          <ac:chgData name="Billy Lin" userId="05f35405-298c-473c-91f2-352ef9a130c9" providerId="ADAL" clId="{AB0BFEC8-14E9-4C61-B10E-456F41DF402E}" dt="2024-05-17T06:58:11.708" v="1891"/>
+          <ac:chgData name="Billy Lin" userId="05f35405-298c-473c-91f2-352ef9a130c9" providerId="ADAL" clId="{AB0BFEC8-14E9-4C61-B10E-456F41DF402E}" dt="2024-06-06T13:15:53.222" v="2079" actId="1076"/>
           <ac:cxnSpMkLst>
             <pc:docMk/>
             <pc:sldMk cId="3030797407" sldId="6971"/>
@@ -2844,7 +2852,7 @@
           </ac:cxnSpMkLst>
         </pc:cxnChg>
         <pc:cxnChg chg="add mod">
-          <ac:chgData name="Billy Lin" userId="05f35405-298c-473c-91f2-352ef9a130c9" providerId="ADAL" clId="{AB0BFEC8-14E9-4C61-B10E-456F41DF402E}" dt="2024-05-17T06:58:11.708" v="1891"/>
+          <ac:chgData name="Billy Lin" userId="05f35405-298c-473c-91f2-352ef9a130c9" providerId="ADAL" clId="{AB0BFEC8-14E9-4C61-B10E-456F41DF402E}" dt="2024-06-06T13:15:53.222" v="2079" actId="1076"/>
           <ac:cxnSpMkLst>
             <pc:docMk/>
             <pc:sldMk cId="3030797407" sldId="6971"/>
@@ -2852,7 +2860,7 @@
           </ac:cxnSpMkLst>
         </pc:cxnChg>
         <pc:cxnChg chg="add mod">
-          <ac:chgData name="Billy Lin" userId="05f35405-298c-473c-91f2-352ef9a130c9" providerId="ADAL" clId="{AB0BFEC8-14E9-4C61-B10E-456F41DF402E}" dt="2024-05-17T06:58:11.708" v="1891"/>
+          <ac:chgData name="Billy Lin" userId="05f35405-298c-473c-91f2-352ef9a130c9" providerId="ADAL" clId="{AB0BFEC8-14E9-4C61-B10E-456F41DF402E}" dt="2024-06-06T13:15:53.222" v="2079" actId="1076"/>
           <ac:cxnSpMkLst>
             <pc:docMk/>
             <pc:sldMk cId="3030797407" sldId="6971"/>
@@ -2860,7 +2868,7 @@
           </ac:cxnSpMkLst>
         </pc:cxnChg>
         <pc:cxnChg chg="add mod">
-          <ac:chgData name="Billy Lin" userId="05f35405-298c-473c-91f2-352ef9a130c9" providerId="ADAL" clId="{AB0BFEC8-14E9-4C61-B10E-456F41DF402E}" dt="2024-05-17T06:58:11.708" v="1891"/>
+          <ac:chgData name="Billy Lin" userId="05f35405-298c-473c-91f2-352ef9a130c9" providerId="ADAL" clId="{AB0BFEC8-14E9-4C61-B10E-456F41DF402E}" dt="2024-06-06T13:15:53.222" v="2079" actId="1076"/>
           <ac:cxnSpMkLst>
             <pc:docMk/>
             <pc:sldMk cId="3030797407" sldId="6971"/>
@@ -3145,7 +3153,7 @@
           <a:p>
             <a:fld id="{2EDDABC3-F3ED-4DD9-983D-F09E8FCF6133}" type="datetimeFigureOut">
               <a:rPr lang="en-US" smtClean="0"/>
-              <a:t>5/30/2024</a:t>
+              <a:t>6/6/2024</a:t>
             </a:fld>
             <a:endParaRPr lang="en-US"/>
           </a:p>
@@ -3537,7 +3545,7 @@
           <a:p>
             <a:fld id="{F59B6F3A-935B-44D1-A66F-61470C6D8F51}" type="datetime1">
               <a:rPr lang="en-US" smtClean="0"/>
-              <a:t>5/30/2024</a:t>
+              <a:t>6/6/2024</a:t>
             </a:fld>
             <a:endParaRPr lang="en-US"/>
           </a:p>
@@ -3781,7 +3789,7 @@
           <a:p>
             <a:fld id="{C63B82BC-FCA2-460F-A60C-8FE94D119F09}" type="datetime1">
               <a:rPr lang="en-US" smtClean="0"/>
-              <a:t>5/30/2024</a:t>
+              <a:t>6/6/2024</a:t>
             </a:fld>
             <a:endParaRPr lang="en-US"/>
           </a:p>
@@ -5843,7 +5851,7 @@
         <p:spPr>
           <a:xfrm>
             <a:off x="505260" y="1685867"/>
-            <a:ext cx="5238294" cy="1669892"/>
+            <a:ext cx="5167571" cy="1647347"/>
           </a:xfrm>
           <a:prstGeom prst="rect">
             <a:avLst/>
@@ -6226,8 +6234,12 @@
           </a:p>
           <a:p>
             <a:r>
+              <a:rPr lang="en-US" dirty="0" err="1"/>
+              <a:t>goto</a:t>
+            </a:r>
+            <a:r>
               <a:rPr lang="en-US" dirty="0"/>
-              <a:t>go-to repetition</a:t>
+              <a:t> repetition</a:t>
             </a:r>
           </a:p>
           <a:p>
@@ -22784,7 +22796,7 @@
         <p:spPr>
           <a:xfrm>
             <a:off x="590204" y="1179440"/>
-            <a:ext cx="10763596" cy="1581514"/>
+            <a:ext cx="10763596" cy="1172445"/>
           </a:xfrm>
           <a:prstGeom prst="rect">
             <a:avLst/>
@@ -22960,18 +22972,22 @@
           </a:lstStyle>
           <a:p>
             <a:r>
-              <a:rPr lang="en-US"/>
+              <a:rPr lang="en-US" dirty="0"/>
               <a:t>Rule1</a:t>
             </a:r>
           </a:p>
           <a:p>
             <a:pPr lvl="1"/>
             <a:r>
-              <a:rPr lang="en-US"/>
-              <a:t>signal_x </a:t>
-            </a:r>
-            <a:r>
-              <a:rPr lang="en-US">
+              <a:rPr lang="en-US" dirty="0" err="1"/>
+              <a:t>signal_x</a:t>
+            </a:r>
+            <a:r>
+              <a:rPr lang="en-US" dirty="0"/>
+              <a:t> </a:t>
+            </a:r>
+            <a:r>
+              <a:rPr lang="en-US" dirty="0">
                 <a:solidFill>
                   <a:srgbClr val="00B050"/>
                 </a:solidFill>
@@ -22979,11 +22995,11 @@
               <a:t>##1 </a:t>
             </a:r>
             <a:r>
-              <a:rPr lang="en-US"/>
+              <a:rPr lang="en-US" dirty="0"/>
               <a:t>(no signal in between) </a:t>
             </a:r>
             <a:r>
-              <a:rPr lang="en-US">
+              <a:rPr lang="en-US" dirty="0">
                 <a:solidFill>
                   <a:srgbClr val="00B050"/>
                 </a:solidFill>
@@ -22991,17 +23007,33 @@
               <a:t>##1 </a:t>
             </a:r>
             <a:r>
-              <a:rPr lang="en-US"/>
-              <a:t>signal_z   </a:t>
-            </a:r>
-            <a:r>
-              <a:rPr lang="en-US">
+              <a:rPr lang="en-US" dirty="0" err="1"/>
+              <a:t>signal_z</a:t>
+            </a:r>
+            <a:r>
+              <a:rPr lang="en-US" dirty="0"/>
+              <a:t>   </a:t>
+            </a:r>
+            <a:r>
+              <a:rPr lang="en-US" dirty="0">
                 <a:sym typeface="Wingdings" panose="05000000000000000000" pitchFamily="2" charset="2"/>
               </a:rPr>
-              <a:t>  signal_x </a:t>
-            </a:r>
-            <a:r>
-              <a:rPr lang="en-US">
+              <a:t>  </a:t>
+            </a:r>
+            <a:r>
+              <a:rPr lang="en-US" dirty="0" err="1">
+                <a:sym typeface="Wingdings" panose="05000000000000000000" pitchFamily="2" charset="2"/>
+              </a:rPr>
+              <a:t>signal_x</a:t>
+            </a:r>
+            <a:r>
+              <a:rPr lang="en-US" dirty="0">
+                <a:sym typeface="Wingdings" panose="05000000000000000000" pitchFamily="2" charset="2"/>
+              </a:rPr>
+              <a:t> </a:t>
+            </a:r>
+            <a:r>
+              <a:rPr lang="en-US" dirty="0">
                 <a:solidFill>
                   <a:srgbClr val="00B050"/>
                 </a:solidFill>
@@ -23010,27 +23042,27 @@
               <a:t>##2 </a:t>
             </a:r>
             <a:r>
-              <a:rPr lang="en-US"/>
+              <a:rPr lang="en-US" dirty="0" err="1"/>
               <a:t>signal_z</a:t>
             </a:r>
-            <a:endParaRPr lang="en-US">
+            <a:endParaRPr lang="en-US" dirty="0">
               <a:sym typeface="Wingdings" panose="05000000000000000000" pitchFamily="2" charset="2"/>
             </a:endParaRPr>
           </a:p>
           <a:p>
             <a:r>
-              <a:rPr lang="en-US"/>
+              <a:rPr lang="en-US" dirty="0"/>
               <a:t>Rule2</a:t>
             </a:r>
           </a:p>
           <a:p>
             <a:pPr lvl="1"/>
             <a:r>
-              <a:rPr lang="en-US"/>
+              <a:rPr lang="en-US" dirty="0"/>
               <a:t>signal</a:t>
             </a:r>
             <a:r>
-              <a:rPr lang="en-US">
+              <a:rPr lang="en-US" dirty="0">
                 <a:solidFill>
                   <a:srgbClr val="00B050"/>
                 </a:solidFill>
@@ -23038,23 +23070,23 @@
               <a:t>[*0] ##2 </a:t>
             </a:r>
             <a:r>
-              <a:rPr lang="en-US">
+              <a:rPr lang="en-US" dirty="0">
                 <a:sym typeface="Wingdings" panose="05000000000000000000" pitchFamily="2" charset="2"/>
               </a:rPr>
               <a:t> </a:t>
             </a:r>
             <a:r>
-              <a:rPr lang="en-US"/>
+              <a:rPr lang="en-US" dirty="0"/>
               <a:t>reduce 1 clock cycle </a:t>
             </a:r>
             <a:r>
-              <a:rPr lang="en-US">
+              <a:rPr lang="en-US" dirty="0">
                 <a:sym typeface="Wingdings" panose="05000000000000000000" pitchFamily="2" charset="2"/>
               </a:rPr>
               <a:t> </a:t>
             </a:r>
             <a:r>
-              <a:rPr lang="en-US">
+              <a:rPr lang="en-US" dirty="0">
                 <a:solidFill>
                   <a:srgbClr val="00B050"/>
                 </a:solidFill>
@@ -23243,7 +23275,7 @@
         <p:spPr>
           <a:xfrm>
             <a:off x="590204" y="4457428"/>
-            <a:ext cx="10763596" cy="301931"/>
+            <a:ext cx="8020396" cy="301931"/>
           </a:xfrm>
           <a:prstGeom prst="rect">
             <a:avLst/>
@@ -23419,18 +23451,17 @@
           </a:lstStyle>
           <a:p>
             <a:r>
-              <a:rPr lang="en-US"/>
+              <a:rPr lang="en-US" dirty="0"/>
               <a:t>The sequence (</a:t>
             </a:r>
             <a:r>
-              <a:rPr lang="pl-PL"/>
+              <a:rPr lang="pl-PL" dirty="0"/>
               <a:t>x ##1 y[*0:2] ##1 z</a:t>
             </a:r>
             <a:r>
-              <a:rPr lang="en-US"/>
+              <a:rPr lang="en-US" dirty="0"/>
               <a:t>) is decomposed into three parts as below</a:t>
             </a:r>
-            <a:endParaRPr lang="en-US" dirty="0"/>
           </a:p>
         </p:txBody>
       </p:sp>
@@ -23689,13 +23720,37 @@
           <a:p>
             <a:r>
               <a:rPr lang="en-US" dirty="0"/>
-              <a:t>x ##1 y[*0] ##1 z</a:t>
-            </a:r>
-          </a:p>
-          <a:p>
+              <a:t>x ##1 </a:t>
+            </a:r>
+            <a:r>
+              <a:rPr lang="en-US" dirty="0">
+                <a:solidFill>
+                  <a:schemeClr val="accent2"/>
+                </a:solidFill>
+              </a:rPr>
+              <a:t>y[*0] ##1 </a:t>
+            </a:r>
             <a:r>
               <a:rPr lang="en-US" dirty="0"/>
-              <a:t>x ##1 ##0 z</a:t>
+              <a:t>z</a:t>
+            </a:r>
+          </a:p>
+          <a:p>
+            <a:r>
+              <a:rPr lang="en-US" dirty="0"/>
+              <a:t>x ##1 </a:t>
+            </a:r>
+            <a:r>
+              <a:rPr lang="en-US" dirty="0">
+                <a:solidFill>
+                  <a:schemeClr val="accent2"/>
+                </a:solidFill>
+              </a:rPr>
+              <a:t>##0 </a:t>
+            </a:r>
+            <a:r>
+              <a:rPr lang="en-US" dirty="0"/>
+              <a:t>z</a:t>
             </a:r>
           </a:p>
           <a:p>
@@ -23771,7 +23826,7 @@
         <p:spPr>
           <a:xfrm>
             <a:off x="4067581" y="4940739"/>
-            <a:ext cx="2716229" cy="1796606"/>
+            <a:ext cx="2311925" cy="1796606"/>
           </a:xfrm>
           <a:prstGeom prst="rect">
             <a:avLst/>
@@ -24044,7 +24099,7 @@
         </p:nvSpPr>
         <p:spPr>
           <a:xfrm>
-            <a:off x="8000389" y="4940738"/>
+            <a:off x="6935069" y="4940738"/>
             <a:ext cx="2572916" cy="1734461"/>
           </a:xfrm>
           <a:prstGeom prst="rect">
@@ -24222,7 +24277,19 @@
           <a:p>
             <a:r>
               <a:rPr lang="en-US" dirty="0"/>
-              <a:t>x ##1 y[*2] ##1 z</a:t>
+              <a:t>x ##1 </a:t>
+            </a:r>
+            <a:r>
+              <a:rPr lang="en-US" dirty="0">
+                <a:solidFill>
+                  <a:schemeClr val="accent6"/>
+                </a:solidFill>
+              </a:rPr>
+              <a:t>y[*2]</a:t>
+            </a:r>
+            <a:r>
+              <a:rPr lang="en-US" dirty="0"/>
+              <a:t> ##1 z</a:t>
             </a:r>
           </a:p>
           <a:p>
@@ -24268,7 +24335,7 @@
         </p:nvSpPr>
         <p:spPr>
           <a:xfrm>
-            <a:off x="6733150" y="4855742"/>
+            <a:off x="6277719" y="4855742"/>
             <a:ext cx="506091" cy="461639"/>
           </a:xfrm>
           <a:prstGeom prst="roundRect">
@@ -24331,7 +24398,7 @@
         </p:nvCxnSpPr>
         <p:spPr>
           <a:xfrm>
-            <a:off x="6986196" y="5378209"/>
+            <a:off x="6530765" y="5378209"/>
             <a:ext cx="0" cy="1359136"/>
           </a:xfrm>
           <a:prstGeom prst="line">
@@ -24806,15 +24873,7 @@
           <a:p>
             <a:r>
               <a:rPr lang="en-US" dirty="0"/>
-              <a:t>User intent = verify if the design match </a:t>
-            </a:r>
-            <a:r>
-              <a:rPr lang="en-US"/>
-              <a:t>the waveform pattern </a:t>
-            </a:r>
-            <a:r>
-              <a:rPr lang="en-US" dirty="0"/>
-              <a:t>described as below</a:t>
+              <a:t>User intent = verify if the design match the waveform pattern described as below</a:t>
             </a:r>
           </a:p>
           <a:p>
@@ -25820,7 +25879,7 @@
         </p:nvCxnSpPr>
         <p:spPr>
           <a:xfrm>
-            <a:off x="3000651" y="3812060"/>
+            <a:off x="3961280" y="3812060"/>
             <a:ext cx="923279" cy="0"/>
           </a:xfrm>
           <a:prstGeom prst="line">
@@ -25858,7 +25917,7 @@
         </p:nvCxnSpPr>
         <p:spPr>
           <a:xfrm>
-            <a:off x="1724332" y="4137520"/>
+            <a:off x="2684961" y="4137520"/>
             <a:ext cx="1276319" cy="0"/>
           </a:xfrm>
           <a:prstGeom prst="line">
@@ -25896,7 +25955,7 @@
         </p:nvCxnSpPr>
         <p:spPr>
           <a:xfrm flipV="1">
-            <a:off x="3000651" y="3820999"/>
+            <a:off x="3961280" y="3820999"/>
             <a:ext cx="0" cy="330735"/>
           </a:xfrm>
           <a:prstGeom prst="line">
@@ -25934,7 +25993,7 @@
         </p:nvCxnSpPr>
         <p:spPr>
           <a:xfrm flipV="1">
-            <a:off x="3923930" y="3820999"/>
+            <a:off x="4884559" y="3820999"/>
             <a:ext cx="0" cy="330735"/>
           </a:xfrm>
           <a:prstGeom prst="line">
@@ -25972,7 +26031,7 @@
         </p:nvCxnSpPr>
         <p:spPr>
           <a:xfrm>
-            <a:off x="3935681" y="4137520"/>
+            <a:off x="4896310" y="4137520"/>
             <a:ext cx="1276319" cy="0"/>
           </a:xfrm>
           <a:prstGeom prst="line">
@@ -25994,6 +26053,217 @@
           </a:fontRef>
         </p:style>
       </p:cxnSp>
+      <p:sp>
+        <p:nvSpPr>
+          <p:cNvPr id="3" name="Content Placeholder 2">
+            <a:extLst>
+              <a:ext uri="{FF2B5EF4-FFF2-40B4-BE49-F238E27FC236}">
+                <a16:creationId xmlns:a16="http://schemas.microsoft.com/office/drawing/2014/main" id="{51C83673-8560-5738-11C5-5DBDBFD5E60E}"/>
+              </a:ext>
+            </a:extLst>
+          </p:cNvPr>
+          <p:cNvSpPr txBox="1">
+            <a:spLocks/>
+          </p:cNvSpPr>
+          <p:nvPr/>
+        </p:nvSpPr>
+        <p:spPr>
+          <a:xfrm>
+            <a:off x="10582184" y="4940738"/>
+            <a:ext cx="1233996" cy="1734461"/>
+          </a:xfrm>
+          <a:prstGeom prst="rect">
+            <a:avLst/>
+          </a:prstGeom>
+        </p:spPr>
+        <p:txBody>
+          <a:bodyPr vert="horz" lIns="91440" tIns="45720" rIns="91440" bIns="45720" rtlCol="0">
+            <a:normAutofit/>
+          </a:bodyPr>
+          <a:lstStyle>
+            <a:lvl1pPr marL="228600" indent="-228600" algn="l" defTabSz="914400" rtl="0" eaLnBrk="1" latinLnBrk="0" hangingPunct="1">
+              <a:lnSpc>
+                <a:spcPct val="90000"/>
+              </a:lnSpc>
+              <a:spcBef>
+                <a:spcPts val="1000"/>
+              </a:spcBef>
+              <a:buFont typeface="Arial" panose="020B0604020202020204" pitchFamily="34" charset="0"/>
+              <a:buChar char="•"/>
+              <a:defRPr sz="1400" kern="1200">
+                <a:solidFill>
+                  <a:schemeClr val="tx1"/>
+                </a:solidFill>
+                <a:latin typeface="+mn-lt"/>
+                <a:ea typeface="+mn-ea"/>
+                <a:cs typeface="+mn-cs"/>
+              </a:defRPr>
+            </a:lvl1pPr>
+            <a:lvl2pPr marL="685800" indent="-228600" algn="l" defTabSz="914400" rtl="0" eaLnBrk="1" latinLnBrk="0" hangingPunct="1">
+              <a:lnSpc>
+                <a:spcPct val="90000"/>
+              </a:lnSpc>
+              <a:spcBef>
+                <a:spcPts val="500"/>
+              </a:spcBef>
+              <a:buFont typeface="Arial" panose="020B0604020202020204" pitchFamily="34" charset="0"/>
+              <a:buChar char="•"/>
+              <a:defRPr sz="1200" kern="1200">
+                <a:solidFill>
+                  <a:schemeClr val="tx1"/>
+                </a:solidFill>
+                <a:latin typeface="+mn-lt"/>
+                <a:ea typeface="+mn-ea"/>
+                <a:cs typeface="+mn-cs"/>
+              </a:defRPr>
+            </a:lvl2pPr>
+            <a:lvl3pPr marL="1143000" indent="-228600" algn="l" defTabSz="914400" rtl="0" eaLnBrk="1" latinLnBrk="0" hangingPunct="1">
+              <a:lnSpc>
+                <a:spcPct val="90000"/>
+              </a:lnSpc>
+              <a:spcBef>
+                <a:spcPts val="500"/>
+              </a:spcBef>
+              <a:buFont typeface="Arial" panose="020B0604020202020204" pitchFamily="34" charset="0"/>
+              <a:buChar char="•"/>
+              <a:defRPr sz="1200" kern="1200">
+                <a:solidFill>
+                  <a:schemeClr val="tx1"/>
+                </a:solidFill>
+                <a:latin typeface="+mn-lt"/>
+                <a:ea typeface="+mn-ea"/>
+                <a:cs typeface="+mn-cs"/>
+              </a:defRPr>
+            </a:lvl3pPr>
+            <a:lvl4pPr marL="1600200" indent="-228600" algn="l" defTabSz="914400" rtl="0" eaLnBrk="1" latinLnBrk="0" hangingPunct="1">
+              <a:lnSpc>
+                <a:spcPct val="90000"/>
+              </a:lnSpc>
+              <a:spcBef>
+                <a:spcPts val="500"/>
+              </a:spcBef>
+              <a:buFont typeface="Arial" panose="020B0604020202020204" pitchFamily="34" charset="0"/>
+              <a:buChar char="•"/>
+              <a:defRPr sz="1200" kern="1200">
+                <a:solidFill>
+                  <a:schemeClr val="tx1"/>
+                </a:solidFill>
+                <a:latin typeface="+mn-lt"/>
+                <a:ea typeface="+mn-ea"/>
+                <a:cs typeface="+mn-cs"/>
+              </a:defRPr>
+            </a:lvl4pPr>
+            <a:lvl5pPr marL="2057400" indent="-228600" algn="l" defTabSz="914400" rtl="0" eaLnBrk="1" latinLnBrk="0" hangingPunct="1">
+              <a:lnSpc>
+                <a:spcPct val="90000"/>
+              </a:lnSpc>
+              <a:spcBef>
+                <a:spcPts val="500"/>
+              </a:spcBef>
+              <a:buFont typeface="Arial" panose="020B0604020202020204" pitchFamily="34" charset="0"/>
+              <a:buChar char="•"/>
+              <a:defRPr sz="1200" kern="1200">
+                <a:solidFill>
+                  <a:schemeClr val="tx1"/>
+                </a:solidFill>
+                <a:latin typeface="+mn-lt"/>
+                <a:ea typeface="+mn-ea"/>
+                <a:cs typeface="+mn-cs"/>
+              </a:defRPr>
+            </a:lvl5pPr>
+            <a:lvl6pPr marL="2514600" indent="-228600" algn="l" defTabSz="914400" rtl="0" eaLnBrk="1" latinLnBrk="0" hangingPunct="1">
+              <a:lnSpc>
+                <a:spcPct val="90000"/>
+              </a:lnSpc>
+              <a:spcBef>
+                <a:spcPts val="500"/>
+              </a:spcBef>
+              <a:buFont typeface="Arial" panose="020B0604020202020204" pitchFamily="34" charset="0"/>
+              <a:buChar char="•"/>
+              <a:defRPr sz="1800" kern="1200">
+                <a:solidFill>
+                  <a:schemeClr val="tx1"/>
+                </a:solidFill>
+                <a:latin typeface="+mn-lt"/>
+                <a:ea typeface="+mn-ea"/>
+                <a:cs typeface="+mn-cs"/>
+              </a:defRPr>
+            </a:lvl6pPr>
+            <a:lvl7pPr marL="2971800" indent="-228600" algn="l" defTabSz="914400" rtl="0" eaLnBrk="1" latinLnBrk="0" hangingPunct="1">
+              <a:lnSpc>
+                <a:spcPct val="90000"/>
+              </a:lnSpc>
+              <a:spcBef>
+                <a:spcPts val="500"/>
+              </a:spcBef>
+              <a:buFont typeface="Arial" panose="020B0604020202020204" pitchFamily="34" charset="0"/>
+              <a:buChar char="•"/>
+              <a:defRPr sz="1800" kern="1200">
+                <a:solidFill>
+                  <a:schemeClr val="tx1"/>
+                </a:solidFill>
+                <a:latin typeface="+mn-lt"/>
+                <a:ea typeface="+mn-ea"/>
+                <a:cs typeface="+mn-cs"/>
+              </a:defRPr>
+            </a:lvl7pPr>
+            <a:lvl8pPr marL="3429000" indent="-228600" algn="l" defTabSz="914400" rtl="0" eaLnBrk="1" latinLnBrk="0" hangingPunct="1">
+              <a:lnSpc>
+                <a:spcPct val="90000"/>
+              </a:lnSpc>
+              <a:spcBef>
+                <a:spcPts val="500"/>
+              </a:spcBef>
+              <a:buFont typeface="Arial" panose="020B0604020202020204" pitchFamily="34" charset="0"/>
+              <a:buChar char="•"/>
+              <a:defRPr sz="1800" kern="1200">
+                <a:solidFill>
+                  <a:schemeClr val="tx1"/>
+                </a:solidFill>
+                <a:latin typeface="+mn-lt"/>
+                <a:ea typeface="+mn-ea"/>
+                <a:cs typeface="+mn-cs"/>
+              </a:defRPr>
+            </a:lvl8pPr>
+            <a:lvl9pPr marL="3886200" indent="-228600" algn="l" defTabSz="914400" rtl="0" eaLnBrk="1" latinLnBrk="0" hangingPunct="1">
+              <a:lnSpc>
+                <a:spcPct val="90000"/>
+              </a:lnSpc>
+              <a:spcBef>
+                <a:spcPts val="500"/>
+              </a:spcBef>
+              <a:buFont typeface="Arial" panose="020B0604020202020204" pitchFamily="34" charset="0"/>
+              <a:buChar char="•"/>
+              <a:defRPr sz="1800" kern="1200">
+                <a:solidFill>
+                  <a:schemeClr val="tx1"/>
+                </a:solidFill>
+                <a:latin typeface="+mn-lt"/>
+                <a:ea typeface="+mn-ea"/>
+                <a:cs typeface="+mn-cs"/>
+              </a:defRPr>
+            </a:lvl9pPr>
+          </a:lstStyle>
+          <a:p>
+            <a:r>
+              <a:rPr lang="en-US" dirty="0"/>
+              <a:t>7/7 = 1</a:t>
+            </a:r>
+          </a:p>
+          <a:p>
+            <a:r>
+              <a:rPr lang="en-US" dirty="0"/>
+              <a:t>6/6 = 1</a:t>
+            </a:r>
+          </a:p>
+          <a:p>
+            <a:r>
+              <a:rPr lang="en-US" dirty="0"/>
+              <a:t>0/0 = 1</a:t>
+            </a:r>
+          </a:p>
+        </p:txBody>
+      </p:sp>
     </p:spTree>
     <p:extLst>
       <p:ext uri="{BB962C8B-B14F-4D97-AF65-F5344CB8AC3E}">

--- a/note.pptx
+++ b/note.pptx
@@ -5,7 +5,7 @@
     <p:sldMasterId id="2147483648" r:id="rId1"/>
   </p:sldMasterIdLst>
   <p:notesMasterIdLst>
-    <p:notesMasterId r:id="rId47"/>
+    <p:notesMasterId r:id="rId48"/>
   </p:notesMasterIdLst>
   <p:sldIdLst>
     <p:sldId id="264" r:id="rId2"/>
@@ -20,39 +20,40 @@
     <p:sldId id="6975" r:id="rId11"/>
     <p:sldId id="6976" r:id="rId12"/>
     <p:sldId id="6965" r:id="rId13"/>
-    <p:sldId id="6969" r:id="rId14"/>
-    <p:sldId id="6970" r:id="rId15"/>
-    <p:sldId id="6971" r:id="rId16"/>
-    <p:sldId id="6968" r:id="rId17"/>
-    <p:sldId id="6964" r:id="rId18"/>
-    <p:sldId id="6966" r:id="rId19"/>
-    <p:sldId id="6959" r:id="rId20"/>
-    <p:sldId id="6960" r:id="rId21"/>
-    <p:sldId id="6961" r:id="rId22"/>
-    <p:sldId id="6962" r:id="rId23"/>
-    <p:sldId id="6951" r:id="rId24"/>
-    <p:sldId id="6952" r:id="rId25"/>
-    <p:sldId id="6954" r:id="rId26"/>
-    <p:sldId id="6955" r:id="rId27"/>
-    <p:sldId id="6956" r:id="rId28"/>
-    <p:sldId id="6958" r:id="rId29"/>
-    <p:sldId id="6957" r:id="rId30"/>
-    <p:sldId id="6953" r:id="rId31"/>
-    <p:sldId id="6937" r:id="rId32"/>
-    <p:sldId id="6935" r:id="rId33"/>
-    <p:sldId id="6936" r:id="rId34"/>
-    <p:sldId id="6943" r:id="rId35"/>
-    <p:sldId id="6941" r:id="rId36"/>
-    <p:sldId id="6944" r:id="rId37"/>
-    <p:sldId id="6950" r:id="rId38"/>
-    <p:sldId id="6949" r:id="rId39"/>
-    <p:sldId id="6942" r:id="rId40"/>
-    <p:sldId id="6948" r:id="rId41"/>
-    <p:sldId id="6946" r:id="rId42"/>
-    <p:sldId id="6945" r:id="rId43"/>
-    <p:sldId id="6939" r:id="rId44"/>
-    <p:sldId id="6938" r:id="rId45"/>
-    <p:sldId id="6934" r:id="rId46"/>
+    <p:sldId id="6984" r:id="rId14"/>
+    <p:sldId id="6969" r:id="rId15"/>
+    <p:sldId id="6970" r:id="rId16"/>
+    <p:sldId id="6971" r:id="rId17"/>
+    <p:sldId id="6968" r:id="rId18"/>
+    <p:sldId id="6964" r:id="rId19"/>
+    <p:sldId id="6966" r:id="rId20"/>
+    <p:sldId id="6959" r:id="rId21"/>
+    <p:sldId id="6960" r:id="rId22"/>
+    <p:sldId id="6961" r:id="rId23"/>
+    <p:sldId id="6962" r:id="rId24"/>
+    <p:sldId id="6951" r:id="rId25"/>
+    <p:sldId id="6952" r:id="rId26"/>
+    <p:sldId id="6954" r:id="rId27"/>
+    <p:sldId id="6955" r:id="rId28"/>
+    <p:sldId id="6956" r:id="rId29"/>
+    <p:sldId id="6958" r:id="rId30"/>
+    <p:sldId id="6957" r:id="rId31"/>
+    <p:sldId id="6953" r:id="rId32"/>
+    <p:sldId id="6937" r:id="rId33"/>
+    <p:sldId id="6935" r:id="rId34"/>
+    <p:sldId id="6936" r:id="rId35"/>
+    <p:sldId id="6943" r:id="rId36"/>
+    <p:sldId id="6941" r:id="rId37"/>
+    <p:sldId id="6944" r:id="rId38"/>
+    <p:sldId id="6950" r:id="rId39"/>
+    <p:sldId id="6949" r:id="rId40"/>
+    <p:sldId id="6942" r:id="rId41"/>
+    <p:sldId id="6948" r:id="rId42"/>
+    <p:sldId id="6946" r:id="rId43"/>
+    <p:sldId id="6945" r:id="rId44"/>
+    <p:sldId id="6939" r:id="rId45"/>
+    <p:sldId id="6938" r:id="rId46"/>
+    <p:sldId id="6934" r:id="rId47"/>
   </p:sldIdLst>
   <p:sldSz cx="12192000" cy="6858000"/>
   <p:notesSz cx="6858000" cy="9144000"/>
@@ -162,7 +163,7 @@
 <file path=ppt/revisionInfo.xml><?xml version="1.0" encoding="utf-8"?>
 <p1510:revInfo xmlns:a="http://schemas.openxmlformats.org/drawingml/2006/main" xmlns:r="http://schemas.openxmlformats.org/officeDocument/2006/relationships" xmlns:p1510="http://schemas.microsoft.com/office/powerpoint/2015/10/main">
   <p1510:revLst>
-    <p1510:client id="{AB0BFEC8-14E9-4C61-B10E-456F41DF402E}" v="150" dt="2024-06-07T03:20:39.408"/>
+    <p1510:client id="{AB0BFEC8-14E9-4C61-B10E-456F41DF402E}" v="153" dt="2024-06-14T05:56:59.927"/>
   </p1510:revLst>
 </p1510:revInfo>
 </file>
@@ -704,7 +705,7 @@
   <pc:docChgLst>
     <pc:chgData name="Billy Lin" userId="05f35405-298c-473c-91f2-352ef9a130c9" providerId="ADAL" clId="{AB0BFEC8-14E9-4C61-B10E-456F41DF402E}"/>
     <pc:docChg chg="undo custSel addSld delSld modSld sldOrd">
-      <pc:chgData name="Billy Lin" userId="05f35405-298c-473c-91f2-352ef9a130c9" providerId="ADAL" clId="{AB0BFEC8-14E9-4C61-B10E-456F41DF402E}" dt="2024-06-07T03:20:45.433" v="2412" actId="1036"/>
+      <pc:chgData name="Billy Lin" userId="05f35405-298c-473c-91f2-352ef9a130c9" providerId="ADAL" clId="{AB0BFEC8-14E9-4C61-B10E-456F41DF402E}" dt="2024-06-14T06:00:30.141" v="2773" actId="27636"/>
       <pc:docMkLst>
         <pc:docMk/>
       </pc:docMkLst>
@@ -3387,6 +3388,53 @@
             <ac:cxnSpMk id="11" creationId="{90AD89FB-23F8-6B26-DB6B-6CBB17854ED0}"/>
           </ac:cxnSpMkLst>
         </pc:cxnChg>
+      </pc:sldChg>
+      <pc:sldChg chg="addSp modSp new mod ord">
+        <pc:chgData name="Billy Lin" userId="05f35405-298c-473c-91f2-352ef9a130c9" providerId="ADAL" clId="{AB0BFEC8-14E9-4C61-B10E-456F41DF402E}" dt="2024-06-14T06:00:30.141" v="2773" actId="27636"/>
+        <pc:sldMkLst>
+          <pc:docMk/>
+          <pc:sldMk cId="612155110" sldId="6984"/>
+        </pc:sldMkLst>
+        <pc:spChg chg="mod">
+          <ac:chgData name="Billy Lin" userId="05f35405-298c-473c-91f2-352ef9a130c9" providerId="ADAL" clId="{AB0BFEC8-14E9-4C61-B10E-456F41DF402E}" dt="2024-06-14T05:56:48.607" v="2676" actId="20577"/>
+          <ac:spMkLst>
+            <pc:docMk/>
+            <pc:sldMk cId="612155110" sldId="6984"/>
+            <ac:spMk id="2" creationId="{8078676E-B969-0E4E-09C1-9220894521A1}"/>
+          </ac:spMkLst>
+        </pc:spChg>
+        <pc:spChg chg="mod">
+          <ac:chgData name="Billy Lin" userId="05f35405-298c-473c-91f2-352ef9a130c9" providerId="ADAL" clId="{AB0BFEC8-14E9-4C61-B10E-456F41DF402E}" dt="2024-06-14T05:51:52.887" v="2591" actId="113"/>
+          <ac:spMkLst>
+            <pc:docMk/>
+            <pc:sldMk cId="612155110" sldId="6984"/>
+            <ac:spMk id="3" creationId="{C672665C-3B0C-0F06-4E81-FB1E01DEBF51}"/>
+          </ac:spMkLst>
+        </pc:spChg>
+        <pc:spChg chg="add mod">
+          <ac:chgData name="Billy Lin" userId="05f35405-298c-473c-91f2-352ef9a130c9" providerId="ADAL" clId="{AB0BFEC8-14E9-4C61-B10E-456F41DF402E}" dt="2024-06-14T06:00:19.990" v="2746" actId="20577"/>
+          <ac:spMkLst>
+            <pc:docMk/>
+            <pc:sldMk cId="612155110" sldId="6984"/>
+            <ac:spMk id="5" creationId="{2D41A74A-FE19-2F90-41E4-B83986751645}"/>
+          </ac:spMkLst>
+        </pc:spChg>
+        <pc:spChg chg="add mod">
+          <ac:chgData name="Billy Lin" userId="05f35405-298c-473c-91f2-352ef9a130c9" providerId="ADAL" clId="{AB0BFEC8-14E9-4C61-B10E-456F41DF402E}" dt="2024-06-14T06:00:30.141" v="2773" actId="27636"/>
+          <ac:spMkLst>
+            <pc:docMk/>
+            <pc:sldMk cId="612155110" sldId="6984"/>
+            <ac:spMk id="6" creationId="{4242ECAF-2E0D-0B1F-40DB-6CAF7F17EEF9}"/>
+          </ac:spMkLst>
+        </pc:spChg>
+        <pc:spChg chg="add mod">
+          <ac:chgData name="Billy Lin" userId="05f35405-298c-473c-91f2-352ef9a130c9" providerId="ADAL" clId="{AB0BFEC8-14E9-4C61-B10E-456F41DF402E}" dt="2024-06-14T05:57:31.740" v="2718" actId="14100"/>
+          <ac:spMkLst>
+            <pc:docMk/>
+            <pc:sldMk cId="612155110" sldId="6984"/>
+            <ac:spMk id="7" creationId="{99F69023-8BB0-BDB3-BA80-2BBED1472363}"/>
+          </ac:spMkLst>
+        </pc:spChg>
       </pc:sldChg>
     </pc:docChg>
   </pc:docChgLst>
@@ -3551,7 +3599,7 @@
           <a:p>
             <a:fld id="{2EDDABC3-F3ED-4DD9-983D-F09E8FCF6133}" type="datetimeFigureOut">
               <a:rPr lang="en-US" smtClean="0"/>
-              <a:t>6/7/2024</a:t>
+              <a:t>6/14/2024</a:t>
             </a:fld>
             <a:endParaRPr lang="en-US"/>
           </a:p>
@@ -3943,7 +3991,7 @@
           <a:p>
             <a:fld id="{F59B6F3A-935B-44D1-A66F-61470C6D8F51}" type="datetime1">
               <a:rPr lang="en-US" smtClean="0"/>
-              <a:t>6/7/2024</a:t>
+              <a:t>6/14/2024</a:t>
             </a:fld>
             <a:endParaRPr lang="en-US"/>
           </a:p>
@@ -4187,7 +4235,7 @@
           <a:p>
             <a:fld id="{C63B82BC-FCA2-460F-A60C-8FE94D119F09}" type="datetime1">
               <a:rPr lang="en-US" smtClean="0"/>
-              <a:t>6/7/2024</a:t>
+              <a:t>6/14/2024</a:t>
             </a:fld>
             <a:endParaRPr lang="en-US"/>
           </a:p>
@@ -8096,7 +8144,7 @@
           <p:cNvPr id="2" name="Title 1">
             <a:extLst>
               <a:ext uri="{FF2B5EF4-FFF2-40B4-BE49-F238E27FC236}">
-                <a16:creationId xmlns:a16="http://schemas.microsoft.com/office/drawing/2014/main" id="{63B19FFD-555C-673A-82D5-1766F95D704A}"/>
+                <a16:creationId xmlns:a16="http://schemas.microsoft.com/office/drawing/2014/main" id="{8078676E-B969-0E4E-09C1-9220894521A1}"/>
               </a:ext>
             </a:extLst>
           </p:cNvPr>
@@ -8112,6 +8160,861 @@
           <a:bodyPr/>
           <a:lstStyle/>
           <a:p>
+            <a:endParaRPr lang="en-US" dirty="0"/>
+          </a:p>
+        </p:txBody>
+      </p:sp>
+      <p:sp>
+        <p:nvSpPr>
+          <p:cNvPr id="3" name="Content Placeholder 2">
+            <a:extLst>
+              <a:ext uri="{FF2B5EF4-FFF2-40B4-BE49-F238E27FC236}">
+                <a16:creationId xmlns:a16="http://schemas.microsoft.com/office/drawing/2014/main" id="{C672665C-3B0C-0F06-4E81-FB1E01DEBF51}"/>
+              </a:ext>
+            </a:extLst>
+          </p:cNvPr>
+          <p:cNvSpPr>
+            <a:spLocks noGrp="1"/>
+          </p:cNvSpPr>
+          <p:nvPr>
+            <p:ph idx="1"/>
+          </p:nvPr>
+        </p:nvSpPr>
+        <p:spPr>
+          <a:xfrm>
+            <a:off x="590204" y="1064029"/>
+            <a:ext cx="3804243" cy="5159218"/>
+          </a:xfrm>
+        </p:spPr>
+        <p:txBody>
+          <a:bodyPr>
+            <a:normAutofit/>
+          </a:bodyPr>
+          <a:lstStyle/>
+          <a:p>
+            <a:r>
+              <a:rPr lang="en-US" dirty="0"/>
+              <a:t>module d1;</a:t>
+            </a:r>
+          </a:p>
+          <a:p>
+            <a:r>
+              <a:rPr lang="en-US" dirty="0" err="1"/>
+              <a:t>endmodule</a:t>
+            </a:r>
+            <a:endParaRPr lang="en-US" dirty="0"/>
+          </a:p>
+          <a:p>
+            <a:r>
+              <a:rPr lang="en-US" dirty="0"/>
+              <a:t>bind d1 </a:t>
+            </a:r>
+            <a:r>
+              <a:rPr lang="en-US" dirty="0" err="1"/>
+              <a:t>asrt</a:t>
+            </a:r>
+            <a:r>
+              <a:rPr lang="en-US" dirty="0"/>
+              <a:t> </a:t>
+            </a:r>
+            <a:r>
+              <a:rPr lang="en-US" b="1" dirty="0"/>
+              <a:t>inst_d1</a:t>
+            </a:r>
+            <a:r>
+              <a:rPr lang="en-US" dirty="0"/>
+              <a:t>(&lt;port&gt;);</a:t>
+            </a:r>
+          </a:p>
+          <a:p>
+            <a:endParaRPr lang="en-US" dirty="0"/>
+          </a:p>
+          <a:p>
+            <a:r>
+              <a:rPr lang="en-US" dirty="0"/>
+              <a:t>module d2;</a:t>
+            </a:r>
+          </a:p>
+          <a:p>
+            <a:r>
+              <a:rPr lang="en-US" dirty="0" err="1"/>
+              <a:t>endmodule</a:t>
+            </a:r>
+            <a:endParaRPr lang="en-US" dirty="0"/>
+          </a:p>
+          <a:p>
+            <a:r>
+              <a:rPr lang="en-US" dirty="0"/>
+              <a:t>bind d2 </a:t>
+            </a:r>
+            <a:r>
+              <a:rPr lang="en-US" dirty="0" err="1"/>
+              <a:t>asrt</a:t>
+            </a:r>
+            <a:r>
+              <a:rPr lang="en-US" dirty="0"/>
+              <a:t> </a:t>
+            </a:r>
+            <a:r>
+              <a:rPr lang="en-US" b="1" dirty="0"/>
+              <a:t>inst_d1</a:t>
+            </a:r>
+            <a:r>
+              <a:rPr lang="en-US" dirty="0"/>
+              <a:t>(&lt;port&gt;);</a:t>
+            </a:r>
+          </a:p>
+          <a:p>
+            <a:endParaRPr lang="en-US" dirty="0"/>
+          </a:p>
+          <a:p>
+            <a:endParaRPr lang="en-US" dirty="0"/>
+          </a:p>
+          <a:p>
+            <a:r>
+              <a:rPr lang="en-US" dirty="0"/>
+              <a:t>module </a:t>
+            </a:r>
+            <a:r>
+              <a:rPr lang="en-US" dirty="0" err="1"/>
+              <a:t>asrt</a:t>
+            </a:r>
+            <a:r>
+              <a:rPr lang="en-US" dirty="0"/>
+              <a:t>;</a:t>
+            </a:r>
+          </a:p>
+          <a:p>
+            <a:r>
+              <a:rPr lang="en-US" dirty="0" err="1"/>
+              <a:t>endmodule</a:t>
+            </a:r>
+            <a:endParaRPr lang="en-US" dirty="0"/>
+          </a:p>
+        </p:txBody>
+      </p:sp>
+      <p:sp>
+        <p:nvSpPr>
+          <p:cNvPr id="4" name="Slide Number Placeholder 3">
+            <a:extLst>
+              <a:ext uri="{FF2B5EF4-FFF2-40B4-BE49-F238E27FC236}">
+                <a16:creationId xmlns:a16="http://schemas.microsoft.com/office/drawing/2014/main" id="{2DD9F693-9B02-84C1-9866-9095368C7A22}"/>
+              </a:ext>
+            </a:extLst>
+          </p:cNvPr>
+          <p:cNvSpPr>
+            <a:spLocks noGrp="1"/>
+          </p:cNvSpPr>
+          <p:nvPr>
+            <p:ph type="sldNum" sz="quarter" idx="12"/>
+          </p:nvPr>
+        </p:nvSpPr>
+        <p:spPr/>
+        <p:txBody>
+          <a:bodyPr/>
+          <a:lstStyle/>
+          <a:p>
+            <a:fld id="{8A2B06E4-34D2-4DD4-ABFF-9F74AC2B18B5}" type="slidenum">
+              <a:rPr lang="en-US" smtClean="0"/>
+              <a:t>13</a:t>
+            </a:fld>
+            <a:endParaRPr lang="en-US" dirty="0"/>
+          </a:p>
+        </p:txBody>
+      </p:sp>
+      <p:sp>
+        <p:nvSpPr>
+          <p:cNvPr id="5" name="Content Placeholder 2">
+            <a:extLst>
+              <a:ext uri="{FF2B5EF4-FFF2-40B4-BE49-F238E27FC236}">
+                <a16:creationId xmlns:a16="http://schemas.microsoft.com/office/drawing/2014/main" id="{2D41A74A-FE19-2F90-41E4-B83986751645}"/>
+              </a:ext>
+            </a:extLst>
+          </p:cNvPr>
+          <p:cNvSpPr txBox="1">
+            <a:spLocks/>
+          </p:cNvSpPr>
+          <p:nvPr/>
+        </p:nvSpPr>
+        <p:spPr>
+          <a:xfrm>
+            <a:off x="4700565" y="1064029"/>
+            <a:ext cx="4594355" cy="951202"/>
+          </a:xfrm>
+          <a:prstGeom prst="rect">
+            <a:avLst/>
+          </a:prstGeom>
+        </p:spPr>
+        <p:txBody>
+          <a:bodyPr vert="horz" lIns="91440" tIns="45720" rIns="91440" bIns="45720" rtlCol="0">
+            <a:normAutofit/>
+          </a:bodyPr>
+          <a:lstStyle>
+            <a:lvl1pPr marL="228600" indent="-228600" algn="l" defTabSz="914400" rtl="0" eaLnBrk="1" latinLnBrk="0" hangingPunct="1">
+              <a:lnSpc>
+                <a:spcPct val="90000"/>
+              </a:lnSpc>
+              <a:spcBef>
+                <a:spcPts val="1000"/>
+              </a:spcBef>
+              <a:buFont typeface="Arial" panose="020B0604020202020204" pitchFamily="34" charset="0"/>
+              <a:buChar char="•"/>
+              <a:defRPr sz="1400" kern="1200">
+                <a:solidFill>
+                  <a:schemeClr val="tx1"/>
+                </a:solidFill>
+                <a:latin typeface="+mn-lt"/>
+                <a:ea typeface="+mn-ea"/>
+                <a:cs typeface="+mn-cs"/>
+              </a:defRPr>
+            </a:lvl1pPr>
+            <a:lvl2pPr marL="685800" indent="-228600" algn="l" defTabSz="914400" rtl="0" eaLnBrk="1" latinLnBrk="0" hangingPunct="1">
+              <a:lnSpc>
+                <a:spcPct val="90000"/>
+              </a:lnSpc>
+              <a:spcBef>
+                <a:spcPts val="500"/>
+              </a:spcBef>
+              <a:buFont typeface="Arial" panose="020B0604020202020204" pitchFamily="34" charset="0"/>
+              <a:buChar char="•"/>
+              <a:defRPr sz="1200" kern="1200">
+                <a:solidFill>
+                  <a:schemeClr val="tx1"/>
+                </a:solidFill>
+                <a:latin typeface="+mn-lt"/>
+                <a:ea typeface="+mn-ea"/>
+                <a:cs typeface="+mn-cs"/>
+              </a:defRPr>
+            </a:lvl2pPr>
+            <a:lvl3pPr marL="1143000" indent="-228600" algn="l" defTabSz="914400" rtl="0" eaLnBrk="1" latinLnBrk="0" hangingPunct="1">
+              <a:lnSpc>
+                <a:spcPct val="90000"/>
+              </a:lnSpc>
+              <a:spcBef>
+                <a:spcPts val="500"/>
+              </a:spcBef>
+              <a:buFont typeface="Arial" panose="020B0604020202020204" pitchFamily="34" charset="0"/>
+              <a:buChar char="•"/>
+              <a:defRPr sz="1200" kern="1200">
+                <a:solidFill>
+                  <a:schemeClr val="tx1"/>
+                </a:solidFill>
+                <a:latin typeface="+mn-lt"/>
+                <a:ea typeface="+mn-ea"/>
+                <a:cs typeface="+mn-cs"/>
+              </a:defRPr>
+            </a:lvl3pPr>
+            <a:lvl4pPr marL="1600200" indent="-228600" algn="l" defTabSz="914400" rtl="0" eaLnBrk="1" latinLnBrk="0" hangingPunct="1">
+              <a:lnSpc>
+                <a:spcPct val="90000"/>
+              </a:lnSpc>
+              <a:spcBef>
+                <a:spcPts val="500"/>
+              </a:spcBef>
+              <a:buFont typeface="Arial" panose="020B0604020202020204" pitchFamily="34" charset="0"/>
+              <a:buChar char="•"/>
+              <a:defRPr sz="1200" kern="1200">
+                <a:solidFill>
+                  <a:schemeClr val="tx1"/>
+                </a:solidFill>
+                <a:latin typeface="+mn-lt"/>
+                <a:ea typeface="+mn-ea"/>
+                <a:cs typeface="+mn-cs"/>
+              </a:defRPr>
+            </a:lvl4pPr>
+            <a:lvl5pPr marL="2057400" indent="-228600" algn="l" defTabSz="914400" rtl="0" eaLnBrk="1" latinLnBrk="0" hangingPunct="1">
+              <a:lnSpc>
+                <a:spcPct val="90000"/>
+              </a:lnSpc>
+              <a:spcBef>
+                <a:spcPts val="500"/>
+              </a:spcBef>
+              <a:buFont typeface="Arial" panose="020B0604020202020204" pitchFamily="34" charset="0"/>
+              <a:buChar char="•"/>
+              <a:defRPr sz="1200" kern="1200">
+                <a:solidFill>
+                  <a:schemeClr val="tx1"/>
+                </a:solidFill>
+                <a:latin typeface="+mn-lt"/>
+                <a:ea typeface="+mn-ea"/>
+                <a:cs typeface="+mn-cs"/>
+              </a:defRPr>
+            </a:lvl5pPr>
+            <a:lvl6pPr marL="2514600" indent="-228600" algn="l" defTabSz="914400" rtl="0" eaLnBrk="1" latinLnBrk="0" hangingPunct="1">
+              <a:lnSpc>
+                <a:spcPct val="90000"/>
+              </a:lnSpc>
+              <a:spcBef>
+                <a:spcPts val="500"/>
+              </a:spcBef>
+              <a:buFont typeface="Arial" panose="020B0604020202020204" pitchFamily="34" charset="0"/>
+              <a:buChar char="•"/>
+              <a:defRPr sz="1800" kern="1200">
+                <a:solidFill>
+                  <a:schemeClr val="tx1"/>
+                </a:solidFill>
+                <a:latin typeface="+mn-lt"/>
+                <a:ea typeface="+mn-ea"/>
+                <a:cs typeface="+mn-cs"/>
+              </a:defRPr>
+            </a:lvl6pPr>
+            <a:lvl7pPr marL="2971800" indent="-228600" algn="l" defTabSz="914400" rtl="0" eaLnBrk="1" latinLnBrk="0" hangingPunct="1">
+              <a:lnSpc>
+                <a:spcPct val="90000"/>
+              </a:lnSpc>
+              <a:spcBef>
+                <a:spcPts val="500"/>
+              </a:spcBef>
+              <a:buFont typeface="Arial" panose="020B0604020202020204" pitchFamily="34" charset="0"/>
+              <a:buChar char="•"/>
+              <a:defRPr sz="1800" kern="1200">
+                <a:solidFill>
+                  <a:schemeClr val="tx1"/>
+                </a:solidFill>
+                <a:latin typeface="+mn-lt"/>
+                <a:ea typeface="+mn-ea"/>
+                <a:cs typeface="+mn-cs"/>
+              </a:defRPr>
+            </a:lvl7pPr>
+            <a:lvl8pPr marL="3429000" indent="-228600" algn="l" defTabSz="914400" rtl="0" eaLnBrk="1" latinLnBrk="0" hangingPunct="1">
+              <a:lnSpc>
+                <a:spcPct val="90000"/>
+              </a:lnSpc>
+              <a:spcBef>
+                <a:spcPts val="500"/>
+              </a:spcBef>
+              <a:buFont typeface="Arial" panose="020B0604020202020204" pitchFamily="34" charset="0"/>
+              <a:buChar char="•"/>
+              <a:defRPr sz="1800" kern="1200">
+                <a:solidFill>
+                  <a:schemeClr val="tx1"/>
+                </a:solidFill>
+                <a:latin typeface="+mn-lt"/>
+                <a:ea typeface="+mn-ea"/>
+                <a:cs typeface="+mn-cs"/>
+              </a:defRPr>
+            </a:lvl8pPr>
+            <a:lvl9pPr marL="3886200" indent="-228600" algn="l" defTabSz="914400" rtl="0" eaLnBrk="1" latinLnBrk="0" hangingPunct="1">
+              <a:lnSpc>
+                <a:spcPct val="90000"/>
+              </a:lnSpc>
+              <a:spcBef>
+                <a:spcPts val="500"/>
+              </a:spcBef>
+              <a:buFont typeface="Arial" panose="020B0604020202020204" pitchFamily="34" charset="0"/>
+              <a:buChar char="•"/>
+              <a:defRPr sz="1800" kern="1200">
+                <a:solidFill>
+                  <a:schemeClr val="tx1"/>
+                </a:solidFill>
+                <a:latin typeface="+mn-lt"/>
+                <a:ea typeface="+mn-ea"/>
+                <a:cs typeface="+mn-cs"/>
+              </a:defRPr>
+            </a:lvl9pPr>
+          </a:lstStyle>
+          <a:p>
+            <a:r>
+              <a:rPr lang="en-US" dirty="0"/>
+              <a:t>design department</a:t>
+            </a:r>
+          </a:p>
+          <a:p>
+            <a:pPr lvl="1"/>
+            <a:r>
+              <a:rPr lang="en-US" dirty="0" err="1"/>
+              <a:t>rtl</a:t>
+            </a:r>
+            <a:r>
+              <a:rPr lang="en-US" dirty="0"/>
+              <a:t> design r1 -&gt; synthesis -&gt; gate-level design g1</a:t>
+            </a:r>
+          </a:p>
+        </p:txBody>
+      </p:sp>
+      <p:sp>
+        <p:nvSpPr>
+          <p:cNvPr id="6" name="Content Placeholder 2">
+            <a:extLst>
+              <a:ext uri="{FF2B5EF4-FFF2-40B4-BE49-F238E27FC236}">
+                <a16:creationId xmlns:a16="http://schemas.microsoft.com/office/drawing/2014/main" id="{4242ECAF-2E0D-0B1F-40DB-6CAF7F17EEF9}"/>
+              </a:ext>
+            </a:extLst>
+          </p:cNvPr>
+          <p:cNvSpPr txBox="1">
+            <a:spLocks/>
+          </p:cNvSpPr>
+          <p:nvPr/>
+        </p:nvSpPr>
+        <p:spPr>
+          <a:xfrm>
+            <a:off x="4700565" y="2182907"/>
+            <a:ext cx="3804243" cy="542538"/>
+          </a:xfrm>
+          <a:prstGeom prst="rect">
+            <a:avLst/>
+          </a:prstGeom>
+        </p:spPr>
+        <p:txBody>
+          <a:bodyPr vert="horz" lIns="91440" tIns="45720" rIns="91440" bIns="45720" rtlCol="0">
+            <a:normAutofit/>
+          </a:bodyPr>
+          <a:lstStyle>
+            <a:lvl1pPr marL="228600" indent="-228600" algn="l" defTabSz="914400" rtl="0" eaLnBrk="1" latinLnBrk="0" hangingPunct="1">
+              <a:lnSpc>
+                <a:spcPct val="90000"/>
+              </a:lnSpc>
+              <a:spcBef>
+                <a:spcPts val="1000"/>
+              </a:spcBef>
+              <a:buFont typeface="Arial" panose="020B0604020202020204" pitchFamily="34" charset="0"/>
+              <a:buChar char="•"/>
+              <a:defRPr sz="1400" kern="1200">
+                <a:solidFill>
+                  <a:schemeClr val="tx1"/>
+                </a:solidFill>
+                <a:latin typeface="+mn-lt"/>
+                <a:ea typeface="+mn-ea"/>
+                <a:cs typeface="+mn-cs"/>
+              </a:defRPr>
+            </a:lvl1pPr>
+            <a:lvl2pPr marL="685800" indent="-228600" algn="l" defTabSz="914400" rtl="0" eaLnBrk="1" latinLnBrk="0" hangingPunct="1">
+              <a:lnSpc>
+                <a:spcPct val="90000"/>
+              </a:lnSpc>
+              <a:spcBef>
+                <a:spcPts val="500"/>
+              </a:spcBef>
+              <a:buFont typeface="Arial" panose="020B0604020202020204" pitchFamily="34" charset="0"/>
+              <a:buChar char="•"/>
+              <a:defRPr sz="1200" kern="1200">
+                <a:solidFill>
+                  <a:schemeClr val="tx1"/>
+                </a:solidFill>
+                <a:latin typeface="+mn-lt"/>
+                <a:ea typeface="+mn-ea"/>
+                <a:cs typeface="+mn-cs"/>
+              </a:defRPr>
+            </a:lvl2pPr>
+            <a:lvl3pPr marL="1143000" indent="-228600" algn="l" defTabSz="914400" rtl="0" eaLnBrk="1" latinLnBrk="0" hangingPunct="1">
+              <a:lnSpc>
+                <a:spcPct val="90000"/>
+              </a:lnSpc>
+              <a:spcBef>
+                <a:spcPts val="500"/>
+              </a:spcBef>
+              <a:buFont typeface="Arial" panose="020B0604020202020204" pitchFamily="34" charset="0"/>
+              <a:buChar char="•"/>
+              <a:defRPr sz="1200" kern="1200">
+                <a:solidFill>
+                  <a:schemeClr val="tx1"/>
+                </a:solidFill>
+                <a:latin typeface="+mn-lt"/>
+                <a:ea typeface="+mn-ea"/>
+                <a:cs typeface="+mn-cs"/>
+              </a:defRPr>
+            </a:lvl3pPr>
+            <a:lvl4pPr marL="1600200" indent="-228600" algn="l" defTabSz="914400" rtl="0" eaLnBrk="1" latinLnBrk="0" hangingPunct="1">
+              <a:lnSpc>
+                <a:spcPct val="90000"/>
+              </a:lnSpc>
+              <a:spcBef>
+                <a:spcPts val="500"/>
+              </a:spcBef>
+              <a:buFont typeface="Arial" panose="020B0604020202020204" pitchFamily="34" charset="0"/>
+              <a:buChar char="•"/>
+              <a:defRPr sz="1200" kern="1200">
+                <a:solidFill>
+                  <a:schemeClr val="tx1"/>
+                </a:solidFill>
+                <a:latin typeface="+mn-lt"/>
+                <a:ea typeface="+mn-ea"/>
+                <a:cs typeface="+mn-cs"/>
+              </a:defRPr>
+            </a:lvl4pPr>
+            <a:lvl5pPr marL="2057400" indent="-228600" algn="l" defTabSz="914400" rtl="0" eaLnBrk="1" latinLnBrk="0" hangingPunct="1">
+              <a:lnSpc>
+                <a:spcPct val="90000"/>
+              </a:lnSpc>
+              <a:spcBef>
+                <a:spcPts val="500"/>
+              </a:spcBef>
+              <a:buFont typeface="Arial" panose="020B0604020202020204" pitchFamily="34" charset="0"/>
+              <a:buChar char="•"/>
+              <a:defRPr sz="1200" kern="1200">
+                <a:solidFill>
+                  <a:schemeClr val="tx1"/>
+                </a:solidFill>
+                <a:latin typeface="+mn-lt"/>
+                <a:ea typeface="+mn-ea"/>
+                <a:cs typeface="+mn-cs"/>
+              </a:defRPr>
+            </a:lvl5pPr>
+            <a:lvl6pPr marL="2514600" indent="-228600" algn="l" defTabSz="914400" rtl="0" eaLnBrk="1" latinLnBrk="0" hangingPunct="1">
+              <a:lnSpc>
+                <a:spcPct val="90000"/>
+              </a:lnSpc>
+              <a:spcBef>
+                <a:spcPts val="500"/>
+              </a:spcBef>
+              <a:buFont typeface="Arial" panose="020B0604020202020204" pitchFamily="34" charset="0"/>
+              <a:buChar char="•"/>
+              <a:defRPr sz="1800" kern="1200">
+                <a:solidFill>
+                  <a:schemeClr val="tx1"/>
+                </a:solidFill>
+                <a:latin typeface="+mn-lt"/>
+                <a:ea typeface="+mn-ea"/>
+                <a:cs typeface="+mn-cs"/>
+              </a:defRPr>
+            </a:lvl6pPr>
+            <a:lvl7pPr marL="2971800" indent="-228600" algn="l" defTabSz="914400" rtl="0" eaLnBrk="1" latinLnBrk="0" hangingPunct="1">
+              <a:lnSpc>
+                <a:spcPct val="90000"/>
+              </a:lnSpc>
+              <a:spcBef>
+                <a:spcPts val="500"/>
+              </a:spcBef>
+              <a:buFont typeface="Arial" panose="020B0604020202020204" pitchFamily="34" charset="0"/>
+              <a:buChar char="•"/>
+              <a:defRPr sz="1800" kern="1200">
+                <a:solidFill>
+                  <a:schemeClr val="tx1"/>
+                </a:solidFill>
+                <a:latin typeface="+mn-lt"/>
+                <a:ea typeface="+mn-ea"/>
+                <a:cs typeface="+mn-cs"/>
+              </a:defRPr>
+            </a:lvl7pPr>
+            <a:lvl8pPr marL="3429000" indent="-228600" algn="l" defTabSz="914400" rtl="0" eaLnBrk="1" latinLnBrk="0" hangingPunct="1">
+              <a:lnSpc>
+                <a:spcPct val="90000"/>
+              </a:lnSpc>
+              <a:spcBef>
+                <a:spcPts val="500"/>
+              </a:spcBef>
+              <a:buFont typeface="Arial" panose="020B0604020202020204" pitchFamily="34" charset="0"/>
+              <a:buChar char="•"/>
+              <a:defRPr sz="1800" kern="1200">
+                <a:solidFill>
+                  <a:schemeClr val="tx1"/>
+                </a:solidFill>
+                <a:latin typeface="+mn-lt"/>
+                <a:ea typeface="+mn-ea"/>
+                <a:cs typeface="+mn-cs"/>
+              </a:defRPr>
+            </a:lvl8pPr>
+            <a:lvl9pPr marL="3886200" indent="-228600" algn="l" defTabSz="914400" rtl="0" eaLnBrk="1" latinLnBrk="0" hangingPunct="1">
+              <a:lnSpc>
+                <a:spcPct val="90000"/>
+              </a:lnSpc>
+              <a:spcBef>
+                <a:spcPts val="500"/>
+              </a:spcBef>
+              <a:buFont typeface="Arial" panose="020B0604020202020204" pitchFamily="34" charset="0"/>
+              <a:buChar char="•"/>
+              <a:defRPr sz="1800" kern="1200">
+                <a:solidFill>
+                  <a:schemeClr val="tx1"/>
+                </a:solidFill>
+                <a:latin typeface="+mn-lt"/>
+                <a:ea typeface="+mn-ea"/>
+                <a:cs typeface="+mn-cs"/>
+              </a:defRPr>
+            </a:lvl9pPr>
+          </a:lstStyle>
+          <a:p>
+            <a:r>
+              <a:rPr lang="en-US" dirty="0"/>
+              <a:t>verification department</a:t>
+            </a:r>
+          </a:p>
+          <a:p>
+            <a:pPr lvl="1"/>
+            <a:r>
+              <a:rPr lang="en-US" dirty="0"/>
+              <a:t>assertion module </a:t>
+            </a:r>
+            <a:r>
+              <a:rPr lang="en-US" dirty="0" err="1"/>
+              <a:t>asrt</a:t>
+            </a:r>
+            <a:endParaRPr lang="en-US" dirty="0"/>
+          </a:p>
+        </p:txBody>
+      </p:sp>
+      <p:sp>
+        <p:nvSpPr>
+          <p:cNvPr id="7" name="Content Placeholder 2">
+            <a:extLst>
+              <a:ext uri="{FF2B5EF4-FFF2-40B4-BE49-F238E27FC236}">
+                <a16:creationId xmlns:a16="http://schemas.microsoft.com/office/drawing/2014/main" id="{99F69023-8BB0-BDB3-BA80-2BBED1472363}"/>
+              </a:ext>
+            </a:extLst>
+          </p:cNvPr>
+          <p:cNvSpPr txBox="1">
+            <a:spLocks/>
+          </p:cNvSpPr>
+          <p:nvPr/>
+        </p:nvSpPr>
+        <p:spPr>
+          <a:xfrm>
+            <a:off x="4700565" y="3034871"/>
+            <a:ext cx="2179629" cy="951202"/>
+          </a:xfrm>
+          <a:prstGeom prst="rect">
+            <a:avLst/>
+          </a:prstGeom>
+        </p:spPr>
+        <p:txBody>
+          <a:bodyPr vert="horz" lIns="91440" tIns="45720" rIns="91440" bIns="45720" rtlCol="0">
+            <a:normAutofit/>
+          </a:bodyPr>
+          <a:lstStyle>
+            <a:lvl1pPr marL="228600" indent="-228600" algn="l" defTabSz="914400" rtl="0" eaLnBrk="1" latinLnBrk="0" hangingPunct="1">
+              <a:lnSpc>
+                <a:spcPct val="90000"/>
+              </a:lnSpc>
+              <a:spcBef>
+                <a:spcPts val="1000"/>
+              </a:spcBef>
+              <a:buFont typeface="Arial" panose="020B0604020202020204" pitchFamily="34" charset="0"/>
+              <a:buChar char="•"/>
+              <a:defRPr sz="1400" kern="1200">
+                <a:solidFill>
+                  <a:schemeClr val="tx1"/>
+                </a:solidFill>
+                <a:latin typeface="+mn-lt"/>
+                <a:ea typeface="+mn-ea"/>
+                <a:cs typeface="+mn-cs"/>
+              </a:defRPr>
+            </a:lvl1pPr>
+            <a:lvl2pPr marL="685800" indent="-228600" algn="l" defTabSz="914400" rtl="0" eaLnBrk="1" latinLnBrk="0" hangingPunct="1">
+              <a:lnSpc>
+                <a:spcPct val="90000"/>
+              </a:lnSpc>
+              <a:spcBef>
+                <a:spcPts val="500"/>
+              </a:spcBef>
+              <a:buFont typeface="Arial" panose="020B0604020202020204" pitchFamily="34" charset="0"/>
+              <a:buChar char="•"/>
+              <a:defRPr sz="1200" kern="1200">
+                <a:solidFill>
+                  <a:schemeClr val="tx1"/>
+                </a:solidFill>
+                <a:latin typeface="+mn-lt"/>
+                <a:ea typeface="+mn-ea"/>
+                <a:cs typeface="+mn-cs"/>
+              </a:defRPr>
+            </a:lvl2pPr>
+            <a:lvl3pPr marL="1143000" indent="-228600" algn="l" defTabSz="914400" rtl="0" eaLnBrk="1" latinLnBrk="0" hangingPunct="1">
+              <a:lnSpc>
+                <a:spcPct val="90000"/>
+              </a:lnSpc>
+              <a:spcBef>
+                <a:spcPts val="500"/>
+              </a:spcBef>
+              <a:buFont typeface="Arial" panose="020B0604020202020204" pitchFamily="34" charset="0"/>
+              <a:buChar char="•"/>
+              <a:defRPr sz="1200" kern="1200">
+                <a:solidFill>
+                  <a:schemeClr val="tx1"/>
+                </a:solidFill>
+                <a:latin typeface="+mn-lt"/>
+                <a:ea typeface="+mn-ea"/>
+                <a:cs typeface="+mn-cs"/>
+              </a:defRPr>
+            </a:lvl3pPr>
+            <a:lvl4pPr marL="1600200" indent="-228600" algn="l" defTabSz="914400" rtl="0" eaLnBrk="1" latinLnBrk="0" hangingPunct="1">
+              <a:lnSpc>
+                <a:spcPct val="90000"/>
+              </a:lnSpc>
+              <a:spcBef>
+                <a:spcPts val="500"/>
+              </a:spcBef>
+              <a:buFont typeface="Arial" panose="020B0604020202020204" pitchFamily="34" charset="0"/>
+              <a:buChar char="•"/>
+              <a:defRPr sz="1200" kern="1200">
+                <a:solidFill>
+                  <a:schemeClr val="tx1"/>
+                </a:solidFill>
+                <a:latin typeface="+mn-lt"/>
+                <a:ea typeface="+mn-ea"/>
+                <a:cs typeface="+mn-cs"/>
+              </a:defRPr>
+            </a:lvl4pPr>
+            <a:lvl5pPr marL="2057400" indent="-228600" algn="l" defTabSz="914400" rtl="0" eaLnBrk="1" latinLnBrk="0" hangingPunct="1">
+              <a:lnSpc>
+                <a:spcPct val="90000"/>
+              </a:lnSpc>
+              <a:spcBef>
+                <a:spcPts val="500"/>
+              </a:spcBef>
+              <a:buFont typeface="Arial" panose="020B0604020202020204" pitchFamily="34" charset="0"/>
+              <a:buChar char="•"/>
+              <a:defRPr sz="1200" kern="1200">
+                <a:solidFill>
+                  <a:schemeClr val="tx1"/>
+                </a:solidFill>
+                <a:latin typeface="+mn-lt"/>
+                <a:ea typeface="+mn-ea"/>
+                <a:cs typeface="+mn-cs"/>
+              </a:defRPr>
+            </a:lvl5pPr>
+            <a:lvl6pPr marL="2514600" indent="-228600" algn="l" defTabSz="914400" rtl="0" eaLnBrk="1" latinLnBrk="0" hangingPunct="1">
+              <a:lnSpc>
+                <a:spcPct val="90000"/>
+              </a:lnSpc>
+              <a:spcBef>
+                <a:spcPts val="500"/>
+              </a:spcBef>
+              <a:buFont typeface="Arial" panose="020B0604020202020204" pitchFamily="34" charset="0"/>
+              <a:buChar char="•"/>
+              <a:defRPr sz="1800" kern="1200">
+                <a:solidFill>
+                  <a:schemeClr val="tx1"/>
+                </a:solidFill>
+                <a:latin typeface="+mn-lt"/>
+                <a:ea typeface="+mn-ea"/>
+                <a:cs typeface="+mn-cs"/>
+              </a:defRPr>
+            </a:lvl6pPr>
+            <a:lvl7pPr marL="2971800" indent="-228600" algn="l" defTabSz="914400" rtl="0" eaLnBrk="1" latinLnBrk="0" hangingPunct="1">
+              <a:lnSpc>
+                <a:spcPct val="90000"/>
+              </a:lnSpc>
+              <a:spcBef>
+                <a:spcPts val="500"/>
+              </a:spcBef>
+              <a:buFont typeface="Arial" panose="020B0604020202020204" pitchFamily="34" charset="0"/>
+              <a:buChar char="•"/>
+              <a:defRPr sz="1800" kern="1200">
+                <a:solidFill>
+                  <a:schemeClr val="tx1"/>
+                </a:solidFill>
+                <a:latin typeface="+mn-lt"/>
+                <a:ea typeface="+mn-ea"/>
+                <a:cs typeface="+mn-cs"/>
+              </a:defRPr>
+            </a:lvl7pPr>
+            <a:lvl8pPr marL="3429000" indent="-228600" algn="l" defTabSz="914400" rtl="0" eaLnBrk="1" latinLnBrk="0" hangingPunct="1">
+              <a:lnSpc>
+                <a:spcPct val="90000"/>
+              </a:lnSpc>
+              <a:spcBef>
+                <a:spcPts val="500"/>
+              </a:spcBef>
+              <a:buFont typeface="Arial" panose="020B0604020202020204" pitchFamily="34" charset="0"/>
+              <a:buChar char="•"/>
+              <a:defRPr sz="1800" kern="1200">
+                <a:solidFill>
+                  <a:schemeClr val="tx1"/>
+                </a:solidFill>
+                <a:latin typeface="+mn-lt"/>
+                <a:ea typeface="+mn-ea"/>
+                <a:cs typeface="+mn-cs"/>
+              </a:defRPr>
+            </a:lvl8pPr>
+            <a:lvl9pPr marL="3886200" indent="-228600" algn="l" defTabSz="914400" rtl="0" eaLnBrk="1" latinLnBrk="0" hangingPunct="1">
+              <a:lnSpc>
+                <a:spcPct val="90000"/>
+              </a:lnSpc>
+              <a:spcBef>
+                <a:spcPts val="500"/>
+              </a:spcBef>
+              <a:buFont typeface="Arial" panose="020B0604020202020204" pitchFamily="34" charset="0"/>
+              <a:buChar char="•"/>
+              <a:defRPr sz="1800" kern="1200">
+                <a:solidFill>
+                  <a:schemeClr val="tx1"/>
+                </a:solidFill>
+                <a:latin typeface="+mn-lt"/>
+                <a:ea typeface="+mn-ea"/>
+                <a:cs typeface="+mn-cs"/>
+              </a:defRPr>
+            </a:lvl9pPr>
+          </a:lstStyle>
+          <a:p>
+            <a:r>
+              <a:rPr lang="en-US" dirty="0"/>
+              <a:t>bind r1 </a:t>
+            </a:r>
+            <a:r>
+              <a:rPr lang="en-US" dirty="0" err="1"/>
+              <a:t>asrt</a:t>
+            </a:r>
+            <a:r>
+              <a:rPr lang="en-US" dirty="0"/>
+              <a:t>;</a:t>
+            </a:r>
+          </a:p>
+          <a:p>
+            <a:r>
+              <a:rPr lang="en-US" dirty="0"/>
+              <a:t>bind g1 </a:t>
+            </a:r>
+            <a:r>
+              <a:rPr lang="en-US" dirty="0" err="1"/>
+              <a:t>asrt</a:t>
+            </a:r>
+            <a:r>
+              <a:rPr lang="en-US" dirty="0"/>
+              <a:t>;</a:t>
+            </a:r>
+          </a:p>
+        </p:txBody>
+      </p:sp>
+    </p:spTree>
+    <p:extLst>
+      <p:ext uri="{BB962C8B-B14F-4D97-AF65-F5344CB8AC3E}">
+        <p14:creationId xmlns:p14="http://schemas.microsoft.com/office/powerpoint/2010/main" val="612155110"/>
+      </p:ext>
+    </p:extLst>
+  </p:cSld>
+  <p:clrMapOvr>
+    <a:masterClrMapping/>
+  </p:clrMapOvr>
+</p:sld>
+</file>
+
+<file path=ppt/slides/slide14.xml><?xml version="1.0" encoding="utf-8"?>
+<p:sld xmlns:a="http://schemas.openxmlformats.org/drawingml/2006/main" xmlns:r="http://schemas.openxmlformats.org/officeDocument/2006/relationships" xmlns:p="http://schemas.openxmlformats.org/presentationml/2006/main">
+  <p:cSld>
+    <p:spTree>
+      <p:nvGrpSpPr>
+        <p:cNvPr id="1" name=""/>
+        <p:cNvGrpSpPr/>
+        <p:nvPr/>
+      </p:nvGrpSpPr>
+      <p:grpSpPr>
+        <a:xfrm>
+          <a:off x="0" y="0"/>
+          <a:ext cx="0" cy="0"/>
+          <a:chOff x="0" y="0"/>
+          <a:chExt cx="0" cy="0"/>
+        </a:xfrm>
+      </p:grpSpPr>
+      <p:sp>
+        <p:nvSpPr>
+          <p:cNvPr id="2" name="Title 1">
+            <a:extLst>
+              <a:ext uri="{FF2B5EF4-FFF2-40B4-BE49-F238E27FC236}">
+                <a16:creationId xmlns:a16="http://schemas.microsoft.com/office/drawing/2014/main" id="{63B19FFD-555C-673A-82D5-1766F95D704A}"/>
+              </a:ext>
+            </a:extLst>
+          </p:cNvPr>
+          <p:cNvSpPr>
+            <a:spLocks noGrp="1"/>
+          </p:cNvSpPr>
+          <p:nvPr>
+            <p:ph type="title"/>
+          </p:nvPr>
+        </p:nvSpPr>
+        <p:spPr/>
+        <p:txBody>
+          <a:bodyPr/>
+          <a:lstStyle/>
+          <a:p>
             <a:r>
               <a:rPr lang="en-US" dirty="0"/>
               <a:t>lab33</a:t>
@@ -8167,7 +9070,7 @@
           <a:p>
             <a:fld id="{8A2B06E4-34D2-4DD4-ABFF-9F74AC2B18B5}" type="slidenum">
               <a:rPr lang="en-US" smtClean="0"/>
-              <a:t>13</a:t>
+              <a:t>14</a:t>
             </a:fld>
             <a:endParaRPr lang="en-US" dirty="0"/>
           </a:p>
@@ -8246,7 +9149,7 @@
 </p:sld>
 </file>
 
-<file path=ppt/slides/slide14.xml><?xml version="1.0" encoding="utf-8"?>
+<file path=ppt/slides/slide15.xml><?xml version="1.0" encoding="utf-8"?>
 <p:sld xmlns:a="http://schemas.openxmlformats.org/drawingml/2006/main" xmlns:r="http://schemas.openxmlformats.org/officeDocument/2006/relationships" xmlns:p="http://schemas.openxmlformats.org/presentationml/2006/main">
   <p:cSld>
     <p:spTree>
@@ -8314,7 +9217,7 @@
           <a:p>
             <a:fld id="{8A2B06E4-34D2-4DD4-ABFF-9F74AC2B18B5}" type="slidenum">
               <a:rPr lang="en-US" smtClean="0"/>
-              <a:t>14</a:t>
+              <a:t>15</a:t>
             </a:fld>
             <a:endParaRPr lang="en-US" dirty="0"/>
           </a:p>
@@ -8725,7 +9628,7 @@
 </p:sld>
 </file>
 
-<file path=ppt/slides/slide15.xml><?xml version="1.0" encoding="utf-8"?>
+<file path=ppt/slides/slide16.xml><?xml version="1.0" encoding="utf-8"?>
 <p:sld xmlns:a="http://schemas.openxmlformats.org/drawingml/2006/main" xmlns:r="http://schemas.openxmlformats.org/officeDocument/2006/relationships" xmlns:p="http://schemas.openxmlformats.org/presentationml/2006/main">
   <p:cSld>
     <p:spTree>
@@ -8793,7 +9696,7 @@
           <a:p>
             <a:fld id="{8A2B06E4-34D2-4DD4-ABFF-9F74AC2B18B5}" type="slidenum">
               <a:rPr lang="en-US" smtClean="0"/>
-              <a:t>15</a:t>
+              <a:t>16</a:t>
             </a:fld>
             <a:endParaRPr lang="en-US" dirty="0"/>
           </a:p>
@@ -11818,7 +12721,7 @@
 </p:sld>
 </file>
 
-<file path=ppt/slides/slide16.xml><?xml version="1.0" encoding="utf-8"?>
+<file path=ppt/slides/slide17.xml><?xml version="1.0" encoding="utf-8"?>
 <p:sld xmlns:a="http://schemas.openxmlformats.org/drawingml/2006/main" xmlns:r="http://schemas.openxmlformats.org/officeDocument/2006/relationships" xmlns:p="http://schemas.openxmlformats.org/presentationml/2006/main">
   <p:cSld>
     <p:spTree>
@@ -11911,7 +12814,7 @@
           <a:p>
             <a:fld id="{8A2B06E4-34D2-4DD4-ABFF-9F74AC2B18B5}" type="slidenum">
               <a:rPr lang="en-US" smtClean="0"/>
-              <a:t>16</a:t>
+              <a:t>17</a:t>
             </a:fld>
             <a:endParaRPr lang="en-US" dirty="0"/>
           </a:p>
@@ -12366,7 +13269,7 @@
 </p:sld>
 </file>
 
-<file path=ppt/slides/slide17.xml><?xml version="1.0" encoding="utf-8"?>
+<file path=ppt/slides/slide18.xml><?xml version="1.0" encoding="utf-8"?>
 <p:sld xmlns:a="http://schemas.openxmlformats.org/drawingml/2006/main" xmlns:r="http://schemas.openxmlformats.org/officeDocument/2006/relationships" xmlns:p="http://schemas.openxmlformats.org/presentationml/2006/main">
   <p:cSld>
     <p:spTree>
@@ -12434,7 +13337,7 @@
           <a:p>
             <a:fld id="{8A2B06E4-34D2-4DD4-ABFF-9F74AC2B18B5}" type="slidenum">
               <a:rPr lang="en-US" smtClean="0"/>
-              <a:t>17</a:t>
+              <a:t>18</a:t>
             </a:fld>
             <a:endParaRPr lang="en-US" dirty="0"/>
           </a:p>
@@ -12804,7 +13707,7 @@
 </p:sld>
 </file>
 
-<file path=ppt/slides/slide18.xml><?xml version="1.0" encoding="utf-8"?>
+<file path=ppt/slides/slide19.xml><?xml version="1.0" encoding="utf-8"?>
 <p:sld xmlns:a="http://schemas.openxmlformats.org/drawingml/2006/main" xmlns:r="http://schemas.openxmlformats.org/officeDocument/2006/relationships" xmlns:p="http://schemas.openxmlformats.org/presentationml/2006/main">
   <p:cSld>
     <p:spTree>
@@ -12872,7 +13775,7 @@
           <a:p>
             <a:fld id="{8A2B06E4-34D2-4DD4-ABFF-9F74AC2B18B5}" type="slidenum">
               <a:rPr lang="en-US" smtClean="0"/>
-              <a:t>18</a:t>
+              <a:t>19</a:t>
             </a:fld>
             <a:endParaRPr lang="en-US" dirty="0"/>
           </a:p>
@@ -13235,7 +14138,7 @@
 </p:sld>
 </file>
 
-<file path=ppt/slides/slide19.xml><?xml version="1.0" encoding="utf-8"?>
+<file path=ppt/slides/slide2.xml><?xml version="1.0" encoding="utf-8"?>
 <p:sld xmlns:a="http://schemas.openxmlformats.org/drawingml/2006/main" xmlns:r="http://schemas.openxmlformats.org/officeDocument/2006/relationships" xmlns:p="http://schemas.openxmlformats.org/presentationml/2006/main">
   <p:cSld>
     <p:spTree>
@@ -13257,7 +14160,7 @@
           <p:cNvPr id="2" name="Title 1">
             <a:extLst>
               <a:ext uri="{FF2B5EF4-FFF2-40B4-BE49-F238E27FC236}">
-                <a16:creationId xmlns:a16="http://schemas.microsoft.com/office/drawing/2014/main" id="{63B19FFD-555C-673A-82D5-1766F95D704A}"/>
+                <a16:creationId xmlns:a16="http://schemas.microsoft.com/office/drawing/2014/main" id="{1289579A-CEBF-C138-F0B5-0A7EE6580E03}"/>
               </a:ext>
             </a:extLst>
           </p:cNvPr>
@@ -13274,18 +14177,9 @@
           <a:lstStyle/>
           <a:p>
             <a:r>
-              <a:rPr lang="en-US" altLang="zh-TW" dirty="0"/>
-              <a:t>20240509</a:t>
-            </a:r>
-            <a:r>
-              <a:rPr lang="zh-TW" altLang="en-US" dirty="0"/>
-              <a:t> </a:t>
-            </a:r>
-            <a:r>
-              <a:rPr lang="en-US" altLang="zh-TW" dirty="0"/>
-              <a:t>below</a:t>
-            </a:r>
-            <a:endParaRPr lang="en-US" dirty="0"/>
+              <a:rPr lang="en-US" dirty="0"/>
+              <a:t>lab42</a:t>
+            </a:r>
           </a:p>
         </p:txBody>
       </p:sp>
@@ -13294,7 +14188,7 @@
           <p:cNvPr id="3" name="Content Placeholder 2">
             <a:extLst>
               <a:ext uri="{FF2B5EF4-FFF2-40B4-BE49-F238E27FC236}">
-                <a16:creationId xmlns:a16="http://schemas.microsoft.com/office/drawing/2014/main" id="{130DB93F-F47C-DCC6-06F8-F6FC5C92DD64}"/>
+                <a16:creationId xmlns:a16="http://schemas.microsoft.com/office/drawing/2014/main" id="{777760B2-66C3-FF25-3450-3FD04689205D}"/>
               </a:ext>
             </a:extLst>
           </p:cNvPr>
@@ -13310,7 +14204,7 @@
           <a:bodyPr/>
           <a:lstStyle/>
           <a:p>
-            <a:endParaRPr lang="en-US" dirty="0"/>
+            <a:endParaRPr lang="en-US"/>
           </a:p>
         </p:txBody>
       </p:sp>
@@ -13319,7 +14213,7 @@
           <p:cNvPr id="4" name="Slide Number Placeholder 3">
             <a:extLst>
               <a:ext uri="{FF2B5EF4-FFF2-40B4-BE49-F238E27FC236}">
-                <a16:creationId xmlns:a16="http://schemas.microsoft.com/office/drawing/2014/main" id="{C80EE293-8908-07B8-DC7E-60356F1A1147}"/>
+                <a16:creationId xmlns:a16="http://schemas.microsoft.com/office/drawing/2014/main" id="{210541DA-4368-4E0E-B5DB-059D15F02063}"/>
               </a:ext>
             </a:extLst>
           </p:cNvPr>
@@ -13337,7 +14231,128 @@
           <a:p>
             <a:fld id="{8A2B06E4-34D2-4DD4-ABFF-9F74AC2B18B5}" type="slidenum">
               <a:rPr lang="en-US" smtClean="0"/>
-              <a:t>19</a:t>
+              <a:t>2</a:t>
+            </a:fld>
+            <a:endParaRPr lang="en-US" dirty="0"/>
+          </a:p>
+        </p:txBody>
+      </p:sp>
+    </p:spTree>
+    <p:extLst>
+      <p:ext uri="{BB962C8B-B14F-4D97-AF65-F5344CB8AC3E}">
+        <p14:creationId xmlns:p14="http://schemas.microsoft.com/office/powerpoint/2010/main" val="3782035978"/>
+      </p:ext>
+    </p:extLst>
+  </p:cSld>
+  <p:clrMapOvr>
+    <a:masterClrMapping/>
+  </p:clrMapOvr>
+</p:sld>
+</file>
+
+<file path=ppt/slides/slide20.xml><?xml version="1.0" encoding="utf-8"?>
+<p:sld xmlns:a="http://schemas.openxmlformats.org/drawingml/2006/main" xmlns:r="http://schemas.openxmlformats.org/officeDocument/2006/relationships" xmlns:p="http://schemas.openxmlformats.org/presentationml/2006/main">
+  <p:cSld>
+    <p:spTree>
+      <p:nvGrpSpPr>
+        <p:cNvPr id="1" name=""/>
+        <p:cNvGrpSpPr/>
+        <p:nvPr/>
+      </p:nvGrpSpPr>
+      <p:grpSpPr>
+        <a:xfrm>
+          <a:off x="0" y="0"/>
+          <a:ext cx="0" cy="0"/>
+          <a:chOff x="0" y="0"/>
+          <a:chExt cx="0" cy="0"/>
+        </a:xfrm>
+      </p:grpSpPr>
+      <p:sp>
+        <p:nvSpPr>
+          <p:cNvPr id="2" name="Title 1">
+            <a:extLst>
+              <a:ext uri="{FF2B5EF4-FFF2-40B4-BE49-F238E27FC236}">
+                <a16:creationId xmlns:a16="http://schemas.microsoft.com/office/drawing/2014/main" id="{63B19FFD-555C-673A-82D5-1766F95D704A}"/>
+              </a:ext>
+            </a:extLst>
+          </p:cNvPr>
+          <p:cNvSpPr>
+            <a:spLocks noGrp="1"/>
+          </p:cNvSpPr>
+          <p:nvPr>
+            <p:ph type="title"/>
+          </p:nvPr>
+        </p:nvSpPr>
+        <p:spPr/>
+        <p:txBody>
+          <a:bodyPr/>
+          <a:lstStyle/>
+          <a:p>
+            <a:r>
+              <a:rPr lang="en-US" altLang="zh-TW" dirty="0"/>
+              <a:t>20240509</a:t>
+            </a:r>
+            <a:r>
+              <a:rPr lang="zh-TW" altLang="en-US" dirty="0"/>
+              <a:t> </a:t>
+            </a:r>
+            <a:r>
+              <a:rPr lang="en-US" altLang="zh-TW" dirty="0"/>
+              <a:t>below</a:t>
+            </a:r>
+            <a:endParaRPr lang="en-US" dirty="0"/>
+          </a:p>
+        </p:txBody>
+      </p:sp>
+      <p:sp>
+        <p:nvSpPr>
+          <p:cNvPr id="3" name="Content Placeholder 2">
+            <a:extLst>
+              <a:ext uri="{FF2B5EF4-FFF2-40B4-BE49-F238E27FC236}">
+                <a16:creationId xmlns:a16="http://schemas.microsoft.com/office/drawing/2014/main" id="{130DB93F-F47C-DCC6-06F8-F6FC5C92DD64}"/>
+              </a:ext>
+            </a:extLst>
+          </p:cNvPr>
+          <p:cNvSpPr>
+            <a:spLocks noGrp="1"/>
+          </p:cNvSpPr>
+          <p:nvPr>
+            <p:ph idx="1"/>
+          </p:nvPr>
+        </p:nvSpPr>
+        <p:spPr/>
+        <p:txBody>
+          <a:bodyPr/>
+          <a:lstStyle/>
+          <a:p>
+            <a:endParaRPr lang="en-US" dirty="0"/>
+          </a:p>
+        </p:txBody>
+      </p:sp>
+      <p:sp>
+        <p:nvSpPr>
+          <p:cNvPr id="4" name="Slide Number Placeholder 3">
+            <a:extLst>
+              <a:ext uri="{FF2B5EF4-FFF2-40B4-BE49-F238E27FC236}">
+                <a16:creationId xmlns:a16="http://schemas.microsoft.com/office/drawing/2014/main" id="{C80EE293-8908-07B8-DC7E-60356F1A1147}"/>
+              </a:ext>
+            </a:extLst>
+          </p:cNvPr>
+          <p:cNvSpPr>
+            <a:spLocks noGrp="1"/>
+          </p:cNvSpPr>
+          <p:nvPr>
+            <p:ph type="sldNum" sz="quarter" idx="12"/>
+          </p:nvPr>
+        </p:nvSpPr>
+        <p:spPr/>
+        <p:txBody>
+          <a:bodyPr/>
+          <a:lstStyle/>
+          <a:p>
+            <a:fld id="{8A2B06E4-34D2-4DD4-ABFF-9F74AC2B18B5}" type="slidenum">
+              <a:rPr lang="en-US" smtClean="0"/>
+              <a:t>20</a:t>
             </a:fld>
             <a:endParaRPr lang="en-US" dirty="0"/>
           </a:p>
@@ -13466,7 +14481,7 @@
 </p:sld>
 </file>
 
-<file path=ppt/slides/slide2.xml><?xml version="1.0" encoding="utf-8"?>
+<file path=ppt/slides/slide21.xml><?xml version="1.0" encoding="utf-8"?>
 <p:sld xmlns:a="http://schemas.openxmlformats.org/drawingml/2006/main" xmlns:r="http://schemas.openxmlformats.org/officeDocument/2006/relationships" xmlns:p="http://schemas.openxmlformats.org/presentationml/2006/main">
   <p:cSld>
     <p:spTree>
@@ -13488,7 +14503,7 @@
           <p:cNvPr id="2" name="Title 1">
             <a:extLst>
               <a:ext uri="{FF2B5EF4-FFF2-40B4-BE49-F238E27FC236}">
-                <a16:creationId xmlns:a16="http://schemas.microsoft.com/office/drawing/2014/main" id="{1289579A-CEBF-C138-F0B5-0A7EE6580E03}"/>
+                <a16:creationId xmlns:a16="http://schemas.microsoft.com/office/drawing/2014/main" id="{1C08BF58-57AE-0C57-36BF-BB25DD3D68FE}"/>
               </a:ext>
             </a:extLst>
           </p:cNvPr>
@@ -13505,34 +14520,13 @@
           <a:lstStyle/>
           <a:p>
             <a:r>
+              <a:rPr lang="en-US" dirty="0" err="1"/>
+              <a:t>sva</a:t>
+            </a:r>
+            <a:r>
               <a:rPr lang="en-US" dirty="0"/>
-              <a:t>lab42</a:t>
-            </a:r>
-          </a:p>
-        </p:txBody>
-      </p:sp>
-      <p:sp>
-        <p:nvSpPr>
-          <p:cNvPr id="3" name="Content Placeholder 2">
-            <a:extLst>
-              <a:ext uri="{FF2B5EF4-FFF2-40B4-BE49-F238E27FC236}">
-                <a16:creationId xmlns:a16="http://schemas.microsoft.com/office/drawing/2014/main" id="{777760B2-66C3-FF25-3450-3FD04689205D}"/>
-              </a:ext>
-            </a:extLst>
-          </p:cNvPr>
-          <p:cNvSpPr>
-            <a:spLocks noGrp="1"/>
-          </p:cNvSpPr>
-          <p:nvPr>
-            <p:ph idx="1"/>
-          </p:nvPr>
-        </p:nvSpPr>
-        <p:spPr/>
-        <p:txBody>
-          <a:bodyPr/>
-          <a:lstStyle/>
-          <a:p>
-            <a:endParaRPr lang="en-US"/>
+              <a:t> introduction</a:t>
+            </a:r>
           </a:p>
         </p:txBody>
       </p:sp>
@@ -13541,7 +14535,7 @@
           <p:cNvPr id="4" name="Slide Number Placeholder 3">
             <a:extLst>
               <a:ext uri="{FF2B5EF4-FFF2-40B4-BE49-F238E27FC236}">
-                <a16:creationId xmlns:a16="http://schemas.microsoft.com/office/drawing/2014/main" id="{210541DA-4368-4E0E-B5DB-059D15F02063}"/>
+                <a16:creationId xmlns:a16="http://schemas.microsoft.com/office/drawing/2014/main" id="{8A358433-B0C5-F453-B142-756FF1298CDE}"/>
               </a:ext>
             </a:extLst>
           </p:cNvPr>
@@ -13559,98 +14553,7 @@
           <a:p>
             <a:fld id="{8A2B06E4-34D2-4DD4-ABFF-9F74AC2B18B5}" type="slidenum">
               <a:rPr lang="en-US" smtClean="0"/>
-              <a:t>2</a:t>
-            </a:fld>
-            <a:endParaRPr lang="en-US" dirty="0"/>
-          </a:p>
-        </p:txBody>
-      </p:sp>
-    </p:spTree>
-    <p:extLst>
-      <p:ext uri="{BB962C8B-B14F-4D97-AF65-F5344CB8AC3E}">
-        <p14:creationId xmlns:p14="http://schemas.microsoft.com/office/powerpoint/2010/main" val="3782035978"/>
-      </p:ext>
-    </p:extLst>
-  </p:cSld>
-  <p:clrMapOvr>
-    <a:masterClrMapping/>
-  </p:clrMapOvr>
-</p:sld>
-</file>
-
-<file path=ppt/slides/slide20.xml><?xml version="1.0" encoding="utf-8"?>
-<p:sld xmlns:a="http://schemas.openxmlformats.org/drawingml/2006/main" xmlns:r="http://schemas.openxmlformats.org/officeDocument/2006/relationships" xmlns:p="http://schemas.openxmlformats.org/presentationml/2006/main">
-  <p:cSld>
-    <p:spTree>
-      <p:nvGrpSpPr>
-        <p:cNvPr id="1" name=""/>
-        <p:cNvGrpSpPr/>
-        <p:nvPr/>
-      </p:nvGrpSpPr>
-      <p:grpSpPr>
-        <a:xfrm>
-          <a:off x="0" y="0"/>
-          <a:ext cx="0" cy="0"/>
-          <a:chOff x="0" y="0"/>
-          <a:chExt cx="0" cy="0"/>
-        </a:xfrm>
-      </p:grpSpPr>
-      <p:sp>
-        <p:nvSpPr>
-          <p:cNvPr id="2" name="Title 1">
-            <a:extLst>
-              <a:ext uri="{FF2B5EF4-FFF2-40B4-BE49-F238E27FC236}">
-                <a16:creationId xmlns:a16="http://schemas.microsoft.com/office/drawing/2014/main" id="{1C08BF58-57AE-0C57-36BF-BB25DD3D68FE}"/>
-              </a:ext>
-            </a:extLst>
-          </p:cNvPr>
-          <p:cNvSpPr>
-            <a:spLocks noGrp="1"/>
-          </p:cNvSpPr>
-          <p:nvPr>
-            <p:ph type="title"/>
-          </p:nvPr>
-        </p:nvSpPr>
-        <p:spPr/>
-        <p:txBody>
-          <a:bodyPr/>
-          <a:lstStyle/>
-          <a:p>
-            <a:r>
-              <a:rPr lang="en-US" dirty="0" err="1"/>
-              <a:t>sva</a:t>
-            </a:r>
-            <a:r>
-              <a:rPr lang="en-US" dirty="0"/>
-              <a:t> introduction</a:t>
-            </a:r>
-          </a:p>
-        </p:txBody>
-      </p:sp>
-      <p:sp>
-        <p:nvSpPr>
-          <p:cNvPr id="4" name="Slide Number Placeholder 3">
-            <a:extLst>
-              <a:ext uri="{FF2B5EF4-FFF2-40B4-BE49-F238E27FC236}">
-                <a16:creationId xmlns:a16="http://schemas.microsoft.com/office/drawing/2014/main" id="{8A358433-B0C5-F453-B142-756FF1298CDE}"/>
-              </a:ext>
-            </a:extLst>
-          </p:cNvPr>
-          <p:cNvSpPr>
-            <a:spLocks noGrp="1"/>
-          </p:cNvSpPr>
-          <p:nvPr>
-            <p:ph type="sldNum" sz="quarter" idx="12"/>
-          </p:nvPr>
-        </p:nvSpPr>
-        <p:spPr/>
-        <p:txBody>
-          <a:bodyPr/>
-          <a:lstStyle/>
-          <a:p>
-            <a:fld id="{8A2B06E4-34D2-4DD4-ABFF-9F74AC2B18B5}" type="slidenum">
-              <a:rPr lang="en-US" smtClean="0"/>
-              <a:t>20</a:t>
+              <a:t>21</a:t>
             </a:fld>
             <a:endParaRPr lang="en-US" dirty="0"/>
           </a:p>
@@ -14149,7 +15052,7 @@
 </p:sld>
 </file>
 
-<file path=ppt/slides/slide21.xml><?xml version="1.0" encoding="utf-8"?>
+<file path=ppt/slides/slide22.xml><?xml version="1.0" encoding="utf-8"?>
 <p:sld xmlns:a="http://schemas.openxmlformats.org/drawingml/2006/main" xmlns:r="http://schemas.openxmlformats.org/officeDocument/2006/relationships" xmlns:p="http://schemas.openxmlformats.org/presentationml/2006/main">
   <p:cSld>
     <p:spTree>
@@ -14246,7 +15149,7 @@
           <a:p>
             <a:fld id="{8A2B06E4-34D2-4DD4-ABFF-9F74AC2B18B5}" type="slidenum">
               <a:rPr lang="en-US" smtClean="0"/>
-              <a:t>21</a:t>
+              <a:t>22</a:t>
             </a:fld>
             <a:endParaRPr lang="en-US" dirty="0"/>
           </a:p>
@@ -14748,7 +15651,7 @@
 </p:sld>
 </file>
 
-<file path=ppt/slides/slide22.xml><?xml version="1.0" encoding="utf-8"?>
+<file path=ppt/slides/slide23.xml><?xml version="1.0" encoding="utf-8"?>
 <p:sld xmlns:a="http://schemas.openxmlformats.org/drawingml/2006/main" xmlns:r="http://schemas.openxmlformats.org/officeDocument/2006/relationships" xmlns:p="http://schemas.openxmlformats.org/presentationml/2006/main">
   <p:cSld>
     <p:spTree>
@@ -14842,7 +15745,7 @@
           <a:p>
             <a:fld id="{8A2B06E4-34D2-4DD4-ABFF-9F74AC2B18B5}" type="slidenum">
               <a:rPr lang="en-US" smtClean="0"/>
-              <a:t>22</a:t>
+              <a:t>23</a:t>
             </a:fld>
             <a:endParaRPr lang="en-US" dirty="0"/>
           </a:p>
@@ -15161,7 +16064,7 @@
 </p:sld>
 </file>
 
-<file path=ppt/slides/slide23.xml><?xml version="1.0" encoding="utf-8"?>
+<file path=ppt/slides/slide24.xml><?xml version="1.0" encoding="utf-8"?>
 <p:sld xmlns:a="http://schemas.openxmlformats.org/drawingml/2006/main" xmlns:r="http://schemas.openxmlformats.org/officeDocument/2006/relationships" xmlns:p="http://schemas.openxmlformats.org/presentationml/2006/main">
   <p:cSld>
     <p:spTree>
@@ -15258,7 +16161,7 @@
           <a:p>
             <a:fld id="{8A2B06E4-34D2-4DD4-ABFF-9F74AC2B18B5}" type="slidenum">
               <a:rPr lang="en-US" smtClean="0"/>
-              <a:t>23</a:t>
+              <a:t>24</a:t>
             </a:fld>
             <a:endParaRPr lang="en-US" dirty="0"/>
           </a:p>
@@ -15482,7 +16385,7 @@
 </p:sld>
 </file>
 
-<file path=ppt/slides/slide24.xml><?xml version="1.0" encoding="utf-8"?>
+<file path=ppt/slides/slide25.xml><?xml version="1.0" encoding="utf-8"?>
 <p:sld xmlns:a="http://schemas.openxmlformats.org/drawingml/2006/main" xmlns:r="http://schemas.openxmlformats.org/officeDocument/2006/relationships" xmlns:p="http://schemas.openxmlformats.org/presentationml/2006/main">
   <p:cSld>
     <p:spTree>
@@ -15554,7 +16457,7 @@
           <a:p>
             <a:fld id="{8A2B06E4-34D2-4DD4-ABFF-9F74AC2B18B5}" type="slidenum">
               <a:rPr lang="en-US" smtClean="0"/>
-              <a:t>24</a:t>
+              <a:t>25</a:t>
             </a:fld>
             <a:endParaRPr lang="en-US" dirty="0"/>
           </a:p>
@@ -16138,7 +17041,7 @@
 </p:sld>
 </file>
 
-<file path=ppt/slides/slide25.xml><?xml version="1.0" encoding="utf-8"?>
+<file path=ppt/slides/slide26.xml><?xml version="1.0" encoding="utf-8"?>
 <p:sld xmlns:a="http://schemas.openxmlformats.org/drawingml/2006/main" xmlns:r="http://schemas.openxmlformats.org/officeDocument/2006/relationships" xmlns:p="http://schemas.openxmlformats.org/presentationml/2006/main">
   <p:cSld>
     <p:spTree>
@@ -16210,7 +17113,7 @@
           <a:p>
             <a:fld id="{8A2B06E4-34D2-4DD4-ABFF-9F74AC2B18B5}" type="slidenum">
               <a:rPr lang="en-US" smtClean="0"/>
-              <a:t>25</a:t>
+              <a:t>26</a:t>
             </a:fld>
             <a:endParaRPr lang="en-US" dirty="0"/>
           </a:p>
@@ -16634,7 +17537,7 @@
 </p:sld>
 </file>
 
-<file path=ppt/slides/slide26.xml><?xml version="1.0" encoding="utf-8"?>
+<file path=ppt/slides/slide27.xml><?xml version="1.0" encoding="utf-8"?>
 <p:sld xmlns:a="http://schemas.openxmlformats.org/drawingml/2006/main" xmlns:r="http://schemas.openxmlformats.org/officeDocument/2006/relationships" xmlns:p="http://schemas.openxmlformats.org/presentationml/2006/main">
   <p:cSld>
     <p:spTree>
@@ -16706,7 +17609,7 @@
           <a:p>
             <a:fld id="{8A2B06E4-34D2-4DD4-ABFF-9F74AC2B18B5}" type="slidenum">
               <a:rPr lang="en-US" smtClean="0"/>
-              <a:t>26</a:t>
+              <a:t>27</a:t>
             </a:fld>
             <a:endParaRPr lang="en-US" dirty="0"/>
           </a:p>
@@ -17845,7 +18748,7 @@
 </p:sld>
 </file>
 
-<file path=ppt/slides/slide27.xml><?xml version="1.0" encoding="utf-8"?>
+<file path=ppt/slides/slide28.xml><?xml version="1.0" encoding="utf-8"?>
 <p:sld xmlns:a="http://schemas.openxmlformats.org/drawingml/2006/main" xmlns:r="http://schemas.openxmlformats.org/officeDocument/2006/relationships" xmlns:p="http://schemas.openxmlformats.org/presentationml/2006/main">
   <p:cSld>
     <p:spTree>
@@ -17947,7 +18850,7 @@
           <a:p>
             <a:fld id="{8A2B06E4-34D2-4DD4-ABFF-9F74AC2B18B5}" type="slidenum">
               <a:rPr lang="en-US" smtClean="0"/>
-              <a:t>27</a:t>
+              <a:t>28</a:t>
             </a:fld>
             <a:endParaRPr lang="en-US" dirty="0"/>
           </a:p>
@@ -18026,7 +18929,7 @@
 </p:sld>
 </file>
 
-<file path=ppt/slides/slide28.xml><?xml version="1.0" encoding="utf-8"?>
+<file path=ppt/slides/slide29.xml><?xml version="1.0" encoding="utf-8"?>
 <p:sld xmlns:a="http://schemas.openxmlformats.org/drawingml/2006/main" xmlns:r="http://schemas.openxmlformats.org/officeDocument/2006/relationships" xmlns:p="http://schemas.openxmlformats.org/presentationml/2006/main">
   <p:cSld>
     <p:spTree>
@@ -18123,7 +19026,7 @@
           <a:p>
             <a:fld id="{8A2B06E4-34D2-4DD4-ABFF-9F74AC2B18B5}" type="slidenum">
               <a:rPr lang="en-US" smtClean="0"/>
-              <a:t>28</a:t>
+              <a:t>29</a:t>
             </a:fld>
             <a:endParaRPr lang="en-US" dirty="0"/>
           </a:p>
@@ -18172,7 +19075,7 @@
 </p:sld>
 </file>
 
-<file path=ppt/slides/slide29.xml><?xml version="1.0" encoding="utf-8"?>
+<file path=ppt/slides/slide3.xml><?xml version="1.0" encoding="utf-8"?>
 <p:sld xmlns:a="http://schemas.openxmlformats.org/drawingml/2006/main" xmlns:r="http://schemas.openxmlformats.org/officeDocument/2006/relationships" xmlns:p="http://schemas.openxmlformats.org/presentationml/2006/main">
   <p:cSld>
     <p:spTree>
@@ -18194,7 +19097,7 @@
           <p:cNvPr id="2" name="Title 1">
             <a:extLst>
               <a:ext uri="{FF2B5EF4-FFF2-40B4-BE49-F238E27FC236}">
-                <a16:creationId xmlns:a16="http://schemas.microsoft.com/office/drawing/2014/main" id="{B0ACDDE9-14E8-4FC2-512C-6429588613AC}"/>
+                <a16:creationId xmlns:a16="http://schemas.microsoft.com/office/drawing/2014/main" id="{1289579A-CEBF-C138-F0B5-0A7EE6580E03}"/>
               </a:ext>
             </a:extLst>
           </p:cNvPr>
@@ -18211,13 +19114,34 @@
           <a:lstStyle/>
           <a:p>
             <a:r>
-              <a:rPr lang="en-US" dirty="0" err="1"/>
-              <a:t>sva</a:t>
-            </a:r>
-            <a:r>
               <a:rPr lang="en-US" dirty="0"/>
-              <a:t> introduction</a:t>
-            </a:r>
+              <a:t>lab41</a:t>
+            </a:r>
+          </a:p>
+        </p:txBody>
+      </p:sp>
+      <p:sp>
+        <p:nvSpPr>
+          <p:cNvPr id="3" name="Content Placeholder 2">
+            <a:extLst>
+              <a:ext uri="{FF2B5EF4-FFF2-40B4-BE49-F238E27FC236}">
+                <a16:creationId xmlns:a16="http://schemas.microsoft.com/office/drawing/2014/main" id="{777760B2-66C3-FF25-3450-3FD04689205D}"/>
+              </a:ext>
+            </a:extLst>
+          </p:cNvPr>
+          <p:cNvSpPr>
+            <a:spLocks noGrp="1"/>
+          </p:cNvSpPr>
+          <p:nvPr>
+            <p:ph idx="1"/>
+          </p:nvPr>
+        </p:nvSpPr>
+        <p:spPr/>
+        <p:txBody>
+          <a:bodyPr/>
+          <a:lstStyle/>
+          <a:p>
+            <a:endParaRPr lang="en-US"/>
           </a:p>
         </p:txBody>
       </p:sp>
@@ -18226,7 +19150,7 @@
           <p:cNvPr id="4" name="Slide Number Placeholder 3">
             <a:extLst>
               <a:ext uri="{FF2B5EF4-FFF2-40B4-BE49-F238E27FC236}">
-                <a16:creationId xmlns:a16="http://schemas.microsoft.com/office/drawing/2014/main" id="{7DD44BDC-6127-E796-C787-2F6EF654F887}"/>
+                <a16:creationId xmlns:a16="http://schemas.microsoft.com/office/drawing/2014/main" id="{210541DA-4368-4E0E-B5DB-059D15F02063}"/>
               </a:ext>
             </a:extLst>
           </p:cNvPr>
@@ -18244,7 +19168,98 @@
           <a:p>
             <a:fld id="{8A2B06E4-34D2-4DD4-ABFF-9F74AC2B18B5}" type="slidenum">
               <a:rPr lang="en-US" smtClean="0"/>
-              <a:t>29</a:t>
+              <a:t>3</a:t>
+            </a:fld>
+            <a:endParaRPr lang="en-US" dirty="0"/>
+          </a:p>
+        </p:txBody>
+      </p:sp>
+    </p:spTree>
+    <p:extLst>
+      <p:ext uri="{BB962C8B-B14F-4D97-AF65-F5344CB8AC3E}">
+        <p14:creationId xmlns:p14="http://schemas.microsoft.com/office/powerpoint/2010/main" val="2087570807"/>
+      </p:ext>
+    </p:extLst>
+  </p:cSld>
+  <p:clrMapOvr>
+    <a:masterClrMapping/>
+  </p:clrMapOvr>
+</p:sld>
+</file>
+
+<file path=ppt/slides/slide30.xml><?xml version="1.0" encoding="utf-8"?>
+<p:sld xmlns:a="http://schemas.openxmlformats.org/drawingml/2006/main" xmlns:r="http://schemas.openxmlformats.org/officeDocument/2006/relationships" xmlns:p="http://schemas.openxmlformats.org/presentationml/2006/main">
+  <p:cSld>
+    <p:spTree>
+      <p:nvGrpSpPr>
+        <p:cNvPr id="1" name=""/>
+        <p:cNvGrpSpPr/>
+        <p:nvPr/>
+      </p:nvGrpSpPr>
+      <p:grpSpPr>
+        <a:xfrm>
+          <a:off x="0" y="0"/>
+          <a:ext cx="0" cy="0"/>
+          <a:chOff x="0" y="0"/>
+          <a:chExt cx="0" cy="0"/>
+        </a:xfrm>
+      </p:grpSpPr>
+      <p:sp>
+        <p:nvSpPr>
+          <p:cNvPr id="2" name="Title 1">
+            <a:extLst>
+              <a:ext uri="{FF2B5EF4-FFF2-40B4-BE49-F238E27FC236}">
+                <a16:creationId xmlns:a16="http://schemas.microsoft.com/office/drawing/2014/main" id="{B0ACDDE9-14E8-4FC2-512C-6429588613AC}"/>
+              </a:ext>
+            </a:extLst>
+          </p:cNvPr>
+          <p:cNvSpPr>
+            <a:spLocks noGrp="1"/>
+          </p:cNvSpPr>
+          <p:nvPr>
+            <p:ph type="title"/>
+          </p:nvPr>
+        </p:nvSpPr>
+        <p:spPr/>
+        <p:txBody>
+          <a:bodyPr/>
+          <a:lstStyle/>
+          <a:p>
+            <a:r>
+              <a:rPr lang="en-US" dirty="0" err="1"/>
+              <a:t>sva</a:t>
+            </a:r>
+            <a:r>
+              <a:rPr lang="en-US" dirty="0"/>
+              <a:t> introduction</a:t>
+            </a:r>
+          </a:p>
+        </p:txBody>
+      </p:sp>
+      <p:sp>
+        <p:nvSpPr>
+          <p:cNvPr id="4" name="Slide Number Placeholder 3">
+            <a:extLst>
+              <a:ext uri="{FF2B5EF4-FFF2-40B4-BE49-F238E27FC236}">
+                <a16:creationId xmlns:a16="http://schemas.microsoft.com/office/drawing/2014/main" id="{7DD44BDC-6127-E796-C787-2F6EF654F887}"/>
+              </a:ext>
+            </a:extLst>
+          </p:cNvPr>
+          <p:cNvSpPr>
+            <a:spLocks noGrp="1"/>
+          </p:cNvSpPr>
+          <p:nvPr>
+            <p:ph type="sldNum" sz="quarter" idx="12"/>
+          </p:nvPr>
+        </p:nvSpPr>
+        <p:spPr/>
+        <p:txBody>
+          <a:bodyPr/>
+          <a:lstStyle/>
+          <a:p>
+            <a:fld id="{8A2B06E4-34D2-4DD4-ABFF-9F74AC2B18B5}" type="slidenum">
+              <a:rPr lang="en-US" smtClean="0"/>
+              <a:t>30</a:t>
             </a:fld>
             <a:endParaRPr lang="en-US" dirty="0"/>
           </a:p>
@@ -18681,227 +19696,6 @@
 </p:sld>
 </file>
 
-<file path=ppt/slides/slide3.xml><?xml version="1.0" encoding="utf-8"?>
-<p:sld xmlns:a="http://schemas.openxmlformats.org/drawingml/2006/main" xmlns:r="http://schemas.openxmlformats.org/officeDocument/2006/relationships" xmlns:p="http://schemas.openxmlformats.org/presentationml/2006/main">
-  <p:cSld>
-    <p:spTree>
-      <p:nvGrpSpPr>
-        <p:cNvPr id="1" name=""/>
-        <p:cNvGrpSpPr/>
-        <p:nvPr/>
-      </p:nvGrpSpPr>
-      <p:grpSpPr>
-        <a:xfrm>
-          <a:off x="0" y="0"/>
-          <a:ext cx="0" cy="0"/>
-          <a:chOff x="0" y="0"/>
-          <a:chExt cx="0" cy="0"/>
-        </a:xfrm>
-      </p:grpSpPr>
-      <p:sp>
-        <p:nvSpPr>
-          <p:cNvPr id="2" name="Title 1">
-            <a:extLst>
-              <a:ext uri="{FF2B5EF4-FFF2-40B4-BE49-F238E27FC236}">
-                <a16:creationId xmlns:a16="http://schemas.microsoft.com/office/drawing/2014/main" id="{1289579A-CEBF-C138-F0B5-0A7EE6580E03}"/>
-              </a:ext>
-            </a:extLst>
-          </p:cNvPr>
-          <p:cNvSpPr>
-            <a:spLocks noGrp="1"/>
-          </p:cNvSpPr>
-          <p:nvPr>
-            <p:ph type="title"/>
-          </p:nvPr>
-        </p:nvSpPr>
-        <p:spPr/>
-        <p:txBody>
-          <a:bodyPr/>
-          <a:lstStyle/>
-          <a:p>
-            <a:r>
-              <a:rPr lang="en-US" dirty="0"/>
-              <a:t>lab41</a:t>
-            </a:r>
-          </a:p>
-        </p:txBody>
-      </p:sp>
-      <p:sp>
-        <p:nvSpPr>
-          <p:cNvPr id="3" name="Content Placeholder 2">
-            <a:extLst>
-              <a:ext uri="{FF2B5EF4-FFF2-40B4-BE49-F238E27FC236}">
-                <a16:creationId xmlns:a16="http://schemas.microsoft.com/office/drawing/2014/main" id="{777760B2-66C3-FF25-3450-3FD04689205D}"/>
-              </a:ext>
-            </a:extLst>
-          </p:cNvPr>
-          <p:cNvSpPr>
-            <a:spLocks noGrp="1"/>
-          </p:cNvSpPr>
-          <p:nvPr>
-            <p:ph idx="1"/>
-          </p:nvPr>
-        </p:nvSpPr>
-        <p:spPr/>
-        <p:txBody>
-          <a:bodyPr/>
-          <a:lstStyle/>
-          <a:p>
-            <a:endParaRPr lang="en-US"/>
-          </a:p>
-        </p:txBody>
-      </p:sp>
-      <p:sp>
-        <p:nvSpPr>
-          <p:cNvPr id="4" name="Slide Number Placeholder 3">
-            <a:extLst>
-              <a:ext uri="{FF2B5EF4-FFF2-40B4-BE49-F238E27FC236}">
-                <a16:creationId xmlns:a16="http://schemas.microsoft.com/office/drawing/2014/main" id="{210541DA-4368-4E0E-B5DB-059D15F02063}"/>
-              </a:ext>
-            </a:extLst>
-          </p:cNvPr>
-          <p:cNvSpPr>
-            <a:spLocks noGrp="1"/>
-          </p:cNvSpPr>
-          <p:nvPr>
-            <p:ph type="sldNum" sz="quarter" idx="12"/>
-          </p:nvPr>
-        </p:nvSpPr>
-        <p:spPr/>
-        <p:txBody>
-          <a:bodyPr/>
-          <a:lstStyle/>
-          <a:p>
-            <a:fld id="{8A2B06E4-34D2-4DD4-ABFF-9F74AC2B18B5}" type="slidenum">
-              <a:rPr lang="en-US" smtClean="0"/>
-              <a:t>3</a:t>
-            </a:fld>
-            <a:endParaRPr lang="en-US" dirty="0"/>
-          </a:p>
-        </p:txBody>
-      </p:sp>
-    </p:spTree>
-    <p:extLst>
-      <p:ext uri="{BB962C8B-B14F-4D97-AF65-F5344CB8AC3E}">
-        <p14:creationId xmlns:p14="http://schemas.microsoft.com/office/powerpoint/2010/main" val="2087570807"/>
-      </p:ext>
-    </p:extLst>
-  </p:cSld>
-  <p:clrMapOvr>
-    <a:masterClrMapping/>
-  </p:clrMapOvr>
-</p:sld>
-</file>
-
-<file path=ppt/slides/slide30.xml><?xml version="1.0" encoding="utf-8"?>
-<p:sld xmlns:a="http://schemas.openxmlformats.org/drawingml/2006/main" xmlns:r="http://schemas.openxmlformats.org/officeDocument/2006/relationships" xmlns:p="http://schemas.openxmlformats.org/presentationml/2006/main">
-  <p:cSld>
-    <p:spTree>
-      <p:nvGrpSpPr>
-        <p:cNvPr id="1" name=""/>
-        <p:cNvGrpSpPr/>
-        <p:nvPr/>
-      </p:nvGrpSpPr>
-      <p:grpSpPr>
-        <a:xfrm>
-          <a:off x="0" y="0"/>
-          <a:ext cx="0" cy="0"/>
-          <a:chOff x="0" y="0"/>
-          <a:chExt cx="0" cy="0"/>
-        </a:xfrm>
-      </p:grpSpPr>
-      <p:sp>
-        <p:nvSpPr>
-          <p:cNvPr id="2" name="Title 1">
-            <a:extLst>
-              <a:ext uri="{FF2B5EF4-FFF2-40B4-BE49-F238E27FC236}">
-                <a16:creationId xmlns:a16="http://schemas.microsoft.com/office/drawing/2014/main" id="{215738EF-D22B-79F6-41D8-44F71310141D}"/>
-              </a:ext>
-            </a:extLst>
-          </p:cNvPr>
-          <p:cNvSpPr>
-            <a:spLocks noGrp="1"/>
-          </p:cNvSpPr>
-          <p:nvPr>
-            <p:ph type="title"/>
-          </p:nvPr>
-        </p:nvSpPr>
-        <p:spPr/>
-        <p:txBody>
-          <a:bodyPr/>
-          <a:lstStyle/>
-          <a:p>
-            <a:endParaRPr lang="en-US"/>
-          </a:p>
-        </p:txBody>
-      </p:sp>
-      <p:sp>
-        <p:nvSpPr>
-          <p:cNvPr id="3" name="Content Placeholder 2">
-            <a:extLst>
-              <a:ext uri="{FF2B5EF4-FFF2-40B4-BE49-F238E27FC236}">
-                <a16:creationId xmlns:a16="http://schemas.microsoft.com/office/drawing/2014/main" id="{B330B9E8-5257-7E1E-6016-200994D3941D}"/>
-              </a:ext>
-            </a:extLst>
-          </p:cNvPr>
-          <p:cNvSpPr>
-            <a:spLocks noGrp="1"/>
-          </p:cNvSpPr>
-          <p:nvPr>
-            <p:ph idx="1"/>
-          </p:nvPr>
-        </p:nvSpPr>
-        <p:spPr/>
-        <p:txBody>
-          <a:bodyPr/>
-          <a:lstStyle/>
-          <a:p>
-            <a:endParaRPr lang="en-US"/>
-          </a:p>
-        </p:txBody>
-      </p:sp>
-      <p:sp>
-        <p:nvSpPr>
-          <p:cNvPr id="4" name="Slide Number Placeholder 3">
-            <a:extLst>
-              <a:ext uri="{FF2B5EF4-FFF2-40B4-BE49-F238E27FC236}">
-                <a16:creationId xmlns:a16="http://schemas.microsoft.com/office/drawing/2014/main" id="{38FC1EB7-2B79-F3C9-3E2F-B08A085925CE}"/>
-              </a:ext>
-            </a:extLst>
-          </p:cNvPr>
-          <p:cNvSpPr>
-            <a:spLocks noGrp="1"/>
-          </p:cNvSpPr>
-          <p:nvPr>
-            <p:ph type="sldNum" sz="quarter" idx="12"/>
-          </p:nvPr>
-        </p:nvSpPr>
-        <p:spPr/>
-        <p:txBody>
-          <a:bodyPr/>
-          <a:lstStyle/>
-          <a:p>
-            <a:fld id="{8A2B06E4-34D2-4DD4-ABFF-9F74AC2B18B5}" type="slidenum">
-              <a:rPr lang="en-US" smtClean="0"/>
-              <a:t>30</a:t>
-            </a:fld>
-            <a:endParaRPr lang="en-US" dirty="0"/>
-          </a:p>
-        </p:txBody>
-      </p:sp>
-    </p:spTree>
-    <p:extLst>
-      <p:ext uri="{BB962C8B-B14F-4D97-AF65-F5344CB8AC3E}">
-        <p14:creationId xmlns:p14="http://schemas.microsoft.com/office/powerpoint/2010/main" val="3322072056"/>
-      </p:ext>
-    </p:extLst>
-  </p:cSld>
-  <p:clrMapOvr>
-    <a:masterClrMapping/>
-  </p:clrMapOvr>
-</p:sld>
-</file>
-
 <file path=ppt/slides/slide31.xml><?xml version="1.0" encoding="utf-8"?>
 <p:sld xmlns:a="http://schemas.openxmlformats.org/drawingml/2006/main" xmlns:r="http://schemas.openxmlformats.org/officeDocument/2006/relationships" xmlns:p="http://schemas.openxmlformats.org/presentationml/2006/main">
   <p:cSld>
@@ -18924,6 +19718,115 @@
           <p:cNvPr id="2" name="Title 1">
             <a:extLst>
               <a:ext uri="{FF2B5EF4-FFF2-40B4-BE49-F238E27FC236}">
+                <a16:creationId xmlns:a16="http://schemas.microsoft.com/office/drawing/2014/main" id="{215738EF-D22B-79F6-41D8-44F71310141D}"/>
+              </a:ext>
+            </a:extLst>
+          </p:cNvPr>
+          <p:cNvSpPr>
+            <a:spLocks noGrp="1"/>
+          </p:cNvSpPr>
+          <p:nvPr>
+            <p:ph type="title"/>
+          </p:nvPr>
+        </p:nvSpPr>
+        <p:spPr/>
+        <p:txBody>
+          <a:bodyPr/>
+          <a:lstStyle/>
+          <a:p>
+            <a:endParaRPr lang="en-US"/>
+          </a:p>
+        </p:txBody>
+      </p:sp>
+      <p:sp>
+        <p:nvSpPr>
+          <p:cNvPr id="3" name="Content Placeholder 2">
+            <a:extLst>
+              <a:ext uri="{FF2B5EF4-FFF2-40B4-BE49-F238E27FC236}">
+                <a16:creationId xmlns:a16="http://schemas.microsoft.com/office/drawing/2014/main" id="{B330B9E8-5257-7E1E-6016-200994D3941D}"/>
+              </a:ext>
+            </a:extLst>
+          </p:cNvPr>
+          <p:cNvSpPr>
+            <a:spLocks noGrp="1"/>
+          </p:cNvSpPr>
+          <p:nvPr>
+            <p:ph idx="1"/>
+          </p:nvPr>
+        </p:nvSpPr>
+        <p:spPr/>
+        <p:txBody>
+          <a:bodyPr/>
+          <a:lstStyle/>
+          <a:p>
+            <a:endParaRPr lang="en-US"/>
+          </a:p>
+        </p:txBody>
+      </p:sp>
+      <p:sp>
+        <p:nvSpPr>
+          <p:cNvPr id="4" name="Slide Number Placeholder 3">
+            <a:extLst>
+              <a:ext uri="{FF2B5EF4-FFF2-40B4-BE49-F238E27FC236}">
+                <a16:creationId xmlns:a16="http://schemas.microsoft.com/office/drawing/2014/main" id="{38FC1EB7-2B79-F3C9-3E2F-B08A085925CE}"/>
+              </a:ext>
+            </a:extLst>
+          </p:cNvPr>
+          <p:cNvSpPr>
+            <a:spLocks noGrp="1"/>
+          </p:cNvSpPr>
+          <p:nvPr>
+            <p:ph type="sldNum" sz="quarter" idx="12"/>
+          </p:nvPr>
+        </p:nvSpPr>
+        <p:spPr/>
+        <p:txBody>
+          <a:bodyPr/>
+          <a:lstStyle/>
+          <a:p>
+            <a:fld id="{8A2B06E4-34D2-4DD4-ABFF-9F74AC2B18B5}" type="slidenum">
+              <a:rPr lang="en-US" smtClean="0"/>
+              <a:t>31</a:t>
+            </a:fld>
+            <a:endParaRPr lang="en-US" dirty="0"/>
+          </a:p>
+        </p:txBody>
+      </p:sp>
+    </p:spTree>
+    <p:extLst>
+      <p:ext uri="{BB962C8B-B14F-4D97-AF65-F5344CB8AC3E}">
+        <p14:creationId xmlns:p14="http://schemas.microsoft.com/office/powerpoint/2010/main" val="3322072056"/>
+      </p:ext>
+    </p:extLst>
+  </p:cSld>
+  <p:clrMapOvr>
+    <a:masterClrMapping/>
+  </p:clrMapOvr>
+</p:sld>
+</file>
+
+<file path=ppt/slides/slide32.xml><?xml version="1.0" encoding="utf-8"?>
+<p:sld xmlns:a="http://schemas.openxmlformats.org/drawingml/2006/main" xmlns:r="http://schemas.openxmlformats.org/officeDocument/2006/relationships" xmlns:p="http://schemas.openxmlformats.org/presentationml/2006/main">
+  <p:cSld>
+    <p:spTree>
+      <p:nvGrpSpPr>
+        <p:cNvPr id="1" name=""/>
+        <p:cNvGrpSpPr/>
+        <p:nvPr/>
+      </p:nvGrpSpPr>
+      <p:grpSpPr>
+        <a:xfrm>
+          <a:off x="0" y="0"/>
+          <a:ext cx="0" cy="0"/>
+          <a:chOff x="0" y="0"/>
+          <a:chExt cx="0" cy="0"/>
+        </a:xfrm>
+      </p:grpSpPr>
+      <p:sp>
+        <p:nvSpPr>
+          <p:cNvPr id="2" name="Title 1">
+            <a:extLst>
+              <a:ext uri="{FF2B5EF4-FFF2-40B4-BE49-F238E27FC236}">
                 <a16:creationId xmlns:a16="http://schemas.microsoft.com/office/drawing/2014/main" id="{0AEB7B77-FA10-C46A-0CC0-5C6DA2DB31EB}"/>
               </a:ext>
             </a:extLst>
@@ -19014,7 +19917,7 @@
           <a:p>
             <a:fld id="{8A2B06E4-34D2-4DD4-ABFF-9F74AC2B18B5}" type="slidenum">
               <a:rPr lang="en-US" smtClean="0"/>
-              <a:t>31</a:t>
+              <a:t>32</a:t>
             </a:fld>
             <a:endParaRPr lang="en-US" dirty="0"/>
           </a:p>
@@ -19123,7 +20026,7 @@
 </p:sld>
 </file>
 
-<file path=ppt/slides/slide32.xml><?xml version="1.0" encoding="utf-8"?>
+<file path=ppt/slides/slide33.xml><?xml version="1.0" encoding="utf-8"?>
 <p:sld xmlns:a="http://schemas.openxmlformats.org/drawingml/2006/main" xmlns:r="http://schemas.openxmlformats.org/officeDocument/2006/relationships" xmlns:p="http://schemas.openxmlformats.org/presentationml/2006/main">
   <p:cSld>
     <p:spTree>
@@ -19163,7 +20066,7 @@
           <a:p>
             <a:fld id="{8A2B06E4-34D2-4DD4-ABFF-9F74AC2B18B5}" type="slidenum">
               <a:rPr lang="en-US" smtClean="0"/>
-              <a:t>32</a:t>
+              <a:t>33</a:t>
             </a:fld>
             <a:endParaRPr lang="en-US" dirty="0"/>
           </a:p>
@@ -19241,7 +20144,7 @@
 </p:sld>
 </file>
 
-<file path=ppt/slides/slide33.xml><?xml version="1.0" encoding="utf-8"?>
+<file path=ppt/slides/slide34.xml><?xml version="1.0" encoding="utf-8"?>
 <p:sld xmlns:a="http://schemas.openxmlformats.org/drawingml/2006/main" xmlns:r="http://schemas.openxmlformats.org/officeDocument/2006/relationships" xmlns:p="http://schemas.openxmlformats.org/presentationml/2006/main">
   <p:cSld>
     <p:spTree>
@@ -19337,7 +20240,7 @@
           <a:p>
             <a:fld id="{8A2B06E4-34D2-4DD4-ABFF-9F74AC2B18B5}" type="slidenum">
               <a:rPr lang="en-US" smtClean="0"/>
-              <a:t>33</a:t>
+              <a:t>34</a:t>
             </a:fld>
             <a:endParaRPr lang="en-US" dirty="0"/>
           </a:p>
@@ -19446,7 +20349,7 @@
 </p:sld>
 </file>
 
-<file path=ppt/slides/slide34.xml><?xml version="1.0" encoding="utf-8"?>
+<file path=ppt/slides/slide35.xml><?xml version="1.0" encoding="utf-8"?>
 <p:sld xmlns:a="http://schemas.openxmlformats.org/drawingml/2006/main" xmlns:r="http://schemas.openxmlformats.org/officeDocument/2006/relationships" xmlns:p="http://schemas.openxmlformats.org/presentationml/2006/main">
   <p:cSld>
     <p:spTree>
@@ -19514,7 +20417,7 @@
           <a:p>
             <a:fld id="{8A2B06E4-34D2-4DD4-ABFF-9F74AC2B18B5}" type="slidenum">
               <a:rPr lang="en-US" smtClean="0"/>
-              <a:t>34</a:t>
+              <a:t>35</a:t>
             </a:fld>
             <a:endParaRPr lang="en-US" dirty="0"/>
           </a:p>
@@ -19828,7 +20731,7 @@
 </p:sld>
 </file>
 
-<file path=ppt/slides/slide35.xml><?xml version="1.0" encoding="utf-8"?>
+<file path=ppt/slides/slide36.xml><?xml version="1.0" encoding="utf-8"?>
 <p:sld xmlns:a="http://schemas.openxmlformats.org/drawingml/2006/main" xmlns:r="http://schemas.openxmlformats.org/officeDocument/2006/relationships" xmlns:p="http://schemas.openxmlformats.org/presentationml/2006/main">
   <p:cSld>
     <p:spTree>
@@ -19896,7 +20799,7 @@
           <a:p>
             <a:fld id="{8A2B06E4-34D2-4DD4-ABFF-9F74AC2B18B5}" type="slidenum">
               <a:rPr lang="en-US" smtClean="0"/>
-              <a:t>35</a:t>
+              <a:t>36</a:t>
             </a:fld>
             <a:endParaRPr lang="en-US" dirty="0"/>
           </a:p>
@@ -20241,7 +21144,7 @@
 </p:sld>
 </file>
 
-<file path=ppt/slides/slide36.xml><?xml version="1.0" encoding="utf-8"?>
+<file path=ppt/slides/slide37.xml><?xml version="1.0" encoding="utf-8"?>
 <p:sld xmlns:a="http://schemas.openxmlformats.org/drawingml/2006/main" xmlns:r="http://schemas.openxmlformats.org/officeDocument/2006/relationships" xmlns:p="http://schemas.openxmlformats.org/presentationml/2006/main">
   <p:cSld>
     <p:spTree>
@@ -20342,7 +21245,7 @@
           <a:p>
             <a:fld id="{8A2B06E4-34D2-4DD4-ABFF-9F74AC2B18B5}" type="slidenum">
               <a:rPr lang="en-US" smtClean="0"/>
-              <a:t>36</a:t>
+              <a:t>37</a:t>
             </a:fld>
             <a:endParaRPr lang="en-US" dirty="0"/>
           </a:p>
@@ -20849,7 +21752,7 @@
 </p:sld>
 </file>
 
-<file path=ppt/slides/slide37.xml><?xml version="1.0" encoding="utf-8"?>
+<file path=ppt/slides/slide38.xml><?xml version="1.0" encoding="utf-8"?>
 <p:sld xmlns:a="http://schemas.openxmlformats.org/drawingml/2006/main" xmlns:r="http://schemas.openxmlformats.org/officeDocument/2006/relationships" xmlns:p="http://schemas.openxmlformats.org/presentationml/2006/main">
   <p:cSld>
     <p:spTree>
@@ -20946,7 +21849,7 @@
           <a:p>
             <a:fld id="{8A2B06E4-34D2-4DD4-ABFF-9F74AC2B18B5}" type="slidenum">
               <a:rPr lang="en-US" smtClean="0"/>
-              <a:t>37</a:t>
+              <a:t>38</a:t>
             </a:fld>
             <a:endParaRPr lang="en-US" dirty="0"/>
           </a:p>
@@ -21439,862 +22342,6 @@
     <p:extLst>
       <p:ext uri="{BB962C8B-B14F-4D97-AF65-F5344CB8AC3E}">
         <p14:creationId xmlns:p14="http://schemas.microsoft.com/office/powerpoint/2010/main" val="3919686139"/>
-      </p:ext>
-    </p:extLst>
-  </p:cSld>
-  <p:clrMapOvr>
-    <a:masterClrMapping/>
-  </p:clrMapOvr>
-</p:sld>
-</file>
-
-<file path=ppt/slides/slide38.xml><?xml version="1.0" encoding="utf-8"?>
-<p:sld xmlns:a="http://schemas.openxmlformats.org/drawingml/2006/main" xmlns:r="http://schemas.openxmlformats.org/officeDocument/2006/relationships" xmlns:p="http://schemas.openxmlformats.org/presentationml/2006/main">
-  <p:cSld>
-    <p:spTree>
-      <p:nvGrpSpPr>
-        <p:cNvPr id="1" name=""/>
-        <p:cNvGrpSpPr/>
-        <p:nvPr/>
-      </p:nvGrpSpPr>
-      <p:grpSpPr>
-        <a:xfrm>
-          <a:off x="0" y="0"/>
-          <a:ext cx="0" cy="0"/>
-          <a:chOff x="0" y="0"/>
-          <a:chExt cx="0" cy="0"/>
-        </a:xfrm>
-      </p:grpSpPr>
-      <p:sp>
-        <p:nvSpPr>
-          <p:cNvPr id="2" name="Title 1">
-            <a:extLst>
-              <a:ext uri="{FF2B5EF4-FFF2-40B4-BE49-F238E27FC236}">
-                <a16:creationId xmlns:a16="http://schemas.microsoft.com/office/drawing/2014/main" id="{5F881FD3-5F13-3C2B-4417-420DB3202461}"/>
-              </a:ext>
-            </a:extLst>
-          </p:cNvPr>
-          <p:cNvSpPr>
-            <a:spLocks noGrp="1"/>
-          </p:cNvSpPr>
-          <p:nvPr>
-            <p:ph type="title"/>
-          </p:nvPr>
-        </p:nvSpPr>
-        <p:spPr/>
-        <p:txBody>
-          <a:bodyPr/>
-          <a:lstStyle/>
-          <a:p>
-            <a:r>
-              <a:rPr lang="en-US" dirty="0"/>
-              <a:t>lab09</a:t>
-            </a:r>
-          </a:p>
-        </p:txBody>
-      </p:sp>
-      <p:sp>
-        <p:nvSpPr>
-          <p:cNvPr id="3" name="Content Placeholder 2">
-            <a:extLst>
-              <a:ext uri="{FF2B5EF4-FFF2-40B4-BE49-F238E27FC236}">
-                <a16:creationId xmlns:a16="http://schemas.microsoft.com/office/drawing/2014/main" id="{C9E3DA7D-CF3B-971E-F419-BEDAC7C6869A}"/>
-              </a:ext>
-            </a:extLst>
-          </p:cNvPr>
-          <p:cNvSpPr>
-            <a:spLocks noGrp="1"/>
-          </p:cNvSpPr>
-          <p:nvPr>
-            <p:ph idx="1"/>
-          </p:nvPr>
-        </p:nvSpPr>
-        <p:spPr>
-          <a:xfrm>
-            <a:off x="590204" y="1064030"/>
-            <a:ext cx="3058518" cy="2601884"/>
-          </a:xfrm>
-        </p:spPr>
-        <p:txBody>
-          <a:bodyPr/>
-          <a:lstStyle/>
-          <a:p>
-            <a:r>
-              <a:rPr lang="en-US" dirty="0" err="1"/>
-              <a:t>verilog</a:t>
-            </a:r>
-            <a:endParaRPr lang="en-US" dirty="0"/>
-          </a:p>
-        </p:txBody>
-      </p:sp>
-      <p:sp>
-        <p:nvSpPr>
-          <p:cNvPr id="4" name="Slide Number Placeholder 3">
-            <a:extLst>
-              <a:ext uri="{FF2B5EF4-FFF2-40B4-BE49-F238E27FC236}">
-                <a16:creationId xmlns:a16="http://schemas.microsoft.com/office/drawing/2014/main" id="{323CBED7-26D9-2476-833B-76E80BDCCDF2}"/>
-              </a:ext>
-            </a:extLst>
-          </p:cNvPr>
-          <p:cNvSpPr>
-            <a:spLocks noGrp="1"/>
-          </p:cNvSpPr>
-          <p:nvPr>
-            <p:ph type="sldNum" sz="quarter" idx="12"/>
-          </p:nvPr>
-        </p:nvSpPr>
-        <p:spPr/>
-        <p:txBody>
-          <a:bodyPr/>
-          <a:lstStyle/>
-          <a:p>
-            <a:fld id="{8A2B06E4-34D2-4DD4-ABFF-9F74AC2B18B5}" type="slidenum">
-              <a:rPr lang="en-US" smtClean="0"/>
-              <a:t>38</a:t>
-            </a:fld>
-            <a:endParaRPr lang="en-US" dirty="0"/>
-          </a:p>
-        </p:txBody>
-      </p:sp>
-      <p:pic>
-        <p:nvPicPr>
-          <p:cNvPr id="6" name="Picture 5">
-            <a:extLst>
-              <a:ext uri="{FF2B5EF4-FFF2-40B4-BE49-F238E27FC236}">
-                <a16:creationId xmlns:a16="http://schemas.microsoft.com/office/drawing/2014/main" id="{B33452A6-CA57-6AE9-AB6E-8A8377687AE2}"/>
-              </a:ext>
-            </a:extLst>
-          </p:cNvPr>
-          <p:cNvPicPr>
-            <a:picLocks noChangeAspect="1"/>
-          </p:cNvPicPr>
-          <p:nvPr/>
-        </p:nvPicPr>
-        <p:blipFill>
-          <a:blip r:embed="rId2"/>
-          <a:stretch>
-            <a:fillRect/>
-          </a:stretch>
-        </p:blipFill>
-        <p:spPr>
-          <a:xfrm>
-            <a:off x="660919" y="1760924"/>
-            <a:ext cx="2644192" cy="4418144"/>
-          </a:xfrm>
-          <a:prstGeom prst="rect">
-            <a:avLst/>
-          </a:prstGeom>
-        </p:spPr>
-      </p:pic>
-      <p:sp>
-        <p:nvSpPr>
-          <p:cNvPr id="7" name="Content Placeholder 2">
-            <a:extLst>
-              <a:ext uri="{FF2B5EF4-FFF2-40B4-BE49-F238E27FC236}">
-                <a16:creationId xmlns:a16="http://schemas.microsoft.com/office/drawing/2014/main" id="{17D17AFA-9427-1D90-8EDD-A53998DD4F9E}"/>
-              </a:ext>
-            </a:extLst>
-          </p:cNvPr>
-          <p:cNvSpPr txBox="1">
-            <a:spLocks/>
-          </p:cNvSpPr>
-          <p:nvPr/>
-        </p:nvSpPr>
-        <p:spPr>
-          <a:xfrm>
-            <a:off x="4566741" y="1064030"/>
-            <a:ext cx="3058518" cy="480685"/>
-          </a:xfrm>
-          <a:prstGeom prst="rect">
-            <a:avLst/>
-          </a:prstGeom>
-        </p:spPr>
-        <p:txBody>
-          <a:bodyPr vert="horz" lIns="91440" tIns="45720" rIns="91440" bIns="45720" rtlCol="0">
-            <a:normAutofit/>
-          </a:bodyPr>
-          <a:lstStyle>
-            <a:lvl1pPr marL="228600" indent="-228600" algn="l" defTabSz="914400" rtl="0" eaLnBrk="1" latinLnBrk="0" hangingPunct="1">
-              <a:lnSpc>
-                <a:spcPct val="90000"/>
-              </a:lnSpc>
-              <a:spcBef>
-                <a:spcPts val="1000"/>
-              </a:spcBef>
-              <a:buFont typeface="Arial" panose="020B0604020202020204" pitchFamily="34" charset="0"/>
-              <a:buChar char="•"/>
-              <a:defRPr sz="1400" kern="1200">
-                <a:solidFill>
-                  <a:schemeClr val="tx1"/>
-                </a:solidFill>
-                <a:latin typeface="+mn-lt"/>
-                <a:ea typeface="+mn-ea"/>
-                <a:cs typeface="+mn-cs"/>
-              </a:defRPr>
-            </a:lvl1pPr>
-            <a:lvl2pPr marL="685800" indent="-228600" algn="l" defTabSz="914400" rtl="0" eaLnBrk="1" latinLnBrk="0" hangingPunct="1">
-              <a:lnSpc>
-                <a:spcPct val="90000"/>
-              </a:lnSpc>
-              <a:spcBef>
-                <a:spcPts val="500"/>
-              </a:spcBef>
-              <a:buFont typeface="Arial" panose="020B0604020202020204" pitchFamily="34" charset="0"/>
-              <a:buChar char="•"/>
-              <a:defRPr sz="1200" kern="1200">
-                <a:solidFill>
-                  <a:schemeClr val="tx1"/>
-                </a:solidFill>
-                <a:latin typeface="+mn-lt"/>
-                <a:ea typeface="+mn-ea"/>
-                <a:cs typeface="+mn-cs"/>
-              </a:defRPr>
-            </a:lvl2pPr>
-            <a:lvl3pPr marL="1143000" indent="-228600" algn="l" defTabSz="914400" rtl="0" eaLnBrk="1" latinLnBrk="0" hangingPunct="1">
-              <a:lnSpc>
-                <a:spcPct val="90000"/>
-              </a:lnSpc>
-              <a:spcBef>
-                <a:spcPts val="500"/>
-              </a:spcBef>
-              <a:buFont typeface="Arial" panose="020B0604020202020204" pitchFamily="34" charset="0"/>
-              <a:buChar char="•"/>
-              <a:defRPr sz="1200" kern="1200">
-                <a:solidFill>
-                  <a:schemeClr val="tx1"/>
-                </a:solidFill>
-                <a:latin typeface="+mn-lt"/>
-                <a:ea typeface="+mn-ea"/>
-                <a:cs typeface="+mn-cs"/>
-              </a:defRPr>
-            </a:lvl3pPr>
-            <a:lvl4pPr marL="1600200" indent="-228600" algn="l" defTabSz="914400" rtl="0" eaLnBrk="1" latinLnBrk="0" hangingPunct="1">
-              <a:lnSpc>
-                <a:spcPct val="90000"/>
-              </a:lnSpc>
-              <a:spcBef>
-                <a:spcPts val="500"/>
-              </a:spcBef>
-              <a:buFont typeface="Arial" panose="020B0604020202020204" pitchFamily="34" charset="0"/>
-              <a:buChar char="•"/>
-              <a:defRPr sz="1200" kern="1200">
-                <a:solidFill>
-                  <a:schemeClr val="tx1"/>
-                </a:solidFill>
-                <a:latin typeface="+mn-lt"/>
-                <a:ea typeface="+mn-ea"/>
-                <a:cs typeface="+mn-cs"/>
-              </a:defRPr>
-            </a:lvl4pPr>
-            <a:lvl5pPr marL="2057400" indent="-228600" algn="l" defTabSz="914400" rtl="0" eaLnBrk="1" latinLnBrk="0" hangingPunct="1">
-              <a:lnSpc>
-                <a:spcPct val="90000"/>
-              </a:lnSpc>
-              <a:spcBef>
-                <a:spcPts val="500"/>
-              </a:spcBef>
-              <a:buFont typeface="Arial" panose="020B0604020202020204" pitchFamily="34" charset="0"/>
-              <a:buChar char="•"/>
-              <a:defRPr sz="1200" kern="1200">
-                <a:solidFill>
-                  <a:schemeClr val="tx1"/>
-                </a:solidFill>
-                <a:latin typeface="+mn-lt"/>
-                <a:ea typeface="+mn-ea"/>
-                <a:cs typeface="+mn-cs"/>
-              </a:defRPr>
-            </a:lvl5pPr>
-            <a:lvl6pPr marL="2514600" indent="-228600" algn="l" defTabSz="914400" rtl="0" eaLnBrk="1" latinLnBrk="0" hangingPunct="1">
-              <a:lnSpc>
-                <a:spcPct val="90000"/>
-              </a:lnSpc>
-              <a:spcBef>
-                <a:spcPts val="500"/>
-              </a:spcBef>
-              <a:buFont typeface="Arial" panose="020B0604020202020204" pitchFamily="34" charset="0"/>
-              <a:buChar char="•"/>
-              <a:defRPr sz="1800" kern="1200">
-                <a:solidFill>
-                  <a:schemeClr val="tx1"/>
-                </a:solidFill>
-                <a:latin typeface="+mn-lt"/>
-                <a:ea typeface="+mn-ea"/>
-                <a:cs typeface="+mn-cs"/>
-              </a:defRPr>
-            </a:lvl6pPr>
-            <a:lvl7pPr marL="2971800" indent="-228600" algn="l" defTabSz="914400" rtl="0" eaLnBrk="1" latinLnBrk="0" hangingPunct="1">
-              <a:lnSpc>
-                <a:spcPct val="90000"/>
-              </a:lnSpc>
-              <a:spcBef>
-                <a:spcPts val="500"/>
-              </a:spcBef>
-              <a:buFont typeface="Arial" panose="020B0604020202020204" pitchFamily="34" charset="0"/>
-              <a:buChar char="•"/>
-              <a:defRPr sz="1800" kern="1200">
-                <a:solidFill>
-                  <a:schemeClr val="tx1"/>
-                </a:solidFill>
-                <a:latin typeface="+mn-lt"/>
-                <a:ea typeface="+mn-ea"/>
-                <a:cs typeface="+mn-cs"/>
-              </a:defRPr>
-            </a:lvl7pPr>
-            <a:lvl8pPr marL="3429000" indent="-228600" algn="l" defTabSz="914400" rtl="0" eaLnBrk="1" latinLnBrk="0" hangingPunct="1">
-              <a:lnSpc>
-                <a:spcPct val="90000"/>
-              </a:lnSpc>
-              <a:spcBef>
-                <a:spcPts val="500"/>
-              </a:spcBef>
-              <a:buFont typeface="Arial" panose="020B0604020202020204" pitchFamily="34" charset="0"/>
-              <a:buChar char="•"/>
-              <a:defRPr sz="1800" kern="1200">
-                <a:solidFill>
-                  <a:schemeClr val="tx1"/>
-                </a:solidFill>
-                <a:latin typeface="+mn-lt"/>
-                <a:ea typeface="+mn-ea"/>
-                <a:cs typeface="+mn-cs"/>
-              </a:defRPr>
-            </a:lvl8pPr>
-            <a:lvl9pPr marL="3886200" indent="-228600" algn="l" defTabSz="914400" rtl="0" eaLnBrk="1" latinLnBrk="0" hangingPunct="1">
-              <a:lnSpc>
-                <a:spcPct val="90000"/>
-              </a:lnSpc>
-              <a:spcBef>
-                <a:spcPts val="500"/>
-              </a:spcBef>
-              <a:buFont typeface="Arial" panose="020B0604020202020204" pitchFamily="34" charset="0"/>
-              <a:buChar char="•"/>
-              <a:defRPr sz="1800" kern="1200">
-                <a:solidFill>
-                  <a:schemeClr val="tx1"/>
-                </a:solidFill>
-                <a:latin typeface="+mn-lt"/>
-                <a:ea typeface="+mn-ea"/>
-                <a:cs typeface="+mn-cs"/>
-              </a:defRPr>
-            </a:lvl9pPr>
-          </a:lstStyle>
-          <a:p>
-            <a:r>
-              <a:rPr lang="en-US" dirty="0" err="1"/>
-              <a:t>systemverilog</a:t>
-            </a:r>
-            <a:endParaRPr lang="en-US" dirty="0"/>
-          </a:p>
-        </p:txBody>
-      </p:sp>
-      <p:sp>
-        <p:nvSpPr>
-          <p:cNvPr id="8" name="Content Placeholder 2">
-            <a:extLst>
-              <a:ext uri="{FF2B5EF4-FFF2-40B4-BE49-F238E27FC236}">
-                <a16:creationId xmlns:a16="http://schemas.microsoft.com/office/drawing/2014/main" id="{F4833448-CAB3-1E6D-A1FF-6E20D892A1E9}"/>
-              </a:ext>
-            </a:extLst>
-          </p:cNvPr>
-          <p:cNvSpPr txBox="1">
-            <a:spLocks/>
-          </p:cNvSpPr>
-          <p:nvPr/>
-        </p:nvSpPr>
-        <p:spPr>
-          <a:xfrm>
-            <a:off x="4566741" y="3524437"/>
-            <a:ext cx="3058518" cy="2601884"/>
-          </a:xfrm>
-          <a:prstGeom prst="rect">
-            <a:avLst/>
-          </a:prstGeom>
-        </p:spPr>
-        <p:txBody>
-          <a:bodyPr vert="horz" lIns="91440" tIns="45720" rIns="91440" bIns="45720" rtlCol="0">
-            <a:normAutofit/>
-          </a:bodyPr>
-          <a:lstStyle>
-            <a:lvl1pPr marL="228600" indent="-228600" algn="l" defTabSz="914400" rtl="0" eaLnBrk="1" latinLnBrk="0" hangingPunct="1">
-              <a:lnSpc>
-                <a:spcPct val="90000"/>
-              </a:lnSpc>
-              <a:spcBef>
-                <a:spcPts val="1000"/>
-              </a:spcBef>
-              <a:buFont typeface="Arial" panose="020B0604020202020204" pitchFamily="34" charset="0"/>
-              <a:buChar char="•"/>
-              <a:defRPr sz="1400" kern="1200">
-                <a:solidFill>
-                  <a:schemeClr val="tx1"/>
-                </a:solidFill>
-                <a:latin typeface="+mn-lt"/>
-                <a:ea typeface="+mn-ea"/>
-                <a:cs typeface="+mn-cs"/>
-              </a:defRPr>
-            </a:lvl1pPr>
-            <a:lvl2pPr marL="685800" indent="-228600" algn="l" defTabSz="914400" rtl="0" eaLnBrk="1" latinLnBrk="0" hangingPunct="1">
-              <a:lnSpc>
-                <a:spcPct val="90000"/>
-              </a:lnSpc>
-              <a:spcBef>
-                <a:spcPts val="500"/>
-              </a:spcBef>
-              <a:buFont typeface="Arial" panose="020B0604020202020204" pitchFamily="34" charset="0"/>
-              <a:buChar char="•"/>
-              <a:defRPr sz="1200" kern="1200">
-                <a:solidFill>
-                  <a:schemeClr val="tx1"/>
-                </a:solidFill>
-                <a:latin typeface="+mn-lt"/>
-                <a:ea typeface="+mn-ea"/>
-                <a:cs typeface="+mn-cs"/>
-              </a:defRPr>
-            </a:lvl2pPr>
-            <a:lvl3pPr marL="1143000" indent="-228600" algn="l" defTabSz="914400" rtl="0" eaLnBrk="1" latinLnBrk="0" hangingPunct="1">
-              <a:lnSpc>
-                <a:spcPct val="90000"/>
-              </a:lnSpc>
-              <a:spcBef>
-                <a:spcPts val="500"/>
-              </a:spcBef>
-              <a:buFont typeface="Arial" panose="020B0604020202020204" pitchFamily="34" charset="0"/>
-              <a:buChar char="•"/>
-              <a:defRPr sz="1200" kern="1200">
-                <a:solidFill>
-                  <a:schemeClr val="tx1"/>
-                </a:solidFill>
-                <a:latin typeface="+mn-lt"/>
-                <a:ea typeface="+mn-ea"/>
-                <a:cs typeface="+mn-cs"/>
-              </a:defRPr>
-            </a:lvl3pPr>
-            <a:lvl4pPr marL="1600200" indent="-228600" algn="l" defTabSz="914400" rtl="0" eaLnBrk="1" latinLnBrk="0" hangingPunct="1">
-              <a:lnSpc>
-                <a:spcPct val="90000"/>
-              </a:lnSpc>
-              <a:spcBef>
-                <a:spcPts val="500"/>
-              </a:spcBef>
-              <a:buFont typeface="Arial" panose="020B0604020202020204" pitchFamily="34" charset="0"/>
-              <a:buChar char="•"/>
-              <a:defRPr sz="1200" kern="1200">
-                <a:solidFill>
-                  <a:schemeClr val="tx1"/>
-                </a:solidFill>
-                <a:latin typeface="+mn-lt"/>
-                <a:ea typeface="+mn-ea"/>
-                <a:cs typeface="+mn-cs"/>
-              </a:defRPr>
-            </a:lvl4pPr>
-            <a:lvl5pPr marL="2057400" indent="-228600" algn="l" defTabSz="914400" rtl="0" eaLnBrk="1" latinLnBrk="0" hangingPunct="1">
-              <a:lnSpc>
-                <a:spcPct val="90000"/>
-              </a:lnSpc>
-              <a:spcBef>
-                <a:spcPts val="500"/>
-              </a:spcBef>
-              <a:buFont typeface="Arial" panose="020B0604020202020204" pitchFamily="34" charset="0"/>
-              <a:buChar char="•"/>
-              <a:defRPr sz="1200" kern="1200">
-                <a:solidFill>
-                  <a:schemeClr val="tx1"/>
-                </a:solidFill>
-                <a:latin typeface="+mn-lt"/>
-                <a:ea typeface="+mn-ea"/>
-                <a:cs typeface="+mn-cs"/>
-              </a:defRPr>
-            </a:lvl5pPr>
-            <a:lvl6pPr marL="2514600" indent="-228600" algn="l" defTabSz="914400" rtl="0" eaLnBrk="1" latinLnBrk="0" hangingPunct="1">
-              <a:lnSpc>
-                <a:spcPct val="90000"/>
-              </a:lnSpc>
-              <a:spcBef>
-                <a:spcPts val="500"/>
-              </a:spcBef>
-              <a:buFont typeface="Arial" panose="020B0604020202020204" pitchFamily="34" charset="0"/>
-              <a:buChar char="•"/>
-              <a:defRPr sz="1800" kern="1200">
-                <a:solidFill>
-                  <a:schemeClr val="tx1"/>
-                </a:solidFill>
-                <a:latin typeface="+mn-lt"/>
-                <a:ea typeface="+mn-ea"/>
-                <a:cs typeface="+mn-cs"/>
-              </a:defRPr>
-            </a:lvl6pPr>
-            <a:lvl7pPr marL="2971800" indent="-228600" algn="l" defTabSz="914400" rtl="0" eaLnBrk="1" latinLnBrk="0" hangingPunct="1">
-              <a:lnSpc>
-                <a:spcPct val="90000"/>
-              </a:lnSpc>
-              <a:spcBef>
-                <a:spcPts val="500"/>
-              </a:spcBef>
-              <a:buFont typeface="Arial" panose="020B0604020202020204" pitchFamily="34" charset="0"/>
-              <a:buChar char="•"/>
-              <a:defRPr sz="1800" kern="1200">
-                <a:solidFill>
-                  <a:schemeClr val="tx1"/>
-                </a:solidFill>
-                <a:latin typeface="+mn-lt"/>
-                <a:ea typeface="+mn-ea"/>
-                <a:cs typeface="+mn-cs"/>
-              </a:defRPr>
-            </a:lvl7pPr>
-            <a:lvl8pPr marL="3429000" indent="-228600" algn="l" defTabSz="914400" rtl="0" eaLnBrk="1" latinLnBrk="0" hangingPunct="1">
-              <a:lnSpc>
-                <a:spcPct val="90000"/>
-              </a:lnSpc>
-              <a:spcBef>
-                <a:spcPts val="500"/>
-              </a:spcBef>
-              <a:buFont typeface="Arial" panose="020B0604020202020204" pitchFamily="34" charset="0"/>
-              <a:buChar char="•"/>
-              <a:defRPr sz="1800" kern="1200">
-                <a:solidFill>
-                  <a:schemeClr val="tx1"/>
-                </a:solidFill>
-                <a:latin typeface="+mn-lt"/>
-                <a:ea typeface="+mn-ea"/>
-                <a:cs typeface="+mn-cs"/>
-              </a:defRPr>
-            </a:lvl8pPr>
-            <a:lvl9pPr marL="3886200" indent="-228600" algn="l" defTabSz="914400" rtl="0" eaLnBrk="1" latinLnBrk="0" hangingPunct="1">
-              <a:lnSpc>
-                <a:spcPct val="90000"/>
-              </a:lnSpc>
-              <a:spcBef>
-                <a:spcPts val="500"/>
-              </a:spcBef>
-              <a:buFont typeface="Arial" panose="020B0604020202020204" pitchFamily="34" charset="0"/>
-              <a:buChar char="•"/>
-              <a:defRPr sz="1800" kern="1200">
-                <a:solidFill>
-                  <a:schemeClr val="tx1"/>
-                </a:solidFill>
-                <a:latin typeface="+mn-lt"/>
-                <a:ea typeface="+mn-ea"/>
-                <a:cs typeface="+mn-cs"/>
-              </a:defRPr>
-            </a:lvl9pPr>
-          </a:lstStyle>
-          <a:p>
-            <a:r>
-              <a:rPr lang="en-US" dirty="0" err="1"/>
-              <a:t>always_</a:t>
-            </a:r>
-            <a:r>
-              <a:rPr lang="en-US" b="1" dirty="0" err="1"/>
-              <a:t>ff</a:t>
-            </a:r>
-            <a:r>
-              <a:rPr lang="en-US" dirty="0"/>
-              <a:t>@(posedge </a:t>
-            </a:r>
-            <a:r>
-              <a:rPr lang="en-US" dirty="0" err="1"/>
-              <a:t>clk</a:t>
-            </a:r>
-            <a:r>
-              <a:rPr lang="en-US" dirty="0"/>
-              <a:t>) begin</a:t>
-            </a:r>
-          </a:p>
-          <a:p>
-            <a:pPr lvl="1"/>
-            <a:r>
-              <a:rPr lang="en-US" dirty="0"/>
-              <a:t>…</a:t>
-            </a:r>
-          </a:p>
-          <a:p>
-            <a:r>
-              <a:rPr lang="en-US" dirty="0"/>
-              <a:t>end</a:t>
-            </a:r>
-          </a:p>
-          <a:p>
-            <a:endParaRPr lang="en-US" dirty="0"/>
-          </a:p>
-          <a:p>
-            <a:endParaRPr lang="en-US" dirty="0"/>
-          </a:p>
-          <a:p>
-            <a:r>
-              <a:rPr lang="en-US" dirty="0" err="1"/>
-              <a:t>always_</a:t>
-            </a:r>
-            <a:r>
-              <a:rPr lang="en-US" b="1" dirty="0" err="1"/>
-              <a:t>comb</a:t>
-            </a:r>
-            <a:r>
-              <a:rPr lang="en-US" dirty="0"/>
-              <a:t>@(a or b or c) begin</a:t>
-            </a:r>
-          </a:p>
-          <a:p>
-            <a:pPr lvl="1"/>
-            <a:r>
-              <a:rPr lang="en-US" dirty="0"/>
-              <a:t>out1 = a &amp; b &amp; c;</a:t>
-            </a:r>
-          </a:p>
-          <a:p>
-            <a:r>
-              <a:rPr lang="en-US" dirty="0"/>
-              <a:t>end</a:t>
-            </a:r>
-          </a:p>
-          <a:p>
-            <a:endParaRPr lang="en-US" dirty="0"/>
-          </a:p>
-        </p:txBody>
-      </p:sp>
-      <p:sp>
-        <p:nvSpPr>
-          <p:cNvPr id="9" name="Content Placeholder 2">
-            <a:extLst>
-              <a:ext uri="{FF2B5EF4-FFF2-40B4-BE49-F238E27FC236}">
-                <a16:creationId xmlns:a16="http://schemas.microsoft.com/office/drawing/2014/main" id="{2BC83A63-7D87-AD28-FD57-0BB3859E289E}"/>
-              </a:ext>
-            </a:extLst>
-          </p:cNvPr>
-          <p:cNvSpPr txBox="1">
-            <a:spLocks/>
-          </p:cNvSpPr>
-          <p:nvPr/>
-        </p:nvSpPr>
-        <p:spPr>
-          <a:xfrm>
-            <a:off x="8295282" y="3524437"/>
-            <a:ext cx="3058518" cy="2601884"/>
-          </a:xfrm>
-          <a:prstGeom prst="rect">
-            <a:avLst/>
-          </a:prstGeom>
-        </p:spPr>
-        <p:txBody>
-          <a:bodyPr vert="horz" lIns="91440" tIns="45720" rIns="91440" bIns="45720" rtlCol="0">
-            <a:normAutofit/>
-          </a:bodyPr>
-          <a:lstStyle>
-            <a:lvl1pPr marL="228600" indent="-228600" algn="l" defTabSz="914400" rtl="0" eaLnBrk="1" latinLnBrk="0" hangingPunct="1">
-              <a:lnSpc>
-                <a:spcPct val="90000"/>
-              </a:lnSpc>
-              <a:spcBef>
-                <a:spcPts val="1000"/>
-              </a:spcBef>
-              <a:buFont typeface="Arial" panose="020B0604020202020204" pitchFamily="34" charset="0"/>
-              <a:buChar char="•"/>
-              <a:defRPr sz="1400" kern="1200">
-                <a:solidFill>
-                  <a:schemeClr val="tx1"/>
-                </a:solidFill>
-                <a:latin typeface="+mn-lt"/>
-                <a:ea typeface="+mn-ea"/>
-                <a:cs typeface="+mn-cs"/>
-              </a:defRPr>
-            </a:lvl1pPr>
-            <a:lvl2pPr marL="685800" indent="-228600" algn="l" defTabSz="914400" rtl="0" eaLnBrk="1" latinLnBrk="0" hangingPunct="1">
-              <a:lnSpc>
-                <a:spcPct val="90000"/>
-              </a:lnSpc>
-              <a:spcBef>
-                <a:spcPts val="500"/>
-              </a:spcBef>
-              <a:buFont typeface="Arial" panose="020B0604020202020204" pitchFamily="34" charset="0"/>
-              <a:buChar char="•"/>
-              <a:defRPr sz="1200" kern="1200">
-                <a:solidFill>
-                  <a:schemeClr val="tx1"/>
-                </a:solidFill>
-                <a:latin typeface="+mn-lt"/>
-                <a:ea typeface="+mn-ea"/>
-                <a:cs typeface="+mn-cs"/>
-              </a:defRPr>
-            </a:lvl2pPr>
-            <a:lvl3pPr marL="1143000" indent="-228600" algn="l" defTabSz="914400" rtl="0" eaLnBrk="1" latinLnBrk="0" hangingPunct="1">
-              <a:lnSpc>
-                <a:spcPct val="90000"/>
-              </a:lnSpc>
-              <a:spcBef>
-                <a:spcPts val="500"/>
-              </a:spcBef>
-              <a:buFont typeface="Arial" panose="020B0604020202020204" pitchFamily="34" charset="0"/>
-              <a:buChar char="•"/>
-              <a:defRPr sz="1200" kern="1200">
-                <a:solidFill>
-                  <a:schemeClr val="tx1"/>
-                </a:solidFill>
-                <a:latin typeface="+mn-lt"/>
-                <a:ea typeface="+mn-ea"/>
-                <a:cs typeface="+mn-cs"/>
-              </a:defRPr>
-            </a:lvl3pPr>
-            <a:lvl4pPr marL="1600200" indent="-228600" algn="l" defTabSz="914400" rtl="0" eaLnBrk="1" latinLnBrk="0" hangingPunct="1">
-              <a:lnSpc>
-                <a:spcPct val="90000"/>
-              </a:lnSpc>
-              <a:spcBef>
-                <a:spcPts val="500"/>
-              </a:spcBef>
-              <a:buFont typeface="Arial" panose="020B0604020202020204" pitchFamily="34" charset="0"/>
-              <a:buChar char="•"/>
-              <a:defRPr sz="1200" kern="1200">
-                <a:solidFill>
-                  <a:schemeClr val="tx1"/>
-                </a:solidFill>
-                <a:latin typeface="+mn-lt"/>
-                <a:ea typeface="+mn-ea"/>
-                <a:cs typeface="+mn-cs"/>
-              </a:defRPr>
-            </a:lvl4pPr>
-            <a:lvl5pPr marL="2057400" indent="-228600" algn="l" defTabSz="914400" rtl="0" eaLnBrk="1" latinLnBrk="0" hangingPunct="1">
-              <a:lnSpc>
-                <a:spcPct val="90000"/>
-              </a:lnSpc>
-              <a:spcBef>
-                <a:spcPts val="500"/>
-              </a:spcBef>
-              <a:buFont typeface="Arial" panose="020B0604020202020204" pitchFamily="34" charset="0"/>
-              <a:buChar char="•"/>
-              <a:defRPr sz="1200" kern="1200">
-                <a:solidFill>
-                  <a:schemeClr val="tx1"/>
-                </a:solidFill>
-                <a:latin typeface="+mn-lt"/>
-                <a:ea typeface="+mn-ea"/>
-                <a:cs typeface="+mn-cs"/>
-              </a:defRPr>
-            </a:lvl5pPr>
-            <a:lvl6pPr marL="2514600" indent="-228600" algn="l" defTabSz="914400" rtl="0" eaLnBrk="1" latinLnBrk="0" hangingPunct="1">
-              <a:lnSpc>
-                <a:spcPct val="90000"/>
-              </a:lnSpc>
-              <a:spcBef>
-                <a:spcPts val="500"/>
-              </a:spcBef>
-              <a:buFont typeface="Arial" panose="020B0604020202020204" pitchFamily="34" charset="0"/>
-              <a:buChar char="•"/>
-              <a:defRPr sz="1800" kern="1200">
-                <a:solidFill>
-                  <a:schemeClr val="tx1"/>
-                </a:solidFill>
-                <a:latin typeface="+mn-lt"/>
-                <a:ea typeface="+mn-ea"/>
-                <a:cs typeface="+mn-cs"/>
-              </a:defRPr>
-            </a:lvl6pPr>
-            <a:lvl7pPr marL="2971800" indent="-228600" algn="l" defTabSz="914400" rtl="0" eaLnBrk="1" latinLnBrk="0" hangingPunct="1">
-              <a:lnSpc>
-                <a:spcPct val="90000"/>
-              </a:lnSpc>
-              <a:spcBef>
-                <a:spcPts val="500"/>
-              </a:spcBef>
-              <a:buFont typeface="Arial" panose="020B0604020202020204" pitchFamily="34" charset="0"/>
-              <a:buChar char="•"/>
-              <a:defRPr sz="1800" kern="1200">
-                <a:solidFill>
-                  <a:schemeClr val="tx1"/>
-                </a:solidFill>
-                <a:latin typeface="+mn-lt"/>
-                <a:ea typeface="+mn-ea"/>
-                <a:cs typeface="+mn-cs"/>
-              </a:defRPr>
-            </a:lvl7pPr>
-            <a:lvl8pPr marL="3429000" indent="-228600" algn="l" defTabSz="914400" rtl="0" eaLnBrk="1" latinLnBrk="0" hangingPunct="1">
-              <a:lnSpc>
-                <a:spcPct val="90000"/>
-              </a:lnSpc>
-              <a:spcBef>
-                <a:spcPts val="500"/>
-              </a:spcBef>
-              <a:buFont typeface="Arial" panose="020B0604020202020204" pitchFamily="34" charset="0"/>
-              <a:buChar char="•"/>
-              <a:defRPr sz="1800" kern="1200">
-                <a:solidFill>
-                  <a:schemeClr val="tx1"/>
-                </a:solidFill>
-                <a:latin typeface="+mn-lt"/>
-                <a:ea typeface="+mn-ea"/>
-                <a:cs typeface="+mn-cs"/>
-              </a:defRPr>
-            </a:lvl8pPr>
-            <a:lvl9pPr marL="3886200" indent="-228600" algn="l" defTabSz="914400" rtl="0" eaLnBrk="1" latinLnBrk="0" hangingPunct="1">
-              <a:lnSpc>
-                <a:spcPct val="90000"/>
-              </a:lnSpc>
-              <a:spcBef>
-                <a:spcPts val="500"/>
-              </a:spcBef>
-              <a:buFont typeface="Arial" panose="020B0604020202020204" pitchFamily="34" charset="0"/>
-              <a:buChar char="•"/>
-              <a:defRPr sz="1800" kern="1200">
-                <a:solidFill>
-                  <a:schemeClr val="tx1"/>
-                </a:solidFill>
-                <a:latin typeface="+mn-lt"/>
-                <a:ea typeface="+mn-ea"/>
-                <a:cs typeface="+mn-cs"/>
-              </a:defRPr>
-            </a:lvl9pPr>
-          </a:lstStyle>
-          <a:p>
-            <a:r>
-              <a:rPr lang="en-US" dirty="0" err="1"/>
-              <a:t>always_comb</a:t>
-            </a:r>
-            <a:r>
-              <a:rPr lang="en-US" dirty="0"/>
-              <a:t>@(</a:t>
-            </a:r>
-            <a:r>
-              <a:rPr lang="en-US" b="1" dirty="0"/>
-              <a:t>posedge</a:t>
-            </a:r>
-            <a:r>
-              <a:rPr lang="en-US" dirty="0"/>
-              <a:t> </a:t>
-            </a:r>
-            <a:r>
-              <a:rPr lang="en-US" dirty="0" err="1"/>
-              <a:t>clk</a:t>
-            </a:r>
-            <a:r>
-              <a:rPr lang="en-US" dirty="0"/>
-              <a:t>) begin</a:t>
-            </a:r>
-          </a:p>
-          <a:p>
-            <a:pPr lvl="1"/>
-            <a:r>
-              <a:rPr lang="en-US" dirty="0"/>
-              <a:t>…</a:t>
-            </a:r>
-          </a:p>
-          <a:p>
-            <a:r>
-              <a:rPr lang="en-US" dirty="0"/>
-              <a:t>end</a:t>
-            </a:r>
-          </a:p>
-          <a:p>
-            <a:endParaRPr lang="en-US" dirty="0"/>
-          </a:p>
-          <a:p>
-            <a:r>
-              <a:rPr lang="en-US" dirty="0"/>
-              <a:t>=&gt; sim error, </a:t>
-            </a:r>
-          </a:p>
-        </p:txBody>
-      </p:sp>
-    </p:spTree>
-    <p:extLst>
-      <p:ext uri="{BB962C8B-B14F-4D97-AF65-F5344CB8AC3E}">
-        <p14:creationId xmlns:p14="http://schemas.microsoft.com/office/powerpoint/2010/main" val="40471721"/>
       </p:ext>
     </p:extLst>
   </p:cSld>
@@ -22326,7 +22373,7 @@
           <p:cNvPr id="2" name="Title 1">
             <a:extLst>
               <a:ext uri="{FF2B5EF4-FFF2-40B4-BE49-F238E27FC236}">
-                <a16:creationId xmlns:a16="http://schemas.microsoft.com/office/drawing/2014/main" id="{E6E7246E-6DDB-2F98-52B0-04AB5D144996}"/>
+                <a16:creationId xmlns:a16="http://schemas.microsoft.com/office/drawing/2014/main" id="{5F881FD3-5F13-3C2B-4417-420DB3202461}"/>
               </a:ext>
             </a:extLst>
           </p:cNvPr>
@@ -22344,7 +22391,7 @@
           <a:p>
             <a:r>
               <a:rPr lang="en-US" dirty="0"/>
-              <a:t>lab07</a:t>
+              <a:t>lab09</a:t>
             </a:r>
           </a:p>
         </p:txBody>
@@ -22354,7 +22401,7 @@
           <p:cNvPr id="3" name="Content Placeholder 2">
             <a:extLst>
               <a:ext uri="{FF2B5EF4-FFF2-40B4-BE49-F238E27FC236}">
-                <a16:creationId xmlns:a16="http://schemas.microsoft.com/office/drawing/2014/main" id="{F0AB9DF1-764A-2056-5BC1-70D34F516704}"/>
+                <a16:creationId xmlns:a16="http://schemas.microsoft.com/office/drawing/2014/main" id="{C9E3DA7D-CF3B-971E-F419-BEDAC7C6869A}"/>
               </a:ext>
             </a:extLst>
           </p:cNvPr>
@@ -22367,166 +22414,17 @@
         </p:nvSpPr>
         <p:spPr>
           <a:xfrm>
-            <a:off x="590204" y="1064029"/>
-            <a:ext cx="10763596" cy="5363403"/>
+            <a:off x="590204" y="1064030"/>
+            <a:ext cx="3058518" cy="2601884"/>
           </a:xfrm>
         </p:spPr>
         <p:txBody>
-          <a:bodyPr>
-            <a:normAutofit/>
-          </a:bodyPr>
+          <a:bodyPr/>
           <a:lstStyle/>
           <a:p>
             <a:r>
-              <a:rPr lang="en-US" dirty="0"/>
-              <a:t>wire connection by “assign” in generate block </a:t>
-            </a:r>
-          </a:p>
-          <a:p>
-            <a:endParaRPr lang="en-US" dirty="0"/>
-          </a:p>
-          <a:p>
-            <a:r>
-              <a:rPr lang="en-US" dirty="0"/>
-              <a:t>module top;</a:t>
-            </a:r>
-          </a:p>
-          <a:p>
-            <a:pPr lvl="1"/>
-            <a:r>
-              <a:rPr lang="en-US" dirty="0"/>
-              <a:t>sub #(.sel(0)) inst1();</a:t>
-            </a:r>
-          </a:p>
-          <a:p>
-            <a:pPr lvl="1"/>
-            <a:r>
-              <a:rPr lang="en-US" dirty="0"/>
-              <a:t>sub #(.sel(1)) inst2();</a:t>
-            </a:r>
-          </a:p>
-          <a:p>
-            <a:r>
               <a:rPr lang="en-US" dirty="0" err="1"/>
-              <a:t>endmodule</a:t>
-            </a:r>
-            <a:endParaRPr lang="en-US" dirty="0"/>
-          </a:p>
-          <a:p>
-            <a:endParaRPr lang="en-US" dirty="0"/>
-          </a:p>
-          <a:p>
-            <a:r>
-              <a:rPr lang="en-US" dirty="0"/>
-              <a:t>module sub;</a:t>
-            </a:r>
-          </a:p>
-          <a:p>
-            <a:pPr lvl="1"/>
-            <a:r>
-              <a:rPr lang="en-US" dirty="0"/>
-              <a:t>parameter </a:t>
-            </a:r>
-            <a:r>
-              <a:rPr lang="en-US" dirty="0" err="1"/>
-              <a:t>sel</a:t>
-            </a:r>
-            <a:r>
-              <a:rPr lang="en-US" dirty="0"/>
-              <a:t> = 1;</a:t>
-            </a:r>
-          </a:p>
-          <a:p>
-            <a:endParaRPr lang="en-US" dirty="0"/>
-          </a:p>
-          <a:p>
-            <a:pPr lvl="1"/>
-            <a:r>
-              <a:rPr lang="en-US" dirty="0"/>
-              <a:t>logic sig1, sig2, sig3;</a:t>
-            </a:r>
-          </a:p>
-          <a:p>
-            <a:pPr lvl="1"/>
-            <a:r>
-              <a:rPr lang="en-US" b="1" dirty="0"/>
-              <a:t>generate  </a:t>
-            </a:r>
-            <a:r>
-              <a:rPr lang="en-US" b="1" dirty="0">
-                <a:sym typeface="Wingdings" panose="05000000000000000000" pitchFamily="2" charset="2"/>
-              </a:rPr>
-              <a:t>- this is optional</a:t>
-            </a:r>
-            <a:endParaRPr lang="en-US" b="1" dirty="0"/>
-          </a:p>
-          <a:p>
-            <a:pPr lvl="1"/>
-            <a:r>
-              <a:rPr lang="en-US" dirty="0"/>
-              <a:t>if (</a:t>
-            </a:r>
-            <a:r>
-              <a:rPr lang="en-US" dirty="0" err="1"/>
-              <a:t>sel</a:t>
-            </a:r>
-            <a:r>
-              <a:rPr lang="en-US" dirty="0"/>
-              <a:t>)</a:t>
-            </a:r>
-          </a:p>
-          <a:p>
-            <a:pPr lvl="2"/>
-            <a:r>
-              <a:rPr lang="en-US" dirty="0"/>
-              <a:t>assign sig3 = sig1;</a:t>
-            </a:r>
-          </a:p>
-          <a:p>
-            <a:pPr lvl="1"/>
-            <a:r>
-              <a:rPr lang="en-US" dirty="0"/>
-              <a:t>else</a:t>
-            </a:r>
-          </a:p>
-          <a:p>
-            <a:pPr lvl="2"/>
-            <a:r>
-              <a:rPr lang="en-US" dirty="0"/>
-              <a:t>assign sig3 = sig2;</a:t>
-            </a:r>
-          </a:p>
-          <a:p>
-            <a:pPr lvl="1"/>
-            <a:r>
-              <a:rPr lang="en-US" b="1" dirty="0" err="1"/>
-              <a:t>endgenerate</a:t>
-            </a:r>
-            <a:r>
-              <a:rPr lang="en-US" b="1" dirty="0"/>
-              <a:t> </a:t>
-            </a:r>
-            <a:r>
-              <a:rPr lang="en-US" b="1" dirty="0">
-                <a:sym typeface="Wingdings" panose="05000000000000000000" pitchFamily="2" charset="2"/>
-              </a:rPr>
-              <a:t>- this is optional</a:t>
-            </a:r>
-            <a:endParaRPr lang="en-US" b="1" dirty="0"/>
-          </a:p>
-          <a:p>
-            <a:pPr marL="914400" lvl="2" indent="0">
-              <a:buNone/>
-            </a:pPr>
-            <a:r>
-              <a:rPr lang="en-US" dirty="0"/>
-              <a:t>	</a:t>
-            </a:r>
-          </a:p>
-          <a:p>
-            <a:r>
-              <a:rPr lang="en-US" dirty="0" err="1"/>
-              <a:t>endmodule</a:t>
+              <a:t>verilog</a:t>
             </a:r>
             <a:endParaRPr lang="en-US" dirty="0"/>
           </a:p>
@@ -22537,7 +22435,7 @@
           <p:cNvPr id="4" name="Slide Number Placeholder 3">
             <a:extLst>
               <a:ext uri="{FF2B5EF4-FFF2-40B4-BE49-F238E27FC236}">
-                <a16:creationId xmlns:a16="http://schemas.microsoft.com/office/drawing/2014/main" id="{A653B7C0-A01B-B019-AE82-6D2CF11E10FE}"/>
+                <a16:creationId xmlns:a16="http://schemas.microsoft.com/office/drawing/2014/main" id="{323CBED7-26D9-2476-833B-76E80BDCCDF2}"/>
               </a:ext>
             </a:extLst>
           </p:cNvPr>
@@ -22561,10 +22459,745 @@
           </a:p>
         </p:txBody>
       </p:sp>
+      <p:pic>
+        <p:nvPicPr>
+          <p:cNvPr id="6" name="Picture 5">
+            <a:extLst>
+              <a:ext uri="{FF2B5EF4-FFF2-40B4-BE49-F238E27FC236}">
+                <a16:creationId xmlns:a16="http://schemas.microsoft.com/office/drawing/2014/main" id="{B33452A6-CA57-6AE9-AB6E-8A8377687AE2}"/>
+              </a:ext>
+            </a:extLst>
+          </p:cNvPr>
+          <p:cNvPicPr>
+            <a:picLocks noChangeAspect="1"/>
+          </p:cNvPicPr>
+          <p:nvPr/>
+        </p:nvPicPr>
+        <p:blipFill>
+          <a:blip r:embed="rId2"/>
+          <a:stretch>
+            <a:fillRect/>
+          </a:stretch>
+        </p:blipFill>
+        <p:spPr>
+          <a:xfrm>
+            <a:off x="660919" y="1760924"/>
+            <a:ext cx="2644192" cy="4418144"/>
+          </a:xfrm>
+          <a:prstGeom prst="rect">
+            <a:avLst/>
+          </a:prstGeom>
+        </p:spPr>
+      </p:pic>
+      <p:sp>
+        <p:nvSpPr>
+          <p:cNvPr id="7" name="Content Placeholder 2">
+            <a:extLst>
+              <a:ext uri="{FF2B5EF4-FFF2-40B4-BE49-F238E27FC236}">
+                <a16:creationId xmlns:a16="http://schemas.microsoft.com/office/drawing/2014/main" id="{17D17AFA-9427-1D90-8EDD-A53998DD4F9E}"/>
+              </a:ext>
+            </a:extLst>
+          </p:cNvPr>
+          <p:cNvSpPr txBox="1">
+            <a:spLocks/>
+          </p:cNvSpPr>
+          <p:nvPr/>
+        </p:nvSpPr>
+        <p:spPr>
+          <a:xfrm>
+            <a:off x="4566741" y="1064030"/>
+            <a:ext cx="3058518" cy="480685"/>
+          </a:xfrm>
+          <a:prstGeom prst="rect">
+            <a:avLst/>
+          </a:prstGeom>
+        </p:spPr>
+        <p:txBody>
+          <a:bodyPr vert="horz" lIns="91440" tIns="45720" rIns="91440" bIns="45720" rtlCol="0">
+            <a:normAutofit/>
+          </a:bodyPr>
+          <a:lstStyle>
+            <a:lvl1pPr marL="228600" indent="-228600" algn="l" defTabSz="914400" rtl="0" eaLnBrk="1" latinLnBrk="0" hangingPunct="1">
+              <a:lnSpc>
+                <a:spcPct val="90000"/>
+              </a:lnSpc>
+              <a:spcBef>
+                <a:spcPts val="1000"/>
+              </a:spcBef>
+              <a:buFont typeface="Arial" panose="020B0604020202020204" pitchFamily="34" charset="0"/>
+              <a:buChar char="•"/>
+              <a:defRPr sz="1400" kern="1200">
+                <a:solidFill>
+                  <a:schemeClr val="tx1"/>
+                </a:solidFill>
+                <a:latin typeface="+mn-lt"/>
+                <a:ea typeface="+mn-ea"/>
+                <a:cs typeface="+mn-cs"/>
+              </a:defRPr>
+            </a:lvl1pPr>
+            <a:lvl2pPr marL="685800" indent="-228600" algn="l" defTabSz="914400" rtl="0" eaLnBrk="1" latinLnBrk="0" hangingPunct="1">
+              <a:lnSpc>
+                <a:spcPct val="90000"/>
+              </a:lnSpc>
+              <a:spcBef>
+                <a:spcPts val="500"/>
+              </a:spcBef>
+              <a:buFont typeface="Arial" panose="020B0604020202020204" pitchFamily="34" charset="0"/>
+              <a:buChar char="•"/>
+              <a:defRPr sz="1200" kern="1200">
+                <a:solidFill>
+                  <a:schemeClr val="tx1"/>
+                </a:solidFill>
+                <a:latin typeface="+mn-lt"/>
+                <a:ea typeface="+mn-ea"/>
+                <a:cs typeface="+mn-cs"/>
+              </a:defRPr>
+            </a:lvl2pPr>
+            <a:lvl3pPr marL="1143000" indent="-228600" algn="l" defTabSz="914400" rtl="0" eaLnBrk="1" latinLnBrk="0" hangingPunct="1">
+              <a:lnSpc>
+                <a:spcPct val="90000"/>
+              </a:lnSpc>
+              <a:spcBef>
+                <a:spcPts val="500"/>
+              </a:spcBef>
+              <a:buFont typeface="Arial" panose="020B0604020202020204" pitchFamily="34" charset="0"/>
+              <a:buChar char="•"/>
+              <a:defRPr sz="1200" kern="1200">
+                <a:solidFill>
+                  <a:schemeClr val="tx1"/>
+                </a:solidFill>
+                <a:latin typeface="+mn-lt"/>
+                <a:ea typeface="+mn-ea"/>
+                <a:cs typeface="+mn-cs"/>
+              </a:defRPr>
+            </a:lvl3pPr>
+            <a:lvl4pPr marL="1600200" indent="-228600" algn="l" defTabSz="914400" rtl="0" eaLnBrk="1" latinLnBrk="0" hangingPunct="1">
+              <a:lnSpc>
+                <a:spcPct val="90000"/>
+              </a:lnSpc>
+              <a:spcBef>
+                <a:spcPts val="500"/>
+              </a:spcBef>
+              <a:buFont typeface="Arial" panose="020B0604020202020204" pitchFamily="34" charset="0"/>
+              <a:buChar char="•"/>
+              <a:defRPr sz="1200" kern="1200">
+                <a:solidFill>
+                  <a:schemeClr val="tx1"/>
+                </a:solidFill>
+                <a:latin typeface="+mn-lt"/>
+                <a:ea typeface="+mn-ea"/>
+                <a:cs typeface="+mn-cs"/>
+              </a:defRPr>
+            </a:lvl4pPr>
+            <a:lvl5pPr marL="2057400" indent="-228600" algn="l" defTabSz="914400" rtl="0" eaLnBrk="1" latinLnBrk="0" hangingPunct="1">
+              <a:lnSpc>
+                <a:spcPct val="90000"/>
+              </a:lnSpc>
+              <a:spcBef>
+                <a:spcPts val="500"/>
+              </a:spcBef>
+              <a:buFont typeface="Arial" panose="020B0604020202020204" pitchFamily="34" charset="0"/>
+              <a:buChar char="•"/>
+              <a:defRPr sz="1200" kern="1200">
+                <a:solidFill>
+                  <a:schemeClr val="tx1"/>
+                </a:solidFill>
+                <a:latin typeface="+mn-lt"/>
+                <a:ea typeface="+mn-ea"/>
+                <a:cs typeface="+mn-cs"/>
+              </a:defRPr>
+            </a:lvl5pPr>
+            <a:lvl6pPr marL="2514600" indent="-228600" algn="l" defTabSz="914400" rtl="0" eaLnBrk="1" latinLnBrk="0" hangingPunct="1">
+              <a:lnSpc>
+                <a:spcPct val="90000"/>
+              </a:lnSpc>
+              <a:spcBef>
+                <a:spcPts val="500"/>
+              </a:spcBef>
+              <a:buFont typeface="Arial" panose="020B0604020202020204" pitchFamily="34" charset="0"/>
+              <a:buChar char="•"/>
+              <a:defRPr sz="1800" kern="1200">
+                <a:solidFill>
+                  <a:schemeClr val="tx1"/>
+                </a:solidFill>
+                <a:latin typeface="+mn-lt"/>
+                <a:ea typeface="+mn-ea"/>
+                <a:cs typeface="+mn-cs"/>
+              </a:defRPr>
+            </a:lvl6pPr>
+            <a:lvl7pPr marL="2971800" indent="-228600" algn="l" defTabSz="914400" rtl="0" eaLnBrk="1" latinLnBrk="0" hangingPunct="1">
+              <a:lnSpc>
+                <a:spcPct val="90000"/>
+              </a:lnSpc>
+              <a:spcBef>
+                <a:spcPts val="500"/>
+              </a:spcBef>
+              <a:buFont typeface="Arial" panose="020B0604020202020204" pitchFamily="34" charset="0"/>
+              <a:buChar char="•"/>
+              <a:defRPr sz="1800" kern="1200">
+                <a:solidFill>
+                  <a:schemeClr val="tx1"/>
+                </a:solidFill>
+                <a:latin typeface="+mn-lt"/>
+                <a:ea typeface="+mn-ea"/>
+                <a:cs typeface="+mn-cs"/>
+              </a:defRPr>
+            </a:lvl7pPr>
+            <a:lvl8pPr marL="3429000" indent="-228600" algn="l" defTabSz="914400" rtl="0" eaLnBrk="1" latinLnBrk="0" hangingPunct="1">
+              <a:lnSpc>
+                <a:spcPct val="90000"/>
+              </a:lnSpc>
+              <a:spcBef>
+                <a:spcPts val="500"/>
+              </a:spcBef>
+              <a:buFont typeface="Arial" panose="020B0604020202020204" pitchFamily="34" charset="0"/>
+              <a:buChar char="•"/>
+              <a:defRPr sz="1800" kern="1200">
+                <a:solidFill>
+                  <a:schemeClr val="tx1"/>
+                </a:solidFill>
+                <a:latin typeface="+mn-lt"/>
+                <a:ea typeface="+mn-ea"/>
+                <a:cs typeface="+mn-cs"/>
+              </a:defRPr>
+            </a:lvl8pPr>
+            <a:lvl9pPr marL="3886200" indent="-228600" algn="l" defTabSz="914400" rtl="0" eaLnBrk="1" latinLnBrk="0" hangingPunct="1">
+              <a:lnSpc>
+                <a:spcPct val="90000"/>
+              </a:lnSpc>
+              <a:spcBef>
+                <a:spcPts val="500"/>
+              </a:spcBef>
+              <a:buFont typeface="Arial" panose="020B0604020202020204" pitchFamily="34" charset="0"/>
+              <a:buChar char="•"/>
+              <a:defRPr sz="1800" kern="1200">
+                <a:solidFill>
+                  <a:schemeClr val="tx1"/>
+                </a:solidFill>
+                <a:latin typeface="+mn-lt"/>
+                <a:ea typeface="+mn-ea"/>
+                <a:cs typeface="+mn-cs"/>
+              </a:defRPr>
+            </a:lvl9pPr>
+          </a:lstStyle>
+          <a:p>
+            <a:r>
+              <a:rPr lang="en-US" dirty="0" err="1"/>
+              <a:t>systemverilog</a:t>
+            </a:r>
+            <a:endParaRPr lang="en-US" dirty="0"/>
+          </a:p>
+        </p:txBody>
+      </p:sp>
+      <p:sp>
+        <p:nvSpPr>
+          <p:cNvPr id="8" name="Content Placeholder 2">
+            <a:extLst>
+              <a:ext uri="{FF2B5EF4-FFF2-40B4-BE49-F238E27FC236}">
+                <a16:creationId xmlns:a16="http://schemas.microsoft.com/office/drawing/2014/main" id="{F4833448-CAB3-1E6D-A1FF-6E20D892A1E9}"/>
+              </a:ext>
+            </a:extLst>
+          </p:cNvPr>
+          <p:cNvSpPr txBox="1">
+            <a:spLocks/>
+          </p:cNvSpPr>
+          <p:nvPr/>
+        </p:nvSpPr>
+        <p:spPr>
+          <a:xfrm>
+            <a:off x="4566741" y="3524437"/>
+            <a:ext cx="3058518" cy="2601884"/>
+          </a:xfrm>
+          <a:prstGeom prst="rect">
+            <a:avLst/>
+          </a:prstGeom>
+        </p:spPr>
+        <p:txBody>
+          <a:bodyPr vert="horz" lIns="91440" tIns="45720" rIns="91440" bIns="45720" rtlCol="0">
+            <a:normAutofit/>
+          </a:bodyPr>
+          <a:lstStyle>
+            <a:lvl1pPr marL="228600" indent="-228600" algn="l" defTabSz="914400" rtl="0" eaLnBrk="1" latinLnBrk="0" hangingPunct="1">
+              <a:lnSpc>
+                <a:spcPct val="90000"/>
+              </a:lnSpc>
+              <a:spcBef>
+                <a:spcPts val="1000"/>
+              </a:spcBef>
+              <a:buFont typeface="Arial" panose="020B0604020202020204" pitchFamily="34" charset="0"/>
+              <a:buChar char="•"/>
+              <a:defRPr sz="1400" kern="1200">
+                <a:solidFill>
+                  <a:schemeClr val="tx1"/>
+                </a:solidFill>
+                <a:latin typeface="+mn-lt"/>
+                <a:ea typeface="+mn-ea"/>
+                <a:cs typeface="+mn-cs"/>
+              </a:defRPr>
+            </a:lvl1pPr>
+            <a:lvl2pPr marL="685800" indent="-228600" algn="l" defTabSz="914400" rtl="0" eaLnBrk="1" latinLnBrk="0" hangingPunct="1">
+              <a:lnSpc>
+                <a:spcPct val="90000"/>
+              </a:lnSpc>
+              <a:spcBef>
+                <a:spcPts val="500"/>
+              </a:spcBef>
+              <a:buFont typeface="Arial" panose="020B0604020202020204" pitchFamily="34" charset="0"/>
+              <a:buChar char="•"/>
+              <a:defRPr sz="1200" kern="1200">
+                <a:solidFill>
+                  <a:schemeClr val="tx1"/>
+                </a:solidFill>
+                <a:latin typeface="+mn-lt"/>
+                <a:ea typeface="+mn-ea"/>
+                <a:cs typeface="+mn-cs"/>
+              </a:defRPr>
+            </a:lvl2pPr>
+            <a:lvl3pPr marL="1143000" indent="-228600" algn="l" defTabSz="914400" rtl="0" eaLnBrk="1" latinLnBrk="0" hangingPunct="1">
+              <a:lnSpc>
+                <a:spcPct val="90000"/>
+              </a:lnSpc>
+              <a:spcBef>
+                <a:spcPts val="500"/>
+              </a:spcBef>
+              <a:buFont typeface="Arial" panose="020B0604020202020204" pitchFamily="34" charset="0"/>
+              <a:buChar char="•"/>
+              <a:defRPr sz="1200" kern="1200">
+                <a:solidFill>
+                  <a:schemeClr val="tx1"/>
+                </a:solidFill>
+                <a:latin typeface="+mn-lt"/>
+                <a:ea typeface="+mn-ea"/>
+                <a:cs typeface="+mn-cs"/>
+              </a:defRPr>
+            </a:lvl3pPr>
+            <a:lvl4pPr marL="1600200" indent="-228600" algn="l" defTabSz="914400" rtl="0" eaLnBrk="1" latinLnBrk="0" hangingPunct="1">
+              <a:lnSpc>
+                <a:spcPct val="90000"/>
+              </a:lnSpc>
+              <a:spcBef>
+                <a:spcPts val="500"/>
+              </a:spcBef>
+              <a:buFont typeface="Arial" panose="020B0604020202020204" pitchFamily="34" charset="0"/>
+              <a:buChar char="•"/>
+              <a:defRPr sz="1200" kern="1200">
+                <a:solidFill>
+                  <a:schemeClr val="tx1"/>
+                </a:solidFill>
+                <a:latin typeface="+mn-lt"/>
+                <a:ea typeface="+mn-ea"/>
+                <a:cs typeface="+mn-cs"/>
+              </a:defRPr>
+            </a:lvl4pPr>
+            <a:lvl5pPr marL="2057400" indent="-228600" algn="l" defTabSz="914400" rtl="0" eaLnBrk="1" latinLnBrk="0" hangingPunct="1">
+              <a:lnSpc>
+                <a:spcPct val="90000"/>
+              </a:lnSpc>
+              <a:spcBef>
+                <a:spcPts val="500"/>
+              </a:spcBef>
+              <a:buFont typeface="Arial" panose="020B0604020202020204" pitchFamily="34" charset="0"/>
+              <a:buChar char="•"/>
+              <a:defRPr sz="1200" kern="1200">
+                <a:solidFill>
+                  <a:schemeClr val="tx1"/>
+                </a:solidFill>
+                <a:latin typeface="+mn-lt"/>
+                <a:ea typeface="+mn-ea"/>
+                <a:cs typeface="+mn-cs"/>
+              </a:defRPr>
+            </a:lvl5pPr>
+            <a:lvl6pPr marL="2514600" indent="-228600" algn="l" defTabSz="914400" rtl="0" eaLnBrk="1" latinLnBrk="0" hangingPunct="1">
+              <a:lnSpc>
+                <a:spcPct val="90000"/>
+              </a:lnSpc>
+              <a:spcBef>
+                <a:spcPts val="500"/>
+              </a:spcBef>
+              <a:buFont typeface="Arial" panose="020B0604020202020204" pitchFamily="34" charset="0"/>
+              <a:buChar char="•"/>
+              <a:defRPr sz="1800" kern="1200">
+                <a:solidFill>
+                  <a:schemeClr val="tx1"/>
+                </a:solidFill>
+                <a:latin typeface="+mn-lt"/>
+                <a:ea typeface="+mn-ea"/>
+                <a:cs typeface="+mn-cs"/>
+              </a:defRPr>
+            </a:lvl6pPr>
+            <a:lvl7pPr marL="2971800" indent="-228600" algn="l" defTabSz="914400" rtl="0" eaLnBrk="1" latinLnBrk="0" hangingPunct="1">
+              <a:lnSpc>
+                <a:spcPct val="90000"/>
+              </a:lnSpc>
+              <a:spcBef>
+                <a:spcPts val="500"/>
+              </a:spcBef>
+              <a:buFont typeface="Arial" panose="020B0604020202020204" pitchFamily="34" charset="0"/>
+              <a:buChar char="•"/>
+              <a:defRPr sz="1800" kern="1200">
+                <a:solidFill>
+                  <a:schemeClr val="tx1"/>
+                </a:solidFill>
+                <a:latin typeface="+mn-lt"/>
+                <a:ea typeface="+mn-ea"/>
+                <a:cs typeface="+mn-cs"/>
+              </a:defRPr>
+            </a:lvl7pPr>
+            <a:lvl8pPr marL="3429000" indent="-228600" algn="l" defTabSz="914400" rtl="0" eaLnBrk="1" latinLnBrk="0" hangingPunct="1">
+              <a:lnSpc>
+                <a:spcPct val="90000"/>
+              </a:lnSpc>
+              <a:spcBef>
+                <a:spcPts val="500"/>
+              </a:spcBef>
+              <a:buFont typeface="Arial" panose="020B0604020202020204" pitchFamily="34" charset="0"/>
+              <a:buChar char="•"/>
+              <a:defRPr sz="1800" kern="1200">
+                <a:solidFill>
+                  <a:schemeClr val="tx1"/>
+                </a:solidFill>
+                <a:latin typeface="+mn-lt"/>
+                <a:ea typeface="+mn-ea"/>
+                <a:cs typeface="+mn-cs"/>
+              </a:defRPr>
+            </a:lvl8pPr>
+            <a:lvl9pPr marL="3886200" indent="-228600" algn="l" defTabSz="914400" rtl="0" eaLnBrk="1" latinLnBrk="0" hangingPunct="1">
+              <a:lnSpc>
+                <a:spcPct val="90000"/>
+              </a:lnSpc>
+              <a:spcBef>
+                <a:spcPts val="500"/>
+              </a:spcBef>
+              <a:buFont typeface="Arial" panose="020B0604020202020204" pitchFamily="34" charset="0"/>
+              <a:buChar char="•"/>
+              <a:defRPr sz="1800" kern="1200">
+                <a:solidFill>
+                  <a:schemeClr val="tx1"/>
+                </a:solidFill>
+                <a:latin typeface="+mn-lt"/>
+                <a:ea typeface="+mn-ea"/>
+                <a:cs typeface="+mn-cs"/>
+              </a:defRPr>
+            </a:lvl9pPr>
+          </a:lstStyle>
+          <a:p>
+            <a:r>
+              <a:rPr lang="en-US" dirty="0" err="1"/>
+              <a:t>always_</a:t>
+            </a:r>
+            <a:r>
+              <a:rPr lang="en-US" b="1" dirty="0" err="1"/>
+              <a:t>ff</a:t>
+            </a:r>
+            <a:r>
+              <a:rPr lang="en-US" dirty="0"/>
+              <a:t>@(posedge </a:t>
+            </a:r>
+            <a:r>
+              <a:rPr lang="en-US" dirty="0" err="1"/>
+              <a:t>clk</a:t>
+            </a:r>
+            <a:r>
+              <a:rPr lang="en-US" dirty="0"/>
+              <a:t>) begin</a:t>
+            </a:r>
+          </a:p>
+          <a:p>
+            <a:pPr lvl="1"/>
+            <a:r>
+              <a:rPr lang="en-US" dirty="0"/>
+              <a:t>…</a:t>
+            </a:r>
+          </a:p>
+          <a:p>
+            <a:r>
+              <a:rPr lang="en-US" dirty="0"/>
+              <a:t>end</a:t>
+            </a:r>
+          </a:p>
+          <a:p>
+            <a:endParaRPr lang="en-US" dirty="0"/>
+          </a:p>
+          <a:p>
+            <a:endParaRPr lang="en-US" dirty="0"/>
+          </a:p>
+          <a:p>
+            <a:r>
+              <a:rPr lang="en-US" dirty="0" err="1"/>
+              <a:t>always_</a:t>
+            </a:r>
+            <a:r>
+              <a:rPr lang="en-US" b="1" dirty="0" err="1"/>
+              <a:t>comb</a:t>
+            </a:r>
+            <a:r>
+              <a:rPr lang="en-US" dirty="0"/>
+              <a:t>@(a or b or c) begin</a:t>
+            </a:r>
+          </a:p>
+          <a:p>
+            <a:pPr lvl="1"/>
+            <a:r>
+              <a:rPr lang="en-US" dirty="0"/>
+              <a:t>out1 = a &amp; b &amp; c;</a:t>
+            </a:r>
+          </a:p>
+          <a:p>
+            <a:r>
+              <a:rPr lang="en-US" dirty="0"/>
+              <a:t>end</a:t>
+            </a:r>
+          </a:p>
+          <a:p>
+            <a:endParaRPr lang="en-US" dirty="0"/>
+          </a:p>
+        </p:txBody>
+      </p:sp>
+      <p:sp>
+        <p:nvSpPr>
+          <p:cNvPr id="9" name="Content Placeholder 2">
+            <a:extLst>
+              <a:ext uri="{FF2B5EF4-FFF2-40B4-BE49-F238E27FC236}">
+                <a16:creationId xmlns:a16="http://schemas.microsoft.com/office/drawing/2014/main" id="{2BC83A63-7D87-AD28-FD57-0BB3859E289E}"/>
+              </a:ext>
+            </a:extLst>
+          </p:cNvPr>
+          <p:cNvSpPr txBox="1">
+            <a:spLocks/>
+          </p:cNvSpPr>
+          <p:nvPr/>
+        </p:nvSpPr>
+        <p:spPr>
+          <a:xfrm>
+            <a:off x="8295282" y="3524437"/>
+            <a:ext cx="3058518" cy="2601884"/>
+          </a:xfrm>
+          <a:prstGeom prst="rect">
+            <a:avLst/>
+          </a:prstGeom>
+        </p:spPr>
+        <p:txBody>
+          <a:bodyPr vert="horz" lIns="91440" tIns="45720" rIns="91440" bIns="45720" rtlCol="0">
+            <a:normAutofit/>
+          </a:bodyPr>
+          <a:lstStyle>
+            <a:lvl1pPr marL="228600" indent="-228600" algn="l" defTabSz="914400" rtl="0" eaLnBrk="1" latinLnBrk="0" hangingPunct="1">
+              <a:lnSpc>
+                <a:spcPct val="90000"/>
+              </a:lnSpc>
+              <a:spcBef>
+                <a:spcPts val="1000"/>
+              </a:spcBef>
+              <a:buFont typeface="Arial" panose="020B0604020202020204" pitchFamily="34" charset="0"/>
+              <a:buChar char="•"/>
+              <a:defRPr sz="1400" kern="1200">
+                <a:solidFill>
+                  <a:schemeClr val="tx1"/>
+                </a:solidFill>
+                <a:latin typeface="+mn-lt"/>
+                <a:ea typeface="+mn-ea"/>
+                <a:cs typeface="+mn-cs"/>
+              </a:defRPr>
+            </a:lvl1pPr>
+            <a:lvl2pPr marL="685800" indent="-228600" algn="l" defTabSz="914400" rtl="0" eaLnBrk="1" latinLnBrk="0" hangingPunct="1">
+              <a:lnSpc>
+                <a:spcPct val="90000"/>
+              </a:lnSpc>
+              <a:spcBef>
+                <a:spcPts val="500"/>
+              </a:spcBef>
+              <a:buFont typeface="Arial" panose="020B0604020202020204" pitchFamily="34" charset="0"/>
+              <a:buChar char="•"/>
+              <a:defRPr sz="1200" kern="1200">
+                <a:solidFill>
+                  <a:schemeClr val="tx1"/>
+                </a:solidFill>
+                <a:latin typeface="+mn-lt"/>
+                <a:ea typeface="+mn-ea"/>
+                <a:cs typeface="+mn-cs"/>
+              </a:defRPr>
+            </a:lvl2pPr>
+            <a:lvl3pPr marL="1143000" indent="-228600" algn="l" defTabSz="914400" rtl="0" eaLnBrk="1" latinLnBrk="0" hangingPunct="1">
+              <a:lnSpc>
+                <a:spcPct val="90000"/>
+              </a:lnSpc>
+              <a:spcBef>
+                <a:spcPts val="500"/>
+              </a:spcBef>
+              <a:buFont typeface="Arial" panose="020B0604020202020204" pitchFamily="34" charset="0"/>
+              <a:buChar char="•"/>
+              <a:defRPr sz="1200" kern="1200">
+                <a:solidFill>
+                  <a:schemeClr val="tx1"/>
+                </a:solidFill>
+                <a:latin typeface="+mn-lt"/>
+                <a:ea typeface="+mn-ea"/>
+                <a:cs typeface="+mn-cs"/>
+              </a:defRPr>
+            </a:lvl3pPr>
+            <a:lvl4pPr marL="1600200" indent="-228600" algn="l" defTabSz="914400" rtl="0" eaLnBrk="1" latinLnBrk="0" hangingPunct="1">
+              <a:lnSpc>
+                <a:spcPct val="90000"/>
+              </a:lnSpc>
+              <a:spcBef>
+                <a:spcPts val="500"/>
+              </a:spcBef>
+              <a:buFont typeface="Arial" panose="020B0604020202020204" pitchFamily="34" charset="0"/>
+              <a:buChar char="•"/>
+              <a:defRPr sz="1200" kern="1200">
+                <a:solidFill>
+                  <a:schemeClr val="tx1"/>
+                </a:solidFill>
+                <a:latin typeface="+mn-lt"/>
+                <a:ea typeface="+mn-ea"/>
+                <a:cs typeface="+mn-cs"/>
+              </a:defRPr>
+            </a:lvl4pPr>
+            <a:lvl5pPr marL="2057400" indent="-228600" algn="l" defTabSz="914400" rtl="0" eaLnBrk="1" latinLnBrk="0" hangingPunct="1">
+              <a:lnSpc>
+                <a:spcPct val="90000"/>
+              </a:lnSpc>
+              <a:spcBef>
+                <a:spcPts val="500"/>
+              </a:spcBef>
+              <a:buFont typeface="Arial" panose="020B0604020202020204" pitchFamily="34" charset="0"/>
+              <a:buChar char="•"/>
+              <a:defRPr sz="1200" kern="1200">
+                <a:solidFill>
+                  <a:schemeClr val="tx1"/>
+                </a:solidFill>
+                <a:latin typeface="+mn-lt"/>
+                <a:ea typeface="+mn-ea"/>
+                <a:cs typeface="+mn-cs"/>
+              </a:defRPr>
+            </a:lvl5pPr>
+            <a:lvl6pPr marL="2514600" indent="-228600" algn="l" defTabSz="914400" rtl="0" eaLnBrk="1" latinLnBrk="0" hangingPunct="1">
+              <a:lnSpc>
+                <a:spcPct val="90000"/>
+              </a:lnSpc>
+              <a:spcBef>
+                <a:spcPts val="500"/>
+              </a:spcBef>
+              <a:buFont typeface="Arial" panose="020B0604020202020204" pitchFamily="34" charset="0"/>
+              <a:buChar char="•"/>
+              <a:defRPr sz="1800" kern="1200">
+                <a:solidFill>
+                  <a:schemeClr val="tx1"/>
+                </a:solidFill>
+                <a:latin typeface="+mn-lt"/>
+                <a:ea typeface="+mn-ea"/>
+                <a:cs typeface="+mn-cs"/>
+              </a:defRPr>
+            </a:lvl6pPr>
+            <a:lvl7pPr marL="2971800" indent="-228600" algn="l" defTabSz="914400" rtl="0" eaLnBrk="1" latinLnBrk="0" hangingPunct="1">
+              <a:lnSpc>
+                <a:spcPct val="90000"/>
+              </a:lnSpc>
+              <a:spcBef>
+                <a:spcPts val="500"/>
+              </a:spcBef>
+              <a:buFont typeface="Arial" panose="020B0604020202020204" pitchFamily="34" charset="0"/>
+              <a:buChar char="•"/>
+              <a:defRPr sz="1800" kern="1200">
+                <a:solidFill>
+                  <a:schemeClr val="tx1"/>
+                </a:solidFill>
+                <a:latin typeface="+mn-lt"/>
+                <a:ea typeface="+mn-ea"/>
+                <a:cs typeface="+mn-cs"/>
+              </a:defRPr>
+            </a:lvl7pPr>
+            <a:lvl8pPr marL="3429000" indent="-228600" algn="l" defTabSz="914400" rtl="0" eaLnBrk="1" latinLnBrk="0" hangingPunct="1">
+              <a:lnSpc>
+                <a:spcPct val="90000"/>
+              </a:lnSpc>
+              <a:spcBef>
+                <a:spcPts val="500"/>
+              </a:spcBef>
+              <a:buFont typeface="Arial" panose="020B0604020202020204" pitchFamily="34" charset="0"/>
+              <a:buChar char="•"/>
+              <a:defRPr sz="1800" kern="1200">
+                <a:solidFill>
+                  <a:schemeClr val="tx1"/>
+                </a:solidFill>
+                <a:latin typeface="+mn-lt"/>
+                <a:ea typeface="+mn-ea"/>
+                <a:cs typeface="+mn-cs"/>
+              </a:defRPr>
+            </a:lvl8pPr>
+            <a:lvl9pPr marL="3886200" indent="-228600" algn="l" defTabSz="914400" rtl="0" eaLnBrk="1" latinLnBrk="0" hangingPunct="1">
+              <a:lnSpc>
+                <a:spcPct val="90000"/>
+              </a:lnSpc>
+              <a:spcBef>
+                <a:spcPts val="500"/>
+              </a:spcBef>
+              <a:buFont typeface="Arial" panose="020B0604020202020204" pitchFamily="34" charset="0"/>
+              <a:buChar char="•"/>
+              <a:defRPr sz="1800" kern="1200">
+                <a:solidFill>
+                  <a:schemeClr val="tx1"/>
+                </a:solidFill>
+                <a:latin typeface="+mn-lt"/>
+                <a:ea typeface="+mn-ea"/>
+                <a:cs typeface="+mn-cs"/>
+              </a:defRPr>
+            </a:lvl9pPr>
+          </a:lstStyle>
+          <a:p>
+            <a:r>
+              <a:rPr lang="en-US" dirty="0" err="1"/>
+              <a:t>always_comb</a:t>
+            </a:r>
+            <a:r>
+              <a:rPr lang="en-US" dirty="0"/>
+              <a:t>@(</a:t>
+            </a:r>
+            <a:r>
+              <a:rPr lang="en-US" b="1" dirty="0"/>
+              <a:t>posedge</a:t>
+            </a:r>
+            <a:r>
+              <a:rPr lang="en-US" dirty="0"/>
+              <a:t> </a:t>
+            </a:r>
+            <a:r>
+              <a:rPr lang="en-US" dirty="0" err="1"/>
+              <a:t>clk</a:t>
+            </a:r>
+            <a:r>
+              <a:rPr lang="en-US" dirty="0"/>
+              <a:t>) begin</a:t>
+            </a:r>
+          </a:p>
+          <a:p>
+            <a:pPr lvl="1"/>
+            <a:r>
+              <a:rPr lang="en-US" dirty="0"/>
+              <a:t>…</a:t>
+            </a:r>
+          </a:p>
+          <a:p>
+            <a:r>
+              <a:rPr lang="en-US" dirty="0"/>
+              <a:t>end</a:t>
+            </a:r>
+          </a:p>
+          <a:p>
+            <a:endParaRPr lang="en-US" dirty="0"/>
+          </a:p>
+          <a:p>
+            <a:r>
+              <a:rPr lang="en-US" dirty="0"/>
+              <a:t>=&gt; sim error, </a:t>
+            </a:r>
+          </a:p>
+        </p:txBody>
+      </p:sp>
     </p:spTree>
     <p:extLst>
       <p:ext uri="{BB962C8B-B14F-4D97-AF65-F5344CB8AC3E}">
-        <p14:creationId xmlns:p14="http://schemas.microsoft.com/office/powerpoint/2010/main" val="2190162818"/>
+        <p14:creationId xmlns:p14="http://schemas.microsoft.com/office/powerpoint/2010/main" val="40471721"/>
       </p:ext>
     </p:extLst>
   </p:cSld>
@@ -22709,7 +23342,7 @@
           <p:cNvPr id="2" name="Title 1">
             <a:extLst>
               <a:ext uri="{FF2B5EF4-FFF2-40B4-BE49-F238E27FC236}">
-                <a16:creationId xmlns:a16="http://schemas.microsoft.com/office/drawing/2014/main" id="{0D90D065-03EF-C333-329D-B6A904037AA4}"/>
+                <a16:creationId xmlns:a16="http://schemas.microsoft.com/office/drawing/2014/main" id="{E6E7246E-6DDB-2F98-52B0-04AB5D144996}"/>
               </a:ext>
             </a:extLst>
           </p:cNvPr>
@@ -22737,7 +23370,7 @@
           <p:cNvPr id="3" name="Content Placeholder 2">
             <a:extLst>
               <a:ext uri="{FF2B5EF4-FFF2-40B4-BE49-F238E27FC236}">
-                <a16:creationId xmlns:a16="http://schemas.microsoft.com/office/drawing/2014/main" id="{6BFC4363-D16A-9B9C-C912-00320CAA407C}"/>
+                <a16:creationId xmlns:a16="http://schemas.microsoft.com/office/drawing/2014/main" id="{F0AB9DF1-764A-2056-5BC1-70D34F516704}"/>
               </a:ext>
             </a:extLst>
           </p:cNvPr>
@@ -22751,7 +23384,7 @@
         <p:spPr>
           <a:xfrm>
             <a:off x="590204" y="1064029"/>
-            <a:ext cx="3369237" cy="4662068"/>
+            <a:ext cx="10763596" cy="5363403"/>
           </a:xfrm>
         </p:spPr>
         <p:txBody>
@@ -22762,115 +23395,154 @@
           <a:p>
             <a:r>
               <a:rPr lang="en-US" dirty="0"/>
-              <a:t>scope</a:t>
+              <a:t>wire connection by “assign” in generate block </a:t>
+            </a:r>
+          </a:p>
+          <a:p>
+            <a:endParaRPr lang="en-US" dirty="0"/>
+          </a:p>
+          <a:p>
+            <a:r>
+              <a:rPr lang="en-US" dirty="0"/>
+              <a:t>module top;</a:t>
             </a:r>
           </a:p>
           <a:p>
             <a:pPr lvl="1"/>
             <a:r>
+              <a:rPr lang="en-US" dirty="0"/>
+              <a:t>sub #(.sel(0)) inst1();</a:t>
+            </a:r>
+          </a:p>
+          <a:p>
+            <a:pPr lvl="1"/>
+            <a:r>
+              <a:rPr lang="en-US" dirty="0"/>
+              <a:t>sub #(.sel(1)) inst2();</a:t>
+            </a:r>
+          </a:p>
+          <a:p>
+            <a:r>
+              <a:rPr lang="en-US" dirty="0" err="1"/>
+              <a:t>endmodule</a:t>
+            </a:r>
+            <a:endParaRPr lang="en-US" dirty="0"/>
+          </a:p>
+          <a:p>
+            <a:endParaRPr lang="en-US" dirty="0"/>
+          </a:p>
+          <a:p>
+            <a:r>
+              <a:rPr lang="en-US" dirty="0"/>
+              <a:t>module sub;</a:t>
+            </a:r>
+          </a:p>
+          <a:p>
+            <a:pPr lvl="1"/>
+            <a:r>
+              <a:rPr lang="en-US" dirty="0"/>
+              <a:t>parameter </a:t>
+            </a:r>
+            <a:r>
+              <a:rPr lang="en-US" dirty="0" err="1"/>
+              <a:t>sel</a:t>
+            </a:r>
+            <a:r>
+              <a:rPr lang="en-US" dirty="0"/>
+              <a:t> = 1;</a:t>
+            </a:r>
+          </a:p>
+          <a:p>
+            <a:endParaRPr lang="en-US" dirty="0"/>
+          </a:p>
+          <a:p>
+            <a:pPr lvl="1"/>
+            <a:r>
+              <a:rPr lang="en-US" dirty="0"/>
+              <a:t>logic sig1, sig2, sig3;</a:t>
+            </a:r>
+          </a:p>
+          <a:p>
+            <a:pPr lvl="1"/>
+            <a:r>
               <a:rPr lang="en-US" b="1" dirty="0"/>
-              <a:t>module</a:t>
-            </a:r>
+              <a:t>generate  </a:t>
+            </a:r>
+            <a:r>
+              <a:rPr lang="en-US" b="1" dirty="0">
+                <a:sym typeface="Wingdings" panose="05000000000000000000" pitchFamily="2" charset="2"/>
+              </a:rPr>
+              <a:t>- this is optional</a:t>
+            </a:r>
+            <a:endParaRPr lang="en-US" b="1" dirty="0"/>
           </a:p>
           <a:p>
             <a:pPr lvl="1"/>
             <a:r>
+              <a:rPr lang="en-US" dirty="0"/>
+              <a:t>if (</a:t>
+            </a:r>
+            <a:r>
+              <a:rPr lang="en-US" dirty="0" err="1"/>
+              <a:t>sel</a:t>
+            </a:r>
+            <a:r>
+              <a:rPr lang="en-US" dirty="0"/>
+              <a:t>)</a:t>
+            </a:r>
+          </a:p>
+          <a:p>
+            <a:pPr lvl="2"/>
+            <a:r>
+              <a:rPr lang="en-US" dirty="0"/>
+              <a:t>assign sig3 = sig1;</a:t>
+            </a:r>
+          </a:p>
+          <a:p>
+            <a:pPr lvl="1"/>
+            <a:r>
+              <a:rPr lang="en-US" dirty="0"/>
+              <a:t>else</a:t>
+            </a:r>
+          </a:p>
+          <a:p>
+            <a:pPr lvl="2"/>
+            <a:r>
+              <a:rPr lang="en-US" dirty="0"/>
+              <a:t>assign sig3 = sig2;</a:t>
+            </a:r>
+          </a:p>
+          <a:p>
+            <a:pPr lvl="1"/>
+            <a:r>
               <a:rPr lang="en-US" b="1" dirty="0" err="1"/>
+              <a:t>endgenerate</a:t>
+            </a:r>
+            <a:r>
+              <a:rPr lang="en-US" b="1" dirty="0"/>
+              <a:t> </a:t>
+            </a:r>
+            <a:r>
+              <a:rPr lang="en-US" b="1" dirty="0">
+                <a:sym typeface="Wingdings" panose="05000000000000000000" pitchFamily="2" charset="2"/>
+              </a:rPr>
+              <a:t>- this is optional</a:t>
+            </a:r>
+            <a:endParaRPr lang="en-US" b="1" dirty="0"/>
+          </a:p>
+          <a:p>
+            <a:pPr marL="914400" lvl="2" indent="0">
+              <a:buNone/>
+            </a:pPr>
+            <a:r>
+              <a:rPr lang="en-US" dirty="0"/>
+              <a:t>	</a:t>
+            </a:r>
+          </a:p>
+          <a:p>
+            <a:r>
+              <a:rPr lang="en-US" dirty="0" err="1"/>
               <a:t>endmodule</a:t>
-            </a:r>
-            <a:endParaRPr lang="en-US" b="1" dirty="0"/>
-          </a:p>
-          <a:p>
-            <a:pPr lvl="1"/>
-            <a:endParaRPr lang="en-US" dirty="0"/>
-          </a:p>
-          <a:p>
-            <a:pPr lvl="1"/>
-            <a:r>
-              <a:rPr lang="en-US" dirty="0"/>
-              <a:t>class</a:t>
-            </a:r>
-          </a:p>
-          <a:p>
-            <a:pPr lvl="1"/>
-            <a:r>
-              <a:rPr lang="en-US" dirty="0" err="1"/>
-              <a:t>endclass</a:t>
-            </a:r>
-            <a:endParaRPr lang="en-US" dirty="0"/>
-          </a:p>
-          <a:p>
-            <a:endParaRPr lang="en-US" dirty="0"/>
-          </a:p>
-          <a:p>
-            <a:pPr lvl="1"/>
-            <a:r>
-              <a:rPr lang="en-US" dirty="0"/>
-              <a:t>interface </a:t>
-            </a:r>
-          </a:p>
-          <a:p>
-            <a:pPr lvl="1"/>
-            <a:r>
-              <a:rPr lang="en-US" dirty="0" err="1"/>
-              <a:t>endinterface</a:t>
-            </a:r>
-            <a:endParaRPr lang="en-US" dirty="0"/>
-          </a:p>
-          <a:p>
-            <a:pPr lvl="1"/>
-            <a:endParaRPr lang="en-US" dirty="0"/>
-          </a:p>
-          <a:p>
-            <a:pPr lvl="1"/>
-            <a:r>
-              <a:rPr lang="en-US" dirty="0"/>
-              <a:t>checker</a:t>
-            </a:r>
-          </a:p>
-          <a:p>
-            <a:pPr lvl="1"/>
-            <a:r>
-              <a:rPr lang="en-US" dirty="0" err="1"/>
-              <a:t>endchecker</a:t>
-            </a:r>
-            <a:endParaRPr lang="en-US" dirty="0"/>
-          </a:p>
-          <a:p>
-            <a:pPr lvl="1"/>
-            <a:endParaRPr lang="en-US" dirty="0"/>
-          </a:p>
-          <a:p>
-            <a:pPr lvl="1"/>
-            <a:r>
-              <a:rPr lang="en-US" dirty="0"/>
-              <a:t>program</a:t>
-            </a:r>
-          </a:p>
-          <a:p>
-            <a:pPr lvl="1"/>
-            <a:r>
-              <a:rPr lang="en-US" dirty="0" err="1"/>
-              <a:t>endprogram</a:t>
-            </a:r>
-            <a:endParaRPr lang="en-US" dirty="0"/>
-          </a:p>
-          <a:p>
-            <a:pPr lvl="1"/>
-            <a:endParaRPr lang="en-US" dirty="0"/>
-          </a:p>
-          <a:p>
-            <a:pPr lvl="1"/>
-            <a:r>
-              <a:rPr lang="en-US" dirty="0"/>
-              <a:t>generate</a:t>
-            </a:r>
-          </a:p>
-          <a:p>
-            <a:pPr lvl="1"/>
-            <a:r>
-              <a:rPr lang="en-US" dirty="0" err="1"/>
-              <a:t>endgenerate</a:t>
             </a:r>
             <a:endParaRPr lang="en-US" dirty="0"/>
           </a:p>
@@ -22881,7 +23553,7 @@
           <p:cNvPr id="4" name="Slide Number Placeholder 3">
             <a:extLst>
               <a:ext uri="{FF2B5EF4-FFF2-40B4-BE49-F238E27FC236}">
-                <a16:creationId xmlns:a16="http://schemas.microsoft.com/office/drawing/2014/main" id="{AC7F354A-7DB9-26FB-09B1-62B5D79E1C4A}"/>
+                <a16:creationId xmlns:a16="http://schemas.microsoft.com/office/drawing/2014/main" id="{A653B7C0-A01B-B019-AE82-6D2CF11E10FE}"/>
               </a:ext>
             </a:extLst>
           </p:cNvPr>
@@ -22905,673 +23577,10 @@
           </a:p>
         </p:txBody>
       </p:sp>
-      <p:sp>
-        <p:nvSpPr>
-          <p:cNvPr id="5" name="Content Placeholder 2">
-            <a:extLst>
-              <a:ext uri="{FF2B5EF4-FFF2-40B4-BE49-F238E27FC236}">
-                <a16:creationId xmlns:a16="http://schemas.microsoft.com/office/drawing/2014/main" id="{C56A286A-DF8E-552E-E1AA-8A6159B25E16}"/>
-              </a:ext>
-            </a:extLst>
-          </p:cNvPr>
-          <p:cNvSpPr txBox="1">
-            <a:spLocks/>
-          </p:cNvSpPr>
-          <p:nvPr/>
-        </p:nvSpPr>
-        <p:spPr>
-          <a:xfrm>
-            <a:off x="3679633" y="1064029"/>
-            <a:ext cx="3804243" cy="4662068"/>
-          </a:xfrm>
-          <a:prstGeom prst="rect">
-            <a:avLst/>
-          </a:prstGeom>
-        </p:spPr>
-        <p:txBody>
-          <a:bodyPr vert="horz" lIns="91440" tIns="45720" rIns="91440" bIns="45720" rtlCol="0">
-            <a:normAutofit/>
-          </a:bodyPr>
-          <a:lstStyle>
-            <a:lvl1pPr marL="228600" indent="-228600" algn="l" defTabSz="914400" rtl="0" eaLnBrk="1" latinLnBrk="0" hangingPunct="1">
-              <a:lnSpc>
-                <a:spcPct val="90000"/>
-              </a:lnSpc>
-              <a:spcBef>
-                <a:spcPts val="1000"/>
-              </a:spcBef>
-              <a:buFont typeface="Arial" panose="020B0604020202020204" pitchFamily="34" charset="0"/>
-              <a:buChar char="•"/>
-              <a:defRPr sz="1400" kern="1200">
-                <a:solidFill>
-                  <a:schemeClr val="tx1"/>
-                </a:solidFill>
-                <a:latin typeface="+mn-lt"/>
-                <a:ea typeface="+mn-ea"/>
-                <a:cs typeface="+mn-cs"/>
-              </a:defRPr>
-            </a:lvl1pPr>
-            <a:lvl2pPr marL="685800" indent="-228600" algn="l" defTabSz="914400" rtl="0" eaLnBrk="1" latinLnBrk="0" hangingPunct="1">
-              <a:lnSpc>
-                <a:spcPct val="90000"/>
-              </a:lnSpc>
-              <a:spcBef>
-                <a:spcPts val="500"/>
-              </a:spcBef>
-              <a:buFont typeface="Arial" panose="020B0604020202020204" pitchFamily="34" charset="0"/>
-              <a:buChar char="•"/>
-              <a:defRPr sz="1200" kern="1200">
-                <a:solidFill>
-                  <a:schemeClr val="tx1"/>
-                </a:solidFill>
-                <a:latin typeface="+mn-lt"/>
-                <a:ea typeface="+mn-ea"/>
-                <a:cs typeface="+mn-cs"/>
-              </a:defRPr>
-            </a:lvl2pPr>
-            <a:lvl3pPr marL="1143000" indent="-228600" algn="l" defTabSz="914400" rtl="0" eaLnBrk="1" latinLnBrk="0" hangingPunct="1">
-              <a:lnSpc>
-                <a:spcPct val="90000"/>
-              </a:lnSpc>
-              <a:spcBef>
-                <a:spcPts val="500"/>
-              </a:spcBef>
-              <a:buFont typeface="Arial" panose="020B0604020202020204" pitchFamily="34" charset="0"/>
-              <a:buChar char="•"/>
-              <a:defRPr sz="1200" kern="1200">
-                <a:solidFill>
-                  <a:schemeClr val="tx1"/>
-                </a:solidFill>
-                <a:latin typeface="+mn-lt"/>
-                <a:ea typeface="+mn-ea"/>
-                <a:cs typeface="+mn-cs"/>
-              </a:defRPr>
-            </a:lvl3pPr>
-            <a:lvl4pPr marL="1600200" indent="-228600" algn="l" defTabSz="914400" rtl="0" eaLnBrk="1" latinLnBrk="0" hangingPunct="1">
-              <a:lnSpc>
-                <a:spcPct val="90000"/>
-              </a:lnSpc>
-              <a:spcBef>
-                <a:spcPts val="500"/>
-              </a:spcBef>
-              <a:buFont typeface="Arial" panose="020B0604020202020204" pitchFamily="34" charset="0"/>
-              <a:buChar char="•"/>
-              <a:defRPr sz="1200" kern="1200">
-                <a:solidFill>
-                  <a:schemeClr val="tx1"/>
-                </a:solidFill>
-                <a:latin typeface="+mn-lt"/>
-                <a:ea typeface="+mn-ea"/>
-                <a:cs typeface="+mn-cs"/>
-              </a:defRPr>
-            </a:lvl4pPr>
-            <a:lvl5pPr marL="2057400" indent="-228600" algn="l" defTabSz="914400" rtl="0" eaLnBrk="1" latinLnBrk="0" hangingPunct="1">
-              <a:lnSpc>
-                <a:spcPct val="90000"/>
-              </a:lnSpc>
-              <a:spcBef>
-                <a:spcPts val="500"/>
-              </a:spcBef>
-              <a:buFont typeface="Arial" panose="020B0604020202020204" pitchFamily="34" charset="0"/>
-              <a:buChar char="•"/>
-              <a:defRPr sz="1200" kern="1200">
-                <a:solidFill>
-                  <a:schemeClr val="tx1"/>
-                </a:solidFill>
-                <a:latin typeface="+mn-lt"/>
-                <a:ea typeface="+mn-ea"/>
-                <a:cs typeface="+mn-cs"/>
-              </a:defRPr>
-            </a:lvl5pPr>
-            <a:lvl6pPr marL="2514600" indent="-228600" algn="l" defTabSz="914400" rtl="0" eaLnBrk="1" latinLnBrk="0" hangingPunct="1">
-              <a:lnSpc>
-                <a:spcPct val="90000"/>
-              </a:lnSpc>
-              <a:spcBef>
-                <a:spcPts val="500"/>
-              </a:spcBef>
-              <a:buFont typeface="Arial" panose="020B0604020202020204" pitchFamily="34" charset="0"/>
-              <a:buChar char="•"/>
-              <a:defRPr sz="1800" kern="1200">
-                <a:solidFill>
-                  <a:schemeClr val="tx1"/>
-                </a:solidFill>
-                <a:latin typeface="+mn-lt"/>
-                <a:ea typeface="+mn-ea"/>
-                <a:cs typeface="+mn-cs"/>
-              </a:defRPr>
-            </a:lvl6pPr>
-            <a:lvl7pPr marL="2971800" indent="-228600" algn="l" defTabSz="914400" rtl="0" eaLnBrk="1" latinLnBrk="0" hangingPunct="1">
-              <a:lnSpc>
-                <a:spcPct val="90000"/>
-              </a:lnSpc>
-              <a:spcBef>
-                <a:spcPts val="500"/>
-              </a:spcBef>
-              <a:buFont typeface="Arial" panose="020B0604020202020204" pitchFamily="34" charset="0"/>
-              <a:buChar char="•"/>
-              <a:defRPr sz="1800" kern="1200">
-                <a:solidFill>
-                  <a:schemeClr val="tx1"/>
-                </a:solidFill>
-                <a:latin typeface="+mn-lt"/>
-                <a:ea typeface="+mn-ea"/>
-                <a:cs typeface="+mn-cs"/>
-              </a:defRPr>
-            </a:lvl7pPr>
-            <a:lvl8pPr marL="3429000" indent="-228600" algn="l" defTabSz="914400" rtl="0" eaLnBrk="1" latinLnBrk="0" hangingPunct="1">
-              <a:lnSpc>
-                <a:spcPct val="90000"/>
-              </a:lnSpc>
-              <a:spcBef>
-                <a:spcPts val="500"/>
-              </a:spcBef>
-              <a:buFont typeface="Arial" panose="020B0604020202020204" pitchFamily="34" charset="0"/>
-              <a:buChar char="•"/>
-              <a:defRPr sz="1800" kern="1200">
-                <a:solidFill>
-                  <a:schemeClr val="tx1"/>
-                </a:solidFill>
-                <a:latin typeface="+mn-lt"/>
-                <a:ea typeface="+mn-ea"/>
-                <a:cs typeface="+mn-cs"/>
-              </a:defRPr>
-            </a:lvl8pPr>
-            <a:lvl9pPr marL="3886200" indent="-228600" algn="l" defTabSz="914400" rtl="0" eaLnBrk="1" latinLnBrk="0" hangingPunct="1">
-              <a:lnSpc>
-                <a:spcPct val="90000"/>
-              </a:lnSpc>
-              <a:spcBef>
-                <a:spcPts val="500"/>
-              </a:spcBef>
-              <a:buFont typeface="Arial" panose="020B0604020202020204" pitchFamily="34" charset="0"/>
-              <a:buChar char="•"/>
-              <a:defRPr sz="1800" kern="1200">
-                <a:solidFill>
-                  <a:schemeClr val="tx1"/>
-                </a:solidFill>
-                <a:latin typeface="+mn-lt"/>
-                <a:ea typeface="+mn-ea"/>
-                <a:cs typeface="+mn-cs"/>
-              </a:defRPr>
-            </a:lvl9pPr>
-          </a:lstStyle>
-          <a:p>
-            <a:r>
-              <a:rPr lang="en-US" dirty="0"/>
-              <a:t>example</a:t>
-            </a:r>
-          </a:p>
-          <a:p>
-            <a:pPr lvl="1"/>
-            <a:r>
-              <a:rPr lang="en-US" b="1" dirty="0"/>
-              <a:t>module</a:t>
-            </a:r>
-            <a:r>
-              <a:rPr lang="en-US" dirty="0"/>
-              <a:t> top</a:t>
-            </a:r>
-          </a:p>
-          <a:p>
-            <a:pPr lvl="2"/>
-            <a:r>
-              <a:rPr lang="en-US" dirty="0"/>
-              <a:t>c1 inst_c1();</a:t>
-            </a:r>
-          </a:p>
-          <a:p>
-            <a:pPr lvl="2"/>
-            <a:r>
-              <a:rPr lang="en-US" dirty="0"/>
-              <a:t>i1 inst_i1;</a:t>
-            </a:r>
-          </a:p>
-          <a:p>
-            <a:pPr lvl="1"/>
-            <a:r>
-              <a:rPr lang="en-US" dirty="0" err="1"/>
-              <a:t>endmodule</a:t>
-            </a:r>
-            <a:endParaRPr lang="en-US" dirty="0"/>
-          </a:p>
-          <a:p>
-            <a:pPr lvl="1"/>
-            <a:endParaRPr lang="en-US" dirty="0"/>
-          </a:p>
-          <a:p>
-            <a:pPr lvl="1"/>
-            <a:r>
-              <a:rPr lang="en-US" b="1" dirty="0"/>
-              <a:t>class</a:t>
-            </a:r>
-            <a:r>
-              <a:rPr lang="en-US" dirty="0"/>
-              <a:t> c1</a:t>
-            </a:r>
-          </a:p>
-          <a:p>
-            <a:pPr lvl="1"/>
-            <a:r>
-              <a:rPr lang="en-US" dirty="0" err="1"/>
-              <a:t>endclass</a:t>
-            </a:r>
-            <a:endParaRPr lang="en-US" dirty="0"/>
-          </a:p>
-          <a:p>
-            <a:pPr lvl="1"/>
-            <a:endParaRPr lang="en-US" dirty="0"/>
-          </a:p>
-          <a:p>
-            <a:pPr lvl="1"/>
-            <a:r>
-              <a:rPr lang="en-US" b="1" dirty="0"/>
-              <a:t>interface</a:t>
-            </a:r>
-            <a:r>
-              <a:rPr lang="en-US" dirty="0"/>
-              <a:t> i1</a:t>
-            </a:r>
-          </a:p>
-          <a:p>
-            <a:pPr lvl="1"/>
-            <a:r>
-              <a:rPr lang="en-US" dirty="0" err="1"/>
-              <a:t>endinterface</a:t>
-            </a:r>
-            <a:r>
-              <a:rPr lang="en-US" dirty="0"/>
-              <a:t> </a:t>
-            </a:r>
-          </a:p>
-          <a:p>
-            <a:pPr lvl="1"/>
-            <a:endParaRPr lang="en-US" dirty="0"/>
-          </a:p>
-          <a:p>
-            <a:pPr lvl="1"/>
-            <a:r>
-              <a:rPr lang="en-US" b="1" dirty="0"/>
-              <a:t>interface</a:t>
-            </a:r>
-            <a:r>
-              <a:rPr lang="en-US" dirty="0"/>
-              <a:t> i2</a:t>
-            </a:r>
-          </a:p>
-          <a:p>
-            <a:pPr lvl="1"/>
-            <a:r>
-              <a:rPr lang="en-US" dirty="0" err="1"/>
-              <a:t>endinterface</a:t>
-            </a:r>
-            <a:r>
-              <a:rPr lang="en-US" dirty="0"/>
-              <a:t> </a:t>
-            </a:r>
-          </a:p>
-          <a:p>
-            <a:pPr lvl="1"/>
-            <a:endParaRPr lang="en-US" dirty="0"/>
-          </a:p>
-        </p:txBody>
-      </p:sp>
-      <p:sp>
-        <p:nvSpPr>
-          <p:cNvPr id="6" name="Content Placeholder 2">
-            <a:extLst>
-              <a:ext uri="{FF2B5EF4-FFF2-40B4-BE49-F238E27FC236}">
-                <a16:creationId xmlns:a16="http://schemas.microsoft.com/office/drawing/2014/main" id="{B18A52DC-F630-E380-D59D-78A3CE65BFB3}"/>
-              </a:ext>
-            </a:extLst>
-          </p:cNvPr>
-          <p:cNvSpPr txBox="1">
-            <a:spLocks/>
-          </p:cNvSpPr>
-          <p:nvPr/>
-        </p:nvSpPr>
-        <p:spPr>
-          <a:xfrm>
-            <a:off x="6627019" y="1064029"/>
-            <a:ext cx="3804243" cy="4662068"/>
-          </a:xfrm>
-          <a:prstGeom prst="rect">
-            <a:avLst/>
-          </a:prstGeom>
-        </p:spPr>
-        <p:txBody>
-          <a:bodyPr vert="horz" lIns="91440" tIns="45720" rIns="91440" bIns="45720" rtlCol="0">
-            <a:normAutofit/>
-          </a:bodyPr>
-          <a:lstStyle>
-            <a:lvl1pPr marL="228600" indent="-228600" algn="l" defTabSz="914400" rtl="0" eaLnBrk="1" latinLnBrk="0" hangingPunct="1">
-              <a:lnSpc>
-                <a:spcPct val="90000"/>
-              </a:lnSpc>
-              <a:spcBef>
-                <a:spcPts val="1000"/>
-              </a:spcBef>
-              <a:buFont typeface="Arial" panose="020B0604020202020204" pitchFamily="34" charset="0"/>
-              <a:buChar char="•"/>
-              <a:defRPr sz="1400" kern="1200">
-                <a:solidFill>
-                  <a:schemeClr val="tx1"/>
-                </a:solidFill>
-                <a:latin typeface="+mn-lt"/>
-                <a:ea typeface="+mn-ea"/>
-                <a:cs typeface="+mn-cs"/>
-              </a:defRPr>
-            </a:lvl1pPr>
-            <a:lvl2pPr marL="685800" indent="-228600" algn="l" defTabSz="914400" rtl="0" eaLnBrk="1" latinLnBrk="0" hangingPunct="1">
-              <a:lnSpc>
-                <a:spcPct val="90000"/>
-              </a:lnSpc>
-              <a:spcBef>
-                <a:spcPts val="500"/>
-              </a:spcBef>
-              <a:buFont typeface="Arial" panose="020B0604020202020204" pitchFamily="34" charset="0"/>
-              <a:buChar char="•"/>
-              <a:defRPr sz="1200" kern="1200">
-                <a:solidFill>
-                  <a:schemeClr val="tx1"/>
-                </a:solidFill>
-                <a:latin typeface="+mn-lt"/>
-                <a:ea typeface="+mn-ea"/>
-                <a:cs typeface="+mn-cs"/>
-              </a:defRPr>
-            </a:lvl2pPr>
-            <a:lvl3pPr marL="1143000" indent="-228600" algn="l" defTabSz="914400" rtl="0" eaLnBrk="1" latinLnBrk="0" hangingPunct="1">
-              <a:lnSpc>
-                <a:spcPct val="90000"/>
-              </a:lnSpc>
-              <a:spcBef>
-                <a:spcPts val="500"/>
-              </a:spcBef>
-              <a:buFont typeface="Arial" panose="020B0604020202020204" pitchFamily="34" charset="0"/>
-              <a:buChar char="•"/>
-              <a:defRPr sz="1200" kern="1200">
-                <a:solidFill>
-                  <a:schemeClr val="tx1"/>
-                </a:solidFill>
-                <a:latin typeface="+mn-lt"/>
-                <a:ea typeface="+mn-ea"/>
-                <a:cs typeface="+mn-cs"/>
-              </a:defRPr>
-            </a:lvl3pPr>
-            <a:lvl4pPr marL="1600200" indent="-228600" algn="l" defTabSz="914400" rtl="0" eaLnBrk="1" latinLnBrk="0" hangingPunct="1">
-              <a:lnSpc>
-                <a:spcPct val="90000"/>
-              </a:lnSpc>
-              <a:spcBef>
-                <a:spcPts val="500"/>
-              </a:spcBef>
-              <a:buFont typeface="Arial" panose="020B0604020202020204" pitchFamily="34" charset="0"/>
-              <a:buChar char="•"/>
-              <a:defRPr sz="1200" kern="1200">
-                <a:solidFill>
-                  <a:schemeClr val="tx1"/>
-                </a:solidFill>
-                <a:latin typeface="+mn-lt"/>
-                <a:ea typeface="+mn-ea"/>
-                <a:cs typeface="+mn-cs"/>
-              </a:defRPr>
-            </a:lvl4pPr>
-            <a:lvl5pPr marL="2057400" indent="-228600" algn="l" defTabSz="914400" rtl="0" eaLnBrk="1" latinLnBrk="0" hangingPunct="1">
-              <a:lnSpc>
-                <a:spcPct val="90000"/>
-              </a:lnSpc>
-              <a:spcBef>
-                <a:spcPts val="500"/>
-              </a:spcBef>
-              <a:buFont typeface="Arial" panose="020B0604020202020204" pitchFamily="34" charset="0"/>
-              <a:buChar char="•"/>
-              <a:defRPr sz="1200" kern="1200">
-                <a:solidFill>
-                  <a:schemeClr val="tx1"/>
-                </a:solidFill>
-                <a:latin typeface="+mn-lt"/>
-                <a:ea typeface="+mn-ea"/>
-                <a:cs typeface="+mn-cs"/>
-              </a:defRPr>
-            </a:lvl5pPr>
-            <a:lvl6pPr marL="2514600" indent="-228600" algn="l" defTabSz="914400" rtl="0" eaLnBrk="1" latinLnBrk="0" hangingPunct="1">
-              <a:lnSpc>
-                <a:spcPct val="90000"/>
-              </a:lnSpc>
-              <a:spcBef>
-                <a:spcPts val="500"/>
-              </a:spcBef>
-              <a:buFont typeface="Arial" panose="020B0604020202020204" pitchFamily="34" charset="0"/>
-              <a:buChar char="•"/>
-              <a:defRPr sz="1800" kern="1200">
-                <a:solidFill>
-                  <a:schemeClr val="tx1"/>
-                </a:solidFill>
-                <a:latin typeface="+mn-lt"/>
-                <a:ea typeface="+mn-ea"/>
-                <a:cs typeface="+mn-cs"/>
-              </a:defRPr>
-            </a:lvl6pPr>
-            <a:lvl7pPr marL="2971800" indent="-228600" algn="l" defTabSz="914400" rtl="0" eaLnBrk="1" latinLnBrk="0" hangingPunct="1">
-              <a:lnSpc>
-                <a:spcPct val="90000"/>
-              </a:lnSpc>
-              <a:spcBef>
-                <a:spcPts val="500"/>
-              </a:spcBef>
-              <a:buFont typeface="Arial" panose="020B0604020202020204" pitchFamily="34" charset="0"/>
-              <a:buChar char="•"/>
-              <a:defRPr sz="1800" kern="1200">
-                <a:solidFill>
-                  <a:schemeClr val="tx1"/>
-                </a:solidFill>
-                <a:latin typeface="+mn-lt"/>
-                <a:ea typeface="+mn-ea"/>
-                <a:cs typeface="+mn-cs"/>
-              </a:defRPr>
-            </a:lvl7pPr>
-            <a:lvl8pPr marL="3429000" indent="-228600" algn="l" defTabSz="914400" rtl="0" eaLnBrk="1" latinLnBrk="0" hangingPunct="1">
-              <a:lnSpc>
-                <a:spcPct val="90000"/>
-              </a:lnSpc>
-              <a:spcBef>
-                <a:spcPts val="500"/>
-              </a:spcBef>
-              <a:buFont typeface="Arial" panose="020B0604020202020204" pitchFamily="34" charset="0"/>
-              <a:buChar char="•"/>
-              <a:defRPr sz="1800" kern="1200">
-                <a:solidFill>
-                  <a:schemeClr val="tx1"/>
-                </a:solidFill>
-                <a:latin typeface="+mn-lt"/>
-                <a:ea typeface="+mn-ea"/>
-                <a:cs typeface="+mn-cs"/>
-              </a:defRPr>
-            </a:lvl8pPr>
-            <a:lvl9pPr marL="3886200" indent="-228600" algn="l" defTabSz="914400" rtl="0" eaLnBrk="1" latinLnBrk="0" hangingPunct="1">
-              <a:lnSpc>
-                <a:spcPct val="90000"/>
-              </a:lnSpc>
-              <a:spcBef>
-                <a:spcPts val="500"/>
-              </a:spcBef>
-              <a:buFont typeface="Arial" panose="020B0604020202020204" pitchFamily="34" charset="0"/>
-              <a:buChar char="•"/>
-              <a:defRPr sz="1800" kern="1200">
-                <a:solidFill>
-                  <a:schemeClr val="tx1"/>
-                </a:solidFill>
-                <a:latin typeface="+mn-lt"/>
-                <a:ea typeface="+mn-ea"/>
-                <a:cs typeface="+mn-cs"/>
-              </a:defRPr>
-            </a:lvl9pPr>
-          </a:lstStyle>
-          <a:p>
-            <a:r>
-              <a:rPr lang="en-US" dirty="0"/>
-              <a:t>example2</a:t>
-            </a:r>
-          </a:p>
-          <a:p>
-            <a:pPr lvl="1"/>
-            <a:r>
-              <a:rPr lang="en-US" b="1" dirty="0"/>
-              <a:t>module</a:t>
-            </a:r>
-            <a:r>
-              <a:rPr lang="en-US" dirty="0"/>
-              <a:t> top</a:t>
-            </a:r>
-          </a:p>
-          <a:p>
-            <a:pPr lvl="2"/>
-            <a:r>
-              <a:rPr lang="en-US" dirty="0"/>
-              <a:t>c1 inst_c1();</a:t>
-            </a:r>
-          </a:p>
-          <a:p>
-            <a:pPr lvl="2"/>
-            <a:r>
-              <a:rPr lang="en-US" dirty="0"/>
-              <a:t>i1 inst_i1;</a:t>
-            </a:r>
-          </a:p>
-          <a:p>
-            <a:pPr lvl="1"/>
-            <a:r>
-              <a:rPr lang="en-US" dirty="0" err="1"/>
-              <a:t>endmodule</a:t>
-            </a:r>
-            <a:endParaRPr lang="en-US" dirty="0"/>
-          </a:p>
-          <a:p>
-            <a:pPr lvl="1"/>
-            <a:endParaRPr lang="en-US" dirty="0"/>
-          </a:p>
-          <a:p>
-            <a:pPr lvl="1"/>
-            <a:r>
-              <a:rPr lang="en-US" b="1" dirty="0"/>
-              <a:t>class</a:t>
-            </a:r>
-            <a:r>
-              <a:rPr lang="en-US" dirty="0"/>
-              <a:t> c1</a:t>
-            </a:r>
-          </a:p>
-          <a:p>
-            <a:pPr lvl="1"/>
-            <a:r>
-              <a:rPr lang="en-US" dirty="0" err="1"/>
-              <a:t>endclass</a:t>
-            </a:r>
-            <a:endParaRPr lang="en-US" dirty="0"/>
-          </a:p>
-          <a:p>
-            <a:pPr lvl="1"/>
-            <a:endParaRPr lang="en-US" dirty="0"/>
-          </a:p>
-          <a:p>
-            <a:pPr lvl="1"/>
-            <a:r>
-              <a:rPr lang="en-US" b="1" dirty="0"/>
-              <a:t>interface</a:t>
-            </a:r>
-            <a:r>
-              <a:rPr lang="en-US" dirty="0"/>
-              <a:t> i1();</a:t>
-            </a:r>
-          </a:p>
-          <a:p>
-            <a:pPr lvl="2"/>
-            <a:r>
-              <a:rPr lang="en-US" dirty="0"/>
-              <a:t>clocking</a:t>
-            </a:r>
-          </a:p>
-          <a:p>
-            <a:pPr lvl="2"/>
-            <a:endParaRPr lang="en-US" dirty="0"/>
-          </a:p>
-          <a:p>
-            <a:pPr lvl="2"/>
-            <a:r>
-              <a:rPr lang="en-US" dirty="0" err="1"/>
-              <a:t>endclocking</a:t>
-            </a:r>
-            <a:endParaRPr lang="en-US" dirty="0"/>
-          </a:p>
-          <a:p>
-            <a:pPr lvl="2"/>
-            <a:r>
-              <a:rPr lang="en-US" dirty="0" err="1"/>
-              <a:t>modport</a:t>
-            </a:r>
-            <a:r>
-              <a:rPr lang="en-US" dirty="0"/>
-              <a:t> m1;</a:t>
-            </a:r>
-          </a:p>
-          <a:p>
-            <a:pPr lvl="2"/>
-            <a:r>
-              <a:rPr lang="en-US" dirty="0" err="1"/>
-              <a:t>modport</a:t>
-            </a:r>
-            <a:r>
-              <a:rPr lang="en-US" dirty="0"/>
-              <a:t> m2;</a:t>
-            </a:r>
-          </a:p>
-          <a:p>
-            <a:pPr lvl="1"/>
-            <a:r>
-              <a:rPr lang="en-US" dirty="0" err="1"/>
-              <a:t>endinterface</a:t>
-            </a:r>
-            <a:r>
-              <a:rPr lang="en-US" dirty="0"/>
-              <a:t> </a:t>
-            </a:r>
-          </a:p>
-          <a:p>
-            <a:pPr lvl="1"/>
-            <a:endParaRPr lang="en-US" dirty="0"/>
-          </a:p>
-          <a:p>
-            <a:pPr lvl="1"/>
-            <a:r>
-              <a:rPr lang="en-US" b="1" dirty="0"/>
-              <a:t>interface</a:t>
-            </a:r>
-            <a:r>
-              <a:rPr lang="en-US" dirty="0"/>
-              <a:t> i2</a:t>
-            </a:r>
-          </a:p>
-          <a:p>
-            <a:pPr lvl="1"/>
-            <a:r>
-              <a:rPr lang="en-US" dirty="0" err="1"/>
-              <a:t>endinterface</a:t>
-            </a:r>
-            <a:r>
-              <a:rPr lang="en-US" dirty="0"/>
-              <a:t> </a:t>
-            </a:r>
-          </a:p>
-          <a:p>
-            <a:pPr lvl="1"/>
-            <a:endParaRPr lang="en-US" dirty="0"/>
-          </a:p>
-        </p:txBody>
-      </p:sp>
     </p:spTree>
     <p:extLst>
       <p:ext uri="{BB962C8B-B14F-4D97-AF65-F5344CB8AC3E}">
-        <p14:creationId xmlns:p14="http://schemas.microsoft.com/office/powerpoint/2010/main" val="2960610283"/>
+        <p14:creationId xmlns:p14="http://schemas.microsoft.com/office/powerpoint/2010/main" val="2190162818"/>
       </p:ext>
     </p:extLst>
   </p:cSld>
@@ -23603,7 +23612,7 @@
           <p:cNvPr id="2" name="Title 1">
             <a:extLst>
               <a:ext uri="{FF2B5EF4-FFF2-40B4-BE49-F238E27FC236}">
-                <a16:creationId xmlns:a16="http://schemas.microsoft.com/office/drawing/2014/main" id="{73D23E56-2C2B-BFB5-0308-AF09DD1B0B6B}"/>
+                <a16:creationId xmlns:a16="http://schemas.microsoft.com/office/drawing/2014/main" id="{0D90D065-03EF-C333-329D-B6A904037AA4}"/>
               </a:ext>
             </a:extLst>
           </p:cNvPr>
@@ -23631,6 +23640,900 @@
           <p:cNvPr id="3" name="Content Placeholder 2">
             <a:extLst>
               <a:ext uri="{FF2B5EF4-FFF2-40B4-BE49-F238E27FC236}">
+                <a16:creationId xmlns:a16="http://schemas.microsoft.com/office/drawing/2014/main" id="{6BFC4363-D16A-9B9C-C912-00320CAA407C}"/>
+              </a:ext>
+            </a:extLst>
+          </p:cNvPr>
+          <p:cNvSpPr>
+            <a:spLocks noGrp="1"/>
+          </p:cNvSpPr>
+          <p:nvPr>
+            <p:ph idx="1"/>
+          </p:nvPr>
+        </p:nvSpPr>
+        <p:spPr>
+          <a:xfrm>
+            <a:off x="590204" y="1064029"/>
+            <a:ext cx="3369237" cy="4662068"/>
+          </a:xfrm>
+        </p:spPr>
+        <p:txBody>
+          <a:bodyPr>
+            <a:normAutofit/>
+          </a:bodyPr>
+          <a:lstStyle/>
+          <a:p>
+            <a:r>
+              <a:rPr lang="en-US" dirty="0"/>
+              <a:t>scope</a:t>
+            </a:r>
+          </a:p>
+          <a:p>
+            <a:pPr lvl="1"/>
+            <a:r>
+              <a:rPr lang="en-US" b="1" dirty="0"/>
+              <a:t>module</a:t>
+            </a:r>
+          </a:p>
+          <a:p>
+            <a:pPr lvl="1"/>
+            <a:r>
+              <a:rPr lang="en-US" b="1" dirty="0" err="1"/>
+              <a:t>endmodule</a:t>
+            </a:r>
+            <a:endParaRPr lang="en-US" b="1" dirty="0"/>
+          </a:p>
+          <a:p>
+            <a:pPr lvl="1"/>
+            <a:endParaRPr lang="en-US" dirty="0"/>
+          </a:p>
+          <a:p>
+            <a:pPr lvl="1"/>
+            <a:r>
+              <a:rPr lang="en-US" dirty="0"/>
+              <a:t>class</a:t>
+            </a:r>
+          </a:p>
+          <a:p>
+            <a:pPr lvl="1"/>
+            <a:r>
+              <a:rPr lang="en-US" dirty="0" err="1"/>
+              <a:t>endclass</a:t>
+            </a:r>
+            <a:endParaRPr lang="en-US" dirty="0"/>
+          </a:p>
+          <a:p>
+            <a:endParaRPr lang="en-US" dirty="0"/>
+          </a:p>
+          <a:p>
+            <a:pPr lvl="1"/>
+            <a:r>
+              <a:rPr lang="en-US" dirty="0"/>
+              <a:t>interface </a:t>
+            </a:r>
+          </a:p>
+          <a:p>
+            <a:pPr lvl="1"/>
+            <a:r>
+              <a:rPr lang="en-US" dirty="0" err="1"/>
+              <a:t>endinterface</a:t>
+            </a:r>
+            <a:endParaRPr lang="en-US" dirty="0"/>
+          </a:p>
+          <a:p>
+            <a:pPr lvl="1"/>
+            <a:endParaRPr lang="en-US" dirty="0"/>
+          </a:p>
+          <a:p>
+            <a:pPr lvl="1"/>
+            <a:r>
+              <a:rPr lang="en-US" dirty="0"/>
+              <a:t>checker</a:t>
+            </a:r>
+          </a:p>
+          <a:p>
+            <a:pPr lvl="1"/>
+            <a:r>
+              <a:rPr lang="en-US" dirty="0" err="1"/>
+              <a:t>endchecker</a:t>
+            </a:r>
+            <a:endParaRPr lang="en-US" dirty="0"/>
+          </a:p>
+          <a:p>
+            <a:pPr lvl="1"/>
+            <a:endParaRPr lang="en-US" dirty="0"/>
+          </a:p>
+          <a:p>
+            <a:pPr lvl="1"/>
+            <a:r>
+              <a:rPr lang="en-US" dirty="0"/>
+              <a:t>program</a:t>
+            </a:r>
+          </a:p>
+          <a:p>
+            <a:pPr lvl="1"/>
+            <a:r>
+              <a:rPr lang="en-US" dirty="0" err="1"/>
+              <a:t>endprogram</a:t>
+            </a:r>
+            <a:endParaRPr lang="en-US" dirty="0"/>
+          </a:p>
+          <a:p>
+            <a:pPr lvl="1"/>
+            <a:endParaRPr lang="en-US" dirty="0"/>
+          </a:p>
+          <a:p>
+            <a:pPr lvl="1"/>
+            <a:r>
+              <a:rPr lang="en-US" dirty="0"/>
+              <a:t>generate</a:t>
+            </a:r>
+          </a:p>
+          <a:p>
+            <a:pPr lvl="1"/>
+            <a:r>
+              <a:rPr lang="en-US" dirty="0" err="1"/>
+              <a:t>endgenerate</a:t>
+            </a:r>
+            <a:endParaRPr lang="en-US" dirty="0"/>
+          </a:p>
+        </p:txBody>
+      </p:sp>
+      <p:sp>
+        <p:nvSpPr>
+          <p:cNvPr id="4" name="Slide Number Placeholder 3">
+            <a:extLst>
+              <a:ext uri="{FF2B5EF4-FFF2-40B4-BE49-F238E27FC236}">
+                <a16:creationId xmlns:a16="http://schemas.microsoft.com/office/drawing/2014/main" id="{AC7F354A-7DB9-26FB-09B1-62B5D79E1C4A}"/>
+              </a:ext>
+            </a:extLst>
+          </p:cNvPr>
+          <p:cNvSpPr>
+            <a:spLocks noGrp="1"/>
+          </p:cNvSpPr>
+          <p:nvPr>
+            <p:ph type="sldNum" sz="quarter" idx="12"/>
+          </p:nvPr>
+        </p:nvSpPr>
+        <p:spPr/>
+        <p:txBody>
+          <a:bodyPr/>
+          <a:lstStyle/>
+          <a:p>
+            <a:fld id="{8A2B06E4-34D2-4DD4-ABFF-9F74AC2B18B5}" type="slidenum">
+              <a:rPr lang="en-US" smtClean="0"/>
+              <a:t>41</a:t>
+            </a:fld>
+            <a:endParaRPr lang="en-US" dirty="0"/>
+          </a:p>
+        </p:txBody>
+      </p:sp>
+      <p:sp>
+        <p:nvSpPr>
+          <p:cNvPr id="5" name="Content Placeholder 2">
+            <a:extLst>
+              <a:ext uri="{FF2B5EF4-FFF2-40B4-BE49-F238E27FC236}">
+                <a16:creationId xmlns:a16="http://schemas.microsoft.com/office/drawing/2014/main" id="{C56A286A-DF8E-552E-E1AA-8A6159B25E16}"/>
+              </a:ext>
+            </a:extLst>
+          </p:cNvPr>
+          <p:cNvSpPr txBox="1">
+            <a:spLocks/>
+          </p:cNvSpPr>
+          <p:nvPr/>
+        </p:nvSpPr>
+        <p:spPr>
+          <a:xfrm>
+            <a:off x="3679633" y="1064029"/>
+            <a:ext cx="3804243" cy="4662068"/>
+          </a:xfrm>
+          <a:prstGeom prst="rect">
+            <a:avLst/>
+          </a:prstGeom>
+        </p:spPr>
+        <p:txBody>
+          <a:bodyPr vert="horz" lIns="91440" tIns="45720" rIns="91440" bIns="45720" rtlCol="0">
+            <a:normAutofit/>
+          </a:bodyPr>
+          <a:lstStyle>
+            <a:lvl1pPr marL="228600" indent="-228600" algn="l" defTabSz="914400" rtl="0" eaLnBrk="1" latinLnBrk="0" hangingPunct="1">
+              <a:lnSpc>
+                <a:spcPct val="90000"/>
+              </a:lnSpc>
+              <a:spcBef>
+                <a:spcPts val="1000"/>
+              </a:spcBef>
+              <a:buFont typeface="Arial" panose="020B0604020202020204" pitchFamily="34" charset="0"/>
+              <a:buChar char="•"/>
+              <a:defRPr sz="1400" kern="1200">
+                <a:solidFill>
+                  <a:schemeClr val="tx1"/>
+                </a:solidFill>
+                <a:latin typeface="+mn-lt"/>
+                <a:ea typeface="+mn-ea"/>
+                <a:cs typeface="+mn-cs"/>
+              </a:defRPr>
+            </a:lvl1pPr>
+            <a:lvl2pPr marL="685800" indent="-228600" algn="l" defTabSz="914400" rtl="0" eaLnBrk="1" latinLnBrk="0" hangingPunct="1">
+              <a:lnSpc>
+                <a:spcPct val="90000"/>
+              </a:lnSpc>
+              <a:spcBef>
+                <a:spcPts val="500"/>
+              </a:spcBef>
+              <a:buFont typeface="Arial" panose="020B0604020202020204" pitchFamily="34" charset="0"/>
+              <a:buChar char="•"/>
+              <a:defRPr sz="1200" kern="1200">
+                <a:solidFill>
+                  <a:schemeClr val="tx1"/>
+                </a:solidFill>
+                <a:latin typeface="+mn-lt"/>
+                <a:ea typeface="+mn-ea"/>
+                <a:cs typeface="+mn-cs"/>
+              </a:defRPr>
+            </a:lvl2pPr>
+            <a:lvl3pPr marL="1143000" indent="-228600" algn="l" defTabSz="914400" rtl="0" eaLnBrk="1" latinLnBrk="0" hangingPunct="1">
+              <a:lnSpc>
+                <a:spcPct val="90000"/>
+              </a:lnSpc>
+              <a:spcBef>
+                <a:spcPts val="500"/>
+              </a:spcBef>
+              <a:buFont typeface="Arial" panose="020B0604020202020204" pitchFamily="34" charset="0"/>
+              <a:buChar char="•"/>
+              <a:defRPr sz="1200" kern="1200">
+                <a:solidFill>
+                  <a:schemeClr val="tx1"/>
+                </a:solidFill>
+                <a:latin typeface="+mn-lt"/>
+                <a:ea typeface="+mn-ea"/>
+                <a:cs typeface="+mn-cs"/>
+              </a:defRPr>
+            </a:lvl3pPr>
+            <a:lvl4pPr marL="1600200" indent="-228600" algn="l" defTabSz="914400" rtl="0" eaLnBrk="1" latinLnBrk="0" hangingPunct="1">
+              <a:lnSpc>
+                <a:spcPct val="90000"/>
+              </a:lnSpc>
+              <a:spcBef>
+                <a:spcPts val="500"/>
+              </a:spcBef>
+              <a:buFont typeface="Arial" panose="020B0604020202020204" pitchFamily="34" charset="0"/>
+              <a:buChar char="•"/>
+              <a:defRPr sz="1200" kern="1200">
+                <a:solidFill>
+                  <a:schemeClr val="tx1"/>
+                </a:solidFill>
+                <a:latin typeface="+mn-lt"/>
+                <a:ea typeface="+mn-ea"/>
+                <a:cs typeface="+mn-cs"/>
+              </a:defRPr>
+            </a:lvl4pPr>
+            <a:lvl5pPr marL="2057400" indent="-228600" algn="l" defTabSz="914400" rtl="0" eaLnBrk="1" latinLnBrk="0" hangingPunct="1">
+              <a:lnSpc>
+                <a:spcPct val="90000"/>
+              </a:lnSpc>
+              <a:spcBef>
+                <a:spcPts val="500"/>
+              </a:spcBef>
+              <a:buFont typeface="Arial" panose="020B0604020202020204" pitchFamily="34" charset="0"/>
+              <a:buChar char="•"/>
+              <a:defRPr sz="1200" kern="1200">
+                <a:solidFill>
+                  <a:schemeClr val="tx1"/>
+                </a:solidFill>
+                <a:latin typeface="+mn-lt"/>
+                <a:ea typeface="+mn-ea"/>
+                <a:cs typeface="+mn-cs"/>
+              </a:defRPr>
+            </a:lvl5pPr>
+            <a:lvl6pPr marL="2514600" indent="-228600" algn="l" defTabSz="914400" rtl="0" eaLnBrk="1" latinLnBrk="0" hangingPunct="1">
+              <a:lnSpc>
+                <a:spcPct val="90000"/>
+              </a:lnSpc>
+              <a:spcBef>
+                <a:spcPts val="500"/>
+              </a:spcBef>
+              <a:buFont typeface="Arial" panose="020B0604020202020204" pitchFamily="34" charset="0"/>
+              <a:buChar char="•"/>
+              <a:defRPr sz="1800" kern="1200">
+                <a:solidFill>
+                  <a:schemeClr val="tx1"/>
+                </a:solidFill>
+                <a:latin typeface="+mn-lt"/>
+                <a:ea typeface="+mn-ea"/>
+                <a:cs typeface="+mn-cs"/>
+              </a:defRPr>
+            </a:lvl6pPr>
+            <a:lvl7pPr marL="2971800" indent="-228600" algn="l" defTabSz="914400" rtl="0" eaLnBrk="1" latinLnBrk="0" hangingPunct="1">
+              <a:lnSpc>
+                <a:spcPct val="90000"/>
+              </a:lnSpc>
+              <a:spcBef>
+                <a:spcPts val="500"/>
+              </a:spcBef>
+              <a:buFont typeface="Arial" panose="020B0604020202020204" pitchFamily="34" charset="0"/>
+              <a:buChar char="•"/>
+              <a:defRPr sz="1800" kern="1200">
+                <a:solidFill>
+                  <a:schemeClr val="tx1"/>
+                </a:solidFill>
+                <a:latin typeface="+mn-lt"/>
+                <a:ea typeface="+mn-ea"/>
+                <a:cs typeface="+mn-cs"/>
+              </a:defRPr>
+            </a:lvl7pPr>
+            <a:lvl8pPr marL="3429000" indent="-228600" algn="l" defTabSz="914400" rtl="0" eaLnBrk="1" latinLnBrk="0" hangingPunct="1">
+              <a:lnSpc>
+                <a:spcPct val="90000"/>
+              </a:lnSpc>
+              <a:spcBef>
+                <a:spcPts val="500"/>
+              </a:spcBef>
+              <a:buFont typeface="Arial" panose="020B0604020202020204" pitchFamily="34" charset="0"/>
+              <a:buChar char="•"/>
+              <a:defRPr sz="1800" kern="1200">
+                <a:solidFill>
+                  <a:schemeClr val="tx1"/>
+                </a:solidFill>
+                <a:latin typeface="+mn-lt"/>
+                <a:ea typeface="+mn-ea"/>
+                <a:cs typeface="+mn-cs"/>
+              </a:defRPr>
+            </a:lvl8pPr>
+            <a:lvl9pPr marL="3886200" indent="-228600" algn="l" defTabSz="914400" rtl="0" eaLnBrk="1" latinLnBrk="0" hangingPunct="1">
+              <a:lnSpc>
+                <a:spcPct val="90000"/>
+              </a:lnSpc>
+              <a:spcBef>
+                <a:spcPts val="500"/>
+              </a:spcBef>
+              <a:buFont typeface="Arial" panose="020B0604020202020204" pitchFamily="34" charset="0"/>
+              <a:buChar char="•"/>
+              <a:defRPr sz="1800" kern="1200">
+                <a:solidFill>
+                  <a:schemeClr val="tx1"/>
+                </a:solidFill>
+                <a:latin typeface="+mn-lt"/>
+                <a:ea typeface="+mn-ea"/>
+                <a:cs typeface="+mn-cs"/>
+              </a:defRPr>
+            </a:lvl9pPr>
+          </a:lstStyle>
+          <a:p>
+            <a:r>
+              <a:rPr lang="en-US" dirty="0"/>
+              <a:t>example</a:t>
+            </a:r>
+          </a:p>
+          <a:p>
+            <a:pPr lvl="1"/>
+            <a:r>
+              <a:rPr lang="en-US" b="1" dirty="0"/>
+              <a:t>module</a:t>
+            </a:r>
+            <a:r>
+              <a:rPr lang="en-US" dirty="0"/>
+              <a:t> top</a:t>
+            </a:r>
+          </a:p>
+          <a:p>
+            <a:pPr lvl="2"/>
+            <a:r>
+              <a:rPr lang="en-US" dirty="0"/>
+              <a:t>c1 inst_c1();</a:t>
+            </a:r>
+          </a:p>
+          <a:p>
+            <a:pPr lvl="2"/>
+            <a:r>
+              <a:rPr lang="en-US" dirty="0"/>
+              <a:t>i1 inst_i1;</a:t>
+            </a:r>
+          </a:p>
+          <a:p>
+            <a:pPr lvl="1"/>
+            <a:r>
+              <a:rPr lang="en-US" dirty="0" err="1"/>
+              <a:t>endmodule</a:t>
+            </a:r>
+            <a:endParaRPr lang="en-US" dirty="0"/>
+          </a:p>
+          <a:p>
+            <a:pPr lvl="1"/>
+            <a:endParaRPr lang="en-US" dirty="0"/>
+          </a:p>
+          <a:p>
+            <a:pPr lvl="1"/>
+            <a:r>
+              <a:rPr lang="en-US" b="1" dirty="0"/>
+              <a:t>class</a:t>
+            </a:r>
+            <a:r>
+              <a:rPr lang="en-US" dirty="0"/>
+              <a:t> c1</a:t>
+            </a:r>
+          </a:p>
+          <a:p>
+            <a:pPr lvl="1"/>
+            <a:r>
+              <a:rPr lang="en-US" dirty="0" err="1"/>
+              <a:t>endclass</a:t>
+            </a:r>
+            <a:endParaRPr lang="en-US" dirty="0"/>
+          </a:p>
+          <a:p>
+            <a:pPr lvl="1"/>
+            <a:endParaRPr lang="en-US" dirty="0"/>
+          </a:p>
+          <a:p>
+            <a:pPr lvl="1"/>
+            <a:r>
+              <a:rPr lang="en-US" b="1" dirty="0"/>
+              <a:t>interface</a:t>
+            </a:r>
+            <a:r>
+              <a:rPr lang="en-US" dirty="0"/>
+              <a:t> i1</a:t>
+            </a:r>
+          </a:p>
+          <a:p>
+            <a:pPr lvl="1"/>
+            <a:r>
+              <a:rPr lang="en-US" dirty="0" err="1"/>
+              <a:t>endinterface</a:t>
+            </a:r>
+            <a:r>
+              <a:rPr lang="en-US" dirty="0"/>
+              <a:t> </a:t>
+            </a:r>
+          </a:p>
+          <a:p>
+            <a:pPr lvl="1"/>
+            <a:endParaRPr lang="en-US" dirty="0"/>
+          </a:p>
+          <a:p>
+            <a:pPr lvl="1"/>
+            <a:r>
+              <a:rPr lang="en-US" b="1" dirty="0"/>
+              <a:t>interface</a:t>
+            </a:r>
+            <a:r>
+              <a:rPr lang="en-US" dirty="0"/>
+              <a:t> i2</a:t>
+            </a:r>
+          </a:p>
+          <a:p>
+            <a:pPr lvl="1"/>
+            <a:r>
+              <a:rPr lang="en-US" dirty="0" err="1"/>
+              <a:t>endinterface</a:t>
+            </a:r>
+            <a:r>
+              <a:rPr lang="en-US" dirty="0"/>
+              <a:t> </a:t>
+            </a:r>
+          </a:p>
+          <a:p>
+            <a:pPr lvl="1"/>
+            <a:endParaRPr lang="en-US" dirty="0"/>
+          </a:p>
+        </p:txBody>
+      </p:sp>
+      <p:sp>
+        <p:nvSpPr>
+          <p:cNvPr id="6" name="Content Placeholder 2">
+            <a:extLst>
+              <a:ext uri="{FF2B5EF4-FFF2-40B4-BE49-F238E27FC236}">
+                <a16:creationId xmlns:a16="http://schemas.microsoft.com/office/drawing/2014/main" id="{B18A52DC-F630-E380-D59D-78A3CE65BFB3}"/>
+              </a:ext>
+            </a:extLst>
+          </p:cNvPr>
+          <p:cNvSpPr txBox="1">
+            <a:spLocks/>
+          </p:cNvSpPr>
+          <p:nvPr/>
+        </p:nvSpPr>
+        <p:spPr>
+          <a:xfrm>
+            <a:off x="6627019" y="1064029"/>
+            <a:ext cx="3804243" cy="4662068"/>
+          </a:xfrm>
+          <a:prstGeom prst="rect">
+            <a:avLst/>
+          </a:prstGeom>
+        </p:spPr>
+        <p:txBody>
+          <a:bodyPr vert="horz" lIns="91440" tIns="45720" rIns="91440" bIns="45720" rtlCol="0">
+            <a:normAutofit/>
+          </a:bodyPr>
+          <a:lstStyle>
+            <a:lvl1pPr marL="228600" indent="-228600" algn="l" defTabSz="914400" rtl="0" eaLnBrk="1" latinLnBrk="0" hangingPunct="1">
+              <a:lnSpc>
+                <a:spcPct val="90000"/>
+              </a:lnSpc>
+              <a:spcBef>
+                <a:spcPts val="1000"/>
+              </a:spcBef>
+              <a:buFont typeface="Arial" panose="020B0604020202020204" pitchFamily="34" charset="0"/>
+              <a:buChar char="•"/>
+              <a:defRPr sz="1400" kern="1200">
+                <a:solidFill>
+                  <a:schemeClr val="tx1"/>
+                </a:solidFill>
+                <a:latin typeface="+mn-lt"/>
+                <a:ea typeface="+mn-ea"/>
+                <a:cs typeface="+mn-cs"/>
+              </a:defRPr>
+            </a:lvl1pPr>
+            <a:lvl2pPr marL="685800" indent="-228600" algn="l" defTabSz="914400" rtl="0" eaLnBrk="1" latinLnBrk="0" hangingPunct="1">
+              <a:lnSpc>
+                <a:spcPct val="90000"/>
+              </a:lnSpc>
+              <a:spcBef>
+                <a:spcPts val="500"/>
+              </a:spcBef>
+              <a:buFont typeface="Arial" panose="020B0604020202020204" pitchFamily="34" charset="0"/>
+              <a:buChar char="•"/>
+              <a:defRPr sz="1200" kern="1200">
+                <a:solidFill>
+                  <a:schemeClr val="tx1"/>
+                </a:solidFill>
+                <a:latin typeface="+mn-lt"/>
+                <a:ea typeface="+mn-ea"/>
+                <a:cs typeface="+mn-cs"/>
+              </a:defRPr>
+            </a:lvl2pPr>
+            <a:lvl3pPr marL="1143000" indent="-228600" algn="l" defTabSz="914400" rtl="0" eaLnBrk="1" latinLnBrk="0" hangingPunct="1">
+              <a:lnSpc>
+                <a:spcPct val="90000"/>
+              </a:lnSpc>
+              <a:spcBef>
+                <a:spcPts val="500"/>
+              </a:spcBef>
+              <a:buFont typeface="Arial" panose="020B0604020202020204" pitchFamily="34" charset="0"/>
+              <a:buChar char="•"/>
+              <a:defRPr sz="1200" kern="1200">
+                <a:solidFill>
+                  <a:schemeClr val="tx1"/>
+                </a:solidFill>
+                <a:latin typeface="+mn-lt"/>
+                <a:ea typeface="+mn-ea"/>
+                <a:cs typeface="+mn-cs"/>
+              </a:defRPr>
+            </a:lvl3pPr>
+            <a:lvl4pPr marL="1600200" indent="-228600" algn="l" defTabSz="914400" rtl="0" eaLnBrk="1" latinLnBrk="0" hangingPunct="1">
+              <a:lnSpc>
+                <a:spcPct val="90000"/>
+              </a:lnSpc>
+              <a:spcBef>
+                <a:spcPts val="500"/>
+              </a:spcBef>
+              <a:buFont typeface="Arial" panose="020B0604020202020204" pitchFamily="34" charset="0"/>
+              <a:buChar char="•"/>
+              <a:defRPr sz="1200" kern="1200">
+                <a:solidFill>
+                  <a:schemeClr val="tx1"/>
+                </a:solidFill>
+                <a:latin typeface="+mn-lt"/>
+                <a:ea typeface="+mn-ea"/>
+                <a:cs typeface="+mn-cs"/>
+              </a:defRPr>
+            </a:lvl4pPr>
+            <a:lvl5pPr marL="2057400" indent="-228600" algn="l" defTabSz="914400" rtl="0" eaLnBrk="1" latinLnBrk="0" hangingPunct="1">
+              <a:lnSpc>
+                <a:spcPct val="90000"/>
+              </a:lnSpc>
+              <a:spcBef>
+                <a:spcPts val="500"/>
+              </a:spcBef>
+              <a:buFont typeface="Arial" panose="020B0604020202020204" pitchFamily="34" charset="0"/>
+              <a:buChar char="•"/>
+              <a:defRPr sz="1200" kern="1200">
+                <a:solidFill>
+                  <a:schemeClr val="tx1"/>
+                </a:solidFill>
+                <a:latin typeface="+mn-lt"/>
+                <a:ea typeface="+mn-ea"/>
+                <a:cs typeface="+mn-cs"/>
+              </a:defRPr>
+            </a:lvl5pPr>
+            <a:lvl6pPr marL="2514600" indent="-228600" algn="l" defTabSz="914400" rtl="0" eaLnBrk="1" latinLnBrk="0" hangingPunct="1">
+              <a:lnSpc>
+                <a:spcPct val="90000"/>
+              </a:lnSpc>
+              <a:spcBef>
+                <a:spcPts val="500"/>
+              </a:spcBef>
+              <a:buFont typeface="Arial" panose="020B0604020202020204" pitchFamily="34" charset="0"/>
+              <a:buChar char="•"/>
+              <a:defRPr sz="1800" kern="1200">
+                <a:solidFill>
+                  <a:schemeClr val="tx1"/>
+                </a:solidFill>
+                <a:latin typeface="+mn-lt"/>
+                <a:ea typeface="+mn-ea"/>
+                <a:cs typeface="+mn-cs"/>
+              </a:defRPr>
+            </a:lvl6pPr>
+            <a:lvl7pPr marL="2971800" indent="-228600" algn="l" defTabSz="914400" rtl="0" eaLnBrk="1" latinLnBrk="0" hangingPunct="1">
+              <a:lnSpc>
+                <a:spcPct val="90000"/>
+              </a:lnSpc>
+              <a:spcBef>
+                <a:spcPts val="500"/>
+              </a:spcBef>
+              <a:buFont typeface="Arial" panose="020B0604020202020204" pitchFamily="34" charset="0"/>
+              <a:buChar char="•"/>
+              <a:defRPr sz="1800" kern="1200">
+                <a:solidFill>
+                  <a:schemeClr val="tx1"/>
+                </a:solidFill>
+                <a:latin typeface="+mn-lt"/>
+                <a:ea typeface="+mn-ea"/>
+                <a:cs typeface="+mn-cs"/>
+              </a:defRPr>
+            </a:lvl7pPr>
+            <a:lvl8pPr marL="3429000" indent="-228600" algn="l" defTabSz="914400" rtl="0" eaLnBrk="1" latinLnBrk="0" hangingPunct="1">
+              <a:lnSpc>
+                <a:spcPct val="90000"/>
+              </a:lnSpc>
+              <a:spcBef>
+                <a:spcPts val="500"/>
+              </a:spcBef>
+              <a:buFont typeface="Arial" panose="020B0604020202020204" pitchFamily="34" charset="0"/>
+              <a:buChar char="•"/>
+              <a:defRPr sz="1800" kern="1200">
+                <a:solidFill>
+                  <a:schemeClr val="tx1"/>
+                </a:solidFill>
+                <a:latin typeface="+mn-lt"/>
+                <a:ea typeface="+mn-ea"/>
+                <a:cs typeface="+mn-cs"/>
+              </a:defRPr>
+            </a:lvl8pPr>
+            <a:lvl9pPr marL="3886200" indent="-228600" algn="l" defTabSz="914400" rtl="0" eaLnBrk="1" latinLnBrk="0" hangingPunct="1">
+              <a:lnSpc>
+                <a:spcPct val="90000"/>
+              </a:lnSpc>
+              <a:spcBef>
+                <a:spcPts val="500"/>
+              </a:spcBef>
+              <a:buFont typeface="Arial" panose="020B0604020202020204" pitchFamily="34" charset="0"/>
+              <a:buChar char="•"/>
+              <a:defRPr sz="1800" kern="1200">
+                <a:solidFill>
+                  <a:schemeClr val="tx1"/>
+                </a:solidFill>
+                <a:latin typeface="+mn-lt"/>
+                <a:ea typeface="+mn-ea"/>
+                <a:cs typeface="+mn-cs"/>
+              </a:defRPr>
+            </a:lvl9pPr>
+          </a:lstStyle>
+          <a:p>
+            <a:r>
+              <a:rPr lang="en-US" dirty="0"/>
+              <a:t>example2</a:t>
+            </a:r>
+          </a:p>
+          <a:p>
+            <a:pPr lvl="1"/>
+            <a:r>
+              <a:rPr lang="en-US" b="1" dirty="0"/>
+              <a:t>module</a:t>
+            </a:r>
+            <a:r>
+              <a:rPr lang="en-US" dirty="0"/>
+              <a:t> top</a:t>
+            </a:r>
+          </a:p>
+          <a:p>
+            <a:pPr lvl="2"/>
+            <a:r>
+              <a:rPr lang="en-US" dirty="0"/>
+              <a:t>c1 inst_c1();</a:t>
+            </a:r>
+          </a:p>
+          <a:p>
+            <a:pPr lvl="2"/>
+            <a:r>
+              <a:rPr lang="en-US" dirty="0"/>
+              <a:t>i1 inst_i1;</a:t>
+            </a:r>
+          </a:p>
+          <a:p>
+            <a:pPr lvl="1"/>
+            <a:r>
+              <a:rPr lang="en-US" dirty="0" err="1"/>
+              <a:t>endmodule</a:t>
+            </a:r>
+            <a:endParaRPr lang="en-US" dirty="0"/>
+          </a:p>
+          <a:p>
+            <a:pPr lvl="1"/>
+            <a:endParaRPr lang="en-US" dirty="0"/>
+          </a:p>
+          <a:p>
+            <a:pPr lvl="1"/>
+            <a:r>
+              <a:rPr lang="en-US" b="1" dirty="0"/>
+              <a:t>class</a:t>
+            </a:r>
+            <a:r>
+              <a:rPr lang="en-US" dirty="0"/>
+              <a:t> c1</a:t>
+            </a:r>
+          </a:p>
+          <a:p>
+            <a:pPr lvl="1"/>
+            <a:r>
+              <a:rPr lang="en-US" dirty="0" err="1"/>
+              <a:t>endclass</a:t>
+            </a:r>
+            <a:endParaRPr lang="en-US" dirty="0"/>
+          </a:p>
+          <a:p>
+            <a:pPr lvl="1"/>
+            <a:endParaRPr lang="en-US" dirty="0"/>
+          </a:p>
+          <a:p>
+            <a:pPr lvl="1"/>
+            <a:r>
+              <a:rPr lang="en-US" b="1" dirty="0"/>
+              <a:t>interface</a:t>
+            </a:r>
+            <a:r>
+              <a:rPr lang="en-US" dirty="0"/>
+              <a:t> i1();</a:t>
+            </a:r>
+          </a:p>
+          <a:p>
+            <a:pPr lvl="2"/>
+            <a:r>
+              <a:rPr lang="en-US" dirty="0"/>
+              <a:t>clocking</a:t>
+            </a:r>
+          </a:p>
+          <a:p>
+            <a:pPr lvl="2"/>
+            <a:endParaRPr lang="en-US" dirty="0"/>
+          </a:p>
+          <a:p>
+            <a:pPr lvl="2"/>
+            <a:r>
+              <a:rPr lang="en-US" dirty="0" err="1"/>
+              <a:t>endclocking</a:t>
+            </a:r>
+            <a:endParaRPr lang="en-US" dirty="0"/>
+          </a:p>
+          <a:p>
+            <a:pPr lvl="2"/>
+            <a:r>
+              <a:rPr lang="en-US" dirty="0" err="1"/>
+              <a:t>modport</a:t>
+            </a:r>
+            <a:r>
+              <a:rPr lang="en-US" dirty="0"/>
+              <a:t> m1;</a:t>
+            </a:r>
+          </a:p>
+          <a:p>
+            <a:pPr lvl="2"/>
+            <a:r>
+              <a:rPr lang="en-US" dirty="0" err="1"/>
+              <a:t>modport</a:t>
+            </a:r>
+            <a:r>
+              <a:rPr lang="en-US" dirty="0"/>
+              <a:t> m2;</a:t>
+            </a:r>
+          </a:p>
+          <a:p>
+            <a:pPr lvl="1"/>
+            <a:r>
+              <a:rPr lang="en-US" dirty="0" err="1"/>
+              <a:t>endinterface</a:t>
+            </a:r>
+            <a:r>
+              <a:rPr lang="en-US" dirty="0"/>
+              <a:t> </a:t>
+            </a:r>
+          </a:p>
+          <a:p>
+            <a:pPr lvl="1"/>
+            <a:endParaRPr lang="en-US" dirty="0"/>
+          </a:p>
+          <a:p>
+            <a:pPr lvl="1"/>
+            <a:r>
+              <a:rPr lang="en-US" b="1" dirty="0"/>
+              <a:t>interface</a:t>
+            </a:r>
+            <a:r>
+              <a:rPr lang="en-US" dirty="0"/>
+              <a:t> i2</a:t>
+            </a:r>
+          </a:p>
+          <a:p>
+            <a:pPr lvl="1"/>
+            <a:r>
+              <a:rPr lang="en-US" dirty="0" err="1"/>
+              <a:t>endinterface</a:t>
+            </a:r>
+            <a:r>
+              <a:rPr lang="en-US" dirty="0"/>
+              <a:t> </a:t>
+            </a:r>
+          </a:p>
+          <a:p>
+            <a:pPr lvl="1"/>
+            <a:endParaRPr lang="en-US" dirty="0"/>
+          </a:p>
+        </p:txBody>
+      </p:sp>
+    </p:spTree>
+    <p:extLst>
+      <p:ext uri="{BB962C8B-B14F-4D97-AF65-F5344CB8AC3E}">
+        <p14:creationId xmlns:p14="http://schemas.microsoft.com/office/powerpoint/2010/main" val="2960610283"/>
+      </p:ext>
+    </p:extLst>
+  </p:cSld>
+  <p:clrMapOvr>
+    <a:masterClrMapping/>
+  </p:clrMapOvr>
+</p:sld>
+</file>
+
+<file path=ppt/slides/slide42.xml><?xml version="1.0" encoding="utf-8"?>
+<p:sld xmlns:a="http://schemas.openxmlformats.org/drawingml/2006/main" xmlns:r="http://schemas.openxmlformats.org/officeDocument/2006/relationships" xmlns:p="http://schemas.openxmlformats.org/presentationml/2006/main">
+  <p:cSld>
+    <p:spTree>
+      <p:nvGrpSpPr>
+        <p:cNvPr id="1" name=""/>
+        <p:cNvGrpSpPr/>
+        <p:nvPr/>
+      </p:nvGrpSpPr>
+      <p:grpSpPr>
+        <a:xfrm>
+          <a:off x="0" y="0"/>
+          <a:ext cx="0" cy="0"/>
+          <a:chOff x="0" y="0"/>
+          <a:chExt cx="0" cy="0"/>
+        </a:xfrm>
+      </p:grpSpPr>
+      <p:sp>
+        <p:nvSpPr>
+          <p:cNvPr id="2" name="Title 1">
+            <a:extLst>
+              <a:ext uri="{FF2B5EF4-FFF2-40B4-BE49-F238E27FC236}">
+                <a16:creationId xmlns:a16="http://schemas.microsoft.com/office/drawing/2014/main" id="{73D23E56-2C2B-BFB5-0308-AF09DD1B0B6B}"/>
+              </a:ext>
+            </a:extLst>
+          </p:cNvPr>
+          <p:cNvSpPr>
+            <a:spLocks noGrp="1"/>
+          </p:cNvSpPr>
+          <p:nvPr>
+            <p:ph type="title"/>
+          </p:nvPr>
+        </p:nvSpPr>
+        <p:spPr/>
+        <p:txBody>
+          <a:bodyPr/>
+          <a:lstStyle/>
+          <a:p>
+            <a:r>
+              <a:rPr lang="en-US" dirty="0"/>
+              <a:t>lab07</a:t>
+            </a:r>
+          </a:p>
+        </p:txBody>
+      </p:sp>
+      <p:sp>
+        <p:nvSpPr>
+          <p:cNvPr id="3" name="Content Placeholder 2">
+            <a:extLst>
+              <a:ext uri="{FF2B5EF4-FFF2-40B4-BE49-F238E27FC236}">
                 <a16:creationId xmlns:a16="http://schemas.microsoft.com/office/drawing/2014/main" id="{2657A5E9-1614-2F41-5306-EC564139BD28}"/>
               </a:ext>
             </a:extLst>
@@ -23674,7 +24577,7 @@
           <a:p>
             <a:fld id="{8A2B06E4-34D2-4DD4-ABFF-9F74AC2B18B5}" type="slidenum">
               <a:rPr lang="en-US" smtClean="0"/>
-              <a:t>41</a:t>
+              <a:t>42</a:t>
             </a:fld>
             <a:endParaRPr lang="en-US" dirty="0"/>
           </a:p>
@@ -23854,7 +24757,7 @@
 </p:sld>
 </file>
 
-<file path=ppt/slides/slide42.xml><?xml version="1.0" encoding="utf-8"?>
+<file path=ppt/slides/slide43.xml><?xml version="1.0" encoding="utf-8"?>
 <p:sld xmlns:a="http://schemas.openxmlformats.org/drawingml/2006/main" xmlns:r="http://schemas.openxmlformats.org/officeDocument/2006/relationships" xmlns:p="http://schemas.openxmlformats.org/presentationml/2006/main">
   <p:cSld>
     <p:spTree>
@@ -23947,7 +24850,7 @@
           <a:p>
             <a:fld id="{8A2B06E4-34D2-4DD4-ABFF-9F74AC2B18B5}" type="slidenum">
               <a:rPr lang="en-US" smtClean="0"/>
-              <a:t>42</a:t>
+              <a:t>43</a:t>
             </a:fld>
             <a:endParaRPr lang="en-US" dirty="0"/>
           </a:p>
@@ -24445,7 +25348,7 @@
 </p:sld>
 </file>
 
-<file path=ppt/slides/slide43.xml><?xml version="1.0" encoding="utf-8"?>
+<file path=ppt/slides/slide44.xml><?xml version="1.0" encoding="utf-8"?>
 <p:sld xmlns:a="http://schemas.openxmlformats.org/drawingml/2006/main" xmlns:r="http://schemas.openxmlformats.org/officeDocument/2006/relationships" xmlns:p="http://schemas.openxmlformats.org/presentationml/2006/main">
   <p:cSld>
     <p:spTree>
@@ -24513,7 +25416,7 @@
           <a:p>
             <a:fld id="{8A2B06E4-34D2-4DD4-ABFF-9F74AC2B18B5}" type="slidenum">
               <a:rPr lang="en-US" smtClean="0"/>
-              <a:t>43</a:t>
+              <a:t>44</a:t>
             </a:fld>
             <a:endParaRPr lang="en-US" dirty="0"/>
           </a:p>
@@ -25602,7 +26505,7 @@
 </p:sld>
 </file>
 
-<file path=ppt/slides/slide44.xml><?xml version="1.0" encoding="utf-8"?>
+<file path=ppt/slides/slide45.xml><?xml version="1.0" encoding="utf-8"?>
 <p:sld xmlns:a="http://schemas.openxmlformats.org/drawingml/2006/main" xmlns:r="http://schemas.openxmlformats.org/officeDocument/2006/relationships" xmlns:p="http://schemas.openxmlformats.org/presentationml/2006/main">
   <p:cSld>
     <p:spTree>
@@ -25670,7 +26573,7 @@
           <a:p>
             <a:fld id="{8A2B06E4-34D2-4DD4-ABFF-9F74AC2B18B5}" type="slidenum">
               <a:rPr lang="en-US" smtClean="0"/>
-              <a:t>44</a:t>
+              <a:t>45</a:t>
             </a:fld>
             <a:endParaRPr lang="en-US" dirty="0"/>
           </a:p>
@@ -26137,7 +27040,7 @@
 </p:sld>
 </file>
 
-<file path=ppt/slides/slide45.xml><?xml version="1.0" encoding="utf-8"?>
+<file path=ppt/slides/slide46.xml><?xml version="1.0" encoding="utf-8"?>
 <p:sld xmlns:a="http://schemas.openxmlformats.org/drawingml/2006/main" xmlns:r="http://schemas.openxmlformats.org/officeDocument/2006/relationships" xmlns:p="http://schemas.openxmlformats.org/presentationml/2006/main">
   <p:cSld>
     <p:spTree>
@@ -26235,7 +27138,7 @@
           <a:p>
             <a:fld id="{8A2B06E4-34D2-4DD4-ABFF-9F74AC2B18B5}" type="slidenum">
               <a:rPr lang="en-US" smtClean="0"/>
-              <a:t>45</a:t>
+              <a:t>46</a:t>
             </a:fld>
             <a:endParaRPr lang="en-US" dirty="0"/>
           </a:p>

--- a/note.pptx
+++ b/note.pptx
@@ -163,7 +163,7 @@
 <file path=ppt/revisionInfo.xml><?xml version="1.0" encoding="utf-8"?>
 <p1510:revInfo xmlns:a="http://schemas.openxmlformats.org/drawingml/2006/main" xmlns:r="http://schemas.openxmlformats.org/officeDocument/2006/relationships" xmlns:p1510="http://schemas.microsoft.com/office/powerpoint/2015/10/main">
   <p1510:revLst>
-    <p1510:client id="{AB0BFEC8-14E9-4C61-B10E-456F41DF402E}" v="153" dt="2024-06-14T05:56:59.927"/>
+    <p1510:client id="{AB0BFEC8-14E9-4C61-B10E-456F41DF402E}" v="154" dt="2024-06-27T12:38:39.313"/>
   </p1510:revLst>
 </p1510:revInfo>
 </file>
@@ -705,7 +705,7 @@
   <pc:docChgLst>
     <pc:chgData name="Billy Lin" userId="05f35405-298c-473c-91f2-352ef9a130c9" providerId="ADAL" clId="{AB0BFEC8-14E9-4C61-B10E-456F41DF402E}"/>
     <pc:docChg chg="undo custSel addSld delSld modSld sldOrd">
-      <pc:chgData name="Billy Lin" userId="05f35405-298c-473c-91f2-352ef9a130c9" providerId="ADAL" clId="{AB0BFEC8-14E9-4C61-B10E-456F41DF402E}" dt="2024-06-14T06:00:30.141" v="2773" actId="27636"/>
+      <pc:chgData name="Billy Lin" userId="05f35405-298c-473c-91f2-352ef9a130c9" providerId="ADAL" clId="{AB0BFEC8-14E9-4C61-B10E-456F41DF402E}" dt="2024-06-27T12:39:37.019" v="2814" actId="1076"/>
       <pc:docMkLst>
         <pc:docMk/>
       </pc:docMkLst>
@@ -2229,7 +2229,7 @@
         </pc:cxnChg>
       </pc:sldChg>
       <pc:sldChg chg="addSp delSp modSp new mod ord">
-        <pc:chgData name="Billy Lin" userId="05f35405-298c-473c-91f2-352ef9a130c9" providerId="ADAL" clId="{AB0BFEC8-14E9-4C61-B10E-456F41DF402E}" dt="2024-05-17T15:38:04.712" v="1940" actId="1076"/>
+        <pc:chgData name="Billy Lin" userId="05f35405-298c-473c-91f2-352ef9a130c9" providerId="ADAL" clId="{AB0BFEC8-14E9-4C61-B10E-456F41DF402E}" dt="2024-06-27T12:39:37.019" v="2814" actId="1076"/>
         <pc:sldMkLst>
           <pc:docMk/>
           <pc:sldMk cId="962797789" sldId="6965"/>
@@ -2243,7 +2243,7 @@
           </ac:spMkLst>
         </pc:spChg>
         <pc:spChg chg="mod">
-          <ac:chgData name="Billy Lin" userId="05f35405-298c-473c-91f2-352ef9a130c9" providerId="ADAL" clId="{AB0BFEC8-14E9-4C61-B10E-456F41DF402E}" dt="2024-05-17T15:38:04.712" v="1940" actId="1076"/>
+          <ac:chgData name="Billy Lin" userId="05f35405-298c-473c-91f2-352ef9a130c9" providerId="ADAL" clId="{AB0BFEC8-14E9-4C61-B10E-456F41DF402E}" dt="2024-06-27T12:39:00.492" v="2809" actId="113"/>
           <ac:spMkLst>
             <pc:docMk/>
             <pc:sldMk cId="962797789" sldId="6965"/>
@@ -2315,7 +2315,7 @@
           </ac:spMkLst>
         </pc:spChg>
         <pc:picChg chg="add mod">
-          <ac:chgData name="Billy Lin" userId="05f35405-298c-473c-91f2-352ef9a130c9" providerId="ADAL" clId="{AB0BFEC8-14E9-4C61-B10E-456F41DF402E}" dt="2024-05-17T15:37:21.136" v="1935"/>
+          <ac:chgData name="Billy Lin" userId="05f35405-298c-473c-91f2-352ef9a130c9" providerId="ADAL" clId="{AB0BFEC8-14E9-4C61-B10E-456F41DF402E}" dt="2024-06-27T12:39:37.019" v="2814" actId="1076"/>
           <ac:picMkLst>
             <pc:docMk/>
             <pc:sldMk cId="962797789" sldId="6965"/>
@@ -2323,7 +2323,7 @@
           </ac:picMkLst>
         </pc:picChg>
         <pc:picChg chg="add mod">
-          <ac:chgData name="Billy Lin" userId="05f35405-298c-473c-91f2-352ef9a130c9" providerId="ADAL" clId="{AB0BFEC8-14E9-4C61-B10E-456F41DF402E}" dt="2024-05-17T15:37:21.136" v="1935"/>
+          <ac:chgData name="Billy Lin" userId="05f35405-298c-473c-91f2-352ef9a130c9" providerId="ADAL" clId="{AB0BFEC8-14E9-4C61-B10E-456F41DF402E}" dt="2024-06-27T12:39:28.202" v="2811" actId="1076"/>
           <ac:picMkLst>
             <pc:docMk/>
             <pc:sldMk cId="962797789" sldId="6965"/>
@@ -2331,7 +2331,7 @@
           </ac:picMkLst>
         </pc:picChg>
         <pc:picChg chg="add mod">
-          <ac:chgData name="Billy Lin" userId="05f35405-298c-473c-91f2-352ef9a130c9" providerId="ADAL" clId="{AB0BFEC8-14E9-4C61-B10E-456F41DF402E}" dt="2024-05-17T15:37:21.136" v="1935"/>
+          <ac:chgData name="Billy Lin" userId="05f35405-298c-473c-91f2-352ef9a130c9" providerId="ADAL" clId="{AB0BFEC8-14E9-4C61-B10E-456F41DF402E}" dt="2024-06-27T12:39:30.060" v="2812" actId="1076"/>
           <ac:picMkLst>
             <pc:docMk/>
             <pc:sldMk cId="962797789" sldId="6965"/>
@@ -3599,7 +3599,7 @@
           <a:p>
             <a:fld id="{2EDDABC3-F3ED-4DD9-983D-F09E8FCF6133}" type="datetimeFigureOut">
               <a:rPr lang="en-US" smtClean="0"/>
-              <a:t>6/14/2024</a:t>
+              <a:t>6/27/2024</a:t>
             </a:fld>
             <a:endParaRPr lang="en-US"/>
           </a:p>
@@ -3991,7 +3991,7 @@
           <a:p>
             <a:fld id="{F59B6F3A-935B-44D1-A66F-61470C6D8F51}" type="datetime1">
               <a:rPr lang="en-US" smtClean="0"/>
-              <a:t>6/14/2024</a:t>
+              <a:t>6/27/2024</a:t>
             </a:fld>
             <a:endParaRPr lang="en-US"/>
           </a:p>
@@ -4235,7 +4235,7 @@
           <a:p>
             <a:fld id="{C63B82BC-FCA2-460F-A60C-8FE94D119F09}" type="datetime1">
               <a:rPr lang="en-US" smtClean="0"/>
-              <a:t>6/14/2024</a:t>
+              <a:t>6/27/2024</a:t>
             </a:fld>
             <a:endParaRPr lang="en-US"/>
           </a:p>
@@ -6528,7 +6528,7 @@
         <p:spPr>
           <a:xfrm>
             <a:off x="590204" y="4291774"/>
-            <a:ext cx="10763596" cy="1803033"/>
+            <a:ext cx="7469067" cy="1803033"/>
           </a:xfrm>
         </p:spPr>
         <p:txBody>
@@ -6543,8 +6543,39 @@
           <a:p>
             <a:pPr lvl="1"/>
             <a:r>
-              <a:rPr lang="en-US" sz="1200" dirty="0"/>
+              <a:rPr lang="en-US" sz="1200" dirty="0">
+                <a:hlinkClick r:id="rId2"/>
+              </a:rPr>
               <a:t>https://www.asic-world.com/systemverilog/assertions8.html</a:t>
+            </a:r>
+            <a:endParaRPr lang="en-US" sz="1200" dirty="0"/>
+          </a:p>
+          <a:p>
+            <a:pPr lvl="1"/>
+            <a:endParaRPr lang="en-US" dirty="0"/>
+          </a:p>
+          <a:p>
+            <a:pPr lvl="1"/>
+            <a:endParaRPr lang="en-US" sz="1200" dirty="0"/>
+          </a:p>
+          <a:p>
+            <a:r>
+              <a:rPr lang="en-US" dirty="0"/>
+              <a:t>3 + 4</a:t>
+            </a:r>
+          </a:p>
+          <a:p>
+            <a:r>
+              <a:rPr lang="en-US" dirty="0"/>
+              <a:t>operand </a:t>
+            </a:r>
+            <a:r>
+              <a:rPr lang="en-US" b="1" dirty="0"/>
+              <a:t>operator</a:t>
+            </a:r>
+            <a:r>
+              <a:rPr lang="en-US" dirty="0"/>
+              <a:t> operand</a:t>
             </a:r>
           </a:p>
           <a:p>
@@ -8034,15 +8065,15 @@
           <p:nvPr/>
         </p:nvPicPr>
         <p:blipFill>
-          <a:blip r:embed="rId2"/>
+          <a:blip r:embed="rId3"/>
           <a:stretch>
             <a:fillRect/>
           </a:stretch>
         </p:blipFill>
         <p:spPr>
           <a:xfrm>
-            <a:off x="1338268" y="2215916"/>
-            <a:ext cx="6415844" cy="805393"/>
+            <a:off x="1329304" y="2261839"/>
+            <a:ext cx="6828578" cy="857204"/>
           </a:xfrm>
           <a:prstGeom prst="rect">
             <a:avLst/>
@@ -8055,36 +8086,6 @@
             <a:extLst>
               <a:ext uri="{FF2B5EF4-FFF2-40B4-BE49-F238E27FC236}">
                 <a16:creationId xmlns:a16="http://schemas.microsoft.com/office/drawing/2014/main" id="{02385190-AF85-7014-D776-A060D82DD2A6}"/>
-              </a:ext>
-            </a:extLst>
-          </p:cNvPr>
-          <p:cNvPicPr>
-            <a:picLocks noChangeAspect="1"/>
-          </p:cNvPicPr>
-          <p:nvPr/>
-        </p:nvPicPr>
-        <p:blipFill>
-          <a:blip r:embed="rId3"/>
-          <a:stretch>
-            <a:fillRect/>
-          </a:stretch>
-        </p:blipFill>
-        <p:spPr>
-          <a:xfrm>
-            <a:off x="1266346" y="1310838"/>
-            <a:ext cx="6350304" cy="915718"/>
-          </a:xfrm>
-          <a:prstGeom prst="rect">
-            <a:avLst/>
-          </a:prstGeom>
-        </p:spPr>
-      </p:pic>
-      <p:pic>
-        <p:nvPicPr>
-          <p:cNvPr id="21" name="Picture 20">
-            <a:extLst>
-              <a:ext uri="{FF2B5EF4-FFF2-40B4-BE49-F238E27FC236}">
-                <a16:creationId xmlns:a16="http://schemas.microsoft.com/office/drawing/2014/main" id="{B4F302E5-6C4D-04CF-DF68-D216C4E0888F}"/>
               </a:ext>
             </a:extLst>
           </p:cNvPr>
@@ -8101,7 +8102,37 @@
         </p:blipFill>
         <p:spPr>
           <a:xfrm>
-            <a:off x="1338268" y="3021309"/>
+            <a:off x="1257381" y="1138209"/>
+            <a:ext cx="7172297" cy="1034250"/>
+          </a:xfrm>
+          <a:prstGeom prst="rect">
+            <a:avLst/>
+          </a:prstGeom>
+        </p:spPr>
+      </p:pic>
+      <p:pic>
+        <p:nvPicPr>
+          <p:cNvPr id="21" name="Picture 20">
+            <a:extLst>
+              <a:ext uri="{FF2B5EF4-FFF2-40B4-BE49-F238E27FC236}">
+                <a16:creationId xmlns:a16="http://schemas.microsoft.com/office/drawing/2014/main" id="{B4F302E5-6C4D-04CF-DF68-D216C4E0888F}"/>
+              </a:ext>
+            </a:extLst>
+          </p:cNvPr>
+          <p:cNvPicPr>
+            <a:picLocks noChangeAspect="1"/>
+          </p:cNvPicPr>
+          <p:nvPr/>
+        </p:nvPicPr>
+        <p:blipFill>
+          <a:blip r:embed="rId5"/>
+          <a:stretch>
+            <a:fillRect/>
+          </a:stretch>
+        </p:blipFill>
+        <p:spPr>
+          <a:xfrm>
+            <a:off x="1338268" y="3419995"/>
             <a:ext cx="5422854" cy="570827"/>
           </a:xfrm>
           <a:prstGeom prst="rect">

--- a/note.pptx
+++ b/note.pptx
@@ -5,55 +5,56 @@
     <p:sldMasterId id="2147483648" r:id="rId1"/>
   </p:sldMasterIdLst>
   <p:notesMasterIdLst>
-    <p:notesMasterId r:id="rId48"/>
+    <p:notesMasterId r:id="rId49"/>
   </p:notesMasterIdLst>
   <p:sldIdLst>
     <p:sldId id="264" r:id="rId2"/>
-    <p:sldId id="6978" r:id="rId3"/>
-    <p:sldId id="6981" r:id="rId4"/>
-    <p:sldId id="6982" r:id="rId5"/>
-    <p:sldId id="6979" r:id="rId6"/>
-    <p:sldId id="6983" r:id="rId7"/>
-    <p:sldId id="6977" r:id="rId8"/>
-    <p:sldId id="6980" r:id="rId9"/>
-    <p:sldId id="6973" r:id="rId10"/>
-    <p:sldId id="6975" r:id="rId11"/>
-    <p:sldId id="6976" r:id="rId12"/>
-    <p:sldId id="6965" r:id="rId13"/>
-    <p:sldId id="6984" r:id="rId14"/>
-    <p:sldId id="6969" r:id="rId15"/>
-    <p:sldId id="6970" r:id="rId16"/>
-    <p:sldId id="6971" r:id="rId17"/>
-    <p:sldId id="6968" r:id="rId18"/>
-    <p:sldId id="6964" r:id="rId19"/>
-    <p:sldId id="6966" r:id="rId20"/>
-    <p:sldId id="6959" r:id="rId21"/>
-    <p:sldId id="6960" r:id="rId22"/>
-    <p:sldId id="6961" r:id="rId23"/>
-    <p:sldId id="6962" r:id="rId24"/>
-    <p:sldId id="6951" r:id="rId25"/>
-    <p:sldId id="6952" r:id="rId26"/>
-    <p:sldId id="6954" r:id="rId27"/>
-    <p:sldId id="6955" r:id="rId28"/>
-    <p:sldId id="6956" r:id="rId29"/>
-    <p:sldId id="6958" r:id="rId30"/>
-    <p:sldId id="6957" r:id="rId31"/>
-    <p:sldId id="6953" r:id="rId32"/>
-    <p:sldId id="6937" r:id="rId33"/>
-    <p:sldId id="6935" r:id="rId34"/>
-    <p:sldId id="6936" r:id="rId35"/>
-    <p:sldId id="6943" r:id="rId36"/>
-    <p:sldId id="6941" r:id="rId37"/>
-    <p:sldId id="6944" r:id="rId38"/>
-    <p:sldId id="6950" r:id="rId39"/>
-    <p:sldId id="6949" r:id="rId40"/>
-    <p:sldId id="6942" r:id="rId41"/>
-    <p:sldId id="6948" r:id="rId42"/>
-    <p:sldId id="6946" r:id="rId43"/>
-    <p:sldId id="6945" r:id="rId44"/>
-    <p:sldId id="6939" r:id="rId45"/>
-    <p:sldId id="6938" r:id="rId46"/>
-    <p:sldId id="6934" r:id="rId47"/>
+    <p:sldId id="6985" r:id="rId3"/>
+    <p:sldId id="6978" r:id="rId4"/>
+    <p:sldId id="6981" r:id="rId5"/>
+    <p:sldId id="6982" r:id="rId6"/>
+    <p:sldId id="6979" r:id="rId7"/>
+    <p:sldId id="6983" r:id="rId8"/>
+    <p:sldId id="6977" r:id="rId9"/>
+    <p:sldId id="6980" r:id="rId10"/>
+    <p:sldId id="6973" r:id="rId11"/>
+    <p:sldId id="6975" r:id="rId12"/>
+    <p:sldId id="6976" r:id="rId13"/>
+    <p:sldId id="6965" r:id="rId14"/>
+    <p:sldId id="6984" r:id="rId15"/>
+    <p:sldId id="6969" r:id="rId16"/>
+    <p:sldId id="6970" r:id="rId17"/>
+    <p:sldId id="6971" r:id="rId18"/>
+    <p:sldId id="6968" r:id="rId19"/>
+    <p:sldId id="6964" r:id="rId20"/>
+    <p:sldId id="6966" r:id="rId21"/>
+    <p:sldId id="6959" r:id="rId22"/>
+    <p:sldId id="6960" r:id="rId23"/>
+    <p:sldId id="6961" r:id="rId24"/>
+    <p:sldId id="6962" r:id="rId25"/>
+    <p:sldId id="6951" r:id="rId26"/>
+    <p:sldId id="6952" r:id="rId27"/>
+    <p:sldId id="6954" r:id="rId28"/>
+    <p:sldId id="6955" r:id="rId29"/>
+    <p:sldId id="6956" r:id="rId30"/>
+    <p:sldId id="6958" r:id="rId31"/>
+    <p:sldId id="6957" r:id="rId32"/>
+    <p:sldId id="6953" r:id="rId33"/>
+    <p:sldId id="6937" r:id="rId34"/>
+    <p:sldId id="6935" r:id="rId35"/>
+    <p:sldId id="6936" r:id="rId36"/>
+    <p:sldId id="6943" r:id="rId37"/>
+    <p:sldId id="6941" r:id="rId38"/>
+    <p:sldId id="6944" r:id="rId39"/>
+    <p:sldId id="6950" r:id="rId40"/>
+    <p:sldId id="6949" r:id="rId41"/>
+    <p:sldId id="6942" r:id="rId42"/>
+    <p:sldId id="6948" r:id="rId43"/>
+    <p:sldId id="6946" r:id="rId44"/>
+    <p:sldId id="6945" r:id="rId45"/>
+    <p:sldId id="6939" r:id="rId46"/>
+    <p:sldId id="6938" r:id="rId47"/>
+    <p:sldId id="6934" r:id="rId48"/>
   </p:sldIdLst>
   <p:sldSz cx="12192000" cy="6858000"/>
   <p:notesSz cx="6858000" cy="9144000"/>
@@ -163,7 +164,7 @@
 <file path=ppt/revisionInfo.xml><?xml version="1.0" encoding="utf-8"?>
 <p1510:revInfo xmlns:a="http://schemas.openxmlformats.org/drawingml/2006/main" xmlns:r="http://schemas.openxmlformats.org/officeDocument/2006/relationships" xmlns:p1510="http://schemas.microsoft.com/office/powerpoint/2015/10/main">
   <p1510:revLst>
-    <p1510:client id="{AB0BFEC8-14E9-4C61-B10E-456F41DF402E}" v="154" dt="2024-06-27T12:38:39.313"/>
+    <p1510:client id="{AB0BFEC8-14E9-4C61-B10E-456F41DF402E}" v="175" dt="2024-07-04T13:13:55.972"/>
   </p1510:revLst>
 </p1510:revInfo>
 </file>
@@ -705,7 +706,7 @@
   <pc:docChgLst>
     <pc:chgData name="Billy Lin" userId="05f35405-298c-473c-91f2-352ef9a130c9" providerId="ADAL" clId="{AB0BFEC8-14E9-4C61-B10E-456F41DF402E}"/>
     <pc:docChg chg="undo custSel addSld delSld modSld sldOrd">
-      <pc:chgData name="Billy Lin" userId="05f35405-298c-473c-91f2-352ef9a130c9" providerId="ADAL" clId="{AB0BFEC8-14E9-4C61-B10E-456F41DF402E}" dt="2024-06-27T12:39:37.019" v="2814" actId="1076"/>
+      <pc:chgData name="Billy Lin" userId="05f35405-298c-473c-91f2-352ef9a130c9" providerId="ADAL" clId="{AB0BFEC8-14E9-4C61-B10E-456F41DF402E}" dt="2024-07-04T13:16:04.083" v="3018" actId="1076"/>
       <pc:docMkLst>
         <pc:docMk/>
       </pc:docMkLst>
@@ -3045,7 +3046,7 @@
         </pc:picChg>
       </pc:sldChg>
       <pc:sldChg chg="addSp modSp new mod ord">
-        <pc:chgData name="Billy Lin" userId="05f35405-298c-473c-91f2-352ef9a130c9" providerId="ADAL" clId="{AB0BFEC8-14E9-4C61-B10E-456F41DF402E}" dt="2024-06-07T03:07:09.843" v="2205" actId="1076"/>
+        <pc:chgData name="Billy Lin" userId="05f35405-298c-473c-91f2-352ef9a130c9" providerId="ADAL" clId="{AB0BFEC8-14E9-4C61-B10E-456F41DF402E}" dt="2024-07-04T12:18:55.897" v="2816" actId="1036"/>
         <pc:sldMkLst>
           <pc:docMk/>
           <pc:sldMk cId="2842988066" sldId="6977"/>
@@ -3067,7 +3068,7 @@
           </ac:spMkLst>
         </pc:spChg>
         <pc:picChg chg="add mod">
-          <ac:chgData name="Billy Lin" userId="05f35405-298c-473c-91f2-352ef9a130c9" providerId="ADAL" clId="{AB0BFEC8-14E9-4C61-B10E-456F41DF402E}" dt="2024-06-07T03:07:02.503" v="2203" actId="1076"/>
+          <ac:chgData name="Billy Lin" userId="05f35405-298c-473c-91f2-352ef9a130c9" providerId="ADAL" clId="{AB0BFEC8-14E9-4C61-B10E-456F41DF402E}" dt="2024-07-04T12:18:55.897" v="2816" actId="1036"/>
           <ac:picMkLst>
             <pc:docMk/>
             <pc:sldMk cId="2842988066" sldId="6977"/>
@@ -3435,6 +3436,229 @@
             <ac:spMk id="7" creationId="{99F69023-8BB0-BDB3-BA80-2BBED1472363}"/>
           </ac:spMkLst>
         </pc:spChg>
+      </pc:sldChg>
+      <pc:sldChg chg="addSp delSp modSp new mod ord">
+        <pc:chgData name="Billy Lin" userId="05f35405-298c-473c-91f2-352ef9a130c9" providerId="ADAL" clId="{AB0BFEC8-14E9-4C61-B10E-456F41DF402E}" dt="2024-07-04T13:16:04.083" v="3018" actId="1076"/>
+        <pc:sldMkLst>
+          <pc:docMk/>
+          <pc:sldMk cId="1687566365" sldId="6985"/>
+        </pc:sldMkLst>
+        <pc:spChg chg="mod">
+          <ac:chgData name="Billy Lin" userId="05f35405-298c-473c-91f2-352ef9a130c9" providerId="ADAL" clId="{AB0BFEC8-14E9-4C61-B10E-456F41DF402E}" dt="2024-07-04T12:22:53.784" v="2824" actId="20577"/>
+          <ac:spMkLst>
+            <pc:docMk/>
+            <pc:sldMk cId="1687566365" sldId="6985"/>
+            <ac:spMk id="2" creationId="{8F708B36-8B43-936E-6134-72A0B99B1981}"/>
+          </ac:spMkLst>
+        </pc:spChg>
+        <pc:spChg chg="mod">
+          <ac:chgData name="Billy Lin" userId="05f35405-298c-473c-91f2-352ef9a130c9" providerId="ADAL" clId="{AB0BFEC8-14E9-4C61-B10E-456F41DF402E}" dt="2024-07-04T13:15:56.502" v="3015" actId="1076"/>
+          <ac:spMkLst>
+            <pc:docMk/>
+            <pc:sldMk cId="1687566365" sldId="6985"/>
+            <ac:spMk id="3" creationId="{12CDCF0A-EF60-1114-159A-A7F463909671}"/>
+          </ac:spMkLst>
+        </pc:spChg>
+        <pc:spChg chg="add mod">
+          <ac:chgData name="Billy Lin" userId="05f35405-298c-473c-91f2-352ef9a130c9" providerId="ADAL" clId="{AB0BFEC8-14E9-4C61-B10E-456F41DF402E}" dt="2024-07-04T13:06:38.079" v="2958" actId="1076"/>
+          <ac:spMkLst>
+            <pc:docMk/>
+            <pc:sldMk cId="1687566365" sldId="6985"/>
+            <ac:spMk id="9" creationId="{02F55302-ECCB-7E25-B98F-3CF1D3783EA2}"/>
+          </ac:spMkLst>
+        </pc:spChg>
+        <pc:spChg chg="add mod">
+          <ac:chgData name="Billy Lin" userId="05f35405-298c-473c-91f2-352ef9a130c9" providerId="ADAL" clId="{AB0BFEC8-14E9-4C61-B10E-456F41DF402E}" dt="2024-07-04T13:07:42.300" v="2991" actId="14100"/>
+          <ac:spMkLst>
+            <pc:docMk/>
+            <pc:sldMk cId="1687566365" sldId="6985"/>
+            <ac:spMk id="16" creationId="{184FE13D-1981-70B6-3037-801C012A0D8B}"/>
+          </ac:spMkLst>
+        </pc:spChg>
+        <pc:spChg chg="add mod">
+          <ac:chgData name="Billy Lin" userId="05f35405-298c-473c-91f2-352ef9a130c9" providerId="ADAL" clId="{AB0BFEC8-14E9-4C61-B10E-456F41DF402E}" dt="2024-07-04T13:07:10.823" v="2983" actId="1076"/>
+          <ac:spMkLst>
+            <pc:docMk/>
+            <pc:sldMk cId="1687566365" sldId="6985"/>
+            <ac:spMk id="17" creationId="{84F0D7FD-0933-5EEF-803C-A26390348374}"/>
+          </ac:spMkLst>
+        </pc:spChg>
+        <pc:spChg chg="add del mod">
+          <ac:chgData name="Billy Lin" userId="05f35405-298c-473c-91f2-352ef9a130c9" providerId="ADAL" clId="{AB0BFEC8-14E9-4C61-B10E-456F41DF402E}" dt="2024-07-04T13:06:11.394" v="2945" actId="478"/>
+          <ac:spMkLst>
+            <pc:docMk/>
+            <pc:sldMk cId="1687566365" sldId="6985"/>
+            <ac:spMk id="20" creationId="{27ADD339-E116-491B-62EA-0CE9C43BDD97}"/>
+          </ac:spMkLst>
+        </pc:spChg>
+        <pc:spChg chg="add mod">
+          <ac:chgData name="Billy Lin" userId="05f35405-298c-473c-91f2-352ef9a130c9" providerId="ADAL" clId="{AB0BFEC8-14E9-4C61-B10E-456F41DF402E}" dt="2024-07-04T13:01:47.352" v="2891" actId="14100"/>
+          <ac:spMkLst>
+            <pc:docMk/>
+            <pc:sldMk cId="1687566365" sldId="6985"/>
+            <ac:spMk id="21" creationId="{DC2252C3-7A48-2173-8F7F-A0058259E22A}"/>
+          </ac:spMkLst>
+        </pc:spChg>
+        <pc:spChg chg="add mod">
+          <ac:chgData name="Billy Lin" userId="05f35405-298c-473c-91f2-352ef9a130c9" providerId="ADAL" clId="{AB0BFEC8-14E9-4C61-B10E-456F41DF402E}" dt="2024-07-04T13:00:44.313" v="2871" actId="571"/>
+          <ac:spMkLst>
+            <pc:docMk/>
+            <pc:sldMk cId="1687566365" sldId="6985"/>
+            <ac:spMk id="24" creationId="{C32CF9AF-1692-A5A7-7AFE-90A846B116F9}"/>
+          </ac:spMkLst>
+        </pc:spChg>
+        <pc:spChg chg="add mod">
+          <ac:chgData name="Billy Lin" userId="05f35405-298c-473c-91f2-352ef9a130c9" providerId="ADAL" clId="{AB0BFEC8-14E9-4C61-B10E-456F41DF402E}" dt="2024-07-04T13:02:24.550" v="2893" actId="1076"/>
+          <ac:spMkLst>
+            <pc:docMk/>
+            <pc:sldMk cId="1687566365" sldId="6985"/>
+            <ac:spMk id="29" creationId="{7BA37B51-F716-DF52-604C-4DC540928188}"/>
+          </ac:spMkLst>
+        </pc:spChg>
+        <pc:spChg chg="add mod">
+          <ac:chgData name="Billy Lin" userId="05f35405-298c-473c-91f2-352ef9a130c9" providerId="ADAL" clId="{AB0BFEC8-14E9-4C61-B10E-456F41DF402E}" dt="2024-07-04T13:03:24.873" v="2895" actId="14100"/>
+          <ac:spMkLst>
+            <pc:docMk/>
+            <pc:sldMk cId="1687566365" sldId="6985"/>
+            <ac:spMk id="30" creationId="{6608BE5D-5AF2-55AF-B5AD-B09B52F1F3B2}"/>
+          </ac:spMkLst>
+        </pc:spChg>
+        <pc:spChg chg="add mod">
+          <ac:chgData name="Billy Lin" userId="05f35405-298c-473c-91f2-352ef9a130c9" providerId="ADAL" clId="{AB0BFEC8-14E9-4C61-B10E-456F41DF402E}" dt="2024-07-04T13:06:59.890" v="2978" actId="20577"/>
+          <ac:spMkLst>
+            <pc:docMk/>
+            <pc:sldMk cId="1687566365" sldId="6985"/>
+            <ac:spMk id="31" creationId="{01C88622-A4BF-29DC-8280-4F2FB433B399}"/>
+          </ac:spMkLst>
+        </pc:spChg>
+        <pc:spChg chg="add del mod">
+          <ac:chgData name="Billy Lin" userId="05f35405-298c-473c-91f2-352ef9a130c9" providerId="ADAL" clId="{AB0BFEC8-14E9-4C61-B10E-456F41DF402E}" dt="2024-07-04T13:15:52.505" v="3014" actId="478"/>
+          <ac:spMkLst>
+            <pc:docMk/>
+            <pc:sldMk cId="1687566365" sldId="6985"/>
+            <ac:spMk id="38" creationId="{3E37D092-549F-0923-0B61-01A310829B4F}"/>
+          </ac:spMkLst>
+        </pc:spChg>
+        <pc:spChg chg="add mod">
+          <ac:chgData name="Billy Lin" userId="05f35405-298c-473c-91f2-352ef9a130c9" providerId="ADAL" clId="{AB0BFEC8-14E9-4C61-B10E-456F41DF402E}" dt="2024-07-04T13:16:01.523" v="3017" actId="1076"/>
+          <ac:spMkLst>
+            <pc:docMk/>
+            <pc:sldMk cId="1687566365" sldId="6985"/>
+            <ac:spMk id="42" creationId="{BFE78844-6FF2-4807-46F5-2DB47548A642}"/>
+          </ac:spMkLst>
+        </pc:spChg>
+        <pc:spChg chg="add mod">
+          <ac:chgData name="Billy Lin" userId="05f35405-298c-473c-91f2-352ef9a130c9" providerId="ADAL" clId="{AB0BFEC8-14E9-4C61-B10E-456F41DF402E}" dt="2024-07-04T13:16:04.083" v="3018" actId="1076"/>
+          <ac:spMkLst>
+            <pc:docMk/>
+            <pc:sldMk cId="1687566365" sldId="6985"/>
+            <ac:spMk id="43" creationId="{81A2A34C-C250-5B01-C310-7527927D00B6}"/>
+          </ac:spMkLst>
+        </pc:spChg>
+        <pc:picChg chg="add mod">
+          <ac:chgData name="Billy Lin" userId="05f35405-298c-473c-91f2-352ef9a130c9" providerId="ADAL" clId="{AB0BFEC8-14E9-4C61-B10E-456F41DF402E}" dt="2024-07-04T13:13:27.867" v="2995" actId="1076"/>
+          <ac:picMkLst>
+            <pc:docMk/>
+            <pc:sldMk cId="1687566365" sldId="6985"/>
+            <ac:picMk id="6" creationId="{718D4FDD-BE4A-819A-FACA-F9855CB3B233}"/>
+          </ac:picMkLst>
+        </pc:picChg>
+        <pc:picChg chg="add mod">
+          <ac:chgData name="Billy Lin" userId="05f35405-298c-473c-91f2-352ef9a130c9" providerId="ADAL" clId="{AB0BFEC8-14E9-4C61-B10E-456F41DF402E}" dt="2024-07-04T13:13:27.867" v="2995" actId="1076"/>
+          <ac:picMkLst>
+            <pc:docMk/>
+            <pc:sldMk cId="1687566365" sldId="6985"/>
+            <ac:picMk id="8" creationId="{6BD4468B-93EA-97BC-1882-EF0E0D68EB66}"/>
+          </ac:picMkLst>
+        </pc:picChg>
+        <pc:picChg chg="add mod">
+          <ac:chgData name="Billy Lin" userId="05f35405-298c-473c-91f2-352ef9a130c9" providerId="ADAL" clId="{AB0BFEC8-14E9-4C61-B10E-456F41DF402E}" dt="2024-07-04T13:15:56.502" v="3015" actId="1076"/>
+          <ac:picMkLst>
+            <pc:docMk/>
+            <pc:sldMk cId="1687566365" sldId="6985"/>
+            <ac:picMk id="39" creationId="{C05CC133-D0F3-2AEB-01D0-E83C8E0C3144}"/>
+          </ac:picMkLst>
+        </pc:picChg>
+        <pc:picChg chg="add mod">
+          <ac:chgData name="Billy Lin" userId="05f35405-298c-473c-91f2-352ef9a130c9" providerId="ADAL" clId="{AB0BFEC8-14E9-4C61-B10E-456F41DF402E}" dt="2024-07-04T13:15:59.298" v="3016" actId="1076"/>
+          <ac:picMkLst>
+            <pc:docMk/>
+            <pc:sldMk cId="1687566365" sldId="6985"/>
+            <ac:picMk id="40" creationId="{97FE3FCD-34DD-3631-50DA-ED2286B12DBF}"/>
+          </ac:picMkLst>
+        </pc:picChg>
+        <pc:picChg chg="add mod">
+          <ac:chgData name="Billy Lin" userId="05f35405-298c-473c-91f2-352ef9a130c9" providerId="ADAL" clId="{AB0BFEC8-14E9-4C61-B10E-456F41DF402E}" dt="2024-07-04T13:13:31.575" v="2998" actId="571"/>
+          <ac:picMkLst>
+            <pc:docMk/>
+            <pc:sldMk cId="1687566365" sldId="6985"/>
+            <ac:picMk id="41" creationId="{2D011335-A5D7-E4A4-9D41-A162D4808C20}"/>
+          </ac:picMkLst>
+        </pc:picChg>
+        <pc:cxnChg chg="add mod">
+          <ac:chgData name="Billy Lin" userId="05f35405-298c-473c-91f2-352ef9a130c9" providerId="ADAL" clId="{AB0BFEC8-14E9-4C61-B10E-456F41DF402E}" dt="2024-07-04T13:00:14.460" v="2864" actId="1076"/>
+          <ac:cxnSpMkLst>
+            <pc:docMk/>
+            <pc:sldMk cId="1687566365" sldId="6985"/>
+            <ac:cxnSpMk id="10" creationId="{2BAFE1BE-CA07-984F-D2FD-618E74F8E224}"/>
+          </ac:cxnSpMkLst>
+        </pc:cxnChg>
+        <pc:cxnChg chg="add mod">
+          <ac:chgData name="Billy Lin" userId="05f35405-298c-473c-91f2-352ef9a130c9" providerId="ADAL" clId="{AB0BFEC8-14E9-4C61-B10E-456F41DF402E}" dt="2024-07-04T13:07:42.300" v="2991" actId="14100"/>
+          <ac:cxnSpMkLst>
+            <pc:docMk/>
+            <pc:sldMk cId="1687566365" sldId="6985"/>
+            <ac:cxnSpMk id="13" creationId="{E4EE0AF4-4821-DDBB-11D1-00EBED7C1E8E}"/>
+          </ac:cxnSpMkLst>
+        </pc:cxnChg>
+        <pc:cxnChg chg="add del mod">
+          <ac:chgData name="Billy Lin" userId="05f35405-298c-473c-91f2-352ef9a130c9" providerId="ADAL" clId="{AB0BFEC8-14E9-4C61-B10E-456F41DF402E}" dt="2024-07-04T13:06:12.704" v="2947" actId="478"/>
+          <ac:cxnSpMkLst>
+            <pc:docMk/>
+            <pc:sldMk cId="1687566365" sldId="6985"/>
+            <ac:cxnSpMk id="18" creationId="{AE6A49FD-8A61-9D0B-78C6-32BAA0541EF7}"/>
+          </ac:cxnSpMkLst>
+        </pc:cxnChg>
+        <pc:cxnChg chg="add del mod">
+          <ac:chgData name="Billy Lin" userId="05f35405-298c-473c-91f2-352ef9a130c9" providerId="ADAL" clId="{AB0BFEC8-14E9-4C61-B10E-456F41DF402E}" dt="2024-07-04T13:06:12.240" v="2946" actId="478"/>
+          <ac:cxnSpMkLst>
+            <pc:docMk/>
+            <pc:sldMk cId="1687566365" sldId="6985"/>
+            <ac:cxnSpMk id="19" creationId="{F7C29459-320E-DA43-94D8-C94535942204}"/>
+          </ac:cxnSpMkLst>
+        </pc:cxnChg>
+        <pc:cxnChg chg="add mod">
+          <ac:chgData name="Billy Lin" userId="05f35405-298c-473c-91f2-352ef9a130c9" providerId="ADAL" clId="{AB0BFEC8-14E9-4C61-B10E-456F41DF402E}" dt="2024-07-04T13:00:44.313" v="2871" actId="571"/>
+          <ac:cxnSpMkLst>
+            <pc:docMk/>
+            <pc:sldMk cId="1687566365" sldId="6985"/>
+            <ac:cxnSpMk id="22" creationId="{4E96D5E2-1732-4ABD-4EA4-BB5CC29DD890}"/>
+          </ac:cxnSpMkLst>
+        </pc:cxnChg>
+        <pc:cxnChg chg="add mod">
+          <ac:chgData name="Billy Lin" userId="05f35405-298c-473c-91f2-352ef9a130c9" providerId="ADAL" clId="{AB0BFEC8-14E9-4C61-B10E-456F41DF402E}" dt="2024-07-04T13:01:47.352" v="2891" actId="14100"/>
+          <ac:cxnSpMkLst>
+            <pc:docMk/>
+            <pc:sldMk cId="1687566365" sldId="6985"/>
+            <ac:cxnSpMk id="23" creationId="{5F2FB23F-4769-223D-EB74-B42079A31DB0}"/>
+          </ac:cxnSpMkLst>
+        </pc:cxnChg>
+        <pc:cxnChg chg="add mod">
+          <ac:chgData name="Billy Lin" userId="05f35405-298c-473c-91f2-352ef9a130c9" providerId="ADAL" clId="{AB0BFEC8-14E9-4C61-B10E-456F41DF402E}" dt="2024-07-04T13:02:24.550" v="2893" actId="1076"/>
+          <ac:cxnSpMkLst>
+            <pc:docMk/>
+            <pc:sldMk cId="1687566365" sldId="6985"/>
+            <ac:cxnSpMk id="28" creationId="{8E40EB1E-221E-2AC2-7C68-58BB58857CB6}"/>
+          </ac:cxnSpMkLst>
+        </pc:cxnChg>
+        <pc:cxnChg chg="add mod">
+          <ac:chgData name="Billy Lin" userId="05f35405-298c-473c-91f2-352ef9a130c9" providerId="ADAL" clId="{AB0BFEC8-14E9-4C61-B10E-456F41DF402E}" dt="2024-07-04T13:06:15.810" v="2949" actId="14100"/>
+          <ac:cxnSpMkLst>
+            <pc:docMk/>
+            <pc:sldMk cId="1687566365" sldId="6985"/>
+            <ac:cxnSpMk id="32" creationId="{09CAE47C-C870-F8D1-2DCE-DDC0FEA45420}"/>
+          </ac:cxnSpMkLst>
+        </pc:cxnChg>
       </pc:sldChg>
     </pc:docChg>
   </pc:docChgLst>
@@ -3599,7 +3823,7 @@
           <a:p>
             <a:fld id="{2EDDABC3-F3ED-4DD9-983D-F09E8FCF6133}" type="datetimeFigureOut">
               <a:rPr lang="en-US" smtClean="0"/>
-              <a:t>6/27/2024</a:t>
+              <a:t>7/4/2024</a:t>
             </a:fld>
             <a:endParaRPr lang="en-US"/>
           </a:p>
@@ -3991,7 +4215,7 @@
           <a:p>
             <a:fld id="{F59B6F3A-935B-44D1-A66F-61470C6D8F51}" type="datetime1">
               <a:rPr lang="en-US" smtClean="0"/>
-              <a:t>6/27/2024</a:t>
+              <a:t>7/4/2024</a:t>
             </a:fld>
             <a:endParaRPr lang="en-US"/>
           </a:p>
@@ -4235,7 +4459,7 @@
           <a:p>
             <a:fld id="{C63B82BC-FCA2-460F-A60C-8FE94D119F09}" type="datetime1">
               <a:rPr lang="en-US" smtClean="0"/>
-              <a:t>6/27/2024</a:t>
+              <a:t>7/4/2024</a:t>
             </a:fld>
             <a:endParaRPr lang="en-US"/>
           </a:p>
@@ -6215,7 +6439,7 @@
           <a:p>
             <a:r>
               <a:rPr lang="en-US" dirty="0"/>
-              <a:t>lab36, within</a:t>
+              <a:t>lab37, .triggered</a:t>
             </a:r>
           </a:p>
         </p:txBody>
@@ -6269,6 +6493,148 @@
             <a:fld id="{8A2B06E4-34D2-4DD4-ABFF-9F74AC2B18B5}" type="slidenum">
               <a:rPr lang="en-US" smtClean="0"/>
               <a:t>10</a:t>
+            </a:fld>
+            <a:endParaRPr lang="en-US" dirty="0"/>
+          </a:p>
+        </p:txBody>
+      </p:sp>
+      <p:pic>
+        <p:nvPicPr>
+          <p:cNvPr id="6" name="Picture 5">
+            <a:extLst>
+              <a:ext uri="{FF2B5EF4-FFF2-40B4-BE49-F238E27FC236}">
+                <a16:creationId xmlns:a16="http://schemas.microsoft.com/office/drawing/2014/main" id="{0C0BA3A0-9519-4945-356C-3CA660BBA7FF}"/>
+              </a:ext>
+            </a:extLst>
+          </p:cNvPr>
+          <p:cNvPicPr>
+            <a:picLocks noChangeAspect="1"/>
+          </p:cNvPicPr>
+          <p:nvPr/>
+        </p:nvPicPr>
+        <p:blipFill>
+          <a:blip r:embed="rId2"/>
+          <a:stretch>
+            <a:fillRect/>
+          </a:stretch>
+        </p:blipFill>
+        <p:spPr>
+          <a:xfrm>
+            <a:off x="1772239" y="1221313"/>
+            <a:ext cx="7141478" cy="5015643"/>
+          </a:xfrm>
+          <a:prstGeom prst="rect">
+            <a:avLst/>
+          </a:prstGeom>
+        </p:spPr>
+      </p:pic>
+    </p:spTree>
+    <p:extLst>
+      <p:ext uri="{BB962C8B-B14F-4D97-AF65-F5344CB8AC3E}">
+        <p14:creationId xmlns:p14="http://schemas.microsoft.com/office/powerpoint/2010/main" val="2631381310"/>
+      </p:ext>
+    </p:extLst>
+  </p:cSld>
+  <p:clrMapOvr>
+    <a:masterClrMapping/>
+  </p:clrMapOvr>
+</p:sld>
+</file>
+
+<file path=ppt/slides/slide11.xml><?xml version="1.0" encoding="utf-8"?>
+<p:sld xmlns:a="http://schemas.openxmlformats.org/drawingml/2006/main" xmlns:r="http://schemas.openxmlformats.org/officeDocument/2006/relationships" xmlns:p="http://schemas.openxmlformats.org/presentationml/2006/main">
+  <p:cSld>
+    <p:spTree>
+      <p:nvGrpSpPr>
+        <p:cNvPr id="1" name=""/>
+        <p:cNvGrpSpPr/>
+        <p:nvPr/>
+      </p:nvGrpSpPr>
+      <p:grpSpPr>
+        <a:xfrm>
+          <a:off x="0" y="0"/>
+          <a:ext cx="0" cy="0"/>
+          <a:chOff x="0" y="0"/>
+          <a:chExt cx="0" cy="0"/>
+        </a:xfrm>
+      </p:grpSpPr>
+      <p:sp>
+        <p:nvSpPr>
+          <p:cNvPr id="2" name="Title 1">
+            <a:extLst>
+              <a:ext uri="{FF2B5EF4-FFF2-40B4-BE49-F238E27FC236}">
+                <a16:creationId xmlns:a16="http://schemas.microsoft.com/office/drawing/2014/main" id="{5341C237-6C29-DE8F-6C53-653F228530ED}"/>
+              </a:ext>
+            </a:extLst>
+          </p:cNvPr>
+          <p:cNvSpPr>
+            <a:spLocks noGrp="1"/>
+          </p:cNvSpPr>
+          <p:nvPr>
+            <p:ph type="title"/>
+          </p:nvPr>
+        </p:nvSpPr>
+        <p:spPr/>
+        <p:txBody>
+          <a:bodyPr/>
+          <a:lstStyle/>
+          <a:p>
+            <a:r>
+              <a:rPr lang="en-US" dirty="0"/>
+              <a:t>lab36, within</a:t>
+            </a:r>
+          </a:p>
+        </p:txBody>
+      </p:sp>
+      <p:sp>
+        <p:nvSpPr>
+          <p:cNvPr id="3" name="Content Placeholder 2">
+            <a:extLst>
+              <a:ext uri="{FF2B5EF4-FFF2-40B4-BE49-F238E27FC236}">
+                <a16:creationId xmlns:a16="http://schemas.microsoft.com/office/drawing/2014/main" id="{102F272C-2176-62B3-CEE5-B81FC02E7F2A}"/>
+              </a:ext>
+            </a:extLst>
+          </p:cNvPr>
+          <p:cNvSpPr>
+            <a:spLocks noGrp="1"/>
+          </p:cNvSpPr>
+          <p:nvPr>
+            <p:ph idx="1"/>
+          </p:nvPr>
+        </p:nvSpPr>
+        <p:spPr/>
+        <p:txBody>
+          <a:bodyPr/>
+          <a:lstStyle/>
+          <a:p>
+            <a:endParaRPr lang="en-US"/>
+          </a:p>
+        </p:txBody>
+      </p:sp>
+      <p:sp>
+        <p:nvSpPr>
+          <p:cNvPr id="4" name="Slide Number Placeholder 3">
+            <a:extLst>
+              <a:ext uri="{FF2B5EF4-FFF2-40B4-BE49-F238E27FC236}">
+                <a16:creationId xmlns:a16="http://schemas.microsoft.com/office/drawing/2014/main" id="{BA82B0D7-EEE9-5B86-CBA9-F6EB5F08A642}"/>
+              </a:ext>
+            </a:extLst>
+          </p:cNvPr>
+          <p:cNvSpPr>
+            <a:spLocks noGrp="1"/>
+          </p:cNvSpPr>
+          <p:nvPr>
+            <p:ph type="sldNum" sz="quarter" idx="12"/>
+          </p:nvPr>
+        </p:nvSpPr>
+        <p:spPr/>
+        <p:txBody>
+          <a:bodyPr/>
+          <a:lstStyle/>
+          <a:p>
+            <a:fld id="{8A2B06E4-34D2-4DD4-ABFF-9F74AC2B18B5}" type="slidenum">
+              <a:rPr lang="en-US" smtClean="0"/>
+              <a:t>11</a:t>
             </a:fld>
             <a:endParaRPr lang="en-US" dirty="0"/>
           </a:p>
@@ -6317,7 +6683,7 @@
 </p:sld>
 </file>
 
-<file path=ppt/slides/slide11.xml><?xml version="1.0" encoding="utf-8"?>
+<file path=ppt/slides/slide12.xml><?xml version="1.0" encoding="utf-8"?>
 <p:sld xmlns:a="http://schemas.openxmlformats.org/drawingml/2006/main" xmlns:r="http://schemas.openxmlformats.org/officeDocument/2006/relationships" xmlns:p="http://schemas.openxmlformats.org/presentationml/2006/main">
   <p:cSld>
     <p:spTree>
@@ -6415,7 +6781,7 @@
           <a:p>
             <a:fld id="{8A2B06E4-34D2-4DD4-ABFF-9F74AC2B18B5}" type="slidenum">
               <a:rPr lang="en-US" smtClean="0"/>
-              <a:t>11</a:t>
+              <a:t>12</a:t>
             </a:fld>
             <a:endParaRPr lang="en-US" dirty="0"/>
           </a:p>
@@ -6464,7 +6830,7 @@
 </p:sld>
 </file>
 
-<file path=ppt/slides/slide12.xml><?xml version="1.0" encoding="utf-8"?>
+<file path=ppt/slides/slide13.xml><?xml version="1.0" encoding="utf-8"?>
 <p:sld xmlns:a="http://schemas.openxmlformats.org/drawingml/2006/main" xmlns:r="http://schemas.openxmlformats.org/officeDocument/2006/relationships" xmlns:p="http://schemas.openxmlformats.org/presentationml/2006/main">
   <p:cSld>
     <p:spTree>
@@ -6606,7 +6972,7 @@
           <a:p>
             <a:fld id="{8A2B06E4-34D2-4DD4-ABFF-9F74AC2B18B5}" type="slidenum">
               <a:rPr lang="en-US" smtClean="0"/>
-              <a:t>12</a:t>
+              <a:t>13</a:t>
             </a:fld>
             <a:endParaRPr lang="en-US" dirty="0"/>
           </a:p>
@@ -8153,7 +8519,7 @@
 </p:sld>
 </file>
 
-<file path=ppt/slides/slide13.xml><?xml version="1.0" encoding="utf-8"?>
+<file path=ppt/slides/slide14.xml><?xml version="1.0" encoding="utf-8"?>
 <p:sld xmlns:a="http://schemas.openxmlformats.org/drawingml/2006/main" xmlns:r="http://schemas.openxmlformats.org/officeDocument/2006/relationships" xmlns:p="http://schemas.openxmlformats.org/presentationml/2006/main">
   <p:cSld>
     <p:spTree>
@@ -8347,7 +8713,7 @@
           <a:p>
             <a:fld id="{8A2B06E4-34D2-4DD4-ABFF-9F74AC2B18B5}" type="slidenum">
               <a:rPr lang="en-US" smtClean="0"/>
-              <a:t>13</a:t>
+              <a:t>14</a:t>
             </a:fld>
             <a:endParaRPr lang="en-US" dirty="0"/>
           </a:p>
@@ -9008,7 +9374,7 @@
 </p:sld>
 </file>
 
-<file path=ppt/slides/slide14.xml><?xml version="1.0" encoding="utf-8"?>
+<file path=ppt/slides/slide15.xml><?xml version="1.0" encoding="utf-8"?>
 <p:sld xmlns:a="http://schemas.openxmlformats.org/drawingml/2006/main" xmlns:r="http://schemas.openxmlformats.org/officeDocument/2006/relationships" xmlns:p="http://schemas.openxmlformats.org/presentationml/2006/main">
   <p:cSld>
     <p:spTree>
@@ -9101,7 +9467,7 @@
           <a:p>
             <a:fld id="{8A2B06E4-34D2-4DD4-ABFF-9F74AC2B18B5}" type="slidenum">
               <a:rPr lang="en-US" smtClean="0"/>
-              <a:t>14</a:t>
+              <a:t>15</a:t>
             </a:fld>
             <a:endParaRPr lang="en-US" dirty="0"/>
           </a:p>
@@ -9180,7 +9546,7 @@
 </p:sld>
 </file>
 
-<file path=ppt/slides/slide15.xml><?xml version="1.0" encoding="utf-8"?>
+<file path=ppt/slides/slide16.xml><?xml version="1.0" encoding="utf-8"?>
 <p:sld xmlns:a="http://schemas.openxmlformats.org/drawingml/2006/main" xmlns:r="http://schemas.openxmlformats.org/officeDocument/2006/relationships" xmlns:p="http://schemas.openxmlformats.org/presentationml/2006/main">
   <p:cSld>
     <p:spTree>
@@ -9248,7 +9614,7 @@
           <a:p>
             <a:fld id="{8A2B06E4-34D2-4DD4-ABFF-9F74AC2B18B5}" type="slidenum">
               <a:rPr lang="en-US" smtClean="0"/>
-              <a:t>15</a:t>
+              <a:t>16</a:t>
             </a:fld>
             <a:endParaRPr lang="en-US" dirty="0"/>
           </a:p>
@@ -9659,7 +10025,7 @@
 </p:sld>
 </file>
 
-<file path=ppt/slides/slide16.xml><?xml version="1.0" encoding="utf-8"?>
+<file path=ppt/slides/slide17.xml><?xml version="1.0" encoding="utf-8"?>
 <p:sld xmlns:a="http://schemas.openxmlformats.org/drawingml/2006/main" xmlns:r="http://schemas.openxmlformats.org/officeDocument/2006/relationships" xmlns:p="http://schemas.openxmlformats.org/presentationml/2006/main">
   <p:cSld>
     <p:spTree>
@@ -9727,7 +10093,7 @@
           <a:p>
             <a:fld id="{8A2B06E4-34D2-4DD4-ABFF-9F74AC2B18B5}" type="slidenum">
               <a:rPr lang="en-US" smtClean="0"/>
-              <a:t>16</a:t>
+              <a:t>17</a:t>
             </a:fld>
             <a:endParaRPr lang="en-US" dirty="0"/>
           </a:p>
@@ -12752,7 +13118,7 @@
 </p:sld>
 </file>
 
-<file path=ppt/slides/slide17.xml><?xml version="1.0" encoding="utf-8"?>
+<file path=ppt/slides/slide18.xml><?xml version="1.0" encoding="utf-8"?>
 <p:sld xmlns:a="http://schemas.openxmlformats.org/drawingml/2006/main" xmlns:r="http://schemas.openxmlformats.org/officeDocument/2006/relationships" xmlns:p="http://schemas.openxmlformats.org/presentationml/2006/main">
   <p:cSld>
     <p:spTree>
@@ -12845,7 +13211,7 @@
           <a:p>
             <a:fld id="{8A2B06E4-34D2-4DD4-ABFF-9F74AC2B18B5}" type="slidenum">
               <a:rPr lang="en-US" smtClean="0"/>
-              <a:t>17</a:t>
+              <a:t>18</a:t>
             </a:fld>
             <a:endParaRPr lang="en-US" dirty="0"/>
           </a:p>
@@ -13300,7 +13666,7 @@
 </p:sld>
 </file>
 
-<file path=ppt/slides/slide18.xml><?xml version="1.0" encoding="utf-8"?>
+<file path=ppt/slides/slide19.xml><?xml version="1.0" encoding="utf-8"?>
 <p:sld xmlns:a="http://schemas.openxmlformats.org/drawingml/2006/main" xmlns:r="http://schemas.openxmlformats.org/officeDocument/2006/relationships" xmlns:p="http://schemas.openxmlformats.org/presentationml/2006/main">
   <p:cSld>
     <p:spTree>
@@ -13368,7 +13734,7 @@
           <a:p>
             <a:fld id="{8A2B06E4-34D2-4DD4-ABFF-9F74AC2B18B5}" type="slidenum">
               <a:rPr lang="en-US" smtClean="0"/>
-              <a:t>18</a:t>
+              <a:t>19</a:t>
             </a:fld>
             <a:endParaRPr lang="en-US" dirty="0"/>
           </a:p>
@@ -13738,7 +14104,7 @@
 </p:sld>
 </file>
 
-<file path=ppt/slides/slide19.xml><?xml version="1.0" encoding="utf-8"?>
+<file path=ppt/slides/slide2.xml><?xml version="1.0" encoding="utf-8"?>
 <p:sld xmlns:a="http://schemas.openxmlformats.org/drawingml/2006/main" xmlns:r="http://schemas.openxmlformats.org/officeDocument/2006/relationships" xmlns:p="http://schemas.openxmlformats.org/presentationml/2006/main">
   <p:cSld>
     <p:spTree>
@@ -13760,7 +14126,7 @@
           <p:cNvPr id="2" name="Title 1">
             <a:extLst>
               <a:ext uri="{FF2B5EF4-FFF2-40B4-BE49-F238E27FC236}">
-                <a16:creationId xmlns:a16="http://schemas.microsoft.com/office/drawing/2014/main" id="{63B19FFD-555C-673A-82D5-1766F95D704A}"/>
+                <a16:creationId xmlns:a16="http://schemas.microsoft.com/office/drawing/2014/main" id="{8F708B36-8B43-936E-6134-72A0B99B1981}"/>
               </a:ext>
             </a:extLst>
           </p:cNvPr>
@@ -13778,7 +14144,44 @@
           <a:p>
             <a:r>
               <a:rPr lang="en-US" dirty="0"/>
-              <a:t>lab31</a:t>
+              <a:t>lab60</a:t>
+            </a:r>
+          </a:p>
+        </p:txBody>
+      </p:sp>
+      <p:sp>
+        <p:nvSpPr>
+          <p:cNvPr id="3" name="Content Placeholder 2">
+            <a:extLst>
+              <a:ext uri="{FF2B5EF4-FFF2-40B4-BE49-F238E27FC236}">
+                <a16:creationId xmlns:a16="http://schemas.microsoft.com/office/drawing/2014/main" id="{12CDCF0A-EF60-1114-159A-A7F463909671}"/>
+              </a:ext>
+            </a:extLst>
+          </p:cNvPr>
+          <p:cNvSpPr>
+            <a:spLocks noGrp="1"/>
+          </p:cNvSpPr>
+          <p:nvPr>
+            <p:ph idx="1"/>
+          </p:nvPr>
+        </p:nvSpPr>
+        <p:spPr>
+          <a:xfrm>
+            <a:off x="342593" y="786936"/>
+            <a:ext cx="2199649" cy="974320"/>
+          </a:xfrm>
+        </p:spPr>
+        <p:txBody>
+          <a:bodyPr/>
+          <a:lstStyle/>
+          <a:p>
+            <a:r>
+              <a:rPr lang="en-US" dirty="0" err="1"/>
+              <a:t>config_db</a:t>
+            </a:r>
+            <a:r>
+              <a:rPr lang="en-US" dirty="0"/>
+              <a:t>#(int)</a:t>
             </a:r>
           </a:p>
         </p:txBody>
@@ -13788,7 +14191,7 @@
           <p:cNvPr id="4" name="Slide Number Placeholder 3">
             <a:extLst>
               <a:ext uri="{FF2B5EF4-FFF2-40B4-BE49-F238E27FC236}">
-                <a16:creationId xmlns:a16="http://schemas.microsoft.com/office/drawing/2014/main" id="{C80EE293-8908-07B8-DC7E-60356F1A1147}"/>
+                <a16:creationId xmlns:a16="http://schemas.microsoft.com/office/drawing/2014/main" id="{BA2E0F3A-7731-F41F-E541-4053B65765A5}"/>
               </a:ext>
             </a:extLst>
           </p:cNvPr>
@@ -13806,7 +14209,1518 @@
           <a:p>
             <a:fld id="{8A2B06E4-34D2-4DD4-ABFF-9F74AC2B18B5}" type="slidenum">
               <a:rPr lang="en-US" smtClean="0"/>
-              <a:t>19</a:t>
+              <a:t>2</a:t>
+            </a:fld>
+            <a:endParaRPr lang="en-US" dirty="0"/>
+          </a:p>
+        </p:txBody>
+      </p:sp>
+      <p:pic>
+        <p:nvPicPr>
+          <p:cNvPr id="6" name="Picture 5">
+            <a:extLst>
+              <a:ext uri="{FF2B5EF4-FFF2-40B4-BE49-F238E27FC236}">
+                <a16:creationId xmlns:a16="http://schemas.microsoft.com/office/drawing/2014/main" id="{718D4FDD-BE4A-819A-FACA-F9855CB3B233}"/>
+              </a:ext>
+            </a:extLst>
+          </p:cNvPr>
+          <p:cNvPicPr>
+            <a:picLocks noChangeAspect="1"/>
+          </p:cNvPicPr>
+          <p:nvPr/>
+        </p:nvPicPr>
+        <p:blipFill>
+          <a:blip r:embed="rId2"/>
+          <a:stretch>
+            <a:fillRect/>
+          </a:stretch>
+        </p:blipFill>
+        <p:spPr>
+          <a:xfrm>
+            <a:off x="6206993" y="248747"/>
+            <a:ext cx="5489875" cy="2370628"/>
+          </a:xfrm>
+          <a:prstGeom prst="rect">
+            <a:avLst/>
+          </a:prstGeom>
+        </p:spPr>
+      </p:pic>
+      <p:pic>
+        <p:nvPicPr>
+          <p:cNvPr id="8" name="Picture 7">
+            <a:extLst>
+              <a:ext uri="{FF2B5EF4-FFF2-40B4-BE49-F238E27FC236}">
+                <a16:creationId xmlns:a16="http://schemas.microsoft.com/office/drawing/2014/main" id="{6BD4468B-93EA-97BC-1882-EF0E0D68EB66}"/>
+              </a:ext>
+            </a:extLst>
+          </p:cNvPr>
+          <p:cNvPicPr>
+            <a:picLocks noChangeAspect="1"/>
+          </p:cNvPicPr>
+          <p:nvPr/>
+        </p:nvPicPr>
+        <p:blipFill>
+          <a:blip r:embed="rId3"/>
+          <a:stretch>
+            <a:fillRect/>
+          </a:stretch>
+        </p:blipFill>
+        <p:spPr>
+          <a:xfrm>
+            <a:off x="6206993" y="2767577"/>
+            <a:ext cx="5628010" cy="3953898"/>
+          </a:xfrm>
+          <a:prstGeom prst="rect">
+            <a:avLst/>
+          </a:prstGeom>
+        </p:spPr>
+      </p:pic>
+      <p:sp>
+        <p:nvSpPr>
+          <p:cNvPr id="9" name="Rectangle: Rounded Corners 8">
+            <a:extLst>
+              <a:ext uri="{FF2B5EF4-FFF2-40B4-BE49-F238E27FC236}">
+                <a16:creationId xmlns:a16="http://schemas.microsoft.com/office/drawing/2014/main" id="{02F55302-ECCB-7E25-B98F-3CF1D3783EA2}"/>
+              </a:ext>
+            </a:extLst>
+          </p:cNvPr>
+          <p:cNvSpPr/>
+          <p:nvPr/>
+        </p:nvSpPr>
+        <p:spPr>
+          <a:xfrm>
+            <a:off x="989755" y="3882046"/>
+            <a:ext cx="642693" cy="273979"/>
+          </a:xfrm>
+          <a:prstGeom prst="roundRect">
+            <a:avLst/>
+          </a:prstGeom>
+          <a:solidFill>
+            <a:srgbClr val="00B050"/>
+          </a:solidFill>
+          <a:ln w="19050">
+            <a:solidFill>
+              <a:schemeClr val="tx1"/>
+            </a:solidFill>
+          </a:ln>
+        </p:spPr>
+        <p:style>
+          <a:lnRef idx="2">
+            <a:schemeClr val="accent1">
+              <a:shade val="50000"/>
+            </a:schemeClr>
+          </a:lnRef>
+          <a:fillRef idx="1">
+            <a:schemeClr val="accent1"/>
+          </a:fillRef>
+          <a:effectRef idx="0">
+            <a:schemeClr val="accent1"/>
+          </a:effectRef>
+          <a:fontRef idx="minor">
+            <a:schemeClr val="lt1"/>
+          </a:fontRef>
+        </p:style>
+        <p:txBody>
+          <a:bodyPr rtlCol="0" anchor="t"/>
+          <a:lstStyle/>
+          <a:p>
+            <a:pPr algn="ctr"/>
+            <a:r>
+              <a:rPr lang="en-US" sz="1200" dirty="0"/>
+              <a:t>m1</a:t>
+            </a:r>
+          </a:p>
+        </p:txBody>
+      </p:sp>
+      <p:cxnSp>
+        <p:nvCxnSpPr>
+          <p:cNvPr id="10" name="Straight Connector 9">
+            <a:extLst>
+              <a:ext uri="{FF2B5EF4-FFF2-40B4-BE49-F238E27FC236}">
+                <a16:creationId xmlns:a16="http://schemas.microsoft.com/office/drawing/2014/main" id="{2BAFE1BE-CA07-984F-D2FD-618E74F8E224}"/>
+              </a:ext>
+            </a:extLst>
+          </p:cNvPr>
+          <p:cNvCxnSpPr>
+            <a:cxnSpLocks/>
+          </p:cNvCxnSpPr>
+          <p:nvPr/>
+        </p:nvCxnSpPr>
+        <p:spPr>
+          <a:xfrm>
+            <a:off x="1292733" y="4156025"/>
+            <a:ext cx="440357" cy="674881"/>
+          </a:xfrm>
+          <a:prstGeom prst="line">
+            <a:avLst/>
+          </a:prstGeom>
+          <a:ln w="19050"/>
+        </p:spPr>
+        <p:style>
+          <a:lnRef idx="1">
+            <a:schemeClr val="dk1"/>
+          </a:lnRef>
+          <a:fillRef idx="0">
+            <a:schemeClr val="dk1"/>
+          </a:fillRef>
+          <a:effectRef idx="0">
+            <a:schemeClr val="dk1"/>
+          </a:effectRef>
+          <a:fontRef idx="minor">
+            <a:schemeClr val="tx1"/>
+          </a:fontRef>
+        </p:style>
+      </p:cxnSp>
+      <p:cxnSp>
+        <p:nvCxnSpPr>
+          <p:cNvPr id="13" name="Straight Connector 12">
+            <a:extLst>
+              <a:ext uri="{FF2B5EF4-FFF2-40B4-BE49-F238E27FC236}">
+                <a16:creationId xmlns:a16="http://schemas.microsoft.com/office/drawing/2014/main" id="{E4EE0AF4-4821-DDBB-11D1-00EBED7C1E8E}"/>
+              </a:ext>
+            </a:extLst>
+          </p:cNvPr>
+          <p:cNvCxnSpPr>
+            <a:cxnSpLocks/>
+            <a:stCxn id="9" idx="2"/>
+            <a:endCxn id="16" idx="0"/>
+          </p:cNvCxnSpPr>
+          <p:nvPr/>
+        </p:nvCxnSpPr>
+        <p:spPr>
+          <a:xfrm flipH="1">
+            <a:off x="997668" y="4156025"/>
+            <a:ext cx="313434" cy="780347"/>
+          </a:xfrm>
+          <a:prstGeom prst="line">
+            <a:avLst/>
+          </a:prstGeom>
+          <a:ln w="19050"/>
+        </p:spPr>
+        <p:style>
+          <a:lnRef idx="1">
+            <a:schemeClr val="dk1"/>
+          </a:lnRef>
+          <a:fillRef idx="0">
+            <a:schemeClr val="dk1"/>
+          </a:fillRef>
+          <a:effectRef idx="0">
+            <a:schemeClr val="dk1"/>
+          </a:effectRef>
+          <a:fontRef idx="minor">
+            <a:schemeClr val="tx1"/>
+          </a:fontRef>
+        </p:style>
+      </p:cxnSp>
+      <p:sp>
+        <p:nvSpPr>
+          <p:cNvPr id="16" name="Rectangle: Rounded Corners 15">
+            <a:extLst>
+              <a:ext uri="{FF2B5EF4-FFF2-40B4-BE49-F238E27FC236}">
+                <a16:creationId xmlns:a16="http://schemas.microsoft.com/office/drawing/2014/main" id="{184FE13D-1981-70B6-3037-801C012A0D8B}"/>
+              </a:ext>
+            </a:extLst>
+          </p:cNvPr>
+          <p:cNvSpPr/>
+          <p:nvPr/>
+        </p:nvSpPr>
+        <p:spPr>
+          <a:xfrm>
+            <a:off x="702602" y="4936372"/>
+            <a:ext cx="590131" cy="273979"/>
+          </a:xfrm>
+          <a:prstGeom prst="roundRect">
+            <a:avLst/>
+          </a:prstGeom>
+          <a:solidFill>
+            <a:srgbClr val="00B050"/>
+          </a:solidFill>
+          <a:ln w="19050">
+            <a:solidFill>
+              <a:schemeClr val="tx1"/>
+            </a:solidFill>
+          </a:ln>
+        </p:spPr>
+        <p:style>
+          <a:lnRef idx="2">
+            <a:schemeClr val="accent1">
+              <a:shade val="50000"/>
+            </a:schemeClr>
+          </a:lnRef>
+          <a:fillRef idx="1">
+            <a:schemeClr val="accent1"/>
+          </a:fillRef>
+          <a:effectRef idx="0">
+            <a:schemeClr val="accent1"/>
+          </a:effectRef>
+          <a:fontRef idx="minor">
+            <a:schemeClr val="lt1"/>
+          </a:fontRef>
+        </p:style>
+        <p:txBody>
+          <a:bodyPr rtlCol="0" anchor="t"/>
+          <a:lstStyle/>
+          <a:p>
+            <a:pPr algn="ctr"/>
+            <a:r>
+              <a:rPr lang="en-US" sz="1200" dirty="0"/>
+              <a:t>inst2</a:t>
+            </a:r>
+          </a:p>
+        </p:txBody>
+      </p:sp>
+      <p:sp>
+        <p:nvSpPr>
+          <p:cNvPr id="17" name="Rectangle: Rounded Corners 16">
+            <a:extLst>
+              <a:ext uri="{FF2B5EF4-FFF2-40B4-BE49-F238E27FC236}">
+                <a16:creationId xmlns:a16="http://schemas.microsoft.com/office/drawing/2014/main" id="{84F0D7FD-0933-5EEF-803C-A26390348374}"/>
+              </a:ext>
+            </a:extLst>
+          </p:cNvPr>
+          <p:cNvSpPr/>
+          <p:nvPr/>
+        </p:nvSpPr>
+        <p:spPr>
+          <a:xfrm>
+            <a:off x="2535811" y="3867316"/>
+            <a:ext cx="440357" cy="273979"/>
+          </a:xfrm>
+          <a:prstGeom prst="roundRect">
+            <a:avLst/>
+          </a:prstGeom>
+          <a:solidFill>
+            <a:srgbClr val="00B050"/>
+          </a:solidFill>
+          <a:ln w="19050">
+            <a:solidFill>
+              <a:schemeClr val="tx1"/>
+            </a:solidFill>
+          </a:ln>
+        </p:spPr>
+        <p:style>
+          <a:lnRef idx="2">
+            <a:schemeClr val="accent1">
+              <a:shade val="50000"/>
+            </a:schemeClr>
+          </a:lnRef>
+          <a:fillRef idx="1">
+            <a:schemeClr val="accent1"/>
+          </a:fillRef>
+          <a:effectRef idx="0">
+            <a:schemeClr val="accent1"/>
+          </a:effectRef>
+          <a:fontRef idx="minor">
+            <a:schemeClr val="lt1"/>
+          </a:fontRef>
+        </p:style>
+        <p:txBody>
+          <a:bodyPr rtlCol="0" anchor="t"/>
+          <a:lstStyle/>
+          <a:p>
+            <a:pPr algn="ctr"/>
+            <a:r>
+              <a:rPr lang="en-US" sz="1200" dirty="0"/>
+              <a:t>i1</a:t>
+            </a:r>
+          </a:p>
+        </p:txBody>
+      </p:sp>
+      <p:sp>
+        <p:nvSpPr>
+          <p:cNvPr id="21" name="Rectangle: Rounded Corners 20">
+            <a:extLst>
+              <a:ext uri="{FF2B5EF4-FFF2-40B4-BE49-F238E27FC236}">
+                <a16:creationId xmlns:a16="http://schemas.microsoft.com/office/drawing/2014/main" id="{DC2252C3-7A48-2173-8F7F-A0058259E22A}"/>
+              </a:ext>
+            </a:extLst>
+          </p:cNvPr>
+          <p:cNvSpPr/>
+          <p:nvPr/>
+        </p:nvSpPr>
+        <p:spPr>
+          <a:xfrm>
+            <a:off x="3703961" y="3882046"/>
+            <a:ext cx="641031" cy="273979"/>
+          </a:xfrm>
+          <a:prstGeom prst="roundRect">
+            <a:avLst/>
+          </a:prstGeom>
+          <a:solidFill>
+            <a:srgbClr val="00B050"/>
+          </a:solidFill>
+          <a:ln w="19050">
+            <a:solidFill>
+              <a:schemeClr val="tx1"/>
+            </a:solidFill>
+          </a:ln>
+        </p:spPr>
+        <p:style>
+          <a:lnRef idx="2">
+            <a:schemeClr val="accent1">
+              <a:shade val="50000"/>
+            </a:schemeClr>
+          </a:lnRef>
+          <a:fillRef idx="1">
+            <a:schemeClr val="accent1"/>
+          </a:fillRef>
+          <a:effectRef idx="0">
+            <a:schemeClr val="accent1"/>
+          </a:effectRef>
+          <a:fontRef idx="minor">
+            <a:schemeClr val="lt1"/>
+          </a:fontRef>
+        </p:style>
+        <p:txBody>
+          <a:bodyPr rtlCol="0" anchor="t"/>
+          <a:lstStyle/>
+          <a:p>
+            <a:pPr algn="ctr"/>
+            <a:r>
+              <a:rPr lang="en-US" altLang="zh-TW" sz="1200" dirty="0"/>
+              <a:t>$unit</a:t>
+            </a:r>
+            <a:endParaRPr lang="en-US" sz="1200" dirty="0"/>
+          </a:p>
+        </p:txBody>
+      </p:sp>
+      <p:cxnSp>
+        <p:nvCxnSpPr>
+          <p:cNvPr id="22" name="Straight Connector 21">
+            <a:extLst>
+              <a:ext uri="{FF2B5EF4-FFF2-40B4-BE49-F238E27FC236}">
+                <a16:creationId xmlns:a16="http://schemas.microsoft.com/office/drawing/2014/main" id="{4E96D5E2-1732-4ABD-4EA4-BB5CC29DD890}"/>
+              </a:ext>
+            </a:extLst>
+          </p:cNvPr>
+          <p:cNvCxnSpPr>
+            <a:cxnSpLocks/>
+          </p:cNvCxnSpPr>
+          <p:nvPr/>
+        </p:nvCxnSpPr>
+        <p:spPr>
+          <a:xfrm>
+            <a:off x="4235265" y="4156025"/>
+            <a:ext cx="440357" cy="674881"/>
+          </a:xfrm>
+          <a:prstGeom prst="line">
+            <a:avLst/>
+          </a:prstGeom>
+          <a:ln w="19050"/>
+        </p:spPr>
+        <p:style>
+          <a:lnRef idx="1">
+            <a:schemeClr val="dk1"/>
+          </a:lnRef>
+          <a:fillRef idx="0">
+            <a:schemeClr val="dk1"/>
+          </a:fillRef>
+          <a:effectRef idx="0">
+            <a:schemeClr val="dk1"/>
+          </a:effectRef>
+          <a:fontRef idx="minor">
+            <a:schemeClr val="tx1"/>
+          </a:fontRef>
+        </p:style>
+      </p:cxnSp>
+      <p:cxnSp>
+        <p:nvCxnSpPr>
+          <p:cNvPr id="23" name="Straight Connector 22">
+            <a:extLst>
+              <a:ext uri="{FF2B5EF4-FFF2-40B4-BE49-F238E27FC236}">
+                <a16:creationId xmlns:a16="http://schemas.microsoft.com/office/drawing/2014/main" id="{5F2FB23F-4769-223D-EB74-B42079A31DB0}"/>
+              </a:ext>
+            </a:extLst>
+          </p:cNvPr>
+          <p:cNvCxnSpPr>
+            <a:cxnSpLocks/>
+            <a:stCxn id="21" idx="2"/>
+          </p:cNvCxnSpPr>
+          <p:nvPr/>
+        </p:nvCxnSpPr>
+        <p:spPr>
+          <a:xfrm flipH="1">
+            <a:off x="3740044" y="4156025"/>
+            <a:ext cx="284433" cy="777925"/>
+          </a:xfrm>
+          <a:prstGeom prst="line">
+            <a:avLst/>
+          </a:prstGeom>
+          <a:ln w="19050"/>
+        </p:spPr>
+        <p:style>
+          <a:lnRef idx="1">
+            <a:schemeClr val="dk1"/>
+          </a:lnRef>
+          <a:fillRef idx="0">
+            <a:schemeClr val="dk1"/>
+          </a:fillRef>
+          <a:effectRef idx="0">
+            <a:schemeClr val="dk1"/>
+          </a:effectRef>
+          <a:fontRef idx="minor">
+            <a:schemeClr val="tx1"/>
+          </a:fontRef>
+        </p:style>
+      </p:cxnSp>
+      <p:sp>
+        <p:nvSpPr>
+          <p:cNvPr id="24" name="Rectangle: Rounded Corners 23">
+            <a:extLst>
+              <a:ext uri="{FF2B5EF4-FFF2-40B4-BE49-F238E27FC236}">
+                <a16:creationId xmlns:a16="http://schemas.microsoft.com/office/drawing/2014/main" id="{C32CF9AF-1692-A5A7-7AFE-90A846B116F9}"/>
+              </a:ext>
+            </a:extLst>
+          </p:cNvPr>
+          <p:cNvSpPr/>
+          <p:nvPr/>
+        </p:nvSpPr>
+        <p:spPr>
+          <a:xfrm>
+            <a:off x="3645135" y="4936372"/>
+            <a:ext cx="219456" cy="273979"/>
+          </a:xfrm>
+          <a:prstGeom prst="roundRect">
+            <a:avLst/>
+          </a:prstGeom>
+          <a:solidFill>
+            <a:srgbClr val="00B050"/>
+          </a:solidFill>
+          <a:ln w="19050">
+            <a:solidFill>
+              <a:schemeClr val="tx1"/>
+            </a:solidFill>
+          </a:ln>
+        </p:spPr>
+        <p:style>
+          <a:lnRef idx="2">
+            <a:schemeClr val="accent1">
+              <a:shade val="50000"/>
+            </a:schemeClr>
+          </a:lnRef>
+          <a:fillRef idx="1">
+            <a:schemeClr val="accent1"/>
+          </a:fillRef>
+          <a:effectRef idx="0">
+            <a:schemeClr val="accent1"/>
+          </a:effectRef>
+          <a:fontRef idx="minor">
+            <a:schemeClr val="lt1"/>
+          </a:fontRef>
+        </p:style>
+        <p:txBody>
+          <a:bodyPr rtlCol="0" anchor="t"/>
+          <a:lstStyle/>
+          <a:p>
+            <a:pPr algn="ctr"/>
+            <a:r>
+              <a:rPr lang="en-US" sz="1200" dirty="0"/>
+              <a:t>1</a:t>
+            </a:r>
+          </a:p>
+        </p:txBody>
+      </p:sp>
+      <p:cxnSp>
+        <p:nvCxnSpPr>
+          <p:cNvPr id="28" name="Straight Connector 27">
+            <a:extLst>
+              <a:ext uri="{FF2B5EF4-FFF2-40B4-BE49-F238E27FC236}">
+                <a16:creationId xmlns:a16="http://schemas.microsoft.com/office/drawing/2014/main" id="{8E40EB1E-221E-2AC2-7C68-58BB58857CB6}"/>
+              </a:ext>
+            </a:extLst>
+          </p:cNvPr>
+          <p:cNvCxnSpPr>
+            <a:cxnSpLocks/>
+          </p:cNvCxnSpPr>
+          <p:nvPr/>
+        </p:nvCxnSpPr>
+        <p:spPr>
+          <a:xfrm flipH="1">
+            <a:off x="342593" y="5257124"/>
+            <a:ext cx="495221" cy="777925"/>
+          </a:xfrm>
+          <a:prstGeom prst="line">
+            <a:avLst/>
+          </a:prstGeom>
+          <a:ln w="19050"/>
+        </p:spPr>
+        <p:style>
+          <a:lnRef idx="1">
+            <a:schemeClr val="dk1"/>
+          </a:lnRef>
+          <a:fillRef idx="0">
+            <a:schemeClr val="dk1"/>
+          </a:fillRef>
+          <a:effectRef idx="0">
+            <a:schemeClr val="dk1"/>
+          </a:effectRef>
+          <a:fontRef idx="minor">
+            <a:schemeClr val="tx1"/>
+          </a:fontRef>
+        </p:style>
+      </p:cxnSp>
+      <p:sp>
+        <p:nvSpPr>
+          <p:cNvPr id="29" name="Rectangle: Rounded Corners 28">
+            <a:extLst>
+              <a:ext uri="{FF2B5EF4-FFF2-40B4-BE49-F238E27FC236}">
+                <a16:creationId xmlns:a16="http://schemas.microsoft.com/office/drawing/2014/main" id="{7BA37B51-F716-DF52-604C-4DC540928188}"/>
+              </a:ext>
+            </a:extLst>
+          </p:cNvPr>
+          <p:cNvSpPr/>
+          <p:nvPr/>
+        </p:nvSpPr>
+        <p:spPr>
+          <a:xfrm>
+            <a:off x="247684" y="6037471"/>
+            <a:ext cx="219456" cy="273979"/>
+          </a:xfrm>
+          <a:prstGeom prst="roundRect">
+            <a:avLst/>
+          </a:prstGeom>
+          <a:solidFill>
+            <a:srgbClr val="00B050"/>
+          </a:solidFill>
+          <a:ln w="19050">
+            <a:solidFill>
+              <a:schemeClr val="tx1"/>
+            </a:solidFill>
+          </a:ln>
+        </p:spPr>
+        <p:style>
+          <a:lnRef idx="2">
+            <a:schemeClr val="accent1">
+              <a:shade val="50000"/>
+            </a:schemeClr>
+          </a:lnRef>
+          <a:fillRef idx="1">
+            <a:schemeClr val="accent1"/>
+          </a:fillRef>
+          <a:effectRef idx="0">
+            <a:schemeClr val="accent1"/>
+          </a:effectRef>
+          <a:fontRef idx="minor">
+            <a:schemeClr val="lt1"/>
+          </a:fontRef>
+        </p:style>
+        <p:txBody>
+          <a:bodyPr rtlCol="0" anchor="t"/>
+          <a:lstStyle/>
+          <a:p>
+            <a:pPr algn="ctr"/>
+            <a:r>
+              <a:rPr lang="en-US" sz="1200" dirty="0"/>
+              <a:t>1</a:t>
+            </a:r>
+          </a:p>
+        </p:txBody>
+      </p:sp>
+      <p:sp>
+        <p:nvSpPr>
+          <p:cNvPr id="30" name="Rectangle: Rounded Corners 29">
+            <a:extLst>
+              <a:ext uri="{FF2B5EF4-FFF2-40B4-BE49-F238E27FC236}">
+                <a16:creationId xmlns:a16="http://schemas.microsoft.com/office/drawing/2014/main" id="{6608BE5D-5AF2-55AF-B5AD-B09B52F1F3B2}"/>
+              </a:ext>
+            </a:extLst>
+          </p:cNvPr>
+          <p:cNvSpPr/>
+          <p:nvPr/>
+        </p:nvSpPr>
+        <p:spPr>
+          <a:xfrm>
+            <a:off x="4428085" y="4830906"/>
+            <a:ext cx="219456" cy="379445"/>
+          </a:xfrm>
+          <a:prstGeom prst="roundRect">
+            <a:avLst/>
+          </a:prstGeom>
+          <a:solidFill>
+            <a:srgbClr val="00B050"/>
+          </a:solidFill>
+          <a:ln w="19050">
+            <a:solidFill>
+              <a:schemeClr val="tx1"/>
+            </a:solidFill>
+          </a:ln>
+        </p:spPr>
+        <p:style>
+          <a:lnRef idx="2">
+            <a:schemeClr val="accent1">
+              <a:shade val="50000"/>
+            </a:schemeClr>
+          </a:lnRef>
+          <a:fillRef idx="1">
+            <a:schemeClr val="accent1"/>
+          </a:fillRef>
+          <a:effectRef idx="0">
+            <a:schemeClr val="accent1"/>
+          </a:effectRef>
+          <a:fontRef idx="minor">
+            <a:schemeClr val="lt1"/>
+          </a:fontRef>
+        </p:style>
+        <p:txBody>
+          <a:bodyPr rtlCol="0" anchor="t"/>
+          <a:lstStyle/>
+          <a:p>
+            <a:pPr algn="ctr"/>
+            <a:r>
+              <a:rPr lang="en-US" sz="1200" dirty="0"/>
+              <a:t>1</a:t>
+            </a:r>
+          </a:p>
+        </p:txBody>
+      </p:sp>
+      <p:sp>
+        <p:nvSpPr>
+          <p:cNvPr id="31" name="Content Placeholder 2">
+            <a:extLst>
+              <a:ext uri="{FF2B5EF4-FFF2-40B4-BE49-F238E27FC236}">
+                <a16:creationId xmlns:a16="http://schemas.microsoft.com/office/drawing/2014/main" id="{01C88622-A4BF-29DC-8280-4F2FB433B399}"/>
+              </a:ext>
+            </a:extLst>
+          </p:cNvPr>
+          <p:cNvSpPr txBox="1">
+            <a:spLocks/>
+          </p:cNvSpPr>
+          <p:nvPr/>
+        </p:nvSpPr>
+        <p:spPr>
+          <a:xfrm>
+            <a:off x="590204" y="2645877"/>
+            <a:ext cx="3157748" cy="974320"/>
+          </a:xfrm>
+          <a:prstGeom prst="rect">
+            <a:avLst/>
+          </a:prstGeom>
+        </p:spPr>
+        <p:txBody>
+          <a:bodyPr vert="horz" lIns="91440" tIns="45720" rIns="91440" bIns="45720" rtlCol="0">
+            <a:normAutofit/>
+          </a:bodyPr>
+          <a:lstStyle>
+            <a:lvl1pPr marL="228600" indent="-228600" algn="l" defTabSz="914400" rtl="0" eaLnBrk="1" latinLnBrk="0" hangingPunct="1">
+              <a:lnSpc>
+                <a:spcPct val="90000"/>
+              </a:lnSpc>
+              <a:spcBef>
+                <a:spcPts val="1000"/>
+              </a:spcBef>
+              <a:buFont typeface="Arial" panose="020B0604020202020204" pitchFamily="34" charset="0"/>
+              <a:buChar char="•"/>
+              <a:defRPr sz="1400" kern="1200">
+                <a:solidFill>
+                  <a:schemeClr val="tx1"/>
+                </a:solidFill>
+                <a:latin typeface="+mn-lt"/>
+                <a:ea typeface="+mn-ea"/>
+                <a:cs typeface="+mn-cs"/>
+              </a:defRPr>
+            </a:lvl1pPr>
+            <a:lvl2pPr marL="685800" indent="-228600" algn="l" defTabSz="914400" rtl="0" eaLnBrk="1" latinLnBrk="0" hangingPunct="1">
+              <a:lnSpc>
+                <a:spcPct val="90000"/>
+              </a:lnSpc>
+              <a:spcBef>
+                <a:spcPts val="500"/>
+              </a:spcBef>
+              <a:buFont typeface="Arial" panose="020B0604020202020204" pitchFamily="34" charset="0"/>
+              <a:buChar char="•"/>
+              <a:defRPr sz="1200" kern="1200">
+                <a:solidFill>
+                  <a:schemeClr val="tx1"/>
+                </a:solidFill>
+                <a:latin typeface="+mn-lt"/>
+                <a:ea typeface="+mn-ea"/>
+                <a:cs typeface="+mn-cs"/>
+              </a:defRPr>
+            </a:lvl2pPr>
+            <a:lvl3pPr marL="1143000" indent="-228600" algn="l" defTabSz="914400" rtl="0" eaLnBrk="1" latinLnBrk="0" hangingPunct="1">
+              <a:lnSpc>
+                <a:spcPct val="90000"/>
+              </a:lnSpc>
+              <a:spcBef>
+                <a:spcPts val="500"/>
+              </a:spcBef>
+              <a:buFont typeface="Arial" panose="020B0604020202020204" pitchFamily="34" charset="0"/>
+              <a:buChar char="•"/>
+              <a:defRPr sz="1200" kern="1200">
+                <a:solidFill>
+                  <a:schemeClr val="tx1"/>
+                </a:solidFill>
+                <a:latin typeface="+mn-lt"/>
+                <a:ea typeface="+mn-ea"/>
+                <a:cs typeface="+mn-cs"/>
+              </a:defRPr>
+            </a:lvl3pPr>
+            <a:lvl4pPr marL="1600200" indent="-228600" algn="l" defTabSz="914400" rtl="0" eaLnBrk="1" latinLnBrk="0" hangingPunct="1">
+              <a:lnSpc>
+                <a:spcPct val="90000"/>
+              </a:lnSpc>
+              <a:spcBef>
+                <a:spcPts val="500"/>
+              </a:spcBef>
+              <a:buFont typeface="Arial" panose="020B0604020202020204" pitchFamily="34" charset="0"/>
+              <a:buChar char="•"/>
+              <a:defRPr sz="1200" kern="1200">
+                <a:solidFill>
+                  <a:schemeClr val="tx1"/>
+                </a:solidFill>
+                <a:latin typeface="+mn-lt"/>
+                <a:ea typeface="+mn-ea"/>
+                <a:cs typeface="+mn-cs"/>
+              </a:defRPr>
+            </a:lvl4pPr>
+            <a:lvl5pPr marL="2057400" indent="-228600" algn="l" defTabSz="914400" rtl="0" eaLnBrk="1" latinLnBrk="0" hangingPunct="1">
+              <a:lnSpc>
+                <a:spcPct val="90000"/>
+              </a:lnSpc>
+              <a:spcBef>
+                <a:spcPts val="500"/>
+              </a:spcBef>
+              <a:buFont typeface="Arial" panose="020B0604020202020204" pitchFamily="34" charset="0"/>
+              <a:buChar char="•"/>
+              <a:defRPr sz="1200" kern="1200">
+                <a:solidFill>
+                  <a:schemeClr val="tx1"/>
+                </a:solidFill>
+                <a:latin typeface="+mn-lt"/>
+                <a:ea typeface="+mn-ea"/>
+                <a:cs typeface="+mn-cs"/>
+              </a:defRPr>
+            </a:lvl5pPr>
+            <a:lvl6pPr marL="2514600" indent="-228600" algn="l" defTabSz="914400" rtl="0" eaLnBrk="1" latinLnBrk="0" hangingPunct="1">
+              <a:lnSpc>
+                <a:spcPct val="90000"/>
+              </a:lnSpc>
+              <a:spcBef>
+                <a:spcPts val="500"/>
+              </a:spcBef>
+              <a:buFont typeface="Arial" panose="020B0604020202020204" pitchFamily="34" charset="0"/>
+              <a:buChar char="•"/>
+              <a:defRPr sz="1800" kern="1200">
+                <a:solidFill>
+                  <a:schemeClr val="tx1"/>
+                </a:solidFill>
+                <a:latin typeface="+mn-lt"/>
+                <a:ea typeface="+mn-ea"/>
+                <a:cs typeface="+mn-cs"/>
+              </a:defRPr>
+            </a:lvl6pPr>
+            <a:lvl7pPr marL="2971800" indent="-228600" algn="l" defTabSz="914400" rtl="0" eaLnBrk="1" latinLnBrk="0" hangingPunct="1">
+              <a:lnSpc>
+                <a:spcPct val="90000"/>
+              </a:lnSpc>
+              <a:spcBef>
+                <a:spcPts val="500"/>
+              </a:spcBef>
+              <a:buFont typeface="Arial" panose="020B0604020202020204" pitchFamily="34" charset="0"/>
+              <a:buChar char="•"/>
+              <a:defRPr sz="1800" kern="1200">
+                <a:solidFill>
+                  <a:schemeClr val="tx1"/>
+                </a:solidFill>
+                <a:latin typeface="+mn-lt"/>
+                <a:ea typeface="+mn-ea"/>
+                <a:cs typeface="+mn-cs"/>
+              </a:defRPr>
+            </a:lvl7pPr>
+            <a:lvl8pPr marL="3429000" indent="-228600" algn="l" defTabSz="914400" rtl="0" eaLnBrk="1" latinLnBrk="0" hangingPunct="1">
+              <a:lnSpc>
+                <a:spcPct val="90000"/>
+              </a:lnSpc>
+              <a:spcBef>
+                <a:spcPts val="500"/>
+              </a:spcBef>
+              <a:buFont typeface="Arial" panose="020B0604020202020204" pitchFamily="34" charset="0"/>
+              <a:buChar char="•"/>
+              <a:defRPr sz="1800" kern="1200">
+                <a:solidFill>
+                  <a:schemeClr val="tx1"/>
+                </a:solidFill>
+                <a:latin typeface="+mn-lt"/>
+                <a:ea typeface="+mn-ea"/>
+                <a:cs typeface="+mn-cs"/>
+              </a:defRPr>
+            </a:lvl8pPr>
+            <a:lvl9pPr marL="3886200" indent="-228600" algn="l" defTabSz="914400" rtl="0" eaLnBrk="1" latinLnBrk="0" hangingPunct="1">
+              <a:lnSpc>
+                <a:spcPct val="90000"/>
+              </a:lnSpc>
+              <a:spcBef>
+                <a:spcPts val="500"/>
+              </a:spcBef>
+              <a:buFont typeface="Arial" panose="020B0604020202020204" pitchFamily="34" charset="0"/>
+              <a:buChar char="•"/>
+              <a:defRPr sz="1800" kern="1200">
+                <a:solidFill>
+                  <a:schemeClr val="tx1"/>
+                </a:solidFill>
+                <a:latin typeface="+mn-lt"/>
+                <a:ea typeface="+mn-ea"/>
+                <a:cs typeface="+mn-cs"/>
+              </a:defRPr>
+            </a:lvl9pPr>
+          </a:lstStyle>
+          <a:p>
+            <a:r>
+              <a:rPr lang="en-US" dirty="0"/>
+              <a:t>linked list</a:t>
+            </a:r>
+          </a:p>
+          <a:p>
+            <a:pPr lvl="1"/>
+            <a:r>
+              <a:rPr lang="en-US" dirty="0"/>
+              <a:t>data</a:t>
+            </a:r>
+          </a:p>
+          <a:p>
+            <a:pPr lvl="1"/>
+            <a:r>
+              <a:rPr lang="en-US" dirty="0"/>
+              <a:t>pointer, point to next entry (node)</a:t>
+            </a:r>
+          </a:p>
+        </p:txBody>
+      </p:sp>
+      <p:cxnSp>
+        <p:nvCxnSpPr>
+          <p:cNvPr id="32" name="Straight Connector 31">
+            <a:extLst>
+              <a:ext uri="{FF2B5EF4-FFF2-40B4-BE49-F238E27FC236}">
+                <a16:creationId xmlns:a16="http://schemas.microsoft.com/office/drawing/2014/main" id="{09CAE47C-C870-F8D1-2DCE-DDC0FEA45420}"/>
+              </a:ext>
+            </a:extLst>
+          </p:cNvPr>
+          <p:cNvCxnSpPr>
+            <a:cxnSpLocks/>
+          </p:cNvCxnSpPr>
+          <p:nvPr/>
+        </p:nvCxnSpPr>
+        <p:spPr>
+          <a:xfrm>
+            <a:off x="2744878" y="4156025"/>
+            <a:ext cx="75986" cy="1054326"/>
+          </a:xfrm>
+          <a:prstGeom prst="line">
+            <a:avLst/>
+          </a:prstGeom>
+          <a:ln w="19050"/>
+        </p:spPr>
+        <p:style>
+          <a:lnRef idx="1">
+            <a:schemeClr val="dk1"/>
+          </a:lnRef>
+          <a:fillRef idx="0">
+            <a:schemeClr val="dk1"/>
+          </a:fillRef>
+          <a:effectRef idx="0">
+            <a:schemeClr val="dk1"/>
+          </a:effectRef>
+          <a:fontRef idx="minor">
+            <a:schemeClr val="tx1"/>
+          </a:fontRef>
+        </p:style>
+      </p:cxnSp>
+      <p:pic>
+        <p:nvPicPr>
+          <p:cNvPr id="39" name="Graphic 38" descr="Database outline">
+            <a:extLst>
+              <a:ext uri="{FF2B5EF4-FFF2-40B4-BE49-F238E27FC236}">
+                <a16:creationId xmlns:a16="http://schemas.microsoft.com/office/drawing/2014/main" id="{C05CC133-D0F3-2AEB-01D0-E83C8E0C3144}"/>
+              </a:ext>
+            </a:extLst>
+          </p:cNvPr>
+          <p:cNvPicPr>
+            <a:picLocks noChangeAspect="1"/>
+          </p:cNvPicPr>
+          <p:nvPr/>
+        </p:nvPicPr>
+        <p:blipFill>
+          <a:blip r:embed="rId4">
+            <a:extLst>
+              <a:ext uri="{96DAC541-7B7A-43D3-8B79-37D633B846F1}">
+                <asvg:svgBlip xmlns:asvg="http://schemas.microsoft.com/office/drawing/2016/SVG/main" r:embed="rId5"/>
+              </a:ext>
+            </a:extLst>
+          </a:blip>
+          <a:stretch>
+            <a:fillRect/>
+          </a:stretch>
+        </p:blipFill>
+        <p:spPr>
+          <a:xfrm>
+            <a:off x="784869" y="1048785"/>
+            <a:ext cx="782096" cy="782096"/>
+          </a:xfrm>
+          <a:prstGeom prst="rect">
+            <a:avLst/>
+          </a:prstGeom>
+        </p:spPr>
+      </p:pic>
+      <p:pic>
+        <p:nvPicPr>
+          <p:cNvPr id="40" name="Graphic 39" descr="Database outline">
+            <a:extLst>
+              <a:ext uri="{FF2B5EF4-FFF2-40B4-BE49-F238E27FC236}">
+                <a16:creationId xmlns:a16="http://schemas.microsoft.com/office/drawing/2014/main" id="{97FE3FCD-34DD-3631-50DA-ED2286B12DBF}"/>
+              </a:ext>
+            </a:extLst>
+          </p:cNvPr>
+          <p:cNvPicPr>
+            <a:picLocks noChangeAspect="1"/>
+          </p:cNvPicPr>
+          <p:nvPr/>
+        </p:nvPicPr>
+        <p:blipFill>
+          <a:blip r:embed="rId4">
+            <a:extLst>
+              <a:ext uri="{96DAC541-7B7A-43D3-8B79-37D633B846F1}">
+                <asvg:svgBlip xmlns:asvg="http://schemas.microsoft.com/office/drawing/2016/SVG/main" r:embed="rId5"/>
+              </a:ext>
+            </a:extLst>
+          </a:blip>
+          <a:stretch>
+            <a:fillRect/>
+          </a:stretch>
+        </p:blipFill>
+        <p:spPr>
+          <a:xfrm>
+            <a:off x="2611849" y="1076838"/>
+            <a:ext cx="782096" cy="782096"/>
+          </a:xfrm>
+          <a:prstGeom prst="rect">
+            <a:avLst/>
+          </a:prstGeom>
+        </p:spPr>
+      </p:pic>
+      <p:pic>
+        <p:nvPicPr>
+          <p:cNvPr id="41" name="Graphic 40" descr="Database outline">
+            <a:extLst>
+              <a:ext uri="{FF2B5EF4-FFF2-40B4-BE49-F238E27FC236}">
+                <a16:creationId xmlns:a16="http://schemas.microsoft.com/office/drawing/2014/main" id="{2D011335-A5D7-E4A4-9D41-A162D4808C20}"/>
+              </a:ext>
+            </a:extLst>
+          </p:cNvPr>
+          <p:cNvPicPr>
+            <a:picLocks noChangeAspect="1"/>
+          </p:cNvPicPr>
+          <p:nvPr/>
+        </p:nvPicPr>
+        <p:blipFill>
+          <a:blip r:embed="rId4">
+            <a:extLst>
+              <a:ext uri="{96DAC541-7B7A-43D3-8B79-37D633B846F1}">
+                <asvg:svgBlip xmlns:asvg="http://schemas.microsoft.com/office/drawing/2016/SVG/main" r:embed="rId5"/>
+              </a:ext>
+            </a:extLst>
+          </a:blip>
+          <a:stretch>
+            <a:fillRect/>
+          </a:stretch>
+        </p:blipFill>
+        <p:spPr>
+          <a:xfrm>
+            <a:off x="4735460" y="1048785"/>
+            <a:ext cx="782096" cy="782096"/>
+          </a:xfrm>
+          <a:prstGeom prst="rect">
+            <a:avLst/>
+          </a:prstGeom>
+        </p:spPr>
+      </p:pic>
+      <p:sp>
+        <p:nvSpPr>
+          <p:cNvPr id="42" name="Content Placeholder 2">
+            <a:extLst>
+              <a:ext uri="{FF2B5EF4-FFF2-40B4-BE49-F238E27FC236}">
+                <a16:creationId xmlns:a16="http://schemas.microsoft.com/office/drawing/2014/main" id="{BFE78844-6FF2-4807-46F5-2DB47548A642}"/>
+              </a:ext>
+            </a:extLst>
+          </p:cNvPr>
+          <p:cNvSpPr txBox="1">
+            <a:spLocks/>
+          </p:cNvSpPr>
+          <p:nvPr/>
+        </p:nvSpPr>
+        <p:spPr>
+          <a:xfrm>
+            <a:off x="2229112" y="783996"/>
+            <a:ext cx="2199649" cy="974320"/>
+          </a:xfrm>
+          <a:prstGeom prst="rect">
+            <a:avLst/>
+          </a:prstGeom>
+        </p:spPr>
+        <p:txBody>
+          <a:bodyPr vert="horz" lIns="91440" tIns="45720" rIns="91440" bIns="45720" rtlCol="0">
+            <a:normAutofit/>
+          </a:bodyPr>
+          <a:lstStyle>
+            <a:lvl1pPr marL="228600" indent="-228600" algn="l" defTabSz="914400" rtl="0" eaLnBrk="1" latinLnBrk="0" hangingPunct="1">
+              <a:lnSpc>
+                <a:spcPct val="90000"/>
+              </a:lnSpc>
+              <a:spcBef>
+                <a:spcPts val="1000"/>
+              </a:spcBef>
+              <a:buFont typeface="Arial" panose="020B0604020202020204" pitchFamily="34" charset="0"/>
+              <a:buChar char="•"/>
+              <a:defRPr sz="1400" kern="1200">
+                <a:solidFill>
+                  <a:schemeClr val="tx1"/>
+                </a:solidFill>
+                <a:latin typeface="+mn-lt"/>
+                <a:ea typeface="+mn-ea"/>
+                <a:cs typeface="+mn-cs"/>
+              </a:defRPr>
+            </a:lvl1pPr>
+            <a:lvl2pPr marL="685800" indent="-228600" algn="l" defTabSz="914400" rtl="0" eaLnBrk="1" latinLnBrk="0" hangingPunct="1">
+              <a:lnSpc>
+                <a:spcPct val="90000"/>
+              </a:lnSpc>
+              <a:spcBef>
+                <a:spcPts val="500"/>
+              </a:spcBef>
+              <a:buFont typeface="Arial" panose="020B0604020202020204" pitchFamily="34" charset="0"/>
+              <a:buChar char="•"/>
+              <a:defRPr sz="1200" kern="1200">
+                <a:solidFill>
+                  <a:schemeClr val="tx1"/>
+                </a:solidFill>
+                <a:latin typeface="+mn-lt"/>
+                <a:ea typeface="+mn-ea"/>
+                <a:cs typeface="+mn-cs"/>
+              </a:defRPr>
+            </a:lvl2pPr>
+            <a:lvl3pPr marL="1143000" indent="-228600" algn="l" defTabSz="914400" rtl="0" eaLnBrk="1" latinLnBrk="0" hangingPunct="1">
+              <a:lnSpc>
+                <a:spcPct val="90000"/>
+              </a:lnSpc>
+              <a:spcBef>
+                <a:spcPts val="500"/>
+              </a:spcBef>
+              <a:buFont typeface="Arial" panose="020B0604020202020204" pitchFamily="34" charset="0"/>
+              <a:buChar char="•"/>
+              <a:defRPr sz="1200" kern="1200">
+                <a:solidFill>
+                  <a:schemeClr val="tx1"/>
+                </a:solidFill>
+                <a:latin typeface="+mn-lt"/>
+                <a:ea typeface="+mn-ea"/>
+                <a:cs typeface="+mn-cs"/>
+              </a:defRPr>
+            </a:lvl3pPr>
+            <a:lvl4pPr marL="1600200" indent="-228600" algn="l" defTabSz="914400" rtl="0" eaLnBrk="1" latinLnBrk="0" hangingPunct="1">
+              <a:lnSpc>
+                <a:spcPct val="90000"/>
+              </a:lnSpc>
+              <a:spcBef>
+                <a:spcPts val="500"/>
+              </a:spcBef>
+              <a:buFont typeface="Arial" panose="020B0604020202020204" pitchFamily="34" charset="0"/>
+              <a:buChar char="•"/>
+              <a:defRPr sz="1200" kern="1200">
+                <a:solidFill>
+                  <a:schemeClr val="tx1"/>
+                </a:solidFill>
+                <a:latin typeface="+mn-lt"/>
+                <a:ea typeface="+mn-ea"/>
+                <a:cs typeface="+mn-cs"/>
+              </a:defRPr>
+            </a:lvl4pPr>
+            <a:lvl5pPr marL="2057400" indent="-228600" algn="l" defTabSz="914400" rtl="0" eaLnBrk="1" latinLnBrk="0" hangingPunct="1">
+              <a:lnSpc>
+                <a:spcPct val="90000"/>
+              </a:lnSpc>
+              <a:spcBef>
+                <a:spcPts val="500"/>
+              </a:spcBef>
+              <a:buFont typeface="Arial" panose="020B0604020202020204" pitchFamily="34" charset="0"/>
+              <a:buChar char="•"/>
+              <a:defRPr sz="1200" kern="1200">
+                <a:solidFill>
+                  <a:schemeClr val="tx1"/>
+                </a:solidFill>
+                <a:latin typeface="+mn-lt"/>
+                <a:ea typeface="+mn-ea"/>
+                <a:cs typeface="+mn-cs"/>
+              </a:defRPr>
+            </a:lvl5pPr>
+            <a:lvl6pPr marL="2514600" indent="-228600" algn="l" defTabSz="914400" rtl="0" eaLnBrk="1" latinLnBrk="0" hangingPunct="1">
+              <a:lnSpc>
+                <a:spcPct val="90000"/>
+              </a:lnSpc>
+              <a:spcBef>
+                <a:spcPts val="500"/>
+              </a:spcBef>
+              <a:buFont typeface="Arial" panose="020B0604020202020204" pitchFamily="34" charset="0"/>
+              <a:buChar char="•"/>
+              <a:defRPr sz="1800" kern="1200">
+                <a:solidFill>
+                  <a:schemeClr val="tx1"/>
+                </a:solidFill>
+                <a:latin typeface="+mn-lt"/>
+                <a:ea typeface="+mn-ea"/>
+                <a:cs typeface="+mn-cs"/>
+              </a:defRPr>
+            </a:lvl6pPr>
+            <a:lvl7pPr marL="2971800" indent="-228600" algn="l" defTabSz="914400" rtl="0" eaLnBrk="1" latinLnBrk="0" hangingPunct="1">
+              <a:lnSpc>
+                <a:spcPct val="90000"/>
+              </a:lnSpc>
+              <a:spcBef>
+                <a:spcPts val="500"/>
+              </a:spcBef>
+              <a:buFont typeface="Arial" panose="020B0604020202020204" pitchFamily="34" charset="0"/>
+              <a:buChar char="•"/>
+              <a:defRPr sz="1800" kern="1200">
+                <a:solidFill>
+                  <a:schemeClr val="tx1"/>
+                </a:solidFill>
+                <a:latin typeface="+mn-lt"/>
+                <a:ea typeface="+mn-ea"/>
+                <a:cs typeface="+mn-cs"/>
+              </a:defRPr>
+            </a:lvl7pPr>
+            <a:lvl8pPr marL="3429000" indent="-228600" algn="l" defTabSz="914400" rtl="0" eaLnBrk="1" latinLnBrk="0" hangingPunct="1">
+              <a:lnSpc>
+                <a:spcPct val="90000"/>
+              </a:lnSpc>
+              <a:spcBef>
+                <a:spcPts val="500"/>
+              </a:spcBef>
+              <a:buFont typeface="Arial" panose="020B0604020202020204" pitchFamily="34" charset="0"/>
+              <a:buChar char="•"/>
+              <a:defRPr sz="1800" kern="1200">
+                <a:solidFill>
+                  <a:schemeClr val="tx1"/>
+                </a:solidFill>
+                <a:latin typeface="+mn-lt"/>
+                <a:ea typeface="+mn-ea"/>
+                <a:cs typeface="+mn-cs"/>
+              </a:defRPr>
+            </a:lvl8pPr>
+            <a:lvl9pPr marL="3886200" indent="-228600" algn="l" defTabSz="914400" rtl="0" eaLnBrk="1" latinLnBrk="0" hangingPunct="1">
+              <a:lnSpc>
+                <a:spcPct val="90000"/>
+              </a:lnSpc>
+              <a:spcBef>
+                <a:spcPts val="500"/>
+              </a:spcBef>
+              <a:buFont typeface="Arial" panose="020B0604020202020204" pitchFamily="34" charset="0"/>
+              <a:buChar char="•"/>
+              <a:defRPr sz="1800" kern="1200">
+                <a:solidFill>
+                  <a:schemeClr val="tx1"/>
+                </a:solidFill>
+                <a:latin typeface="+mn-lt"/>
+                <a:ea typeface="+mn-ea"/>
+                <a:cs typeface="+mn-cs"/>
+              </a:defRPr>
+            </a:lvl9pPr>
+          </a:lstStyle>
+          <a:p>
+            <a:r>
+              <a:rPr lang="en-US" dirty="0" err="1"/>
+              <a:t>config_db</a:t>
+            </a:r>
+            <a:r>
+              <a:rPr lang="en-US" dirty="0"/>
+              <a:t>#(real)</a:t>
+            </a:r>
+          </a:p>
+        </p:txBody>
+      </p:sp>
+      <p:sp>
+        <p:nvSpPr>
+          <p:cNvPr id="43" name="Content Placeholder 2">
+            <a:extLst>
+              <a:ext uri="{FF2B5EF4-FFF2-40B4-BE49-F238E27FC236}">
+                <a16:creationId xmlns:a16="http://schemas.microsoft.com/office/drawing/2014/main" id="{81A2A34C-C250-5B01-C310-7527927D00B6}"/>
+              </a:ext>
+            </a:extLst>
+          </p:cNvPr>
+          <p:cNvSpPr txBox="1">
+            <a:spLocks/>
+          </p:cNvSpPr>
+          <p:nvPr/>
+        </p:nvSpPr>
+        <p:spPr>
+          <a:xfrm>
+            <a:off x="4115631" y="777587"/>
+            <a:ext cx="2199649" cy="974320"/>
+          </a:xfrm>
+          <a:prstGeom prst="rect">
+            <a:avLst/>
+          </a:prstGeom>
+        </p:spPr>
+        <p:txBody>
+          <a:bodyPr vert="horz" lIns="91440" tIns="45720" rIns="91440" bIns="45720" rtlCol="0">
+            <a:normAutofit/>
+          </a:bodyPr>
+          <a:lstStyle>
+            <a:lvl1pPr marL="228600" indent="-228600" algn="l" defTabSz="914400" rtl="0" eaLnBrk="1" latinLnBrk="0" hangingPunct="1">
+              <a:lnSpc>
+                <a:spcPct val="90000"/>
+              </a:lnSpc>
+              <a:spcBef>
+                <a:spcPts val="1000"/>
+              </a:spcBef>
+              <a:buFont typeface="Arial" panose="020B0604020202020204" pitchFamily="34" charset="0"/>
+              <a:buChar char="•"/>
+              <a:defRPr sz="1400" kern="1200">
+                <a:solidFill>
+                  <a:schemeClr val="tx1"/>
+                </a:solidFill>
+                <a:latin typeface="+mn-lt"/>
+                <a:ea typeface="+mn-ea"/>
+                <a:cs typeface="+mn-cs"/>
+              </a:defRPr>
+            </a:lvl1pPr>
+            <a:lvl2pPr marL="685800" indent="-228600" algn="l" defTabSz="914400" rtl="0" eaLnBrk="1" latinLnBrk="0" hangingPunct="1">
+              <a:lnSpc>
+                <a:spcPct val="90000"/>
+              </a:lnSpc>
+              <a:spcBef>
+                <a:spcPts val="500"/>
+              </a:spcBef>
+              <a:buFont typeface="Arial" panose="020B0604020202020204" pitchFamily="34" charset="0"/>
+              <a:buChar char="•"/>
+              <a:defRPr sz="1200" kern="1200">
+                <a:solidFill>
+                  <a:schemeClr val="tx1"/>
+                </a:solidFill>
+                <a:latin typeface="+mn-lt"/>
+                <a:ea typeface="+mn-ea"/>
+                <a:cs typeface="+mn-cs"/>
+              </a:defRPr>
+            </a:lvl2pPr>
+            <a:lvl3pPr marL="1143000" indent="-228600" algn="l" defTabSz="914400" rtl="0" eaLnBrk="1" latinLnBrk="0" hangingPunct="1">
+              <a:lnSpc>
+                <a:spcPct val="90000"/>
+              </a:lnSpc>
+              <a:spcBef>
+                <a:spcPts val="500"/>
+              </a:spcBef>
+              <a:buFont typeface="Arial" panose="020B0604020202020204" pitchFamily="34" charset="0"/>
+              <a:buChar char="•"/>
+              <a:defRPr sz="1200" kern="1200">
+                <a:solidFill>
+                  <a:schemeClr val="tx1"/>
+                </a:solidFill>
+                <a:latin typeface="+mn-lt"/>
+                <a:ea typeface="+mn-ea"/>
+                <a:cs typeface="+mn-cs"/>
+              </a:defRPr>
+            </a:lvl3pPr>
+            <a:lvl4pPr marL="1600200" indent="-228600" algn="l" defTabSz="914400" rtl="0" eaLnBrk="1" latinLnBrk="0" hangingPunct="1">
+              <a:lnSpc>
+                <a:spcPct val="90000"/>
+              </a:lnSpc>
+              <a:spcBef>
+                <a:spcPts val="500"/>
+              </a:spcBef>
+              <a:buFont typeface="Arial" panose="020B0604020202020204" pitchFamily="34" charset="0"/>
+              <a:buChar char="•"/>
+              <a:defRPr sz="1200" kern="1200">
+                <a:solidFill>
+                  <a:schemeClr val="tx1"/>
+                </a:solidFill>
+                <a:latin typeface="+mn-lt"/>
+                <a:ea typeface="+mn-ea"/>
+                <a:cs typeface="+mn-cs"/>
+              </a:defRPr>
+            </a:lvl4pPr>
+            <a:lvl5pPr marL="2057400" indent="-228600" algn="l" defTabSz="914400" rtl="0" eaLnBrk="1" latinLnBrk="0" hangingPunct="1">
+              <a:lnSpc>
+                <a:spcPct val="90000"/>
+              </a:lnSpc>
+              <a:spcBef>
+                <a:spcPts val="500"/>
+              </a:spcBef>
+              <a:buFont typeface="Arial" panose="020B0604020202020204" pitchFamily="34" charset="0"/>
+              <a:buChar char="•"/>
+              <a:defRPr sz="1200" kern="1200">
+                <a:solidFill>
+                  <a:schemeClr val="tx1"/>
+                </a:solidFill>
+                <a:latin typeface="+mn-lt"/>
+                <a:ea typeface="+mn-ea"/>
+                <a:cs typeface="+mn-cs"/>
+              </a:defRPr>
+            </a:lvl5pPr>
+            <a:lvl6pPr marL="2514600" indent="-228600" algn="l" defTabSz="914400" rtl="0" eaLnBrk="1" latinLnBrk="0" hangingPunct="1">
+              <a:lnSpc>
+                <a:spcPct val="90000"/>
+              </a:lnSpc>
+              <a:spcBef>
+                <a:spcPts val="500"/>
+              </a:spcBef>
+              <a:buFont typeface="Arial" panose="020B0604020202020204" pitchFamily="34" charset="0"/>
+              <a:buChar char="•"/>
+              <a:defRPr sz="1800" kern="1200">
+                <a:solidFill>
+                  <a:schemeClr val="tx1"/>
+                </a:solidFill>
+                <a:latin typeface="+mn-lt"/>
+                <a:ea typeface="+mn-ea"/>
+                <a:cs typeface="+mn-cs"/>
+              </a:defRPr>
+            </a:lvl6pPr>
+            <a:lvl7pPr marL="2971800" indent="-228600" algn="l" defTabSz="914400" rtl="0" eaLnBrk="1" latinLnBrk="0" hangingPunct="1">
+              <a:lnSpc>
+                <a:spcPct val="90000"/>
+              </a:lnSpc>
+              <a:spcBef>
+                <a:spcPts val="500"/>
+              </a:spcBef>
+              <a:buFont typeface="Arial" panose="020B0604020202020204" pitchFamily="34" charset="0"/>
+              <a:buChar char="•"/>
+              <a:defRPr sz="1800" kern="1200">
+                <a:solidFill>
+                  <a:schemeClr val="tx1"/>
+                </a:solidFill>
+                <a:latin typeface="+mn-lt"/>
+                <a:ea typeface="+mn-ea"/>
+                <a:cs typeface="+mn-cs"/>
+              </a:defRPr>
+            </a:lvl7pPr>
+            <a:lvl8pPr marL="3429000" indent="-228600" algn="l" defTabSz="914400" rtl="0" eaLnBrk="1" latinLnBrk="0" hangingPunct="1">
+              <a:lnSpc>
+                <a:spcPct val="90000"/>
+              </a:lnSpc>
+              <a:spcBef>
+                <a:spcPts val="500"/>
+              </a:spcBef>
+              <a:buFont typeface="Arial" panose="020B0604020202020204" pitchFamily="34" charset="0"/>
+              <a:buChar char="•"/>
+              <a:defRPr sz="1800" kern="1200">
+                <a:solidFill>
+                  <a:schemeClr val="tx1"/>
+                </a:solidFill>
+                <a:latin typeface="+mn-lt"/>
+                <a:ea typeface="+mn-ea"/>
+                <a:cs typeface="+mn-cs"/>
+              </a:defRPr>
+            </a:lvl8pPr>
+            <a:lvl9pPr marL="3886200" indent="-228600" algn="l" defTabSz="914400" rtl="0" eaLnBrk="1" latinLnBrk="0" hangingPunct="1">
+              <a:lnSpc>
+                <a:spcPct val="90000"/>
+              </a:lnSpc>
+              <a:spcBef>
+                <a:spcPts val="500"/>
+              </a:spcBef>
+              <a:buFont typeface="Arial" panose="020B0604020202020204" pitchFamily="34" charset="0"/>
+              <a:buChar char="•"/>
+              <a:defRPr sz="1800" kern="1200">
+                <a:solidFill>
+                  <a:schemeClr val="tx1"/>
+                </a:solidFill>
+                <a:latin typeface="+mn-lt"/>
+                <a:ea typeface="+mn-ea"/>
+                <a:cs typeface="+mn-cs"/>
+              </a:defRPr>
+            </a:lvl9pPr>
+          </a:lstStyle>
+          <a:p>
+            <a:r>
+              <a:rPr lang="en-US" dirty="0" err="1"/>
+              <a:t>config_db</a:t>
+            </a:r>
+            <a:r>
+              <a:rPr lang="en-US" dirty="0"/>
+              <a:t>#(Tiny)</a:t>
+            </a:r>
+          </a:p>
+        </p:txBody>
+      </p:sp>
+    </p:spTree>
+    <p:extLst>
+      <p:ext uri="{BB962C8B-B14F-4D97-AF65-F5344CB8AC3E}">
+        <p14:creationId xmlns:p14="http://schemas.microsoft.com/office/powerpoint/2010/main" val="1687566365"/>
+      </p:ext>
+    </p:extLst>
+  </p:cSld>
+  <p:clrMapOvr>
+    <a:masterClrMapping/>
+  </p:clrMapOvr>
+</p:sld>
+</file>
+
+<file path=ppt/slides/slide20.xml><?xml version="1.0" encoding="utf-8"?>
+<p:sld xmlns:a="http://schemas.openxmlformats.org/drawingml/2006/main" xmlns:r="http://schemas.openxmlformats.org/officeDocument/2006/relationships" xmlns:p="http://schemas.openxmlformats.org/presentationml/2006/main">
+  <p:cSld>
+    <p:spTree>
+      <p:nvGrpSpPr>
+        <p:cNvPr id="1" name=""/>
+        <p:cNvGrpSpPr/>
+        <p:nvPr/>
+      </p:nvGrpSpPr>
+      <p:grpSpPr>
+        <a:xfrm>
+          <a:off x="0" y="0"/>
+          <a:ext cx="0" cy="0"/>
+          <a:chOff x="0" y="0"/>
+          <a:chExt cx="0" cy="0"/>
+        </a:xfrm>
+      </p:grpSpPr>
+      <p:sp>
+        <p:nvSpPr>
+          <p:cNvPr id="2" name="Title 1">
+            <a:extLst>
+              <a:ext uri="{FF2B5EF4-FFF2-40B4-BE49-F238E27FC236}">
+                <a16:creationId xmlns:a16="http://schemas.microsoft.com/office/drawing/2014/main" id="{63B19FFD-555C-673A-82D5-1766F95D704A}"/>
+              </a:ext>
+            </a:extLst>
+          </p:cNvPr>
+          <p:cNvSpPr>
+            <a:spLocks noGrp="1"/>
+          </p:cNvSpPr>
+          <p:nvPr>
+            <p:ph type="title"/>
+          </p:nvPr>
+        </p:nvSpPr>
+        <p:spPr/>
+        <p:txBody>
+          <a:bodyPr/>
+          <a:lstStyle/>
+          <a:p>
+            <a:r>
+              <a:rPr lang="en-US" dirty="0"/>
+              <a:t>lab31</a:t>
+            </a:r>
+          </a:p>
+        </p:txBody>
+      </p:sp>
+      <p:sp>
+        <p:nvSpPr>
+          <p:cNvPr id="4" name="Slide Number Placeholder 3">
+            <a:extLst>
+              <a:ext uri="{FF2B5EF4-FFF2-40B4-BE49-F238E27FC236}">
+                <a16:creationId xmlns:a16="http://schemas.microsoft.com/office/drawing/2014/main" id="{C80EE293-8908-07B8-DC7E-60356F1A1147}"/>
+              </a:ext>
+            </a:extLst>
+          </p:cNvPr>
+          <p:cNvSpPr>
+            <a:spLocks noGrp="1"/>
+          </p:cNvSpPr>
+          <p:nvPr>
+            <p:ph type="sldNum" sz="quarter" idx="12"/>
+          </p:nvPr>
+        </p:nvSpPr>
+        <p:spPr/>
+        <p:txBody>
+          <a:bodyPr/>
+          <a:lstStyle/>
+          <a:p>
+            <a:fld id="{8A2B06E4-34D2-4DD4-ABFF-9F74AC2B18B5}" type="slidenum">
+              <a:rPr lang="en-US" smtClean="0"/>
+              <a:t>20</a:t>
             </a:fld>
             <a:endParaRPr lang="en-US" dirty="0"/>
           </a:p>
@@ -14169,7 +16083,7 @@
 </p:sld>
 </file>
 
-<file path=ppt/slides/slide2.xml><?xml version="1.0" encoding="utf-8"?>
+<file path=ppt/slides/slide21.xml><?xml version="1.0" encoding="utf-8"?>
 <p:sld xmlns:a="http://schemas.openxmlformats.org/drawingml/2006/main" xmlns:r="http://schemas.openxmlformats.org/officeDocument/2006/relationships" xmlns:p="http://schemas.openxmlformats.org/presentationml/2006/main">
   <p:cSld>
     <p:spTree>
@@ -14191,7 +16105,7 @@
           <p:cNvPr id="2" name="Title 1">
             <a:extLst>
               <a:ext uri="{FF2B5EF4-FFF2-40B4-BE49-F238E27FC236}">
-                <a16:creationId xmlns:a16="http://schemas.microsoft.com/office/drawing/2014/main" id="{1289579A-CEBF-C138-F0B5-0A7EE6580E03}"/>
+                <a16:creationId xmlns:a16="http://schemas.microsoft.com/office/drawing/2014/main" id="{63B19FFD-555C-673A-82D5-1766F95D704A}"/>
               </a:ext>
             </a:extLst>
           </p:cNvPr>
@@ -14208,9 +16122,18 @@
           <a:lstStyle/>
           <a:p>
             <a:r>
-              <a:rPr lang="en-US" dirty="0"/>
-              <a:t>lab42</a:t>
-            </a:r>
+              <a:rPr lang="en-US" altLang="zh-TW" dirty="0"/>
+              <a:t>20240509</a:t>
+            </a:r>
+            <a:r>
+              <a:rPr lang="zh-TW" altLang="en-US" dirty="0"/>
+              <a:t> </a:t>
+            </a:r>
+            <a:r>
+              <a:rPr lang="en-US" altLang="zh-TW" dirty="0"/>
+              <a:t>below</a:t>
+            </a:r>
+            <a:endParaRPr lang="en-US" dirty="0"/>
           </a:p>
         </p:txBody>
       </p:sp>
@@ -14219,7 +16142,7 @@
           <p:cNvPr id="3" name="Content Placeholder 2">
             <a:extLst>
               <a:ext uri="{FF2B5EF4-FFF2-40B4-BE49-F238E27FC236}">
-                <a16:creationId xmlns:a16="http://schemas.microsoft.com/office/drawing/2014/main" id="{777760B2-66C3-FF25-3450-3FD04689205D}"/>
+                <a16:creationId xmlns:a16="http://schemas.microsoft.com/office/drawing/2014/main" id="{130DB93F-F47C-DCC6-06F8-F6FC5C92DD64}"/>
               </a:ext>
             </a:extLst>
           </p:cNvPr>
@@ -14235,7 +16158,7 @@
           <a:bodyPr/>
           <a:lstStyle/>
           <a:p>
-            <a:endParaRPr lang="en-US"/>
+            <a:endParaRPr lang="en-US" dirty="0"/>
           </a:p>
         </p:txBody>
       </p:sp>
@@ -14244,7 +16167,7 @@
           <p:cNvPr id="4" name="Slide Number Placeholder 3">
             <a:extLst>
               <a:ext uri="{FF2B5EF4-FFF2-40B4-BE49-F238E27FC236}">
-                <a16:creationId xmlns:a16="http://schemas.microsoft.com/office/drawing/2014/main" id="{210541DA-4368-4E0E-B5DB-059D15F02063}"/>
+                <a16:creationId xmlns:a16="http://schemas.microsoft.com/office/drawing/2014/main" id="{C80EE293-8908-07B8-DC7E-60356F1A1147}"/>
               </a:ext>
             </a:extLst>
           </p:cNvPr>
@@ -14262,128 +16185,7 @@
           <a:p>
             <a:fld id="{8A2B06E4-34D2-4DD4-ABFF-9F74AC2B18B5}" type="slidenum">
               <a:rPr lang="en-US" smtClean="0"/>
-              <a:t>2</a:t>
-            </a:fld>
-            <a:endParaRPr lang="en-US" dirty="0"/>
-          </a:p>
-        </p:txBody>
-      </p:sp>
-    </p:spTree>
-    <p:extLst>
-      <p:ext uri="{BB962C8B-B14F-4D97-AF65-F5344CB8AC3E}">
-        <p14:creationId xmlns:p14="http://schemas.microsoft.com/office/powerpoint/2010/main" val="3782035978"/>
-      </p:ext>
-    </p:extLst>
-  </p:cSld>
-  <p:clrMapOvr>
-    <a:masterClrMapping/>
-  </p:clrMapOvr>
-</p:sld>
-</file>
-
-<file path=ppt/slides/slide20.xml><?xml version="1.0" encoding="utf-8"?>
-<p:sld xmlns:a="http://schemas.openxmlformats.org/drawingml/2006/main" xmlns:r="http://schemas.openxmlformats.org/officeDocument/2006/relationships" xmlns:p="http://schemas.openxmlformats.org/presentationml/2006/main">
-  <p:cSld>
-    <p:spTree>
-      <p:nvGrpSpPr>
-        <p:cNvPr id="1" name=""/>
-        <p:cNvGrpSpPr/>
-        <p:nvPr/>
-      </p:nvGrpSpPr>
-      <p:grpSpPr>
-        <a:xfrm>
-          <a:off x="0" y="0"/>
-          <a:ext cx="0" cy="0"/>
-          <a:chOff x="0" y="0"/>
-          <a:chExt cx="0" cy="0"/>
-        </a:xfrm>
-      </p:grpSpPr>
-      <p:sp>
-        <p:nvSpPr>
-          <p:cNvPr id="2" name="Title 1">
-            <a:extLst>
-              <a:ext uri="{FF2B5EF4-FFF2-40B4-BE49-F238E27FC236}">
-                <a16:creationId xmlns:a16="http://schemas.microsoft.com/office/drawing/2014/main" id="{63B19FFD-555C-673A-82D5-1766F95D704A}"/>
-              </a:ext>
-            </a:extLst>
-          </p:cNvPr>
-          <p:cNvSpPr>
-            <a:spLocks noGrp="1"/>
-          </p:cNvSpPr>
-          <p:nvPr>
-            <p:ph type="title"/>
-          </p:nvPr>
-        </p:nvSpPr>
-        <p:spPr/>
-        <p:txBody>
-          <a:bodyPr/>
-          <a:lstStyle/>
-          <a:p>
-            <a:r>
-              <a:rPr lang="en-US" altLang="zh-TW" dirty="0"/>
-              <a:t>20240509</a:t>
-            </a:r>
-            <a:r>
-              <a:rPr lang="zh-TW" altLang="en-US" dirty="0"/>
-              <a:t> </a:t>
-            </a:r>
-            <a:r>
-              <a:rPr lang="en-US" altLang="zh-TW" dirty="0"/>
-              <a:t>below</a:t>
-            </a:r>
-            <a:endParaRPr lang="en-US" dirty="0"/>
-          </a:p>
-        </p:txBody>
-      </p:sp>
-      <p:sp>
-        <p:nvSpPr>
-          <p:cNvPr id="3" name="Content Placeholder 2">
-            <a:extLst>
-              <a:ext uri="{FF2B5EF4-FFF2-40B4-BE49-F238E27FC236}">
-                <a16:creationId xmlns:a16="http://schemas.microsoft.com/office/drawing/2014/main" id="{130DB93F-F47C-DCC6-06F8-F6FC5C92DD64}"/>
-              </a:ext>
-            </a:extLst>
-          </p:cNvPr>
-          <p:cNvSpPr>
-            <a:spLocks noGrp="1"/>
-          </p:cNvSpPr>
-          <p:nvPr>
-            <p:ph idx="1"/>
-          </p:nvPr>
-        </p:nvSpPr>
-        <p:spPr/>
-        <p:txBody>
-          <a:bodyPr/>
-          <a:lstStyle/>
-          <a:p>
-            <a:endParaRPr lang="en-US" dirty="0"/>
-          </a:p>
-        </p:txBody>
-      </p:sp>
-      <p:sp>
-        <p:nvSpPr>
-          <p:cNvPr id="4" name="Slide Number Placeholder 3">
-            <a:extLst>
-              <a:ext uri="{FF2B5EF4-FFF2-40B4-BE49-F238E27FC236}">
-                <a16:creationId xmlns:a16="http://schemas.microsoft.com/office/drawing/2014/main" id="{C80EE293-8908-07B8-DC7E-60356F1A1147}"/>
-              </a:ext>
-            </a:extLst>
-          </p:cNvPr>
-          <p:cNvSpPr>
-            <a:spLocks noGrp="1"/>
-          </p:cNvSpPr>
-          <p:nvPr>
-            <p:ph type="sldNum" sz="quarter" idx="12"/>
-          </p:nvPr>
-        </p:nvSpPr>
-        <p:spPr/>
-        <p:txBody>
-          <a:bodyPr/>
-          <a:lstStyle/>
-          <a:p>
-            <a:fld id="{8A2B06E4-34D2-4DD4-ABFF-9F74AC2B18B5}" type="slidenum">
-              <a:rPr lang="en-US" smtClean="0"/>
-              <a:t>20</a:t>
+              <a:t>21</a:t>
             </a:fld>
             <a:endParaRPr lang="en-US" dirty="0"/>
           </a:p>
@@ -14512,7 +16314,7 @@
 </p:sld>
 </file>
 
-<file path=ppt/slides/slide21.xml><?xml version="1.0" encoding="utf-8"?>
+<file path=ppt/slides/slide22.xml><?xml version="1.0" encoding="utf-8"?>
 <p:sld xmlns:a="http://schemas.openxmlformats.org/drawingml/2006/main" xmlns:r="http://schemas.openxmlformats.org/officeDocument/2006/relationships" xmlns:p="http://schemas.openxmlformats.org/presentationml/2006/main">
   <p:cSld>
     <p:spTree>
@@ -14584,7 +16386,7 @@
           <a:p>
             <a:fld id="{8A2B06E4-34D2-4DD4-ABFF-9F74AC2B18B5}" type="slidenum">
               <a:rPr lang="en-US" smtClean="0"/>
-              <a:t>21</a:t>
+              <a:t>22</a:t>
             </a:fld>
             <a:endParaRPr lang="en-US" dirty="0"/>
           </a:p>
@@ -15083,7 +16885,7 @@
 </p:sld>
 </file>
 
-<file path=ppt/slides/slide22.xml><?xml version="1.0" encoding="utf-8"?>
+<file path=ppt/slides/slide23.xml><?xml version="1.0" encoding="utf-8"?>
 <p:sld xmlns:a="http://schemas.openxmlformats.org/drawingml/2006/main" xmlns:r="http://schemas.openxmlformats.org/officeDocument/2006/relationships" xmlns:p="http://schemas.openxmlformats.org/presentationml/2006/main">
   <p:cSld>
     <p:spTree>
@@ -15180,7 +16982,7 @@
           <a:p>
             <a:fld id="{8A2B06E4-34D2-4DD4-ABFF-9F74AC2B18B5}" type="slidenum">
               <a:rPr lang="en-US" smtClean="0"/>
-              <a:t>22</a:t>
+              <a:t>23</a:t>
             </a:fld>
             <a:endParaRPr lang="en-US" dirty="0"/>
           </a:p>
@@ -15682,7 +17484,7 @@
 </p:sld>
 </file>
 
-<file path=ppt/slides/slide23.xml><?xml version="1.0" encoding="utf-8"?>
+<file path=ppt/slides/slide24.xml><?xml version="1.0" encoding="utf-8"?>
 <p:sld xmlns:a="http://schemas.openxmlformats.org/drawingml/2006/main" xmlns:r="http://schemas.openxmlformats.org/officeDocument/2006/relationships" xmlns:p="http://schemas.openxmlformats.org/presentationml/2006/main">
   <p:cSld>
     <p:spTree>
@@ -15776,7 +17578,7 @@
           <a:p>
             <a:fld id="{8A2B06E4-34D2-4DD4-ABFF-9F74AC2B18B5}" type="slidenum">
               <a:rPr lang="en-US" smtClean="0"/>
-              <a:t>23</a:t>
+              <a:t>24</a:t>
             </a:fld>
             <a:endParaRPr lang="en-US" dirty="0"/>
           </a:p>
@@ -16095,7 +17897,7 @@
 </p:sld>
 </file>
 
-<file path=ppt/slides/slide24.xml><?xml version="1.0" encoding="utf-8"?>
+<file path=ppt/slides/slide25.xml><?xml version="1.0" encoding="utf-8"?>
 <p:sld xmlns:a="http://schemas.openxmlformats.org/drawingml/2006/main" xmlns:r="http://schemas.openxmlformats.org/officeDocument/2006/relationships" xmlns:p="http://schemas.openxmlformats.org/presentationml/2006/main">
   <p:cSld>
     <p:spTree>
@@ -16192,7 +17994,7 @@
           <a:p>
             <a:fld id="{8A2B06E4-34D2-4DD4-ABFF-9F74AC2B18B5}" type="slidenum">
               <a:rPr lang="en-US" smtClean="0"/>
-              <a:t>24</a:t>
+              <a:t>25</a:t>
             </a:fld>
             <a:endParaRPr lang="en-US" dirty="0"/>
           </a:p>
@@ -16416,7 +18218,7 @@
 </p:sld>
 </file>
 
-<file path=ppt/slides/slide25.xml><?xml version="1.0" encoding="utf-8"?>
+<file path=ppt/slides/slide26.xml><?xml version="1.0" encoding="utf-8"?>
 <p:sld xmlns:a="http://schemas.openxmlformats.org/drawingml/2006/main" xmlns:r="http://schemas.openxmlformats.org/officeDocument/2006/relationships" xmlns:p="http://schemas.openxmlformats.org/presentationml/2006/main">
   <p:cSld>
     <p:spTree>
@@ -16488,7 +18290,7 @@
           <a:p>
             <a:fld id="{8A2B06E4-34D2-4DD4-ABFF-9F74AC2B18B5}" type="slidenum">
               <a:rPr lang="en-US" smtClean="0"/>
-              <a:t>25</a:t>
+              <a:t>26</a:t>
             </a:fld>
             <a:endParaRPr lang="en-US" dirty="0"/>
           </a:p>
@@ -17072,7 +18874,7 @@
 </p:sld>
 </file>
 
-<file path=ppt/slides/slide26.xml><?xml version="1.0" encoding="utf-8"?>
+<file path=ppt/slides/slide27.xml><?xml version="1.0" encoding="utf-8"?>
 <p:sld xmlns:a="http://schemas.openxmlformats.org/drawingml/2006/main" xmlns:r="http://schemas.openxmlformats.org/officeDocument/2006/relationships" xmlns:p="http://schemas.openxmlformats.org/presentationml/2006/main">
   <p:cSld>
     <p:spTree>
@@ -17144,7 +18946,7 @@
           <a:p>
             <a:fld id="{8A2B06E4-34D2-4DD4-ABFF-9F74AC2B18B5}" type="slidenum">
               <a:rPr lang="en-US" smtClean="0"/>
-              <a:t>26</a:t>
+              <a:t>27</a:t>
             </a:fld>
             <a:endParaRPr lang="en-US" dirty="0"/>
           </a:p>
@@ -17568,7 +19370,7 @@
 </p:sld>
 </file>
 
-<file path=ppt/slides/slide27.xml><?xml version="1.0" encoding="utf-8"?>
+<file path=ppt/slides/slide28.xml><?xml version="1.0" encoding="utf-8"?>
 <p:sld xmlns:a="http://schemas.openxmlformats.org/drawingml/2006/main" xmlns:r="http://schemas.openxmlformats.org/officeDocument/2006/relationships" xmlns:p="http://schemas.openxmlformats.org/presentationml/2006/main">
   <p:cSld>
     <p:spTree>
@@ -17640,7 +19442,7 @@
           <a:p>
             <a:fld id="{8A2B06E4-34D2-4DD4-ABFF-9F74AC2B18B5}" type="slidenum">
               <a:rPr lang="en-US" smtClean="0"/>
-              <a:t>27</a:t>
+              <a:t>28</a:t>
             </a:fld>
             <a:endParaRPr lang="en-US" dirty="0"/>
           </a:p>
@@ -18779,7 +20581,7 @@
 </p:sld>
 </file>
 
-<file path=ppt/slides/slide28.xml><?xml version="1.0" encoding="utf-8"?>
+<file path=ppt/slides/slide29.xml><?xml version="1.0" encoding="utf-8"?>
 <p:sld xmlns:a="http://schemas.openxmlformats.org/drawingml/2006/main" xmlns:r="http://schemas.openxmlformats.org/officeDocument/2006/relationships" xmlns:p="http://schemas.openxmlformats.org/presentationml/2006/main">
   <p:cSld>
     <p:spTree>
@@ -18881,7 +20683,7 @@
           <a:p>
             <a:fld id="{8A2B06E4-34D2-4DD4-ABFF-9F74AC2B18B5}" type="slidenum">
               <a:rPr lang="en-US" smtClean="0"/>
-              <a:t>28</a:t>
+              <a:t>29</a:t>
             </a:fld>
             <a:endParaRPr lang="en-US" dirty="0"/>
           </a:p>
@@ -18960,7 +20762,7 @@
 </p:sld>
 </file>
 
-<file path=ppt/slides/slide29.xml><?xml version="1.0" encoding="utf-8"?>
+<file path=ppt/slides/slide3.xml><?xml version="1.0" encoding="utf-8"?>
 <p:sld xmlns:a="http://schemas.openxmlformats.org/drawingml/2006/main" xmlns:r="http://schemas.openxmlformats.org/officeDocument/2006/relationships" xmlns:p="http://schemas.openxmlformats.org/presentationml/2006/main">
   <p:cSld>
     <p:spTree>
@@ -18982,7 +20784,7 @@
           <p:cNvPr id="2" name="Title 1">
             <a:extLst>
               <a:ext uri="{FF2B5EF4-FFF2-40B4-BE49-F238E27FC236}">
-                <a16:creationId xmlns:a16="http://schemas.microsoft.com/office/drawing/2014/main" id="{B0ACDDE9-14E8-4FC2-512C-6429588613AC}"/>
+                <a16:creationId xmlns:a16="http://schemas.microsoft.com/office/drawing/2014/main" id="{1289579A-CEBF-C138-F0B5-0A7EE6580E03}"/>
               </a:ext>
             </a:extLst>
           </p:cNvPr>
@@ -18999,12 +20801,8 @@
           <a:lstStyle/>
           <a:p>
             <a:r>
-              <a:rPr lang="en-US" dirty="0" err="1"/>
-              <a:t>sva</a:t>
-            </a:r>
-            <a:r>
               <a:rPr lang="en-US" dirty="0"/>
-              <a:t> introduction</a:t>
+              <a:t>lab42</a:t>
             </a:r>
           </a:p>
         </p:txBody>
@@ -19014,7 +20812,7 @@
           <p:cNvPr id="3" name="Content Placeholder 2">
             <a:extLst>
               <a:ext uri="{FF2B5EF4-FFF2-40B4-BE49-F238E27FC236}">
-                <a16:creationId xmlns:a16="http://schemas.microsoft.com/office/drawing/2014/main" id="{C2EC6D9B-9CBC-FC98-8514-E2137510FE78}"/>
+                <a16:creationId xmlns:a16="http://schemas.microsoft.com/office/drawing/2014/main" id="{777760B2-66C3-FF25-3450-3FD04689205D}"/>
               </a:ext>
             </a:extLst>
           </p:cNvPr>
@@ -19030,7 +20828,7 @@
           <a:bodyPr/>
           <a:lstStyle/>
           <a:p>
-            <a:endParaRPr lang="en-US" dirty="0"/>
+            <a:endParaRPr lang="en-US"/>
           </a:p>
         </p:txBody>
       </p:sp>
@@ -19039,7 +20837,7 @@
           <p:cNvPr id="4" name="Slide Number Placeholder 3">
             <a:extLst>
               <a:ext uri="{FF2B5EF4-FFF2-40B4-BE49-F238E27FC236}">
-                <a16:creationId xmlns:a16="http://schemas.microsoft.com/office/drawing/2014/main" id="{7DD44BDC-6127-E796-C787-2F6EF654F887}"/>
+                <a16:creationId xmlns:a16="http://schemas.microsoft.com/office/drawing/2014/main" id="{210541DA-4368-4E0E-B5DB-059D15F02063}"/>
               </a:ext>
             </a:extLst>
           </p:cNvPr>
@@ -19057,7 +20855,123 @@
           <a:p>
             <a:fld id="{8A2B06E4-34D2-4DD4-ABFF-9F74AC2B18B5}" type="slidenum">
               <a:rPr lang="en-US" smtClean="0"/>
-              <a:t>29</a:t>
+              <a:t>3</a:t>
+            </a:fld>
+            <a:endParaRPr lang="en-US" dirty="0"/>
+          </a:p>
+        </p:txBody>
+      </p:sp>
+    </p:spTree>
+    <p:extLst>
+      <p:ext uri="{BB962C8B-B14F-4D97-AF65-F5344CB8AC3E}">
+        <p14:creationId xmlns:p14="http://schemas.microsoft.com/office/powerpoint/2010/main" val="3782035978"/>
+      </p:ext>
+    </p:extLst>
+  </p:cSld>
+  <p:clrMapOvr>
+    <a:masterClrMapping/>
+  </p:clrMapOvr>
+</p:sld>
+</file>
+
+<file path=ppt/slides/slide30.xml><?xml version="1.0" encoding="utf-8"?>
+<p:sld xmlns:a="http://schemas.openxmlformats.org/drawingml/2006/main" xmlns:r="http://schemas.openxmlformats.org/officeDocument/2006/relationships" xmlns:p="http://schemas.openxmlformats.org/presentationml/2006/main">
+  <p:cSld>
+    <p:spTree>
+      <p:nvGrpSpPr>
+        <p:cNvPr id="1" name=""/>
+        <p:cNvGrpSpPr/>
+        <p:nvPr/>
+      </p:nvGrpSpPr>
+      <p:grpSpPr>
+        <a:xfrm>
+          <a:off x="0" y="0"/>
+          <a:ext cx="0" cy="0"/>
+          <a:chOff x="0" y="0"/>
+          <a:chExt cx="0" cy="0"/>
+        </a:xfrm>
+      </p:grpSpPr>
+      <p:sp>
+        <p:nvSpPr>
+          <p:cNvPr id="2" name="Title 1">
+            <a:extLst>
+              <a:ext uri="{FF2B5EF4-FFF2-40B4-BE49-F238E27FC236}">
+                <a16:creationId xmlns:a16="http://schemas.microsoft.com/office/drawing/2014/main" id="{B0ACDDE9-14E8-4FC2-512C-6429588613AC}"/>
+              </a:ext>
+            </a:extLst>
+          </p:cNvPr>
+          <p:cNvSpPr>
+            <a:spLocks noGrp="1"/>
+          </p:cNvSpPr>
+          <p:nvPr>
+            <p:ph type="title"/>
+          </p:nvPr>
+        </p:nvSpPr>
+        <p:spPr/>
+        <p:txBody>
+          <a:bodyPr/>
+          <a:lstStyle/>
+          <a:p>
+            <a:r>
+              <a:rPr lang="en-US" dirty="0" err="1"/>
+              <a:t>sva</a:t>
+            </a:r>
+            <a:r>
+              <a:rPr lang="en-US" dirty="0"/>
+              <a:t> introduction</a:t>
+            </a:r>
+          </a:p>
+        </p:txBody>
+      </p:sp>
+      <p:sp>
+        <p:nvSpPr>
+          <p:cNvPr id="3" name="Content Placeholder 2">
+            <a:extLst>
+              <a:ext uri="{FF2B5EF4-FFF2-40B4-BE49-F238E27FC236}">
+                <a16:creationId xmlns:a16="http://schemas.microsoft.com/office/drawing/2014/main" id="{C2EC6D9B-9CBC-FC98-8514-E2137510FE78}"/>
+              </a:ext>
+            </a:extLst>
+          </p:cNvPr>
+          <p:cNvSpPr>
+            <a:spLocks noGrp="1"/>
+          </p:cNvSpPr>
+          <p:nvPr>
+            <p:ph idx="1"/>
+          </p:nvPr>
+        </p:nvSpPr>
+        <p:spPr/>
+        <p:txBody>
+          <a:bodyPr/>
+          <a:lstStyle/>
+          <a:p>
+            <a:endParaRPr lang="en-US" dirty="0"/>
+          </a:p>
+        </p:txBody>
+      </p:sp>
+      <p:sp>
+        <p:nvSpPr>
+          <p:cNvPr id="4" name="Slide Number Placeholder 3">
+            <a:extLst>
+              <a:ext uri="{FF2B5EF4-FFF2-40B4-BE49-F238E27FC236}">
+                <a16:creationId xmlns:a16="http://schemas.microsoft.com/office/drawing/2014/main" id="{7DD44BDC-6127-E796-C787-2F6EF654F887}"/>
+              </a:ext>
+            </a:extLst>
+          </p:cNvPr>
+          <p:cNvSpPr>
+            <a:spLocks noGrp="1"/>
+          </p:cNvSpPr>
+          <p:nvPr>
+            <p:ph type="sldNum" sz="quarter" idx="12"/>
+          </p:nvPr>
+        </p:nvSpPr>
+        <p:spPr/>
+        <p:txBody>
+          <a:bodyPr/>
+          <a:lstStyle/>
+          <a:p>
+            <a:fld id="{8A2B06E4-34D2-4DD4-ABFF-9F74AC2B18B5}" type="slidenum">
+              <a:rPr lang="en-US" smtClean="0"/>
+              <a:t>30</a:t>
             </a:fld>
             <a:endParaRPr lang="en-US" dirty="0"/>
           </a:p>
@@ -19106,7 +21020,7 @@
 </p:sld>
 </file>
 
-<file path=ppt/slides/slide3.xml><?xml version="1.0" encoding="utf-8"?>
+<file path=ppt/slides/slide31.xml><?xml version="1.0" encoding="utf-8"?>
 <p:sld xmlns:a="http://schemas.openxmlformats.org/drawingml/2006/main" xmlns:r="http://schemas.openxmlformats.org/officeDocument/2006/relationships" xmlns:p="http://schemas.openxmlformats.org/presentationml/2006/main">
   <p:cSld>
     <p:spTree>
@@ -19128,7 +21042,7 @@
           <p:cNvPr id="2" name="Title 1">
             <a:extLst>
               <a:ext uri="{FF2B5EF4-FFF2-40B4-BE49-F238E27FC236}">
-                <a16:creationId xmlns:a16="http://schemas.microsoft.com/office/drawing/2014/main" id="{1289579A-CEBF-C138-F0B5-0A7EE6580E03}"/>
+                <a16:creationId xmlns:a16="http://schemas.microsoft.com/office/drawing/2014/main" id="{B0ACDDE9-14E8-4FC2-512C-6429588613AC}"/>
               </a:ext>
             </a:extLst>
           </p:cNvPr>
@@ -19145,34 +21059,13 @@
           <a:lstStyle/>
           <a:p>
             <a:r>
+              <a:rPr lang="en-US" dirty="0" err="1"/>
+              <a:t>sva</a:t>
+            </a:r>
+            <a:r>
               <a:rPr lang="en-US" dirty="0"/>
-              <a:t>lab41</a:t>
-            </a:r>
-          </a:p>
-        </p:txBody>
-      </p:sp>
-      <p:sp>
-        <p:nvSpPr>
-          <p:cNvPr id="3" name="Content Placeholder 2">
-            <a:extLst>
-              <a:ext uri="{FF2B5EF4-FFF2-40B4-BE49-F238E27FC236}">
-                <a16:creationId xmlns:a16="http://schemas.microsoft.com/office/drawing/2014/main" id="{777760B2-66C3-FF25-3450-3FD04689205D}"/>
-              </a:ext>
-            </a:extLst>
-          </p:cNvPr>
-          <p:cNvSpPr>
-            <a:spLocks noGrp="1"/>
-          </p:cNvSpPr>
-          <p:nvPr>
-            <p:ph idx="1"/>
-          </p:nvPr>
-        </p:nvSpPr>
-        <p:spPr/>
-        <p:txBody>
-          <a:bodyPr/>
-          <a:lstStyle/>
-          <a:p>
-            <a:endParaRPr lang="en-US"/>
+              <a:t> introduction</a:t>
+            </a:r>
           </a:p>
         </p:txBody>
       </p:sp>
@@ -19181,7 +21074,7 @@
           <p:cNvPr id="4" name="Slide Number Placeholder 3">
             <a:extLst>
               <a:ext uri="{FF2B5EF4-FFF2-40B4-BE49-F238E27FC236}">
-                <a16:creationId xmlns:a16="http://schemas.microsoft.com/office/drawing/2014/main" id="{210541DA-4368-4E0E-B5DB-059D15F02063}"/>
+                <a16:creationId xmlns:a16="http://schemas.microsoft.com/office/drawing/2014/main" id="{7DD44BDC-6127-E796-C787-2F6EF654F887}"/>
               </a:ext>
             </a:extLst>
           </p:cNvPr>
@@ -19199,98 +21092,7 @@
           <a:p>
             <a:fld id="{8A2B06E4-34D2-4DD4-ABFF-9F74AC2B18B5}" type="slidenum">
               <a:rPr lang="en-US" smtClean="0"/>
-              <a:t>3</a:t>
-            </a:fld>
-            <a:endParaRPr lang="en-US" dirty="0"/>
-          </a:p>
-        </p:txBody>
-      </p:sp>
-    </p:spTree>
-    <p:extLst>
-      <p:ext uri="{BB962C8B-B14F-4D97-AF65-F5344CB8AC3E}">
-        <p14:creationId xmlns:p14="http://schemas.microsoft.com/office/powerpoint/2010/main" val="2087570807"/>
-      </p:ext>
-    </p:extLst>
-  </p:cSld>
-  <p:clrMapOvr>
-    <a:masterClrMapping/>
-  </p:clrMapOvr>
-</p:sld>
-</file>
-
-<file path=ppt/slides/slide30.xml><?xml version="1.0" encoding="utf-8"?>
-<p:sld xmlns:a="http://schemas.openxmlformats.org/drawingml/2006/main" xmlns:r="http://schemas.openxmlformats.org/officeDocument/2006/relationships" xmlns:p="http://schemas.openxmlformats.org/presentationml/2006/main">
-  <p:cSld>
-    <p:spTree>
-      <p:nvGrpSpPr>
-        <p:cNvPr id="1" name=""/>
-        <p:cNvGrpSpPr/>
-        <p:nvPr/>
-      </p:nvGrpSpPr>
-      <p:grpSpPr>
-        <a:xfrm>
-          <a:off x="0" y="0"/>
-          <a:ext cx="0" cy="0"/>
-          <a:chOff x="0" y="0"/>
-          <a:chExt cx="0" cy="0"/>
-        </a:xfrm>
-      </p:grpSpPr>
-      <p:sp>
-        <p:nvSpPr>
-          <p:cNvPr id="2" name="Title 1">
-            <a:extLst>
-              <a:ext uri="{FF2B5EF4-FFF2-40B4-BE49-F238E27FC236}">
-                <a16:creationId xmlns:a16="http://schemas.microsoft.com/office/drawing/2014/main" id="{B0ACDDE9-14E8-4FC2-512C-6429588613AC}"/>
-              </a:ext>
-            </a:extLst>
-          </p:cNvPr>
-          <p:cNvSpPr>
-            <a:spLocks noGrp="1"/>
-          </p:cNvSpPr>
-          <p:nvPr>
-            <p:ph type="title"/>
-          </p:nvPr>
-        </p:nvSpPr>
-        <p:spPr/>
-        <p:txBody>
-          <a:bodyPr/>
-          <a:lstStyle/>
-          <a:p>
-            <a:r>
-              <a:rPr lang="en-US" dirty="0" err="1"/>
-              <a:t>sva</a:t>
-            </a:r>
-            <a:r>
-              <a:rPr lang="en-US" dirty="0"/>
-              <a:t> introduction</a:t>
-            </a:r>
-          </a:p>
-        </p:txBody>
-      </p:sp>
-      <p:sp>
-        <p:nvSpPr>
-          <p:cNvPr id="4" name="Slide Number Placeholder 3">
-            <a:extLst>
-              <a:ext uri="{FF2B5EF4-FFF2-40B4-BE49-F238E27FC236}">
-                <a16:creationId xmlns:a16="http://schemas.microsoft.com/office/drawing/2014/main" id="{7DD44BDC-6127-E796-C787-2F6EF654F887}"/>
-              </a:ext>
-            </a:extLst>
-          </p:cNvPr>
-          <p:cNvSpPr>
-            <a:spLocks noGrp="1"/>
-          </p:cNvSpPr>
-          <p:nvPr>
-            <p:ph type="sldNum" sz="quarter" idx="12"/>
-          </p:nvPr>
-        </p:nvSpPr>
-        <p:spPr/>
-        <p:txBody>
-          <a:bodyPr/>
-          <a:lstStyle/>
-          <a:p>
-            <a:fld id="{8A2B06E4-34D2-4DD4-ABFF-9F74AC2B18B5}" type="slidenum">
-              <a:rPr l